--- a/ppt/sort.pptx
+++ b/ppt/sort.pptx
@@ -104,6 +104,11 @@
       </a:defRPr>
     </a:lvl9pPr>
   </p:defaultTextStyle>
+  <p:extLst>
+    <p:ext uri="{EFAFB233-063F-42B5-8137-9DF3F51BA10A}">
+      <p15:sldGuideLst xmlns:p15="http://schemas.microsoft.com/office/powerpoint/2012/main"/>
+    </p:ext>
+  </p:extLst>
 </p:presentation>
 </file>
 
@@ -238,7 +243,7 @@
           <a:p>
             <a:fld id="{89368CE1-8ACD-4C62-B28F-3A0B9B6B8466}" type="datetimeFigureOut">
               <a:rPr lang="zh-CN" altLang="en-US" smtClean="0"/>
-              <a:t>2020/2/1</a:t>
+              <a:t>2020/2/2</a:t>
             </a:fld>
             <a:endParaRPr lang="zh-CN" altLang="en-US"/>
           </a:p>
@@ -408,7 +413,7 @@
           <a:p>
             <a:fld id="{89368CE1-8ACD-4C62-B28F-3A0B9B6B8466}" type="datetimeFigureOut">
               <a:rPr lang="zh-CN" altLang="en-US" smtClean="0"/>
-              <a:t>2020/2/1</a:t>
+              <a:t>2020/2/2</a:t>
             </a:fld>
             <a:endParaRPr lang="zh-CN" altLang="en-US"/>
           </a:p>
@@ -588,7 +593,7 @@
           <a:p>
             <a:fld id="{89368CE1-8ACD-4C62-B28F-3A0B9B6B8466}" type="datetimeFigureOut">
               <a:rPr lang="zh-CN" altLang="en-US" smtClean="0"/>
-              <a:t>2020/2/1</a:t>
+              <a:t>2020/2/2</a:t>
             </a:fld>
             <a:endParaRPr lang="zh-CN" altLang="en-US"/>
           </a:p>
@@ -758,7 +763,7 @@
           <a:p>
             <a:fld id="{89368CE1-8ACD-4C62-B28F-3A0B9B6B8466}" type="datetimeFigureOut">
               <a:rPr lang="zh-CN" altLang="en-US" smtClean="0"/>
-              <a:t>2020/2/1</a:t>
+              <a:t>2020/2/2</a:t>
             </a:fld>
             <a:endParaRPr lang="zh-CN" altLang="en-US"/>
           </a:p>
@@ -1004,7 +1009,7 @@
           <a:p>
             <a:fld id="{89368CE1-8ACD-4C62-B28F-3A0B9B6B8466}" type="datetimeFigureOut">
               <a:rPr lang="zh-CN" altLang="en-US" smtClean="0"/>
-              <a:t>2020/2/1</a:t>
+              <a:t>2020/2/2</a:t>
             </a:fld>
             <a:endParaRPr lang="zh-CN" altLang="en-US"/>
           </a:p>
@@ -1236,7 +1241,7 @@
           <a:p>
             <a:fld id="{89368CE1-8ACD-4C62-B28F-3A0B9B6B8466}" type="datetimeFigureOut">
               <a:rPr lang="zh-CN" altLang="en-US" smtClean="0"/>
-              <a:t>2020/2/1</a:t>
+              <a:t>2020/2/2</a:t>
             </a:fld>
             <a:endParaRPr lang="zh-CN" altLang="en-US"/>
           </a:p>
@@ -1603,7 +1608,7 @@
           <a:p>
             <a:fld id="{89368CE1-8ACD-4C62-B28F-3A0B9B6B8466}" type="datetimeFigureOut">
               <a:rPr lang="zh-CN" altLang="en-US" smtClean="0"/>
-              <a:t>2020/2/1</a:t>
+              <a:t>2020/2/2</a:t>
             </a:fld>
             <a:endParaRPr lang="zh-CN" altLang="en-US"/>
           </a:p>
@@ -1721,7 +1726,7 @@
           <a:p>
             <a:fld id="{89368CE1-8ACD-4C62-B28F-3A0B9B6B8466}" type="datetimeFigureOut">
               <a:rPr lang="zh-CN" altLang="en-US" smtClean="0"/>
-              <a:t>2020/2/1</a:t>
+              <a:t>2020/2/2</a:t>
             </a:fld>
             <a:endParaRPr lang="zh-CN" altLang="en-US"/>
           </a:p>
@@ -1816,7 +1821,7 @@
           <a:p>
             <a:fld id="{89368CE1-8ACD-4C62-B28F-3A0B9B6B8466}" type="datetimeFigureOut">
               <a:rPr lang="zh-CN" altLang="en-US" smtClean="0"/>
-              <a:t>2020/2/1</a:t>
+              <a:t>2020/2/2</a:t>
             </a:fld>
             <a:endParaRPr lang="zh-CN" altLang="en-US"/>
           </a:p>
@@ -2093,7 +2098,7 @@
           <a:p>
             <a:fld id="{89368CE1-8ACD-4C62-B28F-3A0B9B6B8466}" type="datetimeFigureOut">
               <a:rPr lang="zh-CN" altLang="en-US" smtClean="0"/>
-              <a:t>2020/2/1</a:t>
+              <a:t>2020/2/2</a:t>
             </a:fld>
             <a:endParaRPr lang="zh-CN" altLang="en-US"/>
           </a:p>
@@ -2346,7 +2351,7 @@
           <a:p>
             <a:fld id="{89368CE1-8ACD-4C62-B28F-3A0B9B6B8466}" type="datetimeFigureOut">
               <a:rPr lang="zh-CN" altLang="en-US" smtClean="0"/>
-              <a:t>2020/2/1</a:t>
+              <a:t>2020/2/2</a:t>
             </a:fld>
             <a:endParaRPr lang="zh-CN" altLang="en-US"/>
           </a:p>
@@ -2559,7 +2564,7 @@
           <a:p>
             <a:fld id="{89368CE1-8ACD-4C62-B28F-3A0B9B6B8466}" type="datetimeFigureOut">
               <a:rPr lang="zh-CN" altLang="en-US" smtClean="0"/>
-              <a:t>2020/2/1</a:t>
+              <a:t>2020/2/2</a:t>
             </a:fld>
             <a:endParaRPr lang="zh-CN" altLang="en-US"/>
           </a:p>
@@ -2966,24 +2971,89 @@
       </p:grpSpPr>
       <p:sp>
         <p:nvSpPr>
-          <p:cNvPr id="17" name="圆角矩形 16"/>
+          <p:cNvPr id="31" name="上箭头标注 30"/>
           <p:cNvSpPr/>
           <p:nvPr/>
         </p:nvSpPr>
         <p:spPr>
           <a:xfrm>
-            <a:off x="598224" y="2140432"/>
-            <a:ext cx="1003300" cy="609600"/>
+            <a:off x="3914407" y="4670359"/>
+            <a:ext cx="668740" cy="818866"/>
           </a:xfrm>
-          <a:prstGeom prst="roundRect">
-            <a:avLst/>
+          <a:prstGeom prst="upArrowCallout">
+            <a:avLst>
+              <a:gd name="adj1" fmla="val 25000"/>
+              <a:gd name="adj2" fmla="val 25000"/>
+              <a:gd name="adj3" fmla="val 25000"/>
+              <a:gd name="adj4" fmla="val 54977"/>
+            </a:avLst>
           </a:prstGeom>
           <a:solidFill>
-            <a:srgbClr val="00B050"/>
+            <a:schemeClr val="tx2">
+              <a:lumMod val="50000"/>
+            </a:schemeClr>
+          </a:solidFill>
+          <a:ln>
+            <a:noFill/>
+          </a:ln>
+          <a:effectLst/>
+        </p:spPr>
+        <p:style>
+          <a:lnRef idx="2">
+            <a:schemeClr val="accent1">
+              <a:shade val="50000"/>
+            </a:schemeClr>
+          </a:lnRef>
+          <a:fillRef idx="1">
+            <a:schemeClr val="accent1"/>
+          </a:fillRef>
+          <a:effectRef idx="0">
+            <a:schemeClr val="accent1"/>
+          </a:effectRef>
+          <a:fontRef idx="minor">
+            <a:schemeClr val="lt1"/>
+          </a:fontRef>
+        </p:style>
+        <p:txBody>
+          <a:bodyPr rtlCol="0" anchor="ctr"/>
+          <a:lstStyle/>
+          <a:p>
+            <a:pPr algn="ctr"/>
+            <a:r>
+              <a:rPr lang="en-US" altLang="zh-CN" sz="2400" dirty="0" smtClean="0"/>
+              <a:t>J+1</a:t>
+            </a:r>
+            <a:endParaRPr lang="zh-CN" altLang="en-US" sz="2400" dirty="0"/>
+          </a:p>
+        </p:txBody>
+      </p:sp>
+      <p:sp>
+        <p:nvSpPr>
+          <p:cNvPr id="34" name="上箭头标注 33"/>
+          <p:cNvSpPr/>
+          <p:nvPr/>
+        </p:nvSpPr>
+        <p:spPr>
+          <a:xfrm>
+            <a:off x="2904757" y="4670359"/>
+            <a:ext cx="668740" cy="818866"/>
+          </a:xfrm>
+          <a:prstGeom prst="upArrowCallout">
+            <a:avLst>
+              <a:gd name="adj1" fmla="val 25000"/>
+              <a:gd name="adj2" fmla="val 25000"/>
+              <a:gd name="adj3" fmla="val 25000"/>
+              <a:gd name="adj4" fmla="val 54977"/>
+            </a:avLst>
+          </a:prstGeom>
+          <a:solidFill>
+            <a:schemeClr val="tx2">
+              <a:lumMod val="50000"/>
+            </a:schemeClr>
           </a:solidFill>
           <a:ln>
             <a:solidFill>
-              <a:srgbClr val="0070C0"/>
+              <a:schemeClr val="bg1"/>
             </a:solidFill>
           </a:ln>
         </p:spPr>
@@ -3009,43 +3079,41 @@
           <a:p>
             <a:pPr algn="ctr"/>
             <a:r>
-              <a:rPr lang="en-US" altLang="zh-CN" dirty="0" smtClean="0">
-                <a:solidFill>
-                  <a:schemeClr val="bg2"/>
-                </a:solidFill>
-              </a:rPr>
-              <a:t>2</a:t>
-            </a:r>
-            <a:endParaRPr lang="zh-CN" altLang="en-US" dirty="0">
-              <a:solidFill>
-                <a:schemeClr val="bg2"/>
-              </a:solidFill>
-            </a:endParaRPr>
-          </a:p>
-        </p:txBody>
-      </p:sp>
-      <p:sp>
-        <p:nvSpPr>
-          <p:cNvPr id="18" name="圆角矩形 17"/>
+              <a:rPr lang="en-US" altLang="zh-CN" sz="2400" dirty="0" smtClean="0"/>
+              <a:t>J</a:t>
+            </a:r>
+            <a:endParaRPr lang="zh-CN" altLang="en-US" sz="2400" dirty="0"/>
+          </a:p>
+        </p:txBody>
+      </p:sp>
+      <p:sp>
+        <p:nvSpPr>
+          <p:cNvPr id="28" name="下箭头标注 27"/>
           <p:cNvSpPr/>
           <p:nvPr/>
         </p:nvSpPr>
         <p:spPr>
           <a:xfrm>
-            <a:off x="1607874" y="2140432"/>
-            <a:ext cx="1003300" cy="609600"/>
+            <a:off x="8747874" y="2918880"/>
+            <a:ext cx="979102" cy="900753"/>
           </a:xfrm>
-          <a:prstGeom prst="roundRect">
-            <a:avLst/>
+          <a:prstGeom prst="downArrowCallout">
+            <a:avLst>
+              <a:gd name="adj1" fmla="val 25000"/>
+              <a:gd name="adj2" fmla="val 25000"/>
+              <a:gd name="adj3" fmla="val 25000"/>
+              <a:gd name="adj4" fmla="val 51172"/>
+            </a:avLst>
           </a:prstGeom>
           <a:solidFill>
-            <a:srgbClr val="00B050"/>
+            <a:schemeClr val="tx2">
+              <a:lumMod val="50000"/>
+            </a:schemeClr>
           </a:solidFill>
           <a:ln>
-            <a:solidFill>
-              <a:srgbClr val="0070C0"/>
-            </a:solidFill>
+            <a:noFill/>
           </a:ln>
+          <a:effectLst/>
         </p:spPr>
         <p:style>
           <a:lnRef idx="2">
@@ -3069,30 +3137,28 @@
           <a:p>
             <a:pPr algn="ctr"/>
             <a:r>
-              <a:rPr lang="en-US" altLang="zh-CN" dirty="0" smtClean="0">
-                <a:solidFill>
-                  <a:schemeClr val="bg2"/>
-                </a:solidFill>
+              <a:rPr lang="en-US" altLang="zh-CN" sz="1400" dirty="0" smtClean="0">
+                <a:latin typeface="Times New Roman" panose="02020603050405020304" pitchFamily="18" charset="0"/>
+                <a:cs typeface="Times New Roman" panose="02020603050405020304" pitchFamily="18" charset="0"/>
               </a:rPr>
-              <a:t>1</a:t>
-            </a:r>
-            <a:endParaRPr lang="zh-CN" altLang="en-US" dirty="0">
-              <a:solidFill>
-                <a:schemeClr val="bg2"/>
-              </a:solidFill>
+              <a:t>border</a:t>
+            </a:r>
+            <a:endParaRPr lang="zh-CN" altLang="en-US" sz="1400" dirty="0">
+              <a:latin typeface="Times New Roman" panose="02020603050405020304" pitchFamily="18" charset="0"/>
+              <a:cs typeface="Times New Roman" panose="02020603050405020304" pitchFamily="18" charset="0"/>
             </a:endParaRPr>
           </a:p>
         </p:txBody>
       </p:sp>
       <p:sp>
         <p:nvSpPr>
-          <p:cNvPr id="19" name="圆角矩形 18"/>
+          <p:cNvPr id="17" name="圆角矩形 16"/>
           <p:cNvSpPr/>
           <p:nvPr/>
         </p:nvSpPr>
         <p:spPr>
           <a:xfrm>
-            <a:off x="2617524" y="2140432"/>
+            <a:off x="2737477" y="3940196"/>
             <a:ext cx="1003300" cy="609600"/>
           </a:xfrm>
           <a:prstGeom prst="roundRect">
@@ -3102,10 +3168,9 @@
             <a:srgbClr val="00B050"/>
           </a:solidFill>
           <a:ln>
-            <a:solidFill>
-              <a:srgbClr val="0070C0"/>
-            </a:solidFill>
+            <a:noFill/>
           </a:ln>
+          <a:effectLst/>
         </p:spPr>
         <p:style>
           <a:lnRef idx="2">
@@ -3129,30 +3194,34 @@
           <a:p>
             <a:pPr algn="ctr"/>
             <a:r>
-              <a:rPr lang="en-US" altLang="zh-CN" dirty="0" smtClean="0">
+              <a:rPr lang="en-US" altLang="zh-CN" sz="2000" dirty="0" smtClean="0">
                 <a:solidFill>
                   <a:schemeClr val="bg2"/>
                 </a:solidFill>
+                <a:latin typeface="Times New Roman" panose="02020603050405020304" pitchFamily="18" charset="0"/>
+                <a:cs typeface="Times New Roman" panose="02020603050405020304" pitchFamily="18" charset="0"/>
               </a:rPr>
-              <a:t>6</a:t>
-            </a:r>
-            <a:endParaRPr lang="zh-CN" altLang="en-US" dirty="0">
+              <a:t>2</a:t>
+            </a:r>
+            <a:endParaRPr lang="zh-CN" altLang="en-US" sz="2000" dirty="0">
               <a:solidFill>
                 <a:schemeClr val="bg2"/>
               </a:solidFill>
+              <a:latin typeface="Times New Roman" panose="02020603050405020304" pitchFamily="18" charset="0"/>
+              <a:cs typeface="Times New Roman" panose="02020603050405020304" pitchFamily="18" charset="0"/>
             </a:endParaRPr>
           </a:p>
         </p:txBody>
       </p:sp>
       <p:sp>
         <p:nvSpPr>
-          <p:cNvPr id="20" name="圆角矩形 19"/>
+          <p:cNvPr id="18" name="圆角矩形 17"/>
           <p:cNvSpPr/>
           <p:nvPr/>
         </p:nvSpPr>
         <p:spPr>
           <a:xfrm>
-            <a:off x="4630474" y="2140432"/>
+            <a:off x="3747127" y="3940196"/>
             <a:ext cx="1003300" cy="609600"/>
           </a:xfrm>
           <a:prstGeom prst="roundRect">
@@ -3162,10 +3231,9 @@
             <a:srgbClr val="00B050"/>
           </a:solidFill>
           <a:ln>
-            <a:solidFill>
-              <a:srgbClr val="0070C0"/>
-            </a:solidFill>
+            <a:noFill/>
           </a:ln>
+          <a:effectLst/>
         </p:spPr>
         <p:style>
           <a:lnRef idx="2">
@@ -3189,30 +3257,34 @@
           <a:p>
             <a:pPr algn="ctr"/>
             <a:r>
-              <a:rPr lang="en-US" altLang="zh-CN" dirty="0" smtClean="0">
+              <a:rPr lang="en-US" altLang="zh-CN" sz="2000" dirty="0" smtClean="0">
                 <a:solidFill>
                   <a:schemeClr val="bg2"/>
                 </a:solidFill>
+                <a:latin typeface="Times New Roman" panose="02020603050405020304" pitchFamily="18" charset="0"/>
+                <a:cs typeface="Times New Roman" panose="02020603050405020304" pitchFamily="18" charset="0"/>
               </a:rPr>
-              <a:t>4</a:t>
-            </a:r>
-            <a:endParaRPr lang="zh-CN" altLang="en-US" dirty="0">
+              <a:t>1</a:t>
+            </a:r>
+            <a:endParaRPr lang="zh-CN" altLang="en-US" sz="2000" dirty="0">
               <a:solidFill>
                 <a:schemeClr val="bg2"/>
               </a:solidFill>
+              <a:latin typeface="Times New Roman" panose="02020603050405020304" pitchFamily="18" charset="0"/>
+              <a:cs typeface="Times New Roman" panose="02020603050405020304" pitchFamily="18" charset="0"/>
             </a:endParaRPr>
           </a:p>
         </p:txBody>
       </p:sp>
       <p:sp>
         <p:nvSpPr>
-          <p:cNvPr id="21" name="圆角矩形 20"/>
+          <p:cNvPr id="19" name="圆角矩形 18"/>
           <p:cNvSpPr/>
           <p:nvPr/>
         </p:nvSpPr>
         <p:spPr>
           <a:xfrm>
-            <a:off x="10649323" y="2140432"/>
+            <a:off x="4742709" y="3940196"/>
             <a:ext cx="1003300" cy="609600"/>
           </a:xfrm>
           <a:prstGeom prst="roundRect">
@@ -3222,10 +3294,9 @@
             <a:srgbClr val="00B050"/>
           </a:solidFill>
           <a:ln>
-            <a:solidFill>
-              <a:srgbClr val="0070C0"/>
-            </a:solidFill>
+            <a:noFill/>
           </a:ln>
+          <a:effectLst/>
         </p:spPr>
         <p:style>
           <a:lnRef idx="2">
@@ -3249,30 +3320,34 @@
           <a:p>
             <a:pPr algn="ctr"/>
             <a:r>
-              <a:rPr lang="en-US" altLang="zh-CN" dirty="0" smtClean="0">
+              <a:rPr lang="en-US" altLang="zh-CN" sz="2000" dirty="0" smtClean="0">
                 <a:solidFill>
                   <a:schemeClr val="bg2"/>
                 </a:solidFill>
+                <a:latin typeface="Times New Roman" panose="02020603050405020304" pitchFamily="18" charset="0"/>
+                <a:cs typeface="Times New Roman" panose="02020603050405020304" pitchFamily="18" charset="0"/>
               </a:rPr>
-              <a:t>0</a:t>
-            </a:r>
-            <a:endParaRPr lang="zh-CN" altLang="en-US" dirty="0">
+              <a:t>6</a:t>
+            </a:r>
+            <a:endParaRPr lang="zh-CN" altLang="en-US" sz="2000" dirty="0">
               <a:solidFill>
                 <a:schemeClr val="bg2"/>
               </a:solidFill>
+              <a:latin typeface="Times New Roman" panose="02020603050405020304" pitchFamily="18" charset="0"/>
+              <a:cs typeface="Times New Roman" panose="02020603050405020304" pitchFamily="18" charset="0"/>
             </a:endParaRPr>
           </a:p>
         </p:txBody>
       </p:sp>
       <p:sp>
         <p:nvSpPr>
-          <p:cNvPr id="22" name="圆角矩形 21"/>
+          <p:cNvPr id="27" name="圆角矩形 26"/>
           <p:cNvSpPr/>
           <p:nvPr/>
         </p:nvSpPr>
         <p:spPr>
           <a:xfrm>
-            <a:off x="9646340" y="2140432"/>
+            <a:off x="5738291" y="3940196"/>
             <a:ext cx="1003300" cy="609600"/>
           </a:xfrm>
           <a:prstGeom prst="roundRect">
@@ -3282,10 +3357,9 @@
             <a:srgbClr val="00B050"/>
           </a:solidFill>
           <a:ln>
-            <a:solidFill>
-              <a:srgbClr val="0070C0"/>
-            </a:solidFill>
+            <a:noFill/>
           </a:ln>
+          <a:effectLst/>
         </p:spPr>
         <p:style>
           <a:lnRef idx="2">
@@ -3309,30 +3383,34 @@
           <a:p>
             <a:pPr algn="ctr"/>
             <a:r>
-              <a:rPr lang="en-US" altLang="zh-CN" dirty="0" smtClean="0">
+              <a:rPr lang="en-US" altLang="zh-CN" sz="2000" dirty="0">
                 <a:solidFill>
                   <a:schemeClr val="bg2"/>
                 </a:solidFill>
+                <a:latin typeface="Times New Roman" panose="02020603050405020304" pitchFamily="18" charset="0"/>
+                <a:cs typeface="Times New Roman" panose="02020603050405020304" pitchFamily="18" charset="0"/>
               </a:rPr>
-              <a:t>11</a:t>
-            </a:r>
-            <a:endParaRPr lang="zh-CN" altLang="en-US" dirty="0">
+              <a:t>7</a:t>
+            </a:r>
+            <a:endParaRPr lang="zh-CN" altLang="en-US" sz="2000" dirty="0">
               <a:solidFill>
                 <a:schemeClr val="bg2"/>
               </a:solidFill>
+              <a:latin typeface="Times New Roman" panose="02020603050405020304" pitchFamily="18" charset="0"/>
+              <a:cs typeface="Times New Roman" panose="02020603050405020304" pitchFamily="18" charset="0"/>
             </a:endParaRPr>
           </a:p>
         </p:txBody>
       </p:sp>
       <p:sp>
         <p:nvSpPr>
-          <p:cNvPr id="23" name="圆角矩形 22"/>
+          <p:cNvPr id="20" name="圆角矩形 19"/>
           <p:cNvSpPr/>
           <p:nvPr/>
         </p:nvSpPr>
         <p:spPr>
           <a:xfrm>
-            <a:off x="8643040" y="2140432"/>
+            <a:off x="6741591" y="3940196"/>
             <a:ext cx="1003300" cy="609600"/>
           </a:xfrm>
           <a:prstGeom prst="roundRect">
@@ -3342,10 +3420,9 @@
             <a:srgbClr val="00B050"/>
           </a:solidFill>
           <a:ln>
-            <a:solidFill>
-              <a:srgbClr val="0070C0"/>
-            </a:solidFill>
+            <a:noFill/>
           </a:ln>
+          <a:effectLst/>
         </p:spPr>
         <p:style>
           <a:lnRef idx="2">
@@ -3369,30 +3446,34 @@
           <a:p>
             <a:pPr algn="ctr"/>
             <a:r>
-              <a:rPr lang="en-US" altLang="zh-CN" dirty="0" smtClean="0">
+              <a:rPr lang="en-US" altLang="zh-CN" sz="2000" dirty="0" smtClean="0">
                 <a:solidFill>
                   <a:schemeClr val="bg2"/>
                 </a:solidFill>
+                <a:latin typeface="Times New Roman" panose="02020603050405020304" pitchFamily="18" charset="0"/>
+                <a:cs typeface="Times New Roman" panose="02020603050405020304" pitchFamily="18" charset="0"/>
               </a:rPr>
-              <a:t>7</a:t>
-            </a:r>
-            <a:endParaRPr lang="zh-CN" altLang="en-US" dirty="0">
+              <a:t>4</a:t>
+            </a:r>
+            <a:endParaRPr lang="zh-CN" altLang="en-US" sz="2000" dirty="0">
               <a:solidFill>
                 <a:schemeClr val="bg2"/>
               </a:solidFill>
+              <a:latin typeface="Times New Roman" panose="02020603050405020304" pitchFamily="18" charset="0"/>
+              <a:cs typeface="Times New Roman" panose="02020603050405020304" pitchFamily="18" charset="0"/>
             </a:endParaRPr>
           </a:p>
         </p:txBody>
       </p:sp>
       <p:sp>
         <p:nvSpPr>
-          <p:cNvPr id="24" name="圆角矩形 23"/>
+          <p:cNvPr id="26" name="圆角矩形 25"/>
           <p:cNvSpPr/>
           <p:nvPr/>
         </p:nvSpPr>
         <p:spPr>
           <a:xfrm>
-            <a:off x="7640057" y="2140432"/>
+            <a:off x="7744891" y="3940196"/>
             <a:ext cx="1003300" cy="609600"/>
           </a:xfrm>
           <a:prstGeom prst="roundRect">
@@ -3402,10 +3483,9 @@
             <a:srgbClr val="00B050"/>
           </a:solidFill>
           <a:ln>
-            <a:solidFill>
-              <a:srgbClr val="0070C0"/>
-            </a:solidFill>
+            <a:noFill/>
           </a:ln>
+          <a:effectLst/>
         </p:spPr>
         <p:style>
           <a:lnRef idx="2">
@@ -3429,17 +3509,21 @@
           <a:p>
             <a:pPr algn="ctr"/>
             <a:r>
-              <a:rPr lang="en-US" altLang="zh-CN" dirty="0" smtClean="0">
+              <a:rPr lang="en-US" altLang="zh-CN" sz="2000" dirty="0" smtClean="0">
                 <a:solidFill>
                   <a:schemeClr val="bg2"/>
                 </a:solidFill>
+                <a:latin typeface="Times New Roman" panose="02020603050405020304" pitchFamily="18" charset="0"/>
+                <a:cs typeface="Times New Roman" panose="02020603050405020304" pitchFamily="18" charset="0"/>
               </a:rPr>
-              <a:t>8</a:t>
-            </a:r>
-            <a:endParaRPr lang="zh-CN" altLang="en-US" dirty="0">
+              <a:t>5</a:t>
+            </a:r>
+            <a:endParaRPr lang="zh-CN" altLang="en-US" sz="2000" dirty="0">
               <a:solidFill>
                 <a:schemeClr val="bg2"/>
               </a:solidFill>
+              <a:latin typeface="Times New Roman" panose="02020603050405020304" pitchFamily="18" charset="0"/>
+              <a:cs typeface="Times New Roman" panose="02020603050405020304" pitchFamily="18" charset="0"/>
             </a:endParaRPr>
           </a:p>
         </p:txBody>
@@ -3452,7 +3536,7 @@
         </p:nvSpPr>
         <p:spPr>
           <a:xfrm>
-            <a:off x="6636757" y="2140432"/>
+            <a:off x="8747874" y="3940196"/>
             <a:ext cx="1003300" cy="609600"/>
           </a:xfrm>
           <a:prstGeom prst="roundRect">
@@ -3462,10 +3546,9 @@
             <a:srgbClr val="00B050"/>
           </a:solidFill>
           <a:ln>
-            <a:solidFill>
-              <a:srgbClr val="0070C0"/>
-            </a:solidFill>
+            <a:noFill/>
           </a:ln>
+          <a:effectLst/>
         </p:spPr>
         <p:style>
           <a:lnRef idx="2">
@@ -3489,260 +3572,61 @@
           <a:p>
             <a:pPr algn="ctr"/>
             <a:r>
-              <a:rPr lang="en-US" altLang="zh-CN" dirty="0" smtClean="0">
+              <a:rPr lang="en-US" altLang="zh-CN" sz="2000" dirty="0" smtClean="0">
                 <a:solidFill>
                   <a:schemeClr val="bg2"/>
                 </a:solidFill>
+                <a:latin typeface="Times New Roman" panose="02020603050405020304" pitchFamily="18" charset="0"/>
+                <a:cs typeface="Times New Roman" panose="02020603050405020304" pitchFamily="18" charset="0"/>
               </a:rPr>
               <a:t>3</a:t>
             </a:r>
-            <a:endParaRPr lang="zh-CN" altLang="en-US" dirty="0">
+            <a:endParaRPr lang="zh-CN" altLang="en-US" sz="2000" dirty="0">
               <a:solidFill>
                 <a:schemeClr val="bg2"/>
               </a:solidFill>
+              <a:latin typeface="Times New Roman" panose="02020603050405020304" pitchFamily="18" charset="0"/>
+              <a:cs typeface="Times New Roman" panose="02020603050405020304" pitchFamily="18" charset="0"/>
             </a:endParaRPr>
           </a:p>
         </p:txBody>
       </p:sp>
       <p:sp>
         <p:nvSpPr>
-          <p:cNvPr id="26" name="圆角矩形 25"/>
-          <p:cNvSpPr/>
+          <p:cNvPr id="5" name="文本框 4"/>
+          <p:cNvSpPr txBox="1"/>
           <p:nvPr/>
         </p:nvSpPr>
         <p:spPr>
           <a:xfrm>
-            <a:off x="5633774" y="2140432"/>
-            <a:ext cx="1003300" cy="609600"/>
+            <a:off x="4871145" y="1959424"/>
+            <a:ext cx="2449710" cy="646331"/>
           </a:xfrm>
-          <a:prstGeom prst="roundRect">
+          <a:prstGeom prst="rect">
             <a:avLst/>
           </a:prstGeom>
-          <a:solidFill>
-            <a:srgbClr val="00B050"/>
-          </a:solidFill>
-          <a:ln>
-            <a:solidFill>
-              <a:srgbClr val="0070C0"/>
-            </a:solidFill>
-          </a:ln>
+          <a:noFill/>
         </p:spPr>
-        <p:style>
-          <a:lnRef idx="2">
-            <a:schemeClr val="accent1">
-              <a:shade val="50000"/>
-            </a:schemeClr>
-          </a:lnRef>
-          <a:fillRef idx="1">
-            <a:schemeClr val="accent1"/>
-          </a:fillRef>
-          <a:effectRef idx="0">
-            <a:schemeClr val="accent1"/>
-          </a:effectRef>
-          <a:fontRef idx="minor">
-            <a:schemeClr val="lt1"/>
-          </a:fontRef>
-        </p:style>
-        <p:txBody>
-          <a:bodyPr rtlCol="0" anchor="ctr"/>
+        <p:txBody>
+          <a:bodyPr wrap="none" rtlCol="0">
+            <a:spAutoFit/>
+          </a:bodyPr>
           <a:lstStyle/>
           <a:p>
             <a:pPr algn="ctr"/>
             <a:r>
-              <a:rPr lang="en-US" altLang="zh-CN" dirty="0" smtClean="0">
+              <a:rPr lang="en-US" altLang="zh-CN" sz="3600" dirty="0" smtClean="0">
                 <a:solidFill>
-                  <a:schemeClr val="bg2"/>
+                  <a:srgbClr val="00B050"/>
                 </a:solidFill>
               </a:rPr>
-              <a:t>5</a:t>
-            </a:r>
-            <a:endParaRPr lang="zh-CN" altLang="en-US" dirty="0">
+              <a:t>Bubble sort</a:t>
+            </a:r>
+            <a:endParaRPr lang="zh-CN" altLang="en-US" sz="3600" dirty="0">
               <a:solidFill>
-                <a:schemeClr val="bg2"/>
+                <a:srgbClr val="00B050"/>
               </a:solidFill>
             </a:endParaRPr>
-          </a:p>
-        </p:txBody>
-      </p:sp>
-      <p:sp>
-        <p:nvSpPr>
-          <p:cNvPr id="27" name="圆角矩形 26"/>
-          <p:cNvSpPr/>
-          <p:nvPr/>
-        </p:nvSpPr>
-        <p:spPr>
-          <a:xfrm>
-            <a:off x="3627174" y="2140432"/>
-            <a:ext cx="1003300" cy="609600"/>
-          </a:xfrm>
-          <a:prstGeom prst="roundRect">
-            <a:avLst/>
-          </a:prstGeom>
-          <a:solidFill>
-            <a:srgbClr val="00B050"/>
-          </a:solidFill>
-          <a:ln>
-            <a:solidFill>
-              <a:srgbClr val="0070C0"/>
-            </a:solidFill>
-          </a:ln>
-        </p:spPr>
-        <p:style>
-          <a:lnRef idx="2">
-            <a:schemeClr val="accent1">
-              <a:shade val="50000"/>
-            </a:schemeClr>
-          </a:lnRef>
-          <a:fillRef idx="1">
-            <a:schemeClr val="accent1"/>
-          </a:fillRef>
-          <a:effectRef idx="0">
-            <a:schemeClr val="accent1"/>
-          </a:effectRef>
-          <a:fontRef idx="minor">
-            <a:schemeClr val="lt1"/>
-          </a:fontRef>
-        </p:style>
-        <p:txBody>
-          <a:bodyPr rtlCol="0" anchor="ctr"/>
-          <a:lstStyle/>
-          <a:p>
-            <a:pPr algn="ctr"/>
-            <a:r>
-              <a:rPr lang="en-US" altLang="zh-CN" dirty="0" smtClean="0">
-                <a:solidFill>
-                  <a:schemeClr val="bg2"/>
-                </a:solidFill>
-              </a:rPr>
-              <a:t>9</a:t>
-            </a:r>
-            <a:endParaRPr lang="zh-CN" altLang="en-US" dirty="0">
-              <a:solidFill>
-                <a:schemeClr val="bg2"/>
-              </a:solidFill>
-            </a:endParaRPr>
-          </a:p>
-        </p:txBody>
-      </p:sp>
-      <p:sp>
-        <p:nvSpPr>
-          <p:cNvPr id="28" name="下箭头标注 27"/>
-          <p:cNvSpPr/>
-          <p:nvPr/>
-        </p:nvSpPr>
-        <p:spPr>
-          <a:xfrm>
-            <a:off x="765504" y="1119116"/>
-            <a:ext cx="668740" cy="1021316"/>
-          </a:xfrm>
-          <a:prstGeom prst="downArrowCallout">
-            <a:avLst>
-              <a:gd name="adj1" fmla="val 25000"/>
-              <a:gd name="adj2" fmla="val 25000"/>
-              <a:gd name="adj3" fmla="val 25000"/>
-              <a:gd name="adj4" fmla="val 43596"/>
-            </a:avLst>
-          </a:prstGeom>
-          <a:solidFill>
-            <a:schemeClr val="tx2">
-              <a:lumMod val="50000"/>
-            </a:schemeClr>
-          </a:solidFill>
-          <a:ln>
-            <a:solidFill>
-              <a:schemeClr val="bg2">
-                <a:lumMod val="90000"/>
-              </a:schemeClr>
-            </a:solidFill>
-          </a:ln>
-        </p:spPr>
-        <p:style>
-          <a:lnRef idx="2">
-            <a:schemeClr val="accent1">
-              <a:shade val="50000"/>
-            </a:schemeClr>
-          </a:lnRef>
-          <a:fillRef idx="1">
-            <a:schemeClr val="accent1"/>
-          </a:fillRef>
-          <a:effectRef idx="0">
-            <a:schemeClr val="accent1"/>
-          </a:effectRef>
-          <a:fontRef idx="minor">
-            <a:schemeClr val="lt1"/>
-          </a:fontRef>
-        </p:style>
-        <p:txBody>
-          <a:bodyPr rtlCol="0" anchor="ctr"/>
-          <a:lstStyle/>
-          <a:p>
-            <a:pPr algn="ctr"/>
-            <a:r>
-              <a:rPr lang="en-US" altLang="zh-CN" dirty="0" err="1" smtClean="0"/>
-              <a:t>i</a:t>
-            </a:r>
-            <a:endParaRPr lang="zh-CN" altLang="en-US" dirty="0"/>
-          </a:p>
-        </p:txBody>
-      </p:sp>
-      <p:sp>
-        <p:nvSpPr>
-          <p:cNvPr id="29" name="下箭头标注 28"/>
-          <p:cNvSpPr/>
-          <p:nvPr/>
-        </p:nvSpPr>
-        <p:spPr>
-          <a:xfrm>
-            <a:off x="1775154" y="1119116"/>
-            <a:ext cx="668740" cy="1021316"/>
-          </a:xfrm>
-          <a:prstGeom prst="downArrowCallout">
-            <a:avLst>
-              <a:gd name="adj1" fmla="val 25000"/>
-              <a:gd name="adj2" fmla="val 25000"/>
-              <a:gd name="adj3" fmla="val 25000"/>
-              <a:gd name="adj4" fmla="val 43596"/>
-            </a:avLst>
-          </a:prstGeom>
-          <a:solidFill>
-            <a:schemeClr val="tx2">
-              <a:lumMod val="50000"/>
-            </a:schemeClr>
-          </a:solidFill>
-          <a:ln>
-            <a:solidFill>
-              <a:schemeClr val="bg2">
-                <a:lumMod val="90000"/>
-              </a:schemeClr>
-            </a:solidFill>
-          </a:ln>
-        </p:spPr>
-        <p:style>
-          <a:lnRef idx="2">
-            <a:schemeClr val="accent1">
-              <a:shade val="50000"/>
-            </a:schemeClr>
-          </a:lnRef>
-          <a:fillRef idx="1">
-            <a:schemeClr val="accent1"/>
-          </a:fillRef>
-          <a:effectRef idx="0">
-            <a:schemeClr val="accent1"/>
-          </a:effectRef>
-          <a:fontRef idx="minor">
-            <a:schemeClr val="lt1"/>
-          </a:fontRef>
-        </p:style>
-        <p:txBody>
-          <a:bodyPr rtlCol="0" anchor="ctr"/>
-          <a:lstStyle/>
-          <a:p>
-            <a:pPr algn="ctr"/>
-            <a:r>
-              <a:rPr lang="en-US" altLang="zh-CN" dirty="0" err="1"/>
-              <a:t>j</a:t>
-            </a:r>
-            <a:endParaRPr lang="zh-CN" altLang="en-US" dirty="0"/>
           </a:p>
         </p:txBody>
       </p:sp>
@@ -3759,9 +3643,1526 @@
   <p:timing>
     <p:tnLst>
       <p:par>
-        <p:cTn id="1" dur="indefinite" restart="never" nodeType="tmRoot"/>
+        <p:cTn id="1" dur="indefinite" restart="never" nodeType="tmRoot">
+          <p:childTnLst>
+            <p:seq concurrent="1" nextAc="seek">
+              <p:cTn id="2" dur="indefinite" nodeType="mainSeq">
+                <p:childTnLst>
+                  <p:par>
+                    <p:cTn id="3" fill="hold">
+                      <p:stCondLst>
+                        <p:cond delay="indefinite"/>
+                        <p:cond evt="onBegin" delay="0">
+                          <p:tn val="2"/>
+                        </p:cond>
+                      </p:stCondLst>
+                      <p:childTnLst>
+                        <p:par>
+                          <p:cTn id="4" fill="hold">
+                            <p:stCondLst>
+                              <p:cond delay="0"/>
+                            </p:stCondLst>
+                            <p:childTnLst>
+                              <p:par>
+                                <p:cTn id="5" presetID="37" presetClass="path" presetSubtype="0" accel="10000" decel="10000" fill="hold" grpId="0" nodeType="withEffect">
+                                  <p:stCondLst>
+                                    <p:cond delay="0"/>
+                                  </p:stCondLst>
+                                  <p:childTnLst>
+                                    <p:animMotion origin="layout" path="M 5E-6 -1.48148E-6 L 0.02227 0.14005 C 0.02683 0.17176 0.03386 0.18912 0.04128 0.18912 C 0.04948 0.18912 0.05626 0.17176 0.06094 0.14005 L 0.08334 -1.48148E-6 " pathEditMode="relative" rAng="0" ptsTypes="AAAAA">
+                                      <p:cBhvr>
+                                        <p:cTn id="6" dur="1000" fill="hold"/>
+                                        <p:tgtEl>
+                                          <p:spTgt spid="17"/>
+                                        </p:tgtEl>
+                                        <p:attrNameLst>
+                                          <p:attrName>ppt_x</p:attrName>
+                                          <p:attrName>ppt_y</p:attrName>
+                                        </p:attrNameLst>
+                                      </p:cBhvr>
+                                      <p:rCtr x="4167" y="9444"/>
+                                    </p:animMotion>
+                                  </p:childTnLst>
+                                </p:cTn>
+                              </p:par>
+                              <p:par>
+                                <p:cTn id="7" presetID="37" presetClass="path" presetSubtype="0" accel="10000" decel="10000" fill="hold" grpId="0" nodeType="withEffect">
+                                  <p:stCondLst>
+                                    <p:cond delay="0"/>
+                                  </p:stCondLst>
+                                  <p:childTnLst>
+                                    <p:animMotion origin="layout" path="M 0.00052 -1.48148E-6 L -0.02188 0.13704 C -0.02656 0.16806 -0.0336 0.18472 -0.04089 0.18472 C -0.04922 0.18472 -0.05599 0.16806 -0.06068 0.13704 L -0.08295 -1.48148E-6 " pathEditMode="relative" rAng="0" ptsTypes="AAAAA">
+                                      <p:cBhvr>
+                                        <p:cTn id="8" dur="1000" fill="hold"/>
+                                        <p:tgtEl>
+                                          <p:spTgt spid="18"/>
+                                        </p:tgtEl>
+                                        <p:attrNameLst>
+                                          <p:attrName>ppt_x</p:attrName>
+                                          <p:attrName>ppt_y</p:attrName>
+                                        </p:attrNameLst>
+                                      </p:cBhvr>
+                                      <p:rCtr x="-4180" y="9236"/>
+                                    </p:animMotion>
+                                  </p:childTnLst>
+                                </p:cTn>
+                              </p:par>
+                            </p:childTnLst>
+                          </p:cTn>
+                        </p:par>
+                        <p:par>
+                          <p:cTn id="9" fill="hold">
+                            <p:stCondLst>
+                              <p:cond delay="1000"/>
+                            </p:stCondLst>
+                            <p:childTnLst>
+                              <p:par>
+                                <p:cTn id="10" presetID="63" presetClass="path" presetSubtype="0" accel="20000" decel="20000" fill="hold" grpId="0" nodeType="afterEffect">
+                                  <p:stCondLst>
+                                    <p:cond delay="0"/>
+                                  </p:stCondLst>
+                                  <p:childTnLst>
+                                    <p:animMotion origin="layout" path="M 5E-6 -7.40741E-7 L 0.08451 -7.40741E-7 " pathEditMode="relative" rAng="0" ptsTypes="AA">
+                                      <p:cBhvr>
+                                        <p:cTn id="11" dur="500" fill="hold"/>
+                                        <p:tgtEl>
+                                          <p:spTgt spid="34"/>
+                                        </p:tgtEl>
+                                        <p:attrNameLst>
+                                          <p:attrName>ppt_x</p:attrName>
+                                          <p:attrName>ppt_y</p:attrName>
+                                        </p:attrNameLst>
+                                      </p:cBhvr>
+                                      <p:rCtr x="4219" y="0"/>
+                                    </p:animMotion>
+                                  </p:childTnLst>
+                                </p:cTn>
+                              </p:par>
+                              <p:par>
+                                <p:cTn id="12" presetID="63" presetClass="path" presetSubtype="0" accel="20000" decel="20000" fill="hold" grpId="0" nodeType="withEffect">
+                                  <p:stCondLst>
+                                    <p:cond delay="0"/>
+                                  </p:stCondLst>
+                                  <p:childTnLst>
+                                    <p:animMotion origin="layout" path="M 2.5E-6 -7.40741E-7 L 0.0845 -7.40741E-7 " pathEditMode="relative" rAng="0" ptsTypes="AA">
+                                      <p:cBhvr>
+                                        <p:cTn id="13" dur="500" fill="hold"/>
+                                        <p:tgtEl>
+                                          <p:spTgt spid="31"/>
+                                        </p:tgtEl>
+                                        <p:attrNameLst>
+                                          <p:attrName>ppt_x</p:attrName>
+                                          <p:attrName>ppt_y</p:attrName>
+                                        </p:attrNameLst>
+                                      </p:cBhvr>
+                                      <p:rCtr x="4219" y="0"/>
+                                    </p:animMotion>
+                                  </p:childTnLst>
+                                </p:cTn>
+                              </p:par>
+                            </p:childTnLst>
+                          </p:cTn>
+                        </p:par>
+                        <p:par>
+                          <p:cTn id="14" fill="hold">
+                            <p:stCondLst>
+                              <p:cond delay="1500"/>
+                            </p:stCondLst>
+                            <p:childTnLst>
+                              <p:par>
+                                <p:cTn id="15" presetID="63" presetClass="path" presetSubtype="0" accel="20000" decel="20000" fill="hold" grpId="1" nodeType="afterEffect">
+                                  <p:stCondLst>
+                                    <p:cond delay="0"/>
+                                  </p:stCondLst>
+                                  <p:childTnLst>
+                                    <p:animMotion origin="layout" path="M 0.08451 -7.40741E-7 L 0.16732 -7.40741E-7 " pathEditMode="relative" rAng="0" ptsTypes="AA">
+                                      <p:cBhvr>
+                                        <p:cTn id="16" dur="500" fill="hold"/>
+                                        <p:tgtEl>
+                                          <p:spTgt spid="34"/>
+                                        </p:tgtEl>
+                                        <p:attrNameLst>
+                                          <p:attrName>ppt_x</p:attrName>
+                                          <p:attrName>ppt_y</p:attrName>
+                                        </p:attrNameLst>
+                                      </p:cBhvr>
+                                      <p:rCtr x="4141" y="0"/>
+                                    </p:animMotion>
+                                  </p:childTnLst>
+                                </p:cTn>
+                              </p:par>
+                              <p:par>
+                                <p:cTn id="17" presetID="63" presetClass="path" presetSubtype="0" accel="20000" decel="20000" fill="hold" grpId="1" nodeType="withEffect">
+                                  <p:stCondLst>
+                                    <p:cond delay="0"/>
+                                  </p:stCondLst>
+                                  <p:childTnLst>
+                                    <p:animMotion origin="layout" path="M 0.0845 -7.40741E-7 L 0.16627 -7.40741E-7 " pathEditMode="relative" rAng="0" ptsTypes="AA">
+                                      <p:cBhvr>
+                                        <p:cTn id="18" dur="500" fill="hold"/>
+                                        <p:tgtEl>
+                                          <p:spTgt spid="31"/>
+                                        </p:tgtEl>
+                                        <p:attrNameLst>
+                                          <p:attrName>ppt_x</p:attrName>
+                                          <p:attrName>ppt_y</p:attrName>
+                                        </p:attrNameLst>
+                                      </p:cBhvr>
+                                      <p:rCtr x="4089" y="0"/>
+                                    </p:animMotion>
+                                  </p:childTnLst>
+                                </p:cTn>
+                              </p:par>
+                            </p:childTnLst>
+                          </p:cTn>
+                        </p:par>
+                        <p:par>
+                          <p:cTn id="19" fill="hold">
+                            <p:stCondLst>
+                              <p:cond delay="2000"/>
+                            </p:stCondLst>
+                            <p:childTnLst>
+                              <p:par>
+                                <p:cTn id="20" presetID="63" presetClass="path" presetSubtype="0" accel="20000" decel="20000" fill="hold" grpId="2" nodeType="afterEffect">
+                                  <p:stCondLst>
+                                    <p:cond delay="0"/>
+                                  </p:stCondLst>
+                                  <p:childTnLst>
+                                    <p:animMotion origin="layout" path="M 0.16732 -7.40741E-7 L 0.25001 -7.40741E-7 " pathEditMode="relative" rAng="0" ptsTypes="AA">
+                                      <p:cBhvr>
+                                        <p:cTn id="21" dur="500" fill="hold"/>
+                                        <p:tgtEl>
+                                          <p:spTgt spid="34"/>
+                                        </p:tgtEl>
+                                        <p:attrNameLst>
+                                          <p:attrName>ppt_x</p:attrName>
+                                          <p:attrName>ppt_y</p:attrName>
+                                        </p:attrNameLst>
+                                      </p:cBhvr>
+                                      <p:rCtr x="4128" y="0"/>
+                                    </p:animMotion>
+                                  </p:childTnLst>
+                                </p:cTn>
+                              </p:par>
+                              <p:par>
+                                <p:cTn id="22" presetID="63" presetClass="path" presetSubtype="0" accel="20000" decel="20000" fill="hold" grpId="2" nodeType="withEffect">
+                                  <p:stCondLst>
+                                    <p:cond delay="0"/>
+                                  </p:stCondLst>
+                                  <p:childTnLst>
+                                    <p:animMotion origin="layout" path="M 0.16627 -7.40741E-7 L 0.25 -7.40741E-7 " pathEditMode="relative" rAng="0" ptsTypes="AA">
+                                      <p:cBhvr>
+                                        <p:cTn id="23" dur="500" fill="hold"/>
+                                        <p:tgtEl>
+                                          <p:spTgt spid="31"/>
+                                        </p:tgtEl>
+                                        <p:attrNameLst>
+                                          <p:attrName>ppt_x</p:attrName>
+                                          <p:attrName>ppt_y</p:attrName>
+                                        </p:attrNameLst>
+                                      </p:cBhvr>
+                                      <p:rCtr x="4180" y="0"/>
+                                    </p:animMotion>
+                                  </p:childTnLst>
+                                </p:cTn>
+                              </p:par>
+                            </p:childTnLst>
+                          </p:cTn>
+                        </p:par>
+                        <p:par>
+                          <p:cTn id="24" fill="hold">
+                            <p:stCondLst>
+                              <p:cond delay="2500"/>
+                            </p:stCondLst>
+                            <p:childTnLst>
+                              <p:par>
+                                <p:cTn id="25" presetID="37" presetClass="path" presetSubtype="0" accel="10000" decel="10000" fill="hold" grpId="0" nodeType="afterEffect">
+                                  <p:stCondLst>
+                                    <p:cond delay="0"/>
+                                  </p:stCondLst>
+                                  <p:childTnLst>
+                                    <p:animMotion origin="layout" path="M 1.04167E-6 -1.48148E-6 L 0.022 0.13472 C 0.02656 0.16505 0.03346 0.18148 0.04075 0.18148 C 0.04896 0.18148 0.0556 0.16505 0.06016 0.13472 L 0.08229 -1.48148E-6 " pathEditMode="relative" rAng="0" ptsTypes="AAAAA">
+                                      <p:cBhvr>
+                                        <p:cTn id="26" dur="1000" fill="hold"/>
+                                        <p:tgtEl>
+                                          <p:spTgt spid="27"/>
+                                        </p:tgtEl>
+                                        <p:attrNameLst>
+                                          <p:attrName>ppt_x</p:attrName>
+                                          <p:attrName>ppt_y</p:attrName>
+                                        </p:attrNameLst>
+                                      </p:cBhvr>
+                                      <p:rCtr x="4115" y="9074"/>
+                                    </p:animMotion>
+                                  </p:childTnLst>
+                                </p:cTn>
+                              </p:par>
+                              <p:par>
+                                <p:cTn id="27" presetID="37" presetClass="path" presetSubtype="0" accel="10000" decel="10000" fill="hold" grpId="0" nodeType="withEffect">
+                                  <p:stCondLst>
+                                    <p:cond delay="0"/>
+                                  </p:stCondLst>
+                                  <p:childTnLst>
+                                    <p:animMotion origin="layout" path="M -6.25E-7 -1.48148E-6 L -0.02213 0.13472 C -0.02669 0.16505 -0.03359 0.18148 -0.04075 0.18148 C -0.04896 0.18148 -0.0556 0.16505 -0.06016 0.13472 L -0.08216 -1.48148E-6 " pathEditMode="relative" rAng="0" ptsTypes="AAAAA">
+                                      <p:cBhvr>
+                                        <p:cTn id="28" dur="1000" fill="hold"/>
+                                        <p:tgtEl>
+                                          <p:spTgt spid="20"/>
+                                        </p:tgtEl>
+                                        <p:attrNameLst>
+                                          <p:attrName>ppt_x</p:attrName>
+                                          <p:attrName>ppt_y</p:attrName>
+                                        </p:attrNameLst>
+                                      </p:cBhvr>
+                                      <p:rCtr x="-4115" y="9074"/>
+                                    </p:animMotion>
+                                  </p:childTnLst>
+                                </p:cTn>
+                              </p:par>
+                            </p:childTnLst>
+                          </p:cTn>
+                        </p:par>
+                        <p:par>
+                          <p:cTn id="29" fill="hold">
+                            <p:stCondLst>
+                              <p:cond delay="3500"/>
+                            </p:stCondLst>
+                            <p:childTnLst>
+                              <p:par>
+                                <p:cTn id="30" presetID="63" presetClass="path" presetSubtype="0" accel="10000" decel="10000" fill="hold" grpId="3" nodeType="afterEffect">
+                                  <p:stCondLst>
+                                    <p:cond delay="0"/>
+                                  </p:stCondLst>
+                                  <p:childTnLst>
+                                    <p:animMotion origin="layout" path="M 0.24909 -7.40741E-7 L 0.33282 -7.40741E-7 " pathEditMode="relative" rAng="0" ptsTypes="AA">
+                                      <p:cBhvr>
+                                        <p:cTn id="31" dur="500" fill="hold"/>
+                                        <p:tgtEl>
+                                          <p:spTgt spid="34"/>
+                                        </p:tgtEl>
+                                        <p:attrNameLst>
+                                          <p:attrName>ppt_x</p:attrName>
+                                          <p:attrName>ppt_y</p:attrName>
+                                        </p:attrNameLst>
+                                      </p:cBhvr>
+                                      <p:rCtr x="4180" y="0"/>
+                                    </p:animMotion>
+                                  </p:childTnLst>
+                                </p:cTn>
+                              </p:par>
+                              <p:par>
+                                <p:cTn id="32" presetID="63" presetClass="path" presetSubtype="0" accel="20000" decel="20000" fill="hold" grpId="3" nodeType="withEffect">
+                                  <p:stCondLst>
+                                    <p:cond delay="0"/>
+                                  </p:stCondLst>
+                                  <p:childTnLst>
+                                    <p:animMotion origin="layout" path="M 0.25 -7.40741E-7 L 0.32786 -7.40741E-7 " pathEditMode="relative" rAng="0" ptsTypes="AA">
+                                      <p:cBhvr>
+                                        <p:cTn id="33" dur="500" fill="hold"/>
+                                        <p:tgtEl>
+                                          <p:spTgt spid="31"/>
+                                        </p:tgtEl>
+                                        <p:attrNameLst>
+                                          <p:attrName>ppt_x</p:attrName>
+                                          <p:attrName>ppt_y</p:attrName>
+                                        </p:attrNameLst>
+                                      </p:cBhvr>
+                                      <p:rCtr x="3893" y="0"/>
+                                    </p:animMotion>
+                                  </p:childTnLst>
+                                </p:cTn>
+                              </p:par>
+                            </p:childTnLst>
+                          </p:cTn>
+                        </p:par>
+                        <p:par>
+                          <p:cTn id="34" fill="hold">
+                            <p:stCondLst>
+                              <p:cond delay="4000"/>
+                            </p:stCondLst>
+                            <p:childTnLst>
+                              <p:par>
+                                <p:cTn id="35" presetID="37" presetClass="path" presetSubtype="0" accel="10000" decel="10000" fill="hold" grpId="0" nodeType="afterEffect">
+                                  <p:stCondLst>
+                                    <p:cond delay="0"/>
+                                  </p:stCondLst>
+                                  <p:childTnLst>
+                                    <p:animMotion origin="layout" path="M -2.29167E-6 -1.48148E-6 L -0.02213 0.13472 C -0.02669 0.16505 -0.03359 0.18148 -0.04088 0.18148 C -0.04909 0.18148 -0.05573 0.16505 -0.06028 0.13472 L -0.08229 -1.48148E-6 " pathEditMode="relative" rAng="0" ptsTypes="AAAAA">
+                                      <p:cBhvr>
+                                        <p:cTn id="36" dur="1000" fill="hold"/>
+                                        <p:tgtEl>
+                                          <p:spTgt spid="26"/>
+                                        </p:tgtEl>
+                                        <p:attrNameLst>
+                                          <p:attrName>ppt_x</p:attrName>
+                                          <p:attrName>ppt_y</p:attrName>
+                                        </p:attrNameLst>
+                                      </p:cBhvr>
+                                      <p:rCtr x="-4115" y="9074"/>
+                                    </p:animMotion>
+                                  </p:childTnLst>
+                                </p:cTn>
+                              </p:par>
+                              <p:par>
+                                <p:cTn id="37" presetID="37" presetClass="path" presetSubtype="0" accel="10000" decel="10000" fill="hold" grpId="1" nodeType="withEffect">
+                                  <p:stCondLst>
+                                    <p:cond delay="0"/>
+                                  </p:stCondLst>
+                                  <p:childTnLst>
+                                    <p:animMotion origin="layout" path="M 0.08229 -1.48148E-6 L 0.1043 0.13472 C 0.10885 0.16505 0.11575 0.18148 0.12305 0.18148 C 0.13125 0.18148 0.13776 0.16505 0.14245 0.13472 L 0.16458 -1.48148E-6 " pathEditMode="relative" rAng="0" ptsTypes="AAAAA">
+                                      <p:cBhvr>
+                                        <p:cTn id="38" dur="1000" fill="hold"/>
+                                        <p:tgtEl>
+                                          <p:spTgt spid="27"/>
+                                        </p:tgtEl>
+                                        <p:attrNameLst>
+                                          <p:attrName>ppt_x</p:attrName>
+                                          <p:attrName>ppt_y</p:attrName>
+                                        </p:attrNameLst>
+                                      </p:cBhvr>
+                                      <p:rCtr x="4115" y="9074"/>
+                                    </p:animMotion>
+                                  </p:childTnLst>
+                                </p:cTn>
+                              </p:par>
+                            </p:childTnLst>
+                          </p:cTn>
+                        </p:par>
+                        <p:par>
+                          <p:cTn id="39" fill="hold">
+                            <p:stCondLst>
+                              <p:cond delay="5500"/>
+                            </p:stCondLst>
+                            <p:childTnLst>
+                              <p:par>
+                                <p:cTn id="40" presetID="63" presetClass="path" presetSubtype="0" accel="20000" decel="20000" fill="hold" grpId="4" nodeType="afterEffect">
+                                  <p:stCondLst>
+                                    <p:cond delay="0"/>
+                                  </p:stCondLst>
+                                  <p:childTnLst>
+                                    <p:animMotion origin="layout" path="M 0.33282 -7.40741E-7 L 0.41068 -7.40741E-7 " pathEditMode="relative" rAng="0" ptsTypes="AA">
+                                      <p:cBhvr>
+                                        <p:cTn id="41" dur="500" fill="hold"/>
+                                        <p:tgtEl>
+                                          <p:spTgt spid="34"/>
+                                        </p:tgtEl>
+                                        <p:attrNameLst>
+                                          <p:attrName>ppt_x</p:attrName>
+                                          <p:attrName>ppt_y</p:attrName>
+                                        </p:attrNameLst>
+                                      </p:cBhvr>
+                                      <p:rCtr x="3893" y="0"/>
+                                    </p:animMotion>
+                                  </p:childTnLst>
+                                </p:cTn>
+                              </p:par>
+                              <p:par>
+                                <p:cTn id="42" presetID="63" presetClass="path" presetSubtype="0" accel="10000" decel="10000" fill="hold" grpId="5" nodeType="withEffect">
+                                  <p:stCondLst>
+                                    <p:cond delay="0"/>
+                                  </p:stCondLst>
+                                  <p:childTnLst>
+                                    <p:animMotion origin="layout" path="M 0.32786 -7.40741E-7 L 0.41237 -7.40741E-7 " pathEditMode="relative" rAng="0" ptsTypes="AA">
+                                      <p:cBhvr>
+                                        <p:cTn id="43" dur="500" fill="hold"/>
+                                        <p:tgtEl>
+                                          <p:spTgt spid="31"/>
+                                        </p:tgtEl>
+                                        <p:attrNameLst>
+                                          <p:attrName>ppt_x</p:attrName>
+                                          <p:attrName>ppt_y</p:attrName>
+                                        </p:attrNameLst>
+                                      </p:cBhvr>
+                                      <p:rCtr x="4219" y="0"/>
+                                    </p:animMotion>
+                                  </p:childTnLst>
+                                </p:cTn>
+                              </p:par>
+                            </p:childTnLst>
+                          </p:cTn>
+                        </p:par>
+                        <p:par>
+                          <p:cTn id="44" fill="hold">
+                            <p:stCondLst>
+                              <p:cond delay="6000"/>
+                            </p:stCondLst>
+                            <p:childTnLst>
+                              <p:par>
+                                <p:cTn id="45" presetID="37" presetClass="path" presetSubtype="0" accel="10000" decel="10000" fill="hold" grpId="0" nodeType="afterEffect">
+                                  <p:stCondLst>
+                                    <p:cond delay="0"/>
+                                  </p:stCondLst>
+                                  <p:childTnLst>
+                                    <p:animMotion origin="layout" path="M 0.00013 -1.48148E-6 L -0.022 0.13472 C -0.02656 0.16505 -0.03346 0.18148 -0.04075 0.18148 C -0.04895 0.18148 -0.0556 0.16505 -0.06015 0.13472 L -0.08216 -1.48148E-6 " pathEditMode="relative" rAng="0" ptsTypes="AAAAA">
+                                      <p:cBhvr>
+                                        <p:cTn id="46" dur="1000" fill="hold"/>
+                                        <p:tgtEl>
+                                          <p:spTgt spid="25"/>
+                                        </p:tgtEl>
+                                        <p:attrNameLst>
+                                          <p:attrName>ppt_x</p:attrName>
+                                          <p:attrName>ppt_y</p:attrName>
+                                        </p:attrNameLst>
+                                      </p:cBhvr>
+                                      <p:rCtr x="-4115" y="9074"/>
+                                    </p:animMotion>
+                                  </p:childTnLst>
+                                </p:cTn>
+                              </p:par>
+                              <p:par>
+                                <p:cTn id="47" presetID="37" presetClass="path" presetSubtype="0" accel="10000" decel="10000" fill="hold" grpId="2" nodeType="withEffect">
+                                  <p:stCondLst>
+                                    <p:cond delay="0"/>
+                                  </p:stCondLst>
+                                  <p:childTnLst>
+                                    <p:animMotion origin="layout" path="M 0.15937 -1.48148E-6 L 0.18281 0.13357 C 0.18776 0.16412 0.19518 0.18148 0.20299 0.18148 C 0.21185 0.18148 0.21888 0.16412 0.22383 0.13357 L 0.24766 -1.48148E-6 " pathEditMode="relative" rAng="0" ptsTypes="AAAAA">
+                                      <p:cBhvr>
+                                        <p:cTn id="48" dur="1000" fill="hold"/>
+                                        <p:tgtEl>
+                                          <p:spTgt spid="27"/>
+                                        </p:tgtEl>
+                                        <p:attrNameLst>
+                                          <p:attrName>ppt_x</p:attrName>
+                                          <p:attrName>ppt_y</p:attrName>
+                                        </p:attrNameLst>
+                                      </p:cBhvr>
+                                      <p:rCtr x="4414" y="9074"/>
+                                    </p:animMotion>
+                                  </p:childTnLst>
+                                </p:cTn>
+                              </p:par>
+                            </p:childTnLst>
+                          </p:cTn>
+                        </p:par>
+                        <p:par>
+                          <p:cTn id="49" fill="hold">
+                            <p:stCondLst>
+                              <p:cond delay="7000"/>
+                            </p:stCondLst>
+                            <p:childTnLst>
+                              <p:par>
+                                <p:cTn id="50" presetID="35" presetClass="path" presetSubtype="0" accel="50000" decel="50000" fill="hold" grpId="0" nodeType="afterEffect">
+                                  <p:stCondLst>
+                                    <p:cond delay="0"/>
+                                  </p:stCondLst>
+                                  <p:childTnLst>
+                                    <p:animMotion origin="layout" path="M -2.08333E-6 -3.7037E-6 L -0.08125 -3.7037E-6 " pathEditMode="relative" rAng="0" ptsTypes="AA">
+                                      <p:cBhvr>
+                                        <p:cTn id="51" dur="500" fill="hold"/>
+                                        <p:tgtEl>
+                                          <p:spTgt spid="28"/>
+                                        </p:tgtEl>
+                                        <p:attrNameLst>
+                                          <p:attrName>ppt_x</p:attrName>
+                                          <p:attrName>ppt_y</p:attrName>
+                                        </p:attrNameLst>
+                                      </p:cBhvr>
+                                      <p:rCtr x="-4062" y="0"/>
+                                    </p:animMotion>
+                                  </p:childTnLst>
+                                </p:cTn>
+                              </p:par>
+                            </p:childTnLst>
+                          </p:cTn>
+                        </p:par>
+                        <p:par>
+                          <p:cTn id="52" fill="hold">
+                            <p:stCondLst>
+                              <p:cond delay="7500"/>
+                            </p:stCondLst>
+                            <p:childTnLst>
+                              <p:par>
+                                <p:cTn id="53" presetID="63" presetClass="path" presetSubtype="0" accel="50000" decel="50000" fill="hold" grpId="5" nodeType="afterEffect">
+                                  <p:stCondLst>
+                                    <p:cond delay="0"/>
+                                  </p:stCondLst>
+                                  <p:childTnLst>
+                                    <p:animMotion origin="layout" path="M 5E-6 -7.40741E-7 L 0.08282 -7.40741E-7 " pathEditMode="relative" rAng="0" ptsTypes="AA">
+                                      <p:cBhvr>
+                                        <p:cTn id="54" dur="500" fill="hold"/>
+                                        <p:tgtEl>
+                                          <p:spTgt spid="34"/>
+                                        </p:tgtEl>
+                                        <p:attrNameLst>
+                                          <p:attrName>ppt_x</p:attrName>
+                                          <p:attrName>ppt_y</p:attrName>
+                                        </p:attrNameLst>
+                                      </p:cBhvr>
+                                      <p:rCtr x="4141" y="0"/>
+                                    </p:animMotion>
+                                  </p:childTnLst>
+                                </p:cTn>
+                              </p:par>
+                              <p:par>
+                                <p:cTn id="55" presetID="63" presetClass="path" presetSubtype="0" accel="50000" decel="50000" fill="hold" grpId="6" nodeType="withEffect">
+                                  <p:stCondLst>
+                                    <p:cond delay="0"/>
+                                  </p:stCondLst>
+                                  <p:childTnLst>
+                                    <p:animMotion origin="layout" path="M 2.5E-6 -7.40741E-7 L 0.0845 -7.40741E-7 " pathEditMode="relative" rAng="0" ptsTypes="AA">
+                                      <p:cBhvr>
+                                        <p:cTn id="56" dur="500" fill="hold"/>
+                                        <p:tgtEl>
+                                          <p:spTgt spid="31"/>
+                                        </p:tgtEl>
+                                        <p:attrNameLst>
+                                          <p:attrName>ppt_x</p:attrName>
+                                          <p:attrName>ppt_y</p:attrName>
+                                        </p:attrNameLst>
+                                      </p:cBhvr>
+                                      <p:rCtr x="4219" y="0"/>
+                                    </p:animMotion>
+                                  </p:childTnLst>
+                                </p:cTn>
+                              </p:par>
+                            </p:childTnLst>
+                          </p:cTn>
+                        </p:par>
+                        <p:par>
+                          <p:cTn id="57" fill="hold">
+                            <p:stCondLst>
+                              <p:cond delay="8000"/>
+                            </p:stCondLst>
+                            <p:childTnLst>
+                              <p:par>
+                                <p:cTn id="58" presetID="63" presetClass="path" presetSubtype="0" accel="50000" decel="50000" fill="hold" grpId="6" nodeType="afterEffect">
+                                  <p:stCondLst>
+                                    <p:cond delay="0"/>
+                                  </p:stCondLst>
+                                  <p:childTnLst>
+                                    <p:animMotion origin="layout" path="M 0.08451 -7.40741E-7 L 0.16732 -7.40741E-7 " pathEditMode="relative" rAng="0" ptsTypes="AA">
+                                      <p:cBhvr>
+                                        <p:cTn id="59" dur="500" fill="hold"/>
+                                        <p:tgtEl>
+                                          <p:spTgt spid="34"/>
+                                        </p:tgtEl>
+                                        <p:attrNameLst>
+                                          <p:attrName>ppt_x</p:attrName>
+                                          <p:attrName>ppt_y</p:attrName>
+                                        </p:attrNameLst>
+                                      </p:cBhvr>
+                                      <p:rCtr x="4141" y="0"/>
+                                    </p:animMotion>
+                                  </p:childTnLst>
+                                </p:cTn>
+                              </p:par>
+                              <p:par>
+                                <p:cTn id="60" presetID="63" presetClass="path" presetSubtype="0" accel="50000" decel="50000" fill="hold" grpId="7" nodeType="withEffect">
+                                  <p:stCondLst>
+                                    <p:cond delay="0"/>
+                                  </p:stCondLst>
+                                  <p:childTnLst>
+                                    <p:animMotion origin="layout" path="M 0.0845 -7.40741E-7 L 0.16627 -7.40741E-7 " pathEditMode="relative" rAng="0" ptsTypes="AA">
+                                      <p:cBhvr>
+                                        <p:cTn id="61" dur="500" fill="hold"/>
+                                        <p:tgtEl>
+                                          <p:spTgt spid="31"/>
+                                        </p:tgtEl>
+                                        <p:attrNameLst>
+                                          <p:attrName>ppt_x</p:attrName>
+                                          <p:attrName>ppt_y</p:attrName>
+                                        </p:attrNameLst>
+                                      </p:cBhvr>
+                                      <p:rCtr x="4089" y="0"/>
+                                    </p:animMotion>
+                                  </p:childTnLst>
+                                </p:cTn>
+                              </p:par>
+                            </p:childTnLst>
+                          </p:cTn>
+                        </p:par>
+                        <p:par>
+                          <p:cTn id="62" fill="hold">
+                            <p:stCondLst>
+                              <p:cond delay="8500"/>
+                            </p:stCondLst>
+                            <p:childTnLst>
+                              <p:par>
+                                <p:cTn id="63" presetID="37" presetClass="path" presetSubtype="0" accel="50000" decel="50000" fill="hold" grpId="0" nodeType="afterEffect">
+                                  <p:stCondLst>
+                                    <p:cond delay="0"/>
+                                  </p:stCondLst>
+                                  <p:childTnLst>
+                                    <p:animMotion origin="layout" path="M 1.66667E-6 -1.48148E-6 L 0.02187 0.13472 C 0.02643 0.16505 0.0332 0.18148 0.04036 0.18148 C 0.04857 0.18148 0.05508 0.16505 0.05963 0.13472 L 0.08164 -1.48148E-6 " pathEditMode="relative" rAng="0" ptsTypes="AAAAA">
+                                      <p:cBhvr>
+                                        <p:cTn id="64" dur="1000" fill="hold"/>
+                                        <p:tgtEl>
+                                          <p:spTgt spid="19"/>
+                                        </p:tgtEl>
+                                        <p:attrNameLst>
+                                          <p:attrName>ppt_x</p:attrName>
+                                          <p:attrName>ppt_y</p:attrName>
+                                        </p:attrNameLst>
+                                      </p:cBhvr>
+                                      <p:rCtr x="4076" y="9074"/>
+                                    </p:animMotion>
+                                  </p:childTnLst>
+                                </p:cTn>
+                              </p:par>
+                              <p:par>
+                                <p:cTn id="65" presetID="37" presetClass="path" presetSubtype="0" accel="50000" decel="50000" fill="hold" grpId="1" nodeType="withEffect">
+                                  <p:stCondLst>
+                                    <p:cond delay="0"/>
+                                  </p:stCondLst>
+                                  <p:childTnLst>
+                                    <p:animMotion origin="layout" path="M -0.08216 -1.48148E-6 L -0.10404 0.13472 C -0.10859 0.16505 -0.11536 0.18148 -0.12253 0.18148 C -0.13073 0.18148 -0.13724 0.16505 -0.1418 0.13472 L -0.16341 -1.48148E-6 " pathEditMode="relative" rAng="0" ptsTypes="AAAAA">
+                                      <p:cBhvr>
+                                        <p:cTn id="66" dur="1000" fill="hold"/>
+                                        <p:tgtEl>
+                                          <p:spTgt spid="20"/>
+                                        </p:tgtEl>
+                                        <p:attrNameLst>
+                                          <p:attrName>ppt_x</p:attrName>
+                                          <p:attrName>ppt_y</p:attrName>
+                                        </p:attrNameLst>
+                                      </p:cBhvr>
+                                      <p:rCtr x="-4062" y="9074"/>
+                                    </p:animMotion>
+                                  </p:childTnLst>
+                                </p:cTn>
+                              </p:par>
+                            </p:childTnLst>
+                          </p:cTn>
+                        </p:par>
+                        <p:par>
+                          <p:cTn id="67" fill="hold">
+                            <p:stCondLst>
+                              <p:cond delay="9500"/>
+                            </p:stCondLst>
+                            <p:childTnLst>
+                              <p:par>
+                                <p:cTn id="68" presetID="63" presetClass="path" presetSubtype="0" accel="50000" decel="50000" fill="hold" grpId="7" nodeType="afterEffect">
+                                  <p:stCondLst>
+                                    <p:cond delay="0"/>
+                                  </p:stCondLst>
+                                  <p:childTnLst>
+                                    <p:animMotion origin="layout" path="M 0.16732 -7.40741E-7 L 0.25001 -7.40741E-7 " pathEditMode="relative" rAng="0" ptsTypes="AA">
+                                      <p:cBhvr>
+                                        <p:cTn id="69" dur="500" fill="hold"/>
+                                        <p:tgtEl>
+                                          <p:spTgt spid="34"/>
+                                        </p:tgtEl>
+                                        <p:attrNameLst>
+                                          <p:attrName>ppt_x</p:attrName>
+                                          <p:attrName>ppt_y</p:attrName>
+                                        </p:attrNameLst>
+                                      </p:cBhvr>
+                                      <p:rCtr x="4128" y="0"/>
+                                    </p:animMotion>
+                                  </p:childTnLst>
+                                </p:cTn>
+                              </p:par>
+                              <p:par>
+                                <p:cTn id="70" presetID="63" presetClass="path" presetSubtype="0" accel="50000" decel="50000" fill="hold" grpId="8" nodeType="withEffect">
+                                  <p:stCondLst>
+                                    <p:cond delay="0"/>
+                                  </p:stCondLst>
+                                  <p:childTnLst>
+                                    <p:animMotion origin="layout" path="M 0.16627 -7.40741E-7 L 0.25 -7.40741E-7 " pathEditMode="relative" rAng="0" ptsTypes="AA">
+                                      <p:cBhvr>
+                                        <p:cTn id="71" dur="500" fill="hold"/>
+                                        <p:tgtEl>
+                                          <p:spTgt spid="31"/>
+                                        </p:tgtEl>
+                                        <p:attrNameLst>
+                                          <p:attrName>ppt_x</p:attrName>
+                                          <p:attrName>ppt_y</p:attrName>
+                                        </p:attrNameLst>
+                                      </p:cBhvr>
+                                      <p:rCtr x="4180" y="0"/>
+                                    </p:animMotion>
+                                  </p:childTnLst>
+                                </p:cTn>
+                              </p:par>
+                            </p:childTnLst>
+                          </p:cTn>
+                        </p:par>
+                        <p:par>
+                          <p:cTn id="72" fill="hold">
+                            <p:stCondLst>
+                              <p:cond delay="10000"/>
+                            </p:stCondLst>
+                            <p:childTnLst>
+                              <p:par>
+                                <p:cTn id="73" presetID="37" presetClass="path" presetSubtype="0" accel="50000" decel="50000" fill="hold" grpId="1" nodeType="afterEffect">
+                                  <p:stCondLst>
+                                    <p:cond delay="0"/>
+                                  </p:stCondLst>
+                                  <p:childTnLst>
+                                    <p:animMotion origin="layout" path="M 0.08177 -1.48148E-6 L 0.10403 0.13472 C 0.10859 0.16505 0.11562 0.18148 0.12292 0.18148 C 0.13125 0.18148 0.13789 0.16505 0.14258 0.13472 L 0.16497 -1.48148E-6 " pathEditMode="relative" rAng="0" ptsTypes="AAAAA">
+                                      <p:cBhvr>
+                                        <p:cTn id="74" dur="1000" fill="hold"/>
+                                        <p:tgtEl>
+                                          <p:spTgt spid="19"/>
+                                        </p:tgtEl>
+                                        <p:attrNameLst>
+                                          <p:attrName>ppt_x</p:attrName>
+                                          <p:attrName>ppt_y</p:attrName>
+                                        </p:attrNameLst>
+                                      </p:cBhvr>
+                                      <p:rCtr x="4154" y="9074"/>
+                                    </p:animMotion>
+                                  </p:childTnLst>
+                                </p:cTn>
+                              </p:par>
+                              <p:par>
+                                <p:cTn id="75" presetID="37" presetClass="path" presetSubtype="0" accel="50000" decel="50000" fill="hold" grpId="1" nodeType="withEffect">
+                                  <p:stCondLst>
+                                    <p:cond delay="0"/>
+                                  </p:stCondLst>
+                                  <p:childTnLst>
+                                    <p:animMotion origin="layout" path="M -0.08229 -1.48148E-6 L -0.10416 0.13472 C -0.10872 0.16505 -0.11549 0.18148 -0.12265 0.18148 C -0.13086 0.18148 -0.13737 0.16505 -0.14192 0.13472 L -0.16354 -1.48148E-6 " pathEditMode="relative" rAng="0" ptsTypes="AAAAA">
+                                      <p:cBhvr>
+                                        <p:cTn id="76" dur="1000" fill="hold"/>
+                                        <p:tgtEl>
+                                          <p:spTgt spid="26"/>
+                                        </p:tgtEl>
+                                        <p:attrNameLst>
+                                          <p:attrName>ppt_x</p:attrName>
+                                          <p:attrName>ppt_y</p:attrName>
+                                        </p:attrNameLst>
+                                      </p:cBhvr>
+                                      <p:rCtr x="-4062" y="9074"/>
+                                    </p:animMotion>
+                                  </p:childTnLst>
+                                </p:cTn>
+                              </p:par>
+                            </p:childTnLst>
+                          </p:cTn>
+                        </p:par>
+                        <p:par>
+                          <p:cTn id="77" fill="hold">
+                            <p:stCondLst>
+                              <p:cond delay="11000"/>
+                            </p:stCondLst>
+                            <p:childTnLst>
+                              <p:par>
+                                <p:cTn id="78" presetID="63" presetClass="path" presetSubtype="0" accel="50000" decel="50000" fill="hold" grpId="8" nodeType="afterEffect">
+                                  <p:stCondLst>
+                                    <p:cond delay="0"/>
+                                  </p:stCondLst>
+                                  <p:childTnLst>
+                                    <p:animMotion origin="layout" path="M 0.24909 -7.40741E-7 L 0.33282 -7.40741E-7 " pathEditMode="relative" rAng="0" ptsTypes="AA">
+                                      <p:cBhvr>
+                                        <p:cTn id="79" dur="500" fill="hold"/>
+                                        <p:tgtEl>
+                                          <p:spTgt spid="34"/>
+                                        </p:tgtEl>
+                                        <p:attrNameLst>
+                                          <p:attrName>ppt_x</p:attrName>
+                                          <p:attrName>ppt_y</p:attrName>
+                                        </p:attrNameLst>
+                                      </p:cBhvr>
+                                      <p:rCtr x="4180" y="0"/>
+                                    </p:animMotion>
+                                  </p:childTnLst>
+                                </p:cTn>
+                              </p:par>
+                              <p:par>
+                                <p:cTn id="80" presetID="63" presetClass="path" presetSubtype="0" accel="50000" decel="50000" fill="hold" grpId="9" nodeType="withEffect">
+                                  <p:stCondLst>
+                                    <p:cond delay="0"/>
+                                  </p:stCondLst>
+                                  <p:childTnLst>
+                                    <p:animMotion origin="layout" path="M 0.25 -7.40741E-7 L 0.32786 -7.40741E-7 " pathEditMode="relative" rAng="0" ptsTypes="AA">
+                                      <p:cBhvr>
+                                        <p:cTn id="81" dur="500" fill="hold"/>
+                                        <p:tgtEl>
+                                          <p:spTgt spid="31"/>
+                                        </p:tgtEl>
+                                        <p:attrNameLst>
+                                          <p:attrName>ppt_x</p:attrName>
+                                          <p:attrName>ppt_y</p:attrName>
+                                        </p:attrNameLst>
+                                      </p:cBhvr>
+                                      <p:rCtr x="3893" y="0"/>
+                                    </p:animMotion>
+                                  </p:childTnLst>
+                                </p:cTn>
+                              </p:par>
+                            </p:childTnLst>
+                          </p:cTn>
+                        </p:par>
+                        <p:par>
+                          <p:cTn id="82" fill="hold">
+                            <p:stCondLst>
+                              <p:cond delay="11500"/>
+                            </p:stCondLst>
+                            <p:childTnLst>
+                              <p:par>
+                                <p:cTn id="83" presetID="37" presetClass="path" presetSubtype="0" accel="50000" decel="50000" fill="hold" grpId="2" nodeType="afterEffect">
+                                  <p:stCondLst>
+                                    <p:cond delay="0"/>
+                                  </p:stCondLst>
+                                  <p:childTnLst>
+                                    <p:animMotion origin="layout" path="M 0.16393 -1.48148E-6 L 0.18581 0.13472 C 0.19049 0.16505 0.19739 0.18148 0.20456 0.18148 C 0.21276 0.18148 0.2194 0.16505 0.22409 0.13472 L 0.24622 -1.48148E-6 " pathEditMode="relative" rAng="0" ptsTypes="AAAAA">
+                                      <p:cBhvr>
+                                        <p:cTn id="84" dur="1000" fill="hold"/>
+                                        <p:tgtEl>
+                                          <p:spTgt spid="19"/>
+                                        </p:tgtEl>
+                                        <p:attrNameLst>
+                                          <p:attrName>ppt_x</p:attrName>
+                                          <p:attrName>ppt_y</p:attrName>
+                                        </p:attrNameLst>
+                                      </p:cBhvr>
+                                      <p:rCtr x="4115" y="9074"/>
+                                    </p:animMotion>
+                                  </p:childTnLst>
+                                </p:cTn>
+                              </p:par>
+                              <p:par>
+                                <p:cTn id="85" presetID="37" presetClass="path" presetSubtype="0" accel="50000" decel="50000" fill="hold" grpId="1" nodeType="withEffect">
+                                  <p:stCondLst>
+                                    <p:cond delay="0"/>
+                                  </p:stCondLst>
+                                  <p:childTnLst>
+                                    <p:animMotion origin="layout" path="M -0.08229 -1.48148E-6 L -0.10403 0.13472 C -0.10846 0.16505 -0.11523 0.18148 -0.12226 0.18148 C -0.13033 0.18148 -0.13685 0.16505 -0.14127 0.13472 L -0.16276 -1.48148E-6 " pathEditMode="relative" rAng="0" ptsTypes="AAAAA">
+                                      <p:cBhvr>
+                                        <p:cTn id="86" dur="1000" fill="hold"/>
+                                        <p:tgtEl>
+                                          <p:spTgt spid="25"/>
+                                        </p:tgtEl>
+                                        <p:attrNameLst>
+                                          <p:attrName>ppt_x</p:attrName>
+                                          <p:attrName>ppt_y</p:attrName>
+                                        </p:attrNameLst>
+                                      </p:cBhvr>
+                                      <p:rCtr x="-4023" y="9074"/>
+                                    </p:animMotion>
+                                  </p:childTnLst>
+                                </p:cTn>
+                              </p:par>
+                            </p:childTnLst>
+                          </p:cTn>
+                        </p:par>
+                        <p:par>
+                          <p:cTn id="87" fill="hold">
+                            <p:stCondLst>
+                              <p:cond delay="12500"/>
+                            </p:stCondLst>
+                            <p:childTnLst>
+                              <p:par>
+                                <p:cTn id="88" presetID="35" presetClass="path" presetSubtype="0" accel="50000" decel="50000" fill="hold" grpId="1" nodeType="afterEffect">
+                                  <p:stCondLst>
+                                    <p:cond delay="0"/>
+                                  </p:stCondLst>
+                                  <p:childTnLst>
+                                    <p:animMotion origin="layout" path="M -0.08125 -3.7037E-6 L -0.16354 -3.7037E-6 " pathEditMode="relative" rAng="0" ptsTypes="AA">
+                                      <p:cBhvr>
+                                        <p:cTn id="89" dur="500" fill="hold"/>
+                                        <p:tgtEl>
+                                          <p:spTgt spid="28"/>
+                                        </p:tgtEl>
+                                        <p:attrNameLst>
+                                          <p:attrName>ppt_x</p:attrName>
+                                          <p:attrName>ppt_y</p:attrName>
+                                        </p:attrNameLst>
+                                      </p:cBhvr>
+                                      <p:rCtr x="-4115" y="0"/>
+                                    </p:animMotion>
+                                  </p:childTnLst>
+                                </p:cTn>
+                              </p:par>
+                            </p:childTnLst>
+                          </p:cTn>
+                        </p:par>
+                        <p:par>
+                          <p:cTn id="90" fill="hold">
+                            <p:stCondLst>
+                              <p:cond delay="13000"/>
+                            </p:stCondLst>
+                            <p:childTnLst>
+                              <p:par>
+                                <p:cTn id="91" presetID="63" presetClass="path" presetSubtype="0" accel="50000" decel="50000" fill="hold" grpId="10" nodeType="afterEffect">
+                                  <p:stCondLst>
+                                    <p:cond delay="0"/>
+                                  </p:stCondLst>
+                                  <p:childTnLst>
+                                    <p:animMotion origin="layout" path="M 5E-6 -7.40741E-7 L 0.08282 -7.40741E-7 " pathEditMode="relative" rAng="0" ptsTypes="AA">
+                                      <p:cBhvr>
+                                        <p:cTn id="92" dur="500" fill="hold"/>
+                                        <p:tgtEl>
+                                          <p:spTgt spid="34"/>
+                                        </p:tgtEl>
+                                        <p:attrNameLst>
+                                          <p:attrName>ppt_x</p:attrName>
+                                          <p:attrName>ppt_y</p:attrName>
+                                        </p:attrNameLst>
+                                      </p:cBhvr>
+                                      <p:rCtr x="4141" y="0"/>
+                                    </p:animMotion>
+                                  </p:childTnLst>
+                                </p:cTn>
+                              </p:par>
+                              <p:par>
+                                <p:cTn id="93" presetID="63" presetClass="path" presetSubtype="0" accel="50000" decel="50000" fill="hold" grpId="11" nodeType="withEffect">
+                                  <p:stCondLst>
+                                    <p:cond delay="0"/>
+                                  </p:stCondLst>
+                                  <p:childTnLst>
+                                    <p:animMotion origin="layout" path="M 2.5E-6 -7.40741E-7 L 0.0845 -7.40741E-7 " pathEditMode="relative" rAng="0" ptsTypes="AA">
+                                      <p:cBhvr>
+                                        <p:cTn id="94" dur="500" fill="hold"/>
+                                        <p:tgtEl>
+                                          <p:spTgt spid="31"/>
+                                        </p:tgtEl>
+                                        <p:attrNameLst>
+                                          <p:attrName>ppt_x</p:attrName>
+                                          <p:attrName>ppt_y</p:attrName>
+                                        </p:attrNameLst>
+                                      </p:cBhvr>
+                                      <p:rCtr x="4219" y="0"/>
+                                    </p:animMotion>
+                                  </p:childTnLst>
+                                </p:cTn>
+                              </p:par>
+                            </p:childTnLst>
+                          </p:cTn>
+                        </p:par>
+                        <p:par>
+                          <p:cTn id="95" fill="hold">
+                            <p:stCondLst>
+                              <p:cond delay="13500"/>
+                            </p:stCondLst>
+                            <p:childTnLst>
+                              <p:par>
+                                <p:cTn id="96" presetID="63" presetClass="path" presetSubtype="0" accel="50000" decel="50000" fill="hold" grpId="11" nodeType="afterEffect">
+                                  <p:stCondLst>
+                                    <p:cond delay="0"/>
+                                  </p:stCondLst>
+                                  <p:childTnLst>
+                                    <p:animMotion origin="layout" path="M 0.08451 -7.40741E-7 L 0.16732 -7.40741E-7 " pathEditMode="relative" rAng="0" ptsTypes="AA">
+                                      <p:cBhvr>
+                                        <p:cTn id="97" dur="500" fill="hold"/>
+                                        <p:tgtEl>
+                                          <p:spTgt spid="34"/>
+                                        </p:tgtEl>
+                                        <p:attrNameLst>
+                                          <p:attrName>ppt_x</p:attrName>
+                                          <p:attrName>ppt_y</p:attrName>
+                                        </p:attrNameLst>
+                                      </p:cBhvr>
+                                      <p:rCtr x="4141" y="0"/>
+                                    </p:animMotion>
+                                  </p:childTnLst>
+                                </p:cTn>
+                              </p:par>
+                              <p:par>
+                                <p:cTn id="98" presetID="63" presetClass="path" presetSubtype="0" accel="50000" decel="50000" fill="hold" grpId="12" nodeType="withEffect">
+                                  <p:stCondLst>
+                                    <p:cond delay="0"/>
+                                  </p:stCondLst>
+                                  <p:childTnLst>
+                                    <p:animMotion origin="layout" path="M 0.0845 -7.40741E-7 L 0.16627 -7.40741E-7 " pathEditMode="relative" rAng="0" ptsTypes="AA">
+                                      <p:cBhvr>
+                                        <p:cTn id="99" dur="500" fill="hold"/>
+                                        <p:tgtEl>
+                                          <p:spTgt spid="31"/>
+                                        </p:tgtEl>
+                                        <p:attrNameLst>
+                                          <p:attrName>ppt_x</p:attrName>
+                                          <p:attrName>ppt_y</p:attrName>
+                                        </p:attrNameLst>
+                                      </p:cBhvr>
+                                      <p:rCtr x="4089" y="0"/>
+                                    </p:animMotion>
+                                  </p:childTnLst>
+                                </p:cTn>
+                              </p:par>
+                            </p:childTnLst>
+                          </p:cTn>
+                        </p:par>
+                        <p:par>
+                          <p:cTn id="100" fill="hold">
+                            <p:stCondLst>
+                              <p:cond delay="14000"/>
+                            </p:stCondLst>
+                            <p:childTnLst>
+                              <p:par>
+                                <p:cTn id="101" presetID="63" presetClass="path" presetSubtype="0" accel="50000" decel="50000" fill="hold" grpId="12" nodeType="afterEffect">
+                                  <p:stCondLst>
+                                    <p:cond delay="0"/>
+                                  </p:stCondLst>
+                                  <p:childTnLst>
+                                    <p:animMotion origin="layout" path="M 0.16732 -7.40741E-7 L 0.24909 -7.40741E-7 " pathEditMode="relative" rAng="0" ptsTypes="AA">
+                                      <p:cBhvr>
+                                        <p:cTn id="102" dur="500" fill="hold"/>
+                                        <p:tgtEl>
+                                          <p:spTgt spid="34"/>
+                                        </p:tgtEl>
+                                        <p:attrNameLst>
+                                          <p:attrName>ppt_x</p:attrName>
+                                          <p:attrName>ppt_y</p:attrName>
+                                        </p:attrNameLst>
+                                      </p:cBhvr>
+                                      <p:rCtr x="4089" y="0"/>
+                                    </p:animMotion>
+                                  </p:childTnLst>
+                                </p:cTn>
+                              </p:par>
+                              <p:par>
+                                <p:cTn id="103" presetID="63" presetClass="path" presetSubtype="0" accel="50000" decel="50000" fill="hold" grpId="13" nodeType="withEffect">
+                                  <p:stCondLst>
+                                    <p:cond delay="0"/>
+                                  </p:stCondLst>
+                                  <p:childTnLst>
+                                    <p:animMotion origin="layout" path="M 0.16627 -7.40741E-7 L 0.25 -7.40741E-7 " pathEditMode="relative" rAng="0" ptsTypes="AA">
+                                      <p:cBhvr>
+                                        <p:cTn id="104" dur="500" fill="hold"/>
+                                        <p:tgtEl>
+                                          <p:spTgt spid="31"/>
+                                        </p:tgtEl>
+                                        <p:attrNameLst>
+                                          <p:attrName>ppt_x</p:attrName>
+                                          <p:attrName>ppt_y</p:attrName>
+                                        </p:attrNameLst>
+                                      </p:cBhvr>
+                                      <p:rCtr x="4180" y="0"/>
+                                    </p:animMotion>
+                                  </p:childTnLst>
+                                </p:cTn>
+                              </p:par>
+                            </p:childTnLst>
+                          </p:cTn>
+                        </p:par>
+                        <p:par>
+                          <p:cTn id="105" fill="hold">
+                            <p:stCondLst>
+                              <p:cond delay="14500"/>
+                            </p:stCondLst>
+                            <p:childTnLst>
+                              <p:par>
+                                <p:cTn id="106" presetID="37" presetClass="path" presetSubtype="0" accel="50000" decel="50000" fill="hold" grpId="2" nodeType="afterEffect">
+                                  <p:stCondLst>
+                                    <p:cond delay="0"/>
+                                  </p:stCondLst>
+                                  <p:childTnLst>
+                                    <p:animMotion origin="layout" path="M -0.16458 -1.48148E-6 L -0.18632 0.13472 C -0.19088 0.16505 -0.19765 0.18148 -0.20481 0.18148 C -0.21289 0.18148 -0.2194 0.16505 -0.22395 0.13472 L -0.24557 -1.48148E-6 " pathEditMode="relative" rAng="0" ptsTypes="AAAAA">
+                                      <p:cBhvr>
+                                        <p:cTn id="107" dur="1000" fill="hold"/>
+                                        <p:tgtEl>
+                                          <p:spTgt spid="25"/>
+                                        </p:tgtEl>
+                                        <p:attrNameLst>
+                                          <p:attrName>ppt_x</p:attrName>
+                                          <p:attrName>ppt_y</p:attrName>
+                                        </p:attrNameLst>
+                                      </p:cBhvr>
+                                      <p:rCtr x="-4049" y="9074"/>
+                                    </p:animMotion>
+                                  </p:childTnLst>
+                                </p:cTn>
+                              </p:par>
+                              <p:par>
+                                <p:cTn id="108" presetID="37" presetClass="path" presetSubtype="0" accel="50000" decel="50000" fill="hold" grpId="2" nodeType="withEffect">
+                                  <p:stCondLst>
+                                    <p:cond delay="0"/>
+                                  </p:stCondLst>
+                                  <p:childTnLst>
+                                    <p:animMotion origin="layout" path="M -0.16445 -1.48148E-6 L -0.14245 0.13472 C -0.13789 0.16505 -0.13099 0.18148 -0.12383 0.18148 C -0.11562 0.18148 -0.10898 0.16505 -0.10442 0.13472 L -0.08229 -1.48148E-6 " pathEditMode="relative" rAng="0" ptsTypes="AAAAA">
+                                      <p:cBhvr>
+                                        <p:cTn id="109" dur="1000" fill="hold"/>
+                                        <p:tgtEl>
+                                          <p:spTgt spid="26"/>
+                                        </p:tgtEl>
+                                        <p:attrNameLst>
+                                          <p:attrName>ppt_x</p:attrName>
+                                          <p:attrName>ppt_y</p:attrName>
+                                        </p:attrNameLst>
+                                      </p:cBhvr>
+                                      <p:rCtr x="4102" y="9074"/>
+                                    </p:animMotion>
+                                  </p:childTnLst>
+                                </p:cTn>
+                              </p:par>
+                            </p:childTnLst>
+                          </p:cTn>
+                        </p:par>
+                        <p:par>
+                          <p:cTn id="110" fill="hold">
+                            <p:stCondLst>
+                              <p:cond delay="15500"/>
+                            </p:stCondLst>
+                            <p:childTnLst>
+                              <p:par>
+                                <p:cTn id="111" presetID="35" presetClass="path" presetSubtype="0" accel="50000" decel="50000" fill="hold" grpId="2" nodeType="afterEffect">
+                                  <p:stCondLst>
+                                    <p:cond delay="0"/>
+                                  </p:stCondLst>
+                                  <p:childTnLst>
+                                    <p:animMotion origin="layout" path="M -0.16354 -3.7037E-6 L -0.25 -3.7037E-6 " pathEditMode="relative" rAng="0" ptsTypes="AA">
+                                      <p:cBhvr>
+                                        <p:cTn id="112" dur="500" fill="hold"/>
+                                        <p:tgtEl>
+                                          <p:spTgt spid="28"/>
+                                        </p:tgtEl>
+                                        <p:attrNameLst>
+                                          <p:attrName>ppt_x</p:attrName>
+                                          <p:attrName>ppt_y</p:attrName>
+                                        </p:attrNameLst>
+                                      </p:cBhvr>
+                                      <p:rCtr x="-4323" y="0"/>
+                                    </p:animMotion>
+                                  </p:childTnLst>
+                                </p:cTn>
+                              </p:par>
+                            </p:childTnLst>
+                          </p:cTn>
+                        </p:par>
+                        <p:par>
+                          <p:cTn id="113" fill="hold">
+                            <p:stCondLst>
+                              <p:cond delay="16500"/>
+                            </p:stCondLst>
+                            <p:childTnLst>
+                              <p:par>
+                                <p:cTn id="114" presetID="63" presetClass="path" presetSubtype="0" accel="50000" decel="50000" fill="hold" grpId="13" nodeType="afterEffect">
+                                  <p:stCondLst>
+                                    <p:cond delay="0"/>
+                                  </p:stCondLst>
+                                  <p:childTnLst>
+                                    <p:animMotion origin="layout" path="M 5E-6 -7.40741E-7 L 0.08282 -7.40741E-7 " pathEditMode="relative" rAng="0" ptsTypes="AA">
+                                      <p:cBhvr>
+                                        <p:cTn id="115" dur="500" fill="hold"/>
+                                        <p:tgtEl>
+                                          <p:spTgt spid="34"/>
+                                        </p:tgtEl>
+                                        <p:attrNameLst>
+                                          <p:attrName>ppt_x</p:attrName>
+                                          <p:attrName>ppt_y</p:attrName>
+                                        </p:attrNameLst>
+                                      </p:cBhvr>
+                                      <p:rCtr x="4141" y="0"/>
+                                    </p:animMotion>
+                                  </p:childTnLst>
+                                </p:cTn>
+                              </p:par>
+                              <p:par>
+                                <p:cTn id="116" presetID="63" presetClass="path" presetSubtype="0" accel="50000" decel="50000" fill="hold" grpId="14" nodeType="withEffect">
+                                  <p:stCondLst>
+                                    <p:cond delay="0"/>
+                                  </p:stCondLst>
+                                  <p:childTnLst>
+                                    <p:animMotion origin="layout" path="M 2.5E-6 -7.40741E-7 L 0.0845 -7.40741E-7 " pathEditMode="relative" rAng="0" ptsTypes="AA">
+                                      <p:cBhvr>
+                                        <p:cTn id="117" dur="500" fill="hold"/>
+                                        <p:tgtEl>
+                                          <p:spTgt spid="31"/>
+                                        </p:tgtEl>
+                                        <p:attrNameLst>
+                                          <p:attrName>ppt_x</p:attrName>
+                                          <p:attrName>ppt_y</p:attrName>
+                                        </p:attrNameLst>
+                                      </p:cBhvr>
+                                      <p:rCtr x="4219" y="0"/>
+                                    </p:animMotion>
+                                  </p:childTnLst>
+                                </p:cTn>
+                              </p:par>
+                            </p:childTnLst>
+                          </p:cTn>
+                        </p:par>
+                        <p:par>
+                          <p:cTn id="118" fill="hold">
+                            <p:stCondLst>
+                              <p:cond delay="17000"/>
+                            </p:stCondLst>
+                            <p:childTnLst>
+                              <p:par>
+                                <p:cTn id="119" presetID="63" presetClass="path" presetSubtype="0" accel="50000" decel="50000" fill="hold" grpId="14" nodeType="afterEffect">
+                                  <p:stCondLst>
+                                    <p:cond delay="0"/>
+                                  </p:stCondLst>
+                                  <p:childTnLst>
+                                    <p:animMotion origin="layout" path="M 0.08451 -7.40741E-7 L 0.16732 -7.40741E-7 " pathEditMode="relative" rAng="0" ptsTypes="AA">
+                                      <p:cBhvr>
+                                        <p:cTn id="120" dur="500" fill="hold"/>
+                                        <p:tgtEl>
+                                          <p:spTgt spid="34"/>
+                                        </p:tgtEl>
+                                        <p:attrNameLst>
+                                          <p:attrName>ppt_x</p:attrName>
+                                          <p:attrName>ppt_y</p:attrName>
+                                        </p:attrNameLst>
+                                      </p:cBhvr>
+                                      <p:rCtr x="4141" y="0"/>
+                                    </p:animMotion>
+                                  </p:childTnLst>
+                                </p:cTn>
+                              </p:par>
+                              <p:par>
+                                <p:cTn id="121" presetID="63" presetClass="path" presetSubtype="0" accel="50000" decel="50000" fill="hold" grpId="15" nodeType="withEffect">
+                                  <p:stCondLst>
+                                    <p:cond delay="0"/>
+                                  </p:stCondLst>
+                                  <p:childTnLst>
+                                    <p:animMotion origin="layout" path="M 0.0845 -7.40741E-7 L 0.16627 -7.40741E-7 " pathEditMode="relative" rAng="0" ptsTypes="AA">
+                                      <p:cBhvr>
+                                        <p:cTn id="122" dur="500" fill="hold"/>
+                                        <p:tgtEl>
+                                          <p:spTgt spid="31"/>
+                                        </p:tgtEl>
+                                        <p:attrNameLst>
+                                          <p:attrName>ppt_x</p:attrName>
+                                          <p:attrName>ppt_y</p:attrName>
+                                        </p:attrNameLst>
+                                      </p:cBhvr>
+                                      <p:rCtr x="4089" y="0"/>
+                                    </p:animMotion>
+                                  </p:childTnLst>
+                                </p:cTn>
+                              </p:par>
+                            </p:childTnLst>
+                          </p:cTn>
+                        </p:par>
+                        <p:par>
+                          <p:cTn id="123" fill="hold">
+                            <p:stCondLst>
+                              <p:cond delay="17500"/>
+                            </p:stCondLst>
+                            <p:childTnLst>
+                              <p:par>
+                                <p:cTn id="124" presetID="37" presetClass="path" presetSubtype="0" accel="50000" decel="50000" fill="hold" grpId="3" nodeType="afterEffect">
+                                  <p:stCondLst>
+                                    <p:cond delay="0"/>
+                                  </p:stCondLst>
+                                  <p:childTnLst>
+                                    <p:animMotion origin="layout" path="M -0.24674 -1.48148E-6 L -0.2677 0.13472 C -0.272 0.16505 -0.27851 0.18148 -0.28541 0.18148 C -0.2931 0.18148 -0.29935 0.16505 -0.30364 0.13472 L -0.32448 -1.48148E-6 " pathEditMode="relative" rAng="0" ptsTypes="AAAAA">
+                                      <p:cBhvr>
+                                        <p:cTn id="125" dur="1000" fill="hold"/>
+                                        <p:tgtEl>
+                                          <p:spTgt spid="25"/>
+                                        </p:tgtEl>
+                                        <p:attrNameLst>
+                                          <p:attrName>ppt_x</p:attrName>
+                                          <p:attrName>ppt_y</p:attrName>
+                                        </p:attrNameLst>
+                                      </p:cBhvr>
+                                      <p:rCtr x="-3893" y="9074"/>
+                                    </p:animMotion>
+                                  </p:childTnLst>
+                                </p:cTn>
+                              </p:par>
+                              <p:par>
+                                <p:cTn id="126" presetID="37" presetClass="path" presetSubtype="0" accel="50000" decel="50000" fill="hold" grpId="2" nodeType="withEffect">
+                                  <p:stCondLst>
+                                    <p:cond delay="0"/>
+                                  </p:stCondLst>
+                                  <p:childTnLst>
+                                    <p:animMotion origin="layout" path="M -0.16341 -1.48148E-6 L -0.14167 0.13472 C -0.13711 0.16505 -0.13034 0.18148 -0.12318 0.18148 C -0.1151 0.18148 -0.10859 0.16505 -0.10404 0.13472 L -0.08216 -1.48148E-6 " pathEditMode="relative" rAng="0" ptsTypes="AAAAA">
+                                      <p:cBhvr>
+                                        <p:cTn id="127" dur="1000" fill="hold"/>
+                                        <p:tgtEl>
+                                          <p:spTgt spid="20"/>
+                                        </p:tgtEl>
+                                        <p:attrNameLst>
+                                          <p:attrName>ppt_x</p:attrName>
+                                          <p:attrName>ppt_y</p:attrName>
+                                        </p:attrNameLst>
+                                      </p:cBhvr>
+                                      <p:rCtr x="4062" y="9074"/>
+                                    </p:animMotion>
+                                  </p:childTnLst>
+                                </p:cTn>
+                              </p:par>
+                            </p:childTnLst>
+                          </p:cTn>
+                        </p:par>
+                        <p:par>
+                          <p:cTn id="128" fill="hold">
+                            <p:stCondLst>
+                              <p:cond delay="18500"/>
+                            </p:stCondLst>
+                            <p:childTnLst>
+                              <p:par>
+                                <p:cTn id="129" presetID="35" presetClass="path" presetSubtype="0" accel="50000" decel="50000" fill="hold" grpId="3" nodeType="afterEffect">
+                                  <p:stCondLst>
+                                    <p:cond delay="0"/>
+                                  </p:stCondLst>
+                                  <p:childTnLst>
+                                    <p:animMotion origin="layout" path="M -0.25 -3.7037E-6 L -0.32747 -3.7037E-6 " pathEditMode="relative" rAng="0" ptsTypes="AA">
+                                      <p:cBhvr>
+                                        <p:cTn id="130" dur="500" fill="hold"/>
+                                        <p:tgtEl>
+                                          <p:spTgt spid="28"/>
+                                        </p:tgtEl>
+                                        <p:attrNameLst>
+                                          <p:attrName>ppt_x</p:attrName>
+                                          <p:attrName>ppt_y</p:attrName>
+                                        </p:attrNameLst>
+                                      </p:cBhvr>
+                                      <p:rCtr x="-3880" y="0"/>
+                                    </p:animMotion>
+                                  </p:childTnLst>
+                                </p:cTn>
+                              </p:par>
+                            </p:childTnLst>
+                          </p:cTn>
+                        </p:par>
+                        <p:par>
+                          <p:cTn id="131" fill="hold">
+                            <p:stCondLst>
+                              <p:cond delay="19000"/>
+                            </p:stCondLst>
+                            <p:childTnLst>
+                              <p:par>
+                                <p:cTn id="132" presetID="63" presetClass="path" presetSubtype="0" accel="50000" decel="50000" fill="hold" grpId="15" nodeType="afterEffect">
+                                  <p:stCondLst>
+                                    <p:cond delay="0"/>
+                                  </p:stCondLst>
+                                  <p:childTnLst>
+                                    <p:animMotion origin="layout" path="M 5E-6 -7.40741E-7 L 0.08282 -7.40741E-7 " pathEditMode="relative" rAng="0" ptsTypes="AA">
+                                      <p:cBhvr>
+                                        <p:cTn id="133" dur="500" fill="hold"/>
+                                        <p:tgtEl>
+                                          <p:spTgt spid="34"/>
+                                        </p:tgtEl>
+                                        <p:attrNameLst>
+                                          <p:attrName>ppt_x</p:attrName>
+                                          <p:attrName>ppt_y</p:attrName>
+                                        </p:attrNameLst>
+                                      </p:cBhvr>
+                                      <p:rCtr x="4141" y="0"/>
+                                    </p:animMotion>
+                                  </p:childTnLst>
+                                </p:cTn>
+                              </p:par>
+                              <p:par>
+                                <p:cTn id="134" presetID="63" presetClass="path" presetSubtype="0" accel="50000" decel="50000" fill="hold" grpId="16" nodeType="withEffect">
+                                  <p:stCondLst>
+                                    <p:cond delay="0"/>
+                                  </p:stCondLst>
+                                  <p:childTnLst>
+                                    <p:animMotion origin="layout" path="M 2.5E-6 -7.40741E-7 L 0.0845 -7.40741E-7 " pathEditMode="relative" rAng="0" ptsTypes="AA">
+                                      <p:cBhvr>
+                                        <p:cTn id="135" dur="500" fill="hold"/>
+                                        <p:tgtEl>
+                                          <p:spTgt spid="31"/>
+                                        </p:tgtEl>
+                                        <p:attrNameLst>
+                                          <p:attrName>ppt_x</p:attrName>
+                                          <p:attrName>ppt_y</p:attrName>
+                                        </p:attrNameLst>
+                                      </p:cBhvr>
+                                      <p:rCtr x="4219" y="0"/>
+                                    </p:animMotion>
+                                  </p:childTnLst>
+                                </p:cTn>
+                              </p:par>
+                            </p:childTnLst>
+                          </p:cTn>
+                        </p:par>
+                        <p:par>
+                          <p:cTn id="136" fill="hold">
+                            <p:stCondLst>
+                              <p:cond delay="19500"/>
+                            </p:stCondLst>
+                            <p:childTnLst>
+                              <p:par>
+                                <p:cTn id="137" presetID="35" presetClass="path" presetSubtype="0" accel="50000" decel="50000" fill="hold" grpId="4" nodeType="afterEffect">
+                                  <p:stCondLst>
+                                    <p:cond delay="0"/>
+                                  </p:stCondLst>
+                                  <p:childTnLst>
+                                    <p:animMotion origin="layout" path="M -0.32747 -3.7037E-6 L -0.40911 -3.7037E-6 " pathEditMode="relative" rAng="0" ptsTypes="AA">
+                                      <p:cBhvr>
+                                        <p:cTn id="138" dur="500" fill="hold"/>
+                                        <p:tgtEl>
+                                          <p:spTgt spid="28"/>
+                                        </p:tgtEl>
+                                        <p:attrNameLst>
+                                          <p:attrName>ppt_x</p:attrName>
+                                          <p:attrName>ppt_y</p:attrName>
+                                        </p:attrNameLst>
+                                      </p:cBhvr>
+                                      <p:rCtr x="-4089" y="0"/>
+                                    </p:animMotion>
+                                  </p:childTnLst>
+                                </p:cTn>
+                              </p:par>
+                            </p:childTnLst>
+                          </p:cTn>
+                        </p:par>
+                      </p:childTnLst>
+                    </p:cTn>
+                  </p:par>
+                </p:childTnLst>
+              </p:cTn>
+              <p:prevCondLst>
+                <p:cond evt="onPrev" delay="0">
+                  <p:tgtEl>
+                    <p:sldTgt/>
+                  </p:tgtEl>
+                </p:cond>
+              </p:prevCondLst>
+              <p:nextCondLst>
+                <p:cond evt="onNext" delay="0">
+                  <p:tgtEl>
+                    <p:sldTgt/>
+                  </p:tgtEl>
+                </p:cond>
+              </p:nextCondLst>
+            </p:seq>
+          </p:childTnLst>
+        </p:cTn>
       </p:par>
     </p:tnLst>
+    <p:bldLst>
+      <p:bldP spid="31" grpId="0" animBg="1"/>
+      <p:bldP spid="31" grpId="1" animBg="1"/>
+      <p:bldP spid="31" grpId="2" animBg="1"/>
+      <p:bldP spid="31" grpId="3" animBg="1"/>
+      <p:bldP spid="31" grpId="5" animBg="1"/>
+      <p:bldP spid="31" grpId="6" animBg="1"/>
+      <p:bldP spid="31" grpId="7" animBg="1"/>
+      <p:bldP spid="31" grpId="8" animBg="1"/>
+      <p:bldP spid="31" grpId="9" animBg="1"/>
+      <p:bldP spid="31" grpId="11" animBg="1"/>
+      <p:bldP spid="31" grpId="12" animBg="1"/>
+      <p:bldP spid="31" grpId="13" animBg="1"/>
+      <p:bldP spid="31" grpId="14" animBg="1"/>
+      <p:bldP spid="31" grpId="15" animBg="1"/>
+      <p:bldP spid="31" grpId="16" animBg="1"/>
+      <p:bldP spid="34" grpId="0" animBg="1"/>
+      <p:bldP spid="34" grpId="1" animBg="1"/>
+      <p:bldP spid="34" grpId="2" animBg="1"/>
+      <p:bldP spid="34" grpId="3" animBg="1"/>
+      <p:bldP spid="34" grpId="4" animBg="1"/>
+      <p:bldP spid="34" grpId="5" animBg="1"/>
+      <p:bldP spid="34" grpId="6" animBg="1"/>
+      <p:bldP spid="34" grpId="7" animBg="1"/>
+      <p:bldP spid="34" grpId="8" animBg="1"/>
+      <p:bldP spid="34" grpId="10" animBg="1"/>
+      <p:bldP spid="34" grpId="11" animBg="1"/>
+      <p:bldP spid="34" grpId="12" animBg="1"/>
+      <p:bldP spid="34" grpId="13" animBg="1"/>
+      <p:bldP spid="34" grpId="14" animBg="1"/>
+      <p:bldP spid="34" grpId="15" animBg="1"/>
+      <p:bldP spid="28" grpId="0" animBg="1"/>
+      <p:bldP spid="28" grpId="1" animBg="1"/>
+      <p:bldP spid="28" grpId="2" animBg="1"/>
+      <p:bldP spid="28" grpId="3" animBg="1"/>
+      <p:bldP spid="28" grpId="4" animBg="1"/>
+      <p:bldP spid="17" grpId="0" animBg="1"/>
+      <p:bldP spid="18" grpId="0" animBg="1"/>
+      <p:bldP spid="19" grpId="0" animBg="1"/>
+      <p:bldP spid="19" grpId="1" animBg="1"/>
+      <p:bldP spid="19" grpId="2" animBg="1"/>
+      <p:bldP spid="27" grpId="0" animBg="1"/>
+      <p:bldP spid="27" grpId="1" animBg="1"/>
+      <p:bldP spid="27" grpId="2" animBg="1"/>
+      <p:bldP spid="20" grpId="0" animBg="1"/>
+      <p:bldP spid="20" grpId="1" animBg="1"/>
+      <p:bldP spid="20" grpId="2" animBg="1"/>
+      <p:bldP spid="26" grpId="0" animBg="1"/>
+      <p:bldP spid="26" grpId="1" animBg="1"/>
+      <p:bldP spid="26" grpId="2" animBg="1"/>
+      <p:bldP spid="25" grpId="0" animBg="1"/>
+      <p:bldP spid="25" grpId="1" animBg="1"/>
+      <p:bldP spid="25" grpId="2" animBg="1"/>
+      <p:bldP spid="25" grpId="3" animBg="1"/>
+    </p:bldLst>
   </p:timing>
 </p:sld>
 </file>

--- a/ppt/sort.pptx
+++ b/ppt/sort.pptx
@@ -6,6 +6,7 @@
   </p:sldMasterIdLst>
   <p:sldIdLst>
     <p:sldId id="256" r:id="rId2"/>
+    <p:sldId id="257" r:id="rId3"/>
   </p:sldIdLst>
   <p:sldSz cx="12192000" cy="6858000"/>
   <p:notesSz cx="6858000" cy="9144000"/>
@@ -5167,6 +5168,2067 @@
 </p:sld>
 </file>
 
+<file path=ppt/slides/slide2.xml><?xml version="1.0" encoding="utf-8"?>
+<p:sld xmlns:a="http://schemas.openxmlformats.org/drawingml/2006/main" xmlns:r="http://schemas.openxmlformats.org/officeDocument/2006/relationships" xmlns:p="http://schemas.openxmlformats.org/presentationml/2006/main">
+  <p:cSld>
+    <p:spTree>
+      <p:nvGrpSpPr>
+        <p:cNvPr id="1" name=""/>
+        <p:cNvGrpSpPr/>
+        <p:nvPr/>
+      </p:nvGrpSpPr>
+      <p:grpSpPr>
+        <a:xfrm>
+          <a:off x="0" y="0"/>
+          <a:ext cx="0" cy="0"/>
+          <a:chOff x="0" y="0"/>
+          <a:chExt cx="0" cy="0"/>
+        </a:xfrm>
+      </p:grpSpPr>
+      <p:sp>
+        <p:nvSpPr>
+          <p:cNvPr id="31" name="上箭头标注 30"/>
+          <p:cNvSpPr/>
+          <p:nvPr/>
+        </p:nvSpPr>
+        <p:spPr>
+          <a:xfrm>
+            <a:off x="3914407" y="4670359"/>
+            <a:ext cx="668740" cy="818866"/>
+          </a:xfrm>
+          <a:prstGeom prst="upArrowCallout">
+            <a:avLst>
+              <a:gd name="adj1" fmla="val 25000"/>
+              <a:gd name="adj2" fmla="val 25000"/>
+              <a:gd name="adj3" fmla="val 25000"/>
+              <a:gd name="adj4" fmla="val 54977"/>
+            </a:avLst>
+          </a:prstGeom>
+          <a:solidFill>
+            <a:schemeClr val="tx2">
+              <a:lumMod val="50000"/>
+            </a:schemeClr>
+          </a:solidFill>
+          <a:ln>
+            <a:noFill/>
+          </a:ln>
+          <a:effectLst/>
+        </p:spPr>
+        <p:style>
+          <a:lnRef idx="2">
+            <a:schemeClr val="accent1">
+              <a:shade val="50000"/>
+            </a:schemeClr>
+          </a:lnRef>
+          <a:fillRef idx="1">
+            <a:schemeClr val="accent1"/>
+          </a:fillRef>
+          <a:effectRef idx="0">
+            <a:schemeClr val="accent1"/>
+          </a:effectRef>
+          <a:fontRef idx="minor">
+            <a:schemeClr val="lt1"/>
+          </a:fontRef>
+        </p:style>
+        <p:txBody>
+          <a:bodyPr rtlCol="0" anchor="ctr"/>
+          <a:lstStyle/>
+          <a:p>
+            <a:pPr algn="ctr"/>
+            <a:r>
+              <a:rPr lang="en-US" altLang="zh-CN" sz="2400" dirty="0" smtClean="0"/>
+              <a:t>J</a:t>
+            </a:r>
+            <a:endParaRPr lang="zh-CN" altLang="en-US" sz="2400" dirty="0"/>
+          </a:p>
+        </p:txBody>
+      </p:sp>
+      <p:sp>
+        <p:nvSpPr>
+          <p:cNvPr id="17" name="圆角矩形 16"/>
+          <p:cNvSpPr/>
+          <p:nvPr/>
+        </p:nvSpPr>
+        <p:spPr>
+          <a:xfrm>
+            <a:off x="2737477" y="3940196"/>
+            <a:ext cx="1003300" cy="609600"/>
+          </a:xfrm>
+          <a:prstGeom prst="roundRect">
+            <a:avLst/>
+          </a:prstGeom>
+          <a:solidFill>
+            <a:srgbClr val="00B050"/>
+          </a:solidFill>
+          <a:ln>
+            <a:noFill/>
+          </a:ln>
+          <a:effectLst/>
+        </p:spPr>
+        <p:style>
+          <a:lnRef idx="2">
+            <a:schemeClr val="accent1">
+              <a:shade val="50000"/>
+            </a:schemeClr>
+          </a:lnRef>
+          <a:fillRef idx="1">
+            <a:schemeClr val="accent1"/>
+          </a:fillRef>
+          <a:effectRef idx="0">
+            <a:schemeClr val="accent1"/>
+          </a:effectRef>
+          <a:fontRef idx="minor">
+            <a:schemeClr val="lt1"/>
+          </a:fontRef>
+        </p:style>
+        <p:txBody>
+          <a:bodyPr rtlCol="0" anchor="ctr"/>
+          <a:lstStyle/>
+          <a:p>
+            <a:pPr algn="ctr"/>
+            <a:r>
+              <a:rPr lang="en-US" altLang="zh-CN" sz="2000" dirty="0" smtClean="0">
+                <a:solidFill>
+                  <a:schemeClr val="bg2"/>
+                </a:solidFill>
+                <a:latin typeface="Times New Roman" panose="02020603050405020304" pitchFamily="18" charset="0"/>
+                <a:cs typeface="Times New Roman" panose="02020603050405020304" pitchFamily="18" charset="0"/>
+              </a:rPr>
+              <a:t>2</a:t>
+            </a:r>
+            <a:endParaRPr lang="zh-CN" altLang="en-US" sz="2000" dirty="0">
+              <a:solidFill>
+                <a:schemeClr val="bg2"/>
+              </a:solidFill>
+              <a:latin typeface="Times New Roman" panose="02020603050405020304" pitchFamily="18" charset="0"/>
+              <a:cs typeface="Times New Roman" panose="02020603050405020304" pitchFamily="18" charset="0"/>
+            </a:endParaRPr>
+          </a:p>
+        </p:txBody>
+      </p:sp>
+      <p:sp>
+        <p:nvSpPr>
+          <p:cNvPr id="18" name="圆角矩形 17"/>
+          <p:cNvSpPr/>
+          <p:nvPr/>
+        </p:nvSpPr>
+        <p:spPr>
+          <a:xfrm>
+            <a:off x="3747127" y="3940196"/>
+            <a:ext cx="1003300" cy="609600"/>
+          </a:xfrm>
+          <a:prstGeom prst="roundRect">
+            <a:avLst/>
+          </a:prstGeom>
+          <a:solidFill>
+            <a:srgbClr val="00B050"/>
+          </a:solidFill>
+          <a:ln>
+            <a:noFill/>
+          </a:ln>
+          <a:effectLst/>
+        </p:spPr>
+        <p:style>
+          <a:lnRef idx="2">
+            <a:schemeClr val="accent1">
+              <a:shade val="50000"/>
+            </a:schemeClr>
+          </a:lnRef>
+          <a:fillRef idx="1">
+            <a:schemeClr val="accent1"/>
+          </a:fillRef>
+          <a:effectRef idx="0">
+            <a:schemeClr val="accent1"/>
+          </a:effectRef>
+          <a:fontRef idx="minor">
+            <a:schemeClr val="lt1"/>
+          </a:fontRef>
+        </p:style>
+        <p:txBody>
+          <a:bodyPr rtlCol="0" anchor="ctr"/>
+          <a:lstStyle/>
+          <a:p>
+            <a:pPr algn="ctr"/>
+            <a:r>
+              <a:rPr lang="en-US" altLang="zh-CN" sz="2000" dirty="0" smtClean="0">
+                <a:solidFill>
+                  <a:schemeClr val="bg2"/>
+                </a:solidFill>
+                <a:latin typeface="Times New Roman" panose="02020603050405020304" pitchFamily="18" charset="0"/>
+                <a:cs typeface="Times New Roman" panose="02020603050405020304" pitchFamily="18" charset="0"/>
+              </a:rPr>
+              <a:t>1</a:t>
+            </a:r>
+            <a:endParaRPr lang="zh-CN" altLang="en-US" sz="2000" dirty="0">
+              <a:solidFill>
+                <a:schemeClr val="bg2"/>
+              </a:solidFill>
+              <a:latin typeface="Times New Roman" panose="02020603050405020304" pitchFamily="18" charset="0"/>
+              <a:cs typeface="Times New Roman" panose="02020603050405020304" pitchFamily="18" charset="0"/>
+            </a:endParaRPr>
+          </a:p>
+        </p:txBody>
+      </p:sp>
+      <p:sp>
+        <p:nvSpPr>
+          <p:cNvPr id="19" name="圆角矩形 18"/>
+          <p:cNvSpPr/>
+          <p:nvPr/>
+        </p:nvSpPr>
+        <p:spPr>
+          <a:xfrm>
+            <a:off x="4742709" y="3940196"/>
+            <a:ext cx="1003300" cy="609600"/>
+          </a:xfrm>
+          <a:prstGeom prst="roundRect">
+            <a:avLst/>
+          </a:prstGeom>
+          <a:solidFill>
+            <a:srgbClr val="00B050"/>
+          </a:solidFill>
+          <a:ln>
+            <a:noFill/>
+          </a:ln>
+          <a:effectLst/>
+        </p:spPr>
+        <p:style>
+          <a:lnRef idx="2">
+            <a:schemeClr val="accent1">
+              <a:shade val="50000"/>
+            </a:schemeClr>
+          </a:lnRef>
+          <a:fillRef idx="1">
+            <a:schemeClr val="accent1"/>
+          </a:fillRef>
+          <a:effectRef idx="0">
+            <a:schemeClr val="accent1"/>
+          </a:effectRef>
+          <a:fontRef idx="minor">
+            <a:schemeClr val="lt1"/>
+          </a:fontRef>
+        </p:style>
+        <p:txBody>
+          <a:bodyPr rtlCol="0" anchor="ctr"/>
+          <a:lstStyle/>
+          <a:p>
+            <a:pPr algn="ctr"/>
+            <a:r>
+              <a:rPr lang="en-US" altLang="zh-CN" sz="2000" dirty="0" smtClean="0">
+                <a:solidFill>
+                  <a:schemeClr val="bg2"/>
+                </a:solidFill>
+                <a:latin typeface="Times New Roman" panose="02020603050405020304" pitchFamily="18" charset="0"/>
+                <a:cs typeface="Times New Roman" panose="02020603050405020304" pitchFamily="18" charset="0"/>
+              </a:rPr>
+              <a:t>6</a:t>
+            </a:r>
+            <a:endParaRPr lang="zh-CN" altLang="en-US" sz="2000" dirty="0">
+              <a:solidFill>
+                <a:schemeClr val="bg2"/>
+              </a:solidFill>
+              <a:latin typeface="Times New Roman" panose="02020603050405020304" pitchFamily="18" charset="0"/>
+              <a:cs typeface="Times New Roman" panose="02020603050405020304" pitchFamily="18" charset="0"/>
+            </a:endParaRPr>
+          </a:p>
+        </p:txBody>
+      </p:sp>
+      <p:sp>
+        <p:nvSpPr>
+          <p:cNvPr id="27" name="圆角矩形 26"/>
+          <p:cNvSpPr/>
+          <p:nvPr/>
+        </p:nvSpPr>
+        <p:spPr>
+          <a:xfrm>
+            <a:off x="5738291" y="3940196"/>
+            <a:ext cx="1003300" cy="609600"/>
+          </a:xfrm>
+          <a:prstGeom prst="roundRect">
+            <a:avLst/>
+          </a:prstGeom>
+          <a:solidFill>
+            <a:srgbClr val="00B050"/>
+          </a:solidFill>
+          <a:ln>
+            <a:noFill/>
+          </a:ln>
+          <a:effectLst/>
+        </p:spPr>
+        <p:style>
+          <a:lnRef idx="2">
+            <a:schemeClr val="accent1">
+              <a:shade val="50000"/>
+            </a:schemeClr>
+          </a:lnRef>
+          <a:fillRef idx="1">
+            <a:schemeClr val="accent1"/>
+          </a:fillRef>
+          <a:effectRef idx="0">
+            <a:schemeClr val="accent1"/>
+          </a:effectRef>
+          <a:fontRef idx="minor">
+            <a:schemeClr val="lt1"/>
+          </a:fontRef>
+        </p:style>
+        <p:txBody>
+          <a:bodyPr rtlCol="0" anchor="ctr"/>
+          <a:lstStyle/>
+          <a:p>
+            <a:pPr algn="ctr"/>
+            <a:r>
+              <a:rPr lang="en-US" altLang="zh-CN" sz="2000" dirty="0">
+                <a:solidFill>
+                  <a:schemeClr val="bg2"/>
+                </a:solidFill>
+                <a:latin typeface="Times New Roman" panose="02020603050405020304" pitchFamily="18" charset="0"/>
+                <a:cs typeface="Times New Roman" panose="02020603050405020304" pitchFamily="18" charset="0"/>
+              </a:rPr>
+              <a:t>7</a:t>
+            </a:r>
+            <a:endParaRPr lang="zh-CN" altLang="en-US" sz="2000" dirty="0">
+              <a:solidFill>
+                <a:schemeClr val="bg2"/>
+              </a:solidFill>
+              <a:latin typeface="Times New Roman" panose="02020603050405020304" pitchFamily="18" charset="0"/>
+              <a:cs typeface="Times New Roman" panose="02020603050405020304" pitchFamily="18" charset="0"/>
+            </a:endParaRPr>
+          </a:p>
+        </p:txBody>
+      </p:sp>
+      <p:sp>
+        <p:nvSpPr>
+          <p:cNvPr id="20" name="圆角矩形 19"/>
+          <p:cNvSpPr/>
+          <p:nvPr/>
+        </p:nvSpPr>
+        <p:spPr>
+          <a:xfrm>
+            <a:off x="6741591" y="3940196"/>
+            <a:ext cx="1003300" cy="609600"/>
+          </a:xfrm>
+          <a:prstGeom prst="roundRect">
+            <a:avLst/>
+          </a:prstGeom>
+          <a:solidFill>
+            <a:srgbClr val="00B050"/>
+          </a:solidFill>
+          <a:ln>
+            <a:noFill/>
+          </a:ln>
+          <a:effectLst/>
+        </p:spPr>
+        <p:style>
+          <a:lnRef idx="2">
+            <a:schemeClr val="accent1">
+              <a:shade val="50000"/>
+            </a:schemeClr>
+          </a:lnRef>
+          <a:fillRef idx="1">
+            <a:schemeClr val="accent1"/>
+          </a:fillRef>
+          <a:effectRef idx="0">
+            <a:schemeClr val="accent1"/>
+          </a:effectRef>
+          <a:fontRef idx="minor">
+            <a:schemeClr val="lt1"/>
+          </a:fontRef>
+        </p:style>
+        <p:txBody>
+          <a:bodyPr rtlCol="0" anchor="ctr"/>
+          <a:lstStyle/>
+          <a:p>
+            <a:pPr algn="ctr"/>
+            <a:r>
+              <a:rPr lang="en-US" altLang="zh-CN" sz="2000" dirty="0" smtClean="0">
+                <a:solidFill>
+                  <a:schemeClr val="bg2"/>
+                </a:solidFill>
+                <a:latin typeface="Times New Roman" panose="02020603050405020304" pitchFamily="18" charset="0"/>
+                <a:cs typeface="Times New Roman" panose="02020603050405020304" pitchFamily="18" charset="0"/>
+              </a:rPr>
+              <a:t>4</a:t>
+            </a:r>
+            <a:endParaRPr lang="zh-CN" altLang="en-US" sz="2000" dirty="0">
+              <a:solidFill>
+                <a:schemeClr val="bg2"/>
+              </a:solidFill>
+              <a:latin typeface="Times New Roman" panose="02020603050405020304" pitchFamily="18" charset="0"/>
+              <a:cs typeface="Times New Roman" panose="02020603050405020304" pitchFamily="18" charset="0"/>
+            </a:endParaRPr>
+          </a:p>
+        </p:txBody>
+      </p:sp>
+      <p:sp>
+        <p:nvSpPr>
+          <p:cNvPr id="26" name="圆角矩形 25"/>
+          <p:cNvSpPr/>
+          <p:nvPr/>
+        </p:nvSpPr>
+        <p:spPr>
+          <a:xfrm>
+            <a:off x="7744891" y="3940196"/>
+            <a:ext cx="1003300" cy="609600"/>
+          </a:xfrm>
+          <a:prstGeom prst="roundRect">
+            <a:avLst/>
+          </a:prstGeom>
+          <a:solidFill>
+            <a:srgbClr val="00B050"/>
+          </a:solidFill>
+          <a:ln>
+            <a:noFill/>
+          </a:ln>
+          <a:effectLst/>
+        </p:spPr>
+        <p:style>
+          <a:lnRef idx="2">
+            <a:schemeClr val="accent1">
+              <a:shade val="50000"/>
+            </a:schemeClr>
+          </a:lnRef>
+          <a:fillRef idx="1">
+            <a:schemeClr val="accent1"/>
+          </a:fillRef>
+          <a:effectRef idx="0">
+            <a:schemeClr val="accent1"/>
+          </a:effectRef>
+          <a:fontRef idx="minor">
+            <a:schemeClr val="lt1"/>
+          </a:fontRef>
+        </p:style>
+        <p:txBody>
+          <a:bodyPr rtlCol="0" anchor="ctr"/>
+          <a:lstStyle/>
+          <a:p>
+            <a:pPr algn="ctr"/>
+            <a:r>
+              <a:rPr lang="en-US" altLang="zh-CN" sz="2000" dirty="0" smtClean="0">
+                <a:solidFill>
+                  <a:schemeClr val="bg2"/>
+                </a:solidFill>
+                <a:latin typeface="Times New Roman" panose="02020603050405020304" pitchFamily="18" charset="0"/>
+                <a:cs typeface="Times New Roman" panose="02020603050405020304" pitchFamily="18" charset="0"/>
+              </a:rPr>
+              <a:t>5</a:t>
+            </a:r>
+            <a:endParaRPr lang="zh-CN" altLang="en-US" sz="2000" dirty="0">
+              <a:solidFill>
+                <a:schemeClr val="bg2"/>
+              </a:solidFill>
+              <a:latin typeface="Times New Roman" panose="02020603050405020304" pitchFamily="18" charset="0"/>
+              <a:cs typeface="Times New Roman" panose="02020603050405020304" pitchFamily="18" charset="0"/>
+            </a:endParaRPr>
+          </a:p>
+        </p:txBody>
+      </p:sp>
+      <p:sp>
+        <p:nvSpPr>
+          <p:cNvPr id="25" name="圆角矩形 24"/>
+          <p:cNvSpPr/>
+          <p:nvPr/>
+        </p:nvSpPr>
+        <p:spPr>
+          <a:xfrm>
+            <a:off x="8747874" y="3940196"/>
+            <a:ext cx="1003300" cy="609600"/>
+          </a:xfrm>
+          <a:prstGeom prst="roundRect">
+            <a:avLst/>
+          </a:prstGeom>
+          <a:solidFill>
+            <a:srgbClr val="00B050"/>
+          </a:solidFill>
+          <a:ln>
+            <a:noFill/>
+          </a:ln>
+          <a:effectLst/>
+        </p:spPr>
+        <p:style>
+          <a:lnRef idx="2">
+            <a:schemeClr val="accent1">
+              <a:shade val="50000"/>
+            </a:schemeClr>
+          </a:lnRef>
+          <a:fillRef idx="1">
+            <a:schemeClr val="accent1"/>
+          </a:fillRef>
+          <a:effectRef idx="0">
+            <a:schemeClr val="accent1"/>
+          </a:effectRef>
+          <a:fontRef idx="minor">
+            <a:schemeClr val="lt1"/>
+          </a:fontRef>
+        </p:style>
+        <p:txBody>
+          <a:bodyPr rtlCol="0" anchor="ctr"/>
+          <a:lstStyle/>
+          <a:p>
+            <a:pPr algn="ctr"/>
+            <a:r>
+              <a:rPr lang="en-US" altLang="zh-CN" sz="2000" dirty="0" smtClean="0">
+                <a:solidFill>
+                  <a:schemeClr val="bg2"/>
+                </a:solidFill>
+                <a:latin typeface="Times New Roman" panose="02020603050405020304" pitchFamily="18" charset="0"/>
+                <a:cs typeface="Times New Roman" panose="02020603050405020304" pitchFamily="18" charset="0"/>
+              </a:rPr>
+              <a:t>3</a:t>
+            </a:r>
+            <a:endParaRPr lang="zh-CN" altLang="en-US" sz="2000" dirty="0">
+              <a:solidFill>
+                <a:schemeClr val="bg2"/>
+              </a:solidFill>
+              <a:latin typeface="Times New Roman" panose="02020603050405020304" pitchFamily="18" charset="0"/>
+              <a:cs typeface="Times New Roman" panose="02020603050405020304" pitchFamily="18" charset="0"/>
+            </a:endParaRPr>
+          </a:p>
+        </p:txBody>
+      </p:sp>
+      <p:sp>
+        <p:nvSpPr>
+          <p:cNvPr id="5" name="文本框 4"/>
+          <p:cNvSpPr txBox="1"/>
+          <p:nvPr/>
+        </p:nvSpPr>
+        <p:spPr>
+          <a:xfrm>
+            <a:off x="4666763" y="1959424"/>
+            <a:ext cx="2858476" cy="646331"/>
+          </a:xfrm>
+          <a:prstGeom prst="rect">
+            <a:avLst/>
+          </a:prstGeom>
+          <a:noFill/>
+        </p:spPr>
+        <p:txBody>
+          <a:bodyPr wrap="none" rtlCol="0">
+            <a:spAutoFit/>
+          </a:bodyPr>
+          <a:lstStyle/>
+          <a:p>
+            <a:pPr algn="ctr"/>
+            <a:r>
+              <a:rPr lang="en-US" altLang="zh-CN" sz="3600" dirty="0" smtClean="0">
+                <a:solidFill>
+                  <a:srgbClr val="00B050"/>
+                </a:solidFill>
+              </a:rPr>
+              <a:t>Selection </a:t>
+            </a:r>
+            <a:r>
+              <a:rPr lang="en-US" altLang="zh-CN" sz="3600" dirty="0" smtClean="0">
+                <a:solidFill>
+                  <a:srgbClr val="00B050"/>
+                </a:solidFill>
+              </a:rPr>
+              <a:t>sort</a:t>
+            </a:r>
+            <a:endParaRPr lang="zh-CN" altLang="en-US" sz="3600" dirty="0">
+              <a:solidFill>
+                <a:srgbClr val="00B050"/>
+              </a:solidFill>
+            </a:endParaRPr>
+          </a:p>
+        </p:txBody>
+      </p:sp>
+      <p:sp>
+        <p:nvSpPr>
+          <p:cNvPr id="13" name="下箭头标注 12"/>
+          <p:cNvSpPr/>
+          <p:nvPr/>
+        </p:nvSpPr>
+        <p:spPr>
+          <a:xfrm>
+            <a:off x="3316016" y="3039442"/>
+            <a:ext cx="548844" cy="900753"/>
+          </a:xfrm>
+          <a:prstGeom prst="downArrowCallout">
+            <a:avLst>
+              <a:gd name="adj1" fmla="val 25000"/>
+              <a:gd name="adj2" fmla="val 25000"/>
+              <a:gd name="adj3" fmla="val 25000"/>
+              <a:gd name="adj4" fmla="val 51172"/>
+            </a:avLst>
+          </a:prstGeom>
+          <a:solidFill>
+            <a:schemeClr val="tx2">
+              <a:lumMod val="50000"/>
+            </a:schemeClr>
+          </a:solidFill>
+          <a:ln>
+            <a:noFill/>
+          </a:ln>
+          <a:effectLst/>
+        </p:spPr>
+        <p:style>
+          <a:lnRef idx="2">
+            <a:schemeClr val="accent1">
+              <a:shade val="50000"/>
+            </a:schemeClr>
+          </a:lnRef>
+          <a:fillRef idx="1">
+            <a:schemeClr val="accent1"/>
+          </a:fillRef>
+          <a:effectRef idx="0">
+            <a:schemeClr val="accent1"/>
+          </a:effectRef>
+          <a:fontRef idx="minor">
+            <a:schemeClr val="lt1"/>
+          </a:fontRef>
+        </p:style>
+        <p:txBody>
+          <a:bodyPr rtlCol="0" anchor="ctr"/>
+          <a:lstStyle/>
+          <a:p>
+            <a:pPr algn="ctr"/>
+            <a:r>
+              <a:rPr lang="en-US" altLang="zh-CN" sz="1400" dirty="0" smtClean="0">
+                <a:latin typeface="Times New Roman" panose="02020603050405020304" pitchFamily="18" charset="0"/>
+                <a:cs typeface="Times New Roman" panose="02020603050405020304" pitchFamily="18" charset="0"/>
+              </a:rPr>
+              <a:t>min</a:t>
+            </a:r>
+            <a:endParaRPr lang="zh-CN" altLang="en-US" sz="1400" dirty="0">
+              <a:latin typeface="Times New Roman" panose="02020603050405020304" pitchFamily="18" charset="0"/>
+              <a:cs typeface="Times New Roman" panose="02020603050405020304" pitchFamily="18" charset="0"/>
+            </a:endParaRPr>
+          </a:p>
+        </p:txBody>
+      </p:sp>
+      <p:sp>
+        <p:nvSpPr>
+          <p:cNvPr id="14" name="下箭头标注 13"/>
+          <p:cNvSpPr/>
+          <p:nvPr/>
+        </p:nvSpPr>
+        <p:spPr>
+          <a:xfrm>
+            <a:off x="2767172" y="3039442"/>
+            <a:ext cx="548844" cy="900753"/>
+          </a:xfrm>
+          <a:prstGeom prst="downArrowCallout">
+            <a:avLst>
+              <a:gd name="adj1" fmla="val 25000"/>
+              <a:gd name="adj2" fmla="val 25000"/>
+              <a:gd name="adj3" fmla="val 25000"/>
+              <a:gd name="adj4" fmla="val 51172"/>
+            </a:avLst>
+          </a:prstGeom>
+          <a:solidFill>
+            <a:schemeClr val="tx2">
+              <a:lumMod val="50000"/>
+            </a:schemeClr>
+          </a:solidFill>
+          <a:ln>
+            <a:noFill/>
+          </a:ln>
+          <a:effectLst/>
+        </p:spPr>
+        <p:style>
+          <a:lnRef idx="2">
+            <a:schemeClr val="accent1">
+              <a:shade val="50000"/>
+            </a:schemeClr>
+          </a:lnRef>
+          <a:fillRef idx="1">
+            <a:schemeClr val="accent1"/>
+          </a:fillRef>
+          <a:effectRef idx="0">
+            <a:schemeClr val="accent1"/>
+          </a:effectRef>
+          <a:fontRef idx="minor">
+            <a:schemeClr val="lt1"/>
+          </a:fontRef>
+        </p:style>
+        <p:txBody>
+          <a:bodyPr rtlCol="0" anchor="ctr"/>
+          <a:lstStyle/>
+          <a:p>
+            <a:pPr algn="ctr"/>
+            <a:r>
+              <a:rPr lang="en-US" altLang="zh-CN" sz="1100" dirty="0" smtClean="0">
+                <a:latin typeface="Times New Roman" panose="02020603050405020304" pitchFamily="18" charset="0"/>
+                <a:cs typeface="Times New Roman" panose="02020603050405020304" pitchFamily="18" charset="0"/>
+              </a:rPr>
+              <a:t>border</a:t>
+            </a:r>
+            <a:endParaRPr lang="zh-CN" altLang="en-US" sz="1100" dirty="0">
+              <a:latin typeface="Times New Roman" panose="02020603050405020304" pitchFamily="18" charset="0"/>
+              <a:cs typeface="Times New Roman" panose="02020603050405020304" pitchFamily="18" charset="0"/>
+            </a:endParaRPr>
+          </a:p>
+        </p:txBody>
+      </p:sp>
+    </p:spTree>
+    <p:extLst>
+      <p:ext uri="{BB962C8B-B14F-4D97-AF65-F5344CB8AC3E}">
+        <p14:creationId xmlns:p14="http://schemas.microsoft.com/office/powerpoint/2010/main" val="3156952843"/>
+      </p:ext>
+    </p:extLst>
+  </p:cSld>
+  <p:clrMapOvr>
+    <a:masterClrMapping/>
+  </p:clrMapOvr>
+  <p:timing>
+    <p:tnLst>
+      <p:par>
+        <p:cTn id="1" dur="indefinite" restart="never" nodeType="tmRoot">
+          <p:childTnLst>
+            <p:seq concurrent="1" nextAc="seek">
+              <p:cTn id="2" dur="indefinite" nodeType="mainSeq">
+                <p:childTnLst>
+                  <p:par>
+                    <p:cTn id="3" fill="hold">
+                      <p:stCondLst>
+                        <p:cond delay="indefinite"/>
+                        <p:cond evt="onBegin" delay="0">
+                          <p:tn val="2"/>
+                        </p:cond>
+                      </p:stCondLst>
+                      <p:childTnLst>
+                        <p:par>
+                          <p:cTn id="4" fill="hold">
+                            <p:stCondLst>
+                              <p:cond delay="0"/>
+                            </p:stCondLst>
+                            <p:childTnLst>
+                              <p:par>
+                                <p:cTn id="5" presetID="63" presetClass="path" presetSubtype="0" accel="50000" decel="50000" fill="hold" grpId="0" nodeType="afterEffect">
+                                  <p:stCondLst>
+                                    <p:cond delay="0"/>
+                                  </p:stCondLst>
+                                  <p:childTnLst>
+                                    <p:animMotion origin="layout" path="M -1.25E-6 3.7037E-6 L 0.07188 3.7037E-6 " pathEditMode="relative" rAng="0" ptsTypes="AA">
+                                      <p:cBhvr>
+                                        <p:cTn id="6" dur="500" fill="hold"/>
+                                        <p:tgtEl>
+                                          <p:spTgt spid="13"/>
+                                        </p:tgtEl>
+                                        <p:attrNameLst>
+                                          <p:attrName>ppt_x</p:attrName>
+                                          <p:attrName>ppt_y</p:attrName>
+                                        </p:attrNameLst>
+                                      </p:cBhvr>
+                                      <p:rCtr x="3594" y="0"/>
+                                    </p:animMotion>
+                                  </p:childTnLst>
+                                </p:cTn>
+                              </p:par>
+                            </p:childTnLst>
+                          </p:cTn>
+                        </p:par>
+                        <p:par>
+                          <p:cTn id="7" fill="hold">
+                            <p:stCondLst>
+                              <p:cond delay="500"/>
+                            </p:stCondLst>
+                            <p:childTnLst>
+                              <p:par>
+                                <p:cTn id="8" presetID="63" presetClass="path" presetSubtype="0" accel="50000" decel="50000" fill="hold" grpId="0" nodeType="afterEffect">
+                                  <p:stCondLst>
+                                    <p:cond delay="0"/>
+                                  </p:stCondLst>
+                                  <p:childTnLst>
+                                    <p:animMotion origin="layout" path="M 2.5E-6 -7.40741E-7 L 0.08177 -7.40741E-7 " pathEditMode="relative" rAng="0" ptsTypes="AA">
+                                      <p:cBhvr>
+                                        <p:cTn id="9" dur="500" fill="hold"/>
+                                        <p:tgtEl>
+                                          <p:spTgt spid="31"/>
+                                        </p:tgtEl>
+                                        <p:attrNameLst>
+                                          <p:attrName>ppt_x</p:attrName>
+                                          <p:attrName>ppt_y</p:attrName>
+                                        </p:attrNameLst>
+                                      </p:cBhvr>
+                                      <p:rCtr x="4089" y="0"/>
+                                    </p:animMotion>
+                                  </p:childTnLst>
+                                </p:cTn>
+                              </p:par>
+                            </p:childTnLst>
+                          </p:cTn>
+                        </p:par>
+                        <p:par>
+                          <p:cTn id="10" fill="hold">
+                            <p:stCondLst>
+                              <p:cond delay="1000"/>
+                            </p:stCondLst>
+                            <p:childTnLst>
+                              <p:par>
+                                <p:cTn id="11" presetID="63" presetClass="path" presetSubtype="0" accel="50000" decel="50000" fill="hold" grpId="1" nodeType="afterEffect">
+                                  <p:stCondLst>
+                                    <p:cond delay="0"/>
+                                  </p:stCondLst>
+                                  <p:childTnLst>
+                                    <p:animMotion origin="layout" path="M 0.08177 -7.40741E-7 L 0.15781 -7.40741E-7 " pathEditMode="relative" rAng="0" ptsTypes="AA">
+                                      <p:cBhvr>
+                                        <p:cTn id="12" dur="500" fill="hold"/>
+                                        <p:tgtEl>
+                                          <p:spTgt spid="31"/>
+                                        </p:tgtEl>
+                                        <p:attrNameLst>
+                                          <p:attrName>ppt_x</p:attrName>
+                                          <p:attrName>ppt_y</p:attrName>
+                                        </p:attrNameLst>
+                                      </p:cBhvr>
+                                      <p:rCtr x="3802" y="0"/>
+                                    </p:animMotion>
+                                  </p:childTnLst>
+                                </p:cTn>
+                              </p:par>
+                            </p:childTnLst>
+                          </p:cTn>
+                        </p:par>
+                        <p:par>
+                          <p:cTn id="13" fill="hold">
+                            <p:stCondLst>
+                              <p:cond delay="1500"/>
+                            </p:stCondLst>
+                            <p:childTnLst>
+                              <p:par>
+                                <p:cTn id="14" presetID="63" presetClass="path" presetSubtype="0" accel="50000" decel="50000" fill="hold" grpId="2" nodeType="afterEffect">
+                                  <p:stCondLst>
+                                    <p:cond delay="0"/>
+                                  </p:stCondLst>
+                                  <p:childTnLst>
+                                    <p:animMotion origin="layout" path="M 0.15781 -7.40741E-7 L 0.25 -7.40741E-7 " pathEditMode="relative" rAng="0" ptsTypes="AA">
+                                      <p:cBhvr>
+                                        <p:cTn id="15" dur="500" fill="hold"/>
+                                        <p:tgtEl>
+                                          <p:spTgt spid="31"/>
+                                        </p:tgtEl>
+                                        <p:attrNameLst>
+                                          <p:attrName>ppt_x</p:attrName>
+                                          <p:attrName>ppt_y</p:attrName>
+                                        </p:attrNameLst>
+                                      </p:cBhvr>
+                                      <p:rCtr x="4323" y="0"/>
+                                    </p:animMotion>
+                                  </p:childTnLst>
+                                </p:cTn>
+                              </p:par>
+                            </p:childTnLst>
+                          </p:cTn>
+                        </p:par>
+                        <p:par>
+                          <p:cTn id="16" fill="hold">
+                            <p:stCondLst>
+                              <p:cond delay="2000"/>
+                            </p:stCondLst>
+                            <p:childTnLst>
+                              <p:par>
+                                <p:cTn id="17" presetID="63" presetClass="path" presetSubtype="0" accel="50000" decel="50000" fill="hold" grpId="3" nodeType="afterEffect">
+                                  <p:stCondLst>
+                                    <p:cond delay="0"/>
+                                  </p:stCondLst>
+                                  <p:childTnLst>
+                                    <p:animMotion origin="layout" path="M 0.25 -7.40741E-7 L 0.32799 -7.40741E-7 " pathEditMode="relative" rAng="0" ptsTypes="AA">
+                                      <p:cBhvr>
+                                        <p:cTn id="18" dur="500" fill="hold"/>
+                                        <p:tgtEl>
+                                          <p:spTgt spid="31"/>
+                                        </p:tgtEl>
+                                        <p:attrNameLst>
+                                          <p:attrName>ppt_x</p:attrName>
+                                          <p:attrName>ppt_y</p:attrName>
+                                        </p:attrNameLst>
+                                      </p:cBhvr>
+                                      <p:rCtr x="3815" y="0"/>
+                                    </p:animMotion>
+                                  </p:childTnLst>
+                                </p:cTn>
+                              </p:par>
+                            </p:childTnLst>
+                          </p:cTn>
+                        </p:par>
+                        <p:par>
+                          <p:cTn id="19" fill="hold">
+                            <p:stCondLst>
+                              <p:cond delay="2500"/>
+                            </p:stCondLst>
+                            <p:childTnLst>
+                              <p:par>
+                                <p:cTn id="20" presetID="63" presetClass="path" presetSubtype="0" accel="50000" decel="50000" fill="hold" grpId="4" nodeType="afterEffect">
+                                  <p:stCondLst>
+                                    <p:cond delay="0"/>
+                                  </p:stCondLst>
+                                  <p:childTnLst>
+                                    <p:animMotion origin="layout" path="M 0.32799 -7.40741E-7 L 0.41015 -7.40741E-7 " pathEditMode="relative" rAng="0" ptsTypes="AA">
+                                      <p:cBhvr>
+                                        <p:cTn id="21" dur="500" fill="hold"/>
+                                        <p:tgtEl>
+                                          <p:spTgt spid="31"/>
+                                        </p:tgtEl>
+                                        <p:attrNameLst>
+                                          <p:attrName>ppt_x</p:attrName>
+                                          <p:attrName>ppt_y</p:attrName>
+                                        </p:attrNameLst>
+                                      </p:cBhvr>
+                                      <p:rCtr x="4102" y="0"/>
+                                    </p:animMotion>
+                                  </p:childTnLst>
+                                </p:cTn>
+                              </p:par>
+                            </p:childTnLst>
+                          </p:cTn>
+                        </p:par>
+                        <p:par>
+                          <p:cTn id="22" fill="hold">
+                            <p:stCondLst>
+                              <p:cond delay="3000"/>
+                            </p:stCondLst>
+                            <p:childTnLst>
+                              <p:par>
+                                <p:cTn id="23" presetID="37" presetClass="path" presetSubtype="0" accel="50000" decel="50000" fill="hold" grpId="0" nodeType="afterEffect">
+                                  <p:stCondLst>
+                                    <p:cond delay="0"/>
+                                  </p:stCondLst>
+                                  <p:childTnLst>
+                                    <p:animMotion origin="layout" path="M 5E-6 -1.48148E-6 L 0.0224 0.11134 C 0.02696 0.13658 0.03399 0.15023 0.04141 0.15023 C 0.04974 0.15023 0.05652 0.13658 0.06107 0.11134 L 0.0836 -1.48148E-6 " pathEditMode="relative" rAng="0" ptsTypes="AAAAA">
+                                      <p:cBhvr>
+                                        <p:cTn id="24" dur="1000" fill="hold"/>
+                                        <p:tgtEl>
+                                          <p:spTgt spid="17"/>
+                                        </p:tgtEl>
+                                        <p:attrNameLst>
+                                          <p:attrName>ppt_x</p:attrName>
+                                          <p:attrName>ppt_y</p:attrName>
+                                        </p:attrNameLst>
+                                      </p:cBhvr>
+                                      <p:rCtr x="4180" y="7500"/>
+                                    </p:animMotion>
+                                  </p:childTnLst>
+                                </p:cTn>
+                              </p:par>
+                              <p:par>
+                                <p:cTn id="25" presetID="37" presetClass="path" presetSubtype="0" accel="50000" decel="50000" fill="hold" grpId="0" nodeType="withEffect">
+                                  <p:stCondLst>
+                                    <p:cond delay="0"/>
+                                  </p:stCondLst>
+                                  <p:childTnLst>
+                                    <p:animMotion origin="layout" path="M 0.00078 -1.48148E-6 L -0.02149 0.11134 C -0.02617 0.13658 -0.03308 0.15023 -0.04037 0.15023 C -0.04857 0.15023 -0.05521 0.13658 -0.0599 0.11134 L -0.08203 -1.48148E-6 " pathEditMode="relative" rAng="0" ptsTypes="AAAAA">
+                                      <p:cBhvr>
+                                        <p:cTn id="26" dur="1000" fill="hold"/>
+                                        <p:tgtEl>
+                                          <p:spTgt spid="18"/>
+                                        </p:tgtEl>
+                                        <p:attrNameLst>
+                                          <p:attrName>ppt_x</p:attrName>
+                                          <p:attrName>ppt_y</p:attrName>
+                                        </p:attrNameLst>
+                                      </p:cBhvr>
+                                      <p:rCtr x="-4141" y="7500"/>
+                                    </p:animMotion>
+                                  </p:childTnLst>
+                                </p:cTn>
+                              </p:par>
+                            </p:childTnLst>
+                          </p:cTn>
+                        </p:par>
+                        <p:par>
+                          <p:cTn id="27" fill="hold">
+                            <p:stCondLst>
+                              <p:cond delay="4000"/>
+                            </p:stCondLst>
+                            <p:childTnLst>
+                              <p:par>
+                                <p:cTn id="28" presetID="63" presetClass="path" presetSubtype="0" accel="50000" decel="50000" fill="hold" grpId="0" nodeType="afterEffect">
+                                  <p:stCondLst>
+                                    <p:cond delay="0"/>
+                                  </p:stCondLst>
+                                  <p:childTnLst>
+                                    <p:animMotion origin="layout" path="M 8.33333E-7 3.7037E-6 L 0.08099 3.7037E-6 " pathEditMode="relative" rAng="0" ptsTypes="AA">
+                                      <p:cBhvr>
+                                        <p:cTn id="29" dur="250" fill="hold"/>
+                                        <p:tgtEl>
+                                          <p:spTgt spid="14"/>
+                                        </p:tgtEl>
+                                        <p:attrNameLst>
+                                          <p:attrName>ppt_x</p:attrName>
+                                          <p:attrName>ppt_y</p:attrName>
+                                        </p:attrNameLst>
+                                      </p:cBhvr>
+                                      <p:rCtr x="4049" y="0"/>
+                                    </p:animMotion>
+                                  </p:childTnLst>
+                                </p:cTn>
+                              </p:par>
+                            </p:childTnLst>
+                          </p:cTn>
+                        </p:par>
+                        <p:par>
+                          <p:cTn id="30" fill="hold">
+                            <p:stCondLst>
+                              <p:cond delay="4250"/>
+                            </p:stCondLst>
+                            <p:childTnLst>
+                              <p:par>
+                                <p:cTn id="31" presetID="63" presetClass="path" presetSubtype="0" accel="50000" decel="50000" fill="hold" grpId="5" nodeType="afterEffect">
+                                  <p:stCondLst>
+                                    <p:cond delay="0"/>
+                                  </p:stCondLst>
+                                  <p:childTnLst>
+                                    <p:animMotion origin="layout" path="M 2.5E-6 -7.40741E-7 L 0.08177 -7.40741E-7 " pathEditMode="relative" rAng="0" ptsTypes="AA">
+                                      <p:cBhvr>
+                                        <p:cTn id="32" dur="500" fill="hold"/>
+                                        <p:tgtEl>
+                                          <p:spTgt spid="31"/>
+                                        </p:tgtEl>
+                                        <p:attrNameLst>
+                                          <p:attrName>ppt_x</p:attrName>
+                                          <p:attrName>ppt_y</p:attrName>
+                                        </p:attrNameLst>
+                                      </p:cBhvr>
+                                      <p:rCtr x="4062" y="0"/>
+                                    </p:animMotion>
+                                  </p:childTnLst>
+                                </p:cTn>
+                              </p:par>
+                            </p:childTnLst>
+                          </p:cTn>
+                        </p:par>
+                        <p:par>
+                          <p:cTn id="33" fill="hold">
+                            <p:stCondLst>
+                              <p:cond delay="4750"/>
+                            </p:stCondLst>
+                            <p:childTnLst>
+                              <p:par>
+                                <p:cTn id="34" presetID="63" presetClass="path" presetSubtype="0" accel="50000" decel="50000" fill="hold" grpId="6" nodeType="afterEffect">
+                                  <p:stCondLst>
+                                    <p:cond delay="0"/>
+                                  </p:stCondLst>
+                                  <p:childTnLst>
+                                    <p:animMotion origin="layout" path="M 0.08177 -7.40741E-7 L 0.15781 -7.40741E-7 " pathEditMode="relative" rAng="0" ptsTypes="AA">
+                                      <p:cBhvr>
+                                        <p:cTn id="35" dur="500" fill="hold"/>
+                                        <p:tgtEl>
+                                          <p:spTgt spid="31"/>
+                                        </p:tgtEl>
+                                        <p:attrNameLst>
+                                          <p:attrName>ppt_x</p:attrName>
+                                          <p:attrName>ppt_y</p:attrName>
+                                        </p:attrNameLst>
+                                      </p:cBhvr>
+                                      <p:rCtr x="3841" y="0"/>
+                                    </p:animMotion>
+                                  </p:childTnLst>
+                                </p:cTn>
+                              </p:par>
+                            </p:childTnLst>
+                          </p:cTn>
+                        </p:par>
+                        <p:par>
+                          <p:cTn id="36" fill="hold">
+                            <p:stCondLst>
+                              <p:cond delay="5250"/>
+                            </p:stCondLst>
+                            <p:childTnLst>
+                              <p:par>
+                                <p:cTn id="37" presetID="63" presetClass="path" presetSubtype="0" accel="50000" decel="50000" fill="hold" grpId="7" nodeType="afterEffect">
+                                  <p:stCondLst>
+                                    <p:cond delay="0"/>
+                                  </p:stCondLst>
+                                  <p:childTnLst>
+                                    <p:animMotion origin="layout" path="M 0.15782 -7.40741E-7 L 0.25 -7.40741E-7 " pathEditMode="relative" rAng="0" ptsTypes="AA">
+                                      <p:cBhvr>
+                                        <p:cTn id="38" dur="500" fill="hold"/>
+                                        <p:tgtEl>
+                                          <p:spTgt spid="31"/>
+                                        </p:tgtEl>
+                                        <p:attrNameLst>
+                                          <p:attrName>ppt_x</p:attrName>
+                                          <p:attrName>ppt_y</p:attrName>
+                                        </p:attrNameLst>
+                                      </p:cBhvr>
+                                      <p:rCtr x="4414" y="0"/>
+                                    </p:animMotion>
+                                  </p:childTnLst>
+                                </p:cTn>
+                              </p:par>
+                            </p:childTnLst>
+                          </p:cTn>
+                        </p:par>
+                        <p:par>
+                          <p:cTn id="39" fill="hold">
+                            <p:stCondLst>
+                              <p:cond delay="5750"/>
+                            </p:stCondLst>
+                            <p:childTnLst>
+                              <p:par>
+                                <p:cTn id="40" presetID="63" presetClass="path" presetSubtype="0" accel="50000" decel="50000" fill="hold" grpId="8" nodeType="afterEffect">
+                                  <p:stCondLst>
+                                    <p:cond delay="0"/>
+                                  </p:stCondLst>
+                                  <p:childTnLst>
+                                    <p:animMotion origin="layout" path="M 0.25 -7.40741E-7 L 0.32799 -7.40741E-7 " pathEditMode="relative" rAng="0" ptsTypes="AA">
+                                      <p:cBhvr>
+                                        <p:cTn id="41" dur="500" fill="hold"/>
+                                        <p:tgtEl>
+                                          <p:spTgt spid="31"/>
+                                        </p:tgtEl>
+                                        <p:attrNameLst>
+                                          <p:attrName>ppt_x</p:attrName>
+                                          <p:attrName>ppt_y</p:attrName>
+                                        </p:attrNameLst>
+                                      </p:cBhvr>
+                                      <p:rCtr x="4010" y="0"/>
+                                    </p:animMotion>
+                                  </p:childTnLst>
+                                </p:cTn>
+                              </p:par>
+                            </p:childTnLst>
+                          </p:cTn>
+                        </p:par>
+                        <p:par>
+                          <p:cTn id="42" fill="hold">
+                            <p:stCondLst>
+                              <p:cond delay="6250"/>
+                            </p:stCondLst>
+                            <p:childTnLst>
+                              <p:par>
+                                <p:cTn id="43" presetID="63" presetClass="path" presetSubtype="0" accel="50000" decel="50000" fill="hold" grpId="9" nodeType="afterEffect">
+                                  <p:stCondLst>
+                                    <p:cond delay="0"/>
+                                  </p:stCondLst>
+                                  <p:childTnLst>
+                                    <p:animMotion origin="layout" path="M 0.32799 -7.40741E-7 L 0.40937 -7.40741E-7 " pathEditMode="relative" rAng="0" ptsTypes="AA">
+                                      <p:cBhvr>
+                                        <p:cTn id="44" dur="500" fill="hold"/>
+                                        <p:tgtEl>
+                                          <p:spTgt spid="31"/>
+                                        </p:tgtEl>
+                                        <p:attrNameLst>
+                                          <p:attrName>ppt_x</p:attrName>
+                                          <p:attrName>ppt_y</p:attrName>
+                                        </p:attrNameLst>
+                                      </p:cBhvr>
+                                      <p:rCtr x="4023" y="0"/>
+                                    </p:animMotion>
+                                  </p:childTnLst>
+                                </p:cTn>
+                              </p:par>
+                            </p:childTnLst>
+                          </p:cTn>
+                        </p:par>
+                        <p:par>
+                          <p:cTn id="45" fill="hold">
+                            <p:stCondLst>
+                              <p:cond delay="6750"/>
+                            </p:stCondLst>
+                            <p:childTnLst>
+                              <p:par>
+                                <p:cTn id="46" presetID="63" presetClass="path" presetSubtype="0" accel="50000" decel="50000" fill="hold" grpId="1" nodeType="afterEffect">
+                                  <p:stCondLst>
+                                    <p:cond delay="0"/>
+                                  </p:stCondLst>
+                                  <p:childTnLst>
+                                    <p:animMotion origin="layout" path="M 0.08099 3.7037E-6 L 0.1599 3.7037E-6 " pathEditMode="relative" rAng="0" ptsTypes="AA">
+                                      <p:cBhvr>
+                                        <p:cTn id="47" dur="500" fill="hold"/>
+                                        <p:tgtEl>
+                                          <p:spTgt spid="14"/>
+                                        </p:tgtEl>
+                                        <p:attrNameLst>
+                                          <p:attrName>ppt_x</p:attrName>
+                                          <p:attrName>ppt_y</p:attrName>
+                                        </p:attrNameLst>
+                                      </p:cBhvr>
+                                      <p:rCtr x="4141" y="0"/>
+                                    </p:animMotion>
+                                  </p:childTnLst>
+                                </p:cTn>
+                              </p:par>
+                              <p:par>
+                                <p:cTn id="48" presetID="63" presetClass="path" presetSubtype="0" accel="50000" decel="50000" fill="hold" grpId="1" nodeType="withEffect">
+                                  <p:stCondLst>
+                                    <p:cond delay="0"/>
+                                  </p:stCondLst>
+                                  <p:childTnLst>
+                                    <p:animMotion origin="layout" path="M 0.07188 3.7037E-6 L 0.15469 3.7037E-6 " pathEditMode="relative" rAng="0" ptsTypes="AA">
+                                      <p:cBhvr>
+                                        <p:cTn id="49" dur="500" fill="hold"/>
+                                        <p:tgtEl>
+                                          <p:spTgt spid="13"/>
+                                        </p:tgtEl>
+                                        <p:attrNameLst>
+                                          <p:attrName>ppt_x</p:attrName>
+                                          <p:attrName>ppt_y</p:attrName>
+                                        </p:attrNameLst>
+                                      </p:cBhvr>
+                                      <p:rCtr x="4023" y="0"/>
+                                    </p:animMotion>
+                                  </p:childTnLst>
+                                </p:cTn>
+                              </p:par>
+                            </p:childTnLst>
+                          </p:cTn>
+                        </p:par>
+                        <p:par>
+                          <p:cTn id="50" fill="hold">
+                            <p:stCondLst>
+                              <p:cond delay="7250"/>
+                            </p:stCondLst>
+                            <p:childTnLst>
+                              <p:par>
+                                <p:cTn id="51" presetID="63" presetClass="path" presetSubtype="0" accel="50000" decel="50000" fill="hold" grpId="10" nodeType="afterEffect">
+                                  <p:stCondLst>
+                                    <p:cond delay="0"/>
+                                  </p:stCondLst>
+                                  <p:childTnLst>
+                                    <p:animMotion origin="layout" path="M 0.08177 -7.40741E-7 L 0.15781 -7.40741E-7 " pathEditMode="relative" rAng="0" ptsTypes="AA">
+                                      <p:cBhvr>
+                                        <p:cTn id="52" dur="500" fill="hold"/>
+                                        <p:tgtEl>
+                                          <p:spTgt spid="31"/>
+                                        </p:tgtEl>
+                                        <p:attrNameLst>
+                                          <p:attrName>ppt_x</p:attrName>
+                                          <p:attrName>ppt_y</p:attrName>
+                                        </p:attrNameLst>
+                                      </p:cBhvr>
+                                      <p:rCtr x="4076" y="0"/>
+                                    </p:animMotion>
+                                  </p:childTnLst>
+                                </p:cTn>
+                              </p:par>
+                            </p:childTnLst>
+                          </p:cTn>
+                        </p:par>
+                        <p:par>
+                          <p:cTn id="53" fill="hold">
+                            <p:stCondLst>
+                              <p:cond delay="7750"/>
+                            </p:stCondLst>
+                            <p:childTnLst>
+                              <p:par>
+                                <p:cTn id="54" presetID="63" presetClass="path" presetSubtype="0" accel="50000" decel="50000" fill="hold" grpId="11" nodeType="afterEffect">
+                                  <p:stCondLst>
+                                    <p:cond delay="0"/>
+                                  </p:stCondLst>
+                                  <p:childTnLst>
+                                    <p:animMotion origin="layout" path="M 0.15781 -7.40741E-7 L 0.25 -7.40741E-7 " pathEditMode="relative" rAng="0" ptsTypes="AA">
+                                      <p:cBhvr>
+                                        <p:cTn id="55" dur="500" fill="hold"/>
+                                        <p:tgtEl>
+                                          <p:spTgt spid="31"/>
+                                        </p:tgtEl>
+                                        <p:attrNameLst>
+                                          <p:attrName>ppt_x</p:attrName>
+                                          <p:attrName>ppt_y</p:attrName>
+                                        </p:attrNameLst>
+                                      </p:cBhvr>
+                                      <p:rCtr x="4219" y="0"/>
+                                    </p:animMotion>
+                                  </p:childTnLst>
+                                </p:cTn>
+                              </p:par>
+                            </p:childTnLst>
+                          </p:cTn>
+                        </p:par>
+                        <p:par>
+                          <p:cTn id="56" fill="hold">
+                            <p:stCondLst>
+                              <p:cond delay="8250"/>
+                            </p:stCondLst>
+                            <p:childTnLst>
+                              <p:par>
+                                <p:cTn id="57" presetID="63" presetClass="path" presetSubtype="0" accel="50000" decel="50000" fill="hold" grpId="2" nodeType="afterEffect">
+                                  <p:stCondLst>
+                                    <p:cond delay="0"/>
+                                  </p:stCondLst>
+                                  <p:childTnLst>
+                                    <p:animMotion origin="layout" path="M 0.15469 3.7037E-6 L 0.32266 3.7037E-6 " pathEditMode="relative" rAng="0" ptsTypes="AA">
+                                      <p:cBhvr>
+                                        <p:cTn id="58" dur="500" fill="hold"/>
+                                        <p:tgtEl>
+                                          <p:spTgt spid="13"/>
+                                        </p:tgtEl>
+                                        <p:attrNameLst>
+                                          <p:attrName>ppt_x</p:attrName>
+                                          <p:attrName>ppt_y</p:attrName>
+                                        </p:attrNameLst>
+                                      </p:cBhvr>
+                                      <p:rCtr x="8398" y="0"/>
+                                    </p:animMotion>
+                                  </p:childTnLst>
+                                </p:cTn>
+                              </p:par>
+                            </p:childTnLst>
+                          </p:cTn>
+                        </p:par>
+                        <p:par>
+                          <p:cTn id="59" fill="hold">
+                            <p:stCondLst>
+                              <p:cond delay="8750"/>
+                            </p:stCondLst>
+                            <p:childTnLst>
+                              <p:par>
+                                <p:cTn id="60" presetID="63" presetClass="path" presetSubtype="0" accel="50000" decel="50000" fill="hold" grpId="12" nodeType="afterEffect">
+                                  <p:stCondLst>
+                                    <p:cond delay="0"/>
+                                  </p:stCondLst>
+                                  <p:childTnLst>
+                                    <p:animMotion origin="layout" path="M 0.25 -7.40741E-7 L 0.32799 -7.40741E-7 " pathEditMode="relative" rAng="0" ptsTypes="AA">
+                                      <p:cBhvr>
+                                        <p:cTn id="61" dur="500" fill="hold"/>
+                                        <p:tgtEl>
+                                          <p:spTgt spid="31"/>
+                                        </p:tgtEl>
+                                        <p:attrNameLst>
+                                          <p:attrName>ppt_x</p:attrName>
+                                          <p:attrName>ppt_y</p:attrName>
+                                        </p:attrNameLst>
+                                      </p:cBhvr>
+                                      <p:rCtr x="4049" y="0"/>
+                                    </p:animMotion>
+                                  </p:childTnLst>
+                                </p:cTn>
+                              </p:par>
+                            </p:childTnLst>
+                          </p:cTn>
+                        </p:par>
+                        <p:par>
+                          <p:cTn id="62" fill="hold">
+                            <p:stCondLst>
+                              <p:cond delay="9250"/>
+                            </p:stCondLst>
+                            <p:childTnLst>
+                              <p:par>
+                                <p:cTn id="63" presetID="63" presetClass="path" presetSubtype="0" accel="50000" decel="50000" fill="hold" grpId="13" nodeType="afterEffect">
+                                  <p:stCondLst>
+                                    <p:cond delay="0"/>
+                                  </p:stCondLst>
+                                  <p:childTnLst>
+                                    <p:animMotion origin="layout" path="M 0.32799 -7.40741E-7 L 0.40859 -7.40741E-7 " pathEditMode="relative" rAng="0" ptsTypes="AA">
+                                      <p:cBhvr>
+                                        <p:cTn id="64" dur="500" fill="hold"/>
+                                        <p:tgtEl>
+                                          <p:spTgt spid="31"/>
+                                        </p:tgtEl>
+                                        <p:attrNameLst>
+                                          <p:attrName>ppt_x</p:attrName>
+                                          <p:attrName>ppt_y</p:attrName>
+                                        </p:attrNameLst>
+                                      </p:cBhvr>
+                                      <p:rCtr x="4023" y="0"/>
+                                    </p:animMotion>
+                                  </p:childTnLst>
+                                </p:cTn>
+                              </p:par>
+                            </p:childTnLst>
+                          </p:cTn>
+                        </p:par>
+                        <p:par>
+                          <p:cTn id="65" fill="hold">
+                            <p:stCondLst>
+                              <p:cond delay="9750"/>
+                            </p:stCondLst>
+                            <p:childTnLst>
+                              <p:par>
+                                <p:cTn id="66" presetID="63" presetClass="path" presetSubtype="0" accel="50000" decel="50000" fill="hold" grpId="3" nodeType="afterEffect">
+                                  <p:stCondLst>
+                                    <p:cond delay="0"/>
+                                  </p:stCondLst>
+                                  <p:childTnLst>
+                                    <p:animMotion origin="layout" path="M 0.32266 3.7037E-6 L 0.47969 3.7037E-6 " pathEditMode="relative" rAng="0" ptsTypes="AA">
+                                      <p:cBhvr>
+                                        <p:cTn id="67" dur="500" fill="hold"/>
+                                        <p:tgtEl>
+                                          <p:spTgt spid="13"/>
+                                        </p:tgtEl>
+                                        <p:attrNameLst>
+                                          <p:attrName>ppt_x</p:attrName>
+                                          <p:attrName>ppt_y</p:attrName>
+                                        </p:attrNameLst>
+                                      </p:cBhvr>
+                                      <p:rCtr x="7852" y="0"/>
+                                    </p:animMotion>
+                                  </p:childTnLst>
+                                </p:cTn>
+                              </p:par>
+                            </p:childTnLst>
+                          </p:cTn>
+                        </p:par>
+                        <p:par>
+                          <p:cTn id="68" fill="hold">
+                            <p:stCondLst>
+                              <p:cond delay="10250"/>
+                            </p:stCondLst>
+                            <p:childTnLst>
+                              <p:par>
+                                <p:cTn id="69" presetID="37" presetClass="path" presetSubtype="0" accel="50000" decel="50000" fill="hold" grpId="0" nodeType="afterEffect">
+                                  <p:stCondLst>
+                                    <p:cond delay="0"/>
+                                  </p:stCondLst>
+                                  <p:childTnLst>
+                                    <p:animMotion origin="layout" path="M 1.66667E-6 -1.48148E-6 L 0.08776 0.09005 C 0.10612 0.11019 0.13359 0.1213 0.16237 0.1213 C 0.19518 0.1213 0.22135 0.11019 0.23971 0.09005 L 0.3276 -1.48148E-6 " pathEditMode="relative" rAng="0" ptsTypes="AAAAA">
+                                      <p:cBhvr>
+                                        <p:cTn id="70" dur="1000" fill="hold"/>
+                                        <p:tgtEl>
+                                          <p:spTgt spid="19"/>
+                                        </p:tgtEl>
+                                        <p:attrNameLst>
+                                          <p:attrName>ppt_x</p:attrName>
+                                          <p:attrName>ppt_y</p:attrName>
+                                        </p:attrNameLst>
+                                      </p:cBhvr>
+                                      <p:rCtr x="16380" y="6065"/>
+                                    </p:animMotion>
+                                  </p:childTnLst>
+                                </p:cTn>
+                              </p:par>
+                              <p:par>
+                                <p:cTn id="71" presetID="37" presetClass="path" presetSubtype="0" accel="50000" decel="50000" fill="hold" grpId="0" nodeType="withEffect">
+                                  <p:stCondLst>
+                                    <p:cond delay="0"/>
+                                  </p:stCondLst>
+                                  <p:childTnLst>
+                                    <p:animMotion origin="layout" path="M -0.00078 -1.48148E-6 L -0.08893 0.08982 C -0.10729 0.10996 -0.13489 0.12107 -0.16367 0.12107 C -0.19648 0.12107 -0.22291 0.10996 -0.24127 0.08982 L -0.32916 -1.48148E-6 " pathEditMode="relative" rAng="0" ptsTypes="AAAAA">
+                                      <p:cBhvr>
+                                        <p:cTn id="72" dur="1000" fill="hold"/>
+                                        <p:tgtEl>
+                                          <p:spTgt spid="25"/>
+                                        </p:tgtEl>
+                                        <p:attrNameLst>
+                                          <p:attrName>ppt_x</p:attrName>
+                                          <p:attrName>ppt_y</p:attrName>
+                                        </p:attrNameLst>
+                                      </p:cBhvr>
+                                      <p:rCtr x="-16419" y="6042"/>
+                                    </p:animMotion>
+                                  </p:childTnLst>
+                                </p:cTn>
+                              </p:par>
+                            </p:childTnLst>
+                          </p:cTn>
+                        </p:par>
+                        <p:par>
+                          <p:cTn id="73" fill="hold">
+                            <p:stCondLst>
+                              <p:cond delay="11250"/>
+                            </p:stCondLst>
+                            <p:childTnLst>
+                              <p:par>
+                                <p:cTn id="74" presetID="63" presetClass="path" presetSubtype="0" accel="50000" decel="50000" fill="hold" grpId="2" nodeType="afterEffect">
+                                  <p:stCondLst>
+                                    <p:cond delay="0"/>
+                                  </p:stCondLst>
+                                  <p:childTnLst>
+                                    <p:animMotion origin="layout" path="M 0.15989 3.7037E-6 L 0.2474 3.7037E-6 " pathEditMode="relative" rAng="0" ptsTypes="AA">
+                                      <p:cBhvr>
+                                        <p:cTn id="75" dur="500" fill="hold"/>
+                                        <p:tgtEl>
+                                          <p:spTgt spid="14"/>
+                                        </p:tgtEl>
+                                        <p:attrNameLst>
+                                          <p:attrName>ppt_x</p:attrName>
+                                          <p:attrName>ppt_y</p:attrName>
+                                        </p:attrNameLst>
+                                      </p:cBhvr>
+                                      <p:rCtr x="4492" y="0"/>
+                                    </p:animMotion>
+                                  </p:childTnLst>
+                                </p:cTn>
+                              </p:par>
+                              <p:par>
+                                <p:cTn id="76" presetID="35" presetClass="path" presetSubtype="0" accel="50000" decel="50000" fill="hold" grpId="4" nodeType="withEffect">
+                                  <p:stCondLst>
+                                    <p:cond delay="0"/>
+                                  </p:stCondLst>
+                                  <p:childTnLst>
+                                    <p:animMotion origin="layout" path="M 0.47969 3.7037E-6 L 0.23438 3.7037E-6 " pathEditMode="relative" rAng="0" ptsTypes="AA">
+                                      <p:cBhvr>
+                                        <p:cTn id="77" dur="500" fill="hold"/>
+                                        <p:tgtEl>
+                                          <p:spTgt spid="13"/>
+                                        </p:tgtEl>
+                                        <p:attrNameLst>
+                                          <p:attrName>ppt_x</p:attrName>
+                                          <p:attrName>ppt_y</p:attrName>
+                                        </p:attrNameLst>
+                                      </p:cBhvr>
+                                      <p:rCtr x="-12266" y="0"/>
+                                    </p:animMotion>
+                                  </p:childTnLst>
+                                </p:cTn>
+                              </p:par>
+                            </p:childTnLst>
+                          </p:cTn>
+                        </p:par>
+                        <p:par>
+                          <p:cTn id="78" fill="hold">
+                            <p:stCondLst>
+                              <p:cond delay="11750"/>
+                            </p:stCondLst>
+                            <p:childTnLst>
+                              <p:par>
+                                <p:cTn id="79" presetID="63" presetClass="path" presetSubtype="0" accel="50000" decel="50000" fill="hold" grpId="14" nodeType="afterEffect">
+                                  <p:stCondLst>
+                                    <p:cond delay="0"/>
+                                  </p:stCondLst>
+                                  <p:childTnLst>
+                                    <p:animMotion origin="layout" path="M 0.15781 -7.40741E-7 L 0.25 -7.40741E-7 " pathEditMode="relative" rAng="0" ptsTypes="AA">
+                                      <p:cBhvr>
+                                        <p:cTn id="80" dur="500" fill="hold"/>
+                                        <p:tgtEl>
+                                          <p:spTgt spid="31"/>
+                                        </p:tgtEl>
+                                        <p:attrNameLst>
+                                          <p:attrName>ppt_x</p:attrName>
+                                          <p:attrName>ppt_y</p:attrName>
+                                        </p:attrNameLst>
+                                      </p:cBhvr>
+                                      <p:rCtr x="4297" y="0"/>
+                                    </p:animMotion>
+                                  </p:childTnLst>
+                                </p:cTn>
+                              </p:par>
+                            </p:childTnLst>
+                          </p:cTn>
+                        </p:par>
+                        <p:par>
+                          <p:cTn id="81" fill="hold">
+                            <p:stCondLst>
+                              <p:cond delay="12250"/>
+                            </p:stCondLst>
+                            <p:childTnLst>
+                              <p:par>
+                                <p:cTn id="82" presetID="63" presetClass="path" presetSubtype="0" accel="50000" decel="50000" fill="hold" grpId="5" nodeType="afterEffect">
+                                  <p:stCondLst>
+                                    <p:cond delay="0"/>
+                                  </p:stCondLst>
+                                  <p:childTnLst>
+                                    <p:animMotion origin="layout" path="M 0.23438 3.7037E-6 L 0.32266 3.7037E-6 " pathEditMode="relative" rAng="0" ptsTypes="AA">
+                                      <p:cBhvr>
+                                        <p:cTn id="83" dur="500" fill="hold"/>
+                                        <p:tgtEl>
+                                          <p:spTgt spid="13"/>
+                                        </p:tgtEl>
+                                        <p:attrNameLst>
+                                          <p:attrName>ppt_x</p:attrName>
+                                          <p:attrName>ppt_y</p:attrName>
+                                        </p:attrNameLst>
+                                      </p:cBhvr>
+                                      <p:rCtr x="4089" y="0"/>
+                                    </p:animMotion>
+                                  </p:childTnLst>
+                                </p:cTn>
+                              </p:par>
+                            </p:childTnLst>
+                          </p:cTn>
+                        </p:par>
+                        <p:par>
+                          <p:cTn id="84" fill="hold">
+                            <p:stCondLst>
+                              <p:cond delay="12750"/>
+                            </p:stCondLst>
+                            <p:childTnLst>
+                              <p:par>
+                                <p:cTn id="85" presetID="63" presetClass="path" presetSubtype="0" accel="50000" decel="50000" fill="hold" grpId="15" nodeType="afterEffect">
+                                  <p:stCondLst>
+                                    <p:cond delay="0"/>
+                                  </p:stCondLst>
+                                  <p:childTnLst>
+                                    <p:animMotion origin="layout" path="M 0.25 -7.40741E-7 L 0.32799 -7.40741E-7 " pathEditMode="relative" rAng="0" ptsTypes="AA">
+                                      <p:cBhvr>
+                                        <p:cTn id="86" dur="500" fill="hold"/>
+                                        <p:tgtEl>
+                                          <p:spTgt spid="31"/>
+                                        </p:tgtEl>
+                                        <p:attrNameLst>
+                                          <p:attrName>ppt_x</p:attrName>
+                                          <p:attrName>ppt_y</p:attrName>
+                                        </p:attrNameLst>
+                                      </p:cBhvr>
+                                      <p:rCtr x="4023" y="0"/>
+                                    </p:animMotion>
+                                  </p:childTnLst>
+                                </p:cTn>
+                              </p:par>
+                            </p:childTnLst>
+                          </p:cTn>
+                        </p:par>
+                        <p:par>
+                          <p:cTn id="87" fill="hold">
+                            <p:stCondLst>
+                              <p:cond delay="13250"/>
+                            </p:stCondLst>
+                            <p:childTnLst>
+                              <p:par>
+                                <p:cTn id="88" presetID="63" presetClass="path" presetSubtype="0" accel="50000" decel="50000" fill="hold" grpId="16" nodeType="afterEffect">
+                                  <p:stCondLst>
+                                    <p:cond delay="0"/>
+                                  </p:stCondLst>
+                                  <p:childTnLst>
+                                    <p:animMotion origin="layout" path="M 0.328 -7.40741E-7 L 0.40573 -7.40741E-7 " pathEditMode="relative" rAng="0" ptsTypes="AA">
+                                      <p:cBhvr>
+                                        <p:cTn id="89" dur="500" fill="hold"/>
+                                        <p:tgtEl>
+                                          <p:spTgt spid="31"/>
+                                        </p:tgtEl>
+                                        <p:attrNameLst>
+                                          <p:attrName>ppt_x</p:attrName>
+                                          <p:attrName>ppt_y</p:attrName>
+                                        </p:attrNameLst>
+                                      </p:cBhvr>
+                                      <p:rCtr x="4010" y="0"/>
+                                    </p:animMotion>
+                                  </p:childTnLst>
+                                </p:cTn>
+                              </p:par>
+                            </p:childTnLst>
+                          </p:cTn>
+                        </p:par>
+                        <p:par>
+                          <p:cTn id="90" fill="hold">
+                            <p:stCondLst>
+                              <p:cond delay="13750"/>
+                            </p:stCondLst>
+                            <p:childTnLst>
+                              <p:par>
+                                <p:cTn id="91" presetID="37" presetClass="path" presetSubtype="0" accel="50000" decel="50000" fill="hold" grpId="0" nodeType="afterEffect">
+                                  <p:stCondLst>
+                                    <p:cond delay="0"/>
+                                  </p:stCondLst>
+                                  <p:childTnLst>
+                                    <p:animMotion origin="layout" path="M 1.04167E-6 -1.48148E-6 L 0.02253 0.0875 C 0.02708 0.10741 0.03424 0.11806 0.04154 0.11806 C 0.05 0.11806 0.05677 0.10741 0.06133 0.0875 L 0.08398 -1.48148E-6 " pathEditMode="relative" rAng="0" ptsTypes="AAAAA">
+                                      <p:cBhvr>
+                                        <p:cTn id="92" dur="1000" fill="hold"/>
+                                        <p:tgtEl>
+                                          <p:spTgt spid="27"/>
+                                        </p:tgtEl>
+                                        <p:attrNameLst>
+                                          <p:attrName>ppt_x</p:attrName>
+                                          <p:attrName>ppt_y</p:attrName>
+                                        </p:attrNameLst>
+                                      </p:cBhvr>
+                                      <p:rCtr x="4193" y="5903"/>
+                                    </p:animMotion>
+                                  </p:childTnLst>
+                                </p:cTn>
+                              </p:par>
+                              <p:par>
+                                <p:cTn id="93" presetID="37" presetClass="path" presetSubtype="0" accel="50000" decel="50000" fill="hold" grpId="0" nodeType="withEffect">
+                                  <p:stCondLst>
+                                    <p:cond delay="0"/>
+                                  </p:stCondLst>
+                                  <p:childTnLst>
+                                    <p:animMotion origin="layout" path="M -3.33333E-6 -1.48148E-6 L -0.02135 0.0875 C -0.02578 0.10741 -0.03255 0.11806 -0.03945 0.11806 C -0.04752 0.11806 -0.0539 0.10741 -0.05833 0.0875 L -0.07955 -1.48148E-6 " pathEditMode="relative" rAng="0" ptsTypes="AAAAA">
+                                      <p:cBhvr>
+                                        <p:cTn id="94" dur="1000" fill="hold"/>
+                                        <p:tgtEl>
+                                          <p:spTgt spid="20"/>
+                                        </p:tgtEl>
+                                        <p:attrNameLst>
+                                          <p:attrName>ppt_x</p:attrName>
+                                          <p:attrName>ppt_y</p:attrName>
+                                        </p:attrNameLst>
+                                      </p:cBhvr>
+                                      <p:rCtr x="-3984" y="5903"/>
+                                    </p:animMotion>
+                                  </p:childTnLst>
+                                </p:cTn>
+                              </p:par>
+                            </p:childTnLst>
+                          </p:cTn>
+                        </p:par>
+                        <p:par>
+                          <p:cTn id="95" fill="hold">
+                            <p:stCondLst>
+                              <p:cond delay="14750"/>
+                            </p:stCondLst>
+                            <p:childTnLst>
+                              <p:par>
+                                <p:cTn id="96" presetID="63" presetClass="path" presetSubtype="0" accel="50000" decel="50000" fill="hold" grpId="3" nodeType="afterEffect">
+                                  <p:stCondLst>
+                                    <p:cond delay="0"/>
+                                  </p:stCondLst>
+                                  <p:childTnLst>
+                                    <p:animMotion origin="layout" path="M 0.2474 3.7037E-6 L 0.32552 3.7037E-6 " pathEditMode="relative" rAng="0" ptsTypes="AA">
+                                      <p:cBhvr>
+                                        <p:cTn id="97" dur="500" fill="hold"/>
+                                        <p:tgtEl>
+                                          <p:spTgt spid="14"/>
+                                        </p:tgtEl>
+                                        <p:attrNameLst>
+                                          <p:attrName>ppt_x</p:attrName>
+                                          <p:attrName>ppt_y</p:attrName>
+                                        </p:attrNameLst>
+                                      </p:cBhvr>
+                                      <p:rCtr x="4062" y="0"/>
+                                    </p:animMotion>
+                                  </p:childTnLst>
+                                </p:cTn>
+                              </p:par>
+                            </p:childTnLst>
+                          </p:cTn>
+                        </p:par>
+                        <p:par>
+                          <p:cTn id="98" fill="hold">
+                            <p:stCondLst>
+                              <p:cond delay="15250"/>
+                            </p:stCondLst>
+                            <p:childTnLst>
+                              <p:par>
+                                <p:cTn id="99" presetID="63" presetClass="path" presetSubtype="0" accel="50000" decel="50000" fill="hold" grpId="17" nodeType="afterEffect">
+                                  <p:stCondLst>
+                                    <p:cond delay="0"/>
+                                  </p:stCondLst>
+                                  <p:childTnLst>
+                                    <p:animMotion origin="layout" path="M 0.25 -7.40741E-7 L 0.32799 -7.40741E-7 " pathEditMode="relative" rAng="0" ptsTypes="AA">
+                                      <p:cBhvr>
+                                        <p:cTn id="100" dur="500" fill="hold"/>
+                                        <p:tgtEl>
+                                          <p:spTgt spid="31"/>
+                                        </p:tgtEl>
+                                        <p:attrNameLst>
+                                          <p:attrName>ppt_x</p:attrName>
+                                          <p:attrName>ppt_y</p:attrName>
+                                        </p:attrNameLst>
+                                      </p:cBhvr>
+                                      <p:rCtr x="3919" y="0"/>
+                                    </p:animMotion>
+                                  </p:childTnLst>
+                                </p:cTn>
+                              </p:par>
+                            </p:childTnLst>
+                          </p:cTn>
+                        </p:par>
+                        <p:par>
+                          <p:cTn id="101" fill="hold">
+                            <p:stCondLst>
+                              <p:cond delay="15750"/>
+                            </p:stCondLst>
+                            <p:childTnLst>
+                              <p:par>
+                                <p:cTn id="102" presetID="63" presetClass="path" presetSubtype="0" accel="50000" decel="50000" fill="hold" grpId="6" nodeType="afterEffect">
+                                  <p:stCondLst>
+                                    <p:cond delay="0"/>
+                                  </p:stCondLst>
+                                  <p:childTnLst>
+                                    <p:animMotion origin="layout" path="M 0.32266 3.7037E-6 L 0.4013 3.7037E-6 " pathEditMode="relative" rAng="0" ptsTypes="AA">
+                                      <p:cBhvr>
+                                        <p:cTn id="103" dur="500" fill="hold"/>
+                                        <p:tgtEl>
+                                          <p:spTgt spid="13"/>
+                                        </p:tgtEl>
+                                        <p:attrNameLst>
+                                          <p:attrName>ppt_x</p:attrName>
+                                          <p:attrName>ppt_y</p:attrName>
+                                        </p:attrNameLst>
+                                      </p:cBhvr>
+                                      <p:rCtr x="3932" y="0"/>
+                                    </p:animMotion>
+                                  </p:childTnLst>
+                                </p:cTn>
+                              </p:par>
+                            </p:childTnLst>
+                          </p:cTn>
+                        </p:par>
+                        <p:par>
+                          <p:cTn id="104" fill="hold">
+                            <p:stCondLst>
+                              <p:cond delay="16250"/>
+                            </p:stCondLst>
+                            <p:childTnLst>
+                              <p:par>
+                                <p:cTn id="105" presetID="63" presetClass="path" presetSubtype="0" accel="50000" decel="50000" fill="hold" grpId="18" nodeType="afterEffect">
+                                  <p:stCondLst>
+                                    <p:cond delay="0"/>
+                                  </p:stCondLst>
+                                  <p:childTnLst>
+                                    <p:animMotion origin="layout" path="M 0.328 -7.40741E-7 L 0.40469 -7.40741E-7 " pathEditMode="relative" rAng="0" ptsTypes="AA">
+                                      <p:cBhvr>
+                                        <p:cTn id="106" dur="500" fill="hold"/>
+                                        <p:tgtEl>
+                                          <p:spTgt spid="31"/>
+                                        </p:tgtEl>
+                                        <p:attrNameLst>
+                                          <p:attrName>ppt_x</p:attrName>
+                                          <p:attrName>ppt_y</p:attrName>
+                                        </p:attrNameLst>
+                                      </p:cBhvr>
+                                      <p:rCtr x="3958" y="0"/>
+                                    </p:animMotion>
+                                  </p:childTnLst>
+                                </p:cTn>
+                              </p:par>
+                            </p:childTnLst>
+                          </p:cTn>
+                        </p:par>
+                        <p:par>
+                          <p:cTn id="107" fill="hold">
+                            <p:stCondLst>
+                              <p:cond delay="16750"/>
+                            </p:stCondLst>
+                            <p:childTnLst>
+                              <p:par>
+                                <p:cTn id="108" presetID="37" presetClass="path" presetSubtype="0" accel="50000" decel="50000" fill="hold" grpId="1" nodeType="afterEffect">
+                                  <p:stCondLst>
+                                    <p:cond delay="0"/>
+                                  </p:stCondLst>
+                                  <p:childTnLst>
+                                    <p:animMotion origin="layout" path="M 0.08399 -1.48148E-6 L 0.10547 0.09167 C 0.1099 0.11227 0.11654 0.12361 0.1237 0.12361 C 0.13164 0.12361 0.13815 0.11227 0.14258 0.09167 L 0.16419 -1.48148E-6 " pathEditMode="relative" rAng="0" ptsTypes="AAAAA">
+                                      <p:cBhvr>
+                                        <p:cTn id="109" dur="1000" fill="hold"/>
+                                        <p:tgtEl>
+                                          <p:spTgt spid="27"/>
+                                        </p:tgtEl>
+                                        <p:attrNameLst>
+                                          <p:attrName>ppt_x</p:attrName>
+                                          <p:attrName>ppt_y</p:attrName>
+                                        </p:attrNameLst>
+                                      </p:cBhvr>
+                                      <p:rCtr x="4010" y="6181"/>
+                                    </p:animMotion>
+                                  </p:childTnLst>
+                                </p:cTn>
+                              </p:par>
+                              <p:par>
+                                <p:cTn id="110" presetID="37" presetClass="path" presetSubtype="0" accel="50000" decel="50000" fill="hold" grpId="0" nodeType="withEffect">
+                                  <p:stCondLst>
+                                    <p:cond delay="0"/>
+                                  </p:stCondLst>
+                                  <p:childTnLst>
+                                    <p:animMotion origin="layout" path="M 0.00065 -1.48148E-6 L -0.02109 0.09167 C -0.02552 0.11227 -0.03229 0.12361 -0.03932 0.12361 C -0.04739 0.12361 -0.0539 0.11227 -0.05833 0.09167 L -0.07995 -1.48148E-6 " pathEditMode="relative" rAng="0" ptsTypes="AAAAA">
+                                      <p:cBhvr>
+                                        <p:cTn id="111" dur="1000" fill="hold"/>
+                                        <p:tgtEl>
+                                          <p:spTgt spid="26"/>
+                                        </p:tgtEl>
+                                        <p:attrNameLst>
+                                          <p:attrName>ppt_x</p:attrName>
+                                          <p:attrName>ppt_y</p:attrName>
+                                        </p:attrNameLst>
+                                      </p:cBhvr>
+                                      <p:rCtr x="-4036" y="6181"/>
+                                    </p:animMotion>
+                                  </p:childTnLst>
+                                </p:cTn>
+                              </p:par>
+                            </p:childTnLst>
+                          </p:cTn>
+                        </p:par>
+                        <p:par>
+                          <p:cTn id="112" fill="hold">
+                            <p:stCondLst>
+                              <p:cond delay="17750"/>
+                            </p:stCondLst>
+                            <p:childTnLst>
+                              <p:par>
+                                <p:cTn id="113" presetID="63" presetClass="path" presetSubtype="0" accel="50000" decel="50000" fill="hold" grpId="4" nodeType="afterEffect">
+                                  <p:stCondLst>
+                                    <p:cond delay="0"/>
+                                  </p:stCondLst>
+                                  <p:childTnLst>
+                                    <p:animMotion origin="layout" path="M 0.32552 3.7037E-6 L 0.40781 3.7037E-6 " pathEditMode="relative" rAng="0" ptsTypes="AA">
+                                      <p:cBhvr>
+                                        <p:cTn id="114" dur="500" fill="hold"/>
+                                        <p:tgtEl>
+                                          <p:spTgt spid="14"/>
+                                        </p:tgtEl>
+                                        <p:attrNameLst>
+                                          <p:attrName>ppt_x</p:attrName>
+                                          <p:attrName>ppt_y</p:attrName>
+                                        </p:attrNameLst>
+                                      </p:cBhvr>
+                                      <p:rCtr x="4167" y="0"/>
+                                    </p:animMotion>
+                                  </p:childTnLst>
+                                </p:cTn>
+                              </p:par>
+                            </p:childTnLst>
+                          </p:cTn>
+                        </p:par>
+                        <p:par>
+                          <p:cTn id="115" fill="hold">
+                            <p:stCondLst>
+                              <p:cond delay="18250"/>
+                            </p:stCondLst>
+                            <p:childTnLst>
+                              <p:par>
+                                <p:cTn id="116" presetID="63" presetClass="path" presetSubtype="0" accel="50000" decel="50000" fill="hold" grpId="19" nodeType="afterEffect">
+                                  <p:stCondLst>
+                                    <p:cond delay="0"/>
+                                  </p:stCondLst>
+                                  <p:childTnLst>
+                                    <p:animMotion origin="layout" path="M 0.32799 -7.40741E-7 L 0.40469 -7.40741E-7 " pathEditMode="relative" rAng="0" ptsTypes="AA">
+                                      <p:cBhvr>
+                                        <p:cTn id="117" dur="500" fill="hold"/>
+                                        <p:tgtEl>
+                                          <p:spTgt spid="31"/>
+                                        </p:tgtEl>
+                                        <p:attrNameLst>
+                                          <p:attrName>ppt_x</p:attrName>
+                                          <p:attrName>ppt_y</p:attrName>
+                                        </p:attrNameLst>
+                                      </p:cBhvr>
+                                      <p:rCtr x="3802" y="0"/>
+                                    </p:animMotion>
+                                  </p:childTnLst>
+                                </p:cTn>
+                              </p:par>
+                            </p:childTnLst>
+                          </p:cTn>
+                        </p:par>
+                        <p:par>
+                          <p:cTn id="118" fill="hold">
+                            <p:stCondLst>
+                              <p:cond delay="18750"/>
+                            </p:stCondLst>
+                            <p:childTnLst>
+                              <p:par>
+                                <p:cTn id="119" presetID="63" presetClass="path" presetSubtype="0" accel="50000" decel="50000" fill="hold" grpId="7" nodeType="afterEffect">
+                                  <p:stCondLst>
+                                    <p:cond delay="0"/>
+                                  </p:stCondLst>
+                                  <p:childTnLst>
+                                    <p:animMotion origin="layout" path="M 0.4013 3.7037E-6 L 0.47969 3.7037E-6 " pathEditMode="relative" rAng="0" ptsTypes="AA">
+                                      <p:cBhvr>
+                                        <p:cTn id="120" dur="500" fill="hold"/>
+                                        <p:tgtEl>
+                                          <p:spTgt spid="13"/>
+                                        </p:tgtEl>
+                                        <p:attrNameLst>
+                                          <p:attrName>ppt_x</p:attrName>
+                                          <p:attrName>ppt_y</p:attrName>
+                                        </p:attrNameLst>
+                                      </p:cBhvr>
+                                      <p:rCtr x="4023" y="0"/>
+                                    </p:animMotion>
+                                  </p:childTnLst>
+                                </p:cTn>
+                              </p:par>
+                            </p:childTnLst>
+                          </p:cTn>
+                        </p:par>
+                        <p:par>
+                          <p:cTn id="121" fill="hold">
+                            <p:stCondLst>
+                              <p:cond delay="19250"/>
+                            </p:stCondLst>
+                            <p:childTnLst>
+                              <p:par>
+                                <p:cTn id="122" presetID="37" presetClass="path" presetSubtype="0" accel="50000" decel="50000" fill="hold" grpId="2" nodeType="afterEffect">
+                                  <p:stCondLst>
+                                    <p:cond delay="0"/>
+                                  </p:stCondLst>
+                                  <p:childTnLst>
+                                    <p:animMotion origin="layout" path="M 0.16523 -1.48148E-6 L 0.18789 0.09028 C 0.19258 0.11065 0.19974 0.12176 0.20716 0.12176 C 0.21562 0.12176 0.22253 0.11065 0.22721 0.09028 L 0.25 -1.48148E-6 " pathEditMode="relative" rAng="0" ptsTypes="AAAAA">
+                                      <p:cBhvr>
+                                        <p:cTn id="123" dur="1000" fill="hold"/>
+                                        <p:tgtEl>
+                                          <p:spTgt spid="27"/>
+                                        </p:tgtEl>
+                                        <p:attrNameLst>
+                                          <p:attrName>ppt_x</p:attrName>
+                                          <p:attrName>ppt_y</p:attrName>
+                                        </p:attrNameLst>
+                                      </p:cBhvr>
+                                      <p:rCtr x="4232" y="6088"/>
+                                    </p:animMotion>
+                                  </p:childTnLst>
+                                </p:cTn>
+                              </p:par>
+                              <p:par>
+                                <p:cTn id="124" presetID="37" presetClass="path" presetSubtype="0" accel="50000" decel="50000" fill="hold" grpId="1" nodeType="withEffect">
+                                  <p:stCondLst>
+                                    <p:cond delay="0"/>
+                                  </p:stCondLst>
+                                  <p:childTnLst>
+                                    <p:animMotion origin="layout" path="M 0.3276 -1.48148E-6 L 0.30664 0.09167 C 0.30221 0.11227 0.2957 0.12361 0.2888 0.12361 C 0.28099 0.12361 0.27474 0.11227 0.27031 0.09167 L 0.24948 -1.48148E-6 " pathEditMode="relative" rAng="0" ptsTypes="AAAAA">
+                                      <p:cBhvr>
+                                        <p:cTn id="125" dur="1000" fill="hold"/>
+                                        <p:tgtEl>
+                                          <p:spTgt spid="19"/>
+                                        </p:tgtEl>
+                                        <p:attrNameLst>
+                                          <p:attrName>ppt_x</p:attrName>
+                                          <p:attrName>ppt_y</p:attrName>
+                                        </p:attrNameLst>
+                                      </p:cBhvr>
+                                      <p:rCtr x="-3906" y="6181"/>
+                                    </p:animMotion>
+                                  </p:childTnLst>
+                                </p:cTn>
+                              </p:par>
+                            </p:childTnLst>
+                          </p:cTn>
+                        </p:par>
+                      </p:childTnLst>
+                    </p:cTn>
+                  </p:par>
+                </p:childTnLst>
+              </p:cTn>
+              <p:prevCondLst>
+                <p:cond evt="onPrev" delay="0">
+                  <p:tgtEl>
+                    <p:sldTgt/>
+                  </p:tgtEl>
+                </p:cond>
+              </p:prevCondLst>
+              <p:nextCondLst>
+                <p:cond evt="onNext" delay="0">
+                  <p:tgtEl>
+                    <p:sldTgt/>
+                  </p:tgtEl>
+                </p:cond>
+              </p:nextCondLst>
+            </p:seq>
+          </p:childTnLst>
+        </p:cTn>
+      </p:par>
+    </p:tnLst>
+    <p:bldLst>
+      <p:bldP spid="31" grpId="0" animBg="1"/>
+      <p:bldP spid="31" grpId="1" animBg="1"/>
+      <p:bldP spid="31" grpId="2" animBg="1"/>
+      <p:bldP spid="31" grpId="3" animBg="1"/>
+      <p:bldP spid="31" grpId="4" animBg="1"/>
+      <p:bldP spid="31" grpId="5" animBg="1"/>
+      <p:bldP spid="31" grpId="6" animBg="1"/>
+      <p:bldP spid="31" grpId="7" animBg="1"/>
+      <p:bldP spid="31" grpId="8" animBg="1"/>
+      <p:bldP spid="31" grpId="9" animBg="1"/>
+      <p:bldP spid="31" grpId="10" animBg="1"/>
+      <p:bldP spid="31" grpId="11" animBg="1"/>
+      <p:bldP spid="31" grpId="12" animBg="1"/>
+      <p:bldP spid="31" grpId="13" animBg="1"/>
+      <p:bldP spid="31" grpId="14" animBg="1"/>
+      <p:bldP spid="31" grpId="15" animBg="1"/>
+      <p:bldP spid="31" grpId="16" animBg="1"/>
+      <p:bldP spid="31" grpId="17" animBg="1"/>
+      <p:bldP spid="31" grpId="18" animBg="1"/>
+      <p:bldP spid="31" grpId="19" animBg="1"/>
+      <p:bldP spid="17" grpId="0" animBg="1"/>
+      <p:bldP spid="18" grpId="0" animBg="1"/>
+      <p:bldP spid="19" grpId="0" animBg="1"/>
+      <p:bldP spid="19" grpId="1" animBg="1"/>
+      <p:bldP spid="27" grpId="0" animBg="1"/>
+      <p:bldP spid="27" grpId="1" animBg="1"/>
+      <p:bldP spid="27" grpId="2" animBg="1"/>
+      <p:bldP spid="20" grpId="0" animBg="1"/>
+      <p:bldP spid="26" grpId="0" animBg="1"/>
+      <p:bldP spid="25" grpId="0" animBg="1"/>
+      <p:bldP spid="13" grpId="0" animBg="1"/>
+      <p:bldP spid="13" grpId="1" animBg="1"/>
+      <p:bldP spid="13" grpId="2" animBg="1"/>
+      <p:bldP spid="13" grpId="3" animBg="1"/>
+      <p:bldP spid="13" grpId="4" animBg="1"/>
+      <p:bldP spid="13" grpId="5" animBg="1"/>
+      <p:bldP spid="13" grpId="6" animBg="1"/>
+      <p:bldP spid="13" grpId="7" animBg="1"/>
+      <p:bldP spid="14" grpId="0" animBg="1"/>
+      <p:bldP spid="14" grpId="1" animBg="1"/>
+      <p:bldP spid="14" grpId="2" animBg="1"/>
+      <p:bldP spid="14" grpId="3" animBg="1"/>
+      <p:bldP spid="14" grpId="4" animBg="1"/>
+    </p:bldLst>
+  </p:timing>
+</p:sld>
+</file>
+
 <file path=ppt/theme/theme1.xml><?xml version="1.0" encoding="utf-8"?>
 <a:theme xmlns:a="http://schemas.openxmlformats.org/drawingml/2006/main" name="Office 主题​​">
   <a:themeElements>

--- a/ppt/sort.pptx
+++ b/ppt/sort.pptx
@@ -7,6 +7,7 @@
   <p:sldIdLst>
     <p:sldId id="256" r:id="rId2"/>
     <p:sldId id="257" r:id="rId3"/>
+    <p:sldId id="258" r:id="rId4"/>
   </p:sldIdLst>
   <p:sldSz cx="12192000" cy="6858000"/>
   <p:notesSz cx="6858000" cy="9144000"/>
@@ -244,7 +245,7 @@
           <a:p>
             <a:fld id="{89368CE1-8ACD-4C62-B28F-3A0B9B6B8466}" type="datetimeFigureOut">
               <a:rPr lang="zh-CN" altLang="en-US" smtClean="0"/>
-              <a:t>2020/2/2</a:t>
+              <a:t>2020/2/3</a:t>
             </a:fld>
             <a:endParaRPr lang="zh-CN" altLang="en-US"/>
           </a:p>
@@ -414,7 +415,7 @@
           <a:p>
             <a:fld id="{89368CE1-8ACD-4C62-B28F-3A0B9B6B8466}" type="datetimeFigureOut">
               <a:rPr lang="zh-CN" altLang="en-US" smtClean="0"/>
-              <a:t>2020/2/2</a:t>
+              <a:t>2020/2/3</a:t>
             </a:fld>
             <a:endParaRPr lang="zh-CN" altLang="en-US"/>
           </a:p>
@@ -594,7 +595,7 @@
           <a:p>
             <a:fld id="{89368CE1-8ACD-4C62-B28F-3A0B9B6B8466}" type="datetimeFigureOut">
               <a:rPr lang="zh-CN" altLang="en-US" smtClean="0"/>
-              <a:t>2020/2/2</a:t>
+              <a:t>2020/2/3</a:t>
             </a:fld>
             <a:endParaRPr lang="zh-CN" altLang="en-US"/>
           </a:p>
@@ -764,7 +765,7 @@
           <a:p>
             <a:fld id="{89368CE1-8ACD-4C62-B28F-3A0B9B6B8466}" type="datetimeFigureOut">
               <a:rPr lang="zh-CN" altLang="en-US" smtClean="0"/>
-              <a:t>2020/2/2</a:t>
+              <a:t>2020/2/3</a:t>
             </a:fld>
             <a:endParaRPr lang="zh-CN" altLang="en-US"/>
           </a:p>
@@ -1010,7 +1011,7 @@
           <a:p>
             <a:fld id="{89368CE1-8ACD-4C62-B28F-3A0B9B6B8466}" type="datetimeFigureOut">
               <a:rPr lang="zh-CN" altLang="en-US" smtClean="0"/>
-              <a:t>2020/2/2</a:t>
+              <a:t>2020/2/3</a:t>
             </a:fld>
             <a:endParaRPr lang="zh-CN" altLang="en-US"/>
           </a:p>
@@ -1242,7 +1243,7 @@
           <a:p>
             <a:fld id="{89368CE1-8ACD-4C62-B28F-3A0B9B6B8466}" type="datetimeFigureOut">
               <a:rPr lang="zh-CN" altLang="en-US" smtClean="0"/>
-              <a:t>2020/2/2</a:t>
+              <a:t>2020/2/3</a:t>
             </a:fld>
             <a:endParaRPr lang="zh-CN" altLang="en-US"/>
           </a:p>
@@ -1609,7 +1610,7 @@
           <a:p>
             <a:fld id="{89368CE1-8ACD-4C62-B28F-3A0B9B6B8466}" type="datetimeFigureOut">
               <a:rPr lang="zh-CN" altLang="en-US" smtClean="0"/>
-              <a:t>2020/2/2</a:t>
+              <a:t>2020/2/3</a:t>
             </a:fld>
             <a:endParaRPr lang="zh-CN" altLang="en-US"/>
           </a:p>
@@ -1727,7 +1728,7 @@
           <a:p>
             <a:fld id="{89368CE1-8ACD-4C62-B28F-3A0B9B6B8466}" type="datetimeFigureOut">
               <a:rPr lang="zh-CN" altLang="en-US" smtClean="0"/>
-              <a:t>2020/2/2</a:t>
+              <a:t>2020/2/3</a:t>
             </a:fld>
             <a:endParaRPr lang="zh-CN" altLang="en-US"/>
           </a:p>
@@ -1822,7 +1823,7 @@
           <a:p>
             <a:fld id="{89368CE1-8ACD-4C62-B28F-3A0B9B6B8466}" type="datetimeFigureOut">
               <a:rPr lang="zh-CN" altLang="en-US" smtClean="0"/>
-              <a:t>2020/2/2</a:t>
+              <a:t>2020/2/3</a:t>
             </a:fld>
             <a:endParaRPr lang="zh-CN" altLang="en-US"/>
           </a:p>
@@ -2099,7 +2100,7 @@
           <a:p>
             <a:fld id="{89368CE1-8ACD-4C62-B28F-3A0B9B6B8466}" type="datetimeFigureOut">
               <a:rPr lang="zh-CN" altLang="en-US" smtClean="0"/>
-              <a:t>2020/2/2</a:t>
+              <a:t>2020/2/3</a:t>
             </a:fld>
             <a:endParaRPr lang="zh-CN" altLang="en-US"/>
           </a:p>
@@ -2352,7 +2353,7 @@
           <a:p>
             <a:fld id="{89368CE1-8ACD-4C62-B28F-3A0B9B6B8466}" type="datetimeFigureOut">
               <a:rPr lang="zh-CN" altLang="en-US" smtClean="0"/>
-              <a:t>2020/2/2</a:t>
+              <a:t>2020/2/3</a:t>
             </a:fld>
             <a:endParaRPr lang="zh-CN" altLang="en-US"/>
           </a:p>
@@ -2565,7 +2566,7 @@
           <a:p>
             <a:fld id="{89368CE1-8ACD-4C62-B28F-3A0B9B6B8466}" type="datetimeFigureOut">
               <a:rPr lang="zh-CN" altLang="en-US" smtClean="0"/>
-              <a:t>2020/2/2</a:t>
+              <a:t>2020/2/3</a:t>
             </a:fld>
             <a:endParaRPr lang="zh-CN" altLang="en-US"/>
           </a:p>
@@ -5713,15 +5714,7 @@
                   <a:srgbClr val="00B050"/>
                 </a:solidFill>
               </a:rPr>
-              <a:t>Selection </a:t>
-            </a:r>
-            <a:r>
-              <a:rPr lang="en-US" altLang="zh-CN" sz="3600" dirty="0" smtClean="0">
-                <a:solidFill>
-                  <a:srgbClr val="00B050"/>
-                </a:solidFill>
-              </a:rPr>
-              <a:t>sort</a:t>
+              <a:t>Selection sort</a:t>
             </a:r>
             <a:endParaRPr lang="zh-CN" altLang="en-US" sz="3600" dirty="0">
               <a:solidFill>
@@ -7224,6 +7217,2069 @@
       <p:bldP spid="14" grpId="2" animBg="1"/>
       <p:bldP spid="14" grpId="3" animBg="1"/>
       <p:bldP spid="14" grpId="4" animBg="1"/>
+    </p:bldLst>
+  </p:timing>
+</p:sld>
+</file>
+
+<file path=ppt/slides/slide3.xml><?xml version="1.0" encoding="utf-8"?>
+<p:sld xmlns:a="http://schemas.openxmlformats.org/drawingml/2006/main" xmlns:r="http://schemas.openxmlformats.org/officeDocument/2006/relationships" xmlns:p="http://schemas.openxmlformats.org/presentationml/2006/main">
+  <p:cSld>
+    <p:spTree>
+      <p:nvGrpSpPr>
+        <p:cNvPr id="1" name=""/>
+        <p:cNvGrpSpPr/>
+        <p:nvPr/>
+      </p:nvGrpSpPr>
+      <p:grpSpPr>
+        <a:xfrm>
+          <a:off x="0" y="0"/>
+          <a:ext cx="0" cy="0"/>
+          <a:chOff x="0" y="0"/>
+          <a:chExt cx="0" cy="0"/>
+        </a:xfrm>
+      </p:grpSpPr>
+      <p:sp>
+        <p:nvSpPr>
+          <p:cNvPr id="31" name="上箭头标注 30"/>
+          <p:cNvSpPr/>
+          <p:nvPr/>
+        </p:nvSpPr>
+        <p:spPr>
+          <a:xfrm>
+            <a:off x="3914407" y="4670359"/>
+            <a:ext cx="668740" cy="818866"/>
+          </a:xfrm>
+          <a:prstGeom prst="upArrowCallout">
+            <a:avLst>
+              <a:gd name="adj1" fmla="val 25000"/>
+              <a:gd name="adj2" fmla="val 25000"/>
+              <a:gd name="adj3" fmla="val 25000"/>
+              <a:gd name="adj4" fmla="val 54977"/>
+            </a:avLst>
+          </a:prstGeom>
+          <a:solidFill>
+            <a:schemeClr val="tx2">
+              <a:lumMod val="50000"/>
+            </a:schemeClr>
+          </a:solidFill>
+          <a:ln>
+            <a:noFill/>
+          </a:ln>
+          <a:effectLst/>
+        </p:spPr>
+        <p:style>
+          <a:lnRef idx="2">
+            <a:schemeClr val="accent1">
+              <a:shade val="50000"/>
+            </a:schemeClr>
+          </a:lnRef>
+          <a:fillRef idx="1">
+            <a:schemeClr val="accent1"/>
+          </a:fillRef>
+          <a:effectRef idx="0">
+            <a:schemeClr val="accent1"/>
+          </a:effectRef>
+          <a:fontRef idx="minor">
+            <a:schemeClr val="lt1"/>
+          </a:fontRef>
+        </p:style>
+        <p:txBody>
+          <a:bodyPr rtlCol="0" anchor="ctr"/>
+          <a:lstStyle/>
+          <a:p>
+            <a:pPr algn="ctr"/>
+            <a:r>
+              <a:rPr lang="en-US" altLang="zh-CN" sz="2400" dirty="0"/>
+              <a:t>j</a:t>
+            </a:r>
+            <a:endParaRPr lang="zh-CN" altLang="en-US" sz="2400" dirty="0"/>
+          </a:p>
+        </p:txBody>
+      </p:sp>
+      <p:sp>
+        <p:nvSpPr>
+          <p:cNvPr id="15" name="下箭头标注 14"/>
+          <p:cNvSpPr/>
+          <p:nvPr/>
+        </p:nvSpPr>
+        <p:spPr>
+          <a:xfrm>
+            <a:off x="2870777" y="3039443"/>
+            <a:ext cx="764836" cy="900753"/>
+          </a:xfrm>
+          <a:prstGeom prst="downArrowCallout">
+            <a:avLst>
+              <a:gd name="adj1" fmla="val 25000"/>
+              <a:gd name="adj2" fmla="val 25000"/>
+              <a:gd name="adj3" fmla="val 25000"/>
+              <a:gd name="adj4" fmla="val 51172"/>
+            </a:avLst>
+          </a:prstGeom>
+          <a:solidFill>
+            <a:schemeClr val="tx2">
+              <a:lumMod val="50000"/>
+            </a:schemeClr>
+          </a:solidFill>
+          <a:ln>
+            <a:noFill/>
+          </a:ln>
+          <a:effectLst/>
+        </p:spPr>
+        <p:style>
+          <a:lnRef idx="2">
+            <a:schemeClr val="accent1">
+              <a:shade val="50000"/>
+            </a:schemeClr>
+          </a:lnRef>
+          <a:fillRef idx="1">
+            <a:schemeClr val="accent1"/>
+          </a:fillRef>
+          <a:effectRef idx="0">
+            <a:schemeClr val="accent1"/>
+          </a:effectRef>
+          <a:fontRef idx="minor">
+            <a:schemeClr val="lt1"/>
+          </a:fontRef>
+        </p:style>
+        <p:txBody>
+          <a:bodyPr rtlCol="0" anchor="ctr"/>
+          <a:lstStyle/>
+          <a:p>
+            <a:pPr algn="ctr"/>
+            <a:r>
+              <a:rPr lang="en-US" altLang="zh-CN" sz="2800" dirty="0" err="1">
+                <a:latin typeface="Times New Roman" panose="02020603050405020304" pitchFamily="18" charset="0"/>
+                <a:cs typeface="Times New Roman" panose="02020603050405020304" pitchFamily="18" charset="0"/>
+              </a:rPr>
+              <a:t>i</a:t>
+            </a:r>
+            <a:endParaRPr lang="zh-CN" altLang="en-US" sz="2800" dirty="0">
+              <a:latin typeface="Times New Roman" panose="02020603050405020304" pitchFamily="18" charset="0"/>
+              <a:cs typeface="Times New Roman" panose="02020603050405020304" pitchFamily="18" charset="0"/>
+            </a:endParaRPr>
+          </a:p>
+        </p:txBody>
+      </p:sp>
+      <p:sp>
+        <p:nvSpPr>
+          <p:cNvPr id="16" name="上箭头标注 15"/>
+          <p:cNvSpPr/>
+          <p:nvPr/>
+        </p:nvSpPr>
+        <p:spPr>
+          <a:xfrm>
+            <a:off x="2918825" y="4670359"/>
+            <a:ext cx="668740" cy="818866"/>
+          </a:xfrm>
+          <a:prstGeom prst="upArrowCallout">
+            <a:avLst>
+              <a:gd name="adj1" fmla="val 25000"/>
+              <a:gd name="adj2" fmla="val 25000"/>
+              <a:gd name="adj3" fmla="val 25000"/>
+              <a:gd name="adj4" fmla="val 54977"/>
+            </a:avLst>
+          </a:prstGeom>
+          <a:solidFill>
+            <a:schemeClr val="tx2">
+              <a:lumMod val="50000"/>
+            </a:schemeClr>
+          </a:solidFill>
+          <a:ln>
+            <a:noFill/>
+          </a:ln>
+          <a:effectLst/>
+        </p:spPr>
+        <p:style>
+          <a:lnRef idx="2">
+            <a:schemeClr val="accent1">
+              <a:shade val="50000"/>
+            </a:schemeClr>
+          </a:lnRef>
+          <a:fillRef idx="1">
+            <a:schemeClr val="accent1"/>
+          </a:fillRef>
+          <a:effectRef idx="0">
+            <a:schemeClr val="accent1"/>
+          </a:effectRef>
+          <a:fontRef idx="minor">
+            <a:schemeClr val="lt1"/>
+          </a:fontRef>
+        </p:style>
+        <p:txBody>
+          <a:bodyPr rtlCol="0" anchor="ctr"/>
+          <a:lstStyle/>
+          <a:p>
+            <a:pPr algn="ctr"/>
+            <a:r>
+              <a:rPr lang="en-US" altLang="zh-CN" sz="2400" dirty="0"/>
+              <a:t>j</a:t>
+            </a:r>
+            <a:r>
+              <a:rPr lang="en-US" altLang="zh-CN" sz="2400" dirty="0" smtClean="0"/>
+              <a:t>-1</a:t>
+            </a:r>
+            <a:endParaRPr lang="zh-CN" altLang="en-US" sz="2400" dirty="0"/>
+          </a:p>
+        </p:txBody>
+      </p:sp>
+      <p:sp>
+        <p:nvSpPr>
+          <p:cNvPr id="17" name="圆角矩形 16"/>
+          <p:cNvSpPr/>
+          <p:nvPr/>
+        </p:nvSpPr>
+        <p:spPr>
+          <a:xfrm>
+            <a:off x="2737477" y="3940196"/>
+            <a:ext cx="1003300" cy="609600"/>
+          </a:xfrm>
+          <a:prstGeom prst="roundRect">
+            <a:avLst/>
+          </a:prstGeom>
+          <a:solidFill>
+            <a:srgbClr val="00B050"/>
+          </a:solidFill>
+          <a:ln>
+            <a:noFill/>
+          </a:ln>
+          <a:effectLst/>
+        </p:spPr>
+        <p:style>
+          <a:lnRef idx="2">
+            <a:schemeClr val="accent1">
+              <a:shade val="50000"/>
+            </a:schemeClr>
+          </a:lnRef>
+          <a:fillRef idx="1">
+            <a:schemeClr val="accent1"/>
+          </a:fillRef>
+          <a:effectRef idx="0">
+            <a:schemeClr val="accent1"/>
+          </a:effectRef>
+          <a:fontRef idx="minor">
+            <a:schemeClr val="lt1"/>
+          </a:fontRef>
+        </p:style>
+        <p:txBody>
+          <a:bodyPr rtlCol="0" anchor="ctr"/>
+          <a:lstStyle/>
+          <a:p>
+            <a:pPr algn="ctr"/>
+            <a:r>
+              <a:rPr lang="en-US" altLang="zh-CN" sz="2000" dirty="0" smtClean="0">
+                <a:solidFill>
+                  <a:schemeClr val="bg2"/>
+                </a:solidFill>
+                <a:latin typeface="Times New Roman" panose="02020603050405020304" pitchFamily="18" charset="0"/>
+                <a:cs typeface="Times New Roman" panose="02020603050405020304" pitchFamily="18" charset="0"/>
+              </a:rPr>
+              <a:t>2</a:t>
+            </a:r>
+            <a:endParaRPr lang="zh-CN" altLang="en-US" sz="2000" dirty="0">
+              <a:solidFill>
+                <a:schemeClr val="bg2"/>
+              </a:solidFill>
+              <a:latin typeface="Times New Roman" panose="02020603050405020304" pitchFamily="18" charset="0"/>
+              <a:cs typeface="Times New Roman" panose="02020603050405020304" pitchFamily="18" charset="0"/>
+            </a:endParaRPr>
+          </a:p>
+        </p:txBody>
+      </p:sp>
+      <p:sp>
+        <p:nvSpPr>
+          <p:cNvPr id="18" name="圆角矩形 17"/>
+          <p:cNvSpPr/>
+          <p:nvPr/>
+        </p:nvSpPr>
+        <p:spPr>
+          <a:xfrm>
+            <a:off x="3747127" y="3940196"/>
+            <a:ext cx="1003300" cy="609600"/>
+          </a:xfrm>
+          <a:prstGeom prst="roundRect">
+            <a:avLst/>
+          </a:prstGeom>
+          <a:solidFill>
+            <a:srgbClr val="00B050"/>
+          </a:solidFill>
+          <a:ln>
+            <a:noFill/>
+          </a:ln>
+          <a:effectLst/>
+        </p:spPr>
+        <p:style>
+          <a:lnRef idx="2">
+            <a:schemeClr val="accent1">
+              <a:shade val="50000"/>
+            </a:schemeClr>
+          </a:lnRef>
+          <a:fillRef idx="1">
+            <a:schemeClr val="accent1"/>
+          </a:fillRef>
+          <a:effectRef idx="0">
+            <a:schemeClr val="accent1"/>
+          </a:effectRef>
+          <a:fontRef idx="minor">
+            <a:schemeClr val="lt1"/>
+          </a:fontRef>
+        </p:style>
+        <p:txBody>
+          <a:bodyPr rtlCol="0" anchor="ctr"/>
+          <a:lstStyle/>
+          <a:p>
+            <a:pPr algn="ctr"/>
+            <a:r>
+              <a:rPr lang="en-US" altLang="zh-CN" sz="2000" dirty="0" smtClean="0">
+                <a:solidFill>
+                  <a:schemeClr val="bg2"/>
+                </a:solidFill>
+                <a:latin typeface="Times New Roman" panose="02020603050405020304" pitchFamily="18" charset="0"/>
+                <a:cs typeface="Times New Roman" panose="02020603050405020304" pitchFamily="18" charset="0"/>
+              </a:rPr>
+              <a:t>1</a:t>
+            </a:r>
+            <a:endParaRPr lang="zh-CN" altLang="en-US" sz="2000" dirty="0">
+              <a:solidFill>
+                <a:schemeClr val="bg2"/>
+              </a:solidFill>
+              <a:latin typeface="Times New Roman" panose="02020603050405020304" pitchFamily="18" charset="0"/>
+              <a:cs typeface="Times New Roman" panose="02020603050405020304" pitchFamily="18" charset="0"/>
+            </a:endParaRPr>
+          </a:p>
+        </p:txBody>
+      </p:sp>
+      <p:sp>
+        <p:nvSpPr>
+          <p:cNvPr id="19" name="圆角矩形 18"/>
+          <p:cNvSpPr/>
+          <p:nvPr/>
+        </p:nvSpPr>
+        <p:spPr>
+          <a:xfrm>
+            <a:off x="4742709" y="3940196"/>
+            <a:ext cx="1003300" cy="609600"/>
+          </a:xfrm>
+          <a:prstGeom prst="roundRect">
+            <a:avLst/>
+          </a:prstGeom>
+          <a:solidFill>
+            <a:srgbClr val="00B050"/>
+          </a:solidFill>
+          <a:ln>
+            <a:noFill/>
+          </a:ln>
+          <a:effectLst/>
+        </p:spPr>
+        <p:style>
+          <a:lnRef idx="2">
+            <a:schemeClr val="accent1">
+              <a:shade val="50000"/>
+            </a:schemeClr>
+          </a:lnRef>
+          <a:fillRef idx="1">
+            <a:schemeClr val="accent1"/>
+          </a:fillRef>
+          <a:effectRef idx="0">
+            <a:schemeClr val="accent1"/>
+          </a:effectRef>
+          <a:fontRef idx="minor">
+            <a:schemeClr val="lt1"/>
+          </a:fontRef>
+        </p:style>
+        <p:txBody>
+          <a:bodyPr rtlCol="0" anchor="ctr"/>
+          <a:lstStyle/>
+          <a:p>
+            <a:pPr algn="ctr"/>
+            <a:r>
+              <a:rPr lang="en-US" altLang="zh-CN" sz="2000" dirty="0" smtClean="0">
+                <a:solidFill>
+                  <a:schemeClr val="bg2"/>
+                </a:solidFill>
+                <a:latin typeface="Times New Roman" panose="02020603050405020304" pitchFamily="18" charset="0"/>
+                <a:cs typeface="Times New Roman" panose="02020603050405020304" pitchFamily="18" charset="0"/>
+              </a:rPr>
+              <a:t>6</a:t>
+            </a:r>
+            <a:endParaRPr lang="zh-CN" altLang="en-US" sz="2000" dirty="0">
+              <a:solidFill>
+                <a:schemeClr val="bg2"/>
+              </a:solidFill>
+              <a:latin typeface="Times New Roman" panose="02020603050405020304" pitchFamily="18" charset="0"/>
+              <a:cs typeface="Times New Roman" panose="02020603050405020304" pitchFamily="18" charset="0"/>
+            </a:endParaRPr>
+          </a:p>
+        </p:txBody>
+      </p:sp>
+      <p:sp>
+        <p:nvSpPr>
+          <p:cNvPr id="27" name="圆角矩形 26"/>
+          <p:cNvSpPr/>
+          <p:nvPr/>
+        </p:nvSpPr>
+        <p:spPr>
+          <a:xfrm>
+            <a:off x="5738291" y="3940196"/>
+            <a:ext cx="1003300" cy="609600"/>
+          </a:xfrm>
+          <a:prstGeom prst="roundRect">
+            <a:avLst/>
+          </a:prstGeom>
+          <a:solidFill>
+            <a:srgbClr val="00B050"/>
+          </a:solidFill>
+          <a:ln>
+            <a:noFill/>
+          </a:ln>
+          <a:effectLst/>
+        </p:spPr>
+        <p:style>
+          <a:lnRef idx="2">
+            <a:schemeClr val="accent1">
+              <a:shade val="50000"/>
+            </a:schemeClr>
+          </a:lnRef>
+          <a:fillRef idx="1">
+            <a:schemeClr val="accent1"/>
+          </a:fillRef>
+          <a:effectRef idx="0">
+            <a:schemeClr val="accent1"/>
+          </a:effectRef>
+          <a:fontRef idx="minor">
+            <a:schemeClr val="lt1"/>
+          </a:fontRef>
+        </p:style>
+        <p:txBody>
+          <a:bodyPr rtlCol="0" anchor="ctr"/>
+          <a:lstStyle/>
+          <a:p>
+            <a:pPr algn="ctr"/>
+            <a:r>
+              <a:rPr lang="en-US" altLang="zh-CN" sz="2000" dirty="0">
+                <a:solidFill>
+                  <a:schemeClr val="bg2"/>
+                </a:solidFill>
+                <a:latin typeface="Times New Roman" panose="02020603050405020304" pitchFamily="18" charset="0"/>
+                <a:cs typeface="Times New Roman" panose="02020603050405020304" pitchFamily="18" charset="0"/>
+              </a:rPr>
+              <a:t>7</a:t>
+            </a:r>
+            <a:endParaRPr lang="zh-CN" altLang="en-US" sz="2000" dirty="0">
+              <a:solidFill>
+                <a:schemeClr val="bg2"/>
+              </a:solidFill>
+              <a:latin typeface="Times New Roman" panose="02020603050405020304" pitchFamily="18" charset="0"/>
+              <a:cs typeface="Times New Roman" panose="02020603050405020304" pitchFamily="18" charset="0"/>
+            </a:endParaRPr>
+          </a:p>
+        </p:txBody>
+      </p:sp>
+      <p:sp>
+        <p:nvSpPr>
+          <p:cNvPr id="20" name="圆角矩形 19"/>
+          <p:cNvSpPr/>
+          <p:nvPr/>
+        </p:nvSpPr>
+        <p:spPr>
+          <a:xfrm>
+            <a:off x="6741591" y="3940196"/>
+            <a:ext cx="1003300" cy="609600"/>
+          </a:xfrm>
+          <a:prstGeom prst="roundRect">
+            <a:avLst/>
+          </a:prstGeom>
+          <a:solidFill>
+            <a:srgbClr val="00B050"/>
+          </a:solidFill>
+          <a:ln>
+            <a:noFill/>
+          </a:ln>
+          <a:effectLst/>
+        </p:spPr>
+        <p:style>
+          <a:lnRef idx="2">
+            <a:schemeClr val="accent1">
+              <a:shade val="50000"/>
+            </a:schemeClr>
+          </a:lnRef>
+          <a:fillRef idx="1">
+            <a:schemeClr val="accent1"/>
+          </a:fillRef>
+          <a:effectRef idx="0">
+            <a:schemeClr val="accent1"/>
+          </a:effectRef>
+          <a:fontRef idx="minor">
+            <a:schemeClr val="lt1"/>
+          </a:fontRef>
+        </p:style>
+        <p:txBody>
+          <a:bodyPr rtlCol="0" anchor="ctr"/>
+          <a:lstStyle/>
+          <a:p>
+            <a:pPr algn="ctr"/>
+            <a:r>
+              <a:rPr lang="en-US" altLang="zh-CN" sz="2000" dirty="0" smtClean="0">
+                <a:solidFill>
+                  <a:schemeClr val="bg2"/>
+                </a:solidFill>
+                <a:latin typeface="Times New Roman" panose="02020603050405020304" pitchFamily="18" charset="0"/>
+                <a:cs typeface="Times New Roman" panose="02020603050405020304" pitchFamily="18" charset="0"/>
+              </a:rPr>
+              <a:t>4</a:t>
+            </a:r>
+            <a:endParaRPr lang="zh-CN" altLang="en-US" sz="2000" dirty="0">
+              <a:solidFill>
+                <a:schemeClr val="bg2"/>
+              </a:solidFill>
+              <a:latin typeface="Times New Roman" panose="02020603050405020304" pitchFamily="18" charset="0"/>
+              <a:cs typeface="Times New Roman" panose="02020603050405020304" pitchFamily="18" charset="0"/>
+            </a:endParaRPr>
+          </a:p>
+        </p:txBody>
+      </p:sp>
+      <p:sp>
+        <p:nvSpPr>
+          <p:cNvPr id="26" name="圆角矩形 25"/>
+          <p:cNvSpPr/>
+          <p:nvPr/>
+        </p:nvSpPr>
+        <p:spPr>
+          <a:xfrm>
+            <a:off x="7744891" y="3940196"/>
+            <a:ext cx="1003300" cy="609600"/>
+          </a:xfrm>
+          <a:prstGeom prst="roundRect">
+            <a:avLst/>
+          </a:prstGeom>
+          <a:solidFill>
+            <a:srgbClr val="00B050"/>
+          </a:solidFill>
+          <a:ln>
+            <a:noFill/>
+          </a:ln>
+          <a:effectLst/>
+        </p:spPr>
+        <p:style>
+          <a:lnRef idx="2">
+            <a:schemeClr val="accent1">
+              <a:shade val="50000"/>
+            </a:schemeClr>
+          </a:lnRef>
+          <a:fillRef idx="1">
+            <a:schemeClr val="accent1"/>
+          </a:fillRef>
+          <a:effectRef idx="0">
+            <a:schemeClr val="accent1"/>
+          </a:effectRef>
+          <a:fontRef idx="minor">
+            <a:schemeClr val="lt1"/>
+          </a:fontRef>
+        </p:style>
+        <p:txBody>
+          <a:bodyPr rtlCol="0" anchor="ctr"/>
+          <a:lstStyle/>
+          <a:p>
+            <a:pPr algn="ctr"/>
+            <a:r>
+              <a:rPr lang="en-US" altLang="zh-CN" sz="2000" dirty="0" smtClean="0">
+                <a:solidFill>
+                  <a:schemeClr val="bg2"/>
+                </a:solidFill>
+                <a:latin typeface="Times New Roman" panose="02020603050405020304" pitchFamily="18" charset="0"/>
+                <a:cs typeface="Times New Roman" panose="02020603050405020304" pitchFamily="18" charset="0"/>
+              </a:rPr>
+              <a:t>5</a:t>
+            </a:r>
+            <a:endParaRPr lang="zh-CN" altLang="en-US" sz="2000" dirty="0">
+              <a:solidFill>
+                <a:schemeClr val="bg2"/>
+              </a:solidFill>
+              <a:latin typeface="Times New Roman" panose="02020603050405020304" pitchFamily="18" charset="0"/>
+              <a:cs typeface="Times New Roman" panose="02020603050405020304" pitchFamily="18" charset="0"/>
+            </a:endParaRPr>
+          </a:p>
+        </p:txBody>
+      </p:sp>
+      <p:sp>
+        <p:nvSpPr>
+          <p:cNvPr id="25" name="圆角矩形 24"/>
+          <p:cNvSpPr/>
+          <p:nvPr/>
+        </p:nvSpPr>
+        <p:spPr>
+          <a:xfrm>
+            <a:off x="8747874" y="3940196"/>
+            <a:ext cx="1003300" cy="609600"/>
+          </a:xfrm>
+          <a:prstGeom prst="roundRect">
+            <a:avLst/>
+          </a:prstGeom>
+          <a:solidFill>
+            <a:srgbClr val="00B050"/>
+          </a:solidFill>
+          <a:ln>
+            <a:noFill/>
+          </a:ln>
+          <a:effectLst/>
+        </p:spPr>
+        <p:style>
+          <a:lnRef idx="2">
+            <a:schemeClr val="accent1">
+              <a:shade val="50000"/>
+            </a:schemeClr>
+          </a:lnRef>
+          <a:fillRef idx="1">
+            <a:schemeClr val="accent1"/>
+          </a:fillRef>
+          <a:effectRef idx="0">
+            <a:schemeClr val="accent1"/>
+          </a:effectRef>
+          <a:fontRef idx="minor">
+            <a:schemeClr val="lt1"/>
+          </a:fontRef>
+        </p:style>
+        <p:txBody>
+          <a:bodyPr rtlCol="0" anchor="ctr"/>
+          <a:lstStyle/>
+          <a:p>
+            <a:pPr algn="ctr"/>
+            <a:r>
+              <a:rPr lang="en-US" altLang="zh-CN" sz="2000" dirty="0" smtClean="0">
+                <a:solidFill>
+                  <a:schemeClr val="bg2"/>
+                </a:solidFill>
+                <a:latin typeface="Times New Roman" panose="02020603050405020304" pitchFamily="18" charset="0"/>
+                <a:cs typeface="Times New Roman" panose="02020603050405020304" pitchFamily="18" charset="0"/>
+              </a:rPr>
+              <a:t>3</a:t>
+            </a:r>
+            <a:endParaRPr lang="zh-CN" altLang="en-US" sz="2000" dirty="0">
+              <a:solidFill>
+                <a:schemeClr val="bg2"/>
+              </a:solidFill>
+              <a:latin typeface="Times New Roman" panose="02020603050405020304" pitchFamily="18" charset="0"/>
+              <a:cs typeface="Times New Roman" panose="02020603050405020304" pitchFamily="18" charset="0"/>
+            </a:endParaRPr>
+          </a:p>
+        </p:txBody>
+      </p:sp>
+      <p:sp>
+        <p:nvSpPr>
+          <p:cNvPr id="5" name="文本框 4"/>
+          <p:cNvSpPr txBox="1"/>
+          <p:nvPr/>
+        </p:nvSpPr>
+        <p:spPr>
+          <a:xfrm>
+            <a:off x="5019425" y="1959424"/>
+            <a:ext cx="2153154" cy="646331"/>
+          </a:xfrm>
+          <a:prstGeom prst="rect">
+            <a:avLst/>
+          </a:prstGeom>
+          <a:noFill/>
+        </p:spPr>
+        <p:txBody>
+          <a:bodyPr wrap="none" rtlCol="0">
+            <a:spAutoFit/>
+          </a:bodyPr>
+          <a:lstStyle/>
+          <a:p>
+            <a:pPr algn="ctr"/>
+            <a:r>
+              <a:rPr lang="en-US" altLang="zh-CN" sz="3600" dirty="0" smtClean="0">
+                <a:solidFill>
+                  <a:srgbClr val="00B050"/>
+                </a:solidFill>
+              </a:rPr>
+              <a:t>insert sort</a:t>
+            </a:r>
+            <a:endParaRPr lang="zh-CN" altLang="en-US" sz="3600" dirty="0">
+              <a:solidFill>
+                <a:srgbClr val="00B050"/>
+              </a:solidFill>
+            </a:endParaRPr>
+          </a:p>
+        </p:txBody>
+      </p:sp>
+    </p:spTree>
+    <p:extLst>
+      <p:ext uri="{BB962C8B-B14F-4D97-AF65-F5344CB8AC3E}">
+        <p14:creationId xmlns:p14="http://schemas.microsoft.com/office/powerpoint/2010/main" val="2571754812"/>
+      </p:ext>
+    </p:extLst>
+  </p:cSld>
+  <p:clrMapOvr>
+    <a:masterClrMapping/>
+  </p:clrMapOvr>
+  <p:timing>
+    <p:tnLst>
+      <p:par>
+        <p:cTn id="1" dur="indefinite" restart="never" nodeType="tmRoot">
+          <p:childTnLst>
+            <p:seq concurrent="1" nextAc="seek">
+              <p:cTn id="2" dur="indefinite" nodeType="mainSeq">
+                <p:childTnLst>
+                  <p:par>
+                    <p:cTn id="3" fill="hold">
+                      <p:stCondLst>
+                        <p:cond delay="indefinite"/>
+                        <p:cond evt="onBegin" delay="0">
+                          <p:tn val="2"/>
+                        </p:cond>
+                      </p:stCondLst>
+                      <p:childTnLst>
+                        <p:par>
+                          <p:cTn id="4" fill="hold">
+                            <p:stCondLst>
+                              <p:cond delay="0"/>
+                            </p:stCondLst>
+                            <p:childTnLst>
+                              <p:par>
+                                <p:cTn id="5" presetID="37" presetClass="path" presetSubtype="0" accel="50000" decel="50000" fill="hold" grpId="0" nodeType="afterEffect">
+                                  <p:stCondLst>
+                                    <p:cond delay="0"/>
+                                  </p:stCondLst>
+                                  <p:childTnLst>
+                                    <p:animMotion origin="layout" path="M 0.00053 -1.48148E-6 L 0.02266 0.13472 C 0.02722 0.16505 0.03412 0.18148 0.04154 0.18148 C 0.04974 0.18148 0.05638 0.16505 0.06094 0.13472 L 0.08334 -1.48148E-6 " pathEditMode="relative" rAng="0" ptsTypes="AAAAA">
+                                      <p:cBhvr>
+                                        <p:cTn id="6" dur="1000" fill="hold"/>
+                                        <p:tgtEl>
+                                          <p:spTgt spid="17"/>
+                                        </p:tgtEl>
+                                        <p:attrNameLst>
+                                          <p:attrName>ppt_x</p:attrName>
+                                          <p:attrName>ppt_y</p:attrName>
+                                        </p:attrNameLst>
+                                      </p:cBhvr>
+                                      <p:rCtr x="4141" y="9074"/>
+                                    </p:animMotion>
+                                  </p:childTnLst>
+                                </p:cTn>
+                              </p:par>
+                              <p:par>
+                                <p:cTn id="7" presetID="37" presetClass="path" presetSubtype="0" accel="50000" decel="50000" fill="hold" grpId="0" nodeType="withEffect">
+                                  <p:stCondLst>
+                                    <p:cond delay="0"/>
+                                  </p:stCondLst>
+                                  <p:childTnLst>
+                                    <p:animMotion origin="layout" path="M -1.25E-6 -1.48148E-6 L -0.02213 0.13033 C -0.02669 0.15972 -0.03359 0.1757 -0.04088 0.1757 C -0.04909 0.1757 -0.05573 0.15972 -0.06029 0.13033 L -0.08229 -1.48148E-6 " pathEditMode="relative" rAng="0" ptsTypes="AAAAA">
+                                      <p:cBhvr>
+                                        <p:cTn id="8" dur="1000" fill="hold"/>
+                                        <p:tgtEl>
+                                          <p:spTgt spid="18"/>
+                                        </p:tgtEl>
+                                        <p:attrNameLst>
+                                          <p:attrName>ppt_x</p:attrName>
+                                          <p:attrName>ppt_y</p:attrName>
+                                        </p:attrNameLst>
+                                      </p:cBhvr>
+                                      <p:rCtr x="-4115" y="8773"/>
+                                    </p:animMotion>
+                                  </p:childTnLst>
+                                </p:cTn>
+                              </p:par>
+                            </p:childTnLst>
+                          </p:cTn>
+                        </p:par>
+                        <p:par>
+                          <p:cTn id="9" fill="hold">
+                            <p:stCondLst>
+                              <p:cond delay="1000"/>
+                            </p:stCondLst>
+                            <p:childTnLst>
+                              <p:par>
+                                <p:cTn id="10" presetID="63" presetClass="path" presetSubtype="0" accel="50000" decel="50000" fill="hold" grpId="0" nodeType="afterEffect">
+                                  <p:stCondLst>
+                                    <p:cond delay="0"/>
+                                  </p:stCondLst>
+                                  <p:childTnLst>
+                                    <p:animMotion origin="layout" path="M 3.125E-6 3.7037E-6 L 0.08164 3.7037E-6 " pathEditMode="relative" rAng="0" ptsTypes="AA">
+                                      <p:cBhvr>
+                                        <p:cTn id="11" dur="500" fill="hold"/>
+                                        <p:tgtEl>
+                                          <p:spTgt spid="15"/>
+                                        </p:tgtEl>
+                                        <p:attrNameLst>
+                                          <p:attrName>ppt_x</p:attrName>
+                                          <p:attrName>ppt_y</p:attrName>
+                                        </p:attrNameLst>
+                                      </p:cBhvr>
+                                      <p:rCtr x="4076" y="0"/>
+                                    </p:animMotion>
+                                  </p:childTnLst>
+                                </p:cTn>
+                              </p:par>
+                              <p:par>
+                                <p:cTn id="12" presetID="63" presetClass="path" presetSubtype="0" accel="50000" decel="50000" fill="hold" grpId="5" nodeType="withEffect">
+                                  <p:stCondLst>
+                                    <p:cond delay="0"/>
+                                  </p:stCondLst>
+                                  <p:childTnLst>
+                                    <p:animMotion origin="layout" path="M 2.5E-6 -7.40741E-7 L 0.07982 -7.40741E-7 " pathEditMode="relative" rAng="0" ptsTypes="AA">
+                                      <p:cBhvr>
+                                        <p:cTn id="13" dur="500" fill="hold"/>
+                                        <p:tgtEl>
+                                          <p:spTgt spid="31"/>
+                                        </p:tgtEl>
+                                        <p:attrNameLst>
+                                          <p:attrName>ppt_x</p:attrName>
+                                          <p:attrName>ppt_y</p:attrName>
+                                        </p:attrNameLst>
+                                      </p:cBhvr>
+                                      <p:rCtr x="3984" y="0"/>
+                                    </p:animMotion>
+                                  </p:childTnLst>
+                                </p:cTn>
+                              </p:par>
+                              <p:par>
+                                <p:cTn id="14" presetID="63" presetClass="path" presetSubtype="0" accel="50000" decel="50000" fill="hold" grpId="5" nodeType="withEffect">
+                                  <p:stCondLst>
+                                    <p:cond delay="0"/>
+                                  </p:stCondLst>
+                                  <p:childTnLst>
+                                    <p:animMotion origin="layout" path="M 3.125E-6 -7.40741E-7 L 0.08164 -7.40741E-7 " pathEditMode="relative" rAng="0" ptsTypes="AA">
+                                      <p:cBhvr>
+                                        <p:cTn id="15" dur="500" fill="hold"/>
+                                        <p:tgtEl>
+                                          <p:spTgt spid="16"/>
+                                        </p:tgtEl>
+                                        <p:attrNameLst>
+                                          <p:attrName>ppt_x</p:attrName>
+                                          <p:attrName>ppt_y</p:attrName>
+                                        </p:attrNameLst>
+                                      </p:cBhvr>
+                                      <p:rCtr x="4141" y="0"/>
+                                    </p:animMotion>
+                                  </p:childTnLst>
+                                </p:cTn>
+                              </p:par>
+                            </p:childTnLst>
+                          </p:cTn>
+                        </p:par>
+                        <p:par>
+                          <p:cTn id="16" fill="hold">
+                            <p:stCondLst>
+                              <p:cond delay="1500"/>
+                            </p:stCondLst>
+                            <p:childTnLst>
+                              <p:par>
+                                <p:cTn id="17" presetID="63" presetClass="path" presetSubtype="0" accel="50000" decel="50000" fill="hold" grpId="1" nodeType="afterEffect">
+                                  <p:stCondLst>
+                                    <p:cond delay="0"/>
+                                  </p:stCondLst>
+                                  <p:childTnLst>
+                                    <p:animMotion origin="layout" path="M 0.08164 3.7037E-6 L 0.1651 3.7037E-6 " pathEditMode="relative" rAng="0" ptsTypes="AA">
+                                      <p:cBhvr>
+                                        <p:cTn id="18" dur="500" fill="hold"/>
+                                        <p:tgtEl>
+                                          <p:spTgt spid="15"/>
+                                        </p:tgtEl>
+                                        <p:attrNameLst>
+                                          <p:attrName>ppt_x</p:attrName>
+                                          <p:attrName>ppt_y</p:attrName>
+                                        </p:attrNameLst>
+                                      </p:cBhvr>
+                                      <p:rCtr x="4167" y="0"/>
+                                    </p:animMotion>
+                                  </p:childTnLst>
+                                </p:cTn>
+                              </p:par>
+                              <p:par>
+                                <p:cTn id="19" presetID="63" presetClass="path" presetSubtype="0" accel="50000" decel="50000" fill="hold" grpId="6" nodeType="withEffect">
+                                  <p:stCondLst>
+                                    <p:cond delay="0"/>
+                                  </p:stCondLst>
+                                  <p:childTnLst>
+                                    <p:animMotion origin="layout" path="M 0.07982 -7.40741E-7 L 0.16211 -7.40741E-7 " pathEditMode="relative" rAng="0" ptsTypes="AA">
+                                      <p:cBhvr>
+                                        <p:cTn id="20" dur="500" fill="hold"/>
+                                        <p:tgtEl>
+                                          <p:spTgt spid="31"/>
+                                        </p:tgtEl>
+                                        <p:attrNameLst>
+                                          <p:attrName>ppt_x</p:attrName>
+                                          <p:attrName>ppt_y</p:attrName>
+                                        </p:attrNameLst>
+                                      </p:cBhvr>
+                                      <p:rCtr x="4297" y="0"/>
+                                    </p:animMotion>
+                                  </p:childTnLst>
+                                </p:cTn>
+                              </p:par>
+                              <p:par>
+                                <p:cTn id="21" presetID="63" presetClass="path" presetSubtype="0" accel="50000" decel="50000" fill="hold" grpId="6" nodeType="withEffect">
+                                  <p:stCondLst>
+                                    <p:cond delay="0"/>
+                                  </p:stCondLst>
+                                  <p:childTnLst>
+                                    <p:animMotion origin="layout" path="M 0.08164 -7.40741E-7 L 0.16146 -7.40741E-7 " pathEditMode="relative" rAng="0" ptsTypes="AA">
+                                      <p:cBhvr>
+                                        <p:cTn id="22" dur="500" fill="hold"/>
+                                        <p:tgtEl>
+                                          <p:spTgt spid="16"/>
+                                        </p:tgtEl>
+                                        <p:attrNameLst>
+                                          <p:attrName>ppt_x</p:attrName>
+                                          <p:attrName>ppt_y</p:attrName>
+                                        </p:attrNameLst>
+                                      </p:cBhvr>
+                                      <p:rCtr x="3984" y="0"/>
+                                    </p:animMotion>
+                                  </p:childTnLst>
+                                </p:cTn>
+                              </p:par>
+                            </p:childTnLst>
+                          </p:cTn>
+                        </p:par>
+                        <p:par>
+                          <p:cTn id="23" fill="hold">
+                            <p:stCondLst>
+                              <p:cond delay="2000"/>
+                            </p:stCondLst>
+                            <p:childTnLst>
+                              <p:par>
+                                <p:cTn id="24" presetID="63" presetClass="path" presetSubtype="0" accel="50000" decel="50000" fill="hold" grpId="2" nodeType="afterEffect">
+                                  <p:stCondLst>
+                                    <p:cond delay="0"/>
+                                  </p:stCondLst>
+                                  <p:childTnLst>
+                                    <p:animMotion origin="layout" path="M 0.1651 3.7037E-6 L 0.25 3.7037E-6 " pathEditMode="relative" rAng="0" ptsTypes="AA">
+                                      <p:cBhvr>
+                                        <p:cTn id="25" dur="500" fill="hold"/>
+                                        <p:tgtEl>
+                                          <p:spTgt spid="15"/>
+                                        </p:tgtEl>
+                                        <p:attrNameLst>
+                                          <p:attrName>ppt_x</p:attrName>
+                                          <p:attrName>ppt_y</p:attrName>
+                                        </p:attrNameLst>
+                                      </p:cBhvr>
+                                      <p:rCtr x="4492" y="0"/>
+                                    </p:animMotion>
+                                  </p:childTnLst>
+                                </p:cTn>
+                              </p:par>
+                              <p:par>
+                                <p:cTn id="26" presetID="63" presetClass="path" presetSubtype="0" accel="50000" decel="50000" fill="hold" grpId="4" nodeType="withEffect">
+                                  <p:stCondLst>
+                                    <p:cond delay="0"/>
+                                  </p:stCondLst>
+                                  <p:childTnLst>
+                                    <p:animMotion origin="layout" path="M 0.16211 -7.40741E-7 L 0.25 -7.40741E-7 " pathEditMode="relative" rAng="0" ptsTypes="AA">
+                                      <p:cBhvr>
+                                        <p:cTn id="27" dur="500" fill="hold"/>
+                                        <p:tgtEl>
+                                          <p:spTgt spid="31"/>
+                                        </p:tgtEl>
+                                        <p:attrNameLst>
+                                          <p:attrName>ppt_x</p:attrName>
+                                          <p:attrName>ppt_y</p:attrName>
+                                        </p:attrNameLst>
+                                      </p:cBhvr>
+                                      <p:rCtr x="4635" y="0"/>
+                                    </p:animMotion>
+                                  </p:childTnLst>
+                                </p:cTn>
+                              </p:par>
+                              <p:par>
+                                <p:cTn id="28" presetID="63" presetClass="path" presetSubtype="0" accel="50000" decel="50000" fill="hold" grpId="4" nodeType="withEffect">
+                                  <p:stCondLst>
+                                    <p:cond delay="0"/>
+                                  </p:stCondLst>
+                                  <p:childTnLst>
+                                    <p:animMotion origin="layout" path="M 0.16146 -7.40741E-7 L 0.24375 -7.40741E-7 " pathEditMode="relative" rAng="0" ptsTypes="AA">
+                                      <p:cBhvr>
+                                        <p:cTn id="29" dur="500" fill="hold"/>
+                                        <p:tgtEl>
+                                          <p:spTgt spid="16"/>
+                                        </p:tgtEl>
+                                        <p:attrNameLst>
+                                          <p:attrName>ppt_x</p:attrName>
+                                          <p:attrName>ppt_y</p:attrName>
+                                        </p:attrNameLst>
+                                      </p:cBhvr>
+                                      <p:rCtr x="4232" y="0"/>
+                                    </p:animMotion>
+                                  </p:childTnLst>
+                                </p:cTn>
+                              </p:par>
+                            </p:childTnLst>
+                          </p:cTn>
+                        </p:par>
+                        <p:par>
+                          <p:cTn id="30" fill="hold">
+                            <p:stCondLst>
+                              <p:cond delay="2500"/>
+                            </p:stCondLst>
+                            <p:childTnLst>
+                              <p:par>
+                                <p:cTn id="31" presetID="37" presetClass="path" presetSubtype="0" accel="50000" decel="50000" fill="hold" grpId="0" nodeType="afterEffect">
+                                  <p:stCondLst>
+                                    <p:cond delay="0"/>
+                                  </p:stCondLst>
+                                  <p:childTnLst>
+                                    <p:animMotion origin="layout" path="M -2.5E-6 -1.48148E-6 L 0.02162 0.13449 C 0.02604 0.16482 0.03282 0.18148 0.03998 0.18148 C 0.04805 0.18148 0.05443 0.16482 0.05886 0.13449 L 0.08073 -1.48148E-6 " pathEditMode="relative" rAng="0" ptsTypes="AAAAA">
+                                      <p:cBhvr>
+                                        <p:cTn id="32" dur="1000" fill="hold"/>
+                                        <p:tgtEl>
+                                          <p:spTgt spid="27"/>
+                                        </p:tgtEl>
+                                        <p:attrNameLst>
+                                          <p:attrName>ppt_x</p:attrName>
+                                          <p:attrName>ppt_y</p:attrName>
+                                        </p:attrNameLst>
+                                      </p:cBhvr>
+                                      <p:rCtr x="4036" y="9074"/>
+                                    </p:animMotion>
+                                  </p:childTnLst>
+                                </p:cTn>
+                              </p:par>
+                              <p:par>
+                                <p:cTn id="33" presetID="37" presetClass="path" presetSubtype="0" accel="50000" decel="50000" fill="hold" grpId="0" nodeType="withEffect">
+                                  <p:stCondLst>
+                                    <p:cond delay="0"/>
+                                  </p:stCondLst>
+                                  <p:childTnLst>
+                                    <p:animMotion origin="layout" path="M -0.00156 -1.48148E-6 L -0.02343 0.13426 C -0.02786 0.16482 -0.03476 0.18148 -0.04192 0.18148 C -0.05 0.18148 -0.05664 0.16482 -0.06106 0.13426 L -0.08268 -1.48148E-6 " pathEditMode="relative" rAng="0" ptsTypes="AAAAA">
+                                      <p:cBhvr>
+                                        <p:cTn id="34" dur="1000" fill="hold"/>
+                                        <p:tgtEl>
+                                          <p:spTgt spid="20"/>
+                                        </p:tgtEl>
+                                        <p:attrNameLst>
+                                          <p:attrName>ppt_x</p:attrName>
+                                          <p:attrName>ppt_y</p:attrName>
+                                        </p:attrNameLst>
+                                      </p:cBhvr>
+                                      <p:rCtr x="-4062" y="9074"/>
+                                    </p:animMotion>
+                                  </p:childTnLst>
+                                </p:cTn>
+                              </p:par>
+                            </p:childTnLst>
+                          </p:cTn>
+                        </p:par>
+                        <p:par>
+                          <p:cTn id="35" fill="hold">
+                            <p:stCondLst>
+                              <p:cond delay="3500"/>
+                            </p:stCondLst>
+                            <p:childTnLst>
+                              <p:par>
+                                <p:cTn id="36" presetID="35" presetClass="path" presetSubtype="0" accel="50000" decel="50000" fill="hold" grpId="7" nodeType="afterEffect">
+                                  <p:stCondLst>
+                                    <p:cond delay="0"/>
+                                  </p:stCondLst>
+                                  <p:childTnLst>
+                                    <p:animMotion origin="layout" path="M 0.25 -7.40741E-7 L 0.16211 -7.40741E-7 " pathEditMode="relative" rAng="0" ptsTypes="AA">
+                                      <p:cBhvr>
+                                        <p:cTn id="37" dur="500" fill="hold"/>
+                                        <p:tgtEl>
+                                          <p:spTgt spid="31"/>
+                                        </p:tgtEl>
+                                        <p:attrNameLst>
+                                          <p:attrName>ppt_x</p:attrName>
+                                          <p:attrName>ppt_y</p:attrName>
+                                        </p:attrNameLst>
+                                      </p:cBhvr>
+                                      <p:rCtr x="-4583" y="0"/>
+                                    </p:animMotion>
+                                  </p:childTnLst>
+                                </p:cTn>
+                              </p:par>
+                              <p:par>
+                                <p:cTn id="38" presetID="35" presetClass="path" presetSubtype="0" accel="50000" decel="50000" fill="hold" grpId="7" nodeType="withEffect">
+                                  <p:stCondLst>
+                                    <p:cond delay="0"/>
+                                  </p:stCondLst>
+                                  <p:childTnLst>
+                                    <p:animMotion origin="layout" path="M 0.24375 -7.40741E-7 L 0.16146 -7.40741E-7 " pathEditMode="relative" rAng="0" ptsTypes="AA">
+                                      <p:cBhvr>
+                                        <p:cTn id="39" dur="500" fill="hold"/>
+                                        <p:tgtEl>
+                                          <p:spTgt spid="16"/>
+                                        </p:tgtEl>
+                                        <p:attrNameLst>
+                                          <p:attrName>ppt_x</p:attrName>
+                                          <p:attrName>ppt_y</p:attrName>
+                                        </p:attrNameLst>
+                                      </p:cBhvr>
+                                      <p:rCtr x="-3932" y="0"/>
+                                    </p:animMotion>
+                                  </p:childTnLst>
+                                </p:cTn>
+                              </p:par>
+                            </p:childTnLst>
+                          </p:cTn>
+                        </p:par>
+                        <p:par>
+                          <p:cTn id="40" fill="hold">
+                            <p:stCondLst>
+                              <p:cond delay="4000"/>
+                            </p:stCondLst>
+                            <p:childTnLst>
+                              <p:par>
+                                <p:cTn id="41" presetID="37" presetClass="path" presetSubtype="0" accel="50000" decel="50000" fill="hold" grpId="1" nodeType="afterEffect">
+                                  <p:stCondLst>
+                                    <p:cond delay="0"/>
+                                  </p:stCondLst>
+                                  <p:childTnLst>
+                                    <p:animMotion origin="layout" path="M -0.08268 -1.48148E-6 L -0.10495 0.13449 C -0.1095 0.16458 -0.11654 0.18148 -0.12383 0.18148 C -0.13203 0.18148 -0.13867 0.16458 -0.14323 0.13449 L -0.16536 -1.48148E-6 " pathEditMode="relative" rAng="0" ptsTypes="AAAAA">
+                                      <p:cBhvr>
+                                        <p:cTn id="42" dur="1000" fill="hold"/>
+                                        <p:tgtEl>
+                                          <p:spTgt spid="20"/>
+                                        </p:tgtEl>
+                                        <p:attrNameLst>
+                                          <p:attrName>ppt_x</p:attrName>
+                                          <p:attrName>ppt_y</p:attrName>
+                                        </p:attrNameLst>
+                                      </p:cBhvr>
+                                      <p:rCtr x="-4141" y="9074"/>
+                                    </p:animMotion>
+                                  </p:childTnLst>
+                                </p:cTn>
+                              </p:par>
+                              <p:par>
+                                <p:cTn id="43" presetID="37" presetClass="path" presetSubtype="0" accel="50000" decel="50000" fill="hold" grpId="0" nodeType="withEffect">
+                                  <p:stCondLst>
+                                    <p:cond delay="0"/>
+                                  </p:stCondLst>
+                                  <p:childTnLst>
+                                    <p:animMotion origin="layout" path="M -0.00143 -1.48148E-6 L 0.02031 0.13449 C 0.02487 0.16505 0.03177 0.18148 0.03893 0.18148 C 0.04701 0.18148 0.05365 0.16505 0.0582 0.13449 L 0.08008 -1.48148E-6 " pathEditMode="relative" rAng="0" ptsTypes="AAAAA">
+                                      <p:cBhvr>
+                                        <p:cTn id="44" dur="1000" fill="hold"/>
+                                        <p:tgtEl>
+                                          <p:spTgt spid="19"/>
+                                        </p:tgtEl>
+                                        <p:attrNameLst>
+                                          <p:attrName>ppt_x</p:attrName>
+                                          <p:attrName>ppt_y</p:attrName>
+                                        </p:attrNameLst>
+                                      </p:cBhvr>
+                                      <p:rCtr x="4076" y="9074"/>
+                                    </p:animMotion>
+                                  </p:childTnLst>
+                                </p:cTn>
+                              </p:par>
+                            </p:childTnLst>
+                          </p:cTn>
+                        </p:par>
+                        <p:par>
+                          <p:cTn id="45" fill="hold">
+                            <p:stCondLst>
+                              <p:cond delay="5000"/>
+                            </p:stCondLst>
+                            <p:childTnLst>
+                              <p:par>
+                                <p:cTn id="46" presetID="35" presetClass="path" presetSubtype="0" accel="50000" decel="50000" fill="hold" grpId="8" nodeType="afterEffect">
+                                  <p:stCondLst>
+                                    <p:cond delay="0"/>
+                                  </p:stCondLst>
+                                  <p:childTnLst>
+                                    <p:animMotion origin="layout" path="M 0.16211 -7.40741E-7 L 0.07982 -7.40741E-7 " pathEditMode="relative" rAng="0" ptsTypes="AA">
+                                      <p:cBhvr>
+                                        <p:cTn id="47" dur="500" fill="hold"/>
+                                        <p:tgtEl>
+                                          <p:spTgt spid="31"/>
+                                        </p:tgtEl>
+                                        <p:attrNameLst>
+                                          <p:attrName>ppt_x</p:attrName>
+                                          <p:attrName>ppt_y</p:attrName>
+                                        </p:attrNameLst>
+                                      </p:cBhvr>
+                                      <p:rCtr x="-4115" y="0"/>
+                                    </p:animMotion>
+                                  </p:childTnLst>
+                                </p:cTn>
+                              </p:par>
+                              <p:par>
+                                <p:cTn id="48" presetID="35" presetClass="path" presetSubtype="0" accel="50000" decel="50000" fill="hold" grpId="8" nodeType="withEffect">
+                                  <p:stCondLst>
+                                    <p:cond delay="0"/>
+                                  </p:stCondLst>
+                                  <p:childTnLst>
+                                    <p:animMotion origin="layout" path="M 0.16146 -7.40741E-7 L 0.08164 -7.40741E-7 " pathEditMode="relative" rAng="0" ptsTypes="AA">
+                                      <p:cBhvr>
+                                        <p:cTn id="49" dur="500" fill="hold"/>
+                                        <p:tgtEl>
+                                          <p:spTgt spid="16"/>
+                                        </p:tgtEl>
+                                        <p:attrNameLst>
+                                          <p:attrName>ppt_x</p:attrName>
+                                          <p:attrName>ppt_y</p:attrName>
+                                        </p:attrNameLst>
+                                      </p:cBhvr>
+                                      <p:rCtr x="-3997" y="0"/>
+                                    </p:animMotion>
+                                  </p:childTnLst>
+                                </p:cTn>
+                              </p:par>
+                            </p:childTnLst>
+                          </p:cTn>
+                        </p:par>
+                        <p:par>
+                          <p:cTn id="50" fill="hold">
+                            <p:stCondLst>
+                              <p:cond delay="5500"/>
+                            </p:stCondLst>
+                            <p:childTnLst>
+                              <p:par>
+                                <p:cTn id="51" presetID="63" presetClass="path" presetSubtype="0" accel="50000" decel="50000" fill="hold" grpId="3" nodeType="afterEffect">
+                                  <p:stCondLst>
+                                    <p:cond delay="0"/>
+                                  </p:stCondLst>
+                                  <p:childTnLst>
+                                    <p:animMotion origin="layout" path="M 0.25 3.7037E-6 L 0.32148 3.7037E-6 " pathEditMode="relative" rAng="0" ptsTypes="AA">
+                                      <p:cBhvr>
+                                        <p:cTn id="52" dur="500" fill="hold"/>
+                                        <p:tgtEl>
+                                          <p:spTgt spid="15"/>
+                                        </p:tgtEl>
+                                        <p:attrNameLst>
+                                          <p:attrName>ppt_x</p:attrName>
+                                          <p:attrName>ppt_y</p:attrName>
+                                        </p:attrNameLst>
+                                      </p:cBhvr>
+                                      <p:rCtr x="3945" y="0"/>
+                                    </p:animMotion>
+                                  </p:childTnLst>
+                                </p:cTn>
+                              </p:par>
+                              <p:par>
+                                <p:cTn id="53" presetID="63" presetClass="path" presetSubtype="0" accel="50000" decel="50000" fill="hold" grpId="9" nodeType="withEffect">
+                                  <p:stCondLst>
+                                    <p:cond delay="0"/>
+                                  </p:stCondLst>
+                                  <p:childTnLst>
+                                    <p:animMotion origin="layout" path="M 0.07982 -7.40741E-7 L 0.33021 -7.40741E-7 " pathEditMode="relative" rAng="0" ptsTypes="AA">
+                                      <p:cBhvr>
+                                        <p:cTn id="54" dur="500" fill="hold"/>
+                                        <p:tgtEl>
+                                          <p:spTgt spid="31"/>
+                                        </p:tgtEl>
+                                        <p:attrNameLst>
+                                          <p:attrName>ppt_x</p:attrName>
+                                          <p:attrName>ppt_y</p:attrName>
+                                        </p:attrNameLst>
+                                      </p:cBhvr>
+                                      <p:rCtr x="12513" y="0"/>
+                                    </p:animMotion>
+                                  </p:childTnLst>
+                                </p:cTn>
+                              </p:par>
+                              <p:par>
+                                <p:cTn id="55" presetID="63" presetClass="path" presetSubtype="0" accel="50000" decel="50000" fill="hold" grpId="9" nodeType="withEffect">
+                                  <p:stCondLst>
+                                    <p:cond delay="0"/>
+                                  </p:stCondLst>
+                                  <p:childTnLst>
+                                    <p:animMotion origin="layout" path="M 0.08164 -7.40741E-7 L 0.33164 -7.40741E-7 " pathEditMode="relative" rAng="0" ptsTypes="AA">
+                                      <p:cBhvr>
+                                        <p:cTn id="56" dur="500" fill="hold"/>
+                                        <p:tgtEl>
+                                          <p:spTgt spid="16"/>
+                                        </p:tgtEl>
+                                        <p:attrNameLst>
+                                          <p:attrName>ppt_x</p:attrName>
+                                          <p:attrName>ppt_y</p:attrName>
+                                        </p:attrNameLst>
+                                      </p:cBhvr>
+                                      <p:rCtr x="11992" y="0"/>
+                                    </p:animMotion>
+                                  </p:childTnLst>
+                                </p:cTn>
+                              </p:par>
+                            </p:childTnLst>
+                          </p:cTn>
+                        </p:par>
+                        <p:par>
+                          <p:cTn id="57" fill="hold">
+                            <p:stCondLst>
+                              <p:cond delay="6000"/>
+                            </p:stCondLst>
+                            <p:childTnLst>
+                              <p:par>
+                                <p:cTn id="58" presetID="37" presetClass="path" presetSubtype="0" accel="50000" decel="50000" fill="hold" grpId="0" nodeType="afterEffect">
+                                  <p:stCondLst>
+                                    <p:cond delay="0"/>
+                                  </p:stCondLst>
+                                  <p:childTnLst>
+                                    <p:animMotion origin="layout" path="M -3.95833E-6 -1.48148E-6 L -0.02291 0.13449 C -0.0276 0.16458 -0.03463 0.18148 -0.04205 0.18148 C -0.05026 0.18148 -0.05703 0.16458 -0.06158 0.13449 L -0.08372 -1.48148E-6 " pathEditMode="relative" rAng="0" ptsTypes="AAAAA">
+                                      <p:cBhvr>
+                                        <p:cTn id="59" dur="1000" fill="hold"/>
+                                        <p:tgtEl>
+                                          <p:spTgt spid="26"/>
+                                        </p:tgtEl>
+                                        <p:attrNameLst>
+                                          <p:attrName>ppt_x</p:attrName>
+                                          <p:attrName>ppt_y</p:attrName>
+                                        </p:attrNameLst>
+                                      </p:cBhvr>
+                                      <p:rCtr x="-4193" y="9074"/>
+                                    </p:animMotion>
+                                  </p:childTnLst>
+                                </p:cTn>
+                              </p:par>
+                              <p:par>
+                                <p:cTn id="60" presetID="37" presetClass="path" presetSubtype="0" accel="50000" decel="50000" fill="hold" grpId="1" nodeType="withEffect">
+                                  <p:stCondLst>
+                                    <p:cond delay="0"/>
+                                  </p:stCondLst>
+                                  <p:childTnLst>
+                                    <p:animMotion origin="layout" path="M 0.08073 -1.48148E-6 L 0.10338 0.13472 C 0.10807 0.16505 0.11523 0.18148 0.12266 0.18148 C 0.13125 0.18148 0.13789 0.16505 0.14271 0.13472 L 0.16562 -1.48148E-6 " pathEditMode="relative" rAng="0" ptsTypes="AAAAA">
+                                      <p:cBhvr>
+                                        <p:cTn id="61" dur="1000" fill="hold"/>
+                                        <p:tgtEl>
+                                          <p:spTgt spid="27"/>
+                                        </p:tgtEl>
+                                        <p:attrNameLst>
+                                          <p:attrName>ppt_x</p:attrName>
+                                          <p:attrName>ppt_y</p:attrName>
+                                        </p:attrNameLst>
+                                      </p:cBhvr>
+                                      <p:rCtr x="4245" y="9074"/>
+                                    </p:animMotion>
+                                  </p:childTnLst>
+                                </p:cTn>
+                              </p:par>
+                            </p:childTnLst>
+                          </p:cTn>
+                        </p:par>
+                        <p:par>
+                          <p:cTn id="62" fill="hold">
+                            <p:stCondLst>
+                              <p:cond delay="7000"/>
+                            </p:stCondLst>
+                            <p:childTnLst>
+                              <p:par>
+                                <p:cTn id="63" presetID="35" presetClass="path" presetSubtype="0" accel="50000" decel="50000" fill="hold" grpId="10" nodeType="afterEffect">
+                                  <p:stCondLst>
+                                    <p:cond delay="0"/>
+                                  </p:stCondLst>
+                                  <p:childTnLst>
+                                    <p:animMotion origin="layout" path="M 0.33021 -7.40741E-7 L 0.25001 -7.40741E-7 " pathEditMode="relative" rAng="0" ptsTypes="AA">
+                                      <p:cBhvr>
+                                        <p:cTn id="64" dur="500" fill="hold"/>
+                                        <p:tgtEl>
+                                          <p:spTgt spid="31"/>
+                                        </p:tgtEl>
+                                        <p:attrNameLst>
+                                          <p:attrName>ppt_x</p:attrName>
+                                          <p:attrName>ppt_y</p:attrName>
+                                        </p:attrNameLst>
+                                      </p:cBhvr>
+                                      <p:rCtr x="-4089" y="0"/>
+                                    </p:animMotion>
+                                  </p:childTnLst>
+                                </p:cTn>
+                              </p:par>
+                              <p:par>
+                                <p:cTn id="65" presetID="35" presetClass="path" presetSubtype="0" accel="50000" decel="50000" fill="hold" grpId="10" nodeType="withEffect">
+                                  <p:stCondLst>
+                                    <p:cond delay="0"/>
+                                  </p:stCondLst>
+                                  <p:childTnLst>
+                                    <p:animMotion origin="layout" path="M 0.33164 -7.40741E-7 L 0.24376 -7.40741E-7 " pathEditMode="relative" rAng="0" ptsTypes="AA">
+                                      <p:cBhvr>
+                                        <p:cTn id="66" dur="500" fill="hold"/>
+                                        <p:tgtEl>
+                                          <p:spTgt spid="16"/>
+                                        </p:tgtEl>
+                                        <p:attrNameLst>
+                                          <p:attrName>ppt_x</p:attrName>
+                                          <p:attrName>ppt_y</p:attrName>
+                                        </p:attrNameLst>
+                                      </p:cBhvr>
+                                      <p:rCtr x="-4141" y="0"/>
+                                    </p:animMotion>
+                                  </p:childTnLst>
+                                </p:cTn>
+                              </p:par>
+                            </p:childTnLst>
+                          </p:cTn>
+                        </p:par>
+                        <p:par>
+                          <p:cTn id="67" fill="hold">
+                            <p:stCondLst>
+                              <p:cond delay="7500"/>
+                            </p:stCondLst>
+                            <p:childTnLst>
+                              <p:par>
+                                <p:cTn id="68" presetID="37" presetClass="path" presetSubtype="0" accel="50000" decel="50000" fill="hold" grpId="1" nodeType="afterEffect">
+                                  <p:stCondLst>
+                                    <p:cond delay="0"/>
+                                  </p:stCondLst>
+                                  <p:childTnLst>
+                                    <p:animMotion origin="layout" path="M -0.08385 -1.48148E-6 L -0.10651 0.13449 C -0.1112 0.16482 -0.11823 0.18148 -0.12552 0.18148 C -0.13398 0.18148 -0.14062 0.16482 -0.14544 0.13449 L -0.16771 -1.48148E-6 " pathEditMode="relative" rAng="0" ptsTypes="AAAAA">
+                                      <p:cBhvr>
+                                        <p:cTn id="69" dur="1000" fill="hold"/>
+                                        <p:tgtEl>
+                                          <p:spTgt spid="26"/>
+                                        </p:tgtEl>
+                                        <p:attrNameLst>
+                                          <p:attrName>ppt_x</p:attrName>
+                                          <p:attrName>ppt_y</p:attrName>
+                                        </p:attrNameLst>
+                                      </p:cBhvr>
+                                      <p:rCtr x="-4193" y="9074"/>
+                                    </p:animMotion>
+                                  </p:childTnLst>
+                                </p:cTn>
+                              </p:par>
+                              <p:par>
+                                <p:cTn id="70" presetID="37" presetClass="path" presetSubtype="0" accel="50000" decel="50000" fill="hold" grpId="1" nodeType="withEffect">
+                                  <p:stCondLst>
+                                    <p:cond delay="0"/>
+                                  </p:stCondLst>
+                                  <p:childTnLst>
+                                    <p:animMotion origin="layout" path="M 0.08125 -1.48148E-6 L 0.10364 0.13472 C 0.10833 0.16505 0.11536 0.18148 0.12278 0.18148 C 0.13112 0.18148 0.13789 0.16505 0.14245 0.13472 L 0.1651 -1.48148E-6 " pathEditMode="relative" rAng="0" ptsTypes="AAAAA">
+                                      <p:cBhvr>
+                                        <p:cTn id="71" dur="1000" fill="hold"/>
+                                        <p:tgtEl>
+                                          <p:spTgt spid="19"/>
+                                        </p:tgtEl>
+                                        <p:attrNameLst>
+                                          <p:attrName>ppt_x</p:attrName>
+                                          <p:attrName>ppt_y</p:attrName>
+                                        </p:attrNameLst>
+                                      </p:cBhvr>
+                                      <p:rCtr x="4193" y="9074"/>
+                                    </p:animMotion>
+                                  </p:childTnLst>
+                                </p:cTn>
+                              </p:par>
+                            </p:childTnLst>
+                          </p:cTn>
+                        </p:par>
+                        <p:par>
+                          <p:cTn id="72" fill="hold">
+                            <p:stCondLst>
+                              <p:cond delay="8500"/>
+                            </p:stCondLst>
+                            <p:childTnLst>
+                              <p:par>
+                                <p:cTn id="73" presetID="35" presetClass="path" presetSubtype="0" accel="50000" decel="50000" fill="hold" grpId="11" nodeType="afterEffect">
+                                  <p:stCondLst>
+                                    <p:cond delay="0"/>
+                                  </p:stCondLst>
+                                  <p:childTnLst>
+                                    <p:animMotion origin="layout" path="M 0.24375 -7.40741E-7 L 0.16146 -7.40741E-7 " pathEditMode="relative" rAng="0" ptsTypes="AA">
+                                      <p:cBhvr>
+                                        <p:cTn id="74" dur="500" fill="hold"/>
+                                        <p:tgtEl>
+                                          <p:spTgt spid="16"/>
+                                        </p:tgtEl>
+                                        <p:attrNameLst>
+                                          <p:attrName>ppt_x</p:attrName>
+                                          <p:attrName>ppt_y</p:attrName>
+                                        </p:attrNameLst>
+                                      </p:cBhvr>
+                                      <p:rCtr x="-4089" y="0"/>
+                                    </p:animMotion>
+                                  </p:childTnLst>
+                                </p:cTn>
+                              </p:par>
+                              <p:par>
+                                <p:cTn id="75" presetID="35" presetClass="path" presetSubtype="0" accel="50000" decel="50000" fill="hold" grpId="11" nodeType="withEffect">
+                                  <p:stCondLst>
+                                    <p:cond delay="0"/>
+                                  </p:stCondLst>
+                                  <p:childTnLst>
+                                    <p:animMotion origin="layout" path="M 0.25 -7.40741E-7 L 0.16211 -7.40741E-7 " pathEditMode="relative" rAng="0" ptsTypes="AA">
+                                      <p:cBhvr>
+                                        <p:cTn id="76" dur="500" fill="hold"/>
+                                        <p:tgtEl>
+                                          <p:spTgt spid="31"/>
+                                        </p:tgtEl>
+                                        <p:attrNameLst>
+                                          <p:attrName>ppt_x</p:attrName>
+                                          <p:attrName>ppt_y</p:attrName>
+                                        </p:attrNameLst>
+                                      </p:cBhvr>
+                                      <p:rCtr x="-4297" y="0"/>
+                                    </p:animMotion>
+                                  </p:childTnLst>
+                                </p:cTn>
+                              </p:par>
+                            </p:childTnLst>
+                          </p:cTn>
+                        </p:par>
+                        <p:par>
+                          <p:cTn id="77" fill="hold">
+                            <p:stCondLst>
+                              <p:cond delay="9000"/>
+                            </p:stCondLst>
+                            <p:childTnLst>
+                              <p:par>
+                                <p:cTn id="78" presetID="63" presetClass="path" presetSubtype="0" accel="50000" decel="50000" fill="hold" grpId="4" nodeType="afterEffect">
+                                  <p:stCondLst>
+                                    <p:cond delay="0"/>
+                                  </p:stCondLst>
+                                  <p:childTnLst>
+                                    <p:animMotion origin="layout" path="M 0.32148 3.7037E-6 L 0.40898 3.7037E-6 " pathEditMode="relative" rAng="0" ptsTypes="AA">
+                                      <p:cBhvr>
+                                        <p:cTn id="79" dur="500" fill="hold"/>
+                                        <p:tgtEl>
+                                          <p:spTgt spid="15"/>
+                                        </p:tgtEl>
+                                        <p:attrNameLst>
+                                          <p:attrName>ppt_x</p:attrName>
+                                          <p:attrName>ppt_y</p:attrName>
+                                        </p:attrNameLst>
+                                      </p:cBhvr>
+                                      <p:rCtr x="4375" y="0"/>
+                                    </p:animMotion>
+                                  </p:childTnLst>
+                                </p:cTn>
+                              </p:par>
+                              <p:par>
+                                <p:cTn id="80" presetID="63" presetClass="path" presetSubtype="0" accel="50000" decel="50000" fill="hold" grpId="12" nodeType="withEffect">
+                                  <p:stCondLst>
+                                    <p:cond delay="0"/>
+                                  </p:stCondLst>
+                                  <p:childTnLst>
+                                    <p:animMotion origin="layout" path="M 0.16211 -2.22222E-6 L 0.41015 -7.40741E-7 " pathEditMode="relative" rAng="0" ptsTypes="AA">
+                                      <p:cBhvr>
+                                        <p:cTn id="81" dur="500" fill="hold"/>
+                                        <p:tgtEl>
+                                          <p:spTgt spid="31"/>
+                                        </p:tgtEl>
+                                        <p:attrNameLst>
+                                          <p:attrName>ppt_x</p:attrName>
+                                          <p:attrName>ppt_y</p:attrName>
+                                        </p:attrNameLst>
+                                      </p:cBhvr>
+                                      <p:rCtr x="12383" y="-949"/>
+                                    </p:animMotion>
+                                  </p:childTnLst>
+                                </p:cTn>
+                              </p:par>
+                              <p:par>
+                                <p:cTn id="82" presetID="63" presetClass="path" presetSubtype="0" accel="50000" decel="50000" fill="hold" grpId="12" nodeType="withEffect">
+                                  <p:stCondLst>
+                                    <p:cond delay="0"/>
+                                  </p:stCondLst>
+                                  <p:childTnLst>
+                                    <p:animMotion origin="layout" path="M 0.16146 -2.22222E-6 L 0.41185 -7.40741E-7 " pathEditMode="relative" rAng="0" ptsTypes="AA">
+                                      <p:cBhvr>
+                                        <p:cTn id="83" dur="500" fill="hold"/>
+                                        <p:tgtEl>
+                                          <p:spTgt spid="16"/>
+                                        </p:tgtEl>
+                                        <p:attrNameLst>
+                                          <p:attrName>ppt_x</p:attrName>
+                                          <p:attrName>ppt_y</p:attrName>
+                                        </p:attrNameLst>
+                                      </p:cBhvr>
+                                      <p:rCtr x="12448" y="-324"/>
+                                    </p:animMotion>
+                                  </p:childTnLst>
+                                </p:cTn>
+                              </p:par>
+                            </p:childTnLst>
+                          </p:cTn>
+                        </p:par>
+                        <p:par>
+                          <p:cTn id="84" fill="hold">
+                            <p:stCondLst>
+                              <p:cond delay="9500"/>
+                            </p:stCondLst>
+                            <p:childTnLst>
+                              <p:par>
+                                <p:cTn id="85" presetID="37" presetClass="path" presetSubtype="0" accel="50000" decel="50000" fill="hold" grpId="0" nodeType="afterEffect">
+                                  <p:stCondLst>
+                                    <p:cond delay="0"/>
+                                  </p:stCondLst>
+                                  <p:childTnLst>
+                                    <p:animMotion origin="layout" path="M -0.00078 -1.48148E-6 L -0.02291 0.13472 C -0.02747 0.16505 -0.03437 0.18148 -0.04166 0.18148 C -0.04974 0.18148 -0.05638 0.16505 -0.06093 0.13472 L -0.08281 -1.48148E-6 " pathEditMode="relative" rAng="0" ptsTypes="AAAAA">
+                                      <p:cBhvr>
+                                        <p:cTn id="86" dur="1000" fill="hold"/>
+                                        <p:tgtEl>
+                                          <p:spTgt spid="25"/>
+                                        </p:tgtEl>
+                                        <p:attrNameLst>
+                                          <p:attrName>ppt_x</p:attrName>
+                                          <p:attrName>ppt_y</p:attrName>
+                                        </p:attrNameLst>
+                                      </p:cBhvr>
+                                      <p:rCtr x="-4102" y="9074"/>
+                                    </p:animMotion>
+                                  </p:childTnLst>
+                                </p:cTn>
+                              </p:par>
+                              <p:par>
+                                <p:cTn id="87" presetID="37" presetClass="path" presetSubtype="0" accel="50000" decel="50000" fill="hold" grpId="2" nodeType="withEffect">
+                                  <p:stCondLst>
+                                    <p:cond delay="0"/>
+                                  </p:stCondLst>
+                                  <p:childTnLst>
+                                    <p:animMotion origin="layout" path="M 0.16562 -1.48148E-6 L 0.18698 0.13472 C 0.19154 0.16505 0.19831 0.18148 0.20534 0.18148 C 0.21341 0.18148 0.21979 0.16505 0.22435 0.13472 L 0.24596 -1.48148E-6 " pathEditMode="relative" rAng="0" ptsTypes="AAAAA">
+                                      <p:cBhvr>
+                                        <p:cTn id="88" dur="1000" fill="hold"/>
+                                        <p:tgtEl>
+                                          <p:spTgt spid="27"/>
+                                        </p:tgtEl>
+                                        <p:attrNameLst>
+                                          <p:attrName>ppt_x</p:attrName>
+                                          <p:attrName>ppt_y</p:attrName>
+                                        </p:attrNameLst>
+                                      </p:cBhvr>
+                                      <p:rCtr x="4010" y="9074"/>
+                                    </p:animMotion>
+                                  </p:childTnLst>
+                                </p:cTn>
+                              </p:par>
+                            </p:childTnLst>
+                          </p:cTn>
+                        </p:par>
+                        <p:par>
+                          <p:cTn id="89" fill="hold">
+                            <p:stCondLst>
+                              <p:cond delay="10500"/>
+                            </p:stCondLst>
+                            <p:childTnLst>
+                              <p:par>
+                                <p:cTn id="90" presetID="35" presetClass="path" presetSubtype="0" accel="50000" decel="50000" fill="hold" grpId="13" nodeType="afterEffect">
+                                  <p:stCondLst>
+                                    <p:cond delay="0"/>
+                                  </p:stCondLst>
+                                  <p:childTnLst>
+                                    <p:animMotion origin="layout" path="M 0.41015 -7.40741E-7 L 0.33021 -7.40741E-7 " pathEditMode="relative" rAng="0" ptsTypes="AA">
+                                      <p:cBhvr>
+                                        <p:cTn id="91" dur="500" fill="hold"/>
+                                        <p:tgtEl>
+                                          <p:spTgt spid="31"/>
+                                        </p:tgtEl>
+                                        <p:attrNameLst>
+                                          <p:attrName>ppt_x</p:attrName>
+                                          <p:attrName>ppt_y</p:attrName>
+                                        </p:attrNameLst>
+                                      </p:cBhvr>
+                                      <p:rCtr x="-4023" y="0"/>
+                                    </p:animMotion>
+                                  </p:childTnLst>
+                                </p:cTn>
+                              </p:par>
+                              <p:par>
+                                <p:cTn id="92" presetID="35" presetClass="path" presetSubtype="0" accel="50000" decel="50000" fill="hold" grpId="13" nodeType="withEffect">
+                                  <p:stCondLst>
+                                    <p:cond delay="0"/>
+                                  </p:stCondLst>
+                                  <p:childTnLst>
+                                    <p:animMotion origin="layout" path="M 0.41185 -7.40741E-7 L 0.33164 -7.40741E-7 " pathEditMode="relative" rAng="0" ptsTypes="AA">
+                                      <p:cBhvr>
+                                        <p:cTn id="93" dur="500" fill="hold"/>
+                                        <p:tgtEl>
+                                          <p:spTgt spid="16"/>
+                                        </p:tgtEl>
+                                        <p:attrNameLst>
+                                          <p:attrName>ppt_x</p:attrName>
+                                          <p:attrName>ppt_y</p:attrName>
+                                        </p:attrNameLst>
+                                      </p:cBhvr>
+                                      <p:rCtr x="-4049" y="0"/>
+                                    </p:animMotion>
+                                  </p:childTnLst>
+                                </p:cTn>
+                              </p:par>
+                            </p:childTnLst>
+                          </p:cTn>
+                        </p:par>
+                        <p:par>
+                          <p:cTn id="94" fill="hold">
+                            <p:stCondLst>
+                              <p:cond delay="11000"/>
+                            </p:stCondLst>
+                            <p:childTnLst>
+                              <p:par>
+                                <p:cTn id="95" presetID="37" presetClass="path" presetSubtype="0" accel="50000" decel="50000" fill="hold" grpId="2" nodeType="afterEffect">
+                                  <p:stCondLst>
+                                    <p:cond delay="0"/>
+                                  </p:stCondLst>
+                                  <p:childTnLst>
+                                    <p:animMotion origin="layout" path="M 0.16237 -1.48148E-6 L 0.18528 0.13472 C 0.1901 0.16505 0.19726 0.18148 0.20482 0.18148 C 0.21341 0.18148 0.22018 0.16505 0.225 0.13472 L 0.24805 -1.48148E-6 " pathEditMode="relative" rAng="0" ptsTypes="AAAAA">
+                                      <p:cBhvr>
+                                        <p:cTn id="96" dur="1000" fill="hold"/>
+                                        <p:tgtEl>
+                                          <p:spTgt spid="19"/>
+                                        </p:tgtEl>
+                                        <p:attrNameLst>
+                                          <p:attrName>ppt_x</p:attrName>
+                                          <p:attrName>ppt_y</p:attrName>
+                                        </p:attrNameLst>
+                                      </p:cBhvr>
+                                      <p:rCtr x="4284" y="9074"/>
+                                    </p:animMotion>
+                                  </p:childTnLst>
+                                </p:cTn>
+                              </p:par>
+                              <p:par>
+                                <p:cTn id="97" presetID="37" presetClass="path" presetSubtype="0" accel="50000" decel="50000" fill="hold" grpId="1" nodeType="withEffect">
+                                  <p:stCondLst>
+                                    <p:cond delay="0"/>
+                                  </p:stCondLst>
+                                  <p:childTnLst>
+                                    <p:animMotion origin="layout" path="M -0.08112 -1.48148E-6 L -0.10338 0.13472 C -0.10794 0.16505 -0.11484 0.18148 -0.12213 0.18148 C -0.13046 0.18148 -0.13711 0.16505 -0.14166 0.13472 L -0.16367 -1.48148E-6 " pathEditMode="relative" rAng="0" ptsTypes="AAAAA">
+                                      <p:cBhvr>
+                                        <p:cTn id="98" dur="1000" fill="hold"/>
+                                        <p:tgtEl>
+                                          <p:spTgt spid="25"/>
+                                        </p:tgtEl>
+                                        <p:attrNameLst>
+                                          <p:attrName>ppt_x</p:attrName>
+                                          <p:attrName>ppt_y</p:attrName>
+                                        </p:attrNameLst>
+                                      </p:cBhvr>
+                                      <p:rCtr x="-4128" y="9074"/>
+                                    </p:animMotion>
+                                  </p:childTnLst>
+                                </p:cTn>
+                              </p:par>
+                            </p:childTnLst>
+                          </p:cTn>
+                        </p:par>
+                        <p:par>
+                          <p:cTn id="99" fill="hold">
+                            <p:stCondLst>
+                              <p:cond delay="12000"/>
+                            </p:stCondLst>
+                            <p:childTnLst>
+                              <p:par>
+                                <p:cTn id="100" presetID="35" presetClass="path" presetSubtype="0" accel="50000" decel="50000" fill="hold" grpId="14" nodeType="afterEffect">
+                                  <p:stCondLst>
+                                    <p:cond delay="0"/>
+                                  </p:stCondLst>
+                                  <p:childTnLst>
+                                    <p:animMotion origin="layout" path="M 0.33021 -7.40741E-7 L 0.25 -7.40741E-7 " pathEditMode="relative" rAng="0" ptsTypes="AA">
+                                      <p:cBhvr>
+                                        <p:cTn id="101" dur="500" fill="hold"/>
+                                        <p:tgtEl>
+                                          <p:spTgt spid="31"/>
+                                        </p:tgtEl>
+                                        <p:attrNameLst>
+                                          <p:attrName>ppt_x</p:attrName>
+                                          <p:attrName>ppt_y</p:attrName>
+                                        </p:attrNameLst>
+                                      </p:cBhvr>
+                                      <p:rCtr x="-4049" y="0"/>
+                                    </p:animMotion>
+                                  </p:childTnLst>
+                                </p:cTn>
+                              </p:par>
+                              <p:par>
+                                <p:cTn id="102" presetID="35" presetClass="path" presetSubtype="0" accel="50000" decel="50000" fill="hold" grpId="14" nodeType="withEffect">
+                                  <p:stCondLst>
+                                    <p:cond delay="0"/>
+                                  </p:stCondLst>
+                                  <p:childTnLst>
+                                    <p:animMotion origin="layout" path="M 0.33164 -7.40741E-7 L 0.24375 -7.40741E-7 " pathEditMode="relative" rAng="0" ptsTypes="AA">
+                                      <p:cBhvr>
+                                        <p:cTn id="103" dur="500" fill="hold"/>
+                                        <p:tgtEl>
+                                          <p:spTgt spid="16"/>
+                                        </p:tgtEl>
+                                        <p:attrNameLst>
+                                          <p:attrName>ppt_x</p:attrName>
+                                          <p:attrName>ppt_y</p:attrName>
+                                        </p:attrNameLst>
+                                      </p:cBhvr>
+                                      <p:rCtr x="-4206" y="0"/>
+                                    </p:animMotion>
+                                  </p:childTnLst>
+                                </p:cTn>
+                              </p:par>
+                            </p:childTnLst>
+                          </p:cTn>
+                        </p:par>
+                        <p:par>
+                          <p:cTn id="104" fill="hold">
+                            <p:stCondLst>
+                              <p:cond delay="12500"/>
+                            </p:stCondLst>
+                            <p:childTnLst>
+                              <p:par>
+                                <p:cTn id="105" presetID="37" presetClass="path" presetSubtype="0" accel="50000" decel="50000" fill="hold" grpId="2" nodeType="afterEffect">
+                                  <p:stCondLst>
+                                    <p:cond delay="0"/>
+                                  </p:stCondLst>
+                                  <p:childTnLst>
+                                    <p:animMotion origin="layout" path="M -0.16601 -1.48148E-6 L -0.18854 0.13472 C -0.1931 0.16505 -0.20013 0.18148 -0.20742 0.18148 C -0.21588 0.18148 -0.22252 0.16505 -0.22721 0.13472 L -0.24948 -1.48148E-6 " pathEditMode="relative" rAng="0" ptsTypes="AAAAA">
+                                      <p:cBhvr>
+                                        <p:cTn id="106" dur="1000" fill="hold"/>
+                                        <p:tgtEl>
+                                          <p:spTgt spid="25"/>
+                                        </p:tgtEl>
+                                        <p:attrNameLst>
+                                          <p:attrName>ppt_x</p:attrName>
+                                          <p:attrName>ppt_y</p:attrName>
+                                        </p:attrNameLst>
+                                      </p:cBhvr>
+                                      <p:rCtr x="-4180" y="9074"/>
+                                    </p:animMotion>
+                                  </p:childTnLst>
+                                </p:cTn>
+                              </p:par>
+                              <p:par>
+                                <p:cTn id="107" presetID="37" presetClass="path" presetSubtype="0" accel="50000" decel="50000" fill="hold" grpId="2" nodeType="withEffect">
+                                  <p:stCondLst>
+                                    <p:cond delay="0"/>
+                                  </p:stCondLst>
+                                  <p:childTnLst>
+                                    <p:animMotion origin="layout" path="M -0.16497 -1.48148E-6 L -0.14284 0.13472 C -0.13815 0.16505 -0.13125 0.18148 -0.12396 0.18148 C -0.11562 0.18148 -0.10898 0.16505 -0.10429 0.13472 L -0.08216 -1.48148E-6 " pathEditMode="relative" rAng="0" ptsTypes="AAAAA">
+                                      <p:cBhvr>
+                                        <p:cTn id="108" dur="1000" fill="hold"/>
+                                        <p:tgtEl>
+                                          <p:spTgt spid="26"/>
+                                        </p:tgtEl>
+                                        <p:attrNameLst>
+                                          <p:attrName>ppt_x</p:attrName>
+                                          <p:attrName>ppt_y</p:attrName>
+                                        </p:attrNameLst>
+                                      </p:cBhvr>
+                                      <p:rCtr x="4141" y="9074"/>
+                                    </p:animMotion>
+                                  </p:childTnLst>
+                                </p:cTn>
+                              </p:par>
+                            </p:childTnLst>
+                          </p:cTn>
+                        </p:par>
+                        <p:par>
+                          <p:cTn id="109" fill="hold">
+                            <p:stCondLst>
+                              <p:cond delay="13500"/>
+                            </p:stCondLst>
+                            <p:childTnLst>
+                              <p:par>
+                                <p:cTn id="110" presetID="35" presetClass="path" presetSubtype="0" accel="50000" decel="50000" fill="hold" grpId="15" nodeType="afterEffect">
+                                  <p:stCondLst>
+                                    <p:cond delay="0"/>
+                                  </p:stCondLst>
+                                  <p:childTnLst>
+                                    <p:animMotion origin="layout" path="M 0.25 -7.40741E-7 L 0.16211 -7.40741E-7 " pathEditMode="relative" rAng="0" ptsTypes="AA">
+                                      <p:cBhvr>
+                                        <p:cTn id="111" dur="500" fill="hold"/>
+                                        <p:tgtEl>
+                                          <p:spTgt spid="31"/>
+                                        </p:tgtEl>
+                                        <p:attrNameLst>
+                                          <p:attrName>ppt_x</p:attrName>
+                                          <p:attrName>ppt_y</p:attrName>
+                                        </p:attrNameLst>
+                                      </p:cBhvr>
+                                      <p:rCtr x="-4336" y="0"/>
+                                    </p:animMotion>
+                                  </p:childTnLst>
+                                </p:cTn>
+                              </p:par>
+                              <p:par>
+                                <p:cTn id="112" presetID="35" presetClass="path" presetSubtype="0" accel="50000" decel="50000" fill="hold" grpId="15" nodeType="withEffect">
+                                  <p:stCondLst>
+                                    <p:cond delay="0"/>
+                                  </p:stCondLst>
+                                  <p:childTnLst>
+                                    <p:animMotion origin="layout" path="M 0.24375 -7.40741E-7 L 0.16146 -7.40741E-7 " pathEditMode="relative" rAng="0" ptsTypes="AA">
+                                      <p:cBhvr>
+                                        <p:cTn id="113" dur="500" fill="hold"/>
+                                        <p:tgtEl>
+                                          <p:spTgt spid="16"/>
+                                        </p:tgtEl>
+                                        <p:attrNameLst>
+                                          <p:attrName>ppt_x</p:attrName>
+                                          <p:attrName>ppt_y</p:attrName>
+                                        </p:attrNameLst>
+                                      </p:cBhvr>
+                                      <p:rCtr x="-4049" y="0"/>
+                                    </p:animMotion>
+                                  </p:childTnLst>
+                                </p:cTn>
+                              </p:par>
+                            </p:childTnLst>
+                          </p:cTn>
+                        </p:par>
+                        <p:par>
+                          <p:cTn id="114" fill="hold">
+                            <p:stCondLst>
+                              <p:cond delay="14000"/>
+                            </p:stCondLst>
+                            <p:childTnLst>
+                              <p:par>
+                                <p:cTn id="115" presetID="37" presetClass="path" presetSubtype="0" accel="50000" decel="50000" fill="hold" grpId="3" nodeType="afterEffect">
+                                  <p:stCondLst>
+                                    <p:cond delay="0"/>
+                                  </p:stCondLst>
+                                  <p:childTnLst>
+                                    <p:animMotion origin="layout" path="M -0.24713 -1.48148E-6 L -0.26901 0.13472 C -0.27356 0.16505 -0.28033 0.18148 -0.2875 0.18148 C -0.29557 0.18148 -0.30221 0.16505 -0.30677 0.13472 L -0.32838 -1.48148E-6 " pathEditMode="relative" rAng="0" ptsTypes="AAAAA">
+                                      <p:cBhvr>
+                                        <p:cTn id="116" dur="1000" fill="hold"/>
+                                        <p:tgtEl>
+                                          <p:spTgt spid="25"/>
+                                        </p:tgtEl>
+                                        <p:attrNameLst>
+                                          <p:attrName>ppt_x</p:attrName>
+                                          <p:attrName>ppt_y</p:attrName>
+                                        </p:attrNameLst>
+                                      </p:cBhvr>
+                                      <p:rCtr x="-4062" y="9074"/>
+                                    </p:animMotion>
+                                  </p:childTnLst>
+                                </p:cTn>
+                              </p:par>
+                              <p:par>
+                                <p:cTn id="117" presetID="37" presetClass="path" presetSubtype="0" accel="50000" decel="50000" fill="hold" grpId="2" nodeType="withEffect">
+                                  <p:stCondLst>
+                                    <p:cond delay="0"/>
+                                  </p:stCondLst>
+                                  <p:childTnLst>
+                                    <p:animMotion origin="layout" path="M -0.16536 -1.48148E-6 L -0.14271 0.13472 C -0.13802 0.16505 -0.13112 0.18148 -0.12383 0.18148 C -0.11536 0.18148 -0.10872 0.16505 -0.10404 0.13472 L -0.08164 -1.48148E-6 " pathEditMode="relative" rAng="0" ptsTypes="AAAAA">
+                                      <p:cBhvr>
+                                        <p:cTn id="118" dur="1000" fill="hold"/>
+                                        <p:tgtEl>
+                                          <p:spTgt spid="20"/>
+                                        </p:tgtEl>
+                                        <p:attrNameLst>
+                                          <p:attrName>ppt_x</p:attrName>
+                                          <p:attrName>ppt_y</p:attrName>
+                                        </p:attrNameLst>
+                                      </p:cBhvr>
+                                      <p:rCtr x="4180" y="9074"/>
+                                    </p:animMotion>
+                                  </p:childTnLst>
+                                </p:cTn>
+                              </p:par>
+                            </p:childTnLst>
+                          </p:cTn>
+                        </p:par>
+                        <p:par>
+                          <p:cTn id="119" fill="hold">
+                            <p:stCondLst>
+                              <p:cond delay="15000"/>
+                            </p:stCondLst>
+                            <p:childTnLst>
+                              <p:par>
+                                <p:cTn id="120" presetID="35" presetClass="path" presetSubtype="0" accel="50000" decel="50000" fill="hold" grpId="16" nodeType="afterEffect">
+                                  <p:stCondLst>
+                                    <p:cond delay="0"/>
+                                  </p:stCondLst>
+                                  <p:childTnLst>
+                                    <p:animMotion origin="layout" path="M 0.16211 -7.40741E-7 L 0.07982 -7.40741E-7 " pathEditMode="relative" rAng="0" ptsTypes="AA">
+                                      <p:cBhvr>
+                                        <p:cTn id="121" dur="500" fill="hold"/>
+                                        <p:tgtEl>
+                                          <p:spTgt spid="31"/>
+                                        </p:tgtEl>
+                                        <p:attrNameLst>
+                                          <p:attrName>ppt_x</p:attrName>
+                                          <p:attrName>ppt_y</p:attrName>
+                                        </p:attrNameLst>
+                                      </p:cBhvr>
+                                      <p:rCtr x="-3971" y="0"/>
+                                    </p:animMotion>
+                                  </p:childTnLst>
+                                </p:cTn>
+                              </p:par>
+                              <p:par>
+                                <p:cTn id="122" presetID="35" presetClass="path" presetSubtype="0" accel="50000" decel="50000" fill="hold" grpId="16" nodeType="withEffect">
+                                  <p:stCondLst>
+                                    <p:cond delay="0"/>
+                                  </p:stCondLst>
+                                  <p:childTnLst>
+                                    <p:animMotion origin="layout" path="M 0.16146 -7.40741E-7 L 0.08164 -7.40741E-7 " pathEditMode="relative" rAng="0" ptsTypes="AA">
+                                      <p:cBhvr>
+                                        <p:cTn id="123" dur="500" fill="hold"/>
+                                        <p:tgtEl>
+                                          <p:spTgt spid="16"/>
+                                        </p:tgtEl>
+                                        <p:attrNameLst>
+                                          <p:attrName>ppt_x</p:attrName>
+                                          <p:attrName>ppt_y</p:attrName>
+                                        </p:attrNameLst>
+                                      </p:cBhvr>
+                                      <p:rCtr x="-3958" y="0"/>
+                                    </p:animMotion>
+                                  </p:childTnLst>
+                                </p:cTn>
+                              </p:par>
+                            </p:childTnLst>
+                          </p:cTn>
+                        </p:par>
+                      </p:childTnLst>
+                    </p:cTn>
+                  </p:par>
+                </p:childTnLst>
+              </p:cTn>
+              <p:prevCondLst>
+                <p:cond evt="onPrev" delay="0">
+                  <p:tgtEl>
+                    <p:sldTgt/>
+                  </p:tgtEl>
+                </p:cond>
+              </p:prevCondLst>
+              <p:nextCondLst>
+                <p:cond evt="onNext" delay="0">
+                  <p:tgtEl>
+                    <p:sldTgt/>
+                  </p:tgtEl>
+                </p:cond>
+              </p:nextCondLst>
+            </p:seq>
+          </p:childTnLst>
+        </p:cTn>
+      </p:par>
+    </p:tnLst>
+    <p:bldLst>
+      <p:bldP spid="31" grpId="4" animBg="1"/>
+      <p:bldP spid="31" grpId="5" animBg="1"/>
+      <p:bldP spid="31" grpId="6" animBg="1"/>
+      <p:bldP spid="31" grpId="7" animBg="1"/>
+      <p:bldP spid="31" grpId="8" animBg="1"/>
+      <p:bldP spid="31" grpId="9" animBg="1"/>
+      <p:bldP spid="31" grpId="10" animBg="1"/>
+      <p:bldP spid="31" grpId="11" animBg="1"/>
+      <p:bldP spid="31" grpId="12" animBg="1"/>
+      <p:bldP spid="31" grpId="13" animBg="1"/>
+      <p:bldP spid="31" grpId="14" animBg="1"/>
+      <p:bldP spid="31" grpId="15" animBg="1"/>
+      <p:bldP spid="31" grpId="16" animBg="1"/>
+      <p:bldP spid="15" grpId="0" animBg="1"/>
+      <p:bldP spid="15" grpId="1" animBg="1"/>
+      <p:bldP spid="15" grpId="2" animBg="1"/>
+      <p:bldP spid="15" grpId="3" animBg="1"/>
+      <p:bldP spid="15" grpId="4" animBg="1"/>
+      <p:bldP spid="16" grpId="4" animBg="1"/>
+      <p:bldP spid="16" grpId="5" animBg="1"/>
+      <p:bldP spid="16" grpId="6" animBg="1"/>
+      <p:bldP spid="16" grpId="7" animBg="1"/>
+      <p:bldP spid="16" grpId="8" animBg="1"/>
+      <p:bldP spid="16" grpId="9" animBg="1"/>
+      <p:bldP spid="16" grpId="10" animBg="1"/>
+      <p:bldP spid="16" grpId="11" animBg="1"/>
+      <p:bldP spid="16" grpId="12" animBg="1"/>
+      <p:bldP spid="16" grpId="13" animBg="1"/>
+      <p:bldP spid="16" grpId="14" animBg="1"/>
+      <p:bldP spid="16" grpId="15" animBg="1"/>
+      <p:bldP spid="16" grpId="16" animBg="1"/>
+      <p:bldP spid="17" grpId="0" animBg="1"/>
+      <p:bldP spid="18" grpId="0" animBg="1"/>
+      <p:bldP spid="19" grpId="0" animBg="1"/>
+      <p:bldP spid="19" grpId="1" animBg="1"/>
+      <p:bldP spid="19" grpId="2" animBg="1"/>
+      <p:bldP spid="27" grpId="0" animBg="1"/>
+      <p:bldP spid="27" grpId="1" animBg="1"/>
+      <p:bldP spid="27" grpId="2" animBg="1"/>
+      <p:bldP spid="20" grpId="0" animBg="1"/>
+      <p:bldP spid="20" grpId="1" animBg="1"/>
+      <p:bldP spid="20" grpId="2" animBg="1"/>
+      <p:bldP spid="26" grpId="0" animBg="1"/>
+      <p:bldP spid="26" grpId="1" animBg="1"/>
+      <p:bldP spid="26" grpId="2" animBg="1"/>
+      <p:bldP spid="25" grpId="0" animBg="1"/>
+      <p:bldP spid="25" grpId="1" animBg="1"/>
+      <p:bldP spid="25" grpId="2" animBg="1"/>
+      <p:bldP spid="25" grpId="3" animBg="1"/>
     </p:bldLst>
   </p:timing>
 </p:sld>

--- a/ppt/sort.pptx
+++ b/ppt/sort.pptx
@@ -8,6 +8,13 @@
     <p:sldId id="256" r:id="rId2"/>
     <p:sldId id="257" r:id="rId3"/>
     <p:sldId id="258" r:id="rId4"/>
+    <p:sldId id="260" r:id="rId5"/>
+    <p:sldId id="262" r:id="rId6"/>
+    <p:sldId id="263" r:id="rId7"/>
+    <p:sldId id="261" r:id="rId8"/>
+    <p:sldId id="264" r:id="rId9"/>
+    <p:sldId id="265" r:id="rId10"/>
+    <p:sldId id="266" r:id="rId11"/>
   </p:sldIdLst>
   <p:sldSz cx="12192000" cy="6858000"/>
   <p:notesSz cx="6858000" cy="9144000"/>
@@ -5169,6 +5176,946 @@
 </p:sld>
 </file>
 
+<file path=ppt/slides/slide10.xml><?xml version="1.0" encoding="utf-8"?>
+<p:sld xmlns:a="http://schemas.openxmlformats.org/drawingml/2006/main" xmlns:r="http://schemas.openxmlformats.org/officeDocument/2006/relationships" xmlns:p="http://schemas.openxmlformats.org/presentationml/2006/main">
+  <p:cSld>
+    <p:spTree>
+      <p:nvGrpSpPr>
+        <p:cNvPr id="1" name=""/>
+        <p:cNvGrpSpPr/>
+        <p:nvPr/>
+      </p:nvGrpSpPr>
+      <p:grpSpPr>
+        <a:xfrm>
+          <a:off x="0" y="0"/>
+          <a:ext cx="0" cy="0"/>
+          <a:chOff x="0" y="0"/>
+          <a:chExt cx="0" cy="0"/>
+        </a:xfrm>
+      </p:grpSpPr>
+      <p:grpSp>
+        <p:nvGrpSpPr>
+          <p:cNvPr id="18" name="组合 17"/>
+          <p:cNvGrpSpPr/>
+          <p:nvPr/>
+        </p:nvGrpSpPr>
+        <p:grpSpPr>
+          <a:xfrm>
+            <a:off x="1132764" y="3029800"/>
+            <a:ext cx="8952936" cy="1119120"/>
+            <a:chOff x="1473958" y="2361060"/>
+            <a:chExt cx="8952936" cy="1119120"/>
+          </a:xfrm>
+          <a:solidFill>
+            <a:schemeClr val="tx1">
+              <a:lumMod val="85000"/>
+              <a:lumOff val="15000"/>
+            </a:schemeClr>
+          </a:solidFill>
+        </p:grpSpPr>
+        <p:sp>
+          <p:nvSpPr>
+            <p:cNvPr id="6" name="椭圆 5"/>
+            <p:cNvSpPr/>
+            <p:nvPr/>
+          </p:nvSpPr>
+          <p:spPr>
+            <a:xfrm>
+              <a:off x="1473958" y="2361063"/>
+              <a:ext cx="1119117" cy="1119117"/>
+            </a:xfrm>
+            <a:prstGeom prst="ellipse">
+              <a:avLst/>
+            </a:prstGeom>
+            <a:grpFill/>
+            <a:ln>
+              <a:noFill/>
+            </a:ln>
+          </p:spPr>
+          <p:style>
+            <a:lnRef idx="2">
+              <a:schemeClr val="accent1">
+                <a:shade val="50000"/>
+              </a:schemeClr>
+            </a:lnRef>
+            <a:fillRef idx="1">
+              <a:schemeClr val="accent1"/>
+            </a:fillRef>
+            <a:effectRef idx="0">
+              <a:schemeClr val="accent1"/>
+            </a:effectRef>
+            <a:fontRef idx="minor">
+              <a:schemeClr val="lt1"/>
+            </a:fontRef>
+          </p:style>
+          <p:txBody>
+            <a:bodyPr rtlCol="0" anchor="ctr"/>
+            <a:lstStyle/>
+            <a:p>
+              <a:pPr algn="ctr"/>
+              <a:r>
+                <a:rPr lang="en-US" altLang="zh-CN" sz="3200" dirty="0"/>
+                <a:t>0</a:t>
+              </a:r>
+              <a:endParaRPr lang="zh-CN" altLang="en-US" sz="3200" dirty="0"/>
+            </a:p>
+          </p:txBody>
+        </p:sp>
+        <p:sp>
+          <p:nvSpPr>
+            <p:cNvPr id="10" name="椭圆 9"/>
+            <p:cNvSpPr/>
+            <p:nvPr/>
+          </p:nvSpPr>
+          <p:spPr>
+            <a:xfrm>
+              <a:off x="2593075" y="2361062"/>
+              <a:ext cx="1119117" cy="1119117"/>
+            </a:xfrm>
+            <a:prstGeom prst="ellipse">
+              <a:avLst/>
+            </a:prstGeom>
+            <a:grpFill/>
+            <a:ln>
+              <a:noFill/>
+            </a:ln>
+          </p:spPr>
+          <p:style>
+            <a:lnRef idx="2">
+              <a:schemeClr val="accent1">
+                <a:shade val="50000"/>
+              </a:schemeClr>
+            </a:lnRef>
+            <a:fillRef idx="1">
+              <a:schemeClr val="accent1"/>
+            </a:fillRef>
+            <a:effectRef idx="0">
+              <a:schemeClr val="accent1"/>
+            </a:effectRef>
+            <a:fontRef idx="minor">
+              <a:schemeClr val="lt1"/>
+            </a:fontRef>
+          </p:style>
+          <p:txBody>
+            <a:bodyPr rtlCol="0" anchor="ctr"/>
+            <a:lstStyle/>
+            <a:p>
+              <a:pPr algn="ctr"/>
+              <a:r>
+                <a:rPr lang="en-US" altLang="zh-CN" sz="3200" dirty="0" smtClean="0"/>
+                <a:t>1</a:t>
+              </a:r>
+              <a:endParaRPr lang="zh-CN" altLang="en-US" sz="3200" dirty="0"/>
+            </a:p>
+          </p:txBody>
+        </p:sp>
+        <p:sp>
+          <p:nvSpPr>
+            <p:cNvPr id="11" name="椭圆 10"/>
+            <p:cNvSpPr/>
+            <p:nvPr/>
+          </p:nvSpPr>
+          <p:spPr>
+            <a:xfrm>
+              <a:off x="3712192" y="2361062"/>
+              <a:ext cx="1119117" cy="1119117"/>
+            </a:xfrm>
+            <a:prstGeom prst="ellipse">
+              <a:avLst/>
+            </a:prstGeom>
+            <a:grpFill/>
+            <a:ln>
+              <a:noFill/>
+            </a:ln>
+          </p:spPr>
+          <p:style>
+            <a:lnRef idx="2">
+              <a:schemeClr val="accent1">
+                <a:shade val="50000"/>
+              </a:schemeClr>
+            </a:lnRef>
+            <a:fillRef idx="1">
+              <a:schemeClr val="accent1"/>
+            </a:fillRef>
+            <a:effectRef idx="0">
+              <a:schemeClr val="accent1"/>
+            </a:effectRef>
+            <a:fontRef idx="minor">
+              <a:schemeClr val="lt1"/>
+            </a:fontRef>
+          </p:style>
+          <p:txBody>
+            <a:bodyPr rtlCol="0" anchor="ctr"/>
+            <a:lstStyle/>
+            <a:p>
+              <a:pPr algn="ctr"/>
+              <a:r>
+                <a:rPr lang="en-US" altLang="zh-CN" sz="3200" dirty="0" smtClean="0"/>
+                <a:t>2</a:t>
+              </a:r>
+              <a:endParaRPr lang="zh-CN" altLang="en-US" sz="3200" dirty="0"/>
+            </a:p>
+          </p:txBody>
+        </p:sp>
+        <p:sp>
+          <p:nvSpPr>
+            <p:cNvPr id="12" name="椭圆 11"/>
+            <p:cNvSpPr/>
+            <p:nvPr/>
+          </p:nvSpPr>
+          <p:spPr>
+            <a:xfrm>
+              <a:off x="4831309" y="2361062"/>
+              <a:ext cx="1119117" cy="1119117"/>
+            </a:xfrm>
+            <a:prstGeom prst="ellipse">
+              <a:avLst/>
+            </a:prstGeom>
+            <a:grpFill/>
+            <a:ln>
+              <a:noFill/>
+            </a:ln>
+          </p:spPr>
+          <p:style>
+            <a:lnRef idx="2">
+              <a:schemeClr val="accent1">
+                <a:shade val="50000"/>
+              </a:schemeClr>
+            </a:lnRef>
+            <a:fillRef idx="1">
+              <a:schemeClr val="accent1"/>
+            </a:fillRef>
+            <a:effectRef idx="0">
+              <a:schemeClr val="accent1"/>
+            </a:effectRef>
+            <a:fontRef idx="minor">
+              <a:schemeClr val="lt1"/>
+            </a:fontRef>
+          </p:style>
+          <p:txBody>
+            <a:bodyPr rtlCol="0" anchor="ctr"/>
+            <a:lstStyle/>
+            <a:p>
+              <a:pPr algn="ctr"/>
+              <a:r>
+                <a:rPr lang="en-US" altLang="zh-CN" sz="3200" dirty="0" smtClean="0"/>
+                <a:t>3</a:t>
+              </a:r>
+              <a:endParaRPr lang="zh-CN" altLang="en-US" sz="3200" dirty="0"/>
+            </a:p>
+          </p:txBody>
+        </p:sp>
+        <p:sp>
+          <p:nvSpPr>
+            <p:cNvPr id="13" name="椭圆 12"/>
+            <p:cNvSpPr/>
+            <p:nvPr/>
+          </p:nvSpPr>
+          <p:spPr>
+            <a:xfrm>
+              <a:off x="5950426" y="2361061"/>
+              <a:ext cx="1119117" cy="1119117"/>
+            </a:xfrm>
+            <a:prstGeom prst="ellipse">
+              <a:avLst/>
+            </a:prstGeom>
+            <a:grpFill/>
+            <a:ln>
+              <a:noFill/>
+            </a:ln>
+          </p:spPr>
+          <p:style>
+            <a:lnRef idx="2">
+              <a:schemeClr val="accent1">
+                <a:shade val="50000"/>
+              </a:schemeClr>
+            </a:lnRef>
+            <a:fillRef idx="1">
+              <a:schemeClr val="accent1"/>
+            </a:fillRef>
+            <a:effectRef idx="0">
+              <a:schemeClr val="accent1"/>
+            </a:effectRef>
+            <a:fontRef idx="minor">
+              <a:schemeClr val="lt1"/>
+            </a:fontRef>
+          </p:style>
+          <p:txBody>
+            <a:bodyPr rtlCol="0" anchor="ctr"/>
+            <a:lstStyle/>
+            <a:p>
+              <a:pPr algn="ctr"/>
+              <a:r>
+                <a:rPr lang="en-US" altLang="zh-CN" sz="3200" dirty="0" smtClean="0"/>
+                <a:t>4</a:t>
+              </a:r>
+              <a:endParaRPr lang="zh-CN" altLang="en-US" sz="3200" dirty="0"/>
+            </a:p>
+          </p:txBody>
+        </p:sp>
+        <p:sp>
+          <p:nvSpPr>
+            <p:cNvPr id="14" name="椭圆 13"/>
+            <p:cNvSpPr/>
+            <p:nvPr/>
+          </p:nvSpPr>
+          <p:spPr>
+            <a:xfrm>
+              <a:off x="7069543" y="2361060"/>
+              <a:ext cx="1119117" cy="1119117"/>
+            </a:xfrm>
+            <a:prstGeom prst="ellipse">
+              <a:avLst/>
+            </a:prstGeom>
+            <a:grpFill/>
+            <a:ln>
+              <a:noFill/>
+            </a:ln>
+          </p:spPr>
+          <p:style>
+            <a:lnRef idx="2">
+              <a:schemeClr val="accent1">
+                <a:shade val="50000"/>
+              </a:schemeClr>
+            </a:lnRef>
+            <a:fillRef idx="1">
+              <a:schemeClr val="accent1"/>
+            </a:fillRef>
+            <a:effectRef idx="0">
+              <a:schemeClr val="accent1"/>
+            </a:effectRef>
+            <a:fontRef idx="minor">
+              <a:schemeClr val="lt1"/>
+            </a:fontRef>
+          </p:style>
+          <p:txBody>
+            <a:bodyPr rtlCol="0" anchor="ctr"/>
+            <a:lstStyle/>
+            <a:p>
+              <a:pPr algn="ctr"/>
+              <a:r>
+                <a:rPr lang="en-US" altLang="zh-CN" sz="3200" dirty="0" smtClean="0"/>
+                <a:t>5</a:t>
+              </a:r>
+              <a:endParaRPr lang="zh-CN" altLang="en-US" sz="3200" dirty="0"/>
+            </a:p>
+          </p:txBody>
+        </p:sp>
+        <p:sp>
+          <p:nvSpPr>
+            <p:cNvPr id="15" name="椭圆 14"/>
+            <p:cNvSpPr/>
+            <p:nvPr/>
+          </p:nvSpPr>
+          <p:spPr>
+            <a:xfrm>
+              <a:off x="8188660" y="2361060"/>
+              <a:ext cx="1119117" cy="1119117"/>
+            </a:xfrm>
+            <a:prstGeom prst="ellipse">
+              <a:avLst/>
+            </a:prstGeom>
+            <a:grpFill/>
+            <a:ln>
+              <a:noFill/>
+            </a:ln>
+          </p:spPr>
+          <p:style>
+            <a:lnRef idx="2">
+              <a:schemeClr val="accent1">
+                <a:shade val="50000"/>
+              </a:schemeClr>
+            </a:lnRef>
+            <a:fillRef idx="1">
+              <a:schemeClr val="accent1"/>
+            </a:fillRef>
+            <a:effectRef idx="0">
+              <a:schemeClr val="accent1"/>
+            </a:effectRef>
+            <a:fontRef idx="minor">
+              <a:schemeClr val="lt1"/>
+            </a:fontRef>
+          </p:style>
+          <p:txBody>
+            <a:bodyPr rtlCol="0" anchor="ctr"/>
+            <a:lstStyle/>
+            <a:p>
+              <a:pPr algn="ctr"/>
+              <a:r>
+                <a:rPr lang="en-US" altLang="zh-CN" sz="3200" dirty="0" smtClean="0"/>
+                <a:t>6</a:t>
+              </a:r>
+              <a:endParaRPr lang="zh-CN" altLang="en-US" sz="3200" dirty="0"/>
+            </a:p>
+          </p:txBody>
+        </p:sp>
+        <p:sp>
+          <p:nvSpPr>
+            <p:cNvPr id="16" name="椭圆 15"/>
+            <p:cNvSpPr/>
+            <p:nvPr/>
+          </p:nvSpPr>
+          <p:spPr>
+            <a:xfrm>
+              <a:off x="9307777" y="2361060"/>
+              <a:ext cx="1119117" cy="1119117"/>
+            </a:xfrm>
+            <a:prstGeom prst="ellipse">
+              <a:avLst/>
+            </a:prstGeom>
+            <a:grpFill/>
+            <a:ln>
+              <a:noFill/>
+            </a:ln>
+          </p:spPr>
+          <p:style>
+            <a:lnRef idx="2">
+              <a:schemeClr val="accent1">
+                <a:shade val="50000"/>
+              </a:schemeClr>
+            </a:lnRef>
+            <a:fillRef idx="1">
+              <a:schemeClr val="accent1"/>
+            </a:fillRef>
+            <a:effectRef idx="0">
+              <a:schemeClr val="accent1"/>
+            </a:effectRef>
+            <a:fontRef idx="minor">
+              <a:schemeClr val="lt1"/>
+            </a:fontRef>
+          </p:style>
+          <p:txBody>
+            <a:bodyPr rtlCol="0" anchor="ctr"/>
+            <a:lstStyle/>
+            <a:p>
+              <a:pPr algn="ctr"/>
+              <a:r>
+                <a:rPr lang="en-US" altLang="zh-CN" sz="3200" dirty="0" smtClean="0"/>
+                <a:t>7</a:t>
+              </a:r>
+              <a:endParaRPr lang="zh-CN" altLang="en-US" sz="3200" dirty="0"/>
+            </a:p>
+          </p:txBody>
+        </p:sp>
+      </p:grpSp>
+      <p:grpSp>
+        <p:nvGrpSpPr>
+          <p:cNvPr id="81" name="组合 80"/>
+          <p:cNvGrpSpPr/>
+          <p:nvPr/>
+        </p:nvGrpSpPr>
+        <p:grpSpPr>
+          <a:xfrm>
+            <a:off x="1605038" y="2693434"/>
+            <a:ext cx="7970762" cy="398476"/>
+            <a:chOff x="1605038" y="2693434"/>
+            <a:chExt cx="8054073" cy="398476"/>
+          </a:xfrm>
+          <a:solidFill>
+            <a:schemeClr val="tx1">
+              <a:lumMod val="85000"/>
+              <a:lumOff val="15000"/>
+            </a:schemeClr>
+          </a:solidFill>
+        </p:grpSpPr>
+        <p:grpSp>
+          <p:nvGrpSpPr>
+            <p:cNvPr id="67" name="组合 66"/>
+            <p:cNvGrpSpPr/>
+            <p:nvPr/>
+          </p:nvGrpSpPr>
+          <p:grpSpPr>
+            <a:xfrm>
+              <a:off x="1605038" y="2693434"/>
+              <a:ext cx="8054073" cy="398476"/>
+              <a:chOff x="1605038" y="4033555"/>
+              <a:chExt cx="7484004" cy="444500"/>
+            </a:xfrm>
+            <a:grpFill/>
+          </p:grpSpPr>
+          <p:sp>
+            <p:nvSpPr>
+              <p:cNvPr id="68" name="下箭头标注 67"/>
+              <p:cNvSpPr/>
+              <p:nvPr/>
+            </p:nvSpPr>
+            <p:spPr>
+              <a:xfrm>
+                <a:off x="1649294" y="4033555"/>
+                <a:ext cx="7439748" cy="444500"/>
+              </a:xfrm>
+              <a:prstGeom prst="downArrowCallout">
+                <a:avLst>
+                  <a:gd name="adj1" fmla="val 0"/>
+                  <a:gd name="adj2" fmla="val 0"/>
+                  <a:gd name="adj3" fmla="val 25000"/>
+                  <a:gd name="adj4" fmla="val 21863"/>
+                </a:avLst>
+              </a:prstGeom>
+              <a:grpFill/>
+              <a:ln>
+                <a:noFill/>
+              </a:ln>
+            </p:spPr>
+            <p:style>
+              <a:lnRef idx="2">
+                <a:schemeClr val="accent1">
+                  <a:shade val="50000"/>
+                </a:schemeClr>
+              </a:lnRef>
+              <a:fillRef idx="1">
+                <a:schemeClr val="accent1"/>
+              </a:fillRef>
+              <a:effectRef idx="0">
+                <a:schemeClr val="accent1"/>
+              </a:effectRef>
+              <a:fontRef idx="minor">
+                <a:schemeClr val="lt1"/>
+              </a:fontRef>
+            </p:style>
+            <p:txBody>
+              <a:bodyPr rtlCol="0" anchor="ctr"/>
+              <a:lstStyle/>
+              <a:p>
+                <a:pPr algn="ctr"/>
+                <a:endParaRPr lang="zh-CN" altLang="en-US"/>
+              </a:p>
+            </p:txBody>
+          </p:sp>
+          <p:sp>
+            <p:nvSpPr>
+              <p:cNvPr id="70" name="下箭头 69"/>
+              <p:cNvSpPr/>
+              <p:nvPr/>
+            </p:nvSpPr>
+            <p:spPr>
+              <a:xfrm>
+                <a:off x="1605038" y="4110322"/>
+                <a:ext cx="174566" cy="298452"/>
+              </a:xfrm>
+              <a:prstGeom prst="downArrow">
+                <a:avLst/>
+              </a:prstGeom>
+              <a:grpFill/>
+              <a:ln>
+                <a:noFill/>
+              </a:ln>
+            </p:spPr>
+            <p:style>
+              <a:lnRef idx="2">
+                <a:schemeClr val="accent1">
+                  <a:shade val="50000"/>
+                </a:schemeClr>
+              </a:lnRef>
+              <a:fillRef idx="1">
+                <a:schemeClr val="accent1"/>
+              </a:fillRef>
+              <a:effectRef idx="0">
+                <a:schemeClr val="accent1"/>
+              </a:effectRef>
+              <a:fontRef idx="minor">
+                <a:schemeClr val="lt1"/>
+              </a:fontRef>
+            </p:style>
+            <p:txBody>
+              <a:bodyPr rtlCol="0" anchor="ctr"/>
+              <a:lstStyle/>
+              <a:p>
+                <a:pPr algn="ctr"/>
+                <a:endParaRPr lang="zh-CN" altLang="en-US"/>
+              </a:p>
+            </p:txBody>
+          </p:sp>
+        </p:grpSp>
+        <p:sp>
+          <p:nvSpPr>
+            <p:cNvPr id="76" name="下箭头 75"/>
+            <p:cNvSpPr/>
+            <p:nvPr/>
+          </p:nvSpPr>
+          <p:spPr>
+            <a:xfrm>
+              <a:off x="6148829" y="2758897"/>
+              <a:ext cx="187863" cy="267550"/>
+            </a:xfrm>
+            <a:prstGeom prst="downArrow">
+              <a:avLst/>
+            </a:prstGeom>
+            <a:grpFill/>
+            <a:ln>
+              <a:noFill/>
+            </a:ln>
+          </p:spPr>
+          <p:style>
+            <a:lnRef idx="2">
+              <a:schemeClr val="accent1">
+                <a:shade val="50000"/>
+              </a:schemeClr>
+            </a:lnRef>
+            <a:fillRef idx="1">
+              <a:schemeClr val="accent1"/>
+            </a:fillRef>
+            <a:effectRef idx="0">
+              <a:schemeClr val="accent1"/>
+            </a:effectRef>
+            <a:fontRef idx="minor">
+              <a:schemeClr val="lt1"/>
+            </a:fontRef>
+          </p:style>
+          <p:txBody>
+            <a:bodyPr rtlCol="0" anchor="ctr"/>
+            <a:lstStyle/>
+            <a:p>
+              <a:pPr algn="ctr"/>
+              <a:endParaRPr lang="zh-CN" altLang="en-US"/>
+            </a:p>
+          </p:txBody>
+        </p:sp>
+      </p:grpSp>
+      <p:sp>
+        <p:nvSpPr>
+          <p:cNvPr id="42" name="下箭头 41"/>
+          <p:cNvSpPr/>
+          <p:nvPr/>
+        </p:nvSpPr>
+        <p:spPr>
+          <a:xfrm>
+            <a:off x="7197225" y="2758897"/>
+            <a:ext cx="185920" cy="267550"/>
+          </a:xfrm>
+          <a:prstGeom prst="downArrow">
+            <a:avLst/>
+          </a:prstGeom>
+          <a:solidFill>
+            <a:schemeClr val="tx1">
+              <a:lumMod val="85000"/>
+              <a:lumOff val="15000"/>
+            </a:schemeClr>
+          </a:solidFill>
+          <a:ln>
+            <a:noFill/>
+          </a:ln>
+        </p:spPr>
+        <p:style>
+          <a:lnRef idx="2">
+            <a:schemeClr val="accent1">
+              <a:shade val="50000"/>
+            </a:schemeClr>
+          </a:lnRef>
+          <a:fillRef idx="1">
+            <a:schemeClr val="accent1"/>
+          </a:fillRef>
+          <a:effectRef idx="0">
+            <a:schemeClr val="accent1"/>
+          </a:effectRef>
+          <a:fontRef idx="minor">
+            <a:schemeClr val="lt1"/>
+          </a:fontRef>
+        </p:style>
+        <p:txBody>
+          <a:bodyPr rtlCol="0" anchor="ctr"/>
+          <a:lstStyle/>
+          <a:p>
+            <a:pPr algn="ctr"/>
+            <a:endParaRPr lang="zh-CN" altLang="en-US"/>
+          </a:p>
+        </p:txBody>
+      </p:sp>
+      <p:sp>
+        <p:nvSpPr>
+          <p:cNvPr id="43" name="下箭头 42"/>
+          <p:cNvSpPr/>
+          <p:nvPr/>
+        </p:nvSpPr>
+        <p:spPr>
+          <a:xfrm>
+            <a:off x="8323198" y="2758897"/>
+            <a:ext cx="185920" cy="267550"/>
+          </a:xfrm>
+          <a:prstGeom prst="downArrow">
+            <a:avLst/>
+          </a:prstGeom>
+          <a:solidFill>
+            <a:schemeClr val="tx1">
+              <a:lumMod val="85000"/>
+              <a:lumOff val="15000"/>
+            </a:schemeClr>
+          </a:solidFill>
+          <a:ln>
+            <a:noFill/>
+          </a:ln>
+        </p:spPr>
+        <p:style>
+          <a:lnRef idx="2">
+            <a:schemeClr val="accent1">
+              <a:shade val="50000"/>
+            </a:schemeClr>
+          </a:lnRef>
+          <a:fillRef idx="1">
+            <a:schemeClr val="accent1"/>
+          </a:fillRef>
+          <a:effectRef idx="0">
+            <a:schemeClr val="accent1"/>
+          </a:effectRef>
+          <a:fontRef idx="minor">
+            <a:schemeClr val="lt1"/>
+          </a:fontRef>
+        </p:style>
+        <p:txBody>
+          <a:bodyPr rtlCol="0" anchor="ctr"/>
+          <a:lstStyle/>
+          <a:p>
+            <a:pPr algn="ctr"/>
+            <a:endParaRPr lang="zh-CN" altLang="en-US"/>
+          </a:p>
+        </p:txBody>
+      </p:sp>
+      <p:sp>
+        <p:nvSpPr>
+          <p:cNvPr id="44" name="下箭头 43"/>
+          <p:cNvSpPr/>
+          <p:nvPr/>
+        </p:nvSpPr>
+        <p:spPr>
+          <a:xfrm>
+            <a:off x="9432954" y="2754161"/>
+            <a:ext cx="185920" cy="267550"/>
+          </a:xfrm>
+          <a:prstGeom prst="downArrow">
+            <a:avLst/>
+          </a:prstGeom>
+          <a:solidFill>
+            <a:schemeClr val="tx1">
+              <a:lumMod val="85000"/>
+              <a:lumOff val="15000"/>
+            </a:schemeClr>
+          </a:solidFill>
+          <a:ln>
+            <a:noFill/>
+          </a:ln>
+        </p:spPr>
+        <p:style>
+          <a:lnRef idx="2">
+            <a:schemeClr val="accent1">
+              <a:shade val="50000"/>
+            </a:schemeClr>
+          </a:lnRef>
+          <a:fillRef idx="1">
+            <a:schemeClr val="accent1"/>
+          </a:fillRef>
+          <a:effectRef idx="0">
+            <a:schemeClr val="accent1"/>
+          </a:effectRef>
+          <a:fontRef idx="minor">
+            <a:schemeClr val="lt1"/>
+          </a:fontRef>
+        </p:style>
+        <p:txBody>
+          <a:bodyPr rtlCol="0" anchor="ctr"/>
+          <a:lstStyle/>
+          <a:p>
+            <a:pPr algn="ctr"/>
+            <a:endParaRPr lang="zh-CN" altLang="en-US"/>
+          </a:p>
+        </p:txBody>
+      </p:sp>
+      <p:sp>
+        <p:nvSpPr>
+          <p:cNvPr id="45" name="下箭头 44"/>
+          <p:cNvSpPr/>
+          <p:nvPr/>
+        </p:nvSpPr>
+        <p:spPr>
+          <a:xfrm>
+            <a:off x="4956713" y="2748661"/>
+            <a:ext cx="185920" cy="267550"/>
+          </a:xfrm>
+          <a:prstGeom prst="downArrow">
+            <a:avLst/>
+          </a:prstGeom>
+          <a:solidFill>
+            <a:schemeClr val="tx1">
+              <a:lumMod val="85000"/>
+              <a:lumOff val="15000"/>
+            </a:schemeClr>
+          </a:solidFill>
+          <a:ln>
+            <a:noFill/>
+          </a:ln>
+        </p:spPr>
+        <p:style>
+          <a:lnRef idx="2">
+            <a:schemeClr val="accent1">
+              <a:shade val="50000"/>
+            </a:schemeClr>
+          </a:lnRef>
+          <a:fillRef idx="1">
+            <a:schemeClr val="accent1"/>
+          </a:fillRef>
+          <a:effectRef idx="0">
+            <a:schemeClr val="accent1"/>
+          </a:effectRef>
+          <a:fontRef idx="minor">
+            <a:schemeClr val="lt1"/>
+          </a:fontRef>
+        </p:style>
+        <p:txBody>
+          <a:bodyPr rtlCol="0" anchor="ctr"/>
+          <a:lstStyle/>
+          <a:p>
+            <a:pPr algn="ctr"/>
+            <a:endParaRPr lang="zh-CN" altLang="en-US"/>
+          </a:p>
+        </p:txBody>
+      </p:sp>
+      <p:sp>
+        <p:nvSpPr>
+          <p:cNvPr id="46" name="下箭头 45"/>
+          <p:cNvSpPr/>
+          <p:nvPr/>
+        </p:nvSpPr>
+        <p:spPr>
+          <a:xfrm>
+            <a:off x="3823990" y="2746353"/>
+            <a:ext cx="185920" cy="267550"/>
+          </a:xfrm>
+          <a:prstGeom prst="downArrow">
+            <a:avLst/>
+          </a:prstGeom>
+          <a:solidFill>
+            <a:schemeClr val="tx1">
+              <a:lumMod val="85000"/>
+              <a:lumOff val="15000"/>
+            </a:schemeClr>
+          </a:solidFill>
+          <a:ln>
+            <a:noFill/>
+          </a:ln>
+        </p:spPr>
+        <p:style>
+          <a:lnRef idx="2">
+            <a:schemeClr val="accent1">
+              <a:shade val="50000"/>
+            </a:schemeClr>
+          </a:lnRef>
+          <a:fillRef idx="1">
+            <a:schemeClr val="accent1"/>
+          </a:fillRef>
+          <a:effectRef idx="0">
+            <a:schemeClr val="accent1"/>
+          </a:effectRef>
+          <a:fontRef idx="minor">
+            <a:schemeClr val="lt1"/>
+          </a:fontRef>
+        </p:style>
+        <p:txBody>
+          <a:bodyPr rtlCol="0" anchor="ctr"/>
+          <a:lstStyle/>
+          <a:p>
+            <a:pPr algn="ctr"/>
+            <a:endParaRPr lang="zh-CN" altLang="en-US"/>
+          </a:p>
+        </p:txBody>
+      </p:sp>
+      <p:sp>
+        <p:nvSpPr>
+          <p:cNvPr id="47" name="下箭头 46"/>
+          <p:cNvSpPr/>
+          <p:nvPr/>
+        </p:nvSpPr>
+        <p:spPr>
+          <a:xfrm>
+            <a:off x="2698017" y="2746353"/>
+            <a:ext cx="185920" cy="267550"/>
+          </a:xfrm>
+          <a:prstGeom prst="downArrow">
+            <a:avLst/>
+          </a:prstGeom>
+          <a:solidFill>
+            <a:schemeClr val="tx1">
+              <a:lumMod val="85000"/>
+              <a:lumOff val="15000"/>
+            </a:schemeClr>
+          </a:solidFill>
+          <a:ln>
+            <a:noFill/>
+          </a:ln>
+        </p:spPr>
+        <p:style>
+          <a:lnRef idx="2">
+            <a:schemeClr val="accent1">
+              <a:shade val="50000"/>
+            </a:schemeClr>
+          </a:lnRef>
+          <a:fillRef idx="1">
+            <a:schemeClr val="accent1"/>
+          </a:fillRef>
+          <a:effectRef idx="0">
+            <a:schemeClr val="accent1"/>
+          </a:effectRef>
+          <a:fontRef idx="minor">
+            <a:schemeClr val="lt1"/>
+          </a:fontRef>
+        </p:style>
+        <p:txBody>
+          <a:bodyPr rtlCol="0" anchor="ctr"/>
+          <a:lstStyle/>
+          <a:p>
+            <a:pPr algn="ctr"/>
+            <a:endParaRPr lang="zh-CN" altLang="en-US"/>
+          </a:p>
+        </p:txBody>
+      </p:sp>
+      <p:sp>
+        <p:nvSpPr>
+          <p:cNvPr id="22" name="文本框 21"/>
+          <p:cNvSpPr txBox="1"/>
+          <p:nvPr/>
+        </p:nvSpPr>
+        <p:spPr>
+          <a:xfrm>
+            <a:off x="1007111" y="1850681"/>
+            <a:ext cx="1571579" cy="584775"/>
+          </a:xfrm>
+          <a:prstGeom prst="rect">
+            <a:avLst/>
+          </a:prstGeom>
+          <a:noFill/>
+        </p:spPr>
+        <p:txBody>
+          <a:bodyPr wrap="square" rtlCol="0">
+            <a:spAutoFit/>
+          </a:bodyPr>
+          <a:lstStyle/>
+          <a:p>
+            <a:r>
+              <a:rPr lang="en-US" altLang="zh-CN" sz="3200" dirty="0" smtClean="0"/>
+              <a:t>gap=1</a:t>
+            </a:r>
+            <a:endParaRPr lang="zh-CN" altLang="en-US" sz="3200" dirty="0"/>
+          </a:p>
+        </p:txBody>
+      </p:sp>
+    </p:spTree>
+    <p:extLst>
+      <p:ext uri="{BB962C8B-B14F-4D97-AF65-F5344CB8AC3E}">
+        <p14:creationId xmlns:p14="http://schemas.microsoft.com/office/powerpoint/2010/main" val="1445965638"/>
+      </p:ext>
+    </p:extLst>
+  </p:cSld>
+  <p:clrMapOvr>
+    <a:masterClrMapping/>
+  </p:clrMapOvr>
+  <p:timing>
+    <p:tnLst>
+      <p:par>
+        <p:cTn id="1" dur="indefinite" restart="never" nodeType="tmRoot"/>
+      </p:par>
+    </p:tnLst>
+  </p:timing>
+</p:sld>
+</file>
+
 <file path=ppt/slides/slide2.xml><?xml version="1.0" encoding="utf-8"?>
 <p:sld xmlns:a="http://schemas.openxmlformats.org/drawingml/2006/main" xmlns:r="http://schemas.openxmlformats.org/officeDocument/2006/relationships" xmlns:p="http://schemas.openxmlformats.org/presentationml/2006/main">
   <p:cSld>
@@ -9285,6 +10232,6264 @@
 </p:sld>
 </file>
 
+<file path=ppt/slides/slide4.xml><?xml version="1.0" encoding="utf-8"?>
+<p:sld xmlns:a="http://schemas.openxmlformats.org/drawingml/2006/main" xmlns:r="http://schemas.openxmlformats.org/officeDocument/2006/relationships" xmlns:p="http://schemas.openxmlformats.org/presentationml/2006/main">
+  <p:cSld>
+    <p:spTree>
+      <p:nvGrpSpPr>
+        <p:cNvPr id="1" name=""/>
+        <p:cNvGrpSpPr/>
+        <p:nvPr/>
+      </p:nvGrpSpPr>
+      <p:grpSpPr>
+        <a:xfrm>
+          <a:off x="0" y="0"/>
+          <a:ext cx="0" cy="0"/>
+          <a:chOff x="0" y="0"/>
+          <a:chExt cx="0" cy="0"/>
+        </a:xfrm>
+      </p:grpSpPr>
+      <p:grpSp>
+        <p:nvGrpSpPr>
+          <p:cNvPr id="18" name="组合 17"/>
+          <p:cNvGrpSpPr/>
+          <p:nvPr/>
+        </p:nvGrpSpPr>
+        <p:grpSpPr>
+          <a:xfrm>
+            <a:off x="1132764" y="3029800"/>
+            <a:ext cx="8952936" cy="1119120"/>
+            <a:chOff x="1473958" y="2361060"/>
+            <a:chExt cx="8952936" cy="1119120"/>
+          </a:xfrm>
+          <a:solidFill>
+            <a:schemeClr val="tx1">
+              <a:lumMod val="85000"/>
+              <a:lumOff val="15000"/>
+            </a:schemeClr>
+          </a:solidFill>
+        </p:grpSpPr>
+        <p:sp>
+          <p:nvSpPr>
+            <p:cNvPr id="6" name="椭圆 5"/>
+            <p:cNvSpPr/>
+            <p:nvPr/>
+          </p:nvSpPr>
+          <p:spPr>
+            <a:xfrm>
+              <a:off x="1473958" y="2361063"/>
+              <a:ext cx="1119117" cy="1119117"/>
+            </a:xfrm>
+            <a:prstGeom prst="ellipse">
+              <a:avLst/>
+            </a:prstGeom>
+            <a:grpFill/>
+            <a:ln>
+              <a:noFill/>
+            </a:ln>
+          </p:spPr>
+          <p:style>
+            <a:lnRef idx="2">
+              <a:schemeClr val="accent1">
+                <a:shade val="50000"/>
+              </a:schemeClr>
+            </a:lnRef>
+            <a:fillRef idx="1">
+              <a:schemeClr val="accent1"/>
+            </a:fillRef>
+            <a:effectRef idx="0">
+              <a:schemeClr val="accent1"/>
+            </a:effectRef>
+            <a:fontRef idx="minor">
+              <a:schemeClr val="lt1"/>
+            </a:fontRef>
+          </p:style>
+          <p:txBody>
+            <a:bodyPr rtlCol="0" anchor="ctr"/>
+            <a:lstStyle/>
+            <a:p>
+              <a:pPr algn="ctr"/>
+              <a:r>
+                <a:rPr lang="en-US" altLang="zh-CN" sz="3200" dirty="0" smtClean="0"/>
+                <a:t>2</a:t>
+              </a:r>
+              <a:endParaRPr lang="zh-CN" altLang="en-US" sz="3200" dirty="0"/>
+            </a:p>
+          </p:txBody>
+        </p:sp>
+        <p:sp>
+          <p:nvSpPr>
+            <p:cNvPr id="10" name="椭圆 9"/>
+            <p:cNvSpPr/>
+            <p:nvPr/>
+          </p:nvSpPr>
+          <p:spPr>
+            <a:xfrm>
+              <a:off x="2593075" y="2361062"/>
+              <a:ext cx="1119117" cy="1119117"/>
+            </a:xfrm>
+            <a:prstGeom prst="ellipse">
+              <a:avLst/>
+            </a:prstGeom>
+            <a:grpFill/>
+            <a:ln>
+              <a:noFill/>
+            </a:ln>
+          </p:spPr>
+          <p:style>
+            <a:lnRef idx="2">
+              <a:schemeClr val="accent1">
+                <a:shade val="50000"/>
+              </a:schemeClr>
+            </a:lnRef>
+            <a:fillRef idx="1">
+              <a:schemeClr val="accent1"/>
+            </a:fillRef>
+            <a:effectRef idx="0">
+              <a:schemeClr val="accent1"/>
+            </a:effectRef>
+            <a:fontRef idx="minor">
+              <a:schemeClr val="lt1"/>
+            </a:fontRef>
+          </p:style>
+          <p:txBody>
+            <a:bodyPr rtlCol="0" anchor="ctr"/>
+            <a:lstStyle/>
+            <a:p>
+              <a:pPr algn="ctr"/>
+              <a:r>
+                <a:rPr lang="en-US" altLang="zh-CN" sz="3200" dirty="0" smtClean="0"/>
+                <a:t>1</a:t>
+              </a:r>
+              <a:endParaRPr lang="zh-CN" altLang="en-US" sz="3200" dirty="0"/>
+            </a:p>
+          </p:txBody>
+        </p:sp>
+        <p:sp>
+          <p:nvSpPr>
+            <p:cNvPr id="11" name="椭圆 10"/>
+            <p:cNvSpPr/>
+            <p:nvPr/>
+          </p:nvSpPr>
+          <p:spPr>
+            <a:xfrm>
+              <a:off x="3712192" y="2361062"/>
+              <a:ext cx="1119117" cy="1119117"/>
+            </a:xfrm>
+            <a:prstGeom prst="ellipse">
+              <a:avLst/>
+            </a:prstGeom>
+            <a:grpFill/>
+            <a:ln>
+              <a:noFill/>
+            </a:ln>
+          </p:spPr>
+          <p:style>
+            <a:lnRef idx="2">
+              <a:schemeClr val="accent1">
+                <a:shade val="50000"/>
+              </a:schemeClr>
+            </a:lnRef>
+            <a:fillRef idx="1">
+              <a:schemeClr val="accent1"/>
+            </a:fillRef>
+            <a:effectRef idx="0">
+              <a:schemeClr val="accent1"/>
+            </a:effectRef>
+            <a:fontRef idx="minor">
+              <a:schemeClr val="lt1"/>
+            </a:fontRef>
+          </p:style>
+          <p:txBody>
+            <a:bodyPr rtlCol="0" anchor="ctr"/>
+            <a:lstStyle/>
+            <a:p>
+              <a:pPr algn="ctr"/>
+              <a:r>
+                <a:rPr lang="en-US" altLang="zh-CN" sz="3200" dirty="0" smtClean="0"/>
+                <a:t>3</a:t>
+              </a:r>
+              <a:endParaRPr lang="zh-CN" altLang="en-US" sz="3200" dirty="0"/>
+            </a:p>
+          </p:txBody>
+        </p:sp>
+        <p:sp>
+          <p:nvSpPr>
+            <p:cNvPr id="12" name="椭圆 11"/>
+            <p:cNvSpPr/>
+            <p:nvPr/>
+          </p:nvSpPr>
+          <p:spPr>
+            <a:xfrm>
+              <a:off x="4831309" y="2361062"/>
+              <a:ext cx="1119117" cy="1119117"/>
+            </a:xfrm>
+            <a:prstGeom prst="ellipse">
+              <a:avLst/>
+            </a:prstGeom>
+            <a:grpFill/>
+            <a:ln>
+              <a:noFill/>
+            </a:ln>
+          </p:spPr>
+          <p:style>
+            <a:lnRef idx="2">
+              <a:schemeClr val="accent1">
+                <a:shade val="50000"/>
+              </a:schemeClr>
+            </a:lnRef>
+            <a:fillRef idx="1">
+              <a:schemeClr val="accent1"/>
+            </a:fillRef>
+            <a:effectRef idx="0">
+              <a:schemeClr val="accent1"/>
+            </a:effectRef>
+            <a:fontRef idx="minor">
+              <a:schemeClr val="lt1"/>
+            </a:fontRef>
+          </p:style>
+          <p:txBody>
+            <a:bodyPr rtlCol="0" anchor="ctr"/>
+            <a:lstStyle/>
+            <a:p>
+              <a:pPr algn="ctr"/>
+              <a:r>
+                <a:rPr lang="en-US" altLang="zh-CN" sz="3200" dirty="0" smtClean="0"/>
+                <a:t>6</a:t>
+              </a:r>
+              <a:endParaRPr lang="zh-CN" altLang="en-US" sz="3200" dirty="0"/>
+            </a:p>
+          </p:txBody>
+        </p:sp>
+        <p:sp>
+          <p:nvSpPr>
+            <p:cNvPr id="13" name="椭圆 12"/>
+            <p:cNvSpPr/>
+            <p:nvPr/>
+          </p:nvSpPr>
+          <p:spPr>
+            <a:xfrm>
+              <a:off x="5950426" y="2361061"/>
+              <a:ext cx="1119117" cy="1119117"/>
+            </a:xfrm>
+            <a:prstGeom prst="ellipse">
+              <a:avLst/>
+            </a:prstGeom>
+            <a:grpFill/>
+            <a:ln>
+              <a:noFill/>
+            </a:ln>
+          </p:spPr>
+          <p:style>
+            <a:lnRef idx="2">
+              <a:schemeClr val="accent1">
+                <a:shade val="50000"/>
+              </a:schemeClr>
+            </a:lnRef>
+            <a:fillRef idx="1">
+              <a:schemeClr val="accent1"/>
+            </a:fillRef>
+            <a:effectRef idx="0">
+              <a:schemeClr val="accent1"/>
+            </a:effectRef>
+            <a:fontRef idx="minor">
+              <a:schemeClr val="lt1"/>
+            </a:fontRef>
+          </p:style>
+          <p:txBody>
+            <a:bodyPr rtlCol="0" anchor="ctr"/>
+            <a:lstStyle/>
+            <a:p>
+              <a:pPr algn="ctr"/>
+              <a:r>
+                <a:rPr lang="en-US" altLang="zh-CN" sz="3200" dirty="0" smtClean="0"/>
+                <a:t>7</a:t>
+              </a:r>
+              <a:endParaRPr lang="zh-CN" altLang="en-US" sz="3200" dirty="0"/>
+            </a:p>
+          </p:txBody>
+        </p:sp>
+        <p:sp>
+          <p:nvSpPr>
+            <p:cNvPr id="14" name="椭圆 13"/>
+            <p:cNvSpPr/>
+            <p:nvPr/>
+          </p:nvSpPr>
+          <p:spPr>
+            <a:xfrm>
+              <a:off x="7069543" y="2361060"/>
+              <a:ext cx="1119117" cy="1119117"/>
+            </a:xfrm>
+            <a:prstGeom prst="ellipse">
+              <a:avLst/>
+            </a:prstGeom>
+            <a:grpFill/>
+            <a:ln>
+              <a:noFill/>
+            </a:ln>
+          </p:spPr>
+          <p:style>
+            <a:lnRef idx="2">
+              <a:schemeClr val="accent1">
+                <a:shade val="50000"/>
+              </a:schemeClr>
+            </a:lnRef>
+            <a:fillRef idx="1">
+              <a:schemeClr val="accent1"/>
+            </a:fillRef>
+            <a:effectRef idx="0">
+              <a:schemeClr val="accent1"/>
+            </a:effectRef>
+            <a:fontRef idx="minor">
+              <a:schemeClr val="lt1"/>
+            </a:fontRef>
+          </p:style>
+          <p:txBody>
+            <a:bodyPr rtlCol="0" anchor="ctr"/>
+            <a:lstStyle/>
+            <a:p>
+              <a:pPr algn="ctr"/>
+              <a:r>
+                <a:rPr lang="en-US" altLang="zh-CN" sz="3200" dirty="0" smtClean="0"/>
+                <a:t>5</a:t>
+              </a:r>
+              <a:endParaRPr lang="zh-CN" altLang="en-US" sz="3200" dirty="0"/>
+            </a:p>
+          </p:txBody>
+        </p:sp>
+        <p:sp>
+          <p:nvSpPr>
+            <p:cNvPr id="15" name="椭圆 14"/>
+            <p:cNvSpPr/>
+            <p:nvPr/>
+          </p:nvSpPr>
+          <p:spPr>
+            <a:xfrm>
+              <a:off x="8188660" y="2361060"/>
+              <a:ext cx="1119117" cy="1119117"/>
+            </a:xfrm>
+            <a:prstGeom prst="ellipse">
+              <a:avLst/>
+            </a:prstGeom>
+            <a:grpFill/>
+            <a:ln>
+              <a:noFill/>
+            </a:ln>
+          </p:spPr>
+          <p:style>
+            <a:lnRef idx="2">
+              <a:schemeClr val="accent1">
+                <a:shade val="50000"/>
+              </a:schemeClr>
+            </a:lnRef>
+            <a:fillRef idx="1">
+              <a:schemeClr val="accent1"/>
+            </a:fillRef>
+            <a:effectRef idx="0">
+              <a:schemeClr val="accent1"/>
+            </a:effectRef>
+            <a:fontRef idx="minor">
+              <a:schemeClr val="lt1"/>
+            </a:fontRef>
+          </p:style>
+          <p:txBody>
+            <a:bodyPr rtlCol="0" anchor="ctr"/>
+            <a:lstStyle/>
+            <a:p>
+              <a:pPr algn="ctr"/>
+              <a:r>
+                <a:rPr lang="en-US" altLang="zh-CN" sz="3200" dirty="0"/>
+                <a:t>0</a:t>
+              </a:r>
+              <a:endParaRPr lang="zh-CN" altLang="en-US" sz="3200" dirty="0"/>
+            </a:p>
+          </p:txBody>
+        </p:sp>
+        <p:sp>
+          <p:nvSpPr>
+            <p:cNvPr id="16" name="椭圆 15"/>
+            <p:cNvSpPr/>
+            <p:nvPr/>
+          </p:nvSpPr>
+          <p:spPr>
+            <a:xfrm>
+              <a:off x="9307777" y="2361060"/>
+              <a:ext cx="1119117" cy="1119117"/>
+            </a:xfrm>
+            <a:prstGeom prst="ellipse">
+              <a:avLst/>
+            </a:prstGeom>
+            <a:grpFill/>
+            <a:ln>
+              <a:noFill/>
+            </a:ln>
+          </p:spPr>
+          <p:style>
+            <a:lnRef idx="2">
+              <a:schemeClr val="accent1">
+                <a:shade val="50000"/>
+              </a:schemeClr>
+            </a:lnRef>
+            <a:fillRef idx="1">
+              <a:schemeClr val="accent1"/>
+            </a:fillRef>
+            <a:effectRef idx="0">
+              <a:schemeClr val="accent1"/>
+            </a:effectRef>
+            <a:fontRef idx="minor">
+              <a:schemeClr val="lt1"/>
+            </a:fontRef>
+          </p:style>
+          <p:txBody>
+            <a:bodyPr rtlCol="0" anchor="ctr"/>
+            <a:lstStyle/>
+            <a:p>
+              <a:pPr algn="ctr"/>
+              <a:r>
+                <a:rPr lang="en-US" altLang="zh-CN" sz="3200" dirty="0" smtClean="0"/>
+                <a:t>4</a:t>
+              </a:r>
+              <a:endParaRPr lang="zh-CN" altLang="en-US" sz="3200" dirty="0"/>
+            </a:p>
+          </p:txBody>
+        </p:sp>
+      </p:grpSp>
+      <p:grpSp>
+        <p:nvGrpSpPr>
+          <p:cNvPr id="81" name="组合 80"/>
+          <p:cNvGrpSpPr/>
+          <p:nvPr/>
+        </p:nvGrpSpPr>
+        <p:grpSpPr>
+          <a:xfrm>
+            <a:off x="1605038" y="2693434"/>
+            <a:ext cx="7970762" cy="398476"/>
+            <a:chOff x="1605038" y="2693434"/>
+            <a:chExt cx="8054073" cy="398476"/>
+          </a:xfrm>
+          <a:solidFill>
+            <a:schemeClr val="tx1">
+              <a:lumMod val="85000"/>
+              <a:lumOff val="15000"/>
+            </a:schemeClr>
+          </a:solidFill>
+        </p:grpSpPr>
+        <p:grpSp>
+          <p:nvGrpSpPr>
+            <p:cNvPr id="67" name="组合 66"/>
+            <p:cNvGrpSpPr/>
+            <p:nvPr/>
+          </p:nvGrpSpPr>
+          <p:grpSpPr>
+            <a:xfrm>
+              <a:off x="1605038" y="2693434"/>
+              <a:ext cx="8054073" cy="398476"/>
+              <a:chOff x="1605038" y="4033555"/>
+              <a:chExt cx="7484004" cy="444500"/>
+            </a:xfrm>
+            <a:grpFill/>
+          </p:grpSpPr>
+          <p:sp>
+            <p:nvSpPr>
+              <p:cNvPr id="68" name="下箭头标注 67"/>
+              <p:cNvSpPr/>
+              <p:nvPr/>
+            </p:nvSpPr>
+            <p:spPr>
+              <a:xfrm>
+                <a:off x="1649294" y="4033555"/>
+                <a:ext cx="7439748" cy="444500"/>
+              </a:xfrm>
+              <a:prstGeom prst="downArrowCallout">
+                <a:avLst>
+                  <a:gd name="adj1" fmla="val 0"/>
+                  <a:gd name="adj2" fmla="val 0"/>
+                  <a:gd name="adj3" fmla="val 25000"/>
+                  <a:gd name="adj4" fmla="val 21863"/>
+                </a:avLst>
+              </a:prstGeom>
+              <a:grpFill/>
+              <a:ln>
+                <a:noFill/>
+              </a:ln>
+            </p:spPr>
+            <p:style>
+              <a:lnRef idx="2">
+                <a:schemeClr val="accent1">
+                  <a:shade val="50000"/>
+                </a:schemeClr>
+              </a:lnRef>
+              <a:fillRef idx="1">
+                <a:schemeClr val="accent1"/>
+              </a:fillRef>
+              <a:effectRef idx="0">
+                <a:schemeClr val="accent1"/>
+              </a:effectRef>
+              <a:fontRef idx="minor">
+                <a:schemeClr val="lt1"/>
+              </a:fontRef>
+            </p:style>
+            <p:txBody>
+              <a:bodyPr rtlCol="0" anchor="ctr"/>
+              <a:lstStyle/>
+              <a:p>
+                <a:pPr algn="ctr"/>
+                <a:endParaRPr lang="zh-CN" altLang="en-US"/>
+              </a:p>
+            </p:txBody>
+          </p:sp>
+          <p:sp>
+            <p:nvSpPr>
+              <p:cNvPr id="70" name="下箭头 69"/>
+              <p:cNvSpPr/>
+              <p:nvPr/>
+            </p:nvSpPr>
+            <p:spPr>
+              <a:xfrm>
+                <a:off x="1605038" y="4110322"/>
+                <a:ext cx="174566" cy="298452"/>
+              </a:xfrm>
+              <a:prstGeom prst="downArrow">
+                <a:avLst/>
+              </a:prstGeom>
+              <a:grpFill/>
+              <a:ln>
+                <a:noFill/>
+              </a:ln>
+            </p:spPr>
+            <p:style>
+              <a:lnRef idx="2">
+                <a:schemeClr val="accent1">
+                  <a:shade val="50000"/>
+                </a:schemeClr>
+              </a:lnRef>
+              <a:fillRef idx="1">
+                <a:schemeClr val="accent1"/>
+              </a:fillRef>
+              <a:effectRef idx="0">
+                <a:schemeClr val="accent1"/>
+              </a:effectRef>
+              <a:fontRef idx="minor">
+                <a:schemeClr val="lt1"/>
+              </a:fontRef>
+            </p:style>
+            <p:txBody>
+              <a:bodyPr rtlCol="0" anchor="ctr"/>
+              <a:lstStyle/>
+              <a:p>
+                <a:pPr algn="ctr"/>
+                <a:endParaRPr lang="zh-CN" altLang="en-US"/>
+              </a:p>
+            </p:txBody>
+          </p:sp>
+        </p:grpSp>
+        <p:sp>
+          <p:nvSpPr>
+            <p:cNvPr id="76" name="下箭头 75"/>
+            <p:cNvSpPr/>
+            <p:nvPr/>
+          </p:nvSpPr>
+          <p:spPr>
+            <a:xfrm>
+              <a:off x="6148829" y="2758897"/>
+              <a:ext cx="187863" cy="267550"/>
+            </a:xfrm>
+            <a:prstGeom prst="downArrow">
+              <a:avLst/>
+            </a:prstGeom>
+            <a:grpFill/>
+            <a:ln>
+              <a:noFill/>
+            </a:ln>
+          </p:spPr>
+          <p:style>
+            <a:lnRef idx="2">
+              <a:schemeClr val="accent1">
+                <a:shade val="50000"/>
+              </a:schemeClr>
+            </a:lnRef>
+            <a:fillRef idx="1">
+              <a:schemeClr val="accent1"/>
+            </a:fillRef>
+            <a:effectRef idx="0">
+              <a:schemeClr val="accent1"/>
+            </a:effectRef>
+            <a:fontRef idx="minor">
+              <a:schemeClr val="lt1"/>
+            </a:fontRef>
+          </p:style>
+          <p:txBody>
+            <a:bodyPr rtlCol="0" anchor="ctr"/>
+            <a:lstStyle/>
+            <a:p>
+              <a:pPr algn="ctr"/>
+              <a:endParaRPr lang="zh-CN" altLang="en-US"/>
+            </a:p>
+          </p:txBody>
+        </p:sp>
+      </p:grpSp>
+      <p:sp>
+        <p:nvSpPr>
+          <p:cNvPr id="42" name="下箭头 41"/>
+          <p:cNvSpPr/>
+          <p:nvPr/>
+        </p:nvSpPr>
+        <p:spPr>
+          <a:xfrm>
+            <a:off x="7197225" y="2758897"/>
+            <a:ext cx="185920" cy="267550"/>
+          </a:xfrm>
+          <a:prstGeom prst="downArrow">
+            <a:avLst/>
+          </a:prstGeom>
+          <a:solidFill>
+            <a:schemeClr val="tx1">
+              <a:lumMod val="85000"/>
+              <a:lumOff val="15000"/>
+            </a:schemeClr>
+          </a:solidFill>
+          <a:ln>
+            <a:noFill/>
+          </a:ln>
+        </p:spPr>
+        <p:style>
+          <a:lnRef idx="2">
+            <a:schemeClr val="accent1">
+              <a:shade val="50000"/>
+            </a:schemeClr>
+          </a:lnRef>
+          <a:fillRef idx="1">
+            <a:schemeClr val="accent1"/>
+          </a:fillRef>
+          <a:effectRef idx="0">
+            <a:schemeClr val="accent1"/>
+          </a:effectRef>
+          <a:fontRef idx="minor">
+            <a:schemeClr val="lt1"/>
+          </a:fontRef>
+        </p:style>
+        <p:txBody>
+          <a:bodyPr rtlCol="0" anchor="ctr"/>
+          <a:lstStyle/>
+          <a:p>
+            <a:pPr algn="ctr"/>
+            <a:endParaRPr lang="zh-CN" altLang="en-US"/>
+          </a:p>
+        </p:txBody>
+      </p:sp>
+      <p:sp>
+        <p:nvSpPr>
+          <p:cNvPr id="43" name="下箭头 42"/>
+          <p:cNvSpPr/>
+          <p:nvPr/>
+        </p:nvSpPr>
+        <p:spPr>
+          <a:xfrm>
+            <a:off x="8323198" y="2758897"/>
+            <a:ext cx="185920" cy="267550"/>
+          </a:xfrm>
+          <a:prstGeom prst="downArrow">
+            <a:avLst/>
+          </a:prstGeom>
+          <a:solidFill>
+            <a:schemeClr val="tx1">
+              <a:lumMod val="85000"/>
+              <a:lumOff val="15000"/>
+            </a:schemeClr>
+          </a:solidFill>
+          <a:ln>
+            <a:noFill/>
+          </a:ln>
+        </p:spPr>
+        <p:style>
+          <a:lnRef idx="2">
+            <a:schemeClr val="accent1">
+              <a:shade val="50000"/>
+            </a:schemeClr>
+          </a:lnRef>
+          <a:fillRef idx="1">
+            <a:schemeClr val="accent1"/>
+          </a:fillRef>
+          <a:effectRef idx="0">
+            <a:schemeClr val="accent1"/>
+          </a:effectRef>
+          <a:fontRef idx="minor">
+            <a:schemeClr val="lt1"/>
+          </a:fontRef>
+        </p:style>
+        <p:txBody>
+          <a:bodyPr rtlCol="0" anchor="ctr"/>
+          <a:lstStyle/>
+          <a:p>
+            <a:pPr algn="ctr"/>
+            <a:endParaRPr lang="zh-CN" altLang="en-US"/>
+          </a:p>
+        </p:txBody>
+      </p:sp>
+      <p:sp>
+        <p:nvSpPr>
+          <p:cNvPr id="44" name="下箭头 43"/>
+          <p:cNvSpPr/>
+          <p:nvPr/>
+        </p:nvSpPr>
+        <p:spPr>
+          <a:xfrm>
+            <a:off x="9432954" y="2754161"/>
+            <a:ext cx="185920" cy="267550"/>
+          </a:xfrm>
+          <a:prstGeom prst="downArrow">
+            <a:avLst/>
+          </a:prstGeom>
+          <a:solidFill>
+            <a:schemeClr val="tx1">
+              <a:lumMod val="85000"/>
+              <a:lumOff val="15000"/>
+            </a:schemeClr>
+          </a:solidFill>
+          <a:ln>
+            <a:noFill/>
+          </a:ln>
+        </p:spPr>
+        <p:style>
+          <a:lnRef idx="2">
+            <a:schemeClr val="accent1">
+              <a:shade val="50000"/>
+            </a:schemeClr>
+          </a:lnRef>
+          <a:fillRef idx="1">
+            <a:schemeClr val="accent1"/>
+          </a:fillRef>
+          <a:effectRef idx="0">
+            <a:schemeClr val="accent1"/>
+          </a:effectRef>
+          <a:fontRef idx="minor">
+            <a:schemeClr val="lt1"/>
+          </a:fontRef>
+        </p:style>
+        <p:txBody>
+          <a:bodyPr rtlCol="0" anchor="ctr"/>
+          <a:lstStyle/>
+          <a:p>
+            <a:pPr algn="ctr"/>
+            <a:endParaRPr lang="zh-CN" altLang="en-US"/>
+          </a:p>
+        </p:txBody>
+      </p:sp>
+      <p:sp>
+        <p:nvSpPr>
+          <p:cNvPr id="45" name="下箭头 44"/>
+          <p:cNvSpPr/>
+          <p:nvPr/>
+        </p:nvSpPr>
+        <p:spPr>
+          <a:xfrm>
+            <a:off x="4956713" y="2748661"/>
+            <a:ext cx="185920" cy="267550"/>
+          </a:xfrm>
+          <a:prstGeom prst="downArrow">
+            <a:avLst/>
+          </a:prstGeom>
+          <a:solidFill>
+            <a:schemeClr val="tx1">
+              <a:lumMod val="85000"/>
+              <a:lumOff val="15000"/>
+            </a:schemeClr>
+          </a:solidFill>
+          <a:ln>
+            <a:noFill/>
+          </a:ln>
+        </p:spPr>
+        <p:style>
+          <a:lnRef idx="2">
+            <a:schemeClr val="accent1">
+              <a:shade val="50000"/>
+            </a:schemeClr>
+          </a:lnRef>
+          <a:fillRef idx="1">
+            <a:schemeClr val="accent1"/>
+          </a:fillRef>
+          <a:effectRef idx="0">
+            <a:schemeClr val="accent1"/>
+          </a:effectRef>
+          <a:fontRef idx="minor">
+            <a:schemeClr val="lt1"/>
+          </a:fontRef>
+        </p:style>
+        <p:txBody>
+          <a:bodyPr rtlCol="0" anchor="ctr"/>
+          <a:lstStyle/>
+          <a:p>
+            <a:pPr algn="ctr"/>
+            <a:endParaRPr lang="zh-CN" altLang="en-US"/>
+          </a:p>
+        </p:txBody>
+      </p:sp>
+      <p:sp>
+        <p:nvSpPr>
+          <p:cNvPr id="46" name="下箭头 45"/>
+          <p:cNvSpPr/>
+          <p:nvPr/>
+        </p:nvSpPr>
+        <p:spPr>
+          <a:xfrm>
+            <a:off x="3823990" y="2746353"/>
+            <a:ext cx="185920" cy="267550"/>
+          </a:xfrm>
+          <a:prstGeom prst="downArrow">
+            <a:avLst/>
+          </a:prstGeom>
+          <a:solidFill>
+            <a:schemeClr val="tx1">
+              <a:lumMod val="85000"/>
+              <a:lumOff val="15000"/>
+            </a:schemeClr>
+          </a:solidFill>
+          <a:ln>
+            <a:noFill/>
+          </a:ln>
+        </p:spPr>
+        <p:style>
+          <a:lnRef idx="2">
+            <a:schemeClr val="accent1">
+              <a:shade val="50000"/>
+            </a:schemeClr>
+          </a:lnRef>
+          <a:fillRef idx="1">
+            <a:schemeClr val="accent1"/>
+          </a:fillRef>
+          <a:effectRef idx="0">
+            <a:schemeClr val="accent1"/>
+          </a:effectRef>
+          <a:fontRef idx="minor">
+            <a:schemeClr val="lt1"/>
+          </a:fontRef>
+        </p:style>
+        <p:txBody>
+          <a:bodyPr rtlCol="0" anchor="ctr"/>
+          <a:lstStyle/>
+          <a:p>
+            <a:pPr algn="ctr"/>
+            <a:endParaRPr lang="zh-CN" altLang="en-US"/>
+          </a:p>
+        </p:txBody>
+      </p:sp>
+      <p:sp>
+        <p:nvSpPr>
+          <p:cNvPr id="47" name="下箭头 46"/>
+          <p:cNvSpPr/>
+          <p:nvPr/>
+        </p:nvSpPr>
+        <p:spPr>
+          <a:xfrm>
+            <a:off x="2698017" y="2746353"/>
+            <a:ext cx="185920" cy="267550"/>
+          </a:xfrm>
+          <a:prstGeom prst="downArrow">
+            <a:avLst/>
+          </a:prstGeom>
+          <a:solidFill>
+            <a:schemeClr val="tx1">
+              <a:lumMod val="85000"/>
+              <a:lumOff val="15000"/>
+            </a:schemeClr>
+          </a:solidFill>
+          <a:ln>
+            <a:noFill/>
+          </a:ln>
+        </p:spPr>
+        <p:style>
+          <a:lnRef idx="2">
+            <a:schemeClr val="accent1">
+              <a:shade val="50000"/>
+            </a:schemeClr>
+          </a:lnRef>
+          <a:fillRef idx="1">
+            <a:schemeClr val="accent1"/>
+          </a:fillRef>
+          <a:effectRef idx="0">
+            <a:schemeClr val="accent1"/>
+          </a:effectRef>
+          <a:fontRef idx="minor">
+            <a:schemeClr val="lt1"/>
+          </a:fontRef>
+        </p:style>
+        <p:txBody>
+          <a:bodyPr rtlCol="0" anchor="ctr"/>
+          <a:lstStyle/>
+          <a:p>
+            <a:pPr algn="ctr"/>
+            <a:endParaRPr lang="zh-CN" altLang="en-US"/>
+          </a:p>
+        </p:txBody>
+      </p:sp>
+    </p:spTree>
+    <p:extLst>
+      <p:ext uri="{BB962C8B-B14F-4D97-AF65-F5344CB8AC3E}">
+        <p14:creationId xmlns:p14="http://schemas.microsoft.com/office/powerpoint/2010/main" val="677583318"/>
+      </p:ext>
+    </p:extLst>
+  </p:cSld>
+  <p:clrMapOvr>
+    <a:masterClrMapping/>
+  </p:clrMapOvr>
+  <p:timing>
+    <p:tnLst>
+      <p:par>
+        <p:cTn id="1" dur="indefinite" restart="never" nodeType="tmRoot"/>
+      </p:par>
+    </p:tnLst>
+  </p:timing>
+</p:sld>
+</file>
+
+<file path=ppt/slides/slide5.xml><?xml version="1.0" encoding="utf-8"?>
+<p:sld xmlns:a="http://schemas.openxmlformats.org/drawingml/2006/main" xmlns:r="http://schemas.openxmlformats.org/officeDocument/2006/relationships" xmlns:p="http://schemas.openxmlformats.org/presentationml/2006/main">
+  <p:cSld>
+    <p:spTree>
+      <p:nvGrpSpPr>
+        <p:cNvPr id="1" name=""/>
+        <p:cNvGrpSpPr/>
+        <p:nvPr/>
+      </p:nvGrpSpPr>
+      <p:grpSpPr>
+        <a:xfrm>
+          <a:off x="0" y="0"/>
+          <a:ext cx="0" cy="0"/>
+          <a:chOff x="0" y="0"/>
+          <a:chExt cx="0" cy="0"/>
+        </a:xfrm>
+      </p:grpSpPr>
+      <p:grpSp>
+        <p:nvGrpSpPr>
+          <p:cNvPr id="18" name="组合 17"/>
+          <p:cNvGrpSpPr/>
+          <p:nvPr/>
+        </p:nvGrpSpPr>
+        <p:grpSpPr>
+          <a:xfrm>
+            <a:off x="1173708" y="3400947"/>
+            <a:ext cx="8952936" cy="1119120"/>
+            <a:chOff x="1473958" y="2361060"/>
+            <a:chExt cx="8952936" cy="1119120"/>
+          </a:xfrm>
+          <a:solidFill>
+            <a:schemeClr val="tx1">
+              <a:lumMod val="85000"/>
+              <a:lumOff val="15000"/>
+            </a:schemeClr>
+          </a:solidFill>
+        </p:grpSpPr>
+        <p:sp>
+          <p:nvSpPr>
+            <p:cNvPr id="6" name="椭圆 5"/>
+            <p:cNvSpPr/>
+            <p:nvPr/>
+          </p:nvSpPr>
+          <p:spPr>
+            <a:xfrm>
+              <a:off x="1473958" y="2361063"/>
+              <a:ext cx="1119117" cy="1119117"/>
+            </a:xfrm>
+            <a:prstGeom prst="ellipse">
+              <a:avLst/>
+            </a:prstGeom>
+            <a:solidFill>
+              <a:schemeClr val="accent1">
+                <a:lumMod val="75000"/>
+              </a:schemeClr>
+            </a:solidFill>
+            <a:ln>
+              <a:noFill/>
+            </a:ln>
+          </p:spPr>
+          <p:style>
+            <a:lnRef idx="2">
+              <a:schemeClr val="accent1">
+                <a:shade val="50000"/>
+              </a:schemeClr>
+            </a:lnRef>
+            <a:fillRef idx="1">
+              <a:schemeClr val="accent1"/>
+            </a:fillRef>
+            <a:effectRef idx="0">
+              <a:schemeClr val="accent1"/>
+            </a:effectRef>
+            <a:fontRef idx="minor">
+              <a:schemeClr val="lt1"/>
+            </a:fontRef>
+          </p:style>
+          <p:txBody>
+            <a:bodyPr rtlCol="0" anchor="ctr"/>
+            <a:lstStyle/>
+            <a:p>
+              <a:pPr algn="ctr"/>
+              <a:r>
+                <a:rPr lang="en-US" altLang="zh-CN" sz="3200" dirty="0" smtClean="0"/>
+                <a:t>2</a:t>
+              </a:r>
+              <a:endParaRPr lang="zh-CN" altLang="en-US" sz="3200" dirty="0"/>
+            </a:p>
+          </p:txBody>
+        </p:sp>
+        <p:sp>
+          <p:nvSpPr>
+            <p:cNvPr id="10" name="椭圆 9"/>
+            <p:cNvSpPr/>
+            <p:nvPr/>
+          </p:nvSpPr>
+          <p:spPr>
+            <a:xfrm>
+              <a:off x="2593075" y="2361062"/>
+              <a:ext cx="1119117" cy="1119117"/>
+            </a:xfrm>
+            <a:prstGeom prst="ellipse">
+              <a:avLst/>
+            </a:prstGeom>
+            <a:solidFill>
+              <a:srgbClr val="FF0000"/>
+            </a:solidFill>
+            <a:ln>
+              <a:noFill/>
+            </a:ln>
+          </p:spPr>
+          <p:style>
+            <a:lnRef idx="2">
+              <a:schemeClr val="accent1">
+                <a:shade val="50000"/>
+              </a:schemeClr>
+            </a:lnRef>
+            <a:fillRef idx="1">
+              <a:schemeClr val="accent1"/>
+            </a:fillRef>
+            <a:effectRef idx="0">
+              <a:schemeClr val="accent1"/>
+            </a:effectRef>
+            <a:fontRef idx="minor">
+              <a:schemeClr val="lt1"/>
+            </a:fontRef>
+          </p:style>
+          <p:txBody>
+            <a:bodyPr rtlCol="0" anchor="ctr"/>
+            <a:lstStyle/>
+            <a:p>
+              <a:pPr algn="ctr"/>
+              <a:r>
+                <a:rPr lang="en-US" altLang="zh-CN" sz="3200" dirty="0" smtClean="0"/>
+                <a:t>1</a:t>
+              </a:r>
+              <a:endParaRPr lang="zh-CN" altLang="en-US" sz="3200" dirty="0"/>
+            </a:p>
+          </p:txBody>
+        </p:sp>
+        <p:sp>
+          <p:nvSpPr>
+            <p:cNvPr id="11" name="椭圆 10"/>
+            <p:cNvSpPr/>
+            <p:nvPr/>
+          </p:nvSpPr>
+          <p:spPr>
+            <a:xfrm>
+              <a:off x="3712192" y="2361062"/>
+              <a:ext cx="1119117" cy="1119117"/>
+            </a:xfrm>
+            <a:prstGeom prst="ellipse">
+              <a:avLst/>
+            </a:prstGeom>
+            <a:solidFill>
+              <a:srgbClr val="00B050"/>
+            </a:solidFill>
+            <a:ln>
+              <a:noFill/>
+            </a:ln>
+          </p:spPr>
+          <p:style>
+            <a:lnRef idx="2">
+              <a:schemeClr val="accent1">
+                <a:shade val="50000"/>
+              </a:schemeClr>
+            </a:lnRef>
+            <a:fillRef idx="1">
+              <a:schemeClr val="accent1"/>
+            </a:fillRef>
+            <a:effectRef idx="0">
+              <a:schemeClr val="accent1"/>
+            </a:effectRef>
+            <a:fontRef idx="minor">
+              <a:schemeClr val="lt1"/>
+            </a:fontRef>
+          </p:style>
+          <p:txBody>
+            <a:bodyPr rtlCol="0" anchor="ctr"/>
+            <a:lstStyle/>
+            <a:p>
+              <a:pPr algn="ctr"/>
+              <a:r>
+                <a:rPr lang="en-US" altLang="zh-CN" sz="3200" dirty="0" smtClean="0"/>
+                <a:t>3</a:t>
+              </a:r>
+              <a:endParaRPr lang="zh-CN" altLang="en-US" sz="3200" dirty="0"/>
+            </a:p>
+          </p:txBody>
+        </p:sp>
+        <p:sp>
+          <p:nvSpPr>
+            <p:cNvPr id="12" name="椭圆 11"/>
+            <p:cNvSpPr/>
+            <p:nvPr/>
+          </p:nvSpPr>
+          <p:spPr>
+            <a:xfrm>
+              <a:off x="4831309" y="2361062"/>
+              <a:ext cx="1119117" cy="1119117"/>
+            </a:xfrm>
+            <a:prstGeom prst="ellipse">
+              <a:avLst/>
+            </a:prstGeom>
+            <a:solidFill>
+              <a:srgbClr val="00B0F0"/>
+            </a:solidFill>
+            <a:ln>
+              <a:noFill/>
+            </a:ln>
+          </p:spPr>
+          <p:style>
+            <a:lnRef idx="2">
+              <a:schemeClr val="accent1">
+                <a:shade val="50000"/>
+              </a:schemeClr>
+            </a:lnRef>
+            <a:fillRef idx="1">
+              <a:schemeClr val="accent1"/>
+            </a:fillRef>
+            <a:effectRef idx="0">
+              <a:schemeClr val="accent1"/>
+            </a:effectRef>
+            <a:fontRef idx="minor">
+              <a:schemeClr val="lt1"/>
+            </a:fontRef>
+          </p:style>
+          <p:txBody>
+            <a:bodyPr rtlCol="0" anchor="ctr"/>
+            <a:lstStyle/>
+            <a:p>
+              <a:pPr algn="ctr"/>
+              <a:r>
+                <a:rPr lang="en-US" altLang="zh-CN" sz="3200" dirty="0" smtClean="0"/>
+                <a:t>6</a:t>
+              </a:r>
+              <a:endParaRPr lang="zh-CN" altLang="en-US" sz="3200" dirty="0"/>
+            </a:p>
+          </p:txBody>
+        </p:sp>
+        <p:sp>
+          <p:nvSpPr>
+            <p:cNvPr id="13" name="椭圆 12"/>
+            <p:cNvSpPr/>
+            <p:nvPr/>
+          </p:nvSpPr>
+          <p:spPr>
+            <a:xfrm>
+              <a:off x="5950426" y="2361061"/>
+              <a:ext cx="1119117" cy="1119117"/>
+            </a:xfrm>
+            <a:prstGeom prst="ellipse">
+              <a:avLst/>
+            </a:prstGeom>
+            <a:solidFill>
+              <a:schemeClr val="accent1">
+                <a:lumMod val="75000"/>
+              </a:schemeClr>
+            </a:solidFill>
+            <a:ln>
+              <a:noFill/>
+            </a:ln>
+          </p:spPr>
+          <p:style>
+            <a:lnRef idx="2">
+              <a:schemeClr val="accent1">
+                <a:shade val="50000"/>
+              </a:schemeClr>
+            </a:lnRef>
+            <a:fillRef idx="1">
+              <a:schemeClr val="accent1"/>
+            </a:fillRef>
+            <a:effectRef idx="0">
+              <a:schemeClr val="accent1"/>
+            </a:effectRef>
+            <a:fontRef idx="minor">
+              <a:schemeClr val="lt1"/>
+            </a:fontRef>
+          </p:style>
+          <p:txBody>
+            <a:bodyPr rtlCol="0" anchor="ctr"/>
+            <a:lstStyle/>
+            <a:p>
+              <a:pPr algn="ctr"/>
+              <a:r>
+                <a:rPr lang="en-US" altLang="zh-CN" sz="3200" dirty="0" smtClean="0"/>
+                <a:t>7</a:t>
+              </a:r>
+              <a:endParaRPr lang="zh-CN" altLang="en-US" sz="3200" dirty="0"/>
+            </a:p>
+          </p:txBody>
+        </p:sp>
+        <p:sp>
+          <p:nvSpPr>
+            <p:cNvPr id="14" name="椭圆 13"/>
+            <p:cNvSpPr/>
+            <p:nvPr/>
+          </p:nvSpPr>
+          <p:spPr>
+            <a:xfrm>
+              <a:off x="7069543" y="2361060"/>
+              <a:ext cx="1119117" cy="1119117"/>
+            </a:xfrm>
+            <a:prstGeom prst="ellipse">
+              <a:avLst/>
+            </a:prstGeom>
+            <a:solidFill>
+              <a:srgbClr val="FF0000"/>
+            </a:solidFill>
+            <a:ln>
+              <a:noFill/>
+            </a:ln>
+          </p:spPr>
+          <p:style>
+            <a:lnRef idx="2">
+              <a:schemeClr val="accent1">
+                <a:shade val="50000"/>
+              </a:schemeClr>
+            </a:lnRef>
+            <a:fillRef idx="1">
+              <a:schemeClr val="accent1"/>
+            </a:fillRef>
+            <a:effectRef idx="0">
+              <a:schemeClr val="accent1"/>
+            </a:effectRef>
+            <a:fontRef idx="minor">
+              <a:schemeClr val="lt1"/>
+            </a:fontRef>
+          </p:style>
+          <p:txBody>
+            <a:bodyPr rtlCol="0" anchor="ctr"/>
+            <a:lstStyle/>
+            <a:p>
+              <a:pPr algn="ctr"/>
+              <a:r>
+                <a:rPr lang="en-US" altLang="zh-CN" sz="3200" dirty="0" smtClean="0"/>
+                <a:t>5</a:t>
+              </a:r>
+              <a:endParaRPr lang="zh-CN" altLang="en-US" sz="3200" dirty="0"/>
+            </a:p>
+          </p:txBody>
+        </p:sp>
+        <p:sp>
+          <p:nvSpPr>
+            <p:cNvPr id="15" name="椭圆 14"/>
+            <p:cNvSpPr/>
+            <p:nvPr/>
+          </p:nvSpPr>
+          <p:spPr>
+            <a:xfrm>
+              <a:off x="8188660" y="2361060"/>
+              <a:ext cx="1119117" cy="1119117"/>
+            </a:xfrm>
+            <a:prstGeom prst="ellipse">
+              <a:avLst/>
+            </a:prstGeom>
+            <a:solidFill>
+              <a:srgbClr val="00B050"/>
+            </a:solidFill>
+            <a:ln>
+              <a:noFill/>
+            </a:ln>
+          </p:spPr>
+          <p:style>
+            <a:lnRef idx="2">
+              <a:schemeClr val="accent1">
+                <a:shade val="50000"/>
+              </a:schemeClr>
+            </a:lnRef>
+            <a:fillRef idx="1">
+              <a:schemeClr val="accent1"/>
+            </a:fillRef>
+            <a:effectRef idx="0">
+              <a:schemeClr val="accent1"/>
+            </a:effectRef>
+            <a:fontRef idx="minor">
+              <a:schemeClr val="lt1"/>
+            </a:fontRef>
+          </p:style>
+          <p:txBody>
+            <a:bodyPr rtlCol="0" anchor="ctr"/>
+            <a:lstStyle/>
+            <a:p>
+              <a:pPr algn="ctr"/>
+              <a:r>
+                <a:rPr lang="en-US" altLang="zh-CN" sz="3200" dirty="0"/>
+                <a:t>0</a:t>
+              </a:r>
+              <a:endParaRPr lang="zh-CN" altLang="en-US" sz="3200" dirty="0"/>
+            </a:p>
+          </p:txBody>
+        </p:sp>
+        <p:sp>
+          <p:nvSpPr>
+            <p:cNvPr id="16" name="椭圆 15"/>
+            <p:cNvSpPr/>
+            <p:nvPr/>
+          </p:nvSpPr>
+          <p:spPr>
+            <a:xfrm>
+              <a:off x="9307777" y="2361060"/>
+              <a:ext cx="1119117" cy="1119117"/>
+            </a:xfrm>
+            <a:prstGeom prst="ellipse">
+              <a:avLst/>
+            </a:prstGeom>
+            <a:solidFill>
+              <a:srgbClr val="00B0F0"/>
+            </a:solidFill>
+            <a:ln>
+              <a:noFill/>
+            </a:ln>
+          </p:spPr>
+          <p:style>
+            <a:lnRef idx="2">
+              <a:schemeClr val="accent1">
+                <a:shade val="50000"/>
+              </a:schemeClr>
+            </a:lnRef>
+            <a:fillRef idx="1">
+              <a:schemeClr val="accent1"/>
+            </a:fillRef>
+            <a:effectRef idx="0">
+              <a:schemeClr val="accent1"/>
+            </a:effectRef>
+            <a:fontRef idx="minor">
+              <a:schemeClr val="lt1"/>
+            </a:fontRef>
+          </p:style>
+          <p:txBody>
+            <a:bodyPr rtlCol="0" anchor="ctr"/>
+            <a:lstStyle/>
+            <a:p>
+              <a:pPr algn="ctr"/>
+              <a:r>
+                <a:rPr lang="en-US" altLang="zh-CN" sz="3200" dirty="0" smtClean="0"/>
+                <a:t>4</a:t>
+              </a:r>
+              <a:endParaRPr lang="zh-CN" altLang="en-US" sz="3200" dirty="0"/>
+            </a:p>
+          </p:txBody>
+        </p:sp>
+      </p:grpSp>
+      <p:sp>
+        <p:nvSpPr>
+          <p:cNvPr id="31" name="文本框 30"/>
+          <p:cNvSpPr txBox="1"/>
+          <p:nvPr/>
+        </p:nvSpPr>
+        <p:spPr>
+          <a:xfrm>
+            <a:off x="1108290" y="1935108"/>
+            <a:ext cx="1571579" cy="584775"/>
+          </a:xfrm>
+          <a:prstGeom prst="rect">
+            <a:avLst/>
+          </a:prstGeom>
+          <a:noFill/>
+        </p:spPr>
+        <p:txBody>
+          <a:bodyPr wrap="square" rtlCol="0">
+            <a:spAutoFit/>
+          </a:bodyPr>
+          <a:lstStyle/>
+          <a:p>
+            <a:r>
+              <a:rPr lang="en-US" altLang="zh-CN" sz="3200" dirty="0" smtClean="0"/>
+              <a:t>gap=4</a:t>
+            </a:r>
+            <a:endParaRPr lang="zh-CN" altLang="en-US" sz="3200" dirty="0"/>
+          </a:p>
+        </p:txBody>
+      </p:sp>
+      <p:grpSp>
+        <p:nvGrpSpPr>
+          <p:cNvPr id="81" name="组合 80"/>
+          <p:cNvGrpSpPr/>
+          <p:nvPr/>
+        </p:nvGrpSpPr>
+        <p:grpSpPr>
+          <a:xfrm>
+            <a:off x="1645982" y="3064581"/>
+            <a:ext cx="4682710" cy="398476"/>
+            <a:chOff x="1605038" y="2693434"/>
+            <a:chExt cx="4731654" cy="398476"/>
+          </a:xfrm>
+        </p:grpSpPr>
+        <p:grpSp>
+          <p:nvGrpSpPr>
+            <p:cNvPr id="67" name="组合 66"/>
+            <p:cNvGrpSpPr/>
+            <p:nvPr/>
+          </p:nvGrpSpPr>
+          <p:grpSpPr>
+            <a:xfrm>
+              <a:off x="1605038" y="2693434"/>
+              <a:ext cx="4682272" cy="398476"/>
+              <a:chOff x="1605038" y="4033555"/>
+              <a:chExt cx="4350860" cy="444500"/>
+            </a:xfrm>
+            <a:solidFill>
+              <a:schemeClr val="accent1">
+                <a:lumMod val="75000"/>
+              </a:schemeClr>
+            </a:solidFill>
+          </p:grpSpPr>
+          <p:sp>
+            <p:nvSpPr>
+              <p:cNvPr id="68" name="下箭头标注 67"/>
+              <p:cNvSpPr/>
+              <p:nvPr/>
+            </p:nvSpPr>
+            <p:spPr>
+              <a:xfrm>
+                <a:off x="1649294" y="4033555"/>
+                <a:ext cx="4306604" cy="444500"/>
+              </a:xfrm>
+              <a:prstGeom prst="downArrowCallout">
+                <a:avLst>
+                  <a:gd name="adj1" fmla="val 0"/>
+                  <a:gd name="adj2" fmla="val 0"/>
+                  <a:gd name="adj3" fmla="val 25000"/>
+                  <a:gd name="adj4" fmla="val 21863"/>
+                </a:avLst>
+              </a:prstGeom>
+              <a:grpFill/>
+              <a:ln>
+                <a:noFill/>
+              </a:ln>
+            </p:spPr>
+            <p:style>
+              <a:lnRef idx="2">
+                <a:schemeClr val="accent1">
+                  <a:shade val="50000"/>
+                </a:schemeClr>
+              </a:lnRef>
+              <a:fillRef idx="1">
+                <a:schemeClr val="accent1"/>
+              </a:fillRef>
+              <a:effectRef idx="0">
+                <a:schemeClr val="accent1"/>
+              </a:effectRef>
+              <a:fontRef idx="minor">
+                <a:schemeClr val="lt1"/>
+              </a:fontRef>
+            </p:style>
+            <p:txBody>
+              <a:bodyPr rtlCol="0" anchor="ctr"/>
+              <a:lstStyle/>
+              <a:p>
+                <a:pPr algn="ctr"/>
+                <a:endParaRPr lang="zh-CN" altLang="en-US"/>
+              </a:p>
+            </p:txBody>
+          </p:sp>
+          <p:sp>
+            <p:nvSpPr>
+              <p:cNvPr id="70" name="下箭头 69"/>
+              <p:cNvSpPr/>
+              <p:nvPr/>
+            </p:nvSpPr>
+            <p:spPr>
+              <a:xfrm>
+                <a:off x="1605038" y="4110322"/>
+                <a:ext cx="174566" cy="298452"/>
+              </a:xfrm>
+              <a:prstGeom prst="downArrow">
+                <a:avLst/>
+              </a:prstGeom>
+              <a:grpFill/>
+              <a:ln>
+                <a:noFill/>
+              </a:ln>
+            </p:spPr>
+            <p:style>
+              <a:lnRef idx="2">
+                <a:schemeClr val="accent1">
+                  <a:shade val="50000"/>
+                </a:schemeClr>
+              </a:lnRef>
+              <a:fillRef idx="1">
+                <a:schemeClr val="accent1"/>
+              </a:fillRef>
+              <a:effectRef idx="0">
+                <a:schemeClr val="accent1"/>
+              </a:effectRef>
+              <a:fontRef idx="minor">
+                <a:schemeClr val="lt1"/>
+              </a:fontRef>
+            </p:style>
+            <p:txBody>
+              <a:bodyPr rtlCol="0" anchor="ctr"/>
+              <a:lstStyle/>
+              <a:p>
+                <a:pPr algn="ctr"/>
+                <a:endParaRPr lang="zh-CN" altLang="en-US"/>
+              </a:p>
+            </p:txBody>
+          </p:sp>
+        </p:grpSp>
+        <p:sp>
+          <p:nvSpPr>
+            <p:cNvPr id="76" name="下箭头 75"/>
+            <p:cNvSpPr/>
+            <p:nvPr/>
+          </p:nvSpPr>
+          <p:spPr>
+            <a:xfrm>
+              <a:off x="6148829" y="2758897"/>
+              <a:ext cx="187863" cy="267550"/>
+            </a:xfrm>
+            <a:prstGeom prst="downArrow">
+              <a:avLst/>
+            </a:prstGeom>
+            <a:solidFill>
+              <a:schemeClr val="accent1">
+                <a:lumMod val="75000"/>
+              </a:schemeClr>
+            </a:solidFill>
+            <a:ln>
+              <a:noFill/>
+            </a:ln>
+          </p:spPr>
+          <p:style>
+            <a:lnRef idx="2">
+              <a:schemeClr val="accent1">
+                <a:shade val="50000"/>
+              </a:schemeClr>
+            </a:lnRef>
+            <a:fillRef idx="1">
+              <a:schemeClr val="accent1"/>
+            </a:fillRef>
+            <a:effectRef idx="0">
+              <a:schemeClr val="accent1"/>
+            </a:effectRef>
+            <a:fontRef idx="minor">
+              <a:schemeClr val="lt1"/>
+            </a:fontRef>
+          </p:style>
+          <p:txBody>
+            <a:bodyPr rtlCol="0" anchor="ctr"/>
+            <a:lstStyle/>
+            <a:p>
+              <a:pPr algn="ctr"/>
+              <a:endParaRPr lang="zh-CN" altLang="en-US"/>
+            </a:p>
+          </p:txBody>
+        </p:sp>
+      </p:grpSp>
+      <p:grpSp>
+        <p:nvGrpSpPr>
+          <p:cNvPr id="26" name="组合 25"/>
+          <p:cNvGrpSpPr/>
+          <p:nvPr/>
+        </p:nvGrpSpPr>
+        <p:grpSpPr>
+          <a:xfrm>
+            <a:off x="2749262" y="2697160"/>
+            <a:ext cx="4682710" cy="700434"/>
+            <a:chOff x="1605038" y="2693435"/>
+            <a:chExt cx="4731654" cy="700434"/>
+          </a:xfrm>
+          <a:solidFill>
+            <a:srgbClr val="FF0000"/>
+          </a:solidFill>
+        </p:grpSpPr>
+        <p:grpSp>
+          <p:nvGrpSpPr>
+            <p:cNvPr id="27" name="组合 26"/>
+            <p:cNvGrpSpPr/>
+            <p:nvPr/>
+          </p:nvGrpSpPr>
+          <p:grpSpPr>
+            <a:xfrm>
+              <a:off x="1605038" y="2693435"/>
+              <a:ext cx="4682272" cy="700434"/>
+              <a:chOff x="1605038" y="4033555"/>
+              <a:chExt cx="4350860" cy="781334"/>
+            </a:xfrm>
+            <a:grpFill/>
+          </p:grpSpPr>
+          <p:sp>
+            <p:nvSpPr>
+              <p:cNvPr id="29" name="下箭头标注 28"/>
+              <p:cNvSpPr/>
+              <p:nvPr/>
+            </p:nvSpPr>
+            <p:spPr>
+              <a:xfrm>
+                <a:off x="1649294" y="4033555"/>
+                <a:ext cx="4306604" cy="444500"/>
+              </a:xfrm>
+              <a:prstGeom prst="downArrowCallout">
+                <a:avLst>
+                  <a:gd name="adj1" fmla="val 0"/>
+                  <a:gd name="adj2" fmla="val 0"/>
+                  <a:gd name="adj3" fmla="val 25000"/>
+                  <a:gd name="adj4" fmla="val 21863"/>
+                </a:avLst>
+              </a:prstGeom>
+              <a:grpFill/>
+              <a:ln>
+                <a:noFill/>
+              </a:ln>
+            </p:spPr>
+            <p:style>
+              <a:lnRef idx="2">
+                <a:schemeClr val="accent1">
+                  <a:shade val="50000"/>
+                </a:schemeClr>
+              </a:lnRef>
+              <a:fillRef idx="1">
+                <a:schemeClr val="accent1"/>
+              </a:fillRef>
+              <a:effectRef idx="0">
+                <a:schemeClr val="accent1"/>
+              </a:effectRef>
+              <a:fontRef idx="minor">
+                <a:schemeClr val="lt1"/>
+              </a:fontRef>
+            </p:style>
+            <p:txBody>
+              <a:bodyPr rtlCol="0" anchor="ctr"/>
+              <a:lstStyle/>
+              <a:p>
+                <a:pPr algn="ctr"/>
+                <a:endParaRPr lang="zh-CN" altLang="en-US"/>
+              </a:p>
+            </p:txBody>
+          </p:sp>
+          <p:sp>
+            <p:nvSpPr>
+              <p:cNvPr id="30" name="下箭头 29"/>
+              <p:cNvSpPr/>
+              <p:nvPr/>
+            </p:nvSpPr>
+            <p:spPr>
+              <a:xfrm>
+                <a:off x="1605038" y="4110320"/>
+                <a:ext cx="174566" cy="704569"/>
+              </a:xfrm>
+              <a:prstGeom prst="downArrow">
+                <a:avLst/>
+              </a:prstGeom>
+              <a:grpFill/>
+              <a:ln>
+                <a:noFill/>
+              </a:ln>
+            </p:spPr>
+            <p:style>
+              <a:lnRef idx="2">
+                <a:schemeClr val="accent1">
+                  <a:shade val="50000"/>
+                </a:schemeClr>
+              </a:lnRef>
+              <a:fillRef idx="1">
+                <a:schemeClr val="accent1"/>
+              </a:fillRef>
+              <a:effectRef idx="0">
+                <a:schemeClr val="accent1"/>
+              </a:effectRef>
+              <a:fontRef idx="minor">
+                <a:schemeClr val="lt1"/>
+              </a:fontRef>
+            </p:style>
+            <p:txBody>
+              <a:bodyPr rtlCol="0" anchor="ctr"/>
+              <a:lstStyle/>
+              <a:p>
+                <a:pPr algn="ctr"/>
+                <a:endParaRPr lang="zh-CN" altLang="en-US"/>
+              </a:p>
+            </p:txBody>
+          </p:sp>
+        </p:grpSp>
+        <p:sp>
+          <p:nvSpPr>
+            <p:cNvPr id="28" name="下箭头 27"/>
+            <p:cNvSpPr/>
+            <p:nvPr/>
+          </p:nvSpPr>
+          <p:spPr>
+            <a:xfrm>
+              <a:off x="6148829" y="2758897"/>
+              <a:ext cx="187863" cy="634972"/>
+            </a:xfrm>
+            <a:prstGeom prst="downArrow">
+              <a:avLst/>
+            </a:prstGeom>
+            <a:grpFill/>
+            <a:ln>
+              <a:noFill/>
+            </a:ln>
+          </p:spPr>
+          <p:style>
+            <a:lnRef idx="2">
+              <a:schemeClr val="accent1">
+                <a:shade val="50000"/>
+              </a:schemeClr>
+            </a:lnRef>
+            <a:fillRef idx="1">
+              <a:schemeClr val="accent1"/>
+            </a:fillRef>
+            <a:effectRef idx="0">
+              <a:schemeClr val="accent1"/>
+            </a:effectRef>
+            <a:fontRef idx="minor">
+              <a:schemeClr val="lt1"/>
+            </a:fontRef>
+          </p:style>
+          <p:txBody>
+            <a:bodyPr rtlCol="0" anchor="ctr"/>
+            <a:lstStyle/>
+            <a:p>
+              <a:pPr algn="ctr"/>
+              <a:endParaRPr lang="zh-CN" altLang="en-US"/>
+            </a:p>
+          </p:txBody>
+        </p:sp>
+      </p:grpSp>
+      <p:grpSp>
+        <p:nvGrpSpPr>
+          <p:cNvPr id="32" name="组合 31"/>
+          <p:cNvGrpSpPr/>
+          <p:nvPr/>
+        </p:nvGrpSpPr>
+        <p:grpSpPr>
+          <a:xfrm>
+            <a:off x="3765258" y="2281481"/>
+            <a:ext cx="4682710" cy="1116114"/>
+            <a:chOff x="1605038" y="2693435"/>
+            <a:chExt cx="4731654" cy="1116114"/>
+          </a:xfrm>
+          <a:solidFill>
+            <a:srgbClr val="00B050"/>
+          </a:solidFill>
+        </p:grpSpPr>
+        <p:grpSp>
+          <p:nvGrpSpPr>
+            <p:cNvPr id="33" name="组合 32"/>
+            <p:cNvGrpSpPr/>
+            <p:nvPr/>
+          </p:nvGrpSpPr>
+          <p:grpSpPr>
+            <a:xfrm>
+              <a:off x="1605038" y="2693435"/>
+              <a:ext cx="4682272" cy="1116114"/>
+              <a:chOff x="1605038" y="4033555"/>
+              <a:chExt cx="4350860" cy="1245025"/>
+            </a:xfrm>
+            <a:grpFill/>
+          </p:grpSpPr>
+          <p:sp>
+            <p:nvSpPr>
+              <p:cNvPr id="35" name="下箭头标注 34"/>
+              <p:cNvSpPr/>
+              <p:nvPr/>
+            </p:nvSpPr>
+            <p:spPr>
+              <a:xfrm>
+                <a:off x="1649294" y="4033555"/>
+                <a:ext cx="4306604" cy="444500"/>
+              </a:xfrm>
+              <a:prstGeom prst="downArrowCallout">
+                <a:avLst>
+                  <a:gd name="adj1" fmla="val 0"/>
+                  <a:gd name="adj2" fmla="val 0"/>
+                  <a:gd name="adj3" fmla="val 25000"/>
+                  <a:gd name="adj4" fmla="val 21863"/>
+                </a:avLst>
+              </a:prstGeom>
+              <a:grpFill/>
+              <a:ln>
+                <a:noFill/>
+              </a:ln>
+            </p:spPr>
+            <p:style>
+              <a:lnRef idx="2">
+                <a:schemeClr val="accent1">
+                  <a:shade val="50000"/>
+                </a:schemeClr>
+              </a:lnRef>
+              <a:fillRef idx="1">
+                <a:schemeClr val="accent1"/>
+              </a:fillRef>
+              <a:effectRef idx="0">
+                <a:schemeClr val="accent1"/>
+              </a:effectRef>
+              <a:fontRef idx="minor">
+                <a:schemeClr val="lt1"/>
+              </a:fontRef>
+            </p:style>
+            <p:txBody>
+              <a:bodyPr rtlCol="0" anchor="ctr"/>
+              <a:lstStyle/>
+              <a:p>
+                <a:pPr algn="ctr"/>
+                <a:endParaRPr lang="zh-CN" altLang="en-US"/>
+              </a:p>
+            </p:txBody>
+          </p:sp>
+          <p:sp>
+            <p:nvSpPr>
+              <p:cNvPr id="36" name="下箭头 35"/>
+              <p:cNvSpPr/>
+              <p:nvPr/>
+            </p:nvSpPr>
+            <p:spPr>
+              <a:xfrm>
+                <a:off x="1605038" y="4110321"/>
+                <a:ext cx="174566" cy="1168259"/>
+              </a:xfrm>
+              <a:prstGeom prst="downArrow">
+                <a:avLst/>
+              </a:prstGeom>
+              <a:grpFill/>
+              <a:ln>
+                <a:noFill/>
+              </a:ln>
+            </p:spPr>
+            <p:style>
+              <a:lnRef idx="2">
+                <a:schemeClr val="accent1">
+                  <a:shade val="50000"/>
+                </a:schemeClr>
+              </a:lnRef>
+              <a:fillRef idx="1">
+                <a:schemeClr val="accent1"/>
+              </a:fillRef>
+              <a:effectRef idx="0">
+                <a:schemeClr val="accent1"/>
+              </a:effectRef>
+              <a:fontRef idx="minor">
+                <a:schemeClr val="lt1"/>
+              </a:fontRef>
+            </p:style>
+            <p:txBody>
+              <a:bodyPr rtlCol="0" anchor="ctr"/>
+              <a:lstStyle/>
+              <a:p>
+                <a:pPr algn="ctr"/>
+                <a:endParaRPr lang="zh-CN" altLang="en-US"/>
+              </a:p>
+            </p:txBody>
+          </p:sp>
+        </p:grpSp>
+        <p:sp>
+          <p:nvSpPr>
+            <p:cNvPr id="34" name="下箭头 33"/>
+            <p:cNvSpPr/>
+            <p:nvPr/>
+          </p:nvSpPr>
+          <p:spPr>
+            <a:xfrm>
+              <a:off x="6148829" y="2758897"/>
+              <a:ext cx="187863" cy="1050650"/>
+            </a:xfrm>
+            <a:prstGeom prst="downArrow">
+              <a:avLst/>
+            </a:prstGeom>
+            <a:grpFill/>
+            <a:ln>
+              <a:noFill/>
+            </a:ln>
+          </p:spPr>
+          <p:style>
+            <a:lnRef idx="2">
+              <a:schemeClr val="accent1">
+                <a:shade val="50000"/>
+              </a:schemeClr>
+            </a:lnRef>
+            <a:fillRef idx="1">
+              <a:schemeClr val="accent1"/>
+            </a:fillRef>
+            <a:effectRef idx="0">
+              <a:schemeClr val="accent1"/>
+            </a:effectRef>
+            <a:fontRef idx="minor">
+              <a:schemeClr val="lt1"/>
+            </a:fontRef>
+          </p:style>
+          <p:txBody>
+            <a:bodyPr rtlCol="0" anchor="ctr"/>
+            <a:lstStyle/>
+            <a:p>
+              <a:pPr algn="ctr"/>
+              <a:endParaRPr lang="zh-CN" altLang="en-US"/>
+            </a:p>
+          </p:txBody>
+        </p:sp>
+      </p:grpSp>
+      <p:grpSp>
+        <p:nvGrpSpPr>
+          <p:cNvPr id="37" name="组合 36"/>
+          <p:cNvGrpSpPr/>
+          <p:nvPr/>
+        </p:nvGrpSpPr>
+        <p:grpSpPr>
+          <a:xfrm>
+            <a:off x="4904697" y="1931263"/>
+            <a:ext cx="4682710" cy="1466330"/>
+            <a:chOff x="1605038" y="2693434"/>
+            <a:chExt cx="4731654" cy="1466330"/>
+          </a:xfrm>
+          <a:solidFill>
+            <a:srgbClr val="00B0F0"/>
+          </a:solidFill>
+        </p:grpSpPr>
+        <p:grpSp>
+          <p:nvGrpSpPr>
+            <p:cNvPr id="38" name="组合 37"/>
+            <p:cNvGrpSpPr/>
+            <p:nvPr/>
+          </p:nvGrpSpPr>
+          <p:grpSpPr>
+            <a:xfrm>
+              <a:off x="1605038" y="2693434"/>
+              <a:ext cx="4682272" cy="1466330"/>
+              <a:chOff x="1605038" y="4033555"/>
+              <a:chExt cx="4350860" cy="1635691"/>
+            </a:xfrm>
+            <a:grpFill/>
+          </p:grpSpPr>
+          <p:sp>
+            <p:nvSpPr>
+              <p:cNvPr id="40" name="下箭头标注 39"/>
+              <p:cNvSpPr/>
+              <p:nvPr/>
+            </p:nvSpPr>
+            <p:spPr>
+              <a:xfrm>
+                <a:off x="1649294" y="4033555"/>
+                <a:ext cx="4306604" cy="444500"/>
+              </a:xfrm>
+              <a:prstGeom prst="downArrowCallout">
+                <a:avLst>
+                  <a:gd name="adj1" fmla="val 0"/>
+                  <a:gd name="adj2" fmla="val 0"/>
+                  <a:gd name="adj3" fmla="val 25000"/>
+                  <a:gd name="adj4" fmla="val 21863"/>
+                </a:avLst>
+              </a:prstGeom>
+              <a:grpFill/>
+              <a:ln>
+                <a:noFill/>
+              </a:ln>
+            </p:spPr>
+            <p:style>
+              <a:lnRef idx="2">
+                <a:schemeClr val="accent1">
+                  <a:shade val="50000"/>
+                </a:schemeClr>
+              </a:lnRef>
+              <a:fillRef idx="1">
+                <a:schemeClr val="accent1"/>
+              </a:fillRef>
+              <a:effectRef idx="0">
+                <a:schemeClr val="accent1"/>
+              </a:effectRef>
+              <a:fontRef idx="minor">
+                <a:schemeClr val="lt1"/>
+              </a:fontRef>
+            </p:style>
+            <p:txBody>
+              <a:bodyPr rtlCol="0" anchor="ctr"/>
+              <a:lstStyle/>
+              <a:p>
+                <a:pPr algn="ctr"/>
+                <a:endParaRPr lang="zh-CN" altLang="en-US"/>
+              </a:p>
+            </p:txBody>
+          </p:sp>
+          <p:sp>
+            <p:nvSpPr>
+              <p:cNvPr id="41" name="下箭头 40"/>
+              <p:cNvSpPr/>
+              <p:nvPr/>
+            </p:nvSpPr>
+            <p:spPr>
+              <a:xfrm>
+                <a:off x="1605038" y="4110320"/>
+                <a:ext cx="174566" cy="1558926"/>
+              </a:xfrm>
+              <a:prstGeom prst="downArrow">
+                <a:avLst/>
+              </a:prstGeom>
+              <a:grpFill/>
+              <a:ln>
+                <a:noFill/>
+              </a:ln>
+            </p:spPr>
+            <p:style>
+              <a:lnRef idx="2">
+                <a:schemeClr val="accent1">
+                  <a:shade val="50000"/>
+                </a:schemeClr>
+              </a:lnRef>
+              <a:fillRef idx="1">
+                <a:schemeClr val="accent1"/>
+              </a:fillRef>
+              <a:effectRef idx="0">
+                <a:schemeClr val="accent1"/>
+              </a:effectRef>
+              <a:fontRef idx="minor">
+                <a:schemeClr val="lt1"/>
+              </a:fontRef>
+            </p:style>
+            <p:txBody>
+              <a:bodyPr rtlCol="0" anchor="ctr"/>
+              <a:lstStyle/>
+              <a:p>
+                <a:pPr algn="ctr"/>
+                <a:endParaRPr lang="zh-CN" altLang="en-US"/>
+              </a:p>
+            </p:txBody>
+          </p:sp>
+        </p:grpSp>
+        <p:sp>
+          <p:nvSpPr>
+            <p:cNvPr id="39" name="下箭头 38"/>
+            <p:cNvSpPr/>
+            <p:nvPr/>
+          </p:nvSpPr>
+          <p:spPr>
+            <a:xfrm>
+              <a:off x="6148829" y="2758896"/>
+              <a:ext cx="187863" cy="1400867"/>
+            </a:xfrm>
+            <a:prstGeom prst="downArrow">
+              <a:avLst/>
+            </a:prstGeom>
+            <a:grpFill/>
+            <a:ln>
+              <a:noFill/>
+            </a:ln>
+          </p:spPr>
+          <p:style>
+            <a:lnRef idx="2">
+              <a:schemeClr val="accent1">
+                <a:shade val="50000"/>
+              </a:schemeClr>
+            </a:lnRef>
+            <a:fillRef idx="1">
+              <a:schemeClr val="accent1"/>
+            </a:fillRef>
+            <a:effectRef idx="0">
+              <a:schemeClr val="accent1"/>
+            </a:effectRef>
+            <a:fontRef idx="minor">
+              <a:schemeClr val="lt1"/>
+            </a:fontRef>
+          </p:style>
+          <p:txBody>
+            <a:bodyPr rtlCol="0" anchor="ctr"/>
+            <a:lstStyle/>
+            <a:p>
+              <a:pPr algn="ctr"/>
+              <a:endParaRPr lang="zh-CN" altLang="en-US"/>
+            </a:p>
+          </p:txBody>
+        </p:sp>
+      </p:grpSp>
+    </p:spTree>
+    <p:extLst>
+      <p:ext uri="{BB962C8B-B14F-4D97-AF65-F5344CB8AC3E}">
+        <p14:creationId xmlns:p14="http://schemas.microsoft.com/office/powerpoint/2010/main" val="263454354"/>
+      </p:ext>
+    </p:extLst>
+  </p:cSld>
+  <p:clrMapOvr>
+    <a:masterClrMapping/>
+  </p:clrMapOvr>
+  <p:timing>
+    <p:tnLst>
+      <p:par>
+        <p:cTn id="1" dur="indefinite" restart="never" nodeType="tmRoot"/>
+      </p:par>
+    </p:tnLst>
+  </p:timing>
+</p:sld>
+</file>
+
+<file path=ppt/slides/slide6.xml><?xml version="1.0" encoding="utf-8"?>
+<p:sld xmlns:a="http://schemas.openxmlformats.org/drawingml/2006/main" xmlns:r="http://schemas.openxmlformats.org/officeDocument/2006/relationships" xmlns:p="http://schemas.openxmlformats.org/presentationml/2006/main">
+  <p:cSld>
+    <p:spTree>
+      <p:nvGrpSpPr>
+        <p:cNvPr id="1" name=""/>
+        <p:cNvGrpSpPr/>
+        <p:nvPr/>
+      </p:nvGrpSpPr>
+      <p:grpSpPr>
+        <a:xfrm>
+          <a:off x="0" y="0"/>
+          <a:ext cx="0" cy="0"/>
+          <a:chOff x="0" y="0"/>
+          <a:chExt cx="0" cy="0"/>
+        </a:xfrm>
+      </p:grpSpPr>
+      <p:grpSp>
+        <p:nvGrpSpPr>
+          <p:cNvPr id="18" name="组合 17"/>
+          <p:cNvGrpSpPr/>
+          <p:nvPr/>
+        </p:nvGrpSpPr>
+        <p:grpSpPr>
+          <a:xfrm>
+            <a:off x="1173708" y="3400947"/>
+            <a:ext cx="8952936" cy="1119120"/>
+            <a:chOff x="1473958" y="2361060"/>
+            <a:chExt cx="8952936" cy="1119120"/>
+          </a:xfrm>
+          <a:solidFill>
+            <a:schemeClr val="tx1">
+              <a:lumMod val="85000"/>
+              <a:lumOff val="15000"/>
+            </a:schemeClr>
+          </a:solidFill>
+        </p:grpSpPr>
+        <p:sp>
+          <p:nvSpPr>
+            <p:cNvPr id="6" name="椭圆 5"/>
+            <p:cNvSpPr/>
+            <p:nvPr/>
+          </p:nvSpPr>
+          <p:spPr>
+            <a:xfrm>
+              <a:off x="1473958" y="2361063"/>
+              <a:ext cx="1119117" cy="1119117"/>
+            </a:xfrm>
+            <a:prstGeom prst="ellipse">
+              <a:avLst/>
+            </a:prstGeom>
+            <a:solidFill>
+              <a:schemeClr val="accent1">
+                <a:lumMod val="75000"/>
+              </a:schemeClr>
+            </a:solidFill>
+            <a:ln>
+              <a:noFill/>
+            </a:ln>
+          </p:spPr>
+          <p:style>
+            <a:lnRef idx="2">
+              <a:schemeClr val="accent1">
+                <a:shade val="50000"/>
+              </a:schemeClr>
+            </a:lnRef>
+            <a:fillRef idx="1">
+              <a:schemeClr val="accent1"/>
+            </a:fillRef>
+            <a:effectRef idx="0">
+              <a:schemeClr val="accent1"/>
+            </a:effectRef>
+            <a:fontRef idx="minor">
+              <a:schemeClr val="lt1"/>
+            </a:fontRef>
+          </p:style>
+          <p:txBody>
+            <a:bodyPr rtlCol="0" anchor="ctr"/>
+            <a:lstStyle/>
+            <a:p>
+              <a:pPr algn="ctr"/>
+              <a:r>
+                <a:rPr lang="en-US" altLang="zh-CN" sz="3200" dirty="0" smtClean="0"/>
+                <a:t>2</a:t>
+              </a:r>
+              <a:endParaRPr lang="zh-CN" altLang="en-US" sz="3200" dirty="0"/>
+            </a:p>
+          </p:txBody>
+        </p:sp>
+        <p:sp>
+          <p:nvSpPr>
+            <p:cNvPr id="10" name="椭圆 9"/>
+            <p:cNvSpPr/>
+            <p:nvPr/>
+          </p:nvSpPr>
+          <p:spPr>
+            <a:xfrm>
+              <a:off x="2593075" y="2361062"/>
+              <a:ext cx="1119117" cy="1119117"/>
+            </a:xfrm>
+            <a:prstGeom prst="ellipse">
+              <a:avLst/>
+            </a:prstGeom>
+            <a:solidFill>
+              <a:srgbClr val="FF0000"/>
+            </a:solidFill>
+            <a:ln>
+              <a:noFill/>
+            </a:ln>
+          </p:spPr>
+          <p:style>
+            <a:lnRef idx="2">
+              <a:schemeClr val="accent1">
+                <a:shade val="50000"/>
+              </a:schemeClr>
+            </a:lnRef>
+            <a:fillRef idx="1">
+              <a:schemeClr val="accent1"/>
+            </a:fillRef>
+            <a:effectRef idx="0">
+              <a:schemeClr val="accent1"/>
+            </a:effectRef>
+            <a:fontRef idx="minor">
+              <a:schemeClr val="lt1"/>
+            </a:fontRef>
+          </p:style>
+          <p:txBody>
+            <a:bodyPr rtlCol="0" anchor="ctr"/>
+            <a:lstStyle/>
+            <a:p>
+              <a:pPr algn="ctr"/>
+              <a:r>
+                <a:rPr lang="en-US" altLang="zh-CN" sz="3200" dirty="0" smtClean="0"/>
+                <a:t>1</a:t>
+              </a:r>
+              <a:endParaRPr lang="zh-CN" altLang="en-US" sz="3200" dirty="0"/>
+            </a:p>
+          </p:txBody>
+        </p:sp>
+        <p:sp>
+          <p:nvSpPr>
+            <p:cNvPr id="11" name="椭圆 10"/>
+            <p:cNvSpPr/>
+            <p:nvPr/>
+          </p:nvSpPr>
+          <p:spPr>
+            <a:xfrm>
+              <a:off x="3712192" y="2361062"/>
+              <a:ext cx="1119117" cy="1119117"/>
+            </a:xfrm>
+            <a:prstGeom prst="ellipse">
+              <a:avLst/>
+            </a:prstGeom>
+            <a:solidFill>
+              <a:srgbClr val="00B050"/>
+            </a:solidFill>
+            <a:ln>
+              <a:noFill/>
+            </a:ln>
+          </p:spPr>
+          <p:style>
+            <a:lnRef idx="2">
+              <a:schemeClr val="accent1">
+                <a:shade val="50000"/>
+              </a:schemeClr>
+            </a:lnRef>
+            <a:fillRef idx="1">
+              <a:schemeClr val="accent1"/>
+            </a:fillRef>
+            <a:effectRef idx="0">
+              <a:schemeClr val="accent1"/>
+            </a:effectRef>
+            <a:fontRef idx="minor">
+              <a:schemeClr val="lt1"/>
+            </a:fontRef>
+          </p:style>
+          <p:txBody>
+            <a:bodyPr rtlCol="0" anchor="ctr"/>
+            <a:lstStyle/>
+            <a:p>
+              <a:pPr algn="ctr"/>
+              <a:r>
+                <a:rPr lang="en-US" altLang="zh-CN" sz="3200" dirty="0"/>
+                <a:t>0</a:t>
+              </a:r>
+              <a:endParaRPr lang="zh-CN" altLang="en-US" sz="3200" dirty="0"/>
+            </a:p>
+          </p:txBody>
+        </p:sp>
+        <p:sp>
+          <p:nvSpPr>
+            <p:cNvPr id="12" name="椭圆 11"/>
+            <p:cNvSpPr/>
+            <p:nvPr/>
+          </p:nvSpPr>
+          <p:spPr>
+            <a:xfrm>
+              <a:off x="4831309" y="2361062"/>
+              <a:ext cx="1119117" cy="1119117"/>
+            </a:xfrm>
+            <a:prstGeom prst="ellipse">
+              <a:avLst/>
+            </a:prstGeom>
+            <a:solidFill>
+              <a:srgbClr val="00B0F0"/>
+            </a:solidFill>
+            <a:ln>
+              <a:noFill/>
+            </a:ln>
+          </p:spPr>
+          <p:style>
+            <a:lnRef idx="2">
+              <a:schemeClr val="accent1">
+                <a:shade val="50000"/>
+              </a:schemeClr>
+            </a:lnRef>
+            <a:fillRef idx="1">
+              <a:schemeClr val="accent1"/>
+            </a:fillRef>
+            <a:effectRef idx="0">
+              <a:schemeClr val="accent1"/>
+            </a:effectRef>
+            <a:fontRef idx="minor">
+              <a:schemeClr val="lt1"/>
+            </a:fontRef>
+          </p:style>
+          <p:txBody>
+            <a:bodyPr rtlCol="0" anchor="ctr"/>
+            <a:lstStyle/>
+            <a:p>
+              <a:pPr algn="ctr"/>
+              <a:r>
+                <a:rPr lang="en-US" altLang="zh-CN" sz="3200" dirty="0"/>
+                <a:t>4</a:t>
+              </a:r>
+              <a:endParaRPr lang="zh-CN" altLang="en-US" sz="3200" dirty="0"/>
+            </a:p>
+          </p:txBody>
+        </p:sp>
+        <p:sp>
+          <p:nvSpPr>
+            <p:cNvPr id="13" name="椭圆 12"/>
+            <p:cNvSpPr/>
+            <p:nvPr/>
+          </p:nvSpPr>
+          <p:spPr>
+            <a:xfrm>
+              <a:off x="5950426" y="2361061"/>
+              <a:ext cx="1119117" cy="1119117"/>
+            </a:xfrm>
+            <a:prstGeom prst="ellipse">
+              <a:avLst/>
+            </a:prstGeom>
+            <a:solidFill>
+              <a:schemeClr val="accent1">
+                <a:lumMod val="75000"/>
+              </a:schemeClr>
+            </a:solidFill>
+            <a:ln>
+              <a:noFill/>
+            </a:ln>
+          </p:spPr>
+          <p:style>
+            <a:lnRef idx="2">
+              <a:schemeClr val="accent1">
+                <a:shade val="50000"/>
+              </a:schemeClr>
+            </a:lnRef>
+            <a:fillRef idx="1">
+              <a:schemeClr val="accent1"/>
+            </a:fillRef>
+            <a:effectRef idx="0">
+              <a:schemeClr val="accent1"/>
+            </a:effectRef>
+            <a:fontRef idx="minor">
+              <a:schemeClr val="lt1"/>
+            </a:fontRef>
+          </p:style>
+          <p:txBody>
+            <a:bodyPr rtlCol="0" anchor="ctr"/>
+            <a:lstStyle/>
+            <a:p>
+              <a:pPr algn="ctr"/>
+              <a:r>
+                <a:rPr lang="en-US" altLang="zh-CN" sz="3200" dirty="0" smtClean="0"/>
+                <a:t>7</a:t>
+              </a:r>
+              <a:endParaRPr lang="zh-CN" altLang="en-US" sz="3200" dirty="0"/>
+            </a:p>
+          </p:txBody>
+        </p:sp>
+        <p:sp>
+          <p:nvSpPr>
+            <p:cNvPr id="14" name="椭圆 13"/>
+            <p:cNvSpPr/>
+            <p:nvPr/>
+          </p:nvSpPr>
+          <p:spPr>
+            <a:xfrm>
+              <a:off x="7069543" y="2361060"/>
+              <a:ext cx="1119117" cy="1119117"/>
+            </a:xfrm>
+            <a:prstGeom prst="ellipse">
+              <a:avLst/>
+            </a:prstGeom>
+            <a:solidFill>
+              <a:srgbClr val="FF0000"/>
+            </a:solidFill>
+            <a:ln>
+              <a:noFill/>
+            </a:ln>
+          </p:spPr>
+          <p:style>
+            <a:lnRef idx="2">
+              <a:schemeClr val="accent1">
+                <a:shade val="50000"/>
+              </a:schemeClr>
+            </a:lnRef>
+            <a:fillRef idx="1">
+              <a:schemeClr val="accent1"/>
+            </a:fillRef>
+            <a:effectRef idx="0">
+              <a:schemeClr val="accent1"/>
+            </a:effectRef>
+            <a:fontRef idx="minor">
+              <a:schemeClr val="lt1"/>
+            </a:fontRef>
+          </p:style>
+          <p:txBody>
+            <a:bodyPr rtlCol="0" anchor="ctr"/>
+            <a:lstStyle/>
+            <a:p>
+              <a:pPr algn="ctr"/>
+              <a:r>
+                <a:rPr lang="en-US" altLang="zh-CN" sz="3200" dirty="0" smtClean="0"/>
+                <a:t>5</a:t>
+              </a:r>
+              <a:endParaRPr lang="zh-CN" altLang="en-US" sz="3200" dirty="0"/>
+            </a:p>
+          </p:txBody>
+        </p:sp>
+        <p:sp>
+          <p:nvSpPr>
+            <p:cNvPr id="15" name="椭圆 14"/>
+            <p:cNvSpPr/>
+            <p:nvPr/>
+          </p:nvSpPr>
+          <p:spPr>
+            <a:xfrm>
+              <a:off x="8188660" y="2361060"/>
+              <a:ext cx="1119117" cy="1119117"/>
+            </a:xfrm>
+            <a:prstGeom prst="ellipse">
+              <a:avLst/>
+            </a:prstGeom>
+            <a:solidFill>
+              <a:srgbClr val="00B050"/>
+            </a:solidFill>
+            <a:ln>
+              <a:noFill/>
+            </a:ln>
+          </p:spPr>
+          <p:style>
+            <a:lnRef idx="2">
+              <a:schemeClr val="accent1">
+                <a:shade val="50000"/>
+              </a:schemeClr>
+            </a:lnRef>
+            <a:fillRef idx="1">
+              <a:schemeClr val="accent1"/>
+            </a:fillRef>
+            <a:effectRef idx="0">
+              <a:schemeClr val="accent1"/>
+            </a:effectRef>
+            <a:fontRef idx="minor">
+              <a:schemeClr val="lt1"/>
+            </a:fontRef>
+          </p:style>
+          <p:txBody>
+            <a:bodyPr rtlCol="0" anchor="ctr"/>
+            <a:lstStyle/>
+            <a:p>
+              <a:pPr algn="ctr"/>
+              <a:r>
+                <a:rPr lang="en-US" altLang="zh-CN" sz="3200" dirty="0" smtClean="0"/>
+                <a:t>3</a:t>
+              </a:r>
+              <a:endParaRPr lang="zh-CN" altLang="en-US" sz="3200" dirty="0"/>
+            </a:p>
+          </p:txBody>
+        </p:sp>
+        <p:sp>
+          <p:nvSpPr>
+            <p:cNvPr id="16" name="椭圆 15"/>
+            <p:cNvSpPr/>
+            <p:nvPr/>
+          </p:nvSpPr>
+          <p:spPr>
+            <a:xfrm>
+              <a:off x="9307777" y="2361060"/>
+              <a:ext cx="1119117" cy="1119117"/>
+            </a:xfrm>
+            <a:prstGeom prst="ellipse">
+              <a:avLst/>
+            </a:prstGeom>
+            <a:solidFill>
+              <a:srgbClr val="00B0F0"/>
+            </a:solidFill>
+            <a:ln>
+              <a:noFill/>
+            </a:ln>
+          </p:spPr>
+          <p:style>
+            <a:lnRef idx="2">
+              <a:schemeClr val="accent1">
+                <a:shade val="50000"/>
+              </a:schemeClr>
+            </a:lnRef>
+            <a:fillRef idx="1">
+              <a:schemeClr val="accent1"/>
+            </a:fillRef>
+            <a:effectRef idx="0">
+              <a:schemeClr val="accent1"/>
+            </a:effectRef>
+            <a:fontRef idx="minor">
+              <a:schemeClr val="lt1"/>
+            </a:fontRef>
+          </p:style>
+          <p:txBody>
+            <a:bodyPr rtlCol="0" anchor="ctr"/>
+            <a:lstStyle/>
+            <a:p>
+              <a:pPr algn="ctr"/>
+              <a:r>
+                <a:rPr lang="en-US" altLang="zh-CN" sz="3200" dirty="0"/>
+                <a:t>6</a:t>
+              </a:r>
+              <a:endParaRPr lang="zh-CN" altLang="en-US" sz="3200" dirty="0"/>
+            </a:p>
+          </p:txBody>
+        </p:sp>
+      </p:grpSp>
+      <p:sp>
+        <p:nvSpPr>
+          <p:cNvPr id="31" name="文本框 30"/>
+          <p:cNvSpPr txBox="1"/>
+          <p:nvPr/>
+        </p:nvSpPr>
+        <p:spPr>
+          <a:xfrm>
+            <a:off x="1108290" y="1935108"/>
+            <a:ext cx="1571579" cy="584775"/>
+          </a:xfrm>
+          <a:prstGeom prst="rect">
+            <a:avLst/>
+          </a:prstGeom>
+          <a:noFill/>
+        </p:spPr>
+        <p:txBody>
+          <a:bodyPr wrap="square" rtlCol="0">
+            <a:spAutoFit/>
+          </a:bodyPr>
+          <a:lstStyle/>
+          <a:p>
+            <a:r>
+              <a:rPr lang="en-US" altLang="zh-CN" sz="3200" dirty="0" smtClean="0"/>
+              <a:t>gap=4</a:t>
+            </a:r>
+            <a:endParaRPr lang="zh-CN" altLang="en-US" sz="3200" dirty="0"/>
+          </a:p>
+        </p:txBody>
+      </p:sp>
+      <p:grpSp>
+        <p:nvGrpSpPr>
+          <p:cNvPr id="81" name="组合 80"/>
+          <p:cNvGrpSpPr/>
+          <p:nvPr/>
+        </p:nvGrpSpPr>
+        <p:grpSpPr>
+          <a:xfrm>
+            <a:off x="1645982" y="3064581"/>
+            <a:ext cx="4682710" cy="398476"/>
+            <a:chOff x="1605038" y="2693434"/>
+            <a:chExt cx="4731654" cy="398476"/>
+          </a:xfrm>
+        </p:grpSpPr>
+        <p:grpSp>
+          <p:nvGrpSpPr>
+            <p:cNvPr id="67" name="组合 66"/>
+            <p:cNvGrpSpPr/>
+            <p:nvPr/>
+          </p:nvGrpSpPr>
+          <p:grpSpPr>
+            <a:xfrm>
+              <a:off x="1605038" y="2693434"/>
+              <a:ext cx="4682272" cy="398476"/>
+              <a:chOff x="1605038" y="4033555"/>
+              <a:chExt cx="4350860" cy="444500"/>
+            </a:xfrm>
+            <a:solidFill>
+              <a:schemeClr val="accent1">
+                <a:lumMod val="75000"/>
+              </a:schemeClr>
+            </a:solidFill>
+          </p:grpSpPr>
+          <p:sp>
+            <p:nvSpPr>
+              <p:cNvPr id="68" name="下箭头标注 67"/>
+              <p:cNvSpPr/>
+              <p:nvPr/>
+            </p:nvSpPr>
+            <p:spPr>
+              <a:xfrm>
+                <a:off x="1649294" y="4033555"/>
+                <a:ext cx="4306604" cy="444500"/>
+              </a:xfrm>
+              <a:prstGeom prst="downArrowCallout">
+                <a:avLst>
+                  <a:gd name="adj1" fmla="val 0"/>
+                  <a:gd name="adj2" fmla="val 0"/>
+                  <a:gd name="adj3" fmla="val 25000"/>
+                  <a:gd name="adj4" fmla="val 21863"/>
+                </a:avLst>
+              </a:prstGeom>
+              <a:grpFill/>
+              <a:ln>
+                <a:noFill/>
+              </a:ln>
+            </p:spPr>
+            <p:style>
+              <a:lnRef idx="2">
+                <a:schemeClr val="accent1">
+                  <a:shade val="50000"/>
+                </a:schemeClr>
+              </a:lnRef>
+              <a:fillRef idx="1">
+                <a:schemeClr val="accent1"/>
+              </a:fillRef>
+              <a:effectRef idx="0">
+                <a:schemeClr val="accent1"/>
+              </a:effectRef>
+              <a:fontRef idx="minor">
+                <a:schemeClr val="lt1"/>
+              </a:fontRef>
+            </p:style>
+            <p:txBody>
+              <a:bodyPr rtlCol="0" anchor="ctr"/>
+              <a:lstStyle/>
+              <a:p>
+                <a:pPr algn="ctr"/>
+                <a:endParaRPr lang="zh-CN" altLang="en-US"/>
+              </a:p>
+            </p:txBody>
+          </p:sp>
+          <p:sp>
+            <p:nvSpPr>
+              <p:cNvPr id="70" name="下箭头 69"/>
+              <p:cNvSpPr/>
+              <p:nvPr/>
+            </p:nvSpPr>
+            <p:spPr>
+              <a:xfrm>
+                <a:off x="1605038" y="4110322"/>
+                <a:ext cx="174566" cy="298452"/>
+              </a:xfrm>
+              <a:prstGeom prst="downArrow">
+                <a:avLst/>
+              </a:prstGeom>
+              <a:grpFill/>
+              <a:ln>
+                <a:noFill/>
+              </a:ln>
+            </p:spPr>
+            <p:style>
+              <a:lnRef idx="2">
+                <a:schemeClr val="accent1">
+                  <a:shade val="50000"/>
+                </a:schemeClr>
+              </a:lnRef>
+              <a:fillRef idx="1">
+                <a:schemeClr val="accent1"/>
+              </a:fillRef>
+              <a:effectRef idx="0">
+                <a:schemeClr val="accent1"/>
+              </a:effectRef>
+              <a:fontRef idx="minor">
+                <a:schemeClr val="lt1"/>
+              </a:fontRef>
+            </p:style>
+            <p:txBody>
+              <a:bodyPr rtlCol="0" anchor="ctr"/>
+              <a:lstStyle/>
+              <a:p>
+                <a:pPr algn="ctr"/>
+                <a:endParaRPr lang="zh-CN" altLang="en-US"/>
+              </a:p>
+            </p:txBody>
+          </p:sp>
+        </p:grpSp>
+        <p:sp>
+          <p:nvSpPr>
+            <p:cNvPr id="76" name="下箭头 75"/>
+            <p:cNvSpPr/>
+            <p:nvPr/>
+          </p:nvSpPr>
+          <p:spPr>
+            <a:xfrm>
+              <a:off x="6148829" y="2758897"/>
+              <a:ext cx="187863" cy="267550"/>
+            </a:xfrm>
+            <a:prstGeom prst="downArrow">
+              <a:avLst/>
+            </a:prstGeom>
+            <a:solidFill>
+              <a:schemeClr val="accent1">
+                <a:lumMod val="75000"/>
+              </a:schemeClr>
+            </a:solidFill>
+            <a:ln>
+              <a:noFill/>
+            </a:ln>
+          </p:spPr>
+          <p:style>
+            <a:lnRef idx="2">
+              <a:schemeClr val="accent1">
+                <a:shade val="50000"/>
+              </a:schemeClr>
+            </a:lnRef>
+            <a:fillRef idx="1">
+              <a:schemeClr val="accent1"/>
+            </a:fillRef>
+            <a:effectRef idx="0">
+              <a:schemeClr val="accent1"/>
+            </a:effectRef>
+            <a:fontRef idx="minor">
+              <a:schemeClr val="lt1"/>
+            </a:fontRef>
+          </p:style>
+          <p:txBody>
+            <a:bodyPr rtlCol="0" anchor="ctr"/>
+            <a:lstStyle/>
+            <a:p>
+              <a:pPr algn="ctr"/>
+              <a:endParaRPr lang="zh-CN" altLang="en-US"/>
+            </a:p>
+          </p:txBody>
+        </p:sp>
+      </p:grpSp>
+      <p:grpSp>
+        <p:nvGrpSpPr>
+          <p:cNvPr id="26" name="组合 25"/>
+          <p:cNvGrpSpPr/>
+          <p:nvPr/>
+        </p:nvGrpSpPr>
+        <p:grpSpPr>
+          <a:xfrm>
+            <a:off x="2749262" y="2697160"/>
+            <a:ext cx="4682710" cy="700434"/>
+            <a:chOff x="1605038" y="2693435"/>
+            <a:chExt cx="4731654" cy="700434"/>
+          </a:xfrm>
+          <a:solidFill>
+            <a:srgbClr val="FF0000"/>
+          </a:solidFill>
+        </p:grpSpPr>
+        <p:grpSp>
+          <p:nvGrpSpPr>
+            <p:cNvPr id="27" name="组合 26"/>
+            <p:cNvGrpSpPr/>
+            <p:nvPr/>
+          </p:nvGrpSpPr>
+          <p:grpSpPr>
+            <a:xfrm>
+              <a:off x="1605038" y="2693435"/>
+              <a:ext cx="4682272" cy="700434"/>
+              <a:chOff x="1605038" y="4033555"/>
+              <a:chExt cx="4350860" cy="781334"/>
+            </a:xfrm>
+            <a:grpFill/>
+          </p:grpSpPr>
+          <p:sp>
+            <p:nvSpPr>
+              <p:cNvPr id="29" name="下箭头标注 28"/>
+              <p:cNvSpPr/>
+              <p:nvPr/>
+            </p:nvSpPr>
+            <p:spPr>
+              <a:xfrm>
+                <a:off x="1649294" y="4033555"/>
+                <a:ext cx="4306604" cy="444500"/>
+              </a:xfrm>
+              <a:prstGeom prst="downArrowCallout">
+                <a:avLst>
+                  <a:gd name="adj1" fmla="val 0"/>
+                  <a:gd name="adj2" fmla="val 0"/>
+                  <a:gd name="adj3" fmla="val 25000"/>
+                  <a:gd name="adj4" fmla="val 21863"/>
+                </a:avLst>
+              </a:prstGeom>
+              <a:grpFill/>
+              <a:ln>
+                <a:noFill/>
+              </a:ln>
+            </p:spPr>
+            <p:style>
+              <a:lnRef idx="2">
+                <a:schemeClr val="accent1">
+                  <a:shade val="50000"/>
+                </a:schemeClr>
+              </a:lnRef>
+              <a:fillRef idx="1">
+                <a:schemeClr val="accent1"/>
+              </a:fillRef>
+              <a:effectRef idx="0">
+                <a:schemeClr val="accent1"/>
+              </a:effectRef>
+              <a:fontRef idx="minor">
+                <a:schemeClr val="lt1"/>
+              </a:fontRef>
+            </p:style>
+            <p:txBody>
+              <a:bodyPr rtlCol="0" anchor="ctr"/>
+              <a:lstStyle/>
+              <a:p>
+                <a:pPr algn="ctr"/>
+                <a:endParaRPr lang="zh-CN" altLang="en-US"/>
+              </a:p>
+            </p:txBody>
+          </p:sp>
+          <p:sp>
+            <p:nvSpPr>
+              <p:cNvPr id="30" name="下箭头 29"/>
+              <p:cNvSpPr/>
+              <p:nvPr/>
+            </p:nvSpPr>
+            <p:spPr>
+              <a:xfrm>
+                <a:off x="1605038" y="4110320"/>
+                <a:ext cx="174566" cy="704569"/>
+              </a:xfrm>
+              <a:prstGeom prst="downArrow">
+                <a:avLst/>
+              </a:prstGeom>
+              <a:grpFill/>
+              <a:ln>
+                <a:noFill/>
+              </a:ln>
+            </p:spPr>
+            <p:style>
+              <a:lnRef idx="2">
+                <a:schemeClr val="accent1">
+                  <a:shade val="50000"/>
+                </a:schemeClr>
+              </a:lnRef>
+              <a:fillRef idx="1">
+                <a:schemeClr val="accent1"/>
+              </a:fillRef>
+              <a:effectRef idx="0">
+                <a:schemeClr val="accent1"/>
+              </a:effectRef>
+              <a:fontRef idx="minor">
+                <a:schemeClr val="lt1"/>
+              </a:fontRef>
+            </p:style>
+            <p:txBody>
+              <a:bodyPr rtlCol="0" anchor="ctr"/>
+              <a:lstStyle/>
+              <a:p>
+                <a:pPr algn="ctr"/>
+                <a:endParaRPr lang="zh-CN" altLang="en-US"/>
+              </a:p>
+            </p:txBody>
+          </p:sp>
+        </p:grpSp>
+        <p:sp>
+          <p:nvSpPr>
+            <p:cNvPr id="28" name="下箭头 27"/>
+            <p:cNvSpPr/>
+            <p:nvPr/>
+          </p:nvSpPr>
+          <p:spPr>
+            <a:xfrm>
+              <a:off x="6148829" y="2758897"/>
+              <a:ext cx="187863" cy="634972"/>
+            </a:xfrm>
+            <a:prstGeom prst="downArrow">
+              <a:avLst/>
+            </a:prstGeom>
+            <a:grpFill/>
+            <a:ln>
+              <a:noFill/>
+            </a:ln>
+          </p:spPr>
+          <p:style>
+            <a:lnRef idx="2">
+              <a:schemeClr val="accent1">
+                <a:shade val="50000"/>
+              </a:schemeClr>
+            </a:lnRef>
+            <a:fillRef idx="1">
+              <a:schemeClr val="accent1"/>
+            </a:fillRef>
+            <a:effectRef idx="0">
+              <a:schemeClr val="accent1"/>
+            </a:effectRef>
+            <a:fontRef idx="minor">
+              <a:schemeClr val="lt1"/>
+            </a:fontRef>
+          </p:style>
+          <p:txBody>
+            <a:bodyPr rtlCol="0" anchor="ctr"/>
+            <a:lstStyle/>
+            <a:p>
+              <a:pPr algn="ctr"/>
+              <a:endParaRPr lang="zh-CN" altLang="en-US"/>
+            </a:p>
+          </p:txBody>
+        </p:sp>
+      </p:grpSp>
+      <p:grpSp>
+        <p:nvGrpSpPr>
+          <p:cNvPr id="32" name="组合 31"/>
+          <p:cNvGrpSpPr/>
+          <p:nvPr/>
+        </p:nvGrpSpPr>
+        <p:grpSpPr>
+          <a:xfrm>
+            <a:off x="3765258" y="2281481"/>
+            <a:ext cx="4682710" cy="1116114"/>
+            <a:chOff x="1605038" y="2693435"/>
+            <a:chExt cx="4731654" cy="1116114"/>
+          </a:xfrm>
+          <a:solidFill>
+            <a:srgbClr val="00B050"/>
+          </a:solidFill>
+        </p:grpSpPr>
+        <p:grpSp>
+          <p:nvGrpSpPr>
+            <p:cNvPr id="33" name="组合 32"/>
+            <p:cNvGrpSpPr/>
+            <p:nvPr/>
+          </p:nvGrpSpPr>
+          <p:grpSpPr>
+            <a:xfrm>
+              <a:off x="1605038" y="2693435"/>
+              <a:ext cx="4682272" cy="1116114"/>
+              <a:chOff x="1605038" y="4033555"/>
+              <a:chExt cx="4350860" cy="1245025"/>
+            </a:xfrm>
+            <a:grpFill/>
+          </p:grpSpPr>
+          <p:sp>
+            <p:nvSpPr>
+              <p:cNvPr id="35" name="下箭头标注 34"/>
+              <p:cNvSpPr/>
+              <p:nvPr/>
+            </p:nvSpPr>
+            <p:spPr>
+              <a:xfrm>
+                <a:off x="1649294" y="4033555"/>
+                <a:ext cx="4306604" cy="444500"/>
+              </a:xfrm>
+              <a:prstGeom prst="downArrowCallout">
+                <a:avLst>
+                  <a:gd name="adj1" fmla="val 0"/>
+                  <a:gd name="adj2" fmla="val 0"/>
+                  <a:gd name="adj3" fmla="val 25000"/>
+                  <a:gd name="adj4" fmla="val 21863"/>
+                </a:avLst>
+              </a:prstGeom>
+              <a:grpFill/>
+              <a:ln>
+                <a:noFill/>
+              </a:ln>
+            </p:spPr>
+            <p:style>
+              <a:lnRef idx="2">
+                <a:schemeClr val="accent1">
+                  <a:shade val="50000"/>
+                </a:schemeClr>
+              </a:lnRef>
+              <a:fillRef idx="1">
+                <a:schemeClr val="accent1"/>
+              </a:fillRef>
+              <a:effectRef idx="0">
+                <a:schemeClr val="accent1"/>
+              </a:effectRef>
+              <a:fontRef idx="minor">
+                <a:schemeClr val="lt1"/>
+              </a:fontRef>
+            </p:style>
+            <p:txBody>
+              <a:bodyPr rtlCol="0" anchor="ctr"/>
+              <a:lstStyle/>
+              <a:p>
+                <a:pPr algn="ctr"/>
+                <a:endParaRPr lang="zh-CN" altLang="en-US"/>
+              </a:p>
+            </p:txBody>
+          </p:sp>
+          <p:sp>
+            <p:nvSpPr>
+              <p:cNvPr id="36" name="下箭头 35"/>
+              <p:cNvSpPr/>
+              <p:nvPr/>
+            </p:nvSpPr>
+            <p:spPr>
+              <a:xfrm>
+                <a:off x="1605038" y="4110321"/>
+                <a:ext cx="174566" cy="1168259"/>
+              </a:xfrm>
+              <a:prstGeom prst="downArrow">
+                <a:avLst/>
+              </a:prstGeom>
+              <a:grpFill/>
+              <a:ln>
+                <a:noFill/>
+              </a:ln>
+            </p:spPr>
+            <p:style>
+              <a:lnRef idx="2">
+                <a:schemeClr val="accent1">
+                  <a:shade val="50000"/>
+                </a:schemeClr>
+              </a:lnRef>
+              <a:fillRef idx="1">
+                <a:schemeClr val="accent1"/>
+              </a:fillRef>
+              <a:effectRef idx="0">
+                <a:schemeClr val="accent1"/>
+              </a:effectRef>
+              <a:fontRef idx="minor">
+                <a:schemeClr val="lt1"/>
+              </a:fontRef>
+            </p:style>
+            <p:txBody>
+              <a:bodyPr rtlCol="0" anchor="ctr"/>
+              <a:lstStyle/>
+              <a:p>
+                <a:pPr algn="ctr"/>
+                <a:endParaRPr lang="zh-CN" altLang="en-US"/>
+              </a:p>
+            </p:txBody>
+          </p:sp>
+        </p:grpSp>
+        <p:sp>
+          <p:nvSpPr>
+            <p:cNvPr id="34" name="下箭头 33"/>
+            <p:cNvSpPr/>
+            <p:nvPr/>
+          </p:nvSpPr>
+          <p:spPr>
+            <a:xfrm>
+              <a:off x="6148829" y="2758897"/>
+              <a:ext cx="187863" cy="1050650"/>
+            </a:xfrm>
+            <a:prstGeom prst="downArrow">
+              <a:avLst/>
+            </a:prstGeom>
+            <a:grpFill/>
+            <a:ln>
+              <a:noFill/>
+            </a:ln>
+          </p:spPr>
+          <p:style>
+            <a:lnRef idx="2">
+              <a:schemeClr val="accent1">
+                <a:shade val="50000"/>
+              </a:schemeClr>
+            </a:lnRef>
+            <a:fillRef idx="1">
+              <a:schemeClr val="accent1"/>
+            </a:fillRef>
+            <a:effectRef idx="0">
+              <a:schemeClr val="accent1"/>
+            </a:effectRef>
+            <a:fontRef idx="minor">
+              <a:schemeClr val="lt1"/>
+            </a:fontRef>
+          </p:style>
+          <p:txBody>
+            <a:bodyPr rtlCol="0" anchor="ctr"/>
+            <a:lstStyle/>
+            <a:p>
+              <a:pPr algn="ctr"/>
+              <a:endParaRPr lang="zh-CN" altLang="en-US"/>
+            </a:p>
+          </p:txBody>
+        </p:sp>
+      </p:grpSp>
+      <p:grpSp>
+        <p:nvGrpSpPr>
+          <p:cNvPr id="37" name="组合 36"/>
+          <p:cNvGrpSpPr/>
+          <p:nvPr/>
+        </p:nvGrpSpPr>
+        <p:grpSpPr>
+          <a:xfrm>
+            <a:off x="4904697" y="1931263"/>
+            <a:ext cx="4682710" cy="1466330"/>
+            <a:chOff x="1605038" y="2693434"/>
+            <a:chExt cx="4731654" cy="1466330"/>
+          </a:xfrm>
+          <a:solidFill>
+            <a:srgbClr val="00B0F0"/>
+          </a:solidFill>
+        </p:grpSpPr>
+        <p:grpSp>
+          <p:nvGrpSpPr>
+            <p:cNvPr id="38" name="组合 37"/>
+            <p:cNvGrpSpPr/>
+            <p:nvPr/>
+          </p:nvGrpSpPr>
+          <p:grpSpPr>
+            <a:xfrm>
+              <a:off x="1605038" y="2693434"/>
+              <a:ext cx="4682272" cy="1466330"/>
+              <a:chOff x="1605038" y="4033555"/>
+              <a:chExt cx="4350860" cy="1635691"/>
+            </a:xfrm>
+            <a:grpFill/>
+          </p:grpSpPr>
+          <p:sp>
+            <p:nvSpPr>
+              <p:cNvPr id="40" name="下箭头标注 39"/>
+              <p:cNvSpPr/>
+              <p:nvPr/>
+            </p:nvSpPr>
+            <p:spPr>
+              <a:xfrm>
+                <a:off x="1649294" y="4033555"/>
+                <a:ext cx="4306604" cy="444500"/>
+              </a:xfrm>
+              <a:prstGeom prst="downArrowCallout">
+                <a:avLst>
+                  <a:gd name="adj1" fmla="val 0"/>
+                  <a:gd name="adj2" fmla="val 0"/>
+                  <a:gd name="adj3" fmla="val 25000"/>
+                  <a:gd name="adj4" fmla="val 21863"/>
+                </a:avLst>
+              </a:prstGeom>
+              <a:grpFill/>
+              <a:ln>
+                <a:noFill/>
+              </a:ln>
+            </p:spPr>
+            <p:style>
+              <a:lnRef idx="2">
+                <a:schemeClr val="accent1">
+                  <a:shade val="50000"/>
+                </a:schemeClr>
+              </a:lnRef>
+              <a:fillRef idx="1">
+                <a:schemeClr val="accent1"/>
+              </a:fillRef>
+              <a:effectRef idx="0">
+                <a:schemeClr val="accent1"/>
+              </a:effectRef>
+              <a:fontRef idx="minor">
+                <a:schemeClr val="lt1"/>
+              </a:fontRef>
+            </p:style>
+            <p:txBody>
+              <a:bodyPr rtlCol="0" anchor="ctr"/>
+              <a:lstStyle/>
+              <a:p>
+                <a:pPr algn="ctr"/>
+                <a:endParaRPr lang="zh-CN" altLang="en-US"/>
+              </a:p>
+            </p:txBody>
+          </p:sp>
+          <p:sp>
+            <p:nvSpPr>
+              <p:cNvPr id="41" name="下箭头 40"/>
+              <p:cNvSpPr/>
+              <p:nvPr/>
+            </p:nvSpPr>
+            <p:spPr>
+              <a:xfrm>
+                <a:off x="1605038" y="4110320"/>
+                <a:ext cx="174566" cy="1558926"/>
+              </a:xfrm>
+              <a:prstGeom prst="downArrow">
+                <a:avLst/>
+              </a:prstGeom>
+              <a:grpFill/>
+              <a:ln>
+                <a:noFill/>
+              </a:ln>
+            </p:spPr>
+            <p:style>
+              <a:lnRef idx="2">
+                <a:schemeClr val="accent1">
+                  <a:shade val="50000"/>
+                </a:schemeClr>
+              </a:lnRef>
+              <a:fillRef idx="1">
+                <a:schemeClr val="accent1"/>
+              </a:fillRef>
+              <a:effectRef idx="0">
+                <a:schemeClr val="accent1"/>
+              </a:effectRef>
+              <a:fontRef idx="minor">
+                <a:schemeClr val="lt1"/>
+              </a:fontRef>
+            </p:style>
+            <p:txBody>
+              <a:bodyPr rtlCol="0" anchor="ctr"/>
+              <a:lstStyle/>
+              <a:p>
+                <a:pPr algn="ctr"/>
+                <a:endParaRPr lang="zh-CN" altLang="en-US"/>
+              </a:p>
+            </p:txBody>
+          </p:sp>
+        </p:grpSp>
+        <p:sp>
+          <p:nvSpPr>
+            <p:cNvPr id="39" name="下箭头 38"/>
+            <p:cNvSpPr/>
+            <p:nvPr/>
+          </p:nvSpPr>
+          <p:spPr>
+            <a:xfrm>
+              <a:off x="6148829" y="2758896"/>
+              <a:ext cx="187863" cy="1400867"/>
+            </a:xfrm>
+            <a:prstGeom prst="downArrow">
+              <a:avLst/>
+            </a:prstGeom>
+            <a:grpFill/>
+            <a:ln>
+              <a:noFill/>
+            </a:ln>
+          </p:spPr>
+          <p:style>
+            <a:lnRef idx="2">
+              <a:schemeClr val="accent1">
+                <a:shade val="50000"/>
+              </a:schemeClr>
+            </a:lnRef>
+            <a:fillRef idx="1">
+              <a:schemeClr val="accent1"/>
+            </a:fillRef>
+            <a:effectRef idx="0">
+              <a:schemeClr val="accent1"/>
+            </a:effectRef>
+            <a:fontRef idx="minor">
+              <a:schemeClr val="lt1"/>
+            </a:fontRef>
+          </p:style>
+          <p:txBody>
+            <a:bodyPr rtlCol="0" anchor="ctr"/>
+            <a:lstStyle/>
+            <a:p>
+              <a:pPr algn="ctr"/>
+              <a:endParaRPr lang="zh-CN" altLang="en-US"/>
+            </a:p>
+          </p:txBody>
+        </p:sp>
+      </p:grpSp>
+    </p:spTree>
+    <p:extLst>
+      <p:ext uri="{BB962C8B-B14F-4D97-AF65-F5344CB8AC3E}">
+        <p14:creationId xmlns:p14="http://schemas.microsoft.com/office/powerpoint/2010/main" val="4248323355"/>
+      </p:ext>
+    </p:extLst>
+  </p:cSld>
+  <p:clrMapOvr>
+    <a:masterClrMapping/>
+  </p:clrMapOvr>
+  <p:timing>
+    <p:tnLst>
+      <p:par>
+        <p:cTn id="1" dur="indefinite" restart="never" nodeType="tmRoot"/>
+      </p:par>
+    </p:tnLst>
+  </p:timing>
+</p:sld>
+</file>
+
+<file path=ppt/slides/slide7.xml><?xml version="1.0" encoding="utf-8"?>
+<p:sld xmlns:a="http://schemas.openxmlformats.org/drawingml/2006/main" xmlns:r="http://schemas.openxmlformats.org/officeDocument/2006/relationships" xmlns:p="http://schemas.openxmlformats.org/presentationml/2006/main">
+  <p:cSld>
+    <p:spTree>
+      <p:nvGrpSpPr>
+        <p:cNvPr id="1" name=""/>
+        <p:cNvGrpSpPr/>
+        <p:nvPr/>
+      </p:nvGrpSpPr>
+      <p:grpSpPr>
+        <a:xfrm>
+          <a:off x="0" y="0"/>
+          <a:ext cx="0" cy="0"/>
+          <a:chOff x="0" y="0"/>
+          <a:chExt cx="0" cy="0"/>
+        </a:xfrm>
+      </p:grpSpPr>
+      <p:grpSp>
+        <p:nvGrpSpPr>
+          <p:cNvPr id="18" name="组合 17"/>
+          <p:cNvGrpSpPr/>
+          <p:nvPr/>
+        </p:nvGrpSpPr>
+        <p:grpSpPr>
+          <a:xfrm>
+            <a:off x="1132764" y="3029800"/>
+            <a:ext cx="8952936" cy="1119120"/>
+            <a:chOff x="1473958" y="2361060"/>
+            <a:chExt cx="8952936" cy="1119120"/>
+          </a:xfrm>
+          <a:solidFill>
+            <a:schemeClr val="tx1">
+              <a:lumMod val="85000"/>
+              <a:lumOff val="15000"/>
+            </a:schemeClr>
+          </a:solidFill>
+        </p:grpSpPr>
+        <p:sp>
+          <p:nvSpPr>
+            <p:cNvPr id="6" name="椭圆 5"/>
+            <p:cNvSpPr/>
+            <p:nvPr/>
+          </p:nvSpPr>
+          <p:spPr>
+            <a:xfrm>
+              <a:off x="1473958" y="2361063"/>
+              <a:ext cx="1119117" cy="1119117"/>
+            </a:xfrm>
+            <a:prstGeom prst="ellipse">
+              <a:avLst/>
+            </a:prstGeom>
+            <a:solidFill>
+              <a:schemeClr val="accent1">
+                <a:lumMod val="75000"/>
+              </a:schemeClr>
+            </a:solidFill>
+            <a:ln>
+              <a:noFill/>
+            </a:ln>
+          </p:spPr>
+          <p:style>
+            <a:lnRef idx="2">
+              <a:schemeClr val="accent1">
+                <a:shade val="50000"/>
+              </a:schemeClr>
+            </a:lnRef>
+            <a:fillRef idx="1">
+              <a:schemeClr val="accent1"/>
+            </a:fillRef>
+            <a:effectRef idx="0">
+              <a:schemeClr val="accent1"/>
+            </a:effectRef>
+            <a:fontRef idx="minor">
+              <a:schemeClr val="lt1"/>
+            </a:fontRef>
+          </p:style>
+          <p:txBody>
+            <a:bodyPr rtlCol="0" anchor="ctr"/>
+            <a:lstStyle/>
+            <a:p>
+              <a:pPr algn="ctr"/>
+              <a:r>
+                <a:rPr lang="en-US" altLang="zh-CN" sz="3200" dirty="0" smtClean="0"/>
+                <a:t>2</a:t>
+              </a:r>
+              <a:endParaRPr lang="zh-CN" altLang="en-US" sz="3200" dirty="0"/>
+            </a:p>
+          </p:txBody>
+        </p:sp>
+        <p:sp>
+          <p:nvSpPr>
+            <p:cNvPr id="10" name="椭圆 9"/>
+            <p:cNvSpPr/>
+            <p:nvPr/>
+          </p:nvSpPr>
+          <p:spPr>
+            <a:xfrm>
+              <a:off x="2593075" y="2361062"/>
+              <a:ext cx="1119117" cy="1119117"/>
+            </a:xfrm>
+            <a:prstGeom prst="ellipse">
+              <a:avLst/>
+            </a:prstGeom>
+            <a:solidFill>
+              <a:srgbClr val="00B050"/>
+            </a:solidFill>
+            <a:ln>
+              <a:noFill/>
+            </a:ln>
+          </p:spPr>
+          <p:style>
+            <a:lnRef idx="2">
+              <a:schemeClr val="accent1">
+                <a:shade val="50000"/>
+              </a:schemeClr>
+            </a:lnRef>
+            <a:fillRef idx="1">
+              <a:schemeClr val="accent1"/>
+            </a:fillRef>
+            <a:effectRef idx="0">
+              <a:schemeClr val="accent1"/>
+            </a:effectRef>
+            <a:fontRef idx="minor">
+              <a:schemeClr val="lt1"/>
+            </a:fontRef>
+          </p:style>
+          <p:txBody>
+            <a:bodyPr rtlCol="0" anchor="ctr"/>
+            <a:lstStyle/>
+            <a:p>
+              <a:pPr algn="ctr"/>
+              <a:r>
+                <a:rPr lang="en-US" altLang="zh-CN" sz="3200" dirty="0" smtClean="0"/>
+                <a:t>1</a:t>
+              </a:r>
+              <a:endParaRPr lang="zh-CN" altLang="en-US" sz="3200" dirty="0"/>
+            </a:p>
+          </p:txBody>
+        </p:sp>
+        <p:sp>
+          <p:nvSpPr>
+            <p:cNvPr id="11" name="椭圆 10"/>
+            <p:cNvSpPr/>
+            <p:nvPr/>
+          </p:nvSpPr>
+          <p:spPr>
+            <a:xfrm>
+              <a:off x="3712192" y="2361062"/>
+              <a:ext cx="1119117" cy="1119117"/>
+            </a:xfrm>
+            <a:prstGeom prst="ellipse">
+              <a:avLst/>
+            </a:prstGeom>
+            <a:solidFill>
+              <a:schemeClr val="accent1">
+                <a:lumMod val="75000"/>
+              </a:schemeClr>
+            </a:solidFill>
+            <a:ln>
+              <a:noFill/>
+            </a:ln>
+          </p:spPr>
+          <p:style>
+            <a:lnRef idx="2">
+              <a:schemeClr val="accent1">
+                <a:shade val="50000"/>
+              </a:schemeClr>
+            </a:lnRef>
+            <a:fillRef idx="1">
+              <a:schemeClr val="accent1"/>
+            </a:fillRef>
+            <a:effectRef idx="0">
+              <a:schemeClr val="accent1"/>
+            </a:effectRef>
+            <a:fontRef idx="minor">
+              <a:schemeClr val="lt1"/>
+            </a:fontRef>
+          </p:style>
+          <p:txBody>
+            <a:bodyPr rtlCol="0" anchor="ctr"/>
+            <a:lstStyle/>
+            <a:p>
+              <a:pPr algn="ctr"/>
+              <a:r>
+                <a:rPr lang="en-US" altLang="zh-CN" sz="3200" dirty="0" smtClean="0"/>
+                <a:t>0</a:t>
+              </a:r>
+              <a:endParaRPr lang="zh-CN" altLang="en-US" sz="3200" dirty="0"/>
+            </a:p>
+          </p:txBody>
+        </p:sp>
+        <p:sp>
+          <p:nvSpPr>
+            <p:cNvPr id="12" name="椭圆 11"/>
+            <p:cNvSpPr/>
+            <p:nvPr/>
+          </p:nvSpPr>
+          <p:spPr>
+            <a:xfrm>
+              <a:off x="4831309" y="2361062"/>
+              <a:ext cx="1119117" cy="1119117"/>
+            </a:xfrm>
+            <a:prstGeom prst="ellipse">
+              <a:avLst/>
+            </a:prstGeom>
+            <a:solidFill>
+              <a:srgbClr val="00B050"/>
+            </a:solidFill>
+            <a:ln>
+              <a:noFill/>
+            </a:ln>
+          </p:spPr>
+          <p:style>
+            <a:lnRef idx="2">
+              <a:schemeClr val="accent1">
+                <a:shade val="50000"/>
+              </a:schemeClr>
+            </a:lnRef>
+            <a:fillRef idx="1">
+              <a:schemeClr val="accent1"/>
+            </a:fillRef>
+            <a:effectRef idx="0">
+              <a:schemeClr val="accent1"/>
+            </a:effectRef>
+            <a:fontRef idx="minor">
+              <a:schemeClr val="lt1"/>
+            </a:fontRef>
+          </p:style>
+          <p:txBody>
+            <a:bodyPr rtlCol="0" anchor="ctr"/>
+            <a:lstStyle/>
+            <a:p>
+              <a:pPr algn="ctr"/>
+              <a:r>
+                <a:rPr lang="en-US" altLang="zh-CN" sz="3200" dirty="0"/>
+                <a:t>4</a:t>
+              </a:r>
+              <a:endParaRPr lang="zh-CN" altLang="en-US" sz="3200" dirty="0"/>
+            </a:p>
+          </p:txBody>
+        </p:sp>
+        <p:sp>
+          <p:nvSpPr>
+            <p:cNvPr id="13" name="椭圆 12"/>
+            <p:cNvSpPr/>
+            <p:nvPr/>
+          </p:nvSpPr>
+          <p:spPr>
+            <a:xfrm>
+              <a:off x="5950426" y="2361061"/>
+              <a:ext cx="1119117" cy="1119117"/>
+            </a:xfrm>
+            <a:prstGeom prst="ellipse">
+              <a:avLst/>
+            </a:prstGeom>
+            <a:solidFill>
+              <a:schemeClr val="accent1">
+                <a:lumMod val="75000"/>
+              </a:schemeClr>
+            </a:solidFill>
+            <a:ln>
+              <a:noFill/>
+            </a:ln>
+          </p:spPr>
+          <p:style>
+            <a:lnRef idx="2">
+              <a:schemeClr val="accent1">
+                <a:shade val="50000"/>
+              </a:schemeClr>
+            </a:lnRef>
+            <a:fillRef idx="1">
+              <a:schemeClr val="accent1"/>
+            </a:fillRef>
+            <a:effectRef idx="0">
+              <a:schemeClr val="accent1"/>
+            </a:effectRef>
+            <a:fontRef idx="minor">
+              <a:schemeClr val="lt1"/>
+            </a:fontRef>
+          </p:style>
+          <p:txBody>
+            <a:bodyPr rtlCol="0" anchor="ctr"/>
+            <a:lstStyle/>
+            <a:p>
+              <a:pPr algn="ctr"/>
+              <a:r>
+                <a:rPr lang="en-US" altLang="zh-CN" sz="3200" dirty="0" smtClean="0"/>
+                <a:t>7</a:t>
+              </a:r>
+              <a:endParaRPr lang="zh-CN" altLang="en-US" sz="3200" dirty="0"/>
+            </a:p>
+          </p:txBody>
+        </p:sp>
+        <p:sp>
+          <p:nvSpPr>
+            <p:cNvPr id="14" name="椭圆 13"/>
+            <p:cNvSpPr/>
+            <p:nvPr/>
+          </p:nvSpPr>
+          <p:spPr>
+            <a:xfrm>
+              <a:off x="7069543" y="2361060"/>
+              <a:ext cx="1119117" cy="1119117"/>
+            </a:xfrm>
+            <a:prstGeom prst="ellipse">
+              <a:avLst/>
+            </a:prstGeom>
+            <a:solidFill>
+              <a:srgbClr val="00B050"/>
+            </a:solidFill>
+            <a:ln>
+              <a:noFill/>
+            </a:ln>
+          </p:spPr>
+          <p:style>
+            <a:lnRef idx="2">
+              <a:schemeClr val="accent1">
+                <a:shade val="50000"/>
+              </a:schemeClr>
+            </a:lnRef>
+            <a:fillRef idx="1">
+              <a:schemeClr val="accent1"/>
+            </a:fillRef>
+            <a:effectRef idx="0">
+              <a:schemeClr val="accent1"/>
+            </a:effectRef>
+            <a:fontRef idx="minor">
+              <a:schemeClr val="lt1"/>
+            </a:fontRef>
+          </p:style>
+          <p:txBody>
+            <a:bodyPr rtlCol="0" anchor="ctr"/>
+            <a:lstStyle/>
+            <a:p>
+              <a:pPr algn="ctr"/>
+              <a:r>
+                <a:rPr lang="en-US" altLang="zh-CN" sz="3200" dirty="0" smtClean="0"/>
+                <a:t>5</a:t>
+              </a:r>
+              <a:endParaRPr lang="zh-CN" altLang="en-US" sz="3200" dirty="0"/>
+            </a:p>
+          </p:txBody>
+        </p:sp>
+        <p:sp>
+          <p:nvSpPr>
+            <p:cNvPr id="15" name="椭圆 14"/>
+            <p:cNvSpPr/>
+            <p:nvPr/>
+          </p:nvSpPr>
+          <p:spPr>
+            <a:xfrm>
+              <a:off x="8188660" y="2361060"/>
+              <a:ext cx="1119117" cy="1119117"/>
+            </a:xfrm>
+            <a:prstGeom prst="ellipse">
+              <a:avLst/>
+            </a:prstGeom>
+            <a:solidFill>
+              <a:schemeClr val="accent1">
+                <a:lumMod val="75000"/>
+              </a:schemeClr>
+            </a:solidFill>
+            <a:ln>
+              <a:noFill/>
+            </a:ln>
+          </p:spPr>
+          <p:style>
+            <a:lnRef idx="2">
+              <a:schemeClr val="accent1">
+                <a:shade val="50000"/>
+              </a:schemeClr>
+            </a:lnRef>
+            <a:fillRef idx="1">
+              <a:schemeClr val="accent1"/>
+            </a:fillRef>
+            <a:effectRef idx="0">
+              <a:schemeClr val="accent1"/>
+            </a:effectRef>
+            <a:fontRef idx="minor">
+              <a:schemeClr val="lt1"/>
+            </a:fontRef>
+          </p:style>
+          <p:txBody>
+            <a:bodyPr rtlCol="0" anchor="ctr"/>
+            <a:lstStyle/>
+            <a:p>
+              <a:pPr algn="ctr"/>
+              <a:r>
+                <a:rPr lang="en-US" altLang="zh-CN" sz="3200" dirty="0" smtClean="0"/>
+                <a:t>3</a:t>
+              </a:r>
+              <a:endParaRPr lang="zh-CN" altLang="en-US" sz="3200" dirty="0"/>
+            </a:p>
+          </p:txBody>
+        </p:sp>
+        <p:sp>
+          <p:nvSpPr>
+            <p:cNvPr id="16" name="椭圆 15"/>
+            <p:cNvSpPr/>
+            <p:nvPr/>
+          </p:nvSpPr>
+          <p:spPr>
+            <a:xfrm>
+              <a:off x="9307777" y="2361060"/>
+              <a:ext cx="1119117" cy="1119117"/>
+            </a:xfrm>
+            <a:prstGeom prst="ellipse">
+              <a:avLst/>
+            </a:prstGeom>
+            <a:solidFill>
+              <a:srgbClr val="00B050"/>
+            </a:solidFill>
+            <a:ln>
+              <a:noFill/>
+            </a:ln>
+          </p:spPr>
+          <p:style>
+            <a:lnRef idx="2">
+              <a:schemeClr val="accent1">
+                <a:shade val="50000"/>
+              </a:schemeClr>
+            </a:lnRef>
+            <a:fillRef idx="1">
+              <a:schemeClr val="accent1"/>
+            </a:fillRef>
+            <a:effectRef idx="0">
+              <a:schemeClr val="accent1"/>
+            </a:effectRef>
+            <a:fontRef idx="minor">
+              <a:schemeClr val="lt1"/>
+            </a:fontRef>
+          </p:style>
+          <p:txBody>
+            <a:bodyPr rtlCol="0" anchor="ctr"/>
+            <a:lstStyle/>
+            <a:p>
+              <a:pPr algn="ctr"/>
+              <a:r>
+                <a:rPr lang="en-US" altLang="zh-CN" sz="3200" dirty="0"/>
+                <a:t>6</a:t>
+              </a:r>
+              <a:endParaRPr lang="zh-CN" altLang="en-US" sz="3200" dirty="0"/>
+            </a:p>
+          </p:txBody>
+        </p:sp>
+      </p:grpSp>
+      <p:sp>
+        <p:nvSpPr>
+          <p:cNvPr id="31" name="文本框 30"/>
+          <p:cNvSpPr txBox="1"/>
+          <p:nvPr/>
+        </p:nvSpPr>
+        <p:spPr>
+          <a:xfrm>
+            <a:off x="1119955" y="1924948"/>
+            <a:ext cx="1571579" cy="584775"/>
+          </a:xfrm>
+          <a:prstGeom prst="rect">
+            <a:avLst/>
+          </a:prstGeom>
+          <a:noFill/>
+        </p:spPr>
+        <p:txBody>
+          <a:bodyPr wrap="square" rtlCol="0">
+            <a:spAutoFit/>
+          </a:bodyPr>
+          <a:lstStyle/>
+          <a:p>
+            <a:r>
+              <a:rPr lang="en-US" altLang="zh-CN" sz="3200" dirty="0" smtClean="0"/>
+              <a:t>gap=2</a:t>
+            </a:r>
+            <a:endParaRPr lang="zh-CN" altLang="en-US" sz="3200" dirty="0"/>
+          </a:p>
+        </p:txBody>
+      </p:sp>
+      <p:grpSp>
+        <p:nvGrpSpPr>
+          <p:cNvPr id="81" name="组合 80"/>
+          <p:cNvGrpSpPr/>
+          <p:nvPr/>
+        </p:nvGrpSpPr>
+        <p:grpSpPr>
+          <a:xfrm>
+            <a:off x="1605038" y="2693434"/>
+            <a:ext cx="6895918" cy="398476"/>
+            <a:chOff x="1605038" y="2693434"/>
+            <a:chExt cx="6895918" cy="398476"/>
+          </a:xfrm>
+        </p:grpSpPr>
+        <p:grpSp>
+          <p:nvGrpSpPr>
+            <p:cNvPr id="67" name="组合 66"/>
+            <p:cNvGrpSpPr/>
+            <p:nvPr/>
+          </p:nvGrpSpPr>
+          <p:grpSpPr>
+            <a:xfrm>
+              <a:off x="1605038" y="2693434"/>
+              <a:ext cx="6846812" cy="398476"/>
+              <a:chOff x="1605038" y="4033555"/>
+              <a:chExt cx="6362193" cy="444500"/>
+            </a:xfrm>
+            <a:solidFill>
+              <a:schemeClr val="accent1">
+                <a:lumMod val="75000"/>
+              </a:schemeClr>
+            </a:solidFill>
+          </p:grpSpPr>
+          <p:sp>
+            <p:nvSpPr>
+              <p:cNvPr id="68" name="下箭头标注 67"/>
+              <p:cNvSpPr/>
+              <p:nvPr/>
+            </p:nvSpPr>
+            <p:spPr>
+              <a:xfrm>
+                <a:off x="1649293" y="4033555"/>
+                <a:ext cx="6317938" cy="444500"/>
+              </a:xfrm>
+              <a:prstGeom prst="downArrowCallout">
+                <a:avLst>
+                  <a:gd name="adj1" fmla="val 0"/>
+                  <a:gd name="adj2" fmla="val 0"/>
+                  <a:gd name="adj3" fmla="val 25000"/>
+                  <a:gd name="adj4" fmla="val 21863"/>
+                </a:avLst>
+              </a:prstGeom>
+              <a:grpFill/>
+              <a:ln>
+                <a:noFill/>
+              </a:ln>
+            </p:spPr>
+            <p:style>
+              <a:lnRef idx="2">
+                <a:schemeClr val="accent1">
+                  <a:shade val="50000"/>
+                </a:schemeClr>
+              </a:lnRef>
+              <a:fillRef idx="1">
+                <a:schemeClr val="accent1"/>
+              </a:fillRef>
+              <a:effectRef idx="0">
+                <a:schemeClr val="accent1"/>
+              </a:effectRef>
+              <a:fontRef idx="minor">
+                <a:schemeClr val="lt1"/>
+              </a:fontRef>
+            </p:style>
+            <p:txBody>
+              <a:bodyPr rtlCol="0" anchor="ctr"/>
+              <a:lstStyle/>
+              <a:p>
+                <a:pPr algn="ctr"/>
+                <a:endParaRPr lang="zh-CN" altLang="en-US"/>
+              </a:p>
+            </p:txBody>
+          </p:sp>
+          <p:sp>
+            <p:nvSpPr>
+              <p:cNvPr id="69" name="下箭头 68"/>
+              <p:cNvSpPr/>
+              <p:nvPr/>
+            </p:nvSpPr>
+            <p:spPr>
+              <a:xfrm>
+                <a:off x="3684849" y="4110322"/>
+                <a:ext cx="174566" cy="298452"/>
+              </a:xfrm>
+              <a:prstGeom prst="downArrow">
+                <a:avLst/>
+              </a:prstGeom>
+              <a:grpFill/>
+              <a:ln>
+                <a:noFill/>
+              </a:ln>
+            </p:spPr>
+            <p:style>
+              <a:lnRef idx="2">
+                <a:schemeClr val="accent1">
+                  <a:shade val="50000"/>
+                </a:schemeClr>
+              </a:lnRef>
+              <a:fillRef idx="1">
+                <a:schemeClr val="accent1"/>
+              </a:fillRef>
+              <a:effectRef idx="0">
+                <a:schemeClr val="accent1"/>
+              </a:effectRef>
+              <a:fontRef idx="minor">
+                <a:schemeClr val="lt1"/>
+              </a:fontRef>
+            </p:style>
+            <p:txBody>
+              <a:bodyPr rtlCol="0" anchor="ctr"/>
+              <a:lstStyle/>
+              <a:p>
+                <a:pPr algn="ctr"/>
+                <a:endParaRPr lang="zh-CN" altLang="en-US"/>
+              </a:p>
+            </p:txBody>
+          </p:sp>
+          <p:sp>
+            <p:nvSpPr>
+              <p:cNvPr id="70" name="下箭头 69"/>
+              <p:cNvSpPr/>
+              <p:nvPr/>
+            </p:nvSpPr>
+            <p:spPr>
+              <a:xfrm>
+                <a:off x="1605038" y="4110322"/>
+                <a:ext cx="174566" cy="298452"/>
+              </a:xfrm>
+              <a:prstGeom prst="downArrow">
+                <a:avLst/>
+              </a:prstGeom>
+              <a:grpFill/>
+              <a:ln>
+                <a:noFill/>
+              </a:ln>
+            </p:spPr>
+            <p:style>
+              <a:lnRef idx="2">
+                <a:schemeClr val="accent1">
+                  <a:shade val="50000"/>
+                </a:schemeClr>
+              </a:lnRef>
+              <a:fillRef idx="1">
+                <a:schemeClr val="accent1"/>
+              </a:fillRef>
+              <a:effectRef idx="0">
+                <a:schemeClr val="accent1"/>
+              </a:effectRef>
+              <a:fontRef idx="minor">
+                <a:schemeClr val="lt1"/>
+              </a:fontRef>
+            </p:style>
+            <p:txBody>
+              <a:bodyPr rtlCol="0" anchor="ctr"/>
+              <a:lstStyle/>
+              <a:p>
+                <a:pPr algn="ctr"/>
+                <a:endParaRPr lang="zh-CN" altLang="en-US"/>
+              </a:p>
+            </p:txBody>
+          </p:sp>
+        </p:grpSp>
+        <p:sp>
+          <p:nvSpPr>
+            <p:cNvPr id="75" name="下箭头 74"/>
+            <p:cNvSpPr/>
+            <p:nvPr/>
+          </p:nvSpPr>
+          <p:spPr>
+            <a:xfrm>
+              <a:off x="6020789" y="2758897"/>
+              <a:ext cx="187863" cy="267550"/>
+            </a:xfrm>
+            <a:prstGeom prst="downArrow">
+              <a:avLst/>
+            </a:prstGeom>
+            <a:solidFill>
+              <a:schemeClr val="accent1">
+                <a:lumMod val="75000"/>
+              </a:schemeClr>
+            </a:solidFill>
+            <a:ln>
+              <a:noFill/>
+            </a:ln>
+          </p:spPr>
+          <p:style>
+            <a:lnRef idx="2">
+              <a:schemeClr val="accent1">
+                <a:shade val="50000"/>
+              </a:schemeClr>
+            </a:lnRef>
+            <a:fillRef idx="1">
+              <a:schemeClr val="accent1"/>
+            </a:fillRef>
+            <a:effectRef idx="0">
+              <a:schemeClr val="accent1"/>
+            </a:effectRef>
+            <a:fontRef idx="minor">
+              <a:schemeClr val="lt1"/>
+            </a:fontRef>
+          </p:style>
+          <p:txBody>
+            <a:bodyPr rtlCol="0" anchor="ctr"/>
+            <a:lstStyle/>
+            <a:p>
+              <a:pPr algn="ctr"/>
+              <a:endParaRPr lang="zh-CN" altLang="en-US"/>
+            </a:p>
+          </p:txBody>
+        </p:sp>
+        <p:sp>
+          <p:nvSpPr>
+            <p:cNvPr id="76" name="下箭头 75"/>
+            <p:cNvSpPr/>
+            <p:nvPr/>
+          </p:nvSpPr>
+          <p:spPr>
+            <a:xfrm>
+              <a:off x="8313093" y="2758897"/>
+              <a:ext cx="187863" cy="267550"/>
+            </a:xfrm>
+            <a:prstGeom prst="downArrow">
+              <a:avLst/>
+            </a:prstGeom>
+            <a:solidFill>
+              <a:schemeClr val="accent1">
+                <a:lumMod val="75000"/>
+              </a:schemeClr>
+            </a:solidFill>
+            <a:ln>
+              <a:noFill/>
+            </a:ln>
+          </p:spPr>
+          <p:style>
+            <a:lnRef idx="2">
+              <a:schemeClr val="accent1">
+                <a:shade val="50000"/>
+              </a:schemeClr>
+            </a:lnRef>
+            <a:fillRef idx="1">
+              <a:schemeClr val="accent1"/>
+            </a:fillRef>
+            <a:effectRef idx="0">
+              <a:schemeClr val="accent1"/>
+            </a:effectRef>
+            <a:fontRef idx="minor">
+              <a:schemeClr val="lt1"/>
+            </a:fontRef>
+          </p:style>
+          <p:txBody>
+            <a:bodyPr rtlCol="0" anchor="ctr"/>
+            <a:lstStyle/>
+            <a:p>
+              <a:pPr algn="ctr"/>
+              <a:endParaRPr lang="zh-CN" altLang="en-US"/>
+            </a:p>
+          </p:txBody>
+        </p:sp>
+      </p:grpSp>
+      <p:grpSp>
+        <p:nvGrpSpPr>
+          <p:cNvPr id="82" name="组合 81"/>
+          <p:cNvGrpSpPr/>
+          <p:nvPr/>
+        </p:nvGrpSpPr>
+        <p:grpSpPr>
+          <a:xfrm>
+            <a:off x="2720831" y="2326013"/>
+            <a:ext cx="6895918" cy="700434"/>
+            <a:chOff x="1605038" y="2693435"/>
+            <a:chExt cx="6895918" cy="700434"/>
+          </a:xfrm>
+          <a:solidFill>
+            <a:srgbClr val="00B050"/>
+          </a:solidFill>
+        </p:grpSpPr>
+        <p:grpSp>
+          <p:nvGrpSpPr>
+            <p:cNvPr id="83" name="组合 82"/>
+            <p:cNvGrpSpPr/>
+            <p:nvPr/>
+          </p:nvGrpSpPr>
+          <p:grpSpPr>
+            <a:xfrm>
+              <a:off x="1605038" y="2693435"/>
+              <a:ext cx="6846812" cy="700434"/>
+              <a:chOff x="1605038" y="4033555"/>
+              <a:chExt cx="6362193" cy="781334"/>
+            </a:xfrm>
+            <a:grpFill/>
+          </p:grpSpPr>
+          <p:sp>
+            <p:nvSpPr>
+              <p:cNvPr id="86" name="下箭头标注 85"/>
+              <p:cNvSpPr/>
+              <p:nvPr/>
+            </p:nvSpPr>
+            <p:spPr>
+              <a:xfrm>
+                <a:off x="1649293" y="4033555"/>
+                <a:ext cx="6317938" cy="444500"/>
+              </a:xfrm>
+              <a:prstGeom prst="downArrowCallout">
+                <a:avLst>
+                  <a:gd name="adj1" fmla="val 0"/>
+                  <a:gd name="adj2" fmla="val 0"/>
+                  <a:gd name="adj3" fmla="val 25000"/>
+                  <a:gd name="adj4" fmla="val 21863"/>
+                </a:avLst>
+              </a:prstGeom>
+              <a:grpFill/>
+              <a:ln>
+                <a:noFill/>
+              </a:ln>
+            </p:spPr>
+            <p:style>
+              <a:lnRef idx="2">
+                <a:schemeClr val="accent1">
+                  <a:shade val="50000"/>
+                </a:schemeClr>
+              </a:lnRef>
+              <a:fillRef idx="1">
+                <a:schemeClr val="accent1"/>
+              </a:fillRef>
+              <a:effectRef idx="0">
+                <a:schemeClr val="accent1"/>
+              </a:effectRef>
+              <a:fontRef idx="minor">
+                <a:schemeClr val="lt1"/>
+              </a:fontRef>
+            </p:style>
+            <p:txBody>
+              <a:bodyPr rtlCol="0" anchor="ctr"/>
+              <a:lstStyle/>
+              <a:p>
+                <a:pPr algn="ctr"/>
+                <a:endParaRPr lang="zh-CN" altLang="en-US"/>
+              </a:p>
+            </p:txBody>
+          </p:sp>
+          <p:sp>
+            <p:nvSpPr>
+              <p:cNvPr id="87" name="下箭头 86"/>
+              <p:cNvSpPr/>
+              <p:nvPr/>
+            </p:nvSpPr>
+            <p:spPr>
+              <a:xfrm>
+                <a:off x="3684849" y="4110321"/>
+                <a:ext cx="174566" cy="700826"/>
+              </a:xfrm>
+              <a:prstGeom prst="downArrow">
+                <a:avLst/>
+              </a:prstGeom>
+              <a:grpFill/>
+              <a:ln>
+                <a:noFill/>
+              </a:ln>
+            </p:spPr>
+            <p:style>
+              <a:lnRef idx="2">
+                <a:schemeClr val="accent1">
+                  <a:shade val="50000"/>
+                </a:schemeClr>
+              </a:lnRef>
+              <a:fillRef idx="1">
+                <a:schemeClr val="accent1"/>
+              </a:fillRef>
+              <a:effectRef idx="0">
+                <a:schemeClr val="accent1"/>
+              </a:effectRef>
+              <a:fontRef idx="minor">
+                <a:schemeClr val="lt1"/>
+              </a:fontRef>
+            </p:style>
+            <p:txBody>
+              <a:bodyPr rtlCol="0" anchor="ctr"/>
+              <a:lstStyle/>
+              <a:p>
+                <a:pPr algn="ctr"/>
+                <a:endParaRPr lang="zh-CN" altLang="en-US"/>
+              </a:p>
+            </p:txBody>
+          </p:sp>
+          <p:sp>
+            <p:nvSpPr>
+              <p:cNvPr id="88" name="下箭头 87"/>
+              <p:cNvSpPr/>
+              <p:nvPr/>
+            </p:nvSpPr>
+            <p:spPr>
+              <a:xfrm>
+                <a:off x="1605038" y="4110320"/>
+                <a:ext cx="174566" cy="704569"/>
+              </a:xfrm>
+              <a:prstGeom prst="downArrow">
+                <a:avLst/>
+              </a:prstGeom>
+              <a:grpFill/>
+              <a:ln>
+                <a:noFill/>
+              </a:ln>
+            </p:spPr>
+            <p:style>
+              <a:lnRef idx="2">
+                <a:schemeClr val="accent1">
+                  <a:shade val="50000"/>
+                </a:schemeClr>
+              </a:lnRef>
+              <a:fillRef idx="1">
+                <a:schemeClr val="accent1"/>
+              </a:fillRef>
+              <a:effectRef idx="0">
+                <a:schemeClr val="accent1"/>
+              </a:effectRef>
+              <a:fontRef idx="minor">
+                <a:schemeClr val="lt1"/>
+              </a:fontRef>
+            </p:style>
+            <p:txBody>
+              <a:bodyPr rtlCol="0" anchor="ctr"/>
+              <a:lstStyle/>
+              <a:p>
+                <a:pPr algn="ctr"/>
+                <a:endParaRPr lang="zh-CN" altLang="en-US"/>
+              </a:p>
+            </p:txBody>
+          </p:sp>
+        </p:grpSp>
+        <p:sp>
+          <p:nvSpPr>
+            <p:cNvPr id="84" name="下箭头 83"/>
+            <p:cNvSpPr/>
+            <p:nvPr/>
+          </p:nvSpPr>
+          <p:spPr>
+            <a:xfrm>
+              <a:off x="6020789" y="2758896"/>
+              <a:ext cx="187863" cy="631617"/>
+            </a:xfrm>
+            <a:prstGeom prst="downArrow">
+              <a:avLst/>
+            </a:prstGeom>
+            <a:grpFill/>
+            <a:ln>
+              <a:noFill/>
+            </a:ln>
+          </p:spPr>
+          <p:style>
+            <a:lnRef idx="2">
+              <a:schemeClr val="accent1">
+                <a:shade val="50000"/>
+              </a:schemeClr>
+            </a:lnRef>
+            <a:fillRef idx="1">
+              <a:schemeClr val="accent1"/>
+            </a:fillRef>
+            <a:effectRef idx="0">
+              <a:schemeClr val="accent1"/>
+            </a:effectRef>
+            <a:fontRef idx="minor">
+              <a:schemeClr val="lt1"/>
+            </a:fontRef>
+          </p:style>
+          <p:txBody>
+            <a:bodyPr rtlCol="0" anchor="ctr"/>
+            <a:lstStyle/>
+            <a:p>
+              <a:pPr algn="ctr"/>
+              <a:endParaRPr lang="zh-CN" altLang="en-US"/>
+            </a:p>
+          </p:txBody>
+        </p:sp>
+        <p:sp>
+          <p:nvSpPr>
+            <p:cNvPr id="85" name="下箭头 84"/>
+            <p:cNvSpPr/>
+            <p:nvPr/>
+          </p:nvSpPr>
+          <p:spPr>
+            <a:xfrm>
+              <a:off x="8313093" y="2758897"/>
+              <a:ext cx="187863" cy="631616"/>
+            </a:xfrm>
+            <a:prstGeom prst="downArrow">
+              <a:avLst/>
+            </a:prstGeom>
+            <a:grpFill/>
+            <a:ln>
+              <a:noFill/>
+            </a:ln>
+          </p:spPr>
+          <p:style>
+            <a:lnRef idx="2">
+              <a:schemeClr val="accent1">
+                <a:shade val="50000"/>
+              </a:schemeClr>
+            </a:lnRef>
+            <a:fillRef idx="1">
+              <a:schemeClr val="accent1"/>
+            </a:fillRef>
+            <a:effectRef idx="0">
+              <a:schemeClr val="accent1"/>
+            </a:effectRef>
+            <a:fontRef idx="minor">
+              <a:schemeClr val="lt1"/>
+            </a:fontRef>
+          </p:style>
+          <p:txBody>
+            <a:bodyPr rtlCol="0" anchor="ctr"/>
+            <a:lstStyle/>
+            <a:p>
+              <a:pPr algn="ctr"/>
+              <a:endParaRPr lang="zh-CN" altLang="en-US"/>
+            </a:p>
+          </p:txBody>
+        </p:sp>
+      </p:grpSp>
+    </p:spTree>
+    <p:extLst>
+      <p:ext uri="{BB962C8B-B14F-4D97-AF65-F5344CB8AC3E}">
+        <p14:creationId xmlns:p14="http://schemas.microsoft.com/office/powerpoint/2010/main" val="1771775697"/>
+      </p:ext>
+    </p:extLst>
+  </p:cSld>
+  <p:clrMapOvr>
+    <a:masterClrMapping/>
+  </p:clrMapOvr>
+  <p:timing>
+    <p:tnLst>
+      <p:par>
+        <p:cTn id="1" dur="indefinite" restart="never" nodeType="tmRoot"/>
+      </p:par>
+    </p:tnLst>
+  </p:timing>
+</p:sld>
+</file>
+
+<file path=ppt/slides/slide8.xml><?xml version="1.0" encoding="utf-8"?>
+<p:sld xmlns:a="http://schemas.openxmlformats.org/drawingml/2006/main" xmlns:r="http://schemas.openxmlformats.org/officeDocument/2006/relationships" xmlns:p="http://schemas.openxmlformats.org/presentationml/2006/main">
+  <p:cSld>
+    <p:spTree>
+      <p:nvGrpSpPr>
+        <p:cNvPr id="1" name=""/>
+        <p:cNvGrpSpPr/>
+        <p:nvPr/>
+      </p:nvGrpSpPr>
+      <p:grpSpPr>
+        <a:xfrm>
+          <a:off x="0" y="0"/>
+          <a:ext cx="0" cy="0"/>
+          <a:chOff x="0" y="0"/>
+          <a:chExt cx="0" cy="0"/>
+        </a:xfrm>
+      </p:grpSpPr>
+      <p:grpSp>
+        <p:nvGrpSpPr>
+          <p:cNvPr id="18" name="组合 17"/>
+          <p:cNvGrpSpPr/>
+          <p:nvPr/>
+        </p:nvGrpSpPr>
+        <p:grpSpPr>
+          <a:xfrm>
+            <a:off x="1132764" y="3029800"/>
+            <a:ext cx="8952936" cy="1119120"/>
+            <a:chOff x="1473958" y="2361060"/>
+            <a:chExt cx="8952936" cy="1119120"/>
+          </a:xfrm>
+          <a:solidFill>
+            <a:schemeClr val="tx1">
+              <a:lumMod val="85000"/>
+              <a:lumOff val="15000"/>
+            </a:schemeClr>
+          </a:solidFill>
+        </p:grpSpPr>
+        <p:sp>
+          <p:nvSpPr>
+            <p:cNvPr id="6" name="椭圆 5"/>
+            <p:cNvSpPr/>
+            <p:nvPr/>
+          </p:nvSpPr>
+          <p:spPr>
+            <a:xfrm>
+              <a:off x="1473958" y="2361063"/>
+              <a:ext cx="1119117" cy="1119117"/>
+            </a:xfrm>
+            <a:prstGeom prst="ellipse">
+              <a:avLst/>
+            </a:prstGeom>
+            <a:solidFill>
+              <a:schemeClr val="accent1">
+                <a:lumMod val="75000"/>
+              </a:schemeClr>
+            </a:solidFill>
+            <a:ln>
+              <a:noFill/>
+            </a:ln>
+          </p:spPr>
+          <p:style>
+            <a:lnRef idx="2">
+              <a:schemeClr val="accent1">
+                <a:shade val="50000"/>
+              </a:schemeClr>
+            </a:lnRef>
+            <a:fillRef idx="1">
+              <a:schemeClr val="accent1"/>
+            </a:fillRef>
+            <a:effectRef idx="0">
+              <a:schemeClr val="accent1"/>
+            </a:effectRef>
+            <a:fontRef idx="minor">
+              <a:schemeClr val="lt1"/>
+            </a:fontRef>
+          </p:style>
+          <p:txBody>
+            <a:bodyPr rtlCol="0" anchor="ctr"/>
+            <a:lstStyle/>
+            <a:p>
+              <a:pPr algn="ctr"/>
+              <a:r>
+                <a:rPr lang="en-US" altLang="zh-CN" sz="3200" dirty="0" smtClean="0"/>
+                <a:t>0</a:t>
+              </a:r>
+              <a:endParaRPr lang="zh-CN" altLang="en-US" sz="3200" dirty="0"/>
+            </a:p>
+          </p:txBody>
+        </p:sp>
+        <p:sp>
+          <p:nvSpPr>
+            <p:cNvPr id="10" name="椭圆 9"/>
+            <p:cNvSpPr/>
+            <p:nvPr/>
+          </p:nvSpPr>
+          <p:spPr>
+            <a:xfrm>
+              <a:off x="2593075" y="2361062"/>
+              <a:ext cx="1119117" cy="1119117"/>
+            </a:xfrm>
+            <a:prstGeom prst="ellipse">
+              <a:avLst/>
+            </a:prstGeom>
+            <a:solidFill>
+              <a:srgbClr val="00B050"/>
+            </a:solidFill>
+            <a:ln>
+              <a:noFill/>
+            </a:ln>
+          </p:spPr>
+          <p:style>
+            <a:lnRef idx="2">
+              <a:schemeClr val="accent1">
+                <a:shade val="50000"/>
+              </a:schemeClr>
+            </a:lnRef>
+            <a:fillRef idx="1">
+              <a:schemeClr val="accent1"/>
+            </a:fillRef>
+            <a:effectRef idx="0">
+              <a:schemeClr val="accent1"/>
+            </a:effectRef>
+            <a:fontRef idx="minor">
+              <a:schemeClr val="lt1"/>
+            </a:fontRef>
+          </p:style>
+          <p:txBody>
+            <a:bodyPr rtlCol="0" anchor="ctr"/>
+            <a:lstStyle/>
+            <a:p>
+              <a:pPr algn="ctr"/>
+              <a:r>
+                <a:rPr lang="en-US" altLang="zh-CN" sz="3200" dirty="0" smtClean="0"/>
+                <a:t>1</a:t>
+              </a:r>
+              <a:endParaRPr lang="zh-CN" altLang="en-US" sz="3200" dirty="0"/>
+            </a:p>
+          </p:txBody>
+        </p:sp>
+        <p:sp>
+          <p:nvSpPr>
+            <p:cNvPr id="11" name="椭圆 10"/>
+            <p:cNvSpPr/>
+            <p:nvPr/>
+          </p:nvSpPr>
+          <p:spPr>
+            <a:xfrm>
+              <a:off x="3712192" y="2361062"/>
+              <a:ext cx="1119117" cy="1119117"/>
+            </a:xfrm>
+            <a:prstGeom prst="ellipse">
+              <a:avLst/>
+            </a:prstGeom>
+            <a:solidFill>
+              <a:schemeClr val="accent1">
+                <a:lumMod val="75000"/>
+              </a:schemeClr>
+            </a:solidFill>
+            <a:ln>
+              <a:noFill/>
+            </a:ln>
+          </p:spPr>
+          <p:style>
+            <a:lnRef idx="2">
+              <a:schemeClr val="accent1">
+                <a:shade val="50000"/>
+              </a:schemeClr>
+            </a:lnRef>
+            <a:fillRef idx="1">
+              <a:schemeClr val="accent1"/>
+            </a:fillRef>
+            <a:effectRef idx="0">
+              <a:schemeClr val="accent1"/>
+            </a:effectRef>
+            <a:fontRef idx="minor">
+              <a:schemeClr val="lt1"/>
+            </a:fontRef>
+          </p:style>
+          <p:txBody>
+            <a:bodyPr rtlCol="0" anchor="ctr"/>
+            <a:lstStyle/>
+            <a:p>
+              <a:pPr algn="ctr"/>
+              <a:r>
+                <a:rPr lang="en-US" altLang="zh-CN" sz="3200" dirty="0" smtClean="0"/>
+                <a:t>2</a:t>
+              </a:r>
+              <a:endParaRPr lang="zh-CN" altLang="en-US" sz="3200" dirty="0"/>
+            </a:p>
+          </p:txBody>
+        </p:sp>
+        <p:sp>
+          <p:nvSpPr>
+            <p:cNvPr id="12" name="椭圆 11"/>
+            <p:cNvSpPr/>
+            <p:nvPr/>
+          </p:nvSpPr>
+          <p:spPr>
+            <a:xfrm>
+              <a:off x="4831309" y="2361062"/>
+              <a:ext cx="1119117" cy="1119117"/>
+            </a:xfrm>
+            <a:prstGeom prst="ellipse">
+              <a:avLst/>
+            </a:prstGeom>
+            <a:solidFill>
+              <a:srgbClr val="00B050"/>
+            </a:solidFill>
+            <a:ln>
+              <a:noFill/>
+            </a:ln>
+          </p:spPr>
+          <p:style>
+            <a:lnRef idx="2">
+              <a:schemeClr val="accent1">
+                <a:shade val="50000"/>
+              </a:schemeClr>
+            </a:lnRef>
+            <a:fillRef idx="1">
+              <a:schemeClr val="accent1"/>
+            </a:fillRef>
+            <a:effectRef idx="0">
+              <a:schemeClr val="accent1"/>
+            </a:effectRef>
+            <a:fontRef idx="minor">
+              <a:schemeClr val="lt1"/>
+            </a:fontRef>
+          </p:style>
+          <p:txBody>
+            <a:bodyPr rtlCol="0" anchor="ctr"/>
+            <a:lstStyle/>
+            <a:p>
+              <a:pPr algn="ctr"/>
+              <a:r>
+                <a:rPr lang="en-US" altLang="zh-CN" sz="3200" dirty="0"/>
+                <a:t>4</a:t>
+              </a:r>
+              <a:endParaRPr lang="zh-CN" altLang="en-US" sz="3200" dirty="0"/>
+            </a:p>
+          </p:txBody>
+        </p:sp>
+        <p:sp>
+          <p:nvSpPr>
+            <p:cNvPr id="13" name="椭圆 12"/>
+            <p:cNvSpPr/>
+            <p:nvPr/>
+          </p:nvSpPr>
+          <p:spPr>
+            <a:xfrm>
+              <a:off x="5950426" y="2361061"/>
+              <a:ext cx="1119117" cy="1119117"/>
+            </a:xfrm>
+            <a:prstGeom prst="ellipse">
+              <a:avLst/>
+            </a:prstGeom>
+            <a:solidFill>
+              <a:schemeClr val="accent1">
+                <a:lumMod val="75000"/>
+              </a:schemeClr>
+            </a:solidFill>
+            <a:ln>
+              <a:noFill/>
+            </a:ln>
+          </p:spPr>
+          <p:style>
+            <a:lnRef idx="2">
+              <a:schemeClr val="accent1">
+                <a:shade val="50000"/>
+              </a:schemeClr>
+            </a:lnRef>
+            <a:fillRef idx="1">
+              <a:schemeClr val="accent1"/>
+            </a:fillRef>
+            <a:effectRef idx="0">
+              <a:schemeClr val="accent1"/>
+            </a:effectRef>
+            <a:fontRef idx="minor">
+              <a:schemeClr val="lt1"/>
+            </a:fontRef>
+          </p:style>
+          <p:txBody>
+            <a:bodyPr rtlCol="0" anchor="ctr"/>
+            <a:lstStyle/>
+            <a:p>
+              <a:pPr algn="ctr"/>
+              <a:r>
+                <a:rPr lang="en-US" altLang="zh-CN" sz="3200" dirty="0"/>
+                <a:t>3</a:t>
+              </a:r>
+              <a:endParaRPr lang="zh-CN" altLang="en-US" sz="3200" dirty="0"/>
+            </a:p>
+          </p:txBody>
+        </p:sp>
+        <p:sp>
+          <p:nvSpPr>
+            <p:cNvPr id="14" name="椭圆 13"/>
+            <p:cNvSpPr/>
+            <p:nvPr/>
+          </p:nvSpPr>
+          <p:spPr>
+            <a:xfrm>
+              <a:off x="7069543" y="2361060"/>
+              <a:ext cx="1119117" cy="1119117"/>
+            </a:xfrm>
+            <a:prstGeom prst="ellipse">
+              <a:avLst/>
+            </a:prstGeom>
+            <a:solidFill>
+              <a:srgbClr val="00B050"/>
+            </a:solidFill>
+            <a:ln>
+              <a:noFill/>
+            </a:ln>
+          </p:spPr>
+          <p:style>
+            <a:lnRef idx="2">
+              <a:schemeClr val="accent1">
+                <a:shade val="50000"/>
+              </a:schemeClr>
+            </a:lnRef>
+            <a:fillRef idx="1">
+              <a:schemeClr val="accent1"/>
+            </a:fillRef>
+            <a:effectRef idx="0">
+              <a:schemeClr val="accent1"/>
+            </a:effectRef>
+            <a:fontRef idx="minor">
+              <a:schemeClr val="lt1"/>
+            </a:fontRef>
+          </p:style>
+          <p:txBody>
+            <a:bodyPr rtlCol="0" anchor="ctr"/>
+            <a:lstStyle/>
+            <a:p>
+              <a:pPr algn="ctr"/>
+              <a:r>
+                <a:rPr lang="en-US" altLang="zh-CN" sz="3200" dirty="0" smtClean="0"/>
+                <a:t>5</a:t>
+              </a:r>
+              <a:endParaRPr lang="zh-CN" altLang="en-US" sz="3200" dirty="0"/>
+            </a:p>
+          </p:txBody>
+        </p:sp>
+        <p:sp>
+          <p:nvSpPr>
+            <p:cNvPr id="15" name="椭圆 14"/>
+            <p:cNvSpPr/>
+            <p:nvPr/>
+          </p:nvSpPr>
+          <p:spPr>
+            <a:xfrm>
+              <a:off x="8188660" y="2361060"/>
+              <a:ext cx="1119117" cy="1119117"/>
+            </a:xfrm>
+            <a:prstGeom prst="ellipse">
+              <a:avLst/>
+            </a:prstGeom>
+            <a:solidFill>
+              <a:schemeClr val="accent1">
+                <a:lumMod val="75000"/>
+              </a:schemeClr>
+            </a:solidFill>
+            <a:ln>
+              <a:noFill/>
+            </a:ln>
+          </p:spPr>
+          <p:style>
+            <a:lnRef idx="2">
+              <a:schemeClr val="accent1">
+                <a:shade val="50000"/>
+              </a:schemeClr>
+            </a:lnRef>
+            <a:fillRef idx="1">
+              <a:schemeClr val="accent1"/>
+            </a:fillRef>
+            <a:effectRef idx="0">
+              <a:schemeClr val="accent1"/>
+            </a:effectRef>
+            <a:fontRef idx="minor">
+              <a:schemeClr val="lt1"/>
+            </a:fontRef>
+          </p:style>
+          <p:txBody>
+            <a:bodyPr rtlCol="0" anchor="ctr"/>
+            <a:lstStyle/>
+            <a:p>
+              <a:pPr algn="ctr"/>
+              <a:r>
+                <a:rPr lang="en-US" altLang="zh-CN" sz="3200" dirty="0"/>
+                <a:t>7</a:t>
+              </a:r>
+              <a:endParaRPr lang="zh-CN" altLang="en-US" sz="3200" dirty="0"/>
+            </a:p>
+          </p:txBody>
+        </p:sp>
+        <p:sp>
+          <p:nvSpPr>
+            <p:cNvPr id="16" name="椭圆 15"/>
+            <p:cNvSpPr/>
+            <p:nvPr/>
+          </p:nvSpPr>
+          <p:spPr>
+            <a:xfrm>
+              <a:off x="9307777" y="2361060"/>
+              <a:ext cx="1119117" cy="1119117"/>
+            </a:xfrm>
+            <a:prstGeom prst="ellipse">
+              <a:avLst/>
+            </a:prstGeom>
+            <a:solidFill>
+              <a:srgbClr val="00B050"/>
+            </a:solidFill>
+            <a:ln>
+              <a:noFill/>
+            </a:ln>
+          </p:spPr>
+          <p:style>
+            <a:lnRef idx="2">
+              <a:schemeClr val="accent1">
+                <a:shade val="50000"/>
+              </a:schemeClr>
+            </a:lnRef>
+            <a:fillRef idx="1">
+              <a:schemeClr val="accent1"/>
+            </a:fillRef>
+            <a:effectRef idx="0">
+              <a:schemeClr val="accent1"/>
+            </a:effectRef>
+            <a:fontRef idx="minor">
+              <a:schemeClr val="lt1"/>
+            </a:fontRef>
+          </p:style>
+          <p:txBody>
+            <a:bodyPr rtlCol="0" anchor="ctr"/>
+            <a:lstStyle/>
+            <a:p>
+              <a:pPr algn="ctr"/>
+              <a:r>
+                <a:rPr lang="en-US" altLang="zh-CN" sz="3200" dirty="0"/>
+                <a:t>6</a:t>
+              </a:r>
+              <a:endParaRPr lang="zh-CN" altLang="en-US" sz="3200" dirty="0"/>
+            </a:p>
+          </p:txBody>
+        </p:sp>
+      </p:grpSp>
+      <p:sp>
+        <p:nvSpPr>
+          <p:cNvPr id="31" name="文本框 30"/>
+          <p:cNvSpPr txBox="1"/>
+          <p:nvPr/>
+        </p:nvSpPr>
+        <p:spPr>
+          <a:xfrm>
+            <a:off x="1007111" y="1850681"/>
+            <a:ext cx="1571579" cy="584775"/>
+          </a:xfrm>
+          <a:prstGeom prst="rect">
+            <a:avLst/>
+          </a:prstGeom>
+          <a:noFill/>
+        </p:spPr>
+        <p:txBody>
+          <a:bodyPr wrap="square" rtlCol="0">
+            <a:spAutoFit/>
+          </a:bodyPr>
+          <a:lstStyle/>
+          <a:p>
+            <a:r>
+              <a:rPr lang="en-US" altLang="zh-CN" sz="3200" dirty="0" smtClean="0"/>
+              <a:t>gap=2</a:t>
+            </a:r>
+            <a:endParaRPr lang="zh-CN" altLang="en-US" sz="3200" dirty="0"/>
+          </a:p>
+        </p:txBody>
+      </p:sp>
+      <p:grpSp>
+        <p:nvGrpSpPr>
+          <p:cNvPr id="81" name="组合 80"/>
+          <p:cNvGrpSpPr/>
+          <p:nvPr/>
+        </p:nvGrpSpPr>
+        <p:grpSpPr>
+          <a:xfrm>
+            <a:off x="1605038" y="2693434"/>
+            <a:ext cx="6895918" cy="398476"/>
+            <a:chOff x="1605038" y="2693434"/>
+            <a:chExt cx="6895918" cy="398476"/>
+          </a:xfrm>
+        </p:grpSpPr>
+        <p:grpSp>
+          <p:nvGrpSpPr>
+            <p:cNvPr id="67" name="组合 66"/>
+            <p:cNvGrpSpPr/>
+            <p:nvPr/>
+          </p:nvGrpSpPr>
+          <p:grpSpPr>
+            <a:xfrm>
+              <a:off x="1605038" y="2693434"/>
+              <a:ext cx="6846812" cy="398476"/>
+              <a:chOff x="1605038" y="4033555"/>
+              <a:chExt cx="6362193" cy="444500"/>
+            </a:xfrm>
+            <a:solidFill>
+              <a:schemeClr val="accent1">
+                <a:lumMod val="75000"/>
+              </a:schemeClr>
+            </a:solidFill>
+          </p:grpSpPr>
+          <p:sp>
+            <p:nvSpPr>
+              <p:cNvPr id="68" name="下箭头标注 67"/>
+              <p:cNvSpPr/>
+              <p:nvPr/>
+            </p:nvSpPr>
+            <p:spPr>
+              <a:xfrm>
+                <a:off x="1649293" y="4033555"/>
+                <a:ext cx="6317938" cy="444500"/>
+              </a:xfrm>
+              <a:prstGeom prst="downArrowCallout">
+                <a:avLst>
+                  <a:gd name="adj1" fmla="val 0"/>
+                  <a:gd name="adj2" fmla="val 0"/>
+                  <a:gd name="adj3" fmla="val 25000"/>
+                  <a:gd name="adj4" fmla="val 21863"/>
+                </a:avLst>
+              </a:prstGeom>
+              <a:grpFill/>
+              <a:ln>
+                <a:noFill/>
+              </a:ln>
+            </p:spPr>
+            <p:style>
+              <a:lnRef idx="2">
+                <a:schemeClr val="accent1">
+                  <a:shade val="50000"/>
+                </a:schemeClr>
+              </a:lnRef>
+              <a:fillRef idx="1">
+                <a:schemeClr val="accent1"/>
+              </a:fillRef>
+              <a:effectRef idx="0">
+                <a:schemeClr val="accent1"/>
+              </a:effectRef>
+              <a:fontRef idx="minor">
+                <a:schemeClr val="lt1"/>
+              </a:fontRef>
+            </p:style>
+            <p:txBody>
+              <a:bodyPr rtlCol="0" anchor="ctr"/>
+              <a:lstStyle/>
+              <a:p>
+                <a:pPr algn="ctr"/>
+                <a:endParaRPr lang="zh-CN" altLang="en-US"/>
+              </a:p>
+            </p:txBody>
+          </p:sp>
+          <p:sp>
+            <p:nvSpPr>
+              <p:cNvPr id="69" name="下箭头 68"/>
+              <p:cNvSpPr/>
+              <p:nvPr/>
+            </p:nvSpPr>
+            <p:spPr>
+              <a:xfrm>
+                <a:off x="3684849" y="4110322"/>
+                <a:ext cx="174566" cy="298452"/>
+              </a:xfrm>
+              <a:prstGeom prst="downArrow">
+                <a:avLst/>
+              </a:prstGeom>
+              <a:grpFill/>
+              <a:ln>
+                <a:noFill/>
+              </a:ln>
+            </p:spPr>
+            <p:style>
+              <a:lnRef idx="2">
+                <a:schemeClr val="accent1">
+                  <a:shade val="50000"/>
+                </a:schemeClr>
+              </a:lnRef>
+              <a:fillRef idx="1">
+                <a:schemeClr val="accent1"/>
+              </a:fillRef>
+              <a:effectRef idx="0">
+                <a:schemeClr val="accent1"/>
+              </a:effectRef>
+              <a:fontRef idx="minor">
+                <a:schemeClr val="lt1"/>
+              </a:fontRef>
+            </p:style>
+            <p:txBody>
+              <a:bodyPr rtlCol="0" anchor="ctr"/>
+              <a:lstStyle/>
+              <a:p>
+                <a:pPr algn="ctr"/>
+                <a:endParaRPr lang="zh-CN" altLang="en-US"/>
+              </a:p>
+            </p:txBody>
+          </p:sp>
+          <p:sp>
+            <p:nvSpPr>
+              <p:cNvPr id="70" name="下箭头 69"/>
+              <p:cNvSpPr/>
+              <p:nvPr/>
+            </p:nvSpPr>
+            <p:spPr>
+              <a:xfrm>
+                <a:off x="1605038" y="4110322"/>
+                <a:ext cx="174566" cy="298452"/>
+              </a:xfrm>
+              <a:prstGeom prst="downArrow">
+                <a:avLst/>
+              </a:prstGeom>
+              <a:grpFill/>
+              <a:ln>
+                <a:noFill/>
+              </a:ln>
+            </p:spPr>
+            <p:style>
+              <a:lnRef idx="2">
+                <a:schemeClr val="accent1">
+                  <a:shade val="50000"/>
+                </a:schemeClr>
+              </a:lnRef>
+              <a:fillRef idx="1">
+                <a:schemeClr val="accent1"/>
+              </a:fillRef>
+              <a:effectRef idx="0">
+                <a:schemeClr val="accent1"/>
+              </a:effectRef>
+              <a:fontRef idx="minor">
+                <a:schemeClr val="lt1"/>
+              </a:fontRef>
+            </p:style>
+            <p:txBody>
+              <a:bodyPr rtlCol="0" anchor="ctr"/>
+              <a:lstStyle/>
+              <a:p>
+                <a:pPr algn="ctr"/>
+                <a:endParaRPr lang="zh-CN" altLang="en-US"/>
+              </a:p>
+            </p:txBody>
+          </p:sp>
+        </p:grpSp>
+        <p:sp>
+          <p:nvSpPr>
+            <p:cNvPr id="75" name="下箭头 74"/>
+            <p:cNvSpPr/>
+            <p:nvPr/>
+          </p:nvSpPr>
+          <p:spPr>
+            <a:xfrm>
+              <a:off x="6020789" y="2758897"/>
+              <a:ext cx="187863" cy="267550"/>
+            </a:xfrm>
+            <a:prstGeom prst="downArrow">
+              <a:avLst/>
+            </a:prstGeom>
+            <a:solidFill>
+              <a:schemeClr val="accent1">
+                <a:lumMod val="75000"/>
+              </a:schemeClr>
+            </a:solidFill>
+            <a:ln>
+              <a:noFill/>
+            </a:ln>
+          </p:spPr>
+          <p:style>
+            <a:lnRef idx="2">
+              <a:schemeClr val="accent1">
+                <a:shade val="50000"/>
+              </a:schemeClr>
+            </a:lnRef>
+            <a:fillRef idx="1">
+              <a:schemeClr val="accent1"/>
+            </a:fillRef>
+            <a:effectRef idx="0">
+              <a:schemeClr val="accent1"/>
+            </a:effectRef>
+            <a:fontRef idx="minor">
+              <a:schemeClr val="lt1"/>
+            </a:fontRef>
+          </p:style>
+          <p:txBody>
+            <a:bodyPr rtlCol="0" anchor="ctr"/>
+            <a:lstStyle/>
+            <a:p>
+              <a:pPr algn="ctr"/>
+              <a:endParaRPr lang="zh-CN" altLang="en-US"/>
+            </a:p>
+          </p:txBody>
+        </p:sp>
+        <p:sp>
+          <p:nvSpPr>
+            <p:cNvPr id="76" name="下箭头 75"/>
+            <p:cNvSpPr/>
+            <p:nvPr/>
+          </p:nvSpPr>
+          <p:spPr>
+            <a:xfrm>
+              <a:off x="8313093" y="2758897"/>
+              <a:ext cx="187863" cy="267550"/>
+            </a:xfrm>
+            <a:prstGeom prst="downArrow">
+              <a:avLst/>
+            </a:prstGeom>
+            <a:solidFill>
+              <a:schemeClr val="accent1">
+                <a:lumMod val="75000"/>
+              </a:schemeClr>
+            </a:solidFill>
+            <a:ln>
+              <a:noFill/>
+            </a:ln>
+          </p:spPr>
+          <p:style>
+            <a:lnRef idx="2">
+              <a:schemeClr val="accent1">
+                <a:shade val="50000"/>
+              </a:schemeClr>
+            </a:lnRef>
+            <a:fillRef idx="1">
+              <a:schemeClr val="accent1"/>
+            </a:fillRef>
+            <a:effectRef idx="0">
+              <a:schemeClr val="accent1"/>
+            </a:effectRef>
+            <a:fontRef idx="minor">
+              <a:schemeClr val="lt1"/>
+            </a:fontRef>
+          </p:style>
+          <p:txBody>
+            <a:bodyPr rtlCol="0" anchor="ctr"/>
+            <a:lstStyle/>
+            <a:p>
+              <a:pPr algn="ctr"/>
+              <a:endParaRPr lang="zh-CN" altLang="en-US"/>
+            </a:p>
+          </p:txBody>
+        </p:sp>
+      </p:grpSp>
+      <p:grpSp>
+        <p:nvGrpSpPr>
+          <p:cNvPr id="82" name="组合 81"/>
+          <p:cNvGrpSpPr/>
+          <p:nvPr/>
+        </p:nvGrpSpPr>
+        <p:grpSpPr>
+          <a:xfrm>
+            <a:off x="2720831" y="2326013"/>
+            <a:ext cx="6895918" cy="700434"/>
+            <a:chOff x="1605038" y="2693435"/>
+            <a:chExt cx="6895918" cy="700434"/>
+          </a:xfrm>
+          <a:solidFill>
+            <a:srgbClr val="00B050"/>
+          </a:solidFill>
+        </p:grpSpPr>
+        <p:grpSp>
+          <p:nvGrpSpPr>
+            <p:cNvPr id="83" name="组合 82"/>
+            <p:cNvGrpSpPr/>
+            <p:nvPr/>
+          </p:nvGrpSpPr>
+          <p:grpSpPr>
+            <a:xfrm>
+              <a:off x="1605038" y="2693435"/>
+              <a:ext cx="6846812" cy="700434"/>
+              <a:chOff x="1605038" y="4033555"/>
+              <a:chExt cx="6362193" cy="781334"/>
+            </a:xfrm>
+            <a:grpFill/>
+          </p:grpSpPr>
+          <p:sp>
+            <p:nvSpPr>
+              <p:cNvPr id="86" name="下箭头标注 85"/>
+              <p:cNvSpPr/>
+              <p:nvPr/>
+            </p:nvSpPr>
+            <p:spPr>
+              <a:xfrm>
+                <a:off x="1649293" y="4033555"/>
+                <a:ext cx="6317938" cy="444500"/>
+              </a:xfrm>
+              <a:prstGeom prst="downArrowCallout">
+                <a:avLst>
+                  <a:gd name="adj1" fmla="val 0"/>
+                  <a:gd name="adj2" fmla="val 0"/>
+                  <a:gd name="adj3" fmla="val 25000"/>
+                  <a:gd name="adj4" fmla="val 21863"/>
+                </a:avLst>
+              </a:prstGeom>
+              <a:grpFill/>
+              <a:ln>
+                <a:noFill/>
+              </a:ln>
+            </p:spPr>
+            <p:style>
+              <a:lnRef idx="2">
+                <a:schemeClr val="accent1">
+                  <a:shade val="50000"/>
+                </a:schemeClr>
+              </a:lnRef>
+              <a:fillRef idx="1">
+                <a:schemeClr val="accent1"/>
+              </a:fillRef>
+              <a:effectRef idx="0">
+                <a:schemeClr val="accent1"/>
+              </a:effectRef>
+              <a:fontRef idx="minor">
+                <a:schemeClr val="lt1"/>
+              </a:fontRef>
+            </p:style>
+            <p:txBody>
+              <a:bodyPr rtlCol="0" anchor="ctr"/>
+              <a:lstStyle/>
+              <a:p>
+                <a:pPr algn="ctr"/>
+                <a:endParaRPr lang="zh-CN" altLang="en-US"/>
+              </a:p>
+            </p:txBody>
+          </p:sp>
+          <p:sp>
+            <p:nvSpPr>
+              <p:cNvPr id="87" name="下箭头 86"/>
+              <p:cNvSpPr/>
+              <p:nvPr/>
+            </p:nvSpPr>
+            <p:spPr>
+              <a:xfrm>
+                <a:off x="3684849" y="4110321"/>
+                <a:ext cx="174566" cy="700826"/>
+              </a:xfrm>
+              <a:prstGeom prst="downArrow">
+                <a:avLst/>
+              </a:prstGeom>
+              <a:grpFill/>
+              <a:ln>
+                <a:noFill/>
+              </a:ln>
+            </p:spPr>
+            <p:style>
+              <a:lnRef idx="2">
+                <a:schemeClr val="accent1">
+                  <a:shade val="50000"/>
+                </a:schemeClr>
+              </a:lnRef>
+              <a:fillRef idx="1">
+                <a:schemeClr val="accent1"/>
+              </a:fillRef>
+              <a:effectRef idx="0">
+                <a:schemeClr val="accent1"/>
+              </a:effectRef>
+              <a:fontRef idx="minor">
+                <a:schemeClr val="lt1"/>
+              </a:fontRef>
+            </p:style>
+            <p:txBody>
+              <a:bodyPr rtlCol="0" anchor="ctr"/>
+              <a:lstStyle/>
+              <a:p>
+                <a:pPr algn="ctr"/>
+                <a:endParaRPr lang="zh-CN" altLang="en-US"/>
+              </a:p>
+            </p:txBody>
+          </p:sp>
+          <p:sp>
+            <p:nvSpPr>
+              <p:cNvPr id="88" name="下箭头 87"/>
+              <p:cNvSpPr/>
+              <p:nvPr/>
+            </p:nvSpPr>
+            <p:spPr>
+              <a:xfrm>
+                <a:off x="1605038" y="4110320"/>
+                <a:ext cx="174566" cy="704569"/>
+              </a:xfrm>
+              <a:prstGeom prst="downArrow">
+                <a:avLst/>
+              </a:prstGeom>
+              <a:grpFill/>
+              <a:ln>
+                <a:noFill/>
+              </a:ln>
+            </p:spPr>
+            <p:style>
+              <a:lnRef idx="2">
+                <a:schemeClr val="accent1">
+                  <a:shade val="50000"/>
+                </a:schemeClr>
+              </a:lnRef>
+              <a:fillRef idx="1">
+                <a:schemeClr val="accent1"/>
+              </a:fillRef>
+              <a:effectRef idx="0">
+                <a:schemeClr val="accent1"/>
+              </a:effectRef>
+              <a:fontRef idx="minor">
+                <a:schemeClr val="lt1"/>
+              </a:fontRef>
+            </p:style>
+            <p:txBody>
+              <a:bodyPr rtlCol="0" anchor="ctr"/>
+              <a:lstStyle/>
+              <a:p>
+                <a:pPr algn="ctr"/>
+                <a:endParaRPr lang="zh-CN" altLang="en-US"/>
+              </a:p>
+            </p:txBody>
+          </p:sp>
+        </p:grpSp>
+        <p:sp>
+          <p:nvSpPr>
+            <p:cNvPr id="84" name="下箭头 83"/>
+            <p:cNvSpPr/>
+            <p:nvPr/>
+          </p:nvSpPr>
+          <p:spPr>
+            <a:xfrm>
+              <a:off x="6020789" y="2758896"/>
+              <a:ext cx="187863" cy="631617"/>
+            </a:xfrm>
+            <a:prstGeom prst="downArrow">
+              <a:avLst/>
+            </a:prstGeom>
+            <a:grpFill/>
+            <a:ln>
+              <a:noFill/>
+            </a:ln>
+          </p:spPr>
+          <p:style>
+            <a:lnRef idx="2">
+              <a:schemeClr val="accent1">
+                <a:shade val="50000"/>
+              </a:schemeClr>
+            </a:lnRef>
+            <a:fillRef idx="1">
+              <a:schemeClr val="accent1"/>
+            </a:fillRef>
+            <a:effectRef idx="0">
+              <a:schemeClr val="accent1"/>
+            </a:effectRef>
+            <a:fontRef idx="minor">
+              <a:schemeClr val="lt1"/>
+            </a:fontRef>
+          </p:style>
+          <p:txBody>
+            <a:bodyPr rtlCol="0" anchor="ctr"/>
+            <a:lstStyle/>
+            <a:p>
+              <a:pPr algn="ctr"/>
+              <a:endParaRPr lang="zh-CN" altLang="en-US"/>
+            </a:p>
+          </p:txBody>
+        </p:sp>
+        <p:sp>
+          <p:nvSpPr>
+            <p:cNvPr id="85" name="下箭头 84"/>
+            <p:cNvSpPr/>
+            <p:nvPr/>
+          </p:nvSpPr>
+          <p:spPr>
+            <a:xfrm>
+              <a:off x="8313093" y="2758897"/>
+              <a:ext cx="187863" cy="631616"/>
+            </a:xfrm>
+            <a:prstGeom prst="downArrow">
+              <a:avLst/>
+            </a:prstGeom>
+            <a:grpFill/>
+            <a:ln>
+              <a:noFill/>
+            </a:ln>
+          </p:spPr>
+          <p:style>
+            <a:lnRef idx="2">
+              <a:schemeClr val="accent1">
+                <a:shade val="50000"/>
+              </a:schemeClr>
+            </a:lnRef>
+            <a:fillRef idx="1">
+              <a:schemeClr val="accent1"/>
+            </a:fillRef>
+            <a:effectRef idx="0">
+              <a:schemeClr val="accent1"/>
+            </a:effectRef>
+            <a:fontRef idx="minor">
+              <a:schemeClr val="lt1"/>
+            </a:fontRef>
+          </p:style>
+          <p:txBody>
+            <a:bodyPr rtlCol="0" anchor="ctr"/>
+            <a:lstStyle/>
+            <a:p>
+              <a:pPr algn="ctr"/>
+              <a:endParaRPr lang="zh-CN" altLang="en-US"/>
+            </a:p>
+          </p:txBody>
+        </p:sp>
+      </p:grpSp>
+    </p:spTree>
+    <p:extLst>
+      <p:ext uri="{BB962C8B-B14F-4D97-AF65-F5344CB8AC3E}">
+        <p14:creationId xmlns:p14="http://schemas.microsoft.com/office/powerpoint/2010/main" val="1600855267"/>
+      </p:ext>
+    </p:extLst>
+  </p:cSld>
+  <p:clrMapOvr>
+    <a:masterClrMapping/>
+  </p:clrMapOvr>
+  <p:timing>
+    <p:tnLst>
+      <p:par>
+        <p:cTn id="1" dur="indefinite" restart="never" nodeType="tmRoot"/>
+      </p:par>
+    </p:tnLst>
+  </p:timing>
+</p:sld>
+</file>
+
+<file path=ppt/slides/slide9.xml><?xml version="1.0" encoding="utf-8"?>
+<p:sld xmlns:a="http://schemas.openxmlformats.org/drawingml/2006/main" xmlns:r="http://schemas.openxmlformats.org/officeDocument/2006/relationships" xmlns:p="http://schemas.openxmlformats.org/presentationml/2006/main">
+  <p:cSld>
+    <p:spTree>
+      <p:nvGrpSpPr>
+        <p:cNvPr id="1" name=""/>
+        <p:cNvGrpSpPr/>
+        <p:nvPr/>
+      </p:nvGrpSpPr>
+      <p:grpSpPr>
+        <a:xfrm>
+          <a:off x="0" y="0"/>
+          <a:ext cx="0" cy="0"/>
+          <a:chOff x="0" y="0"/>
+          <a:chExt cx="0" cy="0"/>
+        </a:xfrm>
+      </p:grpSpPr>
+      <p:grpSp>
+        <p:nvGrpSpPr>
+          <p:cNvPr id="18" name="组合 17"/>
+          <p:cNvGrpSpPr/>
+          <p:nvPr/>
+        </p:nvGrpSpPr>
+        <p:grpSpPr>
+          <a:xfrm>
+            <a:off x="1132764" y="3029800"/>
+            <a:ext cx="8952936" cy="1119120"/>
+            <a:chOff x="1473958" y="2361060"/>
+            <a:chExt cx="8952936" cy="1119120"/>
+          </a:xfrm>
+          <a:solidFill>
+            <a:schemeClr val="tx1">
+              <a:lumMod val="85000"/>
+              <a:lumOff val="15000"/>
+            </a:schemeClr>
+          </a:solidFill>
+        </p:grpSpPr>
+        <p:sp>
+          <p:nvSpPr>
+            <p:cNvPr id="6" name="椭圆 5"/>
+            <p:cNvSpPr/>
+            <p:nvPr/>
+          </p:nvSpPr>
+          <p:spPr>
+            <a:xfrm>
+              <a:off x="1473958" y="2361063"/>
+              <a:ext cx="1119117" cy="1119117"/>
+            </a:xfrm>
+            <a:prstGeom prst="ellipse">
+              <a:avLst/>
+            </a:prstGeom>
+            <a:grpFill/>
+            <a:ln>
+              <a:noFill/>
+            </a:ln>
+          </p:spPr>
+          <p:style>
+            <a:lnRef idx="2">
+              <a:schemeClr val="accent1">
+                <a:shade val="50000"/>
+              </a:schemeClr>
+            </a:lnRef>
+            <a:fillRef idx="1">
+              <a:schemeClr val="accent1"/>
+            </a:fillRef>
+            <a:effectRef idx="0">
+              <a:schemeClr val="accent1"/>
+            </a:effectRef>
+            <a:fontRef idx="minor">
+              <a:schemeClr val="lt1"/>
+            </a:fontRef>
+          </p:style>
+          <p:txBody>
+            <a:bodyPr rtlCol="0" anchor="ctr"/>
+            <a:lstStyle/>
+            <a:p>
+              <a:pPr algn="ctr"/>
+              <a:r>
+                <a:rPr lang="en-US" altLang="zh-CN" sz="3200" dirty="0"/>
+                <a:t>0</a:t>
+              </a:r>
+              <a:endParaRPr lang="zh-CN" altLang="en-US" sz="3200" dirty="0"/>
+            </a:p>
+          </p:txBody>
+        </p:sp>
+        <p:sp>
+          <p:nvSpPr>
+            <p:cNvPr id="10" name="椭圆 9"/>
+            <p:cNvSpPr/>
+            <p:nvPr/>
+          </p:nvSpPr>
+          <p:spPr>
+            <a:xfrm>
+              <a:off x="2593075" y="2361062"/>
+              <a:ext cx="1119117" cy="1119117"/>
+            </a:xfrm>
+            <a:prstGeom prst="ellipse">
+              <a:avLst/>
+            </a:prstGeom>
+            <a:grpFill/>
+            <a:ln>
+              <a:noFill/>
+            </a:ln>
+          </p:spPr>
+          <p:style>
+            <a:lnRef idx="2">
+              <a:schemeClr val="accent1">
+                <a:shade val="50000"/>
+              </a:schemeClr>
+            </a:lnRef>
+            <a:fillRef idx="1">
+              <a:schemeClr val="accent1"/>
+            </a:fillRef>
+            <a:effectRef idx="0">
+              <a:schemeClr val="accent1"/>
+            </a:effectRef>
+            <a:fontRef idx="minor">
+              <a:schemeClr val="lt1"/>
+            </a:fontRef>
+          </p:style>
+          <p:txBody>
+            <a:bodyPr rtlCol="0" anchor="ctr"/>
+            <a:lstStyle/>
+            <a:p>
+              <a:pPr algn="ctr"/>
+              <a:r>
+                <a:rPr lang="en-US" altLang="zh-CN" sz="3200" dirty="0" smtClean="0"/>
+                <a:t>1</a:t>
+              </a:r>
+              <a:endParaRPr lang="zh-CN" altLang="en-US" sz="3200" dirty="0"/>
+            </a:p>
+          </p:txBody>
+        </p:sp>
+        <p:sp>
+          <p:nvSpPr>
+            <p:cNvPr id="11" name="椭圆 10"/>
+            <p:cNvSpPr/>
+            <p:nvPr/>
+          </p:nvSpPr>
+          <p:spPr>
+            <a:xfrm>
+              <a:off x="3712192" y="2361062"/>
+              <a:ext cx="1119117" cy="1119117"/>
+            </a:xfrm>
+            <a:prstGeom prst="ellipse">
+              <a:avLst/>
+            </a:prstGeom>
+            <a:grpFill/>
+            <a:ln>
+              <a:noFill/>
+            </a:ln>
+          </p:spPr>
+          <p:style>
+            <a:lnRef idx="2">
+              <a:schemeClr val="accent1">
+                <a:shade val="50000"/>
+              </a:schemeClr>
+            </a:lnRef>
+            <a:fillRef idx="1">
+              <a:schemeClr val="accent1"/>
+            </a:fillRef>
+            <a:effectRef idx="0">
+              <a:schemeClr val="accent1"/>
+            </a:effectRef>
+            <a:fontRef idx="minor">
+              <a:schemeClr val="lt1"/>
+            </a:fontRef>
+          </p:style>
+          <p:txBody>
+            <a:bodyPr rtlCol="0" anchor="ctr"/>
+            <a:lstStyle/>
+            <a:p>
+              <a:pPr algn="ctr"/>
+              <a:r>
+                <a:rPr lang="en-US" altLang="zh-CN" sz="3200" dirty="0" smtClean="0"/>
+                <a:t>2</a:t>
+              </a:r>
+              <a:endParaRPr lang="zh-CN" altLang="en-US" sz="3200" dirty="0"/>
+            </a:p>
+          </p:txBody>
+        </p:sp>
+        <p:sp>
+          <p:nvSpPr>
+            <p:cNvPr id="12" name="椭圆 11"/>
+            <p:cNvSpPr/>
+            <p:nvPr/>
+          </p:nvSpPr>
+          <p:spPr>
+            <a:xfrm>
+              <a:off x="4831309" y="2361062"/>
+              <a:ext cx="1119117" cy="1119117"/>
+            </a:xfrm>
+            <a:prstGeom prst="ellipse">
+              <a:avLst/>
+            </a:prstGeom>
+            <a:grpFill/>
+            <a:ln>
+              <a:noFill/>
+            </a:ln>
+          </p:spPr>
+          <p:style>
+            <a:lnRef idx="2">
+              <a:schemeClr val="accent1">
+                <a:shade val="50000"/>
+              </a:schemeClr>
+            </a:lnRef>
+            <a:fillRef idx="1">
+              <a:schemeClr val="accent1"/>
+            </a:fillRef>
+            <a:effectRef idx="0">
+              <a:schemeClr val="accent1"/>
+            </a:effectRef>
+            <a:fontRef idx="minor">
+              <a:schemeClr val="lt1"/>
+            </a:fontRef>
+          </p:style>
+          <p:txBody>
+            <a:bodyPr rtlCol="0" anchor="ctr"/>
+            <a:lstStyle/>
+            <a:p>
+              <a:pPr algn="ctr"/>
+              <a:r>
+                <a:rPr lang="en-US" altLang="zh-CN" sz="3200" dirty="0" smtClean="0"/>
+                <a:t>4</a:t>
+              </a:r>
+              <a:endParaRPr lang="zh-CN" altLang="en-US" sz="3200" dirty="0"/>
+            </a:p>
+          </p:txBody>
+        </p:sp>
+        <p:sp>
+          <p:nvSpPr>
+            <p:cNvPr id="13" name="椭圆 12"/>
+            <p:cNvSpPr/>
+            <p:nvPr/>
+          </p:nvSpPr>
+          <p:spPr>
+            <a:xfrm>
+              <a:off x="5950426" y="2361061"/>
+              <a:ext cx="1119117" cy="1119117"/>
+            </a:xfrm>
+            <a:prstGeom prst="ellipse">
+              <a:avLst/>
+            </a:prstGeom>
+            <a:grpFill/>
+            <a:ln>
+              <a:noFill/>
+            </a:ln>
+          </p:spPr>
+          <p:style>
+            <a:lnRef idx="2">
+              <a:schemeClr val="accent1">
+                <a:shade val="50000"/>
+              </a:schemeClr>
+            </a:lnRef>
+            <a:fillRef idx="1">
+              <a:schemeClr val="accent1"/>
+            </a:fillRef>
+            <a:effectRef idx="0">
+              <a:schemeClr val="accent1"/>
+            </a:effectRef>
+            <a:fontRef idx="minor">
+              <a:schemeClr val="lt1"/>
+            </a:fontRef>
+          </p:style>
+          <p:txBody>
+            <a:bodyPr rtlCol="0" anchor="ctr"/>
+            <a:lstStyle/>
+            <a:p>
+              <a:pPr algn="ctr"/>
+              <a:r>
+                <a:rPr lang="en-US" altLang="zh-CN" sz="3200" dirty="0"/>
+                <a:t>3</a:t>
+              </a:r>
+              <a:endParaRPr lang="zh-CN" altLang="en-US" sz="3200" dirty="0"/>
+            </a:p>
+          </p:txBody>
+        </p:sp>
+        <p:sp>
+          <p:nvSpPr>
+            <p:cNvPr id="14" name="椭圆 13"/>
+            <p:cNvSpPr/>
+            <p:nvPr/>
+          </p:nvSpPr>
+          <p:spPr>
+            <a:xfrm>
+              <a:off x="7069543" y="2361060"/>
+              <a:ext cx="1119117" cy="1119117"/>
+            </a:xfrm>
+            <a:prstGeom prst="ellipse">
+              <a:avLst/>
+            </a:prstGeom>
+            <a:grpFill/>
+            <a:ln>
+              <a:noFill/>
+            </a:ln>
+          </p:spPr>
+          <p:style>
+            <a:lnRef idx="2">
+              <a:schemeClr val="accent1">
+                <a:shade val="50000"/>
+              </a:schemeClr>
+            </a:lnRef>
+            <a:fillRef idx="1">
+              <a:schemeClr val="accent1"/>
+            </a:fillRef>
+            <a:effectRef idx="0">
+              <a:schemeClr val="accent1"/>
+            </a:effectRef>
+            <a:fontRef idx="minor">
+              <a:schemeClr val="lt1"/>
+            </a:fontRef>
+          </p:style>
+          <p:txBody>
+            <a:bodyPr rtlCol="0" anchor="ctr"/>
+            <a:lstStyle/>
+            <a:p>
+              <a:pPr algn="ctr"/>
+              <a:r>
+                <a:rPr lang="en-US" altLang="zh-CN" sz="3200" dirty="0" smtClean="0"/>
+                <a:t>5</a:t>
+              </a:r>
+              <a:endParaRPr lang="zh-CN" altLang="en-US" sz="3200" dirty="0"/>
+            </a:p>
+          </p:txBody>
+        </p:sp>
+        <p:sp>
+          <p:nvSpPr>
+            <p:cNvPr id="15" name="椭圆 14"/>
+            <p:cNvSpPr/>
+            <p:nvPr/>
+          </p:nvSpPr>
+          <p:spPr>
+            <a:xfrm>
+              <a:off x="8188660" y="2361060"/>
+              <a:ext cx="1119117" cy="1119117"/>
+            </a:xfrm>
+            <a:prstGeom prst="ellipse">
+              <a:avLst/>
+            </a:prstGeom>
+            <a:grpFill/>
+            <a:ln>
+              <a:noFill/>
+            </a:ln>
+          </p:spPr>
+          <p:style>
+            <a:lnRef idx="2">
+              <a:schemeClr val="accent1">
+                <a:shade val="50000"/>
+              </a:schemeClr>
+            </a:lnRef>
+            <a:fillRef idx="1">
+              <a:schemeClr val="accent1"/>
+            </a:fillRef>
+            <a:effectRef idx="0">
+              <a:schemeClr val="accent1"/>
+            </a:effectRef>
+            <a:fontRef idx="minor">
+              <a:schemeClr val="lt1"/>
+            </a:fontRef>
+          </p:style>
+          <p:txBody>
+            <a:bodyPr rtlCol="0" anchor="ctr"/>
+            <a:lstStyle/>
+            <a:p>
+              <a:pPr algn="ctr"/>
+              <a:r>
+                <a:rPr lang="en-US" altLang="zh-CN" sz="3200" dirty="0" smtClean="0"/>
+                <a:t>7</a:t>
+              </a:r>
+              <a:endParaRPr lang="zh-CN" altLang="en-US" sz="3200" dirty="0"/>
+            </a:p>
+          </p:txBody>
+        </p:sp>
+        <p:sp>
+          <p:nvSpPr>
+            <p:cNvPr id="16" name="椭圆 15"/>
+            <p:cNvSpPr/>
+            <p:nvPr/>
+          </p:nvSpPr>
+          <p:spPr>
+            <a:xfrm>
+              <a:off x="9307777" y="2361060"/>
+              <a:ext cx="1119117" cy="1119117"/>
+            </a:xfrm>
+            <a:prstGeom prst="ellipse">
+              <a:avLst/>
+            </a:prstGeom>
+            <a:grpFill/>
+            <a:ln>
+              <a:noFill/>
+            </a:ln>
+          </p:spPr>
+          <p:style>
+            <a:lnRef idx="2">
+              <a:schemeClr val="accent1">
+                <a:shade val="50000"/>
+              </a:schemeClr>
+            </a:lnRef>
+            <a:fillRef idx="1">
+              <a:schemeClr val="accent1"/>
+            </a:fillRef>
+            <a:effectRef idx="0">
+              <a:schemeClr val="accent1"/>
+            </a:effectRef>
+            <a:fontRef idx="minor">
+              <a:schemeClr val="lt1"/>
+            </a:fontRef>
+          </p:style>
+          <p:txBody>
+            <a:bodyPr rtlCol="0" anchor="ctr"/>
+            <a:lstStyle/>
+            <a:p>
+              <a:pPr algn="ctr"/>
+              <a:r>
+                <a:rPr lang="en-US" altLang="zh-CN" sz="3200" dirty="0" smtClean="0"/>
+                <a:t>6</a:t>
+              </a:r>
+              <a:endParaRPr lang="zh-CN" altLang="en-US" sz="3200" dirty="0"/>
+            </a:p>
+          </p:txBody>
+        </p:sp>
+      </p:grpSp>
+      <p:grpSp>
+        <p:nvGrpSpPr>
+          <p:cNvPr id="81" name="组合 80"/>
+          <p:cNvGrpSpPr/>
+          <p:nvPr/>
+        </p:nvGrpSpPr>
+        <p:grpSpPr>
+          <a:xfrm>
+            <a:off x="1605038" y="2693434"/>
+            <a:ext cx="7970762" cy="398476"/>
+            <a:chOff x="1605038" y="2693434"/>
+            <a:chExt cx="8054073" cy="398476"/>
+          </a:xfrm>
+          <a:solidFill>
+            <a:schemeClr val="tx1">
+              <a:lumMod val="85000"/>
+              <a:lumOff val="15000"/>
+            </a:schemeClr>
+          </a:solidFill>
+        </p:grpSpPr>
+        <p:grpSp>
+          <p:nvGrpSpPr>
+            <p:cNvPr id="67" name="组合 66"/>
+            <p:cNvGrpSpPr/>
+            <p:nvPr/>
+          </p:nvGrpSpPr>
+          <p:grpSpPr>
+            <a:xfrm>
+              <a:off x="1605038" y="2693434"/>
+              <a:ext cx="8054073" cy="398476"/>
+              <a:chOff x="1605038" y="4033555"/>
+              <a:chExt cx="7484004" cy="444500"/>
+            </a:xfrm>
+            <a:grpFill/>
+          </p:grpSpPr>
+          <p:sp>
+            <p:nvSpPr>
+              <p:cNvPr id="68" name="下箭头标注 67"/>
+              <p:cNvSpPr/>
+              <p:nvPr/>
+            </p:nvSpPr>
+            <p:spPr>
+              <a:xfrm>
+                <a:off x="1649294" y="4033555"/>
+                <a:ext cx="7439748" cy="444500"/>
+              </a:xfrm>
+              <a:prstGeom prst="downArrowCallout">
+                <a:avLst>
+                  <a:gd name="adj1" fmla="val 0"/>
+                  <a:gd name="adj2" fmla="val 0"/>
+                  <a:gd name="adj3" fmla="val 25000"/>
+                  <a:gd name="adj4" fmla="val 21863"/>
+                </a:avLst>
+              </a:prstGeom>
+              <a:grpFill/>
+              <a:ln>
+                <a:noFill/>
+              </a:ln>
+            </p:spPr>
+            <p:style>
+              <a:lnRef idx="2">
+                <a:schemeClr val="accent1">
+                  <a:shade val="50000"/>
+                </a:schemeClr>
+              </a:lnRef>
+              <a:fillRef idx="1">
+                <a:schemeClr val="accent1"/>
+              </a:fillRef>
+              <a:effectRef idx="0">
+                <a:schemeClr val="accent1"/>
+              </a:effectRef>
+              <a:fontRef idx="minor">
+                <a:schemeClr val="lt1"/>
+              </a:fontRef>
+            </p:style>
+            <p:txBody>
+              <a:bodyPr rtlCol="0" anchor="ctr"/>
+              <a:lstStyle/>
+              <a:p>
+                <a:pPr algn="ctr"/>
+                <a:endParaRPr lang="zh-CN" altLang="en-US"/>
+              </a:p>
+            </p:txBody>
+          </p:sp>
+          <p:sp>
+            <p:nvSpPr>
+              <p:cNvPr id="70" name="下箭头 69"/>
+              <p:cNvSpPr/>
+              <p:nvPr/>
+            </p:nvSpPr>
+            <p:spPr>
+              <a:xfrm>
+                <a:off x="1605038" y="4110322"/>
+                <a:ext cx="174566" cy="298452"/>
+              </a:xfrm>
+              <a:prstGeom prst="downArrow">
+                <a:avLst/>
+              </a:prstGeom>
+              <a:grpFill/>
+              <a:ln>
+                <a:noFill/>
+              </a:ln>
+            </p:spPr>
+            <p:style>
+              <a:lnRef idx="2">
+                <a:schemeClr val="accent1">
+                  <a:shade val="50000"/>
+                </a:schemeClr>
+              </a:lnRef>
+              <a:fillRef idx="1">
+                <a:schemeClr val="accent1"/>
+              </a:fillRef>
+              <a:effectRef idx="0">
+                <a:schemeClr val="accent1"/>
+              </a:effectRef>
+              <a:fontRef idx="minor">
+                <a:schemeClr val="lt1"/>
+              </a:fontRef>
+            </p:style>
+            <p:txBody>
+              <a:bodyPr rtlCol="0" anchor="ctr"/>
+              <a:lstStyle/>
+              <a:p>
+                <a:pPr algn="ctr"/>
+                <a:endParaRPr lang="zh-CN" altLang="en-US"/>
+              </a:p>
+            </p:txBody>
+          </p:sp>
+        </p:grpSp>
+        <p:sp>
+          <p:nvSpPr>
+            <p:cNvPr id="76" name="下箭头 75"/>
+            <p:cNvSpPr/>
+            <p:nvPr/>
+          </p:nvSpPr>
+          <p:spPr>
+            <a:xfrm>
+              <a:off x="6148829" y="2758897"/>
+              <a:ext cx="187863" cy="267550"/>
+            </a:xfrm>
+            <a:prstGeom prst="downArrow">
+              <a:avLst/>
+            </a:prstGeom>
+            <a:grpFill/>
+            <a:ln>
+              <a:noFill/>
+            </a:ln>
+          </p:spPr>
+          <p:style>
+            <a:lnRef idx="2">
+              <a:schemeClr val="accent1">
+                <a:shade val="50000"/>
+              </a:schemeClr>
+            </a:lnRef>
+            <a:fillRef idx="1">
+              <a:schemeClr val="accent1"/>
+            </a:fillRef>
+            <a:effectRef idx="0">
+              <a:schemeClr val="accent1"/>
+            </a:effectRef>
+            <a:fontRef idx="minor">
+              <a:schemeClr val="lt1"/>
+            </a:fontRef>
+          </p:style>
+          <p:txBody>
+            <a:bodyPr rtlCol="0" anchor="ctr"/>
+            <a:lstStyle/>
+            <a:p>
+              <a:pPr algn="ctr"/>
+              <a:endParaRPr lang="zh-CN" altLang="en-US"/>
+            </a:p>
+          </p:txBody>
+        </p:sp>
+      </p:grpSp>
+      <p:sp>
+        <p:nvSpPr>
+          <p:cNvPr id="42" name="下箭头 41"/>
+          <p:cNvSpPr/>
+          <p:nvPr/>
+        </p:nvSpPr>
+        <p:spPr>
+          <a:xfrm>
+            <a:off x="7197225" y="2758897"/>
+            <a:ext cx="185920" cy="267550"/>
+          </a:xfrm>
+          <a:prstGeom prst="downArrow">
+            <a:avLst/>
+          </a:prstGeom>
+          <a:solidFill>
+            <a:schemeClr val="tx1">
+              <a:lumMod val="85000"/>
+              <a:lumOff val="15000"/>
+            </a:schemeClr>
+          </a:solidFill>
+          <a:ln>
+            <a:noFill/>
+          </a:ln>
+        </p:spPr>
+        <p:style>
+          <a:lnRef idx="2">
+            <a:schemeClr val="accent1">
+              <a:shade val="50000"/>
+            </a:schemeClr>
+          </a:lnRef>
+          <a:fillRef idx="1">
+            <a:schemeClr val="accent1"/>
+          </a:fillRef>
+          <a:effectRef idx="0">
+            <a:schemeClr val="accent1"/>
+          </a:effectRef>
+          <a:fontRef idx="minor">
+            <a:schemeClr val="lt1"/>
+          </a:fontRef>
+        </p:style>
+        <p:txBody>
+          <a:bodyPr rtlCol="0" anchor="ctr"/>
+          <a:lstStyle/>
+          <a:p>
+            <a:pPr algn="ctr"/>
+            <a:endParaRPr lang="zh-CN" altLang="en-US"/>
+          </a:p>
+        </p:txBody>
+      </p:sp>
+      <p:sp>
+        <p:nvSpPr>
+          <p:cNvPr id="43" name="下箭头 42"/>
+          <p:cNvSpPr/>
+          <p:nvPr/>
+        </p:nvSpPr>
+        <p:spPr>
+          <a:xfrm>
+            <a:off x="8323198" y="2758897"/>
+            <a:ext cx="185920" cy="267550"/>
+          </a:xfrm>
+          <a:prstGeom prst="downArrow">
+            <a:avLst/>
+          </a:prstGeom>
+          <a:solidFill>
+            <a:schemeClr val="tx1">
+              <a:lumMod val="85000"/>
+              <a:lumOff val="15000"/>
+            </a:schemeClr>
+          </a:solidFill>
+          <a:ln>
+            <a:noFill/>
+          </a:ln>
+        </p:spPr>
+        <p:style>
+          <a:lnRef idx="2">
+            <a:schemeClr val="accent1">
+              <a:shade val="50000"/>
+            </a:schemeClr>
+          </a:lnRef>
+          <a:fillRef idx="1">
+            <a:schemeClr val="accent1"/>
+          </a:fillRef>
+          <a:effectRef idx="0">
+            <a:schemeClr val="accent1"/>
+          </a:effectRef>
+          <a:fontRef idx="minor">
+            <a:schemeClr val="lt1"/>
+          </a:fontRef>
+        </p:style>
+        <p:txBody>
+          <a:bodyPr rtlCol="0" anchor="ctr"/>
+          <a:lstStyle/>
+          <a:p>
+            <a:pPr algn="ctr"/>
+            <a:endParaRPr lang="zh-CN" altLang="en-US"/>
+          </a:p>
+        </p:txBody>
+      </p:sp>
+      <p:sp>
+        <p:nvSpPr>
+          <p:cNvPr id="44" name="下箭头 43"/>
+          <p:cNvSpPr/>
+          <p:nvPr/>
+        </p:nvSpPr>
+        <p:spPr>
+          <a:xfrm>
+            <a:off x="9432954" y="2754161"/>
+            <a:ext cx="185920" cy="267550"/>
+          </a:xfrm>
+          <a:prstGeom prst="downArrow">
+            <a:avLst/>
+          </a:prstGeom>
+          <a:solidFill>
+            <a:schemeClr val="tx1">
+              <a:lumMod val="85000"/>
+              <a:lumOff val="15000"/>
+            </a:schemeClr>
+          </a:solidFill>
+          <a:ln>
+            <a:noFill/>
+          </a:ln>
+        </p:spPr>
+        <p:style>
+          <a:lnRef idx="2">
+            <a:schemeClr val="accent1">
+              <a:shade val="50000"/>
+            </a:schemeClr>
+          </a:lnRef>
+          <a:fillRef idx="1">
+            <a:schemeClr val="accent1"/>
+          </a:fillRef>
+          <a:effectRef idx="0">
+            <a:schemeClr val="accent1"/>
+          </a:effectRef>
+          <a:fontRef idx="minor">
+            <a:schemeClr val="lt1"/>
+          </a:fontRef>
+        </p:style>
+        <p:txBody>
+          <a:bodyPr rtlCol="0" anchor="ctr"/>
+          <a:lstStyle/>
+          <a:p>
+            <a:pPr algn="ctr"/>
+            <a:endParaRPr lang="zh-CN" altLang="en-US"/>
+          </a:p>
+        </p:txBody>
+      </p:sp>
+      <p:sp>
+        <p:nvSpPr>
+          <p:cNvPr id="45" name="下箭头 44"/>
+          <p:cNvSpPr/>
+          <p:nvPr/>
+        </p:nvSpPr>
+        <p:spPr>
+          <a:xfrm>
+            <a:off x="4956713" y="2748661"/>
+            <a:ext cx="185920" cy="267550"/>
+          </a:xfrm>
+          <a:prstGeom prst="downArrow">
+            <a:avLst/>
+          </a:prstGeom>
+          <a:solidFill>
+            <a:schemeClr val="tx1">
+              <a:lumMod val="85000"/>
+              <a:lumOff val="15000"/>
+            </a:schemeClr>
+          </a:solidFill>
+          <a:ln>
+            <a:noFill/>
+          </a:ln>
+        </p:spPr>
+        <p:style>
+          <a:lnRef idx="2">
+            <a:schemeClr val="accent1">
+              <a:shade val="50000"/>
+            </a:schemeClr>
+          </a:lnRef>
+          <a:fillRef idx="1">
+            <a:schemeClr val="accent1"/>
+          </a:fillRef>
+          <a:effectRef idx="0">
+            <a:schemeClr val="accent1"/>
+          </a:effectRef>
+          <a:fontRef idx="minor">
+            <a:schemeClr val="lt1"/>
+          </a:fontRef>
+        </p:style>
+        <p:txBody>
+          <a:bodyPr rtlCol="0" anchor="ctr"/>
+          <a:lstStyle/>
+          <a:p>
+            <a:pPr algn="ctr"/>
+            <a:endParaRPr lang="zh-CN" altLang="en-US"/>
+          </a:p>
+        </p:txBody>
+      </p:sp>
+      <p:sp>
+        <p:nvSpPr>
+          <p:cNvPr id="46" name="下箭头 45"/>
+          <p:cNvSpPr/>
+          <p:nvPr/>
+        </p:nvSpPr>
+        <p:spPr>
+          <a:xfrm>
+            <a:off x="3823990" y="2746353"/>
+            <a:ext cx="185920" cy="267550"/>
+          </a:xfrm>
+          <a:prstGeom prst="downArrow">
+            <a:avLst/>
+          </a:prstGeom>
+          <a:solidFill>
+            <a:schemeClr val="tx1">
+              <a:lumMod val="85000"/>
+              <a:lumOff val="15000"/>
+            </a:schemeClr>
+          </a:solidFill>
+          <a:ln>
+            <a:noFill/>
+          </a:ln>
+        </p:spPr>
+        <p:style>
+          <a:lnRef idx="2">
+            <a:schemeClr val="accent1">
+              <a:shade val="50000"/>
+            </a:schemeClr>
+          </a:lnRef>
+          <a:fillRef idx="1">
+            <a:schemeClr val="accent1"/>
+          </a:fillRef>
+          <a:effectRef idx="0">
+            <a:schemeClr val="accent1"/>
+          </a:effectRef>
+          <a:fontRef idx="minor">
+            <a:schemeClr val="lt1"/>
+          </a:fontRef>
+        </p:style>
+        <p:txBody>
+          <a:bodyPr rtlCol="0" anchor="ctr"/>
+          <a:lstStyle/>
+          <a:p>
+            <a:pPr algn="ctr"/>
+            <a:endParaRPr lang="zh-CN" altLang="en-US"/>
+          </a:p>
+        </p:txBody>
+      </p:sp>
+      <p:sp>
+        <p:nvSpPr>
+          <p:cNvPr id="47" name="下箭头 46"/>
+          <p:cNvSpPr/>
+          <p:nvPr/>
+        </p:nvSpPr>
+        <p:spPr>
+          <a:xfrm>
+            <a:off x="2698017" y="2746353"/>
+            <a:ext cx="185920" cy="267550"/>
+          </a:xfrm>
+          <a:prstGeom prst="downArrow">
+            <a:avLst/>
+          </a:prstGeom>
+          <a:solidFill>
+            <a:schemeClr val="tx1">
+              <a:lumMod val="85000"/>
+              <a:lumOff val="15000"/>
+            </a:schemeClr>
+          </a:solidFill>
+          <a:ln>
+            <a:noFill/>
+          </a:ln>
+        </p:spPr>
+        <p:style>
+          <a:lnRef idx="2">
+            <a:schemeClr val="accent1">
+              <a:shade val="50000"/>
+            </a:schemeClr>
+          </a:lnRef>
+          <a:fillRef idx="1">
+            <a:schemeClr val="accent1"/>
+          </a:fillRef>
+          <a:effectRef idx="0">
+            <a:schemeClr val="accent1"/>
+          </a:effectRef>
+          <a:fontRef idx="minor">
+            <a:schemeClr val="lt1"/>
+          </a:fontRef>
+        </p:style>
+        <p:txBody>
+          <a:bodyPr rtlCol="0" anchor="ctr"/>
+          <a:lstStyle/>
+          <a:p>
+            <a:pPr algn="ctr"/>
+            <a:endParaRPr lang="zh-CN" altLang="en-US"/>
+          </a:p>
+        </p:txBody>
+      </p:sp>
+      <p:sp>
+        <p:nvSpPr>
+          <p:cNvPr id="22" name="文本框 21"/>
+          <p:cNvSpPr txBox="1"/>
+          <p:nvPr/>
+        </p:nvSpPr>
+        <p:spPr>
+          <a:xfrm>
+            <a:off x="1007111" y="1850681"/>
+            <a:ext cx="1571579" cy="584775"/>
+          </a:xfrm>
+          <a:prstGeom prst="rect">
+            <a:avLst/>
+          </a:prstGeom>
+          <a:noFill/>
+        </p:spPr>
+        <p:txBody>
+          <a:bodyPr wrap="square" rtlCol="0">
+            <a:spAutoFit/>
+          </a:bodyPr>
+          <a:lstStyle/>
+          <a:p>
+            <a:r>
+              <a:rPr lang="en-US" altLang="zh-CN" sz="3200" dirty="0" smtClean="0"/>
+              <a:t>gap=1</a:t>
+            </a:r>
+            <a:endParaRPr lang="zh-CN" altLang="en-US" sz="3200" dirty="0"/>
+          </a:p>
+        </p:txBody>
+      </p:sp>
+    </p:spTree>
+    <p:extLst>
+      <p:ext uri="{BB962C8B-B14F-4D97-AF65-F5344CB8AC3E}">
+        <p14:creationId xmlns:p14="http://schemas.microsoft.com/office/powerpoint/2010/main" val="1797132901"/>
+      </p:ext>
+    </p:extLst>
+  </p:cSld>
+  <p:clrMapOvr>
+    <a:masterClrMapping/>
+  </p:clrMapOvr>
+  <p:timing>
+    <p:tnLst>
+      <p:par>
+        <p:cTn id="1" dur="indefinite" restart="never" nodeType="tmRoot"/>
+      </p:par>
+    </p:tnLst>
+  </p:timing>
+</p:sld>
+</file>
+
 <file path=ppt/theme/theme1.xml><?xml version="1.0" encoding="utf-8"?>
 <a:theme xmlns:a="http://schemas.openxmlformats.org/drawingml/2006/main" name="Office 主题​​">
   <a:themeElements>

--- a/ppt/sort.pptx
+++ b/ppt/sort.pptx
@@ -15,6 +15,8 @@
     <p:sldId id="264" r:id="rId9"/>
     <p:sldId id="265" r:id="rId10"/>
     <p:sldId id="266" r:id="rId11"/>
+    <p:sldId id="267" r:id="rId12"/>
+    <p:sldId id="268" r:id="rId13"/>
   </p:sldIdLst>
   <p:sldSz cx="12192000" cy="6858000"/>
   <p:notesSz cx="6858000" cy="9144000"/>
@@ -252,7 +254,7 @@
           <a:p>
             <a:fld id="{89368CE1-8ACD-4C62-B28F-3A0B9B6B8466}" type="datetimeFigureOut">
               <a:rPr lang="zh-CN" altLang="en-US" smtClean="0"/>
-              <a:t>2020/2/3</a:t>
+              <a:t>2020/2/4</a:t>
             </a:fld>
             <a:endParaRPr lang="zh-CN" altLang="en-US"/>
           </a:p>
@@ -422,7 +424,7 @@
           <a:p>
             <a:fld id="{89368CE1-8ACD-4C62-B28F-3A0B9B6B8466}" type="datetimeFigureOut">
               <a:rPr lang="zh-CN" altLang="en-US" smtClean="0"/>
-              <a:t>2020/2/3</a:t>
+              <a:t>2020/2/4</a:t>
             </a:fld>
             <a:endParaRPr lang="zh-CN" altLang="en-US"/>
           </a:p>
@@ -602,7 +604,7 @@
           <a:p>
             <a:fld id="{89368CE1-8ACD-4C62-B28F-3A0B9B6B8466}" type="datetimeFigureOut">
               <a:rPr lang="zh-CN" altLang="en-US" smtClean="0"/>
-              <a:t>2020/2/3</a:t>
+              <a:t>2020/2/4</a:t>
             </a:fld>
             <a:endParaRPr lang="zh-CN" altLang="en-US"/>
           </a:p>
@@ -772,7 +774,7 @@
           <a:p>
             <a:fld id="{89368CE1-8ACD-4C62-B28F-3A0B9B6B8466}" type="datetimeFigureOut">
               <a:rPr lang="zh-CN" altLang="en-US" smtClean="0"/>
-              <a:t>2020/2/3</a:t>
+              <a:t>2020/2/4</a:t>
             </a:fld>
             <a:endParaRPr lang="zh-CN" altLang="en-US"/>
           </a:p>
@@ -1018,7 +1020,7 @@
           <a:p>
             <a:fld id="{89368CE1-8ACD-4C62-B28F-3A0B9B6B8466}" type="datetimeFigureOut">
               <a:rPr lang="zh-CN" altLang="en-US" smtClean="0"/>
-              <a:t>2020/2/3</a:t>
+              <a:t>2020/2/4</a:t>
             </a:fld>
             <a:endParaRPr lang="zh-CN" altLang="en-US"/>
           </a:p>
@@ -1250,7 +1252,7 @@
           <a:p>
             <a:fld id="{89368CE1-8ACD-4C62-B28F-3A0B9B6B8466}" type="datetimeFigureOut">
               <a:rPr lang="zh-CN" altLang="en-US" smtClean="0"/>
-              <a:t>2020/2/3</a:t>
+              <a:t>2020/2/4</a:t>
             </a:fld>
             <a:endParaRPr lang="zh-CN" altLang="en-US"/>
           </a:p>
@@ -1617,7 +1619,7 @@
           <a:p>
             <a:fld id="{89368CE1-8ACD-4C62-B28F-3A0B9B6B8466}" type="datetimeFigureOut">
               <a:rPr lang="zh-CN" altLang="en-US" smtClean="0"/>
-              <a:t>2020/2/3</a:t>
+              <a:t>2020/2/4</a:t>
             </a:fld>
             <a:endParaRPr lang="zh-CN" altLang="en-US"/>
           </a:p>
@@ -1735,7 +1737,7 @@
           <a:p>
             <a:fld id="{89368CE1-8ACD-4C62-B28F-3A0B9B6B8466}" type="datetimeFigureOut">
               <a:rPr lang="zh-CN" altLang="en-US" smtClean="0"/>
-              <a:t>2020/2/3</a:t>
+              <a:t>2020/2/4</a:t>
             </a:fld>
             <a:endParaRPr lang="zh-CN" altLang="en-US"/>
           </a:p>
@@ -1830,7 +1832,7 @@
           <a:p>
             <a:fld id="{89368CE1-8ACD-4C62-B28F-3A0B9B6B8466}" type="datetimeFigureOut">
               <a:rPr lang="zh-CN" altLang="en-US" smtClean="0"/>
-              <a:t>2020/2/3</a:t>
+              <a:t>2020/2/4</a:t>
             </a:fld>
             <a:endParaRPr lang="zh-CN" altLang="en-US"/>
           </a:p>
@@ -2107,7 +2109,7 @@
           <a:p>
             <a:fld id="{89368CE1-8ACD-4C62-B28F-3A0B9B6B8466}" type="datetimeFigureOut">
               <a:rPr lang="zh-CN" altLang="en-US" smtClean="0"/>
-              <a:t>2020/2/3</a:t>
+              <a:t>2020/2/4</a:t>
             </a:fld>
             <a:endParaRPr lang="zh-CN" altLang="en-US"/>
           </a:p>
@@ -2360,7 +2362,7 @@
           <a:p>
             <a:fld id="{89368CE1-8ACD-4C62-B28F-3A0B9B6B8466}" type="datetimeFigureOut">
               <a:rPr lang="zh-CN" altLang="en-US" smtClean="0"/>
-              <a:t>2020/2/3</a:t>
+              <a:t>2020/2/4</a:t>
             </a:fld>
             <a:endParaRPr lang="zh-CN" altLang="en-US"/>
           </a:p>
@@ -2573,7 +2575,7 @@
           <a:p>
             <a:fld id="{89368CE1-8ACD-4C62-B28F-3A0B9B6B8466}" type="datetimeFigureOut">
               <a:rPr lang="zh-CN" altLang="en-US" smtClean="0"/>
-              <a:t>2020/2/3</a:t>
+              <a:t>2020/2/4</a:t>
             </a:fld>
             <a:endParaRPr lang="zh-CN" altLang="en-US"/>
           </a:p>
@@ -6100,6 +6102,4045 @@
     <p:extLst>
       <p:ext uri="{BB962C8B-B14F-4D97-AF65-F5344CB8AC3E}">
         <p14:creationId xmlns:p14="http://schemas.microsoft.com/office/powerpoint/2010/main" val="1445965638"/>
+      </p:ext>
+    </p:extLst>
+  </p:cSld>
+  <p:clrMapOvr>
+    <a:masterClrMapping/>
+  </p:clrMapOvr>
+  <p:timing>
+    <p:tnLst>
+      <p:par>
+        <p:cTn id="1" dur="indefinite" restart="never" nodeType="tmRoot"/>
+      </p:par>
+    </p:tnLst>
+  </p:timing>
+</p:sld>
+</file>
+
+<file path=ppt/slides/slide11.xml><?xml version="1.0" encoding="utf-8"?>
+<p:sld xmlns:a="http://schemas.openxmlformats.org/drawingml/2006/main" xmlns:r="http://schemas.openxmlformats.org/officeDocument/2006/relationships" xmlns:p="http://schemas.openxmlformats.org/presentationml/2006/main">
+  <p:cSld>
+    <p:spTree>
+      <p:nvGrpSpPr>
+        <p:cNvPr id="1" name=""/>
+        <p:cNvGrpSpPr/>
+        <p:nvPr/>
+      </p:nvGrpSpPr>
+      <p:grpSpPr>
+        <a:xfrm>
+          <a:off x="0" y="0"/>
+          <a:ext cx="0" cy="0"/>
+          <a:chOff x="0" y="0"/>
+          <a:chExt cx="0" cy="0"/>
+        </a:xfrm>
+      </p:grpSpPr>
+      <p:sp>
+        <p:nvSpPr>
+          <p:cNvPr id="6" name="椭圆 5"/>
+          <p:cNvSpPr/>
+          <p:nvPr/>
+        </p:nvSpPr>
+        <p:spPr>
+          <a:xfrm>
+            <a:off x="1173708" y="3400950"/>
+            <a:ext cx="1119117" cy="1119117"/>
+          </a:xfrm>
+          <a:prstGeom prst="ellipse">
+            <a:avLst/>
+          </a:prstGeom>
+          <a:solidFill>
+            <a:schemeClr val="accent1">
+              <a:lumMod val="75000"/>
+            </a:schemeClr>
+          </a:solidFill>
+          <a:ln>
+            <a:noFill/>
+          </a:ln>
+        </p:spPr>
+        <p:style>
+          <a:lnRef idx="2">
+            <a:schemeClr val="accent1">
+              <a:shade val="50000"/>
+            </a:schemeClr>
+          </a:lnRef>
+          <a:fillRef idx="1">
+            <a:schemeClr val="accent1"/>
+          </a:fillRef>
+          <a:effectRef idx="0">
+            <a:schemeClr val="accent1"/>
+          </a:effectRef>
+          <a:fontRef idx="minor">
+            <a:schemeClr val="lt1"/>
+          </a:fontRef>
+        </p:style>
+        <p:txBody>
+          <a:bodyPr rtlCol="0" anchor="ctr"/>
+          <a:lstStyle/>
+          <a:p>
+            <a:pPr algn="ctr"/>
+            <a:r>
+              <a:rPr lang="en-US" altLang="zh-CN" sz="3200" dirty="0" smtClean="0"/>
+              <a:t>2</a:t>
+            </a:r>
+            <a:endParaRPr lang="zh-CN" altLang="en-US" sz="3200" dirty="0"/>
+          </a:p>
+        </p:txBody>
+      </p:sp>
+      <p:sp>
+        <p:nvSpPr>
+          <p:cNvPr id="10" name="椭圆 9"/>
+          <p:cNvSpPr/>
+          <p:nvPr/>
+        </p:nvSpPr>
+        <p:spPr>
+          <a:xfrm>
+            <a:off x="2292825" y="3400949"/>
+            <a:ext cx="1119117" cy="1119117"/>
+          </a:xfrm>
+          <a:prstGeom prst="ellipse">
+            <a:avLst/>
+          </a:prstGeom>
+          <a:solidFill>
+            <a:schemeClr val="accent1">
+              <a:lumMod val="75000"/>
+            </a:schemeClr>
+          </a:solidFill>
+          <a:ln>
+            <a:noFill/>
+          </a:ln>
+        </p:spPr>
+        <p:style>
+          <a:lnRef idx="2">
+            <a:schemeClr val="accent1">
+              <a:shade val="50000"/>
+            </a:schemeClr>
+          </a:lnRef>
+          <a:fillRef idx="1">
+            <a:schemeClr val="accent1"/>
+          </a:fillRef>
+          <a:effectRef idx="0">
+            <a:schemeClr val="accent1"/>
+          </a:effectRef>
+          <a:fontRef idx="minor">
+            <a:schemeClr val="lt1"/>
+          </a:fontRef>
+        </p:style>
+        <p:txBody>
+          <a:bodyPr rtlCol="0" anchor="ctr"/>
+          <a:lstStyle/>
+          <a:p>
+            <a:pPr algn="ctr"/>
+            <a:r>
+              <a:rPr lang="en-US" altLang="zh-CN" sz="3200" dirty="0" smtClean="0"/>
+              <a:t>1</a:t>
+            </a:r>
+            <a:endParaRPr lang="zh-CN" altLang="en-US" sz="3200" dirty="0"/>
+          </a:p>
+        </p:txBody>
+      </p:sp>
+      <p:sp>
+        <p:nvSpPr>
+          <p:cNvPr id="11" name="椭圆 10"/>
+          <p:cNvSpPr/>
+          <p:nvPr/>
+        </p:nvSpPr>
+        <p:spPr>
+          <a:xfrm>
+            <a:off x="3411942" y="3400949"/>
+            <a:ext cx="1119117" cy="1119117"/>
+          </a:xfrm>
+          <a:prstGeom prst="ellipse">
+            <a:avLst/>
+          </a:prstGeom>
+          <a:solidFill>
+            <a:schemeClr val="accent1">
+              <a:lumMod val="75000"/>
+            </a:schemeClr>
+          </a:solidFill>
+          <a:ln>
+            <a:noFill/>
+          </a:ln>
+        </p:spPr>
+        <p:style>
+          <a:lnRef idx="2">
+            <a:schemeClr val="accent1">
+              <a:shade val="50000"/>
+            </a:schemeClr>
+          </a:lnRef>
+          <a:fillRef idx="1">
+            <a:schemeClr val="accent1"/>
+          </a:fillRef>
+          <a:effectRef idx="0">
+            <a:schemeClr val="accent1"/>
+          </a:effectRef>
+          <a:fontRef idx="minor">
+            <a:schemeClr val="lt1"/>
+          </a:fontRef>
+        </p:style>
+        <p:txBody>
+          <a:bodyPr rtlCol="0" anchor="ctr"/>
+          <a:lstStyle/>
+          <a:p>
+            <a:pPr algn="ctr"/>
+            <a:r>
+              <a:rPr lang="en-US" altLang="zh-CN" sz="3200" dirty="0" smtClean="0"/>
+              <a:t>3</a:t>
+            </a:r>
+            <a:endParaRPr lang="zh-CN" altLang="en-US" sz="3200" dirty="0"/>
+          </a:p>
+        </p:txBody>
+      </p:sp>
+      <p:sp>
+        <p:nvSpPr>
+          <p:cNvPr id="12" name="椭圆 11"/>
+          <p:cNvSpPr/>
+          <p:nvPr/>
+        </p:nvSpPr>
+        <p:spPr>
+          <a:xfrm>
+            <a:off x="4531059" y="3400949"/>
+            <a:ext cx="1119117" cy="1119117"/>
+          </a:xfrm>
+          <a:prstGeom prst="ellipse">
+            <a:avLst/>
+          </a:prstGeom>
+          <a:solidFill>
+            <a:schemeClr val="accent1">
+              <a:lumMod val="75000"/>
+            </a:schemeClr>
+          </a:solidFill>
+          <a:ln>
+            <a:noFill/>
+          </a:ln>
+        </p:spPr>
+        <p:style>
+          <a:lnRef idx="2">
+            <a:schemeClr val="accent1">
+              <a:shade val="50000"/>
+            </a:schemeClr>
+          </a:lnRef>
+          <a:fillRef idx="1">
+            <a:schemeClr val="accent1"/>
+          </a:fillRef>
+          <a:effectRef idx="0">
+            <a:schemeClr val="accent1"/>
+          </a:effectRef>
+          <a:fontRef idx="minor">
+            <a:schemeClr val="lt1"/>
+          </a:fontRef>
+        </p:style>
+        <p:txBody>
+          <a:bodyPr rtlCol="0" anchor="ctr"/>
+          <a:lstStyle/>
+          <a:p>
+            <a:pPr algn="ctr"/>
+            <a:r>
+              <a:rPr lang="en-US" altLang="zh-CN" sz="3200" dirty="0" smtClean="0"/>
+              <a:t>6</a:t>
+            </a:r>
+            <a:endParaRPr lang="zh-CN" altLang="en-US" sz="3200" dirty="0"/>
+          </a:p>
+        </p:txBody>
+      </p:sp>
+      <p:sp>
+        <p:nvSpPr>
+          <p:cNvPr id="13" name="椭圆 12"/>
+          <p:cNvSpPr/>
+          <p:nvPr/>
+        </p:nvSpPr>
+        <p:spPr>
+          <a:xfrm>
+            <a:off x="5650176" y="3400948"/>
+            <a:ext cx="1119117" cy="1119117"/>
+          </a:xfrm>
+          <a:prstGeom prst="ellipse">
+            <a:avLst/>
+          </a:prstGeom>
+          <a:solidFill>
+            <a:schemeClr val="accent1">
+              <a:lumMod val="75000"/>
+            </a:schemeClr>
+          </a:solidFill>
+          <a:ln>
+            <a:noFill/>
+          </a:ln>
+        </p:spPr>
+        <p:style>
+          <a:lnRef idx="2">
+            <a:schemeClr val="accent1">
+              <a:shade val="50000"/>
+            </a:schemeClr>
+          </a:lnRef>
+          <a:fillRef idx="1">
+            <a:schemeClr val="accent1"/>
+          </a:fillRef>
+          <a:effectRef idx="0">
+            <a:schemeClr val="accent1"/>
+          </a:effectRef>
+          <a:fontRef idx="minor">
+            <a:schemeClr val="lt1"/>
+          </a:fontRef>
+        </p:style>
+        <p:txBody>
+          <a:bodyPr rtlCol="0" anchor="ctr"/>
+          <a:lstStyle/>
+          <a:p>
+            <a:pPr algn="ctr"/>
+            <a:r>
+              <a:rPr lang="en-US" altLang="zh-CN" sz="3200" dirty="0" smtClean="0"/>
+              <a:t>7</a:t>
+            </a:r>
+            <a:endParaRPr lang="zh-CN" altLang="en-US" sz="3200" dirty="0"/>
+          </a:p>
+        </p:txBody>
+      </p:sp>
+      <p:sp>
+        <p:nvSpPr>
+          <p:cNvPr id="14" name="椭圆 13"/>
+          <p:cNvSpPr/>
+          <p:nvPr/>
+        </p:nvSpPr>
+        <p:spPr>
+          <a:xfrm>
+            <a:off x="6769293" y="3400947"/>
+            <a:ext cx="1119117" cy="1119117"/>
+          </a:xfrm>
+          <a:prstGeom prst="ellipse">
+            <a:avLst/>
+          </a:prstGeom>
+          <a:solidFill>
+            <a:schemeClr val="accent1">
+              <a:lumMod val="75000"/>
+            </a:schemeClr>
+          </a:solidFill>
+          <a:ln>
+            <a:noFill/>
+          </a:ln>
+        </p:spPr>
+        <p:style>
+          <a:lnRef idx="2">
+            <a:schemeClr val="accent1">
+              <a:shade val="50000"/>
+            </a:schemeClr>
+          </a:lnRef>
+          <a:fillRef idx="1">
+            <a:schemeClr val="accent1"/>
+          </a:fillRef>
+          <a:effectRef idx="0">
+            <a:schemeClr val="accent1"/>
+          </a:effectRef>
+          <a:fontRef idx="minor">
+            <a:schemeClr val="lt1"/>
+          </a:fontRef>
+        </p:style>
+        <p:txBody>
+          <a:bodyPr rtlCol="0" anchor="ctr"/>
+          <a:lstStyle/>
+          <a:p>
+            <a:pPr algn="ctr"/>
+            <a:r>
+              <a:rPr lang="en-US" altLang="zh-CN" sz="3200" dirty="0" smtClean="0"/>
+              <a:t>5</a:t>
+            </a:r>
+            <a:endParaRPr lang="zh-CN" altLang="en-US" sz="3200" dirty="0"/>
+          </a:p>
+        </p:txBody>
+      </p:sp>
+      <p:sp>
+        <p:nvSpPr>
+          <p:cNvPr id="15" name="椭圆 14"/>
+          <p:cNvSpPr/>
+          <p:nvPr/>
+        </p:nvSpPr>
+        <p:spPr>
+          <a:xfrm>
+            <a:off x="7888410" y="3400947"/>
+            <a:ext cx="1119117" cy="1119117"/>
+          </a:xfrm>
+          <a:prstGeom prst="ellipse">
+            <a:avLst/>
+          </a:prstGeom>
+          <a:solidFill>
+            <a:schemeClr val="accent1">
+              <a:lumMod val="75000"/>
+            </a:schemeClr>
+          </a:solidFill>
+          <a:ln>
+            <a:noFill/>
+          </a:ln>
+        </p:spPr>
+        <p:style>
+          <a:lnRef idx="2">
+            <a:schemeClr val="accent1">
+              <a:shade val="50000"/>
+            </a:schemeClr>
+          </a:lnRef>
+          <a:fillRef idx="1">
+            <a:schemeClr val="accent1"/>
+          </a:fillRef>
+          <a:effectRef idx="0">
+            <a:schemeClr val="accent1"/>
+          </a:effectRef>
+          <a:fontRef idx="minor">
+            <a:schemeClr val="lt1"/>
+          </a:fontRef>
+        </p:style>
+        <p:txBody>
+          <a:bodyPr rtlCol="0" anchor="ctr"/>
+          <a:lstStyle/>
+          <a:p>
+            <a:pPr algn="ctr"/>
+            <a:r>
+              <a:rPr lang="en-US" altLang="zh-CN" sz="3200" dirty="0"/>
+              <a:t>0</a:t>
+            </a:r>
+            <a:endParaRPr lang="zh-CN" altLang="en-US" sz="3200" dirty="0"/>
+          </a:p>
+        </p:txBody>
+      </p:sp>
+      <p:sp>
+        <p:nvSpPr>
+          <p:cNvPr id="16" name="椭圆 15"/>
+          <p:cNvSpPr/>
+          <p:nvPr/>
+        </p:nvSpPr>
+        <p:spPr>
+          <a:xfrm>
+            <a:off x="9007527" y="3400947"/>
+            <a:ext cx="1119117" cy="1119117"/>
+          </a:xfrm>
+          <a:prstGeom prst="ellipse">
+            <a:avLst/>
+          </a:prstGeom>
+          <a:solidFill>
+            <a:schemeClr val="accent1">
+              <a:lumMod val="75000"/>
+            </a:schemeClr>
+          </a:solidFill>
+          <a:ln>
+            <a:noFill/>
+          </a:ln>
+        </p:spPr>
+        <p:style>
+          <a:lnRef idx="2">
+            <a:schemeClr val="accent1">
+              <a:shade val="50000"/>
+            </a:schemeClr>
+          </a:lnRef>
+          <a:fillRef idx="1">
+            <a:schemeClr val="accent1"/>
+          </a:fillRef>
+          <a:effectRef idx="0">
+            <a:schemeClr val="accent1"/>
+          </a:effectRef>
+          <a:fontRef idx="minor">
+            <a:schemeClr val="lt1"/>
+          </a:fontRef>
+        </p:style>
+        <p:txBody>
+          <a:bodyPr rtlCol="0" anchor="ctr"/>
+          <a:lstStyle/>
+          <a:p>
+            <a:pPr algn="ctr"/>
+            <a:r>
+              <a:rPr lang="en-US" altLang="zh-CN" sz="3200" dirty="0" smtClean="0"/>
+              <a:t>4</a:t>
+            </a:r>
+            <a:endParaRPr lang="zh-CN" altLang="en-US" sz="3200" dirty="0"/>
+          </a:p>
+        </p:txBody>
+      </p:sp>
+      <p:sp>
+        <p:nvSpPr>
+          <p:cNvPr id="2" name="圆角矩形 1"/>
+          <p:cNvSpPr/>
+          <p:nvPr/>
+        </p:nvSpPr>
+        <p:spPr>
+          <a:xfrm>
+            <a:off x="1296539" y="1801502"/>
+            <a:ext cx="996286" cy="559559"/>
+          </a:xfrm>
+          <a:prstGeom prst="roundRect">
+            <a:avLst/>
+          </a:prstGeom>
+          <a:solidFill>
+            <a:schemeClr val="bg2">
+              <a:lumMod val="25000"/>
+            </a:schemeClr>
+          </a:solidFill>
+          <a:ln>
+            <a:noFill/>
+          </a:ln>
+        </p:spPr>
+        <p:style>
+          <a:lnRef idx="2">
+            <a:schemeClr val="accent1">
+              <a:shade val="50000"/>
+            </a:schemeClr>
+          </a:lnRef>
+          <a:fillRef idx="1">
+            <a:schemeClr val="accent1"/>
+          </a:fillRef>
+          <a:effectRef idx="0">
+            <a:schemeClr val="accent1"/>
+          </a:effectRef>
+          <a:fontRef idx="minor">
+            <a:schemeClr val="lt1"/>
+          </a:fontRef>
+        </p:style>
+        <p:txBody>
+          <a:bodyPr rtlCol="0" anchor="ctr"/>
+          <a:lstStyle/>
+          <a:p>
+            <a:pPr algn="ctr"/>
+            <a:r>
+              <a:rPr lang="en-US" altLang="zh-CN" dirty="0">
+                <a:solidFill>
+                  <a:schemeClr val="bg2">
+                    <a:lumMod val="75000"/>
+                  </a:schemeClr>
+                </a:solidFill>
+              </a:rPr>
+              <a:t>g</a:t>
+            </a:r>
+            <a:r>
+              <a:rPr lang="en-US" altLang="zh-CN" dirty="0" smtClean="0">
+                <a:solidFill>
+                  <a:schemeClr val="bg2">
+                    <a:lumMod val="75000"/>
+                  </a:schemeClr>
+                </a:solidFill>
+              </a:rPr>
+              <a:t>ap=4</a:t>
+            </a:r>
+            <a:endParaRPr lang="zh-CN" altLang="en-US" dirty="0">
+              <a:solidFill>
+                <a:schemeClr val="bg2">
+                  <a:lumMod val="75000"/>
+                </a:schemeClr>
+              </a:solidFill>
+            </a:endParaRPr>
+          </a:p>
+        </p:txBody>
+      </p:sp>
+      <p:grpSp>
+        <p:nvGrpSpPr>
+          <p:cNvPr id="42" name="组合 41"/>
+          <p:cNvGrpSpPr/>
+          <p:nvPr/>
+        </p:nvGrpSpPr>
+        <p:grpSpPr>
+          <a:xfrm>
+            <a:off x="1645982" y="3064581"/>
+            <a:ext cx="4682710" cy="398476"/>
+            <a:chOff x="1605038" y="2693434"/>
+            <a:chExt cx="4731654" cy="398476"/>
+          </a:xfrm>
+        </p:grpSpPr>
+        <p:grpSp>
+          <p:nvGrpSpPr>
+            <p:cNvPr id="43" name="组合 42"/>
+            <p:cNvGrpSpPr/>
+            <p:nvPr/>
+          </p:nvGrpSpPr>
+          <p:grpSpPr>
+            <a:xfrm>
+              <a:off x="1605038" y="2693434"/>
+              <a:ext cx="4682272" cy="398476"/>
+              <a:chOff x="1605038" y="4033555"/>
+              <a:chExt cx="4350860" cy="444500"/>
+            </a:xfrm>
+            <a:solidFill>
+              <a:schemeClr val="accent1">
+                <a:lumMod val="75000"/>
+              </a:schemeClr>
+            </a:solidFill>
+          </p:grpSpPr>
+          <p:sp>
+            <p:nvSpPr>
+              <p:cNvPr id="45" name="下箭头标注 44"/>
+              <p:cNvSpPr/>
+              <p:nvPr/>
+            </p:nvSpPr>
+            <p:spPr>
+              <a:xfrm>
+                <a:off x="1649294" y="4033555"/>
+                <a:ext cx="4306604" cy="444500"/>
+              </a:xfrm>
+              <a:prstGeom prst="downArrowCallout">
+                <a:avLst>
+                  <a:gd name="adj1" fmla="val 0"/>
+                  <a:gd name="adj2" fmla="val 0"/>
+                  <a:gd name="adj3" fmla="val 25000"/>
+                  <a:gd name="adj4" fmla="val 21863"/>
+                </a:avLst>
+              </a:prstGeom>
+              <a:grpFill/>
+              <a:ln>
+                <a:noFill/>
+              </a:ln>
+            </p:spPr>
+            <p:style>
+              <a:lnRef idx="2">
+                <a:schemeClr val="accent1">
+                  <a:shade val="50000"/>
+                </a:schemeClr>
+              </a:lnRef>
+              <a:fillRef idx="1">
+                <a:schemeClr val="accent1"/>
+              </a:fillRef>
+              <a:effectRef idx="0">
+                <a:schemeClr val="accent1"/>
+              </a:effectRef>
+              <a:fontRef idx="minor">
+                <a:schemeClr val="lt1"/>
+              </a:fontRef>
+            </p:style>
+            <p:txBody>
+              <a:bodyPr rtlCol="0" anchor="ctr"/>
+              <a:lstStyle/>
+              <a:p>
+                <a:pPr algn="ctr"/>
+                <a:endParaRPr lang="zh-CN" altLang="en-US"/>
+              </a:p>
+            </p:txBody>
+          </p:sp>
+          <p:sp>
+            <p:nvSpPr>
+              <p:cNvPr id="46" name="下箭头 45"/>
+              <p:cNvSpPr/>
+              <p:nvPr/>
+            </p:nvSpPr>
+            <p:spPr>
+              <a:xfrm>
+                <a:off x="1605038" y="4110322"/>
+                <a:ext cx="174566" cy="298452"/>
+              </a:xfrm>
+              <a:prstGeom prst="downArrow">
+                <a:avLst/>
+              </a:prstGeom>
+              <a:grpFill/>
+              <a:ln>
+                <a:noFill/>
+              </a:ln>
+            </p:spPr>
+            <p:style>
+              <a:lnRef idx="2">
+                <a:schemeClr val="accent1">
+                  <a:shade val="50000"/>
+                </a:schemeClr>
+              </a:lnRef>
+              <a:fillRef idx="1">
+                <a:schemeClr val="accent1"/>
+              </a:fillRef>
+              <a:effectRef idx="0">
+                <a:schemeClr val="accent1"/>
+              </a:effectRef>
+              <a:fontRef idx="minor">
+                <a:schemeClr val="lt1"/>
+              </a:fontRef>
+            </p:style>
+            <p:txBody>
+              <a:bodyPr rtlCol="0" anchor="ctr"/>
+              <a:lstStyle/>
+              <a:p>
+                <a:pPr algn="ctr"/>
+                <a:endParaRPr lang="zh-CN" altLang="en-US"/>
+              </a:p>
+            </p:txBody>
+          </p:sp>
+        </p:grpSp>
+        <p:sp>
+          <p:nvSpPr>
+            <p:cNvPr id="44" name="下箭头 43"/>
+            <p:cNvSpPr/>
+            <p:nvPr/>
+          </p:nvSpPr>
+          <p:spPr>
+            <a:xfrm>
+              <a:off x="6148829" y="2758897"/>
+              <a:ext cx="187863" cy="267550"/>
+            </a:xfrm>
+            <a:prstGeom prst="downArrow">
+              <a:avLst/>
+            </a:prstGeom>
+            <a:solidFill>
+              <a:schemeClr val="accent1">
+                <a:lumMod val="75000"/>
+              </a:schemeClr>
+            </a:solidFill>
+            <a:ln>
+              <a:noFill/>
+            </a:ln>
+          </p:spPr>
+          <p:style>
+            <a:lnRef idx="2">
+              <a:schemeClr val="accent1">
+                <a:shade val="50000"/>
+              </a:schemeClr>
+            </a:lnRef>
+            <a:fillRef idx="1">
+              <a:schemeClr val="accent1"/>
+            </a:fillRef>
+            <a:effectRef idx="0">
+              <a:schemeClr val="accent1"/>
+            </a:effectRef>
+            <a:fontRef idx="minor">
+              <a:schemeClr val="lt1"/>
+            </a:fontRef>
+          </p:style>
+          <p:txBody>
+            <a:bodyPr rtlCol="0" anchor="ctr"/>
+            <a:lstStyle/>
+            <a:p>
+              <a:pPr algn="ctr"/>
+              <a:endParaRPr lang="zh-CN" altLang="en-US"/>
+            </a:p>
+          </p:txBody>
+        </p:sp>
+      </p:grpSp>
+      <p:sp>
+        <p:nvSpPr>
+          <p:cNvPr id="3" name="上箭头标注 2"/>
+          <p:cNvSpPr/>
+          <p:nvPr/>
+        </p:nvSpPr>
+        <p:spPr>
+          <a:xfrm>
+            <a:off x="5922140" y="4664708"/>
+            <a:ext cx="575187" cy="855407"/>
+          </a:xfrm>
+          <a:prstGeom prst="upArrowCallout">
+            <a:avLst>
+              <a:gd name="adj1" fmla="val 25000"/>
+              <a:gd name="adj2" fmla="val 25000"/>
+              <a:gd name="adj3" fmla="val 25000"/>
+              <a:gd name="adj4" fmla="val 47736"/>
+            </a:avLst>
+          </a:prstGeom>
+          <a:solidFill>
+            <a:schemeClr val="tx1">
+              <a:lumMod val="65000"/>
+              <a:lumOff val="35000"/>
+            </a:schemeClr>
+          </a:solidFill>
+          <a:ln>
+            <a:noFill/>
+          </a:ln>
+        </p:spPr>
+        <p:style>
+          <a:lnRef idx="2">
+            <a:schemeClr val="accent1">
+              <a:shade val="50000"/>
+            </a:schemeClr>
+          </a:lnRef>
+          <a:fillRef idx="1">
+            <a:schemeClr val="accent1"/>
+          </a:fillRef>
+          <a:effectRef idx="0">
+            <a:schemeClr val="accent1"/>
+          </a:effectRef>
+          <a:fontRef idx="minor">
+            <a:schemeClr val="lt1"/>
+          </a:fontRef>
+        </p:style>
+        <p:txBody>
+          <a:bodyPr rtlCol="0" anchor="ctr"/>
+          <a:lstStyle/>
+          <a:p>
+            <a:pPr algn="ctr"/>
+            <a:r>
+              <a:rPr lang="en-US" altLang="zh-CN" dirty="0" smtClean="0"/>
+              <a:t>j</a:t>
+            </a:r>
+            <a:endParaRPr lang="zh-CN" altLang="en-US" dirty="0"/>
+          </a:p>
+        </p:txBody>
+      </p:sp>
+      <p:sp>
+        <p:nvSpPr>
+          <p:cNvPr id="47" name="上箭头标注 46"/>
+          <p:cNvSpPr/>
+          <p:nvPr/>
+        </p:nvSpPr>
+        <p:spPr>
+          <a:xfrm>
+            <a:off x="1445672" y="4664707"/>
+            <a:ext cx="575187" cy="855407"/>
+          </a:xfrm>
+          <a:prstGeom prst="upArrowCallout">
+            <a:avLst>
+              <a:gd name="adj1" fmla="val 25000"/>
+              <a:gd name="adj2" fmla="val 25000"/>
+              <a:gd name="adj3" fmla="val 25000"/>
+              <a:gd name="adj4" fmla="val 47736"/>
+            </a:avLst>
+          </a:prstGeom>
+          <a:solidFill>
+            <a:schemeClr val="tx1">
+              <a:lumMod val="65000"/>
+              <a:lumOff val="35000"/>
+            </a:schemeClr>
+          </a:solidFill>
+          <a:ln>
+            <a:noFill/>
+          </a:ln>
+        </p:spPr>
+        <p:style>
+          <a:lnRef idx="2">
+            <a:schemeClr val="accent1">
+              <a:shade val="50000"/>
+            </a:schemeClr>
+          </a:lnRef>
+          <a:fillRef idx="1">
+            <a:schemeClr val="accent1"/>
+          </a:fillRef>
+          <a:effectRef idx="0">
+            <a:schemeClr val="accent1"/>
+          </a:effectRef>
+          <a:fontRef idx="minor">
+            <a:schemeClr val="lt1"/>
+          </a:fontRef>
+        </p:style>
+        <p:txBody>
+          <a:bodyPr rtlCol="0" anchor="ctr"/>
+          <a:lstStyle/>
+          <a:p>
+            <a:pPr algn="ctr"/>
+            <a:r>
+              <a:rPr lang="en-US" altLang="zh-CN" sz="1200" dirty="0"/>
+              <a:t>j</a:t>
+            </a:r>
+            <a:r>
+              <a:rPr lang="en-US" altLang="zh-CN" sz="1200" dirty="0" smtClean="0"/>
+              <a:t>-gap</a:t>
+            </a:r>
+            <a:endParaRPr lang="zh-CN" altLang="en-US" sz="1200" dirty="0"/>
+          </a:p>
+        </p:txBody>
+      </p:sp>
+      <p:sp>
+        <p:nvSpPr>
+          <p:cNvPr id="48" name="圆角矩形 47"/>
+          <p:cNvSpPr/>
+          <p:nvPr/>
+        </p:nvSpPr>
+        <p:spPr>
+          <a:xfrm>
+            <a:off x="1296539" y="1801502"/>
+            <a:ext cx="996286" cy="559559"/>
+          </a:xfrm>
+          <a:prstGeom prst="roundRect">
+            <a:avLst/>
+          </a:prstGeom>
+          <a:solidFill>
+            <a:schemeClr val="bg2">
+              <a:lumMod val="25000"/>
+            </a:schemeClr>
+          </a:solidFill>
+          <a:ln>
+            <a:noFill/>
+          </a:ln>
+        </p:spPr>
+        <p:style>
+          <a:lnRef idx="2">
+            <a:schemeClr val="accent1">
+              <a:shade val="50000"/>
+            </a:schemeClr>
+          </a:lnRef>
+          <a:fillRef idx="1">
+            <a:schemeClr val="accent1"/>
+          </a:fillRef>
+          <a:effectRef idx="0">
+            <a:schemeClr val="accent1"/>
+          </a:effectRef>
+          <a:fontRef idx="minor">
+            <a:schemeClr val="lt1"/>
+          </a:fontRef>
+        </p:style>
+        <p:txBody>
+          <a:bodyPr rtlCol="0" anchor="ctr"/>
+          <a:lstStyle/>
+          <a:p>
+            <a:pPr algn="ctr"/>
+            <a:r>
+              <a:rPr lang="en-US" altLang="zh-CN" dirty="0" smtClean="0">
+                <a:solidFill>
+                  <a:schemeClr val="bg2">
+                    <a:lumMod val="75000"/>
+                  </a:schemeClr>
+                </a:solidFill>
+              </a:rPr>
+              <a:t>gap=2</a:t>
+            </a:r>
+            <a:endParaRPr lang="zh-CN" altLang="en-US" dirty="0">
+              <a:solidFill>
+                <a:schemeClr val="bg2">
+                  <a:lumMod val="75000"/>
+                </a:schemeClr>
+              </a:solidFill>
+            </a:endParaRPr>
+          </a:p>
+        </p:txBody>
+      </p:sp>
+      <p:grpSp>
+        <p:nvGrpSpPr>
+          <p:cNvPr id="63" name="组合 62"/>
+          <p:cNvGrpSpPr/>
+          <p:nvPr/>
+        </p:nvGrpSpPr>
+        <p:grpSpPr>
+          <a:xfrm>
+            <a:off x="-2770289" y="2700515"/>
+            <a:ext cx="6895918" cy="700434"/>
+            <a:chOff x="1605038" y="2693435"/>
+            <a:chExt cx="6895918" cy="700434"/>
+          </a:xfrm>
+          <a:solidFill>
+            <a:srgbClr val="00B050"/>
+          </a:solidFill>
+        </p:grpSpPr>
+        <p:grpSp>
+          <p:nvGrpSpPr>
+            <p:cNvPr id="64" name="组合 63"/>
+            <p:cNvGrpSpPr/>
+            <p:nvPr/>
+          </p:nvGrpSpPr>
+          <p:grpSpPr>
+            <a:xfrm>
+              <a:off x="1605038" y="2693435"/>
+              <a:ext cx="6846812" cy="700434"/>
+              <a:chOff x="1605038" y="4033555"/>
+              <a:chExt cx="6362193" cy="781334"/>
+            </a:xfrm>
+            <a:grpFill/>
+          </p:grpSpPr>
+          <p:sp>
+            <p:nvSpPr>
+              <p:cNvPr id="69" name="下箭头标注 68"/>
+              <p:cNvSpPr/>
+              <p:nvPr/>
+            </p:nvSpPr>
+            <p:spPr>
+              <a:xfrm>
+                <a:off x="1649293" y="4033555"/>
+                <a:ext cx="6317938" cy="444500"/>
+              </a:xfrm>
+              <a:prstGeom prst="downArrowCallout">
+                <a:avLst>
+                  <a:gd name="adj1" fmla="val 0"/>
+                  <a:gd name="adj2" fmla="val 0"/>
+                  <a:gd name="adj3" fmla="val 25000"/>
+                  <a:gd name="adj4" fmla="val 21863"/>
+                </a:avLst>
+              </a:prstGeom>
+              <a:grpFill/>
+              <a:ln>
+                <a:noFill/>
+              </a:ln>
+            </p:spPr>
+            <p:style>
+              <a:lnRef idx="2">
+                <a:schemeClr val="accent1">
+                  <a:shade val="50000"/>
+                </a:schemeClr>
+              </a:lnRef>
+              <a:fillRef idx="1">
+                <a:schemeClr val="accent1"/>
+              </a:fillRef>
+              <a:effectRef idx="0">
+                <a:schemeClr val="accent1"/>
+              </a:effectRef>
+              <a:fontRef idx="minor">
+                <a:schemeClr val="lt1"/>
+              </a:fontRef>
+            </p:style>
+            <p:txBody>
+              <a:bodyPr rtlCol="0" anchor="ctr"/>
+              <a:lstStyle/>
+              <a:p>
+                <a:pPr algn="ctr"/>
+                <a:endParaRPr lang="zh-CN" altLang="en-US"/>
+              </a:p>
+            </p:txBody>
+          </p:sp>
+          <p:sp>
+            <p:nvSpPr>
+              <p:cNvPr id="71" name="下箭头 70"/>
+              <p:cNvSpPr/>
+              <p:nvPr/>
+            </p:nvSpPr>
+            <p:spPr>
+              <a:xfrm>
+                <a:off x="3684849" y="4110321"/>
+                <a:ext cx="174566" cy="700826"/>
+              </a:xfrm>
+              <a:prstGeom prst="downArrow">
+                <a:avLst/>
+              </a:prstGeom>
+              <a:grpFill/>
+              <a:ln>
+                <a:noFill/>
+              </a:ln>
+            </p:spPr>
+            <p:style>
+              <a:lnRef idx="2">
+                <a:schemeClr val="accent1">
+                  <a:shade val="50000"/>
+                </a:schemeClr>
+              </a:lnRef>
+              <a:fillRef idx="1">
+                <a:schemeClr val="accent1"/>
+              </a:fillRef>
+              <a:effectRef idx="0">
+                <a:schemeClr val="accent1"/>
+              </a:effectRef>
+              <a:fontRef idx="minor">
+                <a:schemeClr val="lt1"/>
+              </a:fontRef>
+            </p:style>
+            <p:txBody>
+              <a:bodyPr rtlCol="0" anchor="ctr"/>
+              <a:lstStyle/>
+              <a:p>
+                <a:pPr algn="ctr"/>
+                <a:endParaRPr lang="zh-CN" altLang="en-US"/>
+              </a:p>
+            </p:txBody>
+          </p:sp>
+          <p:sp>
+            <p:nvSpPr>
+              <p:cNvPr id="72" name="下箭头 71"/>
+              <p:cNvSpPr/>
+              <p:nvPr/>
+            </p:nvSpPr>
+            <p:spPr>
+              <a:xfrm>
+                <a:off x="1605038" y="4110320"/>
+                <a:ext cx="174566" cy="704569"/>
+              </a:xfrm>
+              <a:prstGeom prst="downArrow">
+                <a:avLst/>
+              </a:prstGeom>
+              <a:grpFill/>
+              <a:ln>
+                <a:noFill/>
+              </a:ln>
+            </p:spPr>
+            <p:style>
+              <a:lnRef idx="2">
+                <a:schemeClr val="accent1">
+                  <a:shade val="50000"/>
+                </a:schemeClr>
+              </a:lnRef>
+              <a:fillRef idx="1">
+                <a:schemeClr val="accent1"/>
+              </a:fillRef>
+              <a:effectRef idx="0">
+                <a:schemeClr val="accent1"/>
+              </a:effectRef>
+              <a:fontRef idx="minor">
+                <a:schemeClr val="lt1"/>
+              </a:fontRef>
+            </p:style>
+            <p:txBody>
+              <a:bodyPr rtlCol="0" anchor="ctr"/>
+              <a:lstStyle/>
+              <a:p>
+                <a:pPr algn="ctr"/>
+                <a:endParaRPr lang="zh-CN" altLang="en-US"/>
+              </a:p>
+            </p:txBody>
+          </p:sp>
+        </p:grpSp>
+        <p:sp>
+          <p:nvSpPr>
+            <p:cNvPr id="65" name="下箭头 64"/>
+            <p:cNvSpPr/>
+            <p:nvPr/>
+          </p:nvSpPr>
+          <p:spPr>
+            <a:xfrm>
+              <a:off x="6020789" y="2758896"/>
+              <a:ext cx="187863" cy="631617"/>
+            </a:xfrm>
+            <a:prstGeom prst="downArrow">
+              <a:avLst/>
+            </a:prstGeom>
+            <a:grpFill/>
+            <a:ln>
+              <a:noFill/>
+            </a:ln>
+          </p:spPr>
+          <p:style>
+            <a:lnRef idx="2">
+              <a:schemeClr val="accent1">
+                <a:shade val="50000"/>
+              </a:schemeClr>
+            </a:lnRef>
+            <a:fillRef idx="1">
+              <a:schemeClr val="accent1"/>
+            </a:fillRef>
+            <a:effectRef idx="0">
+              <a:schemeClr val="accent1"/>
+            </a:effectRef>
+            <a:fontRef idx="minor">
+              <a:schemeClr val="lt1"/>
+            </a:fontRef>
+          </p:style>
+          <p:txBody>
+            <a:bodyPr rtlCol="0" anchor="ctr"/>
+            <a:lstStyle/>
+            <a:p>
+              <a:pPr algn="ctr"/>
+              <a:endParaRPr lang="zh-CN" altLang="en-US"/>
+            </a:p>
+          </p:txBody>
+        </p:sp>
+        <p:sp>
+          <p:nvSpPr>
+            <p:cNvPr id="66" name="下箭头 65"/>
+            <p:cNvSpPr/>
+            <p:nvPr/>
+          </p:nvSpPr>
+          <p:spPr>
+            <a:xfrm>
+              <a:off x="8313093" y="2758897"/>
+              <a:ext cx="187863" cy="631616"/>
+            </a:xfrm>
+            <a:prstGeom prst="downArrow">
+              <a:avLst/>
+            </a:prstGeom>
+            <a:grpFill/>
+            <a:ln>
+              <a:noFill/>
+            </a:ln>
+          </p:spPr>
+          <p:style>
+            <a:lnRef idx="2">
+              <a:schemeClr val="accent1">
+                <a:shade val="50000"/>
+              </a:schemeClr>
+            </a:lnRef>
+            <a:fillRef idx="1">
+              <a:schemeClr val="accent1"/>
+            </a:fillRef>
+            <a:effectRef idx="0">
+              <a:schemeClr val="accent1"/>
+            </a:effectRef>
+            <a:fontRef idx="minor">
+              <a:schemeClr val="lt1"/>
+            </a:fontRef>
+          </p:style>
+          <p:txBody>
+            <a:bodyPr rtlCol="0" anchor="ctr"/>
+            <a:lstStyle/>
+            <a:p>
+              <a:pPr algn="ctr"/>
+              <a:endParaRPr lang="zh-CN" altLang="en-US"/>
+            </a:p>
+          </p:txBody>
+        </p:sp>
+      </p:grpSp>
+      <p:sp>
+        <p:nvSpPr>
+          <p:cNvPr id="75" name="圆角矩形 74"/>
+          <p:cNvSpPr/>
+          <p:nvPr/>
+        </p:nvSpPr>
+        <p:spPr>
+          <a:xfrm>
+            <a:off x="1296539" y="1801502"/>
+            <a:ext cx="996286" cy="559559"/>
+          </a:xfrm>
+          <a:prstGeom prst="roundRect">
+            <a:avLst/>
+          </a:prstGeom>
+          <a:solidFill>
+            <a:schemeClr val="bg2">
+              <a:lumMod val="25000"/>
+            </a:schemeClr>
+          </a:solidFill>
+          <a:ln>
+            <a:noFill/>
+          </a:ln>
+        </p:spPr>
+        <p:style>
+          <a:lnRef idx="2">
+            <a:schemeClr val="accent1">
+              <a:shade val="50000"/>
+            </a:schemeClr>
+          </a:lnRef>
+          <a:fillRef idx="1">
+            <a:schemeClr val="accent1"/>
+          </a:fillRef>
+          <a:effectRef idx="0">
+            <a:schemeClr val="accent1"/>
+          </a:effectRef>
+          <a:fontRef idx="minor">
+            <a:schemeClr val="lt1"/>
+          </a:fontRef>
+        </p:style>
+        <p:txBody>
+          <a:bodyPr rtlCol="0" anchor="ctr"/>
+          <a:lstStyle/>
+          <a:p>
+            <a:pPr algn="ctr"/>
+            <a:r>
+              <a:rPr lang="en-US" altLang="zh-CN" dirty="0" smtClean="0">
+                <a:solidFill>
+                  <a:schemeClr val="bg2">
+                    <a:lumMod val="75000"/>
+                  </a:schemeClr>
+                </a:solidFill>
+              </a:rPr>
+              <a:t>gap=1</a:t>
+            </a:r>
+            <a:endParaRPr lang="zh-CN" altLang="en-US" dirty="0">
+              <a:solidFill>
+                <a:schemeClr val="bg2">
+                  <a:lumMod val="75000"/>
+                </a:schemeClr>
+              </a:solidFill>
+            </a:endParaRPr>
+          </a:p>
+        </p:txBody>
+      </p:sp>
+      <p:grpSp>
+        <p:nvGrpSpPr>
+          <p:cNvPr id="83" name="组合 82"/>
+          <p:cNvGrpSpPr/>
+          <p:nvPr/>
+        </p:nvGrpSpPr>
+        <p:grpSpPr>
+          <a:xfrm>
+            <a:off x="-5066908" y="3072896"/>
+            <a:ext cx="8013836" cy="398476"/>
+            <a:chOff x="1605038" y="2693434"/>
+            <a:chExt cx="8013836" cy="398476"/>
+          </a:xfrm>
+        </p:grpSpPr>
+        <p:grpSp>
+          <p:nvGrpSpPr>
+            <p:cNvPr id="84" name="组合 83"/>
+            <p:cNvGrpSpPr/>
+            <p:nvPr/>
+          </p:nvGrpSpPr>
+          <p:grpSpPr>
+            <a:xfrm>
+              <a:off x="1605038" y="2693434"/>
+              <a:ext cx="7970762" cy="398476"/>
+              <a:chOff x="1605038" y="2693434"/>
+              <a:chExt cx="8054073" cy="398476"/>
+            </a:xfrm>
+            <a:solidFill>
+              <a:schemeClr val="tx1">
+                <a:lumMod val="85000"/>
+                <a:lumOff val="15000"/>
+              </a:schemeClr>
+            </a:solidFill>
+          </p:grpSpPr>
+          <p:grpSp>
+            <p:nvGrpSpPr>
+              <p:cNvPr id="91" name="组合 90"/>
+              <p:cNvGrpSpPr/>
+              <p:nvPr/>
+            </p:nvGrpSpPr>
+            <p:grpSpPr>
+              <a:xfrm>
+                <a:off x="1605038" y="2693434"/>
+                <a:ext cx="8054073" cy="398476"/>
+                <a:chOff x="1605038" y="4033555"/>
+                <a:chExt cx="7484004" cy="444500"/>
+              </a:xfrm>
+              <a:grpFill/>
+            </p:grpSpPr>
+            <p:sp>
+              <p:nvSpPr>
+                <p:cNvPr id="93" name="下箭头标注 92"/>
+                <p:cNvSpPr/>
+                <p:nvPr/>
+              </p:nvSpPr>
+              <p:spPr>
+                <a:xfrm>
+                  <a:off x="1649294" y="4033555"/>
+                  <a:ext cx="7439748" cy="444500"/>
+                </a:xfrm>
+                <a:prstGeom prst="downArrowCallout">
+                  <a:avLst>
+                    <a:gd name="adj1" fmla="val 0"/>
+                    <a:gd name="adj2" fmla="val 0"/>
+                    <a:gd name="adj3" fmla="val 25000"/>
+                    <a:gd name="adj4" fmla="val 21863"/>
+                  </a:avLst>
+                </a:prstGeom>
+                <a:grpFill/>
+                <a:ln>
+                  <a:noFill/>
+                </a:ln>
+              </p:spPr>
+              <p:style>
+                <a:lnRef idx="2">
+                  <a:schemeClr val="accent1">
+                    <a:shade val="50000"/>
+                  </a:schemeClr>
+                </a:lnRef>
+                <a:fillRef idx="1">
+                  <a:schemeClr val="accent1"/>
+                </a:fillRef>
+                <a:effectRef idx="0">
+                  <a:schemeClr val="accent1"/>
+                </a:effectRef>
+                <a:fontRef idx="minor">
+                  <a:schemeClr val="lt1"/>
+                </a:fontRef>
+              </p:style>
+              <p:txBody>
+                <a:bodyPr rtlCol="0" anchor="ctr"/>
+                <a:lstStyle/>
+                <a:p>
+                  <a:pPr algn="ctr"/>
+                  <a:endParaRPr lang="zh-CN" altLang="en-US"/>
+                </a:p>
+              </p:txBody>
+            </p:sp>
+            <p:sp>
+              <p:nvSpPr>
+                <p:cNvPr id="94" name="下箭头 93"/>
+                <p:cNvSpPr/>
+                <p:nvPr/>
+              </p:nvSpPr>
+              <p:spPr>
+                <a:xfrm>
+                  <a:off x="1605038" y="4110322"/>
+                  <a:ext cx="174566" cy="298452"/>
+                </a:xfrm>
+                <a:prstGeom prst="downArrow">
+                  <a:avLst/>
+                </a:prstGeom>
+                <a:grpFill/>
+                <a:ln>
+                  <a:noFill/>
+                </a:ln>
+              </p:spPr>
+              <p:style>
+                <a:lnRef idx="2">
+                  <a:schemeClr val="accent1">
+                    <a:shade val="50000"/>
+                  </a:schemeClr>
+                </a:lnRef>
+                <a:fillRef idx="1">
+                  <a:schemeClr val="accent1"/>
+                </a:fillRef>
+                <a:effectRef idx="0">
+                  <a:schemeClr val="accent1"/>
+                </a:effectRef>
+                <a:fontRef idx="minor">
+                  <a:schemeClr val="lt1"/>
+                </a:fontRef>
+              </p:style>
+              <p:txBody>
+                <a:bodyPr rtlCol="0" anchor="ctr"/>
+                <a:lstStyle/>
+                <a:p>
+                  <a:pPr algn="ctr"/>
+                  <a:endParaRPr lang="zh-CN" altLang="en-US"/>
+                </a:p>
+              </p:txBody>
+            </p:sp>
+          </p:grpSp>
+          <p:sp>
+            <p:nvSpPr>
+              <p:cNvPr id="92" name="下箭头 91"/>
+              <p:cNvSpPr/>
+              <p:nvPr/>
+            </p:nvSpPr>
+            <p:spPr>
+              <a:xfrm>
+                <a:off x="6148829" y="2758897"/>
+                <a:ext cx="187863" cy="267550"/>
+              </a:xfrm>
+              <a:prstGeom prst="downArrow">
+                <a:avLst/>
+              </a:prstGeom>
+              <a:grpFill/>
+              <a:ln>
+                <a:noFill/>
+              </a:ln>
+            </p:spPr>
+            <p:style>
+              <a:lnRef idx="2">
+                <a:schemeClr val="accent1">
+                  <a:shade val="50000"/>
+                </a:schemeClr>
+              </a:lnRef>
+              <a:fillRef idx="1">
+                <a:schemeClr val="accent1"/>
+              </a:fillRef>
+              <a:effectRef idx="0">
+                <a:schemeClr val="accent1"/>
+              </a:effectRef>
+              <a:fontRef idx="minor">
+                <a:schemeClr val="lt1"/>
+              </a:fontRef>
+            </p:style>
+            <p:txBody>
+              <a:bodyPr rtlCol="0" anchor="ctr"/>
+              <a:lstStyle/>
+              <a:p>
+                <a:pPr algn="ctr"/>
+                <a:endParaRPr lang="zh-CN" altLang="en-US"/>
+              </a:p>
+            </p:txBody>
+          </p:sp>
+        </p:grpSp>
+        <p:sp>
+          <p:nvSpPr>
+            <p:cNvPr id="85" name="下箭头 84"/>
+            <p:cNvSpPr/>
+            <p:nvPr/>
+          </p:nvSpPr>
+          <p:spPr>
+            <a:xfrm>
+              <a:off x="7197225" y="2758897"/>
+              <a:ext cx="185920" cy="267550"/>
+            </a:xfrm>
+            <a:prstGeom prst="downArrow">
+              <a:avLst/>
+            </a:prstGeom>
+            <a:solidFill>
+              <a:schemeClr val="tx1">
+                <a:lumMod val="85000"/>
+                <a:lumOff val="15000"/>
+              </a:schemeClr>
+            </a:solidFill>
+            <a:ln>
+              <a:noFill/>
+            </a:ln>
+          </p:spPr>
+          <p:style>
+            <a:lnRef idx="2">
+              <a:schemeClr val="accent1">
+                <a:shade val="50000"/>
+              </a:schemeClr>
+            </a:lnRef>
+            <a:fillRef idx="1">
+              <a:schemeClr val="accent1"/>
+            </a:fillRef>
+            <a:effectRef idx="0">
+              <a:schemeClr val="accent1"/>
+            </a:effectRef>
+            <a:fontRef idx="minor">
+              <a:schemeClr val="lt1"/>
+            </a:fontRef>
+          </p:style>
+          <p:txBody>
+            <a:bodyPr rtlCol="0" anchor="ctr"/>
+            <a:lstStyle/>
+            <a:p>
+              <a:pPr algn="ctr"/>
+              <a:endParaRPr lang="zh-CN" altLang="en-US"/>
+            </a:p>
+          </p:txBody>
+        </p:sp>
+        <p:sp>
+          <p:nvSpPr>
+            <p:cNvPr id="86" name="下箭头 85"/>
+            <p:cNvSpPr/>
+            <p:nvPr/>
+          </p:nvSpPr>
+          <p:spPr>
+            <a:xfrm>
+              <a:off x="8323198" y="2758897"/>
+              <a:ext cx="185920" cy="267550"/>
+            </a:xfrm>
+            <a:prstGeom prst="downArrow">
+              <a:avLst/>
+            </a:prstGeom>
+            <a:solidFill>
+              <a:schemeClr val="tx1">
+                <a:lumMod val="85000"/>
+                <a:lumOff val="15000"/>
+              </a:schemeClr>
+            </a:solidFill>
+            <a:ln>
+              <a:noFill/>
+            </a:ln>
+          </p:spPr>
+          <p:style>
+            <a:lnRef idx="2">
+              <a:schemeClr val="accent1">
+                <a:shade val="50000"/>
+              </a:schemeClr>
+            </a:lnRef>
+            <a:fillRef idx="1">
+              <a:schemeClr val="accent1"/>
+            </a:fillRef>
+            <a:effectRef idx="0">
+              <a:schemeClr val="accent1"/>
+            </a:effectRef>
+            <a:fontRef idx="minor">
+              <a:schemeClr val="lt1"/>
+            </a:fontRef>
+          </p:style>
+          <p:txBody>
+            <a:bodyPr rtlCol="0" anchor="ctr"/>
+            <a:lstStyle/>
+            <a:p>
+              <a:pPr algn="ctr"/>
+              <a:endParaRPr lang="zh-CN" altLang="en-US"/>
+            </a:p>
+          </p:txBody>
+        </p:sp>
+        <p:sp>
+          <p:nvSpPr>
+            <p:cNvPr id="87" name="下箭头 86"/>
+            <p:cNvSpPr/>
+            <p:nvPr/>
+          </p:nvSpPr>
+          <p:spPr>
+            <a:xfrm>
+              <a:off x="9432954" y="2754161"/>
+              <a:ext cx="185920" cy="267550"/>
+            </a:xfrm>
+            <a:prstGeom prst="downArrow">
+              <a:avLst/>
+            </a:prstGeom>
+            <a:solidFill>
+              <a:schemeClr val="tx1">
+                <a:lumMod val="85000"/>
+                <a:lumOff val="15000"/>
+              </a:schemeClr>
+            </a:solidFill>
+            <a:ln>
+              <a:noFill/>
+            </a:ln>
+          </p:spPr>
+          <p:style>
+            <a:lnRef idx="2">
+              <a:schemeClr val="accent1">
+                <a:shade val="50000"/>
+              </a:schemeClr>
+            </a:lnRef>
+            <a:fillRef idx="1">
+              <a:schemeClr val="accent1"/>
+            </a:fillRef>
+            <a:effectRef idx="0">
+              <a:schemeClr val="accent1"/>
+            </a:effectRef>
+            <a:fontRef idx="minor">
+              <a:schemeClr val="lt1"/>
+            </a:fontRef>
+          </p:style>
+          <p:txBody>
+            <a:bodyPr rtlCol="0" anchor="ctr"/>
+            <a:lstStyle/>
+            <a:p>
+              <a:pPr algn="ctr"/>
+              <a:endParaRPr lang="zh-CN" altLang="en-US"/>
+            </a:p>
+          </p:txBody>
+        </p:sp>
+        <p:sp>
+          <p:nvSpPr>
+            <p:cNvPr id="88" name="下箭头 87"/>
+            <p:cNvSpPr/>
+            <p:nvPr/>
+          </p:nvSpPr>
+          <p:spPr>
+            <a:xfrm>
+              <a:off x="4956713" y="2748661"/>
+              <a:ext cx="185920" cy="267550"/>
+            </a:xfrm>
+            <a:prstGeom prst="downArrow">
+              <a:avLst/>
+            </a:prstGeom>
+            <a:solidFill>
+              <a:schemeClr val="tx1">
+                <a:lumMod val="85000"/>
+                <a:lumOff val="15000"/>
+              </a:schemeClr>
+            </a:solidFill>
+            <a:ln>
+              <a:noFill/>
+            </a:ln>
+          </p:spPr>
+          <p:style>
+            <a:lnRef idx="2">
+              <a:schemeClr val="accent1">
+                <a:shade val="50000"/>
+              </a:schemeClr>
+            </a:lnRef>
+            <a:fillRef idx="1">
+              <a:schemeClr val="accent1"/>
+            </a:fillRef>
+            <a:effectRef idx="0">
+              <a:schemeClr val="accent1"/>
+            </a:effectRef>
+            <a:fontRef idx="minor">
+              <a:schemeClr val="lt1"/>
+            </a:fontRef>
+          </p:style>
+          <p:txBody>
+            <a:bodyPr rtlCol="0" anchor="ctr"/>
+            <a:lstStyle/>
+            <a:p>
+              <a:pPr algn="ctr"/>
+              <a:endParaRPr lang="zh-CN" altLang="en-US"/>
+            </a:p>
+          </p:txBody>
+        </p:sp>
+        <p:sp>
+          <p:nvSpPr>
+            <p:cNvPr id="89" name="下箭头 88"/>
+            <p:cNvSpPr/>
+            <p:nvPr/>
+          </p:nvSpPr>
+          <p:spPr>
+            <a:xfrm>
+              <a:off x="3823990" y="2746353"/>
+              <a:ext cx="185920" cy="267550"/>
+            </a:xfrm>
+            <a:prstGeom prst="downArrow">
+              <a:avLst/>
+            </a:prstGeom>
+            <a:solidFill>
+              <a:schemeClr val="tx1">
+                <a:lumMod val="85000"/>
+                <a:lumOff val="15000"/>
+              </a:schemeClr>
+            </a:solidFill>
+            <a:ln>
+              <a:noFill/>
+            </a:ln>
+          </p:spPr>
+          <p:style>
+            <a:lnRef idx="2">
+              <a:schemeClr val="accent1">
+                <a:shade val="50000"/>
+              </a:schemeClr>
+            </a:lnRef>
+            <a:fillRef idx="1">
+              <a:schemeClr val="accent1"/>
+            </a:fillRef>
+            <a:effectRef idx="0">
+              <a:schemeClr val="accent1"/>
+            </a:effectRef>
+            <a:fontRef idx="minor">
+              <a:schemeClr val="lt1"/>
+            </a:fontRef>
+          </p:style>
+          <p:txBody>
+            <a:bodyPr rtlCol="0" anchor="ctr"/>
+            <a:lstStyle/>
+            <a:p>
+              <a:pPr algn="ctr"/>
+              <a:endParaRPr lang="zh-CN" altLang="en-US"/>
+            </a:p>
+          </p:txBody>
+        </p:sp>
+        <p:sp>
+          <p:nvSpPr>
+            <p:cNvPr id="90" name="下箭头 89"/>
+            <p:cNvSpPr/>
+            <p:nvPr/>
+          </p:nvSpPr>
+          <p:spPr>
+            <a:xfrm>
+              <a:off x="2698017" y="2746353"/>
+              <a:ext cx="185920" cy="267550"/>
+            </a:xfrm>
+            <a:prstGeom prst="downArrow">
+              <a:avLst/>
+            </a:prstGeom>
+            <a:solidFill>
+              <a:schemeClr val="tx1">
+                <a:lumMod val="85000"/>
+                <a:lumOff val="15000"/>
+              </a:schemeClr>
+            </a:solidFill>
+            <a:ln>
+              <a:noFill/>
+            </a:ln>
+          </p:spPr>
+          <p:style>
+            <a:lnRef idx="2">
+              <a:schemeClr val="accent1">
+                <a:shade val="50000"/>
+              </a:schemeClr>
+            </a:lnRef>
+            <a:fillRef idx="1">
+              <a:schemeClr val="accent1"/>
+            </a:fillRef>
+            <a:effectRef idx="0">
+              <a:schemeClr val="accent1"/>
+            </a:effectRef>
+            <a:fontRef idx="minor">
+              <a:schemeClr val="lt1"/>
+            </a:fontRef>
+          </p:style>
+          <p:txBody>
+            <a:bodyPr rtlCol="0" anchor="ctr"/>
+            <a:lstStyle/>
+            <a:p>
+              <a:pPr algn="ctr"/>
+              <a:endParaRPr lang="zh-CN" altLang="en-US"/>
+            </a:p>
+          </p:txBody>
+        </p:sp>
+      </p:grpSp>
+      <p:sp>
+        <p:nvSpPr>
+          <p:cNvPr id="95" name="任意多边形 94"/>
+          <p:cNvSpPr/>
+          <p:nvPr/>
+        </p:nvSpPr>
+        <p:spPr>
+          <a:xfrm>
+            <a:off x="-2888997" y="2588807"/>
+            <a:ext cx="4580543" cy="802504"/>
+          </a:xfrm>
+          <a:custGeom>
+            <a:avLst/>
+            <a:gdLst>
+              <a:gd name="connsiteX0" fmla="*/ 0 w 4580543"/>
+              <a:gd name="connsiteY0" fmla="*/ 0 h 802504"/>
+              <a:gd name="connsiteX1" fmla="*/ 4521044 w 4580543"/>
+              <a:gd name="connsiteY1" fmla="*/ 0 h 802504"/>
+              <a:gd name="connsiteX2" fmla="*/ 4521044 w 4580543"/>
+              <a:gd name="connsiteY2" fmla="*/ 5497 h 802504"/>
+              <a:gd name="connsiteX3" fmla="*/ 4578525 w 4580543"/>
+              <a:gd name="connsiteY3" fmla="*/ 5497 h 802504"/>
+              <a:gd name="connsiteX4" fmla="*/ 4578525 w 4580543"/>
+              <a:gd name="connsiteY4" fmla="*/ 224920 h 802504"/>
+              <a:gd name="connsiteX5" fmla="*/ 4521044 w 4580543"/>
+              <a:gd name="connsiteY5" fmla="*/ 224920 h 802504"/>
+              <a:gd name="connsiteX6" fmla="*/ 4521044 w 4580543"/>
+              <a:gd name="connsiteY6" fmla="*/ 369205 h 802504"/>
+              <a:gd name="connsiteX7" fmla="*/ 4580543 w 4580543"/>
+              <a:gd name="connsiteY7" fmla="*/ 369205 h 802504"/>
+              <a:gd name="connsiteX8" fmla="*/ 4580543 w 4580543"/>
+              <a:gd name="connsiteY8" fmla="*/ 581426 h 802504"/>
+              <a:gd name="connsiteX9" fmla="*/ 4521044 w 4580543"/>
+              <a:gd name="connsiteY9" fmla="*/ 581426 h 802504"/>
+              <a:gd name="connsiteX10" fmla="*/ 4521044 w 4580543"/>
+              <a:gd name="connsiteY10" fmla="*/ 802504 h 802504"/>
+              <a:gd name="connsiteX11" fmla="*/ 0 w 4580543"/>
+              <a:gd name="connsiteY11" fmla="*/ 802504 h 802504"/>
+            </a:gdLst>
+            <a:ahLst/>
+            <a:cxnLst>
+              <a:cxn ang="0">
+                <a:pos x="connsiteX0" y="connsiteY0"/>
+              </a:cxn>
+              <a:cxn ang="0">
+                <a:pos x="connsiteX1" y="connsiteY1"/>
+              </a:cxn>
+              <a:cxn ang="0">
+                <a:pos x="connsiteX2" y="connsiteY2"/>
+              </a:cxn>
+              <a:cxn ang="0">
+                <a:pos x="connsiteX3" y="connsiteY3"/>
+              </a:cxn>
+              <a:cxn ang="0">
+                <a:pos x="connsiteX4" y="connsiteY4"/>
+              </a:cxn>
+              <a:cxn ang="0">
+                <a:pos x="connsiteX5" y="connsiteY5"/>
+              </a:cxn>
+              <a:cxn ang="0">
+                <a:pos x="connsiteX6" y="connsiteY6"/>
+              </a:cxn>
+              <a:cxn ang="0">
+                <a:pos x="connsiteX7" y="connsiteY7"/>
+              </a:cxn>
+              <a:cxn ang="0">
+                <a:pos x="connsiteX8" y="connsiteY8"/>
+              </a:cxn>
+              <a:cxn ang="0">
+                <a:pos x="connsiteX9" y="connsiteY9"/>
+              </a:cxn>
+              <a:cxn ang="0">
+                <a:pos x="connsiteX10" y="connsiteY10"/>
+              </a:cxn>
+              <a:cxn ang="0">
+                <a:pos x="connsiteX11" y="connsiteY11"/>
+              </a:cxn>
+            </a:cxnLst>
+            <a:rect l="l" t="t" r="r" b="b"/>
+            <a:pathLst>
+              <a:path w="4580543" h="802504">
+                <a:moveTo>
+                  <a:pt x="0" y="0"/>
+                </a:moveTo>
+                <a:lnTo>
+                  <a:pt x="4521044" y="0"/>
+                </a:lnTo>
+                <a:lnTo>
+                  <a:pt x="4521044" y="5497"/>
+                </a:lnTo>
+                <a:lnTo>
+                  <a:pt x="4578525" y="5497"/>
+                </a:lnTo>
+                <a:lnTo>
+                  <a:pt x="4578525" y="224920"/>
+                </a:lnTo>
+                <a:lnTo>
+                  <a:pt x="4521044" y="224920"/>
+                </a:lnTo>
+                <a:lnTo>
+                  <a:pt x="4521044" y="369205"/>
+                </a:lnTo>
+                <a:lnTo>
+                  <a:pt x="4580543" y="369205"/>
+                </a:lnTo>
+                <a:lnTo>
+                  <a:pt x="4580543" y="581426"/>
+                </a:lnTo>
+                <a:lnTo>
+                  <a:pt x="4521044" y="581426"/>
+                </a:lnTo>
+                <a:lnTo>
+                  <a:pt x="4521044" y="802504"/>
+                </a:lnTo>
+                <a:lnTo>
+                  <a:pt x="0" y="802504"/>
+                </a:lnTo>
+                <a:close/>
+              </a:path>
+            </a:pathLst>
+          </a:custGeom>
+          <a:solidFill>
+            <a:schemeClr val="bg1"/>
+          </a:solidFill>
+          <a:ln>
+            <a:noFill/>
+          </a:ln>
+        </p:spPr>
+        <p:style>
+          <a:lnRef idx="2">
+            <a:schemeClr val="accent1">
+              <a:shade val="50000"/>
+            </a:schemeClr>
+          </a:lnRef>
+          <a:fillRef idx="1">
+            <a:schemeClr val="accent1"/>
+          </a:fillRef>
+          <a:effectRef idx="0">
+            <a:schemeClr val="accent1"/>
+          </a:effectRef>
+          <a:fontRef idx="minor">
+            <a:schemeClr val="lt1"/>
+          </a:fontRef>
+        </p:style>
+        <p:txBody>
+          <a:bodyPr rtlCol="0" anchor="ctr"/>
+          <a:lstStyle/>
+          <a:p>
+            <a:pPr algn="ctr"/>
+            <a:endParaRPr lang="zh-CN" altLang="en-US"/>
+          </a:p>
+        </p:txBody>
+      </p:sp>
+    </p:spTree>
+    <p:extLst>
+      <p:ext uri="{BB962C8B-B14F-4D97-AF65-F5344CB8AC3E}">
+        <p14:creationId xmlns:p14="http://schemas.microsoft.com/office/powerpoint/2010/main" val="3399951988"/>
+      </p:ext>
+    </p:extLst>
+  </p:cSld>
+  <p:clrMapOvr>
+    <a:masterClrMapping/>
+  </p:clrMapOvr>
+  <p:timing>
+    <p:tnLst>
+      <p:par>
+        <p:cTn id="1" dur="indefinite" restart="never" nodeType="tmRoot">
+          <p:childTnLst>
+            <p:seq concurrent="1" nextAc="seek">
+              <p:cTn id="2" dur="indefinite" nodeType="mainSeq">
+                <p:childTnLst>
+                  <p:par>
+                    <p:cTn id="3" fill="hold">
+                      <p:stCondLst>
+                        <p:cond delay="indefinite"/>
+                        <p:cond evt="onBegin" delay="0">
+                          <p:tn val="2"/>
+                        </p:cond>
+                      </p:stCondLst>
+                      <p:childTnLst>
+                        <p:par>
+                          <p:cTn id="4" fill="hold">
+                            <p:stCondLst>
+                              <p:cond delay="0"/>
+                            </p:stCondLst>
+                            <p:childTnLst>
+                              <p:par>
+                                <p:cTn id="5" presetID="10" presetClass="entr" presetSubtype="0" fill="hold" grpId="0" nodeType="afterEffect">
+                                  <p:stCondLst>
+                                    <p:cond delay="0"/>
+                                  </p:stCondLst>
+                                  <p:childTnLst>
+                                    <p:set>
+                                      <p:cBhvr>
+                                        <p:cTn id="6" dur="1" fill="hold">
+                                          <p:stCondLst>
+                                            <p:cond delay="0"/>
+                                          </p:stCondLst>
+                                        </p:cTn>
+                                        <p:tgtEl>
+                                          <p:spTgt spid="2"/>
+                                        </p:tgtEl>
+                                        <p:attrNameLst>
+                                          <p:attrName>style.visibility</p:attrName>
+                                        </p:attrNameLst>
+                                      </p:cBhvr>
+                                      <p:to>
+                                        <p:strVal val="visible"/>
+                                      </p:to>
+                                    </p:set>
+                                    <p:animEffect transition="in" filter="fade">
+                                      <p:cBhvr>
+                                        <p:cTn id="7" dur="500"/>
+                                        <p:tgtEl>
+                                          <p:spTgt spid="2"/>
+                                        </p:tgtEl>
+                                      </p:cBhvr>
+                                    </p:animEffect>
+                                  </p:childTnLst>
+                                </p:cTn>
+                              </p:par>
+                              <p:par>
+                                <p:cTn id="8" presetID="10" presetClass="entr" presetSubtype="0" fill="hold" nodeType="withEffect">
+                                  <p:stCondLst>
+                                    <p:cond delay="0"/>
+                                  </p:stCondLst>
+                                  <p:childTnLst>
+                                    <p:set>
+                                      <p:cBhvr>
+                                        <p:cTn id="9" dur="1" fill="hold">
+                                          <p:stCondLst>
+                                            <p:cond delay="0"/>
+                                          </p:stCondLst>
+                                        </p:cTn>
+                                        <p:tgtEl>
+                                          <p:spTgt spid="42"/>
+                                        </p:tgtEl>
+                                        <p:attrNameLst>
+                                          <p:attrName>style.visibility</p:attrName>
+                                        </p:attrNameLst>
+                                      </p:cBhvr>
+                                      <p:to>
+                                        <p:strVal val="visible"/>
+                                      </p:to>
+                                    </p:set>
+                                    <p:animEffect transition="in" filter="fade">
+                                      <p:cBhvr>
+                                        <p:cTn id="10" dur="500"/>
+                                        <p:tgtEl>
+                                          <p:spTgt spid="42"/>
+                                        </p:tgtEl>
+                                      </p:cBhvr>
+                                    </p:animEffect>
+                                  </p:childTnLst>
+                                </p:cTn>
+                              </p:par>
+                              <p:par>
+                                <p:cTn id="11" presetID="10" presetClass="entr" presetSubtype="0" fill="hold" grpId="0" nodeType="withEffect">
+                                  <p:stCondLst>
+                                    <p:cond delay="0"/>
+                                  </p:stCondLst>
+                                  <p:childTnLst>
+                                    <p:set>
+                                      <p:cBhvr>
+                                        <p:cTn id="12" dur="1" fill="hold">
+                                          <p:stCondLst>
+                                            <p:cond delay="0"/>
+                                          </p:stCondLst>
+                                        </p:cTn>
+                                        <p:tgtEl>
+                                          <p:spTgt spid="47"/>
+                                        </p:tgtEl>
+                                        <p:attrNameLst>
+                                          <p:attrName>style.visibility</p:attrName>
+                                        </p:attrNameLst>
+                                      </p:cBhvr>
+                                      <p:to>
+                                        <p:strVal val="visible"/>
+                                      </p:to>
+                                    </p:set>
+                                    <p:animEffect transition="in" filter="fade">
+                                      <p:cBhvr>
+                                        <p:cTn id="13" dur="500"/>
+                                        <p:tgtEl>
+                                          <p:spTgt spid="47"/>
+                                        </p:tgtEl>
+                                      </p:cBhvr>
+                                    </p:animEffect>
+                                  </p:childTnLst>
+                                </p:cTn>
+                              </p:par>
+                              <p:par>
+                                <p:cTn id="14" presetID="10" presetClass="entr" presetSubtype="0" fill="hold" grpId="0" nodeType="withEffect">
+                                  <p:stCondLst>
+                                    <p:cond delay="0"/>
+                                  </p:stCondLst>
+                                  <p:childTnLst>
+                                    <p:set>
+                                      <p:cBhvr>
+                                        <p:cTn id="15" dur="1" fill="hold">
+                                          <p:stCondLst>
+                                            <p:cond delay="0"/>
+                                          </p:stCondLst>
+                                        </p:cTn>
+                                        <p:tgtEl>
+                                          <p:spTgt spid="3"/>
+                                        </p:tgtEl>
+                                        <p:attrNameLst>
+                                          <p:attrName>style.visibility</p:attrName>
+                                        </p:attrNameLst>
+                                      </p:cBhvr>
+                                      <p:to>
+                                        <p:strVal val="visible"/>
+                                      </p:to>
+                                    </p:set>
+                                    <p:animEffect transition="in" filter="fade">
+                                      <p:cBhvr>
+                                        <p:cTn id="16" dur="500"/>
+                                        <p:tgtEl>
+                                          <p:spTgt spid="3"/>
+                                        </p:tgtEl>
+                                      </p:cBhvr>
+                                    </p:animEffect>
+                                  </p:childTnLst>
+                                </p:cTn>
+                              </p:par>
+                            </p:childTnLst>
+                          </p:cTn>
+                        </p:par>
+                        <p:par>
+                          <p:cTn id="17" fill="hold">
+                            <p:stCondLst>
+                              <p:cond delay="500"/>
+                            </p:stCondLst>
+                            <p:childTnLst>
+                              <p:par>
+                                <p:cTn id="18" presetID="63" presetClass="path" presetSubtype="0" accel="50000" decel="50000" fill="hold" nodeType="afterEffect">
+                                  <p:stCondLst>
+                                    <p:cond delay="0"/>
+                                  </p:stCondLst>
+                                  <p:childTnLst>
+                                    <p:animMotion origin="layout" path="M -3.33333E-6 -4.44444E-6 L 0.0905 -4.44444E-6 " pathEditMode="relative" rAng="0" ptsTypes="AA">
+                                      <p:cBhvr>
+                                        <p:cTn id="19" dur="500" fill="hold"/>
+                                        <p:tgtEl>
+                                          <p:spTgt spid="42"/>
+                                        </p:tgtEl>
+                                        <p:attrNameLst>
+                                          <p:attrName>ppt_x</p:attrName>
+                                          <p:attrName>ppt_y</p:attrName>
+                                        </p:attrNameLst>
+                                      </p:cBhvr>
+                                      <p:rCtr x="4518" y="0"/>
+                                    </p:animMotion>
+                                  </p:childTnLst>
+                                </p:cTn>
+                              </p:par>
+                              <p:par>
+                                <p:cTn id="20" presetID="63" presetClass="path" presetSubtype="0" accel="50000" decel="50000" fill="hold" grpId="1" nodeType="withEffect">
+                                  <p:stCondLst>
+                                    <p:cond delay="0"/>
+                                  </p:stCondLst>
+                                  <p:childTnLst>
+                                    <p:animMotion origin="layout" path="M 2.5E-6 -1.11111E-6 L 0.09179 -1.11111E-6 " pathEditMode="relative" rAng="0" ptsTypes="AA">
+                                      <p:cBhvr>
+                                        <p:cTn id="21" dur="500" fill="hold"/>
+                                        <p:tgtEl>
+                                          <p:spTgt spid="47"/>
+                                        </p:tgtEl>
+                                        <p:attrNameLst>
+                                          <p:attrName>ppt_x</p:attrName>
+                                          <p:attrName>ppt_y</p:attrName>
+                                        </p:attrNameLst>
+                                      </p:cBhvr>
+                                      <p:rCtr x="4583" y="0"/>
+                                    </p:animMotion>
+                                  </p:childTnLst>
+                                </p:cTn>
+                              </p:par>
+                              <p:par>
+                                <p:cTn id="22" presetID="63" presetClass="path" presetSubtype="0" accel="50000" decel="50000" fill="hold" grpId="1" nodeType="withEffect">
+                                  <p:stCondLst>
+                                    <p:cond delay="0"/>
+                                  </p:stCondLst>
+                                  <p:childTnLst>
+                                    <p:animMotion origin="layout" path="M -4.79167E-6 -1.11111E-6 L 0.09193 -1.11111E-6 " pathEditMode="relative" rAng="0" ptsTypes="AA">
+                                      <p:cBhvr>
+                                        <p:cTn id="23" dur="500" fill="hold"/>
+                                        <p:tgtEl>
+                                          <p:spTgt spid="3"/>
+                                        </p:tgtEl>
+                                        <p:attrNameLst>
+                                          <p:attrName>ppt_x</p:attrName>
+                                          <p:attrName>ppt_y</p:attrName>
+                                        </p:attrNameLst>
+                                      </p:cBhvr>
+                                      <p:rCtr x="4596" y="0"/>
+                                    </p:animMotion>
+                                  </p:childTnLst>
+                                </p:cTn>
+                              </p:par>
+                            </p:childTnLst>
+                          </p:cTn>
+                        </p:par>
+                        <p:par>
+                          <p:cTn id="24" fill="hold">
+                            <p:stCondLst>
+                              <p:cond delay="1000"/>
+                            </p:stCondLst>
+                            <p:childTnLst>
+                              <p:par>
+                                <p:cTn id="25" presetID="63" presetClass="path" presetSubtype="0" accel="50000" decel="50000" fill="hold" nodeType="afterEffect">
+                                  <p:stCondLst>
+                                    <p:cond delay="0"/>
+                                  </p:stCondLst>
+                                  <p:childTnLst>
+                                    <p:animMotion origin="layout" path="M 0.0905 -4.44444E-6 L 0.1823 -4.44444E-6 " pathEditMode="relative" rAng="0" ptsTypes="AA">
+                                      <p:cBhvr>
+                                        <p:cTn id="26" dur="500" fill="hold"/>
+                                        <p:tgtEl>
+                                          <p:spTgt spid="42"/>
+                                        </p:tgtEl>
+                                        <p:attrNameLst>
+                                          <p:attrName>ppt_x</p:attrName>
+                                          <p:attrName>ppt_y</p:attrName>
+                                        </p:attrNameLst>
+                                      </p:cBhvr>
+                                      <p:rCtr x="4583" y="0"/>
+                                    </p:animMotion>
+                                  </p:childTnLst>
+                                </p:cTn>
+                              </p:par>
+                              <p:par>
+                                <p:cTn id="27" presetID="63" presetClass="path" presetSubtype="0" accel="50000" decel="50000" fill="hold" grpId="2" nodeType="withEffect">
+                                  <p:stCondLst>
+                                    <p:cond delay="0"/>
+                                  </p:stCondLst>
+                                  <p:childTnLst>
+                                    <p:animMotion origin="layout" path="M 0.09179 -1.11111E-6 L 0.18359 -1.11111E-6 " pathEditMode="relative" rAng="0" ptsTypes="AA">
+                                      <p:cBhvr>
+                                        <p:cTn id="28" dur="500" fill="hold"/>
+                                        <p:tgtEl>
+                                          <p:spTgt spid="47"/>
+                                        </p:tgtEl>
+                                        <p:attrNameLst>
+                                          <p:attrName>ppt_x</p:attrName>
+                                          <p:attrName>ppt_y</p:attrName>
+                                        </p:attrNameLst>
+                                      </p:cBhvr>
+                                      <p:rCtr x="4583" y="0"/>
+                                    </p:animMotion>
+                                  </p:childTnLst>
+                                </p:cTn>
+                              </p:par>
+                              <p:par>
+                                <p:cTn id="29" presetID="63" presetClass="path" presetSubtype="0" accel="50000" decel="50000" fill="hold" grpId="2" nodeType="withEffect">
+                                  <p:stCondLst>
+                                    <p:cond delay="0"/>
+                                  </p:stCondLst>
+                                  <p:childTnLst>
+                                    <p:animMotion origin="layout" path="M 0.09193 -1.11111E-6 L 0.18373 -1.11111E-6 " pathEditMode="relative" rAng="0" ptsTypes="AA">
+                                      <p:cBhvr>
+                                        <p:cTn id="30" dur="500" fill="hold"/>
+                                        <p:tgtEl>
+                                          <p:spTgt spid="3"/>
+                                        </p:tgtEl>
+                                        <p:attrNameLst>
+                                          <p:attrName>ppt_x</p:attrName>
+                                          <p:attrName>ppt_y</p:attrName>
+                                        </p:attrNameLst>
+                                      </p:cBhvr>
+                                      <p:rCtr x="4583" y="0"/>
+                                    </p:animMotion>
+                                  </p:childTnLst>
+                                </p:cTn>
+                              </p:par>
+                            </p:childTnLst>
+                          </p:cTn>
+                        </p:par>
+                        <p:par>
+                          <p:cTn id="31" fill="hold">
+                            <p:stCondLst>
+                              <p:cond delay="1500"/>
+                            </p:stCondLst>
+                            <p:childTnLst>
+                              <p:par>
+                                <p:cTn id="32" presetID="37" presetClass="path" presetSubtype="0" accel="50000" decel="50000" fill="hold" grpId="1" nodeType="afterEffect">
+                                  <p:stCondLst>
+                                    <p:cond delay="0"/>
+                                  </p:stCondLst>
+                                  <p:childTnLst>
+                                    <p:animMotion origin="layout" path="M 1.45833E-6 -4.81481E-6 L -0.09896 0.12663 C -0.11953 0.15533 -0.15039 0.17084 -0.18281 0.17084 C -0.21966 0.17084 -0.24922 0.15533 -0.26979 0.12663 L -0.36849 -4.81481E-6 " pathEditMode="relative" rAng="0" ptsTypes="AAAAA">
+                                      <p:cBhvr>
+                                        <p:cTn id="33" dur="1000" fill="hold"/>
+                                        <p:tgtEl>
+                                          <p:spTgt spid="15"/>
+                                        </p:tgtEl>
+                                        <p:attrNameLst>
+                                          <p:attrName>ppt_x</p:attrName>
+                                          <p:attrName>ppt_y</p:attrName>
+                                        </p:attrNameLst>
+                                      </p:cBhvr>
+                                      <p:rCtr x="-18424" y="8542"/>
+                                    </p:animMotion>
+                                  </p:childTnLst>
+                                </p:cTn>
+                              </p:par>
+                              <p:par>
+                                <p:cTn id="34" presetID="37" presetClass="path" presetSubtype="0" accel="50000" decel="50000" fill="hold" grpId="1" nodeType="withEffect">
+                                  <p:stCondLst>
+                                    <p:cond delay="0"/>
+                                  </p:stCondLst>
+                                  <p:childTnLst>
+                                    <p:animMotion origin="layout" path="M 1.04167E-6 -4.81481E-6 L 0.09844 0.1294 C 0.11888 0.1588 0.14961 0.17454 0.1819 0.17454 C 0.21862 0.17454 0.24805 0.1588 0.26849 0.1294 L 0.36706 -4.81481E-6 " pathEditMode="relative" rAng="0" ptsTypes="AAAAA">
+                                      <p:cBhvr>
+                                        <p:cTn id="35" dur="1000" fill="hold"/>
+                                        <p:tgtEl>
+                                          <p:spTgt spid="11"/>
+                                        </p:tgtEl>
+                                        <p:attrNameLst>
+                                          <p:attrName>ppt_x</p:attrName>
+                                          <p:attrName>ppt_y</p:attrName>
+                                        </p:attrNameLst>
+                                      </p:cBhvr>
+                                      <p:rCtr x="18346" y="8727"/>
+                                    </p:animMotion>
+                                  </p:childTnLst>
+                                </p:cTn>
+                              </p:par>
+                            </p:childTnLst>
+                          </p:cTn>
+                        </p:par>
+                        <p:par>
+                          <p:cTn id="36" fill="hold">
+                            <p:stCondLst>
+                              <p:cond delay="2500"/>
+                            </p:stCondLst>
+                            <p:childTnLst>
+                              <p:par>
+                                <p:cTn id="37" presetID="63" presetClass="path" presetSubtype="0" accel="50000" decel="50000" fill="hold" nodeType="afterEffect">
+                                  <p:stCondLst>
+                                    <p:cond delay="0"/>
+                                  </p:stCondLst>
+                                  <p:childTnLst>
+                                    <p:animMotion origin="layout" path="M 0.1823 -4.44444E-6 L 0.27396 -4.44444E-6 " pathEditMode="relative" rAng="0" ptsTypes="AA">
+                                      <p:cBhvr>
+                                        <p:cTn id="38" dur="500" fill="hold"/>
+                                        <p:tgtEl>
+                                          <p:spTgt spid="42"/>
+                                        </p:tgtEl>
+                                        <p:attrNameLst>
+                                          <p:attrName>ppt_x</p:attrName>
+                                          <p:attrName>ppt_y</p:attrName>
+                                        </p:attrNameLst>
+                                      </p:cBhvr>
+                                      <p:rCtr x="4857" y="0"/>
+                                    </p:animMotion>
+                                  </p:childTnLst>
+                                </p:cTn>
+                              </p:par>
+                              <p:par>
+                                <p:cTn id="39" presetID="63" presetClass="path" presetSubtype="0" accel="50000" decel="50000" fill="hold" grpId="3" nodeType="withEffect">
+                                  <p:stCondLst>
+                                    <p:cond delay="0"/>
+                                  </p:stCondLst>
+                                  <p:childTnLst>
+                                    <p:animMotion origin="layout" path="M 0.1836 -1.11111E-6 L 0.27448 -1.11111E-6 " pathEditMode="relative" rAng="0" ptsTypes="AA">
+                                      <p:cBhvr>
+                                        <p:cTn id="40" dur="500" fill="hold"/>
+                                        <p:tgtEl>
+                                          <p:spTgt spid="47"/>
+                                        </p:tgtEl>
+                                        <p:attrNameLst>
+                                          <p:attrName>ppt_x</p:attrName>
+                                          <p:attrName>ppt_y</p:attrName>
+                                        </p:attrNameLst>
+                                      </p:cBhvr>
+                                      <p:rCtr x="4740" y="0"/>
+                                    </p:animMotion>
+                                  </p:childTnLst>
+                                </p:cTn>
+                              </p:par>
+                              <p:par>
+                                <p:cTn id="41" presetID="63" presetClass="path" presetSubtype="0" accel="50000" decel="50000" fill="hold" grpId="3" nodeType="withEffect">
+                                  <p:stCondLst>
+                                    <p:cond delay="0"/>
+                                  </p:stCondLst>
+                                  <p:childTnLst>
+                                    <p:animMotion origin="layout" path="M 0.18373 -1.11111E-6 L 0.27722 -1.11111E-6 " pathEditMode="relative" rAng="0" ptsTypes="AA">
+                                      <p:cBhvr>
+                                        <p:cTn id="42" dur="500" fill="hold"/>
+                                        <p:tgtEl>
+                                          <p:spTgt spid="3"/>
+                                        </p:tgtEl>
+                                        <p:attrNameLst>
+                                          <p:attrName>ppt_x</p:attrName>
+                                          <p:attrName>ppt_y</p:attrName>
+                                        </p:attrNameLst>
+                                      </p:cBhvr>
+                                      <p:rCtr x="4792" y="0"/>
+                                    </p:animMotion>
+                                  </p:childTnLst>
+                                </p:cTn>
+                              </p:par>
+                            </p:childTnLst>
+                          </p:cTn>
+                        </p:par>
+                        <p:par>
+                          <p:cTn id="43" fill="hold">
+                            <p:stCondLst>
+                              <p:cond delay="3000"/>
+                            </p:stCondLst>
+                            <p:childTnLst>
+                              <p:par>
+                                <p:cTn id="44" presetID="37" presetClass="path" presetSubtype="0" accel="50000" decel="50000" fill="hold" grpId="1" nodeType="afterEffect">
+                                  <p:stCondLst>
+                                    <p:cond delay="0"/>
+                                  </p:stCondLst>
+                                  <p:childTnLst>
+                                    <p:animMotion origin="layout" path="M 2.08333E-6 -4.81481E-6 L 0.09804 0.12408 C 0.11849 0.15186 0.14909 0.16713 0.18138 0.16713 C 0.21797 0.16713 0.24726 0.15186 0.26771 0.12408 L 0.36588 -4.81481E-6 " pathEditMode="relative" rAng="0" ptsTypes="AAAAA">
+                                      <p:cBhvr>
+                                        <p:cTn id="45" dur="1000" fill="hold"/>
+                                        <p:tgtEl>
+                                          <p:spTgt spid="12"/>
+                                        </p:tgtEl>
+                                        <p:attrNameLst>
+                                          <p:attrName>ppt_x</p:attrName>
+                                          <p:attrName>ppt_y</p:attrName>
+                                        </p:attrNameLst>
+                                      </p:cBhvr>
+                                      <p:rCtr x="18294" y="8356"/>
+                                    </p:animMotion>
+                                  </p:childTnLst>
+                                </p:cTn>
+                              </p:par>
+                              <p:par>
+                                <p:cTn id="46" presetID="37" presetClass="path" presetSubtype="0" accel="50000" decel="50000" fill="hold" grpId="1" nodeType="withEffect">
+                                  <p:stCondLst>
+                                    <p:cond delay="0"/>
+                                  </p:stCondLst>
+                                  <p:childTnLst>
+                                    <p:animMotion origin="layout" path="M -3.33333E-6 -4.81481E-6 L -0.09817 0.12408 C -0.11862 0.15186 -0.14922 0.16713 -0.18151 0.16713 C -0.2181 0.16713 -0.24739 0.15186 -0.26784 0.12408 L -0.36588 -4.81481E-6 " pathEditMode="relative" rAng="0" ptsTypes="AAAAA">
+                                      <p:cBhvr>
+                                        <p:cTn id="47" dur="1000" fill="hold"/>
+                                        <p:tgtEl>
+                                          <p:spTgt spid="16"/>
+                                        </p:tgtEl>
+                                        <p:attrNameLst>
+                                          <p:attrName>ppt_x</p:attrName>
+                                          <p:attrName>ppt_y</p:attrName>
+                                        </p:attrNameLst>
+                                      </p:cBhvr>
+                                      <p:rCtr x="-18294" y="8356"/>
+                                    </p:animMotion>
+                                  </p:childTnLst>
+                                </p:cTn>
+                              </p:par>
+                            </p:childTnLst>
+                          </p:cTn>
+                        </p:par>
+                        <p:par>
+                          <p:cTn id="48" fill="hold">
+                            <p:stCondLst>
+                              <p:cond delay="4000"/>
+                            </p:stCondLst>
+                            <p:childTnLst>
+                              <p:par>
+                                <p:cTn id="49" presetID="10" presetClass="entr" presetSubtype="0" fill="hold" grpId="1" nodeType="afterEffect">
+                                  <p:stCondLst>
+                                    <p:cond delay="0"/>
+                                  </p:stCondLst>
+                                  <p:childTnLst>
+                                    <p:set>
+                                      <p:cBhvr>
+                                        <p:cTn id="50" dur="1" fill="hold">
+                                          <p:stCondLst>
+                                            <p:cond delay="0"/>
+                                          </p:stCondLst>
+                                        </p:cTn>
+                                        <p:tgtEl>
+                                          <p:spTgt spid="2"/>
+                                        </p:tgtEl>
+                                        <p:attrNameLst>
+                                          <p:attrName>style.visibility</p:attrName>
+                                        </p:attrNameLst>
+                                      </p:cBhvr>
+                                      <p:to>
+                                        <p:strVal val="visible"/>
+                                      </p:to>
+                                    </p:set>
+                                    <p:animEffect transition="in" filter="fade">
+                                      <p:cBhvr>
+                                        <p:cTn id="51" dur="500"/>
+                                        <p:tgtEl>
+                                          <p:spTgt spid="2"/>
+                                        </p:tgtEl>
+                                      </p:cBhvr>
+                                    </p:animEffect>
+                                  </p:childTnLst>
+                                </p:cTn>
+                              </p:par>
+                              <p:par>
+                                <p:cTn id="52" presetID="10" presetClass="entr" presetSubtype="0" fill="hold" grpId="0" nodeType="withEffect">
+                                  <p:stCondLst>
+                                    <p:cond delay="0"/>
+                                  </p:stCondLst>
+                                  <p:childTnLst>
+                                    <p:set>
+                                      <p:cBhvr>
+                                        <p:cTn id="53" dur="1" fill="hold">
+                                          <p:stCondLst>
+                                            <p:cond delay="0"/>
+                                          </p:stCondLst>
+                                        </p:cTn>
+                                        <p:tgtEl>
+                                          <p:spTgt spid="48"/>
+                                        </p:tgtEl>
+                                        <p:attrNameLst>
+                                          <p:attrName>style.visibility</p:attrName>
+                                        </p:attrNameLst>
+                                      </p:cBhvr>
+                                      <p:to>
+                                        <p:strVal val="visible"/>
+                                      </p:to>
+                                    </p:set>
+                                    <p:animEffect transition="in" filter="fade">
+                                      <p:cBhvr>
+                                        <p:cTn id="54" dur="500"/>
+                                        <p:tgtEl>
+                                          <p:spTgt spid="48"/>
+                                        </p:tgtEl>
+                                      </p:cBhvr>
+                                    </p:animEffect>
+                                  </p:childTnLst>
+                                </p:cTn>
+                              </p:par>
+                              <p:par>
+                                <p:cTn id="55" presetID="10" presetClass="exit" presetSubtype="0" fill="hold" nodeType="withEffect">
+                                  <p:stCondLst>
+                                    <p:cond delay="0"/>
+                                  </p:stCondLst>
+                                  <p:childTnLst>
+                                    <p:animEffect transition="out" filter="fade">
+                                      <p:cBhvr>
+                                        <p:cTn id="56" dur="500"/>
+                                        <p:tgtEl>
+                                          <p:spTgt spid="42"/>
+                                        </p:tgtEl>
+                                      </p:cBhvr>
+                                    </p:animEffect>
+                                    <p:set>
+                                      <p:cBhvr>
+                                        <p:cTn id="57" dur="1" fill="hold">
+                                          <p:stCondLst>
+                                            <p:cond delay="499"/>
+                                          </p:stCondLst>
+                                        </p:cTn>
+                                        <p:tgtEl>
+                                          <p:spTgt spid="42"/>
+                                        </p:tgtEl>
+                                        <p:attrNameLst>
+                                          <p:attrName>style.visibility</p:attrName>
+                                        </p:attrNameLst>
+                                      </p:cBhvr>
+                                      <p:to>
+                                        <p:strVal val="hidden"/>
+                                      </p:to>
+                                    </p:set>
+                                  </p:childTnLst>
+                                </p:cTn>
+                              </p:par>
+                              <p:par>
+                                <p:cTn id="58" presetID="35" presetClass="path" presetSubtype="0" accel="50000" decel="50000" fill="hold" grpId="4" nodeType="withEffect">
+                                  <p:stCondLst>
+                                    <p:cond delay="0"/>
+                                  </p:stCondLst>
+                                  <p:childTnLst>
+                                    <p:animMotion origin="layout" path="M 0.27722 -1.11111E-6 L -0.18346 -1.11111E-6 " pathEditMode="relative" rAng="0" ptsTypes="AA">
+                                      <p:cBhvr>
+                                        <p:cTn id="59" dur="500" fill="hold"/>
+                                        <p:tgtEl>
+                                          <p:spTgt spid="3"/>
+                                        </p:tgtEl>
+                                        <p:attrNameLst>
+                                          <p:attrName>ppt_x</p:attrName>
+                                          <p:attrName>ppt_y</p:attrName>
+                                        </p:attrNameLst>
+                                      </p:cBhvr>
+                                      <p:rCtr x="-22956" y="0"/>
+                                    </p:animMotion>
+                                  </p:childTnLst>
+                                </p:cTn>
+                              </p:par>
+                              <p:par>
+                                <p:cTn id="60" presetID="35" presetClass="path" presetSubtype="0" accel="50000" decel="50000" fill="hold" grpId="4" nodeType="withEffect">
+                                  <p:stCondLst>
+                                    <p:cond delay="0"/>
+                                  </p:stCondLst>
+                                  <p:childTnLst>
+                                    <p:animMotion origin="layout" path="M 0.27448 -1.11111E-6 L 2.5E-6 -1.11111E-6 " pathEditMode="relative" rAng="0" ptsTypes="AA">
+                                      <p:cBhvr>
+                                        <p:cTn id="61" dur="500" fill="hold"/>
+                                        <p:tgtEl>
+                                          <p:spTgt spid="47"/>
+                                        </p:tgtEl>
+                                        <p:attrNameLst>
+                                          <p:attrName>ppt_x</p:attrName>
+                                          <p:attrName>ppt_y</p:attrName>
+                                        </p:attrNameLst>
+                                      </p:cBhvr>
+                                      <p:rCtr x="-13724" y="0"/>
+                                    </p:animMotion>
+                                  </p:childTnLst>
+                                </p:cTn>
+                              </p:par>
+                              <p:par>
+                                <p:cTn id="62" presetID="10" presetClass="entr" presetSubtype="0" fill="hold" nodeType="withEffect">
+                                  <p:stCondLst>
+                                    <p:cond delay="0"/>
+                                  </p:stCondLst>
+                                  <p:childTnLst>
+                                    <p:set>
+                                      <p:cBhvr>
+                                        <p:cTn id="63" dur="1" fill="hold">
+                                          <p:stCondLst>
+                                            <p:cond delay="0"/>
+                                          </p:stCondLst>
+                                        </p:cTn>
+                                        <p:tgtEl>
+                                          <p:spTgt spid="63"/>
+                                        </p:tgtEl>
+                                        <p:attrNameLst>
+                                          <p:attrName>style.visibility</p:attrName>
+                                        </p:attrNameLst>
+                                      </p:cBhvr>
+                                      <p:to>
+                                        <p:strVal val="visible"/>
+                                      </p:to>
+                                    </p:set>
+                                    <p:animEffect transition="in" filter="fade">
+                                      <p:cBhvr>
+                                        <p:cTn id="64" dur="500"/>
+                                        <p:tgtEl>
+                                          <p:spTgt spid="63"/>
+                                        </p:tgtEl>
+                                      </p:cBhvr>
+                                    </p:animEffect>
+                                  </p:childTnLst>
+                                </p:cTn>
+                              </p:par>
+                            </p:childTnLst>
+                          </p:cTn>
+                        </p:par>
+                        <p:par>
+                          <p:cTn id="65" fill="hold">
+                            <p:stCondLst>
+                              <p:cond delay="4500"/>
+                            </p:stCondLst>
+                            <p:childTnLst>
+                              <p:par>
+                                <p:cTn id="66" presetID="37" presetClass="path" presetSubtype="0" accel="50000" decel="50000" fill="hold" grpId="1" nodeType="afterEffect">
+                                  <p:stCondLst>
+                                    <p:cond delay="0"/>
+                                  </p:stCondLst>
+                                  <p:childTnLst>
+                                    <p:animMotion origin="layout" path="M 0.00183 -4.81481E-6 L 0.05026 0.12408 C 0.06029 0.15186 0.07553 0.16713 0.09141 0.16713 C 0.10951 0.16713 0.12409 0.15186 0.13412 0.12408 L 0.18269 -4.81481E-6 " pathEditMode="relative" rAng="0" ptsTypes="AAAAA">
+                                      <p:cBhvr>
+                                        <p:cTn id="67" dur="1000" fill="hold"/>
+                                        <p:tgtEl>
+                                          <p:spTgt spid="6"/>
+                                        </p:tgtEl>
+                                        <p:attrNameLst>
+                                          <p:attrName>ppt_x</p:attrName>
+                                          <p:attrName>ppt_y</p:attrName>
+                                        </p:attrNameLst>
+                                      </p:cBhvr>
+                                      <p:rCtr x="9036" y="8356"/>
+                                    </p:animMotion>
+                                  </p:childTnLst>
+                                </p:cTn>
+                              </p:par>
+                              <p:par>
+                                <p:cTn id="68" presetID="37" presetClass="path" presetSubtype="0" accel="50000" decel="50000" fill="hold" grpId="2" nodeType="withEffect">
+                                  <p:stCondLst>
+                                    <p:cond delay="0"/>
+                                  </p:stCondLst>
+                                  <p:childTnLst>
+                                    <p:animMotion origin="layout" path="M -0.36849 -4.81481E-6 L -0.41706 0.12408 C -0.42708 0.15186 -0.44219 0.16713 -0.4582 0.16713 C -0.47617 0.16713 -0.49076 0.15186 -0.50065 0.12408 L -0.54896 -4.81481E-6 " pathEditMode="relative" rAng="0" ptsTypes="AAAAA">
+                                      <p:cBhvr>
+                                        <p:cTn id="69" dur="1000" fill="hold"/>
+                                        <p:tgtEl>
+                                          <p:spTgt spid="15"/>
+                                        </p:tgtEl>
+                                        <p:attrNameLst>
+                                          <p:attrName>ppt_x</p:attrName>
+                                          <p:attrName>ppt_y</p:attrName>
+                                        </p:attrNameLst>
+                                      </p:cBhvr>
+                                      <p:rCtr x="-9023" y="8356"/>
+                                    </p:animMotion>
+                                  </p:childTnLst>
+                                </p:cTn>
+                              </p:par>
+                            </p:childTnLst>
+                          </p:cTn>
+                        </p:par>
+                        <p:par>
+                          <p:cTn id="70" fill="hold">
+                            <p:stCondLst>
+                              <p:cond delay="5500"/>
+                            </p:stCondLst>
+                            <p:childTnLst>
+                              <p:par>
+                                <p:cTn id="71" presetID="63" presetClass="path" presetSubtype="0" accel="50000" decel="50000" fill="hold" nodeType="afterEffect">
+                                  <p:stCondLst>
+                                    <p:cond delay="0"/>
+                                  </p:stCondLst>
+                                  <p:childTnLst>
+                                    <p:animMotion origin="layout" path="M -0.00104 4.07407E-6 L 0.09466 4.07407E-6 " pathEditMode="relative" rAng="0" ptsTypes="AA">
+                                      <p:cBhvr>
+                                        <p:cTn id="72" dur="500" fill="hold"/>
+                                        <p:tgtEl>
+                                          <p:spTgt spid="63"/>
+                                        </p:tgtEl>
+                                        <p:attrNameLst>
+                                          <p:attrName>ppt_x</p:attrName>
+                                          <p:attrName>ppt_y</p:attrName>
+                                        </p:attrNameLst>
+                                      </p:cBhvr>
+                                      <p:rCtr x="4779" y="0"/>
+                                    </p:animMotion>
+                                  </p:childTnLst>
+                                </p:cTn>
+                              </p:par>
+                              <p:par>
+                                <p:cTn id="73" presetID="63" presetClass="path" presetSubtype="0" accel="50000" decel="50000" fill="hold" grpId="5" nodeType="withEffect">
+                                  <p:stCondLst>
+                                    <p:cond delay="0"/>
+                                  </p:stCondLst>
+                                  <p:childTnLst>
+                                    <p:animMotion origin="layout" path="M 2.5E-6 -1.11111E-6 L 0.09179 -1.11111E-6 " pathEditMode="relative" rAng="0" ptsTypes="AA">
+                                      <p:cBhvr>
+                                        <p:cTn id="74" dur="500" fill="hold"/>
+                                        <p:tgtEl>
+                                          <p:spTgt spid="47"/>
+                                        </p:tgtEl>
+                                        <p:attrNameLst>
+                                          <p:attrName>ppt_x</p:attrName>
+                                          <p:attrName>ppt_y</p:attrName>
+                                        </p:attrNameLst>
+                                      </p:cBhvr>
+                                      <p:rCtr x="4557" y="0"/>
+                                    </p:animMotion>
+                                  </p:childTnLst>
+                                </p:cTn>
+                              </p:par>
+                              <p:par>
+                                <p:cTn id="75" presetID="63" presetClass="path" presetSubtype="0" accel="50000" decel="50000" fill="hold" grpId="5" nodeType="withEffect">
+                                  <p:stCondLst>
+                                    <p:cond delay="0"/>
+                                  </p:stCondLst>
+                                  <p:childTnLst>
+                                    <p:animMotion origin="layout" path="M -0.18346 -1.11111E-6 L -0.09258 -1.11111E-6 " pathEditMode="relative" rAng="0" ptsTypes="AA">
+                                      <p:cBhvr>
+                                        <p:cTn id="76" dur="500" fill="hold"/>
+                                        <p:tgtEl>
+                                          <p:spTgt spid="3"/>
+                                        </p:tgtEl>
+                                        <p:attrNameLst>
+                                          <p:attrName>ppt_x</p:attrName>
+                                          <p:attrName>ppt_y</p:attrName>
+                                        </p:attrNameLst>
+                                      </p:cBhvr>
+                                      <p:rCtr x="4440" y="0"/>
+                                    </p:animMotion>
+                                  </p:childTnLst>
+                                </p:cTn>
+                              </p:par>
+                            </p:childTnLst>
+                          </p:cTn>
+                        </p:par>
+                        <p:par>
+                          <p:cTn id="77" fill="hold">
+                            <p:stCondLst>
+                              <p:cond delay="6000"/>
+                            </p:stCondLst>
+                            <p:childTnLst>
+                              <p:par>
+                                <p:cTn id="78" presetID="63" presetClass="path" presetSubtype="0" accel="50000" decel="50000" fill="hold" nodeType="afterEffect">
+                                  <p:stCondLst>
+                                    <p:cond delay="0"/>
+                                  </p:stCondLst>
+                                  <p:childTnLst>
+                                    <p:animMotion origin="layout" path="M 0.09466 4.07407E-6 L 0.1819 4.07407E-6 " pathEditMode="relative" rAng="0" ptsTypes="AA">
+                                      <p:cBhvr>
+                                        <p:cTn id="79" dur="500" fill="hold"/>
+                                        <p:tgtEl>
+                                          <p:spTgt spid="63"/>
+                                        </p:tgtEl>
+                                        <p:attrNameLst>
+                                          <p:attrName>ppt_x</p:attrName>
+                                          <p:attrName>ppt_y</p:attrName>
+                                        </p:attrNameLst>
+                                      </p:cBhvr>
+                                      <p:rCtr x="4362" y="0"/>
+                                    </p:animMotion>
+                                  </p:childTnLst>
+                                </p:cTn>
+                              </p:par>
+                              <p:par>
+                                <p:cTn id="80" presetID="63" presetClass="path" presetSubtype="0" accel="50000" decel="50000" fill="hold" grpId="6" nodeType="withEffect">
+                                  <p:stCondLst>
+                                    <p:cond delay="0"/>
+                                  </p:stCondLst>
+                                  <p:childTnLst>
+                                    <p:animMotion origin="layout" path="M -0.09257 -1.11111E-6 L -4.16667E-6 -1.11111E-6 " pathEditMode="relative" rAng="0" ptsTypes="AA">
+                                      <p:cBhvr>
+                                        <p:cTn id="81" dur="500" fill="hold"/>
+                                        <p:tgtEl>
+                                          <p:spTgt spid="3"/>
+                                        </p:tgtEl>
+                                        <p:attrNameLst>
+                                          <p:attrName>ppt_x</p:attrName>
+                                          <p:attrName>ppt_y</p:attrName>
+                                        </p:attrNameLst>
+                                      </p:cBhvr>
+                                      <p:rCtr x="4922" y="0"/>
+                                    </p:animMotion>
+                                  </p:childTnLst>
+                                </p:cTn>
+                              </p:par>
+                              <p:par>
+                                <p:cTn id="82" presetID="63" presetClass="path" presetSubtype="0" accel="50000" decel="50000" fill="hold" grpId="6" nodeType="withEffect">
+                                  <p:stCondLst>
+                                    <p:cond delay="0"/>
+                                  </p:stCondLst>
+                                  <p:childTnLst>
+                                    <p:animMotion origin="layout" path="M 0.09179 -1.11111E-6 L 0.18359 -1.11111E-6 " pathEditMode="relative" rAng="0" ptsTypes="AA">
+                                      <p:cBhvr>
+                                        <p:cTn id="83" dur="500" fill="hold"/>
+                                        <p:tgtEl>
+                                          <p:spTgt spid="47"/>
+                                        </p:tgtEl>
+                                        <p:attrNameLst>
+                                          <p:attrName>ppt_x</p:attrName>
+                                          <p:attrName>ppt_y</p:attrName>
+                                        </p:attrNameLst>
+                                      </p:cBhvr>
+                                      <p:rCtr x="4622" y="0"/>
+                                    </p:animMotion>
+                                  </p:childTnLst>
+                                </p:cTn>
+                              </p:par>
+                            </p:childTnLst>
+                          </p:cTn>
+                        </p:par>
+                        <p:par>
+                          <p:cTn id="84" fill="hold">
+                            <p:stCondLst>
+                              <p:cond delay="6500"/>
+                            </p:stCondLst>
+                            <p:childTnLst>
+                              <p:par>
+                                <p:cTn id="85" presetID="63" presetClass="path" presetSubtype="0" accel="50000" decel="50000" fill="hold" nodeType="afterEffect">
+                                  <p:stCondLst>
+                                    <p:cond delay="0"/>
+                                  </p:stCondLst>
+                                  <p:childTnLst>
+                                    <p:animMotion origin="layout" path="M 0.1819 3.7037E-6 L 0.27148 -0.00047 " pathEditMode="relative" rAng="0" ptsTypes="AA">
+                                      <p:cBhvr>
+                                        <p:cTn id="86" dur="500" fill="hold"/>
+                                        <p:tgtEl>
+                                          <p:spTgt spid="63"/>
+                                        </p:tgtEl>
+                                        <p:attrNameLst>
+                                          <p:attrName>ppt_x</p:attrName>
+                                          <p:attrName>ppt_y</p:attrName>
+                                        </p:attrNameLst>
+                                      </p:cBhvr>
+                                      <p:rCtr x="4688" y="-116"/>
+                                    </p:animMotion>
+                                  </p:childTnLst>
+                                </p:cTn>
+                              </p:par>
+                              <p:par>
+                                <p:cTn id="87" presetID="63" presetClass="path" presetSubtype="0" accel="50000" decel="50000" fill="hold" grpId="7" nodeType="withEffect">
+                                  <p:stCondLst>
+                                    <p:cond delay="0"/>
+                                  </p:stCondLst>
+                                  <p:childTnLst>
+                                    <p:animMotion origin="layout" path="M -4.79167E-6 -1.11111E-6 L 0.09193 -1.11111E-6 " pathEditMode="relative" rAng="0" ptsTypes="AA">
+                                      <p:cBhvr>
+                                        <p:cTn id="88" dur="500" fill="hold"/>
+                                        <p:tgtEl>
+                                          <p:spTgt spid="3"/>
+                                        </p:tgtEl>
+                                        <p:attrNameLst>
+                                          <p:attrName>ppt_x</p:attrName>
+                                          <p:attrName>ppt_y</p:attrName>
+                                        </p:attrNameLst>
+                                      </p:cBhvr>
+                                      <p:rCtr x="4740" y="0"/>
+                                    </p:animMotion>
+                                  </p:childTnLst>
+                                </p:cTn>
+                              </p:par>
+                              <p:par>
+                                <p:cTn id="89" presetID="63" presetClass="path" presetSubtype="0" accel="50000" decel="50000" fill="hold" grpId="7" nodeType="withEffect">
+                                  <p:stCondLst>
+                                    <p:cond delay="0"/>
+                                  </p:stCondLst>
+                                  <p:childTnLst>
+                                    <p:animMotion origin="layout" path="M 0.18359 -1.11111E-6 L 0.27448 -1.11111E-6 " pathEditMode="relative" rAng="0" ptsTypes="AA">
+                                      <p:cBhvr>
+                                        <p:cTn id="90" dur="500" fill="hold"/>
+                                        <p:tgtEl>
+                                          <p:spTgt spid="47"/>
+                                        </p:tgtEl>
+                                        <p:attrNameLst>
+                                          <p:attrName>ppt_x</p:attrName>
+                                          <p:attrName>ppt_y</p:attrName>
+                                        </p:attrNameLst>
+                                      </p:cBhvr>
+                                      <p:rCtr x="4648" y="0"/>
+                                    </p:animMotion>
+                                  </p:childTnLst>
+                                </p:cTn>
+                              </p:par>
+                            </p:childTnLst>
+                          </p:cTn>
+                        </p:par>
+                        <p:par>
+                          <p:cTn id="91" fill="hold">
+                            <p:stCondLst>
+                              <p:cond delay="7000"/>
+                            </p:stCondLst>
+                            <p:childTnLst>
+                              <p:par>
+                                <p:cTn id="92" presetID="63" presetClass="path" presetSubtype="0" accel="50000" decel="50000" fill="hold" nodeType="afterEffect">
+                                  <p:stCondLst>
+                                    <p:cond delay="0"/>
+                                  </p:stCondLst>
+                                  <p:childTnLst>
+                                    <p:animMotion origin="layout" path="M 0.27149 -0.00046 L 0.36198 0.00138 " pathEditMode="relative" rAng="0" ptsTypes="AA">
+                                      <p:cBhvr>
+                                        <p:cTn id="93" dur="500" fill="hold"/>
+                                        <p:tgtEl>
+                                          <p:spTgt spid="63"/>
+                                        </p:tgtEl>
+                                        <p:attrNameLst>
+                                          <p:attrName>ppt_x</p:attrName>
+                                          <p:attrName>ppt_y</p:attrName>
+                                        </p:attrNameLst>
+                                      </p:cBhvr>
+                                      <p:rCtr x="4727" y="-301"/>
+                                    </p:animMotion>
+                                  </p:childTnLst>
+                                </p:cTn>
+                              </p:par>
+                              <p:par>
+                                <p:cTn id="94" presetID="63" presetClass="path" presetSubtype="0" accel="50000" decel="50000" fill="hold" grpId="8" nodeType="withEffect">
+                                  <p:stCondLst>
+                                    <p:cond delay="0"/>
+                                  </p:stCondLst>
+                                  <p:childTnLst>
+                                    <p:animMotion origin="layout" path="M 0.09193 -1.11111E-6 L 0.18373 -1.11111E-6 " pathEditMode="relative" rAng="0" ptsTypes="AA">
+                                      <p:cBhvr>
+                                        <p:cTn id="95" dur="500" fill="hold"/>
+                                        <p:tgtEl>
+                                          <p:spTgt spid="3"/>
+                                        </p:tgtEl>
+                                        <p:attrNameLst>
+                                          <p:attrName>ppt_x</p:attrName>
+                                          <p:attrName>ppt_y</p:attrName>
+                                        </p:attrNameLst>
+                                      </p:cBhvr>
+                                      <p:rCtr x="4648" y="0"/>
+                                    </p:animMotion>
+                                  </p:childTnLst>
+                                </p:cTn>
+                              </p:par>
+                              <p:par>
+                                <p:cTn id="96" presetID="63" presetClass="path" presetSubtype="0" accel="50000" decel="50000" fill="hold" grpId="8" nodeType="withEffect">
+                                  <p:stCondLst>
+                                    <p:cond delay="0"/>
+                                  </p:stCondLst>
+                                  <p:childTnLst>
+                                    <p:animMotion origin="layout" path="M 0.27448 -1.11111E-6 L 0.36705 -1.11111E-6 " pathEditMode="relative" rAng="0" ptsTypes="AA">
+                                      <p:cBhvr>
+                                        <p:cTn id="97" dur="500" fill="hold"/>
+                                        <p:tgtEl>
+                                          <p:spTgt spid="47"/>
+                                        </p:tgtEl>
+                                        <p:attrNameLst>
+                                          <p:attrName>ppt_x</p:attrName>
+                                          <p:attrName>ppt_y</p:attrName>
+                                        </p:attrNameLst>
+                                      </p:cBhvr>
+                                      <p:rCtr x="4674" y="0"/>
+                                    </p:animMotion>
+                                  </p:childTnLst>
+                                </p:cTn>
+                              </p:par>
+                            </p:childTnLst>
+                          </p:cTn>
+                        </p:par>
+                        <p:par>
+                          <p:cTn id="98" fill="hold">
+                            <p:stCondLst>
+                              <p:cond delay="7500"/>
+                            </p:stCondLst>
+                            <p:childTnLst>
+                              <p:par>
+                                <p:cTn id="99" presetID="37" presetClass="path" presetSubtype="0" accel="50000" decel="50000" fill="hold" grpId="2" nodeType="afterEffect">
+                                  <p:stCondLst>
+                                    <p:cond delay="0"/>
+                                  </p:stCondLst>
+                                  <p:childTnLst>
+                                    <p:animMotion origin="layout" path="M 0.36706 -4.81481E-6 L 0.31745 0.12477 C 0.30716 0.15301 0.29154 0.16829 0.27526 0.16829 C 0.2569 0.16829 0.24193 0.15301 0.23177 0.12477 L 0.18268 -4.81481E-6 " pathEditMode="relative" rAng="0" ptsTypes="AAAAA">
+                                      <p:cBhvr>
+                                        <p:cTn id="100" dur="1000" fill="hold"/>
+                                        <p:tgtEl>
+                                          <p:spTgt spid="11"/>
+                                        </p:tgtEl>
+                                        <p:attrNameLst>
+                                          <p:attrName>ppt_x</p:attrName>
+                                          <p:attrName>ppt_y</p:attrName>
+                                        </p:attrNameLst>
+                                      </p:cBhvr>
+                                      <p:rCtr x="-9219" y="8403"/>
+                                    </p:animMotion>
+                                  </p:childTnLst>
+                                </p:cTn>
+                              </p:par>
+                              <p:par>
+                                <p:cTn id="101" presetID="37" presetClass="path" presetSubtype="0" accel="50000" decel="50000" fill="hold" grpId="0" nodeType="withEffect">
+                                  <p:stCondLst>
+                                    <p:cond delay="0"/>
+                                  </p:stCondLst>
+                                  <p:childTnLst>
+                                    <p:animMotion origin="layout" path="M -0.00091 -4.81481E-6 L 0.04779 0.12477 C 0.05795 0.15301 0.07331 0.16829 0.08933 0.16829 C 0.10743 0.16829 0.12214 0.15301 0.1323 0.12477 L 0.18112 -4.81481E-6 " pathEditMode="relative" rAng="0" ptsTypes="AAAAA">
+                                      <p:cBhvr>
+                                        <p:cTn id="102" dur="1000" fill="hold"/>
+                                        <p:tgtEl>
+                                          <p:spTgt spid="13"/>
+                                        </p:tgtEl>
+                                        <p:attrNameLst>
+                                          <p:attrName>ppt_x</p:attrName>
+                                          <p:attrName>ppt_y</p:attrName>
+                                        </p:attrNameLst>
+                                      </p:cBhvr>
+                                      <p:rCtr x="9102" y="8403"/>
+                                    </p:animMotion>
+                                  </p:childTnLst>
+                                </p:cTn>
+                              </p:par>
+                            </p:childTnLst>
+                          </p:cTn>
+                        </p:par>
+                        <p:par>
+                          <p:cTn id="103" fill="hold">
+                            <p:stCondLst>
+                              <p:cond delay="8500"/>
+                            </p:stCondLst>
+                            <p:childTnLst>
+                              <p:par>
+                                <p:cTn id="104" presetID="35" presetClass="path" presetSubtype="0" accel="50000" decel="50000" fill="hold" grpId="9" nodeType="afterEffect">
+                                  <p:stCondLst>
+                                    <p:cond delay="0"/>
+                                  </p:stCondLst>
+                                  <p:childTnLst>
+                                    <p:animMotion origin="layout" path="M 0.18373 -1.11111E-6 L 3.95833E-6 -1.11111E-6 " pathEditMode="relative" rAng="0" ptsTypes="AA">
+                                      <p:cBhvr>
+                                        <p:cTn id="105" dur="500" fill="hold"/>
+                                        <p:tgtEl>
+                                          <p:spTgt spid="3"/>
+                                        </p:tgtEl>
+                                        <p:attrNameLst>
+                                          <p:attrName>ppt_x</p:attrName>
+                                          <p:attrName>ppt_y</p:attrName>
+                                        </p:attrNameLst>
+                                      </p:cBhvr>
+                                      <p:rCtr x="-9466" y="0"/>
+                                    </p:animMotion>
+                                  </p:childTnLst>
+                                </p:cTn>
+                              </p:par>
+                              <p:par>
+                                <p:cTn id="106" presetID="35" presetClass="path" presetSubtype="0" accel="50000" decel="50000" fill="hold" grpId="9" nodeType="withEffect">
+                                  <p:stCondLst>
+                                    <p:cond delay="0"/>
+                                  </p:stCondLst>
+                                  <p:childTnLst>
+                                    <p:animMotion origin="layout" path="M 0.36705 -1.11111E-6 L 0.1836 -1.11111E-6 " pathEditMode="relative" rAng="0" ptsTypes="AA">
+                                      <p:cBhvr>
+                                        <p:cTn id="107" dur="500" fill="hold"/>
+                                        <p:tgtEl>
+                                          <p:spTgt spid="47"/>
+                                        </p:tgtEl>
+                                        <p:attrNameLst>
+                                          <p:attrName>ppt_x</p:attrName>
+                                          <p:attrName>ppt_y</p:attrName>
+                                        </p:attrNameLst>
+                                      </p:cBhvr>
+                                      <p:rCtr x="-9323" y="0"/>
+                                    </p:animMotion>
+                                  </p:childTnLst>
+                                </p:cTn>
+                              </p:par>
+                            </p:childTnLst>
+                          </p:cTn>
+                        </p:par>
+                        <p:par>
+                          <p:cTn id="108" fill="hold">
+                            <p:stCondLst>
+                              <p:cond delay="9000"/>
+                            </p:stCondLst>
+                            <p:childTnLst>
+                              <p:par>
+                                <p:cTn id="109" presetID="63" presetClass="path" presetSubtype="0" accel="50000" decel="50000" fill="hold" nodeType="afterEffect">
+                                  <p:stCondLst>
+                                    <p:cond delay="0"/>
+                                  </p:stCondLst>
+                                  <p:childTnLst>
+                                    <p:animMotion origin="layout" path="M 0.36198 0.00139 L 0.45378 -0.00047 " pathEditMode="relative" rAng="0" ptsTypes="AA">
+                                      <p:cBhvr>
+                                        <p:cTn id="110" dur="500" fill="hold"/>
+                                        <p:tgtEl>
+                                          <p:spTgt spid="63"/>
+                                        </p:tgtEl>
+                                        <p:attrNameLst>
+                                          <p:attrName>ppt_x</p:attrName>
+                                          <p:attrName>ppt_y</p:attrName>
+                                        </p:attrNameLst>
+                                      </p:cBhvr>
+                                      <p:rCtr x="4557" y="-116"/>
+                                    </p:animMotion>
+                                  </p:childTnLst>
+                                </p:cTn>
+                              </p:par>
+                              <p:par>
+                                <p:cTn id="111" presetID="63" presetClass="path" presetSubtype="0" accel="50000" decel="50000" fill="hold" grpId="10" nodeType="withEffect">
+                                  <p:stCondLst>
+                                    <p:cond delay="0"/>
+                                  </p:stCondLst>
+                                  <p:childTnLst>
+                                    <p:animMotion origin="layout" path="M -4.79167E-6 -1.11111E-6 L 0.27721 -1.11111E-6 " pathEditMode="relative" rAng="0" ptsTypes="AA">
+                                      <p:cBhvr>
+                                        <p:cTn id="112" dur="500" fill="hold"/>
+                                        <p:tgtEl>
+                                          <p:spTgt spid="3"/>
+                                        </p:tgtEl>
+                                        <p:attrNameLst>
+                                          <p:attrName>ppt_x</p:attrName>
+                                          <p:attrName>ppt_y</p:attrName>
+                                        </p:attrNameLst>
+                                      </p:cBhvr>
+                                      <p:rCtr x="13594" y="0"/>
+                                    </p:animMotion>
+                                  </p:childTnLst>
+                                </p:cTn>
+                              </p:par>
+                              <p:par>
+                                <p:cTn id="113" presetID="63" presetClass="path" presetSubtype="0" accel="50000" decel="50000" fill="hold" grpId="10" nodeType="withEffect">
+                                  <p:stCondLst>
+                                    <p:cond delay="0"/>
+                                  </p:stCondLst>
+                                  <p:childTnLst>
+                                    <p:animMotion origin="layout" path="M 0.1836 -1.11111E-6 L 0.45898 -1.11111E-6 " pathEditMode="relative" rAng="0" ptsTypes="AA">
+                                      <p:cBhvr>
+                                        <p:cTn id="114" dur="500" fill="hold"/>
+                                        <p:tgtEl>
+                                          <p:spTgt spid="47"/>
+                                        </p:tgtEl>
+                                        <p:attrNameLst>
+                                          <p:attrName>ppt_x</p:attrName>
+                                          <p:attrName>ppt_y</p:attrName>
+                                        </p:attrNameLst>
+                                      </p:cBhvr>
+                                      <p:rCtr x="13906" y="0"/>
+                                    </p:animMotion>
+                                  </p:childTnLst>
+                                </p:cTn>
+                              </p:par>
+                            </p:childTnLst>
+                          </p:cTn>
+                        </p:par>
+                        <p:par>
+                          <p:cTn id="115" fill="hold">
+                            <p:stCondLst>
+                              <p:cond delay="9500"/>
+                            </p:stCondLst>
+                            <p:childTnLst>
+                              <p:par>
+                                <p:cTn id="116" presetID="10" presetClass="exit" presetSubtype="0" fill="hold" nodeType="afterEffect">
+                                  <p:stCondLst>
+                                    <p:cond delay="0"/>
+                                  </p:stCondLst>
+                                  <p:childTnLst>
+                                    <p:animEffect transition="out" filter="fade">
+                                      <p:cBhvr>
+                                        <p:cTn id="117" dur="500"/>
+                                        <p:tgtEl>
+                                          <p:spTgt spid="63"/>
+                                        </p:tgtEl>
+                                      </p:cBhvr>
+                                    </p:animEffect>
+                                    <p:set>
+                                      <p:cBhvr>
+                                        <p:cTn id="118" dur="1" fill="hold">
+                                          <p:stCondLst>
+                                            <p:cond delay="499"/>
+                                          </p:stCondLst>
+                                        </p:cTn>
+                                        <p:tgtEl>
+                                          <p:spTgt spid="63"/>
+                                        </p:tgtEl>
+                                        <p:attrNameLst>
+                                          <p:attrName>style.visibility</p:attrName>
+                                        </p:attrNameLst>
+                                      </p:cBhvr>
+                                      <p:to>
+                                        <p:strVal val="hidden"/>
+                                      </p:to>
+                                    </p:set>
+                                  </p:childTnLst>
+                                </p:cTn>
+                              </p:par>
+                              <p:par>
+                                <p:cTn id="119" presetID="10" presetClass="exit" presetSubtype="0" fill="hold" grpId="1" nodeType="withEffect">
+                                  <p:stCondLst>
+                                    <p:cond delay="0"/>
+                                  </p:stCondLst>
+                                  <p:childTnLst>
+                                    <p:animEffect transition="out" filter="fade">
+                                      <p:cBhvr>
+                                        <p:cTn id="120" dur="500"/>
+                                        <p:tgtEl>
+                                          <p:spTgt spid="48"/>
+                                        </p:tgtEl>
+                                      </p:cBhvr>
+                                    </p:animEffect>
+                                    <p:set>
+                                      <p:cBhvr>
+                                        <p:cTn id="121" dur="1" fill="hold">
+                                          <p:stCondLst>
+                                            <p:cond delay="499"/>
+                                          </p:stCondLst>
+                                        </p:cTn>
+                                        <p:tgtEl>
+                                          <p:spTgt spid="48"/>
+                                        </p:tgtEl>
+                                        <p:attrNameLst>
+                                          <p:attrName>style.visibility</p:attrName>
+                                        </p:attrNameLst>
+                                      </p:cBhvr>
+                                      <p:to>
+                                        <p:strVal val="hidden"/>
+                                      </p:to>
+                                    </p:set>
+                                  </p:childTnLst>
+                                </p:cTn>
+                              </p:par>
+                              <p:par>
+                                <p:cTn id="122" presetID="10" presetClass="entr" presetSubtype="0" fill="hold" grpId="0" nodeType="withEffect">
+                                  <p:stCondLst>
+                                    <p:cond delay="0"/>
+                                  </p:stCondLst>
+                                  <p:childTnLst>
+                                    <p:set>
+                                      <p:cBhvr>
+                                        <p:cTn id="123" dur="1" fill="hold">
+                                          <p:stCondLst>
+                                            <p:cond delay="0"/>
+                                          </p:stCondLst>
+                                        </p:cTn>
+                                        <p:tgtEl>
+                                          <p:spTgt spid="75"/>
+                                        </p:tgtEl>
+                                        <p:attrNameLst>
+                                          <p:attrName>style.visibility</p:attrName>
+                                        </p:attrNameLst>
+                                      </p:cBhvr>
+                                      <p:to>
+                                        <p:strVal val="visible"/>
+                                      </p:to>
+                                    </p:set>
+                                    <p:animEffect transition="in" filter="fade">
+                                      <p:cBhvr>
+                                        <p:cTn id="124" dur="500"/>
+                                        <p:tgtEl>
+                                          <p:spTgt spid="75"/>
+                                        </p:tgtEl>
+                                      </p:cBhvr>
+                                    </p:animEffect>
+                                  </p:childTnLst>
+                                </p:cTn>
+                              </p:par>
+                              <p:par>
+                                <p:cTn id="125" presetID="10" presetClass="entr" presetSubtype="0" fill="hold" nodeType="withEffect">
+                                  <p:stCondLst>
+                                    <p:cond delay="0"/>
+                                  </p:stCondLst>
+                                  <p:childTnLst>
+                                    <p:set>
+                                      <p:cBhvr>
+                                        <p:cTn id="126" dur="1" fill="hold">
+                                          <p:stCondLst>
+                                            <p:cond delay="0"/>
+                                          </p:stCondLst>
+                                        </p:cTn>
+                                        <p:tgtEl>
+                                          <p:spTgt spid="83"/>
+                                        </p:tgtEl>
+                                        <p:attrNameLst>
+                                          <p:attrName>style.visibility</p:attrName>
+                                        </p:attrNameLst>
+                                      </p:cBhvr>
+                                      <p:to>
+                                        <p:strVal val="visible"/>
+                                      </p:to>
+                                    </p:set>
+                                    <p:animEffect transition="in" filter="fade">
+                                      <p:cBhvr>
+                                        <p:cTn id="127" dur="500"/>
+                                        <p:tgtEl>
+                                          <p:spTgt spid="83"/>
+                                        </p:tgtEl>
+                                      </p:cBhvr>
+                                    </p:animEffect>
+                                  </p:childTnLst>
+                                </p:cTn>
+                              </p:par>
+                              <p:par>
+                                <p:cTn id="128" presetID="35" presetClass="path" presetSubtype="0" accel="50000" decel="50000" fill="hold" grpId="11" nodeType="withEffect">
+                                  <p:stCondLst>
+                                    <p:cond delay="0"/>
+                                  </p:stCondLst>
+                                  <p:childTnLst>
+                                    <p:animMotion origin="layout" path="M 0.27722 -1.11111E-6 L -0.27526 -1.11111E-6 " pathEditMode="relative" rAng="0" ptsTypes="AA">
+                                      <p:cBhvr>
+                                        <p:cTn id="129" dur="500" fill="hold"/>
+                                        <p:tgtEl>
+                                          <p:spTgt spid="3"/>
+                                        </p:tgtEl>
+                                        <p:attrNameLst>
+                                          <p:attrName>ppt_x</p:attrName>
+                                          <p:attrName>ppt_y</p:attrName>
+                                        </p:attrNameLst>
+                                      </p:cBhvr>
+                                      <p:rCtr x="-27539" y="0"/>
+                                    </p:animMotion>
+                                  </p:childTnLst>
+                                </p:cTn>
+                              </p:par>
+                              <p:par>
+                                <p:cTn id="130" presetID="35" presetClass="path" presetSubtype="0" accel="50000" decel="50000" fill="hold" grpId="11" nodeType="withEffect">
+                                  <p:stCondLst>
+                                    <p:cond delay="0"/>
+                                  </p:stCondLst>
+                                  <p:childTnLst>
+                                    <p:animMotion origin="layout" path="M 0.45898 -1.11111E-6 L 2.5E-6 -1.11111E-6 " pathEditMode="relative" rAng="0" ptsTypes="AA">
+                                      <p:cBhvr>
+                                        <p:cTn id="131" dur="500" fill="hold"/>
+                                        <p:tgtEl>
+                                          <p:spTgt spid="47"/>
+                                        </p:tgtEl>
+                                        <p:attrNameLst>
+                                          <p:attrName>ppt_x</p:attrName>
+                                          <p:attrName>ppt_y</p:attrName>
+                                        </p:attrNameLst>
+                                      </p:cBhvr>
+                                      <p:rCtr x="-22956" y="0"/>
+                                    </p:animMotion>
+                                  </p:childTnLst>
+                                </p:cTn>
+                              </p:par>
+                            </p:childTnLst>
+                          </p:cTn>
+                        </p:par>
+                        <p:par>
+                          <p:cTn id="132" fill="hold">
+                            <p:stCondLst>
+                              <p:cond delay="10000"/>
+                            </p:stCondLst>
+                            <p:childTnLst>
+                              <p:par>
+                                <p:cTn id="133" presetID="63" presetClass="path" presetSubtype="0" accel="50000" decel="50000" fill="hold" nodeType="afterEffect">
+                                  <p:stCondLst>
+                                    <p:cond delay="0"/>
+                                  </p:stCondLst>
+                                  <p:childTnLst>
+                                    <p:animMotion origin="layout" path="M 0.00026 -3.33333E-6 L 0.09636 -3.33333E-6 " pathEditMode="relative" rAng="0" ptsTypes="AA">
+                                      <p:cBhvr>
+                                        <p:cTn id="134" dur="500" fill="hold"/>
+                                        <p:tgtEl>
+                                          <p:spTgt spid="83"/>
+                                        </p:tgtEl>
+                                        <p:attrNameLst>
+                                          <p:attrName>ppt_x</p:attrName>
+                                          <p:attrName>ppt_y</p:attrName>
+                                        </p:attrNameLst>
+                                      </p:cBhvr>
+                                      <p:rCtr x="4805" y="0"/>
+                                    </p:animMotion>
+                                  </p:childTnLst>
+                                </p:cTn>
+                              </p:par>
+                              <p:par>
+                                <p:cTn id="135" presetID="63" presetClass="path" presetSubtype="0" accel="50000" decel="50000" fill="hold" grpId="12" nodeType="withEffect">
+                                  <p:stCondLst>
+                                    <p:cond delay="0"/>
+                                  </p:stCondLst>
+                                  <p:childTnLst>
+                                    <p:animMotion origin="layout" path="M 2.5E-6 -1.11111E-6 L 0.0918 -1.11111E-6 " pathEditMode="relative" rAng="0" ptsTypes="AA">
+                                      <p:cBhvr>
+                                        <p:cTn id="136" dur="500" fill="hold"/>
+                                        <p:tgtEl>
+                                          <p:spTgt spid="47"/>
+                                        </p:tgtEl>
+                                        <p:attrNameLst>
+                                          <p:attrName>ppt_x</p:attrName>
+                                          <p:attrName>ppt_y</p:attrName>
+                                        </p:attrNameLst>
+                                      </p:cBhvr>
+                                      <p:rCtr x="4974" y="0"/>
+                                    </p:animMotion>
+                                  </p:childTnLst>
+                                </p:cTn>
+                              </p:par>
+                              <p:par>
+                                <p:cTn id="137" presetID="63" presetClass="path" presetSubtype="0" accel="50000" decel="50000" fill="hold" grpId="12" nodeType="withEffect">
+                                  <p:stCondLst>
+                                    <p:cond delay="0"/>
+                                  </p:stCondLst>
+                                  <p:childTnLst>
+                                    <p:animMotion origin="layout" path="M -0.27526 -1.11111E-6 L -0.18346 -1.11111E-6 " pathEditMode="relative" rAng="0" ptsTypes="AA">
+                                      <p:cBhvr>
+                                        <p:cTn id="138" dur="500" fill="hold"/>
+                                        <p:tgtEl>
+                                          <p:spTgt spid="3"/>
+                                        </p:tgtEl>
+                                        <p:attrNameLst>
+                                          <p:attrName>ppt_x</p:attrName>
+                                          <p:attrName>ppt_y</p:attrName>
+                                        </p:attrNameLst>
+                                      </p:cBhvr>
+                                      <p:rCtr x="5013" y="0"/>
+                                    </p:animMotion>
+                                  </p:childTnLst>
+                                </p:cTn>
+                              </p:par>
+                            </p:childTnLst>
+                          </p:cTn>
+                        </p:par>
+                        <p:par>
+                          <p:cTn id="139" fill="hold">
+                            <p:stCondLst>
+                              <p:cond delay="10500"/>
+                            </p:stCondLst>
+                            <p:childTnLst>
+                              <p:par>
+                                <p:cTn id="140" presetID="63" presetClass="path" presetSubtype="0" accel="50000" decel="50000" fill="hold" nodeType="afterEffect">
+                                  <p:stCondLst>
+                                    <p:cond delay="0"/>
+                                  </p:stCondLst>
+                                  <p:childTnLst>
+                                    <p:animMotion origin="layout" path="M 0.09635 -3.33333E-6 L 0.1832 -3.33333E-6 " pathEditMode="relative" rAng="0" ptsTypes="AA">
+                                      <p:cBhvr>
+                                        <p:cTn id="141" dur="500" fill="hold"/>
+                                        <p:tgtEl>
+                                          <p:spTgt spid="83"/>
+                                        </p:tgtEl>
+                                        <p:attrNameLst>
+                                          <p:attrName>ppt_x</p:attrName>
+                                          <p:attrName>ppt_y</p:attrName>
+                                        </p:attrNameLst>
+                                      </p:cBhvr>
+                                      <p:rCtr x="4440" y="0"/>
+                                    </p:animMotion>
+                                  </p:childTnLst>
+                                </p:cTn>
+                              </p:par>
+                              <p:par>
+                                <p:cTn id="142" presetID="63" presetClass="path" presetSubtype="0" accel="50000" decel="50000" fill="hold" grpId="13" nodeType="withEffect">
+                                  <p:stCondLst>
+                                    <p:cond delay="0"/>
+                                  </p:stCondLst>
+                                  <p:childTnLst>
+                                    <p:animMotion origin="layout" path="M -0.18346 -1.11111E-6 L -0.09258 -1.11111E-6 " pathEditMode="relative" rAng="0" ptsTypes="AA">
+                                      <p:cBhvr>
+                                        <p:cTn id="143" dur="500" fill="hold"/>
+                                        <p:tgtEl>
+                                          <p:spTgt spid="3"/>
+                                        </p:tgtEl>
+                                        <p:attrNameLst>
+                                          <p:attrName>ppt_x</p:attrName>
+                                          <p:attrName>ppt_y</p:attrName>
+                                        </p:attrNameLst>
+                                      </p:cBhvr>
+                                      <p:rCtr x="4583" y="0"/>
+                                    </p:animMotion>
+                                  </p:childTnLst>
+                                </p:cTn>
+                              </p:par>
+                              <p:par>
+                                <p:cTn id="144" presetID="63" presetClass="path" presetSubtype="0" accel="50000" decel="50000" fill="hold" grpId="13" nodeType="withEffect">
+                                  <p:stCondLst>
+                                    <p:cond delay="0"/>
+                                  </p:stCondLst>
+                                  <p:childTnLst>
+                                    <p:animMotion origin="layout" path="M 0.09179 -1.11111E-6 L 0.18359 -1.11111E-6 " pathEditMode="relative" rAng="0" ptsTypes="AA">
+                                      <p:cBhvr>
+                                        <p:cTn id="145" dur="500" fill="hold"/>
+                                        <p:tgtEl>
+                                          <p:spTgt spid="47"/>
+                                        </p:tgtEl>
+                                        <p:attrNameLst>
+                                          <p:attrName>ppt_x</p:attrName>
+                                          <p:attrName>ppt_y</p:attrName>
+                                        </p:attrNameLst>
+                                      </p:cBhvr>
+                                      <p:rCtr x="4583" y="0"/>
+                                    </p:animMotion>
+                                  </p:childTnLst>
+                                </p:cTn>
+                              </p:par>
+                            </p:childTnLst>
+                          </p:cTn>
+                        </p:par>
+                        <p:par>
+                          <p:cTn id="146" fill="hold">
+                            <p:stCondLst>
+                              <p:cond delay="11000"/>
+                            </p:stCondLst>
+                            <p:childTnLst>
+                              <p:par>
+                                <p:cTn id="147" presetID="63" presetClass="path" presetSubtype="0" accel="50000" decel="50000" fill="hold" nodeType="afterEffect">
+                                  <p:stCondLst>
+                                    <p:cond delay="0"/>
+                                  </p:stCondLst>
+                                  <p:childTnLst>
+                                    <p:animMotion origin="layout" path="M 0.1832 -3.33333E-6 L 0.275 -3.33333E-6 " pathEditMode="relative" rAng="0" ptsTypes="AA">
+                                      <p:cBhvr>
+                                        <p:cTn id="148" dur="500" fill="hold"/>
+                                        <p:tgtEl>
+                                          <p:spTgt spid="83"/>
+                                        </p:tgtEl>
+                                        <p:attrNameLst>
+                                          <p:attrName>ppt_x</p:attrName>
+                                          <p:attrName>ppt_y</p:attrName>
+                                        </p:attrNameLst>
+                                      </p:cBhvr>
+                                      <p:rCtr x="4583" y="0"/>
+                                    </p:animMotion>
+                                  </p:childTnLst>
+                                </p:cTn>
+                              </p:par>
+                              <p:par>
+                                <p:cTn id="149" presetID="63" presetClass="path" presetSubtype="0" accel="50000" decel="50000" fill="hold" grpId="14" nodeType="withEffect">
+                                  <p:stCondLst>
+                                    <p:cond delay="0"/>
+                                  </p:stCondLst>
+                                  <p:childTnLst>
+                                    <p:animMotion origin="layout" path="M -0.09257 -1.11111E-6 L 5E-6 -1.11111E-6 " pathEditMode="relative" rAng="0" ptsTypes="AA">
+                                      <p:cBhvr>
+                                        <p:cTn id="150" dur="500" fill="hold"/>
+                                        <p:tgtEl>
+                                          <p:spTgt spid="3"/>
+                                        </p:tgtEl>
+                                        <p:attrNameLst>
+                                          <p:attrName>ppt_x</p:attrName>
+                                          <p:attrName>ppt_y</p:attrName>
+                                        </p:attrNameLst>
+                                      </p:cBhvr>
+                                      <p:rCtr x="4635" y="0"/>
+                                    </p:animMotion>
+                                  </p:childTnLst>
+                                </p:cTn>
+                              </p:par>
+                              <p:par>
+                                <p:cTn id="151" presetID="63" presetClass="path" presetSubtype="0" accel="50000" decel="50000" fill="hold" grpId="14" nodeType="withEffect">
+                                  <p:stCondLst>
+                                    <p:cond delay="0"/>
+                                  </p:stCondLst>
+                                  <p:childTnLst>
+                                    <p:animMotion origin="layout" path="M 0.18359 -1.11111E-6 L 0.27448 -1.11111E-6 " pathEditMode="relative" rAng="0" ptsTypes="AA">
+                                      <p:cBhvr>
+                                        <p:cTn id="152" dur="500" fill="hold"/>
+                                        <p:tgtEl>
+                                          <p:spTgt spid="47"/>
+                                        </p:tgtEl>
+                                        <p:attrNameLst>
+                                          <p:attrName>ppt_x</p:attrName>
+                                          <p:attrName>ppt_y</p:attrName>
+                                        </p:attrNameLst>
+                                      </p:cBhvr>
+                                      <p:rCtr x="4544" y="0"/>
+                                    </p:animMotion>
+                                  </p:childTnLst>
+                                </p:cTn>
+                              </p:par>
+                            </p:childTnLst>
+                          </p:cTn>
+                        </p:par>
+                        <p:par>
+                          <p:cTn id="153" fill="hold">
+                            <p:stCondLst>
+                              <p:cond delay="11500"/>
+                            </p:stCondLst>
+                            <p:childTnLst>
+                              <p:par>
+                                <p:cTn id="154" presetID="37" presetClass="path" presetSubtype="0" accel="50000" decel="50000" fill="hold" grpId="2" nodeType="afterEffect">
+                                  <p:stCondLst>
+                                    <p:cond delay="0"/>
+                                  </p:stCondLst>
+                                  <p:childTnLst>
+                                    <p:animMotion origin="layout" path="M -0.36589 -4.81481E-6 L -0.34154 0.12732 C -0.33646 0.15602 -0.32878 0.17153 -0.32071 0.17153 C -0.31159 0.17153 -0.3043 0.15602 -0.29909 0.12732 L -0.27461 -4.81481E-6 " pathEditMode="relative" rAng="0" ptsTypes="AAAAA">
+                                      <p:cBhvr>
+                                        <p:cTn id="155" dur="1000" fill="hold"/>
+                                        <p:tgtEl>
+                                          <p:spTgt spid="16"/>
+                                        </p:tgtEl>
+                                        <p:attrNameLst>
+                                          <p:attrName>ppt_x</p:attrName>
+                                          <p:attrName>ppt_y</p:attrName>
+                                        </p:attrNameLst>
+                                      </p:cBhvr>
+                                      <p:rCtr x="4557" y="8565"/>
+                                    </p:animMotion>
+                                  </p:childTnLst>
+                                </p:cTn>
+                              </p:par>
+                              <p:par>
+                                <p:cTn id="156" presetID="37" presetClass="path" presetSubtype="0" accel="50000" decel="50000" fill="hold" grpId="3" nodeType="withEffect">
+                                  <p:stCondLst>
+                                    <p:cond delay="0"/>
+                                  </p:stCondLst>
+                                  <p:childTnLst>
+                                    <p:animMotion origin="layout" path="M 0.18268 -4.81481E-6 L 0.15925 0.12408 C 0.15443 0.15186 0.14701 0.16713 0.13932 0.16713 C 0.13047 0.16713 0.12357 0.15186 0.11862 0.12408 L 0.09518 -4.81481E-6 " pathEditMode="relative" rAng="0" ptsTypes="AAAAA">
+                                      <p:cBhvr>
+                                        <p:cTn id="157" dur="1000" fill="hold"/>
+                                        <p:tgtEl>
+                                          <p:spTgt spid="11"/>
+                                        </p:tgtEl>
+                                        <p:attrNameLst>
+                                          <p:attrName>ppt_x</p:attrName>
+                                          <p:attrName>ppt_y</p:attrName>
+                                        </p:attrNameLst>
+                                      </p:cBhvr>
+                                      <p:rCtr x="-4375" y="8356"/>
+                                    </p:animMotion>
+                                  </p:childTnLst>
+                                </p:cTn>
+                              </p:par>
+                            </p:childTnLst>
+                          </p:cTn>
+                        </p:par>
+                        <p:par>
+                          <p:cTn id="158" fill="hold">
+                            <p:stCondLst>
+                              <p:cond delay="12500"/>
+                            </p:stCondLst>
+                            <p:childTnLst>
+                              <p:par>
+                                <p:cTn id="159" presetID="35" presetClass="path" presetSubtype="0" accel="50000" decel="50000" fill="hold" grpId="15" nodeType="afterEffect">
+                                  <p:stCondLst>
+                                    <p:cond delay="0"/>
+                                  </p:stCondLst>
+                                  <p:childTnLst>
+                                    <p:animMotion origin="layout" path="M -4.79167E-6 -1.11111E-6 L -0.09258 -1.11111E-6 " pathEditMode="relative" rAng="0" ptsTypes="AA">
+                                      <p:cBhvr>
+                                        <p:cTn id="160" dur="500" fill="hold"/>
+                                        <p:tgtEl>
+                                          <p:spTgt spid="3"/>
+                                        </p:tgtEl>
+                                        <p:attrNameLst>
+                                          <p:attrName>ppt_x</p:attrName>
+                                          <p:attrName>ppt_y</p:attrName>
+                                        </p:attrNameLst>
+                                      </p:cBhvr>
+                                      <p:rCtr x="-4792" y="0"/>
+                                    </p:animMotion>
+                                  </p:childTnLst>
+                                </p:cTn>
+                              </p:par>
+                              <p:par>
+                                <p:cTn id="161" presetID="35" presetClass="path" presetSubtype="0" accel="50000" decel="50000" fill="hold" grpId="15" nodeType="withEffect">
+                                  <p:stCondLst>
+                                    <p:cond delay="0"/>
+                                  </p:stCondLst>
+                                  <p:childTnLst>
+                                    <p:animMotion origin="layout" path="M 0.27448 -1.11111E-6 L 0.1836 -1.11111E-6 " pathEditMode="relative" rAng="0" ptsTypes="AA">
+                                      <p:cBhvr>
+                                        <p:cTn id="162" dur="500" fill="hold"/>
+                                        <p:tgtEl>
+                                          <p:spTgt spid="47"/>
+                                        </p:tgtEl>
+                                        <p:attrNameLst>
+                                          <p:attrName>ppt_x</p:attrName>
+                                          <p:attrName>ppt_y</p:attrName>
+                                        </p:attrNameLst>
+                                      </p:cBhvr>
+                                      <p:rCtr x="-4688" y="0"/>
+                                    </p:animMotion>
+                                  </p:childTnLst>
+                                </p:cTn>
+                              </p:par>
+                            </p:childTnLst>
+                          </p:cTn>
+                        </p:par>
+                        <p:par>
+                          <p:cTn id="163" fill="hold">
+                            <p:stCondLst>
+                              <p:cond delay="13000"/>
+                            </p:stCondLst>
+                            <p:childTnLst>
+                              <p:par>
+                                <p:cTn id="164" presetID="63" presetClass="path" presetSubtype="0" accel="50000" decel="50000" fill="hold" nodeType="afterEffect">
+                                  <p:stCondLst>
+                                    <p:cond delay="0"/>
+                                  </p:stCondLst>
+                                  <p:childTnLst>
+                                    <p:animMotion origin="layout" path="M 0.275 -3.33333E-6 L 0.3668 -3.33333E-6 " pathEditMode="relative" rAng="0" ptsTypes="AA">
+                                      <p:cBhvr>
+                                        <p:cTn id="165" dur="500" fill="hold"/>
+                                        <p:tgtEl>
+                                          <p:spTgt spid="83"/>
+                                        </p:tgtEl>
+                                        <p:attrNameLst>
+                                          <p:attrName>ppt_x</p:attrName>
+                                          <p:attrName>ppt_y</p:attrName>
+                                        </p:attrNameLst>
+                                      </p:cBhvr>
+                                      <p:rCtr x="4583" y="0"/>
+                                    </p:animMotion>
+                                  </p:childTnLst>
+                                </p:cTn>
+                              </p:par>
+                              <p:par>
+                                <p:cTn id="166" presetID="63" presetClass="path" presetSubtype="0" accel="50000" decel="50000" fill="hold" grpId="16" nodeType="withEffect">
+                                  <p:stCondLst>
+                                    <p:cond delay="0"/>
+                                  </p:stCondLst>
+                                  <p:childTnLst>
+                                    <p:animMotion origin="layout" path="M -0.09257 -1.11111E-6 L 0.09193 -1.11111E-6 " pathEditMode="relative" rAng="0" ptsTypes="AA">
+                                      <p:cBhvr>
+                                        <p:cTn id="167" dur="500" fill="hold"/>
+                                        <p:tgtEl>
+                                          <p:spTgt spid="3"/>
+                                        </p:tgtEl>
+                                        <p:attrNameLst>
+                                          <p:attrName>ppt_x</p:attrName>
+                                          <p:attrName>ppt_y</p:attrName>
+                                        </p:attrNameLst>
+                                      </p:cBhvr>
+                                      <p:rCtr x="9375" y="0"/>
+                                    </p:animMotion>
+                                  </p:childTnLst>
+                                </p:cTn>
+                              </p:par>
+                              <p:par>
+                                <p:cTn id="168" presetID="63" presetClass="path" presetSubtype="0" accel="50000" decel="50000" fill="hold" grpId="16" nodeType="withEffect">
+                                  <p:stCondLst>
+                                    <p:cond delay="0"/>
+                                  </p:stCondLst>
+                                  <p:childTnLst>
+                                    <p:animMotion origin="layout" path="M 0.1836 -1.11111E-6 L 0.36705 -1.11111E-6 " pathEditMode="relative" rAng="0" ptsTypes="AA">
+                                      <p:cBhvr>
+                                        <p:cTn id="169" dur="500" fill="hold"/>
+                                        <p:tgtEl>
+                                          <p:spTgt spid="47"/>
+                                        </p:tgtEl>
+                                        <p:attrNameLst>
+                                          <p:attrName>ppt_x</p:attrName>
+                                          <p:attrName>ppt_y</p:attrName>
+                                        </p:attrNameLst>
+                                      </p:cBhvr>
+                                      <p:rCtr x="9310" y="0"/>
+                                    </p:animMotion>
+                                  </p:childTnLst>
+                                </p:cTn>
+                              </p:par>
+                            </p:childTnLst>
+                          </p:cTn>
+                        </p:par>
+                        <p:par>
+                          <p:cTn id="170" fill="hold">
+                            <p:stCondLst>
+                              <p:cond delay="13500"/>
+                            </p:stCondLst>
+                            <p:childTnLst>
+                              <p:par>
+                                <p:cTn id="171" presetID="63" presetClass="path" presetSubtype="0" accel="50000" decel="50000" fill="hold" nodeType="afterEffect">
+                                  <p:stCondLst>
+                                    <p:cond delay="0"/>
+                                  </p:stCondLst>
+                                  <p:childTnLst>
+                                    <p:animMotion origin="layout" path="M 0.3668 -3.33333E-6 L 0.45859 -3.33333E-6 " pathEditMode="relative" rAng="0" ptsTypes="AA">
+                                      <p:cBhvr>
+                                        <p:cTn id="172" dur="500" fill="hold"/>
+                                        <p:tgtEl>
+                                          <p:spTgt spid="83"/>
+                                        </p:tgtEl>
+                                        <p:attrNameLst>
+                                          <p:attrName>ppt_x</p:attrName>
+                                          <p:attrName>ppt_y</p:attrName>
+                                        </p:attrNameLst>
+                                      </p:cBhvr>
+                                      <p:rCtr x="4583" y="0"/>
+                                    </p:animMotion>
+                                  </p:childTnLst>
+                                </p:cTn>
+                              </p:par>
+                              <p:par>
+                                <p:cTn id="173" presetID="63" presetClass="path" presetSubtype="0" accel="50000" decel="50000" fill="hold" grpId="17" nodeType="withEffect">
+                                  <p:stCondLst>
+                                    <p:cond delay="0"/>
+                                  </p:stCondLst>
+                                  <p:childTnLst>
+                                    <p:animMotion origin="layout" path="M 0.09193 -1.11111E-6 L 0.18373 -1.11111E-6 " pathEditMode="relative" rAng="0" ptsTypes="AA">
+                                      <p:cBhvr>
+                                        <p:cTn id="174" dur="500" fill="hold"/>
+                                        <p:tgtEl>
+                                          <p:spTgt spid="3"/>
+                                        </p:tgtEl>
+                                        <p:attrNameLst>
+                                          <p:attrName>ppt_x</p:attrName>
+                                          <p:attrName>ppt_y</p:attrName>
+                                        </p:attrNameLst>
+                                      </p:cBhvr>
+                                      <p:rCtr x="4701" y="0"/>
+                                    </p:animMotion>
+                                  </p:childTnLst>
+                                </p:cTn>
+                              </p:par>
+                              <p:par>
+                                <p:cTn id="175" presetID="63" presetClass="path" presetSubtype="0" accel="50000" decel="50000" fill="hold" grpId="17" nodeType="withEffect">
+                                  <p:stCondLst>
+                                    <p:cond delay="0"/>
+                                  </p:stCondLst>
+                                  <p:childTnLst>
+                                    <p:animMotion origin="layout" path="M 0.36706 -1.11111E-6 L 0.45898 -1.11111E-6 " pathEditMode="relative" rAng="0" ptsTypes="AA">
+                                      <p:cBhvr>
+                                        <p:cTn id="176" dur="500" fill="hold"/>
+                                        <p:tgtEl>
+                                          <p:spTgt spid="47"/>
+                                        </p:tgtEl>
+                                        <p:attrNameLst>
+                                          <p:attrName>ppt_x</p:attrName>
+                                          <p:attrName>ppt_y</p:attrName>
+                                        </p:attrNameLst>
+                                      </p:cBhvr>
+                                      <p:rCtr x="4870" y="0"/>
+                                    </p:animMotion>
+                                  </p:childTnLst>
+                                </p:cTn>
+                              </p:par>
+                            </p:childTnLst>
+                          </p:cTn>
+                        </p:par>
+                        <p:par>
+                          <p:cTn id="177" fill="hold">
+                            <p:stCondLst>
+                              <p:cond delay="14000"/>
+                            </p:stCondLst>
+                            <p:childTnLst>
+                              <p:par>
+                                <p:cTn id="178" presetID="63" presetClass="path" presetSubtype="0" accel="50000" decel="50000" fill="hold" nodeType="afterEffect">
+                                  <p:stCondLst>
+                                    <p:cond delay="0"/>
+                                  </p:stCondLst>
+                                  <p:childTnLst>
+                                    <p:animMotion origin="layout" path="M 0.45859 -3.33333E-6 L 0.55039 -3.33333E-6 " pathEditMode="relative" rAng="0" ptsTypes="AA">
+                                      <p:cBhvr>
+                                        <p:cTn id="179" dur="500" fill="hold"/>
+                                        <p:tgtEl>
+                                          <p:spTgt spid="83"/>
+                                        </p:tgtEl>
+                                        <p:attrNameLst>
+                                          <p:attrName>ppt_x</p:attrName>
+                                          <p:attrName>ppt_y</p:attrName>
+                                        </p:attrNameLst>
+                                      </p:cBhvr>
+                                      <p:rCtr x="4583" y="0"/>
+                                    </p:animMotion>
+                                  </p:childTnLst>
+                                </p:cTn>
+                              </p:par>
+                              <p:par>
+                                <p:cTn id="180" presetID="63" presetClass="path" presetSubtype="0" accel="50000" decel="50000" fill="hold" grpId="18" nodeType="withEffect">
+                                  <p:stCondLst>
+                                    <p:cond delay="0"/>
+                                  </p:stCondLst>
+                                  <p:childTnLst>
+                                    <p:animMotion origin="layout" path="M 0.18373 -1.11111E-6 L 0.27722 -1.11111E-6 " pathEditMode="relative" rAng="0" ptsTypes="AA">
+                                      <p:cBhvr>
+                                        <p:cTn id="181" dur="500" fill="hold"/>
+                                        <p:tgtEl>
+                                          <p:spTgt spid="3"/>
+                                        </p:tgtEl>
+                                        <p:attrNameLst>
+                                          <p:attrName>ppt_x</p:attrName>
+                                          <p:attrName>ppt_y</p:attrName>
+                                        </p:attrNameLst>
+                                      </p:cBhvr>
+                                      <p:rCtr x="4792" y="0"/>
+                                    </p:animMotion>
+                                  </p:childTnLst>
+                                </p:cTn>
+                              </p:par>
+                              <p:par>
+                                <p:cTn id="182" presetID="63" presetClass="path" presetSubtype="0" accel="50000" decel="50000" fill="hold" grpId="18" nodeType="withEffect">
+                                  <p:stCondLst>
+                                    <p:cond delay="0"/>
+                                  </p:stCondLst>
+                                  <p:childTnLst>
+                                    <p:animMotion origin="layout" path="M 0.45899 -1.11111E-6 L 0.55078 -1.11111E-6 " pathEditMode="relative" rAng="0" ptsTypes="AA">
+                                      <p:cBhvr>
+                                        <p:cTn id="183" dur="500" fill="hold"/>
+                                        <p:tgtEl>
+                                          <p:spTgt spid="47"/>
+                                        </p:tgtEl>
+                                        <p:attrNameLst>
+                                          <p:attrName>ppt_x</p:attrName>
+                                          <p:attrName>ppt_y</p:attrName>
+                                        </p:attrNameLst>
+                                      </p:cBhvr>
+                                      <p:rCtr x="4701" y="0"/>
+                                    </p:animMotion>
+                                  </p:childTnLst>
+                                </p:cTn>
+                              </p:par>
+                            </p:childTnLst>
+                          </p:cTn>
+                        </p:par>
+                        <p:par>
+                          <p:cTn id="184" fill="hold">
+                            <p:stCondLst>
+                              <p:cond delay="14500"/>
+                            </p:stCondLst>
+                            <p:childTnLst>
+                              <p:par>
+                                <p:cTn id="185" presetID="37" presetClass="path" presetSubtype="0" accel="50000" decel="50000" fill="hold" grpId="1" nodeType="afterEffect">
+                                  <p:stCondLst>
+                                    <p:cond delay="0"/>
+                                  </p:stCondLst>
+                                  <p:childTnLst>
+                                    <p:animMotion origin="layout" path="M 0.18347 -4.81481E-6 L 0.20678 0.12269 C 0.21172 0.15024 0.21902 0.16528 0.2267 0.16528 C 0.23542 0.16528 0.24245 0.15024 0.24727 0.12269 L 0.27084 -4.81481E-6 " pathEditMode="relative" rAng="0" ptsTypes="AAAAA">
+                                      <p:cBhvr>
+                                        <p:cTn id="186" dur="1000" fill="hold"/>
+                                        <p:tgtEl>
+                                          <p:spTgt spid="13"/>
+                                        </p:tgtEl>
+                                        <p:attrNameLst>
+                                          <p:attrName>ppt_x</p:attrName>
+                                          <p:attrName>ppt_y</p:attrName>
+                                        </p:attrNameLst>
+                                      </p:cBhvr>
+                                      <p:rCtr x="4362" y="8264"/>
+                                    </p:animMotion>
+                                  </p:childTnLst>
+                                </p:cTn>
+                              </p:par>
+                              <p:par>
+                                <p:cTn id="187" presetID="37" presetClass="path" presetSubtype="0" accel="50000" decel="50000" fill="hold" grpId="2" nodeType="withEffect">
+                                  <p:stCondLst>
+                                    <p:cond delay="0"/>
+                                  </p:stCondLst>
+                                  <p:childTnLst>
+                                    <p:animMotion origin="layout" path="M 0.36588 -4.81481E-6 L 0.34101 0.12061 C 0.33594 0.14792 0.32825 0.16274 0.32031 0.16274 C 0.31107 0.16274 0.30364 0.14792 0.2987 0.12061 L 0.27422 -4.81481E-6 " pathEditMode="relative" rAng="0" ptsTypes="AAAAA">
+                                      <p:cBhvr>
+                                        <p:cTn id="188" dur="1000" fill="hold"/>
+                                        <p:tgtEl>
+                                          <p:spTgt spid="12"/>
+                                        </p:tgtEl>
+                                        <p:attrNameLst>
+                                          <p:attrName>ppt_x</p:attrName>
+                                          <p:attrName>ppt_y</p:attrName>
+                                        </p:attrNameLst>
+                                      </p:cBhvr>
+                                      <p:rCtr x="-4583" y="8125"/>
+                                    </p:animMotion>
+                                  </p:childTnLst>
+                                </p:cTn>
+                              </p:par>
+                            </p:childTnLst>
+                          </p:cTn>
+                        </p:par>
+                        <p:par>
+                          <p:cTn id="189" fill="hold">
+                            <p:stCondLst>
+                              <p:cond delay="15500"/>
+                            </p:stCondLst>
+                            <p:childTnLst>
+                              <p:par>
+                                <p:cTn id="190" presetID="35" presetClass="path" presetSubtype="0" accel="50000" decel="50000" fill="hold" grpId="19" nodeType="afterEffect">
+                                  <p:stCondLst>
+                                    <p:cond delay="0"/>
+                                  </p:stCondLst>
+                                  <p:childTnLst>
+                                    <p:animMotion origin="layout" path="M 0.27722 -1.11111E-6 L 0.18372 -1.11111E-6 " pathEditMode="relative" rAng="0" ptsTypes="AA">
+                                      <p:cBhvr>
+                                        <p:cTn id="191" dur="500" fill="hold"/>
+                                        <p:tgtEl>
+                                          <p:spTgt spid="3"/>
+                                        </p:tgtEl>
+                                        <p:attrNameLst>
+                                          <p:attrName>ppt_x</p:attrName>
+                                          <p:attrName>ppt_y</p:attrName>
+                                        </p:attrNameLst>
+                                      </p:cBhvr>
+                                      <p:rCtr x="-4935" y="0"/>
+                                    </p:animMotion>
+                                  </p:childTnLst>
+                                </p:cTn>
+                              </p:par>
+                              <p:par>
+                                <p:cTn id="192" presetID="35" presetClass="path" presetSubtype="0" accel="50000" decel="50000" fill="hold" grpId="19" nodeType="withEffect">
+                                  <p:stCondLst>
+                                    <p:cond delay="0"/>
+                                  </p:stCondLst>
+                                  <p:childTnLst>
+                                    <p:animMotion origin="layout" path="M 0.55078 -1.11111E-6 L 0.45898 -1.11111E-6 " pathEditMode="relative" rAng="0" ptsTypes="AA">
+                                      <p:cBhvr>
+                                        <p:cTn id="193" dur="500" fill="hold"/>
+                                        <p:tgtEl>
+                                          <p:spTgt spid="47"/>
+                                        </p:tgtEl>
+                                        <p:attrNameLst>
+                                          <p:attrName>ppt_x</p:attrName>
+                                          <p:attrName>ppt_y</p:attrName>
+                                        </p:attrNameLst>
+                                      </p:cBhvr>
+                                      <p:rCtr x="-4531" y="0"/>
+                                    </p:animMotion>
+                                  </p:childTnLst>
+                                </p:cTn>
+                              </p:par>
+                            </p:childTnLst>
+                          </p:cTn>
+                        </p:par>
+                      </p:childTnLst>
+                    </p:cTn>
+                  </p:par>
+                </p:childTnLst>
+              </p:cTn>
+              <p:prevCondLst>
+                <p:cond evt="onPrev" delay="0">
+                  <p:tgtEl>
+                    <p:sldTgt/>
+                  </p:tgtEl>
+                </p:cond>
+              </p:prevCondLst>
+              <p:nextCondLst>
+                <p:cond evt="onNext" delay="0">
+                  <p:tgtEl>
+                    <p:sldTgt/>
+                  </p:tgtEl>
+                </p:cond>
+              </p:nextCondLst>
+            </p:seq>
+          </p:childTnLst>
+        </p:cTn>
+      </p:par>
+    </p:tnLst>
+    <p:bldLst>
+      <p:bldP spid="6" grpId="1" animBg="1"/>
+      <p:bldP spid="11" grpId="1" animBg="1"/>
+      <p:bldP spid="11" grpId="2" animBg="1"/>
+      <p:bldP spid="11" grpId="3" animBg="1"/>
+      <p:bldP spid="12" grpId="1" animBg="1"/>
+      <p:bldP spid="12" grpId="2" animBg="1"/>
+      <p:bldP spid="13" grpId="0" animBg="1"/>
+      <p:bldP spid="13" grpId="1" animBg="1"/>
+      <p:bldP spid="15" grpId="1" animBg="1"/>
+      <p:bldP spid="15" grpId="2" animBg="1"/>
+      <p:bldP spid="16" grpId="1" animBg="1"/>
+      <p:bldP spid="16" grpId="2" animBg="1"/>
+      <p:bldP spid="2" grpId="0" animBg="1"/>
+      <p:bldP spid="2" grpId="1" animBg="1"/>
+      <p:bldP spid="3" grpId="0" animBg="1"/>
+      <p:bldP spid="3" grpId="1" animBg="1"/>
+      <p:bldP spid="3" grpId="2" animBg="1"/>
+      <p:bldP spid="3" grpId="3" animBg="1"/>
+      <p:bldP spid="3" grpId="4" animBg="1"/>
+      <p:bldP spid="3" grpId="5" animBg="1"/>
+      <p:bldP spid="3" grpId="6" animBg="1"/>
+      <p:bldP spid="3" grpId="7" animBg="1"/>
+      <p:bldP spid="3" grpId="8" animBg="1"/>
+      <p:bldP spid="3" grpId="9" animBg="1"/>
+      <p:bldP spid="3" grpId="10" animBg="1"/>
+      <p:bldP spid="3" grpId="11" animBg="1"/>
+      <p:bldP spid="3" grpId="12" animBg="1"/>
+      <p:bldP spid="3" grpId="13" animBg="1"/>
+      <p:bldP spid="3" grpId="14" animBg="1"/>
+      <p:bldP spid="3" grpId="15" animBg="1"/>
+      <p:bldP spid="3" grpId="16" animBg="1"/>
+      <p:bldP spid="3" grpId="17" animBg="1"/>
+      <p:bldP spid="3" grpId="18" animBg="1"/>
+      <p:bldP spid="3" grpId="19" animBg="1"/>
+      <p:bldP spid="47" grpId="0" animBg="1"/>
+      <p:bldP spid="47" grpId="1" animBg="1"/>
+      <p:bldP spid="47" grpId="2" animBg="1"/>
+      <p:bldP spid="47" grpId="3" animBg="1"/>
+      <p:bldP spid="47" grpId="4" animBg="1"/>
+      <p:bldP spid="47" grpId="5" animBg="1"/>
+      <p:bldP spid="47" grpId="6" animBg="1"/>
+      <p:bldP spid="47" grpId="7" animBg="1"/>
+      <p:bldP spid="47" grpId="8" animBg="1"/>
+      <p:bldP spid="47" grpId="9" animBg="1"/>
+      <p:bldP spid="47" grpId="10" animBg="1"/>
+      <p:bldP spid="47" grpId="11" animBg="1"/>
+      <p:bldP spid="47" grpId="12" animBg="1"/>
+      <p:bldP spid="47" grpId="13" animBg="1"/>
+      <p:bldP spid="47" grpId="14" animBg="1"/>
+      <p:bldP spid="47" grpId="15" animBg="1"/>
+      <p:bldP spid="47" grpId="16" animBg="1"/>
+      <p:bldP spid="47" grpId="17" animBg="1"/>
+      <p:bldP spid="47" grpId="18" animBg="1"/>
+      <p:bldP spid="47" grpId="19" animBg="1"/>
+      <p:bldP spid="48" grpId="0" animBg="1"/>
+      <p:bldP spid="48" grpId="1" animBg="1"/>
+      <p:bldP spid="75" grpId="0" animBg="1"/>
+    </p:bldLst>
+  </p:timing>
+</p:sld>
+</file>
+
+<file path=ppt/slides/slide12.xml><?xml version="1.0" encoding="utf-8"?>
+<p:sld xmlns:a="http://schemas.openxmlformats.org/drawingml/2006/main" xmlns:r="http://schemas.openxmlformats.org/officeDocument/2006/relationships" xmlns:p="http://schemas.openxmlformats.org/presentationml/2006/main">
+  <p:cSld>
+    <p:spTree>
+      <p:nvGrpSpPr>
+        <p:cNvPr id="1" name=""/>
+        <p:cNvGrpSpPr/>
+        <p:nvPr/>
+      </p:nvGrpSpPr>
+      <p:grpSpPr>
+        <a:xfrm>
+          <a:off x="0" y="0"/>
+          <a:ext cx="0" cy="0"/>
+          <a:chOff x="0" y="0"/>
+          <a:chExt cx="0" cy="0"/>
+        </a:xfrm>
+      </p:grpSpPr>
+    </p:spTree>
+    <p:extLst>
+      <p:ext uri="{BB962C8B-B14F-4D97-AF65-F5344CB8AC3E}">
+        <p14:creationId xmlns:p14="http://schemas.microsoft.com/office/powerpoint/2010/main" val="1543637121"/>
       </p:ext>
     </p:extLst>
   </p:cSld>
@@ -15974,98 +20015,157 @@
       </p:grpSp>
       <p:grpSp>
         <p:nvGrpSpPr>
-          <p:cNvPr id="81" name="组合 80"/>
+          <p:cNvPr id="2" name="组合 1"/>
           <p:cNvGrpSpPr/>
           <p:nvPr/>
         </p:nvGrpSpPr>
         <p:grpSpPr>
           <a:xfrm>
             <a:off x="1605038" y="2693434"/>
-            <a:ext cx="7970762" cy="398476"/>
+            <a:ext cx="8013836" cy="398476"/>
             <a:chOff x="1605038" y="2693434"/>
-            <a:chExt cx="8054073" cy="398476"/>
+            <a:chExt cx="8013836" cy="398476"/>
           </a:xfrm>
-          <a:solidFill>
-            <a:schemeClr val="tx1">
-              <a:lumMod val="85000"/>
-              <a:lumOff val="15000"/>
-            </a:schemeClr>
-          </a:solidFill>
         </p:grpSpPr>
         <p:grpSp>
           <p:nvGrpSpPr>
-            <p:cNvPr id="67" name="组合 66"/>
+            <p:cNvPr id="81" name="组合 80"/>
             <p:cNvGrpSpPr/>
             <p:nvPr/>
           </p:nvGrpSpPr>
           <p:grpSpPr>
             <a:xfrm>
               <a:off x="1605038" y="2693434"/>
-              <a:ext cx="8054073" cy="398476"/>
-              <a:chOff x="1605038" y="4033555"/>
-              <a:chExt cx="7484004" cy="444500"/>
+              <a:ext cx="7970762" cy="398476"/>
+              <a:chOff x="1605038" y="2693434"/>
+              <a:chExt cx="8054073" cy="398476"/>
             </a:xfrm>
-            <a:grpFill/>
+            <a:solidFill>
+              <a:schemeClr val="tx1">
+                <a:lumMod val="85000"/>
+                <a:lumOff val="15000"/>
+              </a:schemeClr>
+            </a:solidFill>
           </p:grpSpPr>
+          <p:grpSp>
+            <p:nvGrpSpPr>
+              <p:cNvPr id="67" name="组合 66"/>
+              <p:cNvGrpSpPr/>
+              <p:nvPr/>
+            </p:nvGrpSpPr>
+            <p:grpSpPr>
+              <a:xfrm>
+                <a:off x="1605038" y="2693434"/>
+                <a:ext cx="8054073" cy="398476"/>
+                <a:chOff x="1605038" y="4033555"/>
+                <a:chExt cx="7484004" cy="444500"/>
+              </a:xfrm>
+              <a:grpFill/>
+            </p:grpSpPr>
+            <p:sp>
+              <p:nvSpPr>
+                <p:cNvPr id="68" name="下箭头标注 67"/>
+                <p:cNvSpPr/>
+                <p:nvPr/>
+              </p:nvSpPr>
+              <p:spPr>
+                <a:xfrm>
+                  <a:off x="1649294" y="4033555"/>
+                  <a:ext cx="7439748" cy="444500"/>
+                </a:xfrm>
+                <a:prstGeom prst="downArrowCallout">
+                  <a:avLst>
+                    <a:gd name="adj1" fmla="val 0"/>
+                    <a:gd name="adj2" fmla="val 0"/>
+                    <a:gd name="adj3" fmla="val 25000"/>
+                    <a:gd name="adj4" fmla="val 21863"/>
+                  </a:avLst>
+                </a:prstGeom>
+                <a:grpFill/>
+                <a:ln>
+                  <a:noFill/>
+                </a:ln>
+              </p:spPr>
+              <p:style>
+                <a:lnRef idx="2">
+                  <a:schemeClr val="accent1">
+                    <a:shade val="50000"/>
+                  </a:schemeClr>
+                </a:lnRef>
+                <a:fillRef idx="1">
+                  <a:schemeClr val="accent1"/>
+                </a:fillRef>
+                <a:effectRef idx="0">
+                  <a:schemeClr val="accent1"/>
+                </a:effectRef>
+                <a:fontRef idx="minor">
+                  <a:schemeClr val="lt1"/>
+                </a:fontRef>
+              </p:style>
+              <p:txBody>
+                <a:bodyPr rtlCol="0" anchor="ctr"/>
+                <a:lstStyle/>
+                <a:p>
+                  <a:pPr algn="ctr"/>
+                  <a:endParaRPr lang="zh-CN" altLang="en-US"/>
+                </a:p>
+              </p:txBody>
+            </p:sp>
+            <p:sp>
+              <p:nvSpPr>
+                <p:cNvPr id="70" name="下箭头 69"/>
+                <p:cNvSpPr/>
+                <p:nvPr/>
+              </p:nvSpPr>
+              <p:spPr>
+                <a:xfrm>
+                  <a:off x="1605038" y="4110322"/>
+                  <a:ext cx="174566" cy="298452"/>
+                </a:xfrm>
+                <a:prstGeom prst="downArrow">
+                  <a:avLst/>
+                </a:prstGeom>
+                <a:grpFill/>
+                <a:ln>
+                  <a:noFill/>
+                </a:ln>
+              </p:spPr>
+              <p:style>
+                <a:lnRef idx="2">
+                  <a:schemeClr val="accent1">
+                    <a:shade val="50000"/>
+                  </a:schemeClr>
+                </a:lnRef>
+                <a:fillRef idx="1">
+                  <a:schemeClr val="accent1"/>
+                </a:fillRef>
+                <a:effectRef idx="0">
+                  <a:schemeClr val="accent1"/>
+                </a:effectRef>
+                <a:fontRef idx="minor">
+                  <a:schemeClr val="lt1"/>
+                </a:fontRef>
+              </p:style>
+              <p:txBody>
+                <a:bodyPr rtlCol="0" anchor="ctr"/>
+                <a:lstStyle/>
+                <a:p>
+                  <a:pPr algn="ctr"/>
+                  <a:endParaRPr lang="zh-CN" altLang="en-US"/>
+                </a:p>
+              </p:txBody>
+            </p:sp>
+          </p:grpSp>
           <p:sp>
             <p:nvSpPr>
-              <p:cNvPr id="68" name="下箭头标注 67"/>
+              <p:cNvPr id="76" name="下箭头 75"/>
               <p:cNvSpPr/>
               <p:nvPr/>
             </p:nvSpPr>
             <p:spPr>
               <a:xfrm>
-                <a:off x="1649294" y="4033555"/>
-                <a:ext cx="7439748" cy="444500"/>
-              </a:xfrm>
-              <a:prstGeom prst="downArrowCallout">
-                <a:avLst>
-                  <a:gd name="adj1" fmla="val 0"/>
-                  <a:gd name="adj2" fmla="val 0"/>
-                  <a:gd name="adj3" fmla="val 25000"/>
-                  <a:gd name="adj4" fmla="val 21863"/>
-                </a:avLst>
-              </a:prstGeom>
-              <a:grpFill/>
-              <a:ln>
-                <a:noFill/>
-              </a:ln>
-            </p:spPr>
-            <p:style>
-              <a:lnRef idx="2">
-                <a:schemeClr val="accent1">
-                  <a:shade val="50000"/>
-                </a:schemeClr>
-              </a:lnRef>
-              <a:fillRef idx="1">
-                <a:schemeClr val="accent1"/>
-              </a:fillRef>
-              <a:effectRef idx="0">
-                <a:schemeClr val="accent1"/>
-              </a:effectRef>
-              <a:fontRef idx="minor">
-                <a:schemeClr val="lt1"/>
-              </a:fontRef>
-            </p:style>
-            <p:txBody>
-              <a:bodyPr rtlCol="0" anchor="ctr"/>
-              <a:lstStyle/>
-              <a:p>
-                <a:pPr algn="ctr"/>
-                <a:endParaRPr lang="zh-CN" altLang="en-US"/>
-              </a:p>
-            </p:txBody>
-          </p:sp>
-          <p:sp>
-            <p:nvSpPr>
-              <p:cNvPr id="70" name="下箭头 69"/>
-              <p:cNvSpPr/>
-              <p:nvPr/>
-            </p:nvSpPr>
-            <p:spPr>
-              <a:xfrm>
-                <a:off x="1605038" y="4110322"/>
-                <a:ext cx="174566" cy="298452"/>
+                <a:off x="6148829" y="2758897"/>
+                <a:ext cx="187863" cy="267550"/>
               </a:xfrm>
               <a:prstGeom prst="downArrow">
                 <a:avLst/>
@@ -16103,19 +20203,269 @@
         </p:grpSp>
         <p:sp>
           <p:nvSpPr>
-            <p:cNvPr id="76" name="下箭头 75"/>
+            <p:cNvPr id="42" name="下箭头 41"/>
             <p:cNvSpPr/>
             <p:nvPr/>
           </p:nvSpPr>
           <p:spPr>
             <a:xfrm>
-              <a:off x="6148829" y="2758897"/>
-              <a:ext cx="187863" cy="267550"/>
+              <a:off x="7197225" y="2758897"/>
+              <a:ext cx="185920" cy="267550"/>
             </a:xfrm>
             <a:prstGeom prst="downArrow">
               <a:avLst/>
             </a:prstGeom>
-            <a:grpFill/>
+            <a:solidFill>
+              <a:schemeClr val="tx1">
+                <a:lumMod val="85000"/>
+                <a:lumOff val="15000"/>
+              </a:schemeClr>
+            </a:solidFill>
+            <a:ln>
+              <a:noFill/>
+            </a:ln>
+          </p:spPr>
+          <p:style>
+            <a:lnRef idx="2">
+              <a:schemeClr val="accent1">
+                <a:shade val="50000"/>
+              </a:schemeClr>
+            </a:lnRef>
+            <a:fillRef idx="1">
+              <a:schemeClr val="accent1"/>
+            </a:fillRef>
+            <a:effectRef idx="0">
+              <a:schemeClr val="accent1"/>
+            </a:effectRef>
+            <a:fontRef idx="minor">
+              <a:schemeClr val="lt1"/>
+            </a:fontRef>
+          </p:style>
+          <p:txBody>
+            <a:bodyPr rtlCol="0" anchor="ctr"/>
+            <a:lstStyle/>
+            <a:p>
+              <a:pPr algn="ctr"/>
+              <a:endParaRPr lang="zh-CN" altLang="en-US"/>
+            </a:p>
+          </p:txBody>
+        </p:sp>
+        <p:sp>
+          <p:nvSpPr>
+            <p:cNvPr id="43" name="下箭头 42"/>
+            <p:cNvSpPr/>
+            <p:nvPr/>
+          </p:nvSpPr>
+          <p:spPr>
+            <a:xfrm>
+              <a:off x="8323198" y="2758897"/>
+              <a:ext cx="185920" cy="267550"/>
+            </a:xfrm>
+            <a:prstGeom prst="downArrow">
+              <a:avLst/>
+            </a:prstGeom>
+            <a:solidFill>
+              <a:schemeClr val="tx1">
+                <a:lumMod val="85000"/>
+                <a:lumOff val="15000"/>
+              </a:schemeClr>
+            </a:solidFill>
+            <a:ln>
+              <a:noFill/>
+            </a:ln>
+          </p:spPr>
+          <p:style>
+            <a:lnRef idx="2">
+              <a:schemeClr val="accent1">
+                <a:shade val="50000"/>
+              </a:schemeClr>
+            </a:lnRef>
+            <a:fillRef idx="1">
+              <a:schemeClr val="accent1"/>
+            </a:fillRef>
+            <a:effectRef idx="0">
+              <a:schemeClr val="accent1"/>
+            </a:effectRef>
+            <a:fontRef idx="minor">
+              <a:schemeClr val="lt1"/>
+            </a:fontRef>
+          </p:style>
+          <p:txBody>
+            <a:bodyPr rtlCol="0" anchor="ctr"/>
+            <a:lstStyle/>
+            <a:p>
+              <a:pPr algn="ctr"/>
+              <a:endParaRPr lang="zh-CN" altLang="en-US"/>
+            </a:p>
+          </p:txBody>
+        </p:sp>
+        <p:sp>
+          <p:nvSpPr>
+            <p:cNvPr id="44" name="下箭头 43"/>
+            <p:cNvSpPr/>
+            <p:nvPr/>
+          </p:nvSpPr>
+          <p:spPr>
+            <a:xfrm>
+              <a:off x="9432954" y="2754161"/>
+              <a:ext cx="185920" cy="267550"/>
+            </a:xfrm>
+            <a:prstGeom prst="downArrow">
+              <a:avLst/>
+            </a:prstGeom>
+            <a:solidFill>
+              <a:schemeClr val="tx1">
+                <a:lumMod val="85000"/>
+                <a:lumOff val="15000"/>
+              </a:schemeClr>
+            </a:solidFill>
+            <a:ln>
+              <a:noFill/>
+            </a:ln>
+          </p:spPr>
+          <p:style>
+            <a:lnRef idx="2">
+              <a:schemeClr val="accent1">
+                <a:shade val="50000"/>
+              </a:schemeClr>
+            </a:lnRef>
+            <a:fillRef idx="1">
+              <a:schemeClr val="accent1"/>
+            </a:fillRef>
+            <a:effectRef idx="0">
+              <a:schemeClr val="accent1"/>
+            </a:effectRef>
+            <a:fontRef idx="minor">
+              <a:schemeClr val="lt1"/>
+            </a:fontRef>
+          </p:style>
+          <p:txBody>
+            <a:bodyPr rtlCol="0" anchor="ctr"/>
+            <a:lstStyle/>
+            <a:p>
+              <a:pPr algn="ctr"/>
+              <a:endParaRPr lang="zh-CN" altLang="en-US"/>
+            </a:p>
+          </p:txBody>
+        </p:sp>
+        <p:sp>
+          <p:nvSpPr>
+            <p:cNvPr id="45" name="下箭头 44"/>
+            <p:cNvSpPr/>
+            <p:nvPr/>
+          </p:nvSpPr>
+          <p:spPr>
+            <a:xfrm>
+              <a:off x="4956713" y="2748661"/>
+              <a:ext cx="185920" cy="267550"/>
+            </a:xfrm>
+            <a:prstGeom prst="downArrow">
+              <a:avLst/>
+            </a:prstGeom>
+            <a:solidFill>
+              <a:schemeClr val="tx1">
+                <a:lumMod val="85000"/>
+                <a:lumOff val="15000"/>
+              </a:schemeClr>
+            </a:solidFill>
+            <a:ln>
+              <a:noFill/>
+            </a:ln>
+          </p:spPr>
+          <p:style>
+            <a:lnRef idx="2">
+              <a:schemeClr val="accent1">
+                <a:shade val="50000"/>
+              </a:schemeClr>
+            </a:lnRef>
+            <a:fillRef idx="1">
+              <a:schemeClr val="accent1"/>
+            </a:fillRef>
+            <a:effectRef idx="0">
+              <a:schemeClr val="accent1"/>
+            </a:effectRef>
+            <a:fontRef idx="minor">
+              <a:schemeClr val="lt1"/>
+            </a:fontRef>
+          </p:style>
+          <p:txBody>
+            <a:bodyPr rtlCol="0" anchor="ctr"/>
+            <a:lstStyle/>
+            <a:p>
+              <a:pPr algn="ctr"/>
+              <a:endParaRPr lang="zh-CN" altLang="en-US"/>
+            </a:p>
+          </p:txBody>
+        </p:sp>
+        <p:sp>
+          <p:nvSpPr>
+            <p:cNvPr id="46" name="下箭头 45"/>
+            <p:cNvSpPr/>
+            <p:nvPr/>
+          </p:nvSpPr>
+          <p:spPr>
+            <a:xfrm>
+              <a:off x="3823990" y="2746353"/>
+              <a:ext cx="185920" cy="267550"/>
+            </a:xfrm>
+            <a:prstGeom prst="downArrow">
+              <a:avLst/>
+            </a:prstGeom>
+            <a:solidFill>
+              <a:schemeClr val="tx1">
+                <a:lumMod val="85000"/>
+                <a:lumOff val="15000"/>
+              </a:schemeClr>
+            </a:solidFill>
+            <a:ln>
+              <a:noFill/>
+            </a:ln>
+          </p:spPr>
+          <p:style>
+            <a:lnRef idx="2">
+              <a:schemeClr val="accent1">
+                <a:shade val="50000"/>
+              </a:schemeClr>
+            </a:lnRef>
+            <a:fillRef idx="1">
+              <a:schemeClr val="accent1"/>
+            </a:fillRef>
+            <a:effectRef idx="0">
+              <a:schemeClr val="accent1"/>
+            </a:effectRef>
+            <a:fontRef idx="minor">
+              <a:schemeClr val="lt1"/>
+            </a:fontRef>
+          </p:style>
+          <p:txBody>
+            <a:bodyPr rtlCol="0" anchor="ctr"/>
+            <a:lstStyle/>
+            <a:p>
+              <a:pPr algn="ctr"/>
+              <a:endParaRPr lang="zh-CN" altLang="en-US"/>
+            </a:p>
+          </p:txBody>
+        </p:sp>
+        <p:sp>
+          <p:nvSpPr>
+            <p:cNvPr id="47" name="下箭头 46"/>
+            <p:cNvSpPr/>
+            <p:nvPr/>
+          </p:nvSpPr>
+          <p:spPr>
+            <a:xfrm>
+              <a:off x="2698017" y="2746353"/>
+              <a:ext cx="185920" cy="267550"/>
+            </a:xfrm>
+            <a:prstGeom prst="downArrow">
+              <a:avLst/>
+            </a:prstGeom>
+            <a:solidFill>
+              <a:schemeClr val="tx1">
+                <a:lumMod val="85000"/>
+                <a:lumOff val="15000"/>
+              </a:schemeClr>
+            </a:solidFill>
             <a:ln>
               <a:noFill/>
             </a:ln>
@@ -16146,300 +20496,6 @@
           </p:txBody>
         </p:sp>
       </p:grpSp>
-      <p:sp>
-        <p:nvSpPr>
-          <p:cNvPr id="42" name="下箭头 41"/>
-          <p:cNvSpPr/>
-          <p:nvPr/>
-        </p:nvSpPr>
-        <p:spPr>
-          <a:xfrm>
-            <a:off x="7197225" y="2758897"/>
-            <a:ext cx="185920" cy="267550"/>
-          </a:xfrm>
-          <a:prstGeom prst="downArrow">
-            <a:avLst/>
-          </a:prstGeom>
-          <a:solidFill>
-            <a:schemeClr val="tx1">
-              <a:lumMod val="85000"/>
-              <a:lumOff val="15000"/>
-            </a:schemeClr>
-          </a:solidFill>
-          <a:ln>
-            <a:noFill/>
-          </a:ln>
-        </p:spPr>
-        <p:style>
-          <a:lnRef idx="2">
-            <a:schemeClr val="accent1">
-              <a:shade val="50000"/>
-            </a:schemeClr>
-          </a:lnRef>
-          <a:fillRef idx="1">
-            <a:schemeClr val="accent1"/>
-          </a:fillRef>
-          <a:effectRef idx="0">
-            <a:schemeClr val="accent1"/>
-          </a:effectRef>
-          <a:fontRef idx="minor">
-            <a:schemeClr val="lt1"/>
-          </a:fontRef>
-        </p:style>
-        <p:txBody>
-          <a:bodyPr rtlCol="0" anchor="ctr"/>
-          <a:lstStyle/>
-          <a:p>
-            <a:pPr algn="ctr"/>
-            <a:endParaRPr lang="zh-CN" altLang="en-US"/>
-          </a:p>
-        </p:txBody>
-      </p:sp>
-      <p:sp>
-        <p:nvSpPr>
-          <p:cNvPr id="43" name="下箭头 42"/>
-          <p:cNvSpPr/>
-          <p:nvPr/>
-        </p:nvSpPr>
-        <p:spPr>
-          <a:xfrm>
-            <a:off x="8323198" y="2758897"/>
-            <a:ext cx="185920" cy="267550"/>
-          </a:xfrm>
-          <a:prstGeom prst="downArrow">
-            <a:avLst/>
-          </a:prstGeom>
-          <a:solidFill>
-            <a:schemeClr val="tx1">
-              <a:lumMod val="85000"/>
-              <a:lumOff val="15000"/>
-            </a:schemeClr>
-          </a:solidFill>
-          <a:ln>
-            <a:noFill/>
-          </a:ln>
-        </p:spPr>
-        <p:style>
-          <a:lnRef idx="2">
-            <a:schemeClr val="accent1">
-              <a:shade val="50000"/>
-            </a:schemeClr>
-          </a:lnRef>
-          <a:fillRef idx="1">
-            <a:schemeClr val="accent1"/>
-          </a:fillRef>
-          <a:effectRef idx="0">
-            <a:schemeClr val="accent1"/>
-          </a:effectRef>
-          <a:fontRef idx="minor">
-            <a:schemeClr val="lt1"/>
-          </a:fontRef>
-        </p:style>
-        <p:txBody>
-          <a:bodyPr rtlCol="0" anchor="ctr"/>
-          <a:lstStyle/>
-          <a:p>
-            <a:pPr algn="ctr"/>
-            <a:endParaRPr lang="zh-CN" altLang="en-US"/>
-          </a:p>
-        </p:txBody>
-      </p:sp>
-      <p:sp>
-        <p:nvSpPr>
-          <p:cNvPr id="44" name="下箭头 43"/>
-          <p:cNvSpPr/>
-          <p:nvPr/>
-        </p:nvSpPr>
-        <p:spPr>
-          <a:xfrm>
-            <a:off x="9432954" y="2754161"/>
-            <a:ext cx="185920" cy="267550"/>
-          </a:xfrm>
-          <a:prstGeom prst="downArrow">
-            <a:avLst/>
-          </a:prstGeom>
-          <a:solidFill>
-            <a:schemeClr val="tx1">
-              <a:lumMod val="85000"/>
-              <a:lumOff val="15000"/>
-            </a:schemeClr>
-          </a:solidFill>
-          <a:ln>
-            <a:noFill/>
-          </a:ln>
-        </p:spPr>
-        <p:style>
-          <a:lnRef idx="2">
-            <a:schemeClr val="accent1">
-              <a:shade val="50000"/>
-            </a:schemeClr>
-          </a:lnRef>
-          <a:fillRef idx="1">
-            <a:schemeClr val="accent1"/>
-          </a:fillRef>
-          <a:effectRef idx="0">
-            <a:schemeClr val="accent1"/>
-          </a:effectRef>
-          <a:fontRef idx="minor">
-            <a:schemeClr val="lt1"/>
-          </a:fontRef>
-        </p:style>
-        <p:txBody>
-          <a:bodyPr rtlCol="0" anchor="ctr"/>
-          <a:lstStyle/>
-          <a:p>
-            <a:pPr algn="ctr"/>
-            <a:endParaRPr lang="zh-CN" altLang="en-US"/>
-          </a:p>
-        </p:txBody>
-      </p:sp>
-      <p:sp>
-        <p:nvSpPr>
-          <p:cNvPr id="45" name="下箭头 44"/>
-          <p:cNvSpPr/>
-          <p:nvPr/>
-        </p:nvSpPr>
-        <p:spPr>
-          <a:xfrm>
-            <a:off x="4956713" y="2748661"/>
-            <a:ext cx="185920" cy="267550"/>
-          </a:xfrm>
-          <a:prstGeom prst="downArrow">
-            <a:avLst/>
-          </a:prstGeom>
-          <a:solidFill>
-            <a:schemeClr val="tx1">
-              <a:lumMod val="85000"/>
-              <a:lumOff val="15000"/>
-            </a:schemeClr>
-          </a:solidFill>
-          <a:ln>
-            <a:noFill/>
-          </a:ln>
-        </p:spPr>
-        <p:style>
-          <a:lnRef idx="2">
-            <a:schemeClr val="accent1">
-              <a:shade val="50000"/>
-            </a:schemeClr>
-          </a:lnRef>
-          <a:fillRef idx="1">
-            <a:schemeClr val="accent1"/>
-          </a:fillRef>
-          <a:effectRef idx="0">
-            <a:schemeClr val="accent1"/>
-          </a:effectRef>
-          <a:fontRef idx="minor">
-            <a:schemeClr val="lt1"/>
-          </a:fontRef>
-        </p:style>
-        <p:txBody>
-          <a:bodyPr rtlCol="0" anchor="ctr"/>
-          <a:lstStyle/>
-          <a:p>
-            <a:pPr algn="ctr"/>
-            <a:endParaRPr lang="zh-CN" altLang="en-US"/>
-          </a:p>
-        </p:txBody>
-      </p:sp>
-      <p:sp>
-        <p:nvSpPr>
-          <p:cNvPr id="46" name="下箭头 45"/>
-          <p:cNvSpPr/>
-          <p:nvPr/>
-        </p:nvSpPr>
-        <p:spPr>
-          <a:xfrm>
-            <a:off x="3823990" y="2746353"/>
-            <a:ext cx="185920" cy="267550"/>
-          </a:xfrm>
-          <a:prstGeom prst="downArrow">
-            <a:avLst/>
-          </a:prstGeom>
-          <a:solidFill>
-            <a:schemeClr val="tx1">
-              <a:lumMod val="85000"/>
-              <a:lumOff val="15000"/>
-            </a:schemeClr>
-          </a:solidFill>
-          <a:ln>
-            <a:noFill/>
-          </a:ln>
-        </p:spPr>
-        <p:style>
-          <a:lnRef idx="2">
-            <a:schemeClr val="accent1">
-              <a:shade val="50000"/>
-            </a:schemeClr>
-          </a:lnRef>
-          <a:fillRef idx="1">
-            <a:schemeClr val="accent1"/>
-          </a:fillRef>
-          <a:effectRef idx="0">
-            <a:schemeClr val="accent1"/>
-          </a:effectRef>
-          <a:fontRef idx="minor">
-            <a:schemeClr val="lt1"/>
-          </a:fontRef>
-        </p:style>
-        <p:txBody>
-          <a:bodyPr rtlCol="0" anchor="ctr"/>
-          <a:lstStyle/>
-          <a:p>
-            <a:pPr algn="ctr"/>
-            <a:endParaRPr lang="zh-CN" altLang="en-US"/>
-          </a:p>
-        </p:txBody>
-      </p:sp>
-      <p:sp>
-        <p:nvSpPr>
-          <p:cNvPr id="47" name="下箭头 46"/>
-          <p:cNvSpPr/>
-          <p:nvPr/>
-        </p:nvSpPr>
-        <p:spPr>
-          <a:xfrm>
-            <a:off x="2698017" y="2746353"/>
-            <a:ext cx="185920" cy="267550"/>
-          </a:xfrm>
-          <a:prstGeom prst="downArrow">
-            <a:avLst/>
-          </a:prstGeom>
-          <a:solidFill>
-            <a:schemeClr val="tx1">
-              <a:lumMod val="85000"/>
-              <a:lumOff val="15000"/>
-            </a:schemeClr>
-          </a:solidFill>
-          <a:ln>
-            <a:noFill/>
-          </a:ln>
-        </p:spPr>
-        <p:style>
-          <a:lnRef idx="2">
-            <a:schemeClr val="accent1">
-              <a:shade val="50000"/>
-            </a:schemeClr>
-          </a:lnRef>
-          <a:fillRef idx="1">
-            <a:schemeClr val="accent1"/>
-          </a:fillRef>
-          <a:effectRef idx="0">
-            <a:schemeClr val="accent1"/>
-          </a:effectRef>
-          <a:fontRef idx="minor">
-            <a:schemeClr val="lt1"/>
-          </a:fontRef>
-        </p:style>
-        <p:txBody>
-          <a:bodyPr rtlCol="0" anchor="ctr"/>
-          <a:lstStyle/>
-          <a:p>
-            <a:pPr algn="ctr"/>
-            <a:endParaRPr lang="zh-CN" altLang="en-US"/>
-          </a:p>
-        </p:txBody>
-      </p:sp>
       <p:sp>
         <p:nvSpPr>
           <p:cNvPr id="22" name="文本框 21"/>

--- a/ppt/sort.pptx
+++ b/ppt/sort.pptx
@@ -17,6 +17,7 @@
     <p:sldId id="266" r:id="rId11"/>
     <p:sldId id="267" r:id="rId12"/>
     <p:sldId id="268" r:id="rId13"/>
+    <p:sldId id="269" r:id="rId14"/>
   </p:sldIdLst>
   <p:sldSz cx="12192000" cy="6858000"/>
   <p:notesSz cx="6858000" cy="9144000"/>
@@ -7944,6 +7945,44 @@
           </a:p>
         </p:txBody>
       </p:sp>
+      <p:sp>
+        <p:nvSpPr>
+          <p:cNvPr id="4" name="文本框 3"/>
+          <p:cNvSpPr txBox="1"/>
+          <p:nvPr/>
+        </p:nvSpPr>
+        <p:spPr>
+          <a:xfrm>
+            <a:off x="4862991" y="1745962"/>
+            <a:ext cx="2559561" cy="523220"/>
+          </a:xfrm>
+          <a:prstGeom prst="rect">
+            <a:avLst/>
+          </a:prstGeom>
+          <a:noFill/>
+        </p:spPr>
+        <p:txBody>
+          <a:bodyPr wrap="square" rtlCol="0">
+            <a:spAutoFit/>
+          </a:bodyPr>
+          <a:lstStyle/>
+          <a:p>
+            <a:r>
+              <a:rPr lang="en-US" altLang="zh-CN" sz="2800" dirty="0" smtClean="0">
+                <a:solidFill>
+                  <a:srgbClr val="0D8113"/>
+                </a:solidFill>
+              </a:rPr>
+              <a:t>Shell Sort</a:t>
+            </a:r>
+            <a:endParaRPr lang="zh-CN" altLang="en-US" sz="2800" dirty="0">
+              <a:solidFill>
+                <a:srgbClr val="0D8113"/>
+              </a:solidFill>
+            </a:endParaRPr>
+          </a:p>
+        </p:txBody>
+      </p:sp>
     </p:spTree>
     <p:extLst>
       <p:ext uri="{BB962C8B-B14F-4D97-AF65-F5344CB8AC3E}">
@@ -10137,6 +10176,1531 @@
           <a:chExt cx="0" cy="0"/>
         </a:xfrm>
       </p:grpSpPr>
+      <p:grpSp>
+        <p:nvGrpSpPr>
+          <p:cNvPr id="17" name="组合 16"/>
+          <p:cNvGrpSpPr/>
+          <p:nvPr/>
+        </p:nvGrpSpPr>
+        <p:grpSpPr>
+          <a:xfrm>
+            <a:off x="2121375" y="3452397"/>
+            <a:ext cx="1353545" cy="629754"/>
+            <a:chOff x="1951630" y="1042572"/>
+            <a:chExt cx="1582713" cy="629754"/>
+          </a:xfrm>
+        </p:grpSpPr>
+        <p:sp>
+          <p:nvSpPr>
+            <p:cNvPr id="11" name="上箭头 10"/>
+            <p:cNvSpPr/>
+            <p:nvPr/>
+          </p:nvSpPr>
+          <p:spPr>
+            <a:xfrm>
+              <a:off x="1951630" y="1042572"/>
+              <a:ext cx="286603" cy="629754"/>
+            </a:xfrm>
+            <a:prstGeom prst="upArrow">
+              <a:avLst/>
+            </a:prstGeom>
+            <a:solidFill>
+              <a:srgbClr val="00B050"/>
+            </a:solidFill>
+            <a:ln>
+              <a:noFill/>
+            </a:ln>
+          </p:spPr>
+          <p:style>
+            <a:lnRef idx="2">
+              <a:schemeClr val="accent1">
+                <a:shade val="50000"/>
+              </a:schemeClr>
+            </a:lnRef>
+            <a:fillRef idx="1">
+              <a:schemeClr val="accent1"/>
+            </a:fillRef>
+            <a:effectRef idx="0">
+              <a:schemeClr val="accent1"/>
+            </a:effectRef>
+            <a:fontRef idx="minor">
+              <a:schemeClr val="lt1"/>
+            </a:fontRef>
+          </p:style>
+          <p:txBody>
+            <a:bodyPr rtlCol="0" anchor="ctr"/>
+            <a:lstStyle/>
+            <a:p>
+              <a:pPr algn="ctr"/>
+              <a:endParaRPr lang="zh-CN" altLang="en-US"/>
+            </a:p>
+          </p:txBody>
+        </p:sp>
+        <p:sp>
+          <p:nvSpPr>
+            <p:cNvPr id="13" name="上箭头 12"/>
+            <p:cNvSpPr/>
+            <p:nvPr/>
+          </p:nvSpPr>
+          <p:spPr>
+            <a:xfrm>
+              <a:off x="3247740" y="1042572"/>
+              <a:ext cx="286603" cy="629754"/>
+            </a:xfrm>
+            <a:prstGeom prst="upArrow">
+              <a:avLst/>
+            </a:prstGeom>
+            <a:solidFill>
+              <a:srgbClr val="00B050"/>
+            </a:solidFill>
+            <a:ln>
+              <a:noFill/>
+            </a:ln>
+          </p:spPr>
+          <p:style>
+            <a:lnRef idx="2">
+              <a:schemeClr val="accent1">
+                <a:shade val="50000"/>
+              </a:schemeClr>
+            </a:lnRef>
+            <a:fillRef idx="1">
+              <a:schemeClr val="accent1"/>
+            </a:fillRef>
+            <a:effectRef idx="0">
+              <a:schemeClr val="accent1"/>
+            </a:effectRef>
+            <a:fontRef idx="minor">
+              <a:schemeClr val="lt1"/>
+            </a:fontRef>
+          </p:style>
+          <p:txBody>
+            <a:bodyPr rtlCol="0" anchor="ctr"/>
+            <a:lstStyle/>
+            <a:p>
+              <a:pPr algn="ctr"/>
+              <a:endParaRPr lang="zh-CN" altLang="en-US"/>
+            </a:p>
+          </p:txBody>
+        </p:sp>
+        <p:sp>
+          <p:nvSpPr>
+            <p:cNvPr id="14" name="矩形 13"/>
+            <p:cNvSpPr/>
+            <p:nvPr/>
+          </p:nvSpPr>
+          <p:spPr>
+            <a:xfrm>
+              <a:off x="2120189" y="1539876"/>
+              <a:ext cx="1201003" cy="132450"/>
+            </a:xfrm>
+            <a:prstGeom prst="rect">
+              <a:avLst/>
+            </a:prstGeom>
+            <a:solidFill>
+              <a:srgbClr val="00B050"/>
+            </a:solidFill>
+            <a:ln>
+              <a:noFill/>
+            </a:ln>
+          </p:spPr>
+          <p:style>
+            <a:lnRef idx="2">
+              <a:schemeClr val="accent1">
+                <a:shade val="50000"/>
+              </a:schemeClr>
+            </a:lnRef>
+            <a:fillRef idx="1">
+              <a:schemeClr val="accent1"/>
+            </a:fillRef>
+            <a:effectRef idx="0">
+              <a:schemeClr val="accent1"/>
+            </a:effectRef>
+            <a:fontRef idx="minor">
+              <a:schemeClr val="lt1"/>
+            </a:fontRef>
+          </p:style>
+          <p:txBody>
+            <a:bodyPr rtlCol="0" anchor="ctr"/>
+            <a:lstStyle/>
+            <a:p>
+              <a:pPr algn="ctr"/>
+              <a:endParaRPr lang="zh-CN" altLang="en-US"/>
+            </a:p>
+          </p:txBody>
+        </p:sp>
+      </p:grpSp>
+      <p:sp>
+        <p:nvSpPr>
+          <p:cNvPr id="2" name="椭圆 1"/>
+          <p:cNvSpPr/>
+          <p:nvPr/>
+        </p:nvSpPr>
+        <p:spPr>
+          <a:xfrm>
+            <a:off x="1678675" y="2281835"/>
+            <a:ext cx="1119117" cy="1119117"/>
+          </a:xfrm>
+          <a:prstGeom prst="ellipse">
+            <a:avLst/>
+          </a:prstGeom>
+          <a:solidFill>
+            <a:schemeClr val="accent1">
+              <a:lumMod val="75000"/>
+            </a:schemeClr>
+          </a:solidFill>
+          <a:ln>
+            <a:noFill/>
+          </a:ln>
+        </p:spPr>
+        <p:style>
+          <a:lnRef idx="2">
+            <a:schemeClr val="accent1">
+              <a:shade val="50000"/>
+            </a:schemeClr>
+          </a:lnRef>
+          <a:fillRef idx="1">
+            <a:schemeClr val="accent1"/>
+          </a:fillRef>
+          <a:effectRef idx="0">
+            <a:schemeClr val="accent1"/>
+          </a:effectRef>
+          <a:fontRef idx="minor">
+            <a:schemeClr val="lt1"/>
+          </a:fontRef>
+        </p:style>
+        <p:txBody>
+          <a:bodyPr rtlCol="0" anchor="ctr"/>
+          <a:lstStyle/>
+          <a:p>
+            <a:pPr algn="ctr"/>
+            <a:r>
+              <a:rPr lang="en-US" altLang="zh-CN" sz="3200" dirty="0" smtClean="0"/>
+              <a:t>2</a:t>
+            </a:r>
+            <a:endParaRPr lang="zh-CN" altLang="en-US" sz="3200" dirty="0"/>
+          </a:p>
+        </p:txBody>
+      </p:sp>
+      <p:sp>
+        <p:nvSpPr>
+          <p:cNvPr id="3" name="椭圆 2"/>
+          <p:cNvSpPr/>
+          <p:nvPr/>
+        </p:nvSpPr>
+        <p:spPr>
+          <a:xfrm>
+            <a:off x="2797792" y="2281834"/>
+            <a:ext cx="1119117" cy="1119117"/>
+          </a:xfrm>
+          <a:prstGeom prst="ellipse">
+            <a:avLst/>
+          </a:prstGeom>
+          <a:solidFill>
+            <a:schemeClr val="accent1">
+              <a:lumMod val="75000"/>
+            </a:schemeClr>
+          </a:solidFill>
+          <a:ln>
+            <a:noFill/>
+          </a:ln>
+        </p:spPr>
+        <p:style>
+          <a:lnRef idx="2">
+            <a:schemeClr val="accent1">
+              <a:shade val="50000"/>
+            </a:schemeClr>
+          </a:lnRef>
+          <a:fillRef idx="1">
+            <a:schemeClr val="accent1"/>
+          </a:fillRef>
+          <a:effectRef idx="0">
+            <a:schemeClr val="accent1"/>
+          </a:effectRef>
+          <a:fontRef idx="minor">
+            <a:schemeClr val="lt1"/>
+          </a:fontRef>
+        </p:style>
+        <p:txBody>
+          <a:bodyPr rtlCol="0" anchor="ctr"/>
+          <a:lstStyle/>
+          <a:p>
+            <a:pPr algn="ctr"/>
+            <a:r>
+              <a:rPr lang="en-US" altLang="zh-CN" sz="3200" dirty="0" smtClean="0"/>
+              <a:t>1</a:t>
+            </a:r>
+            <a:endParaRPr lang="zh-CN" altLang="en-US" sz="3200" dirty="0"/>
+          </a:p>
+        </p:txBody>
+      </p:sp>
+      <p:sp>
+        <p:nvSpPr>
+          <p:cNvPr id="4" name="椭圆 3"/>
+          <p:cNvSpPr/>
+          <p:nvPr/>
+        </p:nvSpPr>
+        <p:spPr>
+          <a:xfrm>
+            <a:off x="3916909" y="2281834"/>
+            <a:ext cx="1119117" cy="1119117"/>
+          </a:xfrm>
+          <a:prstGeom prst="ellipse">
+            <a:avLst/>
+          </a:prstGeom>
+          <a:solidFill>
+            <a:schemeClr val="accent1">
+              <a:lumMod val="75000"/>
+            </a:schemeClr>
+          </a:solidFill>
+          <a:ln>
+            <a:noFill/>
+          </a:ln>
+        </p:spPr>
+        <p:style>
+          <a:lnRef idx="2">
+            <a:schemeClr val="accent1">
+              <a:shade val="50000"/>
+            </a:schemeClr>
+          </a:lnRef>
+          <a:fillRef idx="1">
+            <a:schemeClr val="accent1"/>
+          </a:fillRef>
+          <a:effectRef idx="0">
+            <a:schemeClr val="accent1"/>
+          </a:effectRef>
+          <a:fontRef idx="minor">
+            <a:schemeClr val="lt1"/>
+          </a:fontRef>
+        </p:style>
+        <p:txBody>
+          <a:bodyPr rtlCol="0" anchor="ctr"/>
+          <a:lstStyle/>
+          <a:p>
+            <a:pPr algn="ctr"/>
+            <a:r>
+              <a:rPr lang="en-US" altLang="zh-CN" sz="3200" dirty="0" smtClean="0"/>
+              <a:t>3</a:t>
+            </a:r>
+            <a:endParaRPr lang="zh-CN" altLang="en-US" sz="3200" dirty="0"/>
+          </a:p>
+        </p:txBody>
+      </p:sp>
+      <p:sp>
+        <p:nvSpPr>
+          <p:cNvPr id="5" name="椭圆 4"/>
+          <p:cNvSpPr/>
+          <p:nvPr/>
+        </p:nvSpPr>
+        <p:spPr>
+          <a:xfrm>
+            <a:off x="5036026" y="2281834"/>
+            <a:ext cx="1119117" cy="1119117"/>
+          </a:xfrm>
+          <a:prstGeom prst="ellipse">
+            <a:avLst/>
+          </a:prstGeom>
+          <a:solidFill>
+            <a:schemeClr val="accent1">
+              <a:lumMod val="75000"/>
+            </a:schemeClr>
+          </a:solidFill>
+          <a:ln>
+            <a:noFill/>
+          </a:ln>
+        </p:spPr>
+        <p:style>
+          <a:lnRef idx="2">
+            <a:schemeClr val="accent1">
+              <a:shade val="50000"/>
+            </a:schemeClr>
+          </a:lnRef>
+          <a:fillRef idx="1">
+            <a:schemeClr val="accent1"/>
+          </a:fillRef>
+          <a:effectRef idx="0">
+            <a:schemeClr val="accent1"/>
+          </a:effectRef>
+          <a:fontRef idx="minor">
+            <a:schemeClr val="lt1"/>
+          </a:fontRef>
+        </p:style>
+        <p:txBody>
+          <a:bodyPr rtlCol="0" anchor="ctr"/>
+          <a:lstStyle/>
+          <a:p>
+            <a:pPr algn="ctr"/>
+            <a:r>
+              <a:rPr lang="en-US" altLang="zh-CN" sz="3200" dirty="0" smtClean="0"/>
+              <a:t>6</a:t>
+            </a:r>
+            <a:endParaRPr lang="zh-CN" altLang="en-US" sz="3200" dirty="0"/>
+          </a:p>
+        </p:txBody>
+      </p:sp>
+      <p:sp>
+        <p:nvSpPr>
+          <p:cNvPr id="6" name="椭圆 5"/>
+          <p:cNvSpPr/>
+          <p:nvPr/>
+        </p:nvSpPr>
+        <p:spPr>
+          <a:xfrm>
+            <a:off x="6155143" y="2281833"/>
+            <a:ext cx="1119117" cy="1119117"/>
+          </a:xfrm>
+          <a:prstGeom prst="ellipse">
+            <a:avLst/>
+          </a:prstGeom>
+          <a:solidFill>
+            <a:schemeClr val="accent1">
+              <a:lumMod val="75000"/>
+            </a:schemeClr>
+          </a:solidFill>
+          <a:ln>
+            <a:noFill/>
+          </a:ln>
+        </p:spPr>
+        <p:style>
+          <a:lnRef idx="2">
+            <a:schemeClr val="accent1">
+              <a:shade val="50000"/>
+            </a:schemeClr>
+          </a:lnRef>
+          <a:fillRef idx="1">
+            <a:schemeClr val="accent1"/>
+          </a:fillRef>
+          <a:effectRef idx="0">
+            <a:schemeClr val="accent1"/>
+          </a:effectRef>
+          <a:fontRef idx="minor">
+            <a:schemeClr val="lt1"/>
+          </a:fontRef>
+        </p:style>
+        <p:txBody>
+          <a:bodyPr rtlCol="0" anchor="ctr"/>
+          <a:lstStyle/>
+          <a:p>
+            <a:pPr algn="ctr"/>
+            <a:r>
+              <a:rPr lang="en-US" altLang="zh-CN" sz="3200" dirty="0" smtClean="0"/>
+              <a:t>7</a:t>
+            </a:r>
+            <a:endParaRPr lang="zh-CN" altLang="en-US" sz="3200" dirty="0"/>
+          </a:p>
+        </p:txBody>
+      </p:sp>
+      <p:sp>
+        <p:nvSpPr>
+          <p:cNvPr id="7" name="椭圆 6"/>
+          <p:cNvSpPr/>
+          <p:nvPr/>
+        </p:nvSpPr>
+        <p:spPr>
+          <a:xfrm>
+            <a:off x="7274260" y="2281832"/>
+            <a:ext cx="1119117" cy="1119117"/>
+          </a:xfrm>
+          <a:prstGeom prst="ellipse">
+            <a:avLst/>
+          </a:prstGeom>
+          <a:solidFill>
+            <a:schemeClr val="accent1">
+              <a:lumMod val="75000"/>
+            </a:schemeClr>
+          </a:solidFill>
+          <a:ln>
+            <a:noFill/>
+          </a:ln>
+        </p:spPr>
+        <p:style>
+          <a:lnRef idx="2">
+            <a:schemeClr val="accent1">
+              <a:shade val="50000"/>
+            </a:schemeClr>
+          </a:lnRef>
+          <a:fillRef idx="1">
+            <a:schemeClr val="accent1"/>
+          </a:fillRef>
+          <a:effectRef idx="0">
+            <a:schemeClr val="accent1"/>
+          </a:effectRef>
+          <a:fontRef idx="minor">
+            <a:schemeClr val="lt1"/>
+          </a:fontRef>
+        </p:style>
+        <p:txBody>
+          <a:bodyPr rtlCol="0" anchor="ctr"/>
+          <a:lstStyle/>
+          <a:p>
+            <a:pPr algn="ctr"/>
+            <a:r>
+              <a:rPr lang="en-US" altLang="zh-CN" sz="3200" dirty="0" smtClean="0"/>
+              <a:t>5</a:t>
+            </a:r>
+            <a:endParaRPr lang="zh-CN" altLang="en-US" sz="3200" dirty="0"/>
+          </a:p>
+        </p:txBody>
+      </p:sp>
+      <p:sp>
+        <p:nvSpPr>
+          <p:cNvPr id="8" name="椭圆 7"/>
+          <p:cNvSpPr/>
+          <p:nvPr/>
+        </p:nvSpPr>
+        <p:spPr>
+          <a:xfrm>
+            <a:off x="8393377" y="2281832"/>
+            <a:ext cx="1119117" cy="1119117"/>
+          </a:xfrm>
+          <a:prstGeom prst="ellipse">
+            <a:avLst/>
+          </a:prstGeom>
+          <a:solidFill>
+            <a:schemeClr val="accent1">
+              <a:lumMod val="75000"/>
+            </a:schemeClr>
+          </a:solidFill>
+          <a:ln>
+            <a:noFill/>
+          </a:ln>
+        </p:spPr>
+        <p:style>
+          <a:lnRef idx="2">
+            <a:schemeClr val="accent1">
+              <a:shade val="50000"/>
+            </a:schemeClr>
+          </a:lnRef>
+          <a:fillRef idx="1">
+            <a:schemeClr val="accent1"/>
+          </a:fillRef>
+          <a:effectRef idx="0">
+            <a:schemeClr val="accent1"/>
+          </a:effectRef>
+          <a:fontRef idx="minor">
+            <a:schemeClr val="lt1"/>
+          </a:fontRef>
+        </p:style>
+        <p:txBody>
+          <a:bodyPr rtlCol="0" anchor="ctr"/>
+          <a:lstStyle/>
+          <a:p>
+            <a:pPr algn="ctr"/>
+            <a:r>
+              <a:rPr lang="en-US" altLang="zh-CN" sz="3200" dirty="0"/>
+              <a:t>0</a:t>
+            </a:r>
+            <a:endParaRPr lang="zh-CN" altLang="en-US" sz="3200" dirty="0"/>
+          </a:p>
+        </p:txBody>
+      </p:sp>
+      <p:sp>
+        <p:nvSpPr>
+          <p:cNvPr id="9" name="椭圆 8"/>
+          <p:cNvSpPr/>
+          <p:nvPr/>
+        </p:nvSpPr>
+        <p:spPr>
+          <a:xfrm>
+            <a:off x="9512494" y="2281832"/>
+            <a:ext cx="1119117" cy="1119117"/>
+          </a:xfrm>
+          <a:prstGeom prst="ellipse">
+            <a:avLst/>
+          </a:prstGeom>
+          <a:solidFill>
+            <a:schemeClr val="accent1">
+              <a:lumMod val="75000"/>
+            </a:schemeClr>
+          </a:solidFill>
+          <a:ln>
+            <a:noFill/>
+          </a:ln>
+        </p:spPr>
+        <p:style>
+          <a:lnRef idx="2">
+            <a:schemeClr val="accent1">
+              <a:shade val="50000"/>
+            </a:schemeClr>
+          </a:lnRef>
+          <a:fillRef idx="1">
+            <a:schemeClr val="accent1"/>
+          </a:fillRef>
+          <a:effectRef idx="0">
+            <a:schemeClr val="accent1"/>
+          </a:effectRef>
+          <a:fontRef idx="minor">
+            <a:schemeClr val="lt1"/>
+          </a:fontRef>
+        </p:style>
+        <p:txBody>
+          <a:bodyPr rtlCol="0" anchor="ctr"/>
+          <a:lstStyle/>
+          <a:p>
+            <a:pPr algn="ctr"/>
+            <a:r>
+              <a:rPr lang="en-US" altLang="zh-CN" sz="3200" dirty="0" smtClean="0"/>
+              <a:t>4</a:t>
+            </a:r>
+            <a:endParaRPr lang="zh-CN" altLang="en-US" sz="3200" dirty="0"/>
+          </a:p>
+        </p:txBody>
+      </p:sp>
+      <p:grpSp>
+        <p:nvGrpSpPr>
+          <p:cNvPr id="18" name="组合 17"/>
+          <p:cNvGrpSpPr/>
+          <p:nvPr/>
+        </p:nvGrpSpPr>
+        <p:grpSpPr>
+          <a:xfrm>
+            <a:off x="4359253" y="3452397"/>
+            <a:ext cx="1353545" cy="629754"/>
+            <a:chOff x="1951630" y="1042572"/>
+            <a:chExt cx="1582713" cy="629754"/>
+          </a:xfrm>
+        </p:grpSpPr>
+        <p:sp>
+          <p:nvSpPr>
+            <p:cNvPr id="19" name="上箭头 18"/>
+            <p:cNvSpPr/>
+            <p:nvPr/>
+          </p:nvSpPr>
+          <p:spPr>
+            <a:xfrm>
+              <a:off x="1951630" y="1042572"/>
+              <a:ext cx="286603" cy="629754"/>
+            </a:xfrm>
+            <a:prstGeom prst="upArrow">
+              <a:avLst/>
+            </a:prstGeom>
+            <a:solidFill>
+              <a:srgbClr val="00B050"/>
+            </a:solidFill>
+            <a:ln>
+              <a:noFill/>
+            </a:ln>
+          </p:spPr>
+          <p:style>
+            <a:lnRef idx="2">
+              <a:schemeClr val="accent1">
+                <a:shade val="50000"/>
+              </a:schemeClr>
+            </a:lnRef>
+            <a:fillRef idx="1">
+              <a:schemeClr val="accent1"/>
+            </a:fillRef>
+            <a:effectRef idx="0">
+              <a:schemeClr val="accent1"/>
+            </a:effectRef>
+            <a:fontRef idx="minor">
+              <a:schemeClr val="lt1"/>
+            </a:fontRef>
+          </p:style>
+          <p:txBody>
+            <a:bodyPr rtlCol="0" anchor="ctr"/>
+            <a:lstStyle/>
+            <a:p>
+              <a:pPr algn="ctr"/>
+              <a:endParaRPr lang="zh-CN" altLang="en-US"/>
+            </a:p>
+          </p:txBody>
+        </p:sp>
+        <p:sp>
+          <p:nvSpPr>
+            <p:cNvPr id="20" name="上箭头 19"/>
+            <p:cNvSpPr/>
+            <p:nvPr/>
+          </p:nvSpPr>
+          <p:spPr>
+            <a:xfrm>
+              <a:off x="3247740" y="1042572"/>
+              <a:ext cx="286603" cy="629754"/>
+            </a:xfrm>
+            <a:prstGeom prst="upArrow">
+              <a:avLst/>
+            </a:prstGeom>
+            <a:solidFill>
+              <a:srgbClr val="00B050"/>
+            </a:solidFill>
+            <a:ln>
+              <a:noFill/>
+            </a:ln>
+          </p:spPr>
+          <p:style>
+            <a:lnRef idx="2">
+              <a:schemeClr val="accent1">
+                <a:shade val="50000"/>
+              </a:schemeClr>
+            </a:lnRef>
+            <a:fillRef idx="1">
+              <a:schemeClr val="accent1"/>
+            </a:fillRef>
+            <a:effectRef idx="0">
+              <a:schemeClr val="accent1"/>
+            </a:effectRef>
+            <a:fontRef idx="minor">
+              <a:schemeClr val="lt1"/>
+            </a:fontRef>
+          </p:style>
+          <p:txBody>
+            <a:bodyPr rtlCol="0" anchor="ctr"/>
+            <a:lstStyle/>
+            <a:p>
+              <a:pPr algn="ctr"/>
+              <a:endParaRPr lang="zh-CN" altLang="en-US"/>
+            </a:p>
+          </p:txBody>
+        </p:sp>
+        <p:sp>
+          <p:nvSpPr>
+            <p:cNvPr id="21" name="矩形 20"/>
+            <p:cNvSpPr/>
+            <p:nvPr/>
+          </p:nvSpPr>
+          <p:spPr>
+            <a:xfrm>
+              <a:off x="2120189" y="1539876"/>
+              <a:ext cx="1201003" cy="132450"/>
+            </a:xfrm>
+            <a:prstGeom prst="rect">
+              <a:avLst/>
+            </a:prstGeom>
+            <a:solidFill>
+              <a:srgbClr val="00B050"/>
+            </a:solidFill>
+            <a:ln>
+              <a:noFill/>
+            </a:ln>
+          </p:spPr>
+          <p:style>
+            <a:lnRef idx="2">
+              <a:schemeClr val="accent1">
+                <a:shade val="50000"/>
+              </a:schemeClr>
+            </a:lnRef>
+            <a:fillRef idx="1">
+              <a:schemeClr val="accent1"/>
+            </a:fillRef>
+            <a:effectRef idx="0">
+              <a:schemeClr val="accent1"/>
+            </a:effectRef>
+            <a:fontRef idx="minor">
+              <a:schemeClr val="lt1"/>
+            </a:fontRef>
+          </p:style>
+          <p:txBody>
+            <a:bodyPr rtlCol="0" anchor="ctr"/>
+            <a:lstStyle/>
+            <a:p>
+              <a:pPr algn="ctr"/>
+              <a:endParaRPr lang="zh-CN" altLang="en-US"/>
+            </a:p>
+          </p:txBody>
+        </p:sp>
+      </p:grpSp>
+      <p:grpSp>
+        <p:nvGrpSpPr>
+          <p:cNvPr id="22" name="组合 21"/>
+          <p:cNvGrpSpPr/>
+          <p:nvPr/>
+        </p:nvGrpSpPr>
+        <p:grpSpPr>
+          <a:xfrm>
+            <a:off x="6563435" y="3452397"/>
+            <a:ext cx="1353545" cy="629754"/>
+            <a:chOff x="1951630" y="1042572"/>
+            <a:chExt cx="1582713" cy="629754"/>
+          </a:xfrm>
+        </p:grpSpPr>
+        <p:sp>
+          <p:nvSpPr>
+            <p:cNvPr id="23" name="上箭头 22"/>
+            <p:cNvSpPr/>
+            <p:nvPr/>
+          </p:nvSpPr>
+          <p:spPr>
+            <a:xfrm>
+              <a:off x="1951630" y="1042572"/>
+              <a:ext cx="286603" cy="629754"/>
+            </a:xfrm>
+            <a:prstGeom prst="upArrow">
+              <a:avLst/>
+            </a:prstGeom>
+            <a:solidFill>
+              <a:srgbClr val="00B050"/>
+            </a:solidFill>
+            <a:ln>
+              <a:noFill/>
+            </a:ln>
+          </p:spPr>
+          <p:style>
+            <a:lnRef idx="2">
+              <a:schemeClr val="accent1">
+                <a:shade val="50000"/>
+              </a:schemeClr>
+            </a:lnRef>
+            <a:fillRef idx="1">
+              <a:schemeClr val="accent1"/>
+            </a:fillRef>
+            <a:effectRef idx="0">
+              <a:schemeClr val="accent1"/>
+            </a:effectRef>
+            <a:fontRef idx="minor">
+              <a:schemeClr val="lt1"/>
+            </a:fontRef>
+          </p:style>
+          <p:txBody>
+            <a:bodyPr rtlCol="0" anchor="ctr"/>
+            <a:lstStyle/>
+            <a:p>
+              <a:pPr algn="ctr"/>
+              <a:endParaRPr lang="zh-CN" altLang="en-US"/>
+            </a:p>
+          </p:txBody>
+        </p:sp>
+        <p:sp>
+          <p:nvSpPr>
+            <p:cNvPr id="24" name="上箭头 23"/>
+            <p:cNvSpPr/>
+            <p:nvPr/>
+          </p:nvSpPr>
+          <p:spPr>
+            <a:xfrm>
+              <a:off x="3247740" y="1042572"/>
+              <a:ext cx="286603" cy="629754"/>
+            </a:xfrm>
+            <a:prstGeom prst="upArrow">
+              <a:avLst/>
+            </a:prstGeom>
+            <a:solidFill>
+              <a:srgbClr val="00B050"/>
+            </a:solidFill>
+            <a:ln>
+              <a:noFill/>
+            </a:ln>
+          </p:spPr>
+          <p:style>
+            <a:lnRef idx="2">
+              <a:schemeClr val="accent1">
+                <a:shade val="50000"/>
+              </a:schemeClr>
+            </a:lnRef>
+            <a:fillRef idx="1">
+              <a:schemeClr val="accent1"/>
+            </a:fillRef>
+            <a:effectRef idx="0">
+              <a:schemeClr val="accent1"/>
+            </a:effectRef>
+            <a:fontRef idx="minor">
+              <a:schemeClr val="lt1"/>
+            </a:fontRef>
+          </p:style>
+          <p:txBody>
+            <a:bodyPr rtlCol="0" anchor="ctr"/>
+            <a:lstStyle/>
+            <a:p>
+              <a:pPr algn="ctr"/>
+              <a:endParaRPr lang="zh-CN" altLang="en-US"/>
+            </a:p>
+          </p:txBody>
+        </p:sp>
+        <p:sp>
+          <p:nvSpPr>
+            <p:cNvPr id="25" name="矩形 24"/>
+            <p:cNvSpPr/>
+            <p:nvPr/>
+          </p:nvSpPr>
+          <p:spPr>
+            <a:xfrm>
+              <a:off x="2120189" y="1539876"/>
+              <a:ext cx="1201003" cy="132450"/>
+            </a:xfrm>
+            <a:prstGeom prst="rect">
+              <a:avLst/>
+            </a:prstGeom>
+            <a:solidFill>
+              <a:srgbClr val="00B050"/>
+            </a:solidFill>
+            <a:ln>
+              <a:noFill/>
+            </a:ln>
+          </p:spPr>
+          <p:style>
+            <a:lnRef idx="2">
+              <a:schemeClr val="accent1">
+                <a:shade val="50000"/>
+              </a:schemeClr>
+            </a:lnRef>
+            <a:fillRef idx="1">
+              <a:schemeClr val="accent1"/>
+            </a:fillRef>
+            <a:effectRef idx="0">
+              <a:schemeClr val="accent1"/>
+            </a:effectRef>
+            <a:fontRef idx="minor">
+              <a:schemeClr val="lt1"/>
+            </a:fontRef>
+          </p:style>
+          <p:txBody>
+            <a:bodyPr rtlCol="0" anchor="ctr"/>
+            <a:lstStyle/>
+            <a:p>
+              <a:pPr algn="ctr"/>
+              <a:endParaRPr lang="zh-CN" altLang="en-US"/>
+            </a:p>
+          </p:txBody>
+        </p:sp>
+      </p:grpSp>
+      <p:grpSp>
+        <p:nvGrpSpPr>
+          <p:cNvPr id="26" name="组合 25"/>
+          <p:cNvGrpSpPr/>
+          <p:nvPr/>
+        </p:nvGrpSpPr>
+        <p:grpSpPr>
+          <a:xfrm>
+            <a:off x="8835721" y="3452397"/>
+            <a:ext cx="1353545" cy="629754"/>
+            <a:chOff x="1951630" y="1042572"/>
+            <a:chExt cx="1582713" cy="629754"/>
+          </a:xfrm>
+        </p:grpSpPr>
+        <p:sp>
+          <p:nvSpPr>
+            <p:cNvPr id="27" name="上箭头 26"/>
+            <p:cNvSpPr/>
+            <p:nvPr/>
+          </p:nvSpPr>
+          <p:spPr>
+            <a:xfrm>
+              <a:off x="1951630" y="1042572"/>
+              <a:ext cx="286603" cy="629754"/>
+            </a:xfrm>
+            <a:prstGeom prst="upArrow">
+              <a:avLst/>
+            </a:prstGeom>
+            <a:solidFill>
+              <a:srgbClr val="00B050"/>
+            </a:solidFill>
+            <a:ln>
+              <a:noFill/>
+            </a:ln>
+          </p:spPr>
+          <p:style>
+            <a:lnRef idx="2">
+              <a:schemeClr val="accent1">
+                <a:shade val="50000"/>
+              </a:schemeClr>
+            </a:lnRef>
+            <a:fillRef idx="1">
+              <a:schemeClr val="accent1"/>
+            </a:fillRef>
+            <a:effectRef idx="0">
+              <a:schemeClr val="accent1"/>
+            </a:effectRef>
+            <a:fontRef idx="minor">
+              <a:schemeClr val="lt1"/>
+            </a:fontRef>
+          </p:style>
+          <p:txBody>
+            <a:bodyPr rtlCol="0" anchor="ctr"/>
+            <a:lstStyle/>
+            <a:p>
+              <a:pPr algn="ctr"/>
+              <a:endParaRPr lang="zh-CN" altLang="en-US"/>
+            </a:p>
+          </p:txBody>
+        </p:sp>
+        <p:sp>
+          <p:nvSpPr>
+            <p:cNvPr id="28" name="上箭头 27"/>
+            <p:cNvSpPr/>
+            <p:nvPr/>
+          </p:nvSpPr>
+          <p:spPr>
+            <a:xfrm>
+              <a:off x="3247740" y="1042572"/>
+              <a:ext cx="286603" cy="629754"/>
+            </a:xfrm>
+            <a:prstGeom prst="upArrow">
+              <a:avLst/>
+            </a:prstGeom>
+            <a:solidFill>
+              <a:srgbClr val="00B050"/>
+            </a:solidFill>
+            <a:ln>
+              <a:noFill/>
+            </a:ln>
+          </p:spPr>
+          <p:style>
+            <a:lnRef idx="2">
+              <a:schemeClr val="accent1">
+                <a:shade val="50000"/>
+              </a:schemeClr>
+            </a:lnRef>
+            <a:fillRef idx="1">
+              <a:schemeClr val="accent1"/>
+            </a:fillRef>
+            <a:effectRef idx="0">
+              <a:schemeClr val="accent1"/>
+            </a:effectRef>
+            <a:fontRef idx="minor">
+              <a:schemeClr val="lt1"/>
+            </a:fontRef>
+          </p:style>
+          <p:txBody>
+            <a:bodyPr rtlCol="0" anchor="ctr"/>
+            <a:lstStyle/>
+            <a:p>
+              <a:pPr algn="ctr"/>
+              <a:endParaRPr lang="zh-CN" altLang="en-US"/>
+            </a:p>
+          </p:txBody>
+        </p:sp>
+        <p:sp>
+          <p:nvSpPr>
+            <p:cNvPr id="29" name="矩形 28"/>
+            <p:cNvSpPr/>
+            <p:nvPr/>
+          </p:nvSpPr>
+          <p:spPr>
+            <a:xfrm>
+              <a:off x="2120189" y="1539876"/>
+              <a:ext cx="1201003" cy="132450"/>
+            </a:xfrm>
+            <a:prstGeom prst="rect">
+              <a:avLst/>
+            </a:prstGeom>
+            <a:solidFill>
+              <a:srgbClr val="00B050"/>
+            </a:solidFill>
+            <a:ln>
+              <a:noFill/>
+            </a:ln>
+          </p:spPr>
+          <p:style>
+            <a:lnRef idx="2">
+              <a:schemeClr val="accent1">
+                <a:shade val="50000"/>
+              </a:schemeClr>
+            </a:lnRef>
+            <a:fillRef idx="1">
+              <a:schemeClr val="accent1"/>
+            </a:fillRef>
+            <a:effectRef idx="0">
+              <a:schemeClr val="accent1"/>
+            </a:effectRef>
+            <a:fontRef idx="minor">
+              <a:schemeClr val="lt1"/>
+            </a:fontRef>
+          </p:style>
+          <p:txBody>
+            <a:bodyPr rtlCol="0" anchor="ctr"/>
+            <a:lstStyle/>
+            <a:p>
+              <a:pPr algn="ctr"/>
+              <a:endParaRPr lang="zh-CN" altLang="en-US"/>
+            </a:p>
+          </p:txBody>
+        </p:sp>
+      </p:grpSp>
+      <p:grpSp>
+        <p:nvGrpSpPr>
+          <p:cNvPr id="30" name="组合 29"/>
+          <p:cNvGrpSpPr/>
+          <p:nvPr/>
+        </p:nvGrpSpPr>
+        <p:grpSpPr>
+          <a:xfrm>
+            <a:off x="2457712" y="4086214"/>
+            <a:ext cx="2837620" cy="1011826"/>
+            <a:chOff x="1951630" y="1042572"/>
+            <a:chExt cx="1582713" cy="629754"/>
+          </a:xfrm>
+        </p:grpSpPr>
+        <p:sp>
+          <p:nvSpPr>
+            <p:cNvPr id="31" name="上箭头 30"/>
+            <p:cNvSpPr/>
+            <p:nvPr/>
+          </p:nvSpPr>
+          <p:spPr>
+            <a:xfrm>
+              <a:off x="1951630" y="1042572"/>
+              <a:ext cx="286603" cy="629754"/>
+            </a:xfrm>
+            <a:prstGeom prst="upArrow">
+              <a:avLst/>
+            </a:prstGeom>
+            <a:solidFill>
+              <a:srgbClr val="00B050"/>
+            </a:solidFill>
+            <a:ln>
+              <a:noFill/>
+            </a:ln>
+          </p:spPr>
+          <p:style>
+            <a:lnRef idx="2">
+              <a:schemeClr val="accent1">
+                <a:shade val="50000"/>
+              </a:schemeClr>
+            </a:lnRef>
+            <a:fillRef idx="1">
+              <a:schemeClr val="accent1"/>
+            </a:fillRef>
+            <a:effectRef idx="0">
+              <a:schemeClr val="accent1"/>
+            </a:effectRef>
+            <a:fontRef idx="minor">
+              <a:schemeClr val="lt1"/>
+            </a:fontRef>
+          </p:style>
+          <p:txBody>
+            <a:bodyPr rtlCol="0" anchor="ctr"/>
+            <a:lstStyle/>
+            <a:p>
+              <a:pPr algn="ctr"/>
+              <a:endParaRPr lang="zh-CN" altLang="en-US"/>
+            </a:p>
+          </p:txBody>
+        </p:sp>
+        <p:sp>
+          <p:nvSpPr>
+            <p:cNvPr id="32" name="上箭头 31"/>
+            <p:cNvSpPr/>
+            <p:nvPr/>
+          </p:nvSpPr>
+          <p:spPr>
+            <a:xfrm>
+              <a:off x="3247740" y="1042572"/>
+              <a:ext cx="286603" cy="629754"/>
+            </a:xfrm>
+            <a:prstGeom prst="upArrow">
+              <a:avLst/>
+            </a:prstGeom>
+            <a:solidFill>
+              <a:srgbClr val="00B050"/>
+            </a:solidFill>
+            <a:ln>
+              <a:noFill/>
+            </a:ln>
+          </p:spPr>
+          <p:style>
+            <a:lnRef idx="2">
+              <a:schemeClr val="accent1">
+                <a:shade val="50000"/>
+              </a:schemeClr>
+            </a:lnRef>
+            <a:fillRef idx="1">
+              <a:schemeClr val="accent1"/>
+            </a:fillRef>
+            <a:effectRef idx="0">
+              <a:schemeClr val="accent1"/>
+            </a:effectRef>
+            <a:fontRef idx="minor">
+              <a:schemeClr val="lt1"/>
+            </a:fontRef>
+          </p:style>
+          <p:txBody>
+            <a:bodyPr rtlCol="0" anchor="ctr"/>
+            <a:lstStyle/>
+            <a:p>
+              <a:pPr algn="ctr"/>
+              <a:endParaRPr lang="zh-CN" altLang="en-US"/>
+            </a:p>
+          </p:txBody>
+        </p:sp>
+        <p:sp>
+          <p:nvSpPr>
+            <p:cNvPr id="33" name="矩形 32"/>
+            <p:cNvSpPr/>
+            <p:nvPr/>
+          </p:nvSpPr>
+          <p:spPr>
+            <a:xfrm>
+              <a:off x="2120189" y="1539876"/>
+              <a:ext cx="1201003" cy="132450"/>
+            </a:xfrm>
+            <a:prstGeom prst="rect">
+              <a:avLst/>
+            </a:prstGeom>
+            <a:solidFill>
+              <a:srgbClr val="00B050"/>
+            </a:solidFill>
+            <a:ln>
+              <a:noFill/>
+            </a:ln>
+          </p:spPr>
+          <p:style>
+            <a:lnRef idx="2">
+              <a:schemeClr val="accent1">
+                <a:shade val="50000"/>
+              </a:schemeClr>
+            </a:lnRef>
+            <a:fillRef idx="1">
+              <a:schemeClr val="accent1"/>
+            </a:fillRef>
+            <a:effectRef idx="0">
+              <a:schemeClr val="accent1"/>
+            </a:effectRef>
+            <a:fontRef idx="minor">
+              <a:schemeClr val="lt1"/>
+            </a:fontRef>
+          </p:style>
+          <p:txBody>
+            <a:bodyPr rtlCol="0" anchor="ctr"/>
+            <a:lstStyle/>
+            <a:p>
+              <a:pPr algn="ctr"/>
+              <a:endParaRPr lang="zh-CN" altLang="en-US"/>
+            </a:p>
+          </p:txBody>
+        </p:sp>
+      </p:grpSp>
+      <p:grpSp>
+        <p:nvGrpSpPr>
+          <p:cNvPr id="39" name="组合 38"/>
+          <p:cNvGrpSpPr/>
+          <p:nvPr/>
+        </p:nvGrpSpPr>
+        <p:grpSpPr>
+          <a:xfrm>
+            <a:off x="6974567" y="4067783"/>
+            <a:ext cx="2837620" cy="1030257"/>
+            <a:chOff x="1951630" y="1042572"/>
+            <a:chExt cx="1582713" cy="629754"/>
+          </a:xfrm>
+        </p:grpSpPr>
+        <p:sp>
+          <p:nvSpPr>
+            <p:cNvPr id="40" name="上箭头 39"/>
+            <p:cNvSpPr/>
+            <p:nvPr/>
+          </p:nvSpPr>
+          <p:spPr>
+            <a:xfrm>
+              <a:off x="1951630" y="1042572"/>
+              <a:ext cx="286603" cy="629754"/>
+            </a:xfrm>
+            <a:prstGeom prst="upArrow">
+              <a:avLst/>
+            </a:prstGeom>
+            <a:solidFill>
+              <a:srgbClr val="00B050"/>
+            </a:solidFill>
+            <a:ln>
+              <a:noFill/>
+            </a:ln>
+          </p:spPr>
+          <p:style>
+            <a:lnRef idx="2">
+              <a:schemeClr val="accent1">
+                <a:shade val="50000"/>
+              </a:schemeClr>
+            </a:lnRef>
+            <a:fillRef idx="1">
+              <a:schemeClr val="accent1"/>
+            </a:fillRef>
+            <a:effectRef idx="0">
+              <a:schemeClr val="accent1"/>
+            </a:effectRef>
+            <a:fontRef idx="minor">
+              <a:schemeClr val="lt1"/>
+            </a:fontRef>
+          </p:style>
+          <p:txBody>
+            <a:bodyPr rtlCol="0" anchor="ctr"/>
+            <a:lstStyle/>
+            <a:p>
+              <a:pPr algn="ctr"/>
+              <a:endParaRPr lang="zh-CN" altLang="en-US"/>
+            </a:p>
+          </p:txBody>
+        </p:sp>
+        <p:sp>
+          <p:nvSpPr>
+            <p:cNvPr id="41" name="上箭头 40"/>
+            <p:cNvSpPr/>
+            <p:nvPr/>
+          </p:nvSpPr>
+          <p:spPr>
+            <a:xfrm>
+              <a:off x="3247740" y="1042572"/>
+              <a:ext cx="286603" cy="629754"/>
+            </a:xfrm>
+            <a:prstGeom prst="upArrow">
+              <a:avLst/>
+            </a:prstGeom>
+            <a:solidFill>
+              <a:srgbClr val="00B050"/>
+            </a:solidFill>
+            <a:ln>
+              <a:noFill/>
+            </a:ln>
+          </p:spPr>
+          <p:style>
+            <a:lnRef idx="2">
+              <a:schemeClr val="accent1">
+                <a:shade val="50000"/>
+              </a:schemeClr>
+            </a:lnRef>
+            <a:fillRef idx="1">
+              <a:schemeClr val="accent1"/>
+            </a:fillRef>
+            <a:effectRef idx="0">
+              <a:schemeClr val="accent1"/>
+            </a:effectRef>
+            <a:fontRef idx="minor">
+              <a:schemeClr val="lt1"/>
+            </a:fontRef>
+          </p:style>
+          <p:txBody>
+            <a:bodyPr rtlCol="0" anchor="ctr"/>
+            <a:lstStyle/>
+            <a:p>
+              <a:pPr algn="ctr"/>
+              <a:endParaRPr lang="zh-CN" altLang="en-US"/>
+            </a:p>
+          </p:txBody>
+        </p:sp>
+        <p:sp>
+          <p:nvSpPr>
+            <p:cNvPr id="42" name="矩形 41"/>
+            <p:cNvSpPr/>
+            <p:nvPr/>
+          </p:nvSpPr>
+          <p:spPr>
+            <a:xfrm>
+              <a:off x="2120189" y="1539876"/>
+              <a:ext cx="1201003" cy="132450"/>
+            </a:xfrm>
+            <a:prstGeom prst="rect">
+              <a:avLst/>
+            </a:prstGeom>
+            <a:solidFill>
+              <a:srgbClr val="00B050"/>
+            </a:solidFill>
+            <a:ln>
+              <a:noFill/>
+            </a:ln>
+          </p:spPr>
+          <p:style>
+            <a:lnRef idx="2">
+              <a:schemeClr val="accent1">
+                <a:shade val="50000"/>
+              </a:schemeClr>
+            </a:lnRef>
+            <a:fillRef idx="1">
+              <a:schemeClr val="accent1"/>
+            </a:fillRef>
+            <a:effectRef idx="0">
+              <a:schemeClr val="accent1"/>
+            </a:effectRef>
+            <a:fontRef idx="minor">
+              <a:schemeClr val="lt1"/>
+            </a:fontRef>
+          </p:style>
+          <p:txBody>
+            <a:bodyPr rtlCol="0" anchor="ctr"/>
+            <a:lstStyle/>
+            <a:p>
+              <a:pPr algn="ctr"/>
+              <a:endParaRPr lang="zh-CN" altLang="en-US"/>
+            </a:p>
+          </p:txBody>
+        </p:sp>
+      </p:grpSp>
+      <p:grpSp>
+        <p:nvGrpSpPr>
+          <p:cNvPr id="51" name="组合 50"/>
+          <p:cNvGrpSpPr/>
+          <p:nvPr/>
+        </p:nvGrpSpPr>
+        <p:grpSpPr>
+          <a:xfrm>
+            <a:off x="3657600" y="5112530"/>
+            <a:ext cx="4940488" cy="1011826"/>
+            <a:chOff x="2055041" y="1042572"/>
+            <a:chExt cx="1331299" cy="629754"/>
+          </a:xfrm>
+        </p:grpSpPr>
+        <p:sp>
+          <p:nvSpPr>
+            <p:cNvPr id="52" name="上箭头 51"/>
+            <p:cNvSpPr/>
+            <p:nvPr/>
+          </p:nvSpPr>
+          <p:spPr>
+            <a:xfrm>
+              <a:off x="2055041" y="1042572"/>
+              <a:ext cx="128823" cy="629754"/>
+            </a:xfrm>
+            <a:prstGeom prst="upArrow">
+              <a:avLst/>
+            </a:prstGeom>
+            <a:solidFill>
+              <a:srgbClr val="00B050"/>
+            </a:solidFill>
+            <a:ln>
+              <a:noFill/>
+            </a:ln>
+          </p:spPr>
+          <p:style>
+            <a:lnRef idx="2">
+              <a:schemeClr val="accent1">
+                <a:shade val="50000"/>
+              </a:schemeClr>
+            </a:lnRef>
+            <a:fillRef idx="1">
+              <a:schemeClr val="accent1"/>
+            </a:fillRef>
+            <a:effectRef idx="0">
+              <a:schemeClr val="accent1"/>
+            </a:effectRef>
+            <a:fontRef idx="minor">
+              <a:schemeClr val="lt1"/>
+            </a:fontRef>
+          </p:style>
+          <p:txBody>
+            <a:bodyPr rtlCol="0" anchor="ctr"/>
+            <a:lstStyle/>
+            <a:p>
+              <a:pPr algn="ctr"/>
+              <a:endParaRPr lang="zh-CN" altLang="en-US"/>
+            </a:p>
+          </p:txBody>
+        </p:sp>
+        <p:sp>
+          <p:nvSpPr>
+            <p:cNvPr id="53" name="上箭头 52"/>
+            <p:cNvSpPr/>
+            <p:nvPr/>
+          </p:nvSpPr>
+          <p:spPr>
+            <a:xfrm>
+              <a:off x="3247740" y="1042572"/>
+              <a:ext cx="138600" cy="629754"/>
+            </a:xfrm>
+            <a:prstGeom prst="upArrow">
+              <a:avLst/>
+            </a:prstGeom>
+            <a:solidFill>
+              <a:srgbClr val="00B050"/>
+            </a:solidFill>
+            <a:ln>
+              <a:noFill/>
+            </a:ln>
+          </p:spPr>
+          <p:style>
+            <a:lnRef idx="2">
+              <a:schemeClr val="accent1">
+                <a:shade val="50000"/>
+              </a:schemeClr>
+            </a:lnRef>
+            <a:fillRef idx="1">
+              <a:schemeClr val="accent1"/>
+            </a:fillRef>
+            <a:effectRef idx="0">
+              <a:schemeClr val="accent1"/>
+            </a:effectRef>
+            <a:fontRef idx="minor">
+              <a:schemeClr val="lt1"/>
+            </a:fontRef>
+          </p:style>
+          <p:txBody>
+            <a:bodyPr rtlCol="0" anchor="ctr"/>
+            <a:lstStyle/>
+            <a:p>
+              <a:pPr algn="ctr"/>
+              <a:endParaRPr lang="zh-CN" altLang="en-US"/>
+            </a:p>
+          </p:txBody>
+        </p:sp>
+        <p:sp>
+          <p:nvSpPr>
+            <p:cNvPr id="54" name="矩形 53"/>
+            <p:cNvSpPr/>
+            <p:nvPr/>
+          </p:nvSpPr>
+          <p:spPr>
+            <a:xfrm>
+              <a:off x="2120189" y="1539876"/>
+              <a:ext cx="1201003" cy="132450"/>
+            </a:xfrm>
+            <a:prstGeom prst="rect">
+              <a:avLst/>
+            </a:prstGeom>
+            <a:solidFill>
+              <a:srgbClr val="00B050"/>
+            </a:solidFill>
+            <a:ln>
+              <a:noFill/>
+            </a:ln>
+          </p:spPr>
+          <p:style>
+            <a:lnRef idx="2">
+              <a:schemeClr val="accent1">
+                <a:shade val="50000"/>
+              </a:schemeClr>
+            </a:lnRef>
+            <a:fillRef idx="1">
+              <a:schemeClr val="accent1"/>
+            </a:fillRef>
+            <a:effectRef idx="0">
+              <a:schemeClr val="accent1"/>
+            </a:effectRef>
+            <a:fontRef idx="minor">
+              <a:schemeClr val="lt1"/>
+            </a:fontRef>
+          </p:style>
+          <p:txBody>
+            <a:bodyPr rtlCol="0" anchor="ctr"/>
+            <a:lstStyle/>
+            <a:p>
+              <a:pPr algn="ctr"/>
+              <a:endParaRPr lang="zh-CN" altLang="en-US"/>
+            </a:p>
+          </p:txBody>
+        </p:sp>
+      </p:grpSp>
+      <p:sp>
+        <p:nvSpPr>
+          <p:cNvPr id="64" name="文本框 63"/>
+          <p:cNvSpPr txBox="1"/>
+          <p:nvPr/>
+        </p:nvSpPr>
+        <p:spPr>
+          <a:xfrm>
+            <a:off x="4907123" y="865833"/>
+            <a:ext cx="3312624" cy="400110"/>
+          </a:xfrm>
+          <a:prstGeom prst="rect">
+            <a:avLst/>
+          </a:prstGeom>
+          <a:noFill/>
+        </p:spPr>
+        <p:txBody>
+          <a:bodyPr wrap="square" rtlCol="0">
+            <a:spAutoFit/>
+          </a:bodyPr>
+          <a:lstStyle/>
+          <a:p>
+            <a:r>
+              <a:rPr lang="en-US" altLang="zh-CN" sz="2000" dirty="0" smtClean="0">
+                <a:solidFill>
+                  <a:srgbClr val="0D8113"/>
+                </a:solidFill>
+              </a:rPr>
+              <a:t>Merge sort top2down</a:t>
+            </a:r>
+            <a:endParaRPr lang="zh-CN" altLang="en-US" sz="2000" dirty="0">
+              <a:solidFill>
+                <a:srgbClr val="0D8113"/>
+              </a:solidFill>
+            </a:endParaRPr>
+          </a:p>
+        </p:txBody>
+      </p:sp>
     </p:spTree>
     <p:extLst>
       <p:ext uri="{BB962C8B-B14F-4D97-AF65-F5344CB8AC3E}">
@@ -10150,9 +11714,4471 @@
   <p:timing>
     <p:tnLst>
       <p:par>
-        <p:cTn id="1" dur="indefinite" restart="never" nodeType="tmRoot"/>
+        <p:cTn id="1" dur="indefinite" restart="never" nodeType="tmRoot">
+          <p:childTnLst>
+            <p:seq concurrent="1" nextAc="seek">
+              <p:cTn id="2" dur="indefinite" nodeType="mainSeq">
+                <p:childTnLst>
+                  <p:par>
+                    <p:cTn id="3" fill="hold">
+                      <p:stCondLst>
+                        <p:cond delay="indefinite"/>
+                      </p:stCondLst>
+                      <p:childTnLst>
+                        <p:par>
+                          <p:cTn id="4" fill="hold">
+                            <p:stCondLst>
+                              <p:cond delay="0"/>
+                            </p:stCondLst>
+                            <p:childTnLst>
+                              <p:par>
+                                <p:cTn id="5" presetID="47" presetClass="entr" presetSubtype="0" fill="hold" nodeType="clickEffect">
+                                  <p:stCondLst>
+                                    <p:cond delay="0"/>
+                                  </p:stCondLst>
+                                  <p:childTnLst>
+                                    <p:set>
+                                      <p:cBhvr>
+                                        <p:cTn id="6" dur="1" fill="hold">
+                                          <p:stCondLst>
+                                            <p:cond delay="0"/>
+                                          </p:stCondLst>
+                                        </p:cTn>
+                                        <p:tgtEl>
+                                          <p:spTgt spid="17"/>
+                                        </p:tgtEl>
+                                        <p:attrNameLst>
+                                          <p:attrName>style.visibility</p:attrName>
+                                        </p:attrNameLst>
+                                      </p:cBhvr>
+                                      <p:to>
+                                        <p:strVal val="visible"/>
+                                      </p:to>
+                                    </p:set>
+                                    <p:animEffect transition="in" filter="fade">
+                                      <p:cBhvr>
+                                        <p:cTn id="7" dur="500"/>
+                                        <p:tgtEl>
+                                          <p:spTgt spid="17"/>
+                                        </p:tgtEl>
+                                      </p:cBhvr>
+                                    </p:animEffect>
+                                    <p:anim calcmode="lin" valueType="num">
+                                      <p:cBhvr>
+                                        <p:cTn id="8" dur="500" fill="hold"/>
+                                        <p:tgtEl>
+                                          <p:spTgt spid="17"/>
+                                        </p:tgtEl>
+                                        <p:attrNameLst>
+                                          <p:attrName>ppt_x</p:attrName>
+                                        </p:attrNameLst>
+                                      </p:cBhvr>
+                                      <p:tavLst>
+                                        <p:tav tm="0">
+                                          <p:val>
+                                            <p:strVal val="#ppt_x"/>
+                                          </p:val>
+                                        </p:tav>
+                                        <p:tav tm="100000">
+                                          <p:val>
+                                            <p:strVal val="#ppt_x"/>
+                                          </p:val>
+                                        </p:tav>
+                                      </p:tavLst>
+                                    </p:anim>
+                                    <p:anim calcmode="lin" valueType="num">
+                                      <p:cBhvr>
+                                        <p:cTn id="9" dur="500" fill="hold"/>
+                                        <p:tgtEl>
+                                          <p:spTgt spid="17"/>
+                                        </p:tgtEl>
+                                        <p:attrNameLst>
+                                          <p:attrName>ppt_y</p:attrName>
+                                        </p:attrNameLst>
+                                      </p:cBhvr>
+                                      <p:tavLst>
+                                        <p:tav tm="0">
+                                          <p:val>
+                                            <p:strVal val="#ppt_y-.1"/>
+                                          </p:val>
+                                        </p:tav>
+                                        <p:tav tm="100000">
+                                          <p:val>
+                                            <p:strVal val="#ppt_y"/>
+                                          </p:val>
+                                        </p:tav>
+                                      </p:tavLst>
+                                    </p:anim>
+                                  </p:childTnLst>
+                                </p:cTn>
+                              </p:par>
+                            </p:childTnLst>
+                          </p:cTn>
+                        </p:par>
+                        <p:par>
+                          <p:cTn id="10" fill="hold">
+                            <p:stCondLst>
+                              <p:cond delay="500"/>
+                            </p:stCondLst>
+                            <p:childTnLst>
+                              <p:par>
+                                <p:cTn id="11" presetID="37" presetClass="path" presetSubtype="0" accel="50000" decel="50000" fill="hold" grpId="0" nodeType="afterEffect">
+                                  <p:stCondLst>
+                                    <p:cond delay="0"/>
+                                  </p:stCondLst>
+                                  <p:childTnLst>
+                                    <p:animMotion origin="layout" path="M -3.54167E-6 -3.7037E-7 L 0.02474 0.13426 C 0.02982 0.16458 0.03763 0.18102 0.04571 0.18102 C 0.05495 0.18102 0.06237 0.16458 0.06745 0.13426 L 0.09232 -3.7037E-7 " pathEditMode="relative" rAng="0" ptsTypes="AAAAA">
+                                      <p:cBhvr>
+                                        <p:cTn id="12" dur="1000" fill="hold"/>
+                                        <p:tgtEl>
+                                          <p:spTgt spid="2"/>
+                                        </p:tgtEl>
+                                        <p:attrNameLst>
+                                          <p:attrName>ppt_x</p:attrName>
+                                          <p:attrName>ppt_y</p:attrName>
+                                        </p:attrNameLst>
+                                      </p:cBhvr>
+                                      <p:rCtr x="4609" y="9051"/>
+                                    </p:animMotion>
+                                  </p:childTnLst>
+                                </p:cTn>
+                              </p:par>
+                              <p:par>
+                                <p:cTn id="13" presetID="37" presetClass="path" presetSubtype="0" accel="50000" decel="50000" fill="hold" grpId="0" nodeType="withEffect">
+                                  <p:stCondLst>
+                                    <p:cond delay="0"/>
+                                  </p:stCondLst>
+                                  <p:childTnLst>
+                                    <p:animMotion origin="layout" path="M 0.00052 -3.7037E-7 L -0.02357 0.13426 C -0.02852 0.16458 -0.03607 0.18102 -0.04388 0.18102 C -0.05286 0.18102 -0.06003 0.16458 -0.06497 0.13426 L -0.08893 -3.7037E-7 " pathEditMode="relative" rAng="0" ptsTypes="AAAAA">
+                                      <p:cBhvr>
+                                        <p:cTn id="14" dur="1000" fill="hold"/>
+                                        <p:tgtEl>
+                                          <p:spTgt spid="3"/>
+                                        </p:tgtEl>
+                                        <p:attrNameLst>
+                                          <p:attrName>ppt_x</p:attrName>
+                                          <p:attrName>ppt_y</p:attrName>
+                                        </p:attrNameLst>
+                                      </p:cBhvr>
+                                      <p:rCtr x="-4479" y="9051"/>
+                                    </p:animMotion>
+                                  </p:childTnLst>
+                                </p:cTn>
+                              </p:par>
+                            </p:childTnLst>
+                          </p:cTn>
+                        </p:par>
+                        <p:par>
+                          <p:cTn id="15" fill="hold">
+                            <p:stCondLst>
+                              <p:cond delay="1500"/>
+                            </p:stCondLst>
+                            <p:childTnLst>
+                              <p:par>
+                                <p:cTn id="16" presetID="47" presetClass="entr" presetSubtype="0" fill="hold" nodeType="afterEffect">
+                                  <p:stCondLst>
+                                    <p:cond delay="0"/>
+                                  </p:stCondLst>
+                                  <p:childTnLst>
+                                    <p:set>
+                                      <p:cBhvr>
+                                        <p:cTn id="17" dur="1" fill="hold">
+                                          <p:stCondLst>
+                                            <p:cond delay="0"/>
+                                          </p:stCondLst>
+                                        </p:cTn>
+                                        <p:tgtEl>
+                                          <p:spTgt spid="18"/>
+                                        </p:tgtEl>
+                                        <p:attrNameLst>
+                                          <p:attrName>style.visibility</p:attrName>
+                                        </p:attrNameLst>
+                                      </p:cBhvr>
+                                      <p:to>
+                                        <p:strVal val="visible"/>
+                                      </p:to>
+                                    </p:set>
+                                    <p:animEffect transition="in" filter="fade">
+                                      <p:cBhvr>
+                                        <p:cTn id="18" dur="500"/>
+                                        <p:tgtEl>
+                                          <p:spTgt spid="18"/>
+                                        </p:tgtEl>
+                                      </p:cBhvr>
+                                    </p:animEffect>
+                                    <p:anim calcmode="lin" valueType="num">
+                                      <p:cBhvr>
+                                        <p:cTn id="19" dur="500" fill="hold"/>
+                                        <p:tgtEl>
+                                          <p:spTgt spid="18"/>
+                                        </p:tgtEl>
+                                        <p:attrNameLst>
+                                          <p:attrName>ppt_x</p:attrName>
+                                        </p:attrNameLst>
+                                      </p:cBhvr>
+                                      <p:tavLst>
+                                        <p:tav tm="0">
+                                          <p:val>
+                                            <p:strVal val="#ppt_x"/>
+                                          </p:val>
+                                        </p:tav>
+                                        <p:tav tm="100000">
+                                          <p:val>
+                                            <p:strVal val="#ppt_x"/>
+                                          </p:val>
+                                        </p:tav>
+                                      </p:tavLst>
+                                    </p:anim>
+                                    <p:anim calcmode="lin" valueType="num">
+                                      <p:cBhvr>
+                                        <p:cTn id="20" dur="500" fill="hold"/>
+                                        <p:tgtEl>
+                                          <p:spTgt spid="18"/>
+                                        </p:tgtEl>
+                                        <p:attrNameLst>
+                                          <p:attrName>ppt_y</p:attrName>
+                                        </p:attrNameLst>
+                                      </p:cBhvr>
+                                      <p:tavLst>
+                                        <p:tav tm="0">
+                                          <p:val>
+                                            <p:strVal val="#ppt_y-.1"/>
+                                          </p:val>
+                                        </p:tav>
+                                        <p:tav tm="100000">
+                                          <p:val>
+                                            <p:strVal val="#ppt_y"/>
+                                          </p:val>
+                                        </p:tav>
+                                      </p:tavLst>
+                                    </p:anim>
+                                  </p:childTnLst>
+                                </p:cTn>
+                              </p:par>
+                            </p:childTnLst>
+                          </p:cTn>
+                        </p:par>
+                        <p:par>
+                          <p:cTn id="21" fill="hold">
+                            <p:stCondLst>
+                              <p:cond delay="2000"/>
+                            </p:stCondLst>
+                            <p:childTnLst>
+                              <p:par>
+                                <p:cTn id="22" presetID="47" presetClass="entr" presetSubtype="0" fill="hold" nodeType="afterEffect">
+                                  <p:stCondLst>
+                                    <p:cond delay="0"/>
+                                  </p:stCondLst>
+                                  <p:childTnLst>
+                                    <p:set>
+                                      <p:cBhvr>
+                                        <p:cTn id="23" dur="1" fill="hold">
+                                          <p:stCondLst>
+                                            <p:cond delay="0"/>
+                                          </p:stCondLst>
+                                        </p:cTn>
+                                        <p:tgtEl>
+                                          <p:spTgt spid="22"/>
+                                        </p:tgtEl>
+                                        <p:attrNameLst>
+                                          <p:attrName>style.visibility</p:attrName>
+                                        </p:attrNameLst>
+                                      </p:cBhvr>
+                                      <p:to>
+                                        <p:strVal val="visible"/>
+                                      </p:to>
+                                    </p:set>
+                                    <p:animEffect transition="in" filter="fade">
+                                      <p:cBhvr>
+                                        <p:cTn id="24" dur="500"/>
+                                        <p:tgtEl>
+                                          <p:spTgt spid="22"/>
+                                        </p:tgtEl>
+                                      </p:cBhvr>
+                                    </p:animEffect>
+                                    <p:anim calcmode="lin" valueType="num">
+                                      <p:cBhvr>
+                                        <p:cTn id="25" dur="500" fill="hold"/>
+                                        <p:tgtEl>
+                                          <p:spTgt spid="22"/>
+                                        </p:tgtEl>
+                                        <p:attrNameLst>
+                                          <p:attrName>ppt_x</p:attrName>
+                                        </p:attrNameLst>
+                                      </p:cBhvr>
+                                      <p:tavLst>
+                                        <p:tav tm="0">
+                                          <p:val>
+                                            <p:strVal val="#ppt_x"/>
+                                          </p:val>
+                                        </p:tav>
+                                        <p:tav tm="100000">
+                                          <p:val>
+                                            <p:strVal val="#ppt_x"/>
+                                          </p:val>
+                                        </p:tav>
+                                      </p:tavLst>
+                                    </p:anim>
+                                    <p:anim calcmode="lin" valueType="num">
+                                      <p:cBhvr>
+                                        <p:cTn id="26" dur="500" fill="hold"/>
+                                        <p:tgtEl>
+                                          <p:spTgt spid="22"/>
+                                        </p:tgtEl>
+                                        <p:attrNameLst>
+                                          <p:attrName>ppt_y</p:attrName>
+                                        </p:attrNameLst>
+                                      </p:cBhvr>
+                                      <p:tavLst>
+                                        <p:tav tm="0">
+                                          <p:val>
+                                            <p:strVal val="#ppt_y-.1"/>
+                                          </p:val>
+                                        </p:tav>
+                                        <p:tav tm="100000">
+                                          <p:val>
+                                            <p:strVal val="#ppt_y"/>
+                                          </p:val>
+                                        </p:tav>
+                                      </p:tavLst>
+                                    </p:anim>
+                                  </p:childTnLst>
+                                </p:cTn>
+                              </p:par>
+                            </p:childTnLst>
+                          </p:cTn>
+                        </p:par>
+                        <p:par>
+                          <p:cTn id="27" fill="hold">
+                            <p:stCondLst>
+                              <p:cond delay="2500"/>
+                            </p:stCondLst>
+                            <p:childTnLst>
+                              <p:par>
+                                <p:cTn id="28" presetID="37" presetClass="path" presetSubtype="0" accel="50000" decel="50000" fill="hold" grpId="0" nodeType="afterEffect">
+                                  <p:stCondLst>
+                                    <p:cond delay="0"/>
+                                  </p:stCondLst>
+                                  <p:childTnLst>
+                                    <p:animMotion origin="layout" path="M -1.04167E-6 -3.7037E-7 L 0.02474 0.13426 C 0.02982 0.16458 0.03763 0.18102 0.0457 0.18102 C 0.05495 0.18102 0.06237 0.16458 0.06745 0.13426 L 0.09232 -3.7037E-7 " pathEditMode="relative" rAng="0" ptsTypes="AAAAA">
+                                      <p:cBhvr>
+                                        <p:cTn id="29" dur="1000" fill="hold"/>
+                                        <p:tgtEl>
+                                          <p:spTgt spid="6"/>
+                                        </p:tgtEl>
+                                        <p:attrNameLst>
+                                          <p:attrName>ppt_x</p:attrName>
+                                          <p:attrName>ppt_y</p:attrName>
+                                        </p:attrNameLst>
+                                      </p:cBhvr>
+                                      <p:rCtr x="4609" y="9051"/>
+                                    </p:animMotion>
+                                  </p:childTnLst>
+                                </p:cTn>
+                              </p:par>
+                              <p:par>
+                                <p:cTn id="30" presetID="37" presetClass="path" presetSubtype="0" accel="50000" decel="50000" fill="hold" grpId="0" nodeType="withEffect">
+                                  <p:stCondLst>
+                                    <p:cond delay="0"/>
+                                  </p:stCondLst>
+                                  <p:childTnLst>
+                                    <p:animMotion origin="layout" path="M 0.00052 -3.7037E-7 L -0.02435 0.13426 C -0.02956 0.16458 -0.03724 0.18102 -0.04544 0.18102 C -0.05469 0.18102 -0.06198 0.16458 -0.06719 0.13426 L -0.09193 -3.7037E-7 " pathEditMode="relative" rAng="0" ptsTypes="AAAAA">
+                                      <p:cBhvr>
+                                        <p:cTn id="31" dur="1000" fill="hold"/>
+                                        <p:tgtEl>
+                                          <p:spTgt spid="7"/>
+                                        </p:tgtEl>
+                                        <p:attrNameLst>
+                                          <p:attrName>ppt_x</p:attrName>
+                                          <p:attrName>ppt_y</p:attrName>
+                                        </p:attrNameLst>
+                                      </p:cBhvr>
+                                      <p:rCtr x="-4622" y="9051"/>
+                                    </p:animMotion>
+                                  </p:childTnLst>
+                                </p:cTn>
+                              </p:par>
+                            </p:childTnLst>
+                          </p:cTn>
+                        </p:par>
+                        <p:par>
+                          <p:cTn id="32" fill="hold">
+                            <p:stCondLst>
+                              <p:cond delay="3500"/>
+                            </p:stCondLst>
+                            <p:childTnLst>
+                              <p:par>
+                                <p:cTn id="33" presetID="47" presetClass="entr" presetSubtype="0" fill="hold" nodeType="afterEffect">
+                                  <p:stCondLst>
+                                    <p:cond delay="0"/>
+                                  </p:stCondLst>
+                                  <p:childTnLst>
+                                    <p:set>
+                                      <p:cBhvr>
+                                        <p:cTn id="34" dur="1" fill="hold">
+                                          <p:stCondLst>
+                                            <p:cond delay="0"/>
+                                          </p:stCondLst>
+                                        </p:cTn>
+                                        <p:tgtEl>
+                                          <p:spTgt spid="26"/>
+                                        </p:tgtEl>
+                                        <p:attrNameLst>
+                                          <p:attrName>style.visibility</p:attrName>
+                                        </p:attrNameLst>
+                                      </p:cBhvr>
+                                      <p:to>
+                                        <p:strVal val="visible"/>
+                                      </p:to>
+                                    </p:set>
+                                    <p:animEffect transition="in" filter="fade">
+                                      <p:cBhvr>
+                                        <p:cTn id="35" dur="500"/>
+                                        <p:tgtEl>
+                                          <p:spTgt spid="26"/>
+                                        </p:tgtEl>
+                                      </p:cBhvr>
+                                    </p:animEffect>
+                                    <p:anim calcmode="lin" valueType="num">
+                                      <p:cBhvr>
+                                        <p:cTn id="36" dur="500" fill="hold"/>
+                                        <p:tgtEl>
+                                          <p:spTgt spid="26"/>
+                                        </p:tgtEl>
+                                        <p:attrNameLst>
+                                          <p:attrName>ppt_x</p:attrName>
+                                        </p:attrNameLst>
+                                      </p:cBhvr>
+                                      <p:tavLst>
+                                        <p:tav tm="0">
+                                          <p:val>
+                                            <p:strVal val="#ppt_x"/>
+                                          </p:val>
+                                        </p:tav>
+                                        <p:tav tm="100000">
+                                          <p:val>
+                                            <p:strVal val="#ppt_x"/>
+                                          </p:val>
+                                        </p:tav>
+                                      </p:tavLst>
+                                    </p:anim>
+                                    <p:anim calcmode="lin" valueType="num">
+                                      <p:cBhvr>
+                                        <p:cTn id="37" dur="500" fill="hold"/>
+                                        <p:tgtEl>
+                                          <p:spTgt spid="26"/>
+                                        </p:tgtEl>
+                                        <p:attrNameLst>
+                                          <p:attrName>ppt_y</p:attrName>
+                                        </p:attrNameLst>
+                                      </p:cBhvr>
+                                      <p:tavLst>
+                                        <p:tav tm="0">
+                                          <p:val>
+                                            <p:strVal val="#ppt_y-.1"/>
+                                          </p:val>
+                                        </p:tav>
+                                        <p:tav tm="100000">
+                                          <p:val>
+                                            <p:strVal val="#ppt_y"/>
+                                          </p:val>
+                                        </p:tav>
+                                      </p:tavLst>
+                                    </p:anim>
+                                  </p:childTnLst>
+                                </p:cTn>
+                              </p:par>
+                            </p:childTnLst>
+                          </p:cTn>
+                        </p:par>
+                        <p:par>
+                          <p:cTn id="38" fill="hold">
+                            <p:stCondLst>
+                              <p:cond delay="4000"/>
+                            </p:stCondLst>
+                            <p:childTnLst>
+                              <p:par>
+                                <p:cTn id="39" presetID="47" presetClass="entr" presetSubtype="0" fill="hold" nodeType="afterEffect">
+                                  <p:stCondLst>
+                                    <p:cond delay="0"/>
+                                  </p:stCondLst>
+                                  <p:childTnLst>
+                                    <p:set>
+                                      <p:cBhvr>
+                                        <p:cTn id="40" dur="1" fill="hold">
+                                          <p:stCondLst>
+                                            <p:cond delay="0"/>
+                                          </p:stCondLst>
+                                        </p:cTn>
+                                        <p:tgtEl>
+                                          <p:spTgt spid="30"/>
+                                        </p:tgtEl>
+                                        <p:attrNameLst>
+                                          <p:attrName>style.visibility</p:attrName>
+                                        </p:attrNameLst>
+                                      </p:cBhvr>
+                                      <p:to>
+                                        <p:strVal val="visible"/>
+                                      </p:to>
+                                    </p:set>
+                                    <p:animEffect transition="in" filter="fade">
+                                      <p:cBhvr>
+                                        <p:cTn id="41" dur="500"/>
+                                        <p:tgtEl>
+                                          <p:spTgt spid="30"/>
+                                        </p:tgtEl>
+                                      </p:cBhvr>
+                                    </p:animEffect>
+                                    <p:anim calcmode="lin" valueType="num">
+                                      <p:cBhvr>
+                                        <p:cTn id="42" dur="500" fill="hold"/>
+                                        <p:tgtEl>
+                                          <p:spTgt spid="30"/>
+                                        </p:tgtEl>
+                                        <p:attrNameLst>
+                                          <p:attrName>ppt_x</p:attrName>
+                                        </p:attrNameLst>
+                                      </p:cBhvr>
+                                      <p:tavLst>
+                                        <p:tav tm="0">
+                                          <p:val>
+                                            <p:strVal val="#ppt_x"/>
+                                          </p:val>
+                                        </p:tav>
+                                        <p:tav tm="100000">
+                                          <p:val>
+                                            <p:strVal val="#ppt_x"/>
+                                          </p:val>
+                                        </p:tav>
+                                      </p:tavLst>
+                                    </p:anim>
+                                    <p:anim calcmode="lin" valueType="num">
+                                      <p:cBhvr>
+                                        <p:cTn id="43" dur="500" fill="hold"/>
+                                        <p:tgtEl>
+                                          <p:spTgt spid="30"/>
+                                        </p:tgtEl>
+                                        <p:attrNameLst>
+                                          <p:attrName>ppt_y</p:attrName>
+                                        </p:attrNameLst>
+                                      </p:cBhvr>
+                                      <p:tavLst>
+                                        <p:tav tm="0">
+                                          <p:val>
+                                            <p:strVal val="#ppt_y-.1"/>
+                                          </p:val>
+                                        </p:tav>
+                                        <p:tav tm="100000">
+                                          <p:val>
+                                            <p:strVal val="#ppt_y"/>
+                                          </p:val>
+                                        </p:tav>
+                                      </p:tavLst>
+                                    </p:anim>
+                                  </p:childTnLst>
+                                </p:cTn>
+                              </p:par>
+                            </p:childTnLst>
+                          </p:cTn>
+                        </p:par>
+                        <p:par>
+                          <p:cTn id="44" fill="hold">
+                            <p:stCondLst>
+                              <p:cond delay="4500"/>
+                            </p:stCondLst>
+                            <p:childTnLst>
+                              <p:par>
+                                <p:cTn id="45" presetID="47" presetClass="entr" presetSubtype="0" fill="hold" nodeType="afterEffect">
+                                  <p:stCondLst>
+                                    <p:cond delay="0"/>
+                                  </p:stCondLst>
+                                  <p:childTnLst>
+                                    <p:set>
+                                      <p:cBhvr>
+                                        <p:cTn id="46" dur="1" fill="hold">
+                                          <p:stCondLst>
+                                            <p:cond delay="0"/>
+                                          </p:stCondLst>
+                                        </p:cTn>
+                                        <p:tgtEl>
+                                          <p:spTgt spid="39"/>
+                                        </p:tgtEl>
+                                        <p:attrNameLst>
+                                          <p:attrName>style.visibility</p:attrName>
+                                        </p:attrNameLst>
+                                      </p:cBhvr>
+                                      <p:to>
+                                        <p:strVal val="visible"/>
+                                      </p:to>
+                                    </p:set>
+                                    <p:animEffect transition="in" filter="fade">
+                                      <p:cBhvr>
+                                        <p:cTn id="47" dur="500"/>
+                                        <p:tgtEl>
+                                          <p:spTgt spid="39"/>
+                                        </p:tgtEl>
+                                      </p:cBhvr>
+                                    </p:animEffect>
+                                    <p:anim calcmode="lin" valueType="num">
+                                      <p:cBhvr>
+                                        <p:cTn id="48" dur="500" fill="hold"/>
+                                        <p:tgtEl>
+                                          <p:spTgt spid="39"/>
+                                        </p:tgtEl>
+                                        <p:attrNameLst>
+                                          <p:attrName>ppt_x</p:attrName>
+                                        </p:attrNameLst>
+                                      </p:cBhvr>
+                                      <p:tavLst>
+                                        <p:tav tm="0">
+                                          <p:val>
+                                            <p:strVal val="#ppt_x"/>
+                                          </p:val>
+                                        </p:tav>
+                                        <p:tav tm="100000">
+                                          <p:val>
+                                            <p:strVal val="#ppt_x"/>
+                                          </p:val>
+                                        </p:tav>
+                                      </p:tavLst>
+                                    </p:anim>
+                                    <p:anim calcmode="lin" valueType="num">
+                                      <p:cBhvr>
+                                        <p:cTn id="49" dur="500" fill="hold"/>
+                                        <p:tgtEl>
+                                          <p:spTgt spid="39"/>
+                                        </p:tgtEl>
+                                        <p:attrNameLst>
+                                          <p:attrName>ppt_y</p:attrName>
+                                        </p:attrNameLst>
+                                      </p:cBhvr>
+                                      <p:tavLst>
+                                        <p:tav tm="0">
+                                          <p:val>
+                                            <p:strVal val="#ppt_y-.1"/>
+                                          </p:val>
+                                        </p:tav>
+                                        <p:tav tm="100000">
+                                          <p:val>
+                                            <p:strVal val="#ppt_y"/>
+                                          </p:val>
+                                        </p:tav>
+                                      </p:tavLst>
+                                    </p:anim>
+                                  </p:childTnLst>
+                                </p:cTn>
+                              </p:par>
+                            </p:childTnLst>
+                          </p:cTn>
+                        </p:par>
+                        <p:par>
+                          <p:cTn id="50" fill="hold">
+                            <p:stCondLst>
+                              <p:cond delay="5000"/>
+                            </p:stCondLst>
+                            <p:childTnLst>
+                              <p:par>
+                                <p:cTn id="51" presetID="0" presetClass="path" presetSubtype="0" accel="50000" decel="50000" fill="hold" grpId="1" nodeType="afterEffect">
+                                  <p:stCondLst>
+                                    <p:cond delay="0"/>
+                                  </p:stCondLst>
+                                  <p:childTnLst>
+                                    <p:animMotion origin="layout" path="M -4.79167E-6 -3.7037E-7 L -0.18684 -0.20694 " pathEditMode="relative" rAng="0" ptsTypes="AA">
+                                      <p:cBhvr>
+                                        <p:cTn id="52" dur="500" fill="hold"/>
+                                        <p:tgtEl>
+                                          <p:spTgt spid="8"/>
+                                        </p:tgtEl>
+                                        <p:attrNameLst>
+                                          <p:attrName>ppt_x</p:attrName>
+                                          <p:attrName>ppt_y</p:attrName>
+                                        </p:attrNameLst>
+                                      </p:cBhvr>
+                                      <p:rCtr x="-9349" y="-10347"/>
+                                    </p:animMotion>
+                                  </p:childTnLst>
+                                </p:cTn>
+                              </p:par>
+                            </p:childTnLst>
+                          </p:cTn>
+                        </p:par>
+                        <p:par>
+                          <p:cTn id="53" fill="hold">
+                            <p:stCondLst>
+                              <p:cond delay="5500"/>
+                            </p:stCondLst>
+                            <p:childTnLst>
+                              <p:par>
+                                <p:cTn id="54" presetID="0" presetClass="path" presetSubtype="0" accel="50000" decel="50000" fill="hold" grpId="1" nodeType="afterEffect">
+                                  <p:stCondLst>
+                                    <p:cond delay="0"/>
+                                  </p:stCondLst>
+                                  <p:childTnLst>
+                                    <p:animMotion origin="layout" path="M 0 0 L -0.18359 -0.20903 " pathEditMode="relative" ptsTypes="AA">
+                                      <p:cBhvr>
+                                        <p:cTn id="55" dur="500" fill="hold"/>
+                                        <p:tgtEl>
+                                          <p:spTgt spid="9"/>
+                                        </p:tgtEl>
+                                        <p:attrNameLst>
+                                          <p:attrName>ppt_x</p:attrName>
+                                          <p:attrName>ppt_y</p:attrName>
+                                        </p:attrNameLst>
+                                      </p:cBhvr>
+                                    </p:animMotion>
+                                  </p:childTnLst>
+                                </p:cTn>
+                              </p:par>
+                            </p:childTnLst>
+                          </p:cTn>
+                        </p:par>
+                        <p:par>
+                          <p:cTn id="56" fill="hold">
+                            <p:stCondLst>
+                              <p:cond delay="6000"/>
+                            </p:stCondLst>
+                            <p:childTnLst>
+                              <p:par>
+                                <p:cTn id="57" presetID="0" presetClass="path" presetSubtype="0" accel="50000" decel="50000" fill="hold" grpId="1" nodeType="afterEffect">
+                                  <p:stCondLst>
+                                    <p:cond delay="0"/>
+                                  </p:stCondLst>
+                                  <p:childTnLst>
+                                    <p:animMotion origin="layout" path="M -0.09193 2.96296E-6 L 0.09518 -0.20903 " pathEditMode="relative" rAng="0" ptsTypes="AA">
+                                      <p:cBhvr>
+                                        <p:cTn id="58" dur="500" fill="hold"/>
+                                        <p:tgtEl>
+                                          <p:spTgt spid="7"/>
+                                        </p:tgtEl>
+                                        <p:attrNameLst>
+                                          <p:attrName>ppt_x</p:attrName>
+                                          <p:attrName>ppt_y</p:attrName>
+                                        </p:attrNameLst>
+                                      </p:cBhvr>
+                                      <p:rCtr x="9375" y="-10347"/>
+                                    </p:animMotion>
+                                  </p:childTnLst>
+                                </p:cTn>
+                              </p:par>
+                            </p:childTnLst>
+                          </p:cTn>
+                        </p:par>
+                        <p:par>
+                          <p:cTn id="59" fill="hold">
+                            <p:stCondLst>
+                              <p:cond delay="6500"/>
+                            </p:stCondLst>
+                            <p:childTnLst>
+                              <p:par>
+                                <p:cTn id="60" presetID="0" presetClass="path" presetSubtype="0" accel="50000" decel="50000" fill="hold" grpId="1" nodeType="afterEffect">
+                                  <p:stCondLst>
+                                    <p:cond delay="0"/>
+                                  </p:stCondLst>
+                                  <p:childTnLst>
+                                    <p:animMotion origin="layout" path="M 0.09232 2.96296E-6 L 0.27422 -0.20301 " pathEditMode="relative" rAng="0" ptsTypes="AA">
+                                      <p:cBhvr>
+                                        <p:cTn id="61" dur="500" fill="hold"/>
+                                        <p:tgtEl>
+                                          <p:spTgt spid="6"/>
+                                        </p:tgtEl>
+                                        <p:attrNameLst>
+                                          <p:attrName>ppt_x</p:attrName>
+                                          <p:attrName>ppt_y</p:attrName>
+                                        </p:attrNameLst>
+                                      </p:cBhvr>
+                                      <p:rCtr x="9518" y="-10046"/>
+                                    </p:animMotion>
+                                  </p:childTnLst>
+                                </p:cTn>
+                              </p:par>
+                            </p:childTnLst>
+                          </p:cTn>
+                        </p:par>
+                        <p:par>
+                          <p:cTn id="62" fill="hold">
+                            <p:stCondLst>
+                              <p:cond delay="7000"/>
+                            </p:stCondLst>
+                            <p:childTnLst>
+                              <p:par>
+                                <p:cTn id="63" presetID="42" presetClass="path" presetSubtype="0" accel="50000" decel="50000" fill="hold" grpId="2" nodeType="afterEffect">
+                                  <p:stCondLst>
+                                    <p:cond delay="0"/>
+                                  </p:stCondLst>
+                                  <p:childTnLst>
+                                    <p:animMotion origin="layout" path="M -0.18684 -0.20694 L -0.18359 -3.7037E-7 " pathEditMode="relative" rAng="0" ptsTypes="AA">
+                                      <p:cBhvr>
+                                        <p:cTn id="64" dur="500" fill="hold"/>
+                                        <p:tgtEl>
+                                          <p:spTgt spid="8"/>
+                                        </p:tgtEl>
+                                        <p:attrNameLst>
+                                          <p:attrName>ppt_x</p:attrName>
+                                          <p:attrName>ppt_y</p:attrName>
+                                        </p:attrNameLst>
+                                      </p:cBhvr>
+                                      <p:rCtr x="156" y="10347"/>
+                                    </p:animMotion>
+                                  </p:childTnLst>
+                                </p:cTn>
+                              </p:par>
+                              <p:par>
+                                <p:cTn id="65" presetID="42" presetClass="path" presetSubtype="0" accel="50000" decel="50000" fill="hold" grpId="2" nodeType="withEffect">
+                                  <p:stCondLst>
+                                    <p:cond delay="0"/>
+                                  </p:stCondLst>
+                                  <p:childTnLst>
+                                    <p:animMotion origin="layout" path="M -0.18359 -0.20903 L -0.18307 -3.7037E-6 " pathEditMode="relative" rAng="0" ptsTypes="AA">
+                                      <p:cBhvr>
+                                        <p:cTn id="66" dur="500" fill="hold"/>
+                                        <p:tgtEl>
+                                          <p:spTgt spid="9"/>
+                                        </p:tgtEl>
+                                        <p:attrNameLst>
+                                          <p:attrName>ppt_x</p:attrName>
+                                          <p:attrName>ppt_y</p:attrName>
+                                        </p:attrNameLst>
+                                      </p:cBhvr>
+                                      <p:rCtr x="-404" y="10231"/>
+                                    </p:animMotion>
+                                  </p:childTnLst>
+                                </p:cTn>
+                              </p:par>
+                              <p:par>
+                                <p:cTn id="67" presetID="42" presetClass="path" presetSubtype="0" accel="50000" decel="50000" fill="hold" grpId="2" nodeType="withEffect">
+                                  <p:stCondLst>
+                                    <p:cond delay="0"/>
+                                  </p:stCondLst>
+                                  <p:childTnLst>
+                                    <p:animMotion origin="layout" path="M 0.09518 -0.20903 L 0.0918 -3.7037E-7 " pathEditMode="relative" rAng="0" ptsTypes="AA">
+                                      <p:cBhvr>
+                                        <p:cTn id="68" dur="500" fill="hold"/>
+                                        <p:tgtEl>
+                                          <p:spTgt spid="7"/>
+                                        </p:tgtEl>
+                                        <p:attrNameLst>
+                                          <p:attrName>ppt_x</p:attrName>
+                                          <p:attrName>ppt_y</p:attrName>
+                                        </p:attrNameLst>
+                                      </p:cBhvr>
+                                      <p:rCtr x="-52" y="10139"/>
+                                    </p:animMotion>
+                                  </p:childTnLst>
+                                </p:cTn>
+                              </p:par>
+                              <p:par>
+                                <p:cTn id="69" presetID="42" presetClass="path" presetSubtype="0" accel="50000" decel="50000" fill="hold" grpId="2" nodeType="withEffect">
+                                  <p:stCondLst>
+                                    <p:cond delay="0"/>
+                                  </p:stCondLst>
+                                  <p:childTnLst>
+                                    <p:animMotion origin="layout" path="M 0.27422 -0.20301 L 0.27539 -3.7037E-6 " pathEditMode="relative" rAng="0" ptsTypes="AA">
+                                      <p:cBhvr>
+                                        <p:cTn id="70" dur="500" fill="hold"/>
+                                        <p:tgtEl>
+                                          <p:spTgt spid="6"/>
+                                        </p:tgtEl>
+                                        <p:attrNameLst>
+                                          <p:attrName>ppt_x</p:attrName>
+                                          <p:attrName>ppt_y</p:attrName>
+                                        </p:attrNameLst>
+                                      </p:cBhvr>
+                                      <p:rCtr x="-208" y="9931"/>
+                                    </p:animMotion>
+                                  </p:childTnLst>
+                                </p:cTn>
+                              </p:par>
+                            </p:childTnLst>
+                          </p:cTn>
+                        </p:par>
+                        <p:par>
+                          <p:cTn id="71" fill="hold">
+                            <p:stCondLst>
+                              <p:cond delay="7500"/>
+                            </p:stCondLst>
+                            <p:childTnLst>
+                              <p:par>
+                                <p:cTn id="72" presetID="47" presetClass="entr" presetSubtype="0" fill="hold" nodeType="afterEffect">
+                                  <p:stCondLst>
+                                    <p:cond delay="0"/>
+                                  </p:stCondLst>
+                                  <p:childTnLst>
+                                    <p:set>
+                                      <p:cBhvr>
+                                        <p:cTn id="73" dur="1" fill="hold">
+                                          <p:stCondLst>
+                                            <p:cond delay="0"/>
+                                          </p:stCondLst>
+                                        </p:cTn>
+                                        <p:tgtEl>
+                                          <p:spTgt spid="51"/>
+                                        </p:tgtEl>
+                                        <p:attrNameLst>
+                                          <p:attrName>style.visibility</p:attrName>
+                                        </p:attrNameLst>
+                                      </p:cBhvr>
+                                      <p:to>
+                                        <p:strVal val="visible"/>
+                                      </p:to>
+                                    </p:set>
+                                    <p:animEffect transition="in" filter="fade">
+                                      <p:cBhvr>
+                                        <p:cTn id="74" dur="500"/>
+                                        <p:tgtEl>
+                                          <p:spTgt spid="51"/>
+                                        </p:tgtEl>
+                                      </p:cBhvr>
+                                    </p:animEffect>
+                                    <p:anim calcmode="lin" valueType="num">
+                                      <p:cBhvr>
+                                        <p:cTn id="75" dur="500" fill="hold"/>
+                                        <p:tgtEl>
+                                          <p:spTgt spid="51"/>
+                                        </p:tgtEl>
+                                        <p:attrNameLst>
+                                          <p:attrName>ppt_x</p:attrName>
+                                        </p:attrNameLst>
+                                      </p:cBhvr>
+                                      <p:tavLst>
+                                        <p:tav tm="0">
+                                          <p:val>
+                                            <p:strVal val="#ppt_x"/>
+                                          </p:val>
+                                        </p:tav>
+                                        <p:tav tm="100000">
+                                          <p:val>
+                                            <p:strVal val="#ppt_x"/>
+                                          </p:val>
+                                        </p:tav>
+                                      </p:tavLst>
+                                    </p:anim>
+                                    <p:anim calcmode="lin" valueType="num">
+                                      <p:cBhvr>
+                                        <p:cTn id="76" dur="500" fill="hold"/>
+                                        <p:tgtEl>
+                                          <p:spTgt spid="51"/>
+                                        </p:tgtEl>
+                                        <p:attrNameLst>
+                                          <p:attrName>ppt_y</p:attrName>
+                                        </p:attrNameLst>
+                                      </p:cBhvr>
+                                      <p:tavLst>
+                                        <p:tav tm="0">
+                                          <p:val>
+                                            <p:strVal val="#ppt_y-.1"/>
+                                          </p:val>
+                                        </p:tav>
+                                        <p:tav tm="100000">
+                                          <p:val>
+                                            <p:strVal val="#ppt_y"/>
+                                          </p:val>
+                                        </p:tav>
+                                      </p:tavLst>
+                                    </p:anim>
+                                  </p:childTnLst>
+                                </p:cTn>
+                              </p:par>
+                            </p:childTnLst>
+                          </p:cTn>
+                        </p:par>
+                        <p:par>
+                          <p:cTn id="77" fill="hold">
+                            <p:stCondLst>
+                              <p:cond delay="8000"/>
+                            </p:stCondLst>
+                            <p:childTnLst>
+                              <p:par>
+                                <p:cTn id="78" presetID="0" presetClass="path" presetSubtype="0" accel="50000" decel="50000" fill="hold" grpId="3" nodeType="afterEffect">
+                                  <p:stCondLst>
+                                    <p:cond delay="0"/>
+                                  </p:stCondLst>
+                                  <p:childTnLst>
+                                    <p:animMotion origin="layout" path="M -0.18372 -3.7037E-7 L -0.54843 -0.19861 " pathEditMode="relative" rAng="0" ptsTypes="AA">
+                                      <p:cBhvr>
+                                        <p:cTn id="79" dur="500" fill="hold"/>
+                                        <p:tgtEl>
+                                          <p:spTgt spid="8"/>
+                                        </p:tgtEl>
+                                        <p:attrNameLst>
+                                          <p:attrName>ppt_x</p:attrName>
+                                          <p:attrName>ppt_y</p:attrName>
+                                        </p:attrNameLst>
+                                      </p:cBhvr>
+                                      <p:rCtr x="-18242" y="-9931"/>
+                                    </p:animMotion>
+                                  </p:childTnLst>
+                                </p:cTn>
+                              </p:par>
+                            </p:childTnLst>
+                          </p:cTn>
+                        </p:par>
+                        <p:par>
+                          <p:cTn id="80" fill="hold">
+                            <p:stCondLst>
+                              <p:cond delay="8500"/>
+                            </p:stCondLst>
+                            <p:childTnLst>
+                              <p:par>
+                                <p:cTn id="81" presetID="0" presetClass="path" presetSubtype="0" accel="50000" decel="50000" fill="hold" grpId="1" nodeType="afterEffect">
+                                  <p:stCondLst>
+                                    <p:cond delay="0"/>
+                                  </p:stCondLst>
+                                  <p:childTnLst>
+                                    <p:animMotion origin="layout" path="M -0.08893 -1.48148E-6 L -0.00208 -0.2 " pathEditMode="relative" rAng="0" ptsTypes="AA">
+                                      <p:cBhvr>
+                                        <p:cTn id="82" dur="500" fill="hold"/>
+                                        <p:tgtEl>
+                                          <p:spTgt spid="3"/>
+                                        </p:tgtEl>
+                                        <p:attrNameLst>
+                                          <p:attrName>ppt_x</p:attrName>
+                                          <p:attrName>ppt_y</p:attrName>
+                                        </p:attrNameLst>
+                                      </p:cBhvr>
+                                      <p:rCtr x="4362" y="-9931"/>
+                                    </p:animMotion>
+                                  </p:childTnLst>
+                                </p:cTn>
+                              </p:par>
+                            </p:childTnLst>
+                          </p:cTn>
+                        </p:par>
+                        <p:par>
+                          <p:cTn id="83" fill="hold">
+                            <p:stCondLst>
+                              <p:cond delay="9000"/>
+                            </p:stCondLst>
+                            <p:childTnLst>
+                              <p:par>
+                                <p:cTn id="84" presetID="0" presetClass="path" presetSubtype="0" accel="50000" decel="50000" fill="hold" grpId="1" nodeType="afterEffect">
+                                  <p:stCondLst>
+                                    <p:cond delay="0"/>
+                                  </p:stCondLst>
+                                  <p:childTnLst>
+                                    <p:animMotion origin="layout" path="M 0.09232 -1.85185E-6 L 0.18217 -0.20532 " pathEditMode="relative" rAng="0" ptsTypes="AA">
+                                      <p:cBhvr>
+                                        <p:cTn id="85" dur="500" fill="hold"/>
+                                        <p:tgtEl>
+                                          <p:spTgt spid="2"/>
+                                        </p:tgtEl>
+                                        <p:attrNameLst>
+                                          <p:attrName>ppt_x</p:attrName>
+                                          <p:attrName>ppt_y</p:attrName>
+                                        </p:attrNameLst>
+                                      </p:cBhvr>
+                                      <p:rCtr x="4779" y="-10278"/>
+                                    </p:animMotion>
+                                  </p:childTnLst>
+                                </p:cTn>
+                              </p:par>
+                            </p:childTnLst>
+                          </p:cTn>
+                        </p:par>
+                        <p:par>
+                          <p:cTn id="86" fill="hold">
+                            <p:stCondLst>
+                              <p:cond delay="9500"/>
+                            </p:stCondLst>
+                            <p:childTnLst>
+                              <p:par>
+                                <p:cTn id="87" presetID="64" presetClass="path" presetSubtype="0" accel="50000" decel="50000" fill="hold" grpId="0" nodeType="afterEffect">
+                                  <p:stCondLst>
+                                    <p:cond delay="0"/>
+                                  </p:stCondLst>
+                                  <p:childTnLst>
+                                    <p:animMotion origin="layout" path="M 2.70833E-6 -3.7037E-7 L 0.09179 -0.2 " pathEditMode="relative" rAng="0" ptsTypes="AA">
+                                      <p:cBhvr>
+                                        <p:cTn id="88" dur="500" fill="hold"/>
+                                        <p:tgtEl>
+                                          <p:spTgt spid="4"/>
+                                        </p:tgtEl>
+                                        <p:attrNameLst>
+                                          <p:attrName>ppt_x</p:attrName>
+                                          <p:attrName>ppt_y</p:attrName>
+                                        </p:attrNameLst>
+                                      </p:cBhvr>
+                                      <p:rCtr x="4583" y="-10000"/>
+                                    </p:animMotion>
+                                  </p:childTnLst>
+                                </p:cTn>
+                              </p:par>
+                            </p:childTnLst>
+                          </p:cTn>
+                        </p:par>
+                        <p:par>
+                          <p:cTn id="89" fill="hold">
+                            <p:stCondLst>
+                              <p:cond delay="10000"/>
+                            </p:stCondLst>
+                            <p:childTnLst>
+                              <p:par>
+                                <p:cTn id="90" presetID="0" presetClass="path" presetSubtype="0" accel="50000" decel="50000" fill="hold" grpId="3" nodeType="afterEffect">
+                                  <p:stCondLst>
+                                    <p:cond delay="0"/>
+                                  </p:stCondLst>
+                                  <p:childTnLst>
+                                    <p:animMotion origin="layout" path="M -0.18307 -1.85185E-6 L -0.27851 -0.19884 " pathEditMode="relative" rAng="0" ptsTypes="AA">
+                                      <p:cBhvr>
+                                        <p:cTn id="91" dur="500" fill="hold"/>
+                                        <p:tgtEl>
+                                          <p:spTgt spid="9"/>
+                                        </p:tgtEl>
+                                        <p:attrNameLst>
+                                          <p:attrName>ppt_x</p:attrName>
+                                          <p:attrName>ppt_y</p:attrName>
+                                        </p:attrNameLst>
+                                      </p:cBhvr>
+                                      <p:rCtr x="-5091" y="-9954"/>
+                                    </p:animMotion>
+                                  </p:childTnLst>
+                                </p:cTn>
+                              </p:par>
+                            </p:childTnLst>
+                          </p:cTn>
+                        </p:par>
+                        <p:par>
+                          <p:cTn id="92" fill="hold">
+                            <p:stCondLst>
+                              <p:cond delay="10500"/>
+                            </p:stCondLst>
+                            <p:childTnLst>
+                              <p:par>
+                                <p:cTn id="93" presetID="0" presetClass="path" presetSubtype="0" accel="50000" decel="50000" fill="hold" grpId="3" nodeType="afterEffect">
+                                  <p:stCondLst>
+                                    <p:cond delay="0"/>
+                                  </p:stCondLst>
+                                  <p:childTnLst>
+                                    <p:animMotion origin="layout" path="M 0.0918 -1.85185E-6 L -0.00117 -0.20116 " pathEditMode="relative" rAng="0" ptsTypes="AA">
+                                      <p:cBhvr>
+                                        <p:cTn id="94" dur="500" fill="hold"/>
+                                        <p:tgtEl>
+                                          <p:spTgt spid="7"/>
+                                        </p:tgtEl>
+                                        <p:attrNameLst>
+                                          <p:attrName>ppt_x</p:attrName>
+                                          <p:attrName>ppt_y</p:attrName>
+                                        </p:attrNameLst>
+                                      </p:cBhvr>
+                                      <p:rCtr x="-4766" y="-10069"/>
+                                    </p:animMotion>
+                                  </p:childTnLst>
+                                </p:cTn>
+                              </p:par>
+                            </p:childTnLst>
+                          </p:cTn>
+                        </p:par>
+                        <p:par>
+                          <p:cTn id="95" fill="hold">
+                            <p:stCondLst>
+                              <p:cond delay="11000"/>
+                            </p:stCondLst>
+                            <p:childTnLst>
+                              <p:par>
+                                <p:cTn id="96" presetID="0" presetClass="path" presetSubtype="0" accel="50000" decel="50000" fill="hold" grpId="0" nodeType="afterEffect">
+                                  <p:stCondLst>
+                                    <p:cond delay="0"/>
+                                  </p:stCondLst>
+                                  <p:childTnLst>
+                                    <p:animMotion origin="layout" path="M 0 0 L 0.27735 -0.19676 " pathEditMode="relative" ptsTypes="AA">
+                                      <p:cBhvr>
+                                        <p:cTn id="97" dur="500" fill="hold"/>
+                                        <p:tgtEl>
+                                          <p:spTgt spid="5"/>
+                                        </p:tgtEl>
+                                        <p:attrNameLst>
+                                          <p:attrName>ppt_x</p:attrName>
+                                          <p:attrName>ppt_y</p:attrName>
+                                        </p:attrNameLst>
+                                      </p:cBhvr>
+                                    </p:animMotion>
+                                  </p:childTnLst>
+                                </p:cTn>
+                              </p:par>
+                            </p:childTnLst>
+                          </p:cTn>
+                        </p:par>
+                        <p:par>
+                          <p:cTn id="98" fill="hold">
+                            <p:stCondLst>
+                              <p:cond delay="11500"/>
+                            </p:stCondLst>
+                            <p:childTnLst>
+                              <p:par>
+                                <p:cTn id="99" presetID="0" presetClass="path" presetSubtype="0" accel="50000" decel="50000" fill="hold" grpId="3" nodeType="afterEffect">
+                                  <p:stCondLst>
+                                    <p:cond delay="0"/>
+                                  </p:stCondLst>
+                                  <p:childTnLst>
+                                    <p:animMotion origin="layout" path="M 0.27539 1.85185E-6 L 0.27266 -0.19468 " pathEditMode="relative" rAng="0" ptsTypes="AA">
+                                      <p:cBhvr>
+                                        <p:cTn id="100" dur="500" fill="hold"/>
+                                        <p:tgtEl>
+                                          <p:spTgt spid="6"/>
+                                        </p:tgtEl>
+                                        <p:attrNameLst>
+                                          <p:attrName>ppt_x</p:attrName>
+                                          <p:attrName>ppt_y</p:attrName>
+                                        </p:attrNameLst>
+                                      </p:cBhvr>
+                                      <p:rCtr x="-625" y="-9884"/>
+                                    </p:animMotion>
+                                  </p:childTnLst>
+                                </p:cTn>
+                              </p:par>
+                            </p:childTnLst>
+                          </p:cTn>
+                        </p:par>
+                        <p:par>
+                          <p:cTn id="101" fill="hold">
+                            <p:stCondLst>
+                              <p:cond delay="12000"/>
+                            </p:stCondLst>
+                            <p:childTnLst>
+                              <p:par>
+                                <p:cTn id="102" presetID="42" presetClass="path" presetSubtype="0" accel="50000" decel="50000" fill="hold" grpId="2" nodeType="afterEffect">
+                                  <p:stCondLst>
+                                    <p:cond delay="0"/>
+                                  </p:stCondLst>
+                                  <p:childTnLst>
+                                    <p:animMotion origin="layout" path="M 0.18217 -0.20532 L 0.18359 -4.81481E-6 " pathEditMode="relative" rAng="0" ptsTypes="AA">
+                                      <p:cBhvr>
+                                        <p:cTn id="103" dur="500" fill="hold"/>
+                                        <p:tgtEl>
+                                          <p:spTgt spid="2"/>
+                                        </p:tgtEl>
+                                        <p:attrNameLst>
+                                          <p:attrName>ppt_x</p:attrName>
+                                          <p:attrName>ppt_y</p:attrName>
+                                        </p:attrNameLst>
+                                      </p:cBhvr>
+                                      <p:rCtr x="182" y="10301"/>
+                                    </p:animMotion>
+                                  </p:childTnLst>
+                                </p:cTn>
+                              </p:par>
+                              <p:par>
+                                <p:cTn id="104" presetID="42" presetClass="path" presetSubtype="0" accel="50000" decel="50000" fill="hold" grpId="2" nodeType="withEffect">
+                                  <p:stCondLst>
+                                    <p:cond delay="0"/>
+                                  </p:stCondLst>
+                                  <p:childTnLst>
+                                    <p:animMotion origin="layout" path="M -0.00209 -0.2 L -4.16667E-7 -3.7037E-7 " pathEditMode="relative" rAng="0" ptsTypes="AA">
+                                      <p:cBhvr>
+                                        <p:cTn id="105" dur="500" fill="hold"/>
+                                        <p:tgtEl>
+                                          <p:spTgt spid="3"/>
+                                        </p:tgtEl>
+                                        <p:attrNameLst>
+                                          <p:attrName>ppt_x</p:attrName>
+                                          <p:attrName>ppt_y</p:attrName>
+                                        </p:attrNameLst>
+                                      </p:cBhvr>
+                                      <p:rCtr x="260" y="9931"/>
+                                    </p:animMotion>
+                                  </p:childTnLst>
+                                </p:cTn>
+                              </p:par>
+                              <p:par>
+                                <p:cTn id="106" presetID="42" presetClass="path" presetSubtype="0" accel="50000" decel="50000" fill="hold" grpId="4" nodeType="withEffect">
+                                  <p:stCondLst>
+                                    <p:cond delay="0"/>
+                                  </p:stCondLst>
+                                  <p:childTnLst>
+                                    <p:animMotion origin="layout" path="M 0.27422 -0.20301 L 0.27539 1.85185E-6 " pathEditMode="relative" rAng="0" ptsTypes="AA">
+                                      <p:cBhvr>
+                                        <p:cTn id="107" dur="500" fill="hold"/>
+                                        <p:tgtEl>
+                                          <p:spTgt spid="6"/>
+                                        </p:tgtEl>
+                                        <p:attrNameLst>
+                                          <p:attrName>ppt_x</p:attrName>
+                                          <p:attrName>ppt_y</p:attrName>
+                                        </p:attrNameLst>
+                                      </p:cBhvr>
+                                      <p:rCtr x="534" y="9977"/>
+                                    </p:animMotion>
+                                  </p:childTnLst>
+                                </p:cTn>
+                              </p:par>
+                              <p:par>
+                                <p:cTn id="108" presetID="42" presetClass="path" presetSubtype="0" accel="50000" decel="50000" fill="hold" grpId="4" nodeType="withEffect">
+                                  <p:stCondLst>
+                                    <p:cond delay="0"/>
+                                  </p:stCondLst>
+                                  <p:childTnLst>
+                                    <p:animMotion origin="layout" path="M 1.04167E-6 -0.20903 L 2.08333E-6 -3.7037E-7 " pathEditMode="relative" rAng="0" ptsTypes="AA">
+                                      <p:cBhvr>
+                                        <p:cTn id="109" dur="500" fill="hold"/>
+                                        <p:tgtEl>
+                                          <p:spTgt spid="7"/>
+                                        </p:tgtEl>
+                                        <p:attrNameLst>
+                                          <p:attrName>ppt_x</p:attrName>
+                                          <p:attrName>ppt_y</p:attrName>
+                                        </p:attrNameLst>
+                                      </p:cBhvr>
+                                      <p:rCtr x="-352" y="10000"/>
+                                    </p:animMotion>
+                                  </p:childTnLst>
+                                </p:cTn>
+                              </p:par>
+                              <p:par>
+                                <p:cTn id="110" presetID="42" presetClass="path" presetSubtype="0" accel="50000" decel="50000" fill="hold" grpId="4" nodeType="withEffect">
+                                  <p:stCondLst>
+                                    <p:cond delay="0"/>
+                                  </p:stCondLst>
+                                  <p:childTnLst>
+                                    <p:animMotion origin="layout" path="M -0.54844 -0.19861 L -0.55078 -3.7037E-7 " pathEditMode="relative" rAng="0" ptsTypes="AA">
+                                      <p:cBhvr>
+                                        <p:cTn id="111" dur="500" fill="hold"/>
+                                        <p:tgtEl>
+                                          <p:spTgt spid="8"/>
+                                        </p:tgtEl>
+                                        <p:attrNameLst>
+                                          <p:attrName>ppt_x</p:attrName>
+                                          <p:attrName>ppt_y</p:attrName>
+                                        </p:attrNameLst>
+                                      </p:cBhvr>
+                                      <p:rCtr x="-534" y="9931"/>
+                                    </p:animMotion>
+                                  </p:childTnLst>
+                                </p:cTn>
+                              </p:par>
+                              <p:par>
+                                <p:cTn id="112" presetID="42" presetClass="path" presetSubtype="0" accel="50000" decel="50000" fill="hold" grpId="4" nodeType="withEffect">
+                                  <p:stCondLst>
+                                    <p:cond delay="0"/>
+                                  </p:stCondLst>
+                                  <p:childTnLst>
+                                    <p:animMotion origin="layout" path="M -0.27865 -0.20695 L -0.27539 -3.7037E-7 " pathEditMode="relative" rAng="0" ptsTypes="AA">
+                                      <p:cBhvr>
+                                        <p:cTn id="113" dur="500" fill="hold"/>
+                                        <p:tgtEl>
+                                          <p:spTgt spid="9"/>
+                                        </p:tgtEl>
+                                        <p:attrNameLst>
+                                          <p:attrName>ppt_x</p:attrName>
+                                          <p:attrName>ppt_y</p:attrName>
+                                        </p:attrNameLst>
+                                      </p:cBhvr>
+                                      <p:rCtr x="26" y="9884"/>
+                                    </p:animMotion>
+                                  </p:childTnLst>
+                                </p:cTn>
+                              </p:par>
+                              <p:par>
+                                <p:cTn id="114" presetID="42" presetClass="path" presetSubtype="0" accel="50000" decel="50000" fill="hold" grpId="1" nodeType="withEffect">
+                                  <p:stCondLst>
+                                    <p:cond delay="0"/>
+                                  </p:stCondLst>
+                                  <p:childTnLst>
+                                    <p:animMotion origin="layout" path="M 0.0918 -0.2 L 0.09179 -3.7037E-7 " pathEditMode="relative" rAng="0" ptsTypes="AA">
+                                      <p:cBhvr>
+                                        <p:cTn id="115" dur="500" fill="hold"/>
+                                        <p:tgtEl>
+                                          <p:spTgt spid="4"/>
+                                        </p:tgtEl>
+                                        <p:attrNameLst>
+                                          <p:attrName>ppt_x</p:attrName>
+                                          <p:attrName>ppt_y</p:attrName>
+                                        </p:attrNameLst>
+                                      </p:cBhvr>
+                                      <p:rCtr x="260" y="9931"/>
+                                    </p:animMotion>
+                                  </p:childTnLst>
+                                </p:cTn>
+                              </p:par>
+                              <p:par>
+                                <p:cTn id="116" presetID="42" presetClass="path" presetSubtype="0" accel="50000" decel="50000" fill="hold" grpId="1" nodeType="withEffect">
+                                  <p:stCondLst>
+                                    <p:cond delay="0"/>
+                                  </p:stCondLst>
+                                  <p:childTnLst>
+                                    <p:animMotion origin="layout" path="M 0.27878 -0.20903 L 0.27539 -3.7037E-7 " pathEditMode="relative" rAng="0" ptsTypes="AA">
+                                      <p:cBhvr>
+                                        <p:cTn id="117" dur="500" fill="hold"/>
+                                        <p:tgtEl>
+                                          <p:spTgt spid="5"/>
+                                        </p:tgtEl>
+                                        <p:attrNameLst>
+                                          <p:attrName>ppt_x</p:attrName>
+                                          <p:attrName>ppt_y</p:attrName>
+                                        </p:attrNameLst>
+                                      </p:cBhvr>
+                                      <p:rCtr x="-117" y="10000"/>
+                                    </p:animMotion>
+                                  </p:childTnLst>
+                                </p:cTn>
+                              </p:par>
+                            </p:childTnLst>
+                          </p:cTn>
+                        </p:par>
+                      </p:childTnLst>
+                    </p:cTn>
+                  </p:par>
+                </p:childTnLst>
+              </p:cTn>
+              <p:prevCondLst>
+                <p:cond evt="onPrev" delay="0">
+                  <p:tgtEl>
+                    <p:sldTgt/>
+                  </p:tgtEl>
+                </p:cond>
+              </p:prevCondLst>
+              <p:nextCondLst>
+                <p:cond evt="onNext" delay="0">
+                  <p:tgtEl>
+                    <p:sldTgt/>
+                  </p:tgtEl>
+                </p:cond>
+              </p:nextCondLst>
+            </p:seq>
+          </p:childTnLst>
+        </p:cTn>
       </p:par>
     </p:tnLst>
+    <p:bldLst>
+      <p:bldP spid="2" grpId="0" animBg="1"/>
+      <p:bldP spid="2" grpId="1" animBg="1"/>
+      <p:bldP spid="2" grpId="2" animBg="1"/>
+      <p:bldP spid="3" grpId="0" animBg="1"/>
+      <p:bldP spid="3" grpId="1" animBg="1"/>
+      <p:bldP spid="3" grpId="2" animBg="1"/>
+      <p:bldP spid="4" grpId="0" animBg="1"/>
+      <p:bldP spid="4" grpId="1" animBg="1"/>
+      <p:bldP spid="5" grpId="0" animBg="1"/>
+      <p:bldP spid="5" grpId="1" animBg="1"/>
+      <p:bldP spid="6" grpId="0" animBg="1"/>
+      <p:bldP spid="6" grpId="1" animBg="1"/>
+      <p:bldP spid="6" grpId="2" animBg="1"/>
+      <p:bldP spid="6" grpId="3" animBg="1"/>
+      <p:bldP spid="6" grpId="4" animBg="1"/>
+      <p:bldP spid="7" grpId="0" animBg="1"/>
+      <p:bldP spid="7" grpId="1" animBg="1"/>
+      <p:bldP spid="7" grpId="2" animBg="1"/>
+      <p:bldP spid="7" grpId="3" animBg="1"/>
+      <p:bldP spid="7" grpId="4" animBg="1"/>
+      <p:bldP spid="8" grpId="1" animBg="1"/>
+      <p:bldP spid="8" grpId="2" animBg="1"/>
+      <p:bldP spid="8" grpId="3" animBg="1"/>
+      <p:bldP spid="8" grpId="4" animBg="1"/>
+      <p:bldP spid="9" grpId="1" animBg="1"/>
+      <p:bldP spid="9" grpId="2" animBg="1"/>
+      <p:bldP spid="9" grpId="3" animBg="1"/>
+      <p:bldP spid="9" grpId="4" animBg="1"/>
+    </p:bldLst>
+  </p:timing>
+</p:sld>
+</file>
+
+<file path=ppt/slides/slide13.xml><?xml version="1.0" encoding="utf-8"?>
+<p:sld xmlns:a="http://schemas.openxmlformats.org/drawingml/2006/main" xmlns:r="http://schemas.openxmlformats.org/officeDocument/2006/relationships" xmlns:p="http://schemas.openxmlformats.org/presentationml/2006/main">
+  <p:cSld>
+    <p:spTree>
+      <p:nvGrpSpPr>
+        <p:cNvPr id="1" name=""/>
+        <p:cNvGrpSpPr/>
+        <p:nvPr/>
+      </p:nvGrpSpPr>
+      <p:grpSpPr>
+        <a:xfrm>
+          <a:off x="0" y="0"/>
+          <a:ext cx="0" cy="0"/>
+          <a:chOff x="0" y="0"/>
+          <a:chExt cx="0" cy="0"/>
+        </a:xfrm>
+      </p:grpSpPr>
+      <p:grpSp>
+        <p:nvGrpSpPr>
+          <p:cNvPr id="17" name="组合 16"/>
+          <p:cNvGrpSpPr/>
+          <p:nvPr/>
+        </p:nvGrpSpPr>
+        <p:grpSpPr>
+          <a:xfrm>
+            <a:off x="2121375" y="3452397"/>
+            <a:ext cx="1353545" cy="629754"/>
+            <a:chOff x="1951630" y="1042572"/>
+            <a:chExt cx="1582713" cy="629754"/>
+          </a:xfrm>
+        </p:grpSpPr>
+        <p:sp>
+          <p:nvSpPr>
+            <p:cNvPr id="11" name="上箭头 10"/>
+            <p:cNvSpPr/>
+            <p:nvPr/>
+          </p:nvSpPr>
+          <p:spPr>
+            <a:xfrm>
+              <a:off x="1951630" y="1042572"/>
+              <a:ext cx="286603" cy="629754"/>
+            </a:xfrm>
+            <a:prstGeom prst="upArrow">
+              <a:avLst/>
+            </a:prstGeom>
+            <a:solidFill>
+              <a:srgbClr val="00B050"/>
+            </a:solidFill>
+            <a:ln>
+              <a:noFill/>
+            </a:ln>
+          </p:spPr>
+          <p:style>
+            <a:lnRef idx="2">
+              <a:schemeClr val="accent1">
+                <a:shade val="50000"/>
+              </a:schemeClr>
+            </a:lnRef>
+            <a:fillRef idx="1">
+              <a:schemeClr val="accent1"/>
+            </a:fillRef>
+            <a:effectRef idx="0">
+              <a:schemeClr val="accent1"/>
+            </a:effectRef>
+            <a:fontRef idx="minor">
+              <a:schemeClr val="lt1"/>
+            </a:fontRef>
+          </p:style>
+          <p:txBody>
+            <a:bodyPr rtlCol="0" anchor="ctr"/>
+            <a:lstStyle/>
+            <a:p>
+              <a:pPr algn="ctr"/>
+              <a:endParaRPr lang="zh-CN" altLang="en-US"/>
+            </a:p>
+          </p:txBody>
+        </p:sp>
+        <p:sp>
+          <p:nvSpPr>
+            <p:cNvPr id="13" name="上箭头 12"/>
+            <p:cNvSpPr/>
+            <p:nvPr/>
+          </p:nvSpPr>
+          <p:spPr>
+            <a:xfrm>
+              <a:off x="3247740" y="1042572"/>
+              <a:ext cx="286603" cy="629754"/>
+            </a:xfrm>
+            <a:prstGeom prst="upArrow">
+              <a:avLst/>
+            </a:prstGeom>
+            <a:solidFill>
+              <a:srgbClr val="00B050"/>
+            </a:solidFill>
+            <a:ln>
+              <a:noFill/>
+            </a:ln>
+          </p:spPr>
+          <p:style>
+            <a:lnRef idx="2">
+              <a:schemeClr val="accent1">
+                <a:shade val="50000"/>
+              </a:schemeClr>
+            </a:lnRef>
+            <a:fillRef idx="1">
+              <a:schemeClr val="accent1"/>
+            </a:fillRef>
+            <a:effectRef idx="0">
+              <a:schemeClr val="accent1"/>
+            </a:effectRef>
+            <a:fontRef idx="minor">
+              <a:schemeClr val="lt1"/>
+            </a:fontRef>
+          </p:style>
+          <p:txBody>
+            <a:bodyPr rtlCol="0" anchor="ctr"/>
+            <a:lstStyle/>
+            <a:p>
+              <a:pPr algn="ctr"/>
+              <a:endParaRPr lang="zh-CN" altLang="en-US"/>
+            </a:p>
+          </p:txBody>
+        </p:sp>
+        <p:sp>
+          <p:nvSpPr>
+            <p:cNvPr id="14" name="矩形 13"/>
+            <p:cNvSpPr/>
+            <p:nvPr/>
+          </p:nvSpPr>
+          <p:spPr>
+            <a:xfrm>
+              <a:off x="2120189" y="1539876"/>
+              <a:ext cx="1201003" cy="132450"/>
+            </a:xfrm>
+            <a:prstGeom prst="rect">
+              <a:avLst/>
+            </a:prstGeom>
+            <a:solidFill>
+              <a:srgbClr val="00B050"/>
+            </a:solidFill>
+            <a:ln>
+              <a:noFill/>
+            </a:ln>
+          </p:spPr>
+          <p:style>
+            <a:lnRef idx="2">
+              <a:schemeClr val="accent1">
+                <a:shade val="50000"/>
+              </a:schemeClr>
+            </a:lnRef>
+            <a:fillRef idx="1">
+              <a:schemeClr val="accent1"/>
+            </a:fillRef>
+            <a:effectRef idx="0">
+              <a:schemeClr val="accent1"/>
+            </a:effectRef>
+            <a:fontRef idx="minor">
+              <a:schemeClr val="lt1"/>
+            </a:fontRef>
+          </p:style>
+          <p:txBody>
+            <a:bodyPr rtlCol="0" anchor="ctr"/>
+            <a:lstStyle/>
+            <a:p>
+              <a:pPr algn="ctr"/>
+              <a:endParaRPr lang="zh-CN" altLang="en-US"/>
+            </a:p>
+          </p:txBody>
+        </p:sp>
+      </p:grpSp>
+      <p:sp>
+        <p:nvSpPr>
+          <p:cNvPr id="2" name="椭圆 1"/>
+          <p:cNvSpPr/>
+          <p:nvPr/>
+        </p:nvSpPr>
+        <p:spPr>
+          <a:xfrm>
+            <a:off x="1678675" y="2281835"/>
+            <a:ext cx="1119117" cy="1119117"/>
+          </a:xfrm>
+          <a:prstGeom prst="ellipse">
+            <a:avLst/>
+          </a:prstGeom>
+          <a:solidFill>
+            <a:schemeClr val="accent1">
+              <a:lumMod val="75000"/>
+            </a:schemeClr>
+          </a:solidFill>
+          <a:ln>
+            <a:noFill/>
+          </a:ln>
+        </p:spPr>
+        <p:style>
+          <a:lnRef idx="2">
+            <a:schemeClr val="accent1">
+              <a:shade val="50000"/>
+            </a:schemeClr>
+          </a:lnRef>
+          <a:fillRef idx="1">
+            <a:schemeClr val="accent1"/>
+          </a:fillRef>
+          <a:effectRef idx="0">
+            <a:schemeClr val="accent1"/>
+          </a:effectRef>
+          <a:fontRef idx="minor">
+            <a:schemeClr val="lt1"/>
+          </a:fontRef>
+        </p:style>
+        <p:txBody>
+          <a:bodyPr rtlCol="0" anchor="ctr"/>
+          <a:lstStyle/>
+          <a:p>
+            <a:pPr algn="ctr"/>
+            <a:r>
+              <a:rPr lang="en-US" altLang="zh-CN" sz="3200" dirty="0" smtClean="0"/>
+              <a:t>2</a:t>
+            </a:r>
+            <a:endParaRPr lang="zh-CN" altLang="en-US" sz="3200" dirty="0"/>
+          </a:p>
+        </p:txBody>
+      </p:sp>
+      <p:sp>
+        <p:nvSpPr>
+          <p:cNvPr id="3" name="椭圆 2"/>
+          <p:cNvSpPr/>
+          <p:nvPr/>
+        </p:nvSpPr>
+        <p:spPr>
+          <a:xfrm>
+            <a:off x="2797792" y="2281834"/>
+            <a:ext cx="1119117" cy="1119117"/>
+          </a:xfrm>
+          <a:prstGeom prst="ellipse">
+            <a:avLst/>
+          </a:prstGeom>
+          <a:solidFill>
+            <a:schemeClr val="accent1">
+              <a:lumMod val="75000"/>
+            </a:schemeClr>
+          </a:solidFill>
+          <a:ln>
+            <a:noFill/>
+          </a:ln>
+        </p:spPr>
+        <p:style>
+          <a:lnRef idx="2">
+            <a:schemeClr val="accent1">
+              <a:shade val="50000"/>
+            </a:schemeClr>
+          </a:lnRef>
+          <a:fillRef idx="1">
+            <a:schemeClr val="accent1"/>
+          </a:fillRef>
+          <a:effectRef idx="0">
+            <a:schemeClr val="accent1"/>
+          </a:effectRef>
+          <a:fontRef idx="minor">
+            <a:schemeClr val="lt1"/>
+          </a:fontRef>
+        </p:style>
+        <p:txBody>
+          <a:bodyPr rtlCol="0" anchor="ctr"/>
+          <a:lstStyle/>
+          <a:p>
+            <a:pPr algn="ctr"/>
+            <a:r>
+              <a:rPr lang="en-US" altLang="zh-CN" sz="3200" dirty="0" smtClean="0"/>
+              <a:t>1</a:t>
+            </a:r>
+            <a:endParaRPr lang="zh-CN" altLang="en-US" sz="3200" dirty="0"/>
+          </a:p>
+        </p:txBody>
+      </p:sp>
+      <p:sp>
+        <p:nvSpPr>
+          <p:cNvPr id="4" name="椭圆 3"/>
+          <p:cNvSpPr/>
+          <p:nvPr/>
+        </p:nvSpPr>
+        <p:spPr>
+          <a:xfrm>
+            <a:off x="3916909" y="2281834"/>
+            <a:ext cx="1119117" cy="1119117"/>
+          </a:xfrm>
+          <a:prstGeom prst="ellipse">
+            <a:avLst/>
+          </a:prstGeom>
+          <a:solidFill>
+            <a:schemeClr val="accent1">
+              <a:lumMod val="75000"/>
+            </a:schemeClr>
+          </a:solidFill>
+          <a:ln>
+            <a:noFill/>
+          </a:ln>
+        </p:spPr>
+        <p:style>
+          <a:lnRef idx="2">
+            <a:schemeClr val="accent1">
+              <a:shade val="50000"/>
+            </a:schemeClr>
+          </a:lnRef>
+          <a:fillRef idx="1">
+            <a:schemeClr val="accent1"/>
+          </a:fillRef>
+          <a:effectRef idx="0">
+            <a:schemeClr val="accent1"/>
+          </a:effectRef>
+          <a:fontRef idx="minor">
+            <a:schemeClr val="lt1"/>
+          </a:fontRef>
+        </p:style>
+        <p:txBody>
+          <a:bodyPr rtlCol="0" anchor="ctr"/>
+          <a:lstStyle/>
+          <a:p>
+            <a:pPr algn="ctr"/>
+            <a:r>
+              <a:rPr lang="en-US" altLang="zh-CN" sz="3200" dirty="0" smtClean="0"/>
+              <a:t>3</a:t>
+            </a:r>
+            <a:endParaRPr lang="zh-CN" altLang="en-US" sz="3200" dirty="0"/>
+          </a:p>
+        </p:txBody>
+      </p:sp>
+      <p:sp>
+        <p:nvSpPr>
+          <p:cNvPr id="5" name="椭圆 4"/>
+          <p:cNvSpPr/>
+          <p:nvPr/>
+        </p:nvSpPr>
+        <p:spPr>
+          <a:xfrm>
+            <a:off x="5036026" y="2281834"/>
+            <a:ext cx="1119117" cy="1119117"/>
+          </a:xfrm>
+          <a:prstGeom prst="ellipse">
+            <a:avLst/>
+          </a:prstGeom>
+          <a:solidFill>
+            <a:schemeClr val="accent1">
+              <a:lumMod val="75000"/>
+            </a:schemeClr>
+          </a:solidFill>
+          <a:ln>
+            <a:noFill/>
+          </a:ln>
+        </p:spPr>
+        <p:style>
+          <a:lnRef idx="2">
+            <a:schemeClr val="accent1">
+              <a:shade val="50000"/>
+            </a:schemeClr>
+          </a:lnRef>
+          <a:fillRef idx="1">
+            <a:schemeClr val="accent1"/>
+          </a:fillRef>
+          <a:effectRef idx="0">
+            <a:schemeClr val="accent1"/>
+          </a:effectRef>
+          <a:fontRef idx="minor">
+            <a:schemeClr val="lt1"/>
+          </a:fontRef>
+        </p:style>
+        <p:txBody>
+          <a:bodyPr rtlCol="0" anchor="ctr"/>
+          <a:lstStyle/>
+          <a:p>
+            <a:pPr algn="ctr"/>
+            <a:r>
+              <a:rPr lang="en-US" altLang="zh-CN" sz="3200" dirty="0" smtClean="0"/>
+              <a:t>6</a:t>
+            </a:r>
+            <a:endParaRPr lang="zh-CN" altLang="en-US" sz="3200" dirty="0"/>
+          </a:p>
+        </p:txBody>
+      </p:sp>
+      <p:sp>
+        <p:nvSpPr>
+          <p:cNvPr id="6" name="椭圆 5"/>
+          <p:cNvSpPr/>
+          <p:nvPr/>
+        </p:nvSpPr>
+        <p:spPr>
+          <a:xfrm>
+            <a:off x="6155143" y="2281833"/>
+            <a:ext cx="1119117" cy="1119117"/>
+          </a:xfrm>
+          <a:prstGeom prst="ellipse">
+            <a:avLst/>
+          </a:prstGeom>
+          <a:solidFill>
+            <a:schemeClr val="accent1">
+              <a:lumMod val="75000"/>
+            </a:schemeClr>
+          </a:solidFill>
+          <a:ln>
+            <a:noFill/>
+          </a:ln>
+        </p:spPr>
+        <p:style>
+          <a:lnRef idx="2">
+            <a:schemeClr val="accent1">
+              <a:shade val="50000"/>
+            </a:schemeClr>
+          </a:lnRef>
+          <a:fillRef idx="1">
+            <a:schemeClr val="accent1"/>
+          </a:fillRef>
+          <a:effectRef idx="0">
+            <a:schemeClr val="accent1"/>
+          </a:effectRef>
+          <a:fontRef idx="minor">
+            <a:schemeClr val="lt1"/>
+          </a:fontRef>
+        </p:style>
+        <p:txBody>
+          <a:bodyPr rtlCol="0" anchor="ctr"/>
+          <a:lstStyle/>
+          <a:p>
+            <a:pPr algn="ctr"/>
+            <a:r>
+              <a:rPr lang="en-US" altLang="zh-CN" sz="3200" dirty="0" smtClean="0"/>
+              <a:t>7</a:t>
+            </a:r>
+            <a:endParaRPr lang="zh-CN" altLang="en-US" sz="3200" dirty="0"/>
+          </a:p>
+        </p:txBody>
+      </p:sp>
+      <p:sp>
+        <p:nvSpPr>
+          <p:cNvPr id="7" name="椭圆 6"/>
+          <p:cNvSpPr/>
+          <p:nvPr/>
+        </p:nvSpPr>
+        <p:spPr>
+          <a:xfrm>
+            <a:off x="7274260" y="2281832"/>
+            <a:ext cx="1119117" cy="1119117"/>
+          </a:xfrm>
+          <a:prstGeom prst="ellipse">
+            <a:avLst/>
+          </a:prstGeom>
+          <a:solidFill>
+            <a:schemeClr val="accent1">
+              <a:lumMod val="75000"/>
+            </a:schemeClr>
+          </a:solidFill>
+          <a:ln>
+            <a:noFill/>
+          </a:ln>
+        </p:spPr>
+        <p:style>
+          <a:lnRef idx="2">
+            <a:schemeClr val="accent1">
+              <a:shade val="50000"/>
+            </a:schemeClr>
+          </a:lnRef>
+          <a:fillRef idx="1">
+            <a:schemeClr val="accent1"/>
+          </a:fillRef>
+          <a:effectRef idx="0">
+            <a:schemeClr val="accent1"/>
+          </a:effectRef>
+          <a:fontRef idx="minor">
+            <a:schemeClr val="lt1"/>
+          </a:fontRef>
+        </p:style>
+        <p:txBody>
+          <a:bodyPr rtlCol="0" anchor="ctr"/>
+          <a:lstStyle/>
+          <a:p>
+            <a:pPr algn="ctr"/>
+            <a:r>
+              <a:rPr lang="en-US" altLang="zh-CN" sz="3200" dirty="0" smtClean="0"/>
+              <a:t>5</a:t>
+            </a:r>
+            <a:endParaRPr lang="zh-CN" altLang="en-US" sz="3200" dirty="0"/>
+          </a:p>
+        </p:txBody>
+      </p:sp>
+      <p:sp>
+        <p:nvSpPr>
+          <p:cNvPr id="8" name="椭圆 7"/>
+          <p:cNvSpPr/>
+          <p:nvPr/>
+        </p:nvSpPr>
+        <p:spPr>
+          <a:xfrm>
+            <a:off x="8393377" y="2281832"/>
+            <a:ext cx="1119117" cy="1119117"/>
+          </a:xfrm>
+          <a:prstGeom prst="ellipse">
+            <a:avLst/>
+          </a:prstGeom>
+          <a:solidFill>
+            <a:schemeClr val="accent1">
+              <a:lumMod val="75000"/>
+            </a:schemeClr>
+          </a:solidFill>
+          <a:ln>
+            <a:noFill/>
+          </a:ln>
+        </p:spPr>
+        <p:style>
+          <a:lnRef idx="2">
+            <a:schemeClr val="accent1">
+              <a:shade val="50000"/>
+            </a:schemeClr>
+          </a:lnRef>
+          <a:fillRef idx="1">
+            <a:schemeClr val="accent1"/>
+          </a:fillRef>
+          <a:effectRef idx="0">
+            <a:schemeClr val="accent1"/>
+          </a:effectRef>
+          <a:fontRef idx="minor">
+            <a:schemeClr val="lt1"/>
+          </a:fontRef>
+        </p:style>
+        <p:txBody>
+          <a:bodyPr rtlCol="0" anchor="ctr"/>
+          <a:lstStyle/>
+          <a:p>
+            <a:pPr algn="ctr"/>
+            <a:r>
+              <a:rPr lang="en-US" altLang="zh-CN" sz="3200" dirty="0"/>
+              <a:t>0</a:t>
+            </a:r>
+            <a:endParaRPr lang="zh-CN" altLang="en-US" sz="3200" dirty="0"/>
+          </a:p>
+        </p:txBody>
+      </p:sp>
+      <p:sp>
+        <p:nvSpPr>
+          <p:cNvPr id="9" name="椭圆 8"/>
+          <p:cNvSpPr/>
+          <p:nvPr/>
+        </p:nvSpPr>
+        <p:spPr>
+          <a:xfrm>
+            <a:off x="9512494" y="2281832"/>
+            <a:ext cx="1119117" cy="1119117"/>
+          </a:xfrm>
+          <a:prstGeom prst="ellipse">
+            <a:avLst/>
+          </a:prstGeom>
+          <a:solidFill>
+            <a:schemeClr val="accent1">
+              <a:lumMod val="75000"/>
+            </a:schemeClr>
+          </a:solidFill>
+          <a:ln>
+            <a:noFill/>
+          </a:ln>
+        </p:spPr>
+        <p:style>
+          <a:lnRef idx="2">
+            <a:schemeClr val="accent1">
+              <a:shade val="50000"/>
+            </a:schemeClr>
+          </a:lnRef>
+          <a:fillRef idx="1">
+            <a:schemeClr val="accent1"/>
+          </a:fillRef>
+          <a:effectRef idx="0">
+            <a:schemeClr val="accent1"/>
+          </a:effectRef>
+          <a:fontRef idx="minor">
+            <a:schemeClr val="lt1"/>
+          </a:fontRef>
+        </p:style>
+        <p:txBody>
+          <a:bodyPr rtlCol="0" anchor="ctr"/>
+          <a:lstStyle/>
+          <a:p>
+            <a:pPr algn="ctr"/>
+            <a:r>
+              <a:rPr lang="en-US" altLang="zh-CN" sz="3200" dirty="0" smtClean="0"/>
+              <a:t>4</a:t>
+            </a:r>
+            <a:endParaRPr lang="zh-CN" altLang="en-US" sz="3200" dirty="0"/>
+          </a:p>
+        </p:txBody>
+      </p:sp>
+      <p:grpSp>
+        <p:nvGrpSpPr>
+          <p:cNvPr id="18" name="组合 17"/>
+          <p:cNvGrpSpPr/>
+          <p:nvPr/>
+        </p:nvGrpSpPr>
+        <p:grpSpPr>
+          <a:xfrm>
+            <a:off x="4359253" y="3452397"/>
+            <a:ext cx="1353545" cy="629754"/>
+            <a:chOff x="1951630" y="1042572"/>
+            <a:chExt cx="1582713" cy="629754"/>
+          </a:xfrm>
+        </p:grpSpPr>
+        <p:sp>
+          <p:nvSpPr>
+            <p:cNvPr id="19" name="上箭头 18"/>
+            <p:cNvSpPr/>
+            <p:nvPr/>
+          </p:nvSpPr>
+          <p:spPr>
+            <a:xfrm>
+              <a:off x="1951630" y="1042572"/>
+              <a:ext cx="286603" cy="629754"/>
+            </a:xfrm>
+            <a:prstGeom prst="upArrow">
+              <a:avLst/>
+            </a:prstGeom>
+            <a:solidFill>
+              <a:srgbClr val="00B050"/>
+            </a:solidFill>
+            <a:ln>
+              <a:noFill/>
+            </a:ln>
+          </p:spPr>
+          <p:style>
+            <a:lnRef idx="2">
+              <a:schemeClr val="accent1">
+                <a:shade val="50000"/>
+              </a:schemeClr>
+            </a:lnRef>
+            <a:fillRef idx="1">
+              <a:schemeClr val="accent1"/>
+            </a:fillRef>
+            <a:effectRef idx="0">
+              <a:schemeClr val="accent1"/>
+            </a:effectRef>
+            <a:fontRef idx="minor">
+              <a:schemeClr val="lt1"/>
+            </a:fontRef>
+          </p:style>
+          <p:txBody>
+            <a:bodyPr rtlCol="0" anchor="ctr"/>
+            <a:lstStyle/>
+            <a:p>
+              <a:pPr algn="ctr"/>
+              <a:endParaRPr lang="zh-CN" altLang="en-US"/>
+            </a:p>
+          </p:txBody>
+        </p:sp>
+        <p:sp>
+          <p:nvSpPr>
+            <p:cNvPr id="20" name="上箭头 19"/>
+            <p:cNvSpPr/>
+            <p:nvPr/>
+          </p:nvSpPr>
+          <p:spPr>
+            <a:xfrm>
+              <a:off x="3247740" y="1042572"/>
+              <a:ext cx="286603" cy="629754"/>
+            </a:xfrm>
+            <a:prstGeom prst="upArrow">
+              <a:avLst/>
+            </a:prstGeom>
+            <a:solidFill>
+              <a:srgbClr val="00B050"/>
+            </a:solidFill>
+            <a:ln>
+              <a:noFill/>
+            </a:ln>
+          </p:spPr>
+          <p:style>
+            <a:lnRef idx="2">
+              <a:schemeClr val="accent1">
+                <a:shade val="50000"/>
+              </a:schemeClr>
+            </a:lnRef>
+            <a:fillRef idx="1">
+              <a:schemeClr val="accent1"/>
+            </a:fillRef>
+            <a:effectRef idx="0">
+              <a:schemeClr val="accent1"/>
+            </a:effectRef>
+            <a:fontRef idx="minor">
+              <a:schemeClr val="lt1"/>
+            </a:fontRef>
+          </p:style>
+          <p:txBody>
+            <a:bodyPr rtlCol="0" anchor="ctr"/>
+            <a:lstStyle/>
+            <a:p>
+              <a:pPr algn="ctr"/>
+              <a:endParaRPr lang="zh-CN" altLang="en-US"/>
+            </a:p>
+          </p:txBody>
+        </p:sp>
+        <p:sp>
+          <p:nvSpPr>
+            <p:cNvPr id="21" name="矩形 20"/>
+            <p:cNvSpPr/>
+            <p:nvPr/>
+          </p:nvSpPr>
+          <p:spPr>
+            <a:xfrm>
+              <a:off x="2120189" y="1539876"/>
+              <a:ext cx="1201003" cy="132450"/>
+            </a:xfrm>
+            <a:prstGeom prst="rect">
+              <a:avLst/>
+            </a:prstGeom>
+            <a:solidFill>
+              <a:srgbClr val="00B050"/>
+            </a:solidFill>
+            <a:ln>
+              <a:noFill/>
+            </a:ln>
+          </p:spPr>
+          <p:style>
+            <a:lnRef idx="2">
+              <a:schemeClr val="accent1">
+                <a:shade val="50000"/>
+              </a:schemeClr>
+            </a:lnRef>
+            <a:fillRef idx="1">
+              <a:schemeClr val="accent1"/>
+            </a:fillRef>
+            <a:effectRef idx="0">
+              <a:schemeClr val="accent1"/>
+            </a:effectRef>
+            <a:fontRef idx="minor">
+              <a:schemeClr val="lt1"/>
+            </a:fontRef>
+          </p:style>
+          <p:txBody>
+            <a:bodyPr rtlCol="0" anchor="ctr"/>
+            <a:lstStyle/>
+            <a:p>
+              <a:pPr algn="ctr"/>
+              <a:endParaRPr lang="zh-CN" altLang="en-US"/>
+            </a:p>
+          </p:txBody>
+        </p:sp>
+      </p:grpSp>
+      <p:grpSp>
+        <p:nvGrpSpPr>
+          <p:cNvPr id="22" name="组合 21"/>
+          <p:cNvGrpSpPr/>
+          <p:nvPr/>
+        </p:nvGrpSpPr>
+        <p:grpSpPr>
+          <a:xfrm>
+            <a:off x="6563435" y="3452397"/>
+            <a:ext cx="1353545" cy="629754"/>
+            <a:chOff x="1951630" y="1042572"/>
+            <a:chExt cx="1582713" cy="629754"/>
+          </a:xfrm>
+        </p:grpSpPr>
+        <p:sp>
+          <p:nvSpPr>
+            <p:cNvPr id="23" name="上箭头 22"/>
+            <p:cNvSpPr/>
+            <p:nvPr/>
+          </p:nvSpPr>
+          <p:spPr>
+            <a:xfrm>
+              <a:off x="1951630" y="1042572"/>
+              <a:ext cx="286603" cy="629754"/>
+            </a:xfrm>
+            <a:prstGeom prst="upArrow">
+              <a:avLst/>
+            </a:prstGeom>
+            <a:solidFill>
+              <a:srgbClr val="00B050"/>
+            </a:solidFill>
+            <a:ln>
+              <a:noFill/>
+            </a:ln>
+          </p:spPr>
+          <p:style>
+            <a:lnRef idx="2">
+              <a:schemeClr val="accent1">
+                <a:shade val="50000"/>
+              </a:schemeClr>
+            </a:lnRef>
+            <a:fillRef idx="1">
+              <a:schemeClr val="accent1"/>
+            </a:fillRef>
+            <a:effectRef idx="0">
+              <a:schemeClr val="accent1"/>
+            </a:effectRef>
+            <a:fontRef idx="minor">
+              <a:schemeClr val="lt1"/>
+            </a:fontRef>
+          </p:style>
+          <p:txBody>
+            <a:bodyPr rtlCol="0" anchor="ctr"/>
+            <a:lstStyle/>
+            <a:p>
+              <a:pPr algn="ctr"/>
+              <a:endParaRPr lang="zh-CN" altLang="en-US"/>
+            </a:p>
+          </p:txBody>
+        </p:sp>
+        <p:sp>
+          <p:nvSpPr>
+            <p:cNvPr id="24" name="上箭头 23"/>
+            <p:cNvSpPr/>
+            <p:nvPr/>
+          </p:nvSpPr>
+          <p:spPr>
+            <a:xfrm>
+              <a:off x="3247740" y="1042572"/>
+              <a:ext cx="286603" cy="629754"/>
+            </a:xfrm>
+            <a:prstGeom prst="upArrow">
+              <a:avLst/>
+            </a:prstGeom>
+            <a:solidFill>
+              <a:srgbClr val="00B050"/>
+            </a:solidFill>
+            <a:ln>
+              <a:noFill/>
+            </a:ln>
+          </p:spPr>
+          <p:style>
+            <a:lnRef idx="2">
+              <a:schemeClr val="accent1">
+                <a:shade val="50000"/>
+              </a:schemeClr>
+            </a:lnRef>
+            <a:fillRef idx="1">
+              <a:schemeClr val="accent1"/>
+            </a:fillRef>
+            <a:effectRef idx="0">
+              <a:schemeClr val="accent1"/>
+            </a:effectRef>
+            <a:fontRef idx="minor">
+              <a:schemeClr val="lt1"/>
+            </a:fontRef>
+          </p:style>
+          <p:txBody>
+            <a:bodyPr rtlCol="0" anchor="ctr"/>
+            <a:lstStyle/>
+            <a:p>
+              <a:pPr algn="ctr"/>
+              <a:endParaRPr lang="zh-CN" altLang="en-US"/>
+            </a:p>
+          </p:txBody>
+        </p:sp>
+        <p:sp>
+          <p:nvSpPr>
+            <p:cNvPr id="25" name="矩形 24"/>
+            <p:cNvSpPr/>
+            <p:nvPr/>
+          </p:nvSpPr>
+          <p:spPr>
+            <a:xfrm>
+              <a:off x="2120189" y="1539876"/>
+              <a:ext cx="1201003" cy="132450"/>
+            </a:xfrm>
+            <a:prstGeom prst="rect">
+              <a:avLst/>
+            </a:prstGeom>
+            <a:solidFill>
+              <a:srgbClr val="00B050"/>
+            </a:solidFill>
+            <a:ln>
+              <a:noFill/>
+            </a:ln>
+          </p:spPr>
+          <p:style>
+            <a:lnRef idx="2">
+              <a:schemeClr val="accent1">
+                <a:shade val="50000"/>
+              </a:schemeClr>
+            </a:lnRef>
+            <a:fillRef idx="1">
+              <a:schemeClr val="accent1"/>
+            </a:fillRef>
+            <a:effectRef idx="0">
+              <a:schemeClr val="accent1"/>
+            </a:effectRef>
+            <a:fontRef idx="minor">
+              <a:schemeClr val="lt1"/>
+            </a:fontRef>
+          </p:style>
+          <p:txBody>
+            <a:bodyPr rtlCol="0" anchor="ctr"/>
+            <a:lstStyle/>
+            <a:p>
+              <a:pPr algn="ctr"/>
+              <a:endParaRPr lang="zh-CN" altLang="en-US"/>
+            </a:p>
+          </p:txBody>
+        </p:sp>
+      </p:grpSp>
+      <p:grpSp>
+        <p:nvGrpSpPr>
+          <p:cNvPr id="26" name="组合 25"/>
+          <p:cNvGrpSpPr/>
+          <p:nvPr/>
+        </p:nvGrpSpPr>
+        <p:grpSpPr>
+          <a:xfrm>
+            <a:off x="8835721" y="3452397"/>
+            <a:ext cx="1353545" cy="629754"/>
+            <a:chOff x="1951630" y="1042572"/>
+            <a:chExt cx="1582713" cy="629754"/>
+          </a:xfrm>
+        </p:grpSpPr>
+        <p:sp>
+          <p:nvSpPr>
+            <p:cNvPr id="27" name="上箭头 26"/>
+            <p:cNvSpPr/>
+            <p:nvPr/>
+          </p:nvSpPr>
+          <p:spPr>
+            <a:xfrm>
+              <a:off x="1951630" y="1042572"/>
+              <a:ext cx="286603" cy="629754"/>
+            </a:xfrm>
+            <a:prstGeom prst="upArrow">
+              <a:avLst/>
+            </a:prstGeom>
+            <a:solidFill>
+              <a:srgbClr val="00B050"/>
+            </a:solidFill>
+            <a:ln>
+              <a:noFill/>
+            </a:ln>
+          </p:spPr>
+          <p:style>
+            <a:lnRef idx="2">
+              <a:schemeClr val="accent1">
+                <a:shade val="50000"/>
+              </a:schemeClr>
+            </a:lnRef>
+            <a:fillRef idx="1">
+              <a:schemeClr val="accent1"/>
+            </a:fillRef>
+            <a:effectRef idx="0">
+              <a:schemeClr val="accent1"/>
+            </a:effectRef>
+            <a:fontRef idx="minor">
+              <a:schemeClr val="lt1"/>
+            </a:fontRef>
+          </p:style>
+          <p:txBody>
+            <a:bodyPr rtlCol="0" anchor="ctr"/>
+            <a:lstStyle/>
+            <a:p>
+              <a:pPr algn="ctr"/>
+              <a:endParaRPr lang="zh-CN" altLang="en-US"/>
+            </a:p>
+          </p:txBody>
+        </p:sp>
+        <p:sp>
+          <p:nvSpPr>
+            <p:cNvPr id="28" name="上箭头 27"/>
+            <p:cNvSpPr/>
+            <p:nvPr/>
+          </p:nvSpPr>
+          <p:spPr>
+            <a:xfrm>
+              <a:off x="3247740" y="1042572"/>
+              <a:ext cx="286603" cy="629754"/>
+            </a:xfrm>
+            <a:prstGeom prst="upArrow">
+              <a:avLst/>
+            </a:prstGeom>
+            <a:solidFill>
+              <a:srgbClr val="00B050"/>
+            </a:solidFill>
+            <a:ln>
+              <a:noFill/>
+            </a:ln>
+          </p:spPr>
+          <p:style>
+            <a:lnRef idx="2">
+              <a:schemeClr val="accent1">
+                <a:shade val="50000"/>
+              </a:schemeClr>
+            </a:lnRef>
+            <a:fillRef idx="1">
+              <a:schemeClr val="accent1"/>
+            </a:fillRef>
+            <a:effectRef idx="0">
+              <a:schemeClr val="accent1"/>
+            </a:effectRef>
+            <a:fontRef idx="minor">
+              <a:schemeClr val="lt1"/>
+            </a:fontRef>
+          </p:style>
+          <p:txBody>
+            <a:bodyPr rtlCol="0" anchor="ctr"/>
+            <a:lstStyle/>
+            <a:p>
+              <a:pPr algn="ctr"/>
+              <a:endParaRPr lang="zh-CN" altLang="en-US"/>
+            </a:p>
+          </p:txBody>
+        </p:sp>
+        <p:sp>
+          <p:nvSpPr>
+            <p:cNvPr id="29" name="矩形 28"/>
+            <p:cNvSpPr/>
+            <p:nvPr/>
+          </p:nvSpPr>
+          <p:spPr>
+            <a:xfrm>
+              <a:off x="2120189" y="1539876"/>
+              <a:ext cx="1201003" cy="132450"/>
+            </a:xfrm>
+            <a:prstGeom prst="rect">
+              <a:avLst/>
+            </a:prstGeom>
+            <a:solidFill>
+              <a:srgbClr val="00B050"/>
+            </a:solidFill>
+            <a:ln>
+              <a:noFill/>
+            </a:ln>
+          </p:spPr>
+          <p:style>
+            <a:lnRef idx="2">
+              <a:schemeClr val="accent1">
+                <a:shade val="50000"/>
+              </a:schemeClr>
+            </a:lnRef>
+            <a:fillRef idx="1">
+              <a:schemeClr val="accent1"/>
+            </a:fillRef>
+            <a:effectRef idx="0">
+              <a:schemeClr val="accent1"/>
+            </a:effectRef>
+            <a:fontRef idx="minor">
+              <a:schemeClr val="lt1"/>
+            </a:fontRef>
+          </p:style>
+          <p:txBody>
+            <a:bodyPr rtlCol="0" anchor="ctr"/>
+            <a:lstStyle/>
+            <a:p>
+              <a:pPr algn="ctr"/>
+              <a:endParaRPr lang="zh-CN" altLang="en-US"/>
+            </a:p>
+          </p:txBody>
+        </p:sp>
+      </p:grpSp>
+      <p:grpSp>
+        <p:nvGrpSpPr>
+          <p:cNvPr id="30" name="组合 29"/>
+          <p:cNvGrpSpPr/>
+          <p:nvPr/>
+        </p:nvGrpSpPr>
+        <p:grpSpPr>
+          <a:xfrm>
+            <a:off x="2457712" y="4086214"/>
+            <a:ext cx="2837620" cy="1011826"/>
+            <a:chOff x="1951630" y="1042572"/>
+            <a:chExt cx="1582713" cy="629754"/>
+          </a:xfrm>
+        </p:grpSpPr>
+        <p:sp>
+          <p:nvSpPr>
+            <p:cNvPr id="31" name="上箭头 30"/>
+            <p:cNvSpPr/>
+            <p:nvPr/>
+          </p:nvSpPr>
+          <p:spPr>
+            <a:xfrm>
+              <a:off x="1951630" y="1042572"/>
+              <a:ext cx="286603" cy="629754"/>
+            </a:xfrm>
+            <a:prstGeom prst="upArrow">
+              <a:avLst/>
+            </a:prstGeom>
+            <a:solidFill>
+              <a:srgbClr val="00B050"/>
+            </a:solidFill>
+            <a:ln>
+              <a:noFill/>
+            </a:ln>
+          </p:spPr>
+          <p:style>
+            <a:lnRef idx="2">
+              <a:schemeClr val="accent1">
+                <a:shade val="50000"/>
+              </a:schemeClr>
+            </a:lnRef>
+            <a:fillRef idx="1">
+              <a:schemeClr val="accent1"/>
+            </a:fillRef>
+            <a:effectRef idx="0">
+              <a:schemeClr val="accent1"/>
+            </a:effectRef>
+            <a:fontRef idx="minor">
+              <a:schemeClr val="lt1"/>
+            </a:fontRef>
+          </p:style>
+          <p:txBody>
+            <a:bodyPr rtlCol="0" anchor="ctr"/>
+            <a:lstStyle/>
+            <a:p>
+              <a:pPr algn="ctr"/>
+              <a:endParaRPr lang="zh-CN" altLang="en-US"/>
+            </a:p>
+          </p:txBody>
+        </p:sp>
+        <p:sp>
+          <p:nvSpPr>
+            <p:cNvPr id="32" name="上箭头 31"/>
+            <p:cNvSpPr/>
+            <p:nvPr/>
+          </p:nvSpPr>
+          <p:spPr>
+            <a:xfrm>
+              <a:off x="3247740" y="1042572"/>
+              <a:ext cx="286603" cy="629754"/>
+            </a:xfrm>
+            <a:prstGeom prst="upArrow">
+              <a:avLst/>
+            </a:prstGeom>
+            <a:solidFill>
+              <a:srgbClr val="00B050"/>
+            </a:solidFill>
+            <a:ln>
+              <a:noFill/>
+            </a:ln>
+          </p:spPr>
+          <p:style>
+            <a:lnRef idx="2">
+              <a:schemeClr val="accent1">
+                <a:shade val="50000"/>
+              </a:schemeClr>
+            </a:lnRef>
+            <a:fillRef idx="1">
+              <a:schemeClr val="accent1"/>
+            </a:fillRef>
+            <a:effectRef idx="0">
+              <a:schemeClr val="accent1"/>
+            </a:effectRef>
+            <a:fontRef idx="minor">
+              <a:schemeClr val="lt1"/>
+            </a:fontRef>
+          </p:style>
+          <p:txBody>
+            <a:bodyPr rtlCol="0" anchor="ctr"/>
+            <a:lstStyle/>
+            <a:p>
+              <a:pPr algn="ctr"/>
+              <a:endParaRPr lang="zh-CN" altLang="en-US"/>
+            </a:p>
+          </p:txBody>
+        </p:sp>
+        <p:sp>
+          <p:nvSpPr>
+            <p:cNvPr id="33" name="矩形 32"/>
+            <p:cNvSpPr/>
+            <p:nvPr/>
+          </p:nvSpPr>
+          <p:spPr>
+            <a:xfrm>
+              <a:off x="2120189" y="1539876"/>
+              <a:ext cx="1201003" cy="132450"/>
+            </a:xfrm>
+            <a:prstGeom prst="rect">
+              <a:avLst/>
+            </a:prstGeom>
+            <a:solidFill>
+              <a:srgbClr val="00B050"/>
+            </a:solidFill>
+            <a:ln>
+              <a:noFill/>
+            </a:ln>
+          </p:spPr>
+          <p:style>
+            <a:lnRef idx="2">
+              <a:schemeClr val="accent1">
+                <a:shade val="50000"/>
+              </a:schemeClr>
+            </a:lnRef>
+            <a:fillRef idx="1">
+              <a:schemeClr val="accent1"/>
+            </a:fillRef>
+            <a:effectRef idx="0">
+              <a:schemeClr val="accent1"/>
+            </a:effectRef>
+            <a:fontRef idx="minor">
+              <a:schemeClr val="lt1"/>
+            </a:fontRef>
+          </p:style>
+          <p:txBody>
+            <a:bodyPr rtlCol="0" anchor="ctr"/>
+            <a:lstStyle/>
+            <a:p>
+              <a:pPr algn="ctr"/>
+              <a:endParaRPr lang="zh-CN" altLang="en-US"/>
+            </a:p>
+          </p:txBody>
+        </p:sp>
+      </p:grpSp>
+      <p:grpSp>
+        <p:nvGrpSpPr>
+          <p:cNvPr id="39" name="组合 38"/>
+          <p:cNvGrpSpPr/>
+          <p:nvPr/>
+        </p:nvGrpSpPr>
+        <p:grpSpPr>
+          <a:xfrm>
+            <a:off x="6974567" y="4067783"/>
+            <a:ext cx="2837620" cy="1030257"/>
+            <a:chOff x="1951630" y="1042572"/>
+            <a:chExt cx="1582713" cy="629754"/>
+          </a:xfrm>
+        </p:grpSpPr>
+        <p:sp>
+          <p:nvSpPr>
+            <p:cNvPr id="40" name="上箭头 39"/>
+            <p:cNvSpPr/>
+            <p:nvPr/>
+          </p:nvSpPr>
+          <p:spPr>
+            <a:xfrm>
+              <a:off x="1951630" y="1042572"/>
+              <a:ext cx="286603" cy="629754"/>
+            </a:xfrm>
+            <a:prstGeom prst="upArrow">
+              <a:avLst/>
+            </a:prstGeom>
+            <a:solidFill>
+              <a:srgbClr val="00B050"/>
+            </a:solidFill>
+            <a:ln>
+              <a:noFill/>
+            </a:ln>
+          </p:spPr>
+          <p:style>
+            <a:lnRef idx="2">
+              <a:schemeClr val="accent1">
+                <a:shade val="50000"/>
+              </a:schemeClr>
+            </a:lnRef>
+            <a:fillRef idx="1">
+              <a:schemeClr val="accent1"/>
+            </a:fillRef>
+            <a:effectRef idx="0">
+              <a:schemeClr val="accent1"/>
+            </a:effectRef>
+            <a:fontRef idx="minor">
+              <a:schemeClr val="lt1"/>
+            </a:fontRef>
+          </p:style>
+          <p:txBody>
+            <a:bodyPr rtlCol="0" anchor="ctr"/>
+            <a:lstStyle/>
+            <a:p>
+              <a:pPr algn="ctr"/>
+              <a:endParaRPr lang="zh-CN" altLang="en-US"/>
+            </a:p>
+          </p:txBody>
+        </p:sp>
+        <p:sp>
+          <p:nvSpPr>
+            <p:cNvPr id="41" name="上箭头 40"/>
+            <p:cNvSpPr/>
+            <p:nvPr/>
+          </p:nvSpPr>
+          <p:spPr>
+            <a:xfrm>
+              <a:off x="3247740" y="1042572"/>
+              <a:ext cx="286603" cy="629754"/>
+            </a:xfrm>
+            <a:prstGeom prst="upArrow">
+              <a:avLst/>
+            </a:prstGeom>
+            <a:solidFill>
+              <a:srgbClr val="00B050"/>
+            </a:solidFill>
+            <a:ln>
+              <a:noFill/>
+            </a:ln>
+          </p:spPr>
+          <p:style>
+            <a:lnRef idx="2">
+              <a:schemeClr val="accent1">
+                <a:shade val="50000"/>
+              </a:schemeClr>
+            </a:lnRef>
+            <a:fillRef idx="1">
+              <a:schemeClr val="accent1"/>
+            </a:fillRef>
+            <a:effectRef idx="0">
+              <a:schemeClr val="accent1"/>
+            </a:effectRef>
+            <a:fontRef idx="minor">
+              <a:schemeClr val="lt1"/>
+            </a:fontRef>
+          </p:style>
+          <p:txBody>
+            <a:bodyPr rtlCol="0" anchor="ctr"/>
+            <a:lstStyle/>
+            <a:p>
+              <a:pPr algn="ctr"/>
+              <a:endParaRPr lang="zh-CN" altLang="en-US"/>
+            </a:p>
+          </p:txBody>
+        </p:sp>
+        <p:sp>
+          <p:nvSpPr>
+            <p:cNvPr id="42" name="矩形 41"/>
+            <p:cNvSpPr/>
+            <p:nvPr/>
+          </p:nvSpPr>
+          <p:spPr>
+            <a:xfrm>
+              <a:off x="2120189" y="1539876"/>
+              <a:ext cx="1201003" cy="132450"/>
+            </a:xfrm>
+            <a:prstGeom prst="rect">
+              <a:avLst/>
+            </a:prstGeom>
+            <a:solidFill>
+              <a:srgbClr val="00B050"/>
+            </a:solidFill>
+            <a:ln>
+              <a:noFill/>
+            </a:ln>
+          </p:spPr>
+          <p:style>
+            <a:lnRef idx="2">
+              <a:schemeClr val="accent1">
+                <a:shade val="50000"/>
+              </a:schemeClr>
+            </a:lnRef>
+            <a:fillRef idx="1">
+              <a:schemeClr val="accent1"/>
+            </a:fillRef>
+            <a:effectRef idx="0">
+              <a:schemeClr val="accent1"/>
+            </a:effectRef>
+            <a:fontRef idx="minor">
+              <a:schemeClr val="lt1"/>
+            </a:fontRef>
+          </p:style>
+          <p:txBody>
+            <a:bodyPr rtlCol="0" anchor="ctr"/>
+            <a:lstStyle/>
+            <a:p>
+              <a:pPr algn="ctr"/>
+              <a:endParaRPr lang="zh-CN" altLang="en-US"/>
+            </a:p>
+          </p:txBody>
+        </p:sp>
+      </p:grpSp>
+      <p:grpSp>
+        <p:nvGrpSpPr>
+          <p:cNvPr id="51" name="组合 50"/>
+          <p:cNvGrpSpPr/>
+          <p:nvPr/>
+        </p:nvGrpSpPr>
+        <p:grpSpPr>
+          <a:xfrm>
+            <a:off x="3657600" y="5112530"/>
+            <a:ext cx="4940488" cy="1011826"/>
+            <a:chOff x="2055041" y="1042572"/>
+            <a:chExt cx="1331299" cy="629754"/>
+          </a:xfrm>
+        </p:grpSpPr>
+        <p:sp>
+          <p:nvSpPr>
+            <p:cNvPr id="52" name="上箭头 51"/>
+            <p:cNvSpPr/>
+            <p:nvPr/>
+          </p:nvSpPr>
+          <p:spPr>
+            <a:xfrm>
+              <a:off x="2055041" y="1042572"/>
+              <a:ext cx="128823" cy="629754"/>
+            </a:xfrm>
+            <a:prstGeom prst="upArrow">
+              <a:avLst/>
+            </a:prstGeom>
+            <a:solidFill>
+              <a:srgbClr val="00B050"/>
+            </a:solidFill>
+            <a:ln>
+              <a:noFill/>
+            </a:ln>
+          </p:spPr>
+          <p:style>
+            <a:lnRef idx="2">
+              <a:schemeClr val="accent1">
+                <a:shade val="50000"/>
+              </a:schemeClr>
+            </a:lnRef>
+            <a:fillRef idx="1">
+              <a:schemeClr val="accent1"/>
+            </a:fillRef>
+            <a:effectRef idx="0">
+              <a:schemeClr val="accent1"/>
+            </a:effectRef>
+            <a:fontRef idx="minor">
+              <a:schemeClr val="lt1"/>
+            </a:fontRef>
+          </p:style>
+          <p:txBody>
+            <a:bodyPr rtlCol="0" anchor="ctr"/>
+            <a:lstStyle/>
+            <a:p>
+              <a:pPr algn="ctr"/>
+              <a:endParaRPr lang="zh-CN" altLang="en-US"/>
+            </a:p>
+          </p:txBody>
+        </p:sp>
+        <p:sp>
+          <p:nvSpPr>
+            <p:cNvPr id="53" name="上箭头 52"/>
+            <p:cNvSpPr/>
+            <p:nvPr/>
+          </p:nvSpPr>
+          <p:spPr>
+            <a:xfrm>
+              <a:off x="3247740" y="1042572"/>
+              <a:ext cx="138600" cy="629754"/>
+            </a:xfrm>
+            <a:prstGeom prst="upArrow">
+              <a:avLst/>
+            </a:prstGeom>
+            <a:solidFill>
+              <a:srgbClr val="00B050"/>
+            </a:solidFill>
+            <a:ln>
+              <a:noFill/>
+            </a:ln>
+          </p:spPr>
+          <p:style>
+            <a:lnRef idx="2">
+              <a:schemeClr val="accent1">
+                <a:shade val="50000"/>
+              </a:schemeClr>
+            </a:lnRef>
+            <a:fillRef idx="1">
+              <a:schemeClr val="accent1"/>
+            </a:fillRef>
+            <a:effectRef idx="0">
+              <a:schemeClr val="accent1"/>
+            </a:effectRef>
+            <a:fontRef idx="minor">
+              <a:schemeClr val="lt1"/>
+            </a:fontRef>
+          </p:style>
+          <p:txBody>
+            <a:bodyPr rtlCol="0" anchor="ctr"/>
+            <a:lstStyle/>
+            <a:p>
+              <a:pPr algn="ctr"/>
+              <a:endParaRPr lang="zh-CN" altLang="en-US"/>
+            </a:p>
+          </p:txBody>
+        </p:sp>
+        <p:sp>
+          <p:nvSpPr>
+            <p:cNvPr id="54" name="矩形 53"/>
+            <p:cNvSpPr/>
+            <p:nvPr/>
+          </p:nvSpPr>
+          <p:spPr>
+            <a:xfrm>
+              <a:off x="2120189" y="1539876"/>
+              <a:ext cx="1201003" cy="132450"/>
+            </a:xfrm>
+            <a:prstGeom prst="rect">
+              <a:avLst/>
+            </a:prstGeom>
+            <a:solidFill>
+              <a:srgbClr val="00B050"/>
+            </a:solidFill>
+            <a:ln>
+              <a:noFill/>
+            </a:ln>
+          </p:spPr>
+          <p:style>
+            <a:lnRef idx="2">
+              <a:schemeClr val="accent1">
+                <a:shade val="50000"/>
+              </a:schemeClr>
+            </a:lnRef>
+            <a:fillRef idx="1">
+              <a:schemeClr val="accent1"/>
+            </a:fillRef>
+            <a:effectRef idx="0">
+              <a:schemeClr val="accent1"/>
+            </a:effectRef>
+            <a:fontRef idx="minor">
+              <a:schemeClr val="lt1"/>
+            </a:fontRef>
+          </p:style>
+          <p:txBody>
+            <a:bodyPr rtlCol="0" anchor="ctr"/>
+            <a:lstStyle/>
+            <a:p>
+              <a:pPr algn="ctr"/>
+              <a:endParaRPr lang="zh-CN" altLang="en-US"/>
+            </a:p>
+          </p:txBody>
+        </p:sp>
+      </p:grpSp>
+      <p:sp>
+        <p:nvSpPr>
+          <p:cNvPr id="64" name="文本框 63"/>
+          <p:cNvSpPr txBox="1"/>
+          <p:nvPr/>
+        </p:nvSpPr>
+        <p:spPr>
+          <a:xfrm>
+            <a:off x="4907123" y="865833"/>
+            <a:ext cx="3312624" cy="400110"/>
+          </a:xfrm>
+          <a:prstGeom prst="rect">
+            <a:avLst/>
+          </a:prstGeom>
+          <a:noFill/>
+        </p:spPr>
+        <p:txBody>
+          <a:bodyPr wrap="square" rtlCol="0">
+            <a:spAutoFit/>
+          </a:bodyPr>
+          <a:lstStyle/>
+          <a:p>
+            <a:r>
+              <a:rPr lang="en-US" altLang="zh-CN" sz="2000" dirty="0" smtClean="0">
+                <a:solidFill>
+                  <a:srgbClr val="0D8113"/>
+                </a:solidFill>
+              </a:rPr>
+              <a:t>Merge sort down2top</a:t>
+            </a:r>
+            <a:endParaRPr lang="zh-CN" altLang="en-US" sz="2000" dirty="0">
+              <a:solidFill>
+                <a:srgbClr val="0D8113"/>
+              </a:solidFill>
+            </a:endParaRPr>
+          </a:p>
+        </p:txBody>
+      </p:sp>
+    </p:spTree>
+    <p:extLst>
+      <p:ext uri="{BB962C8B-B14F-4D97-AF65-F5344CB8AC3E}">
+        <p14:creationId xmlns:p14="http://schemas.microsoft.com/office/powerpoint/2010/main" val="8944812"/>
+      </p:ext>
+    </p:extLst>
+  </p:cSld>
+  <p:clrMapOvr>
+    <a:masterClrMapping/>
+  </p:clrMapOvr>
+  <p:timing>
+    <p:tnLst>
+      <p:par>
+        <p:cTn id="1" dur="indefinite" restart="never" nodeType="tmRoot">
+          <p:childTnLst>
+            <p:seq concurrent="1" nextAc="seek">
+              <p:cTn id="2" dur="indefinite" nodeType="mainSeq">
+                <p:childTnLst>
+                  <p:par>
+                    <p:cTn id="3" fill="hold">
+                      <p:stCondLst>
+                        <p:cond delay="indefinite"/>
+                      </p:stCondLst>
+                      <p:childTnLst>
+                        <p:par>
+                          <p:cTn id="4" fill="hold">
+                            <p:stCondLst>
+                              <p:cond delay="0"/>
+                            </p:stCondLst>
+                            <p:childTnLst>
+                              <p:par>
+                                <p:cTn id="5" presetID="47" presetClass="entr" presetSubtype="0" fill="hold" nodeType="clickEffect">
+                                  <p:stCondLst>
+                                    <p:cond delay="0"/>
+                                  </p:stCondLst>
+                                  <p:childTnLst>
+                                    <p:set>
+                                      <p:cBhvr>
+                                        <p:cTn id="6" dur="1" fill="hold">
+                                          <p:stCondLst>
+                                            <p:cond delay="0"/>
+                                          </p:stCondLst>
+                                        </p:cTn>
+                                        <p:tgtEl>
+                                          <p:spTgt spid="17"/>
+                                        </p:tgtEl>
+                                        <p:attrNameLst>
+                                          <p:attrName>style.visibility</p:attrName>
+                                        </p:attrNameLst>
+                                      </p:cBhvr>
+                                      <p:to>
+                                        <p:strVal val="visible"/>
+                                      </p:to>
+                                    </p:set>
+                                    <p:animEffect transition="in" filter="fade">
+                                      <p:cBhvr>
+                                        <p:cTn id="7" dur="500"/>
+                                        <p:tgtEl>
+                                          <p:spTgt spid="17"/>
+                                        </p:tgtEl>
+                                      </p:cBhvr>
+                                    </p:animEffect>
+                                    <p:anim calcmode="lin" valueType="num">
+                                      <p:cBhvr>
+                                        <p:cTn id="8" dur="500" fill="hold"/>
+                                        <p:tgtEl>
+                                          <p:spTgt spid="17"/>
+                                        </p:tgtEl>
+                                        <p:attrNameLst>
+                                          <p:attrName>ppt_x</p:attrName>
+                                        </p:attrNameLst>
+                                      </p:cBhvr>
+                                      <p:tavLst>
+                                        <p:tav tm="0">
+                                          <p:val>
+                                            <p:strVal val="#ppt_x"/>
+                                          </p:val>
+                                        </p:tav>
+                                        <p:tav tm="100000">
+                                          <p:val>
+                                            <p:strVal val="#ppt_x"/>
+                                          </p:val>
+                                        </p:tav>
+                                      </p:tavLst>
+                                    </p:anim>
+                                    <p:anim calcmode="lin" valueType="num">
+                                      <p:cBhvr>
+                                        <p:cTn id="9" dur="500" fill="hold"/>
+                                        <p:tgtEl>
+                                          <p:spTgt spid="17"/>
+                                        </p:tgtEl>
+                                        <p:attrNameLst>
+                                          <p:attrName>ppt_y</p:attrName>
+                                        </p:attrNameLst>
+                                      </p:cBhvr>
+                                      <p:tavLst>
+                                        <p:tav tm="0">
+                                          <p:val>
+                                            <p:strVal val="#ppt_y-.1"/>
+                                          </p:val>
+                                        </p:tav>
+                                        <p:tav tm="100000">
+                                          <p:val>
+                                            <p:strVal val="#ppt_y"/>
+                                          </p:val>
+                                        </p:tav>
+                                      </p:tavLst>
+                                    </p:anim>
+                                  </p:childTnLst>
+                                </p:cTn>
+                              </p:par>
+                            </p:childTnLst>
+                          </p:cTn>
+                        </p:par>
+                        <p:par>
+                          <p:cTn id="10" fill="hold">
+                            <p:stCondLst>
+                              <p:cond delay="500"/>
+                            </p:stCondLst>
+                            <p:childTnLst>
+                              <p:par>
+                                <p:cTn id="11" presetID="37" presetClass="path" presetSubtype="0" accel="50000" decel="50000" fill="hold" grpId="0" nodeType="afterEffect">
+                                  <p:stCondLst>
+                                    <p:cond delay="0"/>
+                                  </p:stCondLst>
+                                  <p:childTnLst>
+                                    <p:animMotion origin="layout" path="M -3.54167E-6 -3.7037E-7 L 0.02474 0.13426 C 0.02982 0.16458 0.03763 0.18102 0.04571 0.18102 C 0.05495 0.18102 0.06237 0.16458 0.06745 0.13426 L 0.09232 -3.7037E-7 " pathEditMode="relative" rAng="0" ptsTypes="AAAAA">
+                                      <p:cBhvr>
+                                        <p:cTn id="12" dur="1000" fill="hold"/>
+                                        <p:tgtEl>
+                                          <p:spTgt spid="2"/>
+                                        </p:tgtEl>
+                                        <p:attrNameLst>
+                                          <p:attrName>ppt_x</p:attrName>
+                                          <p:attrName>ppt_y</p:attrName>
+                                        </p:attrNameLst>
+                                      </p:cBhvr>
+                                      <p:rCtr x="4609" y="9051"/>
+                                    </p:animMotion>
+                                  </p:childTnLst>
+                                </p:cTn>
+                              </p:par>
+                              <p:par>
+                                <p:cTn id="13" presetID="37" presetClass="path" presetSubtype="0" accel="50000" decel="50000" fill="hold" grpId="0" nodeType="withEffect">
+                                  <p:stCondLst>
+                                    <p:cond delay="0"/>
+                                  </p:stCondLst>
+                                  <p:childTnLst>
+                                    <p:animMotion origin="layout" path="M 0.00052 -3.7037E-7 L -0.02357 0.13426 C -0.02852 0.16458 -0.03607 0.18102 -0.04388 0.18102 C -0.05286 0.18102 -0.06003 0.16458 -0.06497 0.13426 L -0.08893 -3.7037E-7 " pathEditMode="relative" rAng="0" ptsTypes="AAAAA">
+                                      <p:cBhvr>
+                                        <p:cTn id="14" dur="1000" fill="hold"/>
+                                        <p:tgtEl>
+                                          <p:spTgt spid="3"/>
+                                        </p:tgtEl>
+                                        <p:attrNameLst>
+                                          <p:attrName>ppt_x</p:attrName>
+                                          <p:attrName>ppt_y</p:attrName>
+                                        </p:attrNameLst>
+                                      </p:cBhvr>
+                                      <p:rCtr x="-4479" y="9051"/>
+                                    </p:animMotion>
+                                  </p:childTnLst>
+                                </p:cTn>
+                              </p:par>
+                            </p:childTnLst>
+                          </p:cTn>
+                        </p:par>
+                        <p:par>
+                          <p:cTn id="15" fill="hold">
+                            <p:stCondLst>
+                              <p:cond delay="1500"/>
+                            </p:stCondLst>
+                            <p:childTnLst>
+                              <p:par>
+                                <p:cTn id="16" presetID="47" presetClass="entr" presetSubtype="0" fill="hold" nodeType="afterEffect">
+                                  <p:stCondLst>
+                                    <p:cond delay="0"/>
+                                  </p:stCondLst>
+                                  <p:childTnLst>
+                                    <p:set>
+                                      <p:cBhvr>
+                                        <p:cTn id="17" dur="1" fill="hold">
+                                          <p:stCondLst>
+                                            <p:cond delay="0"/>
+                                          </p:stCondLst>
+                                        </p:cTn>
+                                        <p:tgtEl>
+                                          <p:spTgt spid="18"/>
+                                        </p:tgtEl>
+                                        <p:attrNameLst>
+                                          <p:attrName>style.visibility</p:attrName>
+                                        </p:attrNameLst>
+                                      </p:cBhvr>
+                                      <p:to>
+                                        <p:strVal val="visible"/>
+                                      </p:to>
+                                    </p:set>
+                                    <p:animEffect transition="in" filter="fade">
+                                      <p:cBhvr>
+                                        <p:cTn id="18" dur="500"/>
+                                        <p:tgtEl>
+                                          <p:spTgt spid="18"/>
+                                        </p:tgtEl>
+                                      </p:cBhvr>
+                                    </p:animEffect>
+                                    <p:anim calcmode="lin" valueType="num">
+                                      <p:cBhvr>
+                                        <p:cTn id="19" dur="500" fill="hold"/>
+                                        <p:tgtEl>
+                                          <p:spTgt spid="18"/>
+                                        </p:tgtEl>
+                                        <p:attrNameLst>
+                                          <p:attrName>ppt_x</p:attrName>
+                                        </p:attrNameLst>
+                                      </p:cBhvr>
+                                      <p:tavLst>
+                                        <p:tav tm="0">
+                                          <p:val>
+                                            <p:strVal val="#ppt_x"/>
+                                          </p:val>
+                                        </p:tav>
+                                        <p:tav tm="100000">
+                                          <p:val>
+                                            <p:strVal val="#ppt_x"/>
+                                          </p:val>
+                                        </p:tav>
+                                      </p:tavLst>
+                                    </p:anim>
+                                    <p:anim calcmode="lin" valueType="num">
+                                      <p:cBhvr>
+                                        <p:cTn id="20" dur="500" fill="hold"/>
+                                        <p:tgtEl>
+                                          <p:spTgt spid="18"/>
+                                        </p:tgtEl>
+                                        <p:attrNameLst>
+                                          <p:attrName>ppt_y</p:attrName>
+                                        </p:attrNameLst>
+                                      </p:cBhvr>
+                                      <p:tavLst>
+                                        <p:tav tm="0">
+                                          <p:val>
+                                            <p:strVal val="#ppt_y-.1"/>
+                                          </p:val>
+                                        </p:tav>
+                                        <p:tav tm="100000">
+                                          <p:val>
+                                            <p:strVal val="#ppt_y"/>
+                                          </p:val>
+                                        </p:tav>
+                                      </p:tavLst>
+                                    </p:anim>
+                                  </p:childTnLst>
+                                </p:cTn>
+                              </p:par>
+                            </p:childTnLst>
+                          </p:cTn>
+                        </p:par>
+                        <p:par>
+                          <p:cTn id="21" fill="hold">
+                            <p:stCondLst>
+                              <p:cond delay="2000"/>
+                            </p:stCondLst>
+                            <p:childTnLst>
+                              <p:par>
+                                <p:cTn id="22" presetID="47" presetClass="entr" presetSubtype="0" fill="hold" nodeType="afterEffect">
+                                  <p:stCondLst>
+                                    <p:cond delay="0"/>
+                                  </p:stCondLst>
+                                  <p:childTnLst>
+                                    <p:set>
+                                      <p:cBhvr>
+                                        <p:cTn id="23" dur="1" fill="hold">
+                                          <p:stCondLst>
+                                            <p:cond delay="0"/>
+                                          </p:stCondLst>
+                                        </p:cTn>
+                                        <p:tgtEl>
+                                          <p:spTgt spid="30"/>
+                                        </p:tgtEl>
+                                        <p:attrNameLst>
+                                          <p:attrName>style.visibility</p:attrName>
+                                        </p:attrNameLst>
+                                      </p:cBhvr>
+                                      <p:to>
+                                        <p:strVal val="visible"/>
+                                      </p:to>
+                                    </p:set>
+                                    <p:animEffect transition="in" filter="fade">
+                                      <p:cBhvr>
+                                        <p:cTn id="24" dur="500"/>
+                                        <p:tgtEl>
+                                          <p:spTgt spid="30"/>
+                                        </p:tgtEl>
+                                      </p:cBhvr>
+                                    </p:animEffect>
+                                    <p:anim calcmode="lin" valueType="num">
+                                      <p:cBhvr>
+                                        <p:cTn id="25" dur="500" fill="hold"/>
+                                        <p:tgtEl>
+                                          <p:spTgt spid="30"/>
+                                        </p:tgtEl>
+                                        <p:attrNameLst>
+                                          <p:attrName>ppt_x</p:attrName>
+                                        </p:attrNameLst>
+                                      </p:cBhvr>
+                                      <p:tavLst>
+                                        <p:tav tm="0">
+                                          <p:val>
+                                            <p:strVal val="#ppt_x"/>
+                                          </p:val>
+                                        </p:tav>
+                                        <p:tav tm="100000">
+                                          <p:val>
+                                            <p:strVal val="#ppt_x"/>
+                                          </p:val>
+                                        </p:tav>
+                                      </p:tavLst>
+                                    </p:anim>
+                                    <p:anim calcmode="lin" valueType="num">
+                                      <p:cBhvr>
+                                        <p:cTn id="26" dur="500" fill="hold"/>
+                                        <p:tgtEl>
+                                          <p:spTgt spid="30"/>
+                                        </p:tgtEl>
+                                        <p:attrNameLst>
+                                          <p:attrName>ppt_y</p:attrName>
+                                        </p:attrNameLst>
+                                      </p:cBhvr>
+                                      <p:tavLst>
+                                        <p:tav tm="0">
+                                          <p:val>
+                                            <p:strVal val="#ppt_y-.1"/>
+                                          </p:val>
+                                        </p:tav>
+                                        <p:tav tm="100000">
+                                          <p:val>
+                                            <p:strVal val="#ppt_y"/>
+                                          </p:val>
+                                        </p:tav>
+                                      </p:tavLst>
+                                    </p:anim>
+                                  </p:childTnLst>
+                                </p:cTn>
+                              </p:par>
+                            </p:childTnLst>
+                          </p:cTn>
+                        </p:par>
+                        <p:par>
+                          <p:cTn id="27" fill="hold">
+                            <p:stCondLst>
+                              <p:cond delay="2500"/>
+                            </p:stCondLst>
+                            <p:childTnLst>
+                              <p:par>
+                                <p:cTn id="28" presetID="47" presetClass="entr" presetSubtype="0" fill="hold" nodeType="afterEffect">
+                                  <p:stCondLst>
+                                    <p:cond delay="0"/>
+                                  </p:stCondLst>
+                                  <p:childTnLst>
+                                    <p:set>
+                                      <p:cBhvr>
+                                        <p:cTn id="29" dur="1" fill="hold">
+                                          <p:stCondLst>
+                                            <p:cond delay="0"/>
+                                          </p:stCondLst>
+                                        </p:cTn>
+                                        <p:tgtEl>
+                                          <p:spTgt spid="22"/>
+                                        </p:tgtEl>
+                                        <p:attrNameLst>
+                                          <p:attrName>style.visibility</p:attrName>
+                                        </p:attrNameLst>
+                                      </p:cBhvr>
+                                      <p:to>
+                                        <p:strVal val="visible"/>
+                                      </p:to>
+                                    </p:set>
+                                    <p:animEffect transition="in" filter="fade">
+                                      <p:cBhvr>
+                                        <p:cTn id="30" dur="500"/>
+                                        <p:tgtEl>
+                                          <p:spTgt spid="22"/>
+                                        </p:tgtEl>
+                                      </p:cBhvr>
+                                    </p:animEffect>
+                                    <p:anim calcmode="lin" valueType="num">
+                                      <p:cBhvr>
+                                        <p:cTn id="31" dur="500" fill="hold"/>
+                                        <p:tgtEl>
+                                          <p:spTgt spid="22"/>
+                                        </p:tgtEl>
+                                        <p:attrNameLst>
+                                          <p:attrName>ppt_x</p:attrName>
+                                        </p:attrNameLst>
+                                      </p:cBhvr>
+                                      <p:tavLst>
+                                        <p:tav tm="0">
+                                          <p:val>
+                                            <p:strVal val="#ppt_x"/>
+                                          </p:val>
+                                        </p:tav>
+                                        <p:tav tm="100000">
+                                          <p:val>
+                                            <p:strVal val="#ppt_x"/>
+                                          </p:val>
+                                        </p:tav>
+                                      </p:tavLst>
+                                    </p:anim>
+                                    <p:anim calcmode="lin" valueType="num">
+                                      <p:cBhvr>
+                                        <p:cTn id="32" dur="500" fill="hold"/>
+                                        <p:tgtEl>
+                                          <p:spTgt spid="22"/>
+                                        </p:tgtEl>
+                                        <p:attrNameLst>
+                                          <p:attrName>ppt_y</p:attrName>
+                                        </p:attrNameLst>
+                                      </p:cBhvr>
+                                      <p:tavLst>
+                                        <p:tav tm="0">
+                                          <p:val>
+                                            <p:strVal val="#ppt_y-.1"/>
+                                          </p:val>
+                                        </p:tav>
+                                        <p:tav tm="100000">
+                                          <p:val>
+                                            <p:strVal val="#ppt_y"/>
+                                          </p:val>
+                                        </p:tav>
+                                      </p:tavLst>
+                                    </p:anim>
+                                  </p:childTnLst>
+                                </p:cTn>
+                              </p:par>
+                            </p:childTnLst>
+                          </p:cTn>
+                        </p:par>
+                        <p:par>
+                          <p:cTn id="33" fill="hold">
+                            <p:stCondLst>
+                              <p:cond delay="3000"/>
+                            </p:stCondLst>
+                            <p:childTnLst>
+                              <p:par>
+                                <p:cTn id="34" presetID="37" presetClass="path" presetSubtype="0" accel="50000" decel="50000" fill="hold" grpId="0" nodeType="afterEffect">
+                                  <p:stCondLst>
+                                    <p:cond delay="0"/>
+                                  </p:stCondLst>
+                                  <p:childTnLst>
+                                    <p:animMotion origin="layout" path="M -1.04167E-6 -3.7037E-7 L 0.02474 0.13426 C 0.02982 0.16458 0.03763 0.18102 0.0457 0.18102 C 0.05495 0.18102 0.06237 0.16458 0.06745 0.13426 L 0.09232 -3.7037E-7 " pathEditMode="relative" rAng="0" ptsTypes="AAAAA">
+                                      <p:cBhvr>
+                                        <p:cTn id="35" dur="1000" fill="hold"/>
+                                        <p:tgtEl>
+                                          <p:spTgt spid="6"/>
+                                        </p:tgtEl>
+                                        <p:attrNameLst>
+                                          <p:attrName>ppt_x</p:attrName>
+                                          <p:attrName>ppt_y</p:attrName>
+                                        </p:attrNameLst>
+                                      </p:cBhvr>
+                                      <p:rCtr x="4609" y="9051"/>
+                                    </p:animMotion>
+                                  </p:childTnLst>
+                                </p:cTn>
+                              </p:par>
+                              <p:par>
+                                <p:cTn id="36" presetID="37" presetClass="path" presetSubtype="0" accel="50000" decel="50000" fill="hold" grpId="0" nodeType="withEffect">
+                                  <p:stCondLst>
+                                    <p:cond delay="0"/>
+                                  </p:stCondLst>
+                                  <p:childTnLst>
+                                    <p:animMotion origin="layout" path="M 0.00052 -3.7037E-7 L -0.02435 0.13426 C -0.02956 0.16458 -0.03724 0.18102 -0.04544 0.18102 C -0.05469 0.18102 -0.06198 0.16458 -0.06719 0.13426 L -0.09193 -3.7037E-7 " pathEditMode="relative" rAng="0" ptsTypes="AAAAA">
+                                      <p:cBhvr>
+                                        <p:cTn id="37" dur="1000" fill="hold"/>
+                                        <p:tgtEl>
+                                          <p:spTgt spid="7"/>
+                                        </p:tgtEl>
+                                        <p:attrNameLst>
+                                          <p:attrName>ppt_x</p:attrName>
+                                          <p:attrName>ppt_y</p:attrName>
+                                        </p:attrNameLst>
+                                      </p:cBhvr>
+                                      <p:rCtr x="-4622" y="9051"/>
+                                    </p:animMotion>
+                                  </p:childTnLst>
+                                </p:cTn>
+                              </p:par>
+                            </p:childTnLst>
+                          </p:cTn>
+                        </p:par>
+                        <p:par>
+                          <p:cTn id="38" fill="hold">
+                            <p:stCondLst>
+                              <p:cond delay="4000"/>
+                            </p:stCondLst>
+                            <p:childTnLst>
+                              <p:par>
+                                <p:cTn id="39" presetID="47" presetClass="entr" presetSubtype="0" fill="hold" nodeType="afterEffect">
+                                  <p:stCondLst>
+                                    <p:cond delay="0"/>
+                                  </p:stCondLst>
+                                  <p:childTnLst>
+                                    <p:set>
+                                      <p:cBhvr>
+                                        <p:cTn id="40" dur="1" fill="hold">
+                                          <p:stCondLst>
+                                            <p:cond delay="0"/>
+                                          </p:stCondLst>
+                                        </p:cTn>
+                                        <p:tgtEl>
+                                          <p:spTgt spid="26"/>
+                                        </p:tgtEl>
+                                        <p:attrNameLst>
+                                          <p:attrName>style.visibility</p:attrName>
+                                        </p:attrNameLst>
+                                      </p:cBhvr>
+                                      <p:to>
+                                        <p:strVal val="visible"/>
+                                      </p:to>
+                                    </p:set>
+                                    <p:animEffect transition="in" filter="fade">
+                                      <p:cBhvr>
+                                        <p:cTn id="41" dur="500"/>
+                                        <p:tgtEl>
+                                          <p:spTgt spid="26"/>
+                                        </p:tgtEl>
+                                      </p:cBhvr>
+                                    </p:animEffect>
+                                    <p:anim calcmode="lin" valueType="num">
+                                      <p:cBhvr>
+                                        <p:cTn id="42" dur="500" fill="hold"/>
+                                        <p:tgtEl>
+                                          <p:spTgt spid="26"/>
+                                        </p:tgtEl>
+                                        <p:attrNameLst>
+                                          <p:attrName>ppt_x</p:attrName>
+                                        </p:attrNameLst>
+                                      </p:cBhvr>
+                                      <p:tavLst>
+                                        <p:tav tm="0">
+                                          <p:val>
+                                            <p:strVal val="#ppt_x"/>
+                                          </p:val>
+                                        </p:tav>
+                                        <p:tav tm="100000">
+                                          <p:val>
+                                            <p:strVal val="#ppt_x"/>
+                                          </p:val>
+                                        </p:tav>
+                                      </p:tavLst>
+                                    </p:anim>
+                                    <p:anim calcmode="lin" valueType="num">
+                                      <p:cBhvr>
+                                        <p:cTn id="43" dur="500" fill="hold"/>
+                                        <p:tgtEl>
+                                          <p:spTgt spid="26"/>
+                                        </p:tgtEl>
+                                        <p:attrNameLst>
+                                          <p:attrName>ppt_y</p:attrName>
+                                        </p:attrNameLst>
+                                      </p:cBhvr>
+                                      <p:tavLst>
+                                        <p:tav tm="0">
+                                          <p:val>
+                                            <p:strVal val="#ppt_y-.1"/>
+                                          </p:val>
+                                        </p:tav>
+                                        <p:tav tm="100000">
+                                          <p:val>
+                                            <p:strVal val="#ppt_y"/>
+                                          </p:val>
+                                        </p:tav>
+                                      </p:tavLst>
+                                    </p:anim>
+                                  </p:childTnLst>
+                                </p:cTn>
+                              </p:par>
+                            </p:childTnLst>
+                          </p:cTn>
+                        </p:par>
+                        <p:par>
+                          <p:cTn id="44" fill="hold">
+                            <p:stCondLst>
+                              <p:cond delay="4500"/>
+                            </p:stCondLst>
+                            <p:childTnLst>
+                              <p:par>
+                                <p:cTn id="45" presetID="47" presetClass="entr" presetSubtype="0" fill="hold" nodeType="afterEffect">
+                                  <p:stCondLst>
+                                    <p:cond delay="0"/>
+                                  </p:stCondLst>
+                                  <p:childTnLst>
+                                    <p:set>
+                                      <p:cBhvr>
+                                        <p:cTn id="46" dur="1" fill="hold">
+                                          <p:stCondLst>
+                                            <p:cond delay="0"/>
+                                          </p:stCondLst>
+                                        </p:cTn>
+                                        <p:tgtEl>
+                                          <p:spTgt spid="39"/>
+                                        </p:tgtEl>
+                                        <p:attrNameLst>
+                                          <p:attrName>style.visibility</p:attrName>
+                                        </p:attrNameLst>
+                                      </p:cBhvr>
+                                      <p:to>
+                                        <p:strVal val="visible"/>
+                                      </p:to>
+                                    </p:set>
+                                    <p:animEffect transition="in" filter="fade">
+                                      <p:cBhvr>
+                                        <p:cTn id="47" dur="500"/>
+                                        <p:tgtEl>
+                                          <p:spTgt spid="39"/>
+                                        </p:tgtEl>
+                                      </p:cBhvr>
+                                    </p:animEffect>
+                                    <p:anim calcmode="lin" valueType="num">
+                                      <p:cBhvr>
+                                        <p:cTn id="48" dur="500" fill="hold"/>
+                                        <p:tgtEl>
+                                          <p:spTgt spid="39"/>
+                                        </p:tgtEl>
+                                        <p:attrNameLst>
+                                          <p:attrName>ppt_x</p:attrName>
+                                        </p:attrNameLst>
+                                      </p:cBhvr>
+                                      <p:tavLst>
+                                        <p:tav tm="0">
+                                          <p:val>
+                                            <p:strVal val="#ppt_x"/>
+                                          </p:val>
+                                        </p:tav>
+                                        <p:tav tm="100000">
+                                          <p:val>
+                                            <p:strVal val="#ppt_x"/>
+                                          </p:val>
+                                        </p:tav>
+                                      </p:tavLst>
+                                    </p:anim>
+                                    <p:anim calcmode="lin" valueType="num">
+                                      <p:cBhvr>
+                                        <p:cTn id="49" dur="500" fill="hold"/>
+                                        <p:tgtEl>
+                                          <p:spTgt spid="39"/>
+                                        </p:tgtEl>
+                                        <p:attrNameLst>
+                                          <p:attrName>ppt_y</p:attrName>
+                                        </p:attrNameLst>
+                                      </p:cBhvr>
+                                      <p:tavLst>
+                                        <p:tav tm="0">
+                                          <p:val>
+                                            <p:strVal val="#ppt_y-.1"/>
+                                          </p:val>
+                                        </p:tav>
+                                        <p:tav tm="100000">
+                                          <p:val>
+                                            <p:strVal val="#ppt_y"/>
+                                          </p:val>
+                                        </p:tav>
+                                      </p:tavLst>
+                                    </p:anim>
+                                  </p:childTnLst>
+                                </p:cTn>
+                              </p:par>
+                            </p:childTnLst>
+                          </p:cTn>
+                        </p:par>
+                        <p:par>
+                          <p:cTn id="50" fill="hold">
+                            <p:stCondLst>
+                              <p:cond delay="5000"/>
+                            </p:stCondLst>
+                            <p:childTnLst>
+                              <p:par>
+                                <p:cTn id="51" presetID="0" presetClass="path" presetSubtype="0" accel="50000" decel="50000" fill="hold" grpId="0" nodeType="afterEffect">
+                                  <p:stCondLst>
+                                    <p:cond delay="0"/>
+                                  </p:stCondLst>
+                                  <p:childTnLst>
+                                    <p:animMotion origin="layout" path="M -4.79167E-6 -3.7037E-7 L -0.18684 -0.20694 " pathEditMode="relative" rAng="0" ptsTypes="AA">
+                                      <p:cBhvr>
+                                        <p:cTn id="52" dur="500" fill="hold"/>
+                                        <p:tgtEl>
+                                          <p:spTgt spid="8"/>
+                                        </p:tgtEl>
+                                        <p:attrNameLst>
+                                          <p:attrName>ppt_x</p:attrName>
+                                          <p:attrName>ppt_y</p:attrName>
+                                        </p:attrNameLst>
+                                      </p:cBhvr>
+                                      <p:rCtr x="-9349" y="-10347"/>
+                                    </p:animMotion>
+                                  </p:childTnLst>
+                                </p:cTn>
+                              </p:par>
+                            </p:childTnLst>
+                          </p:cTn>
+                        </p:par>
+                        <p:par>
+                          <p:cTn id="53" fill="hold">
+                            <p:stCondLst>
+                              <p:cond delay="5500"/>
+                            </p:stCondLst>
+                            <p:childTnLst>
+                              <p:par>
+                                <p:cTn id="54" presetID="0" presetClass="path" presetSubtype="0" accel="50000" decel="50000" fill="hold" grpId="0" nodeType="afterEffect">
+                                  <p:stCondLst>
+                                    <p:cond delay="0"/>
+                                  </p:stCondLst>
+                                  <p:childTnLst>
+                                    <p:animMotion origin="layout" path="M 0 0 L -0.18359 -0.20903 " pathEditMode="relative" ptsTypes="AA">
+                                      <p:cBhvr>
+                                        <p:cTn id="55" dur="500" fill="hold"/>
+                                        <p:tgtEl>
+                                          <p:spTgt spid="9"/>
+                                        </p:tgtEl>
+                                        <p:attrNameLst>
+                                          <p:attrName>ppt_x</p:attrName>
+                                          <p:attrName>ppt_y</p:attrName>
+                                        </p:attrNameLst>
+                                      </p:cBhvr>
+                                    </p:animMotion>
+                                  </p:childTnLst>
+                                </p:cTn>
+                              </p:par>
+                            </p:childTnLst>
+                          </p:cTn>
+                        </p:par>
+                        <p:par>
+                          <p:cTn id="56" fill="hold">
+                            <p:stCondLst>
+                              <p:cond delay="6000"/>
+                            </p:stCondLst>
+                            <p:childTnLst>
+                              <p:par>
+                                <p:cTn id="57" presetID="0" presetClass="path" presetSubtype="0" accel="50000" decel="50000" fill="hold" grpId="1" nodeType="afterEffect">
+                                  <p:stCondLst>
+                                    <p:cond delay="0"/>
+                                  </p:stCondLst>
+                                  <p:childTnLst>
+                                    <p:animMotion origin="layout" path="M -0.09193 2.96296E-6 L 0.09518 -0.20903 " pathEditMode="relative" rAng="0" ptsTypes="AA">
+                                      <p:cBhvr>
+                                        <p:cTn id="58" dur="500" fill="hold"/>
+                                        <p:tgtEl>
+                                          <p:spTgt spid="7"/>
+                                        </p:tgtEl>
+                                        <p:attrNameLst>
+                                          <p:attrName>ppt_x</p:attrName>
+                                          <p:attrName>ppt_y</p:attrName>
+                                        </p:attrNameLst>
+                                      </p:cBhvr>
+                                      <p:rCtr x="9375" y="-10347"/>
+                                    </p:animMotion>
+                                  </p:childTnLst>
+                                </p:cTn>
+                              </p:par>
+                            </p:childTnLst>
+                          </p:cTn>
+                        </p:par>
+                        <p:par>
+                          <p:cTn id="59" fill="hold">
+                            <p:stCondLst>
+                              <p:cond delay="6500"/>
+                            </p:stCondLst>
+                            <p:childTnLst>
+                              <p:par>
+                                <p:cTn id="60" presetID="0" presetClass="path" presetSubtype="0" accel="50000" decel="50000" fill="hold" grpId="1" nodeType="afterEffect">
+                                  <p:stCondLst>
+                                    <p:cond delay="0"/>
+                                  </p:stCondLst>
+                                  <p:childTnLst>
+                                    <p:animMotion origin="layout" path="M 0.09232 2.96296E-6 L 0.27422 -0.20301 " pathEditMode="relative" rAng="0" ptsTypes="AA">
+                                      <p:cBhvr>
+                                        <p:cTn id="61" dur="500" fill="hold"/>
+                                        <p:tgtEl>
+                                          <p:spTgt spid="6"/>
+                                        </p:tgtEl>
+                                        <p:attrNameLst>
+                                          <p:attrName>ppt_x</p:attrName>
+                                          <p:attrName>ppt_y</p:attrName>
+                                        </p:attrNameLst>
+                                      </p:cBhvr>
+                                      <p:rCtr x="9518" y="-10046"/>
+                                    </p:animMotion>
+                                  </p:childTnLst>
+                                </p:cTn>
+                              </p:par>
+                            </p:childTnLst>
+                          </p:cTn>
+                        </p:par>
+                        <p:par>
+                          <p:cTn id="62" fill="hold">
+                            <p:stCondLst>
+                              <p:cond delay="7000"/>
+                            </p:stCondLst>
+                            <p:childTnLst>
+                              <p:par>
+                                <p:cTn id="63" presetID="42" presetClass="path" presetSubtype="0" accel="50000" decel="50000" fill="hold" grpId="1" nodeType="afterEffect">
+                                  <p:stCondLst>
+                                    <p:cond delay="0"/>
+                                  </p:stCondLst>
+                                  <p:childTnLst>
+                                    <p:animMotion origin="layout" path="M -0.18684 -0.20694 L -0.18359 -3.7037E-7 " pathEditMode="relative" rAng="0" ptsTypes="AA">
+                                      <p:cBhvr>
+                                        <p:cTn id="64" dur="500" fill="hold"/>
+                                        <p:tgtEl>
+                                          <p:spTgt spid="8"/>
+                                        </p:tgtEl>
+                                        <p:attrNameLst>
+                                          <p:attrName>ppt_x</p:attrName>
+                                          <p:attrName>ppt_y</p:attrName>
+                                        </p:attrNameLst>
+                                      </p:cBhvr>
+                                      <p:rCtr x="156" y="10347"/>
+                                    </p:animMotion>
+                                  </p:childTnLst>
+                                </p:cTn>
+                              </p:par>
+                              <p:par>
+                                <p:cTn id="65" presetID="42" presetClass="path" presetSubtype="0" accel="50000" decel="50000" fill="hold" grpId="1" nodeType="withEffect">
+                                  <p:stCondLst>
+                                    <p:cond delay="0"/>
+                                  </p:stCondLst>
+                                  <p:childTnLst>
+                                    <p:animMotion origin="layout" path="M -0.18359 -0.20903 L -0.18307 -3.7037E-6 " pathEditMode="relative" rAng="0" ptsTypes="AA">
+                                      <p:cBhvr>
+                                        <p:cTn id="66" dur="500" fill="hold"/>
+                                        <p:tgtEl>
+                                          <p:spTgt spid="9"/>
+                                        </p:tgtEl>
+                                        <p:attrNameLst>
+                                          <p:attrName>ppt_x</p:attrName>
+                                          <p:attrName>ppt_y</p:attrName>
+                                        </p:attrNameLst>
+                                      </p:cBhvr>
+                                      <p:rCtr x="-404" y="10231"/>
+                                    </p:animMotion>
+                                  </p:childTnLst>
+                                </p:cTn>
+                              </p:par>
+                              <p:par>
+                                <p:cTn id="67" presetID="42" presetClass="path" presetSubtype="0" accel="50000" decel="50000" fill="hold" grpId="2" nodeType="withEffect">
+                                  <p:stCondLst>
+                                    <p:cond delay="0"/>
+                                  </p:stCondLst>
+                                  <p:childTnLst>
+                                    <p:animMotion origin="layout" path="M 0.09518 -0.20903 L 0.0918 -3.7037E-7 " pathEditMode="relative" rAng="0" ptsTypes="AA">
+                                      <p:cBhvr>
+                                        <p:cTn id="68" dur="500" fill="hold"/>
+                                        <p:tgtEl>
+                                          <p:spTgt spid="7"/>
+                                        </p:tgtEl>
+                                        <p:attrNameLst>
+                                          <p:attrName>ppt_x</p:attrName>
+                                          <p:attrName>ppt_y</p:attrName>
+                                        </p:attrNameLst>
+                                      </p:cBhvr>
+                                      <p:rCtr x="-52" y="10139"/>
+                                    </p:animMotion>
+                                  </p:childTnLst>
+                                </p:cTn>
+                              </p:par>
+                              <p:par>
+                                <p:cTn id="69" presetID="42" presetClass="path" presetSubtype="0" accel="50000" decel="50000" fill="hold" grpId="2" nodeType="withEffect">
+                                  <p:stCondLst>
+                                    <p:cond delay="0"/>
+                                  </p:stCondLst>
+                                  <p:childTnLst>
+                                    <p:animMotion origin="layout" path="M 0.27422 -0.20301 L 0.27539 -3.7037E-6 " pathEditMode="relative" rAng="0" ptsTypes="AA">
+                                      <p:cBhvr>
+                                        <p:cTn id="70" dur="500" fill="hold"/>
+                                        <p:tgtEl>
+                                          <p:spTgt spid="6"/>
+                                        </p:tgtEl>
+                                        <p:attrNameLst>
+                                          <p:attrName>ppt_x</p:attrName>
+                                          <p:attrName>ppt_y</p:attrName>
+                                        </p:attrNameLst>
+                                      </p:cBhvr>
+                                      <p:rCtr x="-208" y="9931"/>
+                                    </p:animMotion>
+                                  </p:childTnLst>
+                                </p:cTn>
+                              </p:par>
+                            </p:childTnLst>
+                          </p:cTn>
+                        </p:par>
+                        <p:par>
+                          <p:cTn id="71" fill="hold">
+                            <p:stCondLst>
+                              <p:cond delay="7500"/>
+                            </p:stCondLst>
+                            <p:childTnLst>
+                              <p:par>
+                                <p:cTn id="72" presetID="47" presetClass="entr" presetSubtype="0" fill="hold" nodeType="afterEffect">
+                                  <p:stCondLst>
+                                    <p:cond delay="0"/>
+                                  </p:stCondLst>
+                                  <p:childTnLst>
+                                    <p:set>
+                                      <p:cBhvr>
+                                        <p:cTn id="73" dur="1" fill="hold">
+                                          <p:stCondLst>
+                                            <p:cond delay="0"/>
+                                          </p:stCondLst>
+                                        </p:cTn>
+                                        <p:tgtEl>
+                                          <p:spTgt spid="51"/>
+                                        </p:tgtEl>
+                                        <p:attrNameLst>
+                                          <p:attrName>style.visibility</p:attrName>
+                                        </p:attrNameLst>
+                                      </p:cBhvr>
+                                      <p:to>
+                                        <p:strVal val="visible"/>
+                                      </p:to>
+                                    </p:set>
+                                    <p:animEffect transition="in" filter="fade">
+                                      <p:cBhvr>
+                                        <p:cTn id="74" dur="500"/>
+                                        <p:tgtEl>
+                                          <p:spTgt spid="51"/>
+                                        </p:tgtEl>
+                                      </p:cBhvr>
+                                    </p:animEffect>
+                                    <p:anim calcmode="lin" valueType="num">
+                                      <p:cBhvr>
+                                        <p:cTn id="75" dur="500" fill="hold"/>
+                                        <p:tgtEl>
+                                          <p:spTgt spid="51"/>
+                                        </p:tgtEl>
+                                        <p:attrNameLst>
+                                          <p:attrName>ppt_x</p:attrName>
+                                        </p:attrNameLst>
+                                      </p:cBhvr>
+                                      <p:tavLst>
+                                        <p:tav tm="0">
+                                          <p:val>
+                                            <p:strVal val="#ppt_x"/>
+                                          </p:val>
+                                        </p:tav>
+                                        <p:tav tm="100000">
+                                          <p:val>
+                                            <p:strVal val="#ppt_x"/>
+                                          </p:val>
+                                        </p:tav>
+                                      </p:tavLst>
+                                    </p:anim>
+                                    <p:anim calcmode="lin" valueType="num">
+                                      <p:cBhvr>
+                                        <p:cTn id="76" dur="500" fill="hold"/>
+                                        <p:tgtEl>
+                                          <p:spTgt spid="51"/>
+                                        </p:tgtEl>
+                                        <p:attrNameLst>
+                                          <p:attrName>ppt_y</p:attrName>
+                                        </p:attrNameLst>
+                                      </p:cBhvr>
+                                      <p:tavLst>
+                                        <p:tav tm="0">
+                                          <p:val>
+                                            <p:strVal val="#ppt_y-.1"/>
+                                          </p:val>
+                                        </p:tav>
+                                        <p:tav tm="100000">
+                                          <p:val>
+                                            <p:strVal val="#ppt_y"/>
+                                          </p:val>
+                                        </p:tav>
+                                      </p:tavLst>
+                                    </p:anim>
+                                  </p:childTnLst>
+                                </p:cTn>
+                              </p:par>
+                            </p:childTnLst>
+                          </p:cTn>
+                        </p:par>
+                        <p:par>
+                          <p:cTn id="77" fill="hold">
+                            <p:stCondLst>
+                              <p:cond delay="8000"/>
+                            </p:stCondLst>
+                            <p:childTnLst>
+                              <p:par>
+                                <p:cTn id="78" presetID="0" presetClass="path" presetSubtype="0" accel="50000" decel="50000" fill="hold" grpId="2" nodeType="afterEffect">
+                                  <p:stCondLst>
+                                    <p:cond delay="0"/>
+                                  </p:stCondLst>
+                                  <p:childTnLst>
+                                    <p:animMotion origin="layout" path="M -0.18372 -3.7037E-7 L -0.54843 -0.19861 " pathEditMode="relative" rAng="0" ptsTypes="AA">
+                                      <p:cBhvr>
+                                        <p:cTn id="79" dur="500" fill="hold"/>
+                                        <p:tgtEl>
+                                          <p:spTgt spid="8"/>
+                                        </p:tgtEl>
+                                        <p:attrNameLst>
+                                          <p:attrName>ppt_x</p:attrName>
+                                          <p:attrName>ppt_y</p:attrName>
+                                        </p:attrNameLst>
+                                      </p:cBhvr>
+                                      <p:rCtr x="-18242" y="-9931"/>
+                                    </p:animMotion>
+                                  </p:childTnLst>
+                                </p:cTn>
+                              </p:par>
+                            </p:childTnLst>
+                          </p:cTn>
+                        </p:par>
+                        <p:par>
+                          <p:cTn id="80" fill="hold">
+                            <p:stCondLst>
+                              <p:cond delay="8500"/>
+                            </p:stCondLst>
+                            <p:childTnLst>
+                              <p:par>
+                                <p:cTn id="81" presetID="0" presetClass="path" presetSubtype="0" accel="50000" decel="50000" fill="hold" grpId="1" nodeType="afterEffect">
+                                  <p:stCondLst>
+                                    <p:cond delay="0"/>
+                                  </p:stCondLst>
+                                  <p:childTnLst>
+                                    <p:animMotion origin="layout" path="M -0.08893 -1.48148E-6 L -0.00208 -0.2 " pathEditMode="relative" rAng="0" ptsTypes="AA">
+                                      <p:cBhvr>
+                                        <p:cTn id="82" dur="500" fill="hold"/>
+                                        <p:tgtEl>
+                                          <p:spTgt spid="3"/>
+                                        </p:tgtEl>
+                                        <p:attrNameLst>
+                                          <p:attrName>ppt_x</p:attrName>
+                                          <p:attrName>ppt_y</p:attrName>
+                                        </p:attrNameLst>
+                                      </p:cBhvr>
+                                      <p:rCtr x="4362" y="-9931"/>
+                                    </p:animMotion>
+                                  </p:childTnLst>
+                                </p:cTn>
+                              </p:par>
+                            </p:childTnLst>
+                          </p:cTn>
+                        </p:par>
+                        <p:par>
+                          <p:cTn id="83" fill="hold">
+                            <p:stCondLst>
+                              <p:cond delay="9000"/>
+                            </p:stCondLst>
+                            <p:childTnLst>
+                              <p:par>
+                                <p:cTn id="84" presetID="0" presetClass="path" presetSubtype="0" accel="50000" decel="50000" fill="hold" grpId="1" nodeType="afterEffect">
+                                  <p:stCondLst>
+                                    <p:cond delay="0"/>
+                                  </p:stCondLst>
+                                  <p:childTnLst>
+                                    <p:animMotion origin="layout" path="M 0.09232 -1.85185E-6 L 0.18217 -0.20532 " pathEditMode="relative" rAng="0" ptsTypes="AA">
+                                      <p:cBhvr>
+                                        <p:cTn id="85" dur="500" fill="hold"/>
+                                        <p:tgtEl>
+                                          <p:spTgt spid="2"/>
+                                        </p:tgtEl>
+                                        <p:attrNameLst>
+                                          <p:attrName>ppt_x</p:attrName>
+                                          <p:attrName>ppt_y</p:attrName>
+                                        </p:attrNameLst>
+                                      </p:cBhvr>
+                                      <p:rCtr x="4779" y="-10278"/>
+                                    </p:animMotion>
+                                  </p:childTnLst>
+                                </p:cTn>
+                              </p:par>
+                            </p:childTnLst>
+                          </p:cTn>
+                        </p:par>
+                        <p:par>
+                          <p:cTn id="86" fill="hold">
+                            <p:stCondLst>
+                              <p:cond delay="9500"/>
+                            </p:stCondLst>
+                            <p:childTnLst>
+                              <p:par>
+                                <p:cTn id="87" presetID="64" presetClass="path" presetSubtype="0" accel="50000" decel="50000" fill="hold" grpId="0" nodeType="afterEffect">
+                                  <p:stCondLst>
+                                    <p:cond delay="0"/>
+                                  </p:stCondLst>
+                                  <p:childTnLst>
+                                    <p:animMotion origin="layout" path="M 2.70833E-6 -3.7037E-7 L 0.09179 -0.2 " pathEditMode="relative" rAng="0" ptsTypes="AA">
+                                      <p:cBhvr>
+                                        <p:cTn id="88" dur="500" fill="hold"/>
+                                        <p:tgtEl>
+                                          <p:spTgt spid="4"/>
+                                        </p:tgtEl>
+                                        <p:attrNameLst>
+                                          <p:attrName>ppt_x</p:attrName>
+                                          <p:attrName>ppt_y</p:attrName>
+                                        </p:attrNameLst>
+                                      </p:cBhvr>
+                                      <p:rCtr x="4583" y="-10000"/>
+                                    </p:animMotion>
+                                  </p:childTnLst>
+                                </p:cTn>
+                              </p:par>
+                            </p:childTnLst>
+                          </p:cTn>
+                        </p:par>
+                        <p:par>
+                          <p:cTn id="89" fill="hold">
+                            <p:stCondLst>
+                              <p:cond delay="10000"/>
+                            </p:stCondLst>
+                            <p:childTnLst>
+                              <p:par>
+                                <p:cTn id="90" presetID="0" presetClass="path" presetSubtype="0" accel="50000" decel="50000" fill="hold" grpId="2" nodeType="afterEffect">
+                                  <p:stCondLst>
+                                    <p:cond delay="0"/>
+                                  </p:stCondLst>
+                                  <p:childTnLst>
+                                    <p:animMotion origin="layout" path="M -0.18307 -1.85185E-6 L -0.27851 -0.19884 " pathEditMode="relative" rAng="0" ptsTypes="AA">
+                                      <p:cBhvr>
+                                        <p:cTn id="91" dur="500" fill="hold"/>
+                                        <p:tgtEl>
+                                          <p:spTgt spid="9"/>
+                                        </p:tgtEl>
+                                        <p:attrNameLst>
+                                          <p:attrName>ppt_x</p:attrName>
+                                          <p:attrName>ppt_y</p:attrName>
+                                        </p:attrNameLst>
+                                      </p:cBhvr>
+                                      <p:rCtr x="-5091" y="-9954"/>
+                                    </p:animMotion>
+                                  </p:childTnLst>
+                                </p:cTn>
+                              </p:par>
+                            </p:childTnLst>
+                          </p:cTn>
+                        </p:par>
+                        <p:par>
+                          <p:cTn id="92" fill="hold">
+                            <p:stCondLst>
+                              <p:cond delay="10500"/>
+                            </p:stCondLst>
+                            <p:childTnLst>
+                              <p:par>
+                                <p:cTn id="93" presetID="0" presetClass="path" presetSubtype="0" accel="50000" decel="50000" fill="hold" grpId="3" nodeType="afterEffect">
+                                  <p:stCondLst>
+                                    <p:cond delay="0"/>
+                                  </p:stCondLst>
+                                  <p:childTnLst>
+                                    <p:animMotion origin="layout" path="M 0.0918 -1.85185E-6 L -0.00117 -0.20116 " pathEditMode="relative" rAng="0" ptsTypes="AA">
+                                      <p:cBhvr>
+                                        <p:cTn id="94" dur="500" fill="hold"/>
+                                        <p:tgtEl>
+                                          <p:spTgt spid="7"/>
+                                        </p:tgtEl>
+                                        <p:attrNameLst>
+                                          <p:attrName>ppt_x</p:attrName>
+                                          <p:attrName>ppt_y</p:attrName>
+                                        </p:attrNameLst>
+                                      </p:cBhvr>
+                                      <p:rCtr x="-4766" y="-10069"/>
+                                    </p:animMotion>
+                                  </p:childTnLst>
+                                </p:cTn>
+                              </p:par>
+                            </p:childTnLst>
+                          </p:cTn>
+                        </p:par>
+                        <p:par>
+                          <p:cTn id="95" fill="hold">
+                            <p:stCondLst>
+                              <p:cond delay="11000"/>
+                            </p:stCondLst>
+                            <p:childTnLst>
+                              <p:par>
+                                <p:cTn id="96" presetID="0" presetClass="path" presetSubtype="0" accel="50000" decel="50000" fill="hold" grpId="0" nodeType="afterEffect">
+                                  <p:stCondLst>
+                                    <p:cond delay="0"/>
+                                  </p:stCondLst>
+                                  <p:childTnLst>
+                                    <p:animMotion origin="layout" path="M 0 0 L 0.27735 -0.19676 " pathEditMode="relative" ptsTypes="AA">
+                                      <p:cBhvr>
+                                        <p:cTn id="97" dur="500" fill="hold"/>
+                                        <p:tgtEl>
+                                          <p:spTgt spid="5"/>
+                                        </p:tgtEl>
+                                        <p:attrNameLst>
+                                          <p:attrName>ppt_x</p:attrName>
+                                          <p:attrName>ppt_y</p:attrName>
+                                        </p:attrNameLst>
+                                      </p:cBhvr>
+                                    </p:animMotion>
+                                  </p:childTnLst>
+                                </p:cTn>
+                              </p:par>
+                            </p:childTnLst>
+                          </p:cTn>
+                        </p:par>
+                        <p:par>
+                          <p:cTn id="98" fill="hold">
+                            <p:stCondLst>
+                              <p:cond delay="11500"/>
+                            </p:stCondLst>
+                            <p:childTnLst>
+                              <p:par>
+                                <p:cTn id="99" presetID="0" presetClass="path" presetSubtype="0" accel="50000" decel="50000" fill="hold" grpId="3" nodeType="afterEffect">
+                                  <p:stCondLst>
+                                    <p:cond delay="0"/>
+                                  </p:stCondLst>
+                                  <p:childTnLst>
+                                    <p:animMotion origin="layout" path="M 0.27539 1.85185E-6 L 0.27266 -0.19468 " pathEditMode="relative" rAng="0" ptsTypes="AA">
+                                      <p:cBhvr>
+                                        <p:cTn id="100" dur="500" fill="hold"/>
+                                        <p:tgtEl>
+                                          <p:spTgt spid="6"/>
+                                        </p:tgtEl>
+                                        <p:attrNameLst>
+                                          <p:attrName>ppt_x</p:attrName>
+                                          <p:attrName>ppt_y</p:attrName>
+                                        </p:attrNameLst>
+                                      </p:cBhvr>
+                                      <p:rCtr x="-625" y="-9884"/>
+                                    </p:animMotion>
+                                  </p:childTnLst>
+                                </p:cTn>
+                              </p:par>
+                            </p:childTnLst>
+                          </p:cTn>
+                        </p:par>
+                        <p:par>
+                          <p:cTn id="101" fill="hold">
+                            <p:stCondLst>
+                              <p:cond delay="12000"/>
+                            </p:stCondLst>
+                            <p:childTnLst>
+                              <p:par>
+                                <p:cTn id="102" presetID="42" presetClass="path" presetSubtype="0" accel="50000" decel="50000" fill="hold" grpId="2" nodeType="afterEffect">
+                                  <p:stCondLst>
+                                    <p:cond delay="0"/>
+                                  </p:stCondLst>
+                                  <p:childTnLst>
+                                    <p:animMotion origin="layout" path="M 0.18217 -0.20532 L 0.18359 -4.81481E-6 " pathEditMode="relative" rAng="0" ptsTypes="AA">
+                                      <p:cBhvr>
+                                        <p:cTn id="103" dur="500" fill="hold"/>
+                                        <p:tgtEl>
+                                          <p:spTgt spid="2"/>
+                                        </p:tgtEl>
+                                        <p:attrNameLst>
+                                          <p:attrName>ppt_x</p:attrName>
+                                          <p:attrName>ppt_y</p:attrName>
+                                        </p:attrNameLst>
+                                      </p:cBhvr>
+                                      <p:rCtr x="182" y="10301"/>
+                                    </p:animMotion>
+                                  </p:childTnLst>
+                                </p:cTn>
+                              </p:par>
+                              <p:par>
+                                <p:cTn id="104" presetID="42" presetClass="path" presetSubtype="0" accel="50000" decel="50000" fill="hold" grpId="2" nodeType="withEffect">
+                                  <p:stCondLst>
+                                    <p:cond delay="0"/>
+                                  </p:stCondLst>
+                                  <p:childTnLst>
+                                    <p:animMotion origin="layout" path="M -0.00209 -0.2 L -4.16667E-7 -3.7037E-7 " pathEditMode="relative" rAng="0" ptsTypes="AA">
+                                      <p:cBhvr>
+                                        <p:cTn id="105" dur="500" fill="hold"/>
+                                        <p:tgtEl>
+                                          <p:spTgt spid="3"/>
+                                        </p:tgtEl>
+                                        <p:attrNameLst>
+                                          <p:attrName>ppt_x</p:attrName>
+                                          <p:attrName>ppt_y</p:attrName>
+                                        </p:attrNameLst>
+                                      </p:cBhvr>
+                                      <p:rCtr x="260" y="9931"/>
+                                    </p:animMotion>
+                                  </p:childTnLst>
+                                </p:cTn>
+                              </p:par>
+                              <p:par>
+                                <p:cTn id="106" presetID="42" presetClass="path" presetSubtype="0" accel="50000" decel="50000" fill="hold" grpId="4" nodeType="withEffect">
+                                  <p:stCondLst>
+                                    <p:cond delay="0"/>
+                                  </p:stCondLst>
+                                  <p:childTnLst>
+                                    <p:animMotion origin="layout" path="M 0.27422 -0.20301 L 0.27539 1.85185E-6 " pathEditMode="relative" rAng="0" ptsTypes="AA">
+                                      <p:cBhvr>
+                                        <p:cTn id="107" dur="500" fill="hold"/>
+                                        <p:tgtEl>
+                                          <p:spTgt spid="6"/>
+                                        </p:tgtEl>
+                                        <p:attrNameLst>
+                                          <p:attrName>ppt_x</p:attrName>
+                                          <p:attrName>ppt_y</p:attrName>
+                                        </p:attrNameLst>
+                                      </p:cBhvr>
+                                      <p:rCtr x="534" y="9977"/>
+                                    </p:animMotion>
+                                  </p:childTnLst>
+                                </p:cTn>
+                              </p:par>
+                              <p:par>
+                                <p:cTn id="108" presetID="42" presetClass="path" presetSubtype="0" accel="50000" decel="50000" fill="hold" grpId="4" nodeType="withEffect">
+                                  <p:stCondLst>
+                                    <p:cond delay="0"/>
+                                  </p:stCondLst>
+                                  <p:childTnLst>
+                                    <p:animMotion origin="layout" path="M 1.04167E-6 -0.20903 L 2.08333E-6 -3.7037E-7 " pathEditMode="relative" rAng="0" ptsTypes="AA">
+                                      <p:cBhvr>
+                                        <p:cTn id="109" dur="500" fill="hold"/>
+                                        <p:tgtEl>
+                                          <p:spTgt spid="7"/>
+                                        </p:tgtEl>
+                                        <p:attrNameLst>
+                                          <p:attrName>ppt_x</p:attrName>
+                                          <p:attrName>ppt_y</p:attrName>
+                                        </p:attrNameLst>
+                                      </p:cBhvr>
+                                      <p:rCtr x="-352" y="10000"/>
+                                    </p:animMotion>
+                                  </p:childTnLst>
+                                </p:cTn>
+                              </p:par>
+                              <p:par>
+                                <p:cTn id="110" presetID="42" presetClass="path" presetSubtype="0" accel="50000" decel="50000" fill="hold" grpId="3" nodeType="withEffect">
+                                  <p:stCondLst>
+                                    <p:cond delay="0"/>
+                                  </p:stCondLst>
+                                  <p:childTnLst>
+                                    <p:animMotion origin="layout" path="M -0.54844 -0.19861 L -0.55078 -3.7037E-7 " pathEditMode="relative" rAng="0" ptsTypes="AA">
+                                      <p:cBhvr>
+                                        <p:cTn id="111" dur="500" fill="hold"/>
+                                        <p:tgtEl>
+                                          <p:spTgt spid="8"/>
+                                        </p:tgtEl>
+                                        <p:attrNameLst>
+                                          <p:attrName>ppt_x</p:attrName>
+                                          <p:attrName>ppt_y</p:attrName>
+                                        </p:attrNameLst>
+                                      </p:cBhvr>
+                                      <p:rCtr x="-534" y="9931"/>
+                                    </p:animMotion>
+                                  </p:childTnLst>
+                                </p:cTn>
+                              </p:par>
+                              <p:par>
+                                <p:cTn id="112" presetID="42" presetClass="path" presetSubtype="0" accel="50000" decel="50000" fill="hold" grpId="3" nodeType="withEffect">
+                                  <p:stCondLst>
+                                    <p:cond delay="0"/>
+                                  </p:stCondLst>
+                                  <p:childTnLst>
+                                    <p:animMotion origin="layout" path="M -0.27865 -0.20695 L -0.27539 -3.7037E-7 " pathEditMode="relative" rAng="0" ptsTypes="AA">
+                                      <p:cBhvr>
+                                        <p:cTn id="113" dur="500" fill="hold"/>
+                                        <p:tgtEl>
+                                          <p:spTgt spid="9"/>
+                                        </p:tgtEl>
+                                        <p:attrNameLst>
+                                          <p:attrName>ppt_x</p:attrName>
+                                          <p:attrName>ppt_y</p:attrName>
+                                        </p:attrNameLst>
+                                      </p:cBhvr>
+                                      <p:rCtr x="26" y="9884"/>
+                                    </p:animMotion>
+                                  </p:childTnLst>
+                                </p:cTn>
+                              </p:par>
+                              <p:par>
+                                <p:cTn id="114" presetID="42" presetClass="path" presetSubtype="0" accel="50000" decel="50000" fill="hold" grpId="1" nodeType="withEffect">
+                                  <p:stCondLst>
+                                    <p:cond delay="0"/>
+                                  </p:stCondLst>
+                                  <p:childTnLst>
+                                    <p:animMotion origin="layout" path="M 0.0918 -0.2 L 0.09179 -3.7037E-7 " pathEditMode="relative" rAng="0" ptsTypes="AA">
+                                      <p:cBhvr>
+                                        <p:cTn id="115" dur="500" fill="hold"/>
+                                        <p:tgtEl>
+                                          <p:spTgt spid="4"/>
+                                        </p:tgtEl>
+                                        <p:attrNameLst>
+                                          <p:attrName>ppt_x</p:attrName>
+                                          <p:attrName>ppt_y</p:attrName>
+                                        </p:attrNameLst>
+                                      </p:cBhvr>
+                                      <p:rCtr x="260" y="9931"/>
+                                    </p:animMotion>
+                                  </p:childTnLst>
+                                </p:cTn>
+                              </p:par>
+                              <p:par>
+                                <p:cTn id="116" presetID="42" presetClass="path" presetSubtype="0" accel="50000" decel="50000" fill="hold" grpId="1" nodeType="withEffect">
+                                  <p:stCondLst>
+                                    <p:cond delay="0"/>
+                                  </p:stCondLst>
+                                  <p:childTnLst>
+                                    <p:animMotion origin="layout" path="M 0.27878 -0.20903 L 0.27539 -3.7037E-7 " pathEditMode="relative" rAng="0" ptsTypes="AA">
+                                      <p:cBhvr>
+                                        <p:cTn id="117" dur="500" fill="hold"/>
+                                        <p:tgtEl>
+                                          <p:spTgt spid="5"/>
+                                        </p:tgtEl>
+                                        <p:attrNameLst>
+                                          <p:attrName>ppt_x</p:attrName>
+                                          <p:attrName>ppt_y</p:attrName>
+                                        </p:attrNameLst>
+                                      </p:cBhvr>
+                                      <p:rCtr x="-117" y="10000"/>
+                                    </p:animMotion>
+                                  </p:childTnLst>
+                                </p:cTn>
+                              </p:par>
+                            </p:childTnLst>
+                          </p:cTn>
+                        </p:par>
+                      </p:childTnLst>
+                    </p:cTn>
+                  </p:par>
+                </p:childTnLst>
+              </p:cTn>
+              <p:prevCondLst>
+                <p:cond evt="onPrev" delay="0">
+                  <p:tgtEl>
+                    <p:sldTgt/>
+                  </p:tgtEl>
+                </p:cond>
+              </p:prevCondLst>
+              <p:nextCondLst>
+                <p:cond evt="onNext" delay="0">
+                  <p:tgtEl>
+                    <p:sldTgt/>
+                  </p:tgtEl>
+                </p:cond>
+              </p:nextCondLst>
+            </p:seq>
+          </p:childTnLst>
+        </p:cTn>
+      </p:par>
+    </p:tnLst>
+    <p:bldLst>
+      <p:bldP spid="2" grpId="0" animBg="1"/>
+      <p:bldP spid="2" grpId="1" animBg="1"/>
+      <p:bldP spid="2" grpId="2" animBg="1"/>
+      <p:bldP spid="3" grpId="0" animBg="1"/>
+      <p:bldP spid="3" grpId="1" animBg="1"/>
+      <p:bldP spid="3" grpId="2" animBg="1"/>
+      <p:bldP spid="4" grpId="0" animBg="1"/>
+      <p:bldP spid="4" grpId="1" animBg="1"/>
+      <p:bldP spid="5" grpId="0" animBg="1"/>
+      <p:bldP spid="5" grpId="1" animBg="1"/>
+      <p:bldP spid="6" grpId="0" animBg="1"/>
+      <p:bldP spid="6" grpId="1" animBg="1"/>
+      <p:bldP spid="6" grpId="2" animBg="1"/>
+      <p:bldP spid="6" grpId="3" animBg="1"/>
+      <p:bldP spid="6" grpId="4" animBg="1"/>
+      <p:bldP spid="7" grpId="0" animBg="1"/>
+      <p:bldP spid="7" grpId="1" animBg="1"/>
+      <p:bldP spid="7" grpId="2" animBg="1"/>
+      <p:bldP spid="7" grpId="3" animBg="1"/>
+      <p:bldP spid="7" grpId="4" animBg="1"/>
+      <p:bldP spid="8" grpId="0" animBg="1"/>
+      <p:bldP spid="8" grpId="1" animBg="1"/>
+      <p:bldP spid="8" grpId="2" animBg="1"/>
+      <p:bldP spid="8" grpId="3" animBg="1"/>
+      <p:bldP spid="9" grpId="0" animBg="1"/>
+      <p:bldP spid="9" grpId="1" animBg="1"/>
+      <p:bldP spid="9" grpId="2" animBg="1"/>
+      <p:bldP spid="9" grpId="3" animBg="1"/>
+    </p:bldLst>
   </p:timing>
 </p:sld>
 </file>

--- a/ppt/sort.pptx
+++ b/ppt/sort.pptx
@@ -11691,7 +11691,23 @@
                   <a:srgbClr val="0D8113"/>
                 </a:solidFill>
               </a:rPr>
-              <a:t>Merge sort top2down</a:t>
+              <a:t>Merge sort </a:t>
+            </a:r>
+            <a:r>
+              <a:rPr lang="en-US" altLang="zh-CN" sz="2000" dirty="0" smtClean="0">
+                <a:solidFill>
+                  <a:srgbClr val="0D8113"/>
+                </a:solidFill>
+              </a:rPr>
+              <a:t>down</a:t>
+            </a:r>
+            <a:r>
+              <a:rPr lang="en-US" altLang="zh-CN" sz="2000" dirty="0" smtClean="0">
+                <a:solidFill>
+                  <a:srgbClr val="0D8113"/>
+                </a:solidFill>
+              </a:rPr>
+              <a:t>2top</a:t>
             </a:r>
             <a:endParaRPr lang="zh-CN" altLang="en-US" sz="2000" dirty="0">
               <a:solidFill>
@@ -14703,7 +14719,23 @@
                   <a:srgbClr val="0D8113"/>
                 </a:solidFill>
               </a:rPr>
-              <a:t>Merge sort down2top</a:t>
+              <a:t>Merge sort </a:t>
+            </a:r>
+            <a:r>
+              <a:rPr lang="en-US" altLang="zh-CN" sz="2000" dirty="0" smtClean="0">
+                <a:solidFill>
+                  <a:srgbClr val="0D8113"/>
+                </a:solidFill>
+              </a:rPr>
+              <a:t>top</a:t>
+            </a:r>
+            <a:r>
+              <a:rPr lang="en-US" altLang="zh-CN" sz="2000" dirty="0" smtClean="0">
+                <a:solidFill>
+                  <a:srgbClr val="0D8113"/>
+                </a:solidFill>
+              </a:rPr>
+              <a:t>2down</a:t>
             </a:r>
             <a:endParaRPr lang="zh-CN" altLang="en-US" sz="2000" dirty="0">
               <a:solidFill>

--- a/ppt/sort.pptx
+++ b/ppt/sort.pptx
@@ -18,6 +18,7 @@
     <p:sldId id="267" r:id="rId12"/>
     <p:sldId id="268" r:id="rId13"/>
     <p:sldId id="269" r:id="rId14"/>
+    <p:sldId id="270" r:id="rId15"/>
   </p:sldIdLst>
   <p:sldSz cx="12192000" cy="6858000"/>
   <p:notesSz cx="6858000" cy="9144000"/>
@@ -255,7 +256,7 @@
           <a:p>
             <a:fld id="{89368CE1-8ACD-4C62-B28F-3A0B9B6B8466}" type="datetimeFigureOut">
               <a:rPr lang="zh-CN" altLang="en-US" smtClean="0"/>
-              <a:t>2020/2/4</a:t>
+              <a:t>2020/2/5</a:t>
             </a:fld>
             <a:endParaRPr lang="zh-CN" altLang="en-US"/>
           </a:p>
@@ -425,7 +426,7 @@
           <a:p>
             <a:fld id="{89368CE1-8ACD-4C62-B28F-3A0B9B6B8466}" type="datetimeFigureOut">
               <a:rPr lang="zh-CN" altLang="en-US" smtClean="0"/>
-              <a:t>2020/2/4</a:t>
+              <a:t>2020/2/5</a:t>
             </a:fld>
             <a:endParaRPr lang="zh-CN" altLang="en-US"/>
           </a:p>
@@ -605,7 +606,7 @@
           <a:p>
             <a:fld id="{89368CE1-8ACD-4C62-B28F-3A0B9B6B8466}" type="datetimeFigureOut">
               <a:rPr lang="zh-CN" altLang="en-US" smtClean="0"/>
-              <a:t>2020/2/4</a:t>
+              <a:t>2020/2/5</a:t>
             </a:fld>
             <a:endParaRPr lang="zh-CN" altLang="en-US"/>
           </a:p>
@@ -775,7 +776,7 @@
           <a:p>
             <a:fld id="{89368CE1-8ACD-4C62-B28F-3A0B9B6B8466}" type="datetimeFigureOut">
               <a:rPr lang="zh-CN" altLang="en-US" smtClean="0"/>
-              <a:t>2020/2/4</a:t>
+              <a:t>2020/2/5</a:t>
             </a:fld>
             <a:endParaRPr lang="zh-CN" altLang="en-US"/>
           </a:p>
@@ -1021,7 +1022,7 @@
           <a:p>
             <a:fld id="{89368CE1-8ACD-4C62-B28F-3A0B9B6B8466}" type="datetimeFigureOut">
               <a:rPr lang="zh-CN" altLang="en-US" smtClean="0"/>
-              <a:t>2020/2/4</a:t>
+              <a:t>2020/2/5</a:t>
             </a:fld>
             <a:endParaRPr lang="zh-CN" altLang="en-US"/>
           </a:p>
@@ -1253,7 +1254,7 @@
           <a:p>
             <a:fld id="{89368CE1-8ACD-4C62-B28F-3A0B9B6B8466}" type="datetimeFigureOut">
               <a:rPr lang="zh-CN" altLang="en-US" smtClean="0"/>
-              <a:t>2020/2/4</a:t>
+              <a:t>2020/2/5</a:t>
             </a:fld>
             <a:endParaRPr lang="zh-CN" altLang="en-US"/>
           </a:p>
@@ -1620,7 +1621,7 @@
           <a:p>
             <a:fld id="{89368CE1-8ACD-4C62-B28F-3A0B9B6B8466}" type="datetimeFigureOut">
               <a:rPr lang="zh-CN" altLang="en-US" smtClean="0"/>
-              <a:t>2020/2/4</a:t>
+              <a:t>2020/2/5</a:t>
             </a:fld>
             <a:endParaRPr lang="zh-CN" altLang="en-US"/>
           </a:p>
@@ -1738,7 +1739,7 @@
           <a:p>
             <a:fld id="{89368CE1-8ACD-4C62-B28F-3A0B9B6B8466}" type="datetimeFigureOut">
               <a:rPr lang="zh-CN" altLang="en-US" smtClean="0"/>
-              <a:t>2020/2/4</a:t>
+              <a:t>2020/2/5</a:t>
             </a:fld>
             <a:endParaRPr lang="zh-CN" altLang="en-US"/>
           </a:p>
@@ -1833,7 +1834,7 @@
           <a:p>
             <a:fld id="{89368CE1-8ACD-4C62-B28F-3A0B9B6B8466}" type="datetimeFigureOut">
               <a:rPr lang="zh-CN" altLang="en-US" smtClean="0"/>
-              <a:t>2020/2/4</a:t>
+              <a:t>2020/2/5</a:t>
             </a:fld>
             <a:endParaRPr lang="zh-CN" altLang="en-US"/>
           </a:p>
@@ -2110,7 +2111,7 @@
           <a:p>
             <a:fld id="{89368CE1-8ACD-4C62-B28F-3A0B9B6B8466}" type="datetimeFigureOut">
               <a:rPr lang="zh-CN" altLang="en-US" smtClean="0"/>
-              <a:t>2020/2/4</a:t>
+              <a:t>2020/2/5</a:t>
             </a:fld>
             <a:endParaRPr lang="zh-CN" altLang="en-US"/>
           </a:p>
@@ -2363,7 +2364,7 @@
           <a:p>
             <a:fld id="{89368CE1-8ACD-4C62-B28F-3A0B9B6B8466}" type="datetimeFigureOut">
               <a:rPr lang="zh-CN" altLang="en-US" smtClean="0"/>
-              <a:t>2020/2/4</a:t>
+              <a:t>2020/2/5</a:t>
             </a:fld>
             <a:endParaRPr lang="zh-CN" altLang="en-US"/>
           </a:p>
@@ -2576,7 +2577,7 @@
           <a:p>
             <a:fld id="{89368CE1-8ACD-4C62-B28F-3A0B9B6B8466}" type="datetimeFigureOut">
               <a:rPr lang="zh-CN" altLang="en-US" smtClean="0"/>
-              <a:t>2020/2/4</a:t>
+              <a:t>2020/2/5</a:t>
             </a:fld>
             <a:endParaRPr lang="zh-CN" altLang="en-US"/>
           </a:p>
@@ -11691,23 +11692,7 @@
                   <a:srgbClr val="0D8113"/>
                 </a:solidFill>
               </a:rPr>
-              <a:t>Merge sort </a:t>
-            </a:r>
-            <a:r>
-              <a:rPr lang="en-US" altLang="zh-CN" sz="2000" dirty="0" smtClean="0">
-                <a:solidFill>
-                  <a:srgbClr val="0D8113"/>
-                </a:solidFill>
-              </a:rPr>
-              <a:t>down</a:t>
-            </a:r>
-            <a:r>
-              <a:rPr lang="en-US" altLang="zh-CN" sz="2000" dirty="0" smtClean="0">
-                <a:solidFill>
-                  <a:srgbClr val="0D8113"/>
-                </a:solidFill>
-              </a:rPr>
-              <a:t>2top</a:t>
+              <a:t>Merge sort down2top</a:t>
             </a:r>
             <a:endParaRPr lang="zh-CN" altLang="en-US" sz="2000" dirty="0">
               <a:solidFill>
@@ -14719,23 +14704,7 @@
                   <a:srgbClr val="0D8113"/>
                 </a:solidFill>
               </a:rPr>
-              <a:t>Merge sort </a:t>
-            </a:r>
-            <a:r>
-              <a:rPr lang="en-US" altLang="zh-CN" sz="2000" dirty="0" smtClean="0">
-                <a:solidFill>
-                  <a:srgbClr val="0D8113"/>
-                </a:solidFill>
-              </a:rPr>
-              <a:t>top</a:t>
-            </a:r>
-            <a:r>
-              <a:rPr lang="en-US" altLang="zh-CN" sz="2000" dirty="0" smtClean="0">
-                <a:solidFill>
-                  <a:srgbClr val="0D8113"/>
-                </a:solidFill>
-              </a:rPr>
-              <a:t>2down</a:t>
+              <a:t>Merge sort top2down</a:t>
             </a:r>
             <a:endParaRPr lang="zh-CN" altLang="en-US" sz="2000" dirty="0">
               <a:solidFill>
@@ -16210,6 +16179,2238 @@
       <p:bldP spid="9" grpId="1" animBg="1"/>
       <p:bldP spid="9" grpId="2" animBg="1"/>
       <p:bldP spid="9" grpId="3" animBg="1"/>
+    </p:bldLst>
+  </p:timing>
+</p:sld>
+</file>
+
+<file path=ppt/slides/slide14.xml><?xml version="1.0" encoding="utf-8"?>
+<p:sld xmlns:a="http://schemas.openxmlformats.org/drawingml/2006/main" xmlns:r="http://schemas.openxmlformats.org/officeDocument/2006/relationships" xmlns:p="http://schemas.openxmlformats.org/presentationml/2006/main">
+  <p:cSld>
+    <p:spTree>
+      <p:nvGrpSpPr>
+        <p:cNvPr id="1" name=""/>
+        <p:cNvGrpSpPr/>
+        <p:nvPr/>
+      </p:nvGrpSpPr>
+      <p:grpSpPr>
+        <a:xfrm>
+          <a:off x="0" y="0"/>
+          <a:ext cx="0" cy="0"/>
+          <a:chOff x="0" y="0"/>
+          <a:chExt cx="0" cy="0"/>
+        </a:xfrm>
+      </p:grpSpPr>
+      <p:sp>
+        <p:nvSpPr>
+          <p:cNvPr id="17" name="上箭头标注 16"/>
+          <p:cNvSpPr/>
+          <p:nvPr/>
+        </p:nvSpPr>
+        <p:spPr>
+          <a:xfrm>
+            <a:off x="2190458" y="3458363"/>
+            <a:ext cx="429898" cy="818866"/>
+          </a:xfrm>
+          <a:prstGeom prst="upArrowCallout">
+            <a:avLst>
+              <a:gd name="adj1" fmla="val 25000"/>
+              <a:gd name="adj2" fmla="val 25000"/>
+              <a:gd name="adj3" fmla="val 25000"/>
+              <a:gd name="adj4" fmla="val 54977"/>
+            </a:avLst>
+          </a:prstGeom>
+          <a:solidFill>
+            <a:schemeClr val="tx2">
+              <a:lumMod val="50000"/>
+            </a:schemeClr>
+          </a:solidFill>
+          <a:ln>
+            <a:solidFill>
+              <a:schemeClr val="bg1"/>
+            </a:solidFill>
+          </a:ln>
+        </p:spPr>
+        <p:style>
+          <a:lnRef idx="2">
+            <a:schemeClr val="accent1">
+              <a:shade val="50000"/>
+            </a:schemeClr>
+          </a:lnRef>
+          <a:fillRef idx="1">
+            <a:schemeClr val="accent1"/>
+          </a:fillRef>
+          <a:effectRef idx="0">
+            <a:schemeClr val="accent1"/>
+          </a:effectRef>
+          <a:fontRef idx="minor">
+            <a:schemeClr val="lt1"/>
+          </a:fontRef>
+        </p:style>
+        <p:txBody>
+          <a:bodyPr rtlCol="0" anchor="ctr"/>
+          <a:lstStyle/>
+          <a:p>
+            <a:pPr algn="ctr"/>
+            <a:r>
+              <a:rPr lang="en-US" altLang="zh-CN" sz="1400" dirty="0" err="1" smtClean="0"/>
+              <a:t>i</a:t>
+            </a:r>
+            <a:endParaRPr lang="zh-CN" altLang="en-US" sz="1400" dirty="0"/>
+          </a:p>
+        </p:txBody>
+      </p:sp>
+      <p:sp>
+        <p:nvSpPr>
+          <p:cNvPr id="18" name="上箭头标注 17"/>
+          <p:cNvSpPr/>
+          <p:nvPr/>
+        </p:nvSpPr>
+        <p:spPr>
+          <a:xfrm>
+            <a:off x="9642154" y="3466663"/>
+            <a:ext cx="429898" cy="818866"/>
+          </a:xfrm>
+          <a:prstGeom prst="upArrowCallout">
+            <a:avLst>
+              <a:gd name="adj1" fmla="val 25000"/>
+              <a:gd name="adj2" fmla="val 25000"/>
+              <a:gd name="adj3" fmla="val 25000"/>
+              <a:gd name="adj4" fmla="val 54977"/>
+            </a:avLst>
+          </a:prstGeom>
+          <a:solidFill>
+            <a:schemeClr val="tx2">
+              <a:lumMod val="50000"/>
+            </a:schemeClr>
+          </a:solidFill>
+          <a:ln>
+            <a:solidFill>
+              <a:schemeClr val="bg1"/>
+            </a:solidFill>
+          </a:ln>
+        </p:spPr>
+        <p:style>
+          <a:lnRef idx="2">
+            <a:schemeClr val="accent1">
+              <a:shade val="50000"/>
+            </a:schemeClr>
+          </a:lnRef>
+          <a:fillRef idx="1">
+            <a:schemeClr val="accent1"/>
+          </a:fillRef>
+          <a:effectRef idx="0">
+            <a:schemeClr val="accent1"/>
+          </a:effectRef>
+          <a:fontRef idx="minor">
+            <a:schemeClr val="lt1"/>
+          </a:fontRef>
+        </p:style>
+        <p:txBody>
+          <a:bodyPr rtlCol="0" anchor="ctr"/>
+          <a:lstStyle/>
+          <a:p>
+            <a:pPr algn="ctr"/>
+            <a:r>
+              <a:rPr lang="en-US" altLang="zh-CN" sz="1400" dirty="0" smtClean="0"/>
+              <a:t>j</a:t>
+            </a:r>
+            <a:endParaRPr lang="zh-CN" altLang="en-US" sz="1400" dirty="0"/>
+          </a:p>
+        </p:txBody>
+      </p:sp>
+      <p:sp>
+        <p:nvSpPr>
+          <p:cNvPr id="15" name="上箭头标注 14"/>
+          <p:cNvSpPr/>
+          <p:nvPr/>
+        </p:nvSpPr>
+        <p:spPr>
+          <a:xfrm>
+            <a:off x="1760560" y="3458363"/>
+            <a:ext cx="429898" cy="818866"/>
+          </a:xfrm>
+          <a:prstGeom prst="upArrowCallout">
+            <a:avLst>
+              <a:gd name="adj1" fmla="val 25000"/>
+              <a:gd name="adj2" fmla="val 25000"/>
+              <a:gd name="adj3" fmla="val 25000"/>
+              <a:gd name="adj4" fmla="val 54977"/>
+            </a:avLst>
+          </a:prstGeom>
+          <a:solidFill>
+            <a:schemeClr val="tx2">
+              <a:lumMod val="50000"/>
+            </a:schemeClr>
+          </a:solidFill>
+          <a:ln>
+            <a:solidFill>
+              <a:schemeClr val="bg1"/>
+            </a:solidFill>
+          </a:ln>
+        </p:spPr>
+        <p:style>
+          <a:lnRef idx="2">
+            <a:schemeClr val="accent1">
+              <a:shade val="50000"/>
+            </a:schemeClr>
+          </a:lnRef>
+          <a:fillRef idx="1">
+            <a:schemeClr val="accent1"/>
+          </a:fillRef>
+          <a:effectRef idx="0">
+            <a:schemeClr val="accent1"/>
+          </a:effectRef>
+          <a:fontRef idx="minor">
+            <a:schemeClr val="lt1"/>
+          </a:fontRef>
+        </p:style>
+        <p:txBody>
+          <a:bodyPr rtlCol="0" anchor="ctr"/>
+          <a:lstStyle/>
+          <a:p>
+            <a:pPr algn="ctr"/>
+            <a:r>
+              <a:rPr lang="en-US" altLang="zh-CN" sz="1000" dirty="0" smtClean="0"/>
+              <a:t>start</a:t>
+            </a:r>
+            <a:endParaRPr lang="zh-CN" altLang="en-US" sz="1000" dirty="0"/>
+          </a:p>
+        </p:txBody>
+      </p:sp>
+      <p:sp>
+        <p:nvSpPr>
+          <p:cNvPr id="19" name="上箭头标注 18"/>
+          <p:cNvSpPr/>
+          <p:nvPr/>
+        </p:nvSpPr>
+        <p:spPr>
+          <a:xfrm>
+            <a:off x="10072052" y="3466663"/>
+            <a:ext cx="429898" cy="818866"/>
+          </a:xfrm>
+          <a:prstGeom prst="upArrowCallout">
+            <a:avLst>
+              <a:gd name="adj1" fmla="val 25000"/>
+              <a:gd name="adj2" fmla="val 25000"/>
+              <a:gd name="adj3" fmla="val 25000"/>
+              <a:gd name="adj4" fmla="val 54977"/>
+            </a:avLst>
+          </a:prstGeom>
+          <a:solidFill>
+            <a:schemeClr val="tx2">
+              <a:lumMod val="50000"/>
+            </a:schemeClr>
+          </a:solidFill>
+          <a:ln>
+            <a:solidFill>
+              <a:schemeClr val="bg1"/>
+            </a:solidFill>
+          </a:ln>
+        </p:spPr>
+        <p:style>
+          <a:lnRef idx="2">
+            <a:schemeClr val="accent1">
+              <a:shade val="50000"/>
+            </a:schemeClr>
+          </a:lnRef>
+          <a:fillRef idx="1">
+            <a:schemeClr val="accent1"/>
+          </a:fillRef>
+          <a:effectRef idx="0">
+            <a:schemeClr val="accent1"/>
+          </a:effectRef>
+          <a:fontRef idx="minor">
+            <a:schemeClr val="lt1"/>
+          </a:fontRef>
+        </p:style>
+        <p:txBody>
+          <a:bodyPr rtlCol="0" anchor="ctr"/>
+          <a:lstStyle/>
+          <a:p>
+            <a:pPr algn="ctr"/>
+            <a:r>
+              <a:rPr lang="en-US" altLang="zh-CN" sz="1100" dirty="0" smtClean="0"/>
+              <a:t>end</a:t>
+            </a:r>
+            <a:endParaRPr lang="zh-CN" altLang="en-US" sz="1100" dirty="0"/>
+          </a:p>
+        </p:txBody>
+      </p:sp>
+      <p:sp>
+        <p:nvSpPr>
+          <p:cNvPr id="13" name="椭圆 12"/>
+          <p:cNvSpPr/>
+          <p:nvPr/>
+        </p:nvSpPr>
+        <p:spPr>
+          <a:xfrm>
+            <a:off x="1678674" y="2281830"/>
+            <a:ext cx="1119117" cy="1119117"/>
+          </a:xfrm>
+          <a:prstGeom prst="ellipse">
+            <a:avLst/>
+          </a:prstGeom>
+          <a:solidFill>
+            <a:schemeClr val="accent1">
+              <a:lumMod val="75000"/>
+            </a:schemeClr>
+          </a:solidFill>
+          <a:ln>
+            <a:noFill/>
+          </a:ln>
+        </p:spPr>
+        <p:style>
+          <a:lnRef idx="2">
+            <a:schemeClr val="accent1">
+              <a:shade val="50000"/>
+            </a:schemeClr>
+          </a:lnRef>
+          <a:fillRef idx="1">
+            <a:schemeClr val="accent1"/>
+          </a:fillRef>
+          <a:effectRef idx="0">
+            <a:schemeClr val="accent1"/>
+          </a:effectRef>
+          <a:fontRef idx="minor">
+            <a:schemeClr val="lt1"/>
+          </a:fontRef>
+        </p:style>
+        <p:txBody>
+          <a:bodyPr rtlCol="0" anchor="ctr"/>
+          <a:lstStyle/>
+          <a:p>
+            <a:pPr algn="ctr"/>
+            <a:r>
+              <a:rPr lang="en-US" altLang="zh-CN" sz="3200" dirty="0" smtClean="0"/>
+              <a:t>2</a:t>
+            </a:r>
+            <a:endParaRPr lang="zh-CN" altLang="en-US" sz="3200" dirty="0"/>
+          </a:p>
+        </p:txBody>
+      </p:sp>
+      <p:sp>
+        <p:nvSpPr>
+          <p:cNvPr id="5" name="椭圆 4"/>
+          <p:cNvSpPr/>
+          <p:nvPr/>
+        </p:nvSpPr>
+        <p:spPr>
+          <a:xfrm>
+            <a:off x="2797792" y="2281834"/>
+            <a:ext cx="1119117" cy="1119117"/>
+          </a:xfrm>
+          <a:prstGeom prst="ellipse">
+            <a:avLst/>
+          </a:prstGeom>
+          <a:solidFill>
+            <a:schemeClr val="accent1">
+              <a:lumMod val="75000"/>
+            </a:schemeClr>
+          </a:solidFill>
+          <a:ln>
+            <a:noFill/>
+          </a:ln>
+        </p:spPr>
+        <p:style>
+          <a:lnRef idx="2">
+            <a:schemeClr val="accent1">
+              <a:shade val="50000"/>
+            </a:schemeClr>
+          </a:lnRef>
+          <a:fillRef idx="1">
+            <a:schemeClr val="accent1"/>
+          </a:fillRef>
+          <a:effectRef idx="0">
+            <a:schemeClr val="accent1"/>
+          </a:effectRef>
+          <a:fontRef idx="minor">
+            <a:schemeClr val="lt1"/>
+          </a:fontRef>
+        </p:style>
+        <p:txBody>
+          <a:bodyPr rtlCol="0" anchor="ctr"/>
+          <a:lstStyle/>
+          <a:p>
+            <a:pPr algn="ctr"/>
+            <a:r>
+              <a:rPr lang="en-US" altLang="zh-CN" sz="3200" dirty="0" smtClean="0"/>
+              <a:t>1</a:t>
+            </a:r>
+            <a:endParaRPr lang="zh-CN" altLang="en-US" sz="3200" dirty="0"/>
+          </a:p>
+        </p:txBody>
+      </p:sp>
+      <p:sp>
+        <p:nvSpPr>
+          <p:cNvPr id="6" name="椭圆 5"/>
+          <p:cNvSpPr/>
+          <p:nvPr/>
+        </p:nvSpPr>
+        <p:spPr>
+          <a:xfrm>
+            <a:off x="3916909" y="2281834"/>
+            <a:ext cx="1119117" cy="1119117"/>
+          </a:xfrm>
+          <a:prstGeom prst="ellipse">
+            <a:avLst/>
+          </a:prstGeom>
+          <a:solidFill>
+            <a:schemeClr val="accent1">
+              <a:lumMod val="75000"/>
+            </a:schemeClr>
+          </a:solidFill>
+          <a:ln>
+            <a:noFill/>
+          </a:ln>
+        </p:spPr>
+        <p:style>
+          <a:lnRef idx="2">
+            <a:schemeClr val="accent1">
+              <a:shade val="50000"/>
+            </a:schemeClr>
+          </a:lnRef>
+          <a:fillRef idx="1">
+            <a:schemeClr val="accent1"/>
+          </a:fillRef>
+          <a:effectRef idx="0">
+            <a:schemeClr val="accent1"/>
+          </a:effectRef>
+          <a:fontRef idx="minor">
+            <a:schemeClr val="lt1"/>
+          </a:fontRef>
+        </p:style>
+        <p:txBody>
+          <a:bodyPr rtlCol="0" anchor="ctr"/>
+          <a:lstStyle/>
+          <a:p>
+            <a:pPr algn="ctr"/>
+            <a:r>
+              <a:rPr lang="en-US" altLang="zh-CN" sz="3200" dirty="0" smtClean="0"/>
+              <a:t>3</a:t>
+            </a:r>
+            <a:endParaRPr lang="zh-CN" altLang="en-US" sz="3200" dirty="0"/>
+          </a:p>
+        </p:txBody>
+      </p:sp>
+      <p:sp>
+        <p:nvSpPr>
+          <p:cNvPr id="7" name="椭圆 6"/>
+          <p:cNvSpPr/>
+          <p:nvPr/>
+        </p:nvSpPr>
+        <p:spPr>
+          <a:xfrm>
+            <a:off x="5036026" y="2281831"/>
+            <a:ext cx="1119117" cy="1119117"/>
+          </a:xfrm>
+          <a:prstGeom prst="ellipse">
+            <a:avLst/>
+          </a:prstGeom>
+          <a:solidFill>
+            <a:schemeClr val="accent1">
+              <a:lumMod val="75000"/>
+            </a:schemeClr>
+          </a:solidFill>
+          <a:ln>
+            <a:noFill/>
+          </a:ln>
+        </p:spPr>
+        <p:style>
+          <a:lnRef idx="2">
+            <a:schemeClr val="accent1">
+              <a:shade val="50000"/>
+            </a:schemeClr>
+          </a:lnRef>
+          <a:fillRef idx="1">
+            <a:schemeClr val="accent1"/>
+          </a:fillRef>
+          <a:effectRef idx="0">
+            <a:schemeClr val="accent1"/>
+          </a:effectRef>
+          <a:fontRef idx="minor">
+            <a:schemeClr val="lt1"/>
+          </a:fontRef>
+        </p:style>
+        <p:txBody>
+          <a:bodyPr rtlCol="0" anchor="ctr"/>
+          <a:lstStyle/>
+          <a:p>
+            <a:pPr algn="ctr"/>
+            <a:r>
+              <a:rPr lang="en-US" altLang="zh-CN" sz="3200" dirty="0" smtClean="0"/>
+              <a:t>6</a:t>
+            </a:r>
+            <a:endParaRPr lang="zh-CN" altLang="en-US" sz="3200" dirty="0"/>
+          </a:p>
+        </p:txBody>
+      </p:sp>
+      <p:sp>
+        <p:nvSpPr>
+          <p:cNvPr id="8" name="椭圆 7"/>
+          <p:cNvSpPr/>
+          <p:nvPr/>
+        </p:nvSpPr>
+        <p:spPr>
+          <a:xfrm>
+            <a:off x="6155143" y="2281833"/>
+            <a:ext cx="1119117" cy="1119117"/>
+          </a:xfrm>
+          <a:prstGeom prst="ellipse">
+            <a:avLst/>
+          </a:prstGeom>
+          <a:solidFill>
+            <a:schemeClr val="accent1">
+              <a:lumMod val="75000"/>
+            </a:schemeClr>
+          </a:solidFill>
+          <a:ln>
+            <a:noFill/>
+          </a:ln>
+        </p:spPr>
+        <p:style>
+          <a:lnRef idx="2">
+            <a:schemeClr val="accent1">
+              <a:shade val="50000"/>
+            </a:schemeClr>
+          </a:lnRef>
+          <a:fillRef idx="1">
+            <a:schemeClr val="accent1"/>
+          </a:fillRef>
+          <a:effectRef idx="0">
+            <a:schemeClr val="accent1"/>
+          </a:effectRef>
+          <a:fontRef idx="minor">
+            <a:schemeClr val="lt1"/>
+          </a:fontRef>
+        </p:style>
+        <p:txBody>
+          <a:bodyPr rtlCol="0" anchor="ctr"/>
+          <a:lstStyle/>
+          <a:p>
+            <a:pPr algn="ctr"/>
+            <a:r>
+              <a:rPr lang="en-US" altLang="zh-CN" sz="3200" dirty="0" smtClean="0"/>
+              <a:t>7</a:t>
+            </a:r>
+            <a:endParaRPr lang="zh-CN" altLang="en-US" sz="3200" dirty="0"/>
+          </a:p>
+        </p:txBody>
+      </p:sp>
+      <p:sp>
+        <p:nvSpPr>
+          <p:cNvPr id="9" name="椭圆 8"/>
+          <p:cNvSpPr/>
+          <p:nvPr/>
+        </p:nvSpPr>
+        <p:spPr>
+          <a:xfrm>
+            <a:off x="7274260" y="2281832"/>
+            <a:ext cx="1119117" cy="1119117"/>
+          </a:xfrm>
+          <a:prstGeom prst="ellipse">
+            <a:avLst/>
+          </a:prstGeom>
+          <a:solidFill>
+            <a:schemeClr val="accent1">
+              <a:lumMod val="75000"/>
+            </a:schemeClr>
+          </a:solidFill>
+          <a:ln>
+            <a:noFill/>
+          </a:ln>
+        </p:spPr>
+        <p:style>
+          <a:lnRef idx="2">
+            <a:schemeClr val="accent1">
+              <a:shade val="50000"/>
+            </a:schemeClr>
+          </a:lnRef>
+          <a:fillRef idx="1">
+            <a:schemeClr val="accent1"/>
+          </a:fillRef>
+          <a:effectRef idx="0">
+            <a:schemeClr val="accent1"/>
+          </a:effectRef>
+          <a:fontRef idx="minor">
+            <a:schemeClr val="lt1"/>
+          </a:fontRef>
+        </p:style>
+        <p:txBody>
+          <a:bodyPr rtlCol="0" anchor="ctr"/>
+          <a:lstStyle/>
+          <a:p>
+            <a:pPr algn="ctr"/>
+            <a:r>
+              <a:rPr lang="en-US" altLang="zh-CN" sz="3200" dirty="0" smtClean="0"/>
+              <a:t>5</a:t>
+            </a:r>
+            <a:endParaRPr lang="zh-CN" altLang="en-US" sz="3200" dirty="0"/>
+          </a:p>
+        </p:txBody>
+      </p:sp>
+      <p:sp>
+        <p:nvSpPr>
+          <p:cNvPr id="10" name="椭圆 9"/>
+          <p:cNvSpPr/>
+          <p:nvPr/>
+        </p:nvSpPr>
+        <p:spPr>
+          <a:xfrm>
+            <a:off x="8393377" y="2281832"/>
+            <a:ext cx="1119117" cy="1119117"/>
+          </a:xfrm>
+          <a:prstGeom prst="ellipse">
+            <a:avLst/>
+          </a:prstGeom>
+          <a:solidFill>
+            <a:schemeClr val="accent1">
+              <a:lumMod val="75000"/>
+            </a:schemeClr>
+          </a:solidFill>
+          <a:ln>
+            <a:noFill/>
+          </a:ln>
+        </p:spPr>
+        <p:style>
+          <a:lnRef idx="2">
+            <a:schemeClr val="accent1">
+              <a:shade val="50000"/>
+            </a:schemeClr>
+          </a:lnRef>
+          <a:fillRef idx="1">
+            <a:schemeClr val="accent1"/>
+          </a:fillRef>
+          <a:effectRef idx="0">
+            <a:schemeClr val="accent1"/>
+          </a:effectRef>
+          <a:fontRef idx="minor">
+            <a:schemeClr val="lt1"/>
+          </a:fontRef>
+        </p:style>
+        <p:txBody>
+          <a:bodyPr rtlCol="0" anchor="ctr"/>
+          <a:lstStyle/>
+          <a:p>
+            <a:pPr algn="ctr"/>
+            <a:r>
+              <a:rPr lang="en-US" altLang="zh-CN" sz="3200" dirty="0"/>
+              <a:t>0</a:t>
+            </a:r>
+            <a:endParaRPr lang="zh-CN" altLang="en-US" sz="3200" dirty="0"/>
+          </a:p>
+        </p:txBody>
+      </p:sp>
+      <p:sp>
+        <p:nvSpPr>
+          <p:cNvPr id="11" name="椭圆 10"/>
+          <p:cNvSpPr/>
+          <p:nvPr/>
+        </p:nvSpPr>
+        <p:spPr>
+          <a:xfrm>
+            <a:off x="9512494" y="2281832"/>
+            <a:ext cx="1119117" cy="1119117"/>
+          </a:xfrm>
+          <a:prstGeom prst="ellipse">
+            <a:avLst/>
+          </a:prstGeom>
+          <a:solidFill>
+            <a:schemeClr val="accent1">
+              <a:lumMod val="75000"/>
+            </a:schemeClr>
+          </a:solidFill>
+          <a:ln>
+            <a:noFill/>
+          </a:ln>
+        </p:spPr>
+        <p:style>
+          <a:lnRef idx="2">
+            <a:schemeClr val="accent1">
+              <a:shade val="50000"/>
+            </a:schemeClr>
+          </a:lnRef>
+          <a:fillRef idx="1">
+            <a:schemeClr val="accent1"/>
+          </a:fillRef>
+          <a:effectRef idx="0">
+            <a:schemeClr val="accent1"/>
+          </a:effectRef>
+          <a:fontRef idx="minor">
+            <a:schemeClr val="lt1"/>
+          </a:fontRef>
+        </p:style>
+        <p:txBody>
+          <a:bodyPr rtlCol="0" anchor="ctr"/>
+          <a:lstStyle/>
+          <a:p>
+            <a:pPr algn="ctr"/>
+            <a:r>
+              <a:rPr lang="en-US" altLang="zh-CN" sz="3200" dirty="0" smtClean="0"/>
+              <a:t>4</a:t>
+            </a:r>
+            <a:endParaRPr lang="zh-CN" altLang="en-US" sz="3200" dirty="0"/>
+          </a:p>
+        </p:txBody>
+      </p:sp>
+    </p:spTree>
+    <p:extLst>
+      <p:ext uri="{BB962C8B-B14F-4D97-AF65-F5344CB8AC3E}">
+        <p14:creationId xmlns:p14="http://schemas.microsoft.com/office/powerpoint/2010/main" val="2209909086"/>
+      </p:ext>
+    </p:extLst>
+  </p:cSld>
+  <p:clrMapOvr>
+    <a:masterClrMapping/>
+  </p:clrMapOvr>
+  <p:timing>
+    <p:tnLst>
+      <p:par>
+        <p:cTn id="1" dur="indefinite" restart="never" nodeType="tmRoot">
+          <p:childTnLst>
+            <p:seq concurrent="1" nextAc="seek">
+              <p:cTn id="2" dur="indefinite" nodeType="mainSeq">
+                <p:childTnLst>
+                  <p:par>
+                    <p:cTn id="3" fill="hold">
+                      <p:stCondLst>
+                        <p:cond delay="indefinite"/>
+                      </p:stCondLst>
+                      <p:childTnLst>
+                        <p:par>
+                          <p:cTn id="4" fill="hold">
+                            <p:stCondLst>
+                              <p:cond delay="0"/>
+                            </p:stCondLst>
+                            <p:childTnLst>
+                              <p:par>
+                                <p:cTn id="5" presetID="64" presetClass="path" presetSubtype="0" accel="50000" decel="50000" fill="hold" grpId="0" nodeType="clickEffect">
+                                  <p:stCondLst>
+                                    <p:cond delay="0"/>
+                                  </p:stCondLst>
+                                  <p:childTnLst>
+                                    <p:animMotion origin="layout" path="M 0 0 L 0 -0.25 E" pathEditMode="relative" ptsTypes="">
+                                      <p:cBhvr>
+                                        <p:cTn id="6" dur="1000" fill="hold"/>
+                                        <p:tgtEl>
+                                          <p:spTgt spid="13"/>
+                                        </p:tgtEl>
+                                        <p:attrNameLst>
+                                          <p:attrName>ppt_x</p:attrName>
+                                          <p:attrName>ppt_y</p:attrName>
+                                        </p:attrNameLst>
+                                      </p:cBhvr>
+                                    </p:animMotion>
+                                  </p:childTnLst>
+                                </p:cTn>
+                              </p:par>
+                            </p:childTnLst>
+                          </p:cTn>
+                        </p:par>
+                        <p:par>
+                          <p:cTn id="7" fill="hold">
+                            <p:stCondLst>
+                              <p:cond delay="1000"/>
+                            </p:stCondLst>
+                            <p:childTnLst>
+                              <p:par>
+                                <p:cTn id="8" presetID="35" presetClass="path" presetSubtype="0" accel="50000" decel="50000" fill="hold" grpId="0" nodeType="afterEffect">
+                                  <p:stCondLst>
+                                    <p:cond delay="0"/>
+                                  </p:stCondLst>
+                                  <p:childTnLst>
+                                    <p:animMotion origin="layout" path="M -3.54167E-6 2.22222E-6 L -0.09179 2.22222E-6 " pathEditMode="relative" rAng="0" ptsTypes="AA">
+                                      <p:cBhvr>
+                                        <p:cTn id="9" dur="500" fill="hold"/>
+                                        <p:tgtEl>
+                                          <p:spTgt spid="18"/>
+                                        </p:tgtEl>
+                                        <p:attrNameLst>
+                                          <p:attrName>ppt_x</p:attrName>
+                                          <p:attrName>ppt_y</p:attrName>
+                                        </p:attrNameLst>
+                                      </p:cBhvr>
+                                      <p:rCtr x="-4596" y="0"/>
+                                    </p:animMotion>
+                                  </p:childTnLst>
+                                </p:cTn>
+                              </p:par>
+                            </p:childTnLst>
+                          </p:cTn>
+                        </p:par>
+                        <p:par>
+                          <p:cTn id="10" fill="hold">
+                            <p:stCondLst>
+                              <p:cond delay="1500"/>
+                            </p:stCondLst>
+                            <p:childTnLst>
+                              <p:par>
+                                <p:cTn id="11" presetID="37" presetClass="path" presetSubtype="0" accel="50000" decel="50000" fill="hold" grpId="0" nodeType="afterEffect">
+                                  <p:stCondLst>
+                                    <p:cond delay="0"/>
+                                  </p:stCondLst>
+                                  <p:childTnLst>
+                                    <p:animMotion origin="layout" path="M -8.33333E-7 -3.7037E-7 L -0.14883 0.15532 C -0.17969 0.19051 -0.22617 0.20949 -0.275 0.20949 C -0.33047 0.20949 -0.375 0.19051 -0.40586 0.15532 L -0.55456 -3.7037E-7 " pathEditMode="relative" rAng="0" ptsTypes="AAAAA">
+                                      <p:cBhvr>
+                                        <p:cTn id="12" dur="1000" fill="hold"/>
+                                        <p:tgtEl>
+                                          <p:spTgt spid="10"/>
+                                        </p:tgtEl>
+                                        <p:attrNameLst>
+                                          <p:attrName>ppt_x</p:attrName>
+                                          <p:attrName>ppt_y</p:attrName>
+                                        </p:attrNameLst>
+                                      </p:cBhvr>
+                                      <p:rCtr x="-27734" y="10463"/>
+                                    </p:animMotion>
+                                  </p:childTnLst>
+                                </p:cTn>
+                              </p:par>
+                            </p:childTnLst>
+                          </p:cTn>
+                        </p:par>
+                        <p:par>
+                          <p:cTn id="13" fill="hold">
+                            <p:stCondLst>
+                              <p:cond delay="2500"/>
+                            </p:stCondLst>
+                            <p:childTnLst>
+                              <p:par>
+                                <p:cTn id="14" presetID="63" presetClass="path" presetSubtype="0" accel="50000" decel="50000" fill="hold" grpId="0" nodeType="afterEffect">
+                                  <p:stCondLst>
+                                    <p:cond delay="0"/>
+                                  </p:stCondLst>
+                                  <p:childTnLst>
+                                    <p:animMotion origin="layout" path="M 4.375E-6 1.11111E-6 L 0.0944 1.11111E-6 " pathEditMode="relative" rAng="0" ptsTypes="AA">
+                                      <p:cBhvr>
+                                        <p:cTn id="15" dur="500" fill="hold"/>
+                                        <p:tgtEl>
+                                          <p:spTgt spid="17"/>
+                                        </p:tgtEl>
+                                        <p:attrNameLst>
+                                          <p:attrName>ppt_x</p:attrName>
+                                          <p:attrName>ppt_y</p:attrName>
+                                        </p:attrNameLst>
+                                      </p:cBhvr>
+                                      <p:rCtr x="4714" y="0"/>
+                                    </p:animMotion>
+                                  </p:childTnLst>
+                                </p:cTn>
+                              </p:par>
+                            </p:childTnLst>
+                          </p:cTn>
+                        </p:par>
+                        <p:par>
+                          <p:cTn id="16" fill="hold">
+                            <p:stCondLst>
+                              <p:cond delay="3000"/>
+                            </p:stCondLst>
+                            <p:childTnLst>
+                              <p:par>
+                                <p:cTn id="17" presetID="63" presetClass="path" presetSubtype="0" accel="50000" decel="50000" fill="hold" grpId="1" nodeType="afterEffect">
+                                  <p:stCondLst>
+                                    <p:cond delay="0"/>
+                                  </p:stCondLst>
+                                  <p:childTnLst>
+                                    <p:animMotion origin="layout" path="M 0.0944 1.11111E-6 L 0.19205 1.11111E-6 " pathEditMode="relative" rAng="0" ptsTypes="AA">
+                                      <p:cBhvr>
+                                        <p:cTn id="18" dur="500" fill="hold"/>
+                                        <p:tgtEl>
+                                          <p:spTgt spid="17"/>
+                                        </p:tgtEl>
+                                        <p:attrNameLst>
+                                          <p:attrName>ppt_x</p:attrName>
+                                          <p:attrName>ppt_y</p:attrName>
+                                        </p:attrNameLst>
+                                      </p:cBhvr>
+                                      <p:rCtr x="4883" y="0"/>
+                                    </p:animMotion>
+                                  </p:childTnLst>
+                                </p:cTn>
+                              </p:par>
+                            </p:childTnLst>
+                          </p:cTn>
+                        </p:par>
+                        <p:par>
+                          <p:cTn id="19" fill="hold">
+                            <p:stCondLst>
+                              <p:cond delay="3500"/>
+                            </p:stCondLst>
+                            <p:childTnLst>
+                              <p:par>
+                                <p:cTn id="20" presetID="37" presetClass="path" presetSubtype="0" accel="50000" decel="50000" fill="hold" grpId="0" nodeType="afterEffect">
+                                  <p:stCondLst>
+                                    <p:cond delay="0"/>
+                                  </p:stCondLst>
+                                  <p:childTnLst>
+                                    <p:animMotion origin="layout" path="M -6.25E-7 -3.7037E-7 L 0.09792 0.15532 C 0.11823 0.19051 0.14883 0.20949 0.18099 0.20949 C 0.21745 0.20949 0.24675 0.19051 0.26706 0.15532 L 0.3651 -3.7037E-7 " pathEditMode="relative" rAng="0" ptsTypes="AAAAA">
+                                      <p:cBhvr>
+                                        <p:cTn id="21" dur="1000" fill="hold"/>
+                                        <p:tgtEl>
+                                          <p:spTgt spid="6"/>
+                                        </p:tgtEl>
+                                        <p:attrNameLst>
+                                          <p:attrName>ppt_x</p:attrName>
+                                          <p:attrName>ppt_y</p:attrName>
+                                        </p:attrNameLst>
+                                      </p:cBhvr>
+                                      <p:rCtr x="18255" y="10463"/>
+                                    </p:animMotion>
+                                  </p:childTnLst>
+                                </p:cTn>
+                              </p:par>
+                            </p:childTnLst>
+                          </p:cTn>
+                        </p:par>
+                        <p:par>
+                          <p:cTn id="22" fill="hold">
+                            <p:stCondLst>
+                              <p:cond delay="4500"/>
+                            </p:stCondLst>
+                            <p:childTnLst>
+                              <p:par>
+                                <p:cTn id="23" presetID="35" presetClass="path" presetSubtype="0" accel="50000" decel="50000" fill="hold" grpId="1" nodeType="afterEffect">
+                                  <p:stCondLst>
+                                    <p:cond delay="0"/>
+                                  </p:stCondLst>
+                                  <p:childTnLst>
+                                    <p:animMotion origin="layout" path="M -0.09179 2.22222E-6 L -0.19062 2.22222E-6 " pathEditMode="relative" rAng="0" ptsTypes="AA">
+                                      <p:cBhvr>
+                                        <p:cTn id="24" dur="500" fill="hold"/>
+                                        <p:tgtEl>
+                                          <p:spTgt spid="18"/>
+                                        </p:tgtEl>
+                                        <p:attrNameLst>
+                                          <p:attrName>ppt_x</p:attrName>
+                                          <p:attrName>ppt_y</p:attrName>
+                                        </p:attrNameLst>
+                                      </p:cBhvr>
+                                      <p:rCtr x="-4948" y="0"/>
+                                    </p:animMotion>
+                                  </p:childTnLst>
+                                </p:cTn>
+                              </p:par>
+                            </p:childTnLst>
+                          </p:cTn>
+                        </p:par>
+                        <p:par>
+                          <p:cTn id="25" fill="hold">
+                            <p:stCondLst>
+                              <p:cond delay="5000"/>
+                            </p:stCondLst>
+                            <p:childTnLst>
+                              <p:par>
+                                <p:cTn id="26" presetID="35" presetClass="path" presetSubtype="0" accel="50000" decel="50000" fill="hold" grpId="2" nodeType="afterEffect">
+                                  <p:stCondLst>
+                                    <p:cond delay="0"/>
+                                  </p:stCondLst>
+                                  <p:childTnLst>
+                                    <p:animMotion origin="layout" path="M -0.19062 2.22222E-6 L -0.28229 2.22222E-6 " pathEditMode="relative" rAng="0" ptsTypes="AA">
+                                      <p:cBhvr>
+                                        <p:cTn id="27" dur="500" fill="hold"/>
+                                        <p:tgtEl>
+                                          <p:spTgt spid="18"/>
+                                        </p:tgtEl>
+                                        <p:attrNameLst>
+                                          <p:attrName>ppt_x</p:attrName>
+                                          <p:attrName>ppt_y</p:attrName>
+                                        </p:attrNameLst>
+                                      </p:cBhvr>
+                                      <p:rCtr x="-5117" y="0"/>
+                                    </p:animMotion>
+                                  </p:childTnLst>
+                                </p:cTn>
+                              </p:par>
+                            </p:childTnLst>
+                          </p:cTn>
+                        </p:par>
+                        <p:par>
+                          <p:cTn id="28" fill="hold">
+                            <p:stCondLst>
+                              <p:cond delay="5500"/>
+                            </p:stCondLst>
+                            <p:childTnLst>
+                              <p:par>
+                                <p:cTn id="29" presetID="35" presetClass="path" presetSubtype="0" accel="50000" decel="50000" fill="hold" grpId="3" nodeType="afterEffect">
+                                  <p:stCondLst>
+                                    <p:cond delay="0"/>
+                                  </p:stCondLst>
+                                  <p:childTnLst>
+                                    <p:animMotion origin="layout" path="M -0.2823 2.22222E-6 L -0.37161 2.22222E-6 " pathEditMode="relative" rAng="0" ptsTypes="AA">
+                                      <p:cBhvr>
+                                        <p:cTn id="30" dur="500" fill="hold"/>
+                                        <p:tgtEl>
+                                          <p:spTgt spid="18"/>
+                                        </p:tgtEl>
+                                        <p:attrNameLst>
+                                          <p:attrName>ppt_x</p:attrName>
+                                          <p:attrName>ppt_y</p:attrName>
+                                        </p:attrNameLst>
+                                      </p:cBhvr>
+                                      <p:rCtr x="-4831" y="0"/>
+                                    </p:animMotion>
+                                  </p:childTnLst>
+                                </p:cTn>
+                              </p:par>
+                            </p:childTnLst>
+                          </p:cTn>
+                        </p:par>
+                        <p:par>
+                          <p:cTn id="31" fill="hold">
+                            <p:stCondLst>
+                              <p:cond delay="6000"/>
+                            </p:stCondLst>
+                            <p:childTnLst>
+                              <p:par>
+                                <p:cTn id="32" presetID="35" presetClass="path" presetSubtype="0" accel="50000" decel="50000" fill="hold" grpId="4" nodeType="afterEffect">
+                                  <p:stCondLst>
+                                    <p:cond delay="0"/>
+                                  </p:stCondLst>
+                                  <p:childTnLst>
+                                    <p:animMotion origin="layout" path="M -0.37161 2.22222E-6 L -0.45729 2.22222E-6 " pathEditMode="relative" rAng="0" ptsTypes="AA">
+                                      <p:cBhvr>
+                                        <p:cTn id="33" dur="500" fill="hold"/>
+                                        <p:tgtEl>
+                                          <p:spTgt spid="18"/>
+                                        </p:tgtEl>
+                                        <p:attrNameLst>
+                                          <p:attrName>ppt_x</p:attrName>
+                                          <p:attrName>ppt_y</p:attrName>
+                                        </p:attrNameLst>
+                                      </p:cBhvr>
+                                      <p:rCtr x="-4284" y="0"/>
+                                    </p:animMotion>
+                                  </p:childTnLst>
+                                </p:cTn>
+                              </p:par>
+                            </p:childTnLst>
+                          </p:cTn>
+                        </p:par>
+                        <p:par>
+                          <p:cTn id="34" fill="hold">
+                            <p:stCondLst>
+                              <p:cond delay="6500"/>
+                            </p:stCondLst>
+                            <p:childTnLst>
+                              <p:par>
+                                <p:cTn id="35" presetID="0" presetClass="path" presetSubtype="0" accel="50000" decel="50000" fill="hold" grpId="1" nodeType="afterEffect">
+                                  <p:stCondLst>
+                                    <p:cond delay="0"/>
+                                  </p:stCondLst>
+                                  <p:childTnLst>
+                                    <p:animMotion origin="layout" path="M -3.54167E-6 -0.24352 L 0.18451 0.00417 " pathEditMode="relative" rAng="0" ptsTypes="AA">
+                                      <p:cBhvr>
+                                        <p:cTn id="36" dur="1000" fill="hold"/>
+                                        <p:tgtEl>
+                                          <p:spTgt spid="13"/>
+                                        </p:tgtEl>
+                                        <p:attrNameLst>
+                                          <p:attrName>ppt_x</p:attrName>
+                                          <p:attrName>ppt_y</p:attrName>
+                                        </p:attrNameLst>
+                                      </p:cBhvr>
+                                      <p:rCtr x="9219" y="12384"/>
+                                    </p:animMotion>
+                                  </p:childTnLst>
+                                </p:cTn>
+                              </p:par>
+                            </p:childTnLst>
+                          </p:cTn>
+                        </p:par>
+                        <p:par>
+                          <p:cTn id="37" fill="hold">
+                            <p:stCondLst>
+                              <p:cond delay="7500"/>
+                            </p:stCondLst>
+                            <p:childTnLst>
+                              <p:par>
+                                <p:cTn id="38" presetID="35" presetClass="path" presetSubtype="0" accel="50000" decel="50000" fill="hold" grpId="2" nodeType="afterEffect">
+                                  <p:stCondLst>
+                                    <p:cond delay="0"/>
+                                  </p:stCondLst>
+                                  <p:childTnLst>
+                                    <p:animMotion origin="layout" path="M 0.19205 1.11111E-6 L -3.75E-6 1.11111E-6 " pathEditMode="relative" rAng="0" ptsTypes="AA">
+                                      <p:cBhvr>
+                                        <p:cTn id="39" dur="500" fill="hold"/>
+                                        <p:tgtEl>
+                                          <p:spTgt spid="17"/>
+                                        </p:tgtEl>
+                                        <p:attrNameLst>
+                                          <p:attrName>ppt_x</p:attrName>
+                                          <p:attrName>ppt_y</p:attrName>
+                                        </p:attrNameLst>
+                                      </p:cBhvr>
+                                      <p:rCtr x="-9349" y="0"/>
+                                    </p:animMotion>
+                                  </p:childTnLst>
+                                </p:cTn>
+                              </p:par>
+                              <p:par>
+                                <p:cTn id="40" presetID="35" presetClass="path" presetSubtype="0" accel="50000" decel="50000" fill="hold" grpId="5" nodeType="withEffect">
+                                  <p:stCondLst>
+                                    <p:cond delay="0"/>
+                                  </p:stCondLst>
+                                  <p:childTnLst>
+                                    <p:animMotion origin="layout" path="M -0.45729 2.22222E-6 L -0.55221 -0.00232 " pathEditMode="relative" rAng="0" ptsTypes="AA">
+                                      <p:cBhvr>
+                                        <p:cTn id="41" dur="500" fill="hold"/>
+                                        <p:tgtEl>
+                                          <p:spTgt spid="18"/>
+                                        </p:tgtEl>
+                                        <p:attrNameLst>
+                                          <p:attrName>ppt_x</p:attrName>
+                                          <p:attrName>ppt_y</p:attrName>
+                                        </p:attrNameLst>
+                                      </p:cBhvr>
+                                      <p:rCtr x="-4753" y="-116"/>
+                                    </p:animMotion>
+                                  </p:childTnLst>
+                                </p:cTn>
+                              </p:par>
+                              <p:par>
+                                <p:cTn id="42" presetID="35" presetClass="path" presetSubtype="0" accel="50000" decel="50000" fill="hold" grpId="0" nodeType="withEffect">
+                                  <p:stCondLst>
+                                    <p:cond delay="0"/>
+                                  </p:stCondLst>
+                                  <p:childTnLst>
+                                    <p:animMotion origin="layout" path="M 1.11022E-16 2.22222E-6 L -0.55208 -0.00139 " pathEditMode="relative" rAng="0" ptsTypes="AA">
+                                      <p:cBhvr>
+                                        <p:cTn id="43" dur="500" fill="hold"/>
+                                        <p:tgtEl>
+                                          <p:spTgt spid="19"/>
+                                        </p:tgtEl>
+                                        <p:attrNameLst>
+                                          <p:attrName>ppt_x</p:attrName>
+                                          <p:attrName>ppt_y</p:attrName>
+                                        </p:attrNameLst>
+                                      </p:cBhvr>
+                                      <p:rCtr x="-27604" y="0"/>
+                                    </p:animMotion>
+                                  </p:childTnLst>
+                                </p:cTn>
+                              </p:par>
+                            </p:childTnLst>
+                          </p:cTn>
+                        </p:par>
+                        <p:par>
+                          <p:cTn id="44" fill="hold">
+                            <p:stCondLst>
+                              <p:cond delay="8000"/>
+                            </p:stCondLst>
+                            <p:childTnLst>
+                              <p:par>
+                                <p:cTn id="45" presetID="64" presetClass="path" presetSubtype="0" accel="50000" decel="50000" fill="hold" grpId="1" nodeType="afterEffect">
+                                  <p:stCondLst>
+                                    <p:cond delay="0"/>
+                                  </p:stCondLst>
+                                  <p:childTnLst>
+                                    <p:animMotion origin="layout" path="M -0.55052 -3.7037E-7 L -0.55052 -0.25 " pathEditMode="relative" rAng="0" ptsTypes="AA">
+                                      <p:cBhvr>
+                                        <p:cTn id="46" dur="1000" fill="hold"/>
+                                        <p:tgtEl>
+                                          <p:spTgt spid="10"/>
+                                        </p:tgtEl>
+                                        <p:attrNameLst>
+                                          <p:attrName>ppt_x</p:attrName>
+                                          <p:attrName>ppt_y</p:attrName>
+                                        </p:attrNameLst>
+                                      </p:cBhvr>
+                                      <p:rCtr x="0" y="-12500"/>
+                                    </p:animMotion>
+                                  </p:childTnLst>
+                                </p:cTn>
+                              </p:par>
+                            </p:childTnLst>
+                          </p:cTn>
+                        </p:par>
+                        <p:par>
+                          <p:cTn id="47" fill="hold">
+                            <p:stCondLst>
+                              <p:cond delay="9000"/>
+                            </p:stCondLst>
+                            <p:childTnLst>
+                              <p:par>
+                                <p:cTn id="48" presetID="35" presetClass="path" presetSubtype="0" accel="50000" decel="50000" fill="hold" grpId="6" nodeType="afterEffect">
+                                  <p:stCondLst>
+                                    <p:cond delay="0"/>
+                                  </p:stCondLst>
+                                  <p:childTnLst>
+                                    <p:animMotion origin="layout" path="M -0.55221 -0.00231 L -0.61119 -0.00139 " pathEditMode="relative" rAng="0" ptsTypes="AA">
+                                      <p:cBhvr>
+                                        <p:cTn id="49" dur="500" fill="hold"/>
+                                        <p:tgtEl>
+                                          <p:spTgt spid="18"/>
+                                        </p:tgtEl>
+                                        <p:attrNameLst>
+                                          <p:attrName>ppt_x</p:attrName>
+                                          <p:attrName>ppt_y</p:attrName>
+                                        </p:attrNameLst>
+                                      </p:cBhvr>
+                                      <p:rCtr x="-3190" y="0"/>
+                                    </p:animMotion>
+                                  </p:childTnLst>
+                                </p:cTn>
+                              </p:par>
+                            </p:childTnLst>
+                          </p:cTn>
+                        </p:par>
+                        <p:par>
+                          <p:cTn id="50" fill="hold">
+                            <p:stCondLst>
+                              <p:cond delay="9500"/>
+                            </p:stCondLst>
+                            <p:childTnLst>
+                              <p:par>
+                                <p:cTn id="51" presetID="42" presetClass="path" presetSubtype="0" accel="50000" decel="50000" fill="hold" grpId="2" nodeType="afterEffect">
+                                  <p:stCondLst>
+                                    <p:cond delay="0"/>
+                                  </p:stCondLst>
+                                  <p:childTnLst>
+                                    <p:animMotion origin="layout" path="M -0.55143 -0.24884 L -0.55143 0.00116 " pathEditMode="relative" rAng="0" ptsTypes="AA">
+                                      <p:cBhvr>
+                                        <p:cTn id="52" dur="1000" fill="hold"/>
+                                        <p:tgtEl>
+                                          <p:spTgt spid="10"/>
+                                        </p:tgtEl>
+                                        <p:attrNameLst>
+                                          <p:attrName>ppt_x</p:attrName>
+                                          <p:attrName>ppt_y</p:attrName>
+                                        </p:attrNameLst>
+                                      </p:cBhvr>
+                                      <p:rCtr x="0" y="12500"/>
+                                    </p:animMotion>
+                                  </p:childTnLst>
+                                </p:cTn>
+                              </p:par>
+                            </p:childTnLst>
+                          </p:cTn>
+                        </p:par>
+                        <p:par>
+                          <p:cTn id="53" fill="hold">
+                            <p:stCondLst>
+                              <p:cond delay="10500"/>
+                            </p:stCondLst>
+                            <p:childTnLst>
+                              <p:par>
+                                <p:cTn id="54" presetID="63" presetClass="path" presetSubtype="0" accel="50000" decel="50000" fill="hold" grpId="0" nodeType="afterEffect">
+                                  <p:stCondLst>
+                                    <p:cond delay="0"/>
+                                  </p:stCondLst>
+                                  <p:childTnLst>
+                                    <p:animMotion origin="layout" path="M 8.33333E-7 1.11111E-6 L 0.09427 -0.00092 " pathEditMode="relative" rAng="0" ptsTypes="AA">
+                                      <p:cBhvr>
+                                        <p:cTn id="55" dur="500" fill="hold"/>
+                                        <p:tgtEl>
+                                          <p:spTgt spid="15"/>
+                                        </p:tgtEl>
+                                        <p:attrNameLst>
+                                          <p:attrName>ppt_x</p:attrName>
+                                          <p:attrName>ppt_y</p:attrName>
+                                        </p:attrNameLst>
+                                      </p:cBhvr>
+                                      <p:rCtr x="4766" y="0"/>
+                                    </p:animMotion>
+                                  </p:childTnLst>
+                                </p:cTn>
+                              </p:par>
+                              <p:par>
+                                <p:cTn id="56" presetID="63" presetClass="path" presetSubtype="0" accel="50000" decel="50000" fill="hold" grpId="3" nodeType="withEffect">
+                                  <p:stCondLst>
+                                    <p:cond delay="0"/>
+                                  </p:stCondLst>
+                                  <p:childTnLst>
+                                    <p:animMotion origin="layout" path="M 4.375E-6 1.11111E-6 L 0.0944 1.11111E-6 " pathEditMode="relative" rAng="0" ptsTypes="AA">
+                                      <p:cBhvr>
+                                        <p:cTn id="57" dur="500" fill="hold"/>
+                                        <p:tgtEl>
+                                          <p:spTgt spid="17"/>
+                                        </p:tgtEl>
+                                        <p:attrNameLst>
+                                          <p:attrName>ppt_x</p:attrName>
+                                          <p:attrName>ppt_y</p:attrName>
+                                        </p:attrNameLst>
+                                      </p:cBhvr>
+                                      <p:rCtr x="4661" y="0"/>
+                                    </p:animMotion>
+                                  </p:childTnLst>
+                                </p:cTn>
+                              </p:par>
+                              <p:par>
+                                <p:cTn id="58" presetID="63" presetClass="path" presetSubtype="0" accel="50000" decel="50000" fill="hold" grpId="7" nodeType="withEffect">
+                                  <p:stCondLst>
+                                    <p:cond delay="0"/>
+                                  </p:stCondLst>
+                                  <p:childTnLst>
+                                    <p:animMotion origin="layout" path="M -0.64544 -0.00139 L -0.55221 -0.00232 " pathEditMode="relative" rAng="0" ptsTypes="AA">
+                                      <p:cBhvr>
+                                        <p:cTn id="59" dur="500" fill="hold"/>
+                                        <p:tgtEl>
+                                          <p:spTgt spid="18"/>
+                                        </p:tgtEl>
+                                        <p:attrNameLst>
+                                          <p:attrName>ppt_x</p:attrName>
+                                          <p:attrName>ppt_y</p:attrName>
+                                        </p:attrNameLst>
+                                      </p:cBhvr>
+                                      <p:rCtr x="4688" y="23"/>
+                                    </p:animMotion>
+                                  </p:childTnLst>
+                                </p:cTn>
+                              </p:par>
+                            </p:childTnLst>
+                          </p:cTn>
+                        </p:par>
+                        <p:par>
+                          <p:cTn id="60" fill="hold">
+                            <p:stCondLst>
+                              <p:cond delay="11000"/>
+                            </p:stCondLst>
+                            <p:childTnLst>
+                              <p:par>
+                                <p:cTn id="61" presetID="63" presetClass="path" presetSubtype="0" accel="50000" decel="50000" fill="hold" grpId="8" nodeType="afterEffect">
+                                  <p:stCondLst>
+                                    <p:cond delay="0"/>
+                                  </p:stCondLst>
+                                  <p:childTnLst>
+                                    <p:animMotion origin="layout" path="M -0.51679 -0.00139 L -1.45833E-6 -4.81481E-6 " pathEditMode="relative" rAng="0" ptsTypes="AA">
+                                      <p:cBhvr>
+                                        <p:cTn id="62" dur="500" fill="hold"/>
+                                        <p:tgtEl>
+                                          <p:spTgt spid="18"/>
+                                        </p:tgtEl>
+                                        <p:attrNameLst>
+                                          <p:attrName>ppt_x</p:attrName>
+                                          <p:attrName>ppt_y</p:attrName>
+                                        </p:attrNameLst>
+                                      </p:cBhvr>
+                                      <p:rCtr x="25768" y="46"/>
+                                    </p:animMotion>
+                                  </p:childTnLst>
+                                </p:cTn>
+                              </p:par>
+                              <p:par>
+                                <p:cTn id="63" presetID="63" presetClass="path" presetSubtype="0" accel="50000" decel="50000" fill="hold" grpId="4" nodeType="withEffect">
+                                  <p:stCondLst>
+                                    <p:cond delay="0"/>
+                                  </p:stCondLst>
+                                  <p:childTnLst>
+                                    <p:animMotion origin="layout" path="M 0.0944 1.11111E-6 L 0.27643 1.11111E-6 " pathEditMode="relative" rAng="0" ptsTypes="AA">
+                                      <p:cBhvr>
+                                        <p:cTn id="64" dur="500" fill="hold"/>
+                                        <p:tgtEl>
+                                          <p:spTgt spid="17"/>
+                                        </p:tgtEl>
+                                        <p:attrNameLst>
+                                          <p:attrName>ppt_x</p:attrName>
+                                          <p:attrName>ppt_y</p:attrName>
+                                        </p:attrNameLst>
+                                      </p:cBhvr>
+                                      <p:rCtr x="9102" y="0"/>
+                                    </p:animMotion>
+                                  </p:childTnLst>
+                                </p:cTn>
+                              </p:par>
+                              <p:par>
+                                <p:cTn id="65" presetID="63" presetClass="path" presetSubtype="0" accel="50000" decel="50000" fill="hold" grpId="1" nodeType="withEffect">
+                                  <p:stCondLst>
+                                    <p:cond delay="0"/>
+                                  </p:stCondLst>
+                                  <p:childTnLst>
+                                    <p:animMotion origin="layout" path="M -0.55208 -0.00139 L -2.29167E-6 -4.81481E-6 " pathEditMode="relative" rAng="0" ptsTypes="AA">
+                                      <p:cBhvr>
+                                        <p:cTn id="66" dur="500" fill="hold"/>
+                                        <p:tgtEl>
+                                          <p:spTgt spid="19"/>
+                                        </p:tgtEl>
+                                        <p:attrNameLst>
+                                          <p:attrName>ppt_x</p:attrName>
+                                          <p:attrName>ppt_y</p:attrName>
+                                        </p:attrNameLst>
+                                      </p:cBhvr>
+                                      <p:rCtr x="27669" y="46"/>
+                                    </p:animMotion>
+                                  </p:childTnLst>
+                                </p:cTn>
+                              </p:par>
+                              <p:par>
+                                <p:cTn id="67" presetID="63" presetClass="path" presetSubtype="0" accel="50000" decel="50000" fill="hold" grpId="1" nodeType="withEffect">
+                                  <p:stCondLst>
+                                    <p:cond delay="0"/>
+                                  </p:stCondLst>
+                                  <p:childTnLst>
+                                    <p:animMotion origin="layout" path="M 0.09427 -0.00092 L 0.27487 0.00139 " pathEditMode="relative" rAng="0" ptsTypes="AA">
+                                      <p:cBhvr>
+                                        <p:cTn id="68" dur="500" fill="hold"/>
+                                        <p:tgtEl>
+                                          <p:spTgt spid="15"/>
+                                        </p:tgtEl>
+                                        <p:attrNameLst>
+                                          <p:attrName>ppt_x</p:attrName>
+                                          <p:attrName>ppt_y</p:attrName>
+                                        </p:attrNameLst>
+                                      </p:cBhvr>
+                                      <p:rCtr x="8906" y="69"/>
+                                    </p:animMotion>
+                                  </p:childTnLst>
+                                </p:cTn>
+                              </p:par>
+                            </p:childTnLst>
+                          </p:cTn>
+                        </p:par>
+                        <p:par>
+                          <p:cTn id="69" fill="hold">
+                            <p:stCondLst>
+                              <p:cond delay="11500"/>
+                            </p:stCondLst>
+                            <p:childTnLst>
+                              <p:par>
+                                <p:cTn id="70" presetID="64" presetClass="path" presetSubtype="0" accel="50000" decel="50000" fill="hold" grpId="0" nodeType="afterEffect">
+                                  <p:stCondLst>
+                                    <p:cond delay="0"/>
+                                  </p:stCondLst>
+                                  <p:childTnLst>
+                                    <p:animMotion origin="layout" path="M 0 0 L 0 -0.25 E" pathEditMode="relative" ptsTypes="">
+                                      <p:cBhvr>
+                                        <p:cTn id="71" dur="1000" fill="hold"/>
+                                        <p:tgtEl>
+                                          <p:spTgt spid="7"/>
+                                        </p:tgtEl>
+                                        <p:attrNameLst>
+                                          <p:attrName>ppt_x</p:attrName>
+                                          <p:attrName>ppt_y</p:attrName>
+                                        </p:attrNameLst>
+                                      </p:cBhvr>
+                                    </p:animMotion>
+                                  </p:childTnLst>
+                                </p:cTn>
+                              </p:par>
+                            </p:childTnLst>
+                          </p:cTn>
+                        </p:par>
+                        <p:par>
+                          <p:cTn id="72" fill="hold">
+                            <p:stCondLst>
+                              <p:cond delay="12500"/>
+                            </p:stCondLst>
+                            <p:childTnLst>
+                              <p:par>
+                                <p:cTn id="73" presetID="37" presetClass="path" presetSubtype="0" accel="50000" decel="50000" fill="hold" grpId="0" nodeType="afterEffect">
+                                  <p:stCondLst>
+                                    <p:cond delay="0"/>
+                                  </p:stCondLst>
+                                  <p:childTnLst>
+                                    <p:animMotion origin="layout" path="M 0.00052 -3.7037E-7 L -0.09818 0.15532 C -0.11875 0.19051 -0.14961 0.20949 -0.18203 0.20949 C -0.21875 0.20949 -0.24818 0.19051 -0.26875 0.15532 L -0.36719 -3.7037E-7 " pathEditMode="relative" rAng="0" ptsTypes="AAAAA">
+                                      <p:cBhvr>
+                                        <p:cTn id="74" dur="1000" fill="hold"/>
+                                        <p:tgtEl>
+                                          <p:spTgt spid="11"/>
+                                        </p:tgtEl>
+                                        <p:attrNameLst>
+                                          <p:attrName>ppt_x</p:attrName>
+                                          <p:attrName>ppt_y</p:attrName>
+                                        </p:attrNameLst>
+                                      </p:cBhvr>
+                                      <p:rCtr x="-18385" y="10463"/>
+                                    </p:animMotion>
+                                  </p:childTnLst>
+                                </p:cTn>
+                              </p:par>
+                            </p:childTnLst>
+                          </p:cTn>
+                        </p:par>
+                        <p:par>
+                          <p:cTn id="75" fill="hold">
+                            <p:stCondLst>
+                              <p:cond delay="13500"/>
+                            </p:stCondLst>
+                            <p:childTnLst>
+                              <p:par>
+                                <p:cTn id="76" presetID="63" presetClass="path" presetSubtype="0" accel="50000" decel="50000" fill="hold" grpId="5" nodeType="afterEffect">
+                                  <p:stCondLst>
+                                    <p:cond delay="0"/>
+                                  </p:stCondLst>
+                                  <p:childTnLst>
+                                    <p:animMotion origin="layout" path="M 0.27643 -4.81481E-6 L 0.36627 1.11111E-6 " pathEditMode="relative" rAng="0" ptsTypes="AA">
+                                      <p:cBhvr>
+                                        <p:cTn id="77" dur="500" fill="hold"/>
+                                        <p:tgtEl>
+                                          <p:spTgt spid="17"/>
+                                        </p:tgtEl>
+                                        <p:attrNameLst>
+                                          <p:attrName>ppt_x</p:attrName>
+                                          <p:attrName>ppt_y</p:attrName>
+                                        </p:attrNameLst>
+                                      </p:cBhvr>
+                                      <p:rCtr x="4648" y="-46"/>
+                                    </p:animMotion>
+                                  </p:childTnLst>
+                                </p:cTn>
+                              </p:par>
+                            </p:childTnLst>
+                          </p:cTn>
+                        </p:par>
+                        <p:par>
+                          <p:cTn id="78" fill="hold">
+                            <p:stCondLst>
+                              <p:cond delay="14000"/>
+                            </p:stCondLst>
+                            <p:childTnLst>
+                              <p:par>
+                                <p:cTn id="79" presetID="37" presetClass="path" presetSubtype="0" accel="50000" decel="50000" fill="hold" grpId="0" nodeType="afterEffect">
+                                  <p:stCondLst>
+                                    <p:cond delay="0"/>
+                                  </p:stCondLst>
+                                  <p:childTnLst>
+                                    <p:animMotion origin="layout" path="M 0.00039 -3.7037E-7 L 0.07422 0.15532 C 0.08958 0.19051 0.11263 0.20949 0.13698 0.20949 C 0.16445 0.20949 0.18659 0.19051 0.20195 0.15532 L 0.27591 -3.7037E-7 " pathEditMode="relative" rAng="0" ptsTypes="AAAAA">
+                                      <p:cBhvr>
+                                        <p:cTn id="80" dur="1000" fill="hold"/>
+                                        <p:tgtEl>
+                                          <p:spTgt spid="8"/>
+                                        </p:tgtEl>
+                                        <p:attrNameLst>
+                                          <p:attrName>ppt_x</p:attrName>
+                                          <p:attrName>ppt_y</p:attrName>
+                                        </p:attrNameLst>
+                                      </p:cBhvr>
+                                      <p:rCtr x="13776" y="10463"/>
+                                    </p:animMotion>
+                                  </p:childTnLst>
+                                </p:cTn>
+                              </p:par>
+                            </p:childTnLst>
+                          </p:cTn>
+                        </p:par>
+                        <p:par>
+                          <p:cTn id="81" fill="hold">
+                            <p:stCondLst>
+                              <p:cond delay="15000"/>
+                            </p:stCondLst>
+                            <p:childTnLst>
+                              <p:par>
+                                <p:cTn id="82" presetID="35" presetClass="path" presetSubtype="0" accel="50000" decel="50000" fill="hold" grpId="9" nodeType="afterEffect">
+                                  <p:stCondLst>
+                                    <p:cond delay="0"/>
+                                  </p:stCondLst>
+                                  <p:childTnLst>
+                                    <p:animMotion origin="layout" path="M -3.54167E-6 2.22222E-6 L -0.09179 2.22222E-6 " pathEditMode="relative" rAng="0" ptsTypes="AA">
+                                      <p:cBhvr>
+                                        <p:cTn id="83" dur="500" fill="hold"/>
+                                        <p:tgtEl>
+                                          <p:spTgt spid="18"/>
+                                        </p:tgtEl>
+                                        <p:attrNameLst>
+                                          <p:attrName>ppt_x</p:attrName>
+                                          <p:attrName>ppt_y</p:attrName>
+                                        </p:attrNameLst>
+                                      </p:cBhvr>
+                                      <p:rCtr x="-4596" y="0"/>
+                                    </p:animMotion>
+                                  </p:childTnLst>
+                                </p:cTn>
+                              </p:par>
+                            </p:childTnLst>
+                          </p:cTn>
+                        </p:par>
+                        <p:par>
+                          <p:cTn id="84" fill="hold">
+                            <p:stCondLst>
+                              <p:cond delay="15500"/>
+                            </p:stCondLst>
+                            <p:childTnLst>
+                              <p:par>
+                                <p:cTn id="85" presetID="37" presetClass="path" presetSubtype="0" accel="50000" decel="50000" fill="hold" grpId="1" nodeType="afterEffect">
+                                  <p:stCondLst>
+                                    <p:cond delay="0"/>
+                                  </p:stCondLst>
+                                  <p:childTnLst>
+                                    <p:animMotion origin="layout" path="M 0.3651 -3.7037E-7 L 0.31614 0.15532 C 0.30586 0.19051 0.29062 0.20949 0.27461 0.20949 C 0.25625 0.20949 0.24179 0.19051 0.23164 0.15532 L 0.18294 -3.7037E-7 " pathEditMode="relative" rAng="0" ptsTypes="AAAAA">
+                                      <p:cBhvr>
+                                        <p:cTn id="86" dur="1000" fill="hold"/>
+                                        <p:tgtEl>
+                                          <p:spTgt spid="6"/>
+                                        </p:tgtEl>
+                                        <p:attrNameLst>
+                                          <p:attrName>ppt_x</p:attrName>
+                                          <p:attrName>ppt_y</p:attrName>
+                                        </p:attrNameLst>
+                                      </p:cBhvr>
+                                      <p:rCtr x="-9115" y="10463"/>
+                                    </p:animMotion>
+                                  </p:childTnLst>
+                                </p:cTn>
+                              </p:par>
+                            </p:childTnLst>
+                          </p:cTn>
+                        </p:par>
+                        <p:par>
+                          <p:cTn id="87" fill="hold">
+                            <p:stCondLst>
+                              <p:cond delay="16500"/>
+                            </p:stCondLst>
+                            <p:childTnLst>
+                              <p:par>
+                                <p:cTn id="88" presetID="63" presetClass="path" presetSubtype="0" accel="50000" decel="50000" fill="hold" grpId="6" nodeType="afterEffect">
+                                  <p:stCondLst>
+                                    <p:cond delay="0"/>
+                                  </p:stCondLst>
+                                  <p:childTnLst>
+                                    <p:animMotion origin="layout" path="M 0.36627 1.11111E-6 L 0.45898 0.00231 " pathEditMode="relative" rAng="0" ptsTypes="AA">
+                                      <p:cBhvr>
+                                        <p:cTn id="89" dur="500" fill="hold"/>
+                                        <p:tgtEl>
+                                          <p:spTgt spid="17"/>
+                                        </p:tgtEl>
+                                        <p:attrNameLst>
+                                          <p:attrName>ppt_x</p:attrName>
+                                          <p:attrName>ppt_y</p:attrName>
+                                        </p:attrNameLst>
+                                      </p:cBhvr>
+                                      <p:rCtr x="4635" y="116"/>
+                                    </p:animMotion>
+                                  </p:childTnLst>
+                                </p:cTn>
+                              </p:par>
+                            </p:childTnLst>
+                          </p:cTn>
+                        </p:par>
+                        <p:par>
+                          <p:cTn id="90" fill="hold">
+                            <p:stCondLst>
+                              <p:cond delay="17000"/>
+                            </p:stCondLst>
+                            <p:childTnLst>
+                              <p:par>
+                                <p:cTn id="91" presetID="63" presetClass="path" presetSubtype="0" accel="50000" decel="50000" fill="hold" grpId="7" nodeType="afterEffect">
+                                  <p:stCondLst>
+                                    <p:cond delay="0"/>
+                                  </p:stCondLst>
+                                  <p:childTnLst>
+                                    <p:animMotion origin="layout" path="M 0.45898 0.00232 L 0.54895 0.00139 " pathEditMode="relative" rAng="0" ptsTypes="AA">
+                                      <p:cBhvr>
+                                        <p:cTn id="92" dur="500" fill="hold"/>
+                                        <p:tgtEl>
+                                          <p:spTgt spid="17"/>
+                                        </p:tgtEl>
+                                        <p:attrNameLst>
+                                          <p:attrName>ppt_x</p:attrName>
+                                          <p:attrName>ppt_y</p:attrName>
+                                        </p:attrNameLst>
+                                      </p:cBhvr>
+                                      <p:rCtr x="4688" y="0"/>
+                                    </p:animMotion>
+                                  </p:childTnLst>
+                                </p:cTn>
+                              </p:par>
+                            </p:childTnLst>
+                          </p:cTn>
+                        </p:par>
+                        <p:par>
+                          <p:cTn id="93" fill="hold">
+                            <p:stCondLst>
+                              <p:cond delay="17500"/>
+                            </p:stCondLst>
+                            <p:childTnLst>
+                              <p:par>
+                                <p:cTn id="94" presetID="0" presetClass="path" presetSubtype="0" accel="50000" decel="50000" fill="hold" grpId="1" nodeType="afterEffect">
+                                  <p:stCondLst>
+                                    <p:cond delay="0"/>
+                                  </p:stCondLst>
+                                  <p:childTnLst>
+                                    <p:animMotion origin="layout" path="M 0.00209 -0.2463 L 0.275 -3.7037E-7 " pathEditMode="relative" rAng="0" ptsTypes="AA">
+                                      <p:cBhvr>
+                                        <p:cTn id="95" dur="1000" fill="hold"/>
+                                        <p:tgtEl>
+                                          <p:spTgt spid="7"/>
+                                        </p:tgtEl>
+                                        <p:attrNameLst>
+                                          <p:attrName>ppt_x</p:attrName>
+                                          <p:attrName>ppt_y</p:attrName>
+                                        </p:attrNameLst>
+                                      </p:cBhvr>
+                                      <p:rCtr x="13646" y="12315"/>
+                                    </p:animMotion>
+                                  </p:childTnLst>
+                                </p:cTn>
+                              </p:par>
+                            </p:childTnLst>
+                          </p:cTn>
+                        </p:par>
+                        <p:par>
+                          <p:cTn id="96" fill="hold">
+                            <p:stCondLst>
+                              <p:cond delay="18500"/>
+                            </p:stCondLst>
+                            <p:childTnLst>
+                              <p:par>
+                                <p:cTn id="97" presetID="35" presetClass="path" presetSubtype="0" accel="50000" decel="50000" fill="hold" grpId="2" nodeType="afterEffect">
+                                  <p:stCondLst>
+                                    <p:cond delay="0"/>
+                                  </p:stCondLst>
+                                  <p:childTnLst>
+                                    <p:animMotion origin="layout" path="M 1.11022E-16 2.22222E-6 L -0.1875 0.00093 " pathEditMode="relative" rAng="0" ptsTypes="AA">
+                                      <p:cBhvr>
+                                        <p:cTn id="98" dur="500" fill="hold"/>
+                                        <p:tgtEl>
+                                          <p:spTgt spid="19"/>
+                                        </p:tgtEl>
+                                        <p:attrNameLst>
+                                          <p:attrName>ppt_x</p:attrName>
+                                          <p:attrName>ppt_y</p:attrName>
+                                        </p:attrNameLst>
+                                      </p:cBhvr>
+                                      <p:rCtr x="-9414" y="0"/>
+                                    </p:animMotion>
+                                  </p:childTnLst>
+                                </p:cTn>
+                              </p:par>
+                              <p:par>
+                                <p:cTn id="99" presetID="35" presetClass="path" presetSubtype="0" accel="50000" decel="50000" fill="hold" grpId="10" nodeType="withEffect">
+                                  <p:stCondLst>
+                                    <p:cond delay="0"/>
+                                  </p:stCondLst>
+                                  <p:childTnLst>
+                                    <p:animMotion origin="layout" path="M -0.09179 2.22222E-6 L -0.19063 2.22222E-6 " pathEditMode="relative" rAng="0" ptsTypes="AA">
+                                      <p:cBhvr>
+                                        <p:cTn id="100" dur="500" fill="hold"/>
+                                        <p:tgtEl>
+                                          <p:spTgt spid="18"/>
+                                        </p:tgtEl>
+                                        <p:attrNameLst>
+                                          <p:attrName>ppt_x</p:attrName>
+                                          <p:attrName>ppt_y</p:attrName>
+                                        </p:attrNameLst>
+                                      </p:cBhvr>
+                                      <p:rCtr x="-4896" y="0"/>
+                                    </p:animMotion>
+                                  </p:childTnLst>
+                                </p:cTn>
+                              </p:par>
+                              <p:par>
+                                <p:cTn id="101" presetID="63" presetClass="path" presetSubtype="0" accel="50000" decel="50000" fill="hold" grpId="8" nodeType="withEffect">
+                                  <p:stCondLst>
+                                    <p:cond delay="0"/>
+                                  </p:stCondLst>
+                                  <p:childTnLst>
+                                    <p:animMotion origin="layout" path="M 0.54895 0.00139 L 0.27643 2.22222E-6 " pathEditMode="relative" rAng="0" ptsTypes="AA">
+                                      <p:cBhvr>
+                                        <p:cTn id="102" dur="500" fill="hold"/>
+                                        <p:tgtEl>
+                                          <p:spTgt spid="17"/>
+                                        </p:tgtEl>
+                                        <p:attrNameLst>
+                                          <p:attrName>ppt_x</p:attrName>
+                                          <p:attrName>ppt_y</p:attrName>
+                                        </p:attrNameLst>
+                                      </p:cBhvr>
+                                      <p:rCtr x="-13451" y="0"/>
+                                    </p:animMotion>
+                                  </p:childTnLst>
+                                </p:cTn>
+                              </p:par>
+                            </p:childTnLst>
+                          </p:cTn>
+                        </p:par>
+                        <p:par>
+                          <p:cTn id="103" fill="hold">
+                            <p:stCondLst>
+                              <p:cond delay="19000"/>
+                            </p:stCondLst>
+                            <p:childTnLst>
+                              <p:par>
+                                <p:cTn id="104" presetID="64" presetClass="path" presetSubtype="0" accel="50000" decel="50000" fill="hold" grpId="1" nodeType="afterEffect">
+                                  <p:stCondLst>
+                                    <p:cond delay="0"/>
+                                  </p:stCondLst>
+                                  <p:childTnLst>
+                                    <p:animMotion origin="layout" path="M -0.36823 -3.7037E-7 L -0.36823 -0.25 " pathEditMode="relative" rAng="0" ptsTypes="AA">
+                                      <p:cBhvr>
+                                        <p:cTn id="105" dur="1000" fill="hold"/>
+                                        <p:tgtEl>
+                                          <p:spTgt spid="11"/>
+                                        </p:tgtEl>
+                                        <p:attrNameLst>
+                                          <p:attrName>ppt_x</p:attrName>
+                                          <p:attrName>ppt_y</p:attrName>
+                                        </p:attrNameLst>
+                                      </p:cBhvr>
+                                      <p:rCtr x="0" y="-12500"/>
+                                    </p:animMotion>
+                                  </p:childTnLst>
+                                </p:cTn>
+                              </p:par>
+                            </p:childTnLst>
+                          </p:cTn>
+                        </p:par>
+                        <p:par>
+                          <p:cTn id="106" fill="hold">
+                            <p:stCondLst>
+                              <p:cond delay="20000"/>
+                            </p:stCondLst>
+                            <p:childTnLst>
+                              <p:par>
+                                <p:cTn id="107" presetID="35" presetClass="path" presetSubtype="0" accel="50000" decel="50000" fill="hold" grpId="11" nodeType="afterEffect">
+                                  <p:stCondLst>
+                                    <p:cond delay="0"/>
+                                  </p:stCondLst>
+                                  <p:childTnLst>
+                                    <p:animMotion origin="layout" path="M -0.19062 2.22222E-6 L -0.28229 2.22222E-6 " pathEditMode="relative" rAng="0" ptsTypes="AA">
+                                      <p:cBhvr>
+                                        <p:cTn id="108" dur="500" fill="hold"/>
+                                        <p:tgtEl>
+                                          <p:spTgt spid="18"/>
+                                        </p:tgtEl>
+                                        <p:attrNameLst>
+                                          <p:attrName>ppt_x</p:attrName>
+                                          <p:attrName>ppt_y</p:attrName>
+                                        </p:attrNameLst>
+                                      </p:cBhvr>
+                                      <p:rCtr x="-4401" y="0"/>
+                                    </p:animMotion>
+                                  </p:childTnLst>
+                                </p:cTn>
+                              </p:par>
+                            </p:childTnLst>
+                          </p:cTn>
+                        </p:par>
+                        <p:par>
+                          <p:cTn id="109" fill="hold">
+                            <p:stCondLst>
+                              <p:cond delay="20500"/>
+                            </p:stCondLst>
+                            <p:childTnLst>
+                              <p:par>
+                                <p:cTn id="110" presetID="37" presetClass="path" presetSubtype="0" accel="50000" decel="50000" fill="hold" grpId="2" nodeType="afterEffect">
+                                  <p:stCondLst>
+                                    <p:cond delay="0"/>
+                                  </p:stCondLst>
+                                  <p:childTnLst>
+                                    <p:animMotion origin="layout" path="M 0.18294 -3.7037E-7 L 0.15794 0.15532 C 0.15273 0.19051 0.14492 0.20949 0.13672 0.20949 C 0.12747 0.20949 0.12005 0.19051 0.11484 0.15532 L 0.08984 -3.7037E-7 " pathEditMode="relative" rAng="0" ptsTypes="AAAAA">
+                                      <p:cBhvr>
+                                        <p:cTn id="111" dur="1000" fill="hold"/>
+                                        <p:tgtEl>
+                                          <p:spTgt spid="6"/>
+                                        </p:tgtEl>
+                                        <p:attrNameLst>
+                                          <p:attrName>ppt_x</p:attrName>
+                                          <p:attrName>ppt_y</p:attrName>
+                                        </p:attrNameLst>
+                                      </p:cBhvr>
+                                      <p:rCtr x="-4661" y="10463"/>
+                                    </p:animMotion>
+                                  </p:childTnLst>
+                                </p:cTn>
+                              </p:par>
+                            </p:childTnLst>
+                          </p:cTn>
+                        </p:par>
+                        <p:par>
+                          <p:cTn id="112" fill="hold">
+                            <p:stCondLst>
+                              <p:cond delay="21500"/>
+                            </p:stCondLst>
+                            <p:childTnLst>
+                              <p:par>
+                                <p:cTn id="113" presetID="63" presetClass="path" presetSubtype="0" accel="50000" decel="50000" fill="hold" grpId="9" nodeType="afterEffect">
+                                  <p:stCondLst>
+                                    <p:cond delay="0"/>
+                                  </p:stCondLst>
+                                  <p:childTnLst>
+                                    <p:animMotion origin="layout" path="M 0.27643 1.11111E-6 L 0.36628 1.11111E-6 " pathEditMode="relative" rAng="0" ptsTypes="AA">
+                                      <p:cBhvr>
+                                        <p:cTn id="114" dur="500" fill="hold"/>
+                                        <p:tgtEl>
+                                          <p:spTgt spid="17"/>
+                                        </p:tgtEl>
+                                        <p:attrNameLst>
+                                          <p:attrName>ppt_x</p:attrName>
+                                          <p:attrName>ppt_y</p:attrName>
+                                        </p:attrNameLst>
+                                      </p:cBhvr>
+                                      <p:rCtr x="4440" y="0"/>
+                                    </p:animMotion>
+                                  </p:childTnLst>
+                                </p:cTn>
+                              </p:par>
+                            </p:childTnLst>
+                          </p:cTn>
+                        </p:par>
+                        <p:par>
+                          <p:cTn id="115" fill="hold">
+                            <p:stCondLst>
+                              <p:cond delay="22000"/>
+                            </p:stCondLst>
+                            <p:childTnLst>
+                              <p:par>
+                                <p:cTn id="116" presetID="0" presetClass="path" presetSubtype="0" accel="50000" decel="50000" fill="hold" grpId="2" nodeType="afterEffect">
+                                  <p:stCondLst>
+                                    <p:cond delay="0"/>
+                                  </p:stCondLst>
+                                  <p:childTnLst>
+                                    <p:animMotion origin="layout" path="M -0.37031 -0.24444 L -0.275 0.00278 " pathEditMode="relative" rAng="0" ptsTypes="AA">
+                                      <p:cBhvr>
+                                        <p:cTn id="117" dur="1000" fill="hold"/>
+                                        <p:tgtEl>
+                                          <p:spTgt spid="11"/>
+                                        </p:tgtEl>
+                                        <p:attrNameLst>
+                                          <p:attrName>ppt_x</p:attrName>
+                                          <p:attrName>ppt_y</p:attrName>
+                                        </p:attrNameLst>
+                                      </p:cBhvr>
+                                      <p:rCtr x="4766" y="12361"/>
+                                    </p:animMotion>
+                                  </p:childTnLst>
+                                </p:cTn>
+                              </p:par>
+                            </p:childTnLst>
+                          </p:cTn>
+                        </p:par>
+                        <p:par>
+                          <p:cTn id="118" fill="hold">
+                            <p:stCondLst>
+                              <p:cond delay="23000"/>
+                            </p:stCondLst>
+                            <p:childTnLst>
+                              <p:par>
+                                <p:cTn id="119" presetID="35" presetClass="path" presetSubtype="0" accel="50000" decel="50000" fill="hold" grpId="3" nodeType="afterEffect">
+                                  <p:stCondLst>
+                                    <p:cond delay="0"/>
+                                  </p:stCondLst>
+                                  <p:childTnLst>
+                                    <p:animMotion origin="layout" path="M -0.1875 0.00093 L -0.4069 2.22222E-6 " pathEditMode="relative" rAng="0" ptsTypes="AA">
+                                      <p:cBhvr>
+                                        <p:cTn id="120" dur="500" fill="hold"/>
+                                        <p:tgtEl>
+                                          <p:spTgt spid="19"/>
+                                        </p:tgtEl>
+                                        <p:attrNameLst>
+                                          <p:attrName>ppt_x</p:attrName>
+                                          <p:attrName>ppt_y</p:attrName>
+                                        </p:attrNameLst>
+                                      </p:cBhvr>
+                                      <p:rCtr x="-11133" y="0"/>
+                                    </p:animMotion>
+                                  </p:childTnLst>
+                                </p:cTn>
+                              </p:par>
+                              <p:par>
+                                <p:cTn id="121" presetID="35" presetClass="path" presetSubtype="0" accel="50000" decel="50000" fill="hold" grpId="12" nodeType="withEffect">
+                                  <p:stCondLst>
+                                    <p:cond delay="0"/>
+                                  </p:stCondLst>
+                                  <p:childTnLst>
+                                    <p:animMotion origin="layout" path="M -0.28229 2.22222E-6 L -0.37161 2.22222E-6 " pathEditMode="relative" rAng="0" ptsTypes="AA">
+                                      <p:cBhvr>
+                                        <p:cTn id="122" dur="500" fill="hold"/>
+                                        <p:tgtEl>
+                                          <p:spTgt spid="18"/>
+                                        </p:tgtEl>
+                                        <p:attrNameLst>
+                                          <p:attrName>ppt_x</p:attrName>
+                                          <p:attrName>ppt_y</p:attrName>
+                                        </p:attrNameLst>
+                                      </p:cBhvr>
+                                      <p:rCtr x="-4766" y="0"/>
+                                    </p:animMotion>
+                                  </p:childTnLst>
+                                </p:cTn>
+                              </p:par>
+                              <p:par>
+                                <p:cTn id="123" presetID="35" presetClass="path" presetSubtype="0" accel="50000" decel="50000" fill="hold" grpId="10" nodeType="withEffect">
+                                  <p:stCondLst>
+                                    <p:cond delay="0"/>
+                                  </p:stCondLst>
+                                  <p:childTnLst>
+                                    <p:animMotion origin="layout" path="M 0.36627 1.11111E-6 L 0.27644 1.11111E-6 " pathEditMode="relative" rAng="0" ptsTypes="AA">
+                                      <p:cBhvr>
+                                        <p:cTn id="124" dur="500" fill="hold"/>
+                                        <p:tgtEl>
+                                          <p:spTgt spid="17"/>
+                                        </p:tgtEl>
+                                        <p:attrNameLst>
+                                          <p:attrName>ppt_x</p:attrName>
+                                          <p:attrName>ppt_y</p:attrName>
+                                        </p:attrNameLst>
+                                      </p:cBhvr>
+                                      <p:rCtr x="-4258" y="0"/>
+                                    </p:animMotion>
+                                  </p:childTnLst>
+                                </p:cTn>
+                              </p:par>
+                            </p:childTnLst>
+                          </p:cTn>
+                        </p:par>
+                        <p:par>
+                          <p:cTn id="125" fill="hold">
+                            <p:stCondLst>
+                              <p:cond delay="23500"/>
+                            </p:stCondLst>
+                            <p:childTnLst>
+                              <p:par>
+                                <p:cTn id="126" presetID="63" presetClass="path" presetSubtype="0" accel="50000" decel="50000" fill="hold" grpId="2" nodeType="afterEffect">
+                                  <p:stCondLst>
+                                    <p:cond delay="0"/>
+                                  </p:stCondLst>
+                                  <p:childTnLst>
+                                    <p:animMotion origin="layout" path="M 0.27487 0.00138 L 0.45586 0.00139 " pathEditMode="relative" rAng="0" ptsTypes="AA">
+                                      <p:cBhvr>
+                                        <p:cTn id="127" dur="500" fill="hold"/>
+                                        <p:tgtEl>
+                                          <p:spTgt spid="15"/>
+                                        </p:tgtEl>
+                                        <p:attrNameLst>
+                                          <p:attrName>ppt_x</p:attrName>
+                                          <p:attrName>ppt_y</p:attrName>
+                                        </p:attrNameLst>
+                                      </p:cBhvr>
+                                      <p:rCtr x="9167" y="23"/>
+                                    </p:animMotion>
+                                  </p:childTnLst>
+                                </p:cTn>
+                              </p:par>
+                              <p:par>
+                                <p:cTn id="128" presetID="63" presetClass="path" presetSubtype="0" accel="50000" decel="50000" fill="hold" grpId="11" nodeType="withEffect">
+                                  <p:stCondLst>
+                                    <p:cond delay="0"/>
+                                  </p:stCondLst>
+                                  <p:childTnLst>
+                                    <p:animMotion origin="layout" path="M 0.27643 1.11111E-6 L 0.45899 0.00231 " pathEditMode="relative" rAng="0" ptsTypes="AA">
+                                      <p:cBhvr>
+                                        <p:cTn id="129" dur="500" fill="hold"/>
+                                        <p:tgtEl>
+                                          <p:spTgt spid="17"/>
+                                        </p:tgtEl>
+                                        <p:attrNameLst>
+                                          <p:attrName>ppt_x</p:attrName>
+                                          <p:attrName>ppt_y</p:attrName>
+                                        </p:attrNameLst>
+                                      </p:cBhvr>
+                                      <p:rCtr x="9089" y="93"/>
+                                    </p:animMotion>
+                                  </p:childTnLst>
+                                </p:cTn>
+                              </p:par>
+                              <p:par>
+                                <p:cTn id="130" presetID="63" presetClass="path" presetSubtype="0" accel="50000" decel="50000" fill="hold" grpId="13" nodeType="withEffect">
+                                  <p:stCondLst>
+                                    <p:cond delay="0"/>
+                                  </p:stCondLst>
+                                  <p:childTnLst>
+                                    <p:animMotion origin="layout" path="M -0.37161 2.22222E-6 L -0.19062 2.22222E-6 " pathEditMode="relative" rAng="0" ptsTypes="AA">
+                                      <p:cBhvr>
+                                        <p:cTn id="131" dur="500" fill="hold"/>
+                                        <p:tgtEl>
+                                          <p:spTgt spid="18"/>
+                                        </p:tgtEl>
+                                        <p:attrNameLst>
+                                          <p:attrName>ppt_x</p:attrName>
+                                          <p:attrName>ppt_y</p:attrName>
+                                        </p:attrNameLst>
+                                      </p:cBhvr>
+                                      <p:rCtr x="9036" y="0"/>
+                                    </p:animMotion>
+                                  </p:childTnLst>
+                                </p:cTn>
+                              </p:par>
+                              <p:par>
+                                <p:cTn id="132" presetID="63" presetClass="path" presetSubtype="0" accel="50000" decel="50000" fill="hold" grpId="4" nodeType="withEffect">
+                                  <p:stCondLst>
+                                    <p:cond delay="0"/>
+                                  </p:stCondLst>
+                                  <p:childTnLst>
+                                    <p:animMotion origin="layout" path="M -0.37005 -0.00139 L -0.1875 0.00092 " pathEditMode="relative" rAng="0" ptsTypes="AA">
+                                      <p:cBhvr>
+                                        <p:cTn id="133" dur="500" fill="hold"/>
+                                        <p:tgtEl>
+                                          <p:spTgt spid="19"/>
+                                        </p:tgtEl>
+                                        <p:attrNameLst>
+                                          <p:attrName>ppt_x</p:attrName>
+                                          <p:attrName>ppt_y</p:attrName>
+                                        </p:attrNameLst>
+                                      </p:cBhvr>
+                                      <p:rCtr x="9128" y="23"/>
+                                    </p:animMotion>
+                                  </p:childTnLst>
+                                </p:cTn>
+                              </p:par>
+                            </p:childTnLst>
+                          </p:cTn>
+                        </p:par>
+                        <p:par>
+                          <p:cTn id="134" fill="hold">
+                            <p:stCondLst>
+                              <p:cond delay="24000"/>
+                            </p:stCondLst>
+                            <p:childTnLst>
+                              <p:par>
+                                <p:cTn id="135" presetID="63" presetClass="path" presetSubtype="0" accel="50000" decel="50000" fill="hold" grpId="14" nodeType="afterEffect">
+                                  <p:stCondLst>
+                                    <p:cond delay="0"/>
+                                  </p:stCondLst>
+                                  <p:childTnLst>
+                                    <p:animMotion origin="layout" path="M -0.19062 2.22222E-6 L -1.66667E-6 2.22222E-6 " pathEditMode="relative" rAng="0" ptsTypes="AA">
+                                      <p:cBhvr>
+                                        <p:cTn id="136" dur="500" fill="hold"/>
+                                        <p:tgtEl>
+                                          <p:spTgt spid="18"/>
+                                        </p:tgtEl>
+                                        <p:attrNameLst>
+                                          <p:attrName>ppt_x</p:attrName>
+                                          <p:attrName>ppt_y</p:attrName>
+                                        </p:attrNameLst>
+                                      </p:cBhvr>
+                                      <p:rCtr x="9466" y="0"/>
+                                    </p:animMotion>
+                                  </p:childTnLst>
+                                </p:cTn>
+                              </p:par>
+                              <p:par>
+                                <p:cTn id="137" presetID="63" presetClass="path" presetSubtype="0" accel="50000" decel="50000" fill="hold" grpId="12" nodeType="withEffect">
+                                  <p:stCondLst>
+                                    <p:cond delay="0"/>
+                                  </p:stCondLst>
+                                  <p:childTnLst>
+                                    <p:animMotion origin="layout" path="M 0.45899 0.00232 L 0.61119 0.00139 " pathEditMode="relative" rAng="0" ptsTypes="AA">
+                                      <p:cBhvr>
+                                        <p:cTn id="138" dur="500" fill="hold"/>
+                                        <p:tgtEl>
+                                          <p:spTgt spid="17"/>
+                                        </p:tgtEl>
+                                        <p:attrNameLst>
+                                          <p:attrName>ppt_x</p:attrName>
+                                          <p:attrName>ppt_y</p:attrName>
+                                        </p:attrNameLst>
+                                      </p:cBhvr>
+                                      <p:rCtr x="7656" y="0"/>
+                                    </p:animMotion>
+                                  </p:childTnLst>
+                                </p:cTn>
+                              </p:par>
+                              <p:par>
+                                <p:cTn id="139" presetID="63" presetClass="path" presetSubtype="0" accel="50000" decel="50000" fill="hold" grpId="5" nodeType="withEffect">
+                                  <p:stCondLst>
+                                    <p:cond delay="0"/>
+                                  </p:stCondLst>
+                                  <p:childTnLst>
+                                    <p:animMotion origin="layout" path="M -0.1875 0.00092 L -1.66667E-6 -3.7037E-6 " pathEditMode="relative" rAng="0" ptsTypes="AA">
+                                      <p:cBhvr>
+                                        <p:cTn id="140" dur="500" fill="hold"/>
+                                        <p:tgtEl>
+                                          <p:spTgt spid="19"/>
+                                        </p:tgtEl>
+                                        <p:attrNameLst>
+                                          <p:attrName>ppt_x</p:attrName>
+                                          <p:attrName>ppt_y</p:attrName>
+                                        </p:attrNameLst>
+                                      </p:cBhvr>
+                                      <p:rCtr x="9427" y="0"/>
+                                    </p:animMotion>
+                                  </p:childTnLst>
+                                </p:cTn>
+                              </p:par>
+                              <p:par>
+                                <p:cTn id="141" presetID="63" presetClass="path" presetSubtype="0" accel="50000" decel="50000" fill="hold" grpId="3" nodeType="withEffect">
+                                  <p:stCondLst>
+                                    <p:cond delay="0"/>
+                                  </p:stCondLst>
+                                  <p:childTnLst>
+                                    <p:animMotion origin="layout" path="M 0.45586 0.00139 L 0.64648 0.00139 " pathEditMode="relative" rAng="0" ptsTypes="AA">
+                                      <p:cBhvr>
+                                        <p:cTn id="142" dur="500" fill="hold"/>
+                                        <p:tgtEl>
+                                          <p:spTgt spid="15"/>
+                                        </p:tgtEl>
+                                        <p:attrNameLst>
+                                          <p:attrName>ppt_x</p:attrName>
+                                          <p:attrName>ppt_y</p:attrName>
+                                        </p:attrNameLst>
+                                      </p:cBhvr>
+                                      <p:rCtr x="9427" y="0"/>
+                                    </p:animMotion>
+                                  </p:childTnLst>
+                                </p:cTn>
+                              </p:par>
+                            </p:childTnLst>
+                          </p:cTn>
+                        </p:par>
+                      </p:childTnLst>
+                    </p:cTn>
+                  </p:par>
+                </p:childTnLst>
+              </p:cTn>
+              <p:prevCondLst>
+                <p:cond evt="onPrev" delay="0">
+                  <p:tgtEl>
+                    <p:sldTgt/>
+                  </p:tgtEl>
+                </p:cond>
+              </p:prevCondLst>
+              <p:nextCondLst>
+                <p:cond evt="onNext" delay="0">
+                  <p:tgtEl>
+                    <p:sldTgt/>
+                  </p:tgtEl>
+                </p:cond>
+              </p:nextCondLst>
+            </p:seq>
+          </p:childTnLst>
+        </p:cTn>
+      </p:par>
+    </p:tnLst>
+    <p:bldLst>
+      <p:bldP spid="17" grpId="0" animBg="1"/>
+      <p:bldP spid="17" grpId="1" animBg="1"/>
+      <p:bldP spid="17" grpId="2" animBg="1"/>
+      <p:bldP spid="17" grpId="3" animBg="1"/>
+      <p:bldP spid="17" grpId="4" animBg="1"/>
+      <p:bldP spid="17" grpId="5" animBg="1"/>
+      <p:bldP spid="17" grpId="6" animBg="1"/>
+      <p:bldP spid="17" grpId="7" animBg="1"/>
+      <p:bldP spid="17" grpId="8" animBg="1"/>
+      <p:bldP spid="17" grpId="9" animBg="1"/>
+      <p:bldP spid="17" grpId="10" animBg="1"/>
+      <p:bldP spid="17" grpId="11" animBg="1"/>
+      <p:bldP spid="17" grpId="12" animBg="1"/>
+      <p:bldP spid="18" grpId="0" animBg="1"/>
+      <p:bldP spid="18" grpId="1" animBg="1"/>
+      <p:bldP spid="18" grpId="2" animBg="1"/>
+      <p:bldP spid="18" grpId="3" animBg="1"/>
+      <p:bldP spid="18" grpId="4" animBg="1"/>
+      <p:bldP spid="18" grpId="5" animBg="1"/>
+      <p:bldP spid="18" grpId="6" animBg="1"/>
+      <p:bldP spid="18" grpId="7" animBg="1"/>
+      <p:bldP spid="18" grpId="8" animBg="1"/>
+      <p:bldP spid="18" grpId="9" animBg="1"/>
+      <p:bldP spid="18" grpId="10" animBg="1"/>
+      <p:bldP spid="18" grpId="11" animBg="1"/>
+      <p:bldP spid="18" grpId="12" animBg="1"/>
+      <p:bldP spid="18" grpId="13" animBg="1"/>
+      <p:bldP spid="18" grpId="14" animBg="1"/>
+      <p:bldP spid="15" grpId="0" animBg="1"/>
+      <p:bldP spid="15" grpId="1" animBg="1"/>
+      <p:bldP spid="15" grpId="2" animBg="1"/>
+      <p:bldP spid="15" grpId="3" animBg="1"/>
+      <p:bldP spid="19" grpId="0" animBg="1"/>
+      <p:bldP spid="19" grpId="1" animBg="1"/>
+      <p:bldP spid="19" grpId="2" animBg="1"/>
+      <p:bldP spid="19" grpId="3" animBg="1"/>
+      <p:bldP spid="19" grpId="4" animBg="1"/>
+      <p:bldP spid="19" grpId="5" animBg="1"/>
+      <p:bldP spid="13" grpId="0" animBg="1"/>
+      <p:bldP spid="13" grpId="1" animBg="1"/>
+      <p:bldP spid="6" grpId="0" animBg="1"/>
+      <p:bldP spid="6" grpId="1" animBg="1"/>
+      <p:bldP spid="6" grpId="2" animBg="1"/>
+      <p:bldP spid="7" grpId="0" animBg="1"/>
+      <p:bldP spid="7" grpId="1" animBg="1"/>
+      <p:bldP spid="8" grpId="0" animBg="1"/>
+      <p:bldP spid="10" grpId="0" animBg="1"/>
+      <p:bldP spid="10" grpId="1" animBg="1"/>
+      <p:bldP spid="10" grpId="2" animBg="1"/>
+      <p:bldP spid="11" grpId="0" animBg="1"/>
+      <p:bldP spid="11" grpId="1" animBg="1"/>
+      <p:bldP spid="11" grpId="2" animBg="1"/>
     </p:bldLst>
   </p:timing>
 </p:sld>

--- a/ppt/sort.pptx
+++ b/ppt/sort.pptx
@@ -19,6 +19,7 @@
     <p:sldId id="268" r:id="rId13"/>
     <p:sldId id="269" r:id="rId14"/>
     <p:sldId id="270" r:id="rId15"/>
+    <p:sldId id="271" r:id="rId16"/>
   </p:sldIdLst>
   <p:sldSz cx="12192000" cy="6858000"/>
   <p:notesSz cx="6858000" cy="9144000"/>
@@ -256,7 +257,7 @@
           <a:p>
             <a:fld id="{89368CE1-8ACD-4C62-B28F-3A0B9B6B8466}" type="datetimeFigureOut">
               <a:rPr lang="zh-CN" altLang="en-US" smtClean="0"/>
-              <a:t>2020/2/5</a:t>
+              <a:t>2020/2/6</a:t>
             </a:fld>
             <a:endParaRPr lang="zh-CN" altLang="en-US"/>
           </a:p>
@@ -426,7 +427,7 @@
           <a:p>
             <a:fld id="{89368CE1-8ACD-4C62-B28F-3A0B9B6B8466}" type="datetimeFigureOut">
               <a:rPr lang="zh-CN" altLang="en-US" smtClean="0"/>
-              <a:t>2020/2/5</a:t>
+              <a:t>2020/2/6</a:t>
             </a:fld>
             <a:endParaRPr lang="zh-CN" altLang="en-US"/>
           </a:p>
@@ -606,7 +607,7 @@
           <a:p>
             <a:fld id="{89368CE1-8ACD-4C62-B28F-3A0B9B6B8466}" type="datetimeFigureOut">
               <a:rPr lang="zh-CN" altLang="en-US" smtClean="0"/>
-              <a:t>2020/2/5</a:t>
+              <a:t>2020/2/6</a:t>
             </a:fld>
             <a:endParaRPr lang="zh-CN" altLang="en-US"/>
           </a:p>
@@ -776,7 +777,7 @@
           <a:p>
             <a:fld id="{89368CE1-8ACD-4C62-B28F-3A0B9B6B8466}" type="datetimeFigureOut">
               <a:rPr lang="zh-CN" altLang="en-US" smtClean="0"/>
-              <a:t>2020/2/5</a:t>
+              <a:t>2020/2/6</a:t>
             </a:fld>
             <a:endParaRPr lang="zh-CN" altLang="en-US"/>
           </a:p>
@@ -1022,7 +1023,7 @@
           <a:p>
             <a:fld id="{89368CE1-8ACD-4C62-B28F-3A0B9B6B8466}" type="datetimeFigureOut">
               <a:rPr lang="zh-CN" altLang="en-US" smtClean="0"/>
-              <a:t>2020/2/5</a:t>
+              <a:t>2020/2/6</a:t>
             </a:fld>
             <a:endParaRPr lang="zh-CN" altLang="en-US"/>
           </a:p>
@@ -1254,7 +1255,7 @@
           <a:p>
             <a:fld id="{89368CE1-8ACD-4C62-B28F-3A0B9B6B8466}" type="datetimeFigureOut">
               <a:rPr lang="zh-CN" altLang="en-US" smtClean="0"/>
-              <a:t>2020/2/5</a:t>
+              <a:t>2020/2/6</a:t>
             </a:fld>
             <a:endParaRPr lang="zh-CN" altLang="en-US"/>
           </a:p>
@@ -1621,7 +1622,7 @@
           <a:p>
             <a:fld id="{89368CE1-8ACD-4C62-B28F-3A0B9B6B8466}" type="datetimeFigureOut">
               <a:rPr lang="zh-CN" altLang="en-US" smtClean="0"/>
-              <a:t>2020/2/5</a:t>
+              <a:t>2020/2/6</a:t>
             </a:fld>
             <a:endParaRPr lang="zh-CN" altLang="en-US"/>
           </a:p>
@@ -1739,7 +1740,7 @@
           <a:p>
             <a:fld id="{89368CE1-8ACD-4C62-B28F-3A0B9B6B8466}" type="datetimeFigureOut">
               <a:rPr lang="zh-CN" altLang="en-US" smtClean="0"/>
-              <a:t>2020/2/5</a:t>
+              <a:t>2020/2/6</a:t>
             </a:fld>
             <a:endParaRPr lang="zh-CN" altLang="en-US"/>
           </a:p>
@@ -1834,7 +1835,7 @@
           <a:p>
             <a:fld id="{89368CE1-8ACD-4C62-B28F-3A0B9B6B8466}" type="datetimeFigureOut">
               <a:rPr lang="zh-CN" altLang="en-US" smtClean="0"/>
-              <a:t>2020/2/5</a:t>
+              <a:t>2020/2/6</a:t>
             </a:fld>
             <a:endParaRPr lang="zh-CN" altLang="en-US"/>
           </a:p>
@@ -2111,7 +2112,7 @@
           <a:p>
             <a:fld id="{89368CE1-8ACD-4C62-B28F-3A0B9B6B8466}" type="datetimeFigureOut">
               <a:rPr lang="zh-CN" altLang="en-US" smtClean="0"/>
-              <a:t>2020/2/5</a:t>
+              <a:t>2020/2/6</a:t>
             </a:fld>
             <a:endParaRPr lang="zh-CN" altLang="en-US"/>
           </a:p>
@@ -2364,7 +2365,7 @@
           <a:p>
             <a:fld id="{89368CE1-8ACD-4C62-B28F-3A0B9B6B8466}" type="datetimeFigureOut">
               <a:rPr lang="zh-CN" altLang="en-US" smtClean="0"/>
-              <a:t>2020/2/5</a:t>
+              <a:t>2020/2/6</a:t>
             </a:fld>
             <a:endParaRPr lang="zh-CN" altLang="en-US"/>
           </a:p>
@@ -2577,7 +2578,7 @@
           <a:p>
             <a:fld id="{89368CE1-8ACD-4C62-B28F-3A0B9B6B8466}" type="datetimeFigureOut">
               <a:rPr lang="zh-CN" altLang="en-US" smtClean="0"/>
-              <a:t>2020/2/5</a:t>
+              <a:t>2020/2/6</a:t>
             </a:fld>
             <a:endParaRPr lang="zh-CN" altLang="en-US"/>
           </a:p>
@@ -18411,6 +18412,1969 @@
       <p:bldP spid="11" grpId="0" animBg="1"/>
       <p:bldP spid="11" grpId="1" animBg="1"/>
       <p:bldP spid="11" grpId="2" animBg="1"/>
+    </p:bldLst>
+  </p:timing>
+</p:sld>
+</file>
+
+<file path=ppt/slides/slide15.xml><?xml version="1.0" encoding="utf-8"?>
+<p:sld xmlns:a="http://schemas.openxmlformats.org/drawingml/2006/main" xmlns:r="http://schemas.openxmlformats.org/officeDocument/2006/relationships" xmlns:p="http://schemas.openxmlformats.org/presentationml/2006/main">
+  <p:cSld>
+    <p:spTree>
+      <p:nvGrpSpPr>
+        <p:cNvPr id="1" name=""/>
+        <p:cNvGrpSpPr/>
+        <p:nvPr/>
+      </p:nvGrpSpPr>
+      <p:grpSpPr>
+        <a:xfrm>
+          <a:off x="0" y="0"/>
+          <a:ext cx="0" cy="0"/>
+          <a:chOff x="0" y="0"/>
+          <a:chExt cx="0" cy="0"/>
+        </a:xfrm>
+      </p:grpSpPr>
+      <p:sp>
+        <p:nvSpPr>
+          <p:cNvPr id="13" name="椭圆 12"/>
+          <p:cNvSpPr/>
+          <p:nvPr/>
+        </p:nvSpPr>
+        <p:spPr>
+          <a:xfrm>
+            <a:off x="4636808" y="2923276"/>
+            <a:ext cx="802562" cy="802562"/>
+          </a:xfrm>
+          <a:prstGeom prst="ellipse">
+            <a:avLst/>
+          </a:prstGeom>
+          <a:solidFill>
+            <a:schemeClr val="accent1">
+              <a:lumMod val="75000"/>
+            </a:schemeClr>
+          </a:solidFill>
+          <a:ln>
+            <a:noFill/>
+          </a:ln>
+        </p:spPr>
+        <p:style>
+          <a:lnRef idx="2">
+            <a:schemeClr val="accent1">
+              <a:shade val="50000"/>
+            </a:schemeClr>
+          </a:lnRef>
+          <a:fillRef idx="1">
+            <a:schemeClr val="accent1"/>
+          </a:fillRef>
+          <a:effectRef idx="0">
+            <a:schemeClr val="accent1"/>
+          </a:effectRef>
+          <a:fontRef idx="minor">
+            <a:schemeClr val="lt1"/>
+          </a:fontRef>
+        </p:style>
+        <p:txBody>
+          <a:bodyPr rtlCol="0" anchor="ctr"/>
+          <a:lstStyle/>
+          <a:p>
+            <a:pPr algn="ctr"/>
+            <a:r>
+              <a:rPr lang="en-US" altLang="zh-CN" sz="3200" dirty="0" smtClean="0"/>
+              <a:t>2</a:t>
+            </a:r>
+            <a:endParaRPr lang="zh-CN" altLang="en-US" sz="3200" dirty="0"/>
+          </a:p>
+        </p:txBody>
+      </p:sp>
+      <p:sp>
+        <p:nvSpPr>
+          <p:cNvPr id="5" name="椭圆 4"/>
+          <p:cNvSpPr/>
+          <p:nvPr/>
+        </p:nvSpPr>
+        <p:spPr>
+          <a:xfrm>
+            <a:off x="5444957" y="2923276"/>
+            <a:ext cx="802562" cy="802562"/>
+          </a:xfrm>
+          <a:prstGeom prst="ellipse">
+            <a:avLst/>
+          </a:prstGeom>
+          <a:solidFill>
+            <a:schemeClr val="accent1">
+              <a:lumMod val="75000"/>
+            </a:schemeClr>
+          </a:solidFill>
+          <a:ln>
+            <a:noFill/>
+          </a:ln>
+        </p:spPr>
+        <p:style>
+          <a:lnRef idx="2">
+            <a:schemeClr val="accent1">
+              <a:shade val="50000"/>
+            </a:schemeClr>
+          </a:lnRef>
+          <a:fillRef idx="1">
+            <a:schemeClr val="accent1"/>
+          </a:fillRef>
+          <a:effectRef idx="0">
+            <a:schemeClr val="accent1"/>
+          </a:effectRef>
+          <a:fontRef idx="minor">
+            <a:schemeClr val="lt1"/>
+          </a:fontRef>
+        </p:style>
+        <p:txBody>
+          <a:bodyPr rtlCol="0" anchor="ctr"/>
+          <a:lstStyle/>
+          <a:p>
+            <a:pPr algn="ctr"/>
+            <a:r>
+              <a:rPr lang="en-US" altLang="zh-CN" sz="3200" dirty="0" smtClean="0"/>
+              <a:t>1</a:t>
+            </a:r>
+            <a:endParaRPr lang="zh-CN" altLang="en-US" sz="3200" dirty="0"/>
+          </a:p>
+        </p:txBody>
+      </p:sp>
+      <p:sp>
+        <p:nvSpPr>
+          <p:cNvPr id="6" name="椭圆 5"/>
+          <p:cNvSpPr/>
+          <p:nvPr/>
+        </p:nvSpPr>
+        <p:spPr>
+          <a:xfrm>
+            <a:off x="6258694" y="2923280"/>
+            <a:ext cx="802562" cy="802562"/>
+          </a:xfrm>
+          <a:prstGeom prst="ellipse">
+            <a:avLst/>
+          </a:prstGeom>
+          <a:solidFill>
+            <a:schemeClr val="accent1">
+              <a:lumMod val="75000"/>
+            </a:schemeClr>
+          </a:solidFill>
+          <a:ln>
+            <a:noFill/>
+          </a:ln>
+        </p:spPr>
+        <p:style>
+          <a:lnRef idx="2">
+            <a:schemeClr val="accent1">
+              <a:shade val="50000"/>
+            </a:schemeClr>
+          </a:lnRef>
+          <a:fillRef idx="1">
+            <a:schemeClr val="accent1"/>
+          </a:fillRef>
+          <a:effectRef idx="0">
+            <a:schemeClr val="accent1"/>
+          </a:effectRef>
+          <a:fontRef idx="minor">
+            <a:schemeClr val="lt1"/>
+          </a:fontRef>
+        </p:style>
+        <p:txBody>
+          <a:bodyPr rtlCol="0" anchor="ctr"/>
+          <a:lstStyle/>
+          <a:p>
+            <a:pPr algn="ctr"/>
+            <a:r>
+              <a:rPr lang="en-US" altLang="zh-CN" sz="3200" dirty="0" smtClean="0"/>
+              <a:t>3</a:t>
+            </a:r>
+            <a:endParaRPr lang="zh-CN" altLang="en-US" sz="3200" dirty="0"/>
+          </a:p>
+        </p:txBody>
+      </p:sp>
+      <p:sp>
+        <p:nvSpPr>
+          <p:cNvPr id="7" name="椭圆 6"/>
+          <p:cNvSpPr/>
+          <p:nvPr/>
+        </p:nvSpPr>
+        <p:spPr>
+          <a:xfrm>
+            <a:off x="7050081" y="2923276"/>
+            <a:ext cx="802562" cy="802562"/>
+          </a:xfrm>
+          <a:prstGeom prst="ellipse">
+            <a:avLst/>
+          </a:prstGeom>
+          <a:solidFill>
+            <a:schemeClr val="accent1">
+              <a:lumMod val="75000"/>
+            </a:schemeClr>
+          </a:solidFill>
+          <a:ln>
+            <a:noFill/>
+          </a:ln>
+        </p:spPr>
+        <p:style>
+          <a:lnRef idx="2">
+            <a:schemeClr val="accent1">
+              <a:shade val="50000"/>
+            </a:schemeClr>
+          </a:lnRef>
+          <a:fillRef idx="1">
+            <a:schemeClr val="accent1"/>
+          </a:fillRef>
+          <a:effectRef idx="0">
+            <a:schemeClr val="accent1"/>
+          </a:effectRef>
+          <a:fontRef idx="minor">
+            <a:schemeClr val="lt1"/>
+          </a:fontRef>
+        </p:style>
+        <p:txBody>
+          <a:bodyPr rtlCol="0" anchor="ctr"/>
+          <a:lstStyle/>
+          <a:p>
+            <a:pPr algn="ctr"/>
+            <a:r>
+              <a:rPr lang="en-US" altLang="zh-CN" sz="3200" dirty="0" smtClean="0"/>
+              <a:t>6</a:t>
+            </a:r>
+            <a:endParaRPr lang="zh-CN" altLang="en-US" sz="3200" dirty="0"/>
+          </a:p>
+        </p:txBody>
+      </p:sp>
+      <p:sp>
+        <p:nvSpPr>
+          <p:cNvPr id="8" name="椭圆 7"/>
+          <p:cNvSpPr/>
+          <p:nvPr/>
+        </p:nvSpPr>
+        <p:spPr>
+          <a:xfrm>
+            <a:off x="7855436" y="2923276"/>
+            <a:ext cx="802562" cy="802562"/>
+          </a:xfrm>
+          <a:prstGeom prst="ellipse">
+            <a:avLst/>
+          </a:prstGeom>
+          <a:solidFill>
+            <a:schemeClr val="accent1">
+              <a:lumMod val="75000"/>
+            </a:schemeClr>
+          </a:solidFill>
+          <a:ln>
+            <a:noFill/>
+          </a:ln>
+        </p:spPr>
+        <p:style>
+          <a:lnRef idx="2">
+            <a:schemeClr val="accent1">
+              <a:shade val="50000"/>
+            </a:schemeClr>
+          </a:lnRef>
+          <a:fillRef idx="1">
+            <a:schemeClr val="accent1"/>
+          </a:fillRef>
+          <a:effectRef idx="0">
+            <a:schemeClr val="accent1"/>
+          </a:effectRef>
+          <a:fontRef idx="minor">
+            <a:schemeClr val="lt1"/>
+          </a:fontRef>
+        </p:style>
+        <p:txBody>
+          <a:bodyPr rtlCol="0" anchor="ctr"/>
+          <a:lstStyle/>
+          <a:p>
+            <a:pPr algn="ctr"/>
+            <a:r>
+              <a:rPr lang="en-US" altLang="zh-CN" sz="3200" dirty="0" smtClean="0"/>
+              <a:t>7</a:t>
+            </a:r>
+            <a:endParaRPr lang="zh-CN" altLang="en-US" sz="3200" dirty="0"/>
+          </a:p>
+        </p:txBody>
+      </p:sp>
+      <p:sp>
+        <p:nvSpPr>
+          <p:cNvPr id="9" name="椭圆 8"/>
+          <p:cNvSpPr/>
+          <p:nvPr/>
+        </p:nvSpPr>
+        <p:spPr>
+          <a:xfrm>
+            <a:off x="8657998" y="2923276"/>
+            <a:ext cx="802562" cy="802562"/>
+          </a:xfrm>
+          <a:prstGeom prst="ellipse">
+            <a:avLst/>
+          </a:prstGeom>
+          <a:solidFill>
+            <a:schemeClr val="accent1">
+              <a:lumMod val="75000"/>
+            </a:schemeClr>
+          </a:solidFill>
+          <a:ln>
+            <a:noFill/>
+          </a:ln>
+        </p:spPr>
+        <p:style>
+          <a:lnRef idx="2">
+            <a:schemeClr val="accent1">
+              <a:shade val="50000"/>
+            </a:schemeClr>
+          </a:lnRef>
+          <a:fillRef idx="1">
+            <a:schemeClr val="accent1"/>
+          </a:fillRef>
+          <a:effectRef idx="0">
+            <a:schemeClr val="accent1"/>
+          </a:effectRef>
+          <a:fontRef idx="minor">
+            <a:schemeClr val="lt1"/>
+          </a:fontRef>
+        </p:style>
+        <p:txBody>
+          <a:bodyPr rtlCol="0" anchor="ctr"/>
+          <a:lstStyle/>
+          <a:p>
+            <a:pPr algn="ctr"/>
+            <a:r>
+              <a:rPr lang="en-US" altLang="zh-CN" sz="3200" dirty="0" smtClean="0"/>
+              <a:t>5</a:t>
+            </a:r>
+            <a:endParaRPr lang="zh-CN" altLang="en-US" sz="3200" dirty="0"/>
+          </a:p>
+        </p:txBody>
+      </p:sp>
+      <p:sp>
+        <p:nvSpPr>
+          <p:cNvPr id="10" name="椭圆 9"/>
+          <p:cNvSpPr/>
+          <p:nvPr/>
+        </p:nvSpPr>
+        <p:spPr>
+          <a:xfrm>
+            <a:off x="9460560" y="2923276"/>
+            <a:ext cx="802562" cy="802562"/>
+          </a:xfrm>
+          <a:prstGeom prst="ellipse">
+            <a:avLst/>
+          </a:prstGeom>
+          <a:solidFill>
+            <a:schemeClr val="accent1">
+              <a:lumMod val="75000"/>
+            </a:schemeClr>
+          </a:solidFill>
+          <a:ln>
+            <a:noFill/>
+          </a:ln>
+        </p:spPr>
+        <p:style>
+          <a:lnRef idx="2">
+            <a:schemeClr val="accent1">
+              <a:shade val="50000"/>
+            </a:schemeClr>
+          </a:lnRef>
+          <a:fillRef idx="1">
+            <a:schemeClr val="accent1"/>
+          </a:fillRef>
+          <a:effectRef idx="0">
+            <a:schemeClr val="accent1"/>
+          </a:effectRef>
+          <a:fontRef idx="minor">
+            <a:schemeClr val="lt1"/>
+          </a:fontRef>
+        </p:style>
+        <p:txBody>
+          <a:bodyPr rtlCol="0" anchor="ctr"/>
+          <a:lstStyle/>
+          <a:p>
+            <a:pPr algn="ctr"/>
+            <a:r>
+              <a:rPr lang="en-US" altLang="zh-CN" sz="3200" dirty="0"/>
+              <a:t>0</a:t>
+            </a:r>
+            <a:endParaRPr lang="zh-CN" altLang="en-US" sz="3200" dirty="0"/>
+          </a:p>
+        </p:txBody>
+      </p:sp>
+      <p:sp>
+        <p:nvSpPr>
+          <p:cNvPr id="11" name="椭圆 10"/>
+          <p:cNvSpPr/>
+          <p:nvPr/>
+        </p:nvSpPr>
+        <p:spPr>
+          <a:xfrm>
+            <a:off x="10263122" y="2923278"/>
+            <a:ext cx="802562" cy="802562"/>
+          </a:xfrm>
+          <a:prstGeom prst="ellipse">
+            <a:avLst/>
+          </a:prstGeom>
+          <a:solidFill>
+            <a:schemeClr val="accent1">
+              <a:lumMod val="75000"/>
+            </a:schemeClr>
+          </a:solidFill>
+          <a:ln>
+            <a:noFill/>
+          </a:ln>
+        </p:spPr>
+        <p:style>
+          <a:lnRef idx="2">
+            <a:schemeClr val="accent1">
+              <a:shade val="50000"/>
+            </a:schemeClr>
+          </a:lnRef>
+          <a:fillRef idx="1">
+            <a:schemeClr val="accent1"/>
+          </a:fillRef>
+          <a:effectRef idx="0">
+            <a:schemeClr val="accent1"/>
+          </a:effectRef>
+          <a:fontRef idx="minor">
+            <a:schemeClr val="lt1"/>
+          </a:fontRef>
+        </p:style>
+        <p:txBody>
+          <a:bodyPr rtlCol="0" anchor="ctr"/>
+          <a:lstStyle/>
+          <a:p>
+            <a:pPr algn="ctr"/>
+            <a:r>
+              <a:rPr lang="en-US" altLang="zh-CN" sz="3200" dirty="0" smtClean="0"/>
+              <a:t>4</a:t>
+            </a:r>
+            <a:endParaRPr lang="zh-CN" altLang="en-US" sz="3200" dirty="0"/>
+          </a:p>
+        </p:txBody>
+      </p:sp>
+      <p:sp>
+        <p:nvSpPr>
+          <p:cNvPr id="14" name="椭圆 13"/>
+          <p:cNvSpPr/>
+          <p:nvPr/>
+        </p:nvSpPr>
+        <p:spPr>
+          <a:xfrm>
+            <a:off x="1786701" y="1328762"/>
+            <a:ext cx="802562" cy="802562"/>
+          </a:xfrm>
+          <a:prstGeom prst="ellipse">
+            <a:avLst/>
+          </a:prstGeom>
+          <a:solidFill>
+            <a:schemeClr val="accent1">
+              <a:lumMod val="75000"/>
+            </a:schemeClr>
+          </a:solidFill>
+          <a:ln>
+            <a:noFill/>
+          </a:ln>
+        </p:spPr>
+        <p:style>
+          <a:lnRef idx="2">
+            <a:schemeClr val="accent1">
+              <a:shade val="50000"/>
+            </a:schemeClr>
+          </a:lnRef>
+          <a:fillRef idx="1">
+            <a:schemeClr val="accent1"/>
+          </a:fillRef>
+          <a:effectRef idx="0">
+            <a:schemeClr val="accent1"/>
+          </a:effectRef>
+          <a:fontRef idx="minor">
+            <a:schemeClr val="lt1"/>
+          </a:fontRef>
+        </p:style>
+        <p:txBody>
+          <a:bodyPr rtlCol="0" anchor="ctr"/>
+          <a:lstStyle/>
+          <a:p>
+            <a:pPr algn="ctr"/>
+            <a:r>
+              <a:rPr lang="en-US" altLang="zh-CN" sz="3200" dirty="0" smtClean="0"/>
+              <a:t>2</a:t>
+            </a:r>
+            <a:endParaRPr lang="zh-CN" altLang="en-US" sz="3200" dirty="0"/>
+          </a:p>
+        </p:txBody>
+      </p:sp>
+      <p:sp>
+        <p:nvSpPr>
+          <p:cNvPr id="27" name="椭圆 26"/>
+          <p:cNvSpPr/>
+          <p:nvPr/>
+        </p:nvSpPr>
+        <p:spPr>
+          <a:xfrm>
+            <a:off x="808328" y="2390632"/>
+            <a:ext cx="802562" cy="802562"/>
+          </a:xfrm>
+          <a:prstGeom prst="ellipse">
+            <a:avLst/>
+          </a:prstGeom>
+          <a:solidFill>
+            <a:schemeClr val="accent1">
+              <a:lumMod val="75000"/>
+            </a:schemeClr>
+          </a:solidFill>
+          <a:ln>
+            <a:noFill/>
+          </a:ln>
+        </p:spPr>
+        <p:style>
+          <a:lnRef idx="2">
+            <a:schemeClr val="accent1">
+              <a:shade val="50000"/>
+            </a:schemeClr>
+          </a:lnRef>
+          <a:fillRef idx="1">
+            <a:schemeClr val="accent1"/>
+          </a:fillRef>
+          <a:effectRef idx="0">
+            <a:schemeClr val="accent1"/>
+          </a:effectRef>
+          <a:fontRef idx="minor">
+            <a:schemeClr val="lt1"/>
+          </a:fontRef>
+        </p:style>
+        <p:txBody>
+          <a:bodyPr rtlCol="0" anchor="ctr"/>
+          <a:lstStyle/>
+          <a:p>
+            <a:pPr algn="ctr"/>
+            <a:r>
+              <a:rPr lang="en-US" altLang="zh-CN" sz="3200" dirty="0" smtClean="0"/>
+              <a:t>1</a:t>
+            </a:r>
+            <a:endParaRPr lang="zh-CN" altLang="en-US" sz="3200" dirty="0"/>
+          </a:p>
+        </p:txBody>
+      </p:sp>
+      <p:sp>
+        <p:nvSpPr>
+          <p:cNvPr id="28" name="椭圆 27"/>
+          <p:cNvSpPr/>
+          <p:nvPr/>
+        </p:nvSpPr>
+        <p:spPr>
+          <a:xfrm>
+            <a:off x="2772958" y="2390632"/>
+            <a:ext cx="802562" cy="802562"/>
+          </a:xfrm>
+          <a:prstGeom prst="ellipse">
+            <a:avLst/>
+          </a:prstGeom>
+          <a:solidFill>
+            <a:schemeClr val="accent1">
+              <a:lumMod val="75000"/>
+            </a:schemeClr>
+          </a:solidFill>
+          <a:ln>
+            <a:noFill/>
+          </a:ln>
+        </p:spPr>
+        <p:style>
+          <a:lnRef idx="2">
+            <a:schemeClr val="accent1">
+              <a:shade val="50000"/>
+            </a:schemeClr>
+          </a:lnRef>
+          <a:fillRef idx="1">
+            <a:schemeClr val="accent1"/>
+          </a:fillRef>
+          <a:effectRef idx="0">
+            <a:schemeClr val="accent1"/>
+          </a:effectRef>
+          <a:fontRef idx="minor">
+            <a:schemeClr val="lt1"/>
+          </a:fontRef>
+        </p:style>
+        <p:txBody>
+          <a:bodyPr rtlCol="0" anchor="ctr"/>
+          <a:lstStyle/>
+          <a:p>
+            <a:pPr algn="ctr"/>
+            <a:r>
+              <a:rPr lang="en-US" altLang="zh-CN" sz="3200" dirty="0" smtClean="0"/>
+              <a:t>3</a:t>
+            </a:r>
+            <a:endParaRPr lang="zh-CN" altLang="en-US" sz="3200" dirty="0"/>
+          </a:p>
+        </p:txBody>
+      </p:sp>
+      <p:sp>
+        <p:nvSpPr>
+          <p:cNvPr id="29" name="椭圆 28"/>
+          <p:cNvSpPr/>
+          <p:nvPr/>
+        </p:nvSpPr>
+        <p:spPr>
+          <a:xfrm>
+            <a:off x="176903" y="3725838"/>
+            <a:ext cx="802562" cy="802562"/>
+          </a:xfrm>
+          <a:prstGeom prst="ellipse">
+            <a:avLst/>
+          </a:prstGeom>
+          <a:solidFill>
+            <a:schemeClr val="accent1">
+              <a:lumMod val="75000"/>
+            </a:schemeClr>
+          </a:solidFill>
+          <a:ln>
+            <a:noFill/>
+          </a:ln>
+        </p:spPr>
+        <p:style>
+          <a:lnRef idx="2">
+            <a:schemeClr val="accent1">
+              <a:shade val="50000"/>
+            </a:schemeClr>
+          </a:lnRef>
+          <a:fillRef idx="1">
+            <a:schemeClr val="accent1"/>
+          </a:fillRef>
+          <a:effectRef idx="0">
+            <a:schemeClr val="accent1"/>
+          </a:effectRef>
+          <a:fontRef idx="minor">
+            <a:schemeClr val="lt1"/>
+          </a:fontRef>
+        </p:style>
+        <p:txBody>
+          <a:bodyPr rtlCol="0" anchor="ctr"/>
+          <a:lstStyle/>
+          <a:p>
+            <a:pPr algn="ctr"/>
+            <a:r>
+              <a:rPr lang="en-US" altLang="zh-CN" sz="3200" dirty="0" smtClean="0"/>
+              <a:t>6</a:t>
+            </a:r>
+            <a:endParaRPr lang="zh-CN" altLang="en-US" sz="3200" dirty="0"/>
+          </a:p>
+        </p:txBody>
+      </p:sp>
+      <p:sp>
+        <p:nvSpPr>
+          <p:cNvPr id="30" name="椭圆 29"/>
+          <p:cNvSpPr/>
+          <p:nvPr/>
+        </p:nvSpPr>
+        <p:spPr>
+          <a:xfrm>
+            <a:off x="1354060" y="3725838"/>
+            <a:ext cx="802562" cy="802562"/>
+          </a:xfrm>
+          <a:prstGeom prst="ellipse">
+            <a:avLst/>
+          </a:prstGeom>
+          <a:solidFill>
+            <a:schemeClr val="accent1">
+              <a:lumMod val="75000"/>
+            </a:schemeClr>
+          </a:solidFill>
+          <a:ln>
+            <a:noFill/>
+          </a:ln>
+        </p:spPr>
+        <p:style>
+          <a:lnRef idx="2">
+            <a:schemeClr val="accent1">
+              <a:shade val="50000"/>
+            </a:schemeClr>
+          </a:lnRef>
+          <a:fillRef idx="1">
+            <a:schemeClr val="accent1"/>
+          </a:fillRef>
+          <a:effectRef idx="0">
+            <a:schemeClr val="accent1"/>
+          </a:effectRef>
+          <a:fontRef idx="minor">
+            <a:schemeClr val="lt1"/>
+          </a:fontRef>
+        </p:style>
+        <p:txBody>
+          <a:bodyPr rtlCol="0" anchor="ctr"/>
+          <a:lstStyle/>
+          <a:p>
+            <a:pPr algn="ctr"/>
+            <a:r>
+              <a:rPr lang="en-US" altLang="zh-CN" sz="3200" dirty="0" smtClean="0"/>
+              <a:t>7</a:t>
+            </a:r>
+            <a:endParaRPr lang="zh-CN" altLang="en-US" sz="3200" dirty="0"/>
+          </a:p>
+        </p:txBody>
+      </p:sp>
+      <p:sp>
+        <p:nvSpPr>
+          <p:cNvPr id="31" name="椭圆 30"/>
+          <p:cNvSpPr/>
+          <p:nvPr/>
+        </p:nvSpPr>
+        <p:spPr>
+          <a:xfrm>
+            <a:off x="2187982" y="3725838"/>
+            <a:ext cx="802562" cy="802562"/>
+          </a:xfrm>
+          <a:prstGeom prst="ellipse">
+            <a:avLst/>
+          </a:prstGeom>
+          <a:solidFill>
+            <a:schemeClr val="accent1">
+              <a:lumMod val="75000"/>
+            </a:schemeClr>
+          </a:solidFill>
+          <a:ln>
+            <a:noFill/>
+          </a:ln>
+        </p:spPr>
+        <p:style>
+          <a:lnRef idx="2">
+            <a:schemeClr val="accent1">
+              <a:shade val="50000"/>
+            </a:schemeClr>
+          </a:lnRef>
+          <a:fillRef idx="1">
+            <a:schemeClr val="accent1"/>
+          </a:fillRef>
+          <a:effectRef idx="0">
+            <a:schemeClr val="accent1"/>
+          </a:effectRef>
+          <a:fontRef idx="minor">
+            <a:schemeClr val="lt1"/>
+          </a:fontRef>
+        </p:style>
+        <p:txBody>
+          <a:bodyPr rtlCol="0" anchor="ctr"/>
+          <a:lstStyle/>
+          <a:p>
+            <a:pPr algn="ctr"/>
+            <a:r>
+              <a:rPr lang="en-US" altLang="zh-CN" sz="3200" dirty="0" smtClean="0"/>
+              <a:t>5</a:t>
+            </a:r>
+            <a:endParaRPr lang="zh-CN" altLang="en-US" sz="3200" dirty="0"/>
+          </a:p>
+        </p:txBody>
+      </p:sp>
+      <p:sp>
+        <p:nvSpPr>
+          <p:cNvPr id="32" name="椭圆 31"/>
+          <p:cNvSpPr/>
+          <p:nvPr/>
+        </p:nvSpPr>
+        <p:spPr>
+          <a:xfrm>
+            <a:off x="3411911" y="3725838"/>
+            <a:ext cx="802562" cy="802562"/>
+          </a:xfrm>
+          <a:prstGeom prst="ellipse">
+            <a:avLst/>
+          </a:prstGeom>
+          <a:solidFill>
+            <a:schemeClr val="accent1">
+              <a:lumMod val="75000"/>
+            </a:schemeClr>
+          </a:solidFill>
+          <a:ln>
+            <a:noFill/>
+          </a:ln>
+        </p:spPr>
+        <p:style>
+          <a:lnRef idx="2">
+            <a:schemeClr val="accent1">
+              <a:shade val="50000"/>
+            </a:schemeClr>
+          </a:lnRef>
+          <a:fillRef idx="1">
+            <a:schemeClr val="accent1"/>
+          </a:fillRef>
+          <a:effectRef idx="0">
+            <a:schemeClr val="accent1"/>
+          </a:effectRef>
+          <a:fontRef idx="minor">
+            <a:schemeClr val="lt1"/>
+          </a:fontRef>
+        </p:style>
+        <p:txBody>
+          <a:bodyPr rtlCol="0" anchor="ctr"/>
+          <a:lstStyle/>
+          <a:p>
+            <a:pPr algn="ctr"/>
+            <a:r>
+              <a:rPr lang="en-US" altLang="zh-CN" sz="3200" dirty="0"/>
+              <a:t>0</a:t>
+            </a:r>
+            <a:endParaRPr lang="zh-CN" altLang="en-US" sz="3200" dirty="0"/>
+          </a:p>
+        </p:txBody>
+      </p:sp>
+      <p:sp>
+        <p:nvSpPr>
+          <p:cNvPr id="33" name="椭圆 32"/>
+          <p:cNvSpPr/>
+          <p:nvPr/>
+        </p:nvSpPr>
+        <p:spPr>
+          <a:xfrm>
+            <a:off x="176903" y="4959069"/>
+            <a:ext cx="802562" cy="802562"/>
+          </a:xfrm>
+          <a:prstGeom prst="ellipse">
+            <a:avLst/>
+          </a:prstGeom>
+          <a:solidFill>
+            <a:schemeClr val="accent1">
+              <a:lumMod val="75000"/>
+            </a:schemeClr>
+          </a:solidFill>
+          <a:ln>
+            <a:noFill/>
+          </a:ln>
+        </p:spPr>
+        <p:style>
+          <a:lnRef idx="2">
+            <a:schemeClr val="accent1">
+              <a:shade val="50000"/>
+            </a:schemeClr>
+          </a:lnRef>
+          <a:fillRef idx="1">
+            <a:schemeClr val="accent1"/>
+          </a:fillRef>
+          <a:effectRef idx="0">
+            <a:schemeClr val="accent1"/>
+          </a:effectRef>
+          <a:fontRef idx="minor">
+            <a:schemeClr val="lt1"/>
+          </a:fontRef>
+        </p:style>
+        <p:txBody>
+          <a:bodyPr rtlCol="0" anchor="ctr"/>
+          <a:lstStyle/>
+          <a:p>
+            <a:pPr algn="ctr"/>
+            <a:r>
+              <a:rPr lang="en-US" altLang="zh-CN" sz="3200" dirty="0" smtClean="0"/>
+              <a:t>4</a:t>
+            </a:r>
+            <a:endParaRPr lang="zh-CN" altLang="en-US" sz="3200" dirty="0"/>
+          </a:p>
+        </p:txBody>
+      </p:sp>
+      <p:cxnSp>
+        <p:nvCxnSpPr>
+          <p:cNvPr id="38" name="直接箭头连接符 37"/>
+          <p:cNvCxnSpPr>
+            <a:stCxn id="14" idx="5"/>
+            <a:endCxn id="28" idx="0"/>
+          </p:cNvCxnSpPr>
+          <p:nvPr/>
+        </p:nvCxnSpPr>
+        <p:spPr>
+          <a:xfrm>
+            <a:off x="2471731" y="2013792"/>
+            <a:ext cx="702508" cy="376840"/>
+          </a:xfrm>
+          <a:prstGeom prst="straightConnector1">
+            <a:avLst/>
+          </a:prstGeom>
+          <a:ln w="38100">
+            <a:solidFill>
+              <a:srgbClr val="002060"/>
+            </a:solidFill>
+            <a:tailEnd type="triangle"/>
+          </a:ln>
+        </p:spPr>
+        <p:style>
+          <a:lnRef idx="1">
+            <a:schemeClr val="accent1"/>
+          </a:lnRef>
+          <a:fillRef idx="0">
+            <a:schemeClr val="accent1"/>
+          </a:fillRef>
+          <a:effectRef idx="0">
+            <a:schemeClr val="accent1"/>
+          </a:effectRef>
+          <a:fontRef idx="minor">
+            <a:schemeClr val="tx1"/>
+          </a:fontRef>
+        </p:style>
+      </p:cxnSp>
+      <p:cxnSp>
+        <p:nvCxnSpPr>
+          <p:cNvPr id="40" name="直接箭头连接符 39"/>
+          <p:cNvCxnSpPr>
+            <a:stCxn id="28" idx="5"/>
+            <a:endCxn id="32" idx="0"/>
+          </p:cNvCxnSpPr>
+          <p:nvPr/>
+        </p:nvCxnSpPr>
+        <p:spPr>
+          <a:xfrm>
+            <a:off x="3457988" y="3075662"/>
+            <a:ext cx="355204" cy="650176"/>
+          </a:xfrm>
+          <a:prstGeom prst="straightConnector1">
+            <a:avLst/>
+          </a:prstGeom>
+          <a:ln w="38100">
+            <a:solidFill>
+              <a:srgbClr val="002060"/>
+            </a:solidFill>
+            <a:tailEnd type="triangle"/>
+          </a:ln>
+        </p:spPr>
+        <p:style>
+          <a:lnRef idx="1">
+            <a:schemeClr val="accent1"/>
+          </a:lnRef>
+          <a:fillRef idx="0">
+            <a:schemeClr val="accent1"/>
+          </a:fillRef>
+          <a:effectRef idx="0">
+            <a:schemeClr val="accent1"/>
+          </a:effectRef>
+          <a:fontRef idx="minor">
+            <a:schemeClr val="tx1"/>
+          </a:fontRef>
+        </p:style>
+      </p:cxnSp>
+      <p:cxnSp>
+        <p:nvCxnSpPr>
+          <p:cNvPr id="43" name="直接箭头连接符 42"/>
+          <p:cNvCxnSpPr>
+            <a:stCxn id="27" idx="5"/>
+            <a:endCxn id="30" idx="0"/>
+          </p:cNvCxnSpPr>
+          <p:nvPr/>
+        </p:nvCxnSpPr>
+        <p:spPr>
+          <a:xfrm>
+            <a:off x="1493358" y="3075662"/>
+            <a:ext cx="261983" cy="650176"/>
+          </a:xfrm>
+          <a:prstGeom prst="straightConnector1">
+            <a:avLst/>
+          </a:prstGeom>
+          <a:ln w="38100">
+            <a:solidFill>
+              <a:srgbClr val="002060"/>
+            </a:solidFill>
+            <a:tailEnd type="triangle"/>
+          </a:ln>
+        </p:spPr>
+        <p:style>
+          <a:lnRef idx="1">
+            <a:schemeClr val="accent1"/>
+          </a:lnRef>
+          <a:fillRef idx="0">
+            <a:schemeClr val="accent1"/>
+          </a:fillRef>
+          <a:effectRef idx="0">
+            <a:schemeClr val="accent1"/>
+          </a:effectRef>
+          <a:fontRef idx="minor">
+            <a:schemeClr val="tx1"/>
+          </a:fontRef>
+        </p:style>
+      </p:cxnSp>
+      <p:cxnSp>
+        <p:nvCxnSpPr>
+          <p:cNvPr id="46" name="直接箭头连接符 45"/>
+          <p:cNvCxnSpPr>
+            <a:stCxn id="27" idx="3"/>
+            <a:endCxn id="29" idx="0"/>
+          </p:cNvCxnSpPr>
+          <p:nvPr/>
+        </p:nvCxnSpPr>
+        <p:spPr>
+          <a:xfrm flipH="1">
+            <a:off x="578184" y="3075662"/>
+            <a:ext cx="347676" cy="650176"/>
+          </a:xfrm>
+          <a:prstGeom prst="straightConnector1">
+            <a:avLst/>
+          </a:prstGeom>
+          <a:ln w="38100">
+            <a:solidFill>
+              <a:srgbClr val="002060"/>
+            </a:solidFill>
+            <a:tailEnd type="triangle"/>
+          </a:ln>
+        </p:spPr>
+        <p:style>
+          <a:lnRef idx="1">
+            <a:schemeClr val="accent1"/>
+          </a:lnRef>
+          <a:fillRef idx="0">
+            <a:schemeClr val="accent1"/>
+          </a:fillRef>
+          <a:effectRef idx="0">
+            <a:schemeClr val="accent1"/>
+          </a:effectRef>
+          <a:fontRef idx="minor">
+            <a:schemeClr val="tx1"/>
+          </a:fontRef>
+        </p:style>
+      </p:cxnSp>
+      <p:cxnSp>
+        <p:nvCxnSpPr>
+          <p:cNvPr id="49" name="直接箭头连接符 48"/>
+          <p:cNvCxnSpPr>
+            <a:stCxn id="14" idx="3"/>
+            <a:endCxn id="27" idx="0"/>
+          </p:cNvCxnSpPr>
+          <p:nvPr/>
+        </p:nvCxnSpPr>
+        <p:spPr>
+          <a:xfrm flipH="1">
+            <a:off x="1209609" y="2013792"/>
+            <a:ext cx="694624" cy="376840"/>
+          </a:xfrm>
+          <a:prstGeom prst="straightConnector1">
+            <a:avLst/>
+          </a:prstGeom>
+          <a:ln w="38100">
+            <a:solidFill>
+              <a:srgbClr val="002060"/>
+            </a:solidFill>
+            <a:tailEnd type="triangle"/>
+          </a:ln>
+        </p:spPr>
+        <p:style>
+          <a:lnRef idx="1">
+            <a:schemeClr val="accent1"/>
+          </a:lnRef>
+          <a:fillRef idx="0">
+            <a:schemeClr val="accent1"/>
+          </a:fillRef>
+          <a:effectRef idx="0">
+            <a:schemeClr val="accent1"/>
+          </a:effectRef>
+          <a:fontRef idx="minor">
+            <a:schemeClr val="tx1"/>
+          </a:fontRef>
+        </p:style>
+      </p:cxnSp>
+      <p:cxnSp>
+        <p:nvCxnSpPr>
+          <p:cNvPr id="52" name="直接箭头连接符 51"/>
+          <p:cNvCxnSpPr>
+            <a:stCxn id="28" idx="3"/>
+            <a:endCxn id="31" idx="0"/>
+          </p:cNvCxnSpPr>
+          <p:nvPr/>
+        </p:nvCxnSpPr>
+        <p:spPr>
+          <a:xfrm flipH="1">
+            <a:off x="2589263" y="3075662"/>
+            <a:ext cx="301227" cy="650176"/>
+          </a:xfrm>
+          <a:prstGeom prst="straightConnector1">
+            <a:avLst/>
+          </a:prstGeom>
+          <a:ln w="38100">
+            <a:solidFill>
+              <a:srgbClr val="002060"/>
+            </a:solidFill>
+            <a:tailEnd type="triangle"/>
+          </a:ln>
+        </p:spPr>
+        <p:style>
+          <a:lnRef idx="1">
+            <a:schemeClr val="accent1"/>
+          </a:lnRef>
+          <a:fillRef idx="0">
+            <a:schemeClr val="accent1"/>
+          </a:fillRef>
+          <a:effectRef idx="0">
+            <a:schemeClr val="accent1"/>
+          </a:effectRef>
+          <a:fontRef idx="minor">
+            <a:schemeClr val="tx1"/>
+          </a:fontRef>
+        </p:style>
+      </p:cxnSp>
+      <p:cxnSp>
+        <p:nvCxnSpPr>
+          <p:cNvPr id="55" name="直接箭头连接符 54"/>
+          <p:cNvCxnSpPr>
+            <a:stCxn id="29" idx="4"/>
+            <a:endCxn id="33" idx="0"/>
+          </p:cNvCxnSpPr>
+          <p:nvPr/>
+        </p:nvCxnSpPr>
+        <p:spPr>
+          <a:xfrm>
+            <a:off x="578184" y="4528400"/>
+            <a:ext cx="0" cy="430669"/>
+          </a:xfrm>
+          <a:prstGeom prst="straightConnector1">
+            <a:avLst/>
+          </a:prstGeom>
+          <a:ln w="38100">
+            <a:solidFill>
+              <a:srgbClr val="002060"/>
+            </a:solidFill>
+            <a:tailEnd type="triangle"/>
+          </a:ln>
+        </p:spPr>
+        <p:style>
+          <a:lnRef idx="1">
+            <a:schemeClr val="accent1"/>
+          </a:lnRef>
+          <a:fillRef idx="0">
+            <a:schemeClr val="accent1"/>
+          </a:fillRef>
+          <a:effectRef idx="0">
+            <a:schemeClr val="accent1"/>
+          </a:effectRef>
+          <a:fontRef idx="minor">
+            <a:schemeClr val="tx1"/>
+          </a:fontRef>
+        </p:style>
+      </p:cxnSp>
+      <p:sp>
+        <p:nvSpPr>
+          <p:cNvPr id="71" name="任意多边形 70"/>
+          <p:cNvSpPr/>
+          <p:nvPr/>
+        </p:nvSpPr>
+        <p:spPr>
+          <a:xfrm>
+            <a:off x="4635840" y="3848812"/>
+            <a:ext cx="803530" cy="886961"/>
+          </a:xfrm>
+          <a:custGeom>
+            <a:avLst/>
+            <a:gdLst>
+              <a:gd name="connsiteX0" fmla="*/ 410569 w 821140"/>
+              <a:gd name="connsiteY0" fmla="*/ 0 h 1511538"/>
+              <a:gd name="connsiteX1" fmla="*/ 720700 w 821140"/>
+              <a:gd name="connsiteY1" fmla="*/ 310132 h 1511538"/>
+              <a:gd name="connsiteX2" fmla="*/ 565634 w 821140"/>
+              <a:gd name="connsiteY2" fmla="*/ 310132 h 1511538"/>
+              <a:gd name="connsiteX3" fmla="*/ 565634 w 821140"/>
+              <a:gd name="connsiteY3" fmla="*/ 721189 h 1511538"/>
+              <a:gd name="connsiteX4" fmla="*/ 570383 w 821140"/>
+              <a:gd name="connsiteY4" fmla="*/ 722663 h 1511538"/>
+              <a:gd name="connsiteX5" fmla="*/ 821140 w 821140"/>
+              <a:gd name="connsiteY5" fmla="*/ 1100968 h 1511538"/>
+              <a:gd name="connsiteX6" fmla="*/ 410570 w 821140"/>
+              <a:gd name="connsiteY6" fmla="*/ 1511538 h 1511538"/>
+              <a:gd name="connsiteX7" fmla="*/ 0 w 821140"/>
+              <a:gd name="connsiteY7" fmla="*/ 1100968 h 1511538"/>
+              <a:gd name="connsiteX8" fmla="*/ 250758 w 821140"/>
+              <a:gd name="connsiteY8" fmla="*/ 722663 h 1511538"/>
+              <a:gd name="connsiteX9" fmla="*/ 255503 w 821140"/>
+              <a:gd name="connsiteY9" fmla="*/ 721190 h 1511538"/>
+              <a:gd name="connsiteX10" fmla="*/ 255503 w 821140"/>
+              <a:gd name="connsiteY10" fmla="*/ 310132 h 1511538"/>
+              <a:gd name="connsiteX11" fmla="*/ 100437 w 821140"/>
+              <a:gd name="connsiteY11" fmla="*/ 310132 h 1511538"/>
+            </a:gdLst>
+            <a:ahLst/>
+            <a:cxnLst>
+              <a:cxn ang="0">
+                <a:pos x="connsiteX0" y="connsiteY0"/>
+              </a:cxn>
+              <a:cxn ang="0">
+                <a:pos x="connsiteX1" y="connsiteY1"/>
+              </a:cxn>
+              <a:cxn ang="0">
+                <a:pos x="connsiteX2" y="connsiteY2"/>
+              </a:cxn>
+              <a:cxn ang="0">
+                <a:pos x="connsiteX3" y="connsiteY3"/>
+              </a:cxn>
+              <a:cxn ang="0">
+                <a:pos x="connsiteX4" y="connsiteY4"/>
+              </a:cxn>
+              <a:cxn ang="0">
+                <a:pos x="connsiteX5" y="connsiteY5"/>
+              </a:cxn>
+              <a:cxn ang="0">
+                <a:pos x="connsiteX6" y="connsiteY6"/>
+              </a:cxn>
+              <a:cxn ang="0">
+                <a:pos x="connsiteX7" y="connsiteY7"/>
+              </a:cxn>
+              <a:cxn ang="0">
+                <a:pos x="connsiteX8" y="connsiteY8"/>
+              </a:cxn>
+              <a:cxn ang="0">
+                <a:pos x="connsiteX9" y="connsiteY9"/>
+              </a:cxn>
+              <a:cxn ang="0">
+                <a:pos x="connsiteX10" y="connsiteY10"/>
+              </a:cxn>
+              <a:cxn ang="0">
+                <a:pos x="connsiteX11" y="connsiteY11"/>
+              </a:cxn>
+            </a:cxnLst>
+            <a:rect l="l" t="t" r="r" b="b"/>
+            <a:pathLst>
+              <a:path w="821140" h="1511538">
+                <a:moveTo>
+                  <a:pt x="410569" y="0"/>
+                </a:moveTo>
+                <a:lnTo>
+                  <a:pt x="720700" y="310132"/>
+                </a:lnTo>
+                <a:lnTo>
+                  <a:pt x="565634" y="310132"/>
+                </a:lnTo>
+                <a:lnTo>
+                  <a:pt x="565634" y="721189"/>
+                </a:lnTo>
+                <a:lnTo>
+                  <a:pt x="570383" y="722663"/>
+                </a:lnTo>
+                <a:cubicBezTo>
+                  <a:pt x="717743" y="784990"/>
+                  <a:pt x="821140" y="930904"/>
+                  <a:pt x="821140" y="1100968"/>
+                </a:cubicBezTo>
+                <a:cubicBezTo>
+                  <a:pt x="821140" y="1327720"/>
+                  <a:pt x="637322" y="1511538"/>
+                  <a:pt x="410570" y="1511538"/>
+                </a:cubicBezTo>
+                <a:cubicBezTo>
+                  <a:pt x="183818" y="1511538"/>
+                  <a:pt x="0" y="1327720"/>
+                  <a:pt x="0" y="1100968"/>
+                </a:cubicBezTo>
+                <a:cubicBezTo>
+                  <a:pt x="0" y="930904"/>
+                  <a:pt x="103398" y="784990"/>
+                  <a:pt x="250758" y="722663"/>
+                </a:cubicBezTo>
+                <a:lnTo>
+                  <a:pt x="255503" y="721190"/>
+                </a:lnTo>
+                <a:lnTo>
+                  <a:pt x="255503" y="310132"/>
+                </a:lnTo>
+                <a:lnTo>
+                  <a:pt x="100437" y="310132"/>
+                </a:lnTo>
+                <a:close/>
+              </a:path>
+            </a:pathLst>
+          </a:custGeom>
+          <a:solidFill>
+            <a:srgbClr val="00B050"/>
+          </a:solidFill>
+          <a:ln>
+            <a:noFill/>
+          </a:ln>
+        </p:spPr>
+        <p:style>
+          <a:lnRef idx="2">
+            <a:schemeClr val="accent1">
+              <a:shade val="50000"/>
+            </a:schemeClr>
+          </a:lnRef>
+          <a:fillRef idx="1">
+            <a:schemeClr val="accent1"/>
+          </a:fillRef>
+          <a:effectRef idx="0">
+            <a:schemeClr val="accent1"/>
+          </a:effectRef>
+          <a:fontRef idx="minor">
+            <a:schemeClr val="lt1"/>
+          </a:fontRef>
+        </p:style>
+        <p:txBody>
+          <a:bodyPr rtlCol="0" anchor="ctr"/>
+          <a:lstStyle/>
+          <a:p>
+            <a:pPr algn="ctr"/>
+            <a:endParaRPr lang="en-US" altLang="zh-CN" sz="1400" dirty="0" smtClean="0">
+              <a:solidFill>
+                <a:srgbClr val="002060"/>
+              </a:solidFill>
+            </a:endParaRPr>
+          </a:p>
+          <a:p>
+            <a:pPr algn="ctr"/>
+            <a:endParaRPr lang="en-US" altLang="zh-CN" sz="1400" dirty="0">
+              <a:solidFill>
+                <a:srgbClr val="002060"/>
+              </a:solidFill>
+            </a:endParaRPr>
+          </a:p>
+          <a:p>
+            <a:pPr algn="ctr"/>
+            <a:r>
+              <a:rPr lang="en-US" altLang="zh-CN" sz="1400" dirty="0" smtClean="0">
+                <a:solidFill>
+                  <a:srgbClr val="002060"/>
+                </a:solidFill>
+              </a:rPr>
+              <a:t>parent</a:t>
+            </a:r>
+            <a:endParaRPr lang="zh-CN" altLang="en-US" sz="1400" dirty="0">
+              <a:solidFill>
+                <a:srgbClr val="002060"/>
+              </a:solidFill>
+            </a:endParaRPr>
+          </a:p>
+        </p:txBody>
+      </p:sp>
+      <p:sp>
+        <p:nvSpPr>
+          <p:cNvPr id="72" name="任意多边形 71"/>
+          <p:cNvSpPr/>
+          <p:nvPr/>
+        </p:nvSpPr>
+        <p:spPr>
+          <a:xfrm>
+            <a:off x="5531914" y="3856773"/>
+            <a:ext cx="803530" cy="886961"/>
+          </a:xfrm>
+          <a:custGeom>
+            <a:avLst/>
+            <a:gdLst>
+              <a:gd name="connsiteX0" fmla="*/ 410569 w 821140"/>
+              <a:gd name="connsiteY0" fmla="*/ 0 h 1511538"/>
+              <a:gd name="connsiteX1" fmla="*/ 720700 w 821140"/>
+              <a:gd name="connsiteY1" fmla="*/ 310132 h 1511538"/>
+              <a:gd name="connsiteX2" fmla="*/ 565634 w 821140"/>
+              <a:gd name="connsiteY2" fmla="*/ 310132 h 1511538"/>
+              <a:gd name="connsiteX3" fmla="*/ 565634 w 821140"/>
+              <a:gd name="connsiteY3" fmla="*/ 721189 h 1511538"/>
+              <a:gd name="connsiteX4" fmla="*/ 570383 w 821140"/>
+              <a:gd name="connsiteY4" fmla="*/ 722663 h 1511538"/>
+              <a:gd name="connsiteX5" fmla="*/ 821140 w 821140"/>
+              <a:gd name="connsiteY5" fmla="*/ 1100968 h 1511538"/>
+              <a:gd name="connsiteX6" fmla="*/ 410570 w 821140"/>
+              <a:gd name="connsiteY6" fmla="*/ 1511538 h 1511538"/>
+              <a:gd name="connsiteX7" fmla="*/ 0 w 821140"/>
+              <a:gd name="connsiteY7" fmla="*/ 1100968 h 1511538"/>
+              <a:gd name="connsiteX8" fmla="*/ 250758 w 821140"/>
+              <a:gd name="connsiteY8" fmla="*/ 722663 h 1511538"/>
+              <a:gd name="connsiteX9" fmla="*/ 255503 w 821140"/>
+              <a:gd name="connsiteY9" fmla="*/ 721190 h 1511538"/>
+              <a:gd name="connsiteX10" fmla="*/ 255503 w 821140"/>
+              <a:gd name="connsiteY10" fmla="*/ 310132 h 1511538"/>
+              <a:gd name="connsiteX11" fmla="*/ 100437 w 821140"/>
+              <a:gd name="connsiteY11" fmla="*/ 310132 h 1511538"/>
+            </a:gdLst>
+            <a:ahLst/>
+            <a:cxnLst>
+              <a:cxn ang="0">
+                <a:pos x="connsiteX0" y="connsiteY0"/>
+              </a:cxn>
+              <a:cxn ang="0">
+                <a:pos x="connsiteX1" y="connsiteY1"/>
+              </a:cxn>
+              <a:cxn ang="0">
+                <a:pos x="connsiteX2" y="connsiteY2"/>
+              </a:cxn>
+              <a:cxn ang="0">
+                <a:pos x="connsiteX3" y="connsiteY3"/>
+              </a:cxn>
+              <a:cxn ang="0">
+                <a:pos x="connsiteX4" y="connsiteY4"/>
+              </a:cxn>
+              <a:cxn ang="0">
+                <a:pos x="connsiteX5" y="connsiteY5"/>
+              </a:cxn>
+              <a:cxn ang="0">
+                <a:pos x="connsiteX6" y="connsiteY6"/>
+              </a:cxn>
+              <a:cxn ang="0">
+                <a:pos x="connsiteX7" y="connsiteY7"/>
+              </a:cxn>
+              <a:cxn ang="0">
+                <a:pos x="connsiteX8" y="connsiteY8"/>
+              </a:cxn>
+              <a:cxn ang="0">
+                <a:pos x="connsiteX9" y="connsiteY9"/>
+              </a:cxn>
+              <a:cxn ang="0">
+                <a:pos x="connsiteX10" y="connsiteY10"/>
+              </a:cxn>
+              <a:cxn ang="0">
+                <a:pos x="connsiteX11" y="connsiteY11"/>
+              </a:cxn>
+            </a:cxnLst>
+            <a:rect l="l" t="t" r="r" b="b"/>
+            <a:pathLst>
+              <a:path w="821140" h="1511538">
+                <a:moveTo>
+                  <a:pt x="410569" y="0"/>
+                </a:moveTo>
+                <a:lnTo>
+                  <a:pt x="720700" y="310132"/>
+                </a:lnTo>
+                <a:lnTo>
+                  <a:pt x="565634" y="310132"/>
+                </a:lnTo>
+                <a:lnTo>
+                  <a:pt x="565634" y="721189"/>
+                </a:lnTo>
+                <a:lnTo>
+                  <a:pt x="570383" y="722663"/>
+                </a:lnTo>
+                <a:cubicBezTo>
+                  <a:pt x="717743" y="784990"/>
+                  <a:pt x="821140" y="930904"/>
+                  <a:pt x="821140" y="1100968"/>
+                </a:cubicBezTo>
+                <a:cubicBezTo>
+                  <a:pt x="821140" y="1327720"/>
+                  <a:pt x="637322" y="1511538"/>
+                  <a:pt x="410570" y="1511538"/>
+                </a:cubicBezTo>
+                <a:cubicBezTo>
+                  <a:pt x="183818" y="1511538"/>
+                  <a:pt x="0" y="1327720"/>
+                  <a:pt x="0" y="1100968"/>
+                </a:cubicBezTo>
+                <a:cubicBezTo>
+                  <a:pt x="0" y="930904"/>
+                  <a:pt x="103398" y="784990"/>
+                  <a:pt x="250758" y="722663"/>
+                </a:cubicBezTo>
+                <a:lnTo>
+                  <a:pt x="255503" y="721190"/>
+                </a:lnTo>
+                <a:lnTo>
+                  <a:pt x="255503" y="310132"/>
+                </a:lnTo>
+                <a:lnTo>
+                  <a:pt x="100437" y="310132"/>
+                </a:lnTo>
+                <a:close/>
+              </a:path>
+            </a:pathLst>
+          </a:custGeom>
+          <a:solidFill>
+            <a:srgbClr val="00B050"/>
+          </a:solidFill>
+          <a:ln>
+            <a:noFill/>
+          </a:ln>
+        </p:spPr>
+        <p:style>
+          <a:lnRef idx="2">
+            <a:schemeClr val="accent1">
+              <a:shade val="50000"/>
+            </a:schemeClr>
+          </a:lnRef>
+          <a:fillRef idx="1">
+            <a:schemeClr val="accent1"/>
+          </a:fillRef>
+          <a:effectRef idx="0">
+            <a:schemeClr val="accent1"/>
+          </a:effectRef>
+          <a:fontRef idx="minor">
+            <a:schemeClr val="lt1"/>
+          </a:fontRef>
+        </p:style>
+        <p:txBody>
+          <a:bodyPr rtlCol="0" anchor="ctr"/>
+          <a:lstStyle/>
+          <a:p>
+            <a:pPr algn="ctr"/>
+            <a:endParaRPr lang="en-US" altLang="zh-CN" sz="1400" dirty="0" smtClean="0">
+              <a:solidFill>
+                <a:srgbClr val="002060"/>
+              </a:solidFill>
+            </a:endParaRPr>
+          </a:p>
+          <a:p>
+            <a:pPr algn="ctr"/>
+            <a:endParaRPr lang="en-US" altLang="zh-CN" sz="1400" dirty="0">
+              <a:solidFill>
+                <a:srgbClr val="002060"/>
+              </a:solidFill>
+            </a:endParaRPr>
+          </a:p>
+          <a:p>
+            <a:pPr algn="ctr"/>
+            <a:r>
+              <a:rPr lang="en-US" altLang="zh-CN" sz="1400" dirty="0" smtClean="0">
+                <a:solidFill>
+                  <a:srgbClr val="002060"/>
+                </a:solidFill>
+              </a:rPr>
+              <a:t>child</a:t>
+            </a:r>
+            <a:endParaRPr lang="zh-CN" altLang="en-US" sz="1400" dirty="0">
+              <a:solidFill>
+                <a:srgbClr val="002060"/>
+              </a:solidFill>
+            </a:endParaRPr>
+          </a:p>
+        </p:txBody>
+      </p:sp>
+    </p:spTree>
+    <p:extLst>
+      <p:ext uri="{BB962C8B-B14F-4D97-AF65-F5344CB8AC3E}">
+        <p14:creationId xmlns:p14="http://schemas.microsoft.com/office/powerpoint/2010/main" val="3960586668"/>
+      </p:ext>
+    </p:extLst>
+  </p:cSld>
+  <p:clrMapOvr>
+    <a:masterClrMapping/>
+  </p:clrMapOvr>
+  <p:timing>
+    <p:tnLst>
+      <p:par>
+        <p:cTn id="1" dur="indefinite" restart="never" nodeType="tmRoot">
+          <p:childTnLst>
+            <p:seq concurrent="1" nextAc="seek">
+              <p:cTn id="2" dur="indefinite" nodeType="mainSeq">
+                <p:childTnLst>
+                  <p:par>
+                    <p:cTn id="3" fill="hold">
+                      <p:stCondLst>
+                        <p:cond delay="indefinite"/>
+                        <p:cond evt="onBegin" delay="0">
+                          <p:tn val="2"/>
+                        </p:cond>
+                      </p:stCondLst>
+                      <p:childTnLst>
+                        <p:par>
+                          <p:cTn id="4" fill="hold">
+                            <p:stCondLst>
+                              <p:cond delay="0"/>
+                            </p:stCondLst>
+                            <p:childTnLst>
+                              <p:par>
+                                <p:cTn id="5" presetID="24" presetClass="emph" presetSubtype="0" fill="hold" grpId="0" nodeType="afterEffect">
+                                  <p:stCondLst>
+                                    <p:cond delay="0"/>
+                                  </p:stCondLst>
+                                  <p:childTnLst>
+                                    <p:animClr clrSpc="hsl" dir="cw">
+                                      <p:cBhvr override="childStyle">
+                                        <p:cTn id="6" dur="500" fill="hold"/>
+                                        <p:tgtEl>
+                                          <p:spTgt spid="14"/>
+                                        </p:tgtEl>
+                                        <p:attrNameLst>
+                                          <p:attrName>style.color</p:attrName>
+                                        </p:attrNameLst>
+                                      </p:cBhvr>
+                                      <p:by>
+                                        <p:hsl h="0" s="-12549" l="-25098"/>
+                                      </p:by>
+                                    </p:animClr>
+                                    <p:animClr clrSpc="hsl" dir="cw">
+                                      <p:cBhvr>
+                                        <p:cTn id="7" dur="500" fill="hold"/>
+                                        <p:tgtEl>
+                                          <p:spTgt spid="14"/>
+                                        </p:tgtEl>
+                                        <p:attrNameLst>
+                                          <p:attrName>fillcolor</p:attrName>
+                                        </p:attrNameLst>
+                                      </p:cBhvr>
+                                      <p:by>
+                                        <p:hsl h="0" s="-12549" l="-25098"/>
+                                      </p:by>
+                                    </p:animClr>
+                                    <p:animClr clrSpc="hsl" dir="cw">
+                                      <p:cBhvr>
+                                        <p:cTn id="8" dur="500" fill="hold"/>
+                                        <p:tgtEl>
+                                          <p:spTgt spid="14"/>
+                                        </p:tgtEl>
+                                        <p:attrNameLst>
+                                          <p:attrName>stroke.color</p:attrName>
+                                        </p:attrNameLst>
+                                      </p:cBhvr>
+                                      <p:by>
+                                        <p:hsl h="0" s="-12549" l="-25098"/>
+                                      </p:by>
+                                    </p:animClr>
+                                    <p:set>
+                                      <p:cBhvr>
+                                        <p:cTn id="9" dur="500" fill="hold"/>
+                                        <p:tgtEl>
+                                          <p:spTgt spid="14"/>
+                                        </p:tgtEl>
+                                        <p:attrNameLst>
+                                          <p:attrName>fill.type</p:attrName>
+                                        </p:attrNameLst>
+                                      </p:cBhvr>
+                                      <p:to>
+                                        <p:strVal val="solid"/>
+                                      </p:to>
+                                    </p:set>
+                                  </p:childTnLst>
+                                </p:cTn>
+                              </p:par>
+                              <p:par>
+                                <p:cTn id="10" presetID="24" presetClass="emph" presetSubtype="0" fill="hold" grpId="0" nodeType="withEffect">
+                                  <p:stCondLst>
+                                    <p:cond delay="0"/>
+                                  </p:stCondLst>
+                                  <p:childTnLst>
+                                    <p:animClr clrSpc="hsl" dir="cw">
+                                      <p:cBhvr override="childStyle">
+                                        <p:cTn id="11" dur="500" fill="hold"/>
+                                        <p:tgtEl>
+                                          <p:spTgt spid="27"/>
+                                        </p:tgtEl>
+                                        <p:attrNameLst>
+                                          <p:attrName>style.color</p:attrName>
+                                        </p:attrNameLst>
+                                      </p:cBhvr>
+                                      <p:by>
+                                        <p:hsl h="0" s="-12549" l="-25098"/>
+                                      </p:by>
+                                    </p:animClr>
+                                    <p:animClr clrSpc="hsl" dir="cw">
+                                      <p:cBhvr>
+                                        <p:cTn id="12" dur="500" fill="hold"/>
+                                        <p:tgtEl>
+                                          <p:spTgt spid="27"/>
+                                        </p:tgtEl>
+                                        <p:attrNameLst>
+                                          <p:attrName>fillcolor</p:attrName>
+                                        </p:attrNameLst>
+                                      </p:cBhvr>
+                                      <p:by>
+                                        <p:hsl h="0" s="-12549" l="-25098"/>
+                                      </p:by>
+                                    </p:animClr>
+                                    <p:animClr clrSpc="hsl" dir="cw">
+                                      <p:cBhvr>
+                                        <p:cTn id="13" dur="500" fill="hold"/>
+                                        <p:tgtEl>
+                                          <p:spTgt spid="27"/>
+                                        </p:tgtEl>
+                                        <p:attrNameLst>
+                                          <p:attrName>stroke.color</p:attrName>
+                                        </p:attrNameLst>
+                                      </p:cBhvr>
+                                      <p:by>
+                                        <p:hsl h="0" s="-12549" l="-25098"/>
+                                      </p:by>
+                                    </p:animClr>
+                                    <p:set>
+                                      <p:cBhvr>
+                                        <p:cTn id="14" dur="500" fill="hold"/>
+                                        <p:tgtEl>
+                                          <p:spTgt spid="27"/>
+                                        </p:tgtEl>
+                                        <p:attrNameLst>
+                                          <p:attrName>fill.type</p:attrName>
+                                        </p:attrNameLst>
+                                      </p:cBhvr>
+                                      <p:to>
+                                        <p:strVal val="solid"/>
+                                      </p:to>
+                                    </p:set>
+                                  </p:childTnLst>
+                                </p:cTn>
+                              </p:par>
+                            </p:childTnLst>
+                          </p:cTn>
+                        </p:par>
+                        <p:par>
+                          <p:cTn id="15" fill="hold">
+                            <p:stCondLst>
+                              <p:cond delay="500"/>
+                            </p:stCondLst>
+                            <p:childTnLst>
+                              <p:par>
+                                <p:cTn id="16" presetID="63" presetClass="path" presetSubtype="0" accel="50000" decel="50000" fill="hold" grpId="0" nodeType="afterEffect">
+                                  <p:stCondLst>
+                                    <p:cond delay="0"/>
+                                  </p:stCondLst>
+                                  <p:childTnLst>
+                                    <p:animMotion origin="layout" path="M 1.25E-6 -1.85185E-6 L 0.06068 -1.85185E-6 " pathEditMode="relative" rAng="0" ptsTypes="AA">
+                                      <p:cBhvr>
+                                        <p:cTn id="17" dur="500" fill="hold"/>
+                                        <p:tgtEl>
+                                          <p:spTgt spid="72"/>
+                                        </p:tgtEl>
+                                        <p:attrNameLst>
+                                          <p:attrName>ppt_x</p:attrName>
+                                          <p:attrName>ppt_y</p:attrName>
+                                        </p:attrNameLst>
+                                      </p:cBhvr>
+                                      <p:rCtr x="3034" y="0"/>
+                                    </p:animMotion>
+                                  </p:childTnLst>
+                                </p:cTn>
+                              </p:par>
+                              <p:par>
+                                <p:cTn id="18" presetID="30" presetClass="emph" presetSubtype="0" fill="hold" grpId="1" nodeType="withEffect">
+                                  <p:stCondLst>
+                                    <p:cond delay="0"/>
+                                  </p:stCondLst>
+                                  <p:childTnLst>
+                                    <p:animClr clrSpc="hsl" dir="cw">
+                                      <p:cBhvr override="childStyle">
+                                        <p:cTn id="19" dur="500" fill="hold"/>
+                                        <p:tgtEl>
+                                          <p:spTgt spid="27"/>
+                                        </p:tgtEl>
+                                        <p:attrNameLst>
+                                          <p:attrName>style.color</p:attrName>
+                                        </p:attrNameLst>
+                                      </p:cBhvr>
+                                      <p:by>
+                                        <p:hsl h="0" s="12549" l="25098"/>
+                                      </p:by>
+                                    </p:animClr>
+                                    <p:animClr clrSpc="hsl" dir="cw">
+                                      <p:cBhvr>
+                                        <p:cTn id="20" dur="500" fill="hold"/>
+                                        <p:tgtEl>
+                                          <p:spTgt spid="27"/>
+                                        </p:tgtEl>
+                                        <p:attrNameLst>
+                                          <p:attrName>fillcolor</p:attrName>
+                                        </p:attrNameLst>
+                                      </p:cBhvr>
+                                      <p:by>
+                                        <p:hsl h="0" s="12549" l="25098"/>
+                                      </p:by>
+                                    </p:animClr>
+                                    <p:animClr clrSpc="hsl" dir="cw">
+                                      <p:cBhvr>
+                                        <p:cTn id="21" dur="500" fill="hold"/>
+                                        <p:tgtEl>
+                                          <p:spTgt spid="27"/>
+                                        </p:tgtEl>
+                                        <p:attrNameLst>
+                                          <p:attrName>stroke.color</p:attrName>
+                                        </p:attrNameLst>
+                                      </p:cBhvr>
+                                      <p:by>
+                                        <p:hsl h="0" s="12549" l="25098"/>
+                                      </p:by>
+                                    </p:animClr>
+                                    <p:set>
+                                      <p:cBhvr>
+                                        <p:cTn id="22" dur="500" fill="hold"/>
+                                        <p:tgtEl>
+                                          <p:spTgt spid="27"/>
+                                        </p:tgtEl>
+                                        <p:attrNameLst>
+                                          <p:attrName>fill.type</p:attrName>
+                                        </p:attrNameLst>
+                                      </p:cBhvr>
+                                      <p:to>
+                                        <p:strVal val="solid"/>
+                                      </p:to>
+                                    </p:set>
+                                  </p:childTnLst>
+                                </p:cTn>
+                              </p:par>
+                              <p:par>
+                                <p:cTn id="23" presetID="24" presetClass="emph" presetSubtype="0" fill="hold" grpId="0" nodeType="withEffect">
+                                  <p:stCondLst>
+                                    <p:cond delay="0"/>
+                                  </p:stCondLst>
+                                  <p:childTnLst>
+                                    <p:animClr clrSpc="hsl" dir="cw">
+                                      <p:cBhvr override="childStyle">
+                                        <p:cTn id="24" dur="500" fill="hold"/>
+                                        <p:tgtEl>
+                                          <p:spTgt spid="28"/>
+                                        </p:tgtEl>
+                                        <p:attrNameLst>
+                                          <p:attrName>style.color</p:attrName>
+                                        </p:attrNameLst>
+                                      </p:cBhvr>
+                                      <p:by>
+                                        <p:hsl h="0" s="-12549" l="-25098"/>
+                                      </p:by>
+                                    </p:animClr>
+                                    <p:animClr clrSpc="hsl" dir="cw">
+                                      <p:cBhvr>
+                                        <p:cTn id="25" dur="500" fill="hold"/>
+                                        <p:tgtEl>
+                                          <p:spTgt spid="28"/>
+                                        </p:tgtEl>
+                                        <p:attrNameLst>
+                                          <p:attrName>fillcolor</p:attrName>
+                                        </p:attrNameLst>
+                                      </p:cBhvr>
+                                      <p:by>
+                                        <p:hsl h="0" s="-12549" l="-25098"/>
+                                      </p:by>
+                                    </p:animClr>
+                                    <p:animClr clrSpc="hsl" dir="cw">
+                                      <p:cBhvr>
+                                        <p:cTn id="26" dur="500" fill="hold"/>
+                                        <p:tgtEl>
+                                          <p:spTgt spid="28"/>
+                                        </p:tgtEl>
+                                        <p:attrNameLst>
+                                          <p:attrName>stroke.color</p:attrName>
+                                        </p:attrNameLst>
+                                      </p:cBhvr>
+                                      <p:by>
+                                        <p:hsl h="0" s="-12549" l="-25098"/>
+                                      </p:by>
+                                    </p:animClr>
+                                    <p:set>
+                                      <p:cBhvr>
+                                        <p:cTn id="27" dur="500" fill="hold"/>
+                                        <p:tgtEl>
+                                          <p:spTgt spid="28"/>
+                                        </p:tgtEl>
+                                        <p:attrNameLst>
+                                          <p:attrName>fill.type</p:attrName>
+                                        </p:attrNameLst>
+                                      </p:cBhvr>
+                                      <p:to>
+                                        <p:strVal val="solid"/>
+                                      </p:to>
+                                    </p:set>
+                                  </p:childTnLst>
+                                </p:cTn>
+                              </p:par>
+                            </p:childTnLst>
+                          </p:cTn>
+                        </p:par>
+                        <p:par>
+                          <p:cTn id="28" fill="hold">
+                            <p:stCondLst>
+                              <p:cond delay="1000"/>
+                            </p:stCondLst>
+                            <p:childTnLst>
+                              <p:par>
+                                <p:cTn id="29" presetID="37" presetClass="path" presetSubtype="0" accel="50000" decel="50000" fill="hold" grpId="0" nodeType="afterEffect">
+                                  <p:stCondLst>
+                                    <p:cond delay="0"/>
+                                  </p:stCondLst>
+                                  <p:childTnLst>
+                                    <p:animMotion origin="layout" path="M -3.95833E-6 -2.22222E-6 L -0.03528 -0.10116 C -0.04244 -0.12407 -0.05351 -0.13611 -0.0651 -0.13611 C -0.07825 -0.13611 -0.0888 -0.12407 -0.09596 -0.10116 L -0.13099 -2.22222E-6 " pathEditMode="relative" rAng="0" ptsTypes="AAAAA">
+                                      <p:cBhvr>
+                                        <p:cTn id="30" dur="1000" fill="hold"/>
+                                        <p:tgtEl>
+                                          <p:spTgt spid="6"/>
+                                        </p:tgtEl>
+                                        <p:attrNameLst>
+                                          <p:attrName>ppt_x</p:attrName>
+                                          <p:attrName>ppt_y</p:attrName>
+                                        </p:attrNameLst>
+                                      </p:cBhvr>
+                                      <p:rCtr x="-6549" y="-6806"/>
+                                    </p:animMotion>
+                                  </p:childTnLst>
+                                </p:cTn>
+                              </p:par>
+                              <p:par>
+                                <p:cTn id="31" presetID="37" presetClass="path" presetSubtype="0" accel="50000" decel="50000" fill="hold" grpId="0" nodeType="withEffect">
+                                  <p:stCondLst>
+                                    <p:cond delay="0"/>
+                                  </p:stCondLst>
+                                  <p:childTnLst>
+                                    <p:animMotion origin="layout" path="M -4.375E-6 -2.22222E-6 L 0.03594 -0.10116 C 0.04349 -0.12407 0.05469 -0.13611 0.06654 -0.13611 C 0.07995 -0.13611 0.09063 -0.12407 0.09818 -0.10116 L 0.13425 -2.22222E-6 " pathEditMode="relative" rAng="0" ptsTypes="AAAAA">
+                                      <p:cBhvr>
+                                        <p:cTn id="32" dur="1000" fill="hold"/>
+                                        <p:tgtEl>
+                                          <p:spTgt spid="13"/>
+                                        </p:tgtEl>
+                                        <p:attrNameLst>
+                                          <p:attrName>ppt_x</p:attrName>
+                                          <p:attrName>ppt_y</p:attrName>
+                                        </p:attrNameLst>
+                                      </p:cBhvr>
+                                      <p:rCtr x="6706" y="-6806"/>
+                                    </p:animMotion>
+                                  </p:childTnLst>
+                                </p:cTn>
+                              </p:par>
+                              <p:par>
+                                <p:cTn id="33" presetID="42" presetClass="path" presetSubtype="0" accel="50000" decel="50000" fill="hold" grpId="1" nodeType="withEffect">
+                                  <p:stCondLst>
+                                    <p:cond delay="0"/>
+                                  </p:stCondLst>
+                                  <p:childTnLst>
+                                    <p:animMotion origin="layout" path="M 2.91667E-6 -4.81481E-6 L 0.08086 0.15463 " pathEditMode="relative" rAng="0" ptsTypes="AA">
+                                      <p:cBhvr>
+                                        <p:cTn id="34" dur="1000" fill="hold"/>
+                                        <p:tgtEl>
+                                          <p:spTgt spid="14"/>
+                                        </p:tgtEl>
+                                        <p:attrNameLst>
+                                          <p:attrName>ppt_x</p:attrName>
+                                          <p:attrName>ppt_y</p:attrName>
+                                        </p:attrNameLst>
+                                      </p:cBhvr>
+                                      <p:rCtr x="4049" y="7662"/>
+                                    </p:animMotion>
+                                  </p:childTnLst>
+                                </p:cTn>
+                              </p:par>
+                              <p:par>
+                                <p:cTn id="35" presetID="42" presetClass="path" presetSubtype="0" accel="50000" decel="50000" fill="hold" grpId="1" nodeType="withEffect">
+                                  <p:stCondLst>
+                                    <p:cond delay="0"/>
+                                  </p:stCondLst>
+                                  <p:childTnLst>
+                                    <p:animMotion origin="layout" path="M 3.54167E-6 -4.44444E-6 L -0.08086 -0.15463 " pathEditMode="relative" rAng="0" ptsTypes="AA">
+                                      <p:cBhvr>
+                                        <p:cTn id="36" dur="1000" fill="hold"/>
+                                        <p:tgtEl>
+                                          <p:spTgt spid="28"/>
+                                        </p:tgtEl>
+                                        <p:attrNameLst>
+                                          <p:attrName>ppt_x</p:attrName>
+                                          <p:attrName>ppt_y</p:attrName>
+                                        </p:attrNameLst>
+                                      </p:cBhvr>
+                                      <p:rCtr x="-4049" y="-7917"/>
+                                    </p:animMotion>
+                                  </p:childTnLst>
+                                </p:cTn>
+                              </p:par>
+                            </p:childTnLst>
+                          </p:cTn>
+                        </p:par>
+                      </p:childTnLst>
+                    </p:cTn>
+                  </p:par>
+                </p:childTnLst>
+              </p:cTn>
+              <p:prevCondLst>
+                <p:cond evt="onPrev" delay="0">
+                  <p:tgtEl>
+                    <p:sldTgt/>
+                  </p:tgtEl>
+                </p:cond>
+              </p:prevCondLst>
+              <p:nextCondLst>
+                <p:cond evt="onNext" delay="0">
+                  <p:tgtEl>
+                    <p:sldTgt/>
+                  </p:tgtEl>
+                </p:cond>
+              </p:nextCondLst>
+            </p:seq>
+          </p:childTnLst>
+        </p:cTn>
+      </p:par>
+    </p:tnLst>
+    <p:bldLst>
+      <p:bldP spid="13" grpId="0" animBg="1"/>
+      <p:bldP spid="6" grpId="0" animBg="1"/>
+      <p:bldP spid="14" grpId="0" animBg="1"/>
+      <p:bldP spid="14" grpId="1" animBg="1"/>
+      <p:bldP spid="27" grpId="0" animBg="1"/>
+      <p:bldP spid="27" grpId="1" animBg="1"/>
+      <p:bldP spid="28" grpId="0" animBg="1"/>
+      <p:bldP spid="28" grpId="1" animBg="1"/>
+      <p:bldP spid="72" grpId="0" animBg="1"/>
     </p:bldLst>
   </p:timing>
 </p:sld>

--- a/ppt/sort.pptx
+++ b/ppt/sort.pptx
@@ -20,6 +20,7 @@
     <p:sldId id="269" r:id="rId14"/>
     <p:sldId id="270" r:id="rId15"/>
     <p:sldId id="271" r:id="rId16"/>
+    <p:sldId id="272" r:id="rId17"/>
   </p:sldIdLst>
   <p:sldSz cx="12192000" cy="6858000"/>
   <p:notesSz cx="6858000" cy="9144000"/>
@@ -257,7 +258,7 @@
           <a:p>
             <a:fld id="{89368CE1-8ACD-4C62-B28F-3A0B9B6B8466}" type="datetimeFigureOut">
               <a:rPr lang="zh-CN" altLang="en-US" smtClean="0"/>
-              <a:t>2020/2/6</a:t>
+              <a:t>2020/3/8</a:t>
             </a:fld>
             <a:endParaRPr lang="zh-CN" altLang="en-US"/>
           </a:p>
@@ -427,7 +428,7 @@
           <a:p>
             <a:fld id="{89368CE1-8ACD-4C62-B28F-3A0B9B6B8466}" type="datetimeFigureOut">
               <a:rPr lang="zh-CN" altLang="en-US" smtClean="0"/>
-              <a:t>2020/2/6</a:t>
+              <a:t>2020/3/8</a:t>
             </a:fld>
             <a:endParaRPr lang="zh-CN" altLang="en-US"/>
           </a:p>
@@ -607,7 +608,7 @@
           <a:p>
             <a:fld id="{89368CE1-8ACD-4C62-B28F-3A0B9B6B8466}" type="datetimeFigureOut">
               <a:rPr lang="zh-CN" altLang="en-US" smtClean="0"/>
-              <a:t>2020/2/6</a:t>
+              <a:t>2020/3/8</a:t>
             </a:fld>
             <a:endParaRPr lang="zh-CN" altLang="en-US"/>
           </a:p>
@@ -777,7 +778,7 @@
           <a:p>
             <a:fld id="{89368CE1-8ACD-4C62-B28F-3A0B9B6B8466}" type="datetimeFigureOut">
               <a:rPr lang="zh-CN" altLang="en-US" smtClean="0"/>
-              <a:t>2020/2/6</a:t>
+              <a:t>2020/3/8</a:t>
             </a:fld>
             <a:endParaRPr lang="zh-CN" altLang="en-US"/>
           </a:p>
@@ -1023,7 +1024,7 @@
           <a:p>
             <a:fld id="{89368CE1-8ACD-4C62-B28F-3A0B9B6B8466}" type="datetimeFigureOut">
               <a:rPr lang="zh-CN" altLang="en-US" smtClean="0"/>
-              <a:t>2020/2/6</a:t>
+              <a:t>2020/3/8</a:t>
             </a:fld>
             <a:endParaRPr lang="zh-CN" altLang="en-US"/>
           </a:p>
@@ -1255,7 +1256,7 @@
           <a:p>
             <a:fld id="{89368CE1-8ACD-4C62-B28F-3A0B9B6B8466}" type="datetimeFigureOut">
               <a:rPr lang="zh-CN" altLang="en-US" smtClean="0"/>
-              <a:t>2020/2/6</a:t>
+              <a:t>2020/3/8</a:t>
             </a:fld>
             <a:endParaRPr lang="zh-CN" altLang="en-US"/>
           </a:p>
@@ -1622,7 +1623,7 @@
           <a:p>
             <a:fld id="{89368CE1-8ACD-4C62-B28F-3A0B9B6B8466}" type="datetimeFigureOut">
               <a:rPr lang="zh-CN" altLang="en-US" smtClean="0"/>
-              <a:t>2020/2/6</a:t>
+              <a:t>2020/3/8</a:t>
             </a:fld>
             <a:endParaRPr lang="zh-CN" altLang="en-US"/>
           </a:p>
@@ -1740,7 +1741,7 @@
           <a:p>
             <a:fld id="{89368CE1-8ACD-4C62-B28F-3A0B9B6B8466}" type="datetimeFigureOut">
               <a:rPr lang="zh-CN" altLang="en-US" smtClean="0"/>
-              <a:t>2020/2/6</a:t>
+              <a:t>2020/3/8</a:t>
             </a:fld>
             <a:endParaRPr lang="zh-CN" altLang="en-US"/>
           </a:p>
@@ -1835,7 +1836,7 @@
           <a:p>
             <a:fld id="{89368CE1-8ACD-4C62-B28F-3A0B9B6B8466}" type="datetimeFigureOut">
               <a:rPr lang="zh-CN" altLang="en-US" smtClean="0"/>
-              <a:t>2020/2/6</a:t>
+              <a:t>2020/3/8</a:t>
             </a:fld>
             <a:endParaRPr lang="zh-CN" altLang="en-US"/>
           </a:p>
@@ -2112,7 +2113,7 @@
           <a:p>
             <a:fld id="{89368CE1-8ACD-4C62-B28F-3A0B9B6B8466}" type="datetimeFigureOut">
               <a:rPr lang="zh-CN" altLang="en-US" smtClean="0"/>
-              <a:t>2020/2/6</a:t>
+              <a:t>2020/3/8</a:t>
             </a:fld>
             <a:endParaRPr lang="zh-CN" altLang="en-US"/>
           </a:p>
@@ -2365,7 +2366,7 @@
           <a:p>
             <a:fld id="{89368CE1-8ACD-4C62-B28F-3A0B9B6B8466}" type="datetimeFigureOut">
               <a:rPr lang="zh-CN" altLang="en-US" smtClean="0"/>
-              <a:t>2020/2/6</a:t>
+              <a:t>2020/3/8</a:t>
             </a:fld>
             <a:endParaRPr lang="zh-CN" altLang="en-US"/>
           </a:p>
@@ -2578,7 +2579,7 @@
           <a:p>
             <a:fld id="{89368CE1-8ACD-4C62-B28F-3A0B9B6B8466}" type="datetimeFigureOut">
               <a:rPr lang="zh-CN" altLang="en-US" smtClean="0"/>
-              <a:t>2020/2/6</a:t>
+              <a:t>2020/3/8</a:t>
             </a:fld>
             <a:endParaRPr lang="zh-CN" altLang="en-US"/>
           </a:p>
@@ -18800,58 +18801,6 @@
       </p:sp>
       <p:sp>
         <p:nvSpPr>
-          <p:cNvPr id="11" name="椭圆 10"/>
-          <p:cNvSpPr/>
-          <p:nvPr/>
-        </p:nvSpPr>
-        <p:spPr>
-          <a:xfrm>
-            <a:off x="10263122" y="2923278"/>
-            <a:ext cx="802562" cy="802562"/>
-          </a:xfrm>
-          <a:prstGeom prst="ellipse">
-            <a:avLst/>
-          </a:prstGeom>
-          <a:solidFill>
-            <a:schemeClr val="accent1">
-              <a:lumMod val="75000"/>
-            </a:schemeClr>
-          </a:solidFill>
-          <a:ln>
-            <a:noFill/>
-          </a:ln>
-        </p:spPr>
-        <p:style>
-          <a:lnRef idx="2">
-            <a:schemeClr val="accent1">
-              <a:shade val="50000"/>
-            </a:schemeClr>
-          </a:lnRef>
-          <a:fillRef idx="1">
-            <a:schemeClr val="accent1"/>
-          </a:fillRef>
-          <a:effectRef idx="0">
-            <a:schemeClr val="accent1"/>
-          </a:effectRef>
-          <a:fontRef idx="minor">
-            <a:schemeClr val="lt1"/>
-          </a:fontRef>
-        </p:style>
-        <p:txBody>
-          <a:bodyPr rtlCol="0" anchor="ctr"/>
-          <a:lstStyle/>
-          <a:p>
-            <a:pPr algn="ctr"/>
-            <a:r>
-              <a:rPr lang="en-US" altLang="zh-CN" sz="3200" dirty="0" smtClean="0"/>
-              <a:t>4</a:t>
-            </a:r>
-            <a:endParaRPr lang="zh-CN" altLang="en-US" sz="3200" dirty="0"/>
-          </a:p>
-        </p:txBody>
-      </p:sp>
-      <p:sp>
-        <p:nvSpPr>
           <p:cNvPr id="14" name="椭圆 13"/>
           <p:cNvSpPr/>
           <p:nvPr/>
@@ -19214,58 +19163,6 @@
           </a:p>
         </p:txBody>
       </p:sp>
-      <p:sp>
-        <p:nvSpPr>
-          <p:cNvPr id="33" name="椭圆 32"/>
-          <p:cNvSpPr/>
-          <p:nvPr/>
-        </p:nvSpPr>
-        <p:spPr>
-          <a:xfrm>
-            <a:off x="176903" y="4959069"/>
-            <a:ext cx="802562" cy="802562"/>
-          </a:xfrm>
-          <a:prstGeom prst="ellipse">
-            <a:avLst/>
-          </a:prstGeom>
-          <a:solidFill>
-            <a:schemeClr val="accent1">
-              <a:lumMod val="75000"/>
-            </a:schemeClr>
-          </a:solidFill>
-          <a:ln>
-            <a:noFill/>
-          </a:ln>
-        </p:spPr>
-        <p:style>
-          <a:lnRef idx="2">
-            <a:schemeClr val="accent1">
-              <a:shade val="50000"/>
-            </a:schemeClr>
-          </a:lnRef>
-          <a:fillRef idx="1">
-            <a:schemeClr val="accent1"/>
-          </a:fillRef>
-          <a:effectRef idx="0">
-            <a:schemeClr val="accent1"/>
-          </a:effectRef>
-          <a:fontRef idx="minor">
-            <a:schemeClr val="lt1"/>
-          </a:fontRef>
-        </p:style>
-        <p:txBody>
-          <a:bodyPr rtlCol="0" anchor="ctr"/>
-          <a:lstStyle/>
-          <a:p>
-            <a:pPr algn="ctr"/>
-            <a:r>
-              <a:rPr lang="en-US" altLang="zh-CN" sz="3200" dirty="0" smtClean="0"/>
-              <a:t>4</a:t>
-            </a:r>
-            <a:endParaRPr lang="zh-CN" altLang="en-US" sz="3200" dirty="0"/>
-          </a:p>
-        </p:txBody>
-      </p:sp>
       <p:cxnSp>
         <p:nvCxnSpPr>
           <p:cNvPr id="38" name="直接箭头连接符 37"/>
@@ -19500,45 +19397,6 @@
           </a:fontRef>
         </p:style>
       </p:cxnSp>
-      <p:cxnSp>
-        <p:nvCxnSpPr>
-          <p:cNvPr id="55" name="直接箭头连接符 54"/>
-          <p:cNvCxnSpPr>
-            <a:stCxn id="29" idx="4"/>
-            <a:endCxn id="33" idx="0"/>
-          </p:cNvCxnSpPr>
-          <p:nvPr/>
-        </p:nvCxnSpPr>
-        <p:spPr>
-          <a:xfrm>
-            <a:off x="578184" y="4528400"/>
-            <a:ext cx="0" cy="430669"/>
-          </a:xfrm>
-          <a:prstGeom prst="straightConnector1">
-            <a:avLst/>
-          </a:prstGeom>
-          <a:ln w="38100">
-            <a:solidFill>
-              <a:srgbClr val="002060"/>
-            </a:solidFill>
-            <a:tailEnd type="triangle"/>
-          </a:ln>
-        </p:spPr>
-        <p:style>
-          <a:lnRef idx="1">
-            <a:schemeClr val="accent1"/>
-          </a:lnRef>
-          <a:fillRef idx="0">
-            <a:schemeClr val="accent1"/>
-          </a:fillRef>
-          <a:effectRef idx="0">
-            <a:schemeClr val="accent1"/>
-          </a:effectRef>
-          <a:fontRef idx="minor">
-            <a:schemeClr val="tx1"/>
-          </a:fontRef>
-        </p:style>
-      </p:cxnSp>
       <p:sp>
         <p:nvSpPr>
           <p:cNvPr id="71" name="任意多边形 70"/>
@@ -19547,7 +19405,7 @@
         </p:nvSpPr>
         <p:spPr>
           <a:xfrm>
-            <a:off x="4635840" y="3848812"/>
+            <a:off x="7074904" y="3848812"/>
             <a:ext cx="803530" cy="886961"/>
           </a:xfrm>
           <a:custGeom>
@@ -19736,7 +19594,7 @@
         </p:nvSpPr>
         <p:spPr>
           <a:xfrm>
-            <a:off x="5531914" y="3856773"/>
+            <a:off x="10309804" y="3856773"/>
             <a:ext cx="803530" cy="886961"/>
           </a:xfrm>
           <a:custGeom>
@@ -19939,9 +19797,6 @@
                     <p:cTn id="3" fill="hold">
                       <p:stCondLst>
                         <p:cond delay="indefinite"/>
-                        <p:cond evt="onBegin" delay="0">
-                          <p:tn val="2"/>
-                        </p:cond>
                       </p:stCondLst>
                       <p:childTnLst>
                         <p:par>
@@ -19951,132 +19806,108 @@
                             </p:stCondLst>
                             <p:childTnLst>
                               <p:par>
-                                <p:cTn id="5" presetID="24" presetClass="emph" presetSubtype="0" fill="hold" grpId="0" nodeType="afterEffect">
-                                  <p:stCondLst>
-                                    <p:cond delay="0"/>
-                                  </p:stCondLst>
-                                  <p:childTnLst>
-                                    <p:animClr clrSpc="hsl" dir="cw">
-                                      <p:cBhvr override="childStyle">
+                                <p:cTn id="5" presetID="63" presetClass="path" presetSubtype="0" accel="50000" decel="50000" fill="hold" grpId="0" nodeType="clickEffect">
+                                  <p:stCondLst>
+                                    <p:cond delay="0"/>
+                                  </p:stCondLst>
+                                  <p:childTnLst>
+                                    <p:animMotion origin="layout" path="M -0.00182 -4.44444E-6 L -0.06953 -4.44444E-6 " pathEditMode="relative" rAng="0" ptsTypes="AA">
+                                      <p:cBhvr>
                                         <p:cTn id="6" dur="500" fill="hold"/>
                                         <p:tgtEl>
-                                          <p:spTgt spid="14"/>
-                                        </p:tgtEl>
-                                        <p:attrNameLst>
-                                          <p:attrName>style.color</p:attrName>
-                                        </p:attrNameLst>
-                                      </p:cBhvr>
-                                      <p:by>
-                                        <p:hsl h="0" s="-12549" l="-25098"/>
-                                      </p:by>
-                                    </p:animClr>
-                                    <p:animClr clrSpc="hsl" dir="cw">
-                                      <p:cBhvr>
-                                        <p:cTn id="7" dur="500" fill="hold"/>
-                                        <p:tgtEl>
-                                          <p:spTgt spid="14"/>
-                                        </p:tgtEl>
-                                        <p:attrNameLst>
-                                          <p:attrName>fillcolor</p:attrName>
-                                        </p:attrNameLst>
-                                      </p:cBhvr>
-                                      <p:by>
-                                        <p:hsl h="0" s="-12549" l="-25098"/>
-                                      </p:by>
-                                    </p:animClr>
-                                    <p:animClr clrSpc="hsl" dir="cw">
+                                          <p:spTgt spid="71"/>
+                                        </p:tgtEl>
+                                        <p:attrNameLst>
+                                          <p:attrName>ppt_x</p:attrName>
+                                          <p:attrName>ppt_y</p:attrName>
+                                        </p:attrNameLst>
+                                      </p:cBhvr>
+                                      <p:rCtr x="-3385" y="0"/>
+                                    </p:animMotion>
+                                  </p:childTnLst>
+                                </p:cTn>
+                              </p:par>
+                              <p:par>
+                                <p:cTn id="7" presetID="35" presetClass="path" presetSubtype="0" accel="50000" decel="50000" fill="hold" grpId="0" nodeType="withEffect">
+                                  <p:stCondLst>
+                                    <p:cond delay="0"/>
+                                  </p:stCondLst>
+                                  <p:childTnLst>
+                                    <p:animMotion origin="layout" path="M 4.375E-6 -1.85185E-6 L -0.13269 -1.85185E-6 " pathEditMode="relative" rAng="0" ptsTypes="AA">
                                       <p:cBhvr>
                                         <p:cTn id="8" dur="500" fill="hold"/>
                                         <p:tgtEl>
-                                          <p:spTgt spid="14"/>
-                                        </p:tgtEl>
-                                        <p:attrNameLst>
-                                          <p:attrName>stroke.color</p:attrName>
-                                        </p:attrNameLst>
-                                      </p:cBhvr>
-                                      <p:by>
-                                        <p:hsl h="0" s="-12549" l="-25098"/>
-                                      </p:by>
-                                    </p:animClr>
-                                    <p:set>
-                                      <p:cBhvr>
-                                        <p:cTn id="9" dur="500" fill="hold"/>
-                                        <p:tgtEl>
-                                          <p:spTgt spid="14"/>
-                                        </p:tgtEl>
-                                        <p:attrNameLst>
-                                          <p:attrName>fill.type</p:attrName>
-                                        </p:attrNameLst>
-                                      </p:cBhvr>
-                                      <p:to>
-                                        <p:strVal val="solid"/>
-                                      </p:to>
-                                    </p:set>
-                                  </p:childTnLst>
-                                </p:cTn>
-                              </p:par>
-                              <p:par>
-                                <p:cTn id="10" presetID="24" presetClass="emph" presetSubtype="0" fill="hold" grpId="0" nodeType="withEffect">
-                                  <p:stCondLst>
-                                    <p:cond delay="0"/>
-                                  </p:stCondLst>
-                                  <p:childTnLst>
-                                    <p:animClr clrSpc="hsl" dir="cw">
-                                      <p:cBhvr override="childStyle">
+                                          <p:spTgt spid="72"/>
+                                        </p:tgtEl>
+                                        <p:attrNameLst>
+                                          <p:attrName>ppt_x</p:attrName>
+                                          <p:attrName>ppt_y</p:attrName>
+                                        </p:attrNameLst>
+                                      </p:cBhvr>
+                                      <p:rCtr x="-6641" y="0"/>
+                                    </p:animMotion>
+                                  </p:childTnLst>
+                                </p:cTn>
+                              </p:par>
+                            </p:childTnLst>
+                          </p:cTn>
+                        </p:par>
+                        <p:par>
+                          <p:cTn id="9" fill="hold">
+                            <p:stCondLst>
+                              <p:cond delay="500"/>
+                            </p:stCondLst>
+                            <p:childTnLst>
+                              <p:par>
+                                <p:cTn id="10" presetID="63" presetClass="path" presetSubtype="0" accel="50000" decel="50000" fill="hold" grpId="1" nodeType="afterEffect">
+                                  <p:stCondLst>
+                                    <p:cond delay="0"/>
+                                  </p:stCondLst>
+                                  <p:childTnLst>
+                                    <p:animMotion origin="layout" path="M -0.13269 -1.85185E-6 L -0.07019 -1.85185E-6 " pathEditMode="relative" rAng="0" ptsTypes="AA">
+                                      <p:cBhvr>
                                         <p:cTn id="11" dur="500" fill="hold"/>
                                         <p:tgtEl>
-                                          <p:spTgt spid="27"/>
-                                        </p:tgtEl>
-                                        <p:attrNameLst>
-                                          <p:attrName>style.color</p:attrName>
-                                        </p:attrNameLst>
-                                      </p:cBhvr>
-                                      <p:by>
-                                        <p:hsl h="0" s="-12549" l="-25098"/>
-                                      </p:by>
-                                    </p:animClr>
-                                    <p:animClr clrSpc="hsl" dir="cw">
-                                      <p:cBhvr>
-                                        <p:cTn id="12" dur="500" fill="hold"/>
-                                        <p:tgtEl>
-                                          <p:spTgt spid="27"/>
-                                        </p:tgtEl>
-                                        <p:attrNameLst>
-                                          <p:attrName>fillcolor</p:attrName>
-                                        </p:attrNameLst>
-                                      </p:cBhvr>
-                                      <p:by>
-                                        <p:hsl h="0" s="-12549" l="-25098"/>
-                                      </p:by>
-                                    </p:animClr>
-                                    <p:animClr clrSpc="hsl" dir="cw">
-                                      <p:cBhvr>
-                                        <p:cTn id="13" dur="500" fill="hold"/>
-                                        <p:tgtEl>
-                                          <p:spTgt spid="27"/>
-                                        </p:tgtEl>
-                                        <p:attrNameLst>
-                                          <p:attrName>stroke.color</p:attrName>
-                                        </p:attrNameLst>
-                                      </p:cBhvr>
-                                      <p:by>
-                                        <p:hsl h="0" s="-12549" l="-25098"/>
-                                      </p:by>
-                                    </p:animClr>
-                                    <p:set>
+                                          <p:spTgt spid="72"/>
+                                        </p:tgtEl>
+                                        <p:attrNameLst>
+                                          <p:attrName>ppt_x</p:attrName>
+                                          <p:attrName>ppt_y</p:attrName>
+                                        </p:attrNameLst>
+                                      </p:cBhvr>
+                                      <p:rCtr x="3125" y="0"/>
+                                    </p:animMotion>
+                                  </p:childTnLst>
+                                </p:cTn>
+                              </p:par>
+                            </p:childTnLst>
+                          </p:cTn>
+                        </p:par>
+                        <p:par>
+                          <p:cTn id="12" fill="hold">
+                            <p:stCondLst>
+                              <p:cond delay="1000"/>
+                            </p:stCondLst>
+                            <p:childTnLst>
+                              <p:par>
+                                <p:cTn id="13" presetID="35" presetClass="path" presetSubtype="0" accel="50000" decel="50000" fill="hold" grpId="2" nodeType="afterEffect">
+                                  <p:stCondLst>
+                                    <p:cond delay="0"/>
+                                  </p:stCondLst>
+                                  <p:childTnLst>
+                                    <p:animMotion origin="layout" path="M -0.07019 -1.85185E-6 L -0.13269 -1.85185E-6 " pathEditMode="relative" rAng="0" ptsTypes="AA">
                                       <p:cBhvr>
                                         <p:cTn id="14" dur="500" fill="hold"/>
                                         <p:tgtEl>
-                                          <p:spTgt spid="27"/>
-                                        </p:tgtEl>
-                                        <p:attrNameLst>
-                                          <p:attrName>fill.type</p:attrName>
-                                        </p:attrNameLst>
-                                      </p:cBhvr>
-                                      <p:to>
-                                        <p:strVal val="solid"/>
-                                      </p:to>
-                                    </p:set>
+                                          <p:spTgt spid="72"/>
+                                        </p:tgtEl>
+                                        <p:attrNameLst>
+                                          <p:attrName>ppt_x</p:attrName>
+                                          <p:attrName>ppt_y</p:attrName>
+                                        </p:attrNameLst>
+                                      </p:cBhvr>
+                                      <p:rCtr x="-3125" y="0"/>
+                                    </p:animMotion>
                                   </p:childTnLst>
                                 </p:cTn>
                               </p:par>
@@ -20086,158 +19917,94 @@
                         <p:par>
                           <p:cTn id="15" fill="hold">
                             <p:stCondLst>
-                              <p:cond delay="500"/>
+                              <p:cond delay="1500"/>
                             </p:stCondLst>
                             <p:childTnLst>
                               <p:par>
-                                <p:cTn id="16" presetID="63" presetClass="path" presetSubtype="0" accel="50000" decel="50000" fill="hold" grpId="0" nodeType="afterEffect">
-                                  <p:stCondLst>
-                                    <p:cond delay="0"/>
-                                  </p:stCondLst>
-                                  <p:childTnLst>
-                                    <p:animMotion origin="layout" path="M 1.25E-6 -1.85185E-6 L 0.06068 -1.85185E-6 " pathEditMode="relative" rAng="0" ptsTypes="AA">
-                                      <p:cBhvr>
-                                        <p:cTn id="17" dur="500" fill="hold"/>
-                                        <p:tgtEl>
-                                          <p:spTgt spid="72"/>
-                                        </p:tgtEl>
-                                        <p:attrNameLst>
-                                          <p:attrName>ppt_x</p:attrName>
-                                          <p:attrName>ppt_y</p:attrName>
-                                        </p:attrNameLst>
-                                      </p:cBhvr>
-                                      <p:rCtr x="3034" y="0"/>
-                                    </p:animMotion>
-                                  </p:childTnLst>
-                                </p:cTn>
-                              </p:par>
-                              <p:par>
-                                <p:cTn id="18" presetID="30" presetClass="emph" presetSubtype="0" fill="hold" grpId="1" nodeType="withEffect">
-                                  <p:stCondLst>
-                                    <p:cond delay="0"/>
-                                  </p:stCondLst>
-                                  <p:childTnLst>
-                                    <p:animClr clrSpc="hsl" dir="cw">
-                                      <p:cBhvr override="childStyle">
-                                        <p:cTn id="19" dur="500" fill="hold"/>
-                                        <p:tgtEl>
-                                          <p:spTgt spid="27"/>
-                                        </p:tgtEl>
-                                        <p:attrNameLst>
-                                          <p:attrName>style.color</p:attrName>
-                                        </p:attrNameLst>
-                                      </p:cBhvr>
-                                      <p:by>
-                                        <p:hsl h="0" s="12549" l="25098"/>
-                                      </p:by>
-                                    </p:animClr>
-                                    <p:animClr clrSpc="hsl" dir="cw">
-                                      <p:cBhvr>
-                                        <p:cTn id="20" dur="500" fill="hold"/>
-                                        <p:tgtEl>
-                                          <p:spTgt spid="27"/>
-                                        </p:tgtEl>
-                                        <p:attrNameLst>
-                                          <p:attrName>fillcolor</p:attrName>
-                                        </p:attrNameLst>
-                                      </p:cBhvr>
-                                      <p:by>
-                                        <p:hsl h="0" s="12549" l="25098"/>
-                                      </p:by>
-                                    </p:animClr>
-                                    <p:animClr clrSpc="hsl" dir="cw">
-                                      <p:cBhvr>
-                                        <p:cTn id="21" dur="500" fill="hold"/>
-                                        <p:tgtEl>
-                                          <p:spTgt spid="27"/>
-                                        </p:tgtEl>
-                                        <p:attrNameLst>
-                                          <p:attrName>stroke.color</p:attrName>
-                                        </p:attrNameLst>
-                                      </p:cBhvr>
-                                      <p:by>
-                                        <p:hsl h="0" s="12549" l="25098"/>
-                                      </p:by>
-                                    </p:animClr>
-                                    <p:set>
-                                      <p:cBhvr>
-                                        <p:cTn id="22" dur="500" fill="hold"/>
-                                        <p:tgtEl>
-                                          <p:spTgt spid="27"/>
-                                        </p:tgtEl>
-                                        <p:attrNameLst>
-                                          <p:attrName>fill.type</p:attrName>
-                                        </p:attrNameLst>
-                                      </p:cBhvr>
-                                      <p:to>
-                                        <p:strVal val="solid"/>
-                                      </p:to>
-                                    </p:set>
-                                  </p:childTnLst>
-                                </p:cTn>
-                              </p:par>
-                              <p:par>
-                                <p:cTn id="23" presetID="24" presetClass="emph" presetSubtype="0" fill="hold" grpId="0" nodeType="withEffect">
-                                  <p:stCondLst>
-                                    <p:cond delay="0"/>
-                                  </p:stCondLst>
-                                  <p:childTnLst>
-                                    <p:animClr clrSpc="hsl" dir="cw">
-                                      <p:cBhvr override="childStyle">
-                                        <p:cTn id="24" dur="500" fill="hold"/>
+                                <p:cTn id="16" presetID="42" presetClass="path" presetSubtype="0" accel="50000" decel="50000" fill="hold" grpId="0" nodeType="afterEffect">
+                                  <p:stCondLst>
+                                    <p:cond delay="0"/>
+                                  </p:stCondLst>
+                                  <p:childTnLst>
+                                    <p:animMotion origin="layout" path="M 2.08333E-7 -1.85185E-6 L 0.04805 -0.19629 " pathEditMode="relative" rAng="0" ptsTypes="AA">
+                                      <p:cBhvr>
+                                        <p:cTn id="17" dur="1000" fill="hold"/>
+                                        <p:tgtEl>
+                                          <p:spTgt spid="31"/>
+                                        </p:tgtEl>
+                                        <p:attrNameLst>
+                                          <p:attrName>ppt_x</p:attrName>
+                                          <p:attrName>ppt_y</p:attrName>
+                                        </p:attrNameLst>
+                                      </p:cBhvr>
+                                      <p:rCtr x="2396" y="-9815"/>
+                                    </p:animMotion>
+                                  </p:childTnLst>
+                                </p:cTn>
+                              </p:par>
+                              <p:par>
+                                <p:cTn id="18" presetID="42" presetClass="path" presetSubtype="0" accel="50000" decel="50000" fill="hold" grpId="0" nodeType="withEffect">
+                                  <p:stCondLst>
+                                    <p:cond delay="0"/>
+                                  </p:stCondLst>
+                                  <p:childTnLst>
+                                    <p:animMotion origin="layout" path="M 3.54167E-6 -4.44444E-6 L -0.04792 0.19491 " pathEditMode="relative" rAng="0" ptsTypes="AA">
+                                      <p:cBhvr>
+                                        <p:cTn id="19" dur="1000" fill="hold"/>
                                         <p:tgtEl>
                                           <p:spTgt spid="28"/>
                                         </p:tgtEl>
                                         <p:attrNameLst>
-                                          <p:attrName>style.color</p:attrName>
-                                        </p:attrNameLst>
-                                      </p:cBhvr>
-                                      <p:by>
-                                        <p:hsl h="0" s="-12549" l="-25098"/>
-                                      </p:by>
-                                    </p:animClr>
-                                    <p:animClr clrSpc="hsl" dir="cw">
-                                      <p:cBhvr>
-                                        <p:cTn id="25" dur="500" fill="hold"/>
-                                        <p:tgtEl>
-                                          <p:spTgt spid="28"/>
-                                        </p:tgtEl>
-                                        <p:attrNameLst>
-                                          <p:attrName>fillcolor</p:attrName>
-                                        </p:attrNameLst>
-                                      </p:cBhvr>
-                                      <p:by>
-                                        <p:hsl h="0" s="-12549" l="-25098"/>
-                                      </p:by>
-                                    </p:animClr>
-                                    <p:animClr clrSpc="hsl" dir="cw">
-                                      <p:cBhvr>
-                                        <p:cTn id="26" dur="500" fill="hold"/>
-                                        <p:tgtEl>
-                                          <p:spTgt spid="28"/>
-                                        </p:tgtEl>
-                                        <p:attrNameLst>
-                                          <p:attrName>stroke.color</p:attrName>
-                                        </p:attrNameLst>
-                                      </p:cBhvr>
-                                      <p:by>
-                                        <p:hsl h="0" s="-12549" l="-25098"/>
-                                      </p:by>
-                                    </p:animClr>
-                                    <p:set>
-                                      <p:cBhvr>
-                                        <p:cTn id="27" dur="500" fill="hold"/>
-                                        <p:tgtEl>
-                                          <p:spTgt spid="28"/>
-                                        </p:tgtEl>
-                                        <p:attrNameLst>
-                                          <p:attrName>fill.type</p:attrName>
-                                        </p:attrNameLst>
-                                      </p:cBhvr>
-                                      <p:to>
-                                        <p:strVal val="solid"/>
-                                      </p:to>
-                                    </p:set>
+                                          <p:attrName>ppt_x</p:attrName>
+                                          <p:attrName>ppt_y</p:attrName>
+                                        </p:attrNameLst>
+                                      </p:cBhvr>
+                                      <p:rCtr x="-2409" y="9560"/>
+                                    </p:animMotion>
+                                  </p:childTnLst>
+                                </p:cTn>
+                              </p:par>
+                              <p:par>
+                                <p:cTn id="20" presetID="37" presetClass="path" presetSubtype="0" accel="50000" decel="50000" fill="hold" grpId="0" nodeType="withEffect">
+                                  <p:stCondLst>
+                                    <p:cond delay="0"/>
+                                  </p:stCondLst>
+                                  <p:childTnLst>
+                                    <p:animMotion origin="layout" path="M -3.95833E-6 -2.22222E-6 L 0.05261 -0.10116 C 0.06355 -0.12407 0.07995 -0.13611 0.0974 -0.13611 C 0.11693 -0.13611 0.13269 -0.12407 0.14362 -0.10116 L 0.19649 -2.22222E-6 " pathEditMode="relative" rAng="0" ptsTypes="AAAAA">
+                                      <p:cBhvr>
+                                        <p:cTn id="21" dur="1000" fill="hold"/>
+                                        <p:tgtEl>
+                                          <p:spTgt spid="6"/>
+                                        </p:tgtEl>
+                                        <p:attrNameLst>
+                                          <p:attrName>ppt_x</p:attrName>
+                                          <p:attrName>ppt_y</p:attrName>
+                                        </p:attrNameLst>
+                                      </p:cBhvr>
+                                      <p:rCtr x="9818" y="-6806"/>
+                                    </p:animMotion>
+                                  </p:childTnLst>
+                                </p:cTn>
+                              </p:par>
+                              <p:par>
+                                <p:cTn id="22" presetID="37" presetClass="path" presetSubtype="0" accel="50000" decel="50000" fill="hold" grpId="0" nodeType="withEffect">
+                                  <p:stCondLst>
+                                    <p:cond delay="0"/>
+                                  </p:stCondLst>
+                                  <p:childTnLst>
+                                    <p:animMotion origin="layout" path="M -0.00026 -2.22222E-6 L -0.05261 -0.10116 C -0.06341 -0.12407 -0.07982 -0.13611 -0.09688 -0.13611 C -0.11641 -0.13611 -0.13203 -0.12407 -0.14284 -0.10116 L -0.19505 -2.22222E-6 " pathEditMode="relative" rAng="0" ptsTypes="AAAAA">
+                                      <p:cBhvr>
+                                        <p:cTn id="23" dur="1000" fill="hold"/>
+                                        <p:tgtEl>
+                                          <p:spTgt spid="9"/>
+                                        </p:tgtEl>
+                                        <p:attrNameLst>
+                                          <p:attrName>ppt_x</p:attrName>
+                                          <p:attrName>ppt_y</p:attrName>
+                                        </p:attrNameLst>
+                                      </p:cBhvr>
+                                      <p:rCtr x="-9740" y="-6806"/>
+                                    </p:animMotion>
                                   </p:childTnLst>
                                 </p:cTn>
                               </p:par>
@@ -20245,42 +20012,316 @@
                           </p:cTn>
                         </p:par>
                         <p:par>
-                          <p:cTn id="28" fill="hold">
+                          <p:cTn id="24" fill="hold">
                             <p:stCondLst>
-                              <p:cond delay="1000"/>
+                              <p:cond delay="2500"/>
                             </p:stCondLst>
                             <p:childTnLst>
                               <p:par>
-                                <p:cTn id="29" presetID="37" presetClass="path" presetSubtype="0" accel="50000" decel="50000" fill="hold" grpId="0" nodeType="afterEffect">
-                                  <p:stCondLst>
-                                    <p:cond delay="0"/>
-                                  </p:stCondLst>
-                                  <p:childTnLst>
-                                    <p:animMotion origin="layout" path="M -3.95833E-6 -2.22222E-6 L -0.03528 -0.10116 C -0.04244 -0.12407 -0.05351 -0.13611 -0.0651 -0.13611 C -0.07825 -0.13611 -0.0888 -0.12407 -0.09596 -0.10116 L -0.13099 -2.22222E-6 " pathEditMode="relative" rAng="0" ptsTypes="AAAAA">
-                                      <p:cBhvr>
-                                        <p:cTn id="30" dur="1000" fill="hold"/>
-                                        <p:tgtEl>
-                                          <p:spTgt spid="6"/>
-                                        </p:tgtEl>
-                                        <p:attrNameLst>
-                                          <p:attrName>ppt_x</p:attrName>
-                                          <p:attrName>ppt_y</p:attrName>
-                                        </p:attrNameLst>
-                                      </p:cBhvr>
-                                      <p:rCtr x="-6549" y="-6806"/>
-                                    </p:animMotion>
-                                  </p:childTnLst>
-                                </p:cTn>
-                              </p:par>
-                              <p:par>
-                                <p:cTn id="31" presetID="37" presetClass="path" presetSubtype="0" accel="50000" decel="50000" fill="hold" grpId="0" nodeType="withEffect">
-                                  <p:stCondLst>
-                                    <p:cond delay="0"/>
-                                  </p:stCondLst>
-                                  <p:childTnLst>
-                                    <p:animMotion origin="layout" path="M -4.375E-6 -2.22222E-6 L 0.03594 -0.10116 C 0.04349 -0.12407 0.05469 -0.13611 0.06654 -0.13611 C 0.07995 -0.13611 0.09063 -0.12407 0.09818 -0.10116 L 0.13425 -2.22222E-6 " pathEditMode="relative" rAng="0" ptsTypes="AAAAA">
-                                      <p:cBhvr>
-                                        <p:cTn id="32" dur="1000" fill="hold"/>
+                                <p:cTn id="25" presetID="35" presetClass="path" presetSubtype="0" accel="50000" decel="50000" fill="hold" grpId="1" nodeType="afterEffect">
+                                  <p:stCondLst>
+                                    <p:cond delay="0"/>
+                                  </p:stCondLst>
+                                  <p:childTnLst>
+                                    <p:animMotion origin="layout" path="M -0.06953 -4.44444E-6 L -0.13307 -4.44444E-6 " pathEditMode="relative" rAng="0" ptsTypes="AA">
+                                      <p:cBhvr>
+                                        <p:cTn id="26" dur="500" fill="hold"/>
+                                        <p:tgtEl>
+                                          <p:spTgt spid="71"/>
+                                        </p:tgtEl>
+                                        <p:attrNameLst>
+                                          <p:attrName>ppt_x</p:attrName>
+                                          <p:attrName>ppt_y</p:attrName>
+                                        </p:attrNameLst>
+                                      </p:cBhvr>
+                                      <p:rCtr x="-3177" y="0"/>
+                                    </p:animMotion>
+                                  </p:childTnLst>
+                                </p:cTn>
+                              </p:par>
+                              <p:par>
+                                <p:cTn id="27" presetID="35" presetClass="path" presetSubtype="0" accel="50000" decel="50000" fill="hold" grpId="3" nodeType="withEffect">
+                                  <p:stCondLst>
+                                    <p:cond delay="0"/>
+                                  </p:stCondLst>
+                                  <p:childTnLst>
+                                    <p:animMotion origin="layout" path="M -0.13269 -1.85185E-6 L -0.26706 -0.00116 " pathEditMode="relative" rAng="0" ptsTypes="AA">
+                                      <p:cBhvr>
+                                        <p:cTn id="28" dur="500" fill="hold"/>
+                                        <p:tgtEl>
+                                          <p:spTgt spid="72"/>
+                                        </p:tgtEl>
+                                        <p:attrNameLst>
+                                          <p:attrName>ppt_x</p:attrName>
+                                          <p:attrName>ppt_y</p:attrName>
+                                        </p:attrNameLst>
+                                      </p:cBhvr>
+                                      <p:rCtr x="-6719" y="-69"/>
+                                    </p:animMotion>
+                                  </p:childTnLst>
+                                </p:cTn>
+                              </p:par>
+                            </p:childTnLst>
+                          </p:cTn>
+                        </p:par>
+                        <p:par>
+                          <p:cTn id="29" fill="hold">
+                            <p:stCondLst>
+                              <p:cond delay="3000"/>
+                            </p:stCondLst>
+                            <p:childTnLst>
+                              <p:par>
+                                <p:cTn id="30" presetID="63" presetClass="path" presetSubtype="0" accel="50000" decel="50000" fill="hold" grpId="4" nodeType="afterEffect">
+                                  <p:stCondLst>
+                                    <p:cond delay="0"/>
+                                  </p:stCondLst>
+                                  <p:childTnLst>
+                                    <p:animMotion origin="layout" path="M -0.26706 -0.00116 L -0.20039 -0.00116 " pathEditMode="relative" rAng="0" ptsTypes="AA">
+                                      <p:cBhvr>
+                                        <p:cTn id="31" dur="500" fill="hold"/>
+                                        <p:tgtEl>
+                                          <p:spTgt spid="72"/>
+                                        </p:tgtEl>
+                                        <p:attrNameLst>
+                                          <p:attrName>ppt_x</p:attrName>
+                                          <p:attrName>ppt_y</p:attrName>
+                                        </p:attrNameLst>
+                                      </p:cBhvr>
+                                      <p:rCtr x="3333" y="0"/>
+                                    </p:animMotion>
+                                  </p:childTnLst>
+                                </p:cTn>
+                              </p:par>
+                            </p:childTnLst>
+                          </p:cTn>
+                        </p:par>
+                        <p:par>
+                          <p:cTn id="32" fill="hold">
+                            <p:stCondLst>
+                              <p:cond delay="3500"/>
+                            </p:stCondLst>
+                            <p:childTnLst>
+                              <p:par>
+                                <p:cTn id="33" presetID="42" presetClass="path" presetSubtype="0" accel="50000" decel="50000" fill="hold" grpId="0" nodeType="afterEffect">
+                                  <p:stCondLst>
+                                    <p:cond delay="0"/>
+                                  </p:stCondLst>
+                                  <p:childTnLst>
+                                    <p:animMotion origin="layout" path="M -4.16667E-7 -1.85185E-6 L -0.04479 -0.19838 " pathEditMode="relative" rAng="0" ptsTypes="AA">
+                                      <p:cBhvr>
+                                        <p:cTn id="34" dur="1000" fill="hold"/>
+                                        <p:tgtEl>
+                                          <p:spTgt spid="30"/>
+                                        </p:tgtEl>
+                                        <p:attrNameLst>
+                                          <p:attrName>ppt_x</p:attrName>
+                                          <p:attrName>ppt_y</p:attrName>
+                                        </p:attrNameLst>
+                                      </p:cBhvr>
+                                      <p:rCtr x="-2240" y="-9931"/>
+                                    </p:animMotion>
+                                  </p:childTnLst>
+                                </p:cTn>
+                              </p:par>
+                              <p:par>
+                                <p:cTn id="35" presetID="42" presetClass="path" presetSubtype="0" accel="50000" decel="50000" fill="hold" grpId="0" nodeType="withEffect">
+                                  <p:stCondLst>
+                                    <p:cond delay="0"/>
+                                  </p:stCondLst>
+                                  <p:childTnLst>
+                                    <p:animMotion origin="layout" path="M 1.25E-6 -4.44444E-6 L 0.04479 0.19491 " pathEditMode="relative" rAng="0" ptsTypes="AA">
+                                      <p:cBhvr>
+                                        <p:cTn id="36" dur="1000" fill="hold"/>
+                                        <p:tgtEl>
+                                          <p:spTgt spid="27"/>
+                                        </p:tgtEl>
+                                        <p:attrNameLst>
+                                          <p:attrName>ppt_x</p:attrName>
+                                          <p:attrName>ppt_y</p:attrName>
+                                        </p:attrNameLst>
+                                      </p:cBhvr>
+                                      <p:rCtr x="2187" y="9653"/>
+                                    </p:animMotion>
+                                  </p:childTnLst>
+                                </p:cTn>
+                              </p:par>
+                              <p:par>
+                                <p:cTn id="37" presetID="37" presetClass="path" presetSubtype="0" accel="50000" decel="50000" fill="hold" grpId="0" nodeType="withEffect">
+                                  <p:stCondLst>
+                                    <p:cond delay="0"/>
+                                  </p:stCondLst>
+                                  <p:childTnLst>
+                                    <p:animMotion origin="layout" path="M 2.91667E-6 -2.22222E-6 L 0.05273 -0.10116 C 0.06367 -0.12407 0.08008 -0.13611 0.09739 -0.13611 C 0.11705 -0.13611 0.13281 -0.12407 0.14375 -0.10116 L 0.19661 -2.22222E-6 " pathEditMode="relative" rAng="0" ptsTypes="AAAAA">
+                                      <p:cBhvr>
+                                        <p:cTn id="38" dur="1000" fill="hold"/>
+                                        <p:tgtEl>
+                                          <p:spTgt spid="5"/>
+                                        </p:tgtEl>
+                                        <p:attrNameLst>
+                                          <p:attrName>ppt_x</p:attrName>
+                                          <p:attrName>ppt_y</p:attrName>
+                                        </p:attrNameLst>
+                                      </p:cBhvr>
+                                      <p:rCtr x="9831" y="-6806"/>
+                                    </p:animMotion>
+                                  </p:childTnLst>
+                                </p:cTn>
+                              </p:par>
+                              <p:par>
+                                <p:cTn id="39" presetID="37" presetClass="path" presetSubtype="0" accel="50000" decel="50000" fill="hold" grpId="0" nodeType="withEffect">
+                                  <p:stCondLst>
+                                    <p:cond delay="0"/>
+                                  </p:stCondLst>
+                                  <p:childTnLst>
+                                    <p:animMotion origin="layout" path="M -1.66667E-6 -2.22222E-6 L -0.05273 -0.10116 C -0.06367 -0.12407 -0.08021 -0.13611 -0.09752 -0.13611 C -0.11719 -0.13611 -0.13294 -0.12407 -0.14388 -0.10116 L -0.19648 -2.22222E-6 " pathEditMode="relative" rAng="0" ptsTypes="AAAAA">
+                                      <p:cBhvr>
+                                        <p:cTn id="40" dur="1000" fill="hold"/>
+                                        <p:tgtEl>
+                                          <p:spTgt spid="8"/>
+                                        </p:tgtEl>
+                                        <p:attrNameLst>
+                                          <p:attrName>ppt_x</p:attrName>
+                                          <p:attrName>ppt_y</p:attrName>
+                                        </p:attrNameLst>
+                                      </p:cBhvr>
+                                      <p:rCtr x="-9831" y="-6806"/>
+                                    </p:animMotion>
+                                  </p:childTnLst>
+                                </p:cTn>
+                              </p:par>
+                            </p:childTnLst>
+                          </p:cTn>
+                        </p:par>
+                        <p:par>
+                          <p:cTn id="41" fill="hold">
+                            <p:stCondLst>
+                              <p:cond delay="4500"/>
+                            </p:stCondLst>
+                            <p:childTnLst>
+                              <p:par>
+                                <p:cTn id="42" presetID="35" presetClass="path" presetSubtype="0" accel="50000" decel="50000" fill="hold" grpId="2" nodeType="afterEffect">
+                                  <p:stCondLst>
+                                    <p:cond delay="0"/>
+                                  </p:stCondLst>
+                                  <p:childTnLst>
+                                    <p:animMotion origin="layout" path="M -0.13307 -4.44444E-6 L -0.19974 -4.44444E-6 " pathEditMode="relative" rAng="0" ptsTypes="AA">
+                                      <p:cBhvr>
+                                        <p:cTn id="43" dur="500" fill="hold"/>
+                                        <p:tgtEl>
+                                          <p:spTgt spid="71"/>
+                                        </p:tgtEl>
+                                        <p:attrNameLst>
+                                          <p:attrName>ppt_x</p:attrName>
+                                          <p:attrName>ppt_y</p:attrName>
+                                        </p:attrNameLst>
+                                      </p:cBhvr>
+                                      <p:rCtr x="-3333" y="0"/>
+                                    </p:animMotion>
+                                  </p:childTnLst>
+                                </p:cTn>
+                              </p:par>
+                              <p:par>
+                                <p:cTn id="44" presetID="35" presetClass="path" presetSubtype="0" accel="50000" decel="50000" fill="hold" grpId="5" nodeType="withEffect">
+                                  <p:stCondLst>
+                                    <p:cond delay="0"/>
+                                  </p:stCondLst>
+                                  <p:childTnLst>
+                                    <p:animMotion origin="layout" path="M -0.20039 -0.00116 L -0.39831 -0.00116 " pathEditMode="relative" rAng="0" ptsTypes="AA">
+                                      <p:cBhvr>
+                                        <p:cTn id="45" dur="500" fill="hold"/>
+                                        <p:tgtEl>
+                                          <p:spTgt spid="72"/>
+                                        </p:tgtEl>
+                                        <p:attrNameLst>
+                                          <p:attrName>ppt_x</p:attrName>
+                                          <p:attrName>ppt_y</p:attrName>
+                                        </p:attrNameLst>
+                                      </p:cBhvr>
+                                      <p:rCtr x="-9896" y="0"/>
+                                    </p:animMotion>
+                                  </p:childTnLst>
+                                </p:cTn>
+                              </p:par>
+                            </p:childTnLst>
+                          </p:cTn>
+                        </p:par>
+                        <p:par>
+                          <p:cTn id="46" fill="hold">
+                            <p:stCondLst>
+                              <p:cond delay="5000"/>
+                            </p:stCondLst>
+                            <p:childTnLst>
+                              <p:par>
+                                <p:cTn id="47" presetID="63" presetClass="path" presetSubtype="0" accel="50000" decel="50000" fill="hold" grpId="6" nodeType="afterEffect">
+                                  <p:stCondLst>
+                                    <p:cond delay="0"/>
+                                  </p:stCondLst>
+                                  <p:childTnLst>
+                                    <p:animMotion origin="layout" path="M -0.39831 -0.00116 L -0.33477 -0.00116 " pathEditMode="relative" rAng="0" ptsTypes="AA">
+                                      <p:cBhvr>
+                                        <p:cTn id="48" dur="500" fill="hold"/>
+                                        <p:tgtEl>
+                                          <p:spTgt spid="72"/>
+                                        </p:tgtEl>
+                                        <p:attrNameLst>
+                                          <p:attrName>ppt_x</p:attrName>
+                                          <p:attrName>ppt_y</p:attrName>
+                                        </p:attrNameLst>
+                                      </p:cBhvr>
+                                      <p:rCtr x="3177" y="0"/>
+                                    </p:animMotion>
+                                  </p:childTnLst>
+                                </p:cTn>
+                              </p:par>
+                            </p:childTnLst>
+                          </p:cTn>
+                        </p:par>
+                        <p:par>
+                          <p:cTn id="49" fill="hold">
+                            <p:stCondLst>
+                              <p:cond delay="5500"/>
+                            </p:stCondLst>
+                            <p:childTnLst>
+                              <p:par>
+                                <p:cTn id="50" presetID="42" presetClass="path" presetSubtype="0" accel="50000" decel="50000" fill="hold" grpId="7" nodeType="afterEffect">
+                                  <p:stCondLst>
+                                    <p:cond delay="0"/>
+                                  </p:stCondLst>
+                                  <p:childTnLst>
+                                    <p:animMotion origin="layout" path="M -0.33477 -0.00116 L -0.39831 -0.00116 " pathEditMode="relative" rAng="0" ptsTypes="AA">
+                                      <p:cBhvr>
+                                        <p:cTn id="51" dur="500" fill="hold"/>
+                                        <p:tgtEl>
+                                          <p:spTgt spid="72"/>
+                                        </p:tgtEl>
+                                        <p:attrNameLst>
+                                          <p:attrName>ppt_x</p:attrName>
+                                          <p:attrName>ppt_y</p:attrName>
+                                        </p:attrNameLst>
+                                      </p:cBhvr>
+                                      <p:rCtr x="-3177" y="0"/>
+                                    </p:animMotion>
+                                  </p:childTnLst>
+                                </p:cTn>
+                              </p:par>
+                            </p:childTnLst>
+                          </p:cTn>
+                        </p:par>
+                        <p:par>
+                          <p:cTn id="52" fill="hold">
+                            <p:stCondLst>
+                              <p:cond delay="6000"/>
+                            </p:stCondLst>
+                            <p:childTnLst>
+                              <p:par>
+                                <p:cTn id="53" presetID="37" presetClass="path" presetSubtype="0" accel="50000" decel="50000" fill="hold" grpId="0" nodeType="afterEffect">
+                                  <p:stCondLst>
+                                    <p:cond delay="0"/>
+                                  </p:stCondLst>
+                                  <p:childTnLst>
+                                    <p:animMotion origin="layout" path="M 6.25E-7 -2.22222E-6 L 0.01797 -0.10116 C 0.02174 -0.12407 0.02734 -0.13611 0.03333 -0.13611 C 0.0401 -0.13611 0.04544 -0.12407 0.04922 -0.10116 L 0.06732 -2.22222E-6 " pathEditMode="relative" rAng="0" ptsTypes="AAAAA">
+                                      <p:cBhvr>
+                                        <p:cTn id="54" dur="1000" fill="hold"/>
                                         <p:tgtEl>
                                           <p:spTgt spid="13"/>
                                         </p:tgtEl>
@@ -20289,20 +20330,42 @@
                                           <p:attrName>ppt_y</p:attrName>
                                         </p:attrNameLst>
                                       </p:cBhvr>
-                                      <p:rCtr x="6706" y="-6806"/>
-                                    </p:animMotion>
-                                  </p:childTnLst>
-                                </p:cTn>
-                              </p:par>
-                              <p:par>
-                                <p:cTn id="33" presetID="42" presetClass="path" presetSubtype="0" accel="50000" decel="50000" fill="hold" grpId="1" nodeType="withEffect">
-                                  <p:stCondLst>
-                                    <p:cond delay="0"/>
-                                  </p:stCondLst>
-                                  <p:childTnLst>
-                                    <p:animMotion origin="layout" path="M 2.91667E-6 -4.81481E-6 L 0.08086 0.15463 " pathEditMode="relative" rAng="0" ptsTypes="AA">
-                                      <p:cBhvr>
-                                        <p:cTn id="34" dur="1000" fill="hold"/>
+                                      <p:rCtr x="3359" y="-6806"/>
+                                    </p:animMotion>
+                                  </p:childTnLst>
+                                </p:cTn>
+                              </p:par>
+                              <p:par>
+                                <p:cTn id="55" presetID="37" presetClass="path" presetSubtype="0" accel="50000" decel="50000" fill="hold" grpId="1" nodeType="withEffect">
+                                  <p:stCondLst>
+                                    <p:cond delay="0"/>
+                                  </p:stCondLst>
+                                  <p:childTnLst>
+                                    <p:animMotion origin="layout" path="M -0.19648 -2.22222E-6 L -0.21419 -0.10116 C -0.21797 -0.12407 -0.22343 -0.13611 -0.22929 -0.13611 C -0.2358 -0.13611 -0.24114 -0.12407 -0.24479 -0.10116 L -0.26237 -2.22222E-6 " pathEditMode="relative" rAng="0" ptsTypes="AAAAA">
+                                      <p:cBhvr>
+                                        <p:cTn id="56" dur="1000" fill="hold"/>
+                                        <p:tgtEl>
+                                          <p:spTgt spid="8"/>
+                                        </p:tgtEl>
+                                        <p:attrNameLst>
+                                          <p:attrName>ppt_x</p:attrName>
+                                          <p:attrName>ppt_y</p:attrName>
+                                        </p:attrNameLst>
+                                      </p:cBhvr>
+                                      <p:rCtr x="-3294" y="-6806"/>
+                                    </p:animMotion>
+                                  </p:childTnLst>
+                                </p:cTn>
+                              </p:par>
+                              <p:par>
+                                <p:cTn id="57" presetID="42" presetClass="path" presetSubtype="0" accel="50000" decel="50000" fill="hold" grpId="0" nodeType="withEffect">
+                                  <p:stCondLst>
+                                    <p:cond delay="0"/>
+                                  </p:stCondLst>
+                                  <p:childTnLst>
+                                    <p:animMotion origin="layout" path="M 2.91667E-6 -4.81481E-6 L -0.08021 0.15463 " pathEditMode="relative" rAng="0" ptsTypes="AA">
+                                      <p:cBhvr>
+                                        <p:cTn id="58" dur="1000" fill="hold"/>
                                         <p:tgtEl>
                                           <p:spTgt spid="14"/>
                                         </p:tgtEl>
@@ -20311,29 +20374,210 @@
                                           <p:attrName>ppt_y</p:attrName>
                                         </p:attrNameLst>
                                       </p:cBhvr>
-                                      <p:rCtr x="4049" y="7662"/>
-                                    </p:animMotion>
-                                  </p:childTnLst>
-                                </p:cTn>
-                              </p:par>
-                              <p:par>
-                                <p:cTn id="35" presetID="42" presetClass="path" presetSubtype="0" accel="50000" decel="50000" fill="hold" grpId="1" nodeType="withEffect">
-                                  <p:stCondLst>
-                                    <p:cond delay="0"/>
-                                  </p:stCondLst>
-                                  <p:childTnLst>
-                                    <p:animMotion origin="layout" path="M 3.54167E-6 -4.44444E-6 L -0.08086 -0.15463 " pathEditMode="relative" rAng="0" ptsTypes="AA">
-                                      <p:cBhvr>
-                                        <p:cTn id="36" dur="1000" fill="hold"/>
-                                        <p:tgtEl>
-                                          <p:spTgt spid="28"/>
-                                        </p:tgtEl>
-                                        <p:attrNameLst>
-                                          <p:attrName>ppt_x</p:attrName>
-                                          <p:attrName>ppt_y</p:attrName>
-                                        </p:attrNameLst>
-                                      </p:cBhvr>
-                                      <p:rCtr x="-4049" y="-7917"/>
+                                      <p:rCtr x="-4010" y="7662"/>
+                                    </p:animMotion>
+                                  </p:childTnLst>
+                                </p:cTn>
+                              </p:par>
+                              <p:par>
+                                <p:cTn id="59" presetID="42" presetClass="path" presetSubtype="0" accel="50000" decel="50000" fill="hold" grpId="1" nodeType="withEffect">
+                                  <p:stCondLst>
+                                    <p:cond delay="0"/>
+                                  </p:stCondLst>
+                                  <p:childTnLst>
+                                    <p:animMotion origin="layout" path="M -0.04479 -0.19838 L 0.03542 -0.34954 " pathEditMode="relative" rAng="0" ptsTypes="AA">
+                                      <p:cBhvr>
+                                        <p:cTn id="60" dur="1000" fill="hold"/>
+                                        <p:tgtEl>
+                                          <p:spTgt spid="30"/>
+                                        </p:tgtEl>
+                                        <p:attrNameLst>
+                                          <p:attrName>ppt_x</p:attrName>
+                                          <p:attrName>ppt_y</p:attrName>
+                                        </p:attrNameLst>
+                                      </p:cBhvr>
+                                      <p:rCtr x="4010" y="-7917"/>
+                                    </p:animMotion>
+                                  </p:childTnLst>
+                                </p:cTn>
+                              </p:par>
+                            </p:childTnLst>
+                          </p:cTn>
+                        </p:par>
+                        <p:par>
+                          <p:cTn id="61" fill="hold">
+                            <p:stCondLst>
+                              <p:cond delay="7000"/>
+                            </p:stCondLst>
+                            <p:childTnLst>
+                              <p:par>
+                                <p:cTn id="62" presetID="63" presetClass="path" presetSubtype="0" accel="50000" decel="50000" fill="hold" grpId="3" nodeType="afterEffect">
+                                  <p:stCondLst>
+                                    <p:cond delay="0"/>
+                                  </p:stCondLst>
+                                  <p:childTnLst>
+                                    <p:animMotion origin="layout" path="M -0.19974 -4.44444E-6 L -0.13307 -4.44444E-6 " pathEditMode="relative" rAng="0" ptsTypes="AA">
+                                      <p:cBhvr>
+                                        <p:cTn id="63" dur="500" fill="hold"/>
+                                        <p:tgtEl>
+                                          <p:spTgt spid="71"/>
+                                        </p:tgtEl>
+                                        <p:attrNameLst>
+                                          <p:attrName>ppt_x</p:attrName>
+                                          <p:attrName>ppt_y</p:attrName>
+                                        </p:attrNameLst>
+                                      </p:cBhvr>
+                                      <p:rCtr x="3542" y="0"/>
+                                    </p:animMotion>
+                                  </p:childTnLst>
+                                </p:cTn>
+                              </p:par>
+                              <p:par>
+                                <p:cTn id="64" presetID="63" presetClass="path" presetSubtype="0" accel="50000" decel="50000" fill="hold" grpId="8" nodeType="withEffect">
+                                  <p:stCondLst>
+                                    <p:cond delay="0"/>
+                                  </p:stCondLst>
+                                  <p:childTnLst>
+                                    <p:animMotion origin="layout" path="M -0.3983 -0.00116 L -0.20039 -0.00116 " pathEditMode="relative" rAng="0" ptsTypes="AA">
+                                      <p:cBhvr>
+                                        <p:cTn id="65" dur="500" fill="hold"/>
+                                        <p:tgtEl>
+                                          <p:spTgt spid="72"/>
+                                        </p:tgtEl>
+                                        <p:attrNameLst>
+                                          <p:attrName>ppt_x</p:attrName>
+                                          <p:attrName>ppt_y</p:attrName>
+                                        </p:attrNameLst>
+                                      </p:cBhvr>
+                                      <p:rCtr x="9687" y="0"/>
+                                    </p:animMotion>
+                                  </p:childTnLst>
+                                </p:cTn>
+                              </p:par>
+                            </p:childTnLst>
+                          </p:cTn>
+                        </p:par>
+                        <p:par>
+                          <p:cTn id="66" fill="hold">
+                            <p:stCondLst>
+                              <p:cond delay="7500"/>
+                            </p:stCondLst>
+                            <p:childTnLst>
+                              <p:par>
+                                <p:cTn id="67" presetID="35" presetClass="path" presetSubtype="0" accel="50000" decel="50000" fill="hold" grpId="9" nodeType="afterEffect">
+                                  <p:stCondLst>
+                                    <p:cond delay="0"/>
+                                  </p:stCondLst>
+                                  <p:childTnLst>
+                                    <p:animMotion origin="layout" path="M -0.20039 -0.00116 L -0.26706 -0.00116 " pathEditMode="relative" rAng="0" ptsTypes="AA">
+                                      <p:cBhvr>
+                                        <p:cTn id="68" dur="500" fill="hold"/>
+                                        <p:tgtEl>
+                                          <p:spTgt spid="72"/>
+                                        </p:tgtEl>
+                                        <p:attrNameLst>
+                                          <p:attrName>ppt_x</p:attrName>
+                                          <p:attrName>ppt_y</p:attrName>
+                                        </p:attrNameLst>
+                                      </p:cBhvr>
+                                      <p:rCtr x="-3294" y="0"/>
+                                    </p:animMotion>
+                                  </p:childTnLst>
+                                </p:cTn>
+                              </p:par>
+                            </p:childTnLst>
+                          </p:cTn>
+                        </p:par>
+                        <p:par>
+                          <p:cTn id="69" fill="hold">
+                            <p:stCondLst>
+                              <p:cond delay="8000"/>
+                            </p:stCondLst>
+                            <p:childTnLst>
+                              <p:par>
+                                <p:cTn id="70" presetID="37" presetClass="path" presetSubtype="0" accel="50000" decel="50000" fill="hold" grpId="0" nodeType="afterEffect">
+                                  <p:stCondLst>
+                                    <p:cond delay="0"/>
+                                  </p:stCondLst>
+                                  <p:childTnLst>
+                                    <p:animMotion origin="layout" path="M 4.16667E-6 -2.22222E-6 L -0.03503 -0.10116 C -0.04232 -0.12407 -0.05326 -0.13611 -0.06472 -0.13611 C -0.07787 -0.13611 -0.08829 -0.12407 -0.09558 -0.10116 L -0.13047 -2.22222E-6 " pathEditMode="relative" rAng="0" ptsTypes="AAAAA">
+                                      <p:cBhvr>
+                                        <p:cTn id="71" dur="1000" fill="hold"/>
+                                        <p:tgtEl>
+                                          <p:spTgt spid="7"/>
+                                        </p:tgtEl>
+                                        <p:attrNameLst>
+                                          <p:attrName>ppt_x</p:attrName>
+                                          <p:attrName>ppt_y</p:attrName>
+                                        </p:attrNameLst>
+                                      </p:cBhvr>
+                                      <p:rCtr x="-6523" y="-6806"/>
+                                    </p:animMotion>
+                                  </p:childTnLst>
+                                </p:cTn>
+                              </p:par>
+                              <p:par>
+                                <p:cTn id="72" presetID="37" presetClass="path" presetSubtype="0" accel="50000" decel="50000" fill="hold" grpId="1" nodeType="withEffect">
+                                  <p:stCondLst>
+                                    <p:cond delay="0"/>
+                                  </p:stCondLst>
+                                  <p:childTnLst>
+                                    <p:animMotion origin="layout" path="M 0.06758 -2.22222E-6 L 0.103 -0.10116 C 0.11042 -0.12407 0.12149 -0.13611 0.1332 -0.13611 C 0.14636 -0.13611 0.15703 -0.12407 0.16432 -0.10116 L 0.2 -2.22222E-6 " pathEditMode="relative" rAng="0" ptsTypes="AAAAA">
+                                      <p:cBhvr>
+                                        <p:cTn id="73" dur="1000" fill="hold"/>
+                                        <p:tgtEl>
+                                          <p:spTgt spid="13"/>
+                                        </p:tgtEl>
+                                        <p:attrNameLst>
+                                          <p:attrName>ppt_x</p:attrName>
+                                          <p:attrName>ppt_y</p:attrName>
+                                        </p:attrNameLst>
+                                      </p:cBhvr>
+                                      <p:rCtr x="6615" y="-6806"/>
+                                    </p:animMotion>
+                                  </p:childTnLst>
+                                </p:cTn>
+                              </p:par>
+                              <p:par>
+                                <p:cTn id="74" presetID="42" presetClass="path" presetSubtype="0" accel="50000" decel="50000" fill="hold" grpId="0" nodeType="withEffect">
+                                  <p:stCondLst>
+                                    <p:cond delay="0"/>
+                                  </p:stCondLst>
+                                  <p:childTnLst>
+                                    <p:animMotion origin="layout" path="M 4.16667E-6 -1.85185E-6 L 0.05182 -0.19491 " pathEditMode="relative" rAng="0" ptsTypes="AA">
+                                      <p:cBhvr>
+                                        <p:cTn id="75" dur="1000" fill="hold"/>
+                                        <p:tgtEl>
+                                          <p:spTgt spid="29"/>
+                                        </p:tgtEl>
+                                        <p:attrNameLst>
+                                          <p:attrName>ppt_x</p:attrName>
+                                          <p:attrName>ppt_y</p:attrName>
+                                        </p:attrNameLst>
+                                      </p:cBhvr>
+                                      <p:rCtr x="2591" y="-9931"/>
+                                    </p:animMotion>
+                                  </p:childTnLst>
+                                </p:cTn>
+                              </p:par>
+                              <p:par>
+                                <p:cTn id="76" presetID="42" presetClass="path" presetSubtype="0" accel="50000" decel="50000" fill="hold" grpId="1" nodeType="withEffect">
+                                  <p:stCondLst>
+                                    <p:cond delay="0"/>
+                                  </p:stCondLst>
+                                  <p:childTnLst>
+                                    <p:animMotion origin="layout" path="M -0.08021 0.15116 L -0.13203 0.34954 " pathEditMode="relative" rAng="0" ptsTypes="AA">
+                                      <p:cBhvr>
+                                        <p:cTn id="77" dur="1000" fill="hold"/>
+                                        <p:tgtEl>
+                                          <p:spTgt spid="14"/>
+                                        </p:tgtEl>
+                                        <p:attrNameLst>
+                                          <p:attrName>ppt_x</p:attrName>
+                                          <p:attrName>ppt_y</p:attrName>
+                                        </p:attrNameLst>
+                                      </p:cBhvr>
+                                      <p:rCtr x="-2552" y="9907"/>
                                     </p:animMotion>
                                   </p:childTnLst>
                                 </p:cTn>
@@ -20367,14 +20611,2483 @@
     </p:tnLst>
     <p:bldLst>
       <p:bldP spid="13" grpId="0" animBg="1"/>
+      <p:bldP spid="13" grpId="1" animBg="1"/>
+      <p:bldP spid="5" grpId="0" animBg="1"/>
       <p:bldP spid="6" grpId="0" animBg="1"/>
+      <p:bldP spid="7" grpId="0" animBg="1"/>
+      <p:bldP spid="8" grpId="0" animBg="1"/>
+      <p:bldP spid="8" grpId="1" animBg="1"/>
+      <p:bldP spid="9" grpId="0" animBg="1"/>
       <p:bldP spid="14" grpId="0" animBg="1"/>
       <p:bldP spid="14" grpId="1" animBg="1"/>
       <p:bldP spid="27" grpId="0" animBg="1"/>
-      <p:bldP spid="27" grpId="1" animBg="1"/>
       <p:bldP spid="28" grpId="0" animBg="1"/>
-      <p:bldP spid="28" grpId="1" animBg="1"/>
+      <p:bldP spid="29" grpId="0" animBg="1"/>
+      <p:bldP spid="30" grpId="0" animBg="1"/>
+      <p:bldP spid="30" grpId="1" animBg="1"/>
+      <p:bldP spid="31" grpId="0" animBg="1"/>
+      <p:bldP spid="71" grpId="0" animBg="1"/>
+      <p:bldP spid="71" grpId="1" animBg="1"/>
+      <p:bldP spid="71" grpId="2" animBg="1"/>
+      <p:bldP spid="71" grpId="3" animBg="1"/>
       <p:bldP spid="72" grpId="0" animBg="1"/>
+      <p:bldP spid="72" grpId="1" animBg="1"/>
+      <p:bldP spid="72" grpId="2" animBg="1"/>
+      <p:bldP spid="72" grpId="3" animBg="1"/>
+      <p:bldP spid="72" grpId="4" animBg="1"/>
+      <p:bldP spid="72" grpId="5" animBg="1"/>
+      <p:bldP spid="72" grpId="6" animBg="1"/>
+      <p:bldP spid="72" grpId="7" animBg="1"/>
+      <p:bldP spid="72" grpId="8" animBg="1"/>
+      <p:bldP spid="72" grpId="9" animBg="1"/>
+    </p:bldLst>
+  </p:timing>
+</p:sld>
+</file>
+
+<file path=ppt/slides/slide16.xml><?xml version="1.0" encoding="utf-8"?>
+<p:sld xmlns:a="http://schemas.openxmlformats.org/drawingml/2006/main" xmlns:r="http://schemas.openxmlformats.org/officeDocument/2006/relationships" xmlns:p="http://schemas.openxmlformats.org/presentationml/2006/main">
+  <p:cSld>
+    <p:spTree>
+      <p:nvGrpSpPr>
+        <p:cNvPr id="1" name=""/>
+        <p:cNvGrpSpPr/>
+        <p:nvPr/>
+      </p:nvGrpSpPr>
+      <p:grpSpPr>
+        <a:xfrm>
+          <a:off x="0" y="0"/>
+          <a:ext cx="0" cy="0"/>
+          <a:chOff x="0" y="0"/>
+          <a:chExt cx="0" cy="0"/>
+        </a:xfrm>
+      </p:grpSpPr>
+      <p:sp>
+        <p:nvSpPr>
+          <p:cNvPr id="13" name="椭圆 12"/>
+          <p:cNvSpPr/>
+          <p:nvPr/>
+        </p:nvSpPr>
+        <p:spPr>
+          <a:xfrm>
+            <a:off x="2772958" y="2390632"/>
+            <a:ext cx="802562" cy="802562"/>
+          </a:xfrm>
+          <a:prstGeom prst="ellipse">
+            <a:avLst/>
+          </a:prstGeom>
+          <a:solidFill>
+            <a:schemeClr val="accent1">
+              <a:lumMod val="75000"/>
+            </a:schemeClr>
+          </a:solidFill>
+          <a:ln>
+            <a:noFill/>
+          </a:ln>
+        </p:spPr>
+        <p:style>
+          <a:lnRef idx="2">
+            <a:schemeClr val="accent1">
+              <a:shade val="50000"/>
+            </a:schemeClr>
+          </a:lnRef>
+          <a:fillRef idx="1">
+            <a:schemeClr val="accent1"/>
+          </a:fillRef>
+          <a:effectRef idx="0">
+            <a:schemeClr val="accent1"/>
+          </a:effectRef>
+          <a:fontRef idx="minor">
+            <a:schemeClr val="lt1"/>
+          </a:fontRef>
+        </p:style>
+        <p:txBody>
+          <a:bodyPr rtlCol="0" anchor="ctr"/>
+          <a:lstStyle/>
+          <a:p>
+            <a:pPr algn="ctr"/>
+            <a:r>
+              <a:rPr lang="en-US" altLang="zh-CN" sz="3200" dirty="0" smtClean="0"/>
+              <a:t>5</a:t>
+            </a:r>
+            <a:endParaRPr lang="zh-CN" altLang="en-US" sz="3200" dirty="0"/>
+          </a:p>
+        </p:txBody>
+      </p:sp>
+      <p:cxnSp>
+        <p:nvCxnSpPr>
+          <p:cNvPr id="18" name="直接箭头连接符 17"/>
+          <p:cNvCxnSpPr>
+            <a:stCxn id="11" idx="5"/>
+            <a:endCxn id="13" idx="0"/>
+          </p:cNvCxnSpPr>
+          <p:nvPr/>
+        </p:nvCxnSpPr>
+        <p:spPr>
+          <a:xfrm>
+            <a:off x="2471731" y="2013792"/>
+            <a:ext cx="702508" cy="376840"/>
+          </a:xfrm>
+          <a:prstGeom prst="straightConnector1">
+            <a:avLst/>
+          </a:prstGeom>
+          <a:ln w="38100">
+            <a:solidFill>
+              <a:srgbClr val="002060"/>
+            </a:solidFill>
+            <a:tailEnd type="triangle"/>
+          </a:ln>
+        </p:spPr>
+        <p:style>
+          <a:lnRef idx="1">
+            <a:schemeClr val="accent1"/>
+          </a:lnRef>
+          <a:fillRef idx="0">
+            <a:schemeClr val="accent1"/>
+          </a:fillRef>
+          <a:effectRef idx="0">
+            <a:schemeClr val="accent1"/>
+          </a:effectRef>
+          <a:fontRef idx="minor">
+            <a:schemeClr val="tx1"/>
+          </a:fontRef>
+        </p:style>
+      </p:cxnSp>
+      <p:cxnSp>
+        <p:nvCxnSpPr>
+          <p:cNvPr id="19" name="直接箭头连接符 18"/>
+          <p:cNvCxnSpPr>
+            <a:stCxn id="13" idx="5"/>
+            <a:endCxn id="17" idx="0"/>
+          </p:cNvCxnSpPr>
+          <p:nvPr/>
+        </p:nvCxnSpPr>
+        <p:spPr>
+          <a:xfrm>
+            <a:off x="3457988" y="3075662"/>
+            <a:ext cx="355204" cy="650176"/>
+          </a:xfrm>
+          <a:prstGeom prst="straightConnector1">
+            <a:avLst/>
+          </a:prstGeom>
+          <a:ln w="38100">
+            <a:solidFill>
+              <a:srgbClr val="002060"/>
+            </a:solidFill>
+            <a:tailEnd type="triangle"/>
+          </a:ln>
+        </p:spPr>
+        <p:style>
+          <a:lnRef idx="1">
+            <a:schemeClr val="accent1"/>
+          </a:lnRef>
+          <a:fillRef idx="0">
+            <a:schemeClr val="accent1"/>
+          </a:fillRef>
+          <a:effectRef idx="0">
+            <a:schemeClr val="accent1"/>
+          </a:effectRef>
+          <a:fontRef idx="minor">
+            <a:schemeClr val="tx1"/>
+          </a:fontRef>
+        </p:style>
+      </p:cxnSp>
+      <p:cxnSp>
+        <p:nvCxnSpPr>
+          <p:cNvPr id="20" name="直接箭头连接符 19"/>
+          <p:cNvCxnSpPr>
+            <a:stCxn id="12" idx="5"/>
+            <a:endCxn id="15" idx="0"/>
+          </p:cNvCxnSpPr>
+          <p:nvPr/>
+        </p:nvCxnSpPr>
+        <p:spPr>
+          <a:xfrm>
+            <a:off x="1493358" y="3075662"/>
+            <a:ext cx="261983" cy="650176"/>
+          </a:xfrm>
+          <a:prstGeom prst="straightConnector1">
+            <a:avLst/>
+          </a:prstGeom>
+          <a:ln w="38100">
+            <a:solidFill>
+              <a:srgbClr val="002060"/>
+            </a:solidFill>
+            <a:tailEnd type="triangle"/>
+          </a:ln>
+        </p:spPr>
+        <p:style>
+          <a:lnRef idx="1">
+            <a:schemeClr val="accent1"/>
+          </a:lnRef>
+          <a:fillRef idx="0">
+            <a:schemeClr val="accent1"/>
+          </a:fillRef>
+          <a:effectRef idx="0">
+            <a:schemeClr val="accent1"/>
+          </a:effectRef>
+          <a:fontRef idx="minor">
+            <a:schemeClr val="tx1"/>
+          </a:fontRef>
+        </p:style>
+      </p:cxnSp>
+      <p:cxnSp>
+        <p:nvCxnSpPr>
+          <p:cNvPr id="21" name="直接箭头连接符 20"/>
+          <p:cNvCxnSpPr>
+            <a:stCxn id="12" idx="3"/>
+            <a:endCxn id="14" idx="0"/>
+          </p:cNvCxnSpPr>
+          <p:nvPr/>
+        </p:nvCxnSpPr>
+        <p:spPr>
+          <a:xfrm flipH="1">
+            <a:off x="578184" y="3075662"/>
+            <a:ext cx="347676" cy="650176"/>
+          </a:xfrm>
+          <a:prstGeom prst="straightConnector1">
+            <a:avLst/>
+          </a:prstGeom>
+          <a:ln w="38100">
+            <a:solidFill>
+              <a:srgbClr val="002060"/>
+            </a:solidFill>
+            <a:tailEnd type="triangle"/>
+          </a:ln>
+        </p:spPr>
+        <p:style>
+          <a:lnRef idx="1">
+            <a:schemeClr val="accent1"/>
+          </a:lnRef>
+          <a:fillRef idx="0">
+            <a:schemeClr val="accent1"/>
+          </a:fillRef>
+          <a:effectRef idx="0">
+            <a:schemeClr val="accent1"/>
+          </a:effectRef>
+          <a:fontRef idx="minor">
+            <a:schemeClr val="tx1"/>
+          </a:fontRef>
+        </p:style>
+      </p:cxnSp>
+      <p:cxnSp>
+        <p:nvCxnSpPr>
+          <p:cNvPr id="22" name="直接箭头连接符 21"/>
+          <p:cNvCxnSpPr>
+            <a:stCxn id="11" idx="3"/>
+            <a:endCxn id="12" idx="0"/>
+          </p:cNvCxnSpPr>
+          <p:nvPr/>
+        </p:nvCxnSpPr>
+        <p:spPr>
+          <a:xfrm flipH="1">
+            <a:off x="1209609" y="2013792"/>
+            <a:ext cx="694624" cy="376840"/>
+          </a:xfrm>
+          <a:prstGeom prst="straightConnector1">
+            <a:avLst/>
+          </a:prstGeom>
+          <a:ln w="38100">
+            <a:solidFill>
+              <a:srgbClr val="002060"/>
+            </a:solidFill>
+            <a:tailEnd type="triangle"/>
+          </a:ln>
+        </p:spPr>
+        <p:style>
+          <a:lnRef idx="1">
+            <a:schemeClr val="accent1"/>
+          </a:lnRef>
+          <a:fillRef idx="0">
+            <a:schemeClr val="accent1"/>
+          </a:fillRef>
+          <a:effectRef idx="0">
+            <a:schemeClr val="accent1"/>
+          </a:effectRef>
+          <a:fontRef idx="minor">
+            <a:schemeClr val="tx1"/>
+          </a:fontRef>
+        </p:style>
+      </p:cxnSp>
+      <p:cxnSp>
+        <p:nvCxnSpPr>
+          <p:cNvPr id="23" name="直接箭头连接符 22"/>
+          <p:cNvCxnSpPr>
+            <a:stCxn id="13" idx="3"/>
+            <a:endCxn id="16" idx="0"/>
+          </p:cNvCxnSpPr>
+          <p:nvPr/>
+        </p:nvCxnSpPr>
+        <p:spPr>
+          <a:xfrm flipH="1">
+            <a:off x="2589263" y="3075662"/>
+            <a:ext cx="301227" cy="650176"/>
+          </a:xfrm>
+          <a:prstGeom prst="straightConnector1">
+            <a:avLst/>
+          </a:prstGeom>
+          <a:ln w="38100">
+            <a:solidFill>
+              <a:srgbClr val="002060"/>
+            </a:solidFill>
+            <a:tailEnd type="triangle"/>
+          </a:ln>
+        </p:spPr>
+        <p:style>
+          <a:lnRef idx="1">
+            <a:schemeClr val="accent1"/>
+          </a:lnRef>
+          <a:fillRef idx="0">
+            <a:schemeClr val="accent1"/>
+          </a:fillRef>
+          <a:effectRef idx="0">
+            <a:schemeClr val="accent1"/>
+          </a:effectRef>
+          <a:fontRef idx="minor">
+            <a:schemeClr val="tx1"/>
+          </a:fontRef>
+        </p:style>
+      </p:cxnSp>
+      <p:sp>
+        <p:nvSpPr>
+          <p:cNvPr id="24" name="任意多边形 23"/>
+          <p:cNvSpPr/>
+          <p:nvPr/>
+        </p:nvSpPr>
+        <p:spPr>
+          <a:xfrm>
+            <a:off x="4636324" y="3795972"/>
+            <a:ext cx="803530" cy="886961"/>
+          </a:xfrm>
+          <a:custGeom>
+            <a:avLst/>
+            <a:gdLst>
+              <a:gd name="connsiteX0" fmla="*/ 410569 w 821140"/>
+              <a:gd name="connsiteY0" fmla="*/ 0 h 1511538"/>
+              <a:gd name="connsiteX1" fmla="*/ 720700 w 821140"/>
+              <a:gd name="connsiteY1" fmla="*/ 310132 h 1511538"/>
+              <a:gd name="connsiteX2" fmla="*/ 565634 w 821140"/>
+              <a:gd name="connsiteY2" fmla="*/ 310132 h 1511538"/>
+              <a:gd name="connsiteX3" fmla="*/ 565634 w 821140"/>
+              <a:gd name="connsiteY3" fmla="*/ 721189 h 1511538"/>
+              <a:gd name="connsiteX4" fmla="*/ 570383 w 821140"/>
+              <a:gd name="connsiteY4" fmla="*/ 722663 h 1511538"/>
+              <a:gd name="connsiteX5" fmla="*/ 821140 w 821140"/>
+              <a:gd name="connsiteY5" fmla="*/ 1100968 h 1511538"/>
+              <a:gd name="connsiteX6" fmla="*/ 410570 w 821140"/>
+              <a:gd name="connsiteY6" fmla="*/ 1511538 h 1511538"/>
+              <a:gd name="connsiteX7" fmla="*/ 0 w 821140"/>
+              <a:gd name="connsiteY7" fmla="*/ 1100968 h 1511538"/>
+              <a:gd name="connsiteX8" fmla="*/ 250758 w 821140"/>
+              <a:gd name="connsiteY8" fmla="*/ 722663 h 1511538"/>
+              <a:gd name="connsiteX9" fmla="*/ 255503 w 821140"/>
+              <a:gd name="connsiteY9" fmla="*/ 721190 h 1511538"/>
+              <a:gd name="connsiteX10" fmla="*/ 255503 w 821140"/>
+              <a:gd name="connsiteY10" fmla="*/ 310132 h 1511538"/>
+              <a:gd name="connsiteX11" fmla="*/ 100437 w 821140"/>
+              <a:gd name="connsiteY11" fmla="*/ 310132 h 1511538"/>
+            </a:gdLst>
+            <a:ahLst/>
+            <a:cxnLst>
+              <a:cxn ang="0">
+                <a:pos x="connsiteX0" y="connsiteY0"/>
+              </a:cxn>
+              <a:cxn ang="0">
+                <a:pos x="connsiteX1" y="connsiteY1"/>
+              </a:cxn>
+              <a:cxn ang="0">
+                <a:pos x="connsiteX2" y="connsiteY2"/>
+              </a:cxn>
+              <a:cxn ang="0">
+                <a:pos x="connsiteX3" y="connsiteY3"/>
+              </a:cxn>
+              <a:cxn ang="0">
+                <a:pos x="connsiteX4" y="connsiteY4"/>
+              </a:cxn>
+              <a:cxn ang="0">
+                <a:pos x="connsiteX5" y="connsiteY5"/>
+              </a:cxn>
+              <a:cxn ang="0">
+                <a:pos x="connsiteX6" y="connsiteY6"/>
+              </a:cxn>
+              <a:cxn ang="0">
+                <a:pos x="connsiteX7" y="connsiteY7"/>
+              </a:cxn>
+              <a:cxn ang="0">
+                <a:pos x="connsiteX8" y="connsiteY8"/>
+              </a:cxn>
+              <a:cxn ang="0">
+                <a:pos x="connsiteX9" y="connsiteY9"/>
+              </a:cxn>
+              <a:cxn ang="0">
+                <a:pos x="connsiteX10" y="connsiteY10"/>
+              </a:cxn>
+              <a:cxn ang="0">
+                <a:pos x="connsiteX11" y="connsiteY11"/>
+              </a:cxn>
+            </a:cxnLst>
+            <a:rect l="l" t="t" r="r" b="b"/>
+            <a:pathLst>
+              <a:path w="821140" h="1511538">
+                <a:moveTo>
+                  <a:pt x="410569" y="0"/>
+                </a:moveTo>
+                <a:lnTo>
+                  <a:pt x="720700" y="310132"/>
+                </a:lnTo>
+                <a:lnTo>
+                  <a:pt x="565634" y="310132"/>
+                </a:lnTo>
+                <a:lnTo>
+                  <a:pt x="565634" y="721189"/>
+                </a:lnTo>
+                <a:lnTo>
+                  <a:pt x="570383" y="722663"/>
+                </a:lnTo>
+                <a:cubicBezTo>
+                  <a:pt x="717743" y="784990"/>
+                  <a:pt x="821140" y="930904"/>
+                  <a:pt x="821140" y="1100968"/>
+                </a:cubicBezTo>
+                <a:cubicBezTo>
+                  <a:pt x="821140" y="1327720"/>
+                  <a:pt x="637322" y="1511538"/>
+                  <a:pt x="410570" y="1511538"/>
+                </a:cubicBezTo>
+                <a:cubicBezTo>
+                  <a:pt x="183818" y="1511538"/>
+                  <a:pt x="0" y="1327720"/>
+                  <a:pt x="0" y="1100968"/>
+                </a:cubicBezTo>
+                <a:cubicBezTo>
+                  <a:pt x="0" y="930904"/>
+                  <a:pt x="103398" y="784990"/>
+                  <a:pt x="250758" y="722663"/>
+                </a:cubicBezTo>
+                <a:lnTo>
+                  <a:pt x="255503" y="721190"/>
+                </a:lnTo>
+                <a:lnTo>
+                  <a:pt x="255503" y="310132"/>
+                </a:lnTo>
+                <a:lnTo>
+                  <a:pt x="100437" y="310132"/>
+                </a:lnTo>
+                <a:close/>
+              </a:path>
+            </a:pathLst>
+          </a:custGeom>
+          <a:solidFill>
+            <a:srgbClr val="00B050"/>
+          </a:solidFill>
+          <a:ln>
+            <a:noFill/>
+          </a:ln>
+        </p:spPr>
+        <p:style>
+          <a:lnRef idx="2">
+            <a:schemeClr val="accent1">
+              <a:shade val="50000"/>
+            </a:schemeClr>
+          </a:lnRef>
+          <a:fillRef idx="1">
+            <a:schemeClr val="accent1"/>
+          </a:fillRef>
+          <a:effectRef idx="0">
+            <a:schemeClr val="accent1"/>
+          </a:effectRef>
+          <a:fontRef idx="minor">
+            <a:schemeClr val="lt1"/>
+          </a:fontRef>
+        </p:style>
+        <p:txBody>
+          <a:bodyPr rtlCol="0" anchor="ctr"/>
+          <a:lstStyle/>
+          <a:p>
+            <a:pPr algn="ctr"/>
+            <a:endParaRPr lang="en-US" altLang="zh-CN" sz="1400" dirty="0" smtClean="0">
+              <a:solidFill>
+                <a:srgbClr val="002060"/>
+              </a:solidFill>
+            </a:endParaRPr>
+          </a:p>
+          <a:p>
+            <a:pPr algn="ctr"/>
+            <a:endParaRPr lang="en-US" altLang="zh-CN" sz="1400" dirty="0">
+              <a:solidFill>
+                <a:srgbClr val="002060"/>
+              </a:solidFill>
+            </a:endParaRPr>
+          </a:p>
+          <a:p>
+            <a:pPr algn="ctr"/>
+            <a:r>
+              <a:rPr lang="en-US" altLang="zh-CN" sz="1400" dirty="0" smtClean="0">
+                <a:solidFill>
+                  <a:srgbClr val="002060"/>
+                </a:solidFill>
+              </a:rPr>
+              <a:t>parent</a:t>
+            </a:r>
+            <a:endParaRPr lang="zh-CN" altLang="en-US" sz="1400" dirty="0">
+              <a:solidFill>
+                <a:srgbClr val="002060"/>
+              </a:solidFill>
+            </a:endParaRPr>
+          </a:p>
+        </p:txBody>
+      </p:sp>
+      <p:sp>
+        <p:nvSpPr>
+          <p:cNvPr id="25" name="任意多边形 24"/>
+          <p:cNvSpPr/>
+          <p:nvPr/>
+        </p:nvSpPr>
+        <p:spPr>
+          <a:xfrm>
+            <a:off x="5470246" y="3795971"/>
+            <a:ext cx="803530" cy="886961"/>
+          </a:xfrm>
+          <a:custGeom>
+            <a:avLst/>
+            <a:gdLst>
+              <a:gd name="connsiteX0" fmla="*/ 410569 w 821140"/>
+              <a:gd name="connsiteY0" fmla="*/ 0 h 1511538"/>
+              <a:gd name="connsiteX1" fmla="*/ 720700 w 821140"/>
+              <a:gd name="connsiteY1" fmla="*/ 310132 h 1511538"/>
+              <a:gd name="connsiteX2" fmla="*/ 565634 w 821140"/>
+              <a:gd name="connsiteY2" fmla="*/ 310132 h 1511538"/>
+              <a:gd name="connsiteX3" fmla="*/ 565634 w 821140"/>
+              <a:gd name="connsiteY3" fmla="*/ 721189 h 1511538"/>
+              <a:gd name="connsiteX4" fmla="*/ 570383 w 821140"/>
+              <a:gd name="connsiteY4" fmla="*/ 722663 h 1511538"/>
+              <a:gd name="connsiteX5" fmla="*/ 821140 w 821140"/>
+              <a:gd name="connsiteY5" fmla="*/ 1100968 h 1511538"/>
+              <a:gd name="connsiteX6" fmla="*/ 410570 w 821140"/>
+              <a:gd name="connsiteY6" fmla="*/ 1511538 h 1511538"/>
+              <a:gd name="connsiteX7" fmla="*/ 0 w 821140"/>
+              <a:gd name="connsiteY7" fmla="*/ 1100968 h 1511538"/>
+              <a:gd name="connsiteX8" fmla="*/ 250758 w 821140"/>
+              <a:gd name="connsiteY8" fmla="*/ 722663 h 1511538"/>
+              <a:gd name="connsiteX9" fmla="*/ 255503 w 821140"/>
+              <a:gd name="connsiteY9" fmla="*/ 721190 h 1511538"/>
+              <a:gd name="connsiteX10" fmla="*/ 255503 w 821140"/>
+              <a:gd name="connsiteY10" fmla="*/ 310132 h 1511538"/>
+              <a:gd name="connsiteX11" fmla="*/ 100437 w 821140"/>
+              <a:gd name="connsiteY11" fmla="*/ 310132 h 1511538"/>
+            </a:gdLst>
+            <a:ahLst/>
+            <a:cxnLst>
+              <a:cxn ang="0">
+                <a:pos x="connsiteX0" y="connsiteY0"/>
+              </a:cxn>
+              <a:cxn ang="0">
+                <a:pos x="connsiteX1" y="connsiteY1"/>
+              </a:cxn>
+              <a:cxn ang="0">
+                <a:pos x="connsiteX2" y="connsiteY2"/>
+              </a:cxn>
+              <a:cxn ang="0">
+                <a:pos x="connsiteX3" y="connsiteY3"/>
+              </a:cxn>
+              <a:cxn ang="0">
+                <a:pos x="connsiteX4" y="connsiteY4"/>
+              </a:cxn>
+              <a:cxn ang="0">
+                <a:pos x="connsiteX5" y="connsiteY5"/>
+              </a:cxn>
+              <a:cxn ang="0">
+                <a:pos x="connsiteX6" y="connsiteY6"/>
+              </a:cxn>
+              <a:cxn ang="0">
+                <a:pos x="connsiteX7" y="connsiteY7"/>
+              </a:cxn>
+              <a:cxn ang="0">
+                <a:pos x="connsiteX8" y="connsiteY8"/>
+              </a:cxn>
+              <a:cxn ang="0">
+                <a:pos x="connsiteX9" y="connsiteY9"/>
+              </a:cxn>
+              <a:cxn ang="0">
+                <a:pos x="connsiteX10" y="connsiteY10"/>
+              </a:cxn>
+              <a:cxn ang="0">
+                <a:pos x="connsiteX11" y="connsiteY11"/>
+              </a:cxn>
+            </a:cxnLst>
+            <a:rect l="l" t="t" r="r" b="b"/>
+            <a:pathLst>
+              <a:path w="821140" h="1511538">
+                <a:moveTo>
+                  <a:pt x="410569" y="0"/>
+                </a:moveTo>
+                <a:lnTo>
+                  <a:pt x="720700" y="310132"/>
+                </a:lnTo>
+                <a:lnTo>
+                  <a:pt x="565634" y="310132"/>
+                </a:lnTo>
+                <a:lnTo>
+                  <a:pt x="565634" y="721189"/>
+                </a:lnTo>
+                <a:lnTo>
+                  <a:pt x="570383" y="722663"/>
+                </a:lnTo>
+                <a:cubicBezTo>
+                  <a:pt x="717743" y="784990"/>
+                  <a:pt x="821140" y="930904"/>
+                  <a:pt x="821140" y="1100968"/>
+                </a:cubicBezTo>
+                <a:cubicBezTo>
+                  <a:pt x="821140" y="1327720"/>
+                  <a:pt x="637322" y="1511538"/>
+                  <a:pt x="410570" y="1511538"/>
+                </a:cubicBezTo>
+                <a:cubicBezTo>
+                  <a:pt x="183818" y="1511538"/>
+                  <a:pt x="0" y="1327720"/>
+                  <a:pt x="0" y="1100968"/>
+                </a:cubicBezTo>
+                <a:cubicBezTo>
+                  <a:pt x="0" y="930904"/>
+                  <a:pt x="103398" y="784990"/>
+                  <a:pt x="250758" y="722663"/>
+                </a:cubicBezTo>
+                <a:lnTo>
+                  <a:pt x="255503" y="721190"/>
+                </a:lnTo>
+                <a:lnTo>
+                  <a:pt x="255503" y="310132"/>
+                </a:lnTo>
+                <a:lnTo>
+                  <a:pt x="100437" y="310132"/>
+                </a:lnTo>
+                <a:close/>
+              </a:path>
+            </a:pathLst>
+          </a:custGeom>
+          <a:solidFill>
+            <a:srgbClr val="00B050"/>
+          </a:solidFill>
+          <a:ln>
+            <a:noFill/>
+          </a:ln>
+        </p:spPr>
+        <p:style>
+          <a:lnRef idx="2">
+            <a:schemeClr val="accent1">
+              <a:shade val="50000"/>
+            </a:schemeClr>
+          </a:lnRef>
+          <a:fillRef idx="1">
+            <a:schemeClr val="accent1"/>
+          </a:fillRef>
+          <a:effectRef idx="0">
+            <a:schemeClr val="accent1"/>
+          </a:effectRef>
+          <a:fontRef idx="minor">
+            <a:schemeClr val="lt1"/>
+          </a:fontRef>
+        </p:style>
+        <p:txBody>
+          <a:bodyPr rtlCol="0" anchor="ctr"/>
+          <a:lstStyle/>
+          <a:p>
+            <a:pPr algn="ctr"/>
+            <a:endParaRPr lang="en-US" altLang="zh-CN" sz="1400" dirty="0" smtClean="0">
+              <a:solidFill>
+                <a:srgbClr val="002060"/>
+              </a:solidFill>
+            </a:endParaRPr>
+          </a:p>
+          <a:p>
+            <a:pPr algn="ctr"/>
+            <a:endParaRPr lang="en-US" altLang="zh-CN" sz="1400" dirty="0">
+              <a:solidFill>
+                <a:srgbClr val="002060"/>
+              </a:solidFill>
+            </a:endParaRPr>
+          </a:p>
+          <a:p>
+            <a:pPr algn="ctr"/>
+            <a:r>
+              <a:rPr lang="en-US" altLang="zh-CN" sz="1400" dirty="0" smtClean="0">
+                <a:solidFill>
+                  <a:srgbClr val="002060"/>
+                </a:solidFill>
+              </a:rPr>
+              <a:t>child</a:t>
+            </a:r>
+            <a:endParaRPr lang="zh-CN" altLang="en-US" sz="1400" dirty="0">
+              <a:solidFill>
+                <a:srgbClr val="002060"/>
+              </a:solidFill>
+            </a:endParaRPr>
+          </a:p>
+        </p:txBody>
+      </p:sp>
+      <p:sp>
+        <p:nvSpPr>
+          <p:cNvPr id="4" name="椭圆 3"/>
+          <p:cNvSpPr/>
+          <p:nvPr/>
+        </p:nvSpPr>
+        <p:spPr>
+          <a:xfrm>
+            <a:off x="4636808" y="2923276"/>
+            <a:ext cx="802562" cy="802562"/>
+          </a:xfrm>
+          <a:prstGeom prst="ellipse">
+            <a:avLst/>
+          </a:prstGeom>
+          <a:solidFill>
+            <a:schemeClr val="accent1">
+              <a:lumMod val="75000"/>
+            </a:schemeClr>
+          </a:solidFill>
+          <a:ln>
+            <a:noFill/>
+          </a:ln>
+        </p:spPr>
+        <p:style>
+          <a:lnRef idx="2">
+            <a:schemeClr val="accent1">
+              <a:shade val="50000"/>
+            </a:schemeClr>
+          </a:lnRef>
+          <a:fillRef idx="1">
+            <a:schemeClr val="accent1"/>
+          </a:fillRef>
+          <a:effectRef idx="0">
+            <a:schemeClr val="accent1"/>
+          </a:effectRef>
+          <a:fontRef idx="minor">
+            <a:schemeClr val="lt1"/>
+          </a:fontRef>
+        </p:style>
+        <p:txBody>
+          <a:bodyPr rtlCol="0" anchor="ctr"/>
+          <a:lstStyle/>
+          <a:p>
+            <a:pPr algn="ctr"/>
+            <a:r>
+              <a:rPr lang="en-US" altLang="zh-CN" sz="3200" dirty="0" smtClean="0"/>
+              <a:t>7</a:t>
+            </a:r>
+            <a:endParaRPr lang="zh-CN" altLang="en-US" sz="3200" dirty="0"/>
+          </a:p>
+        </p:txBody>
+      </p:sp>
+      <p:sp>
+        <p:nvSpPr>
+          <p:cNvPr id="5" name="椭圆 4"/>
+          <p:cNvSpPr/>
+          <p:nvPr/>
+        </p:nvSpPr>
+        <p:spPr>
+          <a:xfrm>
+            <a:off x="5444957" y="2923276"/>
+            <a:ext cx="802562" cy="802562"/>
+          </a:xfrm>
+          <a:prstGeom prst="ellipse">
+            <a:avLst/>
+          </a:prstGeom>
+          <a:solidFill>
+            <a:schemeClr val="accent1">
+              <a:lumMod val="75000"/>
+            </a:schemeClr>
+          </a:solidFill>
+          <a:ln>
+            <a:noFill/>
+          </a:ln>
+        </p:spPr>
+        <p:style>
+          <a:lnRef idx="2">
+            <a:schemeClr val="accent1">
+              <a:shade val="50000"/>
+            </a:schemeClr>
+          </a:lnRef>
+          <a:fillRef idx="1">
+            <a:schemeClr val="accent1"/>
+          </a:fillRef>
+          <a:effectRef idx="0">
+            <a:schemeClr val="accent1"/>
+          </a:effectRef>
+          <a:fontRef idx="minor">
+            <a:schemeClr val="lt1"/>
+          </a:fontRef>
+        </p:style>
+        <p:txBody>
+          <a:bodyPr rtlCol="0" anchor="ctr"/>
+          <a:lstStyle/>
+          <a:p>
+            <a:pPr algn="ctr"/>
+            <a:r>
+              <a:rPr lang="en-US" altLang="zh-CN" sz="3200" dirty="0" smtClean="0"/>
+              <a:t>2</a:t>
+            </a:r>
+            <a:endParaRPr lang="zh-CN" altLang="en-US" sz="3200" dirty="0"/>
+          </a:p>
+        </p:txBody>
+      </p:sp>
+      <p:sp>
+        <p:nvSpPr>
+          <p:cNvPr id="6" name="椭圆 5"/>
+          <p:cNvSpPr/>
+          <p:nvPr/>
+        </p:nvSpPr>
+        <p:spPr>
+          <a:xfrm>
+            <a:off x="6258694" y="2923280"/>
+            <a:ext cx="802562" cy="802562"/>
+          </a:xfrm>
+          <a:prstGeom prst="ellipse">
+            <a:avLst/>
+          </a:prstGeom>
+          <a:solidFill>
+            <a:schemeClr val="accent1">
+              <a:lumMod val="75000"/>
+            </a:schemeClr>
+          </a:solidFill>
+          <a:ln>
+            <a:noFill/>
+          </a:ln>
+        </p:spPr>
+        <p:style>
+          <a:lnRef idx="2">
+            <a:schemeClr val="accent1">
+              <a:shade val="50000"/>
+            </a:schemeClr>
+          </a:lnRef>
+          <a:fillRef idx="1">
+            <a:schemeClr val="accent1"/>
+          </a:fillRef>
+          <a:effectRef idx="0">
+            <a:schemeClr val="accent1"/>
+          </a:effectRef>
+          <a:fontRef idx="minor">
+            <a:schemeClr val="lt1"/>
+          </a:fontRef>
+        </p:style>
+        <p:txBody>
+          <a:bodyPr rtlCol="0" anchor="ctr"/>
+          <a:lstStyle/>
+          <a:p>
+            <a:pPr algn="ctr"/>
+            <a:r>
+              <a:rPr lang="en-US" altLang="zh-CN" sz="3200" dirty="0" smtClean="0"/>
+              <a:t>5</a:t>
+            </a:r>
+            <a:endParaRPr lang="zh-CN" altLang="en-US" sz="3200" dirty="0"/>
+          </a:p>
+        </p:txBody>
+      </p:sp>
+      <p:sp>
+        <p:nvSpPr>
+          <p:cNvPr id="7" name="椭圆 6"/>
+          <p:cNvSpPr/>
+          <p:nvPr/>
+        </p:nvSpPr>
+        <p:spPr>
+          <a:xfrm>
+            <a:off x="7050081" y="2923276"/>
+            <a:ext cx="802562" cy="802562"/>
+          </a:xfrm>
+          <a:prstGeom prst="ellipse">
+            <a:avLst/>
+          </a:prstGeom>
+          <a:solidFill>
+            <a:schemeClr val="accent1">
+              <a:lumMod val="75000"/>
+            </a:schemeClr>
+          </a:solidFill>
+          <a:ln>
+            <a:noFill/>
+          </a:ln>
+        </p:spPr>
+        <p:style>
+          <a:lnRef idx="2">
+            <a:schemeClr val="accent1">
+              <a:shade val="50000"/>
+            </a:schemeClr>
+          </a:lnRef>
+          <a:fillRef idx="1">
+            <a:schemeClr val="accent1"/>
+          </a:fillRef>
+          <a:effectRef idx="0">
+            <a:schemeClr val="accent1"/>
+          </a:effectRef>
+          <a:fontRef idx="minor">
+            <a:schemeClr val="lt1"/>
+          </a:fontRef>
+        </p:style>
+        <p:txBody>
+          <a:bodyPr rtlCol="0" anchor="ctr"/>
+          <a:lstStyle/>
+          <a:p>
+            <a:pPr algn="ctr"/>
+            <a:r>
+              <a:rPr lang="en-US" altLang="zh-CN" sz="3200" dirty="0" smtClean="0"/>
+              <a:t>0</a:t>
+            </a:r>
+            <a:endParaRPr lang="zh-CN" altLang="en-US" sz="3200" dirty="0"/>
+          </a:p>
+        </p:txBody>
+      </p:sp>
+      <p:sp>
+        <p:nvSpPr>
+          <p:cNvPr id="8" name="椭圆 7"/>
+          <p:cNvSpPr/>
+          <p:nvPr/>
+        </p:nvSpPr>
+        <p:spPr>
+          <a:xfrm>
+            <a:off x="7855436" y="2923276"/>
+            <a:ext cx="802562" cy="802562"/>
+          </a:xfrm>
+          <a:prstGeom prst="ellipse">
+            <a:avLst/>
+          </a:prstGeom>
+          <a:solidFill>
+            <a:schemeClr val="accent1">
+              <a:lumMod val="75000"/>
+            </a:schemeClr>
+          </a:solidFill>
+          <a:ln>
+            <a:noFill/>
+          </a:ln>
+        </p:spPr>
+        <p:style>
+          <a:lnRef idx="2">
+            <a:schemeClr val="accent1">
+              <a:shade val="50000"/>
+            </a:schemeClr>
+          </a:lnRef>
+          <a:fillRef idx="1">
+            <a:schemeClr val="accent1"/>
+          </a:fillRef>
+          <a:effectRef idx="0">
+            <a:schemeClr val="accent1"/>
+          </a:effectRef>
+          <a:fontRef idx="minor">
+            <a:schemeClr val="lt1"/>
+          </a:fontRef>
+        </p:style>
+        <p:txBody>
+          <a:bodyPr rtlCol="0" anchor="ctr"/>
+          <a:lstStyle/>
+          <a:p>
+            <a:pPr algn="ctr"/>
+            <a:r>
+              <a:rPr lang="en-US" altLang="zh-CN" sz="3200" dirty="0" smtClean="0"/>
+              <a:t>1</a:t>
+            </a:r>
+            <a:endParaRPr lang="zh-CN" altLang="en-US" sz="3200" dirty="0"/>
+          </a:p>
+        </p:txBody>
+      </p:sp>
+      <p:sp>
+        <p:nvSpPr>
+          <p:cNvPr id="9" name="椭圆 8"/>
+          <p:cNvSpPr/>
+          <p:nvPr/>
+        </p:nvSpPr>
+        <p:spPr>
+          <a:xfrm>
+            <a:off x="8657998" y="2923276"/>
+            <a:ext cx="802562" cy="802562"/>
+          </a:xfrm>
+          <a:prstGeom prst="ellipse">
+            <a:avLst/>
+          </a:prstGeom>
+          <a:solidFill>
+            <a:schemeClr val="accent1">
+              <a:lumMod val="75000"/>
+            </a:schemeClr>
+          </a:solidFill>
+          <a:ln>
+            <a:noFill/>
+          </a:ln>
+        </p:spPr>
+        <p:style>
+          <a:lnRef idx="2">
+            <a:schemeClr val="accent1">
+              <a:shade val="50000"/>
+            </a:schemeClr>
+          </a:lnRef>
+          <a:fillRef idx="1">
+            <a:schemeClr val="accent1"/>
+          </a:fillRef>
+          <a:effectRef idx="0">
+            <a:schemeClr val="accent1"/>
+          </a:effectRef>
+          <a:fontRef idx="minor">
+            <a:schemeClr val="lt1"/>
+          </a:fontRef>
+        </p:style>
+        <p:txBody>
+          <a:bodyPr rtlCol="0" anchor="ctr"/>
+          <a:lstStyle/>
+          <a:p>
+            <a:pPr algn="ctr"/>
+            <a:r>
+              <a:rPr lang="en-US" altLang="zh-CN" sz="3200" dirty="0" smtClean="0"/>
+              <a:t>3</a:t>
+            </a:r>
+            <a:endParaRPr lang="zh-CN" altLang="en-US" sz="3200" dirty="0"/>
+          </a:p>
+        </p:txBody>
+      </p:sp>
+      <p:sp>
+        <p:nvSpPr>
+          <p:cNvPr id="10" name="椭圆 9"/>
+          <p:cNvSpPr/>
+          <p:nvPr/>
+        </p:nvSpPr>
+        <p:spPr>
+          <a:xfrm>
+            <a:off x="9460560" y="2923276"/>
+            <a:ext cx="802562" cy="802562"/>
+          </a:xfrm>
+          <a:prstGeom prst="ellipse">
+            <a:avLst/>
+          </a:prstGeom>
+          <a:solidFill>
+            <a:schemeClr val="accent1">
+              <a:lumMod val="75000"/>
+            </a:schemeClr>
+          </a:solidFill>
+          <a:ln>
+            <a:noFill/>
+          </a:ln>
+        </p:spPr>
+        <p:style>
+          <a:lnRef idx="2">
+            <a:schemeClr val="accent1">
+              <a:shade val="50000"/>
+            </a:schemeClr>
+          </a:lnRef>
+          <a:fillRef idx="1">
+            <a:schemeClr val="accent1"/>
+          </a:fillRef>
+          <a:effectRef idx="0">
+            <a:schemeClr val="accent1"/>
+          </a:effectRef>
+          <a:fontRef idx="minor">
+            <a:schemeClr val="lt1"/>
+          </a:fontRef>
+        </p:style>
+        <p:txBody>
+          <a:bodyPr rtlCol="0" anchor="ctr"/>
+          <a:lstStyle/>
+          <a:p>
+            <a:pPr algn="ctr"/>
+            <a:r>
+              <a:rPr lang="en-US" altLang="zh-CN" sz="3200" dirty="0" smtClean="0"/>
+              <a:t>6</a:t>
+            </a:r>
+            <a:endParaRPr lang="zh-CN" altLang="en-US" sz="3200" dirty="0"/>
+          </a:p>
+        </p:txBody>
+      </p:sp>
+      <p:sp>
+        <p:nvSpPr>
+          <p:cNvPr id="11" name="椭圆 10"/>
+          <p:cNvSpPr/>
+          <p:nvPr/>
+        </p:nvSpPr>
+        <p:spPr>
+          <a:xfrm>
+            <a:off x="1786701" y="1328762"/>
+            <a:ext cx="802562" cy="802562"/>
+          </a:xfrm>
+          <a:prstGeom prst="ellipse">
+            <a:avLst/>
+          </a:prstGeom>
+          <a:solidFill>
+            <a:schemeClr val="accent1">
+              <a:lumMod val="75000"/>
+            </a:schemeClr>
+          </a:solidFill>
+          <a:ln>
+            <a:noFill/>
+          </a:ln>
+        </p:spPr>
+        <p:style>
+          <a:lnRef idx="2">
+            <a:schemeClr val="accent1">
+              <a:shade val="50000"/>
+            </a:schemeClr>
+          </a:lnRef>
+          <a:fillRef idx="1">
+            <a:schemeClr val="accent1"/>
+          </a:fillRef>
+          <a:effectRef idx="0">
+            <a:schemeClr val="accent1"/>
+          </a:effectRef>
+          <a:fontRef idx="minor">
+            <a:schemeClr val="lt1"/>
+          </a:fontRef>
+        </p:style>
+        <p:txBody>
+          <a:bodyPr rtlCol="0" anchor="ctr"/>
+          <a:lstStyle/>
+          <a:p>
+            <a:pPr algn="ctr"/>
+            <a:r>
+              <a:rPr lang="en-US" altLang="zh-CN" sz="3200" dirty="0"/>
+              <a:t>7</a:t>
+            </a:r>
+            <a:endParaRPr lang="zh-CN" altLang="en-US" sz="3200" dirty="0"/>
+          </a:p>
+        </p:txBody>
+      </p:sp>
+      <p:sp>
+        <p:nvSpPr>
+          <p:cNvPr id="12" name="椭圆 11"/>
+          <p:cNvSpPr/>
+          <p:nvPr/>
+        </p:nvSpPr>
+        <p:spPr>
+          <a:xfrm>
+            <a:off x="808328" y="2390632"/>
+            <a:ext cx="802562" cy="802562"/>
+          </a:xfrm>
+          <a:prstGeom prst="ellipse">
+            <a:avLst/>
+          </a:prstGeom>
+          <a:solidFill>
+            <a:schemeClr val="accent1">
+              <a:lumMod val="75000"/>
+            </a:schemeClr>
+          </a:solidFill>
+          <a:ln>
+            <a:noFill/>
+          </a:ln>
+        </p:spPr>
+        <p:style>
+          <a:lnRef idx="2">
+            <a:schemeClr val="accent1">
+              <a:shade val="50000"/>
+            </a:schemeClr>
+          </a:lnRef>
+          <a:fillRef idx="1">
+            <a:schemeClr val="accent1"/>
+          </a:fillRef>
+          <a:effectRef idx="0">
+            <a:schemeClr val="accent1"/>
+          </a:effectRef>
+          <a:fontRef idx="minor">
+            <a:schemeClr val="lt1"/>
+          </a:fontRef>
+        </p:style>
+        <p:txBody>
+          <a:bodyPr rtlCol="0" anchor="ctr"/>
+          <a:lstStyle/>
+          <a:p>
+            <a:pPr algn="ctr"/>
+            <a:r>
+              <a:rPr lang="en-US" altLang="zh-CN" sz="3200" dirty="0"/>
+              <a:t>2</a:t>
+            </a:r>
+            <a:endParaRPr lang="zh-CN" altLang="en-US" sz="3200" dirty="0"/>
+          </a:p>
+        </p:txBody>
+      </p:sp>
+      <p:sp>
+        <p:nvSpPr>
+          <p:cNvPr id="14" name="椭圆 13"/>
+          <p:cNvSpPr/>
+          <p:nvPr/>
+        </p:nvSpPr>
+        <p:spPr>
+          <a:xfrm>
+            <a:off x="176903" y="3725838"/>
+            <a:ext cx="802562" cy="802562"/>
+          </a:xfrm>
+          <a:prstGeom prst="ellipse">
+            <a:avLst/>
+          </a:prstGeom>
+          <a:solidFill>
+            <a:schemeClr val="accent1">
+              <a:lumMod val="75000"/>
+            </a:schemeClr>
+          </a:solidFill>
+          <a:ln>
+            <a:noFill/>
+          </a:ln>
+        </p:spPr>
+        <p:style>
+          <a:lnRef idx="2">
+            <a:schemeClr val="accent1">
+              <a:shade val="50000"/>
+            </a:schemeClr>
+          </a:lnRef>
+          <a:fillRef idx="1">
+            <a:schemeClr val="accent1"/>
+          </a:fillRef>
+          <a:effectRef idx="0">
+            <a:schemeClr val="accent1"/>
+          </a:effectRef>
+          <a:fontRef idx="minor">
+            <a:schemeClr val="lt1"/>
+          </a:fontRef>
+        </p:style>
+        <p:txBody>
+          <a:bodyPr rtlCol="0" anchor="ctr"/>
+          <a:lstStyle/>
+          <a:p>
+            <a:pPr algn="ctr"/>
+            <a:r>
+              <a:rPr lang="en-US" altLang="zh-CN" sz="3200" dirty="0" smtClean="0"/>
+              <a:t>0</a:t>
+            </a:r>
+            <a:endParaRPr lang="zh-CN" altLang="en-US" sz="3200" dirty="0"/>
+          </a:p>
+        </p:txBody>
+      </p:sp>
+      <p:sp>
+        <p:nvSpPr>
+          <p:cNvPr id="15" name="椭圆 14"/>
+          <p:cNvSpPr/>
+          <p:nvPr/>
+        </p:nvSpPr>
+        <p:spPr>
+          <a:xfrm>
+            <a:off x="1354060" y="3725838"/>
+            <a:ext cx="802562" cy="802562"/>
+          </a:xfrm>
+          <a:prstGeom prst="ellipse">
+            <a:avLst/>
+          </a:prstGeom>
+          <a:solidFill>
+            <a:schemeClr val="accent1">
+              <a:lumMod val="75000"/>
+            </a:schemeClr>
+          </a:solidFill>
+          <a:ln>
+            <a:noFill/>
+          </a:ln>
+        </p:spPr>
+        <p:style>
+          <a:lnRef idx="2">
+            <a:schemeClr val="accent1">
+              <a:shade val="50000"/>
+            </a:schemeClr>
+          </a:lnRef>
+          <a:fillRef idx="1">
+            <a:schemeClr val="accent1"/>
+          </a:fillRef>
+          <a:effectRef idx="0">
+            <a:schemeClr val="accent1"/>
+          </a:effectRef>
+          <a:fontRef idx="minor">
+            <a:schemeClr val="lt1"/>
+          </a:fontRef>
+        </p:style>
+        <p:txBody>
+          <a:bodyPr rtlCol="0" anchor="ctr"/>
+          <a:lstStyle/>
+          <a:p>
+            <a:pPr algn="ctr"/>
+            <a:r>
+              <a:rPr lang="en-US" altLang="zh-CN" sz="3200" dirty="0" smtClean="0"/>
+              <a:t>1</a:t>
+            </a:r>
+            <a:endParaRPr lang="zh-CN" altLang="en-US" sz="3200" dirty="0"/>
+          </a:p>
+        </p:txBody>
+      </p:sp>
+      <p:sp>
+        <p:nvSpPr>
+          <p:cNvPr id="16" name="椭圆 15"/>
+          <p:cNvSpPr/>
+          <p:nvPr/>
+        </p:nvSpPr>
+        <p:spPr>
+          <a:xfrm>
+            <a:off x="2187982" y="3725838"/>
+            <a:ext cx="802562" cy="802562"/>
+          </a:xfrm>
+          <a:prstGeom prst="ellipse">
+            <a:avLst/>
+          </a:prstGeom>
+          <a:solidFill>
+            <a:schemeClr val="accent1">
+              <a:lumMod val="75000"/>
+            </a:schemeClr>
+          </a:solidFill>
+          <a:ln>
+            <a:noFill/>
+          </a:ln>
+        </p:spPr>
+        <p:style>
+          <a:lnRef idx="2">
+            <a:schemeClr val="accent1">
+              <a:shade val="50000"/>
+            </a:schemeClr>
+          </a:lnRef>
+          <a:fillRef idx="1">
+            <a:schemeClr val="accent1"/>
+          </a:fillRef>
+          <a:effectRef idx="0">
+            <a:schemeClr val="accent1"/>
+          </a:effectRef>
+          <a:fontRef idx="minor">
+            <a:schemeClr val="lt1"/>
+          </a:fontRef>
+        </p:style>
+        <p:txBody>
+          <a:bodyPr rtlCol="0" anchor="ctr"/>
+          <a:lstStyle/>
+          <a:p>
+            <a:pPr algn="ctr"/>
+            <a:r>
+              <a:rPr lang="en-US" altLang="zh-CN" sz="3200" dirty="0" smtClean="0"/>
+              <a:t>3</a:t>
+            </a:r>
+            <a:endParaRPr lang="zh-CN" altLang="en-US" sz="3200" dirty="0"/>
+          </a:p>
+        </p:txBody>
+      </p:sp>
+      <p:sp>
+        <p:nvSpPr>
+          <p:cNvPr id="17" name="椭圆 16"/>
+          <p:cNvSpPr/>
+          <p:nvPr/>
+        </p:nvSpPr>
+        <p:spPr>
+          <a:xfrm>
+            <a:off x="3411911" y="3725838"/>
+            <a:ext cx="802562" cy="802562"/>
+          </a:xfrm>
+          <a:prstGeom prst="ellipse">
+            <a:avLst/>
+          </a:prstGeom>
+          <a:solidFill>
+            <a:schemeClr val="accent1">
+              <a:lumMod val="75000"/>
+            </a:schemeClr>
+          </a:solidFill>
+          <a:ln>
+            <a:noFill/>
+          </a:ln>
+        </p:spPr>
+        <p:style>
+          <a:lnRef idx="2">
+            <a:schemeClr val="accent1">
+              <a:shade val="50000"/>
+            </a:schemeClr>
+          </a:lnRef>
+          <a:fillRef idx="1">
+            <a:schemeClr val="accent1"/>
+          </a:fillRef>
+          <a:effectRef idx="0">
+            <a:schemeClr val="accent1"/>
+          </a:effectRef>
+          <a:fontRef idx="minor">
+            <a:schemeClr val="lt1"/>
+          </a:fontRef>
+        </p:style>
+        <p:txBody>
+          <a:bodyPr rtlCol="0" anchor="ctr"/>
+          <a:lstStyle/>
+          <a:p>
+            <a:pPr algn="ctr"/>
+            <a:r>
+              <a:rPr lang="en-US" altLang="zh-CN" sz="3200" dirty="0" smtClean="0"/>
+              <a:t>6</a:t>
+            </a:r>
+            <a:endParaRPr lang="zh-CN" altLang="en-US" sz="3200" dirty="0"/>
+          </a:p>
+        </p:txBody>
+      </p:sp>
+    </p:spTree>
+    <p:extLst>
+      <p:ext uri="{BB962C8B-B14F-4D97-AF65-F5344CB8AC3E}">
+        <p14:creationId xmlns:p14="http://schemas.microsoft.com/office/powerpoint/2010/main" val="437504605"/>
+      </p:ext>
+    </p:extLst>
+  </p:cSld>
+  <p:clrMapOvr>
+    <a:masterClrMapping/>
+  </p:clrMapOvr>
+  <p:timing>
+    <p:tnLst>
+      <p:par>
+        <p:cTn id="1" dur="indefinite" restart="never" nodeType="tmRoot">
+          <p:childTnLst>
+            <p:seq concurrent="1" nextAc="seek">
+              <p:cTn id="2" dur="indefinite" nodeType="mainSeq">
+                <p:childTnLst>
+                  <p:par>
+                    <p:cTn id="3" fill="hold">
+                      <p:stCondLst>
+                        <p:cond delay="indefinite"/>
+                      </p:stCondLst>
+                      <p:childTnLst>
+                        <p:par>
+                          <p:cTn id="4" fill="hold">
+                            <p:stCondLst>
+                              <p:cond delay="0"/>
+                            </p:stCondLst>
+                            <p:childTnLst>
+                              <p:par>
+                                <p:cTn id="5" presetID="42" presetClass="path" presetSubtype="0" accel="50000" decel="50000" fill="hold" grpId="0" nodeType="clickEffect">
+                                  <p:stCondLst>
+                                    <p:cond delay="0"/>
+                                  </p:stCondLst>
+                                  <p:childTnLst>
+                                    <p:animMotion origin="layout" path="M 2.91667E-6 -4.81481E-6 L 0.13216 0.35139 " pathEditMode="relative" rAng="0" ptsTypes="AA">
+                                      <p:cBhvr>
+                                        <p:cTn id="6" dur="1000" fill="hold"/>
+                                        <p:tgtEl>
+                                          <p:spTgt spid="11"/>
+                                        </p:tgtEl>
+                                        <p:attrNameLst>
+                                          <p:attrName>ppt_x</p:attrName>
+                                          <p:attrName>ppt_y</p:attrName>
+                                        </p:attrNameLst>
+                                      </p:cBhvr>
+                                      <p:rCtr x="6602" y="17569"/>
+                                    </p:animMotion>
+                                  </p:childTnLst>
+                                </p:cTn>
+                              </p:par>
+                              <p:par>
+                                <p:cTn id="7" presetID="42" presetClass="path" presetSubtype="0" accel="50000" decel="50000" fill="hold" grpId="0" nodeType="withEffect">
+                                  <p:stCondLst>
+                                    <p:cond delay="0"/>
+                                  </p:stCondLst>
+                                  <p:childTnLst>
+                                    <p:animMotion origin="layout" path="M -4.16667E-7 -1.85185E-6 L -0.13333 -0.34954 " pathEditMode="relative" rAng="0" ptsTypes="AA">
+                                      <p:cBhvr>
+                                        <p:cTn id="8" dur="1000" fill="hold"/>
+                                        <p:tgtEl>
+                                          <p:spTgt spid="17"/>
+                                        </p:tgtEl>
+                                        <p:attrNameLst>
+                                          <p:attrName>ppt_x</p:attrName>
+                                          <p:attrName>ppt_y</p:attrName>
+                                        </p:attrNameLst>
+                                      </p:cBhvr>
+                                      <p:rCtr x="-6680" y="-17407"/>
+                                    </p:animMotion>
+                                  </p:childTnLst>
+                                </p:cTn>
+                              </p:par>
+                              <p:par>
+                                <p:cTn id="9" presetID="37" presetClass="path" presetSubtype="0" accel="50000" decel="50000" fill="hold" grpId="0" nodeType="withEffect">
+                                  <p:stCondLst>
+                                    <p:cond delay="0"/>
+                                  </p:stCondLst>
+                                  <p:childTnLst>
+                                    <p:animMotion origin="layout" path="M -1.04167E-6 -2.22222E-6 L 0.10599 -0.12916 C 0.128 -0.15833 0.16107 -0.17384 0.19583 -0.17384 C 0.23542 -0.17384 0.26706 -0.15833 0.28906 -0.12916 L 0.39518 -2.22222E-6 " pathEditMode="relative" rAng="0" ptsTypes="AAAAA">
+                                      <p:cBhvr>
+                                        <p:cTn id="10" dur="1000" fill="hold"/>
+                                        <p:tgtEl>
+                                          <p:spTgt spid="4"/>
+                                        </p:tgtEl>
+                                        <p:attrNameLst>
+                                          <p:attrName>ppt_x</p:attrName>
+                                          <p:attrName>ppt_y</p:attrName>
+                                        </p:attrNameLst>
+                                      </p:cBhvr>
+                                      <p:rCtr x="19753" y="-8704"/>
+                                    </p:animMotion>
+                                  </p:childTnLst>
+                                </p:cTn>
+                              </p:par>
+                              <p:par>
+                                <p:cTn id="11" presetID="37" presetClass="path" presetSubtype="0" accel="50000" decel="50000" fill="hold" grpId="0" nodeType="withEffect">
+                                  <p:stCondLst>
+                                    <p:cond delay="0"/>
+                                  </p:stCondLst>
+                                  <p:childTnLst>
+                                    <p:animMotion origin="layout" path="M -0.00052 -2.22222E-6 L -0.1069 -0.12916 C -0.12903 -0.15833 -0.16224 -0.17384 -0.19713 -0.17384 C -0.23671 -0.17384 -0.26849 -0.15833 -0.29062 -0.12916 L -0.39687 -2.22222E-6 " pathEditMode="relative" rAng="0" ptsTypes="AAAAA">
+                                      <p:cBhvr>
+                                        <p:cTn id="12" dur="1000" fill="hold"/>
+                                        <p:tgtEl>
+                                          <p:spTgt spid="10"/>
+                                        </p:tgtEl>
+                                        <p:attrNameLst>
+                                          <p:attrName>ppt_x</p:attrName>
+                                          <p:attrName>ppt_y</p:attrName>
+                                        </p:attrNameLst>
+                                      </p:cBhvr>
+                                      <p:rCtr x="-19818" y="-8704"/>
+                                    </p:animMotion>
+                                  </p:childTnLst>
+                                </p:cTn>
+                              </p:par>
+                            </p:childTnLst>
+                          </p:cTn>
+                        </p:par>
+                        <p:par>
+                          <p:cTn id="13" fill="hold">
+                            <p:stCondLst>
+                              <p:cond delay="1000"/>
+                            </p:stCondLst>
+                            <p:childTnLst>
+                              <p:par>
+                                <p:cTn id="14" presetID="37" presetClass="path" presetSubtype="0" accel="50000" decel="50000" fill="hold" grpId="1" nodeType="afterEffect">
+                                  <p:stCondLst>
+                                    <p:cond delay="0"/>
+                                  </p:stCondLst>
+                                  <p:childTnLst>
+                                    <p:animMotion origin="layout" path="M -0.39687 -2.22222E-6 L -0.3082 -0.12916 C -0.28984 -0.15833 -0.26211 -0.17384 -0.23294 -0.17384 C -0.2 -0.17384 -0.17343 -0.15833 -0.15494 -0.12916 L -0.06614 -2.22222E-6 " pathEditMode="relative" rAng="0" ptsTypes="AAAAA">
+                                      <p:cBhvr>
+                                        <p:cTn id="15" dur="1000" fill="hold"/>
+                                        <p:tgtEl>
+                                          <p:spTgt spid="10"/>
+                                        </p:tgtEl>
+                                        <p:attrNameLst>
+                                          <p:attrName>ppt_x</p:attrName>
+                                          <p:attrName>ppt_y</p:attrName>
+                                        </p:attrNameLst>
+                                      </p:cBhvr>
+                                      <p:rCtr x="16536" y="-8704"/>
+                                    </p:animMotion>
+                                  </p:childTnLst>
+                                </p:cTn>
+                              </p:par>
+                              <p:par>
+                                <p:cTn id="16" presetID="42" presetClass="path" presetSubtype="0" accel="50000" decel="50000" fill="hold" grpId="1" nodeType="withEffect">
+                                  <p:stCondLst>
+                                    <p:cond delay="0"/>
+                                  </p:stCondLst>
+                                  <p:childTnLst>
+                                    <p:animMotion origin="layout" path="M -0.13333 -0.34954 L -0.1013 0.00185 " pathEditMode="relative" rAng="0" ptsTypes="AA">
+                                      <p:cBhvr>
+                                        <p:cTn id="17" dur="1000" fill="hold"/>
+                                        <p:tgtEl>
+                                          <p:spTgt spid="17"/>
+                                        </p:tgtEl>
+                                        <p:attrNameLst>
+                                          <p:attrName>ppt_x</p:attrName>
+                                          <p:attrName>ppt_y</p:attrName>
+                                        </p:attrNameLst>
+                                      </p:cBhvr>
+                                      <p:rCtr x="1602" y="17569"/>
+                                    </p:animMotion>
+                                  </p:childTnLst>
+                                </p:cTn>
+                              </p:par>
+                              <p:par>
+                                <p:cTn id="18" presetID="42" presetClass="path" presetSubtype="0" accel="50000" decel="50000" fill="hold" grpId="0" nodeType="withEffect">
+                                  <p:stCondLst>
+                                    <p:cond delay="0"/>
+                                  </p:stCondLst>
+                                  <p:childTnLst>
+                                    <p:animMotion origin="layout" path="M 2.08333E-7 -1.85185E-6 L -0.03294 -0.34954 " pathEditMode="relative" rAng="0" ptsTypes="AA">
+                                      <p:cBhvr>
+                                        <p:cTn id="19" dur="1000" fill="hold"/>
+                                        <p:tgtEl>
+                                          <p:spTgt spid="16"/>
+                                        </p:tgtEl>
+                                        <p:attrNameLst>
+                                          <p:attrName>ppt_x</p:attrName>
+                                          <p:attrName>ppt_y</p:attrName>
+                                        </p:attrNameLst>
+                                      </p:cBhvr>
+                                      <p:rCtr x="-1667" y="-17500"/>
+                                    </p:animMotion>
+                                  </p:childTnLst>
+                                </p:cTn>
+                              </p:par>
+                              <p:par>
+                                <p:cTn id="20" presetID="37" presetClass="path" presetSubtype="0" accel="50000" decel="50000" fill="hold" grpId="0" nodeType="withEffect">
+                                  <p:stCondLst>
+                                    <p:cond delay="0"/>
+                                  </p:stCondLst>
+                                  <p:childTnLst>
+                                    <p:animMotion origin="layout" path="M -0.00026 -2.22222E-6 L -0.0888 -0.12916 C -0.10703 -0.15833 -0.13464 -0.17384 -0.16354 -0.17384 C -0.19662 -0.17384 -0.22292 -0.15833 -0.24128 -0.12916 L -0.32943 -2.22222E-6 " pathEditMode="relative" rAng="0" ptsTypes="AAAAA">
+                                      <p:cBhvr>
+                                        <p:cTn id="21" dur="1000" fill="hold"/>
+                                        <p:tgtEl>
+                                          <p:spTgt spid="9"/>
+                                        </p:tgtEl>
+                                        <p:attrNameLst>
+                                          <p:attrName>ppt_x</p:attrName>
+                                          <p:attrName>ppt_y</p:attrName>
+                                        </p:attrNameLst>
+                                      </p:cBhvr>
+                                      <p:rCtr x="-16458" y="-8704"/>
+                                    </p:animMotion>
+                                  </p:childTnLst>
+                                </p:cTn>
+                              </p:par>
+                            </p:childTnLst>
+                          </p:cTn>
+                        </p:par>
+                        <p:par>
+                          <p:cTn id="22" fill="hold">
+                            <p:stCondLst>
+                              <p:cond delay="2000"/>
+                            </p:stCondLst>
+                            <p:childTnLst>
+                              <p:par>
+                                <p:cTn id="23" presetID="63" presetClass="path" presetSubtype="0" accel="50000" decel="50000" fill="hold" grpId="0" nodeType="afterEffect">
+                                  <p:stCondLst>
+                                    <p:cond delay="0"/>
+                                  </p:stCondLst>
+                                  <p:childTnLst>
+                                    <p:animMotion origin="layout" path="M -6.25E-7 4.44444E-6 L 0.06628 4.44444E-6 " pathEditMode="relative" rAng="0" ptsTypes="AA">
+                                      <p:cBhvr>
+                                        <p:cTn id="24" dur="500" fill="hold"/>
+                                        <p:tgtEl>
+                                          <p:spTgt spid="25"/>
+                                        </p:tgtEl>
+                                        <p:attrNameLst>
+                                          <p:attrName>ppt_x</p:attrName>
+                                          <p:attrName>ppt_y</p:attrName>
+                                        </p:attrNameLst>
+                                      </p:cBhvr>
+                                      <p:rCtr x="3307" y="0"/>
+                                    </p:animMotion>
+                                  </p:childTnLst>
+                                </p:cTn>
+                              </p:par>
+                            </p:childTnLst>
+                          </p:cTn>
+                        </p:par>
+                        <p:par>
+                          <p:cTn id="25" fill="hold">
+                            <p:stCondLst>
+                              <p:cond delay="2500"/>
+                            </p:stCondLst>
+                            <p:childTnLst>
+                              <p:par>
+                                <p:cTn id="26" presetID="37" presetClass="path" presetSubtype="0" accel="50000" decel="50000" fill="hold" grpId="1" nodeType="afterEffect">
+                                  <p:stCondLst>
+                                    <p:cond delay="0"/>
+                                  </p:stCondLst>
+                                  <p:childTnLst>
+                                    <p:animMotion origin="layout" path="M -0.33099 -2.22222E-6 L -0.29531 -0.12916 C -0.28789 -0.15833 -0.27669 -0.17384 -0.26511 -0.17384 C -0.25169 -0.17384 -0.24102 -0.15833 -0.23359 -0.12916 L -0.19792 -2.22222E-6 " pathEditMode="relative" rAng="0" ptsTypes="AAAAA">
+                                      <p:cBhvr>
+                                        <p:cTn id="27" dur="1000" fill="hold"/>
+                                        <p:tgtEl>
+                                          <p:spTgt spid="9"/>
+                                        </p:tgtEl>
+                                        <p:attrNameLst>
+                                          <p:attrName>ppt_x</p:attrName>
+                                          <p:attrName>ppt_y</p:attrName>
+                                        </p:attrNameLst>
+                                      </p:cBhvr>
+                                      <p:rCtr x="6654" y="-8704"/>
+                                    </p:animMotion>
+                                  </p:childTnLst>
+                                </p:cTn>
+                              </p:par>
+                              <p:par>
+                                <p:cTn id="28" presetID="37" presetClass="path" presetSubtype="0" accel="50000" decel="50000" fill="hold" grpId="0" nodeType="withEffect">
+                                  <p:stCondLst>
+                                    <p:cond delay="0"/>
+                                  </p:stCondLst>
+                                  <p:childTnLst>
+                                    <p:animMotion origin="layout" path="M -2.08333E-6 -2.22222E-6 L -0.03567 -0.12916 C -0.0431 -0.15833 -0.05416 -0.17384 -0.06588 -0.17384 C -0.07916 -0.17384 -0.08971 -0.15833 -0.09713 -0.12916 L -0.13268 -2.22222E-6 " pathEditMode="relative" rAng="0" ptsTypes="AAAAA">
+                                      <p:cBhvr>
+                                        <p:cTn id="29" dur="1000" fill="hold"/>
+                                        <p:tgtEl>
+                                          <p:spTgt spid="6"/>
+                                        </p:tgtEl>
+                                        <p:attrNameLst>
+                                          <p:attrName>ppt_x</p:attrName>
+                                          <p:attrName>ppt_y</p:attrName>
+                                        </p:attrNameLst>
+                                      </p:cBhvr>
+                                      <p:rCtr x="-6641" y="-8704"/>
+                                    </p:animMotion>
+                                  </p:childTnLst>
+                                </p:cTn>
+                              </p:par>
+                              <p:par>
+                                <p:cTn id="30" presetID="42" presetClass="path" presetSubtype="0" accel="50000" decel="50000" fill="hold" grpId="0" nodeType="withEffect">
+                                  <p:stCondLst>
+                                    <p:cond delay="0"/>
+                                  </p:stCondLst>
+                                  <p:childTnLst>
+                                    <p:animMotion origin="layout" path="M 3.54167E-6 -4.44444E-6 L -0.08086 -0.15463 " pathEditMode="relative" rAng="0" ptsTypes="AA">
+                                      <p:cBhvr>
+                                        <p:cTn id="31" dur="1000" fill="hold"/>
+                                        <p:tgtEl>
+                                          <p:spTgt spid="13"/>
+                                        </p:tgtEl>
+                                        <p:attrNameLst>
+                                          <p:attrName>ppt_x</p:attrName>
+                                          <p:attrName>ppt_y</p:attrName>
+                                        </p:attrNameLst>
+                                      </p:cBhvr>
+                                      <p:rCtr x="-3971" y="-7662"/>
+                                    </p:animMotion>
+                                  </p:childTnLst>
+                                </p:cTn>
+                              </p:par>
+                              <p:par>
+                                <p:cTn id="32" presetID="42" presetClass="path" presetSubtype="0" accel="50000" decel="50000" fill="hold" grpId="1" nodeType="withEffect">
+                                  <p:stCondLst>
+                                    <p:cond delay="0"/>
+                                  </p:stCondLst>
+                                  <p:childTnLst>
+                                    <p:animMotion origin="layout" path="M -0.03294 -0.34954 L 0.04791 -0.1949 " pathEditMode="relative" rAng="0" ptsTypes="AA">
+                                      <p:cBhvr>
+                                        <p:cTn id="33" dur="1000" fill="hold"/>
+                                        <p:tgtEl>
+                                          <p:spTgt spid="16"/>
+                                        </p:tgtEl>
+                                        <p:attrNameLst>
+                                          <p:attrName>ppt_x</p:attrName>
+                                          <p:attrName>ppt_y</p:attrName>
+                                        </p:attrNameLst>
+                                      </p:cBhvr>
+                                      <p:rCtr x="3971" y="7662"/>
+                                    </p:animMotion>
+                                  </p:childTnLst>
+                                </p:cTn>
+                              </p:par>
+                            </p:childTnLst>
+                          </p:cTn>
+                        </p:par>
+                        <p:par>
+                          <p:cTn id="34" fill="hold">
+                            <p:stCondLst>
+                              <p:cond delay="3500"/>
+                            </p:stCondLst>
+                            <p:childTnLst>
+                              <p:par>
+                                <p:cTn id="35" presetID="37" presetClass="path" presetSubtype="0" accel="50000" decel="50000" fill="hold" grpId="1" nodeType="afterEffect">
+                                  <p:stCondLst>
+                                    <p:cond delay="0"/>
+                                  </p:stCondLst>
+                                  <p:childTnLst>
+                                    <p:animMotion origin="layout" path="M -0.13424 -2.22222E-6 L -0.06289 -0.12916 C -0.04804 -0.15833 -0.02578 -0.17384 -0.00234 -0.17384 C 0.02422 -0.17384 0.04558 -0.15833 0.06042 -0.12916 L 0.13191 -2.22222E-6 " pathEditMode="relative" rAng="0" ptsTypes="AAAAA">
+                                      <p:cBhvr>
+                                        <p:cTn id="36" dur="1000" fill="hold"/>
+                                        <p:tgtEl>
+                                          <p:spTgt spid="6"/>
+                                        </p:tgtEl>
+                                        <p:attrNameLst>
+                                          <p:attrName>ppt_x</p:attrName>
+                                          <p:attrName>ppt_y</p:attrName>
+                                        </p:attrNameLst>
+                                      </p:cBhvr>
+                                      <p:rCtr x="13307" y="-8704"/>
+                                    </p:animMotion>
+                                  </p:childTnLst>
+                                </p:cTn>
+                              </p:par>
+                              <p:par>
+                                <p:cTn id="37" presetID="37" presetClass="path" presetSubtype="0" accel="50000" decel="50000" fill="hold" grpId="0" nodeType="withEffect">
+                                  <p:stCondLst>
+                                    <p:cond delay="0"/>
+                                  </p:stCondLst>
+                                  <p:childTnLst>
+                                    <p:animMotion origin="layout" path="M 0.00092 -2.22222E-6 L -0.06992 -0.12916 C -0.08463 -0.15833 -0.10664 -0.17384 -0.12994 -0.17384 C -0.15625 -0.17384 -0.17734 -0.15833 -0.19205 -0.12916 L -0.26276 -2.22222E-6 " pathEditMode="relative" rAng="0" ptsTypes="AAAAA">
+                                      <p:cBhvr>
+                                        <p:cTn id="38" dur="1000" fill="hold"/>
+                                        <p:tgtEl>
+                                          <p:spTgt spid="8"/>
+                                        </p:tgtEl>
+                                        <p:attrNameLst>
+                                          <p:attrName>ppt_x</p:attrName>
+                                          <p:attrName>ppt_y</p:attrName>
+                                        </p:attrNameLst>
+                                      </p:cBhvr>
+                                      <p:rCtr x="-13190" y="-8704"/>
+                                    </p:animMotion>
+                                  </p:childTnLst>
+                                </p:cTn>
+                              </p:par>
+                              <p:par>
+                                <p:cTn id="39" presetID="42" presetClass="path" presetSubtype="0" accel="50000" decel="50000" fill="hold" grpId="1" nodeType="withEffect">
+                                  <p:stCondLst>
+                                    <p:cond delay="0"/>
+                                  </p:stCondLst>
+                                  <p:childTnLst>
+                                    <p:animMotion origin="layout" path="M -0.08086 -0.15463 L -0.11537 0.19491 " pathEditMode="relative" rAng="0" ptsTypes="AA">
+                                      <p:cBhvr>
+                                        <p:cTn id="40" dur="1000" fill="hold"/>
+                                        <p:tgtEl>
+                                          <p:spTgt spid="13"/>
+                                        </p:tgtEl>
+                                        <p:attrNameLst>
+                                          <p:attrName>ppt_x</p:attrName>
+                                          <p:attrName>ppt_y</p:attrName>
+                                        </p:attrNameLst>
+                                      </p:cBhvr>
+                                      <p:rCtr x="-1641" y="17407"/>
+                                    </p:animMotion>
+                                  </p:childTnLst>
+                                </p:cTn>
+                              </p:par>
+                              <p:par>
+                                <p:cTn id="41" presetID="42" presetClass="path" presetSubtype="0" accel="50000" decel="50000" fill="hold" grpId="0" nodeType="withEffect">
+                                  <p:stCondLst>
+                                    <p:cond delay="0"/>
+                                  </p:stCondLst>
+                                  <p:childTnLst>
+                                    <p:animMotion origin="layout" path="M -4.16667E-7 -1.85185E-6 L 0.03541 -0.34954 " pathEditMode="relative" rAng="0" ptsTypes="AA">
+                                      <p:cBhvr>
+                                        <p:cTn id="42" dur="1000" fill="hold"/>
+                                        <p:tgtEl>
+                                          <p:spTgt spid="15"/>
+                                        </p:tgtEl>
+                                        <p:attrNameLst>
+                                          <p:attrName>ppt_x</p:attrName>
+                                          <p:attrName>ppt_y</p:attrName>
+                                        </p:attrNameLst>
+                                      </p:cBhvr>
+                                      <p:rCtr x="1680" y="-17407"/>
+                                    </p:animMotion>
+                                  </p:childTnLst>
+                                </p:cTn>
+                              </p:par>
+                            </p:childTnLst>
+                          </p:cTn>
+                        </p:par>
+                        <p:par>
+                          <p:cTn id="43" fill="hold">
+                            <p:stCondLst>
+                              <p:cond delay="4500"/>
+                            </p:stCondLst>
+                            <p:childTnLst>
+                              <p:par>
+                                <p:cTn id="44" presetID="63" presetClass="path" presetSubtype="0" accel="50000" decel="50000" fill="hold" grpId="1" nodeType="afterEffect">
+                                  <p:stCondLst>
+                                    <p:cond delay="0"/>
+                                  </p:stCondLst>
+                                  <p:childTnLst>
+                                    <p:animMotion origin="layout" path="M 0.06628 4.44444E-6 L 2.22261E-17 4.44444E-6 " pathEditMode="relative" rAng="0" ptsTypes="AA">
+                                      <p:cBhvr>
+                                        <p:cTn id="45" dur="500" fill="hold"/>
+                                        <p:tgtEl>
+                                          <p:spTgt spid="25"/>
+                                        </p:tgtEl>
+                                        <p:attrNameLst>
+                                          <p:attrName>ppt_x</p:attrName>
+                                          <p:attrName>ppt_y</p:attrName>
+                                        </p:attrNameLst>
+                                      </p:cBhvr>
+                                      <p:rCtr x="-3333" y="0"/>
+                                    </p:animMotion>
+                                  </p:childTnLst>
+                                </p:cTn>
+                              </p:par>
+                            </p:childTnLst>
+                          </p:cTn>
+                        </p:par>
+                        <p:par>
+                          <p:cTn id="46" fill="hold">
+                            <p:stCondLst>
+                              <p:cond delay="5000"/>
+                            </p:stCondLst>
+                            <p:childTnLst>
+                              <p:par>
+                                <p:cTn id="47" presetID="42" presetClass="path" presetSubtype="0" accel="50000" decel="50000" fill="hold" grpId="2" nodeType="afterEffect">
+                                  <p:stCondLst>
+                                    <p:cond delay="0"/>
+                                  </p:stCondLst>
+                                  <p:childTnLst>
+                                    <p:animMotion origin="layout" path="M -6.25E-7 4.44444E-6 L 0.06627 3.7037E-7 " pathEditMode="relative" rAng="0" ptsTypes="AA">
+                                      <p:cBhvr>
+                                        <p:cTn id="48" dur="500" fill="hold"/>
+                                        <p:tgtEl>
+                                          <p:spTgt spid="25"/>
+                                        </p:tgtEl>
+                                        <p:attrNameLst>
+                                          <p:attrName>ppt_x</p:attrName>
+                                          <p:attrName>ppt_y</p:attrName>
+                                        </p:attrNameLst>
+                                      </p:cBhvr>
+                                      <p:rCtr x="3177" y="579"/>
+                                    </p:animMotion>
+                                  </p:childTnLst>
+                                </p:cTn>
+                              </p:par>
+                            </p:childTnLst>
+                          </p:cTn>
+                        </p:par>
+                        <p:par>
+                          <p:cTn id="49" fill="hold">
+                            <p:stCondLst>
+                              <p:cond delay="5500"/>
+                            </p:stCondLst>
+                            <p:childTnLst>
+                              <p:par>
+                                <p:cTn id="50" presetID="37" presetClass="path" presetSubtype="0" accel="50000" decel="50000" fill="hold" grpId="2" nodeType="afterEffect">
+                                  <p:stCondLst>
+                                    <p:cond delay="0"/>
+                                  </p:stCondLst>
+                                  <p:childTnLst>
+                                    <p:animMotion origin="layout" path="M -0.19792 -2.22222E-6 L -0.23333 -0.12916 C -0.24063 -0.15833 -0.25169 -0.17384 -0.26315 -0.17384 C -0.2763 -0.17384 -0.28685 -0.15833 -0.29427 -0.12916 L -0.32943 -2.22222E-6 " pathEditMode="relative" rAng="0" ptsTypes="AAAAA">
+                                      <p:cBhvr>
+                                        <p:cTn id="51" dur="1000" fill="hold"/>
+                                        <p:tgtEl>
+                                          <p:spTgt spid="9"/>
+                                        </p:tgtEl>
+                                        <p:attrNameLst>
+                                          <p:attrName>ppt_x</p:attrName>
+                                          <p:attrName>ppt_y</p:attrName>
+                                        </p:attrNameLst>
+                                      </p:cBhvr>
+                                      <p:rCtr x="-6576" y="-8704"/>
+                                    </p:animMotion>
+                                  </p:childTnLst>
+                                </p:cTn>
+                              </p:par>
+                              <p:par>
+                                <p:cTn id="52" presetID="37" presetClass="path" presetSubtype="0" accel="50000" decel="50000" fill="hold" grpId="1" nodeType="withEffect">
+                                  <p:stCondLst>
+                                    <p:cond delay="0"/>
+                                  </p:stCondLst>
+                                  <p:childTnLst>
+                                    <p:animMotion origin="layout" path="M -0.26523 -2.22222E-6 L -0.22916 -0.12916 C -0.22174 -0.15833 -0.21041 -0.17384 -0.19869 -0.17384 C -0.18528 -0.17384 -0.17448 -0.15833 -0.16705 -0.12916 L -0.13099 -2.22222E-6 " pathEditMode="relative" rAng="0" ptsTypes="AAAAA">
+                                      <p:cBhvr>
+                                        <p:cTn id="53" dur="1000" fill="hold"/>
+                                        <p:tgtEl>
+                                          <p:spTgt spid="8"/>
+                                        </p:tgtEl>
+                                        <p:attrNameLst>
+                                          <p:attrName>ppt_x</p:attrName>
+                                          <p:attrName>ppt_y</p:attrName>
+                                        </p:attrNameLst>
+                                      </p:cBhvr>
+                                      <p:rCtr x="6706" y="-8704"/>
+                                    </p:animMotion>
+                                  </p:childTnLst>
+                                </p:cTn>
+                              </p:par>
+                              <p:par>
+                                <p:cTn id="54" presetID="42" presetClass="path" presetSubtype="0" accel="50000" decel="50000" fill="hold" grpId="2" nodeType="withEffect">
+                                  <p:stCondLst>
+                                    <p:cond delay="0"/>
+                                  </p:stCondLst>
+                                  <p:childTnLst>
+                                    <p:animMotion origin="layout" path="M 0.04792 -0.19491 L -0.03294 -0.34954 " pathEditMode="relative" rAng="0" ptsTypes="AA">
+                                      <p:cBhvr>
+                                        <p:cTn id="55" dur="1000" fill="hold"/>
+                                        <p:tgtEl>
+                                          <p:spTgt spid="16"/>
+                                        </p:tgtEl>
+                                        <p:attrNameLst>
+                                          <p:attrName>ppt_x</p:attrName>
+                                          <p:attrName>ppt_y</p:attrName>
+                                        </p:attrNameLst>
+                                      </p:cBhvr>
+                                      <p:rCtr x="-4049" y="-7917"/>
+                                    </p:animMotion>
+                                  </p:childTnLst>
+                                </p:cTn>
+                              </p:par>
+                              <p:par>
+                                <p:cTn id="56" presetID="42" presetClass="path" presetSubtype="0" accel="50000" decel="50000" fill="hold" grpId="1" nodeType="withEffect">
+                                  <p:stCondLst>
+                                    <p:cond delay="0"/>
+                                  </p:stCondLst>
+                                  <p:childTnLst>
+                                    <p:animMotion origin="layout" path="M 0.03541 -0.34954 L 0.11628 -0.19491 " pathEditMode="relative" rAng="0" ptsTypes="AA">
+                                      <p:cBhvr>
+                                        <p:cTn id="57" dur="1000" fill="hold"/>
+                                        <p:tgtEl>
+                                          <p:spTgt spid="15"/>
+                                        </p:tgtEl>
+                                        <p:attrNameLst>
+                                          <p:attrName>ppt_x</p:attrName>
+                                          <p:attrName>ppt_y</p:attrName>
+                                        </p:attrNameLst>
+                                      </p:cBhvr>
+                                      <p:rCtr x="4167" y="7662"/>
+                                    </p:animMotion>
+                                  </p:childTnLst>
+                                </p:cTn>
+                              </p:par>
+                            </p:childTnLst>
+                          </p:cTn>
+                        </p:par>
+                        <p:par>
+                          <p:cTn id="58" fill="hold">
+                            <p:stCondLst>
+                              <p:cond delay="6500"/>
+                            </p:stCondLst>
+                            <p:childTnLst>
+                              <p:par>
+                                <p:cTn id="59" presetID="37" presetClass="path" presetSubtype="0" accel="50000" decel="50000" fill="hold" grpId="3" nodeType="afterEffect">
+                                  <p:stCondLst>
+                                    <p:cond delay="0"/>
+                                  </p:stCondLst>
+                                  <p:childTnLst>
+                                    <p:animMotion origin="layout" path="M -0.33099 -2.22222E-6 L -0.27734 -0.12916 C -0.26628 -0.15833 -0.24961 -0.17384 -0.23203 -0.17384 C -0.21211 -0.17384 -0.19623 -0.15833 -0.18516 -0.12916 L -0.13177 -2.22222E-6 " pathEditMode="relative" rAng="0" ptsTypes="AAAAA">
+                                      <p:cBhvr>
+                                        <p:cTn id="60" dur="1000" fill="hold"/>
+                                        <p:tgtEl>
+                                          <p:spTgt spid="9"/>
+                                        </p:tgtEl>
+                                        <p:attrNameLst>
+                                          <p:attrName>ppt_x</p:attrName>
+                                          <p:attrName>ppt_y</p:attrName>
+                                        </p:attrNameLst>
+                                      </p:cBhvr>
+                                      <p:rCtr x="9961" y="-8704"/>
+                                    </p:animMotion>
+                                  </p:childTnLst>
+                                </p:cTn>
+                              </p:par>
+                              <p:par>
+                                <p:cTn id="61" presetID="37" presetClass="path" presetSubtype="0" accel="50000" decel="50000" fill="hold" grpId="0" nodeType="withEffect">
+                                  <p:stCondLst>
+                                    <p:cond delay="0"/>
+                                  </p:stCondLst>
+                                  <p:childTnLst>
+                                    <p:animMotion origin="layout" path="M 2.08333E-6 -2.22222E-6 L -0.05313 -0.12916 C -0.06406 -0.15833 -0.08073 -0.17384 -0.09805 -0.17384 C -0.11784 -0.17384 -0.13373 -0.15833 -0.14466 -0.12916 L -0.19766 -2.22222E-6 " pathEditMode="relative" rAng="0" ptsTypes="AAAAA">
+                                      <p:cBhvr>
+                                        <p:cTn id="62" dur="1000" fill="hold"/>
+                                        <p:tgtEl>
+                                          <p:spTgt spid="7"/>
+                                        </p:tgtEl>
+                                        <p:attrNameLst>
+                                          <p:attrName>ppt_x</p:attrName>
+                                          <p:attrName>ppt_y</p:attrName>
+                                        </p:attrNameLst>
+                                      </p:cBhvr>
+                                      <p:rCtr x="-9883" y="-8704"/>
+                                    </p:animMotion>
+                                  </p:childTnLst>
+                                </p:cTn>
+                              </p:par>
+                              <p:par>
+                                <p:cTn id="63" presetID="42" presetClass="path" presetSubtype="0" accel="50000" decel="50000" fill="hold" grpId="3" nodeType="withEffect">
+                                  <p:stCondLst>
+                                    <p:cond delay="0"/>
+                                  </p:stCondLst>
+                                  <p:childTnLst>
+                                    <p:animMotion origin="layout" path="M -0.03294 -0.34954 L -0.16393 0.00185 " pathEditMode="relative" rAng="0" ptsTypes="AA">
+                                      <p:cBhvr>
+                                        <p:cTn id="64" dur="1000" fill="hold"/>
+                                        <p:tgtEl>
+                                          <p:spTgt spid="16"/>
+                                        </p:tgtEl>
+                                        <p:attrNameLst>
+                                          <p:attrName>ppt_x</p:attrName>
+                                          <p:attrName>ppt_y</p:attrName>
+                                        </p:attrNameLst>
+                                      </p:cBhvr>
+                                      <p:rCtr x="-6549" y="17569"/>
+                                    </p:animMotion>
+                                  </p:childTnLst>
+                                </p:cTn>
+                              </p:par>
+                              <p:par>
+                                <p:cTn id="65" presetID="42" presetClass="path" presetSubtype="0" accel="50000" decel="50000" fill="hold" grpId="0" nodeType="withEffect">
+                                  <p:stCondLst>
+                                    <p:cond delay="0"/>
+                                  </p:stCondLst>
+                                  <p:childTnLst>
+                                    <p:animMotion origin="layout" path="M 4.16667E-6 -1.85185E-6 L 0.13203 -0.34954 " pathEditMode="relative" rAng="0" ptsTypes="AA">
+                                      <p:cBhvr>
+                                        <p:cTn id="66" dur="1000" fill="hold"/>
+                                        <p:tgtEl>
+                                          <p:spTgt spid="14"/>
+                                        </p:tgtEl>
+                                        <p:attrNameLst>
+                                          <p:attrName>ppt_x</p:attrName>
+                                          <p:attrName>ppt_y</p:attrName>
+                                        </p:attrNameLst>
+                                      </p:cBhvr>
+                                      <p:rCtr x="6589" y="-17500"/>
+                                    </p:animMotion>
+                                  </p:childTnLst>
+                                </p:cTn>
+                              </p:par>
+                            </p:childTnLst>
+                          </p:cTn>
+                        </p:par>
+                        <p:par>
+                          <p:cTn id="67" fill="hold">
+                            <p:stCondLst>
+                              <p:cond delay="7500"/>
+                            </p:stCondLst>
+                            <p:childTnLst>
+                              <p:par>
+                                <p:cTn id="68" presetID="42" presetClass="path" presetSubtype="0" accel="50000" decel="50000" fill="hold" grpId="3" nodeType="afterEffect">
+                                  <p:stCondLst>
+                                    <p:cond delay="0"/>
+                                  </p:stCondLst>
+                                  <p:childTnLst>
+                                    <p:animMotion origin="layout" path="M 0.06628 4.44444E-6 L 1.04167E-6 3.33333E-6 " pathEditMode="relative" rAng="0" ptsTypes="AA">
+                                      <p:cBhvr>
+                                        <p:cTn id="69" dur="500" fill="hold"/>
+                                        <p:tgtEl>
+                                          <p:spTgt spid="25"/>
+                                        </p:tgtEl>
+                                        <p:attrNameLst>
+                                          <p:attrName>ppt_x</p:attrName>
+                                          <p:attrName>ppt_y</p:attrName>
+                                        </p:attrNameLst>
+                                      </p:cBhvr>
+                                      <p:rCtr x="-3372" y="-69"/>
+                                    </p:animMotion>
+                                  </p:childTnLst>
+                                </p:cTn>
+                              </p:par>
+                            </p:childTnLst>
+                          </p:cTn>
+                        </p:par>
+                        <p:par>
+                          <p:cTn id="70" fill="hold">
+                            <p:stCondLst>
+                              <p:cond delay="8000"/>
+                            </p:stCondLst>
+                            <p:childTnLst>
+                              <p:par>
+                                <p:cTn id="71" presetID="37" presetClass="path" presetSubtype="0" accel="50000" decel="50000" fill="hold" grpId="1" nodeType="afterEffect">
+                                  <p:stCondLst>
+                                    <p:cond delay="0"/>
+                                  </p:stCondLst>
+                                  <p:childTnLst>
+                                    <p:animMotion origin="layout" path="M -0.19922 -2.22222E-6 L -0.18125 -0.12916 C -0.17748 -0.15833 -0.17188 -0.17384 -0.16602 -0.17384 C -0.15925 -0.17384 -0.15378 -0.15833 -0.15013 -0.12916 L -0.13203 -2.22222E-6 " pathEditMode="relative" rAng="0" ptsTypes="AAAAA">
+                                      <p:cBhvr>
+                                        <p:cTn id="72" dur="1000" fill="hold"/>
+                                        <p:tgtEl>
+                                          <p:spTgt spid="7"/>
+                                        </p:tgtEl>
+                                        <p:attrNameLst>
+                                          <p:attrName>ppt_x</p:attrName>
+                                          <p:attrName>ppt_y</p:attrName>
+                                        </p:attrNameLst>
+                                      </p:cBhvr>
+                                      <p:rCtr x="3359" y="-8704"/>
+                                    </p:animMotion>
+                                  </p:childTnLst>
+                                </p:cTn>
+                              </p:par>
+                              <p:par>
+                                <p:cTn id="73" presetID="37" presetClass="path" presetSubtype="0" accel="50000" decel="50000" fill="hold" grpId="0" nodeType="withEffect">
+                                  <p:stCondLst>
+                                    <p:cond delay="0"/>
+                                  </p:stCondLst>
+                                  <p:childTnLst>
+                                    <p:animMotion origin="layout" path="M -0.00026 -2.22222E-6 L -0.01797 -0.12916 C -0.02162 -0.15833 -0.02722 -0.17384 -0.03295 -0.17384 C -0.03959 -0.17384 -0.04492 -0.15833 -0.04857 -0.12916 L -0.06615 -2.22222E-6 " pathEditMode="relative" rAng="0" ptsTypes="AAAAA">
+                                      <p:cBhvr>
+                                        <p:cTn id="74" dur="1000" fill="hold"/>
+                                        <p:tgtEl>
+                                          <p:spTgt spid="5"/>
+                                        </p:tgtEl>
+                                        <p:attrNameLst>
+                                          <p:attrName>ppt_x</p:attrName>
+                                          <p:attrName>ppt_y</p:attrName>
+                                        </p:attrNameLst>
+                                      </p:cBhvr>
+                                      <p:rCtr x="-3294" y="-8704"/>
+                                    </p:animMotion>
+                                  </p:childTnLst>
+                                </p:cTn>
+                              </p:par>
+                              <p:par>
+                                <p:cTn id="75" presetID="42" presetClass="path" presetSubtype="0" accel="50000" decel="50000" fill="hold" grpId="0" nodeType="withEffect">
+                                  <p:stCondLst>
+                                    <p:cond delay="0"/>
+                                  </p:stCondLst>
+                                  <p:childTnLst>
+                                    <p:animMotion origin="layout" path="M 1.25E-6 -4.44444E-6 L 0.08021 -0.15463 " pathEditMode="relative" rAng="0" ptsTypes="AA">
+                                      <p:cBhvr>
+                                        <p:cTn id="76" dur="1000" fill="hold"/>
+                                        <p:tgtEl>
+                                          <p:spTgt spid="12"/>
+                                        </p:tgtEl>
+                                        <p:attrNameLst>
+                                          <p:attrName>ppt_x</p:attrName>
+                                          <p:attrName>ppt_y</p:attrName>
+                                        </p:attrNameLst>
+                                      </p:cBhvr>
+                                      <p:rCtr x="3971" y="-7755"/>
+                                    </p:animMotion>
+                                  </p:childTnLst>
+                                </p:cTn>
+                              </p:par>
+                              <p:par>
+                                <p:cTn id="77" presetID="42" presetClass="path" presetSubtype="0" accel="50000" decel="50000" fill="hold" grpId="1" nodeType="withEffect">
+                                  <p:stCondLst>
+                                    <p:cond delay="0"/>
+                                  </p:stCondLst>
+                                  <p:childTnLst>
+                                    <p:animMotion origin="layout" path="M 0.13203 -0.34954 L 0.05182 -0.19491 " pathEditMode="relative" rAng="0" ptsTypes="AA">
+                                      <p:cBhvr>
+                                        <p:cTn id="78" dur="1000" fill="hold"/>
+                                        <p:tgtEl>
+                                          <p:spTgt spid="14"/>
+                                        </p:tgtEl>
+                                        <p:attrNameLst>
+                                          <p:attrName>ppt_x</p:attrName>
+                                          <p:attrName>ppt_y</p:attrName>
+                                        </p:attrNameLst>
+                                      </p:cBhvr>
+                                      <p:rCtr x="-4010" y="7917"/>
+                                    </p:animMotion>
+                                  </p:childTnLst>
+                                </p:cTn>
+                              </p:par>
+                            </p:childTnLst>
+                          </p:cTn>
+                        </p:par>
+                        <p:par>
+                          <p:cTn id="79" fill="hold">
+                            <p:stCondLst>
+                              <p:cond delay="9000"/>
+                            </p:stCondLst>
+                            <p:childTnLst>
+                              <p:par>
+                                <p:cTn id="80" presetID="37" presetClass="path" presetSubtype="0" accel="50000" decel="50000" fill="hold" grpId="1" nodeType="afterEffect">
+                                  <p:stCondLst>
+                                    <p:cond delay="0"/>
+                                  </p:stCondLst>
+                                  <p:childTnLst>
+                                    <p:animMotion origin="layout" path="M -0.06745 -2.22222E-6 L -0.03164 -0.12916 C -0.02422 -0.15833 -0.01302 -0.17384 -0.00117 -0.17384 C 0.01224 -0.17384 0.02291 -0.15833 0.03034 -0.12916 L 0.0664 -2.22222E-6 " pathEditMode="relative" rAng="0" ptsTypes="AAAAA">
+                                      <p:cBhvr>
+                                        <p:cTn id="81" dur="1000" fill="hold"/>
+                                        <p:tgtEl>
+                                          <p:spTgt spid="5"/>
+                                        </p:tgtEl>
+                                        <p:attrNameLst>
+                                          <p:attrName>ppt_x</p:attrName>
+                                          <p:attrName>ppt_y</p:attrName>
+                                        </p:attrNameLst>
+                                      </p:cBhvr>
+                                      <p:rCtr x="6693" y="-8704"/>
+                                    </p:animMotion>
+                                  </p:childTnLst>
+                                </p:cTn>
+                              </p:par>
+                              <p:par>
+                                <p:cTn id="82" presetID="37" presetClass="path" presetSubtype="0" accel="50000" decel="50000" fill="hold" grpId="2" nodeType="withEffect">
+                                  <p:stCondLst>
+                                    <p:cond delay="0"/>
+                                  </p:stCondLst>
+                                  <p:childTnLst>
+                                    <p:animMotion origin="layout" path="M -0.13216 -2.22222E-6 L -0.16783 -0.12916 C -0.17513 -0.15833 -0.18619 -0.17384 -0.19791 -0.17384 C -0.21119 -0.17384 -0.22174 -0.15833 -0.22916 -0.12916 L -0.26458 -2.22222E-6 " pathEditMode="relative" rAng="0" ptsTypes="AAAAA">
+                                      <p:cBhvr>
+                                        <p:cTn id="83" dur="1000" fill="hold"/>
+                                        <p:tgtEl>
+                                          <p:spTgt spid="8"/>
+                                        </p:tgtEl>
+                                        <p:attrNameLst>
+                                          <p:attrName>ppt_x</p:attrName>
+                                          <p:attrName>ppt_y</p:attrName>
+                                        </p:attrNameLst>
+                                      </p:cBhvr>
+                                      <p:rCtr x="-6628" y="-8704"/>
+                                    </p:animMotion>
+                                  </p:childTnLst>
+                                </p:cTn>
+                              </p:par>
+                              <p:par>
+                                <p:cTn id="84" presetID="42" presetClass="path" presetSubtype="0" accel="50000" decel="50000" fill="hold" grpId="1" nodeType="withEffect">
+                                  <p:stCondLst>
+                                    <p:cond delay="0"/>
+                                  </p:stCondLst>
+                                  <p:childTnLst>
+                                    <p:animMotion origin="layout" path="M 0.08021 -0.15463 L 0.16107 -4.44444E-6 " pathEditMode="relative" rAng="0" ptsTypes="AA">
+                                      <p:cBhvr>
+                                        <p:cTn id="85" dur="1000" fill="hold"/>
+                                        <p:tgtEl>
+                                          <p:spTgt spid="12"/>
+                                        </p:tgtEl>
+                                        <p:attrNameLst>
+                                          <p:attrName>ppt_x</p:attrName>
+                                          <p:attrName>ppt_y</p:attrName>
+                                        </p:attrNameLst>
+                                      </p:cBhvr>
+                                      <p:rCtr x="4076" y="7755"/>
+                                    </p:animMotion>
+                                  </p:childTnLst>
+                                </p:cTn>
+                              </p:par>
+                              <p:par>
+                                <p:cTn id="86" presetID="42" presetClass="path" presetSubtype="0" accel="50000" decel="50000" fill="hold" grpId="2" nodeType="withEffect">
+                                  <p:stCondLst>
+                                    <p:cond delay="0"/>
+                                  </p:stCondLst>
+                                  <p:childTnLst>
+                                    <p:animMotion origin="layout" path="M 0.11628 -0.1949 L 0.03542 -0.34954 " pathEditMode="relative" rAng="0" ptsTypes="AA">
+                                      <p:cBhvr>
+                                        <p:cTn id="87" dur="1000" fill="hold"/>
+                                        <p:tgtEl>
+                                          <p:spTgt spid="15"/>
+                                        </p:tgtEl>
+                                        <p:attrNameLst>
+                                          <p:attrName>ppt_x</p:attrName>
+                                          <p:attrName>ppt_y</p:attrName>
+                                        </p:attrNameLst>
+                                      </p:cBhvr>
+                                      <p:rCtr x="-4049" y="-7662"/>
+                                    </p:animMotion>
+                                  </p:childTnLst>
+                                </p:cTn>
+                              </p:par>
+                            </p:childTnLst>
+                          </p:cTn>
+                        </p:par>
+                        <p:par>
+                          <p:cTn id="88" fill="hold">
+                            <p:stCondLst>
+                              <p:cond delay="10000"/>
+                            </p:stCondLst>
+                            <p:childTnLst>
+                              <p:par>
+                                <p:cTn id="89" presetID="37" presetClass="path" presetSubtype="0" accel="50000" decel="50000" fill="hold" grpId="3" nodeType="afterEffect">
+                                  <p:stCondLst>
+                                    <p:cond delay="0"/>
+                                  </p:stCondLst>
+                                  <p:childTnLst>
+                                    <p:animMotion origin="layout" path="M -0.26523 -2.22222E-6 L -0.24674 -0.12916 C -0.24283 -0.15833 -0.23711 -0.17384 -0.23099 -0.17384 C -0.22408 -0.17384 -0.21849 -0.15833 -0.21471 -0.12916 L -0.19609 -2.22222E-6 " pathEditMode="relative" rAng="0" ptsTypes="AAAAA">
+                                      <p:cBhvr>
+                                        <p:cTn id="90" dur="1000" fill="hold"/>
+                                        <p:tgtEl>
+                                          <p:spTgt spid="8"/>
+                                        </p:tgtEl>
+                                        <p:attrNameLst>
+                                          <p:attrName>ppt_x</p:attrName>
+                                          <p:attrName>ppt_y</p:attrName>
+                                        </p:attrNameLst>
+                                      </p:cBhvr>
+                                      <p:rCtr x="3451" y="-8704"/>
+                                    </p:animMotion>
+                                  </p:childTnLst>
+                                </p:cTn>
+                              </p:par>
+                              <p:par>
+                                <p:cTn id="91" presetID="37" presetClass="path" presetSubtype="0" accel="50000" decel="50000" fill="hold" grpId="2" nodeType="withEffect">
+                                  <p:stCondLst>
+                                    <p:cond delay="0"/>
+                                  </p:stCondLst>
+                                  <p:childTnLst>
+                                    <p:animMotion origin="layout" path="M -0.13203 -2.22222E-6 L -0.15065 -0.12916 C -0.15443 -0.15833 -0.16029 -0.17384 -0.16628 -0.17384 C -0.17331 -0.17384 -0.17878 -0.15833 -0.18255 -0.12916 L -0.20104 -2.22222E-6 " pathEditMode="relative" rAng="0" ptsTypes="AAAAA">
+                                      <p:cBhvr>
+                                        <p:cTn id="92" dur="1000" fill="hold"/>
+                                        <p:tgtEl>
+                                          <p:spTgt spid="7"/>
+                                        </p:tgtEl>
+                                        <p:attrNameLst>
+                                          <p:attrName>ppt_x</p:attrName>
+                                          <p:attrName>ppt_y</p:attrName>
+                                        </p:attrNameLst>
+                                      </p:cBhvr>
+                                      <p:rCtr x="-3451" y="-8704"/>
+                                    </p:animMotion>
+                                  </p:childTnLst>
+                                </p:cTn>
+                              </p:par>
+                              <p:par>
+                                <p:cTn id="93" presetID="42" presetClass="path" presetSubtype="0" accel="50000" decel="50000" fill="hold" grpId="3" nodeType="withEffect">
+                                  <p:stCondLst>
+                                    <p:cond delay="0"/>
+                                  </p:stCondLst>
+                                  <p:childTnLst>
+                                    <p:animMotion origin="layout" path="M 0.03542 -0.34954 L -0.04479 -0.19491 " pathEditMode="relative" rAng="0" ptsTypes="AA">
+                                      <p:cBhvr>
+                                        <p:cTn id="94" dur="1000" fill="hold"/>
+                                        <p:tgtEl>
+                                          <p:spTgt spid="15"/>
+                                        </p:tgtEl>
+                                        <p:attrNameLst>
+                                          <p:attrName>ppt_x</p:attrName>
+                                          <p:attrName>ppt_y</p:attrName>
+                                        </p:attrNameLst>
+                                      </p:cBhvr>
+                                      <p:rCtr x="-4010" y="7917"/>
+                                    </p:animMotion>
+                                  </p:childTnLst>
+                                </p:cTn>
+                              </p:par>
+                              <p:par>
+                                <p:cTn id="95" presetID="42" presetClass="path" presetSubtype="0" accel="50000" decel="50000" fill="hold" grpId="2" nodeType="withEffect">
+                                  <p:stCondLst>
+                                    <p:cond delay="0"/>
+                                  </p:stCondLst>
+                                  <p:childTnLst>
+                                    <p:animMotion origin="layout" path="M 0.05182 -0.19491 L 0.13203 -0.34954 " pathEditMode="relative" rAng="0" ptsTypes="AA">
+                                      <p:cBhvr>
+                                        <p:cTn id="96" dur="1250" fill="hold"/>
+                                        <p:tgtEl>
+                                          <p:spTgt spid="14"/>
+                                        </p:tgtEl>
+                                        <p:attrNameLst>
+                                          <p:attrName>ppt_x</p:attrName>
+                                          <p:attrName>ppt_y</p:attrName>
+                                        </p:attrNameLst>
+                                      </p:cBhvr>
+                                      <p:rCtr x="4076" y="-7755"/>
+                                    </p:animMotion>
+                                  </p:childTnLst>
+                                </p:cTn>
+                              </p:par>
+                            </p:childTnLst>
+                          </p:cTn>
+                        </p:par>
+                      </p:childTnLst>
+                    </p:cTn>
+                  </p:par>
+                </p:childTnLst>
+              </p:cTn>
+              <p:prevCondLst>
+                <p:cond evt="onPrev" delay="0">
+                  <p:tgtEl>
+                    <p:sldTgt/>
+                  </p:tgtEl>
+                </p:cond>
+              </p:prevCondLst>
+              <p:nextCondLst>
+                <p:cond evt="onNext" delay="0">
+                  <p:tgtEl>
+                    <p:sldTgt/>
+                  </p:tgtEl>
+                </p:cond>
+              </p:nextCondLst>
+            </p:seq>
+          </p:childTnLst>
+        </p:cTn>
+      </p:par>
+    </p:tnLst>
+    <p:bldLst>
+      <p:bldP spid="13" grpId="0" animBg="1"/>
+      <p:bldP spid="13" grpId="1" animBg="1"/>
+      <p:bldP spid="25" grpId="0" animBg="1"/>
+      <p:bldP spid="25" grpId="1" animBg="1"/>
+      <p:bldP spid="25" grpId="2" animBg="1"/>
+      <p:bldP spid="25" grpId="3" animBg="1"/>
+      <p:bldP spid="4" grpId="0" animBg="1"/>
+      <p:bldP spid="5" grpId="0" animBg="1"/>
+      <p:bldP spid="5" grpId="1" animBg="1"/>
+      <p:bldP spid="6" grpId="0" animBg="1"/>
+      <p:bldP spid="6" grpId="1" animBg="1"/>
+      <p:bldP spid="7" grpId="0" animBg="1"/>
+      <p:bldP spid="7" grpId="1" animBg="1"/>
+      <p:bldP spid="7" grpId="2" animBg="1"/>
+      <p:bldP spid="8" grpId="0" animBg="1"/>
+      <p:bldP spid="8" grpId="1" animBg="1"/>
+      <p:bldP spid="8" grpId="2" animBg="1"/>
+      <p:bldP spid="8" grpId="3" animBg="1"/>
+      <p:bldP spid="9" grpId="0" animBg="1"/>
+      <p:bldP spid="9" grpId="1" animBg="1"/>
+      <p:bldP spid="9" grpId="2" animBg="1"/>
+      <p:bldP spid="9" grpId="3" animBg="1"/>
+      <p:bldP spid="10" grpId="0" animBg="1"/>
+      <p:bldP spid="10" grpId="1" animBg="1"/>
+      <p:bldP spid="11" grpId="0" animBg="1"/>
+      <p:bldP spid="12" grpId="0" animBg="1"/>
+      <p:bldP spid="12" grpId="1" animBg="1"/>
+      <p:bldP spid="14" grpId="0" animBg="1"/>
+      <p:bldP spid="14" grpId="1" animBg="1"/>
+      <p:bldP spid="14" grpId="2" animBg="1"/>
+      <p:bldP spid="15" grpId="0" animBg="1"/>
+      <p:bldP spid="15" grpId="1" animBg="1"/>
+      <p:bldP spid="15" grpId="2" animBg="1"/>
+      <p:bldP spid="15" grpId="3" animBg="1"/>
+      <p:bldP spid="16" grpId="0" animBg="1"/>
+      <p:bldP spid="16" grpId="1" animBg="1"/>
+      <p:bldP spid="16" grpId="2" animBg="1"/>
+      <p:bldP spid="16" grpId="3" animBg="1"/>
+      <p:bldP spid="17" grpId="0" animBg="1"/>
+      <p:bldP spid="17" grpId="1" animBg="1"/>
     </p:bldLst>
   </p:timing>
 </p:sld>

--- a/ppt/sort.pptx
+++ b/ppt/sort.pptx
@@ -21,6 +21,9 @@
     <p:sldId id="270" r:id="rId15"/>
     <p:sldId id="271" r:id="rId16"/>
     <p:sldId id="272" r:id="rId17"/>
+    <p:sldId id="273" r:id="rId18"/>
+    <p:sldId id="274" r:id="rId19"/>
+    <p:sldId id="275" r:id="rId20"/>
   </p:sldIdLst>
   <p:sldSz cx="12192000" cy="6858000"/>
   <p:notesSz cx="6858000" cy="9144000"/>
@@ -23088,6 +23091,6831 @@
       <p:bldP spid="16" grpId="3" animBg="1"/>
       <p:bldP spid="17" grpId="0" animBg="1"/>
       <p:bldP spid="17" grpId="1" animBg="1"/>
+    </p:bldLst>
+  </p:timing>
+</p:sld>
+</file>
+
+<file path=ppt/slides/slide17.xml><?xml version="1.0" encoding="utf-8"?>
+<p:sld xmlns:a="http://schemas.openxmlformats.org/drawingml/2006/main" xmlns:r="http://schemas.openxmlformats.org/officeDocument/2006/relationships" xmlns:p="http://schemas.openxmlformats.org/presentationml/2006/main">
+  <p:cSld>
+    <p:spTree>
+      <p:nvGrpSpPr>
+        <p:cNvPr id="1" name=""/>
+        <p:cNvGrpSpPr/>
+        <p:nvPr/>
+      </p:nvGrpSpPr>
+      <p:grpSpPr>
+        <a:xfrm>
+          <a:off x="0" y="0"/>
+          <a:ext cx="0" cy="0"/>
+          <a:chOff x="0" y="0"/>
+          <a:chExt cx="0" cy="0"/>
+        </a:xfrm>
+      </p:grpSpPr>
+      <p:sp>
+        <p:nvSpPr>
+          <p:cNvPr id="13" name="流程图: 磁盘 12"/>
+          <p:cNvSpPr/>
+          <p:nvPr/>
+        </p:nvSpPr>
+        <p:spPr>
+          <a:xfrm>
+            <a:off x="1466193" y="3515710"/>
+            <a:ext cx="1363400" cy="2648607"/>
+          </a:xfrm>
+          <a:prstGeom prst="flowChartMagneticDisk">
+            <a:avLst/>
+          </a:prstGeom>
+          <a:noFill/>
+          <a:ln w="76200">
+            <a:solidFill>
+              <a:srgbClr val="C00000"/>
+            </a:solidFill>
+          </a:ln>
+        </p:spPr>
+        <p:style>
+          <a:lnRef idx="2">
+            <a:schemeClr val="accent1">
+              <a:shade val="50000"/>
+            </a:schemeClr>
+          </a:lnRef>
+          <a:fillRef idx="1">
+            <a:schemeClr val="accent1"/>
+          </a:fillRef>
+          <a:effectRef idx="0">
+            <a:schemeClr val="accent1"/>
+          </a:effectRef>
+          <a:fontRef idx="minor">
+            <a:schemeClr val="lt1"/>
+          </a:fontRef>
+        </p:style>
+        <p:txBody>
+          <a:bodyPr rtlCol="0" anchor="ctr"/>
+          <a:lstStyle/>
+          <a:p>
+            <a:pPr algn="ctr"/>
+            <a:endParaRPr lang="zh-CN" altLang="en-US"/>
+          </a:p>
+        </p:txBody>
+      </p:sp>
+      <p:sp>
+        <p:nvSpPr>
+          <p:cNvPr id="14" name="流程图: 磁盘 13"/>
+          <p:cNvSpPr/>
+          <p:nvPr/>
+        </p:nvSpPr>
+        <p:spPr>
+          <a:xfrm>
+            <a:off x="3434724" y="3576143"/>
+            <a:ext cx="1410192" cy="2648607"/>
+          </a:xfrm>
+          <a:prstGeom prst="flowChartMagneticDisk">
+            <a:avLst/>
+          </a:prstGeom>
+          <a:noFill/>
+          <a:ln w="76200">
+            <a:solidFill>
+              <a:srgbClr val="C00000"/>
+            </a:solidFill>
+          </a:ln>
+        </p:spPr>
+        <p:style>
+          <a:lnRef idx="2">
+            <a:schemeClr val="accent1">
+              <a:shade val="50000"/>
+            </a:schemeClr>
+          </a:lnRef>
+          <a:fillRef idx="1">
+            <a:schemeClr val="accent1"/>
+          </a:fillRef>
+          <a:effectRef idx="0">
+            <a:schemeClr val="accent1"/>
+          </a:effectRef>
+          <a:fontRef idx="minor">
+            <a:schemeClr val="lt1"/>
+          </a:fontRef>
+        </p:style>
+        <p:txBody>
+          <a:bodyPr rtlCol="0" anchor="ctr"/>
+          <a:lstStyle/>
+          <a:p>
+            <a:pPr algn="ctr"/>
+            <a:endParaRPr lang="zh-CN" altLang="en-US"/>
+          </a:p>
+        </p:txBody>
+      </p:sp>
+      <p:sp>
+        <p:nvSpPr>
+          <p:cNvPr id="15" name="流程图: 磁盘 14"/>
+          <p:cNvSpPr/>
+          <p:nvPr/>
+        </p:nvSpPr>
+        <p:spPr>
+          <a:xfrm>
+            <a:off x="9524293" y="3576143"/>
+            <a:ext cx="1410192" cy="2648607"/>
+          </a:xfrm>
+          <a:prstGeom prst="flowChartMagneticDisk">
+            <a:avLst/>
+          </a:prstGeom>
+          <a:noFill/>
+          <a:ln w="76200">
+            <a:solidFill>
+              <a:srgbClr val="C00000"/>
+            </a:solidFill>
+          </a:ln>
+        </p:spPr>
+        <p:style>
+          <a:lnRef idx="2">
+            <a:schemeClr val="accent1">
+              <a:shade val="50000"/>
+            </a:schemeClr>
+          </a:lnRef>
+          <a:fillRef idx="1">
+            <a:schemeClr val="accent1"/>
+          </a:fillRef>
+          <a:effectRef idx="0">
+            <a:schemeClr val="accent1"/>
+          </a:effectRef>
+          <a:fontRef idx="minor">
+            <a:schemeClr val="lt1"/>
+          </a:fontRef>
+        </p:style>
+        <p:txBody>
+          <a:bodyPr rtlCol="0" anchor="ctr"/>
+          <a:lstStyle/>
+          <a:p>
+            <a:pPr algn="ctr"/>
+            <a:endParaRPr lang="zh-CN" altLang="en-US"/>
+          </a:p>
+        </p:txBody>
+      </p:sp>
+      <p:sp>
+        <p:nvSpPr>
+          <p:cNvPr id="16" name="流程图: 磁盘 15"/>
+          <p:cNvSpPr/>
+          <p:nvPr/>
+        </p:nvSpPr>
+        <p:spPr>
+          <a:xfrm>
+            <a:off x="5450047" y="3576143"/>
+            <a:ext cx="1410192" cy="2648607"/>
+          </a:xfrm>
+          <a:prstGeom prst="flowChartMagneticDisk">
+            <a:avLst/>
+          </a:prstGeom>
+          <a:noFill/>
+          <a:ln w="76200">
+            <a:solidFill>
+              <a:srgbClr val="C00000"/>
+            </a:solidFill>
+          </a:ln>
+        </p:spPr>
+        <p:style>
+          <a:lnRef idx="2">
+            <a:schemeClr val="accent1">
+              <a:shade val="50000"/>
+            </a:schemeClr>
+          </a:lnRef>
+          <a:fillRef idx="1">
+            <a:schemeClr val="accent1"/>
+          </a:fillRef>
+          <a:effectRef idx="0">
+            <a:schemeClr val="accent1"/>
+          </a:effectRef>
+          <a:fontRef idx="minor">
+            <a:schemeClr val="lt1"/>
+          </a:fontRef>
+        </p:style>
+        <p:txBody>
+          <a:bodyPr rtlCol="0" anchor="ctr"/>
+          <a:lstStyle/>
+          <a:p>
+            <a:pPr algn="ctr"/>
+            <a:endParaRPr lang="zh-CN" altLang="en-US"/>
+          </a:p>
+        </p:txBody>
+      </p:sp>
+      <p:sp>
+        <p:nvSpPr>
+          <p:cNvPr id="17" name="流程图: 磁盘 16"/>
+          <p:cNvSpPr/>
+          <p:nvPr/>
+        </p:nvSpPr>
+        <p:spPr>
+          <a:xfrm>
+            <a:off x="7487170" y="3576143"/>
+            <a:ext cx="1410192" cy="2648607"/>
+          </a:xfrm>
+          <a:prstGeom prst="flowChartMagneticDisk">
+            <a:avLst/>
+          </a:prstGeom>
+          <a:noFill/>
+          <a:ln w="76200">
+            <a:solidFill>
+              <a:srgbClr val="C00000"/>
+            </a:solidFill>
+          </a:ln>
+        </p:spPr>
+        <p:style>
+          <a:lnRef idx="2">
+            <a:schemeClr val="accent1">
+              <a:shade val="50000"/>
+            </a:schemeClr>
+          </a:lnRef>
+          <a:fillRef idx="1">
+            <a:schemeClr val="accent1"/>
+          </a:fillRef>
+          <a:effectRef idx="0">
+            <a:schemeClr val="accent1"/>
+          </a:effectRef>
+          <a:fontRef idx="minor">
+            <a:schemeClr val="lt1"/>
+          </a:fontRef>
+        </p:style>
+        <p:txBody>
+          <a:bodyPr rtlCol="0" anchor="ctr"/>
+          <a:lstStyle/>
+          <a:p>
+            <a:pPr algn="ctr"/>
+            <a:endParaRPr lang="zh-CN" altLang="en-US"/>
+          </a:p>
+        </p:txBody>
+      </p:sp>
+      <p:sp>
+        <p:nvSpPr>
+          <p:cNvPr id="4" name="椭圆 3"/>
+          <p:cNvSpPr/>
+          <p:nvPr/>
+        </p:nvSpPr>
+        <p:spPr>
+          <a:xfrm>
+            <a:off x="1678675" y="1178237"/>
+            <a:ext cx="1119117" cy="1119117"/>
+          </a:xfrm>
+          <a:prstGeom prst="ellipse">
+            <a:avLst/>
+          </a:prstGeom>
+          <a:solidFill>
+            <a:schemeClr val="accent1">
+              <a:lumMod val="75000"/>
+            </a:schemeClr>
+          </a:solidFill>
+          <a:ln>
+            <a:noFill/>
+          </a:ln>
+        </p:spPr>
+        <p:style>
+          <a:lnRef idx="2">
+            <a:schemeClr val="accent1">
+              <a:shade val="50000"/>
+            </a:schemeClr>
+          </a:lnRef>
+          <a:fillRef idx="1">
+            <a:schemeClr val="accent1"/>
+          </a:fillRef>
+          <a:effectRef idx="0">
+            <a:schemeClr val="accent1"/>
+          </a:effectRef>
+          <a:fontRef idx="minor">
+            <a:schemeClr val="lt1"/>
+          </a:fontRef>
+        </p:style>
+        <p:txBody>
+          <a:bodyPr rtlCol="0" anchor="ctr"/>
+          <a:lstStyle/>
+          <a:p>
+            <a:pPr algn="ctr"/>
+            <a:r>
+              <a:rPr lang="en-US" altLang="zh-CN" sz="3200" dirty="0"/>
+              <a:t>5</a:t>
+            </a:r>
+            <a:endParaRPr lang="zh-CN" altLang="en-US" sz="3200" dirty="0"/>
+          </a:p>
+        </p:txBody>
+      </p:sp>
+      <p:sp>
+        <p:nvSpPr>
+          <p:cNvPr id="5" name="椭圆 4"/>
+          <p:cNvSpPr/>
+          <p:nvPr/>
+        </p:nvSpPr>
+        <p:spPr>
+          <a:xfrm>
+            <a:off x="2797792" y="1178244"/>
+            <a:ext cx="1119117" cy="1119117"/>
+          </a:xfrm>
+          <a:prstGeom prst="ellipse">
+            <a:avLst/>
+          </a:prstGeom>
+          <a:solidFill>
+            <a:schemeClr val="accent1">
+              <a:lumMod val="75000"/>
+            </a:schemeClr>
+          </a:solidFill>
+          <a:ln>
+            <a:noFill/>
+          </a:ln>
+        </p:spPr>
+        <p:style>
+          <a:lnRef idx="2">
+            <a:schemeClr val="accent1">
+              <a:shade val="50000"/>
+            </a:schemeClr>
+          </a:lnRef>
+          <a:fillRef idx="1">
+            <a:schemeClr val="accent1"/>
+          </a:fillRef>
+          <a:effectRef idx="0">
+            <a:schemeClr val="accent1"/>
+          </a:effectRef>
+          <a:fontRef idx="minor">
+            <a:schemeClr val="lt1"/>
+          </a:fontRef>
+        </p:style>
+        <p:txBody>
+          <a:bodyPr rtlCol="0" anchor="ctr"/>
+          <a:lstStyle/>
+          <a:p>
+            <a:pPr algn="ctr"/>
+            <a:r>
+              <a:rPr lang="en-US" altLang="zh-CN" sz="3200" dirty="0" smtClean="0"/>
+              <a:t>13</a:t>
+            </a:r>
+            <a:endParaRPr lang="zh-CN" altLang="en-US" sz="3200" dirty="0"/>
+          </a:p>
+        </p:txBody>
+      </p:sp>
+      <p:sp>
+        <p:nvSpPr>
+          <p:cNvPr id="6" name="椭圆 5"/>
+          <p:cNvSpPr/>
+          <p:nvPr/>
+        </p:nvSpPr>
+        <p:spPr>
+          <a:xfrm>
+            <a:off x="3916909" y="1178244"/>
+            <a:ext cx="1119117" cy="1119117"/>
+          </a:xfrm>
+          <a:prstGeom prst="ellipse">
+            <a:avLst/>
+          </a:prstGeom>
+          <a:solidFill>
+            <a:schemeClr val="accent1">
+              <a:lumMod val="75000"/>
+            </a:schemeClr>
+          </a:solidFill>
+          <a:ln>
+            <a:noFill/>
+          </a:ln>
+        </p:spPr>
+        <p:style>
+          <a:lnRef idx="2">
+            <a:schemeClr val="accent1">
+              <a:shade val="50000"/>
+            </a:schemeClr>
+          </a:lnRef>
+          <a:fillRef idx="1">
+            <a:schemeClr val="accent1"/>
+          </a:fillRef>
+          <a:effectRef idx="0">
+            <a:schemeClr val="accent1"/>
+          </a:effectRef>
+          <a:fontRef idx="minor">
+            <a:schemeClr val="lt1"/>
+          </a:fontRef>
+        </p:style>
+        <p:txBody>
+          <a:bodyPr rtlCol="0" anchor="ctr"/>
+          <a:lstStyle/>
+          <a:p>
+            <a:pPr algn="ctr"/>
+            <a:r>
+              <a:rPr lang="en-US" altLang="zh-CN" sz="3200" dirty="0" smtClean="0"/>
+              <a:t>11</a:t>
+            </a:r>
+            <a:endParaRPr lang="zh-CN" altLang="en-US" sz="3200" dirty="0"/>
+          </a:p>
+        </p:txBody>
+      </p:sp>
+      <p:sp>
+        <p:nvSpPr>
+          <p:cNvPr id="7" name="椭圆 6"/>
+          <p:cNvSpPr/>
+          <p:nvPr/>
+        </p:nvSpPr>
+        <p:spPr>
+          <a:xfrm>
+            <a:off x="5036026" y="1178241"/>
+            <a:ext cx="1119117" cy="1119117"/>
+          </a:xfrm>
+          <a:prstGeom prst="ellipse">
+            <a:avLst/>
+          </a:prstGeom>
+          <a:solidFill>
+            <a:schemeClr val="accent1">
+              <a:lumMod val="75000"/>
+            </a:schemeClr>
+          </a:solidFill>
+          <a:ln>
+            <a:noFill/>
+          </a:ln>
+        </p:spPr>
+        <p:style>
+          <a:lnRef idx="2">
+            <a:schemeClr val="accent1">
+              <a:shade val="50000"/>
+            </a:schemeClr>
+          </a:lnRef>
+          <a:fillRef idx="1">
+            <a:schemeClr val="accent1"/>
+          </a:fillRef>
+          <a:effectRef idx="0">
+            <a:schemeClr val="accent1"/>
+          </a:effectRef>
+          <a:fontRef idx="minor">
+            <a:schemeClr val="lt1"/>
+          </a:fontRef>
+        </p:style>
+        <p:txBody>
+          <a:bodyPr rtlCol="0" anchor="ctr"/>
+          <a:lstStyle/>
+          <a:p>
+            <a:pPr algn="ctr"/>
+            <a:r>
+              <a:rPr lang="en-US" altLang="zh-CN" sz="3200" dirty="0" smtClean="0"/>
+              <a:t>6</a:t>
+            </a:r>
+            <a:endParaRPr lang="zh-CN" altLang="en-US" sz="3200" dirty="0"/>
+          </a:p>
+        </p:txBody>
+      </p:sp>
+      <p:sp>
+        <p:nvSpPr>
+          <p:cNvPr id="8" name="椭圆 7"/>
+          <p:cNvSpPr/>
+          <p:nvPr/>
+        </p:nvSpPr>
+        <p:spPr>
+          <a:xfrm>
+            <a:off x="6155143" y="1178243"/>
+            <a:ext cx="1119117" cy="1119117"/>
+          </a:xfrm>
+          <a:prstGeom prst="ellipse">
+            <a:avLst/>
+          </a:prstGeom>
+          <a:solidFill>
+            <a:schemeClr val="accent1">
+              <a:lumMod val="75000"/>
+            </a:schemeClr>
+          </a:solidFill>
+          <a:ln>
+            <a:noFill/>
+          </a:ln>
+        </p:spPr>
+        <p:style>
+          <a:lnRef idx="2">
+            <a:schemeClr val="accent1">
+              <a:shade val="50000"/>
+            </a:schemeClr>
+          </a:lnRef>
+          <a:fillRef idx="1">
+            <a:schemeClr val="accent1"/>
+          </a:fillRef>
+          <a:effectRef idx="0">
+            <a:schemeClr val="accent1"/>
+          </a:effectRef>
+          <a:fontRef idx="minor">
+            <a:schemeClr val="lt1"/>
+          </a:fontRef>
+        </p:style>
+        <p:txBody>
+          <a:bodyPr rtlCol="0" anchor="ctr"/>
+          <a:lstStyle/>
+          <a:p>
+            <a:pPr algn="ctr"/>
+            <a:r>
+              <a:rPr lang="en-US" altLang="zh-CN" sz="3200" dirty="0" smtClean="0"/>
+              <a:t>27</a:t>
+            </a:r>
+            <a:endParaRPr lang="zh-CN" altLang="en-US" sz="3200" dirty="0"/>
+          </a:p>
+        </p:txBody>
+      </p:sp>
+      <p:sp>
+        <p:nvSpPr>
+          <p:cNvPr id="9" name="椭圆 8"/>
+          <p:cNvSpPr/>
+          <p:nvPr/>
+        </p:nvSpPr>
+        <p:spPr>
+          <a:xfrm>
+            <a:off x="7274260" y="1178242"/>
+            <a:ext cx="1119117" cy="1119117"/>
+          </a:xfrm>
+          <a:prstGeom prst="ellipse">
+            <a:avLst/>
+          </a:prstGeom>
+          <a:solidFill>
+            <a:schemeClr val="accent1">
+              <a:lumMod val="75000"/>
+            </a:schemeClr>
+          </a:solidFill>
+          <a:ln>
+            <a:noFill/>
+          </a:ln>
+        </p:spPr>
+        <p:style>
+          <a:lnRef idx="2">
+            <a:schemeClr val="accent1">
+              <a:shade val="50000"/>
+            </a:schemeClr>
+          </a:lnRef>
+          <a:fillRef idx="1">
+            <a:schemeClr val="accent1"/>
+          </a:fillRef>
+          <a:effectRef idx="0">
+            <a:schemeClr val="accent1"/>
+          </a:effectRef>
+          <a:fontRef idx="minor">
+            <a:schemeClr val="lt1"/>
+          </a:fontRef>
+        </p:style>
+        <p:txBody>
+          <a:bodyPr rtlCol="0" anchor="ctr"/>
+          <a:lstStyle/>
+          <a:p>
+            <a:pPr algn="ctr"/>
+            <a:r>
+              <a:rPr lang="en-US" altLang="zh-CN" sz="3200" dirty="0" smtClean="0"/>
+              <a:t>18</a:t>
+            </a:r>
+            <a:endParaRPr lang="zh-CN" altLang="en-US" sz="3200" dirty="0"/>
+          </a:p>
+        </p:txBody>
+      </p:sp>
+      <p:sp>
+        <p:nvSpPr>
+          <p:cNvPr id="11" name="椭圆 10"/>
+          <p:cNvSpPr/>
+          <p:nvPr/>
+        </p:nvSpPr>
+        <p:spPr>
+          <a:xfrm>
+            <a:off x="8393377" y="1178240"/>
+            <a:ext cx="1119117" cy="1119117"/>
+          </a:xfrm>
+          <a:prstGeom prst="ellipse">
+            <a:avLst/>
+          </a:prstGeom>
+          <a:solidFill>
+            <a:schemeClr val="accent1">
+              <a:lumMod val="75000"/>
+            </a:schemeClr>
+          </a:solidFill>
+          <a:ln>
+            <a:noFill/>
+          </a:ln>
+        </p:spPr>
+        <p:style>
+          <a:lnRef idx="2">
+            <a:schemeClr val="accent1">
+              <a:shade val="50000"/>
+            </a:schemeClr>
+          </a:lnRef>
+          <a:fillRef idx="1">
+            <a:schemeClr val="accent1"/>
+          </a:fillRef>
+          <a:effectRef idx="0">
+            <a:schemeClr val="accent1"/>
+          </a:effectRef>
+          <a:fontRef idx="minor">
+            <a:schemeClr val="lt1"/>
+          </a:fontRef>
+        </p:style>
+        <p:txBody>
+          <a:bodyPr rtlCol="0" anchor="ctr"/>
+          <a:lstStyle/>
+          <a:p>
+            <a:pPr algn="ctr"/>
+            <a:r>
+              <a:rPr lang="en-US" altLang="zh-CN" sz="3200" dirty="0" smtClean="0"/>
+              <a:t>9</a:t>
+            </a:r>
+            <a:endParaRPr lang="zh-CN" altLang="en-US" sz="3200" dirty="0"/>
+          </a:p>
+        </p:txBody>
+      </p:sp>
+      <p:sp>
+        <p:nvSpPr>
+          <p:cNvPr id="12" name="椭圆 11"/>
+          <p:cNvSpPr/>
+          <p:nvPr/>
+        </p:nvSpPr>
+        <p:spPr>
+          <a:xfrm>
+            <a:off x="9512494" y="1178238"/>
+            <a:ext cx="1119117" cy="1119117"/>
+          </a:xfrm>
+          <a:prstGeom prst="ellipse">
+            <a:avLst/>
+          </a:prstGeom>
+          <a:solidFill>
+            <a:schemeClr val="accent1">
+              <a:lumMod val="75000"/>
+            </a:schemeClr>
+          </a:solidFill>
+          <a:ln>
+            <a:noFill/>
+          </a:ln>
+        </p:spPr>
+        <p:style>
+          <a:lnRef idx="2">
+            <a:schemeClr val="accent1">
+              <a:shade val="50000"/>
+            </a:schemeClr>
+          </a:lnRef>
+          <a:fillRef idx="1">
+            <a:schemeClr val="accent1"/>
+          </a:fillRef>
+          <a:effectRef idx="0">
+            <a:schemeClr val="accent1"/>
+          </a:effectRef>
+          <a:fontRef idx="minor">
+            <a:schemeClr val="lt1"/>
+          </a:fontRef>
+        </p:style>
+        <p:txBody>
+          <a:bodyPr rtlCol="0" anchor="ctr"/>
+          <a:lstStyle/>
+          <a:p>
+            <a:pPr algn="ctr"/>
+            <a:r>
+              <a:rPr lang="en-US" altLang="zh-CN" sz="3200" dirty="0" smtClean="0"/>
+              <a:t>17</a:t>
+            </a:r>
+            <a:endParaRPr lang="zh-CN" altLang="en-US" sz="3200" dirty="0"/>
+          </a:p>
+        </p:txBody>
+      </p:sp>
+    </p:spTree>
+    <p:extLst>
+      <p:ext uri="{BB962C8B-B14F-4D97-AF65-F5344CB8AC3E}">
+        <p14:creationId xmlns:p14="http://schemas.microsoft.com/office/powerpoint/2010/main" val="4032630463"/>
+      </p:ext>
+    </p:extLst>
+  </p:cSld>
+  <p:clrMapOvr>
+    <a:masterClrMapping/>
+  </p:clrMapOvr>
+  <p:timing>
+    <p:tnLst>
+      <p:par>
+        <p:cTn id="1" dur="indefinite" restart="never" nodeType="tmRoot">
+          <p:childTnLst>
+            <p:seq concurrent="1" nextAc="seek">
+              <p:cTn id="2" dur="indefinite" nodeType="mainSeq">
+                <p:childTnLst>
+                  <p:par>
+                    <p:cTn id="3" fill="hold">
+                      <p:stCondLst>
+                        <p:cond delay="indefinite"/>
+                      </p:stCondLst>
+                      <p:childTnLst>
+                        <p:par>
+                          <p:cTn id="4" fill="hold">
+                            <p:stCondLst>
+                              <p:cond delay="0"/>
+                            </p:stCondLst>
+                            <p:childTnLst>
+                              <p:par>
+                                <p:cTn id="5" presetID="42" presetClass="path" presetSubtype="0" accel="50000" decel="50000" fill="hold" grpId="0" nodeType="clickEffect">
+                                  <p:stCondLst>
+                                    <p:cond delay="0"/>
+                                  </p:stCondLst>
+                                  <p:childTnLst>
+                                    <p:animMotion origin="layout" path="M -3.54167E-6 -7.40741E-7 L -0.00547 0.54213 " pathEditMode="relative" rAng="0" ptsTypes="AA">
+                                      <p:cBhvr>
+                                        <p:cTn id="6" dur="1000" fill="hold"/>
+                                        <p:tgtEl>
+                                          <p:spTgt spid="4"/>
+                                        </p:tgtEl>
+                                        <p:attrNameLst>
+                                          <p:attrName>ppt_x</p:attrName>
+                                          <p:attrName>ppt_y</p:attrName>
+                                        </p:attrNameLst>
+                                      </p:cBhvr>
+                                      <p:rCtr x="-273" y="27106"/>
+                                    </p:animMotion>
+                                  </p:childTnLst>
+                                </p:cTn>
+                              </p:par>
+                            </p:childTnLst>
+                          </p:cTn>
+                        </p:par>
+                        <p:par>
+                          <p:cTn id="7" fill="hold">
+                            <p:stCondLst>
+                              <p:cond delay="1000"/>
+                            </p:stCondLst>
+                            <p:childTnLst>
+                              <p:par>
+                                <p:cTn id="8" presetID="42" presetClass="path" presetSubtype="0" accel="50000" decel="50000" fill="hold" grpId="0" nodeType="afterEffect">
+                                  <p:stCondLst>
+                                    <p:cond delay="0"/>
+                                  </p:stCondLst>
+                                  <p:childTnLst>
+                                    <p:animMotion origin="layout" path="M -4.16667E-7 -7.40741E-7 L 0.22956 0.55833 " pathEditMode="relative" rAng="0" ptsTypes="AA">
+                                      <p:cBhvr>
+                                        <p:cTn id="9" dur="1000" fill="hold"/>
+                                        <p:tgtEl>
+                                          <p:spTgt spid="5"/>
+                                        </p:tgtEl>
+                                        <p:attrNameLst>
+                                          <p:attrName>ppt_x</p:attrName>
+                                          <p:attrName>ppt_y</p:attrName>
+                                        </p:attrNameLst>
+                                      </p:cBhvr>
+                                      <p:rCtr x="11471" y="27917"/>
+                                    </p:animMotion>
+                                  </p:childTnLst>
+                                </p:cTn>
+                              </p:par>
+                            </p:childTnLst>
+                          </p:cTn>
+                        </p:par>
+                        <p:par>
+                          <p:cTn id="10" fill="hold">
+                            <p:stCondLst>
+                              <p:cond delay="2000"/>
+                            </p:stCondLst>
+                            <p:childTnLst>
+                              <p:par>
+                                <p:cTn id="11" presetID="42" presetClass="path" presetSubtype="0" accel="50000" decel="50000" fill="hold" grpId="0" nodeType="afterEffect">
+                                  <p:stCondLst>
+                                    <p:cond delay="0"/>
+                                  </p:stCondLst>
+                                  <p:childTnLst>
+                                    <p:animMotion origin="layout" path="M 2.70833E-6 -7.40741E-7 L -0.02826 0.54676 " pathEditMode="relative" rAng="0" ptsTypes="AA">
+                                      <p:cBhvr>
+                                        <p:cTn id="12" dur="1000" fill="hold"/>
+                                        <p:tgtEl>
+                                          <p:spTgt spid="6"/>
+                                        </p:tgtEl>
+                                        <p:attrNameLst>
+                                          <p:attrName>ppt_x</p:attrName>
+                                          <p:attrName>ppt_y</p:attrName>
+                                        </p:attrNameLst>
+                                      </p:cBhvr>
+                                      <p:rCtr x="-1419" y="27338"/>
+                                    </p:animMotion>
+                                  </p:childTnLst>
+                                </p:cTn>
+                              </p:par>
+                            </p:childTnLst>
+                          </p:cTn>
+                        </p:par>
+                        <p:par>
+                          <p:cTn id="13" fill="hold">
+                            <p:stCondLst>
+                              <p:cond delay="3000"/>
+                            </p:stCondLst>
+                            <p:childTnLst>
+                              <p:par>
+                                <p:cTn id="14" presetID="42" presetClass="path" presetSubtype="0" accel="50000" decel="50000" fill="hold" grpId="0" nodeType="afterEffect">
+                                  <p:stCondLst>
+                                    <p:cond delay="0"/>
+                                  </p:stCondLst>
+                                  <p:childTnLst>
+                                    <p:animMotion origin="layout" path="M -4.16667E-6 -7.40741E-7 L -0.27916 0.35602 " pathEditMode="relative" rAng="0" ptsTypes="AA">
+                                      <p:cBhvr>
+                                        <p:cTn id="15" dur="1000" fill="hold"/>
+                                        <p:tgtEl>
+                                          <p:spTgt spid="7"/>
+                                        </p:tgtEl>
+                                        <p:attrNameLst>
+                                          <p:attrName>ppt_x</p:attrName>
+                                          <p:attrName>ppt_y</p:attrName>
+                                        </p:attrNameLst>
+                                      </p:cBhvr>
+                                      <p:rCtr x="-13958" y="17801"/>
+                                    </p:animMotion>
+                                  </p:childTnLst>
+                                </p:cTn>
+                              </p:par>
+                            </p:childTnLst>
+                          </p:cTn>
+                        </p:par>
+                        <p:par>
+                          <p:cTn id="16" fill="hold">
+                            <p:stCondLst>
+                              <p:cond delay="4000"/>
+                            </p:stCondLst>
+                            <p:childTnLst>
+                              <p:par>
+                                <p:cTn id="17" presetID="42" presetClass="path" presetSubtype="0" accel="50000" decel="50000" fill="hold" grpId="0" nodeType="afterEffect">
+                                  <p:stCondLst>
+                                    <p:cond delay="0"/>
+                                  </p:stCondLst>
+                                  <p:childTnLst>
+                                    <p:animMotion origin="layout" path="M -1.04167E-6 -7.40741E-7 L 0.28737 0.55602 " pathEditMode="relative" rAng="0" ptsTypes="AA">
+                                      <p:cBhvr>
+                                        <p:cTn id="18" dur="1000" fill="hold"/>
+                                        <p:tgtEl>
+                                          <p:spTgt spid="8"/>
+                                        </p:tgtEl>
+                                        <p:attrNameLst>
+                                          <p:attrName>ppt_x</p:attrName>
+                                          <p:attrName>ppt_y</p:attrName>
+                                        </p:attrNameLst>
+                                      </p:cBhvr>
+                                      <p:rCtr x="14362" y="27801"/>
+                                    </p:animMotion>
+                                  </p:childTnLst>
+                                </p:cTn>
+                              </p:par>
+                            </p:childTnLst>
+                          </p:cTn>
+                        </p:par>
+                        <p:par>
+                          <p:cTn id="19" fill="hold">
+                            <p:stCondLst>
+                              <p:cond delay="5000"/>
+                            </p:stCondLst>
+                            <p:childTnLst>
+                              <p:par>
+                                <p:cTn id="20" presetID="42" presetClass="path" presetSubtype="0" accel="50000" decel="50000" fill="hold" grpId="0" nodeType="afterEffect">
+                                  <p:stCondLst>
+                                    <p:cond delay="0"/>
+                                  </p:stCondLst>
+                                  <p:childTnLst>
+                                    <p:animMotion origin="layout" path="M 2.08333E-6 -7.40741E-7 L 0.03034 0.54676 " pathEditMode="relative" rAng="0" ptsTypes="AA">
+                                      <p:cBhvr>
+                                        <p:cTn id="21" dur="1000" fill="hold"/>
+                                        <p:tgtEl>
+                                          <p:spTgt spid="9"/>
+                                        </p:tgtEl>
+                                        <p:attrNameLst>
+                                          <p:attrName>ppt_x</p:attrName>
+                                          <p:attrName>ppt_y</p:attrName>
+                                        </p:attrNameLst>
+                                      </p:cBhvr>
+                                      <p:rCtr x="1510" y="27338"/>
+                                    </p:animMotion>
+                                  </p:childTnLst>
+                                </p:cTn>
+                              </p:par>
+                            </p:childTnLst>
+                          </p:cTn>
+                        </p:par>
+                        <p:par>
+                          <p:cTn id="22" fill="hold">
+                            <p:stCondLst>
+                              <p:cond delay="6000"/>
+                            </p:stCondLst>
+                            <p:childTnLst>
+                              <p:par>
+                                <p:cTn id="23" presetID="42" presetClass="path" presetSubtype="0" accel="50000" decel="50000" fill="hold" grpId="0" nodeType="afterEffect">
+                                  <p:stCondLst>
+                                    <p:cond delay="0"/>
+                                  </p:stCondLst>
+                                  <p:childTnLst>
+                                    <p:animMotion origin="layout" path="M -4.79167E-6 -7.40741E-7 L -0.39414 0.38125 " pathEditMode="relative" rAng="0" ptsTypes="AA">
+                                      <p:cBhvr>
+                                        <p:cTn id="24" dur="1000" fill="hold"/>
+                                        <p:tgtEl>
+                                          <p:spTgt spid="11"/>
+                                        </p:tgtEl>
+                                        <p:attrNameLst>
+                                          <p:attrName>ppt_x</p:attrName>
+                                          <p:attrName>ppt_y</p:attrName>
+                                        </p:attrNameLst>
+                                      </p:cBhvr>
+                                      <p:rCtr x="-19714" y="19051"/>
+                                    </p:animMotion>
+                                  </p:childTnLst>
+                                </p:cTn>
+                              </p:par>
+                            </p:childTnLst>
+                          </p:cTn>
+                        </p:par>
+                        <p:par>
+                          <p:cTn id="25" fill="hold">
+                            <p:stCondLst>
+                              <p:cond delay="7000"/>
+                            </p:stCondLst>
+                            <p:childTnLst>
+                              <p:par>
+                                <p:cTn id="26" presetID="42" presetClass="path" presetSubtype="0" accel="50000" decel="50000" fill="hold" grpId="0" nodeType="afterEffect">
+                                  <p:stCondLst>
+                                    <p:cond delay="0"/>
+                                  </p:stCondLst>
+                                  <p:childTnLst>
+                                    <p:animMotion origin="layout" path="M -1.66667E-6 -7.40741E-7 L -0.15325 0.36736 " pathEditMode="relative" rAng="0" ptsTypes="AA">
+                                      <p:cBhvr>
+                                        <p:cTn id="27" dur="1000" fill="hold"/>
+                                        <p:tgtEl>
+                                          <p:spTgt spid="12"/>
+                                        </p:tgtEl>
+                                        <p:attrNameLst>
+                                          <p:attrName>ppt_x</p:attrName>
+                                          <p:attrName>ppt_y</p:attrName>
+                                        </p:attrNameLst>
+                                      </p:cBhvr>
+                                      <p:rCtr x="-7669" y="18356"/>
+                                    </p:animMotion>
+                                  </p:childTnLst>
+                                </p:cTn>
+                              </p:par>
+                            </p:childTnLst>
+                          </p:cTn>
+                        </p:par>
+                        <p:par>
+                          <p:cTn id="28" fill="hold">
+                            <p:stCondLst>
+                              <p:cond delay="8000"/>
+                            </p:stCondLst>
+                            <p:childTnLst>
+                              <p:par>
+                                <p:cTn id="29" presetID="42" presetClass="path" presetSubtype="0" accel="50000" decel="50000" fill="hold" grpId="1" nodeType="afterEffect">
+                                  <p:stCondLst>
+                                    <p:cond delay="0"/>
+                                  </p:stCondLst>
+                                  <p:childTnLst>
+                                    <p:animMotion origin="layout" path="M -0.39414 0.38125 L -0.39544 0.55139 " pathEditMode="relative" rAng="0" ptsTypes="AA">
+                                      <p:cBhvr>
+                                        <p:cTn id="30" dur="1000" fill="hold"/>
+                                        <p:tgtEl>
+                                          <p:spTgt spid="11"/>
+                                        </p:tgtEl>
+                                        <p:attrNameLst>
+                                          <p:attrName>ppt_x</p:attrName>
+                                          <p:attrName>ppt_y</p:attrName>
+                                        </p:attrNameLst>
+                                      </p:cBhvr>
+                                      <p:rCtr x="-65" y="8495"/>
+                                    </p:animMotion>
+                                  </p:childTnLst>
+                                </p:cTn>
+                              </p:par>
+                              <p:par>
+                                <p:cTn id="31" presetID="42" presetClass="path" presetSubtype="0" accel="50000" decel="50000" fill="hold" grpId="1" nodeType="withEffect">
+                                  <p:stCondLst>
+                                    <p:cond delay="0"/>
+                                  </p:stCondLst>
+                                  <p:childTnLst>
+                                    <p:animMotion origin="layout" path="M -0.02826 0.54676 L -0.02696 0.38125 " pathEditMode="relative" rAng="0" ptsTypes="AA">
+                                      <p:cBhvr>
+                                        <p:cTn id="32" dur="1000" fill="hold"/>
+                                        <p:tgtEl>
+                                          <p:spTgt spid="6"/>
+                                        </p:tgtEl>
+                                        <p:attrNameLst>
+                                          <p:attrName>ppt_x</p:attrName>
+                                          <p:attrName>ppt_y</p:attrName>
+                                        </p:attrNameLst>
+                                      </p:cBhvr>
+                                      <p:rCtr x="65" y="-8287"/>
+                                    </p:animMotion>
+                                  </p:childTnLst>
+                                </p:cTn>
+                              </p:par>
+                              <p:par>
+                                <p:cTn id="33" presetID="42" presetClass="path" presetSubtype="0" accel="50000" decel="50000" fill="hold" grpId="1" nodeType="withEffect">
+                                  <p:stCondLst>
+                                    <p:cond delay="0"/>
+                                  </p:stCondLst>
+                                  <p:childTnLst>
+                                    <p:animMotion origin="layout" path="M -0.15325 0.36736 L -0.15325 0.54213 " pathEditMode="relative" rAng="0" ptsTypes="AA">
+                                      <p:cBhvr>
+                                        <p:cTn id="34" dur="1000" fill="hold"/>
+                                        <p:tgtEl>
+                                          <p:spTgt spid="12"/>
+                                        </p:tgtEl>
+                                        <p:attrNameLst>
+                                          <p:attrName>ppt_x</p:attrName>
+                                          <p:attrName>ppt_y</p:attrName>
+                                        </p:attrNameLst>
+                                      </p:cBhvr>
+                                      <p:rCtr x="-52" y="8495"/>
+                                    </p:animMotion>
+                                  </p:childTnLst>
+                                </p:cTn>
+                              </p:par>
+                              <p:par>
+                                <p:cTn id="35" presetID="42" presetClass="path" presetSubtype="0" accel="50000" decel="50000" fill="hold" grpId="1" nodeType="withEffect">
+                                  <p:stCondLst>
+                                    <p:cond delay="0"/>
+                                  </p:stCondLst>
+                                  <p:childTnLst>
+                                    <p:animMotion origin="layout" path="M 0.03033 0.54676 L 0.03034 0.36736 " pathEditMode="relative" rAng="0" ptsTypes="AA">
+                                      <p:cBhvr>
+                                        <p:cTn id="36" dur="1000" fill="hold"/>
+                                        <p:tgtEl>
+                                          <p:spTgt spid="9"/>
+                                        </p:tgtEl>
+                                        <p:attrNameLst>
+                                          <p:attrName>ppt_x</p:attrName>
+                                          <p:attrName>ppt_y</p:attrName>
+                                        </p:attrNameLst>
+                                      </p:cBhvr>
+                                      <p:rCtr x="78" y="-8634"/>
+                                    </p:animMotion>
+                                  </p:childTnLst>
+                                </p:cTn>
+                              </p:par>
+                            </p:childTnLst>
+                          </p:cTn>
+                        </p:par>
+                        <p:par>
+                          <p:cTn id="37" fill="hold">
+                            <p:stCondLst>
+                              <p:cond delay="9000"/>
+                            </p:stCondLst>
+                            <p:childTnLst>
+                              <p:par>
+                                <p:cTn id="38" presetID="42" presetClass="path" presetSubtype="0" accel="50000" decel="50000" fill="hold" grpId="1" nodeType="afterEffect">
+                                  <p:stCondLst>
+                                    <p:cond delay="0"/>
+                                  </p:stCondLst>
+                                  <p:childTnLst>
+                                    <p:animMotion origin="layout" path="M -0.00547 0.54213 L 2.29167E-6 3.7037E-7 " pathEditMode="relative" rAng="0" ptsTypes="AA">
+                                      <p:cBhvr>
+                                        <p:cTn id="39" dur="1000" fill="hold"/>
+                                        <p:tgtEl>
+                                          <p:spTgt spid="4"/>
+                                        </p:tgtEl>
+                                        <p:attrNameLst>
+                                          <p:attrName>ppt_x</p:attrName>
+                                          <p:attrName>ppt_y</p:attrName>
+                                        </p:attrNameLst>
+                                      </p:cBhvr>
+                                      <p:rCtr x="91" y="-27361"/>
+                                    </p:animMotion>
+                                  </p:childTnLst>
+                                </p:cTn>
+                              </p:par>
+                            </p:childTnLst>
+                          </p:cTn>
+                        </p:par>
+                        <p:par>
+                          <p:cTn id="40" fill="hold">
+                            <p:stCondLst>
+                              <p:cond delay="10000"/>
+                            </p:stCondLst>
+                            <p:childTnLst>
+                              <p:par>
+                                <p:cTn id="41" presetID="42" presetClass="path" presetSubtype="0" accel="50000" decel="50000" fill="hold" grpId="1" nodeType="afterEffect">
+                                  <p:stCondLst>
+                                    <p:cond delay="0"/>
+                                  </p:stCondLst>
+                                  <p:childTnLst>
+                                    <p:animMotion origin="layout" path="M -0.27917 0.35602 L -0.18359 -7.40741E-7 " pathEditMode="relative" rAng="0" ptsTypes="AA">
+                                      <p:cBhvr>
+                                        <p:cTn id="42" dur="1000" fill="hold"/>
+                                        <p:tgtEl>
+                                          <p:spTgt spid="7"/>
+                                        </p:tgtEl>
+                                        <p:attrNameLst>
+                                          <p:attrName>ppt_x</p:attrName>
+                                          <p:attrName>ppt_y</p:attrName>
+                                        </p:attrNameLst>
+                                      </p:cBhvr>
+                                      <p:rCtr x="4258" y="-17569"/>
+                                    </p:animMotion>
+                                  </p:childTnLst>
+                                </p:cTn>
+                              </p:par>
+                            </p:childTnLst>
+                          </p:cTn>
+                        </p:par>
+                        <p:par>
+                          <p:cTn id="43" fill="hold">
+                            <p:stCondLst>
+                              <p:cond delay="11000"/>
+                            </p:stCondLst>
+                            <p:childTnLst>
+                              <p:par>
+                                <p:cTn id="44" presetID="42" presetClass="path" presetSubtype="0" accel="50000" decel="50000" fill="hold" grpId="2" nodeType="afterEffect">
+                                  <p:stCondLst>
+                                    <p:cond delay="0"/>
+                                  </p:stCondLst>
+                                  <p:childTnLst>
+                                    <p:animMotion origin="layout" path="M -0.39544 0.54676 L -0.36718 -7.40741E-7 " pathEditMode="relative" rAng="0" ptsTypes="AA">
+                                      <p:cBhvr>
+                                        <p:cTn id="45" dur="1000" fill="hold"/>
+                                        <p:tgtEl>
+                                          <p:spTgt spid="11"/>
+                                        </p:tgtEl>
+                                        <p:attrNameLst>
+                                          <p:attrName>ppt_x</p:attrName>
+                                          <p:attrName>ppt_y</p:attrName>
+                                        </p:attrNameLst>
+                                      </p:cBhvr>
+                                      <p:rCtr x="1276" y="-27338"/>
+                                    </p:animMotion>
+                                  </p:childTnLst>
+                                </p:cTn>
+                              </p:par>
+                            </p:childTnLst>
+                          </p:cTn>
+                        </p:par>
+                        <p:par>
+                          <p:cTn id="46" fill="hold">
+                            <p:stCondLst>
+                              <p:cond delay="12000"/>
+                            </p:stCondLst>
+                            <p:childTnLst>
+                              <p:par>
+                                <p:cTn id="47" presetID="42" presetClass="path" presetSubtype="0" accel="50000" decel="50000" fill="hold" grpId="2" nodeType="afterEffect">
+                                  <p:stCondLst>
+                                    <p:cond delay="0"/>
+                                  </p:stCondLst>
+                                  <p:childTnLst>
+                                    <p:animMotion origin="layout" path="M -0.02695 0.38125 L 0.09179 -7.40741E-7 " pathEditMode="relative" rAng="0" ptsTypes="AA">
+                                      <p:cBhvr>
+                                        <p:cTn id="48" dur="1000" fill="hold"/>
+                                        <p:tgtEl>
+                                          <p:spTgt spid="6"/>
+                                        </p:tgtEl>
+                                        <p:attrNameLst>
+                                          <p:attrName>ppt_x</p:attrName>
+                                          <p:attrName>ppt_y</p:attrName>
+                                        </p:attrNameLst>
+                                      </p:cBhvr>
+                                      <p:rCtr x="5807" y="-19306"/>
+                                    </p:animMotion>
+                                  </p:childTnLst>
+                                </p:cTn>
+                              </p:par>
+                            </p:childTnLst>
+                          </p:cTn>
+                        </p:par>
+                        <p:par>
+                          <p:cTn id="49" fill="hold">
+                            <p:stCondLst>
+                              <p:cond delay="13000"/>
+                            </p:stCondLst>
+                            <p:childTnLst>
+                              <p:par>
+                                <p:cTn id="50" presetID="42" presetClass="path" presetSubtype="0" accel="50000" decel="50000" fill="hold" grpId="1" nodeType="afterEffect">
+                                  <p:stCondLst>
+                                    <p:cond delay="0"/>
+                                  </p:stCondLst>
+                                  <p:childTnLst>
+                                    <p:animMotion origin="layout" path="M 0.22956 0.55833 L 0.27539 -7.40741E-7 " pathEditMode="relative" rAng="0" ptsTypes="AA">
+                                      <p:cBhvr>
+                                        <p:cTn id="51" dur="1000" fill="hold"/>
+                                        <p:tgtEl>
+                                          <p:spTgt spid="5"/>
+                                        </p:tgtEl>
+                                        <p:attrNameLst>
+                                          <p:attrName>ppt_x</p:attrName>
+                                          <p:attrName>ppt_y</p:attrName>
+                                        </p:attrNameLst>
+                                      </p:cBhvr>
+                                      <p:rCtr x="2161" y="-27569"/>
+                                    </p:animMotion>
+                                  </p:childTnLst>
+                                </p:cTn>
+                              </p:par>
+                            </p:childTnLst>
+                          </p:cTn>
+                        </p:par>
+                        <p:par>
+                          <p:cTn id="52" fill="hold">
+                            <p:stCondLst>
+                              <p:cond delay="14000"/>
+                            </p:stCondLst>
+                            <p:childTnLst>
+                              <p:par>
+                                <p:cTn id="53" presetID="42" presetClass="path" presetSubtype="0" accel="50000" decel="50000" fill="hold" grpId="2" nodeType="afterEffect">
+                                  <p:stCondLst>
+                                    <p:cond delay="0"/>
+                                  </p:stCondLst>
+                                  <p:childTnLst>
+                                    <p:animMotion origin="layout" path="M -0.15325 0.54676 L -0.18359 -7.40741E-7 " pathEditMode="relative" rAng="0" ptsTypes="AA">
+                                      <p:cBhvr>
+                                        <p:cTn id="54" dur="1000" fill="hold"/>
+                                        <p:tgtEl>
+                                          <p:spTgt spid="12"/>
+                                        </p:tgtEl>
+                                        <p:attrNameLst>
+                                          <p:attrName>ppt_x</p:attrName>
+                                          <p:attrName>ppt_y</p:attrName>
+                                        </p:attrNameLst>
+                                      </p:cBhvr>
+                                      <p:rCtr x="-1523" y="-27338"/>
+                                    </p:animMotion>
+                                  </p:childTnLst>
+                                </p:cTn>
+                              </p:par>
+                            </p:childTnLst>
+                          </p:cTn>
+                        </p:par>
+                        <p:par>
+                          <p:cTn id="55" fill="hold">
+                            <p:stCondLst>
+                              <p:cond delay="15000"/>
+                            </p:stCondLst>
+                            <p:childTnLst>
+                              <p:par>
+                                <p:cTn id="56" presetID="42" presetClass="path" presetSubtype="0" accel="50000" decel="50000" fill="hold" grpId="2" nodeType="afterEffect">
+                                  <p:stCondLst>
+                                    <p:cond delay="0"/>
+                                  </p:stCondLst>
+                                  <p:childTnLst>
+                                    <p:animMotion origin="layout" path="M 0.03034 0.36736 L 0.09179 -7.40741E-7 " pathEditMode="relative" rAng="0" ptsTypes="AA">
+                                      <p:cBhvr>
+                                        <p:cTn id="57" dur="1000" fill="hold"/>
+                                        <p:tgtEl>
+                                          <p:spTgt spid="9"/>
+                                        </p:tgtEl>
+                                        <p:attrNameLst>
+                                          <p:attrName>ppt_x</p:attrName>
+                                          <p:attrName>ppt_y</p:attrName>
+                                        </p:attrNameLst>
+                                      </p:cBhvr>
+                                      <p:rCtr x="3073" y="-18495"/>
+                                    </p:animMotion>
+                                  </p:childTnLst>
+                                </p:cTn>
+                              </p:par>
+                            </p:childTnLst>
+                          </p:cTn>
+                        </p:par>
+                        <p:par>
+                          <p:cTn id="58" fill="hold">
+                            <p:stCondLst>
+                              <p:cond delay="16000"/>
+                            </p:stCondLst>
+                            <p:childTnLst>
+                              <p:par>
+                                <p:cTn id="59" presetID="42" presetClass="path" presetSubtype="0" accel="50000" decel="50000" fill="hold" grpId="1" nodeType="afterEffect">
+                                  <p:stCondLst>
+                                    <p:cond delay="0"/>
+                                  </p:stCondLst>
+                                  <p:childTnLst>
+                                    <p:animMotion origin="layout" path="M 0.28737 0.55602 L 0.27539 -7.40741E-7 " pathEditMode="relative" rAng="0" ptsTypes="AA">
+                                      <p:cBhvr>
+                                        <p:cTn id="60" dur="1000" fill="hold"/>
+                                        <p:tgtEl>
+                                          <p:spTgt spid="8"/>
+                                        </p:tgtEl>
+                                        <p:attrNameLst>
+                                          <p:attrName>ppt_x</p:attrName>
+                                          <p:attrName>ppt_y</p:attrName>
+                                        </p:attrNameLst>
+                                      </p:cBhvr>
+                                      <p:rCtr x="-286" y="-27222"/>
+                                    </p:animMotion>
+                                  </p:childTnLst>
+                                </p:cTn>
+                              </p:par>
+                            </p:childTnLst>
+                          </p:cTn>
+                        </p:par>
+                      </p:childTnLst>
+                    </p:cTn>
+                  </p:par>
+                </p:childTnLst>
+              </p:cTn>
+              <p:prevCondLst>
+                <p:cond evt="onPrev" delay="0">
+                  <p:tgtEl>
+                    <p:sldTgt/>
+                  </p:tgtEl>
+                </p:cond>
+              </p:prevCondLst>
+              <p:nextCondLst>
+                <p:cond evt="onNext" delay="0">
+                  <p:tgtEl>
+                    <p:sldTgt/>
+                  </p:tgtEl>
+                </p:cond>
+              </p:nextCondLst>
+            </p:seq>
+          </p:childTnLst>
+        </p:cTn>
+      </p:par>
+    </p:tnLst>
+    <p:bldLst>
+      <p:bldP spid="4" grpId="0" animBg="1"/>
+      <p:bldP spid="4" grpId="1" animBg="1"/>
+      <p:bldP spid="5" grpId="0" animBg="1"/>
+      <p:bldP spid="5" grpId="1" animBg="1"/>
+      <p:bldP spid="6" grpId="0" animBg="1"/>
+      <p:bldP spid="6" grpId="1" animBg="1"/>
+      <p:bldP spid="6" grpId="2" animBg="1"/>
+      <p:bldP spid="7" grpId="0" animBg="1"/>
+      <p:bldP spid="7" grpId="1" animBg="1"/>
+      <p:bldP spid="8" grpId="0" animBg="1"/>
+      <p:bldP spid="8" grpId="1" animBg="1"/>
+      <p:bldP spid="9" grpId="0" animBg="1"/>
+      <p:bldP spid="9" grpId="1" animBg="1"/>
+      <p:bldP spid="9" grpId="2" animBg="1"/>
+      <p:bldP spid="11" grpId="0" animBg="1"/>
+      <p:bldP spid="11" grpId="1" animBg="1"/>
+      <p:bldP spid="11" grpId="2" animBg="1"/>
+      <p:bldP spid="12" grpId="0" animBg="1"/>
+      <p:bldP spid="12" grpId="1" animBg="1"/>
+      <p:bldP spid="12" grpId="2" animBg="1"/>
+    </p:bldLst>
+  </p:timing>
+</p:sld>
+</file>
+
+<file path=ppt/slides/slide18.xml><?xml version="1.0" encoding="utf-8"?>
+<p:sld xmlns:a="http://schemas.openxmlformats.org/drawingml/2006/main" xmlns:r="http://schemas.openxmlformats.org/officeDocument/2006/relationships" xmlns:p="http://schemas.openxmlformats.org/presentationml/2006/main">
+  <p:cSld>
+    <p:spTree>
+      <p:nvGrpSpPr>
+        <p:cNvPr id="1" name=""/>
+        <p:cNvGrpSpPr/>
+        <p:nvPr/>
+      </p:nvGrpSpPr>
+      <p:grpSpPr>
+        <a:xfrm>
+          <a:off x="0" y="0"/>
+          <a:ext cx="0" cy="0"/>
+          <a:chOff x="0" y="0"/>
+          <a:chExt cx="0" cy="0"/>
+        </a:xfrm>
+      </p:grpSpPr>
+      <p:sp>
+        <p:nvSpPr>
+          <p:cNvPr id="4" name="椭圆 3"/>
+          <p:cNvSpPr/>
+          <p:nvPr/>
+        </p:nvSpPr>
+        <p:spPr>
+          <a:xfrm>
+            <a:off x="1596789" y="413963"/>
+            <a:ext cx="1119117" cy="1119117"/>
+          </a:xfrm>
+          <a:prstGeom prst="ellipse">
+            <a:avLst/>
+          </a:prstGeom>
+          <a:solidFill>
+            <a:schemeClr val="accent1">
+              <a:lumMod val="75000"/>
+            </a:schemeClr>
+          </a:solidFill>
+          <a:ln>
+            <a:noFill/>
+          </a:ln>
+        </p:spPr>
+        <p:style>
+          <a:lnRef idx="2">
+            <a:schemeClr val="accent1">
+              <a:shade val="50000"/>
+            </a:schemeClr>
+          </a:lnRef>
+          <a:fillRef idx="1">
+            <a:schemeClr val="accent1"/>
+          </a:fillRef>
+          <a:effectRef idx="0">
+            <a:schemeClr val="accent1"/>
+          </a:effectRef>
+          <a:fontRef idx="minor">
+            <a:schemeClr val="lt1"/>
+          </a:fontRef>
+        </p:style>
+        <p:txBody>
+          <a:bodyPr rtlCol="0" anchor="ctr"/>
+          <a:lstStyle/>
+          <a:p>
+            <a:pPr algn="ctr"/>
+            <a:r>
+              <a:rPr lang="en-US" altLang="zh-CN" sz="3200" dirty="0"/>
+              <a:t>5</a:t>
+            </a:r>
+            <a:endParaRPr lang="zh-CN" altLang="en-US" sz="3200" dirty="0"/>
+          </a:p>
+        </p:txBody>
+      </p:sp>
+      <p:sp>
+        <p:nvSpPr>
+          <p:cNvPr id="5" name="椭圆 4"/>
+          <p:cNvSpPr/>
+          <p:nvPr/>
+        </p:nvSpPr>
+        <p:spPr>
+          <a:xfrm>
+            <a:off x="2715906" y="413970"/>
+            <a:ext cx="1119117" cy="1119117"/>
+          </a:xfrm>
+          <a:prstGeom prst="ellipse">
+            <a:avLst/>
+          </a:prstGeom>
+          <a:solidFill>
+            <a:schemeClr val="accent1">
+              <a:lumMod val="75000"/>
+            </a:schemeClr>
+          </a:solidFill>
+          <a:ln>
+            <a:noFill/>
+          </a:ln>
+        </p:spPr>
+        <p:style>
+          <a:lnRef idx="2">
+            <a:schemeClr val="accent1">
+              <a:shade val="50000"/>
+            </a:schemeClr>
+          </a:lnRef>
+          <a:fillRef idx="1">
+            <a:schemeClr val="accent1"/>
+          </a:fillRef>
+          <a:effectRef idx="0">
+            <a:schemeClr val="accent1"/>
+          </a:effectRef>
+          <a:fontRef idx="minor">
+            <a:schemeClr val="lt1"/>
+          </a:fontRef>
+        </p:style>
+        <p:txBody>
+          <a:bodyPr rtlCol="0" anchor="ctr"/>
+          <a:lstStyle/>
+          <a:p>
+            <a:pPr algn="ctr"/>
+            <a:r>
+              <a:rPr lang="en-US" altLang="zh-CN" sz="3200" dirty="0" smtClean="0"/>
+              <a:t>13</a:t>
+            </a:r>
+            <a:endParaRPr lang="zh-CN" altLang="en-US" sz="3200" dirty="0"/>
+          </a:p>
+        </p:txBody>
+      </p:sp>
+      <p:sp>
+        <p:nvSpPr>
+          <p:cNvPr id="6" name="椭圆 5"/>
+          <p:cNvSpPr/>
+          <p:nvPr/>
+        </p:nvSpPr>
+        <p:spPr>
+          <a:xfrm>
+            <a:off x="3835023" y="413970"/>
+            <a:ext cx="1119117" cy="1119117"/>
+          </a:xfrm>
+          <a:prstGeom prst="ellipse">
+            <a:avLst/>
+          </a:prstGeom>
+          <a:solidFill>
+            <a:schemeClr val="accent1">
+              <a:lumMod val="75000"/>
+            </a:schemeClr>
+          </a:solidFill>
+          <a:ln>
+            <a:noFill/>
+          </a:ln>
+        </p:spPr>
+        <p:style>
+          <a:lnRef idx="2">
+            <a:schemeClr val="accent1">
+              <a:shade val="50000"/>
+            </a:schemeClr>
+          </a:lnRef>
+          <a:fillRef idx="1">
+            <a:schemeClr val="accent1"/>
+          </a:fillRef>
+          <a:effectRef idx="0">
+            <a:schemeClr val="accent1"/>
+          </a:effectRef>
+          <a:fontRef idx="minor">
+            <a:schemeClr val="lt1"/>
+          </a:fontRef>
+        </p:style>
+        <p:txBody>
+          <a:bodyPr rtlCol="0" anchor="ctr"/>
+          <a:lstStyle/>
+          <a:p>
+            <a:pPr algn="ctr"/>
+            <a:r>
+              <a:rPr lang="en-US" altLang="zh-CN" sz="3200" dirty="0" smtClean="0"/>
+              <a:t>11</a:t>
+            </a:r>
+            <a:endParaRPr lang="zh-CN" altLang="en-US" sz="3200" dirty="0"/>
+          </a:p>
+        </p:txBody>
+      </p:sp>
+      <p:sp>
+        <p:nvSpPr>
+          <p:cNvPr id="7" name="椭圆 6"/>
+          <p:cNvSpPr/>
+          <p:nvPr/>
+        </p:nvSpPr>
+        <p:spPr>
+          <a:xfrm>
+            <a:off x="4954140" y="413967"/>
+            <a:ext cx="1119117" cy="1119117"/>
+          </a:xfrm>
+          <a:prstGeom prst="ellipse">
+            <a:avLst/>
+          </a:prstGeom>
+          <a:solidFill>
+            <a:schemeClr val="accent1">
+              <a:lumMod val="75000"/>
+            </a:schemeClr>
+          </a:solidFill>
+          <a:ln>
+            <a:noFill/>
+          </a:ln>
+        </p:spPr>
+        <p:style>
+          <a:lnRef idx="2">
+            <a:schemeClr val="accent1">
+              <a:shade val="50000"/>
+            </a:schemeClr>
+          </a:lnRef>
+          <a:fillRef idx="1">
+            <a:schemeClr val="accent1"/>
+          </a:fillRef>
+          <a:effectRef idx="0">
+            <a:schemeClr val="accent1"/>
+          </a:effectRef>
+          <a:fontRef idx="minor">
+            <a:schemeClr val="lt1"/>
+          </a:fontRef>
+        </p:style>
+        <p:txBody>
+          <a:bodyPr rtlCol="0" anchor="ctr"/>
+          <a:lstStyle/>
+          <a:p>
+            <a:pPr algn="ctr"/>
+            <a:r>
+              <a:rPr lang="en-US" altLang="zh-CN" sz="3200" dirty="0" smtClean="0"/>
+              <a:t>6</a:t>
+            </a:r>
+            <a:endParaRPr lang="zh-CN" altLang="en-US" sz="3200" dirty="0"/>
+          </a:p>
+        </p:txBody>
+      </p:sp>
+      <p:sp>
+        <p:nvSpPr>
+          <p:cNvPr id="8" name="椭圆 7"/>
+          <p:cNvSpPr/>
+          <p:nvPr/>
+        </p:nvSpPr>
+        <p:spPr>
+          <a:xfrm>
+            <a:off x="6073257" y="413969"/>
+            <a:ext cx="1119117" cy="1119117"/>
+          </a:xfrm>
+          <a:prstGeom prst="ellipse">
+            <a:avLst/>
+          </a:prstGeom>
+          <a:solidFill>
+            <a:schemeClr val="accent1">
+              <a:lumMod val="75000"/>
+            </a:schemeClr>
+          </a:solidFill>
+          <a:ln>
+            <a:noFill/>
+          </a:ln>
+        </p:spPr>
+        <p:style>
+          <a:lnRef idx="2">
+            <a:schemeClr val="accent1">
+              <a:shade val="50000"/>
+            </a:schemeClr>
+          </a:lnRef>
+          <a:fillRef idx="1">
+            <a:schemeClr val="accent1"/>
+          </a:fillRef>
+          <a:effectRef idx="0">
+            <a:schemeClr val="accent1"/>
+          </a:effectRef>
+          <a:fontRef idx="minor">
+            <a:schemeClr val="lt1"/>
+          </a:fontRef>
+        </p:style>
+        <p:txBody>
+          <a:bodyPr rtlCol="0" anchor="ctr"/>
+          <a:lstStyle/>
+          <a:p>
+            <a:pPr algn="ctr"/>
+            <a:r>
+              <a:rPr lang="en-US" altLang="zh-CN" sz="3200" dirty="0" smtClean="0"/>
+              <a:t>27</a:t>
+            </a:r>
+            <a:endParaRPr lang="zh-CN" altLang="en-US" sz="3200" dirty="0"/>
+          </a:p>
+        </p:txBody>
+      </p:sp>
+      <p:sp>
+        <p:nvSpPr>
+          <p:cNvPr id="9" name="椭圆 8"/>
+          <p:cNvSpPr/>
+          <p:nvPr/>
+        </p:nvSpPr>
+        <p:spPr>
+          <a:xfrm>
+            <a:off x="7192374" y="413968"/>
+            <a:ext cx="1119117" cy="1119117"/>
+          </a:xfrm>
+          <a:prstGeom prst="ellipse">
+            <a:avLst/>
+          </a:prstGeom>
+          <a:solidFill>
+            <a:schemeClr val="accent1">
+              <a:lumMod val="75000"/>
+            </a:schemeClr>
+          </a:solidFill>
+          <a:ln>
+            <a:noFill/>
+          </a:ln>
+        </p:spPr>
+        <p:style>
+          <a:lnRef idx="2">
+            <a:schemeClr val="accent1">
+              <a:shade val="50000"/>
+            </a:schemeClr>
+          </a:lnRef>
+          <a:fillRef idx="1">
+            <a:schemeClr val="accent1"/>
+          </a:fillRef>
+          <a:effectRef idx="0">
+            <a:schemeClr val="accent1"/>
+          </a:effectRef>
+          <a:fontRef idx="minor">
+            <a:schemeClr val="lt1"/>
+          </a:fontRef>
+        </p:style>
+        <p:txBody>
+          <a:bodyPr rtlCol="0" anchor="ctr"/>
+          <a:lstStyle/>
+          <a:p>
+            <a:pPr algn="ctr"/>
+            <a:r>
+              <a:rPr lang="en-US" altLang="zh-CN" sz="3200" dirty="0"/>
+              <a:t>4</a:t>
+            </a:r>
+            <a:r>
+              <a:rPr lang="en-US" altLang="zh-CN" sz="3200" dirty="0" smtClean="0"/>
+              <a:t>8</a:t>
+            </a:r>
+            <a:endParaRPr lang="zh-CN" altLang="en-US" sz="3200" dirty="0"/>
+          </a:p>
+        </p:txBody>
+      </p:sp>
+      <p:sp>
+        <p:nvSpPr>
+          <p:cNvPr id="10" name="椭圆 9"/>
+          <p:cNvSpPr/>
+          <p:nvPr/>
+        </p:nvSpPr>
+        <p:spPr>
+          <a:xfrm>
+            <a:off x="8311491" y="413966"/>
+            <a:ext cx="1119117" cy="1119117"/>
+          </a:xfrm>
+          <a:prstGeom prst="ellipse">
+            <a:avLst/>
+          </a:prstGeom>
+          <a:solidFill>
+            <a:schemeClr val="accent1">
+              <a:lumMod val="75000"/>
+            </a:schemeClr>
+          </a:solidFill>
+          <a:ln>
+            <a:noFill/>
+          </a:ln>
+        </p:spPr>
+        <p:style>
+          <a:lnRef idx="2">
+            <a:schemeClr val="accent1">
+              <a:shade val="50000"/>
+            </a:schemeClr>
+          </a:lnRef>
+          <a:fillRef idx="1">
+            <a:schemeClr val="accent1"/>
+          </a:fillRef>
+          <a:effectRef idx="0">
+            <a:schemeClr val="accent1"/>
+          </a:effectRef>
+          <a:fontRef idx="minor">
+            <a:schemeClr val="lt1"/>
+          </a:fontRef>
+        </p:style>
+        <p:txBody>
+          <a:bodyPr rtlCol="0" anchor="ctr"/>
+          <a:lstStyle/>
+          <a:p>
+            <a:pPr algn="ctr"/>
+            <a:r>
+              <a:rPr lang="en-US" altLang="zh-CN" sz="3200" dirty="0" smtClean="0"/>
+              <a:t>29</a:t>
+            </a:r>
+            <a:endParaRPr lang="zh-CN" altLang="en-US" sz="3200" dirty="0"/>
+          </a:p>
+        </p:txBody>
+      </p:sp>
+      <p:sp>
+        <p:nvSpPr>
+          <p:cNvPr id="11" name="椭圆 10"/>
+          <p:cNvSpPr/>
+          <p:nvPr/>
+        </p:nvSpPr>
+        <p:spPr>
+          <a:xfrm>
+            <a:off x="9430608" y="413964"/>
+            <a:ext cx="1119117" cy="1119117"/>
+          </a:xfrm>
+          <a:prstGeom prst="ellipse">
+            <a:avLst/>
+          </a:prstGeom>
+          <a:solidFill>
+            <a:schemeClr val="accent1">
+              <a:lumMod val="75000"/>
+            </a:schemeClr>
+          </a:solidFill>
+          <a:ln>
+            <a:noFill/>
+          </a:ln>
+        </p:spPr>
+        <p:style>
+          <a:lnRef idx="2">
+            <a:schemeClr val="accent1">
+              <a:shade val="50000"/>
+            </a:schemeClr>
+          </a:lnRef>
+          <a:fillRef idx="1">
+            <a:schemeClr val="accent1"/>
+          </a:fillRef>
+          <a:effectRef idx="0">
+            <a:schemeClr val="accent1"/>
+          </a:effectRef>
+          <a:fontRef idx="minor">
+            <a:schemeClr val="lt1"/>
+          </a:fontRef>
+        </p:style>
+        <p:txBody>
+          <a:bodyPr rtlCol="0" anchor="ctr"/>
+          <a:lstStyle/>
+          <a:p>
+            <a:pPr algn="ctr"/>
+            <a:r>
+              <a:rPr lang="en-US" altLang="zh-CN" sz="3200" dirty="0" smtClean="0"/>
+              <a:t>3</a:t>
+            </a:r>
+            <a:r>
+              <a:rPr lang="en-US" altLang="zh-CN" sz="3200" dirty="0" smtClean="0"/>
+              <a:t>7</a:t>
+            </a:r>
+            <a:endParaRPr lang="zh-CN" altLang="en-US" sz="3200" dirty="0"/>
+          </a:p>
+        </p:txBody>
+      </p:sp>
+      <p:sp>
+        <p:nvSpPr>
+          <p:cNvPr id="12" name="椭圆 11"/>
+          <p:cNvSpPr/>
+          <p:nvPr/>
+        </p:nvSpPr>
+        <p:spPr>
+          <a:xfrm>
+            <a:off x="614150" y="4906351"/>
+            <a:ext cx="1119117" cy="1119117"/>
+          </a:xfrm>
+          <a:prstGeom prst="ellipse">
+            <a:avLst/>
+          </a:prstGeom>
+          <a:solidFill>
+            <a:schemeClr val="accent1">
+              <a:lumMod val="75000"/>
+            </a:schemeClr>
+          </a:solidFill>
+          <a:ln>
+            <a:noFill/>
+          </a:ln>
+        </p:spPr>
+        <p:style>
+          <a:lnRef idx="2">
+            <a:schemeClr val="accent1">
+              <a:shade val="50000"/>
+            </a:schemeClr>
+          </a:lnRef>
+          <a:fillRef idx="1">
+            <a:schemeClr val="accent1"/>
+          </a:fillRef>
+          <a:effectRef idx="0">
+            <a:schemeClr val="accent1"/>
+          </a:effectRef>
+          <a:fontRef idx="minor">
+            <a:schemeClr val="lt1"/>
+          </a:fontRef>
+        </p:style>
+        <p:txBody>
+          <a:bodyPr rtlCol="0" anchor="ctr"/>
+          <a:lstStyle/>
+          <a:p>
+            <a:pPr algn="ctr"/>
+            <a:r>
+              <a:rPr lang="en-US" altLang="zh-CN" sz="3200" dirty="0"/>
+              <a:t>0</a:t>
+            </a:r>
+            <a:endParaRPr lang="zh-CN" altLang="en-US" sz="3200" dirty="0"/>
+          </a:p>
+        </p:txBody>
+      </p:sp>
+      <p:sp>
+        <p:nvSpPr>
+          <p:cNvPr id="13" name="椭圆 12"/>
+          <p:cNvSpPr/>
+          <p:nvPr/>
+        </p:nvSpPr>
+        <p:spPr>
+          <a:xfrm>
+            <a:off x="1733267" y="4906358"/>
+            <a:ext cx="1119117" cy="1119117"/>
+          </a:xfrm>
+          <a:prstGeom prst="ellipse">
+            <a:avLst/>
+          </a:prstGeom>
+          <a:solidFill>
+            <a:schemeClr val="accent1">
+              <a:lumMod val="75000"/>
+            </a:schemeClr>
+          </a:solidFill>
+          <a:ln>
+            <a:noFill/>
+          </a:ln>
+        </p:spPr>
+        <p:style>
+          <a:lnRef idx="2">
+            <a:schemeClr val="accent1">
+              <a:shade val="50000"/>
+            </a:schemeClr>
+          </a:lnRef>
+          <a:fillRef idx="1">
+            <a:schemeClr val="accent1"/>
+          </a:fillRef>
+          <a:effectRef idx="0">
+            <a:schemeClr val="accent1"/>
+          </a:effectRef>
+          <a:fontRef idx="minor">
+            <a:schemeClr val="lt1"/>
+          </a:fontRef>
+        </p:style>
+        <p:txBody>
+          <a:bodyPr rtlCol="0" anchor="ctr"/>
+          <a:lstStyle/>
+          <a:p>
+            <a:pPr algn="ctr"/>
+            <a:r>
+              <a:rPr lang="en-US" altLang="zh-CN" sz="3200" dirty="0" smtClean="0"/>
+              <a:t>1</a:t>
+            </a:r>
+            <a:endParaRPr lang="zh-CN" altLang="en-US" sz="3200" dirty="0"/>
+          </a:p>
+        </p:txBody>
+      </p:sp>
+      <p:sp>
+        <p:nvSpPr>
+          <p:cNvPr id="14" name="椭圆 13"/>
+          <p:cNvSpPr/>
+          <p:nvPr/>
+        </p:nvSpPr>
+        <p:spPr>
+          <a:xfrm>
+            <a:off x="2852384" y="4906358"/>
+            <a:ext cx="1119117" cy="1119117"/>
+          </a:xfrm>
+          <a:prstGeom prst="ellipse">
+            <a:avLst/>
+          </a:prstGeom>
+          <a:solidFill>
+            <a:schemeClr val="accent1">
+              <a:lumMod val="75000"/>
+            </a:schemeClr>
+          </a:solidFill>
+          <a:ln>
+            <a:noFill/>
+          </a:ln>
+        </p:spPr>
+        <p:style>
+          <a:lnRef idx="2">
+            <a:schemeClr val="accent1">
+              <a:shade val="50000"/>
+            </a:schemeClr>
+          </a:lnRef>
+          <a:fillRef idx="1">
+            <a:schemeClr val="accent1"/>
+          </a:fillRef>
+          <a:effectRef idx="0">
+            <a:schemeClr val="accent1"/>
+          </a:effectRef>
+          <a:fontRef idx="minor">
+            <a:schemeClr val="lt1"/>
+          </a:fontRef>
+        </p:style>
+        <p:txBody>
+          <a:bodyPr rtlCol="0" anchor="ctr"/>
+          <a:lstStyle/>
+          <a:p>
+            <a:pPr algn="ctr"/>
+            <a:r>
+              <a:rPr lang="en-US" altLang="zh-CN" sz="3200" dirty="0" smtClean="0"/>
+              <a:t>2</a:t>
+            </a:r>
+            <a:endParaRPr lang="zh-CN" altLang="en-US" sz="3200" dirty="0"/>
+          </a:p>
+        </p:txBody>
+      </p:sp>
+      <p:sp>
+        <p:nvSpPr>
+          <p:cNvPr id="15" name="椭圆 14"/>
+          <p:cNvSpPr/>
+          <p:nvPr/>
+        </p:nvSpPr>
+        <p:spPr>
+          <a:xfrm>
+            <a:off x="3971501" y="4906355"/>
+            <a:ext cx="1119117" cy="1119117"/>
+          </a:xfrm>
+          <a:prstGeom prst="ellipse">
+            <a:avLst/>
+          </a:prstGeom>
+          <a:solidFill>
+            <a:schemeClr val="accent1">
+              <a:lumMod val="75000"/>
+            </a:schemeClr>
+          </a:solidFill>
+          <a:ln>
+            <a:noFill/>
+          </a:ln>
+        </p:spPr>
+        <p:style>
+          <a:lnRef idx="2">
+            <a:schemeClr val="accent1">
+              <a:shade val="50000"/>
+            </a:schemeClr>
+          </a:lnRef>
+          <a:fillRef idx="1">
+            <a:schemeClr val="accent1"/>
+          </a:fillRef>
+          <a:effectRef idx="0">
+            <a:schemeClr val="accent1"/>
+          </a:effectRef>
+          <a:fontRef idx="minor">
+            <a:schemeClr val="lt1"/>
+          </a:fontRef>
+        </p:style>
+        <p:txBody>
+          <a:bodyPr rtlCol="0" anchor="ctr"/>
+          <a:lstStyle/>
+          <a:p>
+            <a:pPr algn="ctr"/>
+            <a:r>
+              <a:rPr lang="en-US" altLang="zh-CN" sz="3200" dirty="0" smtClean="0"/>
+              <a:t>3</a:t>
+            </a:r>
+            <a:endParaRPr lang="zh-CN" altLang="en-US" sz="3200" dirty="0"/>
+          </a:p>
+        </p:txBody>
+      </p:sp>
+      <p:sp>
+        <p:nvSpPr>
+          <p:cNvPr id="16" name="椭圆 15"/>
+          <p:cNvSpPr/>
+          <p:nvPr/>
+        </p:nvSpPr>
+        <p:spPr>
+          <a:xfrm>
+            <a:off x="5090618" y="4906357"/>
+            <a:ext cx="1119117" cy="1119117"/>
+          </a:xfrm>
+          <a:prstGeom prst="ellipse">
+            <a:avLst/>
+          </a:prstGeom>
+          <a:solidFill>
+            <a:schemeClr val="accent1">
+              <a:lumMod val="75000"/>
+            </a:schemeClr>
+          </a:solidFill>
+          <a:ln>
+            <a:noFill/>
+          </a:ln>
+        </p:spPr>
+        <p:style>
+          <a:lnRef idx="2">
+            <a:schemeClr val="accent1">
+              <a:shade val="50000"/>
+            </a:schemeClr>
+          </a:lnRef>
+          <a:fillRef idx="1">
+            <a:schemeClr val="accent1"/>
+          </a:fillRef>
+          <a:effectRef idx="0">
+            <a:schemeClr val="accent1"/>
+          </a:effectRef>
+          <a:fontRef idx="minor">
+            <a:schemeClr val="lt1"/>
+          </a:fontRef>
+        </p:style>
+        <p:txBody>
+          <a:bodyPr rtlCol="0" anchor="ctr"/>
+          <a:lstStyle/>
+          <a:p>
+            <a:pPr algn="ctr"/>
+            <a:r>
+              <a:rPr lang="en-US" altLang="zh-CN" sz="3200" dirty="0" smtClean="0"/>
+              <a:t>4</a:t>
+            </a:r>
+            <a:endParaRPr lang="zh-CN" altLang="en-US" sz="3200" dirty="0"/>
+          </a:p>
+        </p:txBody>
+      </p:sp>
+      <p:sp>
+        <p:nvSpPr>
+          <p:cNvPr id="17" name="椭圆 16"/>
+          <p:cNvSpPr/>
+          <p:nvPr/>
+        </p:nvSpPr>
+        <p:spPr>
+          <a:xfrm>
+            <a:off x="6209735" y="4906356"/>
+            <a:ext cx="1119117" cy="1119117"/>
+          </a:xfrm>
+          <a:prstGeom prst="ellipse">
+            <a:avLst/>
+          </a:prstGeom>
+          <a:solidFill>
+            <a:schemeClr val="accent1">
+              <a:lumMod val="75000"/>
+            </a:schemeClr>
+          </a:solidFill>
+          <a:ln>
+            <a:noFill/>
+          </a:ln>
+        </p:spPr>
+        <p:style>
+          <a:lnRef idx="2">
+            <a:schemeClr val="accent1">
+              <a:shade val="50000"/>
+            </a:schemeClr>
+          </a:lnRef>
+          <a:fillRef idx="1">
+            <a:schemeClr val="accent1"/>
+          </a:fillRef>
+          <a:effectRef idx="0">
+            <a:schemeClr val="accent1"/>
+          </a:effectRef>
+          <a:fontRef idx="minor">
+            <a:schemeClr val="lt1"/>
+          </a:fontRef>
+        </p:style>
+        <p:txBody>
+          <a:bodyPr rtlCol="0" anchor="ctr"/>
+          <a:lstStyle/>
+          <a:p>
+            <a:pPr algn="ctr"/>
+            <a:r>
+              <a:rPr lang="en-US" altLang="zh-CN" sz="3200" dirty="0" smtClean="0"/>
+              <a:t>5</a:t>
+            </a:r>
+            <a:endParaRPr lang="zh-CN" altLang="en-US" sz="3200" dirty="0"/>
+          </a:p>
+        </p:txBody>
+      </p:sp>
+      <p:sp>
+        <p:nvSpPr>
+          <p:cNvPr id="18" name="椭圆 17"/>
+          <p:cNvSpPr/>
+          <p:nvPr/>
+        </p:nvSpPr>
+        <p:spPr>
+          <a:xfrm>
+            <a:off x="7328852" y="4906354"/>
+            <a:ext cx="1119117" cy="1119117"/>
+          </a:xfrm>
+          <a:prstGeom prst="ellipse">
+            <a:avLst/>
+          </a:prstGeom>
+          <a:solidFill>
+            <a:schemeClr val="accent1">
+              <a:lumMod val="75000"/>
+            </a:schemeClr>
+          </a:solidFill>
+          <a:ln>
+            <a:noFill/>
+          </a:ln>
+        </p:spPr>
+        <p:style>
+          <a:lnRef idx="2">
+            <a:schemeClr val="accent1">
+              <a:shade val="50000"/>
+            </a:schemeClr>
+          </a:lnRef>
+          <a:fillRef idx="1">
+            <a:schemeClr val="accent1"/>
+          </a:fillRef>
+          <a:effectRef idx="0">
+            <a:schemeClr val="accent1"/>
+          </a:effectRef>
+          <a:fontRef idx="minor">
+            <a:schemeClr val="lt1"/>
+          </a:fontRef>
+        </p:style>
+        <p:txBody>
+          <a:bodyPr rtlCol="0" anchor="ctr"/>
+          <a:lstStyle/>
+          <a:p>
+            <a:pPr algn="ctr"/>
+            <a:r>
+              <a:rPr lang="en-US" altLang="zh-CN" sz="3200" dirty="0" smtClean="0"/>
+              <a:t>6</a:t>
+            </a:r>
+            <a:endParaRPr lang="zh-CN" altLang="en-US" sz="3200" dirty="0"/>
+          </a:p>
+        </p:txBody>
+      </p:sp>
+      <p:sp>
+        <p:nvSpPr>
+          <p:cNvPr id="19" name="椭圆 18"/>
+          <p:cNvSpPr/>
+          <p:nvPr/>
+        </p:nvSpPr>
+        <p:spPr>
+          <a:xfrm>
+            <a:off x="8447969" y="4906352"/>
+            <a:ext cx="1119117" cy="1119117"/>
+          </a:xfrm>
+          <a:prstGeom prst="ellipse">
+            <a:avLst/>
+          </a:prstGeom>
+          <a:solidFill>
+            <a:schemeClr val="accent1">
+              <a:lumMod val="75000"/>
+            </a:schemeClr>
+          </a:solidFill>
+          <a:ln>
+            <a:noFill/>
+          </a:ln>
+        </p:spPr>
+        <p:style>
+          <a:lnRef idx="2">
+            <a:schemeClr val="accent1">
+              <a:shade val="50000"/>
+            </a:schemeClr>
+          </a:lnRef>
+          <a:fillRef idx="1">
+            <a:schemeClr val="accent1"/>
+          </a:fillRef>
+          <a:effectRef idx="0">
+            <a:schemeClr val="accent1"/>
+          </a:effectRef>
+          <a:fontRef idx="minor">
+            <a:schemeClr val="lt1"/>
+          </a:fontRef>
+        </p:style>
+        <p:txBody>
+          <a:bodyPr rtlCol="0" anchor="ctr"/>
+          <a:lstStyle/>
+          <a:p>
+            <a:pPr algn="ctr"/>
+            <a:r>
+              <a:rPr lang="en-US" altLang="zh-CN" sz="3200" dirty="0" smtClean="0"/>
+              <a:t>7</a:t>
+            </a:r>
+            <a:endParaRPr lang="zh-CN" altLang="en-US" sz="3200" dirty="0"/>
+          </a:p>
+        </p:txBody>
+      </p:sp>
+      <p:sp>
+        <p:nvSpPr>
+          <p:cNvPr id="20" name="椭圆 19"/>
+          <p:cNvSpPr/>
+          <p:nvPr/>
+        </p:nvSpPr>
+        <p:spPr>
+          <a:xfrm>
+            <a:off x="9567086" y="4906353"/>
+            <a:ext cx="1119117" cy="1119117"/>
+          </a:xfrm>
+          <a:prstGeom prst="ellipse">
+            <a:avLst/>
+          </a:prstGeom>
+          <a:solidFill>
+            <a:schemeClr val="accent1">
+              <a:lumMod val="75000"/>
+            </a:schemeClr>
+          </a:solidFill>
+          <a:ln>
+            <a:noFill/>
+          </a:ln>
+        </p:spPr>
+        <p:style>
+          <a:lnRef idx="2">
+            <a:schemeClr val="accent1">
+              <a:shade val="50000"/>
+            </a:schemeClr>
+          </a:lnRef>
+          <a:fillRef idx="1">
+            <a:schemeClr val="accent1"/>
+          </a:fillRef>
+          <a:effectRef idx="0">
+            <a:schemeClr val="accent1"/>
+          </a:effectRef>
+          <a:fontRef idx="minor">
+            <a:schemeClr val="lt1"/>
+          </a:fontRef>
+        </p:style>
+        <p:txBody>
+          <a:bodyPr rtlCol="0" anchor="ctr"/>
+          <a:lstStyle/>
+          <a:p>
+            <a:pPr algn="ctr"/>
+            <a:r>
+              <a:rPr lang="en-US" altLang="zh-CN" sz="3200" dirty="0" smtClean="0"/>
+              <a:t>8</a:t>
+            </a:r>
+            <a:endParaRPr lang="zh-CN" altLang="en-US" sz="3200" dirty="0"/>
+          </a:p>
+        </p:txBody>
+      </p:sp>
+      <p:sp>
+        <p:nvSpPr>
+          <p:cNvPr id="21" name="椭圆 20"/>
+          <p:cNvSpPr/>
+          <p:nvPr/>
+        </p:nvSpPr>
+        <p:spPr>
+          <a:xfrm>
+            <a:off x="10658913" y="4906350"/>
+            <a:ext cx="1119117" cy="1119117"/>
+          </a:xfrm>
+          <a:prstGeom prst="ellipse">
+            <a:avLst/>
+          </a:prstGeom>
+          <a:solidFill>
+            <a:schemeClr val="accent1">
+              <a:lumMod val="75000"/>
+            </a:schemeClr>
+          </a:solidFill>
+          <a:ln>
+            <a:noFill/>
+          </a:ln>
+        </p:spPr>
+        <p:style>
+          <a:lnRef idx="2">
+            <a:schemeClr val="accent1">
+              <a:shade val="50000"/>
+            </a:schemeClr>
+          </a:lnRef>
+          <a:fillRef idx="1">
+            <a:schemeClr val="accent1"/>
+          </a:fillRef>
+          <a:effectRef idx="0">
+            <a:schemeClr val="accent1"/>
+          </a:effectRef>
+          <a:fontRef idx="minor">
+            <a:schemeClr val="lt1"/>
+          </a:fontRef>
+        </p:style>
+        <p:txBody>
+          <a:bodyPr rtlCol="0" anchor="ctr"/>
+          <a:lstStyle/>
+          <a:p>
+            <a:pPr algn="ctr"/>
+            <a:r>
+              <a:rPr lang="en-US" altLang="zh-CN" sz="3200" dirty="0" smtClean="0"/>
+              <a:t>9</a:t>
+            </a:r>
+            <a:endParaRPr lang="zh-CN" altLang="en-US" sz="3200" dirty="0"/>
+          </a:p>
+        </p:txBody>
+      </p:sp>
+    </p:spTree>
+    <p:extLst>
+      <p:ext uri="{BB962C8B-B14F-4D97-AF65-F5344CB8AC3E}">
+        <p14:creationId xmlns:p14="http://schemas.microsoft.com/office/powerpoint/2010/main" val="1768447302"/>
+      </p:ext>
+    </p:extLst>
+  </p:cSld>
+  <p:clrMapOvr>
+    <a:masterClrMapping/>
+  </p:clrMapOvr>
+  <p:timing>
+    <p:tnLst>
+      <p:par>
+        <p:cTn id="1" dur="indefinite" restart="never" nodeType="tmRoot">
+          <p:childTnLst>
+            <p:seq concurrent="1" nextAc="seek">
+              <p:cTn id="2" dur="indefinite" nodeType="mainSeq">
+                <p:childTnLst>
+                  <p:par>
+                    <p:cTn id="3" fill="hold">
+                      <p:stCondLst>
+                        <p:cond delay="indefinite"/>
+                      </p:stCondLst>
+                      <p:childTnLst>
+                        <p:par>
+                          <p:cTn id="4" fill="hold">
+                            <p:stCondLst>
+                              <p:cond delay="0"/>
+                            </p:stCondLst>
+                            <p:childTnLst>
+                              <p:par>
+                                <p:cTn id="5" presetID="42" presetClass="path" presetSubtype="0" accel="50000" decel="50000" fill="hold" grpId="0" nodeType="clickEffect">
+                                  <p:stCondLst>
+                                    <p:cond delay="0"/>
+                                  </p:stCondLst>
+                                  <p:childTnLst>
+                                    <p:animMotion origin="layout" path="M -2.91667E-6 1.85185E-6 L 0.38177 0.48565 " pathEditMode="relative" rAng="0" ptsTypes="AA">
+                                      <p:cBhvr>
+                                        <p:cTn id="6" dur="750" fill="hold"/>
+                                        <p:tgtEl>
+                                          <p:spTgt spid="4"/>
+                                        </p:tgtEl>
+                                        <p:attrNameLst>
+                                          <p:attrName>ppt_x</p:attrName>
+                                          <p:attrName>ppt_y</p:attrName>
+                                        </p:attrNameLst>
+                                      </p:cBhvr>
+                                      <p:rCtr x="19089" y="24282"/>
+                                    </p:animMotion>
+                                  </p:childTnLst>
+                                </p:cTn>
+                              </p:par>
+                            </p:childTnLst>
+                          </p:cTn>
+                        </p:par>
+                        <p:par>
+                          <p:cTn id="7" fill="hold">
+                            <p:stCondLst>
+                              <p:cond delay="750"/>
+                            </p:stCondLst>
+                            <p:childTnLst>
+                              <p:par>
+                                <p:cTn id="8" presetID="42" presetClass="path" presetSubtype="0" accel="50000" decel="50000" fill="hold" grpId="0" nodeType="afterEffect">
+                                  <p:stCondLst>
+                                    <p:cond delay="0"/>
+                                  </p:stCondLst>
+                                  <p:childTnLst>
+                                    <p:animMotion origin="layout" path="M 2.08333E-7 1.85185E-6 L 0.10768 0.48333 " pathEditMode="relative" rAng="0" ptsTypes="AA">
+                                      <p:cBhvr>
+                                        <p:cTn id="9" dur="750" fill="hold"/>
+                                        <p:tgtEl>
+                                          <p:spTgt spid="5"/>
+                                        </p:tgtEl>
+                                        <p:attrNameLst>
+                                          <p:attrName>ppt_x</p:attrName>
+                                          <p:attrName>ppt_y</p:attrName>
+                                        </p:attrNameLst>
+                                      </p:cBhvr>
+                                      <p:rCtr x="5378" y="24167"/>
+                                    </p:animMotion>
+                                  </p:childTnLst>
+                                </p:cTn>
+                              </p:par>
+                            </p:childTnLst>
+                          </p:cTn>
+                        </p:par>
+                        <p:par>
+                          <p:cTn id="10" fill="hold">
+                            <p:stCondLst>
+                              <p:cond delay="1500"/>
+                            </p:stCondLst>
+                            <p:childTnLst>
+                              <p:par>
+                                <p:cTn id="11" presetID="42" presetClass="path" presetSubtype="0" accel="50000" decel="50000" fill="hold" grpId="0" nodeType="afterEffect">
+                                  <p:stCondLst>
+                                    <p:cond delay="0"/>
+                                  </p:stCondLst>
+                                  <p:childTnLst>
+                                    <p:animMotion origin="layout" path="M 3.33333E-6 1.85185E-6 L -0.17032 0.4787 " pathEditMode="relative" rAng="0" ptsTypes="AA">
+                                      <p:cBhvr>
+                                        <p:cTn id="12" dur="750" fill="hold"/>
+                                        <p:tgtEl>
+                                          <p:spTgt spid="6"/>
+                                        </p:tgtEl>
+                                        <p:attrNameLst>
+                                          <p:attrName>ppt_x</p:attrName>
+                                          <p:attrName>ppt_y</p:attrName>
+                                        </p:attrNameLst>
+                                      </p:cBhvr>
+                                      <p:rCtr x="-8516" y="23935"/>
+                                    </p:animMotion>
+                                  </p:childTnLst>
+                                </p:cTn>
+                              </p:par>
+                            </p:childTnLst>
+                          </p:cTn>
+                        </p:par>
+                        <p:par>
+                          <p:cTn id="13" fill="hold">
+                            <p:stCondLst>
+                              <p:cond delay="2250"/>
+                            </p:stCondLst>
+                            <p:childTnLst>
+                              <p:par>
+                                <p:cTn id="14" presetID="42" presetClass="path" presetSubtype="0" accel="50000" decel="50000" fill="hold" grpId="0" nodeType="afterEffect">
+                                  <p:stCondLst>
+                                    <p:cond delay="0"/>
+                                  </p:stCondLst>
+                                  <p:childTnLst>
+                                    <p:animMotion origin="layout" path="M -3.54167E-6 1.85185E-6 L 0.20078 0.48102 " pathEditMode="relative" rAng="0" ptsTypes="AA">
+                                      <p:cBhvr>
+                                        <p:cTn id="15" dur="750" fill="hold"/>
+                                        <p:tgtEl>
+                                          <p:spTgt spid="7"/>
+                                        </p:tgtEl>
+                                        <p:attrNameLst>
+                                          <p:attrName>ppt_x</p:attrName>
+                                          <p:attrName>ppt_y</p:attrName>
+                                        </p:attrNameLst>
+                                      </p:cBhvr>
+                                      <p:rCtr x="10039" y="24051"/>
+                                    </p:animMotion>
+                                  </p:childTnLst>
+                                </p:cTn>
+                              </p:par>
+                            </p:childTnLst>
+                          </p:cTn>
+                        </p:par>
+                        <p:par>
+                          <p:cTn id="16" fill="hold">
+                            <p:stCondLst>
+                              <p:cond delay="3000"/>
+                            </p:stCondLst>
+                            <p:childTnLst>
+                              <p:par>
+                                <p:cTn id="17" presetID="42" presetClass="path" presetSubtype="0" accel="50000" decel="50000" fill="hold" grpId="0" nodeType="afterEffect">
+                                  <p:stCondLst>
+                                    <p:cond delay="0"/>
+                                  </p:stCondLst>
+                                  <p:childTnLst>
+                                    <p:animMotion origin="layout" path="M -4.16667E-7 1.85185E-6 L 0.19688 0.47639 " pathEditMode="relative" rAng="0" ptsTypes="AA">
+                                      <p:cBhvr>
+                                        <p:cTn id="18" dur="750" fill="hold"/>
+                                        <p:tgtEl>
+                                          <p:spTgt spid="8"/>
+                                        </p:tgtEl>
+                                        <p:attrNameLst>
+                                          <p:attrName>ppt_x</p:attrName>
+                                          <p:attrName>ppt_y</p:attrName>
+                                        </p:attrNameLst>
+                                      </p:cBhvr>
+                                      <p:rCtr x="9844" y="23819"/>
+                                    </p:animMotion>
+                                  </p:childTnLst>
+                                </p:cTn>
+                              </p:par>
+                            </p:childTnLst>
+                          </p:cTn>
+                        </p:par>
+                        <p:par>
+                          <p:cTn id="19" fill="hold">
+                            <p:stCondLst>
+                              <p:cond delay="3750"/>
+                            </p:stCondLst>
+                            <p:childTnLst>
+                              <p:par>
+                                <p:cTn id="20" presetID="42" presetClass="path" presetSubtype="0" accel="50000" decel="50000" fill="hold" grpId="0" nodeType="afterEffect">
+                                  <p:stCondLst>
+                                    <p:cond delay="0"/>
+                                  </p:stCondLst>
+                                  <p:childTnLst>
+                                    <p:animMotion origin="layout" path="M 2.70833E-6 1.85185E-6 L 0.1957 0.48102 " pathEditMode="relative" rAng="0" ptsTypes="AA">
+                                      <p:cBhvr>
+                                        <p:cTn id="21" dur="750" fill="hold"/>
+                                        <p:tgtEl>
+                                          <p:spTgt spid="9"/>
+                                        </p:tgtEl>
+                                        <p:attrNameLst>
+                                          <p:attrName>ppt_x</p:attrName>
+                                          <p:attrName>ppt_y</p:attrName>
+                                        </p:attrNameLst>
+                                      </p:cBhvr>
+                                      <p:rCtr x="9779" y="24051"/>
+                                    </p:animMotion>
+                                  </p:childTnLst>
+                                </p:cTn>
+                              </p:par>
+                            </p:childTnLst>
+                          </p:cTn>
+                        </p:par>
+                        <p:par>
+                          <p:cTn id="22" fill="hold">
+                            <p:stCondLst>
+                              <p:cond delay="4500"/>
+                            </p:stCondLst>
+                            <p:childTnLst>
+                              <p:par>
+                                <p:cTn id="23" presetID="42" presetClass="path" presetSubtype="0" accel="50000" decel="50000" fill="hold" grpId="0" nodeType="afterEffect">
+                                  <p:stCondLst>
+                                    <p:cond delay="0"/>
+                                  </p:stCondLst>
+                                  <p:childTnLst>
+                                    <p:animMotion origin="layout" path="M -4.16667E-6 1.85185E-6 L 0.19571 0.47639 " pathEditMode="relative" rAng="0" ptsTypes="AA">
+                                      <p:cBhvr>
+                                        <p:cTn id="24" dur="750" fill="hold"/>
+                                        <p:tgtEl>
+                                          <p:spTgt spid="10"/>
+                                        </p:tgtEl>
+                                        <p:attrNameLst>
+                                          <p:attrName>ppt_x</p:attrName>
+                                          <p:attrName>ppt_y</p:attrName>
+                                        </p:attrNameLst>
+                                      </p:cBhvr>
+                                      <p:rCtr x="9779" y="23819"/>
+                                    </p:animMotion>
+                                  </p:childTnLst>
+                                </p:cTn>
+                              </p:par>
+                            </p:childTnLst>
+                          </p:cTn>
+                        </p:par>
+                        <p:par>
+                          <p:cTn id="25" fill="hold">
+                            <p:stCondLst>
+                              <p:cond delay="5250"/>
+                            </p:stCondLst>
+                            <p:childTnLst>
+                              <p:par>
+                                <p:cTn id="26" presetID="42" presetClass="path" presetSubtype="0" accel="50000" decel="50000" fill="hold" grpId="0" nodeType="afterEffect">
+                                  <p:stCondLst>
+                                    <p:cond delay="0"/>
+                                  </p:stCondLst>
+                                  <p:childTnLst>
+                                    <p:animMotion origin="layout" path="M -1.04167E-6 1.85185E-6 L -0.08099 0.30856 " pathEditMode="relative" rAng="0" ptsTypes="AA">
+                                      <p:cBhvr>
+                                        <p:cTn id="27" dur="750" fill="hold"/>
+                                        <p:tgtEl>
+                                          <p:spTgt spid="11"/>
+                                        </p:tgtEl>
+                                        <p:attrNameLst>
+                                          <p:attrName>ppt_x</p:attrName>
+                                          <p:attrName>ppt_y</p:attrName>
+                                        </p:attrNameLst>
+                                      </p:cBhvr>
+                                      <p:rCtr x="-4049" y="15417"/>
+                                    </p:animMotion>
+                                  </p:childTnLst>
+                                </p:cTn>
+                              </p:par>
+                            </p:childTnLst>
+                          </p:cTn>
+                        </p:par>
+                        <p:par>
+                          <p:cTn id="28" fill="hold">
+                            <p:stCondLst>
+                              <p:cond delay="6000"/>
+                            </p:stCondLst>
+                            <p:childTnLst>
+                              <p:par>
+                                <p:cTn id="29" presetID="42" presetClass="path" presetSubtype="0" accel="50000" decel="50000" fill="hold" grpId="1" nodeType="afterEffect">
+                                  <p:stCondLst>
+                                    <p:cond delay="0"/>
+                                  </p:stCondLst>
+                                  <p:childTnLst>
+                                    <p:animMotion origin="layout" path="M -0.17031 0.47871 L -0.1836 1.85185E-6 " pathEditMode="relative" rAng="0" ptsTypes="AA">
+                                      <p:cBhvr>
+                                        <p:cTn id="30" dur="750" fill="hold"/>
+                                        <p:tgtEl>
+                                          <p:spTgt spid="6"/>
+                                        </p:tgtEl>
+                                        <p:attrNameLst>
+                                          <p:attrName>ppt_x</p:attrName>
+                                          <p:attrName>ppt_y</p:attrName>
+                                        </p:attrNameLst>
+                                      </p:cBhvr>
+                                      <p:rCtr x="-1055" y="-23819"/>
+                                    </p:animMotion>
+                                  </p:childTnLst>
+                                </p:cTn>
+                              </p:par>
+                            </p:childTnLst>
+                          </p:cTn>
+                        </p:par>
+                        <p:par>
+                          <p:cTn id="31" fill="hold">
+                            <p:stCondLst>
+                              <p:cond delay="6750"/>
+                            </p:stCondLst>
+                            <p:childTnLst>
+                              <p:par>
+                                <p:cTn id="32" presetID="42" presetClass="path" presetSubtype="0" accel="50000" decel="50000" fill="hold" grpId="1" nodeType="afterEffect">
+                                  <p:stCondLst>
+                                    <p:cond delay="0"/>
+                                  </p:stCondLst>
+                                  <p:childTnLst>
+                                    <p:animMotion origin="layout" path="M 0.10768 0.48333 L -4.16667E-6 2.59259E-6 " pathEditMode="relative" rAng="0" ptsTypes="AA">
+                                      <p:cBhvr>
+                                        <p:cTn id="33" dur="750" fill="hold"/>
+                                        <p:tgtEl>
+                                          <p:spTgt spid="5"/>
+                                        </p:tgtEl>
+                                        <p:attrNameLst>
+                                          <p:attrName>ppt_x</p:attrName>
+                                          <p:attrName>ppt_y</p:attrName>
+                                        </p:attrNameLst>
+                                      </p:cBhvr>
+                                      <p:rCtr x="-5560" y="-24028"/>
+                                    </p:animMotion>
+                                  </p:childTnLst>
+                                </p:cTn>
+                              </p:par>
+                            </p:childTnLst>
+                          </p:cTn>
+                        </p:par>
+                        <p:par>
+                          <p:cTn id="34" fill="hold">
+                            <p:stCondLst>
+                              <p:cond delay="7500"/>
+                            </p:stCondLst>
+                            <p:childTnLst>
+                              <p:par>
+                                <p:cTn id="35" presetID="42" presetClass="path" presetSubtype="0" accel="50000" decel="50000" fill="hold" grpId="1" nodeType="afterEffect">
+                                  <p:stCondLst>
+                                    <p:cond delay="0"/>
+                                  </p:stCondLst>
+                                  <p:childTnLst>
+                                    <p:animMotion origin="layout" path="M 0.38177 0.48565 L 0.1836 1.85185E-6 " pathEditMode="relative" rAng="0" ptsTypes="AA">
+                                      <p:cBhvr>
+                                        <p:cTn id="36" dur="750" fill="hold"/>
+                                        <p:tgtEl>
+                                          <p:spTgt spid="4"/>
+                                        </p:tgtEl>
+                                        <p:attrNameLst>
+                                          <p:attrName>ppt_x</p:attrName>
+                                          <p:attrName>ppt_y</p:attrName>
+                                        </p:attrNameLst>
+                                      </p:cBhvr>
+                                      <p:rCtr x="-9531" y="-24051"/>
+                                    </p:animMotion>
+                                  </p:childTnLst>
+                                </p:cTn>
+                              </p:par>
+                            </p:childTnLst>
+                          </p:cTn>
+                        </p:par>
+                        <p:par>
+                          <p:cTn id="37" fill="hold">
+                            <p:stCondLst>
+                              <p:cond delay="8250"/>
+                            </p:stCondLst>
+                            <p:childTnLst>
+                              <p:par>
+                                <p:cTn id="38" presetID="42" presetClass="path" presetSubtype="0" accel="50000" decel="50000" fill="hold" grpId="1" nodeType="afterEffect">
+                                  <p:stCondLst>
+                                    <p:cond delay="0"/>
+                                  </p:stCondLst>
+                                  <p:childTnLst>
+                                    <p:animMotion origin="layout" path="M 0.20078 0.48102 L 1.47451E-17 2.22222E-6 " pathEditMode="relative" rAng="0" ptsTypes="AA">
+                                      <p:cBhvr>
+                                        <p:cTn id="39" dur="750" fill="hold"/>
+                                        <p:tgtEl>
+                                          <p:spTgt spid="7"/>
+                                        </p:tgtEl>
+                                        <p:attrNameLst>
+                                          <p:attrName>ppt_x</p:attrName>
+                                          <p:attrName>ppt_y</p:attrName>
+                                        </p:attrNameLst>
+                                      </p:cBhvr>
+                                      <p:rCtr x="-10156" y="-24144"/>
+                                    </p:animMotion>
+                                  </p:childTnLst>
+                                </p:cTn>
+                              </p:par>
+                            </p:childTnLst>
+                          </p:cTn>
+                        </p:par>
+                        <p:par>
+                          <p:cTn id="40" fill="hold">
+                            <p:stCondLst>
+                              <p:cond delay="9000"/>
+                            </p:stCondLst>
+                            <p:childTnLst>
+                              <p:par>
+                                <p:cTn id="41" presetID="42" presetClass="path" presetSubtype="0" accel="50000" decel="50000" fill="hold" grpId="1" nodeType="afterEffect">
+                                  <p:stCondLst>
+                                    <p:cond delay="0"/>
+                                  </p:stCondLst>
+                                  <p:childTnLst>
+                                    <p:animMotion origin="layout" path="M 0.19688 0.47639 L -4.79167E-6 2.22222E-6 " pathEditMode="relative" rAng="0" ptsTypes="AA">
+                                      <p:cBhvr>
+                                        <p:cTn id="42" dur="750" fill="hold"/>
+                                        <p:tgtEl>
+                                          <p:spTgt spid="8"/>
+                                        </p:tgtEl>
+                                        <p:attrNameLst>
+                                          <p:attrName>ppt_x</p:attrName>
+                                          <p:attrName>ppt_y</p:attrName>
+                                        </p:attrNameLst>
+                                      </p:cBhvr>
+                                      <p:rCtr x="-10026" y="-23912"/>
+                                    </p:animMotion>
+                                  </p:childTnLst>
+                                </p:cTn>
+                              </p:par>
+                            </p:childTnLst>
+                          </p:cTn>
+                        </p:par>
+                        <p:par>
+                          <p:cTn id="43" fill="hold">
+                            <p:stCondLst>
+                              <p:cond delay="9750"/>
+                            </p:stCondLst>
+                            <p:childTnLst>
+                              <p:par>
+                                <p:cTn id="44" presetID="42" presetClass="path" presetSubtype="0" accel="50000" decel="50000" fill="hold" grpId="1" nodeType="afterEffect">
+                                  <p:stCondLst>
+                                    <p:cond delay="0"/>
+                                  </p:stCondLst>
+                                  <p:childTnLst>
+                                    <p:animMotion origin="layout" path="M -0.08099 0.30856 L -0.18359 -2.96296E-6 " pathEditMode="relative" rAng="0" ptsTypes="AA">
+                                      <p:cBhvr>
+                                        <p:cTn id="45" dur="750" fill="hold"/>
+                                        <p:tgtEl>
+                                          <p:spTgt spid="11"/>
+                                        </p:tgtEl>
+                                        <p:attrNameLst>
+                                          <p:attrName>ppt_x</p:attrName>
+                                          <p:attrName>ppt_y</p:attrName>
+                                        </p:attrNameLst>
+                                      </p:cBhvr>
+                                      <p:rCtr x="-5182" y="-15625"/>
+                                    </p:animMotion>
+                                  </p:childTnLst>
+                                </p:cTn>
+                              </p:par>
+                            </p:childTnLst>
+                          </p:cTn>
+                        </p:par>
+                        <p:par>
+                          <p:cTn id="46" fill="hold">
+                            <p:stCondLst>
+                              <p:cond delay="10500"/>
+                            </p:stCondLst>
+                            <p:childTnLst>
+                              <p:par>
+                                <p:cTn id="47" presetID="42" presetClass="path" presetSubtype="0" accel="50000" decel="50000" fill="hold" grpId="1" nodeType="afterEffect">
+                                  <p:stCondLst>
+                                    <p:cond delay="0"/>
+                                  </p:stCondLst>
+                                  <p:childTnLst>
+                                    <p:animMotion origin="layout" path="M 0.1957 0.48102 L 0.09179 1.85185E-6 " pathEditMode="relative" rAng="0" ptsTypes="AA">
+                                      <p:cBhvr>
+                                        <p:cTn id="48" dur="750" fill="hold"/>
+                                        <p:tgtEl>
+                                          <p:spTgt spid="9"/>
+                                        </p:tgtEl>
+                                        <p:attrNameLst>
+                                          <p:attrName>ppt_x</p:attrName>
+                                          <p:attrName>ppt_y</p:attrName>
+                                        </p:attrNameLst>
+                                      </p:cBhvr>
+                                      <p:rCtr x="-5195" y="-23819"/>
+                                    </p:animMotion>
+                                  </p:childTnLst>
+                                </p:cTn>
+                              </p:par>
+                            </p:childTnLst>
+                          </p:cTn>
+                        </p:par>
+                        <p:par>
+                          <p:cTn id="49" fill="hold">
+                            <p:stCondLst>
+                              <p:cond delay="11250"/>
+                            </p:stCondLst>
+                            <p:childTnLst>
+                              <p:par>
+                                <p:cTn id="50" presetID="42" presetClass="path" presetSubtype="0" accel="50000" decel="50000" fill="hold" grpId="1" nodeType="afterEffect">
+                                  <p:stCondLst>
+                                    <p:cond delay="0"/>
+                                  </p:stCondLst>
+                                  <p:childTnLst>
+                                    <p:animMotion origin="layout" path="M 0.1957 0.47638 L 0.0918 1.85185E-6 " pathEditMode="relative" rAng="0" ptsTypes="AA">
+                                      <p:cBhvr>
+                                        <p:cTn id="51" dur="750" fill="hold"/>
+                                        <p:tgtEl>
+                                          <p:spTgt spid="10"/>
+                                        </p:tgtEl>
+                                        <p:attrNameLst>
+                                          <p:attrName>ppt_x</p:attrName>
+                                          <p:attrName>ppt_y</p:attrName>
+                                        </p:attrNameLst>
+                                      </p:cBhvr>
+                                      <p:rCtr x="-5065" y="-23264"/>
+                                    </p:animMotion>
+                                  </p:childTnLst>
+                                </p:cTn>
+                              </p:par>
+                            </p:childTnLst>
+                          </p:cTn>
+                        </p:par>
+                        <p:par>
+                          <p:cTn id="52" fill="hold">
+                            <p:stCondLst>
+                              <p:cond delay="12000"/>
+                            </p:stCondLst>
+                            <p:childTnLst>
+                              <p:par>
+                                <p:cTn id="53" presetID="42" presetClass="path" presetSubtype="0" accel="50000" decel="50000" fill="hold" grpId="2" nodeType="afterEffect">
+                                  <p:stCondLst>
+                                    <p:cond delay="0"/>
+                                  </p:stCondLst>
+                                  <p:childTnLst>
+                                    <p:animMotion origin="layout" path="M -0.1836 1.85185E-6 L -0.17031 0.4787 " pathEditMode="relative" rAng="0" ptsTypes="AA">
+                                      <p:cBhvr>
+                                        <p:cTn id="54" dur="750" fill="hold"/>
+                                        <p:tgtEl>
+                                          <p:spTgt spid="6"/>
+                                        </p:tgtEl>
+                                        <p:attrNameLst>
+                                          <p:attrName>ppt_x</p:attrName>
+                                          <p:attrName>ppt_y</p:attrName>
+                                        </p:attrNameLst>
+                                      </p:cBhvr>
+                                      <p:rCtr x="729" y="23588"/>
+                                    </p:animMotion>
+                                  </p:childTnLst>
+                                </p:cTn>
+                              </p:par>
+                            </p:childTnLst>
+                          </p:cTn>
+                        </p:par>
+                        <p:par>
+                          <p:cTn id="55" fill="hold">
+                            <p:stCondLst>
+                              <p:cond delay="12750"/>
+                            </p:stCondLst>
+                            <p:childTnLst>
+                              <p:par>
+                                <p:cTn id="56" presetID="42" presetClass="path" presetSubtype="0" accel="50000" decel="50000" fill="hold" grpId="2" nodeType="afterEffect">
+                                  <p:stCondLst>
+                                    <p:cond delay="0"/>
+                                  </p:stCondLst>
+                                  <p:childTnLst>
+                                    <p:animMotion origin="layout" path="M 2.08333E-7 1.85185E-6 L -0.07331 0.30856 " pathEditMode="relative" rAng="0" ptsTypes="AA">
+                                      <p:cBhvr>
+                                        <p:cTn id="57" dur="750" fill="hold"/>
+                                        <p:tgtEl>
+                                          <p:spTgt spid="5"/>
+                                        </p:tgtEl>
+                                        <p:attrNameLst>
+                                          <p:attrName>ppt_x</p:attrName>
+                                          <p:attrName>ppt_y</p:attrName>
+                                        </p:attrNameLst>
+                                      </p:cBhvr>
+                                      <p:rCtr x="-3672" y="15417"/>
+                                    </p:animMotion>
+                                  </p:childTnLst>
+                                </p:cTn>
+                              </p:par>
+                            </p:childTnLst>
+                          </p:cTn>
+                        </p:par>
+                        <p:par>
+                          <p:cTn id="58" fill="hold">
+                            <p:stCondLst>
+                              <p:cond delay="13500"/>
+                            </p:stCondLst>
+                            <p:childTnLst>
+                              <p:par>
+                                <p:cTn id="59" presetID="42" presetClass="path" presetSubtype="0" accel="50000" decel="50000" fill="hold" grpId="2" nodeType="afterEffect">
+                                  <p:stCondLst>
+                                    <p:cond delay="0"/>
+                                  </p:stCondLst>
+                                  <p:childTnLst>
+                                    <p:animMotion origin="layout" path="M 0.1836 1.85185E-6 L -0.08112 0.47639 " pathEditMode="relative" rAng="0" ptsTypes="AA">
+                                      <p:cBhvr>
+                                        <p:cTn id="60" dur="750" fill="hold"/>
+                                        <p:tgtEl>
+                                          <p:spTgt spid="4"/>
+                                        </p:tgtEl>
+                                        <p:attrNameLst>
+                                          <p:attrName>ppt_x</p:attrName>
+                                          <p:attrName>ppt_y</p:attrName>
+                                        </p:attrNameLst>
+                                      </p:cBhvr>
+                                      <p:rCtr x="-13242" y="23819"/>
+                                    </p:animMotion>
+                                  </p:childTnLst>
+                                </p:cTn>
+                              </p:par>
+                            </p:childTnLst>
+                          </p:cTn>
+                        </p:par>
+                        <p:par>
+                          <p:cTn id="61" fill="hold">
+                            <p:stCondLst>
+                              <p:cond delay="14250"/>
+                            </p:stCondLst>
+                            <p:childTnLst>
+                              <p:par>
+                                <p:cTn id="62" presetID="42" presetClass="path" presetSubtype="0" accel="50000" decel="50000" fill="hold" grpId="2" nodeType="afterEffect">
+                                  <p:stCondLst>
+                                    <p:cond delay="0"/>
+                                  </p:stCondLst>
+                                  <p:childTnLst>
+                                    <p:animMotion origin="layout" path="M -3.54167E-6 1.85185E-6 L -0.34752 0.31319 " pathEditMode="relative" rAng="0" ptsTypes="AA">
+                                      <p:cBhvr>
+                                        <p:cTn id="63" dur="750" fill="hold"/>
+                                        <p:tgtEl>
+                                          <p:spTgt spid="7"/>
+                                        </p:tgtEl>
+                                        <p:attrNameLst>
+                                          <p:attrName>ppt_x</p:attrName>
+                                          <p:attrName>ppt_y</p:attrName>
+                                        </p:attrNameLst>
+                                      </p:cBhvr>
+                                      <p:rCtr x="-17383" y="15648"/>
+                                    </p:animMotion>
+                                  </p:childTnLst>
+                                </p:cTn>
+                              </p:par>
+                            </p:childTnLst>
+                          </p:cTn>
+                        </p:par>
+                        <p:par>
+                          <p:cTn id="64" fill="hold">
+                            <p:stCondLst>
+                              <p:cond delay="15000"/>
+                            </p:stCondLst>
+                            <p:childTnLst>
+                              <p:par>
+                                <p:cTn id="65" presetID="42" presetClass="path" presetSubtype="0" accel="50000" decel="50000" fill="hold" grpId="2" nodeType="afterEffect">
+                                  <p:stCondLst>
+                                    <p:cond delay="0"/>
+                                  </p:stCondLst>
+                                  <p:childTnLst>
+                                    <p:animMotion origin="layout" path="M -4.16667E-7 1.85185E-6 L -0.26081 0.47639 " pathEditMode="relative" rAng="0" ptsTypes="AA">
+                                      <p:cBhvr>
+                                        <p:cTn id="66" dur="750" fill="hold"/>
+                                        <p:tgtEl>
+                                          <p:spTgt spid="8"/>
+                                        </p:tgtEl>
+                                        <p:attrNameLst>
+                                          <p:attrName>ppt_x</p:attrName>
+                                          <p:attrName>ppt_y</p:attrName>
+                                        </p:attrNameLst>
+                                      </p:cBhvr>
+                                      <p:rCtr x="-13047" y="23819"/>
+                                    </p:animMotion>
+                                  </p:childTnLst>
+                                </p:cTn>
+                              </p:par>
+                            </p:childTnLst>
+                          </p:cTn>
+                        </p:par>
+                        <p:par>
+                          <p:cTn id="67" fill="hold">
+                            <p:stCondLst>
+                              <p:cond delay="15750"/>
+                            </p:stCondLst>
+                            <p:childTnLst>
+                              <p:par>
+                                <p:cTn id="68" presetID="42" presetClass="path" presetSubtype="0" accel="50000" decel="50000" fill="hold" grpId="2" nodeType="afterEffect">
+                                  <p:stCondLst>
+                                    <p:cond delay="0"/>
+                                  </p:stCondLst>
+                                  <p:childTnLst>
+                                    <p:animMotion origin="layout" path="M -0.1836 -2.59259E-6 L -0.4431 0.48333 " pathEditMode="relative" rAng="0" ptsTypes="AA">
+                                      <p:cBhvr>
+                                        <p:cTn id="69" dur="750" fill="hold"/>
+                                        <p:tgtEl>
+                                          <p:spTgt spid="11"/>
+                                        </p:tgtEl>
+                                        <p:attrNameLst>
+                                          <p:attrName>ppt_x</p:attrName>
+                                          <p:attrName>ppt_y</p:attrName>
+                                        </p:attrNameLst>
+                                      </p:cBhvr>
+                                      <p:rCtr x="-12865" y="24120"/>
+                                    </p:animMotion>
+                                  </p:childTnLst>
+                                </p:cTn>
+                              </p:par>
+                            </p:childTnLst>
+                          </p:cTn>
+                        </p:par>
+                        <p:par>
+                          <p:cTn id="70" fill="hold">
+                            <p:stCondLst>
+                              <p:cond delay="16500"/>
+                            </p:stCondLst>
+                            <p:childTnLst>
+                              <p:par>
+                                <p:cTn id="71" presetID="42" presetClass="path" presetSubtype="0" accel="50000" decel="50000" fill="hold" grpId="2" nodeType="afterEffect">
+                                  <p:stCondLst>
+                                    <p:cond delay="0"/>
+                                  </p:stCondLst>
+                                  <p:childTnLst>
+                                    <p:animMotion origin="layout" path="M 0.0918 2.59259E-6 L -0.17162 0.4743 " pathEditMode="relative" rAng="0" ptsTypes="AA">
+                                      <p:cBhvr>
+                                        <p:cTn id="72" dur="750" fill="hold"/>
+                                        <p:tgtEl>
+                                          <p:spTgt spid="9"/>
+                                        </p:tgtEl>
+                                        <p:attrNameLst>
+                                          <p:attrName>ppt_x</p:attrName>
+                                          <p:attrName>ppt_y</p:attrName>
+                                        </p:attrNameLst>
+                                      </p:cBhvr>
+                                      <p:rCtr x="-13255" y="23565"/>
+                                    </p:animMotion>
+                                  </p:childTnLst>
+                                </p:cTn>
+                              </p:par>
+                            </p:childTnLst>
+                          </p:cTn>
+                        </p:par>
+                        <p:par>
+                          <p:cTn id="73" fill="hold">
+                            <p:stCondLst>
+                              <p:cond delay="17250"/>
+                            </p:stCondLst>
+                            <p:childTnLst>
+                              <p:par>
+                                <p:cTn id="74" presetID="42" presetClass="path" presetSubtype="0" accel="50000" decel="50000" fill="hold" grpId="2" nodeType="afterEffect">
+                                  <p:stCondLst>
+                                    <p:cond delay="0"/>
+                                  </p:stCondLst>
+                                  <p:childTnLst>
+                                    <p:animMotion origin="layout" path="M 0.0918 1.85185E-6 L -0.43151 0.30648 " pathEditMode="relative" rAng="0" ptsTypes="AA">
+                                      <p:cBhvr>
+                                        <p:cTn id="75" dur="750" fill="hold"/>
+                                        <p:tgtEl>
+                                          <p:spTgt spid="10"/>
+                                        </p:tgtEl>
+                                        <p:attrNameLst>
+                                          <p:attrName>ppt_x</p:attrName>
+                                          <p:attrName>ppt_y</p:attrName>
+                                        </p:attrNameLst>
+                                      </p:cBhvr>
+                                      <p:rCtr x="-26172" y="15324"/>
+                                    </p:animMotion>
+                                  </p:childTnLst>
+                                </p:cTn>
+                              </p:par>
+                            </p:childTnLst>
+                          </p:cTn>
+                        </p:par>
+                        <p:par>
+                          <p:cTn id="76" fill="hold">
+                            <p:stCondLst>
+                              <p:cond delay="18000"/>
+                            </p:stCondLst>
+                            <p:childTnLst>
+                              <p:par>
+                                <p:cTn id="77" presetID="42" presetClass="path" presetSubtype="0" accel="50000" decel="50000" fill="hold" grpId="3" nodeType="afterEffect">
+                                  <p:stCondLst>
+                                    <p:cond delay="0"/>
+                                  </p:stCondLst>
+                                  <p:childTnLst>
+                                    <p:animMotion origin="layout" path="M -0.08112 0.47639 L 4.58333E-6 2.59259E-6 " pathEditMode="relative" rAng="0" ptsTypes="AA">
+                                      <p:cBhvr>
+                                        <p:cTn id="78" dur="750" fill="hold"/>
+                                        <p:tgtEl>
+                                          <p:spTgt spid="4"/>
+                                        </p:tgtEl>
+                                        <p:attrNameLst>
+                                          <p:attrName>ppt_x</p:attrName>
+                                          <p:attrName>ppt_y</p:attrName>
+                                        </p:attrNameLst>
+                                      </p:cBhvr>
+                                      <p:rCtr x="4128" y="-23681"/>
+                                    </p:animMotion>
+                                  </p:childTnLst>
+                                </p:cTn>
+                              </p:par>
+                            </p:childTnLst>
+                          </p:cTn>
+                        </p:par>
+                        <p:par>
+                          <p:cTn id="79" fill="hold">
+                            <p:stCondLst>
+                              <p:cond delay="18750"/>
+                            </p:stCondLst>
+                            <p:childTnLst>
+                              <p:par>
+                                <p:cTn id="80" presetID="42" presetClass="path" presetSubtype="0" accel="50000" decel="50000" fill="hold" grpId="3" nodeType="afterEffect">
+                                  <p:stCondLst>
+                                    <p:cond delay="0"/>
+                                  </p:stCondLst>
+                                  <p:childTnLst>
+                                    <p:animMotion origin="layout" path="M -0.34753 0.3132 L -0.18359 1.85185E-6 " pathEditMode="relative" rAng="0" ptsTypes="AA">
+                                      <p:cBhvr>
+                                        <p:cTn id="81" dur="750" fill="hold"/>
+                                        <p:tgtEl>
+                                          <p:spTgt spid="7"/>
+                                        </p:tgtEl>
+                                        <p:attrNameLst>
+                                          <p:attrName>ppt_x</p:attrName>
+                                          <p:attrName>ppt_y</p:attrName>
+                                        </p:attrNameLst>
+                                      </p:cBhvr>
+                                      <p:rCtr x="7995" y="-15556"/>
+                                    </p:animMotion>
+                                  </p:childTnLst>
+                                </p:cTn>
+                              </p:par>
+                            </p:childTnLst>
+                          </p:cTn>
+                        </p:par>
+                        <p:par>
+                          <p:cTn id="82" fill="hold">
+                            <p:stCondLst>
+                              <p:cond delay="19500"/>
+                            </p:stCondLst>
+                            <p:childTnLst>
+                              <p:par>
+                                <p:cTn id="83" presetID="42" presetClass="path" presetSubtype="0" accel="50000" decel="50000" fill="hold" grpId="3" nodeType="afterEffect">
+                                  <p:stCondLst>
+                                    <p:cond delay="0"/>
+                                  </p:stCondLst>
+                                  <p:childTnLst>
+                                    <p:animMotion origin="layout" path="M -0.17032 0.4787 L 4.79167E-6 -2.22222E-6 " pathEditMode="relative" rAng="0" ptsTypes="AA">
+                                      <p:cBhvr>
+                                        <p:cTn id="84" dur="750" fill="hold"/>
+                                        <p:tgtEl>
+                                          <p:spTgt spid="6"/>
+                                        </p:tgtEl>
+                                        <p:attrNameLst>
+                                          <p:attrName>ppt_x</p:attrName>
+                                          <p:attrName>ppt_y</p:attrName>
+                                        </p:attrNameLst>
+                                      </p:cBhvr>
+                                      <p:rCtr x="8464" y="-23681"/>
+                                    </p:animMotion>
+                                  </p:childTnLst>
+                                </p:cTn>
+                              </p:par>
+                            </p:childTnLst>
+                          </p:cTn>
+                        </p:par>
+                        <p:par>
+                          <p:cTn id="85" fill="hold">
+                            <p:stCondLst>
+                              <p:cond delay="20250"/>
+                            </p:stCondLst>
+                            <p:childTnLst>
+                              <p:par>
+                                <p:cTn id="86" presetID="42" presetClass="path" presetSubtype="0" accel="50000" decel="50000" fill="hold" grpId="3" nodeType="afterEffect">
+                                  <p:stCondLst>
+                                    <p:cond delay="0"/>
+                                  </p:stCondLst>
+                                  <p:childTnLst>
+                                    <p:animMotion origin="layout" path="M -0.07331 0.30856 L 0.18359 1.85185E-6 " pathEditMode="relative" rAng="0" ptsTypes="AA">
+                                      <p:cBhvr>
+                                        <p:cTn id="87" dur="750" fill="hold"/>
+                                        <p:tgtEl>
+                                          <p:spTgt spid="5"/>
+                                        </p:tgtEl>
+                                        <p:attrNameLst>
+                                          <p:attrName>ppt_x</p:attrName>
+                                          <p:attrName>ppt_y</p:attrName>
+                                        </p:attrNameLst>
+                                      </p:cBhvr>
+                                      <p:rCtr x="12591" y="-15208"/>
+                                    </p:animMotion>
+                                  </p:childTnLst>
+                                </p:cTn>
+                              </p:par>
+                            </p:childTnLst>
+                          </p:cTn>
+                        </p:par>
+                        <p:par>
+                          <p:cTn id="88" fill="hold">
+                            <p:stCondLst>
+                              <p:cond delay="21000"/>
+                            </p:stCondLst>
+                            <p:childTnLst>
+                              <p:par>
+                                <p:cTn id="89" presetID="42" presetClass="path" presetSubtype="0" accel="50000" decel="50000" fill="hold" grpId="3" nodeType="afterEffect">
+                                  <p:stCondLst>
+                                    <p:cond delay="0"/>
+                                  </p:stCondLst>
+                                  <p:childTnLst>
+                                    <p:animMotion origin="layout" path="M -0.26081 0.47639 L -1.04167E-6 -2.59259E-6 " pathEditMode="relative" rAng="0" ptsTypes="AA">
+                                      <p:cBhvr>
+                                        <p:cTn id="90" dur="750" fill="hold"/>
+                                        <p:tgtEl>
+                                          <p:spTgt spid="8"/>
+                                        </p:tgtEl>
+                                        <p:attrNameLst>
+                                          <p:attrName>ppt_x</p:attrName>
+                                          <p:attrName>ppt_y</p:attrName>
+                                        </p:attrNameLst>
+                                      </p:cBhvr>
+                                      <p:rCtr x="13060" y="-23796"/>
+                                    </p:animMotion>
+                                  </p:childTnLst>
+                                </p:cTn>
+                              </p:par>
+                            </p:childTnLst>
+                          </p:cTn>
+                        </p:par>
+                        <p:par>
+                          <p:cTn id="91" fill="hold">
+                            <p:stCondLst>
+                              <p:cond delay="21750"/>
+                            </p:stCondLst>
+                            <p:childTnLst>
+                              <p:par>
+                                <p:cTn id="92" presetID="42" presetClass="path" presetSubtype="0" accel="50000" decel="50000" fill="hold" grpId="3" nodeType="afterEffect">
+                                  <p:stCondLst>
+                                    <p:cond delay="0"/>
+                                  </p:stCondLst>
+                                  <p:childTnLst>
+                                    <p:animMotion origin="layout" path="M -0.43151 0.30648 L -0.09179 1.85185E-6 " pathEditMode="relative" rAng="0" ptsTypes="AA">
+                                      <p:cBhvr>
+                                        <p:cTn id="93" dur="750" fill="hold"/>
+                                        <p:tgtEl>
+                                          <p:spTgt spid="10"/>
+                                        </p:tgtEl>
+                                        <p:attrNameLst>
+                                          <p:attrName>ppt_x</p:attrName>
+                                          <p:attrName>ppt_y</p:attrName>
+                                        </p:attrNameLst>
+                                      </p:cBhvr>
+                                      <p:rCtr x="16589" y="-15324"/>
+                                    </p:animMotion>
+                                  </p:childTnLst>
+                                </p:cTn>
+                              </p:par>
+                            </p:childTnLst>
+                          </p:cTn>
+                        </p:par>
+                        <p:par>
+                          <p:cTn id="94" fill="hold">
+                            <p:stCondLst>
+                              <p:cond delay="22500"/>
+                            </p:stCondLst>
+                            <p:childTnLst>
+                              <p:par>
+                                <p:cTn id="95" presetID="42" presetClass="path" presetSubtype="0" accel="50000" decel="50000" fill="hold" grpId="3" nodeType="afterEffect">
+                                  <p:stCondLst>
+                                    <p:cond delay="0"/>
+                                  </p:stCondLst>
+                                  <p:childTnLst>
+                                    <p:animMotion origin="layout" path="M -0.4431 0.48333 L -0.0918 1.85185E-6 " pathEditMode="relative" rAng="0" ptsTypes="AA">
+                                      <p:cBhvr>
+                                        <p:cTn id="96" dur="750" fill="hold"/>
+                                        <p:tgtEl>
+                                          <p:spTgt spid="11"/>
+                                        </p:tgtEl>
+                                        <p:attrNameLst>
+                                          <p:attrName>ppt_x</p:attrName>
+                                          <p:attrName>ppt_y</p:attrName>
+                                        </p:attrNameLst>
+                                      </p:cBhvr>
+                                      <p:rCtr x="17630" y="-23935"/>
+                                    </p:animMotion>
+                                  </p:childTnLst>
+                                </p:cTn>
+                              </p:par>
+                            </p:childTnLst>
+                          </p:cTn>
+                        </p:par>
+                        <p:par>
+                          <p:cTn id="97" fill="hold">
+                            <p:stCondLst>
+                              <p:cond delay="23250"/>
+                            </p:stCondLst>
+                            <p:childTnLst>
+                              <p:par>
+                                <p:cTn id="98" presetID="42" presetClass="path" presetSubtype="0" accel="50000" decel="50000" fill="hold" grpId="3" nodeType="afterEffect">
+                                  <p:stCondLst>
+                                    <p:cond delay="0"/>
+                                  </p:stCondLst>
+                                  <p:childTnLst>
+                                    <p:animMotion origin="layout" path="M -0.17162 0.4743 L 0.18359 2.59259E-6 " pathEditMode="relative" rAng="0" ptsTypes="AA">
+                                      <p:cBhvr>
+                                        <p:cTn id="99" dur="750" fill="hold"/>
+                                        <p:tgtEl>
+                                          <p:spTgt spid="9"/>
+                                        </p:tgtEl>
+                                        <p:attrNameLst>
+                                          <p:attrName>ppt_x</p:attrName>
+                                          <p:attrName>ppt_y</p:attrName>
+                                        </p:attrNameLst>
+                                      </p:cBhvr>
+                                      <p:rCtr x="17773" y="-23565"/>
+                                    </p:animMotion>
+                                  </p:childTnLst>
+                                </p:cTn>
+                              </p:par>
+                            </p:childTnLst>
+                          </p:cTn>
+                        </p:par>
+                      </p:childTnLst>
+                    </p:cTn>
+                  </p:par>
+                </p:childTnLst>
+              </p:cTn>
+              <p:prevCondLst>
+                <p:cond evt="onPrev" delay="0">
+                  <p:tgtEl>
+                    <p:sldTgt/>
+                  </p:tgtEl>
+                </p:cond>
+              </p:prevCondLst>
+              <p:nextCondLst>
+                <p:cond evt="onNext" delay="0">
+                  <p:tgtEl>
+                    <p:sldTgt/>
+                  </p:tgtEl>
+                </p:cond>
+              </p:nextCondLst>
+            </p:seq>
+          </p:childTnLst>
+        </p:cTn>
+      </p:par>
+    </p:tnLst>
+    <p:bldLst>
+      <p:bldP spid="4" grpId="0" animBg="1"/>
+      <p:bldP spid="4" grpId="1" animBg="1"/>
+      <p:bldP spid="4" grpId="2" animBg="1"/>
+      <p:bldP spid="4" grpId="3" animBg="1"/>
+      <p:bldP spid="5" grpId="0" animBg="1"/>
+      <p:bldP spid="5" grpId="1" animBg="1"/>
+      <p:bldP spid="5" grpId="2" animBg="1"/>
+      <p:bldP spid="5" grpId="3" animBg="1"/>
+      <p:bldP spid="6" grpId="0" animBg="1"/>
+      <p:bldP spid="6" grpId="1" animBg="1"/>
+      <p:bldP spid="6" grpId="2" animBg="1"/>
+      <p:bldP spid="6" grpId="3" animBg="1"/>
+      <p:bldP spid="7" grpId="0" animBg="1"/>
+      <p:bldP spid="7" grpId="1" animBg="1"/>
+      <p:bldP spid="7" grpId="2" animBg="1"/>
+      <p:bldP spid="7" grpId="3" animBg="1"/>
+      <p:bldP spid="8" grpId="0" animBg="1"/>
+      <p:bldP spid="8" grpId="1" animBg="1"/>
+      <p:bldP spid="8" grpId="2" animBg="1"/>
+      <p:bldP spid="8" grpId="3" animBg="1"/>
+      <p:bldP spid="9" grpId="0" animBg="1"/>
+      <p:bldP spid="9" grpId="1" animBg="1"/>
+      <p:bldP spid="9" grpId="2" animBg="1"/>
+      <p:bldP spid="9" grpId="3" animBg="1"/>
+      <p:bldP spid="10" grpId="0" animBg="1"/>
+      <p:bldP spid="10" grpId="1" animBg="1"/>
+      <p:bldP spid="10" grpId="2" animBg="1"/>
+      <p:bldP spid="10" grpId="3" animBg="1"/>
+      <p:bldP spid="11" grpId="0" animBg="1"/>
+      <p:bldP spid="11" grpId="1" animBg="1"/>
+      <p:bldP spid="11" grpId="2" animBg="1"/>
+      <p:bldP spid="11" grpId="3" animBg="1"/>
+    </p:bldLst>
+  </p:timing>
+</p:sld>
+</file>
+
+<file path=ppt/slides/slide19.xml><?xml version="1.0" encoding="utf-8"?>
+<p:sld xmlns:a="http://schemas.openxmlformats.org/drawingml/2006/main" xmlns:r="http://schemas.openxmlformats.org/officeDocument/2006/relationships" xmlns:p="http://schemas.openxmlformats.org/presentationml/2006/main">
+  <p:cSld>
+    <p:spTree>
+      <p:nvGrpSpPr>
+        <p:cNvPr id="1" name=""/>
+        <p:cNvGrpSpPr/>
+        <p:nvPr/>
+      </p:nvGrpSpPr>
+      <p:grpSpPr>
+        <a:xfrm>
+          <a:off x="0" y="0"/>
+          <a:ext cx="0" cy="0"/>
+          <a:chOff x="0" y="0"/>
+          <a:chExt cx="0" cy="0"/>
+        </a:xfrm>
+      </p:grpSpPr>
+      <p:sp>
+        <p:nvSpPr>
+          <p:cNvPr id="11" name="椭圆 10"/>
+          <p:cNvSpPr/>
+          <p:nvPr/>
+        </p:nvSpPr>
+        <p:spPr>
+          <a:xfrm>
+            <a:off x="2614876" y="1500996"/>
+            <a:ext cx="1119117" cy="1119117"/>
+          </a:xfrm>
+          <a:prstGeom prst="ellipse">
+            <a:avLst/>
+          </a:prstGeom>
+          <a:solidFill>
+            <a:schemeClr val="accent1">
+              <a:lumMod val="75000"/>
+            </a:schemeClr>
+          </a:solidFill>
+          <a:ln>
+            <a:noFill/>
+          </a:ln>
+        </p:spPr>
+        <p:style>
+          <a:lnRef idx="2">
+            <a:schemeClr val="accent1">
+              <a:shade val="50000"/>
+            </a:schemeClr>
+          </a:lnRef>
+          <a:fillRef idx="1">
+            <a:schemeClr val="accent1"/>
+          </a:fillRef>
+          <a:effectRef idx="0">
+            <a:schemeClr val="accent1"/>
+          </a:effectRef>
+          <a:fontRef idx="minor">
+            <a:schemeClr val="lt1"/>
+          </a:fontRef>
+        </p:style>
+        <p:txBody>
+          <a:bodyPr rtlCol="0" anchor="ctr"/>
+          <a:lstStyle/>
+          <a:p>
+            <a:pPr algn="ctr"/>
+            <a:r>
+              <a:rPr lang="en-US" altLang="zh-CN" sz="3200" dirty="0" smtClean="0"/>
+              <a:t>7</a:t>
+            </a:r>
+            <a:endParaRPr lang="zh-CN" altLang="en-US" sz="3200" dirty="0"/>
+          </a:p>
+        </p:txBody>
+      </p:sp>
+      <p:sp>
+        <p:nvSpPr>
+          <p:cNvPr id="6" name="椭圆 5"/>
+          <p:cNvSpPr/>
+          <p:nvPr/>
+        </p:nvSpPr>
+        <p:spPr>
+          <a:xfrm>
+            <a:off x="1510586" y="1500997"/>
+            <a:ext cx="1119117" cy="1119117"/>
+          </a:xfrm>
+          <a:prstGeom prst="ellipse">
+            <a:avLst/>
+          </a:prstGeom>
+          <a:solidFill>
+            <a:schemeClr val="accent1">
+              <a:lumMod val="75000"/>
+            </a:schemeClr>
+          </a:solidFill>
+          <a:ln>
+            <a:noFill/>
+          </a:ln>
+        </p:spPr>
+        <p:style>
+          <a:lnRef idx="2">
+            <a:schemeClr val="accent1">
+              <a:shade val="50000"/>
+            </a:schemeClr>
+          </a:lnRef>
+          <a:fillRef idx="1">
+            <a:schemeClr val="accent1"/>
+          </a:fillRef>
+          <a:effectRef idx="0">
+            <a:schemeClr val="accent1"/>
+          </a:effectRef>
+          <a:fontRef idx="minor">
+            <a:schemeClr val="lt1"/>
+          </a:fontRef>
+        </p:style>
+        <p:txBody>
+          <a:bodyPr rtlCol="0" anchor="ctr"/>
+          <a:lstStyle/>
+          <a:p>
+            <a:pPr algn="ctr"/>
+            <a:r>
+              <a:rPr lang="en-US" altLang="zh-CN" sz="3200" dirty="0" smtClean="0"/>
+              <a:t>2</a:t>
+            </a:r>
+            <a:endParaRPr lang="zh-CN" altLang="en-US" sz="3200" dirty="0"/>
+          </a:p>
+        </p:txBody>
+      </p:sp>
+      <p:sp>
+        <p:nvSpPr>
+          <p:cNvPr id="4" name="椭圆 3"/>
+          <p:cNvSpPr/>
+          <p:nvPr/>
+        </p:nvSpPr>
+        <p:spPr>
+          <a:xfrm>
+            <a:off x="5957402" y="1500998"/>
+            <a:ext cx="1119117" cy="1119117"/>
+          </a:xfrm>
+          <a:prstGeom prst="ellipse">
+            <a:avLst/>
+          </a:prstGeom>
+          <a:solidFill>
+            <a:schemeClr val="accent1">
+              <a:lumMod val="75000"/>
+            </a:schemeClr>
+          </a:solidFill>
+          <a:ln>
+            <a:noFill/>
+          </a:ln>
+        </p:spPr>
+        <p:style>
+          <a:lnRef idx="2">
+            <a:schemeClr val="accent1">
+              <a:shade val="50000"/>
+            </a:schemeClr>
+          </a:lnRef>
+          <a:fillRef idx="1">
+            <a:schemeClr val="accent1"/>
+          </a:fillRef>
+          <a:effectRef idx="0">
+            <a:schemeClr val="accent1"/>
+          </a:effectRef>
+          <a:fontRef idx="minor">
+            <a:schemeClr val="lt1"/>
+          </a:fontRef>
+        </p:style>
+        <p:txBody>
+          <a:bodyPr rtlCol="0" anchor="ctr"/>
+          <a:lstStyle/>
+          <a:p>
+            <a:pPr algn="ctr"/>
+            <a:r>
+              <a:rPr lang="en-US" altLang="zh-CN" sz="3200" dirty="0"/>
+              <a:t>0</a:t>
+            </a:r>
+            <a:endParaRPr lang="zh-CN" altLang="en-US" sz="3200" dirty="0"/>
+          </a:p>
+        </p:txBody>
+      </p:sp>
+      <p:sp>
+        <p:nvSpPr>
+          <p:cNvPr id="5" name="椭圆 4"/>
+          <p:cNvSpPr/>
+          <p:nvPr/>
+        </p:nvSpPr>
+        <p:spPr>
+          <a:xfrm>
+            <a:off x="9314753" y="1500996"/>
+            <a:ext cx="1119117" cy="1119117"/>
+          </a:xfrm>
+          <a:prstGeom prst="ellipse">
+            <a:avLst/>
+          </a:prstGeom>
+          <a:solidFill>
+            <a:schemeClr val="accent1">
+              <a:lumMod val="75000"/>
+            </a:schemeClr>
+          </a:solidFill>
+          <a:ln>
+            <a:noFill/>
+          </a:ln>
+        </p:spPr>
+        <p:style>
+          <a:lnRef idx="2">
+            <a:schemeClr val="accent1">
+              <a:shade val="50000"/>
+            </a:schemeClr>
+          </a:lnRef>
+          <a:fillRef idx="1">
+            <a:schemeClr val="accent1"/>
+          </a:fillRef>
+          <a:effectRef idx="0">
+            <a:schemeClr val="accent1"/>
+          </a:effectRef>
+          <a:fontRef idx="minor">
+            <a:schemeClr val="lt1"/>
+          </a:fontRef>
+        </p:style>
+        <p:txBody>
+          <a:bodyPr rtlCol="0" anchor="ctr"/>
+          <a:lstStyle/>
+          <a:p>
+            <a:pPr algn="ctr"/>
+            <a:r>
+              <a:rPr lang="en-US" altLang="zh-CN" sz="3200" dirty="0" smtClean="0"/>
+              <a:t>1</a:t>
+            </a:r>
+            <a:endParaRPr lang="zh-CN" altLang="en-US" sz="3200" dirty="0"/>
+          </a:p>
+        </p:txBody>
+      </p:sp>
+      <p:sp>
+        <p:nvSpPr>
+          <p:cNvPr id="7" name="椭圆 6"/>
+          <p:cNvSpPr/>
+          <p:nvPr/>
+        </p:nvSpPr>
+        <p:spPr>
+          <a:xfrm>
+            <a:off x="7076519" y="1500996"/>
+            <a:ext cx="1119117" cy="1119117"/>
+          </a:xfrm>
+          <a:prstGeom prst="ellipse">
+            <a:avLst/>
+          </a:prstGeom>
+          <a:solidFill>
+            <a:schemeClr val="accent1">
+              <a:lumMod val="75000"/>
+            </a:schemeClr>
+          </a:solidFill>
+          <a:ln>
+            <a:noFill/>
+          </a:ln>
+        </p:spPr>
+        <p:style>
+          <a:lnRef idx="2">
+            <a:schemeClr val="accent1">
+              <a:shade val="50000"/>
+            </a:schemeClr>
+          </a:lnRef>
+          <a:fillRef idx="1">
+            <a:schemeClr val="accent1"/>
+          </a:fillRef>
+          <a:effectRef idx="0">
+            <a:schemeClr val="accent1"/>
+          </a:effectRef>
+          <a:fontRef idx="minor">
+            <a:schemeClr val="lt1"/>
+          </a:fontRef>
+        </p:style>
+        <p:txBody>
+          <a:bodyPr rtlCol="0" anchor="ctr"/>
+          <a:lstStyle/>
+          <a:p>
+            <a:pPr algn="ctr"/>
+            <a:r>
+              <a:rPr lang="en-US" altLang="zh-CN" sz="3200" dirty="0" smtClean="0"/>
+              <a:t>3</a:t>
+            </a:r>
+            <a:endParaRPr lang="zh-CN" altLang="en-US" sz="3200" dirty="0"/>
+          </a:p>
+        </p:txBody>
+      </p:sp>
+      <p:sp>
+        <p:nvSpPr>
+          <p:cNvPr id="8" name="椭圆 7"/>
+          <p:cNvSpPr/>
+          <p:nvPr/>
+        </p:nvSpPr>
+        <p:spPr>
+          <a:xfrm>
+            <a:off x="3719169" y="1500999"/>
+            <a:ext cx="1119117" cy="1119117"/>
+          </a:xfrm>
+          <a:prstGeom prst="ellipse">
+            <a:avLst/>
+          </a:prstGeom>
+          <a:solidFill>
+            <a:schemeClr val="accent1">
+              <a:lumMod val="75000"/>
+            </a:schemeClr>
+          </a:solidFill>
+          <a:ln>
+            <a:noFill/>
+          </a:ln>
+        </p:spPr>
+        <p:style>
+          <a:lnRef idx="2">
+            <a:schemeClr val="accent1">
+              <a:shade val="50000"/>
+            </a:schemeClr>
+          </a:lnRef>
+          <a:fillRef idx="1">
+            <a:schemeClr val="accent1"/>
+          </a:fillRef>
+          <a:effectRef idx="0">
+            <a:schemeClr val="accent1"/>
+          </a:effectRef>
+          <a:fontRef idx="minor">
+            <a:schemeClr val="lt1"/>
+          </a:fontRef>
+        </p:style>
+        <p:txBody>
+          <a:bodyPr rtlCol="0" anchor="ctr"/>
+          <a:lstStyle/>
+          <a:p>
+            <a:pPr algn="ctr"/>
+            <a:r>
+              <a:rPr lang="en-US" altLang="zh-CN" sz="3200" dirty="0" smtClean="0"/>
+              <a:t>4</a:t>
+            </a:r>
+            <a:endParaRPr lang="zh-CN" altLang="en-US" sz="3200" dirty="0"/>
+          </a:p>
+        </p:txBody>
+      </p:sp>
+      <p:sp>
+        <p:nvSpPr>
+          <p:cNvPr id="9" name="椭圆 8"/>
+          <p:cNvSpPr/>
+          <p:nvPr/>
+        </p:nvSpPr>
+        <p:spPr>
+          <a:xfrm>
+            <a:off x="4838284" y="1500996"/>
+            <a:ext cx="1119117" cy="1119117"/>
+          </a:xfrm>
+          <a:prstGeom prst="ellipse">
+            <a:avLst/>
+          </a:prstGeom>
+          <a:solidFill>
+            <a:schemeClr val="accent1">
+              <a:lumMod val="75000"/>
+            </a:schemeClr>
+          </a:solidFill>
+          <a:ln>
+            <a:noFill/>
+          </a:ln>
+        </p:spPr>
+        <p:style>
+          <a:lnRef idx="2">
+            <a:schemeClr val="accent1">
+              <a:shade val="50000"/>
+            </a:schemeClr>
+          </a:lnRef>
+          <a:fillRef idx="1">
+            <a:schemeClr val="accent1"/>
+          </a:fillRef>
+          <a:effectRef idx="0">
+            <a:schemeClr val="accent1"/>
+          </a:effectRef>
+          <a:fontRef idx="minor">
+            <a:schemeClr val="lt1"/>
+          </a:fontRef>
+        </p:style>
+        <p:txBody>
+          <a:bodyPr rtlCol="0" anchor="ctr"/>
+          <a:lstStyle/>
+          <a:p>
+            <a:pPr algn="ctr"/>
+            <a:r>
+              <a:rPr lang="en-US" altLang="zh-CN" sz="3200" dirty="0" smtClean="0"/>
+              <a:t>5</a:t>
+            </a:r>
+            <a:endParaRPr lang="zh-CN" altLang="en-US" sz="3200" dirty="0"/>
+          </a:p>
+        </p:txBody>
+      </p:sp>
+      <p:sp>
+        <p:nvSpPr>
+          <p:cNvPr id="10" name="椭圆 9"/>
+          <p:cNvSpPr/>
+          <p:nvPr/>
+        </p:nvSpPr>
+        <p:spPr>
+          <a:xfrm>
+            <a:off x="8195637" y="1501002"/>
+            <a:ext cx="1119117" cy="1119117"/>
+          </a:xfrm>
+          <a:prstGeom prst="ellipse">
+            <a:avLst/>
+          </a:prstGeom>
+          <a:solidFill>
+            <a:schemeClr val="accent1">
+              <a:lumMod val="75000"/>
+            </a:schemeClr>
+          </a:solidFill>
+          <a:ln>
+            <a:noFill/>
+          </a:ln>
+        </p:spPr>
+        <p:style>
+          <a:lnRef idx="2">
+            <a:schemeClr val="accent1">
+              <a:shade val="50000"/>
+            </a:schemeClr>
+          </a:lnRef>
+          <a:fillRef idx="1">
+            <a:schemeClr val="accent1"/>
+          </a:fillRef>
+          <a:effectRef idx="0">
+            <a:schemeClr val="accent1"/>
+          </a:effectRef>
+          <a:fontRef idx="minor">
+            <a:schemeClr val="lt1"/>
+          </a:fontRef>
+        </p:style>
+        <p:txBody>
+          <a:bodyPr rtlCol="0" anchor="ctr"/>
+          <a:lstStyle/>
+          <a:p>
+            <a:pPr algn="ctr"/>
+            <a:r>
+              <a:rPr lang="en-US" altLang="zh-CN" sz="3200" dirty="0" smtClean="0"/>
+              <a:t>6</a:t>
+            </a:r>
+            <a:endParaRPr lang="zh-CN" altLang="en-US" sz="3200" dirty="0"/>
+          </a:p>
+        </p:txBody>
+      </p:sp>
+      <p:sp>
+        <p:nvSpPr>
+          <p:cNvPr id="12" name="圆角矩形 11"/>
+          <p:cNvSpPr/>
+          <p:nvPr/>
+        </p:nvSpPr>
+        <p:spPr>
+          <a:xfrm>
+            <a:off x="1953605" y="4838830"/>
+            <a:ext cx="1003300" cy="609600"/>
+          </a:xfrm>
+          <a:prstGeom prst="roundRect">
+            <a:avLst/>
+          </a:prstGeom>
+          <a:solidFill>
+            <a:srgbClr val="00B050"/>
+          </a:solidFill>
+          <a:ln>
+            <a:noFill/>
+          </a:ln>
+          <a:effectLst/>
+        </p:spPr>
+        <p:style>
+          <a:lnRef idx="2">
+            <a:schemeClr val="accent1">
+              <a:shade val="50000"/>
+            </a:schemeClr>
+          </a:lnRef>
+          <a:fillRef idx="1">
+            <a:schemeClr val="accent1"/>
+          </a:fillRef>
+          <a:effectRef idx="0">
+            <a:schemeClr val="accent1"/>
+          </a:effectRef>
+          <a:fontRef idx="minor">
+            <a:schemeClr val="lt1"/>
+          </a:fontRef>
+        </p:style>
+        <p:txBody>
+          <a:bodyPr rtlCol="0" anchor="ctr"/>
+          <a:lstStyle/>
+          <a:p>
+            <a:pPr algn="ctr"/>
+            <a:r>
+              <a:rPr lang="en-US" altLang="zh-CN" sz="3200" dirty="0" smtClean="0">
+                <a:solidFill>
+                  <a:schemeClr val="bg2"/>
+                </a:solidFill>
+                <a:latin typeface="Times New Roman" panose="02020603050405020304" pitchFamily="18" charset="0"/>
+                <a:cs typeface="Times New Roman" panose="02020603050405020304" pitchFamily="18" charset="0"/>
+              </a:rPr>
+              <a:t>0</a:t>
+            </a:r>
+            <a:endParaRPr lang="zh-CN" altLang="en-US" sz="3200" dirty="0">
+              <a:solidFill>
+                <a:schemeClr val="bg2"/>
+              </a:solidFill>
+              <a:latin typeface="Times New Roman" panose="02020603050405020304" pitchFamily="18" charset="0"/>
+              <a:cs typeface="Times New Roman" panose="02020603050405020304" pitchFamily="18" charset="0"/>
+            </a:endParaRPr>
+          </a:p>
+        </p:txBody>
+      </p:sp>
+      <p:sp>
+        <p:nvSpPr>
+          <p:cNvPr id="13" name="圆角矩形 12"/>
+          <p:cNvSpPr/>
+          <p:nvPr/>
+        </p:nvSpPr>
+        <p:spPr>
+          <a:xfrm>
+            <a:off x="2963255" y="4838830"/>
+            <a:ext cx="1003300" cy="609600"/>
+          </a:xfrm>
+          <a:prstGeom prst="roundRect">
+            <a:avLst/>
+          </a:prstGeom>
+          <a:solidFill>
+            <a:srgbClr val="00B050"/>
+          </a:solidFill>
+          <a:ln>
+            <a:noFill/>
+          </a:ln>
+          <a:effectLst/>
+        </p:spPr>
+        <p:style>
+          <a:lnRef idx="2">
+            <a:schemeClr val="accent1">
+              <a:shade val="50000"/>
+            </a:schemeClr>
+          </a:lnRef>
+          <a:fillRef idx="1">
+            <a:schemeClr val="accent1"/>
+          </a:fillRef>
+          <a:effectRef idx="0">
+            <a:schemeClr val="accent1"/>
+          </a:effectRef>
+          <a:fontRef idx="minor">
+            <a:schemeClr val="lt1"/>
+          </a:fontRef>
+        </p:style>
+        <p:txBody>
+          <a:bodyPr rtlCol="0" anchor="ctr"/>
+          <a:lstStyle/>
+          <a:p>
+            <a:pPr algn="ctr"/>
+            <a:r>
+              <a:rPr lang="en-US" altLang="zh-CN" sz="3200" dirty="0" smtClean="0">
+                <a:solidFill>
+                  <a:schemeClr val="bg2"/>
+                </a:solidFill>
+                <a:latin typeface="Times New Roman" panose="02020603050405020304" pitchFamily="18" charset="0"/>
+                <a:cs typeface="Times New Roman" panose="02020603050405020304" pitchFamily="18" charset="0"/>
+              </a:rPr>
+              <a:t>1</a:t>
+            </a:r>
+            <a:endParaRPr lang="zh-CN" altLang="en-US" sz="3200" dirty="0">
+              <a:solidFill>
+                <a:schemeClr val="bg2"/>
+              </a:solidFill>
+              <a:latin typeface="Times New Roman" panose="02020603050405020304" pitchFamily="18" charset="0"/>
+              <a:cs typeface="Times New Roman" panose="02020603050405020304" pitchFamily="18" charset="0"/>
+            </a:endParaRPr>
+          </a:p>
+        </p:txBody>
+      </p:sp>
+      <p:sp>
+        <p:nvSpPr>
+          <p:cNvPr id="14" name="圆角矩形 13"/>
+          <p:cNvSpPr/>
+          <p:nvPr/>
+        </p:nvSpPr>
+        <p:spPr>
+          <a:xfrm>
+            <a:off x="3958837" y="4838830"/>
+            <a:ext cx="1003300" cy="609600"/>
+          </a:xfrm>
+          <a:prstGeom prst="roundRect">
+            <a:avLst/>
+          </a:prstGeom>
+          <a:solidFill>
+            <a:srgbClr val="00B050"/>
+          </a:solidFill>
+          <a:ln>
+            <a:noFill/>
+          </a:ln>
+          <a:effectLst/>
+        </p:spPr>
+        <p:style>
+          <a:lnRef idx="2">
+            <a:schemeClr val="accent1">
+              <a:shade val="50000"/>
+            </a:schemeClr>
+          </a:lnRef>
+          <a:fillRef idx="1">
+            <a:schemeClr val="accent1"/>
+          </a:fillRef>
+          <a:effectRef idx="0">
+            <a:schemeClr val="accent1"/>
+          </a:effectRef>
+          <a:fontRef idx="minor">
+            <a:schemeClr val="lt1"/>
+          </a:fontRef>
+        </p:style>
+        <p:txBody>
+          <a:bodyPr rtlCol="0" anchor="ctr"/>
+          <a:lstStyle/>
+          <a:p>
+            <a:pPr algn="ctr"/>
+            <a:r>
+              <a:rPr lang="en-US" altLang="zh-CN" sz="3200" dirty="0" smtClean="0">
+                <a:solidFill>
+                  <a:schemeClr val="bg2"/>
+                </a:solidFill>
+                <a:latin typeface="Times New Roman" panose="02020603050405020304" pitchFamily="18" charset="0"/>
+                <a:cs typeface="Times New Roman" panose="02020603050405020304" pitchFamily="18" charset="0"/>
+              </a:rPr>
+              <a:t>2</a:t>
+            </a:r>
+            <a:endParaRPr lang="zh-CN" altLang="en-US" sz="3200" dirty="0">
+              <a:solidFill>
+                <a:schemeClr val="bg2"/>
+              </a:solidFill>
+              <a:latin typeface="Times New Roman" panose="02020603050405020304" pitchFamily="18" charset="0"/>
+              <a:cs typeface="Times New Roman" panose="02020603050405020304" pitchFamily="18" charset="0"/>
+            </a:endParaRPr>
+          </a:p>
+        </p:txBody>
+      </p:sp>
+      <p:sp>
+        <p:nvSpPr>
+          <p:cNvPr id="15" name="圆角矩形 14"/>
+          <p:cNvSpPr/>
+          <p:nvPr/>
+        </p:nvSpPr>
+        <p:spPr>
+          <a:xfrm>
+            <a:off x="4954419" y="4838830"/>
+            <a:ext cx="1003300" cy="609600"/>
+          </a:xfrm>
+          <a:prstGeom prst="roundRect">
+            <a:avLst/>
+          </a:prstGeom>
+          <a:solidFill>
+            <a:srgbClr val="00B050"/>
+          </a:solidFill>
+          <a:ln>
+            <a:noFill/>
+          </a:ln>
+          <a:effectLst/>
+        </p:spPr>
+        <p:style>
+          <a:lnRef idx="2">
+            <a:schemeClr val="accent1">
+              <a:shade val="50000"/>
+            </a:schemeClr>
+          </a:lnRef>
+          <a:fillRef idx="1">
+            <a:schemeClr val="accent1"/>
+          </a:fillRef>
+          <a:effectRef idx="0">
+            <a:schemeClr val="accent1"/>
+          </a:effectRef>
+          <a:fontRef idx="minor">
+            <a:schemeClr val="lt1"/>
+          </a:fontRef>
+        </p:style>
+        <p:txBody>
+          <a:bodyPr rtlCol="0" anchor="ctr"/>
+          <a:lstStyle/>
+          <a:p>
+            <a:pPr algn="ctr"/>
+            <a:r>
+              <a:rPr lang="en-US" altLang="zh-CN" sz="3200" dirty="0" smtClean="0">
+                <a:solidFill>
+                  <a:schemeClr val="bg2"/>
+                </a:solidFill>
+                <a:latin typeface="Times New Roman" panose="02020603050405020304" pitchFamily="18" charset="0"/>
+                <a:cs typeface="Times New Roman" panose="02020603050405020304" pitchFamily="18" charset="0"/>
+              </a:rPr>
+              <a:t>3</a:t>
+            </a:r>
+            <a:endParaRPr lang="zh-CN" altLang="en-US" sz="3200" dirty="0">
+              <a:solidFill>
+                <a:schemeClr val="bg2"/>
+              </a:solidFill>
+              <a:latin typeface="Times New Roman" panose="02020603050405020304" pitchFamily="18" charset="0"/>
+              <a:cs typeface="Times New Roman" panose="02020603050405020304" pitchFamily="18" charset="0"/>
+            </a:endParaRPr>
+          </a:p>
+        </p:txBody>
+      </p:sp>
+      <p:sp>
+        <p:nvSpPr>
+          <p:cNvPr id="16" name="圆角矩形 15"/>
+          <p:cNvSpPr/>
+          <p:nvPr/>
+        </p:nvSpPr>
+        <p:spPr>
+          <a:xfrm>
+            <a:off x="5957719" y="4838830"/>
+            <a:ext cx="1003300" cy="609600"/>
+          </a:xfrm>
+          <a:prstGeom prst="roundRect">
+            <a:avLst/>
+          </a:prstGeom>
+          <a:solidFill>
+            <a:srgbClr val="00B050"/>
+          </a:solidFill>
+          <a:ln>
+            <a:noFill/>
+          </a:ln>
+          <a:effectLst/>
+        </p:spPr>
+        <p:style>
+          <a:lnRef idx="2">
+            <a:schemeClr val="accent1">
+              <a:shade val="50000"/>
+            </a:schemeClr>
+          </a:lnRef>
+          <a:fillRef idx="1">
+            <a:schemeClr val="accent1"/>
+          </a:fillRef>
+          <a:effectRef idx="0">
+            <a:schemeClr val="accent1"/>
+          </a:effectRef>
+          <a:fontRef idx="minor">
+            <a:schemeClr val="lt1"/>
+          </a:fontRef>
+        </p:style>
+        <p:txBody>
+          <a:bodyPr rtlCol="0" anchor="ctr"/>
+          <a:lstStyle/>
+          <a:p>
+            <a:pPr algn="ctr"/>
+            <a:r>
+              <a:rPr lang="en-US" altLang="zh-CN" sz="3200" dirty="0" smtClean="0">
+                <a:solidFill>
+                  <a:schemeClr val="bg2"/>
+                </a:solidFill>
+                <a:latin typeface="Times New Roman" panose="02020603050405020304" pitchFamily="18" charset="0"/>
+                <a:cs typeface="Times New Roman" panose="02020603050405020304" pitchFamily="18" charset="0"/>
+              </a:rPr>
+              <a:t>4</a:t>
+            </a:r>
+            <a:endParaRPr lang="zh-CN" altLang="en-US" sz="3200" dirty="0">
+              <a:solidFill>
+                <a:schemeClr val="bg2"/>
+              </a:solidFill>
+              <a:latin typeface="Times New Roman" panose="02020603050405020304" pitchFamily="18" charset="0"/>
+              <a:cs typeface="Times New Roman" panose="02020603050405020304" pitchFamily="18" charset="0"/>
+            </a:endParaRPr>
+          </a:p>
+        </p:txBody>
+      </p:sp>
+      <p:sp>
+        <p:nvSpPr>
+          <p:cNvPr id="17" name="圆角矩形 16"/>
+          <p:cNvSpPr/>
+          <p:nvPr/>
+        </p:nvSpPr>
+        <p:spPr>
+          <a:xfrm>
+            <a:off x="6961019" y="4838830"/>
+            <a:ext cx="1003300" cy="609600"/>
+          </a:xfrm>
+          <a:prstGeom prst="roundRect">
+            <a:avLst/>
+          </a:prstGeom>
+          <a:solidFill>
+            <a:srgbClr val="00B050"/>
+          </a:solidFill>
+          <a:ln>
+            <a:noFill/>
+          </a:ln>
+          <a:effectLst/>
+        </p:spPr>
+        <p:style>
+          <a:lnRef idx="2">
+            <a:schemeClr val="accent1">
+              <a:shade val="50000"/>
+            </a:schemeClr>
+          </a:lnRef>
+          <a:fillRef idx="1">
+            <a:schemeClr val="accent1"/>
+          </a:fillRef>
+          <a:effectRef idx="0">
+            <a:schemeClr val="accent1"/>
+          </a:effectRef>
+          <a:fontRef idx="minor">
+            <a:schemeClr val="lt1"/>
+          </a:fontRef>
+        </p:style>
+        <p:txBody>
+          <a:bodyPr rtlCol="0" anchor="ctr"/>
+          <a:lstStyle/>
+          <a:p>
+            <a:pPr algn="ctr"/>
+            <a:r>
+              <a:rPr lang="en-US" altLang="zh-CN" sz="3200" dirty="0" smtClean="0">
+                <a:solidFill>
+                  <a:schemeClr val="bg2"/>
+                </a:solidFill>
+                <a:latin typeface="Times New Roman" panose="02020603050405020304" pitchFamily="18" charset="0"/>
+                <a:cs typeface="Times New Roman" panose="02020603050405020304" pitchFamily="18" charset="0"/>
+              </a:rPr>
+              <a:t>5</a:t>
+            </a:r>
+            <a:endParaRPr lang="zh-CN" altLang="en-US" sz="3200" dirty="0">
+              <a:solidFill>
+                <a:schemeClr val="bg2"/>
+              </a:solidFill>
+              <a:latin typeface="Times New Roman" panose="02020603050405020304" pitchFamily="18" charset="0"/>
+              <a:cs typeface="Times New Roman" panose="02020603050405020304" pitchFamily="18" charset="0"/>
+            </a:endParaRPr>
+          </a:p>
+        </p:txBody>
+      </p:sp>
+      <p:sp>
+        <p:nvSpPr>
+          <p:cNvPr id="18" name="圆角矩形 17"/>
+          <p:cNvSpPr/>
+          <p:nvPr/>
+        </p:nvSpPr>
+        <p:spPr>
+          <a:xfrm>
+            <a:off x="7964002" y="4838830"/>
+            <a:ext cx="1003300" cy="609600"/>
+          </a:xfrm>
+          <a:prstGeom prst="roundRect">
+            <a:avLst/>
+          </a:prstGeom>
+          <a:solidFill>
+            <a:srgbClr val="00B050"/>
+          </a:solidFill>
+          <a:ln>
+            <a:noFill/>
+          </a:ln>
+          <a:effectLst/>
+        </p:spPr>
+        <p:style>
+          <a:lnRef idx="2">
+            <a:schemeClr val="accent1">
+              <a:shade val="50000"/>
+            </a:schemeClr>
+          </a:lnRef>
+          <a:fillRef idx="1">
+            <a:schemeClr val="accent1"/>
+          </a:fillRef>
+          <a:effectRef idx="0">
+            <a:schemeClr val="accent1"/>
+          </a:effectRef>
+          <a:fontRef idx="minor">
+            <a:schemeClr val="lt1"/>
+          </a:fontRef>
+        </p:style>
+        <p:txBody>
+          <a:bodyPr rtlCol="0" anchor="ctr"/>
+          <a:lstStyle/>
+          <a:p>
+            <a:pPr algn="ctr"/>
+            <a:r>
+              <a:rPr lang="en-US" altLang="zh-CN" sz="3200" dirty="0" smtClean="0">
+                <a:solidFill>
+                  <a:schemeClr val="bg2"/>
+                </a:solidFill>
+                <a:latin typeface="Times New Roman" panose="02020603050405020304" pitchFamily="18" charset="0"/>
+                <a:cs typeface="Times New Roman" panose="02020603050405020304" pitchFamily="18" charset="0"/>
+              </a:rPr>
+              <a:t>6</a:t>
+            </a:r>
+            <a:endParaRPr lang="zh-CN" altLang="en-US" sz="3200" dirty="0">
+              <a:solidFill>
+                <a:schemeClr val="bg2"/>
+              </a:solidFill>
+              <a:latin typeface="Times New Roman" panose="02020603050405020304" pitchFamily="18" charset="0"/>
+              <a:cs typeface="Times New Roman" panose="02020603050405020304" pitchFamily="18" charset="0"/>
+            </a:endParaRPr>
+          </a:p>
+        </p:txBody>
+      </p:sp>
+      <p:sp>
+        <p:nvSpPr>
+          <p:cNvPr id="19" name="圆角矩形 18"/>
+          <p:cNvSpPr/>
+          <p:nvPr/>
+        </p:nvSpPr>
+        <p:spPr>
+          <a:xfrm>
+            <a:off x="8967302" y="4838830"/>
+            <a:ext cx="1003300" cy="609600"/>
+          </a:xfrm>
+          <a:prstGeom prst="roundRect">
+            <a:avLst/>
+          </a:prstGeom>
+          <a:solidFill>
+            <a:srgbClr val="00B050"/>
+          </a:solidFill>
+          <a:ln>
+            <a:noFill/>
+          </a:ln>
+          <a:effectLst/>
+        </p:spPr>
+        <p:style>
+          <a:lnRef idx="2">
+            <a:schemeClr val="accent1">
+              <a:shade val="50000"/>
+            </a:schemeClr>
+          </a:lnRef>
+          <a:fillRef idx="1">
+            <a:schemeClr val="accent1"/>
+          </a:fillRef>
+          <a:effectRef idx="0">
+            <a:schemeClr val="accent1"/>
+          </a:effectRef>
+          <a:fontRef idx="minor">
+            <a:schemeClr val="lt1"/>
+          </a:fontRef>
+        </p:style>
+        <p:txBody>
+          <a:bodyPr rtlCol="0" anchor="ctr"/>
+          <a:lstStyle/>
+          <a:p>
+            <a:pPr algn="ctr"/>
+            <a:r>
+              <a:rPr lang="en-US" altLang="zh-CN" sz="3200" dirty="0" smtClean="0">
+                <a:solidFill>
+                  <a:schemeClr val="bg2"/>
+                </a:solidFill>
+                <a:latin typeface="Times New Roman" panose="02020603050405020304" pitchFamily="18" charset="0"/>
+                <a:cs typeface="Times New Roman" panose="02020603050405020304" pitchFamily="18" charset="0"/>
+              </a:rPr>
+              <a:t>7</a:t>
+            </a:r>
+            <a:endParaRPr lang="zh-CN" altLang="en-US" sz="3200" dirty="0">
+              <a:solidFill>
+                <a:schemeClr val="bg2"/>
+              </a:solidFill>
+              <a:latin typeface="Times New Roman" panose="02020603050405020304" pitchFamily="18" charset="0"/>
+              <a:cs typeface="Times New Roman" panose="02020603050405020304" pitchFamily="18" charset="0"/>
+            </a:endParaRPr>
+          </a:p>
+        </p:txBody>
+      </p:sp>
+      <p:sp>
+        <p:nvSpPr>
+          <p:cNvPr id="20" name="圆角矩形 19"/>
+          <p:cNvSpPr/>
+          <p:nvPr/>
+        </p:nvSpPr>
+        <p:spPr>
+          <a:xfrm>
+            <a:off x="1953288" y="4229224"/>
+            <a:ext cx="1003300" cy="609600"/>
+          </a:xfrm>
+          <a:prstGeom prst="roundRect">
+            <a:avLst/>
+          </a:prstGeom>
+          <a:solidFill>
+            <a:srgbClr val="00B050"/>
+          </a:solidFill>
+          <a:ln>
+            <a:noFill/>
+          </a:ln>
+          <a:effectLst/>
+        </p:spPr>
+        <p:style>
+          <a:lnRef idx="2">
+            <a:schemeClr val="accent1">
+              <a:shade val="50000"/>
+            </a:schemeClr>
+          </a:lnRef>
+          <a:fillRef idx="1">
+            <a:schemeClr val="accent1"/>
+          </a:fillRef>
+          <a:effectRef idx="0">
+            <a:schemeClr val="accent1"/>
+          </a:effectRef>
+          <a:fontRef idx="minor">
+            <a:schemeClr val="lt1"/>
+          </a:fontRef>
+        </p:style>
+        <p:txBody>
+          <a:bodyPr rtlCol="0" anchor="ctr"/>
+          <a:lstStyle/>
+          <a:p>
+            <a:pPr algn="ctr"/>
+            <a:r>
+              <a:rPr lang="en-US" altLang="zh-CN" sz="3200" dirty="0" smtClean="0">
+                <a:solidFill>
+                  <a:schemeClr val="bg2"/>
+                </a:solidFill>
+                <a:latin typeface="Times New Roman" panose="02020603050405020304" pitchFamily="18" charset="0"/>
+                <a:cs typeface="Times New Roman" panose="02020603050405020304" pitchFamily="18" charset="0"/>
+              </a:rPr>
+              <a:t>0</a:t>
+            </a:r>
+            <a:endParaRPr lang="zh-CN" altLang="en-US" sz="3200" dirty="0">
+              <a:solidFill>
+                <a:schemeClr val="bg2"/>
+              </a:solidFill>
+              <a:latin typeface="Times New Roman" panose="02020603050405020304" pitchFamily="18" charset="0"/>
+              <a:cs typeface="Times New Roman" panose="02020603050405020304" pitchFamily="18" charset="0"/>
+            </a:endParaRPr>
+          </a:p>
+        </p:txBody>
+      </p:sp>
+      <p:sp>
+        <p:nvSpPr>
+          <p:cNvPr id="21" name="圆角矩形 20"/>
+          <p:cNvSpPr/>
+          <p:nvPr/>
+        </p:nvSpPr>
+        <p:spPr>
+          <a:xfrm>
+            <a:off x="2962938" y="4229224"/>
+            <a:ext cx="1003300" cy="609600"/>
+          </a:xfrm>
+          <a:prstGeom prst="roundRect">
+            <a:avLst/>
+          </a:prstGeom>
+          <a:solidFill>
+            <a:srgbClr val="00B050"/>
+          </a:solidFill>
+          <a:ln>
+            <a:noFill/>
+          </a:ln>
+          <a:effectLst/>
+        </p:spPr>
+        <p:style>
+          <a:lnRef idx="2">
+            <a:schemeClr val="accent1">
+              <a:shade val="50000"/>
+            </a:schemeClr>
+          </a:lnRef>
+          <a:fillRef idx="1">
+            <a:schemeClr val="accent1"/>
+          </a:fillRef>
+          <a:effectRef idx="0">
+            <a:schemeClr val="accent1"/>
+          </a:effectRef>
+          <a:fontRef idx="minor">
+            <a:schemeClr val="lt1"/>
+          </a:fontRef>
+        </p:style>
+        <p:txBody>
+          <a:bodyPr rtlCol="0" anchor="ctr"/>
+          <a:lstStyle/>
+          <a:p>
+            <a:pPr algn="ctr"/>
+            <a:r>
+              <a:rPr lang="en-US" altLang="zh-CN" sz="3200" dirty="0" smtClean="0">
+                <a:solidFill>
+                  <a:schemeClr val="bg2"/>
+                </a:solidFill>
+                <a:latin typeface="Times New Roman" panose="02020603050405020304" pitchFamily="18" charset="0"/>
+                <a:cs typeface="Times New Roman" panose="02020603050405020304" pitchFamily="18" charset="0"/>
+              </a:rPr>
+              <a:t>0</a:t>
+            </a:r>
+            <a:endParaRPr lang="zh-CN" altLang="en-US" sz="3200" dirty="0">
+              <a:solidFill>
+                <a:schemeClr val="bg2"/>
+              </a:solidFill>
+              <a:latin typeface="Times New Roman" panose="02020603050405020304" pitchFamily="18" charset="0"/>
+              <a:cs typeface="Times New Roman" panose="02020603050405020304" pitchFamily="18" charset="0"/>
+            </a:endParaRPr>
+          </a:p>
+        </p:txBody>
+      </p:sp>
+      <p:sp>
+        <p:nvSpPr>
+          <p:cNvPr id="22" name="圆角矩形 21"/>
+          <p:cNvSpPr/>
+          <p:nvPr/>
+        </p:nvSpPr>
+        <p:spPr>
+          <a:xfrm>
+            <a:off x="3958520" y="4229224"/>
+            <a:ext cx="1003300" cy="609600"/>
+          </a:xfrm>
+          <a:prstGeom prst="roundRect">
+            <a:avLst/>
+          </a:prstGeom>
+          <a:solidFill>
+            <a:srgbClr val="00B050"/>
+          </a:solidFill>
+          <a:ln>
+            <a:noFill/>
+          </a:ln>
+          <a:effectLst/>
+        </p:spPr>
+        <p:style>
+          <a:lnRef idx="2">
+            <a:schemeClr val="accent1">
+              <a:shade val="50000"/>
+            </a:schemeClr>
+          </a:lnRef>
+          <a:fillRef idx="1">
+            <a:schemeClr val="accent1"/>
+          </a:fillRef>
+          <a:effectRef idx="0">
+            <a:schemeClr val="accent1"/>
+          </a:effectRef>
+          <a:fontRef idx="minor">
+            <a:schemeClr val="lt1"/>
+          </a:fontRef>
+        </p:style>
+        <p:txBody>
+          <a:bodyPr rtlCol="0" anchor="ctr"/>
+          <a:lstStyle/>
+          <a:p>
+            <a:pPr algn="ctr"/>
+            <a:r>
+              <a:rPr lang="en-US" altLang="zh-CN" sz="3200" dirty="0" smtClean="0">
+                <a:solidFill>
+                  <a:schemeClr val="bg2"/>
+                </a:solidFill>
+                <a:latin typeface="Times New Roman" panose="02020603050405020304" pitchFamily="18" charset="0"/>
+                <a:cs typeface="Times New Roman" panose="02020603050405020304" pitchFamily="18" charset="0"/>
+              </a:rPr>
+              <a:t>0</a:t>
+            </a:r>
+            <a:endParaRPr lang="zh-CN" altLang="en-US" sz="3200" dirty="0">
+              <a:solidFill>
+                <a:schemeClr val="bg2"/>
+              </a:solidFill>
+              <a:latin typeface="Times New Roman" panose="02020603050405020304" pitchFamily="18" charset="0"/>
+              <a:cs typeface="Times New Roman" panose="02020603050405020304" pitchFamily="18" charset="0"/>
+            </a:endParaRPr>
+          </a:p>
+        </p:txBody>
+      </p:sp>
+      <p:sp>
+        <p:nvSpPr>
+          <p:cNvPr id="23" name="圆角矩形 22"/>
+          <p:cNvSpPr/>
+          <p:nvPr/>
+        </p:nvSpPr>
+        <p:spPr>
+          <a:xfrm>
+            <a:off x="4954102" y="4229224"/>
+            <a:ext cx="1003300" cy="609600"/>
+          </a:xfrm>
+          <a:prstGeom prst="roundRect">
+            <a:avLst/>
+          </a:prstGeom>
+          <a:solidFill>
+            <a:srgbClr val="00B050"/>
+          </a:solidFill>
+          <a:ln>
+            <a:noFill/>
+          </a:ln>
+          <a:effectLst/>
+        </p:spPr>
+        <p:style>
+          <a:lnRef idx="2">
+            <a:schemeClr val="accent1">
+              <a:shade val="50000"/>
+            </a:schemeClr>
+          </a:lnRef>
+          <a:fillRef idx="1">
+            <a:schemeClr val="accent1"/>
+          </a:fillRef>
+          <a:effectRef idx="0">
+            <a:schemeClr val="accent1"/>
+          </a:effectRef>
+          <a:fontRef idx="minor">
+            <a:schemeClr val="lt1"/>
+          </a:fontRef>
+        </p:style>
+        <p:txBody>
+          <a:bodyPr rtlCol="0" anchor="ctr"/>
+          <a:lstStyle/>
+          <a:p>
+            <a:pPr algn="ctr"/>
+            <a:r>
+              <a:rPr lang="en-US" altLang="zh-CN" sz="3200" dirty="0" smtClean="0">
+                <a:solidFill>
+                  <a:schemeClr val="bg2"/>
+                </a:solidFill>
+                <a:latin typeface="Times New Roman" panose="02020603050405020304" pitchFamily="18" charset="0"/>
+                <a:cs typeface="Times New Roman" panose="02020603050405020304" pitchFamily="18" charset="0"/>
+              </a:rPr>
+              <a:t>0</a:t>
+            </a:r>
+            <a:endParaRPr lang="zh-CN" altLang="en-US" sz="3200" dirty="0">
+              <a:solidFill>
+                <a:schemeClr val="bg2"/>
+              </a:solidFill>
+              <a:latin typeface="Times New Roman" panose="02020603050405020304" pitchFamily="18" charset="0"/>
+              <a:cs typeface="Times New Roman" panose="02020603050405020304" pitchFamily="18" charset="0"/>
+            </a:endParaRPr>
+          </a:p>
+        </p:txBody>
+      </p:sp>
+      <p:sp>
+        <p:nvSpPr>
+          <p:cNvPr id="24" name="圆角矩形 23"/>
+          <p:cNvSpPr/>
+          <p:nvPr/>
+        </p:nvSpPr>
+        <p:spPr>
+          <a:xfrm>
+            <a:off x="5957402" y="4229224"/>
+            <a:ext cx="1003300" cy="609600"/>
+          </a:xfrm>
+          <a:prstGeom prst="roundRect">
+            <a:avLst/>
+          </a:prstGeom>
+          <a:solidFill>
+            <a:srgbClr val="00B050"/>
+          </a:solidFill>
+          <a:ln>
+            <a:noFill/>
+          </a:ln>
+          <a:effectLst/>
+        </p:spPr>
+        <p:style>
+          <a:lnRef idx="2">
+            <a:schemeClr val="accent1">
+              <a:shade val="50000"/>
+            </a:schemeClr>
+          </a:lnRef>
+          <a:fillRef idx="1">
+            <a:schemeClr val="accent1"/>
+          </a:fillRef>
+          <a:effectRef idx="0">
+            <a:schemeClr val="accent1"/>
+          </a:effectRef>
+          <a:fontRef idx="minor">
+            <a:schemeClr val="lt1"/>
+          </a:fontRef>
+        </p:style>
+        <p:txBody>
+          <a:bodyPr rtlCol="0" anchor="ctr"/>
+          <a:lstStyle/>
+          <a:p>
+            <a:pPr algn="ctr"/>
+            <a:r>
+              <a:rPr lang="en-US" altLang="zh-CN" sz="3200" dirty="0" smtClean="0">
+                <a:solidFill>
+                  <a:schemeClr val="bg2"/>
+                </a:solidFill>
+                <a:latin typeface="Times New Roman" panose="02020603050405020304" pitchFamily="18" charset="0"/>
+                <a:cs typeface="Times New Roman" panose="02020603050405020304" pitchFamily="18" charset="0"/>
+              </a:rPr>
+              <a:t>0</a:t>
+            </a:r>
+            <a:endParaRPr lang="zh-CN" altLang="en-US" sz="3200" dirty="0">
+              <a:solidFill>
+                <a:schemeClr val="bg2"/>
+              </a:solidFill>
+              <a:latin typeface="Times New Roman" panose="02020603050405020304" pitchFamily="18" charset="0"/>
+              <a:cs typeface="Times New Roman" panose="02020603050405020304" pitchFamily="18" charset="0"/>
+            </a:endParaRPr>
+          </a:p>
+        </p:txBody>
+      </p:sp>
+      <p:sp>
+        <p:nvSpPr>
+          <p:cNvPr id="25" name="圆角矩形 24"/>
+          <p:cNvSpPr/>
+          <p:nvPr/>
+        </p:nvSpPr>
+        <p:spPr>
+          <a:xfrm>
+            <a:off x="6960702" y="4229224"/>
+            <a:ext cx="1003300" cy="609600"/>
+          </a:xfrm>
+          <a:prstGeom prst="roundRect">
+            <a:avLst/>
+          </a:prstGeom>
+          <a:solidFill>
+            <a:srgbClr val="00B050"/>
+          </a:solidFill>
+          <a:ln>
+            <a:noFill/>
+          </a:ln>
+          <a:effectLst/>
+        </p:spPr>
+        <p:style>
+          <a:lnRef idx="2">
+            <a:schemeClr val="accent1">
+              <a:shade val="50000"/>
+            </a:schemeClr>
+          </a:lnRef>
+          <a:fillRef idx="1">
+            <a:schemeClr val="accent1"/>
+          </a:fillRef>
+          <a:effectRef idx="0">
+            <a:schemeClr val="accent1"/>
+          </a:effectRef>
+          <a:fontRef idx="minor">
+            <a:schemeClr val="lt1"/>
+          </a:fontRef>
+        </p:style>
+        <p:txBody>
+          <a:bodyPr rtlCol="0" anchor="ctr"/>
+          <a:lstStyle/>
+          <a:p>
+            <a:pPr algn="ctr"/>
+            <a:r>
+              <a:rPr lang="en-US" altLang="zh-CN" sz="3200" dirty="0" smtClean="0">
+                <a:solidFill>
+                  <a:schemeClr val="bg2"/>
+                </a:solidFill>
+                <a:latin typeface="Times New Roman" panose="02020603050405020304" pitchFamily="18" charset="0"/>
+                <a:cs typeface="Times New Roman" panose="02020603050405020304" pitchFamily="18" charset="0"/>
+              </a:rPr>
+              <a:t>0</a:t>
+            </a:r>
+            <a:endParaRPr lang="zh-CN" altLang="en-US" sz="3200" dirty="0">
+              <a:solidFill>
+                <a:schemeClr val="bg2"/>
+              </a:solidFill>
+              <a:latin typeface="Times New Roman" panose="02020603050405020304" pitchFamily="18" charset="0"/>
+              <a:cs typeface="Times New Roman" panose="02020603050405020304" pitchFamily="18" charset="0"/>
+            </a:endParaRPr>
+          </a:p>
+        </p:txBody>
+      </p:sp>
+      <p:sp>
+        <p:nvSpPr>
+          <p:cNvPr id="26" name="圆角矩形 25"/>
+          <p:cNvSpPr/>
+          <p:nvPr/>
+        </p:nvSpPr>
+        <p:spPr>
+          <a:xfrm>
+            <a:off x="7963685" y="4229224"/>
+            <a:ext cx="1003300" cy="609600"/>
+          </a:xfrm>
+          <a:prstGeom prst="roundRect">
+            <a:avLst/>
+          </a:prstGeom>
+          <a:solidFill>
+            <a:srgbClr val="00B050"/>
+          </a:solidFill>
+          <a:ln>
+            <a:noFill/>
+          </a:ln>
+          <a:effectLst/>
+        </p:spPr>
+        <p:style>
+          <a:lnRef idx="2">
+            <a:schemeClr val="accent1">
+              <a:shade val="50000"/>
+            </a:schemeClr>
+          </a:lnRef>
+          <a:fillRef idx="1">
+            <a:schemeClr val="accent1"/>
+          </a:fillRef>
+          <a:effectRef idx="0">
+            <a:schemeClr val="accent1"/>
+          </a:effectRef>
+          <a:fontRef idx="minor">
+            <a:schemeClr val="lt1"/>
+          </a:fontRef>
+        </p:style>
+        <p:txBody>
+          <a:bodyPr rtlCol="0" anchor="ctr"/>
+          <a:lstStyle/>
+          <a:p>
+            <a:pPr algn="ctr"/>
+            <a:r>
+              <a:rPr lang="en-US" altLang="zh-CN" sz="3200" dirty="0" smtClean="0">
+                <a:solidFill>
+                  <a:schemeClr val="bg2"/>
+                </a:solidFill>
+                <a:latin typeface="Times New Roman" panose="02020603050405020304" pitchFamily="18" charset="0"/>
+                <a:cs typeface="Times New Roman" panose="02020603050405020304" pitchFamily="18" charset="0"/>
+              </a:rPr>
+              <a:t>0</a:t>
+            </a:r>
+            <a:endParaRPr lang="zh-CN" altLang="en-US" sz="3200" dirty="0">
+              <a:solidFill>
+                <a:schemeClr val="bg2"/>
+              </a:solidFill>
+              <a:latin typeface="Times New Roman" panose="02020603050405020304" pitchFamily="18" charset="0"/>
+              <a:cs typeface="Times New Roman" panose="02020603050405020304" pitchFamily="18" charset="0"/>
+            </a:endParaRPr>
+          </a:p>
+        </p:txBody>
+      </p:sp>
+      <p:sp>
+        <p:nvSpPr>
+          <p:cNvPr id="27" name="圆角矩形 26"/>
+          <p:cNvSpPr/>
+          <p:nvPr/>
+        </p:nvSpPr>
+        <p:spPr>
+          <a:xfrm>
+            <a:off x="8966985" y="4229224"/>
+            <a:ext cx="1003300" cy="609600"/>
+          </a:xfrm>
+          <a:prstGeom prst="roundRect">
+            <a:avLst/>
+          </a:prstGeom>
+          <a:solidFill>
+            <a:srgbClr val="00B050"/>
+          </a:solidFill>
+          <a:ln>
+            <a:noFill/>
+          </a:ln>
+          <a:effectLst/>
+        </p:spPr>
+        <p:style>
+          <a:lnRef idx="2">
+            <a:schemeClr val="accent1">
+              <a:shade val="50000"/>
+            </a:schemeClr>
+          </a:lnRef>
+          <a:fillRef idx="1">
+            <a:schemeClr val="accent1"/>
+          </a:fillRef>
+          <a:effectRef idx="0">
+            <a:schemeClr val="accent1"/>
+          </a:effectRef>
+          <a:fontRef idx="minor">
+            <a:schemeClr val="lt1"/>
+          </a:fontRef>
+        </p:style>
+        <p:txBody>
+          <a:bodyPr rtlCol="0" anchor="ctr"/>
+          <a:lstStyle/>
+          <a:p>
+            <a:pPr algn="ctr"/>
+            <a:r>
+              <a:rPr lang="en-US" altLang="zh-CN" sz="3200" dirty="0" smtClean="0">
+                <a:solidFill>
+                  <a:schemeClr val="bg2"/>
+                </a:solidFill>
+                <a:latin typeface="Times New Roman" panose="02020603050405020304" pitchFamily="18" charset="0"/>
+                <a:cs typeface="Times New Roman" panose="02020603050405020304" pitchFamily="18" charset="0"/>
+              </a:rPr>
+              <a:t>0</a:t>
+            </a:r>
+            <a:endParaRPr lang="zh-CN" altLang="en-US" sz="3200" dirty="0">
+              <a:solidFill>
+                <a:schemeClr val="bg2"/>
+              </a:solidFill>
+              <a:latin typeface="Times New Roman" panose="02020603050405020304" pitchFamily="18" charset="0"/>
+              <a:cs typeface="Times New Roman" panose="02020603050405020304" pitchFamily="18" charset="0"/>
+            </a:endParaRPr>
+          </a:p>
+        </p:txBody>
+      </p:sp>
+      <p:sp>
+        <p:nvSpPr>
+          <p:cNvPr id="28" name="下箭头标注 27"/>
+          <p:cNvSpPr/>
+          <p:nvPr/>
+        </p:nvSpPr>
+        <p:spPr>
+          <a:xfrm>
+            <a:off x="1658076" y="600241"/>
+            <a:ext cx="764836" cy="900753"/>
+          </a:xfrm>
+          <a:prstGeom prst="downArrowCallout">
+            <a:avLst>
+              <a:gd name="adj1" fmla="val 25000"/>
+              <a:gd name="adj2" fmla="val 25000"/>
+              <a:gd name="adj3" fmla="val 25000"/>
+              <a:gd name="adj4" fmla="val 51172"/>
+            </a:avLst>
+          </a:prstGeom>
+          <a:solidFill>
+            <a:schemeClr val="tx2">
+              <a:lumMod val="50000"/>
+            </a:schemeClr>
+          </a:solidFill>
+          <a:ln>
+            <a:noFill/>
+          </a:ln>
+          <a:effectLst/>
+        </p:spPr>
+        <p:style>
+          <a:lnRef idx="2">
+            <a:schemeClr val="accent1">
+              <a:shade val="50000"/>
+            </a:schemeClr>
+          </a:lnRef>
+          <a:fillRef idx="1">
+            <a:schemeClr val="accent1"/>
+          </a:fillRef>
+          <a:effectRef idx="0">
+            <a:schemeClr val="accent1"/>
+          </a:effectRef>
+          <a:fontRef idx="minor">
+            <a:schemeClr val="lt1"/>
+          </a:fontRef>
+        </p:style>
+        <p:txBody>
+          <a:bodyPr rtlCol="0" anchor="ctr"/>
+          <a:lstStyle/>
+          <a:p>
+            <a:pPr algn="ctr"/>
+            <a:r>
+              <a:rPr lang="en-US" altLang="zh-CN" sz="2800" dirty="0" err="1">
+                <a:latin typeface="Times New Roman" panose="02020603050405020304" pitchFamily="18" charset="0"/>
+                <a:cs typeface="Times New Roman" panose="02020603050405020304" pitchFamily="18" charset="0"/>
+              </a:rPr>
+              <a:t>i</a:t>
+            </a:r>
+            <a:endParaRPr lang="zh-CN" altLang="en-US" sz="2800" dirty="0">
+              <a:latin typeface="Times New Roman" panose="02020603050405020304" pitchFamily="18" charset="0"/>
+              <a:cs typeface="Times New Roman" panose="02020603050405020304" pitchFamily="18" charset="0"/>
+            </a:endParaRPr>
+          </a:p>
+        </p:txBody>
+      </p:sp>
+      <p:sp>
+        <p:nvSpPr>
+          <p:cNvPr id="29" name="圆角矩形 28"/>
+          <p:cNvSpPr/>
+          <p:nvPr/>
+        </p:nvSpPr>
+        <p:spPr>
+          <a:xfrm>
+            <a:off x="4016630" y="4229218"/>
+            <a:ext cx="1003300" cy="609600"/>
+          </a:xfrm>
+          <a:prstGeom prst="roundRect">
+            <a:avLst/>
+          </a:prstGeom>
+          <a:solidFill>
+            <a:srgbClr val="00B050"/>
+          </a:solidFill>
+          <a:ln>
+            <a:noFill/>
+          </a:ln>
+          <a:effectLst/>
+        </p:spPr>
+        <p:style>
+          <a:lnRef idx="2">
+            <a:schemeClr val="accent1">
+              <a:shade val="50000"/>
+            </a:schemeClr>
+          </a:lnRef>
+          <a:fillRef idx="1">
+            <a:schemeClr val="accent1"/>
+          </a:fillRef>
+          <a:effectRef idx="0">
+            <a:schemeClr val="accent1"/>
+          </a:effectRef>
+          <a:fontRef idx="minor">
+            <a:schemeClr val="lt1"/>
+          </a:fontRef>
+        </p:style>
+        <p:txBody>
+          <a:bodyPr rtlCol="0" anchor="ctr"/>
+          <a:lstStyle/>
+          <a:p>
+            <a:pPr algn="ctr"/>
+            <a:r>
+              <a:rPr lang="en-US" altLang="zh-CN" sz="3200" dirty="0">
+                <a:solidFill>
+                  <a:schemeClr val="bg2"/>
+                </a:solidFill>
+                <a:latin typeface="Times New Roman" panose="02020603050405020304" pitchFamily="18" charset="0"/>
+                <a:cs typeface="Times New Roman" panose="02020603050405020304" pitchFamily="18" charset="0"/>
+              </a:rPr>
+              <a:t>1</a:t>
+            </a:r>
+            <a:endParaRPr lang="zh-CN" altLang="en-US" sz="3200" dirty="0">
+              <a:solidFill>
+                <a:schemeClr val="bg2"/>
+              </a:solidFill>
+              <a:latin typeface="Times New Roman" panose="02020603050405020304" pitchFamily="18" charset="0"/>
+              <a:cs typeface="Times New Roman" panose="02020603050405020304" pitchFamily="18" charset="0"/>
+            </a:endParaRPr>
+          </a:p>
+        </p:txBody>
+      </p:sp>
+      <p:sp>
+        <p:nvSpPr>
+          <p:cNvPr id="30" name="圆角矩形 29"/>
+          <p:cNvSpPr/>
+          <p:nvPr/>
+        </p:nvSpPr>
+        <p:spPr>
+          <a:xfrm>
+            <a:off x="8965300" y="4229218"/>
+            <a:ext cx="1003300" cy="609600"/>
+          </a:xfrm>
+          <a:prstGeom prst="roundRect">
+            <a:avLst/>
+          </a:prstGeom>
+          <a:solidFill>
+            <a:srgbClr val="00B050"/>
+          </a:solidFill>
+          <a:ln>
+            <a:noFill/>
+          </a:ln>
+          <a:effectLst/>
+        </p:spPr>
+        <p:style>
+          <a:lnRef idx="2">
+            <a:schemeClr val="accent1">
+              <a:shade val="50000"/>
+            </a:schemeClr>
+          </a:lnRef>
+          <a:fillRef idx="1">
+            <a:schemeClr val="accent1"/>
+          </a:fillRef>
+          <a:effectRef idx="0">
+            <a:schemeClr val="accent1"/>
+          </a:effectRef>
+          <a:fontRef idx="minor">
+            <a:schemeClr val="lt1"/>
+          </a:fontRef>
+        </p:style>
+        <p:txBody>
+          <a:bodyPr rtlCol="0" anchor="ctr"/>
+          <a:lstStyle/>
+          <a:p>
+            <a:pPr algn="ctr"/>
+            <a:r>
+              <a:rPr lang="en-US" altLang="zh-CN" sz="3200" dirty="0">
+                <a:solidFill>
+                  <a:schemeClr val="bg2"/>
+                </a:solidFill>
+                <a:latin typeface="Times New Roman" panose="02020603050405020304" pitchFamily="18" charset="0"/>
+                <a:cs typeface="Times New Roman" panose="02020603050405020304" pitchFamily="18" charset="0"/>
+              </a:rPr>
+              <a:t>1</a:t>
+            </a:r>
+            <a:endParaRPr lang="zh-CN" altLang="en-US" sz="3200" dirty="0">
+              <a:solidFill>
+                <a:schemeClr val="bg2"/>
+              </a:solidFill>
+              <a:latin typeface="Times New Roman" panose="02020603050405020304" pitchFamily="18" charset="0"/>
+              <a:cs typeface="Times New Roman" panose="02020603050405020304" pitchFamily="18" charset="0"/>
+            </a:endParaRPr>
+          </a:p>
+        </p:txBody>
+      </p:sp>
+      <p:sp>
+        <p:nvSpPr>
+          <p:cNvPr id="31" name="圆角矩形 30"/>
+          <p:cNvSpPr/>
+          <p:nvPr/>
+        </p:nvSpPr>
+        <p:spPr>
+          <a:xfrm>
+            <a:off x="5980594" y="4229218"/>
+            <a:ext cx="1003300" cy="609600"/>
+          </a:xfrm>
+          <a:prstGeom prst="roundRect">
+            <a:avLst/>
+          </a:prstGeom>
+          <a:solidFill>
+            <a:srgbClr val="00B050"/>
+          </a:solidFill>
+          <a:ln>
+            <a:noFill/>
+          </a:ln>
+          <a:effectLst/>
+        </p:spPr>
+        <p:style>
+          <a:lnRef idx="2">
+            <a:schemeClr val="accent1">
+              <a:shade val="50000"/>
+            </a:schemeClr>
+          </a:lnRef>
+          <a:fillRef idx="1">
+            <a:schemeClr val="accent1"/>
+          </a:fillRef>
+          <a:effectRef idx="0">
+            <a:schemeClr val="accent1"/>
+          </a:effectRef>
+          <a:fontRef idx="minor">
+            <a:schemeClr val="lt1"/>
+          </a:fontRef>
+        </p:style>
+        <p:txBody>
+          <a:bodyPr rtlCol="0" anchor="ctr"/>
+          <a:lstStyle/>
+          <a:p>
+            <a:pPr algn="ctr"/>
+            <a:r>
+              <a:rPr lang="en-US" altLang="zh-CN" sz="3200" dirty="0">
+                <a:solidFill>
+                  <a:schemeClr val="bg2"/>
+                </a:solidFill>
+                <a:latin typeface="Times New Roman" panose="02020603050405020304" pitchFamily="18" charset="0"/>
+                <a:cs typeface="Times New Roman" panose="02020603050405020304" pitchFamily="18" charset="0"/>
+              </a:rPr>
+              <a:t>1</a:t>
+            </a:r>
+            <a:endParaRPr lang="zh-CN" altLang="en-US" sz="3200" dirty="0">
+              <a:solidFill>
+                <a:schemeClr val="bg2"/>
+              </a:solidFill>
+              <a:latin typeface="Times New Roman" panose="02020603050405020304" pitchFamily="18" charset="0"/>
+              <a:cs typeface="Times New Roman" panose="02020603050405020304" pitchFamily="18" charset="0"/>
+            </a:endParaRPr>
+          </a:p>
+        </p:txBody>
+      </p:sp>
+      <p:sp>
+        <p:nvSpPr>
+          <p:cNvPr id="32" name="圆角矩形 31"/>
+          <p:cNvSpPr/>
+          <p:nvPr/>
+        </p:nvSpPr>
+        <p:spPr>
+          <a:xfrm>
+            <a:off x="6970296" y="4229218"/>
+            <a:ext cx="1003300" cy="609600"/>
+          </a:xfrm>
+          <a:prstGeom prst="roundRect">
+            <a:avLst/>
+          </a:prstGeom>
+          <a:solidFill>
+            <a:srgbClr val="00B050"/>
+          </a:solidFill>
+          <a:ln>
+            <a:noFill/>
+          </a:ln>
+          <a:effectLst/>
+        </p:spPr>
+        <p:style>
+          <a:lnRef idx="2">
+            <a:schemeClr val="accent1">
+              <a:shade val="50000"/>
+            </a:schemeClr>
+          </a:lnRef>
+          <a:fillRef idx="1">
+            <a:schemeClr val="accent1"/>
+          </a:fillRef>
+          <a:effectRef idx="0">
+            <a:schemeClr val="accent1"/>
+          </a:effectRef>
+          <a:fontRef idx="minor">
+            <a:schemeClr val="lt1"/>
+          </a:fontRef>
+        </p:style>
+        <p:txBody>
+          <a:bodyPr rtlCol="0" anchor="ctr"/>
+          <a:lstStyle/>
+          <a:p>
+            <a:pPr algn="ctr"/>
+            <a:r>
+              <a:rPr lang="en-US" altLang="zh-CN" sz="3200" dirty="0">
+                <a:solidFill>
+                  <a:schemeClr val="bg2"/>
+                </a:solidFill>
+                <a:latin typeface="Times New Roman" panose="02020603050405020304" pitchFamily="18" charset="0"/>
+                <a:cs typeface="Times New Roman" panose="02020603050405020304" pitchFamily="18" charset="0"/>
+              </a:rPr>
+              <a:t>1</a:t>
+            </a:r>
+            <a:endParaRPr lang="zh-CN" altLang="en-US" sz="3200" dirty="0">
+              <a:solidFill>
+                <a:schemeClr val="bg2"/>
+              </a:solidFill>
+              <a:latin typeface="Times New Roman" panose="02020603050405020304" pitchFamily="18" charset="0"/>
+              <a:cs typeface="Times New Roman" panose="02020603050405020304" pitchFamily="18" charset="0"/>
+            </a:endParaRPr>
+          </a:p>
+        </p:txBody>
+      </p:sp>
+      <p:sp>
+        <p:nvSpPr>
+          <p:cNvPr id="33" name="圆角矩形 32"/>
+          <p:cNvSpPr/>
+          <p:nvPr/>
+        </p:nvSpPr>
+        <p:spPr>
+          <a:xfrm>
+            <a:off x="1951555" y="4229218"/>
+            <a:ext cx="1003300" cy="609600"/>
+          </a:xfrm>
+          <a:prstGeom prst="roundRect">
+            <a:avLst/>
+          </a:prstGeom>
+          <a:solidFill>
+            <a:srgbClr val="00B050"/>
+          </a:solidFill>
+          <a:ln>
+            <a:noFill/>
+          </a:ln>
+          <a:effectLst/>
+        </p:spPr>
+        <p:style>
+          <a:lnRef idx="2">
+            <a:schemeClr val="accent1">
+              <a:shade val="50000"/>
+            </a:schemeClr>
+          </a:lnRef>
+          <a:fillRef idx="1">
+            <a:schemeClr val="accent1"/>
+          </a:fillRef>
+          <a:effectRef idx="0">
+            <a:schemeClr val="accent1"/>
+          </a:effectRef>
+          <a:fontRef idx="minor">
+            <a:schemeClr val="lt1"/>
+          </a:fontRef>
+        </p:style>
+        <p:txBody>
+          <a:bodyPr rtlCol="0" anchor="ctr"/>
+          <a:lstStyle/>
+          <a:p>
+            <a:pPr algn="ctr"/>
+            <a:r>
+              <a:rPr lang="en-US" altLang="zh-CN" sz="3200" dirty="0">
+                <a:solidFill>
+                  <a:schemeClr val="bg2"/>
+                </a:solidFill>
+                <a:latin typeface="Times New Roman" panose="02020603050405020304" pitchFamily="18" charset="0"/>
+                <a:cs typeface="Times New Roman" panose="02020603050405020304" pitchFamily="18" charset="0"/>
+              </a:rPr>
+              <a:t>1</a:t>
+            </a:r>
+            <a:endParaRPr lang="zh-CN" altLang="en-US" sz="3200" dirty="0">
+              <a:solidFill>
+                <a:schemeClr val="bg2"/>
+              </a:solidFill>
+              <a:latin typeface="Times New Roman" panose="02020603050405020304" pitchFamily="18" charset="0"/>
+              <a:cs typeface="Times New Roman" panose="02020603050405020304" pitchFamily="18" charset="0"/>
+            </a:endParaRPr>
+          </a:p>
+        </p:txBody>
+      </p:sp>
+      <p:sp>
+        <p:nvSpPr>
+          <p:cNvPr id="34" name="圆角矩形 33"/>
+          <p:cNvSpPr/>
+          <p:nvPr/>
+        </p:nvSpPr>
+        <p:spPr>
+          <a:xfrm>
+            <a:off x="4972497" y="4229212"/>
+            <a:ext cx="1003300" cy="609600"/>
+          </a:xfrm>
+          <a:prstGeom prst="roundRect">
+            <a:avLst/>
+          </a:prstGeom>
+          <a:solidFill>
+            <a:srgbClr val="00B050"/>
+          </a:solidFill>
+          <a:ln>
+            <a:noFill/>
+          </a:ln>
+          <a:effectLst/>
+        </p:spPr>
+        <p:style>
+          <a:lnRef idx="2">
+            <a:schemeClr val="accent1">
+              <a:shade val="50000"/>
+            </a:schemeClr>
+          </a:lnRef>
+          <a:fillRef idx="1">
+            <a:schemeClr val="accent1"/>
+          </a:fillRef>
+          <a:effectRef idx="0">
+            <a:schemeClr val="accent1"/>
+          </a:effectRef>
+          <a:fontRef idx="minor">
+            <a:schemeClr val="lt1"/>
+          </a:fontRef>
+        </p:style>
+        <p:txBody>
+          <a:bodyPr rtlCol="0" anchor="ctr"/>
+          <a:lstStyle/>
+          <a:p>
+            <a:pPr algn="ctr"/>
+            <a:r>
+              <a:rPr lang="en-US" altLang="zh-CN" sz="3200" dirty="0">
+                <a:solidFill>
+                  <a:schemeClr val="bg2"/>
+                </a:solidFill>
+                <a:latin typeface="Times New Roman" panose="02020603050405020304" pitchFamily="18" charset="0"/>
+                <a:cs typeface="Times New Roman" panose="02020603050405020304" pitchFamily="18" charset="0"/>
+              </a:rPr>
+              <a:t>1</a:t>
+            </a:r>
+            <a:endParaRPr lang="zh-CN" altLang="en-US" sz="3200" dirty="0">
+              <a:solidFill>
+                <a:schemeClr val="bg2"/>
+              </a:solidFill>
+              <a:latin typeface="Times New Roman" panose="02020603050405020304" pitchFamily="18" charset="0"/>
+              <a:cs typeface="Times New Roman" panose="02020603050405020304" pitchFamily="18" charset="0"/>
+            </a:endParaRPr>
+          </a:p>
+        </p:txBody>
+      </p:sp>
+      <p:sp>
+        <p:nvSpPr>
+          <p:cNvPr id="35" name="圆角矩形 34"/>
+          <p:cNvSpPr/>
+          <p:nvPr/>
+        </p:nvSpPr>
+        <p:spPr>
+          <a:xfrm>
+            <a:off x="8013760" y="4229212"/>
+            <a:ext cx="1003300" cy="609600"/>
+          </a:xfrm>
+          <a:prstGeom prst="roundRect">
+            <a:avLst/>
+          </a:prstGeom>
+          <a:solidFill>
+            <a:srgbClr val="00B050"/>
+          </a:solidFill>
+          <a:ln>
+            <a:noFill/>
+          </a:ln>
+          <a:effectLst/>
+        </p:spPr>
+        <p:style>
+          <a:lnRef idx="2">
+            <a:schemeClr val="accent1">
+              <a:shade val="50000"/>
+            </a:schemeClr>
+          </a:lnRef>
+          <a:fillRef idx="1">
+            <a:schemeClr val="accent1"/>
+          </a:fillRef>
+          <a:effectRef idx="0">
+            <a:schemeClr val="accent1"/>
+          </a:effectRef>
+          <a:fontRef idx="minor">
+            <a:schemeClr val="lt1"/>
+          </a:fontRef>
+        </p:style>
+        <p:txBody>
+          <a:bodyPr rtlCol="0" anchor="ctr"/>
+          <a:lstStyle/>
+          <a:p>
+            <a:pPr algn="ctr"/>
+            <a:r>
+              <a:rPr lang="en-US" altLang="zh-CN" sz="3200" dirty="0">
+                <a:solidFill>
+                  <a:schemeClr val="bg2"/>
+                </a:solidFill>
+                <a:latin typeface="Times New Roman" panose="02020603050405020304" pitchFamily="18" charset="0"/>
+                <a:cs typeface="Times New Roman" panose="02020603050405020304" pitchFamily="18" charset="0"/>
+              </a:rPr>
+              <a:t>1</a:t>
+            </a:r>
+            <a:endParaRPr lang="zh-CN" altLang="en-US" sz="3200" dirty="0">
+              <a:solidFill>
+                <a:schemeClr val="bg2"/>
+              </a:solidFill>
+              <a:latin typeface="Times New Roman" panose="02020603050405020304" pitchFamily="18" charset="0"/>
+              <a:cs typeface="Times New Roman" panose="02020603050405020304" pitchFamily="18" charset="0"/>
+            </a:endParaRPr>
+          </a:p>
+        </p:txBody>
+      </p:sp>
+      <p:sp>
+        <p:nvSpPr>
+          <p:cNvPr id="36" name="圆角矩形 35"/>
+          <p:cNvSpPr/>
+          <p:nvPr/>
+        </p:nvSpPr>
+        <p:spPr>
+          <a:xfrm>
+            <a:off x="2987405" y="4229212"/>
+            <a:ext cx="1003300" cy="609600"/>
+          </a:xfrm>
+          <a:prstGeom prst="roundRect">
+            <a:avLst/>
+          </a:prstGeom>
+          <a:solidFill>
+            <a:srgbClr val="00B050"/>
+          </a:solidFill>
+          <a:ln>
+            <a:noFill/>
+          </a:ln>
+          <a:effectLst/>
+        </p:spPr>
+        <p:style>
+          <a:lnRef idx="2">
+            <a:schemeClr val="accent1">
+              <a:shade val="50000"/>
+            </a:schemeClr>
+          </a:lnRef>
+          <a:fillRef idx="1">
+            <a:schemeClr val="accent1"/>
+          </a:fillRef>
+          <a:effectRef idx="0">
+            <a:schemeClr val="accent1"/>
+          </a:effectRef>
+          <a:fontRef idx="minor">
+            <a:schemeClr val="lt1"/>
+          </a:fontRef>
+        </p:style>
+        <p:txBody>
+          <a:bodyPr rtlCol="0" anchor="ctr"/>
+          <a:lstStyle/>
+          <a:p>
+            <a:pPr algn="ctr"/>
+            <a:r>
+              <a:rPr lang="en-US" altLang="zh-CN" sz="3200" dirty="0">
+                <a:solidFill>
+                  <a:schemeClr val="bg2"/>
+                </a:solidFill>
+                <a:latin typeface="Times New Roman" panose="02020603050405020304" pitchFamily="18" charset="0"/>
+                <a:cs typeface="Times New Roman" panose="02020603050405020304" pitchFamily="18" charset="0"/>
+              </a:rPr>
+              <a:t>1</a:t>
+            </a:r>
+            <a:endParaRPr lang="zh-CN" altLang="en-US" sz="3200" dirty="0">
+              <a:solidFill>
+                <a:schemeClr val="bg2"/>
+              </a:solidFill>
+              <a:latin typeface="Times New Roman" panose="02020603050405020304" pitchFamily="18" charset="0"/>
+              <a:cs typeface="Times New Roman" panose="02020603050405020304" pitchFamily="18" charset="0"/>
+            </a:endParaRPr>
+          </a:p>
+        </p:txBody>
+      </p:sp>
+      <p:sp>
+        <p:nvSpPr>
+          <p:cNvPr id="37" name="下箭头标注 36"/>
+          <p:cNvSpPr/>
+          <p:nvPr/>
+        </p:nvSpPr>
+        <p:spPr>
+          <a:xfrm>
+            <a:off x="2077797" y="3328459"/>
+            <a:ext cx="764836" cy="900753"/>
+          </a:xfrm>
+          <a:prstGeom prst="downArrowCallout">
+            <a:avLst>
+              <a:gd name="adj1" fmla="val 25000"/>
+              <a:gd name="adj2" fmla="val 25000"/>
+              <a:gd name="adj3" fmla="val 25000"/>
+              <a:gd name="adj4" fmla="val 51172"/>
+            </a:avLst>
+          </a:prstGeom>
+          <a:solidFill>
+            <a:schemeClr val="tx2">
+              <a:lumMod val="50000"/>
+            </a:schemeClr>
+          </a:solidFill>
+          <a:ln>
+            <a:noFill/>
+          </a:ln>
+          <a:effectLst/>
+        </p:spPr>
+        <p:style>
+          <a:lnRef idx="2">
+            <a:schemeClr val="accent1">
+              <a:shade val="50000"/>
+            </a:schemeClr>
+          </a:lnRef>
+          <a:fillRef idx="1">
+            <a:schemeClr val="accent1"/>
+          </a:fillRef>
+          <a:effectRef idx="0">
+            <a:schemeClr val="accent1"/>
+          </a:effectRef>
+          <a:fontRef idx="minor">
+            <a:schemeClr val="lt1"/>
+          </a:fontRef>
+        </p:style>
+        <p:txBody>
+          <a:bodyPr rtlCol="0" anchor="ctr"/>
+          <a:lstStyle/>
+          <a:p>
+            <a:pPr algn="ctr"/>
+            <a:r>
+              <a:rPr lang="en-US" altLang="zh-CN" sz="2800" dirty="0" err="1">
+                <a:latin typeface="Times New Roman" panose="02020603050405020304" pitchFamily="18" charset="0"/>
+                <a:cs typeface="Times New Roman" panose="02020603050405020304" pitchFamily="18" charset="0"/>
+              </a:rPr>
+              <a:t>i</a:t>
+            </a:r>
+            <a:endParaRPr lang="zh-CN" altLang="en-US" sz="2800" dirty="0">
+              <a:latin typeface="Times New Roman" panose="02020603050405020304" pitchFamily="18" charset="0"/>
+              <a:cs typeface="Times New Roman" panose="02020603050405020304" pitchFamily="18" charset="0"/>
+            </a:endParaRPr>
+          </a:p>
+        </p:txBody>
+      </p:sp>
+    </p:spTree>
+    <p:extLst>
+      <p:ext uri="{BB962C8B-B14F-4D97-AF65-F5344CB8AC3E}">
+        <p14:creationId xmlns:p14="http://schemas.microsoft.com/office/powerpoint/2010/main" val="1875566194"/>
+      </p:ext>
+    </p:extLst>
+  </p:cSld>
+  <p:clrMapOvr>
+    <a:masterClrMapping/>
+  </p:clrMapOvr>
+  <p:timing>
+    <p:tnLst>
+      <p:par>
+        <p:cTn id="1" dur="indefinite" restart="never" nodeType="tmRoot">
+          <p:childTnLst>
+            <p:seq concurrent="1" nextAc="seek">
+              <p:cTn id="2" dur="indefinite" nodeType="mainSeq">
+                <p:childTnLst>
+                  <p:par>
+                    <p:cTn id="3" fill="hold">
+                      <p:stCondLst>
+                        <p:cond delay="indefinite"/>
+                      </p:stCondLst>
+                      <p:childTnLst>
+                        <p:par>
+                          <p:cTn id="4" fill="hold">
+                            <p:stCondLst>
+                              <p:cond delay="0"/>
+                            </p:stCondLst>
+                            <p:childTnLst>
+                              <p:par>
+                                <p:cTn id="5" presetID="10" presetClass="entr" presetSubtype="0" fill="hold" grpId="0" nodeType="clickEffect">
+                                  <p:stCondLst>
+                                    <p:cond delay="0"/>
+                                  </p:stCondLst>
+                                  <p:childTnLst>
+                                    <p:set>
+                                      <p:cBhvr>
+                                        <p:cTn id="6" dur="1" fill="hold">
+                                          <p:stCondLst>
+                                            <p:cond delay="0"/>
+                                          </p:stCondLst>
+                                        </p:cTn>
+                                        <p:tgtEl>
+                                          <p:spTgt spid="29"/>
+                                        </p:tgtEl>
+                                        <p:attrNameLst>
+                                          <p:attrName>style.visibility</p:attrName>
+                                        </p:attrNameLst>
+                                      </p:cBhvr>
+                                      <p:to>
+                                        <p:strVal val="visible"/>
+                                      </p:to>
+                                    </p:set>
+                                    <p:animEffect transition="in" filter="fade">
+                                      <p:cBhvr>
+                                        <p:cTn id="7" dur="500"/>
+                                        <p:tgtEl>
+                                          <p:spTgt spid="29"/>
+                                        </p:tgtEl>
+                                      </p:cBhvr>
+                                    </p:animEffect>
+                                  </p:childTnLst>
+                                </p:cTn>
+                              </p:par>
+                            </p:childTnLst>
+                          </p:cTn>
+                        </p:par>
+                        <p:par>
+                          <p:cTn id="8" fill="hold">
+                            <p:stCondLst>
+                              <p:cond delay="500"/>
+                            </p:stCondLst>
+                            <p:childTnLst>
+                              <p:par>
+                                <p:cTn id="9" presetID="63" presetClass="path" presetSubtype="0" accel="50000" decel="50000" fill="hold" grpId="0" nodeType="afterEffect">
+                                  <p:stCondLst>
+                                    <p:cond delay="0"/>
+                                  </p:stCondLst>
+                                  <p:childTnLst>
+                                    <p:animMotion origin="layout" path="M 2.29167E-6 -7.40741E-7 L 0.0931 -7.40741E-7 " pathEditMode="relative" rAng="0" ptsTypes="AA">
+                                      <p:cBhvr>
+                                        <p:cTn id="10" dur="500" fill="hold"/>
+                                        <p:tgtEl>
+                                          <p:spTgt spid="28"/>
+                                        </p:tgtEl>
+                                        <p:attrNameLst>
+                                          <p:attrName>ppt_x</p:attrName>
+                                          <p:attrName>ppt_y</p:attrName>
+                                        </p:attrNameLst>
+                                      </p:cBhvr>
+                                      <p:rCtr x="4648" y="0"/>
+                                    </p:animMotion>
+                                  </p:childTnLst>
+                                </p:cTn>
+                              </p:par>
+                            </p:childTnLst>
+                          </p:cTn>
+                        </p:par>
+                        <p:par>
+                          <p:cTn id="11" fill="hold">
+                            <p:stCondLst>
+                              <p:cond delay="1000"/>
+                            </p:stCondLst>
+                            <p:childTnLst>
+                              <p:par>
+                                <p:cTn id="12" presetID="10" presetClass="entr" presetSubtype="0" fill="hold" grpId="0" nodeType="afterEffect">
+                                  <p:stCondLst>
+                                    <p:cond delay="0"/>
+                                  </p:stCondLst>
+                                  <p:childTnLst>
+                                    <p:set>
+                                      <p:cBhvr>
+                                        <p:cTn id="13" dur="1" fill="hold">
+                                          <p:stCondLst>
+                                            <p:cond delay="0"/>
+                                          </p:stCondLst>
+                                        </p:cTn>
+                                        <p:tgtEl>
+                                          <p:spTgt spid="30"/>
+                                        </p:tgtEl>
+                                        <p:attrNameLst>
+                                          <p:attrName>style.visibility</p:attrName>
+                                        </p:attrNameLst>
+                                      </p:cBhvr>
+                                      <p:to>
+                                        <p:strVal val="visible"/>
+                                      </p:to>
+                                    </p:set>
+                                    <p:animEffect transition="in" filter="fade">
+                                      <p:cBhvr>
+                                        <p:cTn id="14" dur="500"/>
+                                        <p:tgtEl>
+                                          <p:spTgt spid="30"/>
+                                        </p:tgtEl>
+                                      </p:cBhvr>
+                                    </p:animEffect>
+                                  </p:childTnLst>
+                                </p:cTn>
+                              </p:par>
+                            </p:childTnLst>
+                          </p:cTn>
+                        </p:par>
+                        <p:par>
+                          <p:cTn id="15" fill="hold">
+                            <p:stCondLst>
+                              <p:cond delay="1500"/>
+                            </p:stCondLst>
+                            <p:childTnLst>
+                              <p:par>
+                                <p:cTn id="16" presetID="42" presetClass="path" presetSubtype="0" accel="50000" decel="50000" fill="hold" grpId="1" nodeType="afterEffect">
+                                  <p:stCondLst>
+                                    <p:cond delay="0"/>
+                                  </p:stCondLst>
+                                  <p:childTnLst>
+                                    <p:animMotion origin="layout" path="M 0.0931 3.55618E-17 L 0.18567 -0.00162 " pathEditMode="relative" rAng="0" ptsTypes="AA">
+                                      <p:cBhvr>
+                                        <p:cTn id="17" dur="500" fill="hold"/>
+                                        <p:tgtEl>
+                                          <p:spTgt spid="28"/>
+                                        </p:tgtEl>
+                                        <p:attrNameLst>
+                                          <p:attrName>ppt_x</p:attrName>
+                                          <p:attrName>ppt_y</p:attrName>
+                                        </p:attrNameLst>
+                                      </p:cBhvr>
+                                      <p:rCtr x="4844" y="-231"/>
+                                    </p:animMotion>
+                                  </p:childTnLst>
+                                </p:cTn>
+                              </p:par>
+                            </p:childTnLst>
+                          </p:cTn>
+                        </p:par>
+                        <p:par>
+                          <p:cTn id="18" fill="hold">
+                            <p:stCondLst>
+                              <p:cond delay="2000"/>
+                            </p:stCondLst>
+                            <p:childTnLst>
+                              <p:par>
+                                <p:cTn id="19" presetID="10" presetClass="entr" presetSubtype="0" fill="hold" grpId="0" nodeType="afterEffect">
+                                  <p:stCondLst>
+                                    <p:cond delay="0"/>
+                                  </p:stCondLst>
+                                  <p:childTnLst>
+                                    <p:set>
+                                      <p:cBhvr>
+                                        <p:cTn id="20" dur="1" fill="hold">
+                                          <p:stCondLst>
+                                            <p:cond delay="0"/>
+                                          </p:stCondLst>
+                                        </p:cTn>
+                                        <p:tgtEl>
+                                          <p:spTgt spid="31"/>
+                                        </p:tgtEl>
+                                        <p:attrNameLst>
+                                          <p:attrName>style.visibility</p:attrName>
+                                        </p:attrNameLst>
+                                      </p:cBhvr>
+                                      <p:to>
+                                        <p:strVal val="visible"/>
+                                      </p:to>
+                                    </p:set>
+                                    <p:animEffect transition="in" filter="fade">
+                                      <p:cBhvr>
+                                        <p:cTn id="21" dur="500"/>
+                                        <p:tgtEl>
+                                          <p:spTgt spid="31"/>
+                                        </p:tgtEl>
+                                      </p:cBhvr>
+                                    </p:animEffect>
+                                  </p:childTnLst>
+                                </p:cTn>
+                              </p:par>
+                            </p:childTnLst>
+                          </p:cTn>
+                        </p:par>
+                        <p:par>
+                          <p:cTn id="22" fill="hold">
+                            <p:stCondLst>
+                              <p:cond delay="2500"/>
+                            </p:stCondLst>
+                            <p:childTnLst>
+                              <p:par>
+                                <p:cTn id="23" presetID="63" presetClass="path" presetSubtype="0" accel="50000" decel="50000" fill="hold" grpId="2" nodeType="afterEffect">
+                                  <p:stCondLst>
+                                    <p:cond delay="0"/>
+                                  </p:stCondLst>
+                                  <p:childTnLst>
+                                    <p:animMotion origin="layout" path="M 0.18568 -0.00162 L 0.27877 0.0007 " pathEditMode="relative" rAng="0" ptsTypes="AA">
+                                      <p:cBhvr>
+                                        <p:cTn id="24" dur="500" fill="hold"/>
+                                        <p:tgtEl>
+                                          <p:spTgt spid="28"/>
+                                        </p:tgtEl>
+                                        <p:attrNameLst>
+                                          <p:attrName>ppt_x</p:attrName>
+                                          <p:attrName>ppt_y</p:attrName>
+                                        </p:attrNameLst>
+                                      </p:cBhvr>
+                                      <p:rCtr x="5104" y="0"/>
+                                    </p:animMotion>
+                                  </p:childTnLst>
+                                </p:cTn>
+                              </p:par>
+                            </p:childTnLst>
+                          </p:cTn>
+                        </p:par>
+                        <p:par>
+                          <p:cTn id="25" fill="hold">
+                            <p:stCondLst>
+                              <p:cond delay="3000"/>
+                            </p:stCondLst>
+                            <p:childTnLst>
+                              <p:par>
+                                <p:cTn id="26" presetID="10" presetClass="entr" presetSubtype="0" fill="hold" grpId="0" nodeType="afterEffect">
+                                  <p:stCondLst>
+                                    <p:cond delay="0"/>
+                                  </p:stCondLst>
+                                  <p:childTnLst>
+                                    <p:set>
+                                      <p:cBhvr>
+                                        <p:cTn id="27" dur="1" fill="hold">
+                                          <p:stCondLst>
+                                            <p:cond delay="0"/>
+                                          </p:stCondLst>
+                                        </p:cTn>
+                                        <p:tgtEl>
+                                          <p:spTgt spid="32"/>
+                                        </p:tgtEl>
+                                        <p:attrNameLst>
+                                          <p:attrName>style.visibility</p:attrName>
+                                        </p:attrNameLst>
+                                      </p:cBhvr>
+                                      <p:to>
+                                        <p:strVal val="visible"/>
+                                      </p:to>
+                                    </p:set>
+                                    <p:animEffect transition="in" filter="fade">
+                                      <p:cBhvr>
+                                        <p:cTn id="28" dur="500"/>
+                                        <p:tgtEl>
+                                          <p:spTgt spid="32"/>
+                                        </p:tgtEl>
+                                      </p:cBhvr>
+                                    </p:animEffect>
+                                  </p:childTnLst>
+                                </p:cTn>
+                              </p:par>
+                            </p:childTnLst>
+                          </p:cTn>
+                        </p:par>
+                        <p:par>
+                          <p:cTn id="29" fill="hold">
+                            <p:stCondLst>
+                              <p:cond delay="3500"/>
+                            </p:stCondLst>
+                            <p:childTnLst>
+                              <p:par>
+                                <p:cTn id="30" presetID="63" presetClass="path" presetSubtype="0" accel="50000" decel="50000" fill="hold" grpId="3" nodeType="afterEffect">
+                                  <p:stCondLst>
+                                    <p:cond delay="0"/>
+                                  </p:stCondLst>
+                                  <p:childTnLst>
+                                    <p:animMotion origin="layout" path="M 0.27878 0.00069 L 0.36719 -7.40741E-7 " pathEditMode="relative" rAng="0" ptsTypes="AA">
+                                      <p:cBhvr>
+                                        <p:cTn id="31" dur="500" fill="hold"/>
+                                        <p:tgtEl>
+                                          <p:spTgt spid="28"/>
+                                        </p:tgtEl>
+                                        <p:attrNameLst>
+                                          <p:attrName>ppt_x</p:attrName>
+                                          <p:attrName>ppt_y</p:attrName>
+                                        </p:attrNameLst>
+                                      </p:cBhvr>
+                                      <p:rCtr x="4583" y="0"/>
+                                    </p:animMotion>
+                                  </p:childTnLst>
+                                </p:cTn>
+                              </p:par>
+                            </p:childTnLst>
+                          </p:cTn>
+                        </p:par>
+                        <p:par>
+                          <p:cTn id="32" fill="hold">
+                            <p:stCondLst>
+                              <p:cond delay="4000"/>
+                            </p:stCondLst>
+                            <p:childTnLst>
+                              <p:par>
+                                <p:cTn id="33" presetID="10" presetClass="entr" presetSubtype="0" fill="hold" grpId="0" nodeType="afterEffect">
+                                  <p:stCondLst>
+                                    <p:cond delay="0"/>
+                                  </p:stCondLst>
+                                  <p:childTnLst>
+                                    <p:set>
+                                      <p:cBhvr>
+                                        <p:cTn id="34" dur="1" fill="hold">
+                                          <p:stCondLst>
+                                            <p:cond delay="0"/>
+                                          </p:stCondLst>
+                                        </p:cTn>
+                                        <p:tgtEl>
+                                          <p:spTgt spid="33"/>
+                                        </p:tgtEl>
+                                        <p:attrNameLst>
+                                          <p:attrName>style.visibility</p:attrName>
+                                        </p:attrNameLst>
+                                      </p:cBhvr>
+                                      <p:to>
+                                        <p:strVal val="visible"/>
+                                      </p:to>
+                                    </p:set>
+                                    <p:animEffect transition="in" filter="fade">
+                                      <p:cBhvr>
+                                        <p:cTn id="35" dur="500"/>
+                                        <p:tgtEl>
+                                          <p:spTgt spid="33"/>
+                                        </p:tgtEl>
+                                      </p:cBhvr>
+                                    </p:animEffect>
+                                  </p:childTnLst>
+                                </p:cTn>
+                              </p:par>
+                            </p:childTnLst>
+                          </p:cTn>
+                        </p:par>
+                        <p:par>
+                          <p:cTn id="36" fill="hold">
+                            <p:stCondLst>
+                              <p:cond delay="4500"/>
+                            </p:stCondLst>
+                            <p:childTnLst>
+                              <p:par>
+                                <p:cTn id="37" presetID="63" presetClass="path" presetSubtype="0" accel="50000" decel="50000" fill="hold" grpId="4" nodeType="afterEffect">
+                                  <p:stCondLst>
+                                    <p:cond delay="0"/>
+                                  </p:stCondLst>
+                                  <p:childTnLst>
+                                    <p:animMotion origin="layout" path="M 0.36719 -7.40741E-7 L 0.45898 -7.40741E-7 " pathEditMode="relative" rAng="0" ptsTypes="AA">
+                                      <p:cBhvr>
+                                        <p:cTn id="38" dur="500" fill="hold"/>
+                                        <p:tgtEl>
+                                          <p:spTgt spid="28"/>
+                                        </p:tgtEl>
+                                        <p:attrNameLst>
+                                          <p:attrName>ppt_x</p:attrName>
+                                          <p:attrName>ppt_y</p:attrName>
+                                        </p:attrNameLst>
+                                      </p:cBhvr>
+                                      <p:rCtr x="4818" y="0"/>
+                                    </p:animMotion>
+                                  </p:childTnLst>
+                                </p:cTn>
+                              </p:par>
+                            </p:childTnLst>
+                          </p:cTn>
+                        </p:par>
+                        <p:par>
+                          <p:cTn id="39" fill="hold">
+                            <p:stCondLst>
+                              <p:cond delay="5000"/>
+                            </p:stCondLst>
+                            <p:childTnLst>
+                              <p:par>
+                                <p:cTn id="40" presetID="10" presetClass="entr" presetSubtype="0" fill="hold" grpId="0" nodeType="afterEffect">
+                                  <p:stCondLst>
+                                    <p:cond delay="0"/>
+                                  </p:stCondLst>
+                                  <p:childTnLst>
+                                    <p:set>
+                                      <p:cBhvr>
+                                        <p:cTn id="41" dur="1" fill="hold">
+                                          <p:stCondLst>
+                                            <p:cond delay="0"/>
+                                          </p:stCondLst>
+                                        </p:cTn>
+                                        <p:tgtEl>
+                                          <p:spTgt spid="34"/>
+                                        </p:tgtEl>
+                                        <p:attrNameLst>
+                                          <p:attrName>style.visibility</p:attrName>
+                                        </p:attrNameLst>
+                                      </p:cBhvr>
+                                      <p:to>
+                                        <p:strVal val="visible"/>
+                                      </p:to>
+                                    </p:set>
+                                    <p:animEffect transition="in" filter="fade">
+                                      <p:cBhvr>
+                                        <p:cTn id="42" dur="500"/>
+                                        <p:tgtEl>
+                                          <p:spTgt spid="34"/>
+                                        </p:tgtEl>
+                                      </p:cBhvr>
+                                    </p:animEffect>
+                                  </p:childTnLst>
+                                </p:cTn>
+                              </p:par>
+                            </p:childTnLst>
+                          </p:cTn>
+                        </p:par>
+                        <p:par>
+                          <p:cTn id="43" fill="hold">
+                            <p:stCondLst>
+                              <p:cond delay="5500"/>
+                            </p:stCondLst>
+                            <p:childTnLst>
+                              <p:par>
+                                <p:cTn id="44" presetID="63" presetClass="path" presetSubtype="0" accel="50000" decel="50000" fill="hold" grpId="5" nodeType="afterEffect">
+                                  <p:stCondLst>
+                                    <p:cond delay="0"/>
+                                  </p:stCondLst>
+                                  <p:childTnLst>
+                                    <p:animMotion origin="layout" path="M 0.45898 -7.40741E-7 L 0.55078 -7.40741E-7 " pathEditMode="relative" rAng="0" ptsTypes="AA">
+                                      <p:cBhvr>
+                                        <p:cTn id="45" dur="500" fill="hold"/>
+                                        <p:tgtEl>
+                                          <p:spTgt spid="28"/>
+                                        </p:tgtEl>
+                                        <p:attrNameLst>
+                                          <p:attrName>ppt_x</p:attrName>
+                                          <p:attrName>ppt_y</p:attrName>
+                                        </p:attrNameLst>
+                                      </p:cBhvr>
+                                      <p:rCtr x="4583" y="0"/>
+                                    </p:animMotion>
+                                  </p:childTnLst>
+                                </p:cTn>
+                              </p:par>
+                            </p:childTnLst>
+                          </p:cTn>
+                        </p:par>
+                        <p:par>
+                          <p:cTn id="46" fill="hold">
+                            <p:stCondLst>
+                              <p:cond delay="6000"/>
+                            </p:stCondLst>
+                            <p:childTnLst>
+                              <p:par>
+                                <p:cTn id="47" presetID="10" presetClass="entr" presetSubtype="0" fill="hold" grpId="0" nodeType="afterEffect">
+                                  <p:stCondLst>
+                                    <p:cond delay="0"/>
+                                  </p:stCondLst>
+                                  <p:childTnLst>
+                                    <p:set>
+                                      <p:cBhvr>
+                                        <p:cTn id="48" dur="1" fill="hold">
+                                          <p:stCondLst>
+                                            <p:cond delay="0"/>
+                                          </p:stCondLst>
+                                        </p:cTn>
+                                        <p:tgtEl>
+                                          <p:spTgt spid="35"/>
+                                        </p:tgtEl>
+                                        <p:attrNameLst>
+                                          <p:attrName>style.visibility</p:attrName>
+                                        </p:attrNameLst>
+                                      </p:cBhvr>
+                                      <p:to>
+                                        <p:strVal val="visible"/>
+                                      </p:to>
+                                    </p:set>
+                                    <p:animEffect transition="in" filter="fade">
+                                      <p:cBhvr>
+                                        <p:cTn id="49" dur="500"/>
+                                        <p:tgtEl>
+                                          <p:spTgt spid="35"/>
+                                        </p:tgtEl>
+                                      </p:cBhvr>
+                                    </p:animEffect>
+                                  </p:childTnLst>
+                                </p:cTn>
+                              </p:par>
+                            </p:childTnLst>
+                          </p:cTn>
+                        </p:par>
+                        <p:par>
+                          <p:cTn id="50" fill="hold">
+                            <p:stCondLst>
+                              <p:cond delay="6500"/>
+                            </p:stCondLst>
+                            <p:childTnLst>
+                              <p:par>
+                                <p:cTn id="51" presetID="63" presetClass="path" presetSubtype="0" accel="50000" decel="50000" fill="hold" grpId="6" nodeType="afterEffect">
+                                  <p:stCondLst>
+                                    <p:cond delay="0"/>
+                                  </p:stCondLst>
+                                  <p:childTnLst>
+                                    <p:animMotion origin="layout" path="M 0.55078 -7.40741E-7 L 0.64258 -7.40741E-7 " pathEditMode="relative" rAng="0" ptsTypes="AA">
+                                      <p:cBhvr>
+                                        <p:cTn id="52" dur="500" fill="hold"/>
+                                        <p:tgtEl>
+                                          <p:spTgt spid="28"/>
+                                        </p:tgtEl>
+                                        <p:attrNameLst>
+                                          <p:attrName>ppt_x</p:attrName>
+                                          <p:attrName>ppt_y</p:attrName>
+                                        </p:attrNameLst>
+                                      </p:cBhvr>
+                                      <p:rCtr x="4583" y="0"/>
+                                    </p:animMotion>
+                                  </p:childTnLst>
+                                </p:cTn>
+                              </p:par>
+                            </p:childTnLst>
+                          </p:cTn>
+                        </p:par>
+                        <p:par>
+                          <p:cTn id="53" fill="hold">
+                            <p:stCondLst>
+                              <p:cond delay="7000"/>
+                            </p:stCondLst>
+                            <p:childTnLst>
+                              <p:par>
+                                <p:cTn id="54" presetID="10" presetClass="entr" presetSubtype="0" fill="hold" grpId="0" nodeType="afterEffect">
+                                  <p:stCondLst>
+                                    <p:cond delay="0"/>
+                                  </p:stCondLst>
+                                  <p:childTnLst>
+                                    <p:set>
+                                      <p:cBhvr>
+                                        <p:cTn id="55" dur="1" fill="hold">
+                                          <p:stCondLst>
+                                            <p:cond delay="0"/>
+                                          </p:stCondLst>
+                                        </p:cTn>
+                                        <p:tgtEl>
+                                          <p:spTgt spid="36"/>
+                                        </p:tgtEl>
+                                        <p:attrNameLst>
+                                          <p:attrName>style.visibility</p:attrName>
+                                        </p:attrNameLst>
+                                      </p:cBhvr>
+                                      <p:to>
+                                        <p:strVal val="visible"/>
+                                      </p:to>
+                                    </p:set>
+                                    <p:animEffect transition="in" filter="fade">
+                                      <p:cBhvr>
+                                        <p:cTn id="56" dur="500"/>
+                                        <p:tgtEl>
+                                          <p:spTgt spid="36"/>
+                                        </p:tgtEl>
+                                      </p:cBhvr>
+                                    </p:animEffect>
+                                  </p:childTnLst>
+                                </p:cTn>
+                              </p:par>
+                            </p:childTnLst>
+                          </p:cTn>
+                        </p:par>
+                        <p:par>
+                          <p:cTn id="57" fill="hold">
+                            <p:stCondLst>
+                              <p:cond delay="7500"/>
+                            </p:stCondLst>
+                            <p:childTnLst>
+                              <p:par>
+                                <p:cTn id="58" presetID="10" presetClass="exit" presetSubtype="0" fill="hold" grpId="7" nodeType="afterEffect">
+                                  <p:stCondLst>
+                                    <p:cond delay="0"/>
+                                  </p:stCondLst>
+                                  <p:childTnLst>
+                                    <p:animEffect transition="out" filter="fade">
+                                      <p:cBhvr>
+                                        <p:cTn id="59" dur="500"/>
+                                        <p:tgtEl>
+                                          <p:spTgt spid="28"/>
+                                        </p:tgtEl>
+                                      </p:cBhvr>
+                                    </p:animEffect>
+                                    <p:set>
+                                      <p:cBhvr>
+                                        <p:cTn id="60" dur="1" fill="hold">
+                                          <p:stCondLst>
+                                            <p:cond delay="499"/>
+                                          </p:stCondLst>
+                                        </p:cTn>
+                                        <p:tgtEl>
+                                          <p:spTgt spid="28"/>
+                                        </p:tgtEl>
+                                        <p:attrNameLst>
+                                          <p:attrName>style.visibility</p:attrName>
+                                        </p:attrNameLst>
+                                      </p:cBhvr>
+                                      <p:to>
+                                        <p:strVal val="hidden"/>
+                                      </p:to>
+                                    </p:set>
+                                  </p:childTnLst>
+                                </p:cTn>
+                              </p:par>
+                              <p:par>
+                                <p:cTn id="61" presetID="42" presetClass="path" presetSubtype="0" accel="50000" decel="50000" fill="hold" grpId="2" nodeType="withEffect">
+                                  <p:stCondLst>
+                                    <p:cond delay="0"/>
+                                  </p:stCondLst>
+                                  <p:childTnLst>
+                                    <p:animMotion origin="layout" path="M 4.79167E-6 -2.96296E-6 L -0.00013 0.18496 " pathEditMode="relative" rAng="0" ptsTypes="AA">
+                                      <p:cBhvr>
+                                        <p:cTn id="62" dur="500" fill="hold"/>
+                                        <p:tgtEl>
+                                          <p:spTgt spid="4"/>
+                                        </p:tgtEl>
+                                        <p:attrNameLst>
+                                          <p:attrName>ppt_x</p:attrName>
+                                          <p:attrName>ppt_y</p:attrName>
+                                        </p:attrNameLst>
+                                      </p:cBhvr>
+                                      <p:rCtr x="-13" y="9236"/>
+                                    </p:animMotion>
+                                  </p:childTnLst>
+                                </p:cTn>
+                              </p:par>
+                              <p:par>
+                                <p:cTn id="63" presetID="42" presetClass="path" presetSubtype="0" accel="50000" decel="50000" fill="hold" grpId="2" nodeType="withEffect">
+                                  <p:stCondLst>
+                                    <p:cond delay="0"/>
+                                  </p:stCondLst>
+                                  <p:childTnLst>
+                                    <p:animMotion origin="layout" path="M 4.16667E-6 -2.96296E-6 L 0.00768 0.2051 " pathEditMode="relative" rAng="0" ptsTypes="AA">
+                                      <p:cBhvr>
+                                        <p:cTn id="64" dur="500" fill="hold"/>
+                                        <p:tgtEl>
+                                          <p:spTgt spid="5"/>
+                                        </p:tgtEl>
+                                        <p:attrNameLst>
+                                          <p:attrName>ppt_x</p:attrName>
+                                          <p:attrName>ppt_y</p:attrName>
+                                        </p:attrNameLst>
+                                      </p:cBhvr>
+                                      <p:rCtr x="378" y="10255"/>
+                                    </p:animMotion>
+                                  </p:childTnLst>
+                                </p:cTn>
+                              </p:par>
+                              <p:par>
+                                <p:cTn id="65" presetID="42" presetClass="path" presetSubtype="0" accel="50000" decel="50000" fill="hold" grpId="2" nodeType="withEffect">
+                                  <p:stCondLst>
+                                    <p:cond delay="0"/>
+                                  </p:stCondLst>
+                                  <p:childTnLst>
+                                    <p:animMotion origin="layout" path="M -1.66667E-6 -2.96296E-6 L 0.00065 0.18496 " pathEditMode="relative" rAng="0" ptsTypes="AA">
+                                      <p:cBhvr>
+                                        <p:cTn id="66" dur="500" fill="hold"/>
+                                        <p:tgtEl>
+                                          <p:spTgt spid="6"/>
+                                        </p:tgtEl>
+                                        <p:attrNameLst>
+                                          <p:attrName>ppt_x</p:attrName>
+                                          <p:attrName>ppt_y</p:attrName>
+                                        </p:attrNameLst>
+                                      </p:cBhvr>
+                                      <p:rCtr x="26" y="9236"/>
+                                    </p:animMotion>
+                                  </p:childTnLst>
+                                </p:cTn>
+                              </p:par>
+                              <p:par>
+                                <p:cTn id="67" presetID="42" presetClass="path" presetSubtype="0" accel="50000" decel="50000" fill="hold" grpId="2" nodeType="withEffect">
+                                  <p:stCondLst>
+                                    <p:cond delay="0"/>
+                                  </p:stCondLst>
+                                  <p:childTnLst>
+                                    <p:animMotion origin="layout" path="M -2.08333E-6 -2.96296E-6 L -0.0013 0.18496 " pathEditMode="relative" rAng="0" ptsTypes="AA">
+                                      <p:cBhvr>
+                                        <p:cTn id="68" dur="500" fill="hold"/>
+                                        <p:tgtEl>
+                                          <p:spTgt spid="7"/>
+                                        </p:tgtEl>
+                                        <p:attrNameLst>
+                                          <p:attrName>ppt_x</p:attrName>
+                                          <p:attrName>ppt_y</p:attrName>
+                                        </p:attrNameLst>
+                                      </p:cBhvr>
+                                      <p:rCtr x="-65" y="9236"/>
+                                    </p:animMotion>
+                                  </p:childTnLst>
+                                </p:cTn>
+                              </p:par>
+                              <p:par>
+                                <p:cTn id="69" presetID="42" presetClass="path" presetSubtype="0" accel="50000" decel="50000" fill="hold" grpId="2" nodeType="withEffect">
+                                  <p:stCondLst>
+                                    <p:cond delay="0"/>
+                                  </p:stCondLst>
+                                  <p:childTnLst>
+                                    <p:animMotion origin="layout" path="M -1.45833E-6 -2.96296E-6 L -0.00195 0.18496 " pathEditMode="relative" rAng="0" ptsTypes="AA">
+                                      <p:cBhvr>
+                                        <p:cTn id="70" dur="500" fill="hold"/>
+                                        <p:tgtEl>
+                                          <p:spTgt spid="8"/>
+                                        </p:tgtEl>
+                                        <p:attrNameLst>
+                                          <p:attrName>ppt_x</p:attrName>
+                                          <p:attrName>ppt_y</p:attrName>
+                                        </p:attrNameLst>
+                                      </p:cBhvr>
+                                      <p:rCtr x="-104" y="9236"/>
+                                    </p:animMotion>
+                                  </p:childTnLst>
+                                </p:cTn>
+                              </p:par>
+                              <p:par>
+                                <p:cTn id="71" presetID="42" presetClass="path" presetSubtype="0" accel="50000" decel="50000" fill="hold" grpId="2" nodeType="withEffect">
+                                  <p:stCondLst>
+                                    <p:cond delay="0"/>
+                                  </p:stCondLst>
+                                  <p:childTnLst>
+                                    <p:animMotion origin="layout" path="M 1.66667E-6 -2.96296E-6 L -0.00104 0.18496 " pathEditMode="relative" rAng="0" ptsTypes="AA">
+                                      <p:cBhvr>
+                                        <p:cTn id="72" dur="500" fill="hold"/>
+                                        <p:tgtEl>
+                                          <p:spTgt spid="9"/>
+                                        </p:tgtEl>
+                                        <p:attrNameLst>
+                                          <p:attrName>ppt_x</p:attrName>
+                                          <p:attrName>ppt_y</p:attrName>
+                                        </p:attrNameLst>
+                                      </p:cBhvr>
+                                      <p:rCtr x="-52" y="9236"/>
+                                    </p:animMotion>
+                                  </p:childTnLst>
+                                </p:cTn>
+                              </p:par>
+                              <p:par>
+                                <p:cTn id="73" presetID="42" presetClass="path" presetSubtype="0" accel="50000" decel="50000" fill="hold" grpId="2" nodeType="withEffect">
+                                  <p:stCondLst>
+                                    <p:cond delay="0"/>
+                                  </p:stCondLst>
+                                  <p:childTnLst>
+                                    <p:animMotion origin="layout" path="M 1.04167E-6 -2.96296E-6 L -0.00143 0.18496 " pathEditMode="relative" rAng="0" ptsTypes="AA">
+                                      <p:cBhvr>
+                                        <p:cTn id="74" dur="500" fill="hold"/>
+                                        <p:tgtEl>
+                                          <p:spTgt spid="10"/>
+                                        </p:tgtEl>
+                                        <p:attrNameLst>
+                                          <p:attrName>ppt_x</p:attrName>
+                                          <p:attrName>ppt_y</p:attrName>
+                                        </p:attrNameLst>
+                                      </p:cBhvr>
+                                      <p:rCtr x="-78" y="9236"/>
+                                    </p:animMotion>
+                                  </p:childTnLst>
+                                </p:cTn>
+                              </p:par>
+                              <p:par>
+                                <p:cTn id="75" presetID="42" presetClass="path" presetSubtype="0" accel="50000" decel="50000" fill="hold" grpId="2" nodeType="withEffect">
+                                  <p:stCondLst>
+                                    <p:cond delay="0"/>
+                                  </p:stCondLst>
+                                  <p:childTnLst>
+                                    <p:animMotion origin="layout" path="M 3.54167E-6 -2.96296E-6 L -0.00091 0.18496 " pathEditMode="relative" rAng="0" ptsTypes="AA">
+                                      <p:cBhvr>
+                                        <p:cTn id="76" dur="500" fill="hold"/>
+                                        <p:tgtEl>
+                                          <p:spTgt spid="11"/>
+                                        </p:tgtEl>
+                                        <p:attrNameLst>
+                                          <p:attrName>ppt_x</p:attrName>
+                                          <p:attrName>ppt_y</p:attrName>
+                                        </p:attrNameLst>
+                                      </p:cBhvr>
+                                      <p:rCtr x="-52" y="9236"/>
+                                    </p:animMotion>
+                                  </p:childTnLst>
+                                </p:cTn>
+                              </p:par>
+                              <p:par>
+                                <p:cTn id="77" presetID="10" presetClass="entr" presetSubtype="0" fill="hold" grpId="8" nodeType="withEffect">
+                                  <p:stCondLst>
+                                    <p:cond delay="0"/>
+                                  </p:stCondLst>
+                                  <p:childTnLst>
+                                    <p:set>
+                                      <p:cBhvr>
+                                        <p:cTn id="78" dur="1" fill="hold">
+                                          <p:stCondLst>
+                                            <p:cond delay="0"/>
+                                          </p:stCondLst>
+                                        </p:cTn>
+                                        <p:tgtEl>
+                                          <p:spTgt spid="37"/>
+                                        </p:tgtEl>
+                                        <p:attrNameLst>
+                                          <p:attrName>style.visibility</p:attrName>
+                                        </p:attrNameLst>
+                                      </p:cBhvr>
+                                      <p:to>
+                                        <p:strVal val="visible"/>
+                                      </p:to>
+                                    </p:set>
+                                    <p:animEffect transition="in" filter="fade">
+                                      <p:cBhvr>
+                                        <p:cTn id="79" dur="500"/>
+                                        <p:tgtEl>
+                                          <p:spTgt spid="37"/>
+                                        </p:tgtEl>
+                                      </p:cBhvr>
+                                    </p:animEffect>
+                                  </p:childTnLst>
+                                </p:cTn>
+                              </p:par>
+                            </p:childTnLst>
+                          </p:cTn>
+                        </p:par>
+                        <p:par>
+                          <p:cTn id="80" fill="hold">
+                            <p:stCondLst>
+                              <p:cond delay="8000"/>
+                            </p:stCondLst>
+                            <p:childTnLst>
+                              <p:par>
+                                <p:cTn id="81" presetID="64" presetClass="path" presetSubtype="0" accel="50000" decel="50000" fill="hold" grpId="1" nodeType="afterEffect">
+                                  <p:stCondLst>
+                                    <p:cond delay="0"/>
+                                  </p:stCondLst>
+                                  <p:childTnLst>
+                                    <p:animMotion origin="layout" path="M -0.00013 0.18496 L -0.36472 -2.96296E-6 " pathEditMode="relative" rAng="0" ptsTypes="AA">
+                                      <p:cBhvr>
+                                        <p:cTn id="82" dur="1000" fill="hold"/>
+                                        <p:tgtEl>
+                                          <p:spTgt spid="4"/>
+                                        </p:tgtEl>
+                                        <p:attrNameLst>
+                                          <p:attrName>ppt_x</p:attrName>
+                                          <p:attrName>ppt_y</p:attrName>
+                                        </p:attrNameLst>
+                                      </p:cBhvr>
+                                      <p:rCtr x="-18281" y="-9259"/>
+                                    </p:animMotion>
+                                  </p:childTnLst>
+                                </p:cTn>
+                              </p:par>
+                            </p:childTnLst>
+                          </p:cTn>
+                        </p:par>
+                        <p:par>
+                          <p:cTn id="83" fill="hold">
+                            <p:stCondLst>
+                              <p:cond delay="9000"/>
+                            </p:stCondLst>
+                            <p:childTnLst>
+                              <p:par>
+                                <p:cTn id="84" presetID="63" presetClass="path" presetSubtype="0" accel="50000" decel="50000" fill="hold" grpId="0" nodeType="afterEffect">
+                                  <p:stCondLst>
+                                    <p:cond delay="0"/>
+                                  </p:stCondLst>
+                                  <p:childTnLst>
+                                    <p:animMotion origin="layout" path="M -2.91667E-6 4.07407E-6 L 0.0931 4.07407E-6 " pathEditMode="relative" rAng="0" ptsTypes="AA">
+                                      <p:cBhvr>
+                                        <p:cTn id="85" dur="500" fill="hold"/>
+                                        <p:tgtEl>
+                                          <p:spTgt spid="37"/>
+                                        </p:tgtEl>
+                                        <p:attrNameLst>
+                                          <p:attrName>ppt_x</p:attrName>
+                                          <p:attrName>ppt_y</p:attrName>
+                                        </p:attrNameLst>
+                                      </p:cBhvr>
+                                      <p:rCtr x="4219" y="0"/>
+                                    </p:animMotion>
+                                  </p:childTnLst>
+                                </p:cTn>
+                              </p:par>
+                            </p:childTnLst>
+                          </p:cTn>
+                        </p:par>
+                        <p:par>
+                          <p:cTn id="86" fill="hold">
+                            <p:stCondLst>
+                              <p:cond delay="9500"/>
+                            </p:stCondLst>
+                            <p:childTnLst>
+                              <p:par>
+                                <p:cTn id="87" presetID="64" presetClass="path" presetSubtype="0" accel="50000" decel="50000" fill="hold" grpId="1" nodeType="afterEffect">
+                                  <p:stCondLst>
+                                    <p:cond delay="0"/>
+                                  </p:stCondLst>
+                                  <p:childTnLst>
+                                    <p:animMotion origin="layout" path="M 0.00768 0.2051 L -0.54961 -2.96296E-6 " pathEditMode="relative" rAng="0" ptsTypes="AA">
+                                      <p:cBhvr>
+                                        <p:cTn id="88" dur="1000" fill="hold"/>
+                                        <p:tgtEl>
+                                          <p:spTgt spid="5"/>
+                                        </p:tgtEl>
+                                        <p:attrNameLst>
+                                          <p:attrName>ppt_x</p:attrName>
+                                          <p:attrName>ppt_y</p:attrName>
+                                        </p:attrNameLst>
+                                      </p:cBhvr>
+                                      <p:rCtr x="-27865" y="-9259"/>
+                                    </p:animMotion>
+                                  </p:childTnLst>
+                                </p:cTn>
+                              </p:par>
+                            </p:childTnLst>
+                          </p:cTn>
+                        </p:par>
+                        <p:par>
+                          <p:cTn id="89" fill="hold">
+                            <p:stCondLst>
+                              <p:cond delay="10500"/>
+                            </p:stCondLst>
+                            <p:childTnLst>
+                              <p:par>
+                                <p:cTn id="90" presetID="42" presetClass="path" presetSubtype="0" accel="50000" decel="50000" fill="hold" grpId="1" nodeType="afterEffect">
+                                  <p:stCondLst>
+                                    <p:cond delay="0"/>
+                                  </p:stCondLst>
+                                  <p:childTnLst>
+                                    <p:animMotion origin="layout" path="M 0.0931 4.07407E-6 L 0.16276 -0.00116 " pathEditMode="relative" rAng="0" ptsTypes="AA">
+                                      <p:cBhvr>
+                                        <p:cTn id="91" dur="500" fill="hold"/>
+                                        <p:tgtEl>
+                                          <p:spTgt spid="37"/>
+                                        </p:tgtEl>
+                                        <p:attrNameLst>
+                                          <p:attrName>ppt_x</p:attrName>
+                                          <p:attrName>ppt_y</p:attrName>
+                                        </p:attrNameLst>
+                                      </p:cBhvr>
+                                      <p:rCtr x="3477" y="-69"/>
+                                    </p:animMotion>
+                                  </p:childTnLst>
+                                </p:cTn>
+                              </p:par>
+                            </p:childTnLst>
+                          </p:cTn>
+                        </p:par>
+                        <p:par>
+                          <p:cTn id="92" fill="hold">
+                            <p:stCondLst>
+                              <p:cond delay="11000"/>
+                            </p:stCondLst>
+                            <p:childTnLst>
+                              <p:par>
+                                <p:cTn id="93" presetID="64" presetClass="path" presetSubtype="0" accel="50000" decel="50000" fill="hold" grpId="1" nodeType="afterEffect">
+                                  <p:stCondLst>
+                                    <p:cond delay="0"/>
+                                  </p:stCondLst>
+                                  <p:childTnLst>
+                                    <p:animMotion origin="layout" path="M 0.00065 0.18496 L 0.18112 -2.96296E-6 " pathEditMode="relative" rAng="0" ptsTypes="AA">
+                                      <p:cBhvr>
+                                        <p:cTn id="94" dur="1000" fill="hold"/>
+                                        <p:tgtEl>
+                                          <p:spTgt spid="6"/>
+                                        </p:tgtEl>
+                                        <p:attrNameLst>
+                                          <p:attrName>ppt_x</p:attrName>
+                                          <p:attrName>ppt_y</p:attrName>
+                                        </p:attrNameLst>
+                                      </p:cBhvr>
+                                      <p:rCtr x="9023" y="-9259"/>
+                                    </p:animMotion>
+                                  </p:childTnLst>
+                                </p:cTn>
+                              </p:par>
+                            </p:childTnLst>
+                          </p:cTn>
+                        </p:par>
+                        <p:par>
+                          <p:cTn id="95" fill="hold">
+                            <p:stCondLst>
+                              <p:cond delay="12000"/>
+                            </p:stCondLst>
+                            <p:childTnLst>
+                              <p:par>
+                                <p:cTn id="96" presetID="63" presetClass="path" presetSubtype="0" accel="50000" decel="50000" fill="hold" grpId="2" nodeType="afterEffect">
+                                  <p:stCondLst>
+                                    <p:cond delay="0"/>
+                                  </p:stCondLst>
+                                  <p:childTnLst>
+                                    <p:animMotion origin="layout" path="M 0.16276 -0.00116 L 0.24714 4.07407E-6 " pathEditMode="relative" rAng="0" ptsTypes="AA">
+                                      <p:cBhvr>
+                                        <p:cTn id="97" dur="500" fill="hold"/>
+                                        <p:tgtEl>
+                                          <p:spTgt spid="37"/>
+                                        </p:tgtEl>
+                                        <p:attrNameLst>
+                                          <p:attrName>ppt_x</p:attrName>
+                                          <p:attrName>ppt_y</p:attrName>
+                                        </p:attrNameLst>
+                                      </p:cBhvr>
+                                      <p:rCtr x="4219" y="46"/>
+                                    </p:animMotion>
+                                  </p:childTnLst>
+                                </p:cTn>
+                              </p:par>
+                            </p:childTnLst>
+                          </p:cTn>
+                        </p:par>
+                        <p:par>
+                          <p:cTn id="98" fill="hold">
+                            <p:stCondLst>
+                              <p:cond delay="12500"/>
+                            </p:stCondLst>
+                            <p:childTnLst>
+                              <p:par>
+                                <p:cTn id="99" presetID="64" presetClass="path" presetSubtype="0" accel="50000" decel="50000" fill="hold" grpId="1" nodeType="afterEffect">
+                                  <p:stCondLst>
+                                    <p:cond delay="0"/>
+                                  </p:stCondLst>
+                                  <p:childTnLst>
+                                    <p:animMotion origin="layout" path="M -0.0013 0.18496 L -0.18359 -2.96296E-6 " pathEditMode="relative" rAng="0" ptsTypes="AA">
+                                      <p:cBhvr>
+                                        <p:cTn id="100" dur="1000" fill="hold"/>
+                                        <p:tgtEl>
+                                          <p:spTgt spid="7"/>
+                                        </p:tgtEl>
+                                        <p:attrNameLst>
+                                          <p:attrName>ppt_x</p:attrName>
+                                          <p:attrName>ppt_y</p:attrName>
+                                        </p:attrNameLst>
+                                      </p:cBhvr>
+                                      <p:rCtr x="-9271" y="-9259"/>
+                                    </p:animMotion>
+                                  </p:childTnLst>
+                                </p:cTn>
+                              </p:par>
+                            </p:childTnLst>
+                          </p:cTn>
+                        </p:par>
+                        <p:par>
+                          <p:cTn id="101" fill="hold">
+                            <p:stCondLst>
+                              <p:cond delay="13500"/>
+                            </p:stCondLst>
+                            <p:childTnLst>
+                              <p:par>
+                                <p:cTn id="102" presetID="63" presetClass="path" presetSubtype="0" accel="50000" decel="50000" fill="hold" grpId="3" nodeType="afterEffect">
+                                  <p:stCondLst>
+                                    <p:cond delay="0"/>
+                                  </p:stCondLst>
+                                  <p:childTnLst>
+                                    <p:animMotion origin="layout" path="M 0.24714 4.07407E-6 L 0.33151 -0.00186 " pathEditMode="relative" rAng="0" ptsTypes="AA">
+                                      <p:cBhvr>
+                                        <p:cTn id="103" dur="500" fill="hold"/>
+                                        <p:tgtEl>
+                                          <p:spTgt spid="37"/>
+                                        </p:tgtEl>
+                                        <p:attrNameLst>
+                                          <p:attrName>ppt_x</p:attrName>
+                                          <p:attrName>ppt_y</p:attrName>
+                                        </p:attrNameLst>
+                                      </p:cBhvr>
+                                      <p:rCtr x="4219" y="-93"/>
+                                    </p:animMotion>
+                                  </p:childTnLst>
+                                </p:cTn>
+                              </p:par>
+                            </p:childTnLst>
+                          </p:cTn>
+                        </p:par>
+                        <p:par>
+                          <p:cTn id="104" fill="hold">
+                            <p:stCondLst>
+                              <p:cond delay="14000"/>
+                            </p:stCondLst>
+                            <p:childTnLst>
+                              <p:par>
+                                <p:cTn id="105" presetID="64" presetClass="path" presetSubtype="0" accel="50000" decel="50000" fill="hold" grpId="1" nodeType="afterEffect">
+                                  <p:stCondLst>
+                                    <p:cond delay="0"/>
+                                  </p:stCondLst>
+                                  <p:childTnLst>
+                                    <p:animMotion origin="layout" path="M -0.00195 0.18496 L 0.18242 -0.00231 " pathEditMode="relative" rAng="0" ptsTypes="AA">
+                                      <p:cBhvr>
+                                        <p:cTn id="106" dur="1000" fill="hold"/>
+                                        <p:tgtEl>
+                                          <p:spTgt spid="8"/>
+                                        </p:tgtEl>
+                                        <p:attrNameLst>
+                                          <p:attrName>ppt_x</p:attrName>
+                                          <p:attrName>ppt_y</p:attrName>
+                                        </p:attrNameLst>
+                                      </p:cBhvr>
+                                      <p:rCtr x="9323" y="-9375"/>
+                                    </p:animMotion>
+                                  </p:childTnLst>
+                                </p:cTn>
+                              </p:par>
+                            </p:childTnLst>
+                          </p:cTn>
+                        </p:par>
+                        <p:par>
+                          <p:cTn id="107" fill="hold">
+                            <p:stCondLst>
+                              <p:cond delay="15000"/>
+                            </p:stCondLst>
+                            <p:childTnLst>
+                              <p:par>
+                                <p:cTn id="108" presetID="63" presetClass="path" presetSubtype="0" accel="50000" decel="50000" fill="hold" grpId="4" nodeType="afterEffect">
+                                  <p:stCondLst>
+                                    <p:cond delay="0"/>
+                                  </p:stCondLst>
+                                  <p:childTnLst>
+                                    <p:animMotion origin="layout" path="M 0.33151 -0.00186 L 0.41328 -0.00093 " pathEditMode="relative" rAng="0" ptsTypes="AA">
+                                      <p:cBhvr>
+                                        <p:cTn id="109" dur="500" fill="hold"/>
+                                        <p:tgtEl>
+                                          <p:spTgt spid="37"/>
+                                        </p:tgtEl>
+                                        <p:attrNameLst>
+                                          <p:attrName>ppt_x</p:attrName>
+                                          <p:attrName>ppt_y</p:attrName>
+                                        </p:attrNameLst>
+                                      </p:cBhvr>
+                                      <p:rCtr x="4089" y="46"/>
+                                    </p:animMotion>
+                                  </p:childTnLst>
+                                </p:cTn>
+                              </p:par>
+                            </p:childTnLst>
+                          </p:cTn>
+                        </p:par>
+                        <p:par>
+                          <p:cTn id="110" fill="hold">
+                            <p:stCondLst>
+                              <p:cond delay="15500"/>
+                            </p:stCondLst>
+                            <p:childTnLst>
+                              <p:par>
+                                <p:cTn id="111" presetID="64" presetClass="path" presetSubtype="0" accel="50000" decel="50000" fill="hold" grpId="1" nodeType="afterEffect">
+                                  <p:stCondLst>
+                                    <p:cond delay="0"/>
+                                  </p:stCondLst>
+                                  <p:childTnLst>
+                                    <p:animMotion origin="layout" path="M -0.00104 0.18496 L 0.18437 0.00139 " pathEditMode="relative" rAng="0" ptsTypes="AA">
+                                      <p:cBhvr>
+                                        <p:cTn id="112" dur="1000" fill="hold"/>
+                                        <p:tgtEl>
+                                          <p:spTgt spid="9"/>
+                                        </p:tgtEl>
+                                        <p:attrNameLst>
+                                          <p:attrName>ppt_x</p:attrName>
+                                          <p:attrName>ppt_y</p:attrName>
+                                        </p:attrNameLst>
+                                      </p:cBhvr>
+                                      <p:rCtr x="9219" y="-9190"/>
+                                    </p:animMotion>
+                                  </p:childTnLst>
+                                </p:cTn>
+                              </p:par>
+                            </p:childTnLst>
+                          </p:cTn>
+                        </p:par>
+                        <p:par>
+                          <p:cTn id="113" fill="hold">
+                            <p:stCondLst>
+                              <p:cond delay="16500"/>
+                            </p:stCondLst>
+                            <p:childTnLst>
+                              <p:par>
+                                <p:cTn id="114" presetID="63" presetClass="path" presetSubtype="0" accel="50000" decel="50000" fill="hold" grpId="5" nodeType="afterEffect">
+                                  <p:stCondLst>
+                                    <p:cond delay="0"/>
+                                  </p:stCondLst>
+                                  <p:childTnLst>
+                                    <p:animMotion origin="layout" path="M 0.41328 -0.00093 L 0.49558 -0.00093 " pathEditMode="relative" rAng="0" ptsTypes="AA">
+                                      <p:cBhvr>
+                                        <p:cTn id="115" dur="500" fill="hold"/>
+                                        <p:tgtEl>
+                                          <p:spTgt spid="37"/>
+                                        </p:tgtEl>
+                                        <p:attrNameLst>
+                                          <p:attrName>ppt_x</p:attrName>
+                                          <p:attrName>ppt_y</p:attrName>
+                                        </p:attrNameLst>
+                                      </p:cBhvr>
+                                      <p:rCtr x="4115" y="0"/>
+                                    </p:animMotion>
+                                  </p:childTnLst>
+                                </p:cTn>
+                              </p:par>
+                            </p:childTnLst>
+                          </p:cTn>
+                        </p:par>
+                        <p:par>
+                          <p:cTn id="116" fill="hold">
+                            <p:stCondLst>
+                              <p:cond delay="17000"/>
+                            </p:stCondLst>
+                            <p:childTnLst>
+                              <p:par>
+                                <p:cTn id="117" presetID="64" presetClass="path" presetSubtype="0" accel="50000" decel="50000" fill="hold" grpId="1" nodeType="afterEffect">
+                                  <p:stCondLst>
+                                    <p:cond delay="0"/>
+                                  </p:stCondLst>
+                                  <p:childTnLst>
+                                    <p:animMotion origin="layout" path="M -0.00143 0.18496 L 1.04167E-6 -2.96296E-6 " pathEditMode="relative" rAng="0" ptsTypes="AA">
+                                      <p:cBhvr>
+                                        <p:cTn id="118" dur="1000" fill="hold"/>
+                                        <p:tgtEl>
+                                          <p:spTgt spid="10"/>
+                                        </p:tgtEl>
+                                        <p:attrNameLst>
+                                          <p:attrName>ppt_x</p:attrName>
+                                          <p:attrName>ppt_y</p:attrName>
+                                        </p:attrNameLst>
+                                      </p:cBhvr>
+                                      <p:rCtr x="-39" y="-9259"/>
+                                    </p:animMotion>
+                                  </p:childTnLst>
+                                </p:cTn>
+                              </p:par>
+                            </p:childTnLst>
+                          </p:cTn>
+                        </p:par>
+                        <p:par>
+                          <p:cTn id="119" fill="hold">
+                            <p:stCondLst>
+                              <p:cond delay="18000"/>
+                            </p:stCondLst>
+                            <p:childTnLst>
+                              <p:par>
+                                <p:cTn id="120" presetID="63" presetClass="path" presetSubtype="0" accel="50000" decel="50000" fill="hold" grpId="6" nodeType="afterEffect">
+                                  <p:stCondLst>
+                                    <p:cond delay="0"/>
+                                  </p:stCondLst>
+                                  <p:childTnLst>
+                                    <p:animMotion origin="layout" path="M 0.49558 -0.00093 L 0.57683 -0.00093 " pathEditMode="relative" rAng="0" ptsTypes="AA">
+                                      <p:cBhvr>
+                                        <p:cTn id="121" dur="500" fill="hold"/>
+                                        <p:tgtEl>
+                                          <p:spTgt spid="37"/>
+                                        </p:tgtEl>
+                                        <p:attrNameLst>
+                                          <p:attrName>ppt_x</p:attrName>
+                                          <p:attrName>ppt_y</p:attrName>
+                                        </p:attrNameLst>
+                                      </p:cBhvr>
+                                      <p:rCtr x="4062" y="0"/>
+                                    </p:animMotion>
+                                  </p:childTnLst>
+                                </p:cTn>
+                              </p:par>
+                            </p:childTnLst>
+                          </p:cTn>
+                        </p:par>
+                        <p:par>
+                          <p:cTn id="122" fill="hold">
+                            <p:stCondLst>
+                              <p:cond delay="18500"/>
+                            </p:stCondLst>
+                            <p:childTnLst>
+                              <p:par>
+                                <p:cTn id="123" presetID="64" presetClass="path" presetSubtype="0" accel="50000" decel="50000" fill="hold" grpId="1" nodeType="afterEffect">
+                                  <p:stCondLst>
+                                    <p:cond delay="0"/>
+                                  </p:stCondLst>
+                                  <p:childTnLst>
+                                    <p:animMotion origin="layout" path="M -0.00091 0.18496 L 0.54804 -0.00231 " pathEditMode="relative" rAng="0" ptsTypes="AA">
+                                      <p:cBhvr>
+                                        <p:cTn id="124" dur="1000" fill="hold"/>
+                                        <p:tgtEl>
+                                          <p:spTgt spid="11"/>
+                                        </p:tgtEl>
+                                        <p:attrNameLst>
+                                          <p:attrName>ppt_x</p:attrName>
+                                          <p:attrName>ppt_y</p:attrName>
+                                        </p:attrNameLst>
+                                      </p:cBhvr>
+                                      <p:rCtr x="27187" y="-9375"/>
+                                    </p:animMotion>
+                                  </p:childTnLst>
+                                </p:cTn>
+                              </p:par>
+                            </p:childTnLst>
+                          </p:cTn>
+                        </p:par>
+                      </p:childTnLst>
+                    </p:cTn>
+                  </p:par>
+                </p:childTnLst>
+              </p:cTn>
+              <p:prevCondLst>
+                <p:cond evt="onPrev" delay="0">
+                  <p:tgtEl>
+                    <p:sldTgt/>
+                  </p:tgtEl>
+                </p:cond>
+              </p:prevCondLst>
+              <p:nextCondLst>
+                <p:cond evt="onNext" delay="0">
+                  <p:tgtEl>
+                    <p:sldTgt/>
+                  </p:tgtEl>
+                </p:cond>
+              </p:nextCondLst>
+            </p:seq>
+          </p:childTnLst>
+        </p:cTn>
+      </p:par>
+    </p:tnLst>
+    <p:bldLst>
+      <p:bldP spid="11" grpId="1" animBg="1"/>
+      <p:bldP spid="11" grpId="2" animBg="1"/>
+      <p:bldP spid="6" grpId="1" animBg="1"/>
+      <p:bldP spid="6" grpId="2" animBg="1"/>
+      <p:bldP spid="4" grpId="1" animBg="1"/>
+      <p:bldP spid="4" grpId="2" animBg="1"/>
+      <p:bldP spid="5" grpId="1" animBg="1"/>
+      <p:bldP spid="5" grpId="2" animBg="1"/>
+      <p:bldP spid="7" grpId="1" animBg="1"/>
+      <p:bldP spid="7" grpId="2" animBg="1"/>
+      <p:bldP spid="8" grpId="1" animBg="1"/>
+      <p:bldP spid="8" grpId="2" animBg="1"/>
+      <p:bldP spid="9" grpId="1" animBg="1"/>
+      <p:bldP spid="9" grpId="2" animBg="1"/>
+      <p:bldP spid="10" grpId="1" animBg="1"/>
+      <p:bldP spid="10" grpId="2" animBg="1"/>
+      <p:bldP spid="28" grpId="0" animBg="1"/>
+      <p:bldP spid="28" grpId="1" animBg="1"/>
+      <p:bldP spid="28" grpId="2" animBg="1"/>
+      <p:bldP spid="28" grpId="3" animBg="1"/>
+      <p:bldP spid="28" grpId="4" animBg="1"/>
+      <p:bldP spid="28" grpId="5" animBg="1"/>
+      <p:bldP spid="28" grpId="6" animBg="1"/>
+      <p:bldP spid="28" grpId="7" animBg="1"/>
+      <p:bldP spid="29" grpId="0" animBg="1"/>
+      <p:bldP spid="30" grpId="0" animBg="1"/>
+      <p:bldP spid="31" grpId="0" animBg="1"/>
+      <p:bldP spid="32" grpId="0" animBg="1"/>
+      <p:bldP spid="33" grpId="0" animBg="1"/>
+      <p:bldP spid="34" grpId="0" animBg="1"/>
+      <p:bldP spid="35" grpId="0" animBg="1"/>
+      <p:bldP spid="36" grpId="0" animBg="1"/>
+      <p:bldP spid="37" grpId="0" animBg="1"/>
+      <p:bldP spid="37" grpId="1" animBg="1"/>
+      <p:bldP spid="37" grpId="2" animBg="1"/>
+      <p:bldP spid="37" grpId="3" animBg="1"/>
+      <p:bldP spid="37" grpId="4" animBg="1"/>
+      <p:bldP spid="37" grpId="5" animBg="1"/>
+      <p:bldP spid="37" grpId="6" animBg="1"/>
+      <p:bldP spid="37" grpId="8" animBg="1"/>
     </p:bldLst>
   </p:timing>
 </p:sld>
